--- a/doc/higo.pptx
+++ b/doc/higo.pptx
@@ -5,7 +5,7 @@
     <p:sldMasterId id="2147483648" r:id="rId1"/>
   </p:sldMasterIdLst>
   <p:notesMasterIdLst>
-    <p:notesMasterId r:id="rId22"/>
+    <p:notesMasterId r:id="rId24"/>
   </p:notesMasterIdLst>
   <p:sldIdLst>
     <p:sldId id="256" r:id="rId2"/>
@@ -21,13 +21,15 @@
     <p:sldId id="366" r:id="rId12"/>
     <p:sldId id="367" r:id="rId13"/>
     <p:sldId id="372" r:id="rId14"/>
-    <p:sldId id="368" r:id="rId15"/>
-    <p:sldId id="373" r:id="rId16"/>
-    <p:sldId id="378" r:id="rId17"/>
-    <p:sldId id="371" r:id="rId18"/>
-    <p:sldId id="369" r:id="rId19"/>
-    <p:sldId id="374" r:id="rId20"/>
-    <p:sldId id="375" r:id="rId21"/>
+    <p:sldId id="379" r:id="rId15"/>
+    <p:sldId id="368" r:id="rId16"/>
+    <p:sldId id="373" r:id="rId17"/>
+    <p:sldId id="378" r:id="rId18"/>
+    <p:sldId id="380" r:id="rId19"/>
+    <p:sldId id="371" r:id="rId20"/>
+    <p:sldId id="369" r:id="rId21"/>
+    <p:sldId id="374" r:id="rId22"/>
+    <p:sldId id="375" r:id="rId23"/>
   </p:sldIdLst>
   <p:sldSz cx="9144000" cy="6858000" type="screen4x3"/>
   <p:notesSz cx="6858000" cy="9144000"/>
@@ -165,6 +167,2615 @@
 </p:cmAuthorLst>
 </file>
 
+<file path=ppt/diagrams/colors1.xml><?xml version="1.0" encoding="utf-8"?>
+<dgm:colorsDef xmlns:dgm="http://schemas.openxmlformats.org/drawingml/2006/diagram" xmlns:a="http://schemas.openxmlformats.org/drawingml/2006/main" uniqueId="urn:microsoft.com/office/officeart/2005/8/colors/accent2_4">
+  <dgm:title val=""/>
+  <dgm:desc val=""/>
+  <dgm:catLst>
+    <dgm:cat type="accent2" pri="11400"/>
+  </dgm:catLst>
+  <dgm:styleLbl name="node0">
+    <dgm:fillClrLst meth="cycle">
+      <a:schemeClr val="accent2">
+        <a:shade val="60000"/>
+      </a:schemeClr>
+    </dgm:fillClrLst>
+    <dgm:linClrLst meth="repeat">
+      <a:schemeClr val="lt1"/>
+    </dgm:linClrLst>
+    <dgm:effectClrLst/>
+    <dgm:txLinClrLst/>
+    <dgm:txFillClrLst/>
+    <dgm:txEffectClrLst/>
+  </dgm:styleLbl>
+  <dgm:styleLbl name="node1">
+    <dgm:fillClrLst meth="cycle">
+      <a:schemeClr val="accent2">
+        <a:shade val="50000"/>
+      </a:schemeClr>
+      <a:schemeClr val="accent2">
+        <a:tint val="45000"/>
+      </a:schemeClr>
+    </dgm:fillClrLst>
+    <dgm:linClrLst meth="repeat">
+      <a:schemeClr val="lt1"/>
+    </dgm:linClrLst>
+    <dgm:effectClrLst/>
+    <dgm:txLinClrLst/>
+    <dgm:txFillClrLst/>
+    <dgm:txEffectClrLst/>
+  </dgm:styleLbl>
+  <dgm:styleLbl name="alignNode1">
+    <dgm:fillClrLst meth="cycle">
+      <a:schemeClr val="accent2">
+        <a:shade val="50000"/>
+      </a:schemeClr>
+      <a:schemeClr val="accent2">
+        <a:tint val="45000"/>
+      </a:schemeClr>
+    </dgm:fillClrLst>
+    <dgm:linClrLst meth="cycle">
+      <a:schemeClr val="accent2">
+        <a:shade val="50000"/>
+      </a:schemeClr>
+      <a:schemeClr val="accent2">
+        <a:tint val="45000"/>
+      </a:schemeClr>
+    </dgm:linClrLst>
+    <dgm:effectClrLst/>
+    <dgm:txLinClrLst/>
+    <dgm:txFillClrLst/>
+    <dgm:txEffectClrLst/>
+  </dgm:styleLbl>
+  <dgm:styleLbl name="lnNode1">
+    <dgm:fillClrLst meth="cycle">
+      <a:schemeClr val="accent2">
+        <a:shade val="50000"/>
+      </a:schemeClr>
+      <a:schemeClr val="accent2">
+        <a:tint val="45000"/>
+      </a:schemeClr>
+    </dgm:fillClrLst>
+    <dgm:linClrLst meth="repeat">
+      <a:schemeClr val="lt1"/>
+    </dgm:linClrLst>
+    <dgm:effectClrLst/>
+    <dgm:txLinClrLst/>
+    <dgm:txFillClrLst/>
+    <dgm:txEffectClrLst/>
+  </dgm:styleLbl>
+  <dgm:styleLbl name="vennNode1">
+    <dgm:fillClrLst meth="cycle">
+      <a:schemeClr val="accent2">
+        <a:shade val="80000"/>
+        <a:alpha val="50000"/>
+      </a:schemeClr>
+      <a:schemeClr val="accent2">
+        <a:tint val="45000"/>
+        <a:alpha val="50000"/>
+      </a:schemeClr>
+    </dgm:fillClrLst>
+    <dgm:linClrLst meth="repeat">
+      <a:schemeClr val="lt1"/>
+    </dgm:linClrLst>
+    <dgm:effectClrLst/>
+    <dgm:txLinClrLst/>
+    <dgm:txFillClrLst/>
+    <dgm:txEffectClrLst/>
+  </dgm:styleLbl>
+  <dgm:styleLbl name="node2">
+    <dgm:fillClrLst>
+      <a:schemeClr val="accent2">
+        <a:shade val="80000"/>
+      </a:schemeClr>
+    </dgm:fillClrLst>
+    <dgm:linClrLst meth="repeat">
+      <a:schemeClr val="lt1"/>
+    </dgm:linClrLst>
+    <dgm:effectClrLst/>
+    <dgm:txLinClrLst/>
+    <dgm:txFillClrLst/>
+    <dgm:txEffectClrLst/>
+  </dgm:styleLbl>
+  <dgm:styleLbl name="node3">
+    <dgm:fillClrLst>
+      <a:schemeClr val="accent2">
+        <a:tint val="99000"/>
+      </a:schemeClr>
+    </dgm:fillClrLst>
+    <dgm:linClrLst meth="repeat">
+      <a:schemeClr val="lt1"/>
+    </dgm:linClrLst>
+    <dgm:effectClrLst/>
+    <dgm:txLinClrLst/>
+    <dgm:txFillClrLst/>
+    <dgm:txEffectClrLst/>
+  </dgm:styleLbl>
+  <dgm:styleLbl name="node4">
+    <dgm:fillClrLst>
+      <a:schemeClr val="accent2">
+        <a:tint val="70000"/>
+      </a:schemeClr>
+    </dgm:fillClrLst>
+    <dgm:linClrLst meth="repeat">
+      <a:schemeClr val="lt1"/>
+    </dgm:linClrLst>
+    <dgm:effectClrLst/>
+    <dgm:txLinClrLst/>
+    <dgm:txFillClrLst/>
+    <dgm:txEffectClrLst/>
+  </dgm:styleLbl>
+  <dgm:styleLbl name="fgImgPlace1">
+    <dgm:fillClrLst>
+      <a:schemeClr val="accent2">
+        <a:tint val="50000"/>
+      </a:schemeClr>
+      <a:schemeClr val="accent2">
+        <a:tint val="55000"/>
+      </a:schemeClr>
+    </dgm:fillClrLst>
+    <dgm:linClrLst meth="repeat">
+      <a:schemeClr val="lt1"/>
+    </dgm:linClrLst>
+    <dgm:effectClrLst/>
+    <dgm:txLinClrLst/>
+    <dgm:txFillClrLst meth="repeat">
+      <a:schemeClr val="lt1"/>
+    </dgm:txFillClrLst>
+    <dgm:txEffectClrLst/>
+  </dgm:styleLbl>
+  <dgm:styleLbl name="alignImgPlace1">
+    <dgm:fillClrLst>
+      <a:schemeClr val="accent2">
+        <a:tint val="50000"/>
+      </a:schemeClr>
+      <a:schemeClr val="accent2">
+        <a:tint val="55000"/>
+      </a:schemeClr>
+    </dgm:fillClrLst>
+    <dgm:linClrLst meth="repeat">
+      <a:schemeClr val="lt1"/>
+    </dgm:linClrLst>
+    <dgm:effectClrLst/>
+    <dgm:txLinClrLst/>
+    <dgm:txFillClrLst meth="repeat">
+      <a:schemeClr val="lt1"/>
+    </dgm:txFillClrLst>
+    <dgm:txEffectClrLst/>
+  </dgm:styleLbl>
+  <dgm:styleLbl name="bgImgPlace1">
+    <dgm:fillClrLst>
+      <a:schemeClr val="accent2">
+        <a:tint val="50000"/>
+      </a:schemeClr>
+      <a:schemeClr val="accent2">
+        <a:tint val="55000"/>
+      </a:schemeClr>
+    </dgm:fillClrLst>
+    <dgm:linClrLst meth="repeat">
+      <a:schemeClr val="lt1"/>
+    </dgm:linClrLst>
+    <dgm:effectClrLst/>
+    <dgm:txLinClrLst/>
+    <dgm:txFillClrLst meth="repeat">
+      <a:schemeClr val="lt1"/>
+    </dgm:txFillClrLst>
+    <dgm:txEffectClrLst/>
+  </dgm:styleLbl>
+  <dgm:styleLbl name="sibTrans2D1">
+    <dgm:fillClrLst meth="cycle">
+      <a:schemeClr val="accent2">
+        <a:shade val="90000"/>
+      </a:schemeClr>
+      <a:schemeClr val="accent2">
+        <a:tint val="50000"/>
+      </a:schemeClr>
+    </dgm:fillClrLst>
+    <dgm:linClrLst meth="cycle">
+      <a:schemeClr val="accent2">
+        <a:shade val="90000"/>
+      </a:schemeClr>
+      <a:schemeClr val="accent2">
+        <a:tint val="50000"/>
+      </a:schemeClr>
+    </dgm:linClrLst>
+    <dgm:effectClrLst/>
+    <dgm:txLinClrLst/>
+    <dgm:txFillClrLst/>
+    <dgm:txEffectClrLst/>
+  </dgm:styleLbl>
+  <dgm:styleLbl name="fgSibTrans2D1">
+    <dgm:fillClrLst meth="cycle">
+      <a:schemeClr val="accent2">
+        <a:shade val="90000"/>
+      </a:schemeClr>
+      <a:schemeClr val="accent2">
+        <a:tint val="50000"/>
+      </a:schemeClr>
+    </dgm:fillClrLst>
+    <dgm:linClrLst meth="cycle">
+      <a:schemeClr val="accent2">
+        <a:shade val="90000"/>
+      </a:schemeClr>
+      <a:schemeClr val="accent2">
+        <a:tint val="50000"/>
+      </a:schemeClr>
+    </dgm:linClrLst>
+    <dgm:effectClrLst/>
+    <dgm:txLinClrLst/>
+    <dgm:txFillClrLst/>
+    <dgm:txEffectClrLst/>
+  </dgm:styleLbl>
+  <dgm:styleLbl name="bgSibTrans2D1">
+    <dgm:fillClrLst meth="cycle">
+      <a:schemeClr val="accent2">
+        <a:shade val="90000"/>
+      </a:schemeClr>
+      <a:schemeClr val="accent2">
+        <a:tint val="50000"/>
+      </a:schemeClr>
+    </dgm:fillClrLst>
+    <dgm:linClrLst meth="cycle">
+      <a:schemeClr val="accent2">
+        <a:shade val="90000"/>
+      </a:schemeClr>
+      <a:schemeClr val="accent2">
+        <a:tint val="50000"/>
+      </a:schemeClr>
+    </dgm:linClrLst>
+    <dgm:effectClrLst/>
+    <dgm:txLinClrLst/>
+    <dgm:txFillClrLst/>
+    <dgm:txEffectClrLst/>
+  </dgm:styleLbl>
+  <dgm:styleLbl name="sibTrans1D1">
+    <dgm:fillClrLst meth="cycle">
+      <a:schemeClr val="accent2">
+        <a:shade val="90000"/>
+      </a:schemeClr>
+      <a:schemeClr val="accent2">
+        <a:tint val="50000"/>
+      </a:schemeClr>
+    </dgm:fillClrLst>
+    <dgm:linClrLst meth="cycle">
+      <a:schemeClr val="accent2">
+        <a:shade val="90000"/>
+      </a:schemeClr>
+      <a:schemeClr val="accent2">
+        <a:tint val="50000"/>
+      </a:schemeClr>
+    </dgm:linClrLst>
+    <dgm:effectClrLst/>
+    <dgm:txLinClrLst/>
+    <dgm:txFillClrLst meth="repeat">
+      <a:schemeClr val="tx1"/>
+    </dgm:txFillClrLst>
+    <dgm:txEffectClrLst/>
+  </dgm:styleLbl>
+  <dgm:styleLbl name="callout">
+    <dgm:fillClrLst meth="repeat">
+      <a:schemeClr val="accent2"/>
+    </dgm:fillClrLst>
+    <dgm:linClrLst meth="repeat">
+      <a:schemeClr val="accent2"/>
+    </dgm:linClrLst>
+    <dgm:effectClrLst/>
+    <dgm:txLinClrLst/>
+    <dgm:txFillClrLst meth="repeat">
+      <a:schemeClr val="tx1"/>
+    </dgm:txFillClrLst>
+    <dgm:txEffectClrLst/>
+  </dgm:styleLbl>
+  <dgm:styleLbl name="asst0">
+    <dgm:fillClrLst meth="repeat">
+      <a:schemeClr val="accent2">
+        <a:shade val="80000"/>
+      </a:schemeClr>
+    </dgm:fillClrLst>
+    <dgm:linClrLst meth="repeat">
+      <a:schemeClr val="lt1"/>
+    </dgm:linClrLst>
+    <dgm:effectClrLst/>
+    <dgm:txLinClrLst/>
+    <dgm:txFillClrLst/>
+    <dgm:txEffectClrLst/>
+  </dgm:styleLbl>
+  <dgm:styleLbl name="asst1">
+    <dgm:fillClrLst meth="repeat">
+      <a:schemeClr val="accent2">
+        <a:shade val="80000"/>
+      </a:schemeClr>
+    </dgm:fillClrLst>
+    <dgm:linClrLst meth="repeat">
+      <a:schemeClr val="lt1"/>
+    </dgm:linClrLst>
+    <dgm:effectClrLst/>
+    <dgm:txLinClrLst/>
+    <dgm:txFillClrLst/>
+    <dgm:txEffectClrLst/>
+  </dgm:styleLbl>
+  <dgm:styleLbl name="asst2">
+    <dgm:fillClrLst>
+      <a:schemeClr val="accent2">
+        <a:tint val="90000"/>
+      </a:schemeClr>
+    </dgm:fillClrLst>
+    <dgm:linClrLst meth="repeat">
+      <a:schemeClr val="lt1"/>
+    </dgm:linClrLst>
+    <dgm:effectClrLst/>
+    <dgm:txLinClrLst/>
+    <dgm:txFillClrLst/>
+    <dgm:txEffectClrLst/>
+  </dgm:styleLbl>
+  <dgm:styleLbl name="asst3">
+    <dgm:fillClrLst>
+      <a:schemeClr val="accent2">
+        <a:tint val="70000"/>
+      </a:schemeClr>
+    </dgm:fillClrLst>
+    <dgm:linClrLst meth="repeat">
+      <a:schemeClr val="lt1"/>
+    </dgm:linClrLst>
+    <dgm:effectClrLst/>
+    <dgm:txLinClrLst/>
+    <dgm:txFillClrLst/>
+    <dgm:txEffectClrLst/>
+  </dgm:styleLbl>
+  <dgm:styleLbl name="asst4">
+    <dgm:fillClrLst>
+      <a:schemeClr val="accent2">
+        <a:tint val="50000"/>
+      </a:schemeClr>
+    </dgm:fillClrLst>
+    <dgm:linClrLst meth="repeat">
+      <a:schemeClr val="lt1"/>
+    </dgm:linClrLst>
+    <dgm:effectClrLst/>
+    <dgm:txLinClrLst/>
+    <dgm:txFillClrLst/>
+    <dgm:txEffectClrLst/>
+  </dgm:styleLbl>
+  <dgm:styleLbl name="parChTrans2D1">
+    <dgm:fillClrLst meth="repeat">
+      <a:schemeClr val="accent2">
+        <a:tint val="60000"/>
+      </a:schemeClr>
+    </dgm:fillClrLst>
+    <dgm:linClrLst meth="repeat">
+      <a:schemeClr val="accent2">
+        <a:shade val="80000"/>
+      </a:schemeClr>
+    </dgm:linClrLst>
+    <dgm:effectClrLst/>
+    <dgm:txLinClrLst/>
+    <dgm:txFillClrLst/>
+    <dgm:txEffectClrLst/>
+  </dgm:styleLbl>
+  <dgm:styleLbl name="parChTrans2D2">
+    <dgm:fillClrLst meth="repeat">
+      <a:schemeClr val="accent2">
+        <a:tint val="90000"/>
+      </a:schemeClr>
+    </dgm:fillClrLst>
+    <dgm:linClrLst meth="repeat">
+      <a:schemeClr val="accent2">
+        <a:tint val="90000"/>
+      </a:schemeClr>
+    </dgm:linClrLst>
+    <dgm:effectClrLst/>
+    <dgm:txLinClrLst/>
+    <dgm:txFillClrLst/>
+    <dgm:txEffectClrLst/>
+  </dgm:styleLbl>
+  <dgm:styleLbl name="parChTrans2D3">
+    <dgm:fillClrLst meth="repeat">
+      <a:schemeClr val="accent2">
+        <a:tint val="70000"/>
+      </a:schemeClr>
+    </dgm:fillClrLst>
+    <dgm:linClrLst meth="repeat">
+      <a:schemeClr val="accent2">
+        <a:tint val="70000"/>
+      </a:schemeClr>
+    </dgm:linClrLst>
+    <dgm:effectClrLst/>
+    <dgm:txLinClrLst/>
+    <dgm:txFillClrLst/>
+    <dgm:txEffectClrLst/>
+  </dgm:styleLbl>
+  <dgm:styleLbl name="parChTrans2D4">
+    <dgm:fillClrLst meth="repeat">
+      <a:schemeClr val="accent2">
+        <a:tint val="50000"/>
+      </a:schemeClr>
+    </dgm:fillClrLst>
+    <dgm:linClrLst meth="repeat">
+      <a:schemeClr val="accent2">
+        <a:tint val="50000"/>
+      </a:schemeClr>
+    </dgm:linClrLst>
+    <dgm:effectClrLst/>
+    <dgm:txLinClrLst/>
+    <dgm:txFillClrLst meth="repeat">
+      <a:schemeClr val="dk1"/>
+    </dgm:txFillClrLst>
+    <dgm:txEffectClrLst/>
+  </dgm:styleLbl>
+  <dgm:styleLbl name="parChTrans1D1">
+    <dgm:fillClrLst meth="repeat">
+      <a:schemeClr val="accent2">
+        <a:shade val="80000"/>
+      </a:schemeClr>
+    </dgm:fillClrLst>
+    <dgm:linClrLst meth="repeat">
+      <a:schemeClr val="accent2">
+        <a:shade val="80000"/>
+      </a:schemeClr>
+    </dgm:linClrLst>
+    <dgm:effectClrLst/>
+    <dgm:txLinClrLst/>
+    <dgm:txFillClrLst meth="repeat">
+      <a:schemeClr val="tx1"/>
+    </dgm:txFillClrLst>
+    <dgm:txEffectClrLst/>
+  </dgm:styleLbl>
+  <dgm:styleLbl name="parChTrans1D2">
+    <dgm:fillClrLst meth="repeat">
+      <a:schemeClr val="accent2">
+        <a:tint val="90000"/>
+      </a:schemeClr>
+    </dgm:fillClrLst>
+    <dgm:linClrLst meth="repeat">
+      <a:schemeClr val="accent2">
+        <a:tint val="90000"/>
+      </a:schemeClr>
+    </dgm:linClrLst>
+    <dgm:effectClrLst/>
+    <dgm:txLinClrLst/>
+    <dgm:txFillClrLst meth="repeat">
+      <a:schemeClr val="tx1"/>
+    </dgm:txFillClrLst>
+    <dgm:txEffectClrLst/>
+  </dgm:styleLbl>
+  <dgm:styleLbl name="parChTrans1D3">
+    <dgm:fillClrLst meth="repeat">
+      <a:schemeClr val="accent2">
+        <a:tint val="70000"/>
+      </a:schemeClr>
+    </dgm:fillClrLst>
+    <dgm:linClrLst meth="repeat">
+      <a:schemeClr val="accent2">
+        <a:tint val="70000"/>
+      </a:schemeClr>
+    </dgm:linClrLst>
+    <dgm:effectClrLst/>
+    <dgm:txLinClrLst/>
+    <dgm:txFillClrLst meth="repeat">
+      <a:schemeClr val="tx1"/>
+    </dgm:txFillClrLst>
+    <dgm:txEffectClrLst/>
+  </dgm:styleLbl>
+  <dgm:styleLbl name="parChTrans1D4">
+    <dgm:fillClrLst meth="repeat">
+      <a:schemeClr val="accent2">
+        <a:tint val="50000"/>
+      </a:schemeClr>
+    </dgm:fillClrLst>
+    <dgm:linClrLst meth="repeat">
+      <a:schemeClr val="accent2">
+        <a:tint val="50000"/>
+      </a:schemeClr>
+    </dgm:linClrLst>
+    <dgm:effectClrLst/>
+    <dgm:txLinClrLst/>
+    <dgm:txFillClrLst meth="repeat">
+      <a:schemeClr val="tx1"/>
+    </dgm:txFillClrLst>
+    <dgm:txEffectClrLst/>
+  </dgm:styleLbl>
+  <dgm:styleLbl name="fgAcc1">
+    <dgm:fillClrLst meth="repeat">
+      <a:schemeClr val="lt1">
+        <a:alpha val="90000"/>
+      </a:schemeClr>
+    </dgm:fillClrLst>
+    <dgm:linClrLst meth="cycle">
+      <a:schemeClr val="accent2">
+        <a:shade val="50000"/>
+      </a:schemeClr>
+      <a:schemeClr val="accent2">
+        <a:tint val="55000"/>
+      </a:schemeClr>
+    </dgm:linClrLst>
+    <dgm:effectClrLst/>
+    <dgm:txLinClrLst/>
+    <dgm:txFillClrLst meth="repeat">
+      <a:schemeClr val="dk1"/>
+    </dgm:txFillClrLst>
+    <dgm:txEffectClrLst/>
+  </dgm:styleLbl>
+  <dgm:styleLbl name="conFgAcc1">
+    <dgm:fillClrLst meth="repeat">
+      <a:schemeClr val="lt1">
+        <a:alpha val="90000"/>
+      </a:schemeClr>
+    </dgm:fillClrLst>
+    <dgm:linClrLst meth="cycle">
+      <a:schemeClr val="accent2">
+        <a:shade val="50000"/>
+      </a:schemeClr>
+      <a:schemeClr val="accent2">
+        <a:tint val="55000"/>
+      </a:schemeClr>
+    </dgm:linClrLst>
+    <dgm:effectClrLst/>
+    <dgm:txLinClrLst/>
+    <dgm:txFillClrLst meth="repeat">
+      <a:schemeClr val="dk1"/>
+    </dgm:txFillClrLst>
+    <dgm:txEffectClrLst/>
+  </dgm:styleLbl>
+  <dgm:styleLbl name="alignAcc1">
+    <dgm:fillClrLst meth="repeat">
+      <a:schemeClr val="lt1">
+        <a:alpha val="90000"/>
+      </a:schemeClr>
+    </dgm:fillClrLst>
+    <dgm:linClrLst meth="cycle">
+      <a:schemeClr val="accent2">
+        <a:shade val="50000"/>
+      </a:schemeClr>
+      <a:schemeClr val="accent2">
+        <a:tint val="55000"/>
+      </a:schemeClr>
+    </dgm:linClrLst>
+    <dgm:effectClrLst/>
+    <dgm:txLinClrLst/>
+    <dgm:txFillClrLst meth="repeat">
+      <a:schemeClr val="dk1"/>
+    </dgm:txFillClrLst>
+    <dgm:txEffectClrLst/>
+  </dgm:styleLbl>
+  <dgm:styleLbl name="trAlignAcc1">
+    <dgm:fillClrLst meth="repeat">
+      <a:schemeClr val="lt1">
+        <a:alpha val="55000"/>
+      </a:schemeClr>
+    </dgm:fillClrLst>
+    <dgm:linClrLst meth="repeat">
+      <a:schemeClr val="accent2"/>
+    </dgm:linClrLst>
+    <dgm:effectClrLst/>
+    <dgm:txLinClrLst/>
+    <dgm:txFillClrLst meth="repeat">
+      <a:schemeClr val="dk1"/>
+    </dgm:txFillClrLst>
+    <dgm:txEffectClrLst/>
+  </dgm:styleLbl>
+  <dgm:styleLbl name="bgAcc1">
+    <dgm:fillClrLst meth="repeat">
+      <a:schemeClr val="lt1">
+        <a:alpha val="90000"/>
+      </a:schemeClr>
+    </dgm:fillClrLst>
+    <dgm:linClrLst meth="cycle">
+      <a:schemeClr val="accent2">
+        <a:shade val="50000"/>
+      </a:schemeClr>
+      <a:schemeClr val="accent2">
+        <a:tint val="55000"/>
+      </a:schemeClr>
+    </dgm:linClrLst>
+    <dgm:effectClrLst/>
+    <dgm:txLinClrLst/>
+    <dgm:txFillClrLst meth="repeat">
+      <a:schemeClr val="dk1"/>
+    </dgm:txFillClrLst>
+    <dgm:txEffectClrLst/>
+  </dgm:styleLbl>
+  <dgm:styleLbl name="solidFgAcc1">
+    <dgm:fillClrLst meth="repeat">
+      <a:schemeClr val="lt1"/>
+    </dgm:fillClrLst>
+    <dgm:linClrLst meth="cycle">
+      <a:schemeClr val="accent2">
+        <a:shade val="50000"/>
+      </a:schemeClr>
+      <a:schemeClr val="accent2">
+        <a:tint val="55000"/>
+      </a:schemeClr>
+    </dgm:linClrLst>
+    <dgm:effectClrLst/>
+    <dgm:txLinClrLst/>
+    <dgm:txFillClrLst meth="repeat">
+      <a:schemeClr val="dk1"/>
+    </dgm:txFillClrLst>
+    <dgm:txEffectClrLst/>
+  </dgm:styleLbl>
+  <dgm:styleLbl name="solidAlignAcc1">
+    <dgm:fillClrLst meth="repeat">
+      <a:schemeClr val="lt1"/>
+    </dgm:fillClrLst>
+    <dgm:linClrLst meth="repeat">
+      <a:schemeClr val="accent2"/>
+    </dgm:linClrLst>
+    <dgm:effectClrLst/>
+    <dgm:txLinClrLst/>
+    <dgm:txFillClrLst meth="repeat">
+      <a:schemeClr val="dk1"/>
+    </dgm:txFillClrLst>
+    <dgm:txEffectClrLst/>
+  </dgm:styleLbl>
+  <dgm:styleLbl name="solidBgAcc1">
+    <dgm:fillClrLst meth="repeat">
+      <a:schemeClr val="lt1"/>
+    </dgm:fillClrLst>
+    <dgm:linClrLst meth="repeat">
+      <a:schemeClr val="accent2"/>
+    </dgm:linClrLst>
+    <dgm:effectClrLst/>
+    <dgm:txLinClrLst/>
+    <dgm:txFillClrLst meth="repeat">
+      <a:schemeClr val="dk1"/>
+    </dgm:txFillClrLst>
+    <dgm:txEffectClrLst/>
+  </dgm:styleLbl>
+  <dgm:styleLbl name="fgAccFollowNode1">
+    <dgm:fillClrLst meth="repeat">
+      <a:schemeClr val="accent2">
+        <a:alpha val="90000"/>
+        <a:tint val="55000"/>
+      </a:schemeClr>
+    </dgm:fillClrLst>
+    <dgm:linClrLst meth="repeat">
+      <a:schemeClr val="accent2">
+        <a:alpha val="90000"/>
+        <a:tint val="55000"/>
+      </a:schemeClr>
+    </dgm:linClrLst>
+    <dgm:effectClrLst/>
+    <dgm:txLinClrLst/>
+    <dgm:txFillClrLst meth="repeat">
+      <a:schemeClr val="dk1"/>
+    </dgm:txFillClrLst>
+    <dgm:txEffectClrLst/>
+  </dgm:styleLbl>
+  <dgm:styleLbl name="alignAccFollowNode1">
+    <dgm:fillClrLst meth="repeat">
+      <a:schemeClr val="accent2">
+        <a:alpha val="90000"/>
+        <a:tint val="55000"/>
+      </a:schemeClr>
+    </dgm:fillClrLst>
+    <dgm:linClrLst meth="repeat">
+      <a:schemeClr val="accent2">
+        <a:alpha val="90000"/>
+        <a:tint val="55000"/>
+      </a:schemeClr>
+    </dgm:linClrLst>
+    <dgm:effectClrLst/>
+    <dgm:txLinClrLst/>
+    <dgm:txFillClrLst meth="repeat">
+      <a:schemeClr val="dk1"/>
+    </dgm:txFillClrLst>
+    <dgm:txEffectClrLst/>
+  </dgm:styleLbl>
+  <dgm:styleLbl name="bgAccFollowNode1">
+    <dgm:fillClrLst meth="repeat">
+      <a:schemeClr val="accent2">
+        <a:alpha val="90000"/>
+        <a:tint val="55000"/>
+      </a:schemeClr>
+    </dgm:fillClrLst>
+    <dgm:linClrLst meth="repeat">
+      <a:schemeClr val="lt1"/>
+    </dgm:linClrLst>
+    <dgm:effectClrLst/>
+    <dgm:txLinClrLst/>
+    <dgm:txFillClrLst meth="repeat">
+      <a:schemeClr val="dk1"/>
+    </dgm:txFillClrLst>
+    <dgm:txEffectClrLst/>
+  </dgm:styleLbl>
+  <dgm:styleLbl name="fgAcc0">
+    <dgm:fillClrLst meth="repeat">
+      <a:schemeClr val="lt1">
+        <a:alpha val="90000"/>
+      </a:schemeClr>
+    </dgm:fillClrLst>
+    <dgm:linClrLst meth="repeat">
+      <a:schemeClr val="accent2">
+        <a:shade val="80000"/>
+      </a:schemeClr>
+    </dgm:linClrLst>
+    <dgm:effectClrLst/>
+    <dgm:txLinClrLst/>
+    <dgm:txFillClrLst meth="repeat">
+      <a:schemeClr val="dk1"/>
+    </dgm:txFillClrLst>
+    <dgm:txEffectClrLst/>
+  </dgm:styleLbl>
+  <dgm:styleLbl name="fgAcc2">
+    <dgm:fillClrLst meth="repeat">
+      <a:schemeClr val="lt1">
+        <a:alpha val="90000"/>
+      </a:schemeClr>
+    </dgm:fillClrLst>
+    <dgm:linClrLst meth="repeat">
+      <a:schemeClr val="accent2">
+        <a:tint val="90000"/>
+      </a:schemeClr>
+    </dgm:linClrLst>
+    <dgm:effectClrLst/>
+    <dgm:txLinClrLst/>
+    <dgm:txFillClrLst meth="repeat">
+      <a:schemeClr val="dk1"/>
+    </dgm:txFillClrLst>
+    <dgm:txEffectClrLst/>
+  </dgm:styleLbl>
+  <dgm:styleLbl name="fgAcc3">
+    <dgm:fillClrLst meth="repeat">
+      <a:schemeClr val="lt1">
+        <a:alpha val="90000"/>
+      </a:schemeClr>
+    </dgm:fillClrLst>
+    <dgm:linClrLst meth="repeat">
+      <a:schemeClr val="accent2">
+        <a:tint val="70000"/>
+      </a:schemeClr>
+    </dgm:linClrLst>
+    <dgm:effectClrLst/>
+    <dgm:txLinClrLst/>
+    <dgm:txFillClrLst meth="repeat">
+      <a:schemeClr val="dk1"/>
+    </dgm:txFillClrLst>
+    <dgm:txEffectClrLst/>
+  </dgm:styleLbl>
+  <dgm:styleLbl name="fgAcc4">
+    <dgm:fillClrLst meth="repeat">
+      <a:schemeClr val="lt1">
+        <a:alpha val="90000"/>
+      </a:schemeClr>
+    </dgm:fillClrLst>
+    <dgm:linClrLst meth="repeat">
+      <a:schemeClr val="accent2">
+        <a:tint val="50000"/>
+      </a:schemeClr>
+    </dgm:linClrLst>
+    <dgm:effectClrLst/>
+    <dgm:txLinClrLst/>
+    <dgm:txFillClrLst meth="repeat">
+      <a:schemeClr val="dk1"/>
+    </dgm:txFillClrLst>
+    <dgm:txEffectClrLst/>
+  </dgm:styleLbl>
+  <dgm:styleLbl name="bgShp">
+    <dgm:fillClrLst meth="repeat">
+      <a:schemeClr val="accent2">
+        <a:tint val="55000"/>
+      </a:schemeClr>
+    </dgm:fillClrLst>
+    <dgm:linClrLst meth="repeat">
+      <a:schemeClr val="dk1"/>
+    </dgm:linClrLst>
+    <dgm:effectClrLst/>
+    <dgm:txLinClrLst/>
+    <dgm:txFillClrLst meth="repeat">
+      <a:schemeClr val="dk1"/>
+    </dgm:txFillClrLst>
+    <dgm:txEffectClrLst/>
+  </dgm:styleLbl>
+  <dgm:styleLbl name="dkBgShp">
+    <dgm:fillClrLst meth="repeat">
+      <a:schemeClr val="accent2">
+        <a:shade val="90000"/>
+      </a:schemeClr>
+    </dgm:fillClrLst>
+    <dgm:linClrLst meth="repeat">
+      <a:schemeClr val="dk1"/>
+    </dgm:linClrLst>
+    <dgm:effectClrLst/>
+    <dgm:txLinClrLst/>
+    <dgm:txFillClrLst meth="repeat">
+      <a:schemeClr val="lt1"/>
+    </dgm:txFillClrLst>
+    <dgm:txEffectClrLst/>
+  </dgm:styleLbl>
+  <dgm:styleLbl name="trBgShp">
+    <dgm:fillClrLst meth="repeat">
+      <a:schemeClr val="accent2">
+        <a:tint val="50000"/>
+        <a:alpha val="55000"/>
+      </a:schemeClr>
+    </dgm:fillClrLst>
+    <dgm:linClrLst meth="repeat">
+      <a:schemeClr val="accent2"/>
+    </dgm:linClrLst>
+    <dgm:effectClrLst/>
+    <dgm:txLinClrLst/>
+    <dgm:txFillClrLst meth="repeat">
+      <a:schemeClr val="lt1"/>
+    </dgm:txFillClrLst>
+    <dgm:txEffectClrLst/>
+  </dgm:styleLbl>
+  <dgm:styleLbl name="fgShp">
+    <dgm:fillClrLst meth="repeat">
+      <a:schemeClr val="accent2">
+        <a:tint val="55000"/>
+      </a:schemeClr>
+    </dgm:fillClrLst>
+    <dgm:linClrLst meth="repeat">
+      <a:schemeClr val="lt1"/>
+    </dgm:linClrLst>
+    <dgm:effectClrLst/>
+    <dgm:txLinClrLst/>
+    <dgm:txFillClrLst meth="repeat">
+      <a:schemeClr val="dk1"/>
+    </dgm:txFillClrLst>
+    <dgm:txEffectClrLst/>
+  </dgm:styleLbl>
+  <dgm:styleLbl name="revTx">
+    <dgm:fillClrLst meth="repeat">
+      <a:schemeClr val="lt1">
+        <a:alpha val="0"/>
+      </a:schemeClr>
+    </dgm:fillClrLst>
+    <dgm:linClrLst meth="repeat">
+      <a:schemeClr val="dk1">
+        <a:alpha val="0"/>
+      </a:schemeClr>
+    </dgm:linClrLst>
+    <dgm:effectClrLst/>
+    <dgm:txLinClrLst/>
+    <dgm:txFillClrLst meth="repeat">
+      <a:schemeClr val="tx1"/>
+    </dgm:txFillClrLst>
+    <dgm:txEffectClrLst/>
+  </dgm:styleLbl>
+</dgm:colorsDef>
+</file>
+
+<file path=ppt/diagrams/data1.xml><?xml version="1.0" encoding="utf-8"?>
+<dgm:dataModel xmlns:dgm="http://schemas.openxmlformats.org/drawingml/2006/diagram" xmlns:a="http://schemas.openxmlformats.org/drawingml/2006/main">
+  <dgm:ptLst>
+    <dgm:pt modelId="{9C46CA3B-2858-4A99-A82F-572D362864E7}" type="doc">
+      <dgm:prSet loTypeId="urn:diagrams.loki3.com/VaryingWidthList+Icon" loCatId="list" qsTypeId="urn:microsoft.com/office/officeart/2005/8/quickstyle/simple1" qsCatId="simple" csTypeId="urn:microsoft.com/office/officeart/2005/8/colors/accent2_4" csCatId="accent2" phldr="1"/>
+      <dgm:spPr/>
+    </dgm:pt>
+    <dgm:pt modelId="{6E9D9B2D-A846-49B9-9A7B-79CF9CEFF260}">
+      <dgm:prSet phldrT="[文本]" custT="1"/>
+      <dgm:spPr/>
+      <dgm:t>
+        <a:bodyPr/>
+        <a:lstStyle/>
+        <a:p>
+          <a:r>
+            <a:rPr lang="zh-CN" altLang="en-US" sz="1600" dirty="0" smtClean="0"/>
+            <a:t>列</a:t>
+          </a:r>
+          <a:r>
+            <a:rPr lang="en-US" altLang="zh-CN" sz="1600" dirty="0" smtClean="0"/>
+            <a:t>1</a:t>
+          </a:r>
+          <a:endParaRPr lang="zh-CN" altLang="en-US" sz="1600" dirty="0"/>
+        </a:p>
+      </dgm:t>
+    </dgm:pt>
+    <dgm:pt modelId="{29F5D439-3211-4CAA-80C2-33E63D817E28}" type="parTrans" cxnId="{3C0E380E-D7DF-4BF2-B861-4DD276D424D2}">
+      <dgm:prSet/>
+      <dgm:spPr/>
+      <dgm:t>
+        <a:bodyPr/>
+        <a:lstStyle/>
+        <a:p>
+          <a:endParaRPr lang="zh-CN" altLang="en-US"/>
+        </a:p>
+      </dgm:t>
+    </dgm:pt>
+    <dgm:pt modelId="{60D42C0E-659D-45ED-ABE1-1C2EF33947BF}" type="sibTrans" cxnId="{3C0E380E-D7DF-4BF2-B861-4DD276D424D2}">
+      <dgm:prSet/>
+      <dgm:spPr/>
+      <dgm:t>
+        <a:bodyPr/>
+        <a:lstStyle/>
+        <a:p>
+          <a:endParaRPr lang="zh-CN" altLang="en-US"/>
+        </a:p>
+      </dgm:t>
+    </dgm:pt>
+    <dgm:pt modelId="{86D5D9DC-2BB4-4B61-9F05-631629E3B5B7}">
+      <dgm:prSet phldrT="[文本]"/>
+      <dgm:spPr/>
+      <dgm:t>
+        <a:bodyPr/>
+        <a:lstStyle/>
+        <a:p>
+          <a:r>
+            <a:rPr lang="zh-CN" altLang="en-US" dirty="0" smtClean="0"/>
+            <a:t>列</a:t>
+          </a:r>
+          <a:r>
+            <a:rPr lang="en-US" altLang="zh-CN" dirty="0" smtClean="0"/>
+            <a:t>2</a:t>
+          </a:r>
+          <a:endParaRPr lang="zh-CN" altLang="en-US" dirty="0"/>
+        </a:p>
+      </dgm:t>
+    </dgm:pt>
+    <dgm:pt modelId="{6AF9A670-3177-4912-8E5D-FAF43FAA266F}" type="parTrans" cxnId="{63F23EE6-8166-4D54-A0B0-9DCDC5B8F8A0}">
+      <dgm:prSet/>
+      <dgm:spPr/>
+      <dgm:t>
+        <a:bodyPr/>
+        <a:lstStyle/>
+        <a:p>
+          <a:endParaRPr lang="zh-CN" altLang="en-US"/>
+        </a:p>
+      </dgm:t>
+    </dgm:pt>
+    <dgm:pt modelId="{F96D2E09-6394-4306-ADC7-2B74B2E97F28}" type="sibTrans" cxnId="{63F23EE6-8166-4D54-A0B0-9DCDC5B8F8A0}">
+      <dgm:prSet/>
+      <dgm:spPr/>
+      <dgm:t>
+        <a:bodyPr/>
+        <a:lstStyle/>
+        <a:p>
+          <a:endParaRPr lang="zh-CN" altLang="en-US"/>
+        </a:p>
+      </dgm:t>
+    </dgm:pt>
+    <dgm:pt modelId="{D0DD7E27-796B-4C6E-AE34-BF35694A41D4}">
+      <dgm:prSet phldrT="[文本]"/>
+      <dgm:spPr/>
+      <dgm:t>
+        <a:bodyPr/>
+        <a:lstStyle/>
+        <a:p>
+          <a:r>
+            <a:rPr lang="zh-CN" altLang="en-US" dirty="0" smtClean="0"/>
+            <a:t>列</a:t>
+          </a:r>
+          <a:r>
+            <a:rPr lang="en-US" altLang="zh-CN" dirty="0" smtClean="0"/>
+            <a:t>…</a:t>
+          </a:r>
+          <a:endParaRPr lang="zh-CN" altLang="en-US" dirty="0"/>
+        </a:p>
+      </dgm:t>
+    </dgm:pt>
+    <dgm:pt modelId="{6839C07D-1CE4-489D-BECF-BD9E192D4213}" type="parTrans" cxnId="{0E5B26EB-E387-4517-8902-9FE6E9C99353}">
+      <dgm:prSet/>
+      <dgm:spPr/>
+      <dgm:t>
+        <a:bodyPr/>
+        <a:lstStyle/>
+        <a:p>
+          <a:endParaRPr lang="zh-CN" altLang="en-US"/>
+        </a:p>
+      </dgm:t>
+    </dgm:pt>
+    <dgm:pt modelId="{4F0EB3DF-42C1-42D0-BD07-6E6FF80EDE7F}" type="sibTrans" cxnId="{0E5B26EB-E387-4517-8902-9FE6E9C99353}">
+      <dgm:prSet/>
+      <dgm:spPr/>
+      <dgm:t>
+        <a:bodyPr/>
+        <a:lstStyle/>
+        <a:p>
+          <a:endParaRPr lang="zh-CN" altLang="en-US"/>
+        </a:p>
+      </dgm:t>
+    </dgm:pt>
+    <dgm:pt modelId="{CF354257-322B-4C59-AABB-5C780462E7FD}">
+      <dgm:prSet/>
+      <dgm:spPr/>
+      <dgm:t>
+        <a:bodyPr/>
+        <a:lstStyle/>
+        <a:p>
+          <a:r>
+            <a:rPr lang="zh-CN" altLang="en-US" dirty="0" smtClean="0"/>
+            <a:t>列</a:t>
+          </a:r>
+          <a:r>
+            <a:rPr lang="en-US" altLang="zh-CN" dirty="0" smtClean="0"/>
+            <a:t>N</a:t>
+          </a:r>
+          <a:endParaRPr lang="zh-CN" altLang="en-US" dirty="0"/>
+        </a:p>
+      </dgm:t>
+    </dgm:pt>
+    <dgm:pt modelId="{12569573-3B34-4F12-A080-A735F525DE8A}" type="parTrans" cxnId="{DCBFFA14-4C1F-47F5-93B4-4B06BCB6BFCC}">
+      <dgm:prSet/>
+      <dgm:spPr/>
+      <dgm:t>
+        <a:bodyPr/>
+        <a:lstStyle/>
+        <a:p>
+          <a:endParaRPr lang="zh-CN" altLang="en-US"/>
+        </a:p>
+      </dgm:t>
+    </dgm:pt>
+    <dgm:pt modelId="{E75AB11F-B7AE-49EE-8450-FE08AAC9F497}" type="sibTrans" cxnId="{DCBFFA14-4C1F-47F5-93B4-4B06BCB6BFCC}">
+      <dgm:prSet/>
+      <dgm:spPr/>
+      <dgm:t>
+        <a:bodyPr/>
+        <a:lstStyle/>
+        <a:p>
+          <a:endParaRPr lang="zh-CN" altLang="en-US"/>
+        </a:p>
+      </dgm:t>
+    </dgm:pt>
+    <dgm:pt modelId="{D7456A35-C3BD-43B9-BA9E-CF3C434B8EF8}" type="pres">
+      <dgm:prSet presAssocID="{9C46CA3B-2858-4A99-A82F-572D362864E7}" presName="Name0" presStyleCnt="0">
+        <dgm:presLayoutVars>
+          <dgm:resizeHandles/>
+        </dgm:presLayoutVars>
+      </dgm:prSet>
+      <dgm:spPr/>
+    </dgm:pt>
+    <dgm:pt modelId="{1A32A10F-9B1B-436D-A614-20F9B53E066E}" type="pres">
+      <dgm:prSet presAssocID="{6E9D9B2D-A846-49B9-9A7B-79CF9CEFF260}" presName="text" presStyleLbl="node1" presStyleIdx="0" presStyleCnt="4" custScaleX="44219">
+        <dgm:presLayoutVars>
+          <dgm:bulletEnabled val="1"/>
+        </dgm:presLayoutVars>
+      </dgm:prSet>
+      <dgm:spPr/>
+      <dgm:t>
+        <a:bodyPr/>
+        <a:lstStyle/>
+        <a:p>
+          <a:endParaRPr lang="zh-CN" altLang="en-US"/>
+        </a:p>
+      </dgm:t>
+    </dgm:pt>
+    <dgm:pt modelId="{26EF09C1-E0F8-4C55-A2B7-77BD78B194D1}" type="pres">
+      <dgm:prSet presAssocID="{60D42C0E-659D-45ED-ABE1-1C2EF33947BF}" presName="space" presStyleCnt="0"/>
+      <dgm:spPr/>
+    </dgm:pt>
+    <dgm:pt modelId="{14407EC2-6BBE-41AE-B959-D195A65C2964}" type="pres">
+      <dgm:prSet presAssocID="{86D5D9DC-2BB4-4B61-9F05-631629E3B5B7}" presName="text" presStyleLbl="node1" presStyleIdx="1" presStyleCnt="4" custScaleX="44219">
+        <dgm:presLayoutVars>
+          <dgm:bulletEnabled val="1"/>
+        </dgm:presLayoutVars>
+      </dgm:prSet>
+      <dgm:spPr/>
+      <dgm:t>
+        <a:bodyPr/>
+        <a:lstStyle/>
+        <a:p>
+          <a:endParaRPr lang="zh-CN" altLang="en-US"/>
+        </a:p>
+      </dgm:t>
+    </dgm:pt>
+    <dgm:pt modelId="{70C40FBA-3A04-412B-A0B1-6C797C09C7D2}" type="pres">
+      <dgm:prSet presAssocID="{F96D2E09-6394-4306-ADC7-2B74B2E97F28}" presName="space" presStyleCnt="0"/>
+      <dgm:spPr/>
+    </dgm:pt>
+    <dgm:pt modelId="{2766CE1A-14A7-4314-A143-42BDD394FB1C}" type="pres">
+      <dgm:prSet presAssocID="{D0DD7E27-796B-4C6E-AE34-BF35694A41D4}" presName="text" presStyleLbl="node1" presStyleIdx="2" presStyleCnt="4" custScaleX="44219">
+        <dgm:presLayoutVars>
+          <dgm:bulletEnabled val="1"/>
+        </dgm:presLayoutVars>
+      </dgm:prSet>
+      <dgm:spPr/>
+      <dgm:t>
+        <a:bodyPr/>
+        <a:lstStyle/>
+        <a:p>
+          <a:endParaRPr lang="zh-CN" altLang="en-US"/>
+        </a:p>
+      </dgm:t>
+    </dgm:pt>
+    <dgm:pt modelId="{8A5570B8-2AFF-4373-8DF0-A3C2CABF55D7}" type="pres">
+      <dgm:prSet presAssocID="{4F0EB3DF-42C1-42D0-BD07-6E6FF80EDE7F}" presName="space" presStyleCnt="0"/>
+      <dgm:spPr/>
+    </dgm:pt>
+    <dgm:pt modelId="{6622071B-A5D3-459E-90B2-67A70508E830}" type="pres">
+      <dgm:prSet presAssocID="{CF354257-322B-4C59-AABB-5C780462E7FD}" presName="text" presStyleLbl="node1" presStyleIdx="3" presStyleCnt="4" custScaleX="44219">
+        <dgm:presLayoutVars>
+          <dgm:bulletEnabled val="1"/>
+        </dgm:presLayoutVars>
+      </dgm:prSet>
+      <dgm:spPr/>
+      <dgm:t>
+        <a:bodyPr/>
+        <a:lstStyle/>
+        <a:p>
+          <a:endParaRPr lang="zh-CN" altLang="en-US"/>
+        </a:p>
+      </dgm:t>
+    </dgm:pt>
+  </dgm:ptLst>
+  <dgm:cxnLst>
+    <dgm:cxn modelId="{52B37B0D-CF1B-4B9F-B2D3-74CB14EE45FA}" type="presOf" srcId="{9C46CA3B-2858-4A99-A82F-572D362864E7}" destId="{D7456A35-C3BD-43B9-BA9E-CF3C434B8EF8}" srcOrd="0" destOrd="0" presId="urn:diagrams.loki3.com/VaryingWidthList+Icon"/>
+    <dgm:cxn modelId="{EC98C974-16AA-4FEA-9191-966D5EDEC9E4}" type="presOf" srcId="{6E9D9B2D-A846-49B9-9A7B-79CF9CEFF260}" destId="{1A32A10F-9B1B-436D-A614-20F9B53E066E}" srcOrd="0" destOrd="0" presId="urn:diagrams.loki3.com/VaryingWidthList+Icon"/>
+    <dgm:cxn modelId="{63F23EE6-8166-4D54-A0B0-9DCDC5B8F8A0}" srcId="{9C46CA3B-2858-4A99-A82F-572D362864E7}" destId="{86D5D9DC-2BB4-4B61-9F05-631629E3B5B7}" srcOrd="1" destOrd="0" parTransId="{6AF9A670-3177-4912-8E5D-FAF43FAA266F}" sibTransId="{F96D2E09-6394-4306-ADC7-2B74B2E97F28}"/>
+    <dgm:cxn modelId="{B1C13C76-1E15-462D-ACF6-4732736DAA4C}" type="presOf" srcId="{CF354257-322B-4C59-AABB-5C780462E7FD}" destId="{6622071B-A5D3-459E-90B2-67A70508E830}" srcOrd="0" destOrd="0" presId="urn:diagrams.loki3.com/VaryingWidthList+Icon"/>
+    <dgm:cxn modelId="{488A493F-B233-4131-AC9D-45A1486AA5A6}" type="presOf" srcId="{86D5D9DC-2BB4-4B61-9F05-631629E3B5B7}" destId="{14407EC2-6BBE-41AE-B959-D195A65C2964}" srcOrd="0" destOrd="0" presId="urn:diagrams.loki3.com/VaryingWidthList+Icon"/>
+    <dgm:cxn modelId="{3C0E380E-D7DF-4BF2-B861-4DD276D424D2}" srcId="{9C46CA3B-2858-4A99-A82F-572D362864E7}" destId="{6E9D9B2D-A846-49B9-9A7B-79CF9CEFF260}" srcOrd="0" destOrd="0" parTransId="{29F5D439-3211-4CAA-80C2-33E63D817E28}" sibTransId="{60D42C0E-659D-45ED-ABE1-1C2EF33947BF}"/>
+    <dgm:cxn modelId="{DCAE8427-90F0-436C-A685-77FB0713FA2C}" type="presOf" srcId="{D0DD7E27-796B-4C6E-AE34-BF35694A41D4}" destId="{2766CE1A-14A7-4314-A143-42BDD394FB1C}" srcOrd="0" destOrd="0" presId="urn:diagrams.loki3.com/VaryingWidthList+Icon"/>
+    <dgm:cxn modelId="{0E5B26EB-E387-4517-8902-9FE6E9C99353}" srcId="{9C46CA3B-2858-4A99-A82F-572D362864E7}" destId="{D0DD7E27-796B-4C6E-AE34-BF35694A41D4}" srcOrd="2" destOrd="0" parTransId="{6839C07D-1CE4-489D-BECF-BD9E192D4213}" sibTransId="{4F0EB3DF-42C1-42D0-BD07-6E6FF80EDE7F}"/>
+    <dgm:cxn modelId="{DCBFFA14-4C1F-47F5-93B4-4B06BCB6BFCC}" srcId="{9C46CA3B-2858-4A99-A82F-572D362864E7}" destId="{CF354257-322B-4C59-AABB-5C780462E7FD}" srcOrd="3" destOrd="0" parTransId="{12569573-3B34-4F12-A080-A735F525DE8A}" sibTransId="{E75AB11F-B7AE-49EE-8450-FE08AAC9F497}"/>
+    <dgm:cxn modelId="{24A0FD1F-302A-4AFC-BF84-A21CBE5BA7AC}" type="presParOf" srcId="{D7456A35-C3BD-43B9-BA9E-CF3C434B8EF8}" destId="{1A32A10F-9B1B-436D-A614-20F9B53E066E}" srcOrd="0" destOrd="0" presId="urn:diagrams.loki3.com/VaryingWidthList+Icon"/>
+    <dgm:cxn modelId="{7CB9221A-57EA-4753-A905-5FCA9D026CE3}" type="presParOf" srcId="{D7456A35-C3BD-43B9-BA9E-CF3C434B8EF8}" destId="{26EF09C1-E0F8-4C55-A2B7-77BD78B194D1}" srcOrd="1" destOrd="0" presId="urn:diagrams.loki3.com/VaryingWidthList+Icon"/>
+    <dgm:cxn modelId="{A68A07E9-BBB6-47AB-93C5-F05263E5AABB}" type="presParOf" srcId="{D7456A35-C3BD-43B9-BA9E-CF3C434B8EF8}" destId="{14407EC2-6BBE-41AE-B959-D195A65C2964}" srcOrd="2" destOrd="0" presId="urn:diagrams.loki3.com/VaryingWidthList+Icon"/>
+    <dgm:cxn modelId="{54EEA566-9FFD-4702-A5D6-5D7FA7F62008}" type="presParOf" srcId="{D7456A35-C3BD-43B9-BA9E-CF3C434B8EF8}" destId="{70C40FBA-3A04-412B-A0B1-6C797C09C7D2}" srcOrd="3" destOrd="0" presId="urn:diagrams.loki3.com/VaryingWidthList+Icon"/>
+    <dgm:cxn modelId="{6FB0D62A-41E7-4A4A-AA2A-C5D75FC5ACE9}" type="presParOf" srcId="{D7456A35-C3BD-43B9-BA9E-CF3C434B8EF8}" destId="{2766CE1A-14A7-4314-A143-42BDD394FB1C}" srcOrd="4" destOrd="0" presId="urn:diagrams.loki3.com/VaryingWidthList+Icon"/>
+    <dgm:cxn modelId="{2A9209B0-F44E-41D8-A318-F5B20EC30A35}" type="presParOf" srcId="{D7456A35-C3BD-43B9-BA9E-CF3C434B8EF8}" destId="{8A5570B8-2AFF-4373-8DF0-A3C2CABF55D7}" srcOrd="5" destOrd="0" presId="urn:diagrams.loki3.com/VaryingWidthList+Icon"/>
+    <dgm:cxn modelId="{EDAECC41-0C52-4E79-B660-39A0985FF087}" type="presParOf" srcId="{D7456A35-C3BD-43B9-BA9E-CF3C434B8EF8}" destId="{6622071B-A5D3-459E-90B2-67A70508E830}" srcOrd="6" destOrd="0" presId="urn:diagrams.loki3.com/VaryingWidthList+Icon"/>
+  </dgm:cxnLst>
+  <dgm:bg/>
+  <dgm:whole/>
+  <dgm:extLst>
+    <a:ext uri="http://schemas.microsoft.com/office/drawing/2008/diagram">
+      <dsp:dataModelExt xmlns:dsp="http://schemas.microsoft.com/office/drawing/2008/diagram" relId="rId7" minVer="http://schemas.openxmlformats.org/drawingml/2006/diagram"/>
+    </a:ext>
+  </dgm:extLst>
+</dgm:dataModel>
+</file>
+
+<file path=ppt/diagrams/drawing1.xml><?xml version="1.0" encoding="utf-8"?>
+<dsp:drawing xmlns:dgm="http://schemas.openxmlformats.org/drawingml/2006/diagram" xmlns:dsp="http://schemas.microsoft.com/office/drawing/2008/diagram" xmlns:a="http://schemas.openxmlformats.org/drawingml/2006/main">
+  <dsp:spTree>
+    <dsp:nvGrpSpPr>
+      <dsp:cNvPr id="0" name=""/>
+      <dsp:cNvGrpSpPr/>
+    </dsp:nvGrpSpPr>
+    <dsp:grpSpPr/>
+    <dsp:sp modelId="{1A32A10F-9B1B-436D-A614-20F9B53E066E}">
+      <dsp:nvSpPr>
+        <dsp:cNvPr id="0" name=""/>
+        <dsp:cNvSpPr/>
+      </dsp:nvSpPr>
+      <dsp:spPr>
+        <a:xfrm>
+          <a:off x="38833" y="2033"/>
+          <a:ext cx="318376" cy="978296"/>
+        </a:xfrm>
+        <a:prstGeom prst="rect">
+          <a:avLst/>
+        </a:prstGeom>
+        <a:solidFill>
+          <a:schemeClr val="accent2">
+            <a:shade val="50000"/>
+            <a:hueOff val="0"/>
+            <a:satOff val="0"/>
+            <a:lumOff val="0"/>
+            <a:alphaOff val="0"/>
+          </a:schemeClr>
+        </a:solidFill>
+        <a:ln w="25400" cap="flat" cmpd="sng" algn="ctr">
+          <a:solidFill>
+            <a:schemeClr val="lt1">
+              <a:hueOff val="0"/>
+              <a:satOff val="0"/>
+              <a:lumOff val="0"/>
+              <a:alphaOff val="0"/>
+            </a:schemeClr>
+          </a:solidFill>
+          <a:prstDash val="solid"/>
+        </a:ln>
+        <a:effectLst/>
+      </dsp:spPr>
+      <dsp:style>
+        <a:lnRef idx="2">
+          <a:scrgbClr r="0" g="0" b="0"/>
+        </a:lnRef>
+        <a:fillRef idx="1">
+          <a:scrgbClr r="0" g="0" b="0"/>
+        </a:fillRef>
+        <a:effectRef idx="0">
+          <a:scrgbClr r="0" g="0" b="0"/>
+        </a:effectRef>
+        <a:fontRef idx="minor">
+          <a:schemeClr val="lt1"/>
+        </a:fontRef>
+      </dsp:style>
+      <dsp:txBody>
+        <a:bodyPr spcFirstLastPara="0" vert="horz" wrap="square" lIns="40640" tIns="40640" rIns="40640" bIns="40640" numCol="1" spcCol="1270" anchor="ctr" anchorCtr="0">
+          <a:noAutofit/>
+        </a:bodyPr>
+        <a:lstStyle/>
+        <a:p>
+          <a:pPr lvl="0" algn="ctr" defTabSz="711200">
+            <a:lnSpc>
+              <a:spcPct val="90000"/>
+            </a:lnSpc>
+            <a:spcBef>
+              <a:spcPct val="0"/>
+            </a:spcBef>
+            <a:spcAft>
+              <a:spcPct val="35000"/>
+            </a:spcAft>
+          </a:pPr>
+          <a:r>
+            <a:rPr lang="zh-CN" altLang="en-US" sz="1600" kern="1200" dirty="0" smtClean="0"/>
+            <a:t>列</a:t>
+          </a:r>
+          <a:r>
+            <a:rPr lang="en-US" altLang="zh-CN" sz="1600" kern="1200" dirty="0" smtClean="0"/>
+            <a:t>1</a:t>
+          </a:r>
+          <a:endParaRPr lang="zh-CN" altLang="en-US" sz="1600" kern="1200" dirty="0"/>
+        </a:p>
+      </dsp:txBody>
+      <dsp:txXfrm>
+        <a:off x="38833" y="2033"/>
+        <a:ext cx="318376" cy="978296"/>
+      </dsp:txXfrm>
+    </dsp:sp>
+    <dsp:sp modelId="{14407EC2-6BBE-41AE-B959-D195A65C2964}">
+      <dsp:nvSpPr>
+        <dsp:cNvPr id="0" name=""/>
+        <dsp:cNvSpPr/>
+      </dsp:nvSpPr>
+      <dsp:spPr>
+        <a:xfrm>
+          <a:off x="38833" y="1029245"/>
+          <a:ext cx="318376" cy="978296"/>
+        </a:xfrm>
+        <a:prstGeom prst="rect">
+          <a:avLst/>
+        </a:prstGeom>
+        <a:solidFill>
+          <a:schemeClr val="accent2">
+            <a:shade val="50000"/>
+            <a:hueOff val="0"/>
+            <a:satOff val="-16266"/>
+            <a:lumOff val="26389"/>
+            <a:alphaOff val="0"/>
+          </a:schemeClr>
+        </a:solidFill>
+        <a:ln w="25400" cap="flat" cmpd="sng" algn="ctr">
+          <a:solidFill>
+            <a:schemeClr val="lt1">
+              <a:hueOff val="0"/>
+              <a:satOff val="0"/>
+              <a:lumOff val="0"/>
+              <a:alphaOff val="0"/>
+            </a:schemeClr>
+          </a:solidFill>
+          <a:prstDash val="solid"/>
+        </a:ln>
+        <a:effectLst/>
+      </dsp:spPr>
+      <dsp:style>
+        <a:lnRef idx="2">
+          <a:scrgbClr r="0" g="0" b="0"/>
+        </a:lnRef>
+        <a:fillRef idx="1">
+          <a:scrgbClr r="0" g="0" b="0"/>
+        </a:fillRef>
+        <a:effectRef idx="0">
+          <a:scrgbClr r="0" g="0" b="0"/>
+        </a:effectRef>
+        <a:fontRef idx="minor">
+          <a:schemeClr val="lt1"/>
+        </a:fontRef>
+      </dsp:style>
+      <dsp:txBody>
+        <a:bodyPr spcFirstLastPara="0" vert="horz" wrap="square" lIns="25400" tIns="25400" rIns="25400" bIns="25400" numCol="1" spcCol="1270" anchor="ctr" anchorCtr="0">
+          <a:noAutofit/>
+        </a:bodyPr>
+        <a:lstStyle/>
+        <a:p>
+          <a:pPr lvl="0" algn="ctr" defTabSz="444500">
+            <a:lnSpc>
+              <a:spcPct val="90000"/>
+            </a:lnSpc>
+            <a:spcBef>
+              <a:spcPct val="0"/>
+            </a:spcBef>
+            <a:spcAft>
+              <a:spcPct val="35000"/>
+            </a:spcAft>
+          </a:pPr>
+          <a:r>
+            <a:rPr lang="zh-CN" altLang="en-US" sz="1000" kern="1200" dirty="0" smtClean="0"/>
+            <a:t>列</a:t>
+          </a:r>
+          <a:r>
+            <a:rPr lang="en-US" altLang="zh-CN" sz="1000" kern="1200" dirty="0" smtClean="0"/>
+            <a:t>2</a:t>
+          </a:r>
+          <a:endParaRPr lang="zh-CN" altLang="en-US" sz="1000" kern="1200" dirty="0"/>
+        </a:p>
+      </dsp:txBody>
+      <dsp:txXfrm>
+        <a:off x="38833" y="1029245"/>
+        <a:ext cx="318376" cy="978296"/>
+      </dsp:txXfrm>
+    </dsp:sp>
+    <dsp:sp modelId="{2766CE1A-14A7-4314-A143-42BDD394FB1C}">
+      <dsp:nvSpPr>
+        <dsp:cNvPr id="0" name=""/>
+        <dsp:cNvSpPr/>
+      </dsp:nvSpPr>
+      <dsp:spPr>
+        <a:xfrm>
+          <a:off x="33858" y="2056457"/>
+          <a:ext cx="328326" cy="978296"/>
+        </a:xfrm>
+        <a:prstGeom prst="rect">
+          <a:avLst/>
+        </a:prstGeom>
+        <a:solidFill>
+          <a:schemeClr val="accent2">
+            <a:shade val="50000"/>
+            <a:hueOff val="0"/>
+            <a:satOff val="-32532"/>
+            <a:lumOff val="52778"/>
+            <a:alphaOff val="0"/>
+          </a:schemeClr>
+        </a:solidFill>
+        <a:ln w="25400" cap="flat" cmpd="sng" algn="ctr">
+          <a:solidFill>
+            <a:schemeClr val="lt1">
+              <a:hueOff val="0"/>
+              <a:satOff val="0"/>
+              <a:lumOff val="0"/>
+              <a:alphaOff val="0"/>
+            </a:schemeClr>
+          </a:solidFill>
+          <a:prstDash val="solid"/>
+        </a:ln>
+        <a:effectLst/>
+      </dsp:spPr>
+      <dsp:style>
+        <a:lnRef idx="2">
+          <a:scrgbClr r="0" g="0" b="0"/>
+        </a:lnRef>
+        <a:fillRef idx="1">
+          <a:scrgbClr r="0" g="0" b="0"/>
+        </a:fillRef>
+        <a:effectRef idx="0">
+          <a:scrgbClr r="0" g="0" b="0"/>
+        </a:effectRef>
+        <a:fontRef idx="minor">
+          <a:schemeClr val="lt1"/>
+        </a:fontRef>
+      </dsp:style>
+      <dsp:txBody>
+        <a:bodyPr spcFirstLastPara="0" vert="horz" wrap="square" lIns="25400" tIns="25400" rIns="25400" bIns="25400" numCol="1" spcCol="1270" anchor="ctr" anchorCtr="0">
+          <a:noAutofit/>
+        </a:bodyPr>
+        <a:lstStyle/>
+        <a:p>
+          <a:pPr lvl="0" algn="ctr" defTabSz="444500">
+            <a:lnSpc>
+              <a:spcPct val="90000"/>
+            </a:lnSpc>
+            <a:spcBef>
+              <a:spcPct val="0"/>
+            </a:spcBef>
+            <a:spcAft>
+              <a:spcPct val="35000"/>
+            </a:spcAft>
+          </a:pPr>
+          <a:r>
+            <a:rPr lang="zh-CN" altLang="en-US" sz="1000" kern="1200" dirty="0" smtClean="0"/>
+            <a:t>列</a:t>
+          </a:r>
+          <a:r>
+            <a:rPr lang="en-US" altLang="zh-CN" sz="1000" kern="1200" dirty="0" smtClean="0"/>
+            <a:t>…</a:t>
+          </a:r>
+          <a:endParaRPr lang="zh-CN" altLang="en-US" sz="1000" kern="1200" dirty="0"/>
+        </a:p>
+      </dsp:txBody>
+      <dsp:txXfrm>
+        <a:off x="33858" y="2056457"/>
+        <a:ext cx="328326" cy="978296"/>
+      </dsp:txXfrm>
+    </dsp:sp>
+    <dsp:sp modelId="{6622071B-A5D3-459E-90B2-67A70508E830}">
+      <dsp:nvSpPr>
+        <dsp:cNvPr id="0" name=""/>
+        <dsp:cNvSpPr/>
+      </dsp:nvSpPr>
+      <dsp:spPr>
+        <a:xfrm>
+          <a:off x="38833" y="3083669"/>
+          <a:ext cx="318376" cy="978296"/>
+        </a:xfrm>
+        <a:prstGeom prst="rect">
+          <a:avLst/>
+        </a:prstGeom>
+        <a:solidFill>
+          <a:schemeClr val="accent2">
+            <a:shade val="50000"/>
+            <a:hueOff val="0"/>
+            <a:satOff val="-16266"/>
+            <a:lumOff val="26389"/>
+            <a:alphaOff val="0"/>
+          </a:schemeClr>
+        </a:solidFill>
+        <a:ln w="25400" cap="flat" cmpd="sng" algn="ctr">
+          <a:solidFill>
+            <a:schemeClr val="lt1">
+              <a:hueOff val="0"/>
+              <a:satOff val="0"/>
+              <a:lumOff val="0"/>
+              <a:alphaOff val="0"/>
+            </a:schemeClr>
+          </a:solidFill>
+          <a:prstDash val="solid"/>
+        </a:ln>
+        <a:effectLst/>
+      </dsp:spPr>
+      <dsp:style>
+        <a:lnRef idx="2">
+          <a:scrgbClr r="0" g="0" b="0"/>
+        </a:lnRef>
+        <a:fillRef idx="1">
+          <a:scrgbClr r="0" g="0" b="0"/>
+        </a:fillRef>
+        <a:effectRef idx="0">
+          <a:scrgbClr r="0" g="0" b="0"/>
+        </a:effectRef>
+        <a:fontRef idx="minor">
+          <a:schemeClr val="lt1"/>
+        </a:fontRef>
+      </dsp:style>
+      <dsp:txBody>
+        <a:bodyPr spcFirstLastPara="0" vert="horz" wrap="square" lIns="25400" tIns="25400" rIns="25400" bIns="25400" numCol="1" spcCol="1270" anchor="ctr" anchorCtr="0">
+          <a:noAutofit/>
+        </a:bodyPr>
+        <a:lstStyle/>
+        <a:p>
+          <a:pPr lvl="0" algn="ctr" defTabSz="444500">
+            <a:lnSpc>
+              <a:spcPct val="90000"/>
+            </a:lnSpc>
+            <a:spcBef>
+              <a:spcPct val="0"/>
+            </a:spcBef>
+            <a:spcAft>
+              <a:spcPct val="35000"/>
+            </a:spcAft>
+          </a:pPr>
+          <a:r>
+            <a:rPr lang="zh-CN" altLang="en-US" sz="1000" kern="1200" dirty="0" smtClean="0"/>
+            <a:t>列</a:t>
+          </a:r>
+          <a:r>
+            <a:rPr lang="en-US" altLang="zh-CN" sz="1000" kern="1200" dirty="0" smtClean="0"/>
+            <a:t>N</a:t>
+          </a:r>
+          <a:endParaRPr lang="zh-CN" altLang="en-US" sz="1000" kern="1200" dirty="0"/>
+        </a:p>
+      </dsp:txBody>
+      <dsp:txXfrm>
+        <a:off x="38833" y="3083669"/>
+        <a:ext cx="318376" cy="978296"/>
+      </dsp:txXfrm>
+    </dsp:sp>
+  </dsp:spTree>
+</dsp:drawing>
+</file>
+
+<file path=ppt/diagrams/layout1.xml><?xml version="1.0" encoding="utf-8"?>
+<dgm:layoutDef xmlns:dgm="http://schemas.openxmlformats.org/drawingml/2006/diagram" xmlns:a="http://schemas.openxmlformats.org/drawingml/2006/main" uniqueId="urn:diagrams.loki3.com/VaryingWidthList+Icon">
+  <dgm:title val="可变宽度列表"/>
+  <dgm:desc val="用于强调不同重要性的项。合适于大量的 1 级文本。每个形状的宽度分别由自己的文本决定。"/>
+  <dgm:catLst>
+    <dgm:cat type="list" pri="4160"/>
+    <dgm:cat type="officeonline" pri="5000"/>
+  </dgm:catLst>
+  <dgm:sampData useDef="1">
+    <dgm:dataModel>
+      <dgm:ptLst/>
+      <dgm:bg/>
+      <dgm:whole/>
+    </dgm:dataModel>
+  </dgm:sampData>
+  <dgm:styleData useDef="1">
+    <dgm:dataModel>
+      <dgm:ptLst/>
+      <dgm:bg/>
+      <dgm:whole/>
+    </dgm:dataModel>
+  </dgm:styleData>
+  <dgm:clrData useDef="1">
+    <dgm:dataModel>
+      <dgm:ptLst/>
+      <dgm:bg/>
+      <dgm:whole/>
+    </dgm:dataModel>
+  </dgm:clrData>
+  <dgm:layoutNode name="Name0">
+    <dgm:varLst>
+      <dgm:resizeHandles/>
+    </dgm:varLst>
+    <dgm:alg type="lin">
+      <dgm:param type="linDir" val="fromT"/>
+    </dgm:alg>
+    <dgm:shape xmlns:r="http://schemas.openxmlformats.org/officeDocument/2006/relationships" r:blip="">
+      <dgm:adjLst/>
+    </dgm:shape>
+    <dgm:presOf/>
+    <dgm:constrLst>
+      <dgm:constr type="w" for="ch" forName="text" val="20"/>
+      <dgm:constr type="h" for="ch" forName="text" refType="h"/>
+      <dgm:constr type="primFontSz" for="ch" forName="text" op="equ" val="65"/>
+      <dgm:constr type="h" for="ch" forName="space" refType="h" fact="0.05"/>
+    </dgm:constrLst>
+    <dgm:forEach name="Name1" axis="ch" ptType="node">
+      <dgm:layoutNode name="text" styleLbl="node1">
+        <dgm:varLst>
+          <dgm:bulletEnabled val="1"/>
+        </dgm:varLst>
+        <dgm:alg type="tx"/>
+        <dgm:shape xmlns:r="http://schemas.openxmlformats.org/officeDocument/2006/relationships" type="rect" r:blip="">
+          <dgm:adjLst/>
+        </dgm:shape>
+        <dgm:presOf axis="desOrSelf" ptType="node"/>
+        <dgm:constrLst>
+          <dgm:constr type="tMarg" refType="primFontSz" fact="0.2"/>
+          <dgm:constr type="bMarg" refType="primFontSz" fact="0.2"/>
+          <dgm:constr type="lMarg" refType="primFontSz" fact="0.2"/>
+          <dgm:constr type="rMarg" refType="primFontSz" fact="0.2"/>
+        </dgm:constrLst>
+        <dgm:ruleLst>
+          <dgm:rule type="w" val="INF" fact="NaN" max="NaN"/>
+          <dgm:rule type="primFontSz" val="5" fact="NaN" max="NaN"/>
+        </dgm:ruleLst>
+      </dgm:layoutNode>
+      <dgm:choose name="Name2">
+        <dgm:if name="Name3" axis="par ch" ptType="doc node" func="cnt" op="gte" val="2">
+          <dgm:forEach name="Name4" axis="followSib" ptType="sibTrans" cnt="1">
+            <dgm:layoutNode name="space">
+              <dgm:alg type="sp"/>
+              <dgm:shape xmlns:r="http://schemas.openxmlformats.org/officeDocument/2006/relationships" r:blip="">
+                <dgm:adjLst/>
+              </dgm:shape>
+              <dgm:presOf/>
+            </dgm:layoutNode>
+          </dgm:forEach>
+        </dgm:if>
+        <dgm:else name="Name5"/>
+      </dgm:choose>
+    </dgm:forEach>
+  </dgm:layoutNode>
+</dgm:layoutDef>
+</file>
+
+<file path=ppt/diagrams/quickStyle1.xml><?xml version="1.0" encoding="utf-8"?>
+<dgm:styleDef xmlns:dgm="http://schemas.openxmlformats.org/drawingml/2006/diagram" xmlns:a="http://schemas.openxmlformats.org/drawingml/2006/main" uniqueId="urn:microsoft.com/office/officeart/2005/8/quickstyle/simple1">
+  <dgm:title val=""/>
+  <dgm:desc val=""/>
+  <dgm:catLst>
+    <dgm:cat type="simple" pri="10100"/>
+  </dgm:catLst>
+  <dgm:scene3d>
+    <a:camera prst="orthographicFront"/>
+    <a:lightRig rig="threePt" dir="t"/>
+  </dgm:scene3d>
+  <dgm:styleLbl name="node0">
+    <dgm:scene3d>
+      <a:camera prst="orthographicFront"/>
+      <a:lightRig rig="threePt" dir="t"/>
+    </dgm:scene3d>
+    <dgm:sp3d/>
+    <dgm:txPr/>
+    <dgm:style>
+      <a:lnRef idx="2">
+        <a:scrgbClr r="0" g="0" b="0"/>
+      </a:lnRef>
+      <a:fillRef idx="1">
+        <a:scrgbClr r="0" g="0" b="0"/>
+      </a:fillRef>
+      <a:effectRef idx="0">
+        <a:scrgbClr r="0" g="0" b="0"/>
+      </a:effectRef>
+      <a:fontRef idx="minor">
+        <a:schemeClr val="lt1"/>
+      </a:fontRef>
+    </dgm:style>
+  </dgm:styleLbl>
+  <dgm:styleLbl name="lnNode1">
+    <dgm:scene3d>
+      <a:camera prst="orthographicFront"/>
+      <a:lightRig rig="threePt" dir="t"/>
+    </dgm:scene3d>
+    <dgm:sp3d/>
+    <dgm:txPr/>
+    <dgm:style>
+      <a:lnRef idx="2">
+        <a:scrgbClr r="0" g="0" b="0"/>
+      </a:lnRef>
+      <a:fillRef idx="1">
+        <a:scrgbClr r="0" g="0" b="0"/>
+      </a:fillRef>
+      <a:effectRef idx="0">
+        <a:scrgbClr r="0" g="0" b="0"/>
+      </a:effectRef>
+      <a:fontRef idx="minor">
+        <a:schemeClr val="lt1"/>
+      </a:fontRef>
+    </dgm:style>
+  </dgm:styleLbl>
+  <dgm:styleLbl name="vennNode1">
+    <dgm:scene3d>
+      <a:camera prst="orthographicFront"/>
+      <a:lightRig rig="threePt" dir="t"/>
+    </dgm:scene3d>
+    <dgm:sp3d/>
+    <dgm:txPr/>
+    <dgm:style>
+      <a:lnRef idx="2">
+        <a:scrgbClr r="0" g="0" b="0"/>
+      </a:lnRef>
+      <a:fillRef idx="1">
+        <a:scrgbClr r="0" g="0" b="0"/>
+      </a:fillRef>
+      <a:effectRef idx="0">
+        <a:scrgbClr r="0" g="0" b="0"/>
+      </a:effectRef>
+      <a:fontRef idx="minor">
+        <a:schemeClr val="tx1"/>
+      </a:fontRef>
+    </dgm:style>
+  </dgm:styleLbl>
+  <dgm:styleLbl name="alignNode1">
+    <dgm:scene3d>
+      <a:camera prst="orthographicFront"/>
+      <a:lightRig rig="threePt" dir="t"/>
+    </dgm:scene3d>
+    <dgm:sp3d/>
+    <dgm:txPr/>
+    <dgm:style>
+      <a:lnRef idx="2">
+        <a:scrgbClr r="0" g="0" b="0"/>
+      </a:lnRef>
+      <a:fillRef idx="1">
+        <a:scrgbClr r="0" g="0" b="0"/>
+      </a:fillRef>
+      <a:effectRef idx="0">
+        <a:scrgbClr r="0" g="0" b="0"/>
+      </a:effectRef>
+      <a:fontRef idx="minor">
+        <a:schemeClr val="lt1"/>
+      </a:fontRef>
+    </dgm:style>
+  </dgm:styleLbl>
+  <dgm:styleLbl name="node1">
+    <dgm:scene3d>
+      <a:camera prst="orthographicFront"/>
+      <a:lightRig rig="threePt" dir="t"/>
+    </dgm:scene3d>
+    <dgm:sp3d/>
+    <dgm:txPr/>
+    <dgm:style>
+      <a:lnRef idx="2">
+        <a:scrgbClr r="0" g="0" b="0"/>
+      </a:lnRef>
+      <a:fillRef idx="1">
+        <a:scrgbClr r="0" g="0" b="0"/>
+      </a:fillRef>
+      <a:effectRef idx="0">
+        <a:scrgbClr r="0" g="0" b="0"/>
+      </a:effectRef>
+      <a:fontRef idx="minor">
+        <a:schemeClr val="lt1"/>
+      </a:fontRef>
+    </dgm:style>
+  </dgm:styleLbl>
+  <dgm:styleLbl name="node2">
+    <dgm:scene3d>
+      <a:camera prst="orthographicFront"/>
+      <a:lightRig rig="threePt" dir="t"/>
+    </dgm:scene3d>
+    <dgm:sp3d/>
+    <dgm:txPr/>
+    <dgm:style>
+      <a:lnRef idx="2">
+        <a:scrgbClr r="0" g="0" b="0"/>
+      </a:lnRef>
+      <a:fillRef idx="1">
+        <a:scrgbClr r="0" g="0" b="0"/>
+      </a:fillRef>
+      <a:effectRef idx="0">
+        <a:scrgbClr r="0" g="0" b="0"/>
+      </a:effectRef>
+      <a:fontRef idx="minor">
+        <a:schemeClr val="lt1"/>
+      </a:fontRef>
+    </dgm:style>
+  </dgm:styleLbl>
+  <dgm:styleLbl name="node3">
+    <dgm:scene3d>
+      <a:camera prst="orthographicFront"/>
+      <a:lightRig rig="threePt" dir="t"/>
+    </dgm:scene3d>
+    <dgm:sp3d/>
+    <dgm:txPr/>
+    <dgm:style>
+      <a:lnRef idx="2">
+        <a:scrgbClr r="0" g="0" b="0"/>
+      </a:lnRef>
+      <a:fillRef idx="1">
+        <a:scrgbClr r="0" g="0" b="0"/>
+      </a:fillRef>
+      <a:effectRef idx="0">
+        <a:scrgbClr r="0" g="0" b="0"/>
+      </a:effectRef>
+      <a:fontRef idx="minor">
+        <a:schemeClr val="lt1"/>
+      </a:fontRef>
+    </dgm:style>
+  </dgm:styleLbl>
+  <dgm:styleLbl name="node4">
+    <dgm:scene3d>
+      <a:camera prst="orthographicFront"/>
+      <a:lightRig rig="threePt" dir="t"/>
+    </dgm:scene3d>
+    <dgm:sp3d/>
+    <dgm:txPr/>
+    <dgm:style>
+      <a:lnRef idx="2">
+        <a:scrgbClr r="0" g="0" b="0"/>
+      </a:lnRef>
+      <a:fillRef idx="1">
+        <a:scrgbClr r="0" g="0" b="0"/>
+      </a:fillRef>
+      <a:effectRef idx="0">
+        <a:scrgbClr r="0" g="0" b="0"/>
+      </a:effectRef>
+      <a:fontRef idx="minor">
+        <a:schemeClr val="lt1"/>
+      </a:fontRef>
+    </dgm:style>
+  </dgm:styleLbl>
+  <dgm:styleLbl name="fgImgPlace1">
+    <dgm:scene3d>
+      <a:camera prst="orthographicFront"/>
+      <a:lightRig rig="threePt" dir="t"/>
+    </dgm:scene3d>
+    <dgm:sp3d/>
+    <dgm:txPr/>
+    <dgm:style>
+      <a:lnRef idx="2">
+        <a:scrgbClr r="0" g="0" b="0"/>
+      </a:lnRef>
+      <a:fillRef idx="1">
+        <a:scrgbClr r="0" g="0" b="0"/>
+      </a:fillRef>
+      <a:effectRef idx="0">
+        <a:scrgbClr r="0" g="0" b="0"/>
+      </a:effectRef>
+      <a:fontRef idx="minor"/>
+    </dgm:style>
+  </dgm:styleLbl>
+  <dgm:styleLbl name="alignImgPlace1">
+    <dgm:scene3d>
+      <a:camera prst="orthographicFront"/>
+      <a:lightRig rig="threePt" dir="t"/>
+    </dgm:scene3d>
+    <dgm:sp3d/>
+    <dgm:txPr/>
+    <dgm:style>
+      <a:lnRef idx="2">
+        <a:scrgbClr r="0" g="0" b="0"/>
+      </a:lnRef>
+      <a:fillRef idx="1">
+        <a:scrgbClr r="0" g="0" b="0"/>
+      </a:fillRef>
+      <a:effectRef idx="0">
+        <a:scrgbClr r="0" g="0" b="0"/>
+      </a:effectRef>
+      <a:fontRef idx="minor"/>
+    </dgm:style>
+  </dgm:styleLbl>
+  <dgm:styleLbl name="bgImgPlace1">
+    <dgm:scene3d>
+      <a:camera prst="orthographicFront"/>
+      <a:lightRig rig="threePt" dir="t"/>
+    </dgm:scene3d>
+    <dgm:sp3d/>
+    <dgm:txPr/>
+    <dgm:style>
+      <a:lnRef idx="2">
+        <a:scrgbClr r="0" g="0" b="0"/>
+      </a:lnRef>
+      <a:fillRef idx="1">
+        <a:scrgbClr r="0" g="0" b="0"/>
+      </a:fillRef>
+      <a:effectRef idx="0">
+        <a:scrgbClr r="0" g="0" b="0"/>
+      </a:effectRef>
+      <a:fontRef idx="minor"/>
+    </dgm:style>
+  </dgm:styleLbl>
+  <dgm:styleLbl name="sibTrans2D1">
+    <dgm:scene3d>
+      <a:camera prst="orthographicFront"/>
+      <a:lightRig rig="threePt" dir="t"/>
+    </dgm:scene3d>
+    <dgm:sp3d/>
+    <dgm:txPr/>
+    <dgm:style>
+      <a:lnRef idx="0">
+        <a:scrgbClr r="0" g="0" b="0"/>
+      </a:lnRef>
+      <a:fillRef idx="1">
+        <a:scrgbClr r="0" g="0" b="0"/>
+      </a:fillRef>
+      <a:effectRef idx="0">
+        <a:scrgbClr r="0" g="0" b="0"/>
+      </a:effectRef>
+      <a:fontRef idx="minor">
+        <a:schemeClr val="lt1"/>
+      </a:fontRef>
+    </dgm:style>
+  </dgm:styleLbl>
+  <dgm:styleLbl name="fgSibTrans2D1">
+    <dgm:scene3d>
+      <a:camera prst="orthographicFront"/>
+      <a:lightRig rig="threePt" dir="t"/>
+    </dgm:scene3d>
+    <dgm:sp3d/>
+    <dgm:txPr/>
+    <dgm:style>
+      <a:lnRef idx="0">
+        <a:scrgbClr r="0" g="0" b="0"/>
+      </a:lnRef>
+      <a:fillRef idx="1">
+        <a:scrgbClr r="0" g="0" b="0"/>
+      </a:fillRef>
+      <a:effectRef idx="0">
+        <a:scrgbClr r="0" g="0" b="0"/>
+      </a:effectRef>
+      <a:fontRef idx="minor">
+        <a:schemeClr val="lt1"/>
+      </a:fontRef>
+    </dgm:style>
+  </dgm:styleLbl>
+  <dgm:styleLbl name="bgSibTrans2D1">
+    <dgm:scene3d>
+      <a:camera prst="orthographicFront"/>
+      <a:lightRig rig="threePt" dir="t"/>
+    </dgm:scene3d>
+    <dgm:sp3d/>
+    <dgm:txPr/>
+    <dgm:style>
+      <a:lnRef idx="0">
+        <a:scrgbClr r="0" g="0" b="0"/>
+      </a:lnRef>
+      <a:fillRef idx="1">
+        <a:scrgbClr r="0" g="0" b="0"/>
+      </a:fillRef>
+      <a:effectRef idx="0">
+        <a:scrgbClr r="0" g="0" b="0"/>
+      </a:effectRef>
+      <a:fontRef idx="minor">
+        <a:schemeClr val="lt1"/>
+      </a:fontRef>
+    </dgm:style>
+  </dgm:styleLbl>
+  <dgm:styleLbl name="sibTrans1D1">
+    <dgm:scene3d>
+      <a:camera prst="orthographicFront"/>
+      <a:lightRig rig="threePt" dir="t"/>
+    </dgm:scene3d>
+    <dgm:sp3d/>
+    <dgm:txPr/>
+    <dgm:style>
+      <a:lnRef idx="1">
+        <a:scrgbClr r="0" g="0" b="0"/>
+      </a:lnRef>
+      <a:fillRef idx="0">
+        <a:scrgbClr r="0" g="0" b="0"/>
+      </a:fillRef>
+      <a:effectRef idx="0">
+        <a:scrgbClr r="0" g="0" b="0"/>
+      </a:effectRef>
+      <a:fontRef idx="minor"/>
+    </dgm:style>
+  </dgm:styleLbl>
+  <dgm:styleLbl name="callout">
+    <dgm:scene3d>
+      <a:camera prst="orthographicFront"/>
+      <a:lightRig rig="threePt" dir="t"/>
+    </dgm:scene3d>
+    <dgm:sp3d/>
+    <dgm:txPr/>
+    <dgm:style>
+      <a:lnRef idx="2">
+        <a:scrgbClr r="0" g="0" b="0"/>
+      </a:lnRef>
+      <a:fillRef idx="1">
+        <a:scrgbClr r="0" g="0" b="0"/>
+      </a:fillRef>
+      <a:effectRef idx="0">
+        <a:scrgbClr r="0" g="0" b="0"/>
+      </a:effectRef>
+      <a:fontRef idx="minor"/>
+    </dgm:style>
+  </dgm:styleLbl>
+  <dgm:styleLbl name="asst0">
+    <dgm:scene3d>
+      <a:camera prst="orthographicFront"/>
+      <a:lightRig rig="threePt" dir="t"/>
+    </dgm:scene3d>
+    <dgm:sp3d/>
+    <dgm:txPr/>
+    <dgm:style>
+      <a:lnRef idx="2">
+        <a:scrgbClr r="0" g="0" b="0"/>
+      </a:lnRef>
+      <a:fillRef idx="1">
+        <a:scrgbClr r="0" g="0" b="0"/>
+      </a:fillRef>
+      <a:effectRef idx="0">
+        <a:scrgbClr r="0" g="0" b="0"/>
+      </a:effectRef>
+      <a:fontRef idx="minor">
+        <a:schemeClr val="lt1"/>
+      </a:fontRef>
+    </dgm:style>
+  </dgm:styleLbl>
+  <dgm:styleLbl name="asst1">
+    <dgm:scene3d>
+      <a:camera prst="orthographicFront"/>
+      <a:lightRig rig="threePt" dir="t"/>
+    </dgm:scene3d>
+    <dgm:sp3d/>
+    <dgm:txPr/>
+    <dgm:style>
+      <a:lnRef idx="2">
+        <a:scrgbClr r="0" g="0" b="0"/>
+      </a:lnRef>
+      <a:fillRef idx="1">
+        <a:scrgbClr r="0" g="0" b="0"/>
+      </a:fillRef>
+      <a:effectRef idx="0">
+        <a:scrgbClr r="0" g="0" b="0"/>
+      </a:effectRef>
+      <a:fontRef idx="minor">
+        <a:schemeClr val="lt1"/>
+      </a:fontRef>
+    </dgm:style>
+  </dgm:styleLbl>
+  <dgm:styleLbl name="asst2">
+    <dgm:scene3d>
+      <a:camera prst="orthographicFront"/>
+      <a:lightRig rig="threePt" dir="t"/>
+    </dgm:scene3d>
+    <dgm:sp3d/>
+    <dgm:txPr/>
+    <dgm:style>
+      <a:lnRef idx="2">
+        <a:scrgbClr r="0" g="0" b="0"/>
+      </a:lnRef>
+      <a:fillRef idx="1">
+        <a:scrgbClr r="0" g="0" b="0"/>
+      </a:fillRef>
+      <a:effectRef idx="0">
+        <a:scrgbClr r="0" g="0" b="0"/>
+      </a:effectRef>
+      <a:fontRef idx="minor">
+        <a:schemeClr val="lt1"/>
+      </a:fontRef>
+    </dgm:style>
+  </dgm:styleLbl>
+  <dgm:styleLbl name="asst3">
+    <dgm:scene3d>
+      <a:camera prst="orthographicFront"/>
+      <a:lightRig rig="threePt" dir="t"/>
+    </dgm:scene3d>
+    <dgm:sp3d/>
+    <dgm:txPr/>
+    <dgm:style>
+      <a:lnRef idx="2">
+        <a:scrgbClr r="0" g="0" b="0"/>
+      </a:lnRef>
+      <a:fillRef idx="1">
+        <a:scrgbClr r="0" g="0" b="0"/>
+      </a:fillRef>
+      <a:effectRef idx="0">
+        <a:scrgbClr r="0" g="0" b="0"/>
+      </a:effectRef>
+      <a:fontRef idx="minor">
+        <a:schemeClr val="lt1"/>
+      </a:fontRef>
+    </dgm:style>
+  </dgm:styleLbl>
+  <dgm:styleLbl name="asst4">
+    <dgm:scene3d>
+      <a:camera prst="orthographicFront"/>
+      <a:lightRig rig="threePt" dir="t"/>
+    </dgm:scene3d>
+    <dgm:sp3d/>
+    <dgm:txPr/>
+    <dgm:style>
+      <a:lnRef idx="2">
+        <a:scrgbClr r="0" g="0" b="0"/>
+      </a:lnRef>
+      <a:fillRef idx="1">
+        <a:scrgbClr r="0" g="0" b="0"/>
+      </a:fillRef>
+      <a:effectRef idx="0">
+        <a:scrgbClr r="0" g="0" b="0"/>
+      </a:effectRef>
+      <a:fontRef idx="minor">
+        <a:schemeClr val="lt1"/>
+      </a:fontRef>
+    </dgm:style>
+  </dgm:styleLbl>
+  <dgm:styleLbl name="parChTrans2D1">
+    <dgm:scene3d>
+      <a:camera prst="orthographicFront"/>
+      <a:lightRig rig="threePt" dir="t"/>
+    </dgm:scene3d>
+    <dgm:sp3d/>
+    <dgm:txPr/>
+    <dgm:style>
+      <a:lnRef idx="2">
+        <a:scrgbClr r="0" g="0" b="0"/>
+      </a:lnRef>
+      <a:fillRef idx="1">
+        <a:scrgbClr r="0" g="0" b="0"/>
+      </a:fillRef>
+      <a:effectRef idx="0">
+        <a:scrgbClr r="0" g="0" b="0"/>
+      </a:effectRef>
+      <a:fontRef idx="minor">
+        <a:schemeClr val="lt1"/>
+      </a:fontRef>
+    </dgm:style>
+  </dgm:styleLbl>
+  <dgm:styleLbl name="parChTrans2D2">
+    <dgm:scene3d>
+      <a:camera prst="orthographicFront"/>
+      <a:lightRig rig="threePt" dir="t"/>
+    </dgm:scene3d>
+    <dgm:sp3d/>
+    <dgm:txPr/>
+    <dgm:style>
+      <a:lnRef idx="2">
+        <a:scrgbClr r="0" g="0" b="0"/>
+      </a:lnRef>
+      <a:fillRef idx="1">
+        <a:scrgbClr r="0" g="0" b="0"/>
+      </a:fillRef>
+      <a:effectRef idx="0">
+        <a:scrgbClr r="0" g="0" b="0"/>
+      </a:effectRef>
+      <a:fontRef idx="minor">
+        <a:schemeClr val="lt1"/>
+      </a:fontRef>
+    </dgm:style>
+  </dgm:styleLbl>
+  <dgm:styleLbl name="parChTrans2D3">
+    <dgm:scene3d>
+      <a:camera prst="orthographicFront"/>
+      <a:lightRig rig="threePt" dir="t"/>
+    </dgm:scene3d>
+    <dgm:sp3d/>
+    <dgm:txPr/>
+    <dgm:style>
+      <a:lnRef idx="2">
+        <a:scrgbClr r="0" g="0" b="0"/>
+      </a:lnRef>
+      <a:fillRef idx="1">
+        <a:scrgbClr r="0" g="0" b="0"/>
+      </a:fillRef>
+      <a:effectRef idx="0">
+        <a:scrgbClr r="0" g="0" b="0"/>
+      </a:effectRef>
+      <a:fontRef idx="minor">
+        <a:schemeClr val="lt1"/>
+      </a:fontRef>
+    </dgm:style>
+  </dgm:styleLbl>
+  <dgm:styleLbl name="parChTrans2D4">
+    <dgm:scene3d>
+      <a:camera prst="orthographicFront"/>
+      <a:lightRig rig="threePt" dir="t"/>
+    </dgm:scene3d>
+    <dgm:sp3d/>
+    <dgm:txPr/>
+    <dgm:style>
+      <a:lnRef idx="2">
+        <a:scrgbClr r="0" g="0" b="0"/>
+      </a:lnRef>
+      <a:fillRef idx="1">
+        <a:scrgbClr r="0" g="0" b="0"/>
+      </a:fillRef>
+      <a:effectRef idx="0">
+        <a:scrgbClr r="0" g="0" b="0"/>
+      </a:effectRef>
+      <a:fontRef idx="minor">
+        <a:schemeClr val="lt1"/>
+      </a:fontRef>
+    </dgm:style>
+  </dgm:styleLbl>
+  <dgm:styleLbl name="parChTrans1D1">
+    <dgm:scene3d>
+      <a:camera prst="orthographicFront"/>
+      <a:lightRig rig="threePt" dir="t"/>
+    </dgm:scene3d>
+    <dgm:sp3d/>
+    <dgm:txPr/>
+    <dgm:style>
+      <a:lnRef idx="2">
+        <a:scrgbClr r="0" g="0" b="0"/>
+      </a:lnRef>
+      <a:fillRef idx="0">
+        <a:scrgbClr r="0" g="0" b="0"/>
+      </a:fillRef>
+      <a:effectRef idx="0">
+        <a:scrgbClr r="0" g="0" b="0"/>
+      </a:effectRef>
+      <a:fontRef idx="minor"/>
+    </dgm:style>
+  </dgm:styleLbl>
+  <dgm:styleLbl name="parChTrans1D2">
+    <dgm:scene3d>
+      <a:camera prst="orthographicFront"/>
+      <a:lightRig rig="threePt" dir="t"/>
+    </dgm:scene3d>
+    <dgm:sp3d/>
+    <dgm:txPr/>
+    <dgm:style>
+      <a:lnRef idx="2">
+        <a:scrgbClr r="0" g="0" b="0"/>
+      </a:lnRef>
+      <a:fillRef idx="0">
+        <a:scrgbClr r="0" g="0" b="0"/>
+      </a:fillRef>
+      <a:effectRef idx="0">
+        <a:scrgbClr r="0" g="0" b="0"/>
+      </a:effectRef>
+      <a:fontRef idx="minor"/>
+    </dgm:style>
+  </dgm:styleLbl>
+  <dgm:styleLbl name="parChTrans1D3">
+    <dgm:scene3d>
+      <a:camera prst="orthographicFront"/>
+      <a:lightRig rig="threePt" dir="t"/>
+    </dgm:scene3d>
+    <dgm:sp3d/>
+    <dgm:txPr/>
+    <dgm:style>
+      <a:lnRef idx="2">
+        <a:scrgbClr r="0" g="0" b="0"/>
+      </a:lnRef>
+      <a:fillRef idx="0">
+        <a:scrgbClr r="0" g="0" b="0"/>
+      </a:fillRef>
+      <a:effectRef idx="0">
+        <a:scrgbClr r="0" g="0" b="0"/>
+      </a:effectRef>
+      <a:fontRef idx="minor"/>
+    </dgm:style>
+  </dgm:styleLbl>
+  <dgm:styleLbl name="parChTrans1D4">
+    <dgm:scene3d>
+      <a:camera prst="orthographicFront"/>
+      <a:lightRig rig="threePt" dir="t"/>
+    </dgm:scene3d>
+    <dgm:sp3d/>
+    <dgm:txPr/>
+    <dgm:style>
+      <a:lnRef idx="2">
+        <a:scrgbClr r="0" g="0" b="0"/>
+      </a:lnRef>
+      <a:fillRef idx="0">
+        <a:scrgbClr r="0" g="0" b="0"/>
+      </a:fillRef>
+      <a:effectRef idx="0">
+        <a:scrgbClr r="0" g="0" b="0"/>
+      </a:effectRef>
+      <a:fontRef idx="minor"/>
+    </dgm:style>
+  </dgm:styleLbl>
+  <dgm:styleLbl name="fgAcc1">
+    <dgm:scene3d>
+      <a:camera prst="orthographicFront"/>
+      <a:lightRig rig="threePt" dir="t"/>
+    </dgm:scene3d>
+    <dgm:sp3d/>
+    <dgm:txPr/>
+    <dgm:style>
+      <a:lnRef idx="2">
+        <a:scrgbClr r="0" g="0" b="0"/>
+      </a:lnRef>
+      <a:fillRef idx="1">
+        <a:scrgbClr r="0" g="0" b="0"/>
+      </a:fillRef>
+      <a:effectRef idx="0">
+        <a:scrgbClr r="0" g="0" b="0"/>
+      </a:effectRef>
+      <a:fontRef idx="minor"/>
+    </dgm:style>
+  </dgm:styleLbl>
+  <dgm:styleLbl name="conFgAcc1">
+    <dgm:scene3d>
+      <a:camera prst="orthographicFront"/>
+      <a:lightRig rig="threePt" dir="t"/>
+    </dgm:scene3d>
+    <dgm:sp3d/>
+    <dgm:txPr/>
+    <dgm:style>
+      <a:lnRef idx="2">
+        <a:scrgbClr r="0" g="0" b="0"/>
+      </a:lnRef>
+      <a:fillRef idx="1">
+        <a:scrgbClr r="0" g="0" b="0"/>
+      </a:fillRef>
+      <a:effectRef idx="0">
+        <a:scrgbClr r="0" g="0" b="0"/>
+      </a:effectRef>
+      <a:fontRef idx="minor"/>
+    </dgm:style>
+  </dgm:styleLbl>
+  <dgm:styleLbl name="alignAcc1">
+    <dgm:scene3d>
+      <a:camera prst="orthographicFront"/>
+      <a:lightRig rig="threePt" dir="t"/>
+    </dgm:scene3d>
+    <dgm:sp3d/>
+    <dgm:txPr/>
+    <dgm:style>
+      <a:lnRef idx="2">
+        <a:scrgbClr r="0" g="0" b="0"/>
+      </a:lnRef>
+      <a:fillRef idx="1">
+        <a:scrgbClr r="0" g="0" b="0"/>
+      </a:fillRef>
+      <a:effectRef idx="0">
+        <a:scrgbClr r="0" g="0" b="0"/>
+      </a:effectRef>
+      <a:fontRef idx="minor"/>
+    </dgm:style>
+  </dgm:styleLbl>
+  <dgm:styleLbl name="trAlignAcc1">
+    <dgm:scene3d>
+      <a:camera prst="orthographicFront"/>
+      <a:lightRig rig="threePt" dir="t"/>
+    </dgm:scene3d>
+    <dgm:sp3d/>
+    <dgm:txPr/>
+    <dgm:style>
+      <a:lnRef idx="1">
+        <a:scrgbClr r="0" g="0" b="0"/>
+      </a:lnRef>
+      <a:fillRef idx="1">
+        <a:scrgbClr r="0" g="0" b="0"/>
+      </a:fillRef>
+      <a:effectRef idx="0">
+        <a:scrgbClr r="0" g="0" b="0"/>
+      </a:effectRef>
+      <a:fontRef idx="minor"/>
+    </dgm:style>
+  </dgm:styleLbl>
+  <dgm:styleLbl name="bgAcc1">
+    <dgm:scene3d>
+      <a:camera prst="orthographicFront"/>
+      <a:lightRig rig="threePt" dir="t"/>
+    </dgm:scene3d>
+    <dgm:sp3d/>
+    <dgm:txPr/>
+    <dgm:style>
+      <a:lnRef idx="2">
+        <a:scrgbClr r="0" g="0" b="0"/>
+      </a:lnRef>
+      <a:fillRef idx="1">
+        <a:scrgbClr r="0" g="0" b="0"/>
+      </a:fillRef>
+      <a:effectRef idx="0">
+        <a:scrgbClr r="0" g="0" b="0"/>
+      </a:effectRef>
+      <a:fontRef idx="minor"/>
+    </dgm:style>
+  </dgm:styleLbl>
+  <dgm:styleLbl name="solidFgAcc1">
+    <dgm:scene3d>
+      <a:camera prst="orthographicFront"/>
+      <a:lightRig rig="threePt" dir="t"/>
+    </dgm:scene3d>
+    <dgm:sp3d/>
+    <dgm:txPr/>
+    <dgm:style>
+      <a:lnRef idx="2">
+        <a:scrgbClr r="0" g="0" b="0"/>
+      </a:lnRef>
+      <a:fillRef idx="1">
+        <a:scrgbClr r="0" g="0" b="0"/>
+      </a:fillRef>
+      <a:effectRef idx="0">
+        <a:scrgbClr r="0" g="0" b="0"/>
+      </a:effectRef>
+      <a:fontRef idx="minor"/>
+    </dgm:style>
+  </dgm:styleLbl>
+  <dgm:styleLbl name="solidAlignAcc1">
+    <dgm:scene3d>
+      <a:camera prst="orthographicFront"/>
+      <a:lightRig rig="threePt" dir="t"/>
+    </dgm:scene3d>
+    <dgm:sp3d/>
+    <dgm:txPr/>
+    <dgm:style>
+      <a:lnRef idx="2">
+        <a:scrgbClr r="0" g="0" b="0"/>
+      </a:lnRef>
+      <a:fillRef idx="1">
+        <a:scrgbClr r="0" g="0" b="0"/>
+      </a:fillRef>
+      <a:effectRef idx="0">
+        <a:scrgbClr r="0" g="0" b="0"/>
+      </a:effectRef>
+      <a:fontRef idx="minor"/>
+    </dgm:style>
+  </dgm:styleLbl>
+  <dgm:styleLbl name="solidBgAcc1">
+    <dgm:scene3d>
+      <a:camera prst="orthographicFront"/>
+      <a:lightRig rig="threePt" dir="t"/>
+    </dgm:scene3d>
+    <dgm:sp3d/>
+    <dgm:txPr/>
+    <dgm:style>
+      <a:lnRef idx="2">
+        <a:scrgbClr r="0" g="0" b="0"/>
+      </a:lnRef>
+      <a:fillRef idx="1">
+        <a:scrgbClr r="0" g="0" b="0"/>
+      </a:fillRef>
+      <a:effectRef idx="0">
+        <a:scrgbClr r="0" g="0" b="0"/>
+      </a:effectRef>
+      <a:fontRef idx="minor"/>
+    </dgm:style>
+  </dgm:styleLbl>
+  <dgm:styleLbl name="fgAccFollowNode1">
+    <dgm:scene3d>
+      <a:camera prst="orthographicFront"/>
+      <a:lightRig rig="threePt" dir="t"/>
+    </dgm:scene3d>
+    <dgm:sp3d/>
+    <dgm:txPr/>
+    <dgm:style>
+      <a:lnRef idx="2">
+        <a:scrgbClr r="0" g="0" b="0"/>
+      </a:lnRef>
+      <a:fillRef idx="1">
+        <a:scrgbClr r="0" g="0" b="0"/>
+      </a:fillRef>
+      <a:effectRef idx="0">
+        <a:scrgbClr r="0" g="0" b="0"/>
+      </a:effectRef>
+      <a:fontRef idx="minor"/>
+    </dgm:style>
+  </dgm:styleLbl>
+  <dgm:styleLbl name="alignAccFollowNode1">
+    <dgm:scene3d>
+      <a:camera prst="orthographicFront"/>
+      <a:lightRig rig="threePt" dir="t"/>
+    </dgm:scene3d>
+    <dgm:sp3d/>
+    <dgm:txPr/>
+    <dgm:style>
+      <a:lnRef idx="2">
+        <a:scrgbClr r="0" g="0" b="0"/>
+      </a:lnRef>
+      <a:fillRef idx="1">
+        <a:scrgbClr r="0" g="0" b="0"/>
+      </a:fillRef>
+      <a:effectRef idx="0">
+        <a:scrgbClr r="0" g="0" b="0"/>
+      </a:effectRef>
+      <a:fontRef idx="minor"/>
+    </dgm:style>
+  </dgm:styleLbl>
+  <dgm:styleLbl name="bgAccFollowNode1">
+    <dgm:scene3d>
+      <a:camera prst="orthographicFront"/>
+      <a:lightRig rig="threePt" dir="t"/>
+    </dgm:scene3d>
+    <dgm:sp3d/>
+    <dgm:txPr/>
+    <dgm:style>
+      <a:lnRef idx="2">
+        <a:scrgbClr r="0" g="0" b="0"/>
+      </a:lnRef>
+      <a:fillRef idx="1">
+        <a:scrgbClr r="0" g="0" b="0"/>
+      </a:fillRef>
+      <a:effectRef idx="0">
+        <a:scrgbClr r="0" g="0" b="0"/>
+      </a:effectRef>
+      <a:fontRef idx="minor"/>
+    </dgm:style>
+  </dgm:styleLbl>
+  <dgm:styleLbl name="fgAcc0">
+    <dgm:scene3d>
+      <a:camera prst="orthographicFront"/>
+      <a:lightRig rig="threePt" dir="t"/>
+    </dgm:scene3d>
+    <dgm:sp3d/>
+    <dgm:txPr/>
+    <dgm:style>
+      <a:lnRef idx="2">
+        <a:scrgbClr r="0" g="0" b="0"/>
+      </a:lnRef>
+      <a:fillRef idx="1">
+        <a:scrgbClr r="0" g="0" b="0"/>
+      </a:fillRef>
+      <a:effectRef idx="0">
+        <a:scrgbClr r="0" g="0" b="0"/>
+      </a:effectRef>
+      <a:fontRef idx="minor"/>
+    </dgm:style>
+  </dgm:styleLbl>
+  <dgm:styleLbl name="fgAcc2">
+    <dgm:scene3d>
+      <a:camera prst="orthographicFront"/>
+      <a:lightRig rig="threePt" dir="t"/>
+    </dgm:scene3d>
+    <dgm:sp3d/>
+    <dgm:txPr/>
+    <dgm:style>
+      <a:lnRef idx="2">
+        <a:scrgbClr r="0" g="0" b="0"/>
+      </a:lnRef>
+      <a:fillRef idx="1">
+        <a:scrgbClr r="0" g="0" b="0"/>
+      </a:fillRef>
+      <a:effectRef idx="0">
+        <a:scrgbClr r="0" g="0" b="0"/>
+      </a:effectRef>
+      <a:fontRef idx="minor"/>
+    </dgm:style>
+  </dgm:styleLbl>
+  <dgm:styleLbl name="fgAcc3">
+    <dgm:scene3d>
+      <a:camera prst="orthographicFront"/>
+      <a:lightRig rig="threePt" dir="t"/>
+    </dgm:scene3d>
+    <dgm:sp3d/>
+    <dgm:txPr/>
+    <dgm:style>
+      <a:lnRef idx="2">
+        <a:scrgbClr r="0" g="0" b="0"/>
+      </a:lnRef>
+      <a:fillRef idx="1">
+        <a:scrgbClr r="0" g="0" b="0"/>
+      </a:fillRef>
+      <a:effectRef idx="0">
+        <a:scrgbClr r="0" g="0" b="0"/>
+      </a:effectRef>
+      <a:fontRef idx="minor"/>
+    </dgm:style>
+  </dgm:styleLbl>
+  <dgm:styleLbl name="fgAcc4">
+    <dgm:scene3d>
+      <a:camera prst="orthographicFront"/>
+      <a:lightRig rig="threePt" dir="t"/>
+    </dgm:scene3d>
+    <dgm:sp3d/>
+    <dgm:txPr/>
+    <dgm:style>
+      <a:lnRef idx="2">
+        <a:scrgbClr r="0" g="0" b="0"/>
+      </a:lnRef>
+      <a:fillRef idx="1">
+        <a:scrgbClr r="0" g="0" b="0"/>
+      </a:fillRef>
+      <a:effectRef idx="0">
+        <a:scrgbClr r="0" g="0" b="0"/>
+      </a:effectRef>
+      <a:fontRef idx="minor"/>
+    </dgm:style>
+  </dgm:styleLbl>
+  <dgm:styleLbl name="bgShp">
+    <dgm:scene3d>
+      <a:camera prst="orthographicFront"/>
+      <a:lightRig rig="threePt" dir="t"/>
+    </dgm:scene3d>
+    <dgm:sp3d/>
+    <dgm:txPr/>
+    <dgm:style>
+      <a:lnRef idx="0">
+        <a:scrgbClr r="0" g="0" b="0"/>
+      </a:lnRef>
+      <a:fillRef idx="1">
+        <a:scrgbClr r="0" g="0" b="0"/>
+      </a:fillRef>
+      <a:effectRef idx="0">
+        <a:scrgbClr r="0" g="0" b="0"/>
+      </a:effectRef>
+      <a:fontRef idx="minor"/>
+    </dgm:style>
+  </dgm:styleLbl>
+  <dgm:styleLbl name="dkBgShp">
+    <dgm:scene3d>
+      <a:camera prst="orthographicFront"/>
+      <a:lightRig rig="threePt" dir="t"/>
+    </dgm:scene3d>
+    <dgm:sp3d/>
+    <dgm:txPr/>
+    <dgm:style>
+      <a:lnRef idx="0">
+        <a:scrgbClr r="0" g="0" b="0"/>
+      </a:lnRef>
+      <a:fillRef idx="1">
+        <a:scrgbClr r="0" g="0" b="0"/>
+      </a:fillRef>
+      <a:effectRef idx="0">
+        <a:scrgbClr r="0" g="0" b="0"/>
+      </a:effectRef>
+      <a:fontRef idx="minor"/>
+    </dgm:style>
+  </dgm:styleLbl>
+  <dgm:styleLbl name="trBgShp">
+    <dgm:scene3d>
+      <a:camera prst="orthographicFront"/>
+      <a:lightRig rig="threePt" dir="t"/>
+    </dgm:scene3d>
+    <dgm:sp3d/>
+    <dgm:txPr/>
+    <dgm:style>
+      <a:lnRef idx="0">
+        <a:scrgbClr r="0" g="0" b="0"/>
+      </a:lnRef>
+      <a:fillRef idx="1">
+        <a:scrgbClr r="0" g="0" b="0"/>
+      </a:fillRef>
+      <a:effectRef idx="0">
+        <a:scrgbClr r="0" g="0" b="0"/>
+      </a:effectRef>
+      <a:fontRef idx="minor"/>
+    </dgm:style>
+  </dgm:styleLbl>
+  <dgm:styleLbl name="fgShp">
+    <dgm:scene3d>
+      <a:camera prst="orthographicFront"/>
+      <a:lightRig rig="threePt" dir="t"/>
+    </dgm:scene3d>
+    <dgm:sp3d/>
+    <dgm:txPr/>
+    <dgm:style>
+      <a:lnRef idx="2">
+        <a:scrgbClr r="0" g="0" b="0"/>
+      </a:lnRef>
+      <a:fillRef idx="1">
+        <a:scrgbClr r="0" g="0" b="0"/>
+      </a:fillRef>
+      <a:effectRef idx="0">
+        <a:scrgbClr r="0" g="0" b="0"/>
+      </a:effectRef>
+      <a:fontRef idx="minor"/>
+    </dgm:style>
+  </dgm:styleLbl>
+  <dgm:styleLbl name="revTx">
+    <dgm:scene3d>
+      <a:camera prst="orthographicFront"/>
+      <a:lightRig rig="threePt" dir="t"/>
+    </dgm:scene3d>
+    <dgm:sp3d/>
+    <dgm:txPr/>
+    <dgm:style>
+      <a:lnRef idx="0">
+        <a:scrgbClr r="0" g="0" b="0"/>
+      </a:lnRef>
+      <a:fillRef idx="0">
+        <a:scrgbClr r="0" g="0" b="0"/>
+      </a:fillRef>
+      <a:effectRef idx="0">
+        <a:scrgbClr r="0" g="0" b="0"/>
+      </a:effectRef>
+      <a:fontRef idx="minor"/>
+    </dgm:style>
+  </dgm:styleLbl>
+</dgm:styleDef>
+</file>
+
 <file path=ppt/notesMasters/notesMaster1.xml><?xml version="1.0" encoding="utf-8"?>
 <p:notesMaster xmlns:a="http://schemas.openxmlformats.org/drawingml/2006/main" xmlns:r="http://schemas.openxmlformats.org/officeDocument/2006/relationships" xmlns:p="http://schemas.openxmlformats.org/presentationml/2006/main">
   <p:cSld>
@@ -247,7 +2858,7 @@
           <a:p>
             <a:fld id="{DE914C13-989A-477A-9CB3-5348B7845306}" type="datetimeFigureOut">
               <a:rPr lang="zh-CN" altLang="en-US" smtClean="0"/>
-              <a:t>2013/2/25</a:t>
+              <a:t>2013/2/26</a:t>
             </a:fld>
             <a:endParaRPr lang="zh-CN" altLang="en-US"/>
           </a:p>
@@ -748,7 +3359,7 @@
           <a:p>
             <a:fld id="{F97F956F-0FB0-49A7-9A65-ECFE7CD21C1F}" type="slidenum">
               <a:rPr lang="zh-CN" altLang="en-US" smtClean="0"/>
-              <a:t>14</a:t>
+              <a:t>15</a:t>
             </a:fld>
             <a:endParaRPr lang="zh-CN" altLang="en-US"/>
           </a:p>
@@ -832,7 +3443,7 @@
           <a:p>
             <a:fld id="{F97F956F-0FB0-49A7-9A65-ECFE7CD21C1F}" type="slidenum">
               <a:rPr lang="zh-CN" altLang="en-US" smtClean="0"/>
-              <a:t>15</a:t>
+              <a:t>16</a:t>
             </a:fld>
             <a:endParaRPr lang="zh-CN" altLang="en-US"/>
           </a:p>
@@ -11517,6 +14128,2125 @@
           <a:lstStyle/>
           <a:p>
             <a:r>
+              <a:rPr lang="en-US" altLang="zh-CN" dirty="0" smtClean="0"/>
+              <a:t>Google </a:t>
+            </a:r>
+            <a:r>
+              <a:rPr lang="en-US" altLang="zh-CN" dirty="0" err="1" smtClean="0"/>
+              <a:t>Dremel</a:t>
+            </a:r>
+            <a:endParaRPr lang="zh-CN" altLang="en-US" dirty="0"/>
+          </a:p>
+        </p:txBody>
+      </p:sp>
+      <p:sp>
+        <p:nvSpPr>
+          <p:cNvPr id="3" name="内容占位符 2"/>
+          <p:cNvSpPr>
+            <a:spLocks noGrp="1"/>
+          </p:cNvSpPr>
+          <p:nvPr>
+            <p:ph idx="1"/>
+          </p:nvPr>
+        </p:nvSpPr>
+        <p:spPr>
+          <a:xfrm>
+            <a:off x="3131840" y="1600200"/>
+            <a:ext cx="5554960" cy="4525963"/>
+          </a:xfrm>
+        </p:spPr>
+        <p:txBody>
+          <a:bodyPr/>
+          <a:lstStyle/>
+          <a:p>
+            <a:r>
+              <a:rPr lang="zh-CN" altLang="en-US" sz="2400" dirty="0" smtClean="0"/>
+              <a:t>数据模型类似</a:t>
+            </a:r>
+            <a:r>
+              <a:rPr lang="en-US" altLang="zh-CN" sz="2400" dirty="0" err="1"/>
+              <a:t>Json</a:t>
+            </a:r>
+            <a:r>
+              <a:rPr lang="zh-CN" altLang="en-US" sz="2400" dirty="0" smtClean="0"/>
+              <a:t>是</a:t>
+            </a:r>
+            <a:r>
+              <a:rPr lang="zh-CN" altLang="en-US" sz="2400" dirty="0"/>
+              <a:t>嵌套</a:t>
+            </a:r>
+            <a:r>
+              <a:rPr lang="en-US" altLang="zh-CN" sz="2400" dirty="0"/>
+              <a:t>(nested)</a:t>
+            </a:r>
+            <a:r>
+              <a:rPr lang="zh-CN" altLang="en-US" sz="2400" dirty="0" smtClean="0"/>
+              <a:t>的</a:t>
+            </a:r>
+            <a:endParaRPr lang="en-US" altLang="zh-CN" sz="2400" dirty="0" smtClean="0"/>
+          </a:p>
+          <a:p>
+            <a:r>
+              <a:rPr lang="zh-CN" altLang="en-US" sz="2400" dirty="0" smtClean="0"/>
+              <a:t>数据</a:t>
+            </a:r>
+            <a:r>
+              <a:rPr lang="zh-CN" altLang="en-US" sz="2400" dirty="0"/>
+              <a:t>是用列式存储</a:t>
+            </a:r>
+            <a:r>
+              <a:rPr lang="zh-CN" altLang="en-US" sz="2400" dirty="0" smtClean="0"/>
+              <a:t>的</a:t>
+            </a:r>
+            <a:endParaRPr lang="en-US" altLang="zh-CN" sz="2400" dirty="0" smtClean="0"/>
+          </a:p>
+          <a:p>
+            <a:r>
+              <a:rPr lang="zh-CN" altLang="en-US" sz="2400" dirty="0"/>
+              <a:t>通过查询树，将一个相对巨大复杂的查询，分割成较小较简单的</a:t>
+            </a:r>
+            <a:r>
+              <a:rPr lang="zh-CN" altLang="en-US" sz="2400" dirty="0" smtClean="0"/>
+              <a:t>查询，然后并发执行。</a:t>
+            </a:r>
+            <a:endParaRPr lang="en-US" altLang="zh-CN" sz="2400" dirty="0" smtClean="0"/>
+          </a:p>
+          <a:p>
+            <a:r>
+              <a:rPr lang="zh-CN" altLang="en-US" sz="2400" dirty="0" smtClean="0"/>
+              <a:t>数据是分区的，可以减少扫描范围。</a:t>
+            </a:r>
+            <a:endParaRPr lang="zh-CN" altLang="en-US" sz="2400" dirty="0"/>
+          </a:p>
+        </p:txBody>
+      </p:sp>
+      <p:pic>
+        <p:nvPicPr>
+          <p:cNvPr id="1026" name="Picture 2"/>
+          <p:cNvPicPr>
+            <a:picLocks noChangeAspect="1" noChangeArrowheads="1"/>
+          </p:cNvPicPr>
+          <p:nvPr/>
+        </p:nvPicPr>
+        <p:blipFill>
+          <a:blip r:embed="rId2">
+            <a:extLst>
+              <a:ext uri="{28A0092B-C50C-407E-A947-70E740481C1C}">
+                <a14:useLocalDpi xmlns:a14="http://schemas.microsoft.com/office/drawing/2010/main" val="0"/>
+              </a:ext>
+            </a:extLst>
+          </a:blip>
+          <a:srcRect/>
+          <a:stretch>
+            <a:fillRect/>
+          </a:stretch>
+        </p:blipFill>
+        <p:spPr bwMode="auto">
+          <a:xfrm>
+            <a:off x="473201" y="1433116"/>
+            <a:ext cx="2285554" cy="1751062"/>
+          </a:xfrm>
+          <a:prstGeom prst="rect">
+            <a:avLst/>
+          </a:prstGeom>
+          <a:noFill/>
+          <a:ln>
+            <a:noFill/>
+          </a:ln>
+          <a:effectLst/>
+          <a:extLst>
+            <a:ext uri="{909E8E84-426E-40DD-AFC4-6F175D3DCCD1}">
+              <a14:hiddenFill xmlns:a14="http://schemas.microsoft.com/office/drawing/2010/main">
+                <a:solidFill>
+                  <a:schemeClr val="accent1"/>
+                </a:solidFill>
+              </a14:hiddenFill>
+            </a:ext>
+            <a:ext uri="{91240B29-F687-4F45-9708-019B960494DF}">
+              <a14:hiddenLine xmlns:a14="http://schemas.microsoft.com/office/drawing/2010/main" w="9525">
+                <a:solidFill>
+                  <a:schemeClr val="tx1"/>
+                </a:solidFill>
+                <a:miter lim="800000"/>
+                <a:headEnd/>
+                <a:tailEnd/>
+              </a14:hiddenLine>
+            </a:ext>
+            <a:ext uri="{AF507438-7753-43E0-B8FC-AC1667EBCBE1}">
+              <a14:hiddenEffects xmlns:a14="http://schemas.microsoft.com/office/drawing/2010/main">
+                <a:effectLst>
+                  <a:outerShdw dist="35921" dir="2700000" algn="ctr" rotWithShape="0">
+                    <a:schemeClr val="bg2"/>
+                  </a:outerShdw>
+                </a:effectLst>
+              </a14:hiddenEffects>
+            </a:ext>
+          </a:extLst>
+        </p:spPr>
+      </p:pic>
+      <p:pic>
+        <p:nvPicPr>
+          <p:cNvPr id="1027" name="Picture 3"/>
+          <p:cNvPicPr>
+            <a:picLocks noChangeAspect="1" noChangeArrowheads="1"/>
+          </p:cNvPicPr>
+          <p:nvPr/>
+        </p:nvPicPr>
+        <p:blipFill>
+          <a:blip r:embed="rId3">
+            <a:extLst>
+              <a:ext uri="{28A0092B-C50C-407E-A947-70E740481C1C}">
+                <a14:useLocalDpi xmlns:a14="http://schemas.microsoft.com/office/drawing/2010/main" val="0"/>
+              </a:ext>
+            </a:extLst>
+          </a:blip>
+          <a:srcRect/>
+          <a:stretch>
+            <a:fillRect/>
+          </a:stretch>
+        </p:blipFill>
+        <p:spPr bwMode="auto">
+          <a:xfrm>
+            <a:off x="0" y="3184178"/>
+            <a:ext cx="3231956" cy="3341166"/>
+          </a:xfrm>
+          <a:prstGeom prst="rect">
+            <a:avLst/>
+          </a:prstGeom>
+          <a:noFill/>
+          <a:ln>
+            <a:noFill/>
+          </a:ln>
+          <a:effectLst/>
+          <a:extLst>
+            <a:ext uri="{909E8E84-426E-40DD-AFC4-6F175D3DCCD1}">
+              <a14:hiddenFill xmlns:a14="http://schemas.microsoft.com/office/drawing/2010/main">
+                <a:solidFill>
+                  <a:schemeClr val="accent1"/>
+                </a:solidFill>
+              </a14:hiddenFill>
+            </a:ext>
+            <a:ext uri="{91240B29-F687-4F45-9708-019B960494DF}">
+              <a14:hiddenLine xmlns:a14="http://schemas.microsoft.com/office/drawing/2010/main" w="9525">
+                <a:solidFill>
+                  <a:schemeClr val="tx1"/>
+                </a:solidFill>
+                <a:miter lim="800000"/>
+                <a:headEnd/>
+                <a:tailEnd/>
+              </a14:hiddenLine>
+            </a:ext>
+            <a:ext uri="{AF507438-7753-43E0-B8FC-AC1667EBCBE1}">
+              <a14:hiddenEffects xmlns:a14="http://schemas.microsoft.com/office/drawing/2010/main">
+                <a:effectLst>
+                  <a:outerShdw dist="35921" dir="2700000" algn="ctr" rotWithShape="0">
+                    <a:schemeClr val="bg2"/>
+                  </a:outerShdw>
+                </a:effectLst>
+              </a14:hiddenEffects>
+            </a:ext>
+          </a:extLst>
+        </p:spPr>
+      </p:pic>
+      <p:sp>
+        <p:nvSpPr>
+          <p:cNvPr id="5" name="云形标注 4"/>
+          <p:cNvSpPr/>
+          <p:nvPr/>
+        </p:nvSpPr>
+        <p:spPr>
+          <a:xfrm>
+            <a:off x="3253164" y="4077072"/>
+            <a:ext cx="3096344" cy="1872208"/>
+          </a:xfrm>
+          <a:prstGeom prst="cloudCallout">
+            <a:avLst>
+              <a:gd name="adj1" fmla="val -58965"/>
+              <a:gd name="adj2" fmla="val -29077"/>
+            </a:avLst>
+          </a:prstGeom>
+        </p:spPr>
+        <p:style>
+          <a:lnRef idx="1">
+            <a:schemeClr val="accent2"/>
+          </a:lnRef>
+          <a:fillRef idx="2">
+            <a:schemeClr val="accent2"/>
+          </a:fillRef>
+          <a:effectRef idx="1">
+            <a:schemeClr val="accent2"/>
+          </a:effectRef>
+          <a:fontRef idx="minor">
+            <a:schemeClr val="dk1"/>
+          </a:fontRef>
+        </p:style>
+        <p:txBody>
+          <a:bodyPr rtlCol="0" anchor="ctr"/>
+          <a:lstStyle/>
+          <a:p>
+            <a:pPr algn="ctr"/>
+            <a:r>
+              <a:rPr lang="zh-CN" altLang="en-US" dirty="0" smtClean="0"/>
+              <a:t>只扫描</a:t>
+            </a:r>
+            <a:r>
+              <a:rPr lang="zh-CN" altLang="en-US" dirty="0"/>
+              <a:t>需要</a:t>
+            </a:r>
+            <a:r>
+              <a:rPr lang="zh-CN" altLang="en-US" dirty="0" smtClean="0"/>
+              <a:t>的列</a:t>
+            </a:r>
+            <a:endParaRPr lang="zh-CN" altLang="en-US" dirty="0"/>
+          </a:p>
+        </p:txBody>
+      </p:sp>
+      <p:pic>
+        <p:nvPicPr>
+          <p:cNvPr id="1028" name="Picture 4"/>
+          <p:cNvPicPr>
+            <a:picLocks noChangeAspect="1" noChangeArrowheads="1"/>
+          </p:cNvPicPr>
+          <p:nvPr/>
+        </p:nvPicPr>
+        <p:blipFill>
+          <a:blip r:embed="rId4">
+            <a:extLst>
+              <a:ext uri="{28A0092B-C50C-407E-A947-70E740481C1C}">
+                <a14:useLocalDpi xmlns:a14="http://schemas.microsoft.com/office/drawing/2010/main" val="0"/>
+              </a:ext>
+            </a:extLst>
+          </a:blip>
+          <a:srcRect/>
+          <a:stretch>
+            <a:fillRect/>
+          </a:stretch>
+        </p:blipFill>
+        <p:spPr bwMode="auto">
+          <a:xfrm>
+            <a:off x="6630391" y="1772815"/>
+            <a:ext cx="1943100" cy="3876675"/>
+          </a:xfrm>
+          <a:prstGeom prst="rect">
+            <a:avLst/>
+          </a:prstGeom>
+          <a:noFill/>
+          <a:ln>
+            <a:noFill/>
+          </a:ln>
+          <a:effectLst/>
+          <a:extLst>
+            <a:ext uri="{909E8E84-426E-40DD-AFC4-6F175D3DCCD1}">
+              <a14:hiddenFill xmlns:a14="http://schemas.microsoft.com/office/drawing/2010/main">
+                <a:solidFill>
+                  <a:schemeClr val="accent1"/>
+                </a:solidFill>
+              </a14:hiddenFill>
+            </a:ext>
+            <a:ext uri="{91240B29-F687-4F45-9708-019B960494DF}">
+              <a14:hiddenLine xmlns:a14="http://schemas.microsoft.com/office/drawing/2010/main" w="9525">
+                <a:solidFill>
+                  <a:schemeClr val="tx1"/>
+                </a:solidFill>
+                <a:miter lim="800000"/>
+                <a:headEnd/>
+                <a:tailEnd/>
+              </a14:hiddenLine>
+            </a:ext>
+            <a:ext uri="{AF507438-7753-43E0-B8FC-AC1667EBCBE1}">
+              <a14:hiddenEffects xmlns:a14="http://schemas.microsoft.com/office/drawing/2010/main">
+                <a:effectLst>
+                  <a:outerShdw dist="35921" dir="2700000" algn="ctr" rotWithShape="0">
+                    <a:schemeClr val="bg2"/>
+                  </a:outerShdw>
+                </a:effectLst>
+              </a14:hiddenEffects>
+            </a:ext>
+          </a:extLst>
+        </p:spPr>
+      </p:pic>
+      <p:sp>
+        <p:nvSpPr>
+          <p:cNvPr id="6" name="任意多边形 5"/>
+          <p:cNvSpPr/>
+          <p:nvPr/>
+        </p:nvSpPr>
+        <p:spPr>
+          <a:xfrm>
+            <a:off x="609600" y="3683000"/>
+            <a:ext cx="2781300" cy="885137"/>
+          </a:xfrm>
+          <a:custGeom>
+            <a:avLst/>
+            <a:gdLst>
+              <a:gd name="connsiteX0" fmla="*/ 0 w 2781300"/>
+              <a:gd name="connsiteY0" fmla="*/ 774700 h 885137"/>
+              <a:gd name="connsiteX1" fmla="*/ 1346200 w 2781300"/>
+              <a:gd name="connsiteY1" fmla="*/ 863600 h 885137"/>
+              <a:gd name="connsiteX2" fmla="*/ 2235200 w 2781300"/>
+              <a:gd name="connsiteY2" fmla="*/ 419100 h 885137"/>
+              <a:gd name="connsiteX3" fmla="*/ 2781300 w 2781300"/>
+              <a:gd name="connsiteY3" fmla="*/ 0 h 885137"/>
+            </a:gdLst>
+            <a:ahLst/>
+            <a:cxnLst>
+              <a:cxn ang="0">
+                <a:pos x="connsiteX0" y="connsiteY0"/>
+              </a:cxn>
+              <a:cxn ang="0">
+                <a:pos x="connsiteX1" y="connsiteY1"/>
+              </a:cxn>
+              <a:cxn ang="0">
+                <a:pos x="connsiteX2" y="connsiteY2"/>
+              </a:cxn>
+              <a:cxn ang="0">
+                <a:pos x="connsiteX3" y="connsiteY3"/>
+              </a:cxn>
+            </a:cxnLst>
+            <a:rect l="l" t="t" r="r" b="b"/>
+            <a:pathLst>
+              <a:path w="2781300" h="885137">
+                <a:moveTo>
+                  <a:pt x="0" y="774700"/>
+                </a:moveTo>
+                <a:cubicBezTo>
+                  <a:pt x="486833" y="848783"/>
+                  <a:pt x="973667" y="922867"/>
+                  <a:pt x="1346200" y="863600"/>
+                </a:cubicBezTo>
+                <a:cubicBezTo>
+                  <a:pt x="1718733" y="804333"/>
+                  <a:pt x="1996017" y="563033"/>
+                  <a:pt x="2235200" y="419100"/>
+                </a:cubicBezTo>
+                <a:cubicBezTo>
+                  <a:pt x="2474383" y="275167"/>
+                  <a:pt x="2675467" y="57150"/>
+                  <a:pt x="2781300" y="0"/>
+                </a:cubicBezTo>
+              </a:path>
+            </a:pathLst>
+          </a:custGeom>
+          <a:noFill/>
+        </p:spPr>
+        <p:style>
+          <a:lnRef idx="2">
+            <a:schemeClr val="accent1">
+              <a:shade val="50000"/>
+            </a:schemeClr>
+          </a:lnRef>
+          <a:fillRef idx="1">
+            <a:schemeClr val="accent1"/>
+          </a:fillRef>
+          <a:effectRef idx="0">
+            <a:schemeClr val="accent1"/>
+          </a:effectRef>
+          <a:fontRef idx="minor">
+            <a:schemeClr val="lt1"/>
+          </a:fontRef>
+        </p:style>
+        <p:txBody>
+          <a:bodyPr rtlCol="0" anchor="ctr"/>
+          <a:lstStyle/>
+          <a:p>
+            <a:pPr algn="ctr"/>
+            <a:endParaRPr lang="zh-CN" altLang="en-US"/>
+          </a:p>
+        </p:txBody>
+      </p:sp>
+      <p:sp>
+        <p:nvSpPr>
+          <p:cNvPr id="14" name="任意多边形 13"/>
+          <p:cNvSpPr/>
+          <p:nvPr/>
+        </p:nvSpPr>
+        <p:spPr>
+          <a:xfrm>
+            <a:off x="622300" y="4051300"/>
+            <a:ext cx="2794000" cy="789272"/>
+          </a:xfrm>
+          <a:custGeom>
+            <a:avLst/>
+            <a:gdLst>
+              <a:gd name="connsiteX0" fmla="*/ 0 w 2794000"/>
+              <a:gd name="connsiteY0" fmla="*/ 622300 h 789272"/>
+              <a:gd name="connsiteX1" fmla="*/ 317500 w 2794000"/>
+              <a:gd name="connsiteY1" fmla="*/ 711200 h 789272"/>
+              <a:gd name="connsiteX2" fmla="*/ 1320800 w 2794000"/>
+              <a:gd name="connsiteY2" fmla="*/ 774700 h 789272"/>
+              <a:gd name="connsiteX3" fmla="*/ 2108200 w 2794000"/>
+              <a:gd name="connsiteY3" fmla="*/ 419100 h 789272"/>
+              <a:gd name="connsiteX4" fmla="*/ 2794000 w 2794000"/>
+              <a:gd name="connsiteY4" fmla="*/ 0 h 789272"/>
+            </a:gdLst>
+            <a:ahLst/>
+            <a:cxnLst>
+              <a:cxn ang="0">
+                <a:pos x="connsiteX0" y="connsiteY0"/>
+              </a:cxn>
+              <a:cxn ang="0">
+                <a:pos x="connsiteX1" y="connsiteY1"/>
+              </a:cxn>
+              <a:cxn ang="0">
+                <a:pos x="connsiteX2" y="connsiteY2"/>
+              </a:cxn>
+              <a:cxn ang="0">
+                <a:pos x="connsiteX3" y="connsiteY3"/>
+              </a:cxn>
+              <a:cxn ang="0">
+                <a:pos x="connsiteX4" y="connsiteY4"/>
+              </a:cxn>
+            </a:cxnLst>
+            <a:rect l="l" t="t" r="r" b="b"/>
+            <a:pathLst>
+              <a:path w="2794000" h="789272">
+                <a:moveTo>
+                  <a:pt x="0" y="622300"/>
+                </a:moveTo>
+                <a:cubicBezTo>
+                  <a:pt x="48683" y="654050"/>
+                  <a:pt x="97367" y="685800"/>
+                  <a:pt x="317500" y="711200"/>
+                </a:cubicBezTo>
+                <a:cubicBezTo>
+                  <a:pt x="537633" y="736600"/>
+                  <a:pt x="1022350" y="823383"/>
+                  <a:pt x="1320800" y="774700"/>
+                </a:cubicBezTo>
+                <a:cubicBezTo>
+                  <a:pt x="1619250" y="726017"/>
+                  <a:pt x="1862667" y="548217"/>
+                  <a:pt x="2108200" y="419100"/>
+                </a:cubicBezTo>
+                <a:cubicBezTo>
+                  <a:pt x="2353733" y="289983"/>
+                  <a:pt x="2677583" y="40217"/>
+                  <a:pt x="2794000" y="0"/>
+                </a:cubicBezTo>
+              </a:path>
+            </a:pathLst>
+          </a:custGeom>
+          <a:noFill/>
+        </p:spPr>
+        <p:style>
+          <a:lnRef idx="2">
+            <a:schemeClr val="accent1">
+              <a:shade val="50000"/>
+            </a:schemeClr>
+          </a:lnRef>
+          <a:fillRef idx="1">
+            <a:schemeClr val="accent1"/>
+          </a:fillRef>
+          <a:effectRef idx="0">
+            <a:schemeClr val="accent1"/>
+          </a:effectRef>
+          <a:fontRef idx="minor">
+            <a:schemeClr val="lt1"/>
+          </a:fontRef>
+        </p:style>
+        <p:txBody>
+          <a:bodyPr rtlCol="0" anchor="ctr"/>
+          <a:lstStyle/>
+          <a:p>
+            <a:pPr algn="ctr"/>
+            <a:endParaRPr lang="zh-CN" altLang="en-US"/>
+          </a:p>
+        </p:txBody>
+      </p:sp>
+      <p:sp>
+        <p:nvSpPr>
+          <p:cNvPr id="15" name="任意多边形 14"/>
+          <p:cNvSpPr/>
+          <p:nvPr/>
+        </p:nvSpPr>
+        <p:spPr>
+          <a:xfrm>
+            <a:off x="698500" y="4312158"/>
+            <a:ext cx="2857506" cy="1175519"/>
+          </a:xfrm>
+          <a:custGeom>
+            <a:avLst/>
+            <a:gdLst>
+              <a:gd name="connsiteX0" fmla="*/ 0 w 2857506"/>
+              <a:gd name="connsiteY0" fmla="*/ 704342 h 1175519"/>
+              <a:gd name="connsiteX1" fmla="*/ 1206500 w 2857506"/>
+              <a:gd name="connsiteY1" fmla="*/ 1174242 h 1175519"/>
+              <a:gd name="connsiteX2" fmla="*/ 2032000 w 2857506"/>
+              <a:gd name="connsiteY2" fmla="*/ 577342 h 1175519"/>
+              <a:gd name="connsiteX3" fmla="*/ 2857500 w 2857506"/>
+              <a:gd name="connsiteY3" fmla="*/ 5842 h 1175519"/>
+            </a:gdLst>
+            <a:ahLst/>
+            <a:cxnLst>
+              <a:cxn ang="0">
+                <a:pos x="connsiteX0" y="connsiteY0"/>
+              </a:cxn>
+              <a:cxn ang="0">
+                <a:pos x="connsiteX1" y="connsiteY1"/>
+              </a:cxn>
+              <a:cxn ang="0">
+                <a:pos x="connsiteX2" y="connsiteY2"/>
+              </a:cxn>
+              <a:cxn ang="0">
+                <a:pos x="connsiteX3" y="connsiteY3"/>
+              </a:cxn>
+            </a:cxnLst>
+            <a:rect l="l" t="t" r="r" b="b"/>
+            <a:pathLst>
+              <a:path w="2857506" h="1175519">
+                <a:moveTo>
+                  <a:pt x="0" y="704342"/>
+                </a:moveTo>
+                <a:cubicBezTo>
+                  <a:pt x="433916" y="949875"/>
+                  <a:pt x="867833" y="1195409"/>
+                  <a:pt x="1206500" y="1174242"/>
+                </a:cubicBezTo>
+                <a:cubicBezTo>
+                  <a:pt x="1545167" y="1153075"/>
+                  <a:pt x="1756833" y="772075"/>
+                  <a:pt x="2032000" y="577342"/>
+                </a:cubicBezTo>
+                <a:cubicBezTo>
+                  <a:pt x="2307167" y="382609"/>
+                  <a:pt x="2859617" y="-55541"/>
+                  <a:pt x="2857500" y="5842"/>
+                </a:cubicBezTo>
+              </a:path>
+            </a:pathLst>
+          </a:custGeom>
+          <a:noFill/>
+        </p:spPr>
+        <p:style>
+          <a:lnRef idx="2">
+            <a:schemeClr val="accent1">
+              <a:shade val="50000"/>
+            </a:schemeClr>
+          </a:lnRef>
+          <a:fillRef idx="1">
+            <a:schemeClr val="accent1"/>
+          </a:fillRef>
+          <a:effectRef idx="0">
+            <a:schemeClr val="accent1"/>
+          </a:effectRef>
+          <a:fontRef idx="minor">
+            <a:schemeClr val="lt1"/>
+          </a:fontRef>
+        </p:style>
+        <p:txBody>
+          <a:bodyPr rtlCol="0" anchor="ctr"/>
+          <a:lstStyle/>
+          <a:p>
+            <a:pPr algn="ctr"/>
+            <a:endParaRPr lang="zh-CN" altLang="en-US"/>
+          </a:p>
+        </p:txBody>
+      </p:sp>
+      <p:sp>
+        <p:nvSpPr>
+          <p:cNvPr id="16" name="任意多边形 15"/>
+          <p:cNvSpPr/>
+          <p:nvPr/>
+        </p:nvSpPr>
+        <p:spPr>
+          <a:xfrm>
+            <a:off x="749300" y="4737100"/>
+            <a:ext cx="2844800" cy="1498693"/>
+          </a:xfrm>
+          <a:custGeom>
+            <a:avLst/>
+            <a:gdLst>
+              <a:gd name="connsiteX0" fmla="*/ 0 w 2844800"/>
+              <a:gd name="connsiteY0" fmla="*/ 635000 h 1498693"/>
+              <a:gd name="connsiteX1" fmla="*/ 1130300 w 2844800"/>
+              <a:gd name="connsiteY1" fmla="*/ 1498600 h 1498693"/>
+              <a:gd name="connsiteX2" fmla="*/ 1981200 w 2844800"/>
+              <a:gd name="connsiteY2" fmla="*/ 685800 h 1498693"/>
+              <a:gd name="connsiteX3" fmla="*/ 2844800 w 2844800"/>
+              <a:gd name="connsiteY3" fmla="*/ 0 h 1498693"/>
+            </a:gdLst>
+            <a:ahLst/>
+            <a:cxnLst>
+              <a:cxn ang="0">
+                <a:pos x="connsiteX0" y="connsiteY0"/>
+              </a:cxn>
+              <a:cxn ang="0">
+                <a:pos x="connsiteX1" y="connsiteY1"/>
+              </a:cxn>
+              <a:cxn ang="0">
+                <a:pos x="connsiteX2" y="connsiteY2"/>
+              </a:cxn>
+              <a:cxn ang="0">
+                <a:pos x="connsiteX3" y="connsiteY3"/>
+              </a:cxn>
+            </a:cxnLst>
+            <a:rect l="l" t="t" r="r" b="b"/>
+            <a:pathLst>
+              <a:path w="2844800" h="1498693">
+                <a:moveTo>
+                  <a:pt x="0" y="635000"/>
+                </a:moveTo>
+                <a:cubicBezTo>
+                  <a:pt x="400050" y="1062566"/>
+                  <a:pt x="800100" y="1490133"/>
+                  <a:pt x="1130300" y="1498600"/>
+                </a:cubicBezTo>
+                <a:cubicBezTo>
+                  <a:pt x="1460500" y="1507067"/>
+                  <a:pt x="1695450" y="935567"/>
+                  <a:pt x="1981200" y="685800"/>
+                </a:cubicBezTo>
+                <a:cubicBezTo>
+                  <a:pt x="2266950" y="436033"/>
+                  <a:pt x="2734734" y="19050"/>
+                  <a:pt x="2844800" y="0"/>
+                </a:cubicBezTo>
+              </a:path>
+            </a:pathLst>
+          </a:custGeom>
+          <a:noFill/>
+        </p:spPr>
+        <p:style>
+          <a:lnRef idx="2">
+            <a:schemeClr val="accent1">
+              <a:shade val="50000"/>
+            </a:schemeClr>
+          </a:lnRef>
+          <a:fillRef idx="1">
+            <a:schemeClr val="accent1"/>
+          </a:fillRef>
+          <a:effectRef idx="0">
+            <a:schemeClr val="accent1"/>
+          </a:effectRef>
+          <a:fontRef idx="minor">
+            <a:schemeClr val="lt1"/>
+          </a:fontRef>
+        </p:style>
+        <p:txBody>
+          <a:bodyPr rtlCol="0" anchor="ctr"/>
+          <a:lstStyle/>
+          <a:p>
+            <a:pPr algn="ctr"/>
+            <a:endParaRPr lang="zh-CN" altLang="en-US"/>
+          </a:p>
+        </p:txBody>
+      </p:sp>
+      <p:sp>
+        <p:nvSpPr>
+          <p:cNvPr id="18" name="右大括号 17"/>
+          <p:cNvSpPr/>
+          <p:nvPr/>
+        </p:nvSpPr>
+        <p:spPr>
+          <a:xfrm>
+            <a:off x="3445771" y="3683000"/>
+            <a:ext cx="439930" cy="1054100"/>
+          </a:xfrm>
+          <a:prstGeom prst="rightBrace">
+            <a:avLst/>
+          </a:prstGeom>
+        </p:spPr>
+        <p:style>
+          <a:lnRef idx="1">
+            <a:schemeClr val="accent1"/>
+          </a:lnRef>
+          <a:fillRef idx="0">
+            <a:schemeClr val="accent1"/>
+          </a:fillRef>
+          <a:effectRef idx="0">
+            <a:schemeClr val="accent1"/>
+          </a:effectRef>
+          <a:fontRef idx="minor">
+            <a:schemeClr val="tx1"/>
+          </a:fontRef>
+        </p:style>
+        <p:txBody>
+          <a:bodyPr rtlCol="0" anchor="ctr"/>
+          <a:lstStyle/>
+          <a:p>
+            <a:pPr algn="ctr"/>
+            <a:endParaRPr lang="zh-CN" altLang="en-US"/>
+          </a:p>
+        </p:txBody>
+      </p:sp>
+      <p:sp>
+        <p:nvSpPr>
+          <p:cNvPr id="19" name="云形标注 18"/>
+          <p:cNvSpPr/>
+          <p:nvPr/>
+        </p:nvSpPr>
+        <p:spPr>
+          <a:xfrm>
+            <a:off x="3864865" y="3794171"/>
+            <a:ext cx="3494611" cy="1303529"/>
+          </a:xfrm>
+          <a:prstGeom prst="cloudCallout">
+            <a:avLst>
+              <a:gd name="adj1" fmla="val -53759"/>
+              <a:gd name="adj2" fmla="val -18172"/>
+            </a:avLst>
+          </a:prstGeom>
+        </p:spPr>
+        <p:style>
+          <a:lnRef idx="1">
+            <a:schemeClr val="accent2"/>
+          </a:lnRef>
+          <a:fillRef idx="2">
+            <a:schemeClr val="accent2"/>
+          </a:fillRef>
+          <a:effectRef idx="1">
+            <a:schemeClr val="accent2"/>
+          </a:effectRef>
+          <a:fontRef idx="minor">
+            <a:schemeClr val="dk1"/>
+          </a:fontRef>
+        </p:style>
+        <p:txBody>
+          <a:bodyPr rtlCol="0" anchor="ctr"/>
+          <a:lstStyle/>
+          <a:p>
+            <a:pPr algn="ctr"/>
+            <a:r>
+              <a:rPr lang="zh-CN" altLang="en-US" dirty="0" smtClean="0"/>
+              <a:t>分割成多份</a:t>
+            </a:r>
+            <a:endParaRPr lang="en-US" altLang="zh-CN" dirty="0" smtClean="0"/>
+          </a:p>
+          <a:p>
+            <a:pPr algn="ctr"/>
+            <a:r>
+              <a:rPr lang="zh-CN" altLang="en-US" dirty="0"/>
+              <a:t>每</a:t>
+            </a:r>
+            <a:r>
+              <a:rPr lang="zh-CN" altLang="en-US" dirty="0" smtClean="0"/>
+              <a:t>份并行执行</a:t>
+            </a:r>
+            <a:r>
+              <a:rPr lang="en-US" altLang="zh-CN" dirty="0" smtClean="0"/>
+              <a:t/>
+            </a:r>
+            <a:br>
+              <a:rPr lang="en-US" altLang="zh-CN" dirty="0" smtClean="0"/>
+            </a:br>
+            <a:r>
+              <a:rPr lang="zh-CN" altLang="en-US" dirty="0" smtClean="0"/>
+              <a:t>且每份是顺序读取</a:t>
+            </a:r>
+            <a:endParaRPr lang="en-US" altLang="zh-CN" dirty="0" smtClean="0"/>
+          </a:p>
+        </p:txBody>
+      </p:sp>
+    </p:spTree>
+    <p:extLst>
+      <p:ext uri="{BB962C8B-B14F-4D97-AF65-F5344CB8AC3E}">
+        <p14:creationId xmlns:p14="http://schemas.microsoft.com/office/powerpoint/2010/main" val="3489835673"/>
+      </p:ext>
+    </p:extLst>
+  </p:cSld>
+  <p:clrMapOvr>
+    <a:masterClrMapping/>
+  </p:clrMapOvr>
+  <p:timing>
+    <p:tnLst>
+      <p:par>
+        <p:cTn id="1" dur="indefinite" restart="never" nodeType="tmRoot">
+          <p:childTnLst>
+            <p:seq concurrent="1" nextAc="seek">
+              <p:cTn id="2" dur="indefinite" nodeType="mainSeq">
+                <p:childTnLst>
+                  <p:par>
+                    <p:cTn id="3" fill="hold">
+                      <p:stCondLst>
+                        <p:cond delay="indefinite"/>
+                      </p:stCondLst>
+                      <p:childTnLst>
+                        <p:par>
+                          <p:cTn id="4" fill="hold">
+                            <p:stCondLst>
+                              <p:cond delay="0"/>
+                            </p:stCondLst>
+                            <p:childTnLst>
+                              <p:par>
+                                <p:cTn id="5" presetID="42" presetClass="entr" presetSubtype="0" fill="hold" nodeType="clickEffect">
+                                  <p:stCondLst>
+                                    <p:cond delay="0"/>
+                                  </p:stCondLst>
+                                  <p:childTnLst>
+                                    <p:set>
+                                      <p:cBhvr>
+                                        <p:cTn id="6" dur="1" fill="hold">
+                                          <p:stCondLst>
+                                            <p:cond delay="0"/>
+                                          </p:stCondLst>
+                                        </p:cTn>
+                                        <p:tgtEl>
+                                          <p:spTgt spid="3">
+                                            <p:txEl>
+                                              <p:pRg st="0" end="0"/>
+                                            </p:txEl>
+                                          </p:spTgt>
+                                        </p:tgtEl>
+                                        <p:attrNameLst>
+                                          <p:attrName>style.visibility</p:attrName>
+                                        </p:attrNameLst>
+                                      </p:cBhvr>
+                                      <p:to>
+                                        <p:strVal val="visible"/>
+                                      </p:to>
+                                    </p:set>
+                                    <p:animEffect transition="in" filter="fade">
+                                      <p:cBhvr>
+                                        <p:cTn id="7" dur="1000"/>
+                                        <p:tgtEl>
+                                          <p:spTgt spid="3">
+                                            <p:txEl>
+                                              <p:pRg st="0" end="0"/>
+                                            </p:txEl>
+                                          </p:spTgt>
+                                        </p:tgtEl>
+                                      </p:cBhvr>
+                                    </p:animEffect>
+                                    <p:anim calcmode="lin" valueType="num">
+                                      <p:cBhvr>
+                                        <p:cTn id="8" dur="1000" fill="hold"/>
+                                        <p:tgtEl>
+                                          <p:spTgt spid="3">
+                                            <p:txEl>
+                                              <p:pRg st="0" end="0"/>
+                                            </p:txEl>
+                                          </p:spTgt>
+                                        </p:tgtEl>
+                                        <p:attrNameLst>
+                                          <p:attrName>ppt_x</p:attrName>
+                                        </p:attrNameLst>
+                                      </p:cBhvr>
+                                      <p:tavLst>
+                                        <p:tav tm="0">
+                                          <p:val>
+                                            <p:strVal val="#ppt_x"/>
+                                          </p:val>
+                                        </p:tav>
+                                        <p:tav tm="100000">
+                                          <p:val>
+                                            <p:strVal val="#ppt_x"/>
+                                          </p:val>
+                                        </p:tav>
+                                      </p:tavLst>
+                                    </p:anim>
+                                    <p:anim calcmode="lin" valueType="num">
+                                      <p:cBhvr>
+                                        <p:cTn id="9" dur="1000" fill="hold"/>
+                                        <p:tgtEl>
+                                          <p:spTgt spid="3">
+                                            <p:txEl>
+                                              <p:pRg st="0" end="0"/>
+                                            </p:txEl>
+                                          </p:spTgt>
+                                        </p:tgtEl>
+                                        <p:attrNameLst>
+                                          <p:attrName>ppt_y</p:attrName>
+                                        </p:attrNameLst>
+                                      </p:cBhvr>
+                                      <p:tavLst>
+                                        <p:tav tm="0">
+                                          <p:val>
+                                            <p:strVal val="#ppt_y+.1"/>
+                                          </p:val>
+                                        </p:tav>
+                                        <p:tav tm="100000">
+                                          <p:val>
+                                            <p:strVal val="#ppt_y"/>
+                                          </p:val>
+                                        </p:tav>
+                                      </p:tavLst>
+                                    </p:anim>
+                                  </p:childTnLst>
+                                </p:cTn>
+                              </p:par>
+                            </p:childTnLst>
+                          </p:cTn>
+                        </p:par>
+                      </p:childTnLst>
+                    </p:cTn>
+                  </p:par>
+                  <p:par>
+                    <p:cTn id="10" fill="hold">
+                      <p:stCondLst>
+                        <p:cond delay="indefinite"/>
+                      </p:stCondLst>
+                      <p:childTnLst>
+                        <p:par>
+                          <p:cTn id="11" fill="hold">
+                            <p:stCondLst>
+                              <p:cond delay="0"/>
+                            </p:stCondLst>
+                            <p:childTnLst>
+                              <p:par>
+                                <p:cTn id="12" presetID="16" presetClass="entr" presetSubtype="21" fill="hold" nodeType="clickEffect">
+                                  <p:stCondLst>
+                                    <p:cond delay="0"/>
+                                  </p:stCondLst>
+                                  <p:childTnLst>
+                                    <p:set>
+                                      <p:cBhvr>
+                                        <p:cTn id="13" dur="1" fill="hold">
+                                          <p:stCondLst>
+                                            <p:cond delay="0"/>
+                                          </p:stCondLst>
+                                        </p:cTn>
+                                        <p:tgtEl>
+                                          <p:spTgt spid="1028"/>
+                                        </p:tgtEl>
+                                        <p:attrNameLst>
+                                          <p:attrName>style.visibility</p:attrName>
+                                        </p:attrNameLst>
+                                      </p:cBhvr>
+                                      <p:to>
+                                        <p:strVal val="visible"/>
+                                      </p:to>
+                                    </p:set>
+                                    <p:animEffect transition="in" filter="barn(inVertical)">
+                                      <p:cBhvr>
+                                        <p:cTn id="14" dur="500"/>
+                                        <p:tgtEl>
+                                          <p:spTgt spid="1028"/>
+                                        </p:tgtEl>
+                                      </p:cBhvr>
+                                    </p:animEffect>
+                                  </p:childTnLst>
+                                </p:cTn>
+                              </p:par>
+                            </p:childTnLst>
+                          </p:cTn>
+                        </p:par>
+                      </p:childTnLst>
+                    </p:cTn>
+                  </p:par>
+                  <p:par>
+                    <p:cTn id="15" fill="hold">
+                      <p:stCondLst>
+                        <p:cond delay="indefinite"/>
+                      </p:stCondLst>
+                      <p:childTnLst>
+                        <p:par>
+                          <p:cTn id="16" fill="hold">
+                            <p:stCondLst>
+                              <p:cond delay="0"/>
+                            </p:stCondLst>
+                            <p:childTnLst>
+                              <p:par>
+                                <p:cTn id="17" presetID="16" presetClass="exit" presetSubtype="21" fill="hold" nodeType="clickEffect">
+                                  <p:stCondLst>
+                                    <p:cond delay="0"/>
+                                  </p:stCondLst>
+                                  <p:childTnLst>
+                                    <p:animEffect transition="out" filter="barn(inVertical)">
+                                      <p:cBhvr>
+                                        <p:cTn id="18" dur="500"/>
+                                        <p:tgtEl>
+                                          <p:spTgt spid="1028"/>
+                                        </p:tgtEl>
+                                      </p:cBhvr>
+                                    </p:animEffect>
+                                    <p:set>
+                                      <p:cBhvr>
+                                        <p:cTn id="19" dur="1" fill="hold">
+                                          <p:stCondLst>
+                                            <p:cond delay="499"/>
+                                          </p:stCondLst>
+                                        </p:cTn>
+                                        <p:tgtEl>
+                                          <p:spTgt spid="1028"/>
+                                        </p:tgtEl>
+                                        <p:attrNameLst>
+                                          <p:attrName>style.visibility</p:attrName>
+                                        </p:attrNameLst>
+                                      </p:cBhvr>
+                                      <p:to>
+                                        <p:strVal val="hidden"/>
+                                      </p:to>
+                                    </p:set>
+                                  </p:childTnLst>
+                                </p:cTn>
+                              </p:par>
+                            </p:childTnLst>
+                          </p:cTn>
+                        </p:par>
+                      </p:childTnLst>
+                    </p:cTn>
+                  </p:par>
+                  <p:par>
+                    <p:cTn id="20" fill="hold">
+                      <p:stCondLst>
+                        <p:cond delay="indefinite"/>
+                      </p:stCondLst>
+                      <p:childTnLst>
+                        <p:par>
+                          <p:cTn id="21" fill="hold">
+                            <p:stCondLst>
+                              <p:cond delay="0"/>
+                            </p:stCondLst>
+                            <p:childTnLst>
+                              <p:par>
+                                <p:cTn id="22" presetID="42" presetClass="entr" presetSubtype="0" fill="hold" nodeType="clickEffect">
+                                  <p:stCondLst>
+                                    <p:cond delay="0"/>
+                                  </p:stCondLst>
+                                  <p:childTnLst>
+                                    <p:set>
+                                      <p:cBhvr>
+                                        <p:cTn id="23" dur="1" fill="hold">
+                                          <p:stCondLst>
+                                            <p:cond delay="0"/>
+                                          </p:stCondLst>
+                                        </p:cTn>
+                                        <p:tgtEl>
+                                          <p:spTgt spid="3">
+                                            <p:txEl>
+                                              <p:pRg st="1" end="1"/>
+                                            </p:txEl>
+                                          </p:spTgt>
+                                        </p:tgtEl>
+                                        <p:attrNameLst>
+                                          <p:attrName>style.visibility</p:attrName>
+                                        </p:attrNameLst>
+                                      </p:cBhvr>
+                                      <p:to>
+                                        <p:strVal val="visible"/>
+                                      </p:to>
+                                    </p:set>
+                                    <p:animEffect transition="in" filter="fade">
+                                      <p:cBhvr>
+                                        <p:cTn id="24" dur="1000"/>
+                                        <p:tgtEl>
+                                          <p:spTgt spid="3">
+                                            <p:txEl>
+                                              <p:pRg st="1" end="1"/>
+                                            </p:txEl>
+                                          </p:spTgt>
+                                        </p:tgtEl>
+                                      </p:cBhvr>
+                                    </p:animEffect>
+                                    <p:anim calcmode="lin" valueType="num">
+                                      <p:cBhvr>
+                                        <p:cTn id="25" dur="1000" fill="hold"/>
+                                        <p:tgtEl>
+                                          <p:spTgt spid="3">
+                                            <p:txEl>
+                                              <p:pRg st="1" end="1"/>
+                                            </p:txEl>
+                                          </p:spTgt>
+                                        </p:tgtEl>
+                                        <p:attrNameLst>
+                                          <p:attrName>ppt_x</p:attrName>
+                                        </p:attrNameLst>
+                                      </p:cBhvr>
+                                      <p:tavLst>
+                                        <p:tav tm="0">
+                                          <p:val>
+                                            <p:strVal val="#ppt_x"/>
+                                          </p:val>
+                                        </p:tav>
+                                        <p:tav tm="100000">
+                                          <p:val>
+                                            <p:strVal val="#ppt_x"/>
+                                          </p:val>
+                                        </p:tav>
+                                      </p:tavLst>
+                                    </p:anim>
+                                    <p:anim calcmode="lin" valueType="num">
+                                      <p:cBhvr>
+                                        <p:cTn id="26" dur="1000" fill="hold"/>
+                                        <p:tgtEl>
+                                          <p:spTgt spid="3">
+                                            <p:txEl>
+                                              <p:pRg st="1" end="1"/>
+                                            </p:txEl>
+                                          </p:spTgt>
+                                        </p:tgtEl>
+                                        <p:attrNameLst>
+                                          <p:attrName>ppt_y</p:attrName>
+                                        </p:attrNameLst>
+                                      </p:cBhvr>
+                                      <p:tavLst>
+                                        <p:tav tm="0">
+                                          <p:val>
+                                            <p:strVal val="#ppt_y+.1"/>
+                                          </p:val>
+                                        </p:tav>
+                                        <p:tav tm="100000">
+                                          <p:val>
+                                            <p:strVal val="#ppt_y"/>
+                                          </p:val>
+                                        </p:tav>
+                                      </p:tavLst>
+                                    </p:anim>
+                                  </p:childTnLst>
+                                </p:cTn>
+                              </p:par>
+                              <p:par>
+                                <p:cTn id="27" presetID="16" presetClass="entr" presetSubtype="21" fill="hold" grpId="0" nodeType="withEffect">
+                                  <p:stCondLst>
+                                    <p:cond delay="0"/>
+                                  </p:stCondLst>
+                                  <p:childTnLst>
+                                    <p:set>
+                                      <p:cBhvr>
+                                        <p:cTn id="28" dur="1" fill="hold">
+                                          <p:stCondLst>
+                                            <p:cond delay="0"/>
+                                          </p:stCondLst>
+                                        </p:cTn>
+                                        <p:tgtEl>
+                                          <p:spTgt spid="5"/>
+                                        </p:tgtEl>
+                                        <p:attrNameLst>
+                                          <p:attrName>style.visibility</p:attrName>
+                                        </p:attrNameLst>
+                                      </p:cBhvr>
+                                      <p:to>
+                                        <p:strVal val="visible"/>
+                                      </p:to>
+                                    </p:set>
+                                    <p:animEffect transition="in" filter="barn(inVertical)">
+                                      <p:cBhvr>
+                                        <p:cTn id="29" dur="500"/>
+                                        <p:tgtEl>
+                                          <p:spTgt spid="5"/>
+                                        </p:tgtEl>
+                                      </p:cBhvr>
+                                    </p:animEffect>
+                                  </p:childTnLst>
+                                </p:cTn>
+                              </p:par>
+                            </p:childTnLst>
+                          </p:cTn>
+                        </p:par>
+                      </p:childTnLst>
+                    </p:cTn>
+                  </p:par>
+                  <p:par>
+                    <p:cTn id="30" fill="hold">
+                      <p:stCondLst>
+                        <p:cond delay="indefinite"/>
+                      </p:stCondLst>
+                      <p:childTnLst>
+                        <p:par>
+                          <p:cTn id="31" fill="hold">
+                            <p:stCondLst>
+                              <p:cond delay="0"/>
+                            </p:stCondLst>
+                            <p:childTnLst>
+                              <p:par>
+                                <p:cTn id="32" presetID="16" presetClass="exit" presetSubtype="21" fill="hold" grpId="1" nodeType="clickEffect">
+                                  <p:stCondLst>
+                                    <p:cond delay="0"/>
+                                  </p:stCondLst>
+                                  <p:childTnLst>
+                                    <p:animEffect transition="out" filter="barn(inVertical)">
+                                      <p:cBhvr>
+                                        <p:cTn id="33" dur="500"/>
+                                        <p:tgtEl>
+                                          <p:spTgt spid="5"/>
+                                        </p:tgtEl>
+                                      </p:cBhvr>
+                                    </p:animEffect>
+                                    <p:set>
+                                      <p:cBhvr>
+                                        <p:cTn id="34" dur="1" fill="hold">
+                                          <p:stCondLst>
+                                            <p:cond delay="499"/>
+                                          </p:stCondLst>
+                                        </p:cTn>
+                                        <p:tgtEl>
+                                          <p:spTgt spid="5"/>
+                                        </p:tgtEl>
+                                        <p:attrNameLst>
+                                          <p:attrName>style.visibility</p:attrName>
+                                        </p:attrNameLst>
+                                      </p:cBhvr>
+                                      <p:to>
+                                        <p:strVal val="hidden"/>
+                                      </p:to>
+                                    </p:set>
+                                  </p:childTnLst>
+                                </p:cTn>
+                              </p:par>
+                            </p:childTnLst>
+                          </p:cTn>
+                        </p:par>
+                      </p:childTnLst>
+                    </p:cTn>
+                  </p:par>
+                  <p:par>
+                    <p:cTn id="35" fill="hold">
+                      <p:stCondLst>
+                        <p:cond delay="indefinite"/>
+                      </p:stCondLst>
+                      <p:childTnLst>
+                        <p:par>
+                          <p:cTn id="36" fill="hold">
+                            <p:stCondLst>
+                              <p:cond delay="0"/>
+                            </p:stCondLst>
+                            <p:childTnLst>
+                              <p:par>
+                                <p:cTn id="37" presetID="22" presetClass="entr" presetSubtype="4" fill="hold" nodeType="clickEffect">
+                                  <p:stCondLst>
+                                    <p:cond delay="0"/>
+                                  </p:stCondLst>
+                                  <p:childTnLst>
+                                    <p:set>
+                                      <p:cBhvr>
+                                        <p:cTn id="38" dur="1" fill="hold">
+                                          <p:stCondLst>
+                                            <p:cond delay="0"/>
+                                          </p:stCondLst>
+                                        </p:cTn>
+                                        <p:tgtEl>
+                                          <p:spTgt spid="3">
+                                            <p:txEl>
+                                              <p:pRg st="2" end="2"/>
+                                            </p:txEl>
+                                          </p:spTgt>
+                                        </p:tgtEl>
+                                        <p:attrNameLst>
+                                          <p:attrName>style.visibility</p:attrName>
+                                        </p:attrNameLst>
+                                      </p:cBhvr>
+                                      <p:to>
+                                        <p:strVal val="visible"/>
+                                      </p:to>
+                                    </p:set>
+                                    <p:animEffect transition="in" filter="wipe(down)">
+                                      <p:cBhvr>
+                                        <p:cTn id="39" dur="500"/>
+                                        <p:tgtEl>
+                                          <p:spTgt spid="3">
+                                            <p:txEl>
+                                              <p:pRg st="2" end="2"/>
+                                            </p:txEl>
+                                          </p:spTgt>
+                                        </p:tgtEl>
+                                      </p:cBhvr>
+                                    </p:animEffect>
+                                  </p:childTnLst>
+                                </p:cTn>
+                              </p:par>
+                            </p:childTnLst>
+                          </p:cTn>
+                        </p:par>
+                      </p:childTnLst>
+                    </p:cTn>
+                  </p:par>
+                  <p:par>
+                    <p:cTn id="40" fill="hold">
+                      <p:stCondLst>
+                        <p:cond delay="indefinite"/>
+                      </p:stCondLst>
+                      <p:childTnLst>
+                        <p:par>
+                          <p:cTn id="41" fill="hold">
+                            <p:stCondLst>
+                              <p:cond delay="0"/>
+                            </p:stCondLst>
+                            <p:childTnLst>
+                              <p:par>
+                                <p:cTn id="42" presetID="22" presetClass="entr" presetSubtype="4" fill="hold" grpId="0" nodeType="clickEffect">
+                                  <p:stCondLst>
+                                    <p:cond delay="0"/>
+                                  </p:stCondLst>
+                                  <p:childTnLst>
+                                    <p:set>
+                                      <p:cBhvr>
+                                        <p:cTn id="43" dur="1" fill="hold">
+                                          <p:stCondLst>
+                                            <p:cond delay="0"/>
+                                          </p:stCondLst>
+                                        </p:cTn>
+                                        <p:tgtEl>
+                                          <p:spTgt spid="16"/>
+                                        </p:tgtEl>
+                                        <p:attrNameLst>
+                                          <p:attrName>style.visibility</p:attrName>
+                                        </p:attrNameLst>
+                                      </p:cBhvr>
+                                      <p:to>
+                                        <p:strVal val="visible"/>
+                                      </p:to>
+                                    </p:set>
+                                    <p:animEffect transition="in" filter="wipe(down)">
+                                      <p:cBhvr>
+                                        <p:cTn id="44" dur="500"/>
+                                        <p:tgtEl>
+                                          <p:spTgt spid="16"/>
+                                        </p:tgtEl>
+                                      </p:cBhvr>
+                                    </p:animEffect>
+                                  </p:childTnLst>
+                                </p:cTn>
+                              </p:par>
+                              <p:par>
+                                <p:cTn id="45" presetID="22" presetClass="entr" presetSubtype="4" fill="hold" grpId="0" nodeType="withEffect">
+                                  <p:stCondLst>
+                                    <p:cond delay="0"/>
+                                  </p:stCondLst>
+                                  <p:childTnLst>
+                                    <p:set>
+                                      <p:cBhvr>
+                                        <p:cTn id="46" dur="1" fill="hold">
+                                          <p:stCondLst>
+                                            <p:cond delay="0"/>
+                                          </p:stCondLst>
+                                        </p:cTn>
+                                        <p:tgtEl>
+                                          <p:spTgt spid="15"/>
+                                        </p:tgtEl>
+                                        <p:attrNameLst>
+                                          <p:attrName>style.visibility</p:attrName>
+                                        </p:attrNameLst>
+                                      </p:cBhvr>
+                                      <p:to>
+                                        <p:strVal val="visible"/>
+                                      </p:to>
+                                    </p:set>
+                                    <p:animEffect transition="in" filter="wipe(down)">
+                                      <p:cBhvr>
+                                        <p:cTn id="47" dur="500"/>
+                                        <p:tgtEl>
+                                          <p:spTgt spid="15"/>
+                                        </p:tgtEl>
+                                      </p:cBhvr>
+                                    </p:animEffect>
+                                  </p:childTnLst>
+                                </p:cTn>
+                              </p:par>
+                              <p:par>
+                                <p:cTn id="48" presetID="22" presetClass="entr" presetSubtype="4" fill="hold" grpId="0" nodeType="withEffect">
+                                  <p:stCondLst>
+                                    <p:cond delay="0"/>
+                                  </p:stCondLst>
+                                  <p:childTnLst>
+                                    <p:set>
+                                      <p:cBhvr>
+                                        <p:cTn id="49" dur="1" fill="hold">
+                                          <p:stCondLst>
+                                            <p:cond delay="0"/>
+                                          </p:stCondLst>
+                                        </p:cTn>
+                                        <p:tgtEl>
+                                          <p:spTgt spid="14"/>
+                                        </p:tgtEl>
+                                        <p:attrNameLst>
+                                          <p:attrName>style.visibility</p:attrName>
+                                        </p:attrNameLst>
+                                      </p:cBhvr>
+                                      <p:to>
+                                        <p:strVal val="visible"/>
+                                      </p:to>
+                                    </p:set>
+                                    <p:animEffect transition="in" filter="wipe(down)">
+                                      <p:cBhvr>
+                                        <p:cTn id="50" dur="500"/>
+                                        <p:tgtEl>
+                                          <p:spTgt spid="14"/>
+                                        </p:tgtEl>
+                                      </p:cBhvr>
+                                    </p:animEffect>
+                                  </p:childTnLst>
+                                </p:cTn>
+                              </p:par>
+                              <p:par>
+                                <p:cTn id="51" presetID="22" presetClass="entr" presetSubtype="4" fill="hold" grpId="0" nodeType="withEffect">
+                                  <p:stCondLst>
+                                    <p:cond delay="0"/>
+                                  </p:stCondLst>
+                                  <p:childTnLst>
+                                    <p:set>
+                                      <p:cBhvr>
+                                        <p:cTn id="52" dur="1" fill="hold">
+                                          <p:stCondLst>
+                                            <p:cond delay="0"/>
+                                          </p:stCondLst>
+                                        </p:cTn>
+                                        <p:tgtEl>
+                                          <p:spTgt spid="6"/>
+                                        </p:tgtEl>
+                                        <p:attrNameLst>
+                                          <p:attrName>style.visibility</p:attrName>
+                                        </p:attrNameLst>
+                                      </p:cBhvr>
+                                      <p:to>
+                                        <p:strVal val="visible"/>
+                                      </p:to>
+                                    </p:set>
+                                    <p:animEffect transition="in" filter="wipe(down)">
+                                      <p:cBhvr>
+                                        <p:cTn id="53" dur="500"/>
+                                        <p:tgtEl>
+                                          <p:spTgt spid="6"/>
+                                        </p:tgtEl>
+                                      </p:cBhvr>
+                                    </p:animEffect>
+                                  </p:childTnLst>
+                                </p:cTn>
+                              </p:par>
+                              <p:par>
+                                <p:cTn id="54" presetID="22" presetClass="entr" presetSubtype="4" fill="hold" grpId="0" nodeType="withEffect">
+                                  <p:stCondLst>
+                                    <p:cond delay="0"/>
+                                  </p:stCondLst>
+                                  <p:childTnLst>
+                                    <p:set>
+                                      <p:cBhvr>
+                                        <p:cTn id="55" dur="1" fill="hold">
+                                          <p:stCondLst>
+                                            <p:cond delay="0"/>
+                                          </p:stCondLst>
+                                        </p:cTn>
+                                        <p:tgtEl>
+                                          <p:spTgt spid="18"/>
+                                        </p:tgtEl>
+                                        <p:attrNameLst>
+                                          <p:attrName>style.visibility</p:attrName>
+                                        </p:attrNameLst>
+                                      </p:cBhvr>
+                                      <p:to>
+                                        <p:strVal val="visible"/>
+                                      </p:to>
+                                    </p:set>
+                                    <p:animEffect transition="in" filter="wipe(down)">
+                                      <p:cBhvr>
+                                        <p:cTn id="56" dur="500"/>
+                                        <p:tgtEl>
+                                          <p:spTgt spid="18"/>
+                                        </p:tgtEl>
+                                      </p:cBhvr>
+                                    </p:animEffect>
+                                  </p:childTnLst>
+                                </p:cTn>
+                              </p:par>
+                              <p:par>
+                                <p:cTn id="57" presetID="22" presetClass="entr" presetSubtype="4" fill="hold" grpId="0" nodeType="withEffect">
+                                  <p:stCondLst>
+                                    <p:cond delay="0"/>
+                                  </p:stCondLst>
+                                  <p:childTnLst>
+                                    <p:set>
+                                      <p:cBhvr>
+                                        <p:cTn id="58" dur="1" fill="hold">
+                                          <p:stCondLst>
+                                            <p:cond delay="0"/>
+                                          </p:stCondLst>
+                                        </p:cTn>
+                                        <p:tgtEl>
+                                          <p:spTgt spid="19"/>
+                                        </p:tgtEl>
+                                        <p:attrNameLst>
+                                          <p:attrName>style.visibility</p:attrName>
+                                        </p:attrNameLst>
+                                      </p:cBhvr>
+                                      <p:to>
+                                        <p:strVal val="visible"/>
+                                      </p:to>
+                                    </p:set>
+                                    <p:animEffect transition="in" filter="wipe(down)">
+                                      <p:cBhvr>
+                                        <p:cTn id="59" dur="500"/>
+                                        <p:tgtEl>
+                                          <p:spTgt spid="19"/>
+                                        </p:tgtEl>
+                                      </p:cBhvr>
+                                    </p:animEffect>
+                                  </p:childTnLst>
+                                </p:cTn>
+                              </p:par>
+                            </p:childTnLst>
+                          </p:cTn>
+                        </p:par>
+                      </p:childTnLst>
+                    </p:cTn>
+                  </p:par>
+                  <p:par>
+                    <p:cTn id="60" fill="hold">
+                      <p:stCondLst>
+                        <p:cond delay="indefinite"/>
+                      </p:stCondLst>
+                      <p:childTnLst>
+                        <p:par>
+                          <p:cTn id="61" fill="hold">
+                            <p:stCondLst>
+                              <p:cond delay="0"/>
+                            </p:stCondLst>
+                            <p:childTnLst>
+                              <p:par>
+                                <p:cTn id="62" presetID="26" presetClass="emph" presetSubtype="0" fill="hold" grpId="2" nodeType="clickEffect">
+                                  <p:stCondLst>
+                                    <p:cond delay="0"/>
+                                  </p:stCondLst>
+                                  <p:childTnLst>
+                                    <p:animEffect transition="out" filter="fade">
+                                      <p:cBhvr>
+                                        <p:cTn id="63" dur="500" tmFilter="0, 0; .2, .5; .8, .5; 1, 0"/>
+                                        <p:tgtEl>
+                                          <p:spTgt spid="14"/>
+                                        </p:tgtEl>
+                                      </p:cBhvr>
+                                    </p:animEffect>
+                                    <p:animScale>
+                                      <p:cBhvr>
+                                        <p:cTn id="64" dur="250" autoRev="1" fill="hold"/>
+                                        <p:tgtEl>
+                                          <p:spTgt spid="14"/>
+                                        </p:tgtEl>
+                                      </p:cBhvr>
+                                      <p:by x="105000" y="105000"/>
+                                    </p:animScale>
+                                  </p:childTnLst>
+                                </p:cTn>
+                              </p:par>
+                              <p:par>
+                                <p:cTn id="65" presetID="26" presetClass="emph" presetSubtype="0" fill="hold" grpId="2" nodeType="withEffect">
+                                  <p:stCondLst>
+                                    <p:cond delay="0"/>
+                                  </p:stCondLst>
+                                  <p:childTnLst>
+                                    <p:animEffect transition="out" filter="fade">
+                                      <p:cBhvr>
+                                        <p:cTn id="66" dur="500" tmFilter="0, 0; .2, .5; .8, .5; 1, 0"/>
+                                        <p:tgtEl>
+                                          <p:spTgt spid="6"/>
+                                        </p:tgtEl>
+                                      </p:cBhvr>
+                                    </p:animEffect>
+                                    <p:animScale>
+                                      <p:cBhvr>
+                                        <p:cTn id="67" dur="250" autoRev="1" fill="hold"/>
+                                        <p:tgtEl>
+                                          <p:spTgt spid="6"/>
+                                        </p:tgtEl>
+                                      </p:cBhvr>
+                                      <p:by x="105000" y="105000"/>
+                                    </p:animScale>
+                                  </p:childTnLst>
+                                </p:cTn>
+                              </p:par>
+                            </p:childTnLst>
+                          </p:cTn>
+                        </p:par>
+                      </p:childTnLst>
+                    </p:cTn>
+                  </p:par>
+                  <p:par>
+                    <p:cTn id="68" fill="hold">
+                      <p:stCondLst>
+                        <p:cond delay="indefinite"/>
+                      </p:stCondLst>
+                      <p:childTnLst>
+                        <p:par>
+                          <p:cTn id="69" fill="hold">
+                            <p:stCondLst>
+                              <p:cond delay="0"/>
+                            </p:stCondLst>
+                            <p:childTnLst>
+                              <p:par>
+                                <p:cTn id="70" presetID="26" presetClass="emph" presetSubtype="0" fill="hold" grpId="2" nodeType="clickEffect">
+                                  <p:stCondLst>
+                                    <p:cond delay="0"/>
+                                  </p:stCondLst>
+                                  <p:childTnLst>
+                                    <p:animEffect transition="out" filter="fade">
+                                      <p:cBhvr>
+                                        <p:cTn id="71" dur="500" tmFilter="0, 0; .2, .5; .8, .5; 1, 0"/>
+                                        <p:tgtEl>
+                                          <p:spTgt spid="15"/>
+                                        </p:tgtEl>
+                                      </p:cBhvr>
+                                    </p:animEffect>
+                                    <p:animScale>
+                                      <p:cBhvr>
+                                        <p:cTn id="72" dur="250" autoRev="1" fill="hold"/>
+                                        <p:tgtEl>
+                                          <p:spTgt spid="15"/>
+                                        </p:tgtEl>
+                                      </p:cBhvr>
+                                      <p:by x="105000" y="105000"/>
+                                    </p:animScale>
+                                  </p:childTnLst>
+                                </p:cTn>
+                              </p:par>
+                              <p:par>
+                                <p:cTn id="73" presetID="26" presetClass="emph" presetSubtype="0" fill="hold" grpId="3" nodeType="withEffect">
+                                  <p:stCondLst>
+                                    <p:cond delay="0"/>
+                                  </p:stCondLst>
+                                  <p:childTnLst>
+                                    <p:animEffect transition="out" filter="fade">
+                                      <p:cBhvr>
+                                        <p:cTn id="74" dur="500" tmFilter="0, 0; .2, .5; .8, .5; 1, 0"/>
+                                        <p:tgtEl>
+                                          <p:spTgt spid="14"/>
+                                        </p:tgtEl>
+                                      </p:cBhvr>
+                                    </p:animEffect>
+                                    <p:animScale>
+                                      <p:cBhvr>
+                                        <p:cTn id="75" dur="250" autoRev="1" fill="hold"/>
+                                        <p:tgtEl>
+                                          <p:spTgt spid="14"/>
+                                        </p:tgtEl>
+                                      </p:cBhvr>
+                                      <p:by x="105000" y="105000"/>
+                                    </p:animScale>
+                                  </p:childTnLst>
+                                </p:cTn>
+                              </p:par>
+                            </p:childTnLst>
+                          </p:cTn>
+                        </p:par>
+                      </p:childTnLst>
+                    </p:cTn>
+                  </p:par>
+                  <p:par>
+                    <p:cTn id="76" fill="hold">
+                      <p:stCondLst>
+                        <p:cond delay="indefinite"/>
+                      </p:stCondLst>
+                      <p:childTnLst>
+                        <p:par>
+                          <p:cTn id="77" fill="hold">
+                            <p:stCondLst>
+                              <p:cond delay="0"/>
+                            </p:stCondLst>
+                            <p:childTnLst>
+                              <p:par>
+                                <p:cTn id="78" presetID="26" presetClass="emph" presetSubtype="0" fill="hold" grpId="2" nodeType="clickEffect">
+                                  <p:stCondLst>
+                                    <p:cond delay="0"/>
+                                  </p:stCondLst>
+                                  <p:childTnLst>
+                                    <p:animEffect transition="out" filter="fade">
+                                      <p:cBhvr>
+                                        <p:cTn id="79" dur="500" tmFilter="0, 0; .2, .5; .8, .5; 1, 0"/>
+                                        <p:tgtEl>
+                                          <p:spTgt spid="16"/>
+                                        </p:tgtEl>
+                                      </p:cBhvr>
+                                    </p:animEffect>
+                                    <p:animScale>
+                                      <p:cBhvr>
+                                        <p:cTn id="80" dur="250" autoRev="1" fill="hold"/>
+                                        <p:tgtEl>
+                                          <p:spTgt spid="16"/>
+                                        </p:tgtEl>
+                                      </p:cBhvr>
+                                      <p:by x="105000" y="105000"/>
+                                    </p:animScale>
+                                  </p:childTnLst>
+                                </p:cTn>
+                              </p:par>
+                              <p:par>
+                                <p:cTn id="81" presetID="26" presetClass="emph" presetSubtype="0" fill="hold" grpId="3" nodeType="withEffect">
+                                  <p:stCondLst>
+                                    <p:cond delay="0"/>
+                                  </p:stCondLst>
+                                  <p:childTnLst>
+                                    <p:animEffect transition="out" filter="fade">
+                                      <p:cBhvr>
+                                        <p:cTn id="82" dur="500" tmFilter="0, 0; .2, .5; .8, .5; 1, 0"/>
+                                        <p:tgtEl>
+                                          <p:spTgt spid="15"/>
+                                        </p:tgtEl>
+                                      </p:cBhvr>
+                                    </p:animEffect>
+                                    <p:animScale>
+                                      <p:cBhvr>
+                                        <p:cTn id="83" dur="250" autoRev="1" fill="hold"/>
+                                        <p:tgtEl>
+                                          <p:spTgt spid="15"/>
+                                        </p:tgtEl>
+                                      </p:cBhvr>
+                                      <p:by x="105000" y="105000"/>
+                                    </p:animScale>
+                                  </p:childTnLst>
+                                </p:cTn>
+                              </p:par>
+                            </p:childTnLst>
+                          </p:cTn>
+                        </p:par>
+                      </p:childTnLst>
+                    </p:cTn>
+                  </p:par>
+                  <p:par>
+                    <p:cTn id="84" fill="hold">
+                      <p:stCondLst>
+                        <p:cond delay="indefinite"/>
+                      </p:stCondLst>
+                      <p:childTnLst>
+                        <p:par>
+                          <p:cTn id="85" fill="hold">
+                            <p:stCondLst>
+                              <p:cond delay="0"/>
+                            </p:stCondLst>
+                            <p:childTnLst>
+                              <p:par>
+                                <p:cTn id="86" presetID="16" presetClass="exit" presetSubtype="21" fill="hold" grpId="1" nodeType="clickEffect">
+                                  <p:stCondLst>
+                                    <p:cond delay="0"/>
+                                  </p:stCondLst>
+                                  <p:childTnLst>
+                                    <p:animEffect transition="out" filter="barn(inVertical)">
+                                      <p:cBhvr>
+                                        <p:cTn id="87" dur="500"/>
+                                        <p:tgtEl>
+                                          <p:spTgt spid="16"/>
+                                        </p:tgtEl>
+                                      </p:cBhvr>
+                                    </p:animEffect>
+                                    <p:set>
+                                      <p:cBhvr>
+                                        <p:cTn id="88" dur="1" fill="hold">
+                                          <p:stCondLst>
+                                            <p:cond delay="499"/>
+                                          </p:stCondLst>
+                                        </p:cTn>
+                                        <p:tgtEl>
+                                          <p:spTgt spid="16"/>
+                                        </p:tgtEl>
+                                        <p:attrNameLst>
+                                          <p:attrName>style.visibility</p:attrName>
+                                        </p:attrNameLst>
+                                      </p:cBhvr>
+                                      <p:to>
+                                        <p:strVal val="hidden"/>
+                                      </p:to>
+                                    </p:set>
+                                  </p:childTnLst>
+                                </p:cTn>
+                              </p:par>
+                              <p:par>
+                                <p:cTn id="89" presetID="16" presetClass="exit" presetSubtype="21" fill="hold" grpId="1" nodeType="withEffect">
+                                  <p:stCondLst>
+                                    <p:cond delay="0"/>
+                                  </p:stCondLst>
+                                  <p:childTnLst>
+                                    <p:animEffect transition="out" filter="barn(inVertical)">
+                                      <p:cBhvr>
+                                        <p:cTn id="90" dur="500"/>
+                                        <p:tgtEl>
+                                          <p:spTgt spid="15"/>
+                                        </p:tgtEl>
+                                      </p:cBhvr>
+                                    </p:animEffect>
+                                    <p:set>
+                                      <p:cBhvr>
+                                        <p:cTn id="91" dur="1" fill="hold">
+                                          <p:stCondLst>
+                                            <p:cond delay="499"/>
+                                          </p:stCondLst>
+                                        </p:cTn>
+                                        <p:tgtEl>
+                                          <p:spTgt spid="15"/>
+                                        </p:tgtEl>
+                                        <p:attrNameLst>
+                                          <p:attrName>style.visibility</p:attrName>
+                                        </p:attrNameLst>
+                                      </p:cBhvr>
+                                      <p:to>
+                                        <p:strVal val="hidden"/>
+                                      </p:to>
+                                    </p:set>
+                                  </p:childTnLst>
+                                </p:cTn>
+                              </p:par>
+                              <p:par>
+                                <p:cTn id="92" presetID="16" presetClass="exit" presetSubtype="21" fill="hold" grpId="1" nodeType="withEffect">
+                                  <p:stCondLst>
+                                    <p:cond delay="0"/>
+                                  </p:stCondLst>
+                                  <p:childTnLst>
+                                    <p:animEffect transition="out" filter="barn(inVertical)">
+                                      <p:cBhvr>
+                                        <p:cTn id="93" dur="500"/>
+                                        <p:tgtEl>
+                                          <p:spTgt spid="14"/>
+                                        </p:tgtEl>
+                                      </p:cBhvr>
+                                    </p:animEffect>
+                                    <p:set>
+                                      <p:cBhvr>
+                                        <p:cTn id="94" dur="1" fill="hold">
+                                          <p:stCondLst>
+                                            <p:cond delay="499"/>
+                                          </p:stCondLst>
+                                        </p:cTn>
+                                        <p:tgtEl>
+                                          <p:spTgt spid="14"/>
+                                        </p:tgtEl>
+                                        <p:attrNameLst>
+                                          <p:attrName>style.visibility</p:attrName>
+                                        </p:attrNameLst>
+                                      </p:cBhvr>
+                                      <p:to>
+                                        <p:strVal val="hidden"/>
+                                      </p:to>
+                                    </p:set>
+                                  </p:childTnLst>
+                                </p:cTn>
+                              </p:par>
+                              <p:par>
+                                <p:cTn id="95" presetID="16" presetClass="exit" presetSubtype="21" fill="hold" grpId="1" nodeType="withEffect">
+                                  <p:stCondLst>
+                                    <p:cond delay="0"/>
+                                  </p:stCondLst>
+                                  <p:childTnLst>
+                                    <p:animEffect transition="out" filter="barn(inVertical)">
+                                      <p:cBhvr>
+                                        <p:cTn id="96" dur="500"/>
+                                        <p:tgtEl>
+                                          <p:spTgt spid="6"/>
+                                        </p:tgtEl>
+                                      </p:cBhvr>
+                                    </p:animEffect>
+                                    <p:set>
+                                      <p:cBhvr>
+                                        <p:cTn id="97" dur="1" fill="hold">
+                                          <p:stCondLst>
+                                            <p:cond delay="499"/>
+                                          </p:stCondLst>
+                                        </p:cTn>
+                                        <p:tgtEl>
+                                          <p:spTgt spid="6"/>
+                                        </p:tgtEl>
+                                        <p:attrNameLst>
+                                          <p:attrName>style.visibility</p:attrName>
+                                        </p:attrNameLst>
+                                      </p:cBhvr>
+                                      <p:to>
+                                        <p:strVal val="hidden"/>
+                                      </p:to>
+                                    </p:set>
+                                  </p:childTnLst>
+                                </p:cTn>
+                              </p:par>
+                              <p:par>
+                                <p:cTn id="98" presetID="16" presetClass="exit" presetSubtype="21" fill="hold" grpId="1" nodeType="withEffect">
+                                  <p:stCondLst>
+                                    <p:cond delay="0"/>
+                                  </p:stCondLst>
+                                  <p:childTnLst>
+                                    <p:animEffect transition="out" filter="barn(inVertical)">
+                                      <p:cBhvr>
+                                        <p:cTn id="99" dur="500"/>
+                                        <p:tgtEl>
+                                          <p:spTgt spid="18"/>
+                                        </p:tgtEl>
+                                      </p:cBhvr>
+                                    </p:animEffect>
+                                    <p:set>
+                                      <p:cBhvr>
+                                        <p:cTn id="100" dur="1" fill="hold">
+                                          <p:stCondLst>
+                                            <p:cond delay="499"/>
+                                          </p:stCondLst>
+                                        </p:cTn>
+                                        <p:tgtEl>
+                                          <p:spTgt spid="18"/>
+                                        </p:tgtEl>
+                                        <p:attrNameLst>
+                                          <p:attrName>style.visibility</p:attrName>
+                                        </p:attrNameLst>
+                                      </p:cBhvr>
+                                      <p:to>
+                                        <p:strVal val="hidden"/>
+                                      </p:to>
+                                    </p:set>
+                                  </p:childTnLst>
+                                </p:cTn>
+                              </p:par>
+                              <p:par>
+                                <p:cTn id="101" presetID="16" presetClass="exit" presetSubtype="21" fill="hold" grpId="1" nodeType="withEffect">
+                                  <p:stCondLst>
+                                    <p:cond delay="0"/>
+                                  </p:stCondLst>
+                                  <p:childTnLst>
+                                    <p:animEffect transition="out" filter="barn(inVertical)">
+                                      <p:cBhvr>
+                                        <p:cTn id="102" dur="500"/>
+                                        <p:tgtEl>
+                                          <p:spTgt spid="19"/>
+                                        </p:tgtEl>
+                                      </p:cBhvr>
+                                    </p:animEffect>
+                                    <p:set>
+                                      <p:cBhvr>
+                                        <p:cTn id="103" dur="1" fill="hold">
+                                          <p:stCondLst>
+                                            <p:cond delay="499"/>
+                                          </p:stCondLst>
+                                        </p:cTn>
+                                        <p:tgtEl>
+                                          <p:spTgt spid="19"/>
+                                        </p:tgtEl>
+                                        <p:attrNameLst>
+                                          <p:attrName>style.visibility</p:attrName>
+                                        </p:attrNameLst>
+                                      </p:cBhvr>
+                                      <p:to>
+                                        <p:strVal val="hidden"/>
+                                      </p:to>
+                                    </p:set>
+                                  </p:childTnLst>
+                                </p:cTn>
+                              </p:par>
+                            </p:childTnLst>
+                          </p:cTn>
+                        </p:par>
+                      </p:childTnLst>
+                    </p:cTn>
+                  </p:par>
+                  <p:par>
+                    <p:cTn id="104" fill="hold">
+                      <p:stCondLst>
+                        <p:cond delay="indefinite"/>
+                      </p:stCondLst>
+                      <p:childTnLst>
+                        <p:par>
+                          <p:cTn id="105" fill="hold">
+                            <p:stCondLst>
+                              <p:cond delay="0"/>
+                            </p:stCondLst>
+                            <p:childTnLst>
+                              <p:par>
+                                <p:cTn id="106" presetID="22" presetClass="entr" presetSubtype="4" fill="hold" nodeType="clickEffect">
+                                  <p:stCondLst>
+                                    <p:cond delay="0"/>
+                                  </p:stCondLst>
+                                  <p:childTnLst>
+                                    <p:set>
+                                      <p:cBhvr>
+                                        <p:cTn id="107" dur="1" fill="hold">
+                                          <p:stCondLst>
+                                            <p:cond delay="0"/>
+                                          </p:stCondLst>
+                                        </p:cTn>
+                                        <p:tgtEl>
+                                          <p:spTgt spid="3">
+                                            <p:txEl>
+                                              <p:pRg st="3" end="3"/>
+                                            </p:txEl>
+                                          </p:spTgt>
+                                        </p:tgtEl>
+                                        <p:attrNameLst>
+                                          <p:attrName>style.visibility</p:attrName>
+                                        </p:attrNameLst>
+                                      </p:cBhvr>
+                                      <p:to>
+                                        <p:strVal val="visible"/>
+                                      </p:to>
+                                    </p:set>
+                                    <p:animEffect transition="in" filter="wipe(down)">
+                                      <p:cBhvr>
+                                        <p:cTn id="108" dur="500"/>
+                                        <p:tgtEl>
+                                          <p:spTgt spid="3">
+                                            <p:txEl>
+                                              <p:pRg st="3" end="3"/>
+                                            </p:txEl>
+                                          </p:spTgt>
+                                        </p:tgtEl>
+                                      </p:cBhvr>
+                                    </p:animEffect>
+                                  </p:childTnLst>
+                                </p:cTn>
+                              </p:par>
+                            </p:childTnLst>
+                          </p:cTn>
+                        </p:par>
+                      </p:childTnLst>
+                    </p:cTn>
+                  </p:par>
+                </p:childTnLst>
+              </p:cTn>
+              <p:prevCondLst>
+                <p:cond evt="onPrev" delay="0">
+                  <p:tgtEl>
+                    <p:sldTgt/>
+                  </p:tgtEl>
+                </p:cond>
+              </p:prevCondLst>
+              <p:nextCondLst>
+                <p:cond evt="onNext" delay="0">
+                  <p:tgtEl>
+                    <p:sldTgt/>
+                  </p:tgtEl>
+                </p:cond>
+              </p:nextCondLst>
+            </p:seq>
+          </p:childTnLst>
+        </p:cTn>
+      </p:par>
+    </p:tnLst>
+    <p:bldLst>
+      <p:bldP spid="5" grpId="0" animBg="1"/>
+      <p:bldP spid="5" grpId="1" animBg="1"/>
+      <p:bldP spid="6" grpId="0" animBg="1"/>
+      <p:bldP spid="6" grpId="1" animBg="1"/>
+      <p:bldP spid="6" grpId="2" animBg="1"/>
+      <p:bldP spid="14" grpId="0" animBg="1"/>
+      <p:bldP spid="14" grpId="1" animBg="1"/>
+      <p:bldP spid="14" grpId="2" animBg="1"/>
+      <p:bldP spid="14" grpId="3" animBg="1"/>
+      <p:bldP spid="15" grpId="0" animBg="1"/>
+      <p:bldP spid="15" grpId="1" animBg="1"/>
+      <p:bldP spid="15" grpId="2" animBg="1"/>
+      <p:bldP spid="15" grpId="3" animBg="1"/>
+      <p:bldP spid="16" grpId="0" animBg="1"/>
+      <p:bldP spid="16" grpId="1" animBg="1"/>
+      <p:bldP spid="16" grpId="2" animBg="1"/>
+      <p:bldP spid="18" grpId="0" animBg="1"/>
+      <p:bldP spid="18" grpId="1" animBg="1"/>
+      <p:bldP spid="19" grpId="0" animBg="1"/>
+      <p:bldP spid="19" grpId="1" animBg="1"/>
+    </p:bldLst>
+  </p:timing>
+</p:sld>
+</file>
+
+<file path=ppt/slides/slide15.xml><?xml version="1.0" encoding="utf-8"?>
+<p:sld xmlns:a="http://schemas.openxmlformats.org/drawingml/2006/main" xmlns:r="http://schemas.openxmlformats.org/officeDocument/2006/relationships" xmlns:p="http://schemas.openxmlformats.org/presentationml/2006/main">
+  <p:cSld>
+    <p:spTree>
+      <p:nvGrpSpPr>
+        <p:cNvPr id="1" name=""/>
+        <p:cNvGrpSpPr/>
+        <p:nvPr/>
+      </p:nvGrpSpPr>
+      <p:grpSpPr>
+        <a:xfrm>
+          <a:off x="0" y="0"/>
+          <a:ext cx="0" cy="0"/>
+          <a:chOff x="0" y="0"/>
+          <a:chExt cx="0" cy="0"/>
+        </a:xfrm>
+      </p:grpSpPr>
+      <p:sp>
+        <p:nvSpPr>
+          <p:cNvPr id="2" name="标题 1"/>
+          <p:cNvSpPr>
+            <a:spLocks noGrp="1"/>
+          </p:cNvSpPr>
+          <p:nvPr>
+            <p:ph type="title"/>
+          </p:nvPr>
+        </p:nvSpPr>
+        <p:spPr/>
+        <p:txBody>
+          <a:bodyPr/>
+          <a:lstStyle/>
+          <a:p>
+            <a:r>
               <a:rPr lang="zh-CN" altLang="en-US" dirty="0" smtClean="0"/>
               <a:t>海狗快在哪里？</a:t>
             </a:r>
@@ -12498,6 +17228,145 @@
           </a:fontRef>
         </p:style>
       </p:cxnSp>
+      <p:sp>
+        <p:nvSpPr>
+          <p:cNvPr id="19" name="云形标注 18"/>
+          <p:cNvSpPr/>
+          <p:nvPr/>
+        </p:nvSpPr>
+        <p:spPr>
+          <a:xfrm>
+            <a:off x="3815916" y="163145"/>
+            <a:ext cx="4104456" cy="1681678"/>
+          </a:xfrm>
+          <a:prstGeom prst="cloudCallout">
+            <a:avLst/>
+          </a:prstGeom>
+        </p:spPr>
+        <p:style>
+          <a:lnRef idx="1">
+            <a:schemeClr val="dk1"/>
+          </a:lnRef>
+          <a:fillRef idx="2">
+            <a:schemeClr val="dk1"/>
+          </a:fillRef>
+          <a:effectRef idx="1">
+            <a:schemeClr val="dk1"/>
+          </a:effectRef>
+          <a:fontRef idx="minor">
+            <a:schemeClr val="dk1"/>
+          </a:fontRef>
+        </p:style>
+        <p:txBody>
+          <a:bodyPr rtlCol="0" anchor="ctr"/>
+          <a:lstStyle/>
+          <a:p>
+            <a:r>
+              <a:rPr lang="en-US" altLang="zh-CN" dirty="0" err="1" smtClean="0"/>
+              <a:t>Dremel</a:t>
+            </a:r>
+            <a:r>
+              <a:rPr lang="zh-CN" altLang="en-US" dirty="0" smtClean="0"/>
+              <a:t>是按照查询树，拆分并行的。</a:t>
+            </a:r>
+            <a:endParaRPr lang="en-US" altLang="zh-CN" dirty="0" smtClean="0"/>
+          </a:p>
+          <a:p>
+            <a:r>
+              <a:rPr lang="zh-CN" altLang="en-US" dirty="0" smtClean="0"/>
+              <a:t>海狗是按照</a:t>
+            </a:r>
+            <a:r>
+              <a:rPr lang="en-US" altLang="zh-CN" dirty="0" smtClean="0"/>
+              <a:t>shards</a:t>
+            </a:r>
+            <a:r>
+              <a:rPr lang="zh-CN" altLang="en-US" dirty="0"/>
+              <a:t>和</a:t>
+            </a:r>
+            <a:r>
+              <a:rPr lang="zh-CN" altLang="en-US" dirty="0" smtClean="0"/>
+              <a:t>分区，并行的。</a:t>
+            </a:r>
+            <a:endParaRPr lang="en-US" altLang="zh-CN" dirty="0" smtClean="0"/>
+          </a:p>
+        </p:txBody>
+      </p:sp>
+      <p:sp>
+        <p:nvSpPr>
+          <p:cNvPr id="20" name="云形标注 19"/>
+          <p:cNvSpPr/>
+          <p:nvPr/>
+        </p:nvSpPr>
+        <p:spPr>
+          <a:xfrm>
+            <a:off x="2843808" y="3213312"/>
+            <a:ext cx="5976664" cy="2540233"/>
+          </a:xfrm>
+          <a:prstGeom prst="cloudCallout">
+            <a:avLst>
+              <a:gd name="adj1" fmla="val -16467"/>
+              <a:gd name="adj2" fmla="val -53989"/>
+            </a:avLst>
+          </a:prstGeom>
+        </p:spPr>
+        <p:style>
+          <a:lnRef idx="1">
+            <a:schemeClr val="dk1"/>
+          </a:lnRef>
+          <a:fillRef idx="2">
+            <a:schemeClr val="dk1"/>
+          </a:fillRef>
+          <a:effectRef idx="1">
+            <a:schemeClr val="dk1"/>
+          </a:effectRef>
+          <a:fontRef idx="minor">
+            <a:schemeClr val="dk1"/>
+          </a:fontRef>
+        </p:style>
+        <p:txBody>
+          <a:bodyPr rtlCol="0" anchor="ctr"/>
+          <a:lstStyle/>
+          <a:p>
+            <a:r>
+              <a:rPr lang="en-US" altLang="zh-CN" b="1" dirty="0" err="1" smtClean="0"/>
+              <a:t>Dremel</a:t>
+            </a:r>
+            <a:r>
+              <a:rPr lang="zh-CN" altLang="en-US" dirty="0" smtClean="0"/>
+              <a:t>只能按照分区，减少行扫描。</a:t>
+            </a:r>
+            <a:endParaRPr lang="en-US" altLang="zh-CN" dirty="0" smtClean="0"/>
+          </a:p>
+          <a:p>
+            <a:r>
+              <a:rPr lang="zh-CN" altLang="en-US" b="1" dirty="0" smtClean="0"/>
+              <a:t>海狗</a:t>
+            </a:r>
+            <a:r>
+              <a:rPr lang="zh-CN" altLang="en-US" dirty="0" smtClean="0"/>
+              <a:t>除了可以使用分区外，因本身倒排索引</a:t>
+            </a:r>
+            <a:r>
+              <a:rPr lang="en-US" altLang="zh-CN" dirty="0" smtClean="0"/>
+              <a:t>,</a:t>
+            </a:r>
+            <a:r>
+              <a:rPr lang="zh-CN" altLang="en-US" dirty="0" smtClean="0"/>
+              <a:t>还可以根据任意维度的值限定扫描的行范围，比如说仅仅查询消费金额超过</a:t>
+            </a:r>
+            <a:r>
+              <a:rPr lang="en-US" altLang="zh-CN" dirty="0" smtClean="0"/>
+              <a:t>100</a:t>
+            </a:r>
+            <a:r>
+              <a:rPr lang="zh-CN" altLang="en-US" dirty="0" smtClean="0"/>
+              <a:t>块钱的所有用户。</a:t>
+            </a:r>
+            <a:endParaRPr lang="en-US" altLang="zh-CN" dirty="0" smtClean="0"/>
+          </a:p>
+        </p:txBody>
+      </p:sp>
     </p:spTree>
     <p:extLst>
       <p:ext uri="{BB962C8B-B14F-4D97-AF65-F5344CB8AC3E}">
@@ -12628,7 +17497,7 @@
                             </p:stCondLst>
                             <p:childTnLst>
                               <p:par>
-                                <p:cTn id="12" presetID="42" presetClass="entr" presetSubtype="0" fill="hold" nodeType="clickEffect">
+                                <p:cTn id="12" presetID="16" presetClass="entr" presetSubtype="21" fill="hold" grpId="0" nodeType="clickEffect">
                                   <p:stCondLst>
                                     <p:cond delay="0"/>
                                   </p:stCondLst>
@@ -12641,6 +17510,112 @@
                                           </p:stCondLst>
                                         </p:cTn>
                                         <p:tgtEl>
+                                          <p:spTgt spid="19"/>
+                                        </p:tgtEl>
+                                        <p:attrNameLst>
+                                          <p:attrName>style.visibility</p:attrName>
+                                        </p:attrNameLst>
+                                      </p:cBhvr>
+                                      <p:to>
+                                        <p:strVal val="visible"/>
+                                      </p:to>
+                                    </p:set>
+                                    <p:animEffect transition="in" filter="barn(inVertical)">
+                                      <p:cBhvr>
+                                        <p:cTn id="14" dur="500"/>
+                                        <p:tgtEl>
+                                          <p:spTgt spid="19"/>
+                                        </p:tgtEl>
+                                      </p:cBhvr>
+                                    </p:animEffect>
+                                  </p:childTnLst>
+                                </p:cTn>
+                              </p:par>
+                            </p:childTnLst>
+                          </p:cTn>
+                        </p:par>
+                      </p:childTnLst>
+                    </p:cTn>
+                  </p:par>
+                  <p:par>
+                    <p:cTn id="15" fill="hold">
+                      <p:stCondLst>
+                        <p:cond delay="indefinite"/>
+                      </p:stCondLst>
+                      <p:childTnLst>
+                        <p:par>
+                          <p:cTn id="16" fill="hold">
+                            <p:stCondLst>
+                              <p:cond delay="0"/>
+                            </p:stCondLst>
+                            <p:childTnLst>
+                              <p:par>
+                                <p:cTn id="17" presetID="16" presetClass="exit" presetSubtype="21" fill="hold" grpId="1" nodeType="clickEffect">
+                                  <p:stCondLst>
+                                    <p:cond delay="0"/>
+                                  </p:stCondLst>
+                                  <p:childTnLst>
+                                    <p:animEffect transition="out" filter="barn(inVertical)">
+                                      <p:cBhvr>
+                                        <p:cTn id="18" dur="500"/>
+                                        <p:tgtEl>
+                                          <p:spTgt spid="19"/>
+                                        </p:tgtEl>
+                                      </p:cBhvr>
+                                    </p:animEffect>
+                                    <p:set>
+                                      <p:cBhvr>
+                                        <p:cTn id="19" dur="1" fill="hold">
+                                          <p:stCondLst>
+                                            <p:cond delay="499"/>
+                                          </p:stCondLst>
+                                        </p:cTn>
+                                        <p:tgtEl>
+                                          <p:spTgt spid="19"/>
+                                        </p:tgtEl>
+                                        <p:attrNameLst>
+                                          <p:attrName>style.visibility</p:attrName>
+                                        </p:attrNameLst>
+                                      </p:cBhvr>
+                                      <p:to>
+                                        <p:strVal val="hidden"/>
+                                      </p:to>
+                                    </p:set>
+                                  </p:childTnLst>
+                                </p:cTn>
+                              </p:par>
+                            </p:childTnLst>
+                          </p:cTn>
+                        </p:par>
+                      </p:childTnLst>
+                    </p:cTn>
+                  </p:par>
+                  <p:par>
+                    <p:cTn id="20" fill="hold">
+                      <p:stCondLst>
+                        <p:cond delay="indefinite"/>
+                      </p:stCondLst>
+                      <p:childTnLst>
+                        <p:par>
+                          <p:cTn id="21" fill="hold">
+                            <p:stCondLst>
+                              <p:cond delay="0"/>
+                            </p:stCondLst>
+                            <p:childTnLst>
+                              <p:par>
+                                <p:cTn id="22" presetID="42" presetClass="entr" presetSubtype="0" fill="hold" nodeType="clickEffect">
+                                  <p:stCondLst>
+                                    <p:cond delay="0"/>
+                                  </p:stCondLst>
+                                  <p:childTnLst>
+                                    <p:set>
+                                      <p:cBhvr>
+                                        <p:cTn id="23" dur="1" fill="hold">
+                                          <p:stCondLst>
+                                            <p:cond delay="0"/>
+                                          </p:stCondLst>
+                                        </p:cTn>
+                                        <p:tgtEl>
                                           <p:spTgt spid="10"/>
                                         </p:tgtEl>
                                         <p:attrNameLst>
@@ -12653,7 +17628,7 @@
                                     </p:set>
                                     <p:animEffect transition="in" filter="fade">
                                       <p:cBhvr>
-                                        <p:cTn id="14" dur="1000"/>
+                                        <p:cTn id="24" dur="1000"/>
                                         <p:tgtEl>
                                           <p:spTgt spid="10"/>
                                         </p:tgtEl>
@@ -12661,7 +17636,7 @@
                                     </p:animEffect>
                                     <p:anim calcmode="lin" valueType="num">
                                       <p:cBhvr>
-                                        <p:cTn id="15" dur="1000" fill="hold"/>
+                                        <p:cTn id="25" dur="1000" fill="hold"/>
                                         <p:tgtEl>
                                           <p:spTgt spid="10"/>
                                         </p:tgtEl>
@@ -12684,7 +17659,7 @@
                                     </p:anim>
                                     <p:anim calcmode="lin" valueType="num">
                                       <p:cBhvr>
-                                        <p:cTn id="16" dur="1000" fill="hold"/>
+                                        <p:cTn id="26" dur="1000" fill="hold"/>
                                         <p:tgtEl>
                                           <p:spTgt spid="10"/>
                                         </p:tgtEl>
@@ -12709,14 +17684,14 @@
                                 </p:cTn>
                               </p:par>
                               <p:par>
-                                <p:cTn id="17" presetID="42" presetClass="entr" presetSubtype="0" fill="hold" grpId="0" nodeType="withEffect">
+                                <p:cTn id="27" presetID="42" presetClass="entr" presetSubtype="0" fill="hold" grpId="0" nodeType="withEffect">
                                   <p:stCondLst>
                                     <p:cond delay="0"/>
                                   </p:stCondLst>
                                   <p:childTnLst>
                                     <p:set>
                                       <p:cBhvr>
-                                        <p:cTn id="18" dur="1" fill="hold">
+                                        <p:cTn id="28" dur="1" fill="hold">
                                           <p:stCondLst>
                                             <p:cond delay="0"/>
                                           </p:stCondLst>
@@ -12734,7 +17709,7 @@
                                     </p:set>
                                     <p:animEffect transition="in" filter="fade">
                                       <p:cBhvr>
-                                        <p:cTn id="19" dur="1000"/>
+                                        <p:cTn id="29" dur="1000"/>
                                         <p:tgtEl>
                                           <p:spTgt spid="22"/>
                                         </p:tgtEl>
@@ -12742,7 +17717,7 @@
                                     </p:animEffect>
                                     <p:anim calcmode="lin" valueType="num">
                                       <p:cBhvr>
-                                        <p:cTn id="20" dur="1000" fill="hold"/>
+                                        <p:cTn id="30" dur="1000" fill="hold"/>
                                         <p:tgtEl>
                                           <p:spTgt spid="22"/>
                                         </p:tgtEl>
@@ -12765,7 +17740,7 @@
                                     </p:anim>
                                     <p:anim calcmode="lin" valueType="num">
                                       <p:cBhvr>
-                                        <p:cTn id="21" dur="1000" fill="hold"/>
+                                        <p:cTn id="31" dur="1000" fill="hold"/>
                                         <p:tgtEl>
                                           <p:spTgt spid="22"/>
                                         </p:tgtEl>
@@ -12796,26 +17771,132 @@
                     </p:cTn>
                   </p:par>
                   <p:par>
-                    <p:cTn id="22" fill="hold">
+                    <p:cTn id="32" fill="hold">
                       <p:stCondLst>
                         <p:cond delay="indefinite"/>
                       </p:stCondLst>
                       <p:childTnLst>
                         <p:par>
-                          <p:cTn id="23" fill="hold">
+                          <p:cTn id="33" fill="hold">
                             <p:stCondLst>
                               <p:cond delay="0"/>
                             </p:stCondLst>
                             <p:childTnLst>
                               <p:par>
-                                <p:cTn id="24" presetID="42" presetClass="entr" presetSubtype="0" fill="hold" nodeType="clickEffect">
+                                <p:cTn id="34" presetID="16" presetClass="entr" presetSubtype="21" fill="hold" grpId="0" nodeType="clickEffect">
                                   <p:stCondLst>
                                     <p:cond delay="0"/>
                                   </p:stCondLst>
                                   <p:childTnLst>
                                     <p:set>
                                       <p:cBhvr>
-                                        <p:cTn id="25" dur="1" fill="hold">
+                                        <p:cTn id="35" dur="1" fill="hold">
+                                          <p:stCondLst>
+                                            <p:cond delay="0"/>
+                                          </p:stCondLst>
+                                        </p:cTn>
+                                        <p:tgtEl>
+                                          <p:spTgt spid="20"/>
+                                        </p:tgtEl>
+                                        <p:attrNameLst>
+                                          <p:attrName>style.visibility</p:attrName>
+                                        </p:attrNameLst>
+                                      </p:cBhvr>
+                                      <p:to>
+                                        <p:strVal val="visible"/>
+                                      </p:to>
+                                    </p:set>
+                                    <p:animEffect transition="in" filter="barn(inVertical)">
+                                      <p:cBhvr>
+                                        <p:cTn id="36" dur="500"/>
+                                        <p:tgtEl>
+                                          <p:spTgt spid="20"/>
+                                        </p:tgtEl>
+                                      </p:cBhvr>
+                                    </p:animEffect>
+                                  </p:childTnLst>
+                                </p:cTn>
+                              </p:par>
+                            </p:childTnLst>
+                          </p:cTn>
+                        </p:par>
+                      </p:childTnLst>
+                    </p:cTn>
+                  </p:par>
+                  <p:par>
+                    <p:cTn id="37" fill="hold">
+                      <p:stCondLst>
+                        <p:cond delay="indefinite"/>
+                      </p:stCondLst>
+                      <p:childTnLst>
+                        <p:par>
+                          <p:cTn id="38" fill="hold">
+                            <p:stCondLst>
+                              <p:cond delay="0"/>
+                            </p:stCondLst>
+                            <p:childTnLst>
+                              <p:par>
+                                <p:cTn id="39" presetID="16" presetClass="exit" presetSubtype="21" fill="hold" grpId="1" nodeType="clickEffect">
+                                  <p:stCondLst>
+                                    <p:cond delay="0"/>
+                                  </p:stCondLst>
+                                  <p:childTnLst>
+                                    <p:animEffect transition="out" filter="barn(inVertical)">
+                                      <p:cBhvr>
+                                        <p:cTn id="40" dur="500"/>
+                                        <p:tgtEl>
+                                          <p:spTgt spid="20"/>
+                                        </p:tgtEl>
+                                      </p:cBhvr>
+                                    </p:animEffect>
+                                    <p:set>
+                                      <p:cBhvr>
+                                        <p:cTn id="41" dur="1" fill="hold">
+                                          <p:stCondLst>
+                                            <p:cond delay="499"/>
+                                          </p:stCondLst>
+                                        </p:cTn>
+                                        <p:tgtEl>
+                                          <p:spTgt spid="20"/>
+                                        </p:tgtEl>
+                                        <p:attrNameLst>
+                                          <p:attrName>style.visibility</p:attrName>
+                                        </p:attrNameLst>
+                                      </p:cBhvr>
+                                      <p:to>
+                                        <p:strVal val="hidden"/>
+                                      </p:to>
+                                    </p:set>
+                                  </p:childTnLst>
+                                </p:cTn>
+                              </p:par>
+                            </p:childTnLst>
+                          </p:cTn>
+                        </p:par>
+                      </p:childTnLst>
+                    </p:cTn>
+                  </p:par>
+                  <p:par>
+                    <p:cTn id="42" fill="hold">
+                      <p:stCondLst>
+                        <p:cond delay="indefinite"/>
+                      </p:stCondLst>
+                      <p:childTnLst>
+                        <p:par>
+                          <p:cTn id="43" fill="hold">
+                            <p:stCondLst>
+                              <p:cond delay="0"/>
+                            </p:stCondLst>
+                            <p:childTnLst>
+                              <p:par>
+                                <p:cTn id="44" presetID="42" presetClass="entr" presetSubtype="0" fill="hold" nodeType="clickEffect">
+                                  <p:stCondLst>
+                                    <p:cond delay="0"/>
+                                  </p:stCondLst>
+                                  <p:childTnLst>
+                                    <p:set>
+                                      <p:cBhvr>
+                                        <p:cTn id="45" dur="1" fill="hold">
                                           <p:stCondLst>
                                             <p:cond delay="0"/>
                                           </p:stCondLst>
@@ -12837,7 +17918,7 @@
                                     </p:set>
                                     <p:animEffect transition="in" filter="fade">
                                       <p:cBhvr>
-                                        <p:cTn id="26" dur="1000"/>
+                                        <p:cTn id="46" dur="1000"/>
                                         <p:tgtEl>
                                           <p:spTgt spid="22">
                                             <p:txEl>
@@ -12849,7 +17930,7 @@
                                     </p:animEffect>
                                     <p:anim calcmode="lin" valueType="num">
                                       <p:cBhvr>
-                                        <p:cTn id="27" dur="1000" fill="hold"/>
+                                        <p:cTn id="47" dur="1000" fill="hold"/>
                                         <p:tgtEl>
                                           <p:spTgt spid="22">
                                             <p:txEl>
@@ -12876,7 +17957,7 @@
                                     </p:anim>
                                     <p:anim calcmode="lin" valueType="num">
                                       <p:cBhvr>
-                                        <p:cTn id="28" dur="1000" fill="hold"/>
+                                        <p:cTn id="48" dur="1000" fill="hold"/>
                                         <p:tgtEl>
                                           <p:spTgt spid="22">
                                             <p:txEl>
@@ -12911,26 +17992,26 @@
                     </p:cTn>
                   </p:par>
                   <p:par>
-                    <p:cTn id="29" fill="hold">
+                    <p:cTn id="49" fill="hold">
                       <p:stCondLst>
                         <p:cond delay="indefinite"/>
                       </p:stCondLst>
                       <p:childTnLst>
                         <p:par>
-                          <p:cTn id="30" fill="hold">
+                          <p:cTn id="50" fill="hold">
                             <p:stCondLst>
                               <p:cond delay="0"/>
                             </p:stCondLst>
                             <p:childTnLst>
                               <p:par>
-                                <p:cTn id="31" presetID="16" presetClass="entr" presetSubtype="21" fill="hold" grpId="0" nodeType="clickEffect">
+                                <p:cTn id="51" presetID="16" presetClass="entr" presetSubtype="21" fill="hold" grpId="0" nodeType="clickEffect">
                                   <p:stCondLst>
                                     <p:cond delay="0"/>
                                   </p:stCondLst>
                                   <p:childTnLst>
                                     <p:set>
                                       <p:cBhvr>
-                                        <p:cTn id="32" dur="1" fill="hold">
+                                        <p:cTn id="52" dur="1" fill="hold">
                                           <p:stCondLst>
                                             <p:cond delay="0"/>
                                           </p:stCondLst>
@@ -12948,7 +18029,7 @@
                                     </p:set>
                                     <p:animEffect transition="in" filter="barn(inVertical)">
                                       <p:cBhvr>
-                                        <p:cTn id="33" dur="500"/>
+                                        <p:cTn id="53" dur="500"/>
                                         <p:tgtEl>
                                           <p:spTgt spid="3"/>
                                         </p:tgtEl>
@@ -12964,26 +18045,26 @@
                     </p:cTn>
                   </p:par>
                   <p:par>
-                    <p:cTn id="34" fill="hold">
+                    <p:cTn id="54" fill="hold">
                       <p:stCondLst>
                         <p:cond delay="indefinite"/>
                       </p:stCondLst>
                       <p:childTnLst>
                         <p:par>
-                          <p:cTn id="35" fill="hold">
+                          <p:cTn id="55" fill="hold">
                             <p:stCondLst>
                               <p:cond delay="0"/>
                             </p:stCondLst>
                             <p:childTnLst>
                               <p:par>
-                                <p:cTn id="36" presetID="16" presetClass="entr" presetSubtype="21" fill="hold" grpId="0" nodeType="clickEffect">
+                                <p:cTn id="56" presetID="16" presetClass="entr" presetSubtype="21" fill="hold" grpId="0" nodeType="clickEffect">
                                   <p:stCondLst>
                                     <p:cond delay="0"/>
                                   </p:stCondLst>
                                   <p:childTnLst>
                                     <p:set>
                                       <p:cBhvr>
-                                        <p:cTn id="37" dur="1" fill="hold">
+                                        <p:cTn id="57" dur="1" fill="hold">
                                           <p:stCondLst>
                                             <p:cond delay="0"/>
                                           </p:stCondLst>
@@ -13001,7 +18082,7 @@
                                     </p:set>
                                     <p:animEffect transition="in" filter="barn(inVertical)">
                                       <p:cBhvr>
-                                        <p:cTn id="38" dur="500"/>
+                                        <p:cTn id="58" dur="500"/>
                                         <p:tgtEl>
                                           <p:spTgt spid="4"/>
                                         </p:tgtEl>
@@ -13011,14 +18092,14 @@
                                 </p:cTn>
                               </p:par>
                               <p:par>
-                                <p:cTn id="39" presetID="16" presetClass="entr" presetSubtype="21" fill="hold" grpId="0" nodeType="withEffect">
+                                <p:cTn id="59" presetID="16" presetClass="entr" presetSubtype="21" fill="hold" grpId="0" nodeType="withEffect">
                                   <p:stCondLst>
                                     <p:cond delay="0"/>
                                   </p:stCondLst>
                                   <p:childTnLst>
                                     <p:set>
                                       <p:cBhvr>
-                                        <p:cTn id="40" dur="1" fill="hold">
+                                        <p:cTn id="60" dur="1" fill="hold">
                                           <p:stCondLst>
                                             <p:cond delay="0"/>
                                           </p:stCondLst>
@@ -13036,7 +18117,7 @@
                                     </p:set>
                                     <p:animEffect transition="in" filter="barn(inVertical)">
                                       <p:cBhvr>
-                                        <p:cTn id="41" dur="500"/>
+                                        <p:cTn id="61" dur="500"/>
                                         <p:tgtEl>
                                           <p:spTgt spid="5"/>
                                         </p:tgtEl>
@@ -13052,26 +18133,26 @@
                     </p:cTn>
                   </p:par>
                   <p:par>
-                    <p:cTn id="42" fill="hold">
+                    <p:cTn id="62" fill="hold">
                       <p:stCondLst>
                         <p:cond delay="indefinite"/>
                       </p:stCondLst>
                       <p:childTnLst>
                         <p:par>
-                          <p:cTn id="43" fill="hold">
+                          <p:cTn id="63" fill="hold">
                             <p:stCondLst>
                               <p:cond delay="0"/>
                             </p:stCondLst>
                             <p:childTnLst>
                               <p:par>
-                                <p:cTn id="44" presetID="16" presetClass="entr" presetSubtype="21" fill="hold" grpId="0" nodeType="clickEffect">
+                                <p:cTn id="64" presetID="16" presetClass="entr" presetSubtype="21" fill="hold" grpId="0" nodeType="clickEffect">
                                   <p:stCondLst>
                                     <p:cond delay="0"/>
                                   </p:stCondLst>
                                   <p:childTnLst>
                                     <p:set>
                                       <p:cBhvr>
-                                        <p:cTn id="45" dur="1" fill="hold">
+                                        <p:cTn id="65" dur="1" fill="hold">
                                           <p:stCondLst>
                                             <p:cond delay="0"/>
                                           </p:stCondLst>
@@ -13089,7 +18170,7 @@
                                     </p:set>
                                     <p:animEffect transition="in" filter="barn(inVertical)">
                                       <p:cBhvr>
-                                        <p:cTn id="46" dur="500"/>
+                                        <p:cTn id="66" dur="500"/>
                                         <p:tgtEl>
                                           <p:spTgt spid="14"/>
                                         </p:tgtEl>
@@ -13105,26 +18186,26 @@
                     </p:cTn>
                   </p:par>
                   <p:par>
-                    <p:cTn id="47" fill="hold">
+                    <p:cTn id="67" fill="hold">
                       <p:stCondLst>
                         <p:cond delay="indefinite"/>
                       </p:stCondLst>
                       <p:childTnLst>
                         <p:par>
-                          <p:cTn id="48" fill="hold">
+                          <p:cTn id="68" fill="hold">
                             <p:stCondLst>
                               <p:cond delay="0"/>
                             </p:stCondLst>
                             <p:childTnLst>
                               <p:par>
-                                <p:cTn id="49" presetID="16" presetClass="entr" presetSubtype="21" fill="hold" grpId="0" nodeType="clickEffect">
+                                <p:cTn id="69" presetID="16" presetClass="entr" presetSubtype="21" fill="hold" grpId="0" nodeType="clickEffect">
                                   <p:stCondLst>
                                     <p:cond delay="0"/>
                                   </p:stCondLst>
                                   <p:childTnLst>
                                     <p:set>
                                       <p:cBhvr>
-                                        <p:cTn id="50" dur="1" fill="hold">
+                                        <p:cTn id="70" dur="1" fill="hold">
                                           <p:stCondLst>
                                             <p:cond delay="0"/>
                                           </p:stCondLst>
@@ -13142,7 +18223,7 @@
                                     </p:set>
                                     <p:animEffect transition="in" filter="barn(inVertical)">
                                       <p:cBhvr>
-                                        <p:cTn id="51" dur="500"/>
+                                        <p:cTn id="71" dur="500"/>
                                         <p:tgtEl>
                                           <p:spTgt spid="17"/>
                                         </p:tgtEl>
@@ -13158,26 +18239,26 @@
                     </p:cTn>
                   </p:par>
                   <p:par>
-                    <p:cTn id="52" fill="hold">
+                    <p:cTn id="72" fill="hold">
                       <p:stCondLst>
                         <p:cond delay="indefinite"/>
                       </p:stCondLst>
                       <p:childTnLst>
                         <p:par>
-                          <p:cTn id="53" fill="hold">
+                          <p:cTn id="73" fill="hold">
                             <p:stCondLst>
                               <p:cond delay="0"/>
                             </p:stCondLst>
                             <p:childTnLst>
                               <p:par>
-                                <p:cTn id="54" presetID="16" presetClass="exit" presetSubtype="21" fill="hold" grpId="1" nodeType="clickEffect">
+                                <p:cTn id="74" presetID="16" presetClass="exit" presetSubtype="21" fill="hold" grpId="1" nodeType="clickEffect">
                                   <p:stCondLst>
                                     <p:cond delay="0"/>
                                   </p:stCondLst>
                                   <p:childTnLst>
                                     <p:animEffect transition="out" filter="barn(inVertical)">
                                       <p:cBhvr>
-                                        <p:cTn id="55" dur="500"/>
+                                        <p:cTn id="75" dur="500"/>
                                         <p:tgtEl>
                                           <p:spTgt spid="4"/>
                                         </p:tgtEl>
@@ -13185,7 +18266,7 @@
                                     </p:animEffect>
                                     <p:set>
                                       <p:cBhvr>
-                                        <p:cTn id="56" dur="1" fill="hold">
+                                        <p:cTn id="76" dur="1" fill="hold">
                                           <p:stCondLst>
                                             <p:cond delay="499"/>
                                           </p:stCondLst>
@@ -13205,14 +18286,14 @@
                                 </p:cTn>
                               </p:par>
                               <p:par>
-                                <p:cTn id="57" presetID="16" presetClass="exit" presetSubtype="21" fill="hold" grpId="1" nodeType="withEffect">
+                                <p:cTn id="77" presetID="16" presetClass="exit" presetSubtype="21" fill="hold" grpId="1" nodeType="withEffect">
                                   <p:stCondLst>
                                     <p:cond delay="0"/>
                                   </p:stCondLst>
                                   <p:childTnLst>
                                     <p:animEffect transition="out" filter="barn(inVertical)">
                                       <p:cBhvr>
-                                        <p:cTn id="58" dur="500"/>
+                                        <p:cTn id="78" dur="500"/>
                                         <p:tgtEl>
                                           <p:spTgt spid="5"/>
                                         </p:tgtEl>
@@ -13220,7 +18301,7 @@
                                     </p:animEffect>
                                     <p:set>
                                       <p:cBhvr>
-                                        <p:cTn id="59" dur="1" fill="hold">
+                                        <p:cTn id="79" dur="1" fill="hold">
                                           <p:stCondLst>
                                             <p:cond delay="499"/>
                                           </p:stCondLst>
@@ -13240,14 +18321,14 @@
                                 </p:cTn>
                               </p:par>
                               <p:par>
-                                <p:cTn id="60" presetID="16" presetClass="exit" presetSubtype="21" fill="hold" grpId="1" nodeType="withEffect">
+                                <p:cTn id="80" presetID="16" presetClass="exit" presetSubtype="21" fill="hold" grpId="1" nodeType="withEffect">
                                   <p:stCondLst>
                                     <p:cond delay="0"/>
                                   </p:stCondLst>
                                   <p:childTnLst>
                                     <p:animEffect transition="out" filter="barn(inVertical)">
                                       <p:cBhvr>
-                                        <p:cTn id="61" dur="500"/>
+                                        <p:cTn id="81" dur="500"/>
                                         <p:tgtEl>
                                           <p:spTgt spid="3"/>
                                         </p:tgtEl>
@@ -13255,7 +18336,7 @@
                                     </p:animEffect>
                                     <p:set>
                                       <p:cBhvr>
-                                        <p:cTn id="62" dur="1" fill="hold">
+                                        <p:cTn id="82" dur="1" fill="hold">
                                           <p:stCondLst>
                                             <p:cond delay="499"/>
                                           </p:stCondLst>
@@ -13275,14 +18356,14 @@
                                 </p:cTn>
                               </p:par>
                               <p:par>
-                                <p:cTn id="63" presetID="16" presetClass="exit" presetSubtype="21" fill="hold" grpId="1" nodeType="withEffect">
+                                <p:cTn id="83" presetID="16" presetClass="exit" presetSubtype="21" fill="hold" grpId="1" nodeType="withEffect">
                                   <p:stCondLst>
                                     <p:cond delay="0"/>
                                   </p:stCondLst>
                                   <p:childTnLst>
                                     <p:animEffect transition="out" filter="barn(inVertical)">
                                       <p:cBhvr>
-                                        <p:cTn id="64" dur="500"/>
+                                        <p:cTn id="84" dur="500"/>
                                         <p:tgtEl>
                                           <p:spTgt spid="14"/>
                                         </p:tgtEl>
@@ -13290,7 +18371,7 @@
                                     </p:animEffect>
                                     <p:set>
                                       <p:cBhvr>
-                                        <p:cTn id="65" dur="1" fill="hold">
+                                        <p:cTn id="85" dur="1" fill="hold">
                                           <p:stCondLst>
                                             <p:cond delay="499"/>
                                           </p:stCondLst>
@@ -13310,14 +18391,14 @@
                                 </p:cTn>
                               </p:par>
                               <p:par>
-                                <p:cTn id="66" presetID="16" presetClass="exit" presetSubtype="21" fill="hold" grpId="1" nodeType="withEffect">
+                                <p:cTn id="86" presetID="16" presetClass="exit" presetSubtype="21" fill="hold" grpId="1" nodeType="withEffect">
                                   <p:stCondLst>
                                     <p:cond delay="0"/>
                                   </p:stCondLst>
                                   <p:childTnLst>
                                     <p:animEffect transition="out" filter="barn(inVertical)">
                                       <p:cBhvr>
-                                        <p:cTn id="67" dur="500"/>
+                                        <p:cTn id="87" dur="500"/>
                                         <p:tgtEl>
                                           <p:spTgt spid="17"/>
                                         </p:tgtEl>
@@ -13325,7 +18406,7 @@
                                     </p:animEffect>
                                     <p:set>
                                       <p:cBhvr>
-                                        <p:cTn id="68" dur="1" fill="hold">
+                                        <p:cTn id="88" dur="1" fill="hold">
                                           <p:stCondLst>
                                             <p:cond delay="499"/>
                                           </p:stCondLst>
@@ -13351,26 +18432,26 @@
                     </p:cTn>
                   </p:par>
                   <p:par>
-                    <p:cTn id="69" fill="hold">
+                    <p:cTn id="89" fill="hold">
                       <p:stCondLst>
                         <p:cond delay="indefinite"/>
                       </p:stCondLst>
                       <p:childTnLst>
                         <p:par>
-                          <p:cTn id="70" fill="hold">
+                          <p:cTn id="90" fill="hold">
                             <p:stCondLst>
                               <p:cond delay="0"/>
                             </p:stCondLst>
                             <p:childTnLst>
                               <p:par>
-                                <p:cTn id="71" presetID="16" presetClass="entr" presetSubtype="21" fill="hold" nodeType="clickEffect">
+                                <p:cTn id="91" presetID="16" presetClass="entr" presetSubtype="21" fill="hold" nodeType="clickEffect">
                                   <p:stCondLst>
                                     <p:cond delay="0"/>
                                   </p:stCondLst>
                                   <p:childTnLst>
                                     <p:set>
                                       <p:cBhvr>
-                                        <p:cTn id="72" dur="1" fill="hold">
+                                        <p:cTn id="92" dur="1" fill="hold">
                                           <p:stCondLst>
                                             <p:cond delay="0"/>
                                           </p:stCondLst>
@@ -13392,7 +18473,7 @@
                                     </p:set>
                                     <p:animEffect transition="in" filter="barn(inVertical)">
                                       <p:cBhvr>
-                                        <p:cTn id="73" dur="500"/>
+                                        <p:cTn id="93" dur="500"/>
                                         <p:tgtEl>
                                           <p:spTgt spid="22">
                                             <p:txEl>
@@ -13412,26 +18493,26 @@
                     </p:cTn>
                   </p:par>
                   <p:par>
-                    <p:cTn id="74" fill="hold">
+                    <p:cTn id="94" fill="hold">
                       <p:stCondLst>
                         <p:cond delay="indefinite"/>
                       </p:stCondLst>
                       <p:childTnLst>
                         <p:par>
-                          <p:cTn id="75" fill="hold">
+                          <p:cTn id="95" fill="hold">
                             <p:stCondLst>
                               <p:cond delay="0"/>
                             </p:stCondLst>
                             <p:childTnLst>
                               <p:par>
-                                <p:cTn id="76" presetID="16" presetClass="entr" presetSubtype="21" fill="hold" nodeType="clickEffect">
+                                <p:cTn id="96" presetID="16" presetClass="entr" presetSubtype="21" fill="hold" nodeType="clickEffect">
                                   <p:stCondLst>
                                     <p:cond delay="0"/>
                                   </p:stCondLst>
                                   <p:childTnLst>
                                     <p:set>
                                       <p:cBhvr>
-                                        <p:cTn id="77" dur="1" fill="hold">
+                                        <p:cTn id="97" dur="1" fill="hold">
                                           <p:stCondLst>
                                             <p:cond delay="0"/>
                                           </p:stCondLst>
@@ -13449,7 +18530,7 @@
                                     </p:set>
                                     <p:animEffect transition="in" filter="barn(inVertical)">
                                       <p:cBhvr>
-                                        <p:cTn id="78" dur="500"/>
+                                        <p:cTn id="98" dur="500"/>
                                         <p:tgtEl>
                                           <p:spTgt spid="1026"/>
                                         </p:tgtEl>
@@ -13459,14 +18540,14 @@
                                 </p:cTn>
                               </p:par>
                               <p:par>
-                                <p:cTn id="79" presetID="16" presetClass="entr" presetSubtype="21" fill="hold" grpId="2" nodeType="withEffect">
+                                <p:cTn id="99" presetID="16" presetClass="entr" presetSubtype="21" fill="hold" grpId="2" nodeType="withEffect">
                                   <p:stCondLst>
                                     <p:cond delay="0"/>
                                   </p:stCondLst>
                                   <p:childTnLst>
                                     <p:set>
                                       <p:cBhvr>
-                                        <p:cTn id="80" dur="1" fill="hold">
+                                        <p:cTn id="100" dur="1" fill="hold">
                                           <p:stCondLst>
                                             <p:cond delay="0"/>
                                           </p:stCondLst>
@@ -13484,7 +18565,7 @@
                                     </p:set>
                                     <p:animEffect transition="in" filter="barn(inVertical)">
                                       <p:cBhvr>
-                                        <p:cTn id="81" dur="500"/>
+                                        <p:cTn id="101" dur="500"/>
                                         <p:tgtEl>
                                           <p:spTgt spid="4"/>
                                         </p:tgtEl>
@@ -13494,14 +18575,14 @@
                                 </p:cTn>
                               </p:par>
                               <p:par>
-                                <p:cTn id="82" presetID="16" presetClass="entr" presetSubtype="21" fill="hold" nodeType="withEffect">
+                                <p:cTn id="102" presetID="16" presetClass="entr" presetSubtype="21" fill="hold" nodeType="withEffect">
                                   <p:stCondLst>
                                     <p:cond delay="0"/>
                                   </p:stCondLst>
                                   <p:childTnLst>
                                     <p:set>
                                       <p:cBhvr>
-                                        <p:cTn id="83" dur="1" fill="hold">
+                                        <p:cTn id="103" dur="1" fill="hold">
                                           <p:stCondLst>
                                             <p:cond delay="0"/>
                                           </p:stCondLst>
@@ -13519,7 +18600,7 @@
                                     </p:set>
                                     <p:animEffect transition="in" filter="barn(inVertical)">
                                       <p:cBhvr>
-                                        <p:cTn id="84" dur="500"/>
+                                        <p:cTn id="104" dur="500"/>
                                         <p:tgtEl>
                                           <p:spTgt spid="28"/>
                                         </p:tgtEl>
@@ -13529,14 +18610,14 @@
                                 </p:cTn>
                               </p:par>
                               <p:par>
-                                <p:cTn id="85" presetID="16" presetClass="entr" presetSubtype="21" fill="hold" nodeType="withEffect">
+                                <p:cTn id="105" presetID="16" presetClass="entr" presetSubtype="21" fill="hold" nodeType="withEffect">
                                   <p:stCondLst>
                                     <p:cond delay="0"/>
                                   </p:stCondLst>
                                   <p:childTnLst>
                                     <p:set>
                                       <p:cBhvr>
-                                        <p:cTn id="86" dur="1" fill="hold">
+                                        <p:cTn id="106" dur="1" fill="hold">
                                           <p:stCondLst>
                                             <p:cond delay="0"/>
                                           </p:stCondLst>
@@ -13554,7 +18635,7 @@
                                     </p:set>
                                     <p:animEffect transition="in" filter="barn(inVertical)">
                                       <p:cBhvr>
-                                        <p:cTn id="87" dur="500"/>
+                                        <p:cTn id="107" dur="500"/>
                                         <p:tgtEl>
                                           <p:spTgt spid="24"/>
                                         </p:tgtEl>
@@ -13564,14 +18645,14 @@
                                 </p:cTn>
                               </p:par>
                               <p:par>
-                                <p:cTn id="88" presetID="16" presetClass="entr" presetSubtype="21" fill="hold" nodeType="withEffect">
+                                <p:cTn id="108" presetID="16" presetClass="entr" presetSubtype="21" fill="hold" nodeType="withEffect">
                                   <p:stCondLst>
                                     <p:cond delay="0"/>
                                   </p:stCondLst>
                                   <p:childTnLst>
                                     <p:set>
                                       <p:cBhvr>
-                                        <p:cTn id="89" dur="1" fill="hold">
+                                        <p:cTn id="109" dur="1" fill="hold">
                                           <p:stCondLst>
                                             <p:cond delay="0"/>
                                           </p:stCondLst>
@@ -13589,7 +18670,7 @@
                                     </p:set>
                                     <p:animEffect transition="in" filter="barn(inVertical)">
                                       <p:cBhvr>
-                                        <p:cTn id="90" dur="500"/>
+                                        <p:cTn id="110" dur="500"/>
                                         <p:tgtEl>
                                           <p:spTgt spid="26"/>
                                         </p:tgtEl>
@@ -13605,26 +18686,26 @@
                     </p:cTn>
                   </p:par>
                   <p:par>
-                    <p:cTn id="91" fill="hold">
+                    <p:cTn id="111" fill="hold">
                       <p:stCondLst>
                         <p:cond delay="indefinite"/>
                       </p:stCondLst>
                       <p:childTnLst>
                         <p:par>
-                          <p:cTn id="92" fill="hold">
+                          <p:cTn id="112" fill="hold">
                             <p:stCondLst>
                               <p:cond delay="0"/>
                             </p:stCondLst>
                             <p:childTnLst>
                               <p:par>
-                                <p:cTn id="93" presetID="16" presetClass="exit" presetSubtype="21" fill="hold" nodeType="clickEffect">
+                                <p:cTn id="113" presetID="16" presetClass="exit" presetSubtype="21" fill="hold" nodeType="clickEffect">
                                   <p:stCondLst>
                                     <p:cond delay="0"/>
                                   </p:stCondLst>
                                   <p:childTnLst>
                                     <p:animEffect transition="out" filter="barn(inVertical)">
                                       <p:cBhvr>
-                                        <p:cTn id="94" dur="500"/>
+                                        <p:cTn id="114" dur="500"/>
                                         <p:tgtEl>
                                           <p:spTgt spid="1026"/>
                                         </p:tgtEl>
@@ -13632,7 +18713,7 @@
                                     </p:animEffect>
                                     <p:set>
                                       <p:cBhvr>
-                                        <p:cTn id="95" dur="1" fill="hold">
+                                        <p:cTn id="115" dur="1" fill="hold">
                                           <p:stCondLst>
                                             <p:cond delay="499"/>
                                           </p:stCondLst>
@@ -13652,14 +18733,14 @@
                                 </p:cTn>
                               </p:par>
                               <p:par>
-                                <p:cTn id="96" presetID="16" presetClass="exit" presetSubtype="21" fill="hold" grpId="3" nodeType="withEffect">
+                                <p:cTn id="116" presetID="16" presetClass="exit" presetSubtype="21" fill="hold" grpId="3" nodeType="withEffect">
                                   <p:stCondLst>
                                     <p:cond delay="0"/>
                                   </p:stCondLst>
                                   <p:childTnLst>
                                     <p:animEffect transition="out" filter="barn(inVertical)">
                                       <p:cBhvr>
-                                        <p:cTn id="97" dur="500"/>
+                                        <p:cTn id="117" dur="500"/>
                                         <p:tgtEl>
                                           <p:spTgt spid="4"/>
                                         </p:tgtEl>
@@ -13667,7 +18748,7 @@
                                     </p:animEffect>
                                     <p:set>
                                       <p:cBhvr>
-                                        <p:cTn id="98" dur="1" fill="hold">
+                                        <p:cTn id="118" dur="1" fill="hold">
                                           <p:stCondLst>
                                             <p:cond delay="499"/>
                                           </p:stCondLst>
@@ -13687,14 +18768,14 @@
                                 </p:cTn>
                               </p:par>
                               <p:par>
-                                <p:cTn id="99" presetID="16" presetClass="exit" presetSubtype="21" fill="hold" nodeType="withEffect">
+                                <p:cTn id="119" presetID="16" presetClass="exit" presetSubtype="21" fill="hold" nodeType="withEffect">
                                   <p:stCondLst>
                                     <p:cond delay="0"/>
                                   </p:stCondLst>
                                   <p:childTnLst>
                                     <p:animEffect transition="out" filter="barn(inVertical)">
                                       <p:cBhvr>
-                                        <p:cTn id="100" dur="500"/>
+                                        <p:cTn id="120" dur="500"/>
                                         <p:tgtEl>
                                           <p:spTgt spid="28"/>
                                         </p:tgtEl>
@@ -13702,7 +18783,7 @@
                                     </p:animEffect>
                                     <p:set>
                                       <p:cBhvr>
-                                        <p:cTn id="101" dur="1" fill="hold">
+                                        <p:cTn id="121" dur="1" fill="hold">
                                           <p:stCondLst>
                                             <p:cond delay="499"/>
                                           </p:stCondLst>
@@ -13722,14 +18803,14 @@
                                 </p:cTn>
                               </p:par>
                               <p:par>
-                                <p:cTn id="102" presetID="16" presetClass="exit" presetSubtype="21" fill="hold" nodeType="withEffect">
+                                <p:cTn id="122" presetID="16" presetClass="exit" presetSubtype="21" fill="hold" nodeType="withEffect">
                                   <p:stCondLst>
                                     <p:cond delay="0"/>
                                   </p:stCondLst>
                                   <p:childTnLst>
                                     <p:animEffect transition="out" filter="barn(inVertical)">
                                       <p:cBhvr>
-                                        <p:cTn id="103" dur="500"/>
+                                        <p:cTn id="123" dur="500"/>
                                         <p:tgtEl>
                                           <p:spTgt spid="24"/>
                                         </p:tgtEl>
@@ -13737,7 +18818,7 @@
                                     </p:animEffect>
                                     <p:set>
                                       <p:cBhvr>
-                                        <p:cTn id="104" dur="1" fill="hold">
+                                        <p:cTn id="124" dur="1" fill="hold">
                                           <p:stCondLst>
                                             <p:cond delay="499"/>
                                           </p:stCondLst>
@@ -13757,14 +18838,14 @@
                                 </p:cTn>
                               </p:par>
                               <p:par>
-                                <p:cTn id="105" presetID="16" presetClass="exit" presetSubtype="21" fill="hold" nodeType="withEffect">
+                                <p:cTn id="125" presetID="16" presetClass="exit" presetSubtype="21" fill="hold" nodeType="withEffect">
                                   <p:stCondLst>
                                     <p:cond delay="0"/>
                                   </p:stCondLst>
                                   <p:childTnLst>
                                     <p:animEffect transition="out" filter="barn(inVertical)">
                                       <p:cBhvr>
-                                        <p:cTn id="106" dur="500"/>
+                                        <p:cTn id="126" dur="500"/>
                                         <p:tgtEl>
                                           <p:spTgt spid="26"/>
                                         </p:tgtEl>
@@ -13772,7 +18853,7 @@
                                     </p:animEffect>
                                     <p:set>
                                       <p:cBhvr>
-                                        <p:cTn id="107" dur="1" fill="hold">
+                                        <p:cTn id="127" dur="1" fill="hold">
                                           <p:stCondLst>
                                             <p:cond delay="499"/>
                                           </p:stCondLst>
@@ -13832,12 +18913,16 @@
       <p:bldP spid="4" grpId="3" animBg="1"/>
       <p:bldP spid="5" grpId="0" animBg="1"/>
       <p:bldP spid="5" grpId="1" animBg="1"/>
+      <p:bldP spid="19" grpId="0" animBg="1"/>
+      <p:bldP spid="19" grpId="1" animBg="1"/>
+      <p:bldP spid="20" grpId="0" animBg="1"/>
+      <p:bldP spid="20" grpId="1" animBg="1"/>
     </p:bldLst>
   </p:timing>
 </p:sld>
 </file>
 
-<file path=ppt/slides/slide15.xml><?xml version="1.0" encoding="utf-8"?>
+<file path=ppt/slides/slide16.xml><?xml version="1.0" encoding="utf-8"?>
 <p:sld xmlns:a="http://schemas.openxmlformats.org/drawingml/2006/main" xmlns:r="http://schemas.openxmlformats.org/officeDocument/2006/relationships" xmlns:p="http://schemas.openxmlformats.org/presentationml/2006/main">
   <p:cSld>
     <p:spTree>
@@ -14848,6 +19933,146 @@
           </a:fontRef>
         </p:style>
       </p:cxnSp>
+      <p:sp>
+        <p:nvSpPr>
+          <p:cNvPr id="14" name="云形标注 13"/>
+          <p:cNvSpPr/>
+          <p:nvPr/>
+        </p:nvSpPr>
+        <p:spPr>
+          <a:xfrm>
+            <a:off x="2933818" y="1916832"/>
+            <a:ext cx="5040560" cy="4032448"/>
+          </a:xfrm>
+          <a:prstGeom prst="cloudCallout">
+            <a:avLst>
+              <a:gd name="adj1" fmla="val -38099"/>
+              <a:gd name="adj2" fmla="val -40476"/>
+            </a:avLst>
+          </a:prstGeom>
+        </p:spPr>
+        <p:style>
+          <a:lnRef idx="1">
+            <a:schemeClr val="accent2"/>
+          </a:lnRef>
+          <a:fillRef idx="2">
+            <a:schemeClr val="accent2"/>
+          </a:fillRef>
+          <a:effectRef idx="1">
+            <a:schemeClr val="accent2"/>
+          </a:effectRef>
+          <a:fontRef idx="minor">
+            <a:schemeClr val="dk1"/>
+          </a:fontRef>
+        </p:style>
+        <p:txBody>
+          <a:bodyPr rtlCol="0" anchor="ctr"/>
+          <a:lstStyle/>
+          <a:p>
+            <a:r>
+              <a:rPr lang="en-US" altLang="zh-CN" dirty="0" err="1" smtClean="0"/>
+              <a:t>Dremel</a:t>
+            </a:r>
+            <a:r>
+              <a:rPr lang="zh-CN" altLang="en-US" dirty="0" smtClean="0"/>
+              <a:t>使用列式存储，而且是顺序读取。</a:t>
+            </a:r>
+            <a:endParaRPr lang="en-US" altLang="zh-CN" dirty="0" smtClean="0"/>
+          </a:p>
+          <a:p>
+            <a:r>
+              <a:rPr lang="zh-CN" altLang="en-US" dirty="0" smtClean="0"/>
+              <a:t>海狗的读取使用的是</a:t>
+            </a:r>
+            <a:r>
+              <a:rPr lang="en-US" altLang="zh-CN" dirty="0" smtClean="0"/>
+              <a:t>tis</a:t>
+            </a:r>
+            <a:r>
+              <a:rPr lang="zh-CN" altLang="en-US" dirty="0" smtClean="0"/>
+              <a:t>文件，实际上也是列式读取</a:t>
+            </a:r>
+            <a:endParaRPr lang="en-US" altLang="zh-CN" dirty="0" smtClean="0"/>
+          </a:p>
+          <a:p>
+            <a:r>
+              <a:rPr lang="zh-CN" altLang="en-US" dirty="0" smtClean="0"/>
+              <a:t>但是由于倒排索引的特性，和高压缩比，这里并非顺序读取，故我们稍微改造下查询机制，采用顺序装载，在内存中进行</a:t>
+            </a:r>
+            <a:r>
+              <a:rPr lang="en-US" altLang="zh-CN" dirty="0" smtClean="0"/>
+              <a:t>LRU</a:t>
+            </a:r>
+            <a:r>
+              <a:rPr lang="zh-CN" altLang="en-US" dirty="0" smtClean="0"/>
+              <a:t>方式的读取，读取速度更快，让我们看看是如何实现的。</a:t>
+            </a:r>
+            <a:endParaRPr lang="en-US" altLang="zh-CN" dirty="0" smtClean="0"/>
+          </a:p>
+        </p:txBody>
+      </p:sp>
+      <p:graphicFrame>
+        <p:nvGraphicFramePr>
+          <p:cNvPr id="17" name="图示 16"/>
+          <p:cNvGraphicFramePr/>
+          <p:nvPr>
+            <p:extLst>
+              <p:ext uri="{D42A27DB-BD31-4B8C-83A1-F6EECF244321}">
+                <p14:modId xmlns:p14="http://schemas.microsoft.com/office/powerpoint/2010/main" val="3762496508"/>
+              </p:ext>
+            </p:extLst>
+          </p:nvPr>
+        </p:nvGraphicFramePr>
+        <p:xfrm>
+          <a:off x="1979712" y="1973064"/>
+          <a:ext cx="396044" cy="4064000"/>
+        </p:xfrm>
+        <a:graphic>
+          <a:graphicData uri="http://schemas.openxmlformats.org/drawingml/2006/diagram">
+            <dgm:relIds xmlns:dgm="http://schemas.openxmlformats.org/drawingml/2006/diagram" xmlns:r="http://schemas.openxmlformats.org/officeDocument/2006/relationships" r:dm="rId3" r:lo="rId4" r:qs="rId5" r:cs="rId6"/>
+          </a:graphicData>
+        </a:graphic>
+      </p:graphicFrame>
+      <p:sp>
+        <p:nvSpPr>
+          <p:cNvPr id="19" name="右箭头 18"/>
+          <p:cNvSpPr/>
+          <p:nvPr/>
+        </p:nvSpPr>
+        <p:spPr>
+          <a:xfrm rot="10800000">
+            <a:off x="2357754" y="2960948"/>
+            <a:ext cx="1152128" cy="237148"/>
+          </a:xfrm>
+          <a:prstGeom prst="rightArrow">
+            <a:avLst/>
+          </a:prstGeom>
+        </p:spPr>
+        <p:style>
+          <a:lnRef idx="2">
+            <a:schemeClr val="accent1">
+              <a:shade val="50000"/>
+            </a:schemeClr>
+          </a:lnRef>
+          <a:fillRef idx="1">
+            <a:schemeClr val="accent1"/>
+          </a:fillRef>
+          <a:effectRef idx="0">
+            <a:schemeClr val="accent1"/>
+          </a:effectRef>
+          <a:fontRef idx="minor">
+            <a:schemeClr val="lt1"/>
+          </a:fontRef>
+        </p:style>
+        <p:txBody>
+          <a:bodyPr rtlCol="0" anchor="ctr"/>
+          <a:lstStyle/>
+          <a:p>
+            <a:pPr algn="ctr"/>
+            <a:endParaRPr lang="zh-CN" altLang="en-US"/>
+          </a:p>
+        </p:txBody>
+      </p:sp>
     </p:spTree>
     <p:extLst>
       <p:ext uri="{BB962C8B-B14F-4D97-AF65-F5344CB8AC3E}">
@@ -15072,7 +20297,7 @@
                                           </p:stCondLst>
                                         </p:cTn>
                                         <p:tgtEl>
-                                          <p:spTgt spid="16"/>
+                                          <p:spTgt spid="14"/>
                                         </p:tgtEl>
                                         <p:attrNameLst>
                                           <p:attrName>style.visibility</p:attrName>
@@ -15086,7 +20311,7 @@
                                       <p:cBhvr>
                                         <p:cTn id="19" dur="500"/>
                                         <p:tgtEl>
-                                          <p:spTgt spid="16"/>
+                                          <p:spTgt spid="14"/>
                                         </p:tgtEl>
                                       </p:cBhvr>
                                     </p:animEffect>
@@ -15112,73 +20337,20 @@
                             </p:stCondLst>
                             <p:childTnLst>
                               <p:par>
-                                <p:cTn id="22" presetID="22" presetClass="exit" presetSubtype="4" fill="hold" grpId="1" nodeType="clickEffect">
-                                  <p:stCondLst>
-                                    <p:cond delay="0"/>
-                                  </p:stCondLst>
-                                  <p:childTnLst>
-                                    <p:animEffect transition="out" filter="wipe(down)">
-                                      <p:cBhvr>
-                                        <p:cTn id="23" dur="500"/>
-                                        <p:tgtEl>
-                                          <p:spTgt spid="16"/>
-                                        </p:tgtEl>
-                                      </p:cBhvr>
-                                    </p:animEffect>
-                                    <p:set>
-                                      <p:cBhvr>
-                                        <p:cTn id="24" dur="1" fill="hold">
-                                          <p:stCondLst>
-                                            <p:cond delay="499"/>
-                                          </p:stCondLst>
-                                        </p:cTn>
-                                        <p:tgtEl>
-                                          <p:spTgt spid="16"/>
-                                        </p:tgtEl>
-                                        <p:attrNameLst>
-                                          <p:attrName>style.visibility</p:attrName>
-                                        </p:attrNameLst>
-                                      </p:cBhvr>
-                                      <p:to>
-                                        <p:strVal val="hidden"/>
-                                      </p:to>
-                                    </p:set>
-                                  </p:childTnLst>
-                                </p:cTn>
-                              </p:par>
-                            </p:childTnLst>
-                          </p:cTn>
-                        </p:par>
-                      </p:childTnLst>
-                    </p:cTn>
-                  </p:par>
-                  <p:par>
-                    <p:cTn id="25" fill="hold">
-                      <p:stCondLst>
-                        <p:cond delay="indefinite"/>
-                      </p:stCondLst>
-                      <p:childTnLst>
-                        <p:par>
-                          <p:cTn id="26" fill="hold">
-                            <p:stCondLst>
-                              <p:cond delay="0"/>
-                            </p:stCondLst>
-                            <p:childTnLst>
-                              <p:par>
-                                <p:cTn id="27" presetID="42" presetClass="entr" presetSubtype="0" fill="hold" nodeType="clickEffect">
+                                <p:cTn id="22" presetID="42" presetClass="entr" presetSubtype="0" fill="hold" nodeType="clickEffect">
                                   <p:stCondLst>
                                     <p:cond delay="0"/>
                                   </p:stCondLst>
                                   <p:childTnLst>
                                     <p:set>
                                       <p:cBhvr>
-                                        <p:cTn id="28" dur="1" fill="hold">
+                                        <p:cTn id="23" dur="1" fill="hold">
                                           <p:stCondLst>
                                             <p:cond delay="0"/>
                                           </p:stCondLst>
                                         </p:cTn>
                                         <p:tgtEl>
-                                          <p:spTgt spid="10">
+                                          <p:spTgt spid="14">
                                             <p:txEl>
                                               <p:pRg st="0" end="0"/>
                                             </p:txEl>
@@ -15194,9 +20366,9 @@
                                     </p:set>
                                     <p:animEffect transition="in" filter="fade">
                                       <p:cBhvr>
-                                        <p:cTn id="29" dur="1000"/>
-                                        <p:tgtEl>
-                                          <p:spTgt spid="10">
+                                        <p:cTn id="24" dur="1000"/>
+                                        <p:tgtEl>
+                                          <p:spTgt spid="14">
                                             <p:txEl>
                                               <p:pRg st="0" end="0"/>
                                             </p:txEl>
@@ -15206,9 +20378,9 @@
                                     </p:animEffect>
                                     <p:anim calcmode="lin" valueType="num">
                                       <p:cBhvr>
-                                        <p:cTn id="30" dur="1000" fill="hold"/>
-                                        <p:tgtEl>
-                                          <p:spTgt spid="10">
+                                        <p:cTn id="25" dur="1000" fill="hold"/>
+                                        <p:tgtEl>
+                                          <p:spTgt spid="14">
                                             <p:txEl>
                                               <p:pRg st="0" end="0"/>
                                             </p:txEl>
@@ -15233,9 +20405,9 @@
                                     </p:anim>
                                     <p:anim calcmode="lin" valueType="num">
                                       <p:cBhvr>
-                                        <p:cTn id="31" dur="1000" fill="hold"/>
-                                        <p:tgtEl>
-                                          <p:spTgt spid="10">
+                                        <p:cTn id="26" dur="1000" fill="hold"/>
+                                        <p:tgtEl>
+                                          <p:spTgt spid="14">
                                             <p:txEl>
                                               <p:pRg st="0" end="0"/>
                                             </p:txEl>
@@ -15268,208 +20440,32 @@
                     </p:cTn>
                   </p:par>
                   <p:par>
-                    <p:cTn id="32" fill="hold">
+                    <p:cTn id="27" fill="hold">
                       <p:stCondLst>
                         <p:cond delay="indefinite"/>
                       </p:stCondLst>
                       <p:childTnLst>
                         <p:par>
-                          <p:cTn id="33" fill="hold">
+                          <p:cTn id="28" fill="hold">
                             <p:stCondLst>
                               <p:cond delay="0"/>
                             </p:stCondLst>
                             <p:childTnLst>
                               <p:par>
-                                <p:cTn id="34" presetID="16" presetClass="entr" presetSubtype="21" fill="hold" grpId="0" nodeType="clickEffect">
+                                <p:cTn id="29" presetID="42" presetClass="entr" presetSubtype="0" fill="hold" nodeType="clickEffect">
                                   <p:stCondLst>
                                     <p:cond delay="0"/>
                                   </p:stCondLst>
                                   <p:childTnLst>
                                     <p:set>
                                       <p:cBhvr>
-                                        <p:cTn id="35" dur="1" fill="hold">
+                                        <p:cTn id="30" dur="1" fill="hold">
                                           <p:stCondLst>
                                             <p:cond delay="0"/>
                                           </p:stCondLst>
                                         </p:cTn>
                                         <p:tgtEl>
-                                          <p:spTgt spid="11"/>
-                                        </p:tgtEl>
-                                        <p:attrNameLst>
-                                          <p:attrName>style.visibility</p:attrName>
-                                        </p:attrNameLst>
-                                      </p:cBhvr>
-                                      <p:to>
-                                        <p:strVal val="visible"/>
-                                      </p:to>
-                                    </p:set>
-                                    <p:animEffect transition="in" filter="barn(inVertical)">
-                                      <p:cBhvr>
-                                        <p:cTn id="36" dur="500"/>
-                                        <p:tgtEl>
-                                          <p:spTgt spid="11"/>
-                                        </p:tgtEl>
-                                      </p:cBhvr>
-                                    </p:animEffect>
-                                  </p:childTnLst>
-                                </p:cTn>
-                              </p:par>
-                              <p:par>
-                                <p:cTn id="37" presetID="16" presetClass="entr" presetSubtype="21" fill="hold" grpId="0" nodeType="withEffect">
-                                  <p:stCondLst>
-                                    <p:cond delay="0"/>
-                                  </p:stCondLst>
-                                  <p:childTnLst>
-                                    <p:set>
-                                      <p:cBhvr>
-                                        <p:cTn id="38" dur="1" fill="hold">
-                                          <p:stCondLst>
-                                            <p:cond delay="0"/>
-                                          </p:stCondLst>
-                                        </p:cTn>
-                                        <p:tgtEl>
-                                          <p:spTgt spid="3"/>
-                                        </p:tgtEl>
-                                        <p:attrNameLst>
-                                          <p:attrName>style.visibility</p:attrName>
-                                        </p:attrNameLst>
-                                      </p:cBhvr>
-                                      <p:to>
-                                        <p:strVal val="visible"/>
-                                      </p:to>
-                                    </p:set>
-                                    <p:animEffect transition="in" filter="barn(inVertical)">
-                                      <p:cBhvr>
-                                        <p:cTn id="39" dur="500"/>
-                                        <p:tgtEl>
-                                          <p:spTgt spid="3"/>
-                                        </p:tgtEl>
-                                      </p:cBhvr>
-                                    </p:animEffect>
-                                  </p:childTnLst>
-                                </p:cTn>
-                              </p:par>
-                            </p:childTnLst>
-                          </p:cTn>
-                        </p:par>
-                      </p:childTnLst>
-                    </p:cTn>
-                  </p:par>
-                  <p:par>
-                    <p:cTn id="40" fill="hold">
-                      <p:stCondLst>
-                        <p:cond delay="indefinite"/>
-                      </p:stCondLst>
-                      <p:childTnLst>
-                        <p:par>
-                          <p:cTn id="41" fill="hold">
-                            <p:stCondLst>
-                              <p:cond delay="0"/>
-                            </p:stCondLst>
-                            <p:childTnLst>
-                              <p:par>
-                                <p:cTn id="42" presetID="16" presetClass="exit" presetSubtype="21" fill="hold" grpId="1" nodeType="clickEffect">
-                                  <p:stCondLst>
-                                    <p:cond delay="0"/>
-                                  </p:stCondLst>
-                                  <p:childTnLst>
-                                    <p:animEffect transition="out" filter="barn(inVertical)">
-                                      <p:cBhvr>
-                                        <p:cTn id="43" dur="500"/>
-                                        <p:tgtEl>
-                                          <p:spTgt spid="11"/>
-                                        </p:tgtEl>
-                                      </p:cBhvr>
-                                    </p:animEffect>
-                                    <p:set>
-                                      <p:cBhvr>
-                                        <p:cTn id="44" dur="1" fill="hold">
-                                          <p:stCondLst>
-                                            <p:cond delay="499"/>
-                                          </p:stCondLst>
-                                        </p:cTn>
-                                        <p:tgtEl>
-                                          <p:spTgt spid="11"/>
-                                        </p:tgtEl>
-                                        <p:attrNameLst>
-                                          <p:attrName>style.visibility</p:attrName>
-                                        </p:attrNameLst>
-                                      </p:cBhvr>
-                                      <p:to>
-                                        <p:strVal val="hidden"/>
-                                      </p:to>
-                                    </p:set>
-                                  </p:childTnLst>
-                                </p:cTn>
-                              </p:par>
-                              <p:par>
-                                <p:cTn id="45" presetID="16" presetClass="exit" presetSubtype="21" fill="hold" grpId="1" nodeType="withEffect">
-                                  <p:stCondLst>
-                                    <p:cond delay="0"/>
-                                  </p:stCondLst>
-                                  <p:childTnLst>
-                                    <p:animEffect transition="out" filter="barn(inVertical)">
-                                      <p:cBhvr>
-                                        <p:cTn id="46" dur="500"/>
-                                        <p:tgtEl>
-                                          <p:spTgt spid="3"/>
-                                        </p:tgtEl>
-                                      </p:cBhvr>
-                                    </p:animEffect>
-                                    <p:set>
-                                      <p:cBhvr>
-                                        <p:cTn id="47" dur="1" fill="hold">
-                                          <p:stCondLst>
-                                            <p:cond delay="499"/>
-                                          </p:stCondLst>
-                                        </p:cTn>
-                                        <p:tgtEl>
-                                          <p:spTgt spid="3"/>
-                                        </p:tgtEl>
-                                        <p:attrNameLst>
-                                          <p:attrName>style.visibility</p:attrName>
-                                        </p:attrNameLst>
-                                      </p:cBhvr>
-                                      <p:to>
-                                        <p:strVal val="hidden"/>
-                                      </p:to>
-                                    </p:set>
-                                  </p:childTnLst>
-                                </p:cTn>
-                              </p:par>
-                            </p:childTnLst>
-                          </p:cTn>
-                        </p:par>
-                      </p:childTnLst>
-                    </p:cTn>
-                  </p:par>
-                  <p:par>
-                    <p:cTn id="48" fill="hold">
-                      <p:stCondLst>
-                        <p:cond delay="indefinite"/>
-                      </p:stCondLst>
-                      <p:childTnLst>
-                        <p:par>
-                          <p:cTn id="49" fill="hold">
-                            <p:stCondLst>
-                              <p:cond delay="0"/>
-                            </p:stCondLst>
-                            <p:childTnLst>
-                              <p:par>
-                                <p:cTn id="50" presetID="42" presetClass="entr" presetSubtype="0" fill="hold" nodeType="clickEffect">
-                                  <p:stCondLst>
-                                    <p:cond delay="0"/>
-                                  </p:stCondLst>
-                                  <p:childTnLst>
-                                    <p:set>
-                                      <p:cBhvr>
-                                        <p:cTn id="51" dur="1" fill="hold">
-                                          <p:stCondLst>
-                                            <p:cond delay="0"/>
-                                          </p:stCondLst>
-                                        </p:cTn>
-                                        <p:tgtEl>
-                                          <p:spTgt spid="10">
+                                          <p:spTgt spid="14">
                                             <p:txEl>
                                               <p:pRg st="1" end="1"/>
                                             </p:txEl>
@@ -15485,9 +20481,9 @@
                                     </p:set>
                                     <p:animEffect transition="in" filter="fade">
                                       <p:cBhvr>
-                                        <p:cTn id="52" dur="1000"/>
-                                        <p:tgtEl>
-                                          <p:spTgt spid="10">
+                                        <p:cTn id="31" dur="1000"/>
+                                        <p:tgtEl>
+                                          <p:spTgt spid="14">
                                             <p:txEl>
                                               <p:pRg st="1" end="1"/>
                                             </p:txEl>
@@ -15497,9 +20493,9 @@
                                     </p:animEffect>
                                     <p:anim calcmode="lin" valueType="num">
                                       <p:cBhvr>
-                                        <p:cTn id="53" dur="1000" fill="hold"/>
-                                        <p:tgtEl>
-                                          <p:spTgt spid="10">
+                                        <p:cTn id="32" dur="1000" fill="hold"/>
+                                        <p:tgtEl>
+                                          <p:spTgt spid="14">
                                             <p:txEl>
                                               <p:pRg st="1" end="1"/>
                                             </p:txEl>
@@ -15524,9 +20520,9 @@
                                     </p:anim>
                                     <p:anim calcmode="lin" valueType="num">
                                       <p:cBhvr>
-                                        <p:cTn id="54" dur="1000" fill="hold"/>
-                                        <p:tgtEl>
-                                          <p:spTgt spid="10">
+                                        <p:cTn id="33" dur="1000" fill="hold"/>
+                                        <p:tgtEl>
+                                          <p:spTgt spid="14">
                                             <p:txEl>
                                               <p:pRg st="1" end="1"/>
                                             </p:txEl>
@@ -15559,32 +20555,32 @@
                     </p:cTn>
                   </p:par>
                   <p:par>
-                    <p:cTn id="55" fill="hold">
+                    <p:cTn id="34" fill="hold">
                       <p:stCondLst>
                         <p:cond delay="indefinite"/>
                       </p:stCondLst>
                       <p:childTnLst>
                         <p:par>
-                          <p:cTn id="56" fill="hold">
+                          <p:cTn id="35" fill="hold">
                             <p:stCondLst>
                               <p:cond delay="0"/>
                             </p:stCondLst>
                             <p:childTnLst>
                               <p:par>
-                                <p:cTn id="57" presetID="16" presetClass="entr" presetSubtype="21" fill="hold" grpId="0" nodeType="clickEffect">
+                                <p:cTn id="36" presetID="16" presetClass="entr" presetSubtype="21" fill="hold" grpId="0" nodeType="clickEffect">
                                   <p:stCondLst>
                                     <p:cond delay="0"/>
                                   </p:stCondLst>
                                   <p:childTnLst>
                                     <p:set>
                                       <p:cBhvr>
-                                        <p:cTn id="58" dur="1" fill="hold">
+                                        <p:cTn id="37" dur="1" fill="hold">
                                           <p:stCondLst>
                                             <p:cond delay="0"/>
                                           </p:stCondLst>
                                         </p:cTn>
                                         <p:tgtEl>
-                                          <p:spTgt spid="13"/>
+                                          <p:spTgt spid="19"/>
                                         </p:tgtEl>
                                         <p:attrNameLst>
                                           <p:attrName>style.visibility</p:attrName>
@@ -15596,9 +20592,44 @@
                                     </p:set>
                                     <p:animEffect transition="in" filter="barn(inVertical)">
                                       <p:cBhvr>
-                                        <p:cTn id="59" dur="500"/>
-                                        <p:tgtEl>
-                                          <p:spTgt spid="13"/>
+                                        <p:cTn id="38" dur="500"/>
+                                        <p:tgtEl>
+                                          <p:spTgt spid="19"/>
+                                        </p:tgtEl>
+                                      </p:cBhvr>
+                                    </p:animEffect>
+                                  </p:childTnLst>
+                                </p:cTn>
+                              </p:par>
+                              <p:par>
+                                <p:cTn id="39" presetID="16" presetClass="entr" presetSubtype="21" fill="hold" grpId="0" nodeType="withEffect">
+                                  <p:stCondLst>
+                                    <p:cond delay="0"/>
+                                  </p:stCondLst>
+                                  <p:childTnLst>
+                                    <p:set>
+                                      <p:cBhvr>
+                                        <p:cTn id="40" dur="1" fill="hold">
+                                          <p:stCondLst>
+                                            <p:cond delay="0"/>
+                                          </p:stCondLst>
+                                        </p:cTn>
+                                        <p:tgtEl>
+                                          <p:spTgt spid="17"/>
+                                        </p:tgtEl>
+                                        <p:attrNameLst>
+                                          <p:attrName>style.visibility</p:attrName>
+                                        </p:attrNameLst>
+                                      </p:cBhvr>
+                                      <p:to>
+                                        <p:strVal val="visible"/>
+                                      </p:to>
+                                    </p:set>
+                                    <p:animEffect transition="in" filter="barn(inVertical)">
+                                      <p:cBhvr>
+                                        <p:cTn id="41" dur="500"/>
+                                        <p:tgtEl>
+                                          <p:spTgt spid="17"/>
                                         </p:tgtEl>
                                       </p:cBhvr>
                                     </p:animEffect>
@@ -15612,85 +20643,32 @@
                     </p:cTn>
                   </p:par>
                   <p:par>
-                    <p:cTn id="60" fill="hold">
+                    <p:cTn id="42" fill="hold">
                       <p:stCondLst>
                         <p:cond delay="indefinite"/>
                       </p:stCondLst>
                       <p:childTnLst>
                         <p:par>
-                          <p:cTn id="61" fill="hold">
+                          <p:cTn id="43" fill="hold">
                             <p:stCondLst>
                               <p:cond delay="0"/>
                             </p:stCondLst>
                             <p:childTnLst>
                               <p:par>
-                                <p:cTn id="62" presetID="22" presetClass="exit" presetSubtype="4" fill="hold" grpId="1" nodeType="clickEffect">
-                                  <p:stCondLst>
-                                    <p:cond delay="0"/>
-                                  </p:stCondLst>
-                                  <p:childTnLst>
-                                    <p:animEffect transition="out" filter="wipe(down)">
-                                      <p:cBhvr>
-                                        <p:cTn id="63" dur="500"/>
-                                        <p:tgtEl>
-                                          <p:spTgt spid="13"/>
-                                        </p:tgtEl>
-                                      </p:cBhvr>
-                                    </p:animEffect>
-                                    <p:set>
-                                      <p:cBhvr>
-                                        <p:cTn id="64" dur="1" fill="hold">
-                                          <p:stCondLst>
-                                            <p:cond delay="499"/>
-                                          </p:stCondLst>
-                                        </p:cTn>
-                                        <p:tgtEl>
-                                          <p:spTgt spid="13"/>
-                                        </p:tgtEl>
-                                        <p:attrNameLst>
-                                          <p:attrName>style.visibility</p:attrName>
-                                        </p:attrNameLst>
-                                      </p:cBhvr>
-                                      <p:to>
-                                        <p:strVal val="hidden"/>
-                                      </p:to>
-                                    </p:set>
-                                  </p:childTnLst>
-                                </p:cTn>
-                              </p:par>
-                            </p:childTnLst>
-                          </p:cTn>
-                        </p:par>
-                      </p:childTnLst>
-                    </p:cTn>
-                  </p:par>
-                  <p:par>
-                    <p:cTn id="65" fill="hold">
-                      <p:stCondLst>
-                        <p:cond delay="indefinite"/>
-                      </p:stCondLst>
-                      <p:childTnLst>
-                        <p:par>
-                          <p:cTn id="66" fill="hold">
-                            <p:stCondLst>
-                              <p:cond delay="0"/>
-                            </p:stCondLst>
-                            <p:childTnLst>
-                              <p:par>
-                                <p:cTn id="67" presetID="42" presetClass="entr" presetSubtype="0" fill="hold" nodeType="clickEffect">
+                                <p:cTn id="44" presetID="42" presetClass="entr" presetSubtype="0" fill="hold" nodeType="clickEffect">
                                   <p:stCondLst>
                                     <p:cond delay="0"/>
                                   </p:stCondLst>
                                   <p:childTnLst>
                                     <p:set>
                                       <p:cBhvr>
-                                        <p:cTn id="68" dur="1" fill="hold">
+                                        <p:cTn id="45" dur="1" fill="hold">
                                           <p:stCondLst>
                                             <p:cond delay="0"/>
                                           </p:stCondLst>
                                         </p:cTn>
                                         <p:tgtEl>
-                                          <p:spTgt spid="10">
+                                          <p:spTgt spid="14">
                                             <p:txEl>
                                               <p:pRg st="2" end="2"/>
                                             </p:txEl>
@@ -15706,9 +20684,9 @@
                                     </p:set>
                                     <p:animEffect transition="in" filter="fade">
                                       <p:cBhvr>
-                                        <p:cTn id="69" dur="1000"/>
-                                        <p:tgtEl>
-                                          <p:spTgt spid="10">
+                                        <p:cTn id="46" dur="1000"/>
+                                        <p:tgtEl>
+                                          <p:spTgt spid="14">
                                             <p:txEl>
                                               <p:pRg st="2" end="2"/>
                                             </p:txEl>
@@ -15718,9 +20696,9 @@
                                     </p:animEffect>
                                     <p:anim calcmode="lin" valueType="num">
                                       <p:cBhvr>
-                                        <p:cTn id="70" dur="1000" fill="hold"/>
-                                        <p:tgtEl>
-                                          <p:spTgt spid="10">
+                                        <p:cTn id="47" dur="1000" fill="hold"/>
+                                        <p:tgtEl>
+                                          <p:spTgt spid="14">
                                             <p:txEl>
                                               <p:pRg st="2" end="2"/>
                                             </p:txEl>
@@ -15745,9 +20723,9 @@
                                     </p:anim>
                                     <p:anim calcmode="lin" valueType="num">
                                       <p:cBhvr>
-                                        <p:cTn id="71" dur="1000" fill="hold"/>
-                                        <p:tgtEl>
-                                          <p:spTgt spid="10">
+                                        <p:cTn id="48" dur="1000" fill="hold"/>
+                                        <p:tgtEl>
+                                          <p:spTgt spid="14">
                                             <p:txEl>
                                               <p:pRg st="2" end="2"/>
                                             </p:txEl>
@@ -15780,32 +20758,284 @@
                     </p:cTn>
                   </p:par>
                   <p:par>
-                    <p:cTn id="72" fill="hold">
+                    <p:cTn id="49" fill="hold">
                       <p:stCondLst>
                         <p:cond delay="indefinite"/>
                       </p:stCondLst>
                       <p:childTnLst>
                         <p:par>
-                          <p:cTn id="73" fill="hold">
+                          <p:cTn id="50" fill="hold">
                             <p:stCondLst>
                               <p:cond delay="0"/>
                             </p:stCondLst>
                             <p:childTnLst>
                               <p:par>
-                                <p:cTn id="74" presetID="42" presetClass="entr" presetSubtype="0" fill="hold" grpId="0" nodeType="clickEffect">
+                                <p:cTn id="51" presetID="16" presetClass="exit" presetSubtype="21" fill="hold" grpId="1" nodeType="clickEffect">
+                                  <p:stCondLst>
+                                    <p:cond delay="0"/>
+                                  </p:stCondLst>
+                                  <p:childTnLst>
+                                    <p:animEffect transition="out" filter="barn(inVertical)">
+                                      <p:cBhvr>
+                                        <p:cTn id="52" dur="500"/>
+                                        <p:tgtEl>
+                                          <p:spTgt spid="14"/>
+                                        </p:tgtEl>
+                                      </p:cBhvr>
+                                    </p:animEffect>
+                                    <p:set>
+                                      <p:cBhvr>
+                                        <p:cTn id="53" dur="1" fill="hold">
+                                          <p:stCondLst>
+                                            <p:cond delay="499"/>
+                                          </p:stCondLst>
+                                        </p:cTn>
+                                        <p:tgtEl>
+                                          <p:spTgt spid="14"/>
+                                        </p:tgtEl>
+                                        <p:attrNameLst>
+                                          <p:attrName>style.visibility</p:attrName>
+                                        </p:attrNameLst>
+                                      </p:cBhvr>
+                                      <p:to>
+                                        <p:strVal val="hidden"/>
+                                      </p:to>
+                                    </p:set>
+                                  </p:childTnLst>
+                                </p:cTn>
+                              </p:par>
+                              <p:par>
+                                <p:cTn id="54" presetID="16" presetClass="exit" presetSubtype="21" fill="hold" grpId="1" nodeType="withEffect">
+                                  <p:stCondLst>
+                                    <p:cond delay="0"/>
+                                  </p:stCondLst>
+                                  <p:childTnLst>
+                                    <p:animEffect transition="out" filter="barn(inVertical)">
+                                      <p:cBhvr>
+                                        <p:cTn id="55" dur="500"/>
+                                        <p:tgtEl>
+                                          <p:spTgt spid="19"/>
+                                        </p:tgtEl>
+                                      </p:cBhvr>
+                                    </p:animEffect>
+                                    <p:set>
+                                      <p:cBhvr>
+                                        <p:cTn id="56" dur="1" fill="hold">
+                                          <p:stCondLst>
+                                            <p:cond delay="499"/>
+                                          </p:stCondLst>
+                                        </p:cTn>
+                                        <p:tgtEl>
+                                          <p:spTgt spid="19"/>
+                                        </p:tgtEl>
+                                        <p:attrNameLst>
+                                          <p:attrName>style.visibility</p:attrName>
+                                        </p:attrNameLst>
+                                      </p:cBhvr>
+                                      <p:to>
+                                        <p:strVal val="hidden"/>
+                                      </p:to>
+                                    </p:set>
+                                  </p:childTnLst>
+                                </p:cTn>
+                              </p:par>
+                              <p:par>
+                                <p:cTn id="57" presetID="16" presetClass="exit" presetSubtype="21" fill="hold" grpId="1" nodeType="withEffect">
+                                  <p:stCondLst>
+                                    <p:cond delay="0"/>
+                                  </p:stCondLst>
+                                  <p:childTnLst>
+                                    <p:animEffect transition="out" filter="barn(inVertical)">
+                                      <p:cBhvr>
+                                        <p:cTn id="58" dur="500"/>
+                                        <p:tgtEl>
+                                          <p:spTgt spid="17"/>
+                                        </p:tgtEl>
+                                      </p:cBhvr>
+                                    </p:animEffect>
+                                    <p:set>
+                                      <p:cBhvr>
+                                        <p:cTn id="59" dur="1" fill="hold">
+                                          <p:stCondLst>
+                                            <p:cond delay="499"/>
+                                          </p:stCondLst>
+                                        </p:cTn>
+                                        <p:tgtEl>
+                                          <p:spTgt spid="17"/>
+                                        </p:tgtEl>
+                                        <p:attrNameLst>
+                                          <p:attrName>style.visibility</p:attrName>
+                                        </p:attrNameLst>
+                                      </p:cBhvr>
+                                      <p:to>
+                                        <p:strVal val="hidden"/>
+                                      </p:to>
+                                    </p:set>
+                                  </p:childTnLst>
+                                </p:cTn>
+                              </p:par>
+                              <p:par>
+                                <p:cTn id="60" presetID="16" presetClass="exit" presetSubtype="21" fill="hold" nodeType="withEffect">
+                                  <p:stCondLst>
+                                    <p:cond delay="0"/>
+                                  </p:stCondLst>
+                                  <p:childTnLst>
+                                    <p:animEffect transition="out" filter="barn(inVertical)">
+                                      <p:cBhvr>
+                                        <p:cTn id="61" dur="500"/>
+                                        <p:tgtEl>
+                                          <p:spTgt spid="14">
+                                            <p:txEl>
+                                              <p:pRg st="0" end="0"/>
+                                            </p:txEl>
+                                          </p:spTgt>
+                                        </p:tgtEl>
+                                      </p:cBhvr>
+                                    </p:animEffect>
+                                    <p:set>
+                                      <p:cBhvr>
+                                        <p:cTn id="62" dur="1" fill="hold">
+                                          <p:stCondLst>
+                                            <p:cond delay="499"/>
+                                          </p:stCondLst>
+                                        </p:cTn>
+                                        <p:tgtEl>
+                                          <p:spTgt spid="14">
+                                            <p:txEl>
+                                              <p:pRg st="0" end="0"/>
+                                            </p:txEl>
+                                          </p:spTgt>
+                                        </p:tgtEl>
+                                        <p:attrNameLst>
+                                          <p:attrName>style.visibility</p:attrName>
+                                        </p:attrNameLst>
+                                      </p:cBhvr>
+                                      <p:to>
+                                        <p:strVal val="hidden"/>
+                                      </p:to>
+                                    </p:set>
+                                  </p:childTnLst>
+                                </p:cTn>
+                              </p:par>
+                              <p:par>
+                                <p:cTn id="63" presetID="16" presetClass="exit" presetSubtype="21" fill="hold" nodeType="withEffect">
+                                  <p:stCondLst>
+                                    <p:cond delay="0"/>
+                                  </p:stCondLst>
+                                  <p:childTnLst>
+                                    <p:animEffect transition="out" filter="barn(inVertical)">
+                                      <p:cBhvr>
+                                        <p:cTn id="64" dur="500"/>
+                                        <p:tgtEl>
+                                          <p:spTgt spid="14">
+                                            <p:txEl>
+                                              <p:pRg st="1" end="1"/>
+                                            </p:txEl>
+                                          </p:spTgt>
+                                        </p:tgtEl>
+                                      </p:cBhvr>
+                                    </p:animEffect>
+                                    <p:set>
+                                      <p:cBhvr>
+                                        <p:cTn id="65" dur="1" fill="hold">
+                                          <p:stCondLst>
+                                            <p:cond delay="499"/>
+                                          </p:stCondLst>
+                                        </p:cTn>
+                                        <p:tgtEl>
+                                          <p:spTgt spid="14">
+                                            <p:txEl>
+                                              <p:pRg st="1" end="1"/>
+                                            </p:txEl>
+                                          </p:spTgt>
+                                        </p:tgtEl>
+                                        <p:attrNameLst>
+                                          <p:attrName>style.visibility</p:attrName>
+                                        </p:attrNameLst>
+                                      </p:cBhvr>
+                                      <p:to>
+                                        <p:strVal val="hidden"/>
+                                      </p:to>
+                                    </p:set>
+                                  </p:childTnLst>
+                                </p:cTn>
+                              </p:par>
+                              <p:par>
+                                <p:cTn id="66" presetID="16" presetClass="exit" presetSubtype="21" fill="hold" nodeType="withEffect">
+                                  <p:stCondLst>
+                                    <p:cond delay="0"/>
+                                  </p:stCondLst>
+                                  <p:childTnLst>
+                                    <p:animEffect transition="out" filter="barn(inVertical)">
+                                      <p:cBhvr>
+                                        <p:cTn id="67" dur="500"/>
+                                        <p:tgtEl>
+                                          <p:spTgt spid="14">
+                                            <p:txEl>
+                                              <p:pRg st="2" end="2"/>
+                                            </p:txEl>
+                                          </p:spTgt>
+                                        </p:tgtEl>
+                                      </p:cBhvr>
+                                    </p:animEffect>
+                                    <p:set>
+                                      <p:cBhvr>
+                                        <p:cTn id="68" dur="1" fill="hold">
+                                          <p:stCondLst>
+                                            <p:cond delay="499"/>
+                                          </p:stCondLst>
+                                        </p:cTn>
+                                        <p:tgtEl>
+                                          <p:spTgt spid="14">
+                                            <p:txEl>
+                                              <p:pRg st="2" end="2"/>
+                                            </p:txEl>
+                                          </p:spTgt>
+                                        </p:tgtEl>
+                                        <p:attrNameLst>
+                                          <p:attrName>style.visibility</p:attrName>
+                                        </p:attrNameLst>
+                                      </p:cBhvr>
+                                      <p:to>
+                                        <p:strVal val="hidden"/>
+                                      </p:to>
+                                    </p:set>
+                                  </p:childTnLst>
+                                </p:cTn>
+                              </p:par>
+                            </p:childTnLst>
+                          </p:cTn>
+                        </p:par>
+                      </p:childTnLst>
+                    </p:cTn>
+                  </p:par>
+                  <p:par>
+                    <p:cTn id="69" fill="hold">
+                      <p:stCondLst>
+                        <p:cond delay="indefinite"/>
+                      </p:stCondLst>
+                      <p:childTnLst>
+                        <p:par>
+                          <p:cTn id="70" fill="hold">
+                            <p:stCondLst>
+                              <p:cond delay="0"/>
+                            </p:stCondLst>
+                            <p:childTnLst>
+                              <p:par>
+                                <p:cTn id="71" presetID="16" presetClass="entr" presetSubtype="21" fill="hold" grpId="0" nodeType="clickEffect">
                                   <p:stCondLst>
                                     <p:cond delay="0"/>
                                   </p:stCondLst>
                                   <p:childTnLst>
                                     <p:set>
                                       <p:cBhvr>
-                                        <p:cTn id="75" dur="1" fill="hold">
+                                        <p:cTn id="72" dur="1" fill="hold">
                                           <p:stCondLst>
                                             <p:cond delay="0"/>
                                           </p:stCondLst>
                                         </p:cTn>
                                         <p:tgtEl>
-                                          <p:spTgt spid="15"/>
+                                          <p:spTgt spid="16"/>
                                         </p:tgtEl>
                                         <p:attrNameLst>
                                           <p:attrName>style.visibility</p:attrName>
@@ -15815,60 +21045,67 @@
                                         <p:strVal val="visible"/>
                                       </p:to>
                                     </p:set>
-                                    <p:animEffect transition="in" filter="fade">
-                                      <p:cBhvr>
-                                        <p:cTn id="76" dur="1000"/>
-                                        <p:tgtEl>
-                                          <p:spTgt spid="15"/>
+                                    <p:animEffect transition="in" filter="barn(inVertical)">
+                                      <p:cBhvr>
+                                        <p:cTn id="73" dur="500"/>
+                                        <p:tgtEl>
+                                          <p:spTgt spid="16"/>
                                         </p:tgtEl>
                                       </p:cBhvr>
                                     </p:animEffect>
-                                    <p:anim calcmode="lin" valueType="num">
-                                      <p:cBhvr>
-                                        <p:cTn id="77" dur="1000" fill="hold"/>
-                                        <p:tgtEl>
-                                          <p:spTgt spid="15"/>
-                                        </p:tgtEl>
-                                        <p:attrNameLst>
-                                          <p:attrName>ppt_x</p:attrName>
-                                        </p:attrNameLst>
-                                      </p:cBhvr>
-                                      <p:tavLst>
-                                        <p:tav tm="0">
-                                          <p:val>
-                                            <p:strVal val="#ppt_x"/>
-                                          </p:val>
-                                        </p:tav>
-                                        <p:tav tm="100000">
-                                          <p:val>
-                                            <p:strVal val="#ppt_x"/>
-                                          </p:val>
-                                        </p:tav>
-                                      </p:tavLst>
-                                    </p:anim>
-                                    <p:anim calcmode="lin" valueType="num">
-                                      <p:cBhvr>
-                                        <p:cTn id="78" dur="1000" fill="hold"/>
-                                        <p:tgtEl>
-                                          <p:spTgt spid="15"/>
-                                        </p:tgtEl>
-                                        <p:attrNameLst>
-                                          <p:attrName>ppt_y</p:attrName>
-                                        </p:attrNameLst>
-                                      </p:cBhvr>
-                                      <p:tavLst>
-                                        <p:tav tm="0">
-                                          <p:val>
-                                            <p:strVal val="#ppt_y+.1"/>
-                                          </p:val>
-                                        </p:tav>
-                                        <p:tav tm="100000">
-                                          <p:val>
-                                            <p:strVal val="#ppt_y"/>
-                                          </p:val>
-                                        </p:tav>
-                                      </p:tavLst>
-                                    </p:anim>
+                                  </p:childTnLst>
+                                </p:cTn>
+                              </p:par>
+                            </p:childTnLst>
+                          </p:cTn>
+                        </p:par>
+                      </p:childTnLst>
+                    </p:cTn>
+                  </p:par>
+                  <p:par>
+                    <p:cTn id="74" fill="hold">
+                      <p:stCondLst>
+                        <p:cond delay="indefinite"/>
+                      </p:stCondLst>
+                      <p:childTnLst>
+                        <p:par>
+                          <p:cTn id="75" fill="hold">
+                            <p:stCondLst>
+                              <p:cond delay="0"/>
+                            </p:stCondLst>
+                            <p:childTnLst>
+                              <p:par>
+                                <p:cTn id="76" presetID="22" presetClass="exit" presetSubtype="4" fill="hold" grpId="1" nodeType="clickEffect">
+                                  <p:stCondLst>
+                                    <p:cond delay="0"/>
+                                  </p:stCondLst>
+                                  <p:childTnLst>
+                                    <p:animEffect transition="out" filter="wipe(down)">
+                                      <p:cBhvr>
+                                        <p:cTn id="77" dur="500"/>
+                                        <p:tgtEl>
+                                          <p:spTgt spid="16"/>
+                                        </p:tgtEl>
+                                      </p:cBhvr>
+                                    </p:animEffect>
+                                    <p:set>
+                                      <p:cBhvr>
+                                        <p:cTn id="78" dur="1" fill="hold">
+                                          <p:stCondLst>
+                                            <p:cond delay="499"/>
+                                          </p:stCondLst>
+                                        </p:cTn>
+                                        <p:tgtEl>
+                                          <p:spTgt spid="16"/>
+                                        </p:tgtEl>
+                                        <p:attrNameLst>
+                                          <p:attrName>style.visibility</p:attrName>
+                                        </p:attrNameLst>
+                                      </p:cBhvr>
+                                      <p:to>
+                                        <p:strVal val="hidden"/>
+                                      </p:to>
+                                    </p:set>
                                   </p:childTnLst>
                                 </p:cTn>
                               </p:par>
@@ -15906,7 +21143,7 @@
                                         <p:tgtEl>
                                           <p:spTgt spid="10">
                                             <p:txEl>
-                                              <p:pRg st="3" end="3"/>
+                                              <p:pRg st="0" end="0"/>
                                             </p:txEl>
                                           </p:spTgt>
                                         </p:tgtEl>
@@ -15924,7 +21161,7 @@
                                         <p:tgtEl>
                                           <p:spTgt spid="10">
                                             <p:txEl>
-                                              <p:pRg st="3" end="3"/>
+                                              <p:pRg st="0" end="0"/>
                                             </p:txEl>
                                           </p:spTgt>
                                         </p:tgtEl>
@@ -15936,7 +21173,7 @@
                                         <p:tgtEl>
                                           <p:spTgt spid="10">
                                             <p:txEl>
-                                              <p:pRg st="3" end="3"/>
+                                              <p:pRg st="0" end="0"/>
                                             </p:txEl>
                                           </p:spTgt>
                                         </p:tgtEl>
@@ -15963,7 +21200,7 @@
                                         <p:tgtEl>
                                           <p:spTgt spid="10">
                                             <p:txEl>
-                                              <p:pRg st="3" end="3"/>
+                                              <p:pRg st="0" end="0"/>
                                             </p:txEl>
                                           </p:spTgt>
                                         </p:tgtEl>
@@ -16006,7 +21243,7 @@
                             </p:stCondLst>
                             <p:childTnLst>
                               <p:par>
-                                <p:cTn id="88" presetID="22" presetClass="entr" presetSubtype="4" fill="hold" grpId="0" nodeType="clickEffect">
+                                <p:cTn id="88" presetID="16" presetClass="entr" presetSubtype="21" fill="hold" grpId="0" nodeType="clickEffect">
                                   <p:stCondLst>
                                     <p:cond delay="0"/>
                                   </p:stCondLst>
@@ -16019,7 +21256,7 @@
                                           </p:stCondLst>
                                         </p:cTn>
                                         <p:tgtEl>
-                                          <p:spTgt spid="12"/>
+                                          <p:spTgt spid="11"/>
                                         </p:tgtEl>
                                         <p:attrNameLst>
                                           <p:attrName>style.visibility</p:attrName>
@@ -16029,11 +21266,11 @@
                                         <p:strVal val="visible"/>
                                       </p:to>
                                     </p:set>
-                                    <p:animEffect transition="in" filter="wipe(down)">
+                                    <p:animEffect transition="in" filter="barn(inVertical)">
                                       <p:cBhvr>
                                         <p:cTn id="90" dur="500"/>
                                         <p:tgtEl>
-                                          <p:spTgt spid="12"/>
+                                          <p:spTgt spid="11"/>
                                         </p:tgtEl>
                                       </p:cBhvr>
                                     </p:animEffect>
@@ -16041,7 +21278,7 @@
                                 </p:cTn>
                               </p:par>
                               <p:par>
-                                <p:cTn id="91" presetID="16" presetClass="entr" presetSubtype="21" fill="hold" grpId="2" nodeType="withEffect">
+                                <p:cTn id="91" presetID="16" presetClass="entr" presetSubtype="21" fill="hold" grpId="0" nodeType="withEffect">
                                   <p:stCondLst>
                                     <p:cond delay="0"/>
                                   </p:stCondLst>
@@ -16054,7 +21291,7 @@
                                           </p:stCondLst>
                                         </p:cTn>
                                         <p:tgtEl>
-                                          <p:spTgt spid="11"/>
+                                          <p:spTgt spid="3"/>
                                         </p:tgtEl>
                                         <p:attrNameLst>
                                           <p:attrName>style.visibility</p:attrName>
@@ -16068,112 +21305,7 @@
                                       <p:cBhvr>
                                         <p:cTn id="93" dur="500"/>
                                         <p:tgtEl>
-                                          <p:spTgt spid="11"/>
-                                        </p:tgtEl>
-                                      </p:cBhvr>
-                                    </p:animEffect>
-                                  </p:childTnLst>
-                                </p:cTn>
-                              </p:par>
-                              <p:par>
-                                <p:cTn id="94" presetID="16" presetClass="entr" presetSubtype="21" fill="hold" grpId="2" nodeType="withEffect">
-                                  <p:stCondLst>
-                                    <p:cond delay="0"/>
-                                  </p:stCondLst>
-                                  <p:childTnLst>
-                                    <p:set>
-                                      <p:cBhvr>
-                                        <p:cTn id="95" dur="1" fill="hold">
-                                          <p:stCondLst>
-                                            <p:cond delay="0"/>
-                                          </p:stCondLst>
-                                        </p:cTn>
-                                        <p:tgtEl>
                                           <p:spTgt spid="3"/>
-                                        </p:tgtEl>
-                                        <p:attrNameLst>
-                                          <p:attrName>style.visibility</p:attrName>
-                                        </p:attrNameLst>
-                                      </p:cBhvr>
-                                      <p:to>
-                                        <p:strVal val="visible"/>
-                                      </p:to>
-                                    </p:set>
-                                    <p:animEffect transition="in" filter="barn(inVertical)">
-                                      <p:cBhvr>
-                                        <p:cTn id="96" dur="500"/>
-                                        <p:tgtEl>
-                                          <p:spTgt spid="3"/>
-                                        </p:tgtEl>
-                                      </p:cBhvr>
-                                    </p:animEffect>
-                                  </p:childTnLst>
-                                </p:cTn>
-                              </p:par>
-                              <p:par>
-                                <p:cTn id="97" presetID="16" presetClass="entr" presetSubtype="21" fill="hold" nodeType="withEffect">
-                                  <p:stCondLst>
-                                    <p:cond delay="0"/>
-                                  </p:stCondLst>
-                                  <p:childTnLst>
-                                    <p:set>
-                                      <p:cBhvr>
-                                        <p:cTn id="98" dur="1" fill="hold">
-                                          <p:stCondLst>
-                                            <p:cond delay="0"/>
-                                          </p:stCondLst>
-                                        </p:cTn>
-                                        <p:tgtEl>
-                                          <p:spTgt spid="20"/>
-                                        </p:tgtEl>
-                                        <p:attrNameLst>
-                                          <p:attrName>style.visibility</p:attrName>
-                                        </p:attrNameLst>
-                                      </p:cBhvr>
-                                      <p:to>
-                                        <p:strVal val="visible"/>
-                                      </p:to>
-                                    </p:set>
-                                    <p:animEffect transition="in" filter="barn(inVertical)">
-                                      <p:cBhvr>
-                                        <p:cTn id="99" dur="500"/>
-                                        <p:tgtEl>
-                                          <p:spTgt spid="20"/>
-                                        </p:tgtEl>
-                                      </p:cBhvr>
-                                    </p:animEffect>
-                                  </p:childTnLst>
-                                </p:cTn>
-                              </p:par>
-                              <p:par>
-                                <p:cTn id="100" presetID="16" presetClass="entr" presetSubtype="21" fill="hold" nodeType="withEffect">
-                                  <p:stCondLst>
-                                    <p:cond delay="0"/>
-                                  </p:stCondLst>
-                                  <p:childTnLst>
-                                    <p:set>
-                                      <p:cBhvr>
-                                        <p:cTn id="101" dur="1" fill="hold">
-                                          <p:stCondLst>
-                                            <p:cond delay="0"/>
-                                          </p:stCondLst>
-                                        </p:cTn>
-                                        <p:tgtEl>
-                                          <p:spTgt spid="18"/>
-                                        </p:tgtEl>
-                                        <p:attrNameLst>
-                                          <p:attrName>style.visibility</p:attrName>
-                                        </p:attrNameLst>
-                                      </p:cBhvr>
-                                      <p:to>
-                                        <p:strVal val="visible"/>
-                                      </p:to>
-                                    </p:set>
-                                    <p:animEffect transition="in" filter="barn(inVertical)">
-                                      <p:cBhvr>
-                                        <p:cTn id="102" dur="500"/>
-                                        <p:tgtEl>
-                                          <p:spTgt spid="18"/>
                                         </p:tgtEl>
                                       </p:cBhvr>
                                     </p:animEffect>
@@ -16187,32 +21319,124 @@
                     </p:cTn>
                   </p:par>
                   <p:par>
-                    <p:cTn id="103" fill="hold">
+                    <p:cTn id="94" fill="hold">
                       <p:stCondLst>
                         <p:cond delay="indefinite"/>
                       </p:stCondLst>
                       <p:childTnLst>
                         <p:par>
-                          <p:cTn id="104" fill="hold">
+                          <p:cTn id="95" fill="hold">
                             <p:stCondLst>
                               <p:cond delay="0"/>
                             </p:stCondLst>
                             <p:childTnLst>
                               <p:par>
-                                <p:cTn id="105" presetID="42" presetClass="entr" presetSubtype="0" fill="hold" nodeType="clickEffect">
+                                <p:cTn id="96" presetID="16" presetClass="exit" presetSubtype="21" fill="hold" grpId="1" nodeType="clickEffect">
+                                  <p:stCondLst>
+                                    <p:cond delay="0"/>
+                                  </p:stCondLst>
+                                  <p:childTnLst>
+                                    <p:animEffect transition="out" filter="barn(inVertical)">
+                                      <p:cBhvr>
+                                        <p:cTn id="97" dur="500"/>
+                                        <p:tgtEl>
+                                          <p:spTgt spid="11"/>
+                                        </p:tgtEl>
+                                      </p:cBhvr>
+                                    </p:animEffect>
+                                    <p:set>
+                                      <p:cBhvr>
+                                        <p:cTn id="98" dur="1" fill="hold">
+                                          <p:stCondLst>
+                                            <p:cond delay="499"/>
+                                          </p:stCondLst>
+                                        </p:cTn>
+                                        <p:tgtEl>
+                                          <p:spTgt spid="11"/>
+                                        </p:tgtEl>
+                                        <p:attrNameLst>
+                                          <p:attrName>style.visibility</p:attrName>
+                                        </p:attrNameLst>
+                                      </p:cBhvr>
+                                      <p:to>
+                                        <p:strVal val="hidden"/>
+                                      </p:to>
+                                    </p:set>
+                                  </p:childTnLst>
+                                </p:cTn>
+                              </p:par>
+                              <p:par>
+                                <p:cTn id="99" presetID="16" presetClass="exit" presetSubtype="21" fill="hold" grpId="1" nodeType="withEffect">
+                                  <p:stCondLst>
+                                    <p:cond delay="0"/>
+                                  </p:stCondLst>
+                                  <p:childTnLst>
+                                    <p:animEffect transition="out" filter="barn(inVertical)">
+                                      <p:cBhvr>
+                                        <p:cTn id="100" dur="500"/>
+                                        <p:tgtEl>
+                                          <p:spTgt spid="3"/>
+                                        </p:tgtEl>
+                                      </p:cBhvr>
+                                    </p:animEffect>
+                                    <p:set>
+                                      <p:cBhvr>
+                                        <p:cTn id="101" dur="1" fill="hold">
+                                          <p:stCondLst>
+                                            <p:cond delay="499"/>
+                                          </p:stCondLst>
+                                        </p:cTn>
+                                        <p:tgtEl>
+                                          <p:spTgt spid="3"/>
+                                        </p:tgtEl>
+                                        <p:attrNameLst>
+                                          <p:attrName>style.visibility</p:attrName>
+                                        </p:attrNameLst>
+                                      </p:cBhvr>
+                                      <p:to>
+                                        <p:strVal val="hidden"/>
+                                      </p:to>
+                                    </p:set>
+                                  </p:childTnLst>
+                                </p:cTn>
+                              </p:par>
+                            </p:childTnLst>
+                          </p:cTn>
+                        </p:par>
+                      </p:childTnLst>
+                    </p:cTn>
+                  </p:par>
+                  <p:par>
+                    <p:cTn id="102" fill="hold">
+                      <p:stCondLst>
+                        <p:cond delay="indefinite"/>
+                      </p:stCondLst>
+                      <p:childTnLst>
+                        <p:par>
+                          <p:cTn id="103" fill="hold">
+                            <p:stCondLst>
+                              <p:cond delay="0"/>
+                            </p:stCondLst>
+                            <p:childTnLst>
+                              <p:par>
+                                <p:cTn id="104" presetID="42" presetClass="entr" presetSubtype="0" fill="hold" nodeType="clickEffect">
                                   <p:stCondLst>
                                     <p:cond delay="0"/>
                                   </p:stCondLst>
                                   <p:childTnLst>
                                     <p:set>
                                       <p:cBhvr>
-                                        <p:cTn id="106" dur="1" fill="hold">
+                                        <p:cTn id="105" dur="1" fill="hold">
                                           <p:stCondLst>
                                             <p:cond delay="0"/>
                                           </p:stCondLst>
                                         </p:cTn>
                                         <p:tgtEl>
-                                          <p:spTgt spid="7"/>
+                                          <p:spTgt spid="10">
+                                            <p:txEl>
+                                              <p:pRg st="1" end="1"/>
+                                            </p:txEl>
+                                          </p:spTgt>
                                         </p:tgtEl>
                                         <p:attrNameLst>
                                           <p:attrName>style.visibility</p:attrName>
@@ -16224,17 +21448,25 @@
                                     </p:set>
                                     <p:animEffect transition="in" filter="fade">
                                       <p:cBhvr>
-                                        <p:cTn id="107" dur="1000"/>
-                                        <p:tgtEl>
-                                          <p:spTgt spid="7"/>
+                                        <p:cTn id="106" dur="1000"/>
+                                        <p:tgtEl>
+                                          <p:spTgt spid="10">
+                                            <p:txEl>
+                                              <p:pRg st="1" end="1"/>
+                                            </p:txEl>
+                                          </p:spTgt>
                                         </p:tgtEl>
                                       </p:cBhvr>
                                     </p:animEffect>
                                     <p:anim calcmode="lin" valueType="num">
                                       <p:cBhvr>
-                                        <p:cTn id="108" dur="1000" fill="hold"/>
-                                        <p:tgtEl>
-                                          <p:spTgt spid="7"/>
+                                        <p:cTn id="107" dur="1000" fill="hold"/>
+                                        <p:tgtEl>
+                                          <p:spTgt spid="10">
+                                            <p:txEl>
+                                              <p:pRg st="1" end="1"/>
+                                            </p:txEl>
+                                          </p:spTgt>
                                         </p:tgtEl>
                                         <p:attrNameLst>
                                           <p:attrName>ppt_x</p:attrName>
@@ -16255,7 +21487,738 @@
                                     </p:anim>
                                     <p:anim calcmode="lin" valueType="num">
                                       <p:cBhvr>
-                                        <p:cTn id="109" dur="1000" fill="hold"/>
+                                        <p:cTn id="108" dur="1000" fill="hold"/>
+                                        <p:tgtEl>
+                                          <p:spTgt spid="10">
+                                            <p:txEl>
+                                              <p:pRg st="1" end="1"/>
+                                            </p:txEl>
+                                          </p:spTgt>
+                                        </p:tgtEl>
+                                        <p:attrNameLst>
+                                          <p:attrName>ppt_y</p:attrName>
+                                        </p:attrNameLst>
+                                      </p:cBhvr>
+                                      <p:tavLst>
+                                        <p:tav tm="0">
+                                          <p:val>
+                                            <p:strVal val="#ppt_y+.1"/>
+                                          </p:val>
+                                        </p:tav>
+                                        <p:tav tm="100000">
+                                          <p:val>
+                                            <p:strVal val="#ppt_y"/>
+                                          </p:val>
+                                        </p:tav>
+                                      </p:tavLst>
+                                    </p:anim>
+                                  </p:childTnLst>
+                                </p:cTn>
+                              </p:par>
+                            </p:childTnLst>
+                          </p:cTn>
+                        </p:par>
+                      </p:childTnLst>
+                    </p:cTn>
+                  </p:par>
+                  <p:par>
+                    <p:cTn id="109" fill="hold">
+                      <p:stCondLst>
+                        <p:cond delay="indefinite"/>
+                      </p:stCondLst>
+                      <p:childTnLst>
+                        <p:par>
+                          <p:cTn id="110" fill="hold">
+                            <p:stCondLst>
+                              <p:cond delay="0"/>
+                            </p:stCondLst>
+                            <p:childTnLst>
+                              <p:par>
+                                <p:cTn id="111" presetID="16" presetClass="entr" presetSubtype="21" fill="hold" grpId="0" nodeType="clickEffect">
+                                  <p:stCondLst>
+                                    <p:cond delay="0"/>
+                                  </p:stCondLst>
+                                  <p:childTnLst>
+                                    <p:set>
+                                      <p:cBhvr>
+                                        <p:cTn id="112" dur="1" fill="hold">
+                                          <p:stCondLst>
+                                            <p:cond delay="0"/>
+                                          </p:stCondLst>
+                                        </p:cTn>
+                                        <p:tgtEl>
+                                          <p:spTgt spid="13"/>
+                                        </p:tgtEl>
+                                        <p:attrNameLst>
+                                          <p:attrName>style.visibility</p:attrName>
+                                        </p:attrNameLst>
+                                      </p:cBhvr>
+                                      <p:to>
+                                        <p:strVal val="visible"/>
+                                      </p:to>
+                                    </p:set>
+                                    <p:animEffect transition="in" filter="barn(inVertical)">
+                                      <p:cBhvr>
+                                        <p:cTn id="113" dur="500"/>
+                                        <p:tgtEl>
+                                          <p:spTgt spid="13"/>
+                                        </p:tgtEl>
+                                      </p:cBhvr>
+                                    </p:animEffect>
+                                  </p:childTnLst>
+                                </p:cTn>
+                              </p:par>
+                            </p:childTnLst>
+                          </p:cTn>
+                        </p:par>
+                      </p:childTnLst>
+                    </p:cTn>
+                  </p:par>
+                  <p:par>
+                    <p:cTn id="114" fill="hold">
+                      <p:stCondLst>
+                        <p:cond delay="indefinite"/>
+                      </p:stCondLst>
+                      <p:childTnLst>
+                        <p:par>
+                          <p:cTn id="115" fill="hold">
+                            <p:stCondLst>
+                              <p:cond delay="0"/>
+                            </p:stCondLst>
+                            <p:childTnLst>
+                              <p:par>
+                                <p:cTn id="116" presetID="22" presetClass="exit" presetSubtype="4" fill="hold" grpId="1" nodeType="clickEffect">
+                                  <p:stCondLst>
+                                    <p:cond delay="0"/>
+                                  </p:stCondLst>
+                                  <p:childTnLst>
+                                    <p:animEffect transition="out" filter="wipe(down)">
+                                      <p:cBhvr>
+                                        <p:cTn id="117" dur="500"/>
+                                        <p:tgtEl>
+                                          <p:spTgt spid="13"/>
+                                        </p:tgtEl>
+                                      </p:cBhvr>
+                                    </p:animEffect>
+                                    <p:set>
+                                      <p:cBhvr>
+                                        <p:cTn id="118" dur="1" fill="hold">
+                                          <p:stCondLst>
+                                            <p:cond delay="499"/>
+                                          </p:stCondLst>
+                                        </p:cTn>
+                                        <p:tgtEl>
+                                          <p:spTgt spid="13"/>
+                                        </p:tgtEl>
+                                        <p:attrNameLst>
+                                          <p:attrName>style.visibility</p:attrName>
+                                        </p:attrNameLst>
+                                      </p:cBhvr>
+                                      <p:to>
+                                        <p:strVal val="hidden"/>
+                                      </p:to>
+                                    </p:set>
+                                  </p:childTnLst>
+                                </p:cTn>
+                              </p:par>
+                            </p:childTnLst>
+                          </p:cTn>
+                        </p:par>
+                      </p:childTnLst>
+                    </p:cTn>
+                  </p:par>
+                  <p:par>
+                    <p:cTn id="119" fill="hold">
+                      <p:stCondLst>
+                        <p:cond delay="indefinite"/>
+                      </p:stCondLst>
+                      <p:childTnLst>
+                        <p:par>
+                          <p:cTn id="120" fill="hold">
+                            <p:stCondLst>
+                              <p:cond delay="0"/>
+                            </p:stCondLst>
+                            <p:childTnLst>
+                              <p:par>
+                                <p:cTn id="121" presetID="42" presetClass="entr" presetSubtype="0" fill="hold" nodeType="clickEffect">
+                                  <p:stCondLst>
+                                    <p:cond delay="0"/>
+                                  </p:stCondLst>
+                                  <p:childTnLst>
+                                    <p:set>
+                                      <p:cBhvr>
+                                        <p:cTn id="122" dur="1" fill="hold">
+                                          <p:stCondLst>
+                                            <p:cond delay="0"/>
+                                          </p:stCondLst>
+                                        </p:cTn>
+                                        <p:tgtEl>
+                                          <p:spTgt spid="10">
+                                            <p:txEl>
+                                              <p:pRg st="2" end="2"/>
+                                            </p:txEl>
+                                          </p:spTgt>
+                                        </p:tgtEl>
+                                        <p:attrNameLst>
+                                          <p:attrName>style.visibility</p:attrName>
+                                        </p:attrNameLst>
+                                      </p:cBhvr>
+                                      <p:to>
+                                        <p:strVal val="visible"/>
+                                      </p:to>
+                                    </p:set>
+                                    <p:animEffect transition="in" filter="fade">
+                                      <p:cBhvr>
+                                        <p:cTn id="123" dur="1000"/>
+                                        <p:tgtEl>
+                                          <p:spTgt spid="10">
+                                            <p:txEl>
+                                              <p:pRg st="2" end="2"/>
+                                            </p:txEl>
+                                          </p:spTgt>
+                                        </p:tgtEl>
+                                      </p:cBhvr>
+                                    </p:animEffect>
+                                    <p:anim calcmode="lin" valueType="num">
+                                      <p:cBhvr>
+                                        <p:cTn id="124" dur="1000" fill="hold"/>
+                                        <p:tgtEl>
+                                          <p:spTgt spid="10">
+                                            <p:txEl>
+                                              <p:pRg st="2" end="2"/>
+                                            </p:txEl>
+                                          </p:spTgt>
+                                        </p:tgtEl>
+                                        <p:attrNameLst>
+                                          <p:attrName>ppt_x</p:attrName>
+                                        </p:attrNameLst>
+                                      </p:cBhvr>
+                                      <p:tavLst>
+                                        <p:tav tm="0">
+                                          <p:val>
+                                            <p:strVal val="#ppt_x"/>
+                                          </p:val>
+                                        </p:tav>
+                                        <p:tav tm="100000">
+                                          <p:val>
+                                            <p:strVal val="#ppt_x"/>
+                                          </p:val>
+                                        </p:tav>
+                                      </p:tavLst>
+                                    </p:anim>
+                                    <p:anim calcmode="lin" valueType="num">
+                                      <p:cBhvr>
+                                        <p:cTn id="125" dur="1000" fill="hold"/>
+                                        <p:tgtEl>
+                                          <p:spTgt spid="10">
+                                            <p:txEl>
+                                              <p:pRg st="2" end="2"/>
+                                            </p:txEl>
+                                          </p:spTgt>
+                                        </p:tgtEl>
+                                        <p:attrNameLst>
+                                          <p:attrName>ppt_y</p:attrName>
+                                        </p:attrNameLst>
+                                      </p:cBhvr>
+                                      <p:tavLst>
+                                        <p:tav tm="0">
+                                          <p:val>
+                                            <p:strVal val="#ppt_y+.1"/>
+                                          </p:val>
+                                        </p:tav>
+                                        <p:tav tm="100000">
+                                          <p:val>
+                                            <p:strVal val="#ppt_y"/>
+                                          </p:val>
+                                        </p:tav>
+                                      </p:tavLst>
+                                    </p:anim>
+                                  </p:childTnLst>
+                                </p:cTn>
+                              </p:par>
+                            </p:childTnLst>
+                          </p:cTn>
+                        </p:par>
+                      </p:childTnLst>
+                    </p:cTn>
+                  </p:par>
+                  <p:par>
+                    <p:cTn id="126" fill="hold">
+                      <p:stCondLst>
+                        <p:cond delay="indefinite"/>
+                      </p:stCondLst>
+                      <p:childTnLst>
+                        <p:par>
+                          <p:cTn id="127" fill="hold">
+                            <p:stCondLst>
+                              <p:cond delay="0"/>
+                            </p:stCondLst>
+                            <p:childTnLst>
+                              <p:par>
+                                <p:cTn id="128" presetID="42" presetClass="entr" presetSubtype="0" fill="hold" grpId="0" nodeType="clickEffect">
+                                  <p:stCondLst>
+                                    <p:cond delay="0"/>
+                                  </p:stCondLst>
+                                  <p:childTnLst>
+                                    <p:set>
+                                      <p:cBhvr>
+                                        <p:cTn id="129" dur="1" fill="hold">
+                                          <p:stCondLst>
+                                            <p:cond delay="0"/>
+                                          </p:stCondLst>
+                                        </p:cTn>
+                                        <p:tgtEl>
+                                          <p:spTgt spid="15"/>
+                                        </p:tgtEl>
+                                        <p:attrNameLst>
+                                          <p:attrName>style.visibility</p:attrName>
+                                        </p:attrNameLst>
+                                      </p:cBhvr>
+                                      <p:to>
+                                        <p:strVal val="visible"/>
+                                      </p:to>
+                                    </p:set>
+                                    <p:animEffect transition="in" filter="fade">
+                                      <p:cBhvr>
+                                        <p:cTn id="130" dur="1000"/>
+                                        <p:tgtEl>
+                                          <p:spTgt spid="15"/>
+                                        </p:tgtEl>
+                                      </p:cBhvr>
+                                    </p:animEffect>
+                                    <p:anim calcmode="lin" valueType="num">
+                                      <p:cBhvr>
+                                        <p:cTn id="131" dur="1000" fill="hold"/>
+                                        <p:tgtEl>
+                                          <p:spTgt spid="15"/>
+                                        </p:tgtEl>
+                                        <p:attrNameLst>
+                                          <p:attrName>ppt_x</p:attrName>
+                                        </p:attrNameLst>
+                                      </p:cBhvr>
+                                      <p:tavLst>
+                                        <p:tav tm="0">
+                                          <p:val>
+                                            <p:strVal val="#ppt_x"/>
+                                          </p:val>
+                                        </p:tav>
+                                        <p:tav tm="100000">
+                                          <p:val>
+                                            <p:strVal val="#ppt_x"/>
+                                          </p:val>
+                                        </p:tav>
+                                      </p:tavLst>
+                                    </p:anim>
+                                    <p:anim calcmode="lin" valueType="num">
+                                      <p:cBhvr>
+                                        <p:cTn id="132" dur="1000" fill="hold"/>
+                                        <p:tgtEl>
+                                          <p:spTgt spid="15"/>
+                                        </p:tgtEl>
+                                        <p:attrNameLst>
+                                          <p:attrName>ppt_y</p:attrName>
+                                        </p:attrNameLst>
+                                      </p:cBhvr>
+                                      <p:tavLst>
+                                        <p:tav tm="0">
+                                          <p:val>
+                                            <p:strVal val="#ppt_y+.1"/>
+                                          </p:val>
+                                        </p:tav>
+                                        <p:tav tm="100000">
+                                          <p:val>
+                                            <p:strVal val="#ppt_y"/>
+                                          </p:val>
+                                        </p:tav>
+                                      </p:tavLst>
+                                    </p:anim>
+                                  </p:childTnLst>
+                                </p:cTn>
+                              </p:par>
+                            </p:childTnLst>
+                          </p:cTn>
+                        </p:par>
+                      </p:childTnLst>
+                    </p:cTn>
+                  </p:par>
+                  <p:par>
+                    <p:cTn id="133" fill="hold">
+                      <p:stCondLst>
+                        <p:cond delay="indefinite"/>
+                      </p:stCondLst>
+                      <p:childTnLst>
+                        <p:par>
+                          <p:cTn id="134" fill="hold">
+                            <p:stCondLst>
+                              <p:cond delay="0"/>
+                            </p:stCondLst>
+                            <p:childTnLst>
+                              <p:par>
+                                <p:cTn id="135" presetID="42" presetClass="entr" presetSubtype="0" fill="hold" nodeType="clickEffect">
+                                  <p:stCondLst>
+                                    <p:cond delay="0"/>
+                                  </p:stCondLst>
+                                  <p:childTnLst>
+                                    <p:set>
+                                      <p:cBhvr>
+                                        <p:cTn id="136" dur="1" fill="hold">
+                                          <p:stCondLst>
+                                            <p:cond delay="0"/>
+                                          </p:stCondLst>
+                                        </p:cTn>
+                                        <p:tgtEl>
+                                          <p:spTgt spid="10">
+                                            <p:txEl>
+                                              <p:pRg st="3" end="3"/>
+                                            </p:txEl>
+                                          </p:spTgt>
+                                        </p:tgtEl>
+                                        <p:attrNameLst>
+                                          <p:attrName>style.visibility</p:attrName>
+                                        </p:attrNameLst>
+                                      </p:cBhvr>
+                                      <p:to>
+                                        <p:strVal val="visible"/>
+                                      </p:to>
+                                    </p:set>
+                                    <p:animEffect transition="in" filter="fade">
+                                      <p:cBhvr>
+                                        <p:cTn id="137" dur="1000"/>
+                                        <p:tgtEl>
+                                          <p:spTgt spid="10">
+                                            <p:txEl>
+                                              <p:pRg st="3" end="3"/>
+                                            </p:txEl>
+                                          </p:spTgt>
+                                        </p:tgtEl>
+                                      </p:cBhvr>
+                                    </p:animEffect>
+                                    <p:anim calcmode="lin" valueType="num">
+                                      <p:cBhvr>
+                                        <p:cTn id="138" dur="1000" fill="hold"/>
+                                        <p:tgtEl>
+                                          <p:spTgt spid="10">
+                                            <p:txEl>
+                                              <p:pRg st="3" end="3"/>
+                                            </p:txEl>
+                                          </p:spTgt>
+                                        </p:tgtEl>
+                                        <p:attrNameLst>
+                                          <p:attrName>ppt_x</p:attrName>
+                                        </p:attrNameLst>
+                                      </p:cBhvr>
+                                      <p:tavLst>
+                                        <p:tav tm="0">
+                                          <p:val>
+                                            <p:strVal val="#ppt_x"/>
+                                          </p:val>
+                                        </p:tav>
+                                        <p:tav tm="100000">
+                                          <p:val>
+                                            <p:strVal val="#ppt_x"/>
+                                          </p:val>
+                                        </p:tav>
+                                      </p:tavLst>
+                                    </p:anim>
+                                    <p:anim calcmode="lin" valueType="num">
+                                      <p:cBhvr>
+                                        <p:cTn id="139" dur="1000" fill="hold"/>
+                                        <p:tgtEl>
+                                          <p:spTgt spid="10">
+                                            <p:txEl>
+                                              <p:pRg st="3" end="3"/>
+                                            </p:txEl>
+                                          </p:spTgt>
+                                        </p:tgtEl>
+                                        <p:attrNameLst>
+                                          <p:attrName>ppt_y</p:attrName>
+                                        </p:attrNameLst>
+                                      </p:cBhvr>
+                                      <p:tavLst>
+                                        <p:tav tm="0">
+                                          <p:val>
+                                            <p:strVal val="#ppt_y+.1"/>
+                                          </p:val>
+                                        </p:tav>
+                                        <p:tav tm="100000">
+                                          <p:val>
+                                            <p:strVal val="#ppt_y"/>
+                                          </p:val>
+                                        </p:tav>
+                                      </p:tavLst>
+                                    </p:anim>
+                                  </p:childTnLst>
+                                </p:cTn>
+                              </p:par>
+                            </p:childTnLst>
+                          </p:cTn>
+                        </p:par>
+                      </p:childTnLst>
+                    </p:cTn>
+                  </p:par>
+                  <p:par>
+                    <p:cTn id="140" fill="hold">
+                      <p:stCondLst>
+                        <p:cond delay="indefinite"/>
+                      </p:stCondLst>
+                      <p:childTnLst>
+                        <p:par>
+                          <p:cTn id="141" fill="hold">
+                            <p:stCondLst>
+                              <p:cond delay="0"/>
+                            </p:stCondLst>
+                            <p:childTnLst>
+                              <p:par>
+                                <p:cTn id="142" presetID="22" presetClass="entr" presetSubtype="4" fill="hold" grpId="0" nodeType="clickEffect">
+                                  <p:stCondLst>
+                                    <p:cond delay="0"/>
+                                  </p:stCondLst>
+                                  <p:childTnLst>
+                                    <p:set>
+                                      <p:cBhvr>
+                                        <p:cTn id="143" dur="1" fill="hold">
+                                          <p:stCondLst>
+                                            <p:cond delay="0"/>
+                                          </p:stCondLst>
+                                        </p:cTn>
+                                        <p:tgtEl>
+                                          <p:spTgt spid="12"/>
+                                        </p:tgtEl>
+                                        <p:attrNameLst>
+                                          <p:attrName>style.visibility</p:attrName>
+                                        </p:attrNameLst>
+                                      </p:cBhvr>
+                                      <p:to>
+                                        <p:strVal val="visible"/>
+                                      </p:to>
+                                    </p:set>
+                                    <p:animEffect transition="in" filter="wipe(down)">
+                                      <p:cBhvr>
+                                        <p:cTn id="144" dur="500"/>
+                                        <p:tgtEl>
+                                          <p:spTgt spid="12"/>
+                                        </p:tgtEl>
+                                      </p:cBhvr>
+                                    </p:animEffect>
+                                  </p:childTnLst>
+                                </p:cTn>
+                              </p:par>
+                              <p:par>
+                                <p:cTn id="145" presetID="16" presetClass="entr" presetSubtype="21" fill="hold" grpId="2" nodeType="withEffect">
+                                  <p:stCondLst>
+                                    <p:cond delay="0"/>
+                                  </p:stCondLst>
+                                  <p:childTnLst>
+                                    <p:set>
+                                      <p:cBhvr>
+                                        <p:cTn id="146" dur="1" fill="hold">
+                                          <p:stCondLst>
+                                            <p:cond delay="0"/>
+                                          </p:stCondLst>
+                                        </p:cTn>
+                                        <p:tgtEl>
+                                          <p:spTgt spid="11"/>
+                                        </p:tgtEl>
+                                        <p:attrNameLst>
+                                          <p:attrName>style.visibility</p:attrName>
+                                        </p:attrNameLst>
+                                      </p:cBhvr>
+                                      <p:to>
+                                        <p:strVal val="visible"/>
+                                      </p:to>
+                                    </p:set>
+                                    <p:animEffect transition="in" filter="barn(inVertical)">
+                                      <p:cBhvr>
+                                        <p:cTn id="147" dur="500"/>
+                                        <p:tgtEl>
+                                          <p:spTgt spid="11"/>
+                                        </p:tgtEl>
+                                      </p:cBhvr>
+                                    </p:animEffect>
+                                  </p:childTnLst>
+                                </p:cTn>
+                              </p:par>
+                              <p:par>
+                                <p:cTn id="148" presetID="16" presetClass="entr" presetSubtype="21" fill="hold" grpId="2" nodeType="withEffect">
+                                  <p:stCondLst>
+                                    <p:cond delay="0"/>
+                                  </p:stCondLst>
+                                  <p:childTnLst>
+                                    <p:set>
+                                      <p:cBhvr>
+                                        <p:cTn id="149" dur="1" fill="hold">
+                                          <p:stCondLst>
+                                            <p:cond delay="0"/>
+                                          </p:stCondLst>
+                                        </p:cTn>
+                                        <p:tgtEl>
+                                          <p:spTgt spid="3"/>
+                                        </p:tgtEl>
+                                        <p:attrNameLst>
+                                          <p:attrName>style.visibility</p:attrName>
+                                        </p:attrNameLst>
+                                      </p:cBhvr>
+                                      <p:to>
+                                        <p:strVal val="visible"/>
+                                      </p:to>
+                                    </p:set>
+                                    <p:animEffect transition="in" filter="barn(inVertical)">
+                                      <p:cBhvr>
+                                        <p:cTn id="150" dur="500"/>
+                                        <p:tgtEl>
+                                          <p:spTgt spid="3"/>
+                                        </p:tgtEl>
+                                      </p:cBhvr>
+                                    </p:animEffect>
+                                  </p:childTnLst>
+                                </p:cTn>
+                              </p:par>
+                              <p:par>
+                                <p:cTn id="151" presetID="16" presetClass="entr" presetSubtype="21" fill="hold" nodeType="withEffect">
+                                  <p:stCondLst>
+                                    <p:cond delay="0"/>
+                                  </p:stCondLst>
+                                  <p:childTnLst>
+                                    <p:set>
+                                      <p:cBhvr>
+                                        <p:cTn id="152" dur="1" fill="hold">
+                                          <p:stCondLst>
+                                            <p:cond delay="0"/>
+                                          </p:stCondLst>
+                                        </p:cTn>
+                                        <p:tgtEl>
+                                          <p:spTgt spid="20"/>
+                                        </p:tgtEl>
+                                        <p:attrNameLst>
+                                          <p:attrName>style.visibility</p:attrName>
+                                        </p:attrNameLst>
+                                      </p:cBhvr>
+                                      <p:to>
+                                        <p:strVal val="visible"/>
+                                      </p:to>
+                                    </p:set>
+                                    <p:animEffect transition="in" filter="barn(inVertical)">
+                                      <p:cBhvr>
+                                        <p:cTn id="153" dur="500"/>
+                                        <p:tgtEl>
+                                          <p:spTgt spid="20"/>
+                                        </p:tgtEl>
+                                      </p:cBhvr>
+                                    </p:animEffect>
+                                  </p:childTnLst>
+                                </p:cTn>
+                              </p:par>
+                              <p:par>
+                                <p:cTn id="154" presetID="16" presetClass="entr" presetSubtype="21" fill="hold" nodeType="withEffect">
+                                  <p:stCondLst>
+                                    <p:cond delay="0"/>
+                                  </p:stCondLst>
+                                  <p:childTnLst>
+                                    <p:set>
+                                      <p:cBhvr>
+                                        <p:cTn id="155" dur="1" fill="hold">
+                                          <p:stCondLst>
+                                            <p:cond delay="0"/>
+                                          </p:stCondLst>
+                                        </p:cTn>
+                                        <p:tgtEl>
+                                          <p:spTgt spid="18"/>
+                                        </p:tgtEl>
+                                        <p:attrNameLst>
+                                          <p:attrName>style.visibility</p:attrName>
+                                        </p:attrNameLst>
+                                      </p:cBhvr>
+                                      <p:to>
+                                        <p:strVal val="visible"/>
+                                      </p:to>
+                                    </p:set>
+                                    <p:animEffect transition="in" filter="barn(inVertical)">
+                                      <p:cBhvr>
+                                        <p:cTn id="156" dur="500"/>
+                                        <p:tgtEl>
+                                          <p:spTgt spid="18"/>
+                                        </p:tgtEl>
+                                      </p:cBhvr>
+                                    </p:animEffect>
+                                  </p:childTnLst>
+                                </p:cTn>
+                              </p:par>
+                            </p:childTnLst>
+                          </p:cTn>
+                        </p:par>
+                      </p:childTnLst>
+                    </p:cTn>
+                  </p:par>
+                  <p:par>
+                    <p:cTn id="157" fill="hold">
+                      <p:stCondLst>
+                        <p:cond delay="indefinite"/>
+                      </p:stCondLst>
+                      <p:childTnLst>
+                        <p:par>
+                          <p:cTn id="158" fill="hold">
+                            <p:stCondLst>
+                              <p:cond delay="0"/>
+                            </p:stCondLst>
+                            <p:childTnLst>
+                              <p:par>
+                                <p:cTn id="159" presetID="42" presetClass="entr" presetSubtype="0" fill="hold" nodeType="clickEffect">
+                                  <p:stCondLst>
+                                    <p:cond delay="0"/>
+                                  </p:stCondLst>
+                                  <p:childTnLst>
+                                    <p:set>
+                                      <p:cBhvr>
+                                        <p:cTn id="160" dur="1" fill="hold">
+                                          <p:stCondLst>
+                                            <p:cond delay="0"/>
+                                          </p:stCondLst>
+                                        </p:cTn>
+                                        <p:tgtEl>
+                                          <p:spTgt spid="7"/>
+                                        </p:tgtEl>
+                                        <p:attrNameLst>
+                                          <p:attrName>style.visibility</p:attrName>
+                                        </p:attrNameLst>
+                                      </p:cBhvr>
+                                      <p:to>
+                                        <p:strVal val="visible"/>
+                                      </p:to>
+                                    </p:set>
+                                    <p:animEffect transition="in" filter="fade">
+                                      <p:cBhvr>
+                                        <p:cTn id="161" dur="1000"/>
+                                        <p:tgtEl>
+                                          <p:spTgt spid="7"/>
+                                        </p:tgtEl>
+                                      </p:cBhvr>
+                                    </p:animEffect>
+                                    <p:anim calcmode="lin" valueType="num">
+                                      <p:cBhvr>
+                                        <p:cTn id="162" dur="1000" fill="hold"/>
+                                        <p:tgtEl>
+                                          <p:spTgt spid="7"/>
+                                        </p:tgtEl>
+                                        <p:attrNameLst>
+                                          <p:attrName>ppt_x</p:attrName>
+                                        </p:attrNameLst>
+                                      </p:cBhvr>
+                                      <p:tavLst>
+                                        <p:tav tm="0">
+                                          <p:val>
+                                            <p:strVal val="#ppt_x"/>
+                                          </p:val>
+                                        </p:tav>
+                                        <p:tav tm="100000">
+                                          <p:val>
+                                            <p:strVal val="#ppt_x"/>
+                                          </p:val>
+                                        </p:tav>
+                                      </p:tavLst>
+                                    </p:anim>
+                                    <p:anim calcmode="lin" valueType="num">
+                                      <p:cBhvr>
+                                        <p:cTn id="163" dur="1000" fill="hold"/>
                                         <p:tgtEl>
                                           <p:spTgt spid="7"/>
                                         </p:tgtEl>
@@ -16320,230 +22283,18 @@
       <p:bldP spid="15" grpId="0" animBg="1"/>
       <p:bldP spid="16" grpId="0" animBg="1"/>
       <p:bldP spid="16" grpId="1" animBg="1"/>
+      <p:bldP spid="14" grpId="0" animBg="1"/>
+      <p:bldP spid="14" grpId="1" animBg="1"/>
+      <p:bldGraphic spid="17" grpId="0">
+        <p:bldAsOne/>
+      </p:bldGraphic>
+      <p:bldGraphic spid="17" grpId="1">
+        <p:bldAsOne/>
+      </p:bldGraphic>
+      <p:bldP spid="19" grpId="0" animBg="1"/>
+      <p:bldP spid="19" grpId="1" animBg="1"/>
     </p:bldLst>
   </p:timing>
-</p:sld>
-</file>
-
-<file path=ppt/slides/slide16.xml><?xml version="1.0" encoding="utf-8"?>
-<p:sld xmlns:a="http://schemas.openxmlformats.org/drawingml/2006/main" xmlns:r="http://schemas.openxmlformats.org/officeDocument/2006/relationships" xmlns:p="http://schemas.openxmlformats.org/presentationml/2006/main">
-  <p:cSld>
-    <p:spTree>
-      <p:nvGrpSpPr>
-        <p:cNvPr id="1" name=""/>
-        <p:cNvGrpSpPr/>
-        <p:nvPr/>
-      </p:nvGrpSpPr>
-      <p:grpSpPr>
-        <a:xfrm>
-          <a:off x="0" y="0"/>
-          <a:ext cx="0" cy="0"/>
-          <a:chOff x="0" y="0"/>
-          <a:chExt cx="0" cy="0"/>
-        </a:xfrm>
-      </p:grpSpPr>
-      <p:sp>
-        <p:nvSpPr>
-          <p:cNvPr id="2" name="标题 1"/>
-          <p:cNvSpPr>
-            <a:spLocks noGrp="1"/>
-          </p:cNvSpPr>
-          <p:nvPr>
-            <p:ph type="title"/>
-          </p:nvPr>
-        </p:nvSpPr>
-        <p:spPr/>
-        <p:txBody>
-          <a:bodyPr/>
-          <a:lstStyle/>
-          <a:p>
-            <a:r>
-              <a:rPr lang="zh-CN" altLang="en-US" dirty="0"/>
-              <a:t>我们对源码的改动</a:t>
-            </a:r>
-          </a:p>
-        </p:txBody>
-      </p:sp>
-      <p:sp>
-        <p:nvSpPr>
-          <p:cNvPr id="3" name="内容占位符 2"/>
-          <p:cNvSpPr>
-            <a:spLocks noGrp="1"/>
-          </p:cNvSpPr>
-          <p:nvPr>
-            <p:ph idx="1"/>
-          </p:nvPr>
-        </p:nvSpPr>
-        <p:spPr/>
-        <p:txBody>
-          <a:bodyPr/>
-          <a:lstStyle/>
-          <a:p>
-            <a:r>
-              <a:rPr lang="zh-CN" altLang="en-US" sz="2400" dirty="0" smtClean="0"/>
-              <a:t>可以在</a:t>
-            </a:r>
-            <a:r>
-              <a:rPr lang="en-US" altLang="zh-CN" sz="2400" dirty="0" err="1"/>
-              <a:t>hdfs</a:t>
-            </a:r>
-            <a:r>
-              <a:rPr lang="zh-CN" altLang="en-US" sz="2400" dirty="0"/>
-              <a:t>中直接创建索引</a:t>
-            </a:r>
-            <a:endParaRPr lang="en-US" altLang="zh-CN" sz="2400" dirty="0"/>
-          </a:p>
-          <a:p>
-            <a:r>
-              <a:rPr lang="en-US" altLang="zh-CN" sz="2400" dirty="0" err="1"/>
-              <a:t>frq</a:t>
-            </a:r>
-            <a:r>
-              <a:rPr lang="zh-CN" altLang="en-US" sz="2400" dirty="0"/>
-              <a:t>频率文件采用局部</a:t>
-            </a:r>
-            <a:r>
-              <a:rPr lang="en-US" altLang="zh-CN" sz="2400" dirty="0"/>
-              <a:t>zip</a:t>
-            </a:r>
-            <a:r>
-              <a:rPr lang="zh-CN" altLang="en-US" sz="2400" dirty="0"/>
-              <a:t>压缩</a:t>
-            </a:r>
-            <a:endParaRPr lang="en-US" altLang="zh-CN" sz="2400" dirty="0"/>
-          </a:p>
-          <a:p>
-            <a:r>
-              <a:rPr lang="zh-CN" altLang="en-US" sz="2400" dirty="0"/>
-              <a:t>多层次的</a:t>
-            </a:r>
-            <a:r>
-              <a:rPr lang="en-US" altLang="zh-CN" sz="2400" dirty="0"/>
-              <a:t>Merger Server </a:t>
-            </a:r>
-            <a:r>
-              <a:rPr lang="zh-CN" altLang="en-US" sz="2400" dirty="0"/>
-              <a:t>以及分离</a:t>
-            </a:r>
-            <a:endParaRPr lang="en-US" altLang="zh-CN" sz="2400" dirty="0"/>
-          </a:p>
-          <a:p>
-            <a:r>
-              <a:rPr lang="en-US" altLang="zh-CN" sz="2400" dirty="0" err="1"/>
-              <a:t>fdt</a:t>
-            </a:r>
-            <a:r>
-              <a:rPr lang="zh-CN" altLang="en-US" sz="2400" dirty="0"/>
-              <a:t>文件压缩</a:t>
-            </a:r>
-            <a:endParaRPr lang="en-US" altLang="zh-CN" sz="2400" dirty="0"/>
-          </a:p>
-          <a:p>
-            <a:r>
-              <a:rPr lang="en-US" altLang="zh-CN" sz="2400" dirty="0" err="1"/>
-              <a:t>fieldValueCache</a:t>
-            </a:r>
-            <a:r>
-              <a:rPr lang="zh-CN" altLang="en-US" sz="2400" dirty="0"/>
-              <a:t>优化</a:t>
-            </a:r>
-            <a:endParaRPr lang="en-US" altLang="zh-CN" sz="2400" dirty="0"/>
-          </a:p>
-          <a:p>
-            <a:r>
-              <a:rPr lang="zh-CN" altLang="en-US" sz="2400" dirty="0"/>
-              <a:t>多表多分区共用同一块内存</a:t>
-            </a:r>
-            <a:endParaRPr lang="en-US" altLang="zh-CN" sz="2400" dirty="0"/>
-          </a:p>
-          <a:p>
-            <a:r>
-              <a:rPr lang="en-US" altLang="zh-CN" sz="2400" dirty="0"/>
-              <a:t>tis</a:t>
-            </a:r>
-            <a:r>
-              <a:rPr lang="zh-CN" altLang="en-US" sz="2400" dirty="0"/>
-              <a:t>文件按照列</a:t>
-            </a:r>
-            <a:r>
-              <a:rPr lang="en-US" altLang="zh-CN" sz="2400" dirty="0"/>
-              <a:t>load</a:t>
-            </a:r>
-            <a:r>
-              <a:rPr lang="zh-CN" altLang="en-US" sz="2400" dirty="0"/>
-              <a:t>到内存中，用以提升</a:t>
-            </a:r>
-            <a:r>
-              <a:rPr lang="en-US" altLang="zh-CN" sz="2400" dirty="0"/>
-              <a:t>group by</a:t>
-            </a:r>
-            <a:r>
-              <a:rPr lang="zh-CN" altLang="en-US" sz="2400" dirty="0"/>
-              <a:t>的性能</a:t>
-            </a:r>
-            <a:endParaRPr lang="en-US" altLang="zh-CN" sz="2400" dirty="0"/>
-          </a:p>
-          <a:p>
-            <a:r>
-              <a:rPr lang="zh-CN" altLang="en-US" sz="2400" dirty="0"/>
-              <a:t>其他</a:t>
-            </a:r>
-            <a:endParaRPr lang="en-US" altLang="zh-CN" sz="2400" dirty="0"/>
-          </a:p>
-          <a:p>
-            <a:pPr lvl="1"/>
-            <a:r>
-              <a:rPr lang="en-US" altLang="zh-CN" sz="1800" dirty="0">
-                <a:hlinkClick r:id="rId2"/>
-              </a:rPr>
-              <a:t>https://github.com/muyannian/higo/wiki/Lucene</a:t>
-            </a:r>
-            <a:endParaRPr lang="en-US" altLang="zh-CN" sz="1800" dirty="0"/>
-          </a:p>
-          <a:p>
-            <a:pPr lvl="1"/>
-            <a:r>
-              <a:rPr lang="en-US" altLang="zh-CN" sz="1800" dirty="0">
-                <a:hlinkClick r:id="rId3"/>
-              </a:rPr>
-              <a:t>https://github.com/muyannian/higo/wiki/201302log</a:t>
-            </a:r>
-            <a:endParaRPr lang="en-US" altLang="zh-CN" sz="1800" dirty="0"/>
-          </a:p>
-          <a:p>
-            <a:pPr lvl="1"/>
-            <a:endParaRPr lang="zh-CN" altLang="en-US" sz="1800" b="1" dirty="0"/>
-          </a:p>
-          <a:p>
-            <a:endParaRPr lang="zh-CN" altLang="en-US" sz="2400" b="1" dirty="0"/>
-          </a:p>
-          <a:p>
-            <a:endParaRPr lang="zh-CN" altLang="en-US" sz="2400" b="1" dirty="0"/>
-          </a:p>
-          <a:p>
-            <a:endParaRPr lang="zh-CN" altLang="en-US" sz="2400" b="1" dirty="0"/>
-          </a:p>
-          <a:p>
-            <a:endParaRPr lang="en-US" altLang="zh-CN" sz="2400" dirty="0" smtClean="0"/>
-          </a:p>
-          <a:p>
-            <a:endParaRPr lang="en-US" altLang="zh-CN" sz="2400" dirty="0"/>
-          </a:p>
-          <a:p>
-            <a:endParaRPr lang="zh-CN" altLang="en-US" sz="2400" dirty="0"/>
-          </a:p>
-        </p:txBody>
-      </p:sp>
-    </p:spTree>
-    <p:extLst>
-      <p:ext uri="{BB962C8B-B14F-4D97-AF65-F5344CB8AC3E}">
-        <p14:creationId xmlns:p14="http://schemas.microsoft.com/office/powerpoint/2010/main" val="4156899125"/>
-      </p:ext>
-    </p:extLst>
-  </p:cSld>
-  <p:clrMapOvr>
-    <a:masterClrMapping/>
-  </p:clrMapOvr>
 </p:sld>
 </file>
 
@@ -16580,10 +22331,9 @@
           <a:lstStyle/>
           <a:p>
             <a:r>
-              <a:rPr lang="zh-CN" altLang="en-US" dirty="0" smtClean="0"/>
-              <a:t>下一版的规划</a:t>
-            </a:r>
-            <a:endParaRPr lang="zh-CN" altLang="en-US" dirty="0"/>
+              <a:rPr lang="zh-CN" altLang="en-US" dirty="0"/>
+              <a:t>我们对源码的改动</a:t>
+            </a:r>
           </a:p>
         </p:txBody>
       </p:sp>
@@ -16603,73 +22353,164 @@
           <a:lstStyle/>
           <a:p>
             <a:r>
-              <a:rPr lang="zh-CN" altLang="en-US" dirty="0"/>
-              <a:t>临时</a:t>
-            </a:r>
-            <a:r>
-              <a:rPr lang="zh-CN" altLang="en-US" dirty="0" smtClean="0"/>
-              <a:t>表</a:t>
-            </a:r>
-            <a:endParaRPr lang="en-US" altLang="zh-CN" dirty="0"/>
-          </a:p>
-          <a:p>
-            <a:r>
-              <a:rPr lang="zh-CN" altLang="en-US" dirty="0" smtClean="0"/>
-              <a:t>多</a:t>
-            </a:r>
-            <a:r>
-              <a:rPr lang="zh-CN" altLang="en-US" dirty="0"/>
-              <a:t>表</a:t>
-            </a:r>
-            <a:r>
-              <a:rPr lang="en-US" altLang="zh-CN" dirty="0"/>
-              <a:t>join</a:t>
-            </a:r>
-          </a:p>
-          <a:p>
-            <a:r>
-              <a:rPr lang="zh-CN" altLang="en-US" dirty="0"/>
-              <a:t>自定义统计函数</a:t>
-            </a:r>
-          </a:p>
-          <a:p>
-            <a:r>
-              <a:rPr lang="en-US" altLang="zh-CN" dirty="0"/>
-              <a:t>distinct</a:t>
-            </a:r>
-            <a:r>
-              <a:rPr lang="zh-CN" altLang="en-US" dirty="0"/>
-              <a:t>求</a:t>
-            </a:r>
-            <a:r>
-              <a:rPr lang="en-US" altLang="zh-CN" dirty="0"/>
-              <a:t>count</a:t>
-            </a:r>
-            <a:r>
-              <a:rPr lang="zh-CN" altLang="en-US" dirty="0"/>
-              <a:t>的</a:t>
-            </a:r>
-            <a:r>
-              <a:rPr lang="zh-CN" altLang="en-US" dirty="0" smtClean="0"/>
-              <a:t>实现</a:t>
-            </a:r>
-            <a:endParaRPr lang="en-US" altLang="zh-CN" dirty="0" smtClean="0"/>
-          </a:p>
-          <a:p>
-            <a:pPr marL="0" indent="0">
-              <a:buNone/>
-            </a:pPr>
-            <a:endParaRPr lang="zh-CN" altLang="en-US" dirty="0"/>
-          </a:p>
-          <a:p>
-            <a:endParaRPr lang="zh-CN" altLang="en-US" dirty="0"/>
+              <a:rPr lang="zh-CN" altLang="en-US" sz="2400" dirty="0" smtClean="0"/>
+              <a:t>可以在</a:t>
+            </a:r>
+            <a:r>
+              <a:rPr lang="en-US" altLang="zh-CN" sz="2400" dirty="0" err="1"/>
+              <a:t>hdfs</a:t>
+            </a:r>
+            <a:r>
+              <a:rPr lang="zh-CN" altLang="en-US" sz="2400" dirty="0"/>
+              <a:t>中直接创建索引</a:t>
+            </a:r>
+            <a:endParaRPr lang="en-US" altLang="zh-CN" sz="2400" dirty="0"/>
+          </a:p>
+          <a:p>
+            <a:r>
+              <a:rPr lang="en-US" altLang="zh-CN" sz="2400" dirty="0" err="1"/>
+              <a:t>frq</a:t>
+            </a:r>
+            <a:r>
+              <a:rPr lang="zh-CN" altLang="en-US" sz="2400" dirty="0"/>
+              <a:t>频率文件采用局部</a:t>
+            </a:r>
+            <a:r>
+              <a:rPr lang="en-US" altLang="zh-CN" sz="2400" dirty="0"/>
+              <a:t>zip</a:t>
+            </a:r>
+            <a:r>
+              <a:rPr lang="zh-CN" altLang="en-US" sz="2400" dirty="0"/>
+              <a:t>压缩</a:t>
+            </a:r>
+            <a:endParaRPr lang="en-US" altLang="zh-CN" sz="2400" dirty="0"/>
+          </a:p>
+          <a:p>
+            <a:r>
+              <a:rPr lang="zh-CN" altLang="en-US" sz="2400" dirty="0"/>
+              <a:t>多层次的</a:t>
+            </a:r>
+            <a:r>
+              <a:rPr lang="en-US" altLang="zh-CN" sz="2400" dirty="0"/>
+              <a:t>Merger Server </a:t>
+            </a:r>
+            <a:r>
+              <a:rPr lang="zh-CN" altLang="en-US" sz="2400" dirty="0"/>
+              <a:t>以及分离</a:t>
+            </a:r>
+            <a:endParaRPr lang="en-US" altLang="zh-CN" sz="2400" dirty="0"/>
+          </a:p>
+          <a:p>
+            <a:r>
+              <a:rPr lang="en-US" altLang="zh-CN" sz="2400" dirty="0" err="1"/>
+              <a:t>fdt</a:t>
+            </a:r>
+            <a:r>
+              <a:rPr lang="zh-CN" altLang="en-US" sz="2400" dirty="0"/>
+              <a:t>文件压缩</a:t>
+            </a:r>
+            <a:endParaRPr lang="en-US" altLang="zh-CN" sz="2400" dirty="0"/>
+          </a:p>
+          <a:p>
+            <a:r>
+              <a:rPr lang="en-US" altLang="zh-CN" sz="2400" dirty="0" err="1"/>
+              <a:t>fieldValueCache</a:t>
+            </a:r>
+            <a:r>
+              <a:rPr lang="zh-CN" altLang="en-US" sz="2400" dirty="0"/>
+              <a:t>优化</a:t>
+            </a:r>
+            <a:endParaRPr lang="en-US" altLang="zh-CN" sz="2400" dirty="0"/>
+          </a:p>
+          <a:p>
+            <a:r>
+              <a:rPr lang="zh-CN" altLang="en-US" sz="2400" dirty="0"/>
+              <a:t>多表多分区共用同一块内存</a:t>
+            </a:r>
+            <a:endParaRPr lang="en-US" altLang="zh-CN" sz="2400" dirty="0"/>
+          </a:p>
+          <a:p>
+            <a:r>
+              <a:rPr lang="en-US" altLang="zh-CN" sz="2400" dirty="0"/>
+              <a:t>tis</a:t>
+            </a:r>
+            <a:r>
+              <a:rPr lang="zh-CN" altLang="en-US" sz="2400" dirty="0"/>
+              <a:t>文件按照列</a:t>
+            </a:r>
+            <a:r>
+              <a:rPr lang="en-US" altLang="zh-CN" sz="2400" dirty="0"/>
+              <a:t>load</a:t>
+            </a:r>
+            <a:r>
+              <a:rPr lang="zh-CN" altLang="en-US" sz="2400" dirty="0"/>
+              <a:t>到内存中，用以提升</a:t>
+            </a:r>
+            <a:r>
+              <a:rPr lang="en-US" altLang="zh-CN" sz="2400" dirty="0"/>
+              <a:t>group by</a:t>
+            </a:r>
+            <a:r>
+              <a:rPr lang="zh-CN" altLang="en-US" sz="2400" dirty="0"/>
+              <a:t>的性能</a:t>
+            </a:r>
+            <a:endParaRPr lang="en-US" altLang="zh-CN" sz="2400" dirty="0"/>
+          </a:p>
+          <a:p>
+            <a:r>
+              <a:rPr lang="zh-CN" altLang="en-US" sz="2400" dirty="0"/>
+              <a:t>其他</a:t>
+            </a:r>
+            <a:endParaRPr lang="en-US" altLang="zh-CN" sz="2400" dirty="0"/>
+          </a:p>
+          <a:p>
+            <a:pPr lvl="1"/>
+            <a:r>
+              <a:rPr lang="en-US" altLang="zh-CN" sz="1800" dirty="0">
+                <a:hlinkClick r:id="rId2"/>
+              </a:rPr>
+              <a:t>https://github.com/muyannian/higo/wiki/Lucene</a:t>
+            </a:r>
+            <a:endParaRPr lang="en-US" altLang="zh-CN" sz="1800" dirty="0"/>
+          </a:p>
+          <a:p>
+            <a:pPr lvl="1"/>
+            <a:r>
+              <a:rPr lang="en-US" altLang="zh-CN" sz="1800" dirty="0">
+                <a:hlinkClick r:id="rId3"/>
+              </a:rPr>
+              <a:t>https://github.com/muyannian/higo/wiki/201302log</a:t>
+            </a:r>
+            <a:endParaRPr lang="en-US" altLang="zh-CN" sz="1800" dirty="0"/>
+          </a:p>
+          <a:p>
+            <a:pPr lvl="1"/>
+            <a:endParaRPr lang="zh-CN" altLang="en-US" sz="1800" b="1" dirty="0"/>
+          </a:p>
+          <a:p>
+            <a:endParaRPr lang="zh-CN" altLang="en-US" sz="2400" b="1" dirty="0"/>
+          </a:p>
+          <a:p>
+            <a:endParaRPr lang="zh-CN" altLang="en-US" sz="2400" b="1" dirty="0"/>
+          </a:p>
+          <a:p>
+            <a:endParaRPr lang="zh-CN" altLang="en-US" sz="2400" b="1" dirty="0"/>
+          </a:p>
+          <a:p>
+            <a:endParaRPr lang="en-US" altLang="zh-CN" sz="2400" dirty="0" smtClean="0"/>
+          </a:p>
+          <a:p>
+            <a:endParaRPr lang="en-US" altLang="zh-CN" sz="2400" dirty="0"/>
+          </a:p>
+          <a:p>
+            <a:endParaRPr lang="zh-CN" altLang="en-US" sz="2400" dirty="0"/>
           </a:p>
         </p:txBody>
       </p:sp>
     </p:spTree>
     <p:extLst>
       <p:ext uri="{BB962C8B-B14F-4D97-AF65-F5344CB8AC3E}">
-        <p14:creationId xmlns:p14="http://schemas.microsoft.com/office/powerpoint/2010/main" val="1524881993"/>
+        <p14:creationId xmlns:p14="http://schemas.microsoft.com/office/powerpoint/2010/main" val="4156899125"/>
       </p:ext>
     </p:extLst>
   </p:cSld>
@@ -16720,7 +22561,7 @@
           <a:p>
             <a:r>
               <a:rPr lang="zh-CN" altLang="en-US" dirty="0" smtClean="0"/>
-              <a:t>相关资源</a:t>
+              <a:t>海狗的缺点</a:t>
             </a:r>
             <a:endParaRPr lang="zh-CN" altLang="en-US" dirty="0"/>
           </a:p>
@@ -16742,9 +22583,77 @@
           <a:lstStyle/>
           <a:p>
             <a:r>
-              <a:rPr lang="en-US" altLang="zh-CN" dirty="0"/>
-              <a:t>https://github.com/muyannian/higo/wiki</a:t>
-            </a:r>
+              <a:rPr lang="zh-CN" altLang="en-US" dirty="0" smtClean="0"/>
+              <a:t>历史数据无法实时的</a:t>
+            </a:r>
+            <a:r>
+              <a:rPr lang="en-US" altLang="zh-CN" dirty="0" err="1" smtClean="0"/>
+              <a:t>delete,update</a:t>
+            </a:r>
+            <a:endParaRPr lang="en-US" altLang="zh-CN" dirty="0" smtClean="0"/>
+          </a:p>
+          <a:p>
+            <a:r>
+              <a:rPr lang="zh-CN" altLang="en-US" dirty="0" smtClean="0"/>
+              <a:t>新数据</a:t>
+            </a:r>
+            <a:r>
+              <a:rPr lang="zh-CN" altLang="en-US" b="1" dirty="0" smtClean="0">
+                <a:solidFill>
+                  <a:srgbClr val="FF0000"/>
+                </a:solidFill>
+              </a:rPr>
+              <a:t>当前版本</a:t>
+            </a:r>
+            <a:r>
+              <a:rPr lang="zh-CN" altLang="en-US" dirty="0" smtClean="0"/>
+              <a:t>无法实时</a:t>
+            </a:r>
+            <a:r>
+              <a:rPr lang="en-US" altLang="zh-CN" dirty="0" smtClean="0"/>
+              <a:t>append</a:t>
+            </a:r>
+            <a:r>
+              <a:rPr lang="zh-CN" altLang="en-US" dirty="0" smtClean="0"/>
+              <a:t>，目前未延迟</a:t>
+            </a:r>
+            <a:r>
+              <a:rPr lang="en-US" altLang="zh-CN" dirty="0" smtClean="0"/>
+              <a:t>1</a:t>
+            </a:r>
+            <a:r>
+              <a:rPr lang="zh-CN" altLang="en-US" dirty="0" smtClean="0"/>
+              <a:t>天。</a:t>
+            </a:r>
+            <a:endParaRPr lang="en-US" altLang="zh-CN" dirty="0" smtClean="0"/>
+          </a:p>
+          <a:p>
+            <a:r>
+              <a:rPr lang="zh-CN" altLang="en-US" dirty="0" smtClean="0"/>
+              <a:t>当前版本不支持复杂查询，多表</a:t>
+            </a:r>
+            <a:r>
+              <a:rPr lang="en-US" altLang="zh-CN" dirty="0" smtClean="0"/>
+              <a:t>join</a:t>
+            </a:r>
+            <a:r>
+              <a:rPr lang="zh-CN" altLang="en-US" dirty="0" smtClean="0"/>
+              <a:t>，二次查询，</a:t>
+            </a:r>
+            <a:r>
+              <a:rPr lang="en-US" altLang="zh-CN" dirty="0" smtClean="0"/>
+              <a:t>distinct</a:t>
+            </a:r>
+            <a:r>
+              <a:rPr lang="zh-CN" altLang="en-US" smtClean="0"/>
+              <a:t>。</a:t>
+            </a:r>
+            <a:endParaRPr lang="en-US" altLang="zh-CN" dirty="0" smtClean="0"/>
+          </a:p>
+          <a:p>
+            <a:pPr marL="0" indent="0">
+              <a:buNone/>
+            </a:pPr>
             <a:endParaRPr lang="zh-CN" altLang="en-US" dirty="0"/>
           </a:p>
         </p:txBody>
@@ -16752,20 +22661,13 @@
     </p:spTree>
     <p:extLst>
       <p:ext uri="{BB962C8B-B14F-4D97-AF65-F5344CB8AC3E}">
-        <p14:creationId xmlns:p14="http://schemas.microsoft.com/office/powerpoint/2010/main" val="1393238710"/>
+        <p14:creationId xmlns:p14="http://schemas.microsoft.com/office/powerpoint/2010/main" val="1522164564"/>
       </p:ext>
     </p:extLst>
   </p:cSld>
   <p:clrMapOvr>
     <a:masterClrMapping/>
   </p:clrMapOvr>
-  <p:timing>
-    <p:tnLst>
-      <p:par>
-        <p:cTn id="1" dur="indefinite" restart="never" nodeType="tmRoot"/>
-      </p:par>
-    </p:tnLst>
-  </p:timing>
 </p:sld>
 </file>
 
@@ -16796,20 +22698,94 @@
             <p:ph type="title"/>
           </p:nvPr>
         </p:nvSpPr>
-        <p:spPr>
-          <a:xfrm>
-            <a:off x="323528" y="2636912"/>
-            <a:ext cx="8229600" cy="1143000"/>
-          </a:xfrm>
-        </p:spPr>
+        <p:spPr/>
         <p:txBody>
           <a:bodyPr/>
           <a:lstStyle/>
           <a:p>
             <a:r>
               <a:rPr lang="zh-CN" altLang="en-US" dirty="0" smtClean="0"/>
-              <a:t>讨论</a:t>
-            </a:r>
+              <a:t>下一版的规划</a:t>
+            </a:r>
+            <a:endParaRPr lang="zh-CN" altLang="en-US" dirty="0"/>
+          </a:p>
+        </p:txBody>
+      </p:sp>
+      <p:sp>
+        <p:nvSpPr>
+          <p:cNvPr id="3" name="内容占位符 2"/>
+          <p:cNvSpPr>
+            <a:spLocks noGrp="1"/>
+          </p:cNvSpPr>
+          <p:nvPr>
+            <p:ph idx="1"/>
+          </p:nvPr>
+        </p:nvSpPr>
+        <p:spPr/>
+        <p:txBody>
+          <a:bodyPr/>
+          <a:lstStyle/>
+          <a:p>
+            <a:r>
+              <a:rPr lang="zh-CN" altLang="en-US" dirty="0"/>
+              <a:t>临时</a:t>
+            </a:r>
+            <a:r>
+              <a:rPr lang="zh-CN" altLang="en-US" dirty="0" smtClean="0"/>
+              <a:t>表</a:t>
+            </a:r>
+            <a:endParaRPr lang="en-US" altLang="zh-CN" dirty="0"/>
+          </a:p>
+          <a:p>
+            <a:r>
+              <a:rPr lang="zh-CN" altLang="en-US" dirty="0" smtClean="0"/>
+              <a:t>多</a:t>
+            </a:r>
+            <a:r>
+              <a:rPr lang="zh-CN" altLang="en-US" dirty="0"/>
+              <a:t>表</a:t>
+            </a:r>
+            <a:r>
+              <a:rPr lang="en-US" altLang="zh-CN" dirty="0"/>
+              <a:t>join</a:t>
+            </a:r>
+          </a:p>
+          <a:p>
+            <a:r>
+              <a:rPr lang="zh-CN" altLang="en-US" dirty="0"/>
+              <a:t>自定义统计函数</a:t>
+            </a:r>
+          </a:p>
+          <a:p>
+            <a:r>
+              <a:rPr lang="en-US" altLang="zh-CN" dirty="0"/>
+              <a:t>distinct</a:t>
+            </a:r>
+            <a:r>
+              <a:rPr lang="zh-CN" altLang="en-US" dirty="0"/>
+              <a:t>求</a:t>
+            </a:r>
+            <a:r>
+              <a:rPr lang="en-US" altLang="zh-CN" dirty="0"/>
+              <a:t>count</a:t>
+            </a:r>
+            <a:r>
+              <a:rPr lang="zh-CN" altLang="en-US" dirty="0"/>
+              <a:t>的</a:t>
+            </a:r>
+            <a:r>
+              <a:rPr lang="zh-CN" altLang="en-US" dirty="0" smtClean="0"/>
+              <a:t>实现</a:t>
+            </a:r>
+            <a:endParaRPr lang="en-US" altLang="zh-CN" dirty="0" smtClean="0"/>
+          </a:p>
+          <a:p>
+            <a:pPr marL="0" indent="0">
+              <a:buNone/>
+            </a:pPr>
+            <a:endParaRPr lang="zh-CN" altLang="en-US" dirty="0"/>
+          </a:p>
+          <a:p>
             <a:endParaRPr lang="zh-CN" altLang="en-US" dirty="0"/>
           </a:p>
         </p:txBody>
@@ -16817,7 +22793,7 @@
     </p:spTree>
     <p:extLst>
       <p:ext uri="{BB962C8B-B14F-4D97-AF65-F5344CB8AC3E}">
-        <p14:creationId xmlns:p14="http://schemas.microsoft.com/office/powerpoint/2010/main" val="1720804097"/>
+        <p14:creationId xmlns:p14="http://schemas.microsoft.com/office/powerpoint/2010/main" val="1524881993"/>
       </p:ext>
     </p:extLst>
   </p:cSld>
@@ -17138,6 +23114,154 @@
             <p:ph type="title"/>
           </p:nvPr>
         </p:nvSpPr>
+        <p:spPr/>
+        <p:txBody>
+          <a:bodyPr/>
+          <a:lstStyle/>
+          <a:p>
+            <a:r>
+              <a:rPr lang="zh-CN" altLang="en-US" dirty="0" smtClean="0"/>
+              <a:t>相关资源</a:t>
+            </a:r>
+            <a:endParaRPr lang="zh-CN" altLang="en-US" dirty="0"/>
+          </a:p>
+        </p:txBody>
+      </p:sp>
+      <p:sp>
+        <p:nvSpPr>
+          <p:cNvPr id="3" name="内容占位符 2"/>
+          <p:cNvSpPr>
+            <a:spLocks noGrp="1"/>
+          </p:cNvSpPr>
+          <p:nvPr>
+            <p:ph idx="1"/>
+          </p:nvPr>
+        </p:nvSpPr>
+        <p:spPr/>
+        <p:txBody>
+          <a:bodyPr/>
+          <a:lstStyle/>
+          <a:p>
+            <a:r>
+              <a:rPr lang="en-US" altLang="zh-CN" dirty="0"/>
+              <a:t>https://github.com/muyannian/higo/wiki</a:t>
+            </a:r>
+            <a:endParaRPr lang="zh-CN" altLang="en-US" dirty="0"/>
+          </a:p>
+        </p:txBody>
+      </p:sp>
+    </p:spTree>
+    <p:extLst>
+      <p:ext uri="{BB962C8B-B14F-4D97-AF65-F5344CB8AC3E}">
+        <p14:creationId xmlns:p14="http://schemas.microsoft.com/office/powerpoint/2010/main" val="1393238710"/>
+      </p:ext>
+    </p:extLst>
+  </p:cSld>
+  <p:clrMapOvr>
+    <a:masterClrMapping/>
+  </p:clrMapOvr>
+  <p:timing>
+    <p:tnLst>
+      <p:par>
+        <p:cTn id="1" dur="indefinite" restart="never" nodeType="tmRoot"/>
+      </p:par>
+    </p:tnLst>
+  </p:timing>
+</p:sld>
+</file>
+
+<file path=ppt/slides/slide21.xml><?xml version="1.0" encoding="utf-8"?>
+<p:sld xmlns:a="http://schemas.openxmlformats.org/drawingml/2006/main" xmlns:r="http://schemas.openxmlformats.org/officeDocument/2006/relationships" xmlns:p="http://schemas.openxmlformats.org/presentationml/2006/main">
+  <p:cSld>
+    <p:spTree>
+      <p:nvGrpSpPr>
+        <p:cNvPr id="1" name=""/>
+        <p:cNvGrpSpPr/>
+        <p:nvPr/>
+      </p:nvGrpSpPr>
+      <p:grpSpPr>
+        <a:xfrm>
+          <a:off x="0" y="0"/>
+          <a:ext cx="0" cy="0"/>
+          <a:chOff x="0" y="0"/>
+          <a:chExt cx="0" cy="0"/>
+        </a:xfrm>
+      </p:grpSpPr>
+      <p:sp>
+        <p:nvSpPr>
+          <p:cNvPr id="2" name="标题 1"/>
+          <p:cNvSpPr>
+            <a:spLocks noGrp="1"/>
+          </p:cNvSpPr>
+          <p:nvPr>
+            <p:ph type="title"/>
+          </p:nvPr>
+        </p:nvSpPr>
+        <p:spPr>
+          <a:xfrm>
+            <a:off x="323528" y="2636912"/>
+            <a:ext cx="8229600" cy="1143000"/>
+          </a:xfrm>
+        </p:spPr>
+        <p:txBody>
+          <a:bodyPr/>
+          <a:lstStyle/>
+          <a:p>
+            <a:r>
+              <a:rPr lang="zh-CN" altLang="en-US" dirty="0" smtClean="0"/>
+              <a:t>讨论</a:t>
+            </a:r>
+            <a:endParaRPr lang="zh-CN" altLang="en-US" dirty="0"/>
+          </a:p>
+        </p:txBody>
+      </p:sp>
+    </p:spTree>
+    <p:extLst>
+      <p:ext uri="{BB962C8B-B14F-4D97-AF65-F5344CB8AC3E}">
+        <p14:creationId xmlns:p14="http://schemas.microsoft.com/office/powerpoint/2010/main" val="1720804097"/>
+      </p:ext>
+    </p:extLst>
+  </p:cSld>
+  <p:clrMapOvr>
+    <a:masterClrMapping/>
+  </p:clrMapOvr>
+  <p:timing>
+    <p:tnLst>
+      <p:par>
+        <p:cTn id="1" dur="indefinite" restart="never" nodeType="tmRoot"/>
+      </p:par>
+    </p:tnLst>
+  </p:timing>
+</p:sld>
+</file>
+
+<file path=ppt/slides/slide22.xml><?xml version="1.0" encoding="utf-8"?>
+<p:sld xmlns:a="http://schemas.openxmlformats.org/drawingml/2006/main" xmlns:r="http://schemas.openxmlformats.org/officeDocument/2006/relationships" xmlns:p="http://schemas.openxmlformats.org/presentationml/2006/main">
+  <p:cSld>
+    <p:spTree>
+      <p:nvGrpSpPr>
+        <p:cNvPr id="1" name=""/>
+        <p:cNvGrpSpPr/>
+        <p:nvPr/>
+      </p:nvGrpSpPr>
+      <p:grpSpPr>
+        <a:xfrm>
+          <a:off x="0" y="0"/>
+          <a:ext cx="0" cy="0"/>
+          <a:chOff x="0" y="0"/>
+          <a:chExt cx="0" cy="0"/>
+        </a:xfrm>
+      </p:grpSpPr>
+      <p:sp>
+        <p:nvSpPr>
+          <p:cNvPr id="2" name="标题 1"/>
+          <p:cNvSpPr>
+            <a:spLocks noGrp="1"/>
+          </p:cNvSpPr>
+          <p:nvPr>
+            <p:ph type="title"/>
+          </p:nvPr>
+        </p:nvSpPr>
         <p:spPr>
           <a:xfrm>
             <a:off x="467544" y="2852936"/>
@@ -18271,7 +24395,19 @@
             </a:pPr>
             <a:r>
               <a:rPr lang="zh-CN" altLang="en-US" sz="2400" dirty="0" smtClean="0"/>
-              <a:t>海狗快在哪里？</a:t>
+              <a:t>海狗快在</a:t>
+            </a:r>
+            <a:r>
+              <a:rPr lang="zh-CN" altLang="en-US" sz="2400" dirty="0" smtClean="0"/>
+              <a:t>哪里与</a:t>
+            </a:r>
+            <a:r>
+              <a:rPr lang="en-US" altLang="zh-CN" sz="2400" dirty="0" err="1" smtClean="0"/>
+              <a:t>dremel</a:t>
+            </a:r>
+            <a:r>
+              <a:rPr lang="zh-CN" altLang="en-US" sz="2400" dirty="0" smtClean="0"/>
+              <a:t>的异同？</a:t>
             </a:r>
             <a:endParaRPr lang="en-US" altLang="zh-CN" sz="2400" dirty="0" smtClean="0"/>
           </a:p>
@@ -18696,7 +24832,22 @@
             </a:r>
             <a:r>
               <a:rPr lang="zh-CN" altLang="en-US" dirty="0"/>
-              <a:t>就像数据库有索引和无索引的区别</a:t>
+              <a:t>就像数据库有索引和无索引的</a:t>
+            </a:r>
+            <a:r>
+              <a:rPr lang="zh-CN" altLang="en-US" dirty="0" smtClean="0"/>
+              <a:t>区别</a:t>
+            </a:r>
+            <a:endParaRPr lang="en-US" altLang="zh-CN" dirty="0" smtClean="0"/>
+          </a:p>
+          <a:p>
+            <a:pPr marL="285750" indent="-285750">
+              <a:buFont typeface="Arial" pitchFamily="34" charset="0"/>
+              <a:buChar char="•"/>
+            </a:pPr>
+            <a:r>
+              <a:rPr lang="zh-CN" altLang="en-US" dirty="0" smtClean="0"/>
+              <a:t>非列式存储，全部数据都要扫描</a:t>
             </a:r>
             <a:endParaRPr lang="en-US" altLang="zh-CN" dirty="0"/>
           </a:p>

--- a/doc/higo.pptx
+++ b/doc/higo.pptx
@@ -14161,15 +14161,15 @@
           <a:p>
             <a:r>
               <a:rPr lang="zh-CN" altLang="en-US" sz="2400" dirty="0" smtClean="0"/>
-              <a:t>数据模型类似</a:t>
-            </a:r>
-            <a:r>
-              <a:rPr lang="en-US" altLang="zh-CN" sz="2400" dirty="0" err="1"/>
+              <a:t>数据类似</a:t>
+            </a:r>
+            <a:r>
+              <a:rPr lang="en-US" altLang="zh-CN" sz="2400" dirty="0" err="1" smtClean="0"/>
               <a:t>Json</a:t>
             </a:r>
             <a:r>
               <a:rPr lang="zh-CN" altLang="en-US" sz="2400" dirty="0" smtClean="0"/>
-              <a:t>是</a:t>
+              <a:t>，是</a:t>
             </a:r>
             <a:r>
               <a:rPr lang="zh-CN" altLang="en-US" sz="2400" dirty="0"/>
@@ -14424,17 +14424,26 @@
         </p:blipFill>
         <p:spPr bwMode="auto">
           <a:xfrm>
-            <a:off x="6630391" y="1772815"/>
+            <a:off x="6644951" y="2271712"/>
             <a:ext cx="1943100" cy="3876675"/>
           </a:xfrm>
           <a:prstGeom prst="rect">
             <a:avLst/>
           </a:prstGeom>
-          <a:noFill/>
-          <a:ln>
-            <a:noFill/>
+          <a:ln w="38100" cap="sq">
+            <a:solidFill>
+              <a:srgbClr val="000000"/>
+            </a:solidFill>
+            <a:prstDash val="solid"/>
+            <a:miter lim="800000"/>
           </a:ln>
-          <a:effectLst/>
+          <a:effectLst>
+            <a:outerShdw blurRad="50800" dist="38100" dir="2700000" algn="tl" rotWithShape="0">
+              <a:srgbClr val="000000">
+                <a:alpha val="43000"/>
+              </a:srgbClr>
+            </a:outerShdw>
+          </a:effectLst>
           <a:extLst>
             <a:ext uri="{909E8E84-426E-40DD-AFC4-6F175D3DCCD1}">
               <a14:hiddenFill xmlns:a14="http://schemas.microsoft.com/office/drawing/2010/main">
@@ -16888,11 +16897,7 @@
             </a:r>
             <a:r>
               <a:rPr lang="zh-CN" altLang="en-US" dirty="0" smtClean="0"/>
-              <a:t>电脑</a:t>
-            </a:r>
-            <a:r>
-              <a:rPr lang="zh-CN" altLang="en-US" dirty="0"/>
-              <a:t>电话</a:t>
+              <a:t>电脑 电话</a:t>
             </a:r>
             <a:r>
               <a:rPr lang="en-US" altLang="zh-CN" dirty="0" smtClean="0"/>
@@ -19818,55 +19823,6 @@
           </a:p>
         </p:txBody>
       </p:sp>
-      <p:sp>
-        <p:nvSpPr>
-          <p:cNvPr id="16" name="圆角矩形标注 15"/>
-          <p:cNvSpPr/>
-          <p:nvPr/>
-        </p:nvSpPr>
-        <p:spPr>
-          <a:xfrm>
-            <a:off x="1367644" y="2691420"/>
-            <a:ext cx="3960440" cy="2113164"/>
-          </a:xfrm>
-          <a:prstGeom prst="wedgeRoundRectCallout">
-            <a:avLst>
-              <a:gd name="adj1" fmla="val -37448"/>
-              <a:gd name="adj2" fmla="val -65964"/>
-              <a:gd name="adj3" fmla="val 16667"/>
-            </a:avLst>
-          </a:prstGeom>
-        </p:spPr>
-        <p:style>
-          <a:lnRef idx="1">
-            <a:schemeClr val="accent4"/>
-          </a:lnRef>
-          <a:fillRef idx="2">
-            <a:schemeClr val="accent4"/>
-          </a:fillRef>
-          <a:effectRef idx="1">
-            <a:schemeClr val="accent4"/>
-          </a:effectRef>
-          <a:fontRef idx="minor">
-            <a:schemeClr val="dk1"/>
-          </a:fontRef>
-        </p:style>
-        <p:txBody>
-          <a:bodyPr rtlCol="0" anchor="ctr"/>
-          <a:lstStyle/>
-          <a:p>
-            <a:r>
-              <a:rPr lang="zh-CN" altLang="en-US" dirty="0" smtClean="0"/>
-              <a:t>列扫描通常要扫描几亿到几十亿的数据集，如果每条记录的值都要跟磁盘交互，硬盘肯定受不了，故都要缓存在内存中</a:t>
-            </a:r>
-            <a:endParaRPr lang="zh-CN" altLang="en-US" dirty="0">
-              <a:solidFill>
-                <a:srgbClr val="FF0000"/>
-              </a:solidFill>
-            </a:endParaRPr>
-          </a:p>
-        </p:txBody>
-      </p:sp>
       <p:cxnSp>
         <p:nvCxnSpPr>
           <p:cNvPr id="18" name="直接箭头连接符 17"/>
@@ -19942,7 +19898,7 @@
         <p:spPr>
           <a:xfrm>
             <a:off x="2933818" y="1916832"/>
-            <a:ext cx="5040560" cy="4032448"/>
+            <a:ext cx="5040560" cy="4176464"/>
           </a:xfrm>
           <a:prstGeom prst="cloudCallout">
             <a:avLst>
@@ -19982,22 +19938,42 @@
           <a:p>
             <a:r>
               <a:rPr lang="zh-CN" altLang="en-US" dirty="0" smtClean="0"/>
-              <a:t>海狗的读取使用的是</a:t>
+              <a:t>海狗的读取使用的</a:t>
+            </a:r>
+            <a:r>
+              <a:rPr lang="zh-CN" altLang="en-US" dirty="0" smtClean="0"/>
+              <a:t>是倒排文件，也</a:t>
+            </a:r>
+            <a:r>
+              <a:rPr lang="zh-CN" altLang="en-US" dirty="0" smtClean="0"/>
+              <a:t>是</a:t>
+            </a:r>
+            <a:r>
+              <a:rPr lang="zh-CN" altLang="en-US" dirty="0" smtClean="0"/>
+              <a:t>列式存储，但是读取的时候是有区别的。</a:t>
+            </a:r>
+            <a:endParaRPr lang="en-US" altLang="zh-CN" dirty="0" smtClean="0"/>
+          </a:p>
+          <a:p>
+            <a:r>
+              <a:rPr lang="zh-CN" altLang="en-US" dirty="0" smtClean="0"/>
+              <a:t>海狗将数据</a:t>
+            </a:r>
+            <a:r>
+              <a:rPr lang="zh-CN" altLang="en-US" dirty="0"/>
+              <a:t>按照表、分区、</a:t>
+            </a:r>
+            <a:r>
+              <a:rPr lang="zh-CN" altLang="en-US" dirty="0" smtClean="0"/>
+              <a:t>列作为</a:t>
             </a:r>
             <a:r>
               <a:rPr lang="en-US" altLang="zh-CN" dirty="0" smtClean="0"/>
-              <a:t>tis</a:t>
+              <a:t>key</a:t>
             </a:r>
             <a:r>
               <a:rPr lang="zh-CN" altLang="en-US" dirty="0" smtClean="0"/>
-              <a:t>文件，实际上也是列式读取</a:t>
-            </a:r>
-            <a:endParaRPr lang="en-US" altLang="zh-CN" dirty="0" smtClean="0"/>
-          </a:p>
-          <a:p>
-            <a:r>
-              <a:rPr lang="zh-CN" altLang="en-US" dirty="0" smtClean="0"/>
-              <a:t>但是由于倒排索引的特性，和高压缩比，这里并非顺序读取，故我们稍微改造下查询机制，采用顺序装载，在内存中进行</a:t>
+              <a:t>，采用</a:t>
             </a:r>
             <a:r>
               <a:rPr lang="en-US" altLang="zh-CN" dirty="0" smtClean="0"/>
@@ -20005,7 +19981,15 @@
             </a:r>
             <a:r>
               <a:rPr lang="zh-CN" altLang="en-US" dirty="0" smtClean="0"/>
-              <a:t>方式的读取，读取速度更快，让我们看看是如何实现的。</a:t>
+              <a:t>的方式载入到内存</a:t>
+            </a:r>
+            <a:r>
+              <a:rPr lang="zh-CN" altLang="en-US" dirty="0" smtClean="0"/>
+              <a:t>，</a:t>
+            </a:r>
+            <a:r>
+              <a:rPr lang="zh-CN" altLang="en-US" dirty="0" smtClean="0"/>
+              <a:t>因当前正在查询的列在内存中，相比直接从文件读取会快，但实际上我们使用的内存并不多，接下来看我们对数据的压缩处理。</a:t>
             </a:r>
             <a:endParaRPr lang="en-US" altLang="zh-CN" dirty="0" smtClean="0"/>
           </a:p>
@@ -21022,7 +21006,7 @@
                             </p:stCondLst>
                             <p:childTnLst>
                               <p:par>
-                                <p:cTn id="71" presetID="16" presetClass="entr" presetSubtype="21" fill="hold" grpId="0" nodeType="clickEffect">
+                                <p:cTn id="71" presetID="42" presetClass="entr" presetSubtype="0" fill="hold" nodeType="clickEffect">
                                   <p:stCondLst>
                                     <p:cond delay="0"/>
                                   </p:stCondLst>
@@ -21035,112 +21019,6 @@
                                           </p:stCondLst>
                                         </p:cTn>
                                         <p:tgtEl>
-                                          <p:spTgt spid="16"/>
-                                        </p:tgtEl>
-                                        <p:attrNameLst>
-                                          <p:attrName>style.visibility</p:attrName>
-                                        </p:attrNameLst>
-                                      </p:cBhvr>
-                                      <p:to>
-                                        <p:strVal val="visible"/>
-                                      </p:to>
-                                    </p:set>
-                                    <p:animEffect transition="in" filter="barn(inVertical)">
-                                      <p:cBhvr>
-                                        <p:cTn id="73" dur="500"/>
-                                        <p:tgtEl>
-                                          <p:spTgt spid="16"/>
-                                        </p:tgtEl>
-                                      </p:cBhvr>
-                                    </p:animEffect>
-                                  </p:childTnLst>
-                                </p:cTn>
-                              </p:par>
-                            </p:childTnLst>
-                          </p:cTn>
-                        </p:par>
-                      </p:childTnLst>
-                    </p:cTn>
-                  </p:par>
-                  <p:par>
-                    <p:cTn id="74" fill="hold">
-                      <p:stCondLst>
-                        <p:cond delay="indefinite"/>
-                      </p:stCondLst>
-                      <p:childTnLst>
-                        <p:par>
-                          <p:cTn id="75" fill="hold">
-                            <p:stCondLst>
-                              <p:cond delay="0"/>
-                            </p:stCondLst>
-                            <p:childTnLst>
-                              <p:par>
-                                <p:cTn id="76" presetID="22" presetClass="exit" presetSubtype="4" fill="hold" grpId="1" nodeType="clickEffect">
-                                  <p:stCondLst>
-                                    <p:cond delay="0"/>
-                                  </p:stCondLst>
-                                  <p:childTnLst>
-                                    <p:animEffect transition="out" filter="wipe(down)">
-                                      <p:cBhvr>
-                                        <p:cTn id="77" dur="500"/>
-                                        <p:tgtEl>
-                                          <p:spTgt spid="16"/>
-                                        </p:tgtEl>
-                                      </p:cBhvr>
-                                    </p:animEffect>
-                                    <p:set>
-                                      <p:cBhvr>
-                                        <p:cTn id="78" dur="1" fill="hold">
-                                          <p:stCondLst>
-                                            <p:cond delay="499"/>
-                                          </p:stCondLst>
-                                        </p:cTn>
-                                        <p:tgtEl>
-                                          <p:spTgt spid="16"/>
-                                        </p:tgtEl>
-                                        <p:attrNameLst>
-                                          <p:attrName>style.visibility</p:attrName>
-                                        </p:attrNameLst>
-                                      </p:cBhvr>
-                                      <p:to>
-                                        <p:strVal val="hidden"/>
-                                      </p:to>
-                                    </p:set>
-                                  </p:childTnLst>
-                                </p:cTn>
-                              </p:par>
-                            </p:childTnLst>
-                          </p:cTn>
-                        </p:par>
-                      </p:childTnLst>
-                    </p:cTn>
-                  </p:par>
-                  <p:par>
-                    <p:cTn id="79" fill="hold">
-                      <p:stCondLst>
-                        <p:cond delay="indefinite"/>
-                      </p:stCondLst>
-                      <p:childTnLst>
-                        <p:par>
-                          <p:cTn id="80" fill="hold">
-                            <p:stCondLst>
-                              <p:cond delay="0"/>
-                            </p:stCondLst>
-                            <p:childTnLst>
-                              <p:par>
-                                <p:cTn id="81" presetID="42" presetClass="entr" presetSubtype="0" fill="hold" nodeType="clickEffect">
-                                  <p:stCondLst>
-                                    <p:cond delay="0"/>
-                                  </p:stCondLst>
-                                  <p:childTnLst>
-                                    <p:set>
-                                      <p:cBhvr>
-                                        <p:cTn id="82" dur="1" fill="hold">
-                                          <p:stCondLst>
-                                            <p:cond delay="0"/>
-                                          </p:stCondLst>
-                                        </p:cTn>
-                                        <p:tgtEl>
                                           <p:spTgt spid="10">
                                             <p:txEl>
                                               <p:pRg st="0" end="0"/>
@@ -21157,7 +21035,7 @@
                                     </p:set>
                                     <p:animEffect transition="in" filter="fade">
                                       <p:cBhvr>
-                                        <p:cTn id="83" dur="1000"/>
+                                        <p:cTn id="73" dur="1000"/>
                                         <p:tgtEl>
                                           <p:spTgt spid="10">
                                             <p:txEl>
@@ -21169,7 +21047,7 @@
                                     </p:animEffect>
                                     <p:anim calcmode="lin" valueType="num">
                                       <p:cBhvr>
-                                        <p:cTn id="84" dur="1000" fill="hold"/>
+                                        <p:cTn id="74" dur="1000" fill="hold"/>
                                         <p:tgtEl>
                                           <p:spTgt spid="10">
                                             <p:txEl>
@@ -21196,7 +21074,7 @@
                                     </p:anim>
                                     <p:anim calcmode="lin" valueType="num">
                                       <p:cBhvr>
-                                        <p:cTn id="85" dur="1000" fill="hold"/>
+                                        <p:cTn id="75" dur="1000" fill="hold"/>
                                         <p:tgtEl>
                                           <p:spTgt spid="10">
                                             <p:txEl>
@@ -21231,26 +21109,26 @@
                     </p:cTn>
                   </p:par>
                   <p:par>
-                    <p:cTn id="86" fill="hold">
+                    <p:cTn id="76" fill="hold">
                       <p:stCondLst>
                         <p:cond delay="indefinite"/>
                       </p:stCondLst>
                       <p:childTnLst>
                         <p:par>
-                          <p:cTn id="87" fill="hold">
+                          <p:cTn id="77" fill="hold">
                             <p:stCondLst>
                               <p:cond delay="0"/>
                             </p:stCondLst>
                             <p:childTnLst>
                               <p:par>
-                                <p:cTn id="88" presetID="16" presetClass="entr" presetSubtype="21" fill="hold" grpId="0" nodeType="clickEffect">
+                                <p:cTn id="78" presetID="16" presetClass="entr" presetSubtype="21" fill="hold" grpId="0" nodeType="clickEffect">
                                   <p:stCondLst>
                                     <p:cond delay="0"/>
                                   </p:stCondLst>
                                   <p:childTnLst>
                                     <p:set>
                                       <p:cBhvr>
-                                        <p:cTn id="89" dur="1" fill="hold">
+                                        <p:cTn id="79" dur="1" fill="hold">
                                           <p:stCondLst>
                                             <p:cond delay="0"/>
                                           </p:stCondLst>
@@ -21268,7 +21146,7 @@
                                     </p:set>
                                     <p:animEffect transition="in" filter="barn(inVertical)">
                                       <p:cBhvr>
-                                        <p:cTn id="90" dur="500"/>
+                                        <p:cTn id="80" dur="500"/>
                                         <p:tgtEl>
                                           <p:spTgt spid="11"/>
                                         </p:tgtEl>
@@ -21278,14 +21156,14 @@
                                 </p:cTn>
                               </p:par>
                               <p:par>
-                                <p:cTn id="91" presetID="16" presetClass="entr" presetSubtype="21" fill="hold" grpId="0" nodeType="withEffect">
+                                <p:cTn id="81" presetID="16" presetClass="entr" presetSubtype="21" fill="hold" grpId="0" nodeType="withEffect">
                                   <p:stCondLst>
                                     <p:cond delay="0"/>
                                   </p:stCondLst>
                                   <p:childTnLst>
                                     <p:set>
                                       <p:cBhvr>
-                                        <p:cTn id="92" dur="1" fill="hold">
+                                        <p:cTn id="82" dur="1" fill="hold">
                                           <p:stCondLst>
                                             <p:cond delay="0"/>
                                           </p:stCondLst>
@@ -21303,7 +21181,7 @@
                                     </p:set>
                                     <p:animEffect transition="in" filter="barn(inVertical)">
                                       <p:cBhvr>
-                                        <p:cTn id="93" dur="500"/>
+                                        <p:cTn id="83" dur="500"/>
                                         <p:tgtEl>
                                           <p:spTgt spid="3"/>
                                         </p:tgtEl>
@@ -21319,26 +21197,26 @@
                     </p:cTn>
                   </p:par>
                   <p:par>
-                    <p:cTn id="94" fill="hold">
+                    <p:cTn id="84" fill="hold">
                       <p:stCondLst>
                         <p:cond delay="indefinite"/>
                       </p:stCondLst>
                       <p:childTnLst>
                         <p:par>
-                          <p:cTn id="95" fill="hold">
+                          <p:cTn id="85" fill="hold">
                             <p:stCondLst>
                               <p:cond delay="0"/>
                             </p:stCondLst>
                             <p:childTnLst>
                               <p:par>
-                                <p:cTn id="96" presetID="16" presetClass="exit" presetSubtype="21" fill="hold" grpId="1" nodeType="clickEffect">
+                                <p:cTn id="86" presetID="16" presetClass="exit" presetSubtype="21" fill="hold" grpId="1" nodeType="clickEffect">
                                   <p:stCondLst>
                                     <p:cond delay="0"/>
                                   </p:stCondLst>
                                   <p:childTnLst>
                                     <p:animEffect transition="out" filter="barn(inVertical)">
                                       <p:cBhvr>
-                                        <p:cTn id="97" dur="500"/>
+                                        <p:cTn id="87" dur="500"/>
                                         <p:tgtEl>
                                           <p:spTgt spid="11"/>
                                         </p:tgtEl>
@@ -21346,7 +21224,7 @@
                                     </p:animEffect>
                                     <p:set>
                                       <p:cBhvr>
-                                        <p:cTn id="98" dur="1" fill="hold">
+                                        <p:cTn id="88" dur="1" fill="hold">
                                           <p:stCondLst>
                                             <p:cond delay="499"/>
                                           </p:stCondLst>
@@ -21366,14 +21244,14 @@
                                 </p:cTn>
                               </p:par>
                               <p:par>
-                                <p:cTn id="99" presetID="16" presetClass="exit" presetSubtype="21" fill="hold" grpId="1" nodeType="withEffect">
+                                <p:cTn id="89" presetID="16" presetClass="exit" presetSubtype="21" fill="hold" grpId="1" nodeType="withEffect">
                                   <p:stCondLst>
                                     <p:cond delay="0"/>
                                   </p:stCondLst>
                                   <p:childTnLst>
                                     <p:animEffect transition="out" filter="barn(inVertical)">
                                       <p:cBhvr>
-                                        <p:cTn id="100" dur="500"/>
+                                        <p:cTn id="90" dur="500"/>
                                         <p:tgtEl>
                                           <p:spTgt spid="3"/>
                                         </p:tgtEl>
@@ -21381,7 +21259,7 @@
                                     </p:animEffect>
                                     <p:set>
                                       <p:cBhvr>
-                                        <p:cTn id="101" dur="1" fill="hold">
+                                        <p:cTn id="91" dur="1" fill="hold">
                                           <p:stCondLst>
                                             <p:cond delay="499"/>
                                           </p:stCondLst>
@@ -21407,26 +21285,26 @@
                     </p:cTn>
                   </p:par>
                   <p:par>
-                    <p:cTn id="102" fill="hold">
+                    <p:cTn id="92" fill="hold">
                       <p:stCondLst>
                         <p:cond delay="indefinite"/>
                       </p:stCondLst>
                       <p:childTnLst>
                         <p:par>
-                          <p:cTn id="103" fill="hold">
+                          <p:cTn id="93" fill="hold">
                             <p:stCondLst>
                               <p:cond delay="0"/>
                             </p:stCondLst>
                             <p:childTnLst>
                               <p:par>
-                                <p:cTn id="104" presetID="42" presetClass="entr" presetSubtype="0" fill="hold" nodeType="clickEffect">
+                                <p:cTn id="94" presetID="42" presetClass="entr" presetSubtype="0" fill="hold" nodeType="clickEffect">
                                   <p:stCondLst>
                                     <p:cond delay="0"/>
                                   </p:stCondLst>
                                   <p:childTnLst>
                                     <p:set>
                                       <p:cBhvr>
-                                        <p:cTn id="105" dur="1" fill="hold">
+                                        <p:cTn id="95" dur="1" fill="hold">
                                           <p:stCondLst>
                                             <p:cond delay="0"/>
                                           </p:stCondLst>
@@ -21448,7 +21326,7 @@
                                     </p:set>
                                     <p:animEffect transition="in" filter="fade">
                                       <p:cBhvr>
-                                        <p:cTn id="106" dur="1000"/>
+                                        <p:cTn id="96" dur="1000"/>
                                         <p:tgtEl>
                                           <p:spTgt spid="10">
                                             <p:txEl>
@@ -21460,7 +21338,7 @@
                                     </p:animEffect>
                                     <p:anim calcmode="lin" valueType="num">
                                       <p:cBhvr>
-                                        <p:cTn id="107" dur="1000" fill="hold"/>
+                                        <p:cTn id="97" dur="1000" fill="hold"/>
                                         <p:tgtEl>
                                           <p:spTgt spid="10">
                                             <p:txEl>
@@ -21487,7 +21365,7 @@
                                     </p:anim>
                                     <p:anim calcmode="lin" valueType="num">
                                       <p:cBhvr>
-                                        <p:cTn id="108" dur="1000" fill="hold"/>
+                                        <p:cTn id="98" dur="1000" fill="hold"/>
                                         <p:tgtEl>
                                           <p:spTgt spid="10">
                                             <p:txEl>
@@ -21522,26 +21400,26 @@
                     </p:cTn>
                   </p:par>
                   <p:par>
-                    <p:cTn id="109" fill="hold">
+                    <p:cTn id="99" fill="hold">
                       <p:stCondLst>
                         <p:cond delay="indefinite"/>
                       </p:stCondLst>
                       <p:childTnLst>
                         <p:par>
-                          <p:cTn id="110" fill="hold">
+                          <p:cTn id="100" fill="hold">
                             <p:stCondLst>
                               <p:cond delay="0"/>
                             </p:stCondLst>
                             <p:childTnLst>
                               <p:par>
-                                <p:cTn id="111" presetID="16" presetClass="entr" presetSubtype="21" fill="hold" grpId="0" nodeType="clickEffect">
+                                <p:cTn id="101" presetID="16" presetClass="entr" presetSubtype="21" fill="hold" grpId="0" nodeType="clickEffect">
                                   <p:stCondLst>
                                     <p:cond delay="0"/>
                                   </p:stCondLst>
                                   <p:childTnLst>
                                     <p:set>
                                       <p:cBhvr>
-                                        <p:cTn id="112" dur="1" fill="hold">
+                                        <p:cTn id="102" dur="1" fill="hold">
                                           <p:stCondLst>
                                             <p:cond delay="0"/>
                                           </p:stCondLst>
@@ -21559,7 +21437,7 @@
                                     </p:set>
                                     <p:animEffect transition="in" filter="barn(inVertical)">
                                       <p:cBhvr>
-                                        <p:cTn id="113" dur="500"/>
+                                        <p:cTn id="103" dur="500"/>
                                         <p:tgtEl>
                                           <p:spTgt spid="13"/>
                                         </p:tgtEl>
@@ -21575,26 +21453,26 @@
                     </p:cTn>
                   </p:par>
                   <p:par>
-                    <p:cTn id="114" fill="hold">
+                    <p:cTn id="104" fill="hold">
                       <p:stCondLst>
                         <p:cond delay="indefinite"/>
                       </p:stCondLst>
                       <p:childTnLst>
                         <p:par>
-                          <p:cTn id="115" fill="hold">
+                          <p:cTn id="105" fill="hold">
                             <p:stCondLst>
                               <p:cond delay="0"/>
                             </p:stCondLst>
                             <p:childTnLst>
                               <p:par>
-                                <p:cTn id="116" presetID="22" presetClass="exit" presetSubtype="4" fill="hold" grpId="1" nodeType="clickEffect">
+                                <p:cTn id="106" presetID="22" presetClass="exit" presetSubtype="4" fill="hold" grpId="1" nodeType="clickEffect">
                                   <p:stCondLst>
                                     <p:cond delay="0"/>
                                   </p:stCondLst>
                                   <p:childTnLst>
                                     <p:animEffect transition="out" filter="wipe(down)">
                                       <p:cBhvr>
-                                        <p:cTn id="117" dur="500"/>
+                                        <p:cTn id="107" dur="500"/>
                                         <p:tgtEl>
                                           <p:spTgt spid="13"/>
                                         </p:tgtEl>
@@ -21602,7 +21480,7 @@
                                     </p:animEffect>
                                     <p:set>
                                       <p:cBhvr>
-                                        <p:cTn id="118" dur="1" fill="hold">
+                                        <p:cTn id="108" dur="1" fill="hold">
                                           <p:stCondLst>
                                             <p:cond delay="499"/>
                                           </p:stCondLst>
@@ -21628,26 +21506,26 @@
                     </p:cTn>
                   </p:par>
                   <p:par>
-                    <p:cTn id="119" fill="hold">
+                    <p:cTn id="109" fill="hold">
                       <p:stCondLst>
                         <p:cond delay="indefinite"/>
                       </p:stCondLst>
                       <p:childTnLst>
                         <p:par>
-                          <p:cTn id="120" fill="hold">
+                          <p:cTn id="110" fill="hold">
                             <p:stCondLst>
                               <p:cond delay="0"/>
                             </p:stCondLst>
                             <p:childTnLst>
                               <p:par>
-                                <p:cTn id="121" presetID="42" presetClass="entr" presetSubtype="0" fill="hold" nodeType="clickEffect">
+                                <p:cTn id="111" presetID="42" presetClass="entr" presetSubtype="0" fill="hold" nodeType="clickEffect">
                                   <p:stCondLst>
                                     <p:cond delay="0"/>
                                   </p:stCondLst>
                                   <p:childTnLst>
                                     <p:set>
                                       <p:cBhvr>
-                                        <p:cTn id="122" dur="1" fill="hold">
+                                        <p:cTn id="112" dur="1" fill="hold">
                                           <p:stCondLst>
                                             <p:cond delay="0"/>
                                           </p:stCondLst>
@@ -21669,7 +21547,7 @@
                                     </p:set>
                                     <p:animEffect transition="in" filter="fade">
                                       <p:cBhvr>
-                                        <p:cTn id="123" dur="1000"/>
+                                        <p:cTn id="113" dur="1000"/>
                                         <p:tgtEl>
                                           <p:spTgt spid="10">
                                             <p:txEl>
@@ -21681,7 +21559,7 @@
                                     </p:animEffect>
                                     <p:anim calcmode="lin" valueType="num">
                                       <p:cBhvr>
-                                        <p:cTn id="124" dur="1000" fill="hold"/>
+                                        <p:cTn id="114" dur="1000" fill="hold"/>
                                         <p:tgtEl>
                                           <p:spTgt spid="10">
                                             <p:txEl>
@@ -21708,7 +21586,7 @@
                                     </p:anim>
                                     <p:anim calcmode="lin" valueType="num">
                                       <p:cBhvr>
-                                        <p:cTn id="125" dur="1000" fill="hold"/>
+                                        <p:cTn id="115" dur="1000" fill="hold"/>
                                         <p:tgtEl>
                                           <p:spTgt spid="10">
                                             <p:txEl>
@@ -21743,26 +21621,26 @@
                     </p:cTn>
                   </p:par>
                   <p:par>
-                    <p:cTn id="126" fill="hold">
+                    <p:cTn id="116" fill="hold">
                       <p:stCondLst>
                         <p:cond delay="indefinite"/>
                       </p:stCondLst>
                       <p:childTnLst>
                         <p:par>
-                          <p:cTn id="127" fill="hold">
+                          <p:cTn id="117" fill="hold">
                             <p:stCondLst>
                               <p:cond delay="0"/>
                             </p:stCondLst>
                             <p:childTnLst>
                               <p:par>
-                                <p:cTn id="128" presetID="42" presetClass="entr" presetSubtype="0" fill="hold" grpId="0" nodeType="clickEffect">
+                                <p:cTn id="118" presetID="42" presetClass="entr" presetSubtype="0" fill="hold" grpId="0" nodeType="clickEffect">
                                   <p:stCondLst>
                                     <p:cond delay="0"/>
                                   </p:stCondLst>
                                   <p:childTnLst>
                                     <p:set>
                                       <p:cBhvr>
-                                        <p:cTn id="129" dur="1" fill="hold">
+                                        <p:cTn id="119" dur="1" fill="hold">
                                           <p:stCondLst>
                                             <p:cond delay="0"/>
                                           </p:stCondLst>
@@ -21780,7 +21658,7 @@
                                     </p:set>
                                     <p:animEffect transition="in" filter="fade">
                                       <p:cBhvr>
-                                        <p:cTn id="130" dur="1000"/>
+                                        <p:cTn id="120" dur="1000"/>
                                         <p:tgtEl>
                                           <p:spTgt spid="15"/>
                                         </p:tgtEl>
@@ -21788,7 +21666,7 @@
                                     </p:animEffect>
                                     <p:anim calcmode="lin" valueType="num">
                                       <p:cBhvr>
-                                        <p:cTn id="131" dur="1000" fill="hold"/>
+                                        <p:cTn id="121" dur="1000" fill="hold"/>
                                         <p:tgtEl>
                                           <p:spTgt spid="15"/>
                                         </p:tgtEl>
@@ -21811,7 +21689,7 @@
                                     </p:anim>
                                     <p:anim calcmode="lin" valueType="num">
                                       <p:cBhvr>
-                                        <p:cTn id="132" dur="1000" fill="hold"/>
+                                        <p:cTn id="122" dur="1000" fill="hold"/>
                                         <p:tgtEl>
                                           <p:spTgt spid="15"/>
                                         </p:tgtEl>
@@ -21842,26 +21720,26 @@
                     </p:cTn>
                   </p:par>
                   <p:par>
-                    <p:cTn id="133" fill="hold">
+                    <p:cTn id="123" fill="hold">
                       <p:stCondLst>
                         <p:cond delay="indefinite"/>
                       </p:stCondLst>
                       <p:childTnLst>
                         <p:par>
-                          <p:cTn id="134" fill="hold">
+                          <p:cTn id="124" fill="hold">
                             <p:stCondLst>
                               <p:cond delay="0"/>
                             </p:stCondLst>
                             <p:childTnLst>
                               <p:par>
-                                <p:cTn id="135" presetID="42" presetClass="entr" presetSubtype="0" fill="hold" nodeType="clickEffect">
+                                <p:cTn id="125" presetID="42" presetClass="entr" presetSubtype="0" fill="hold" nodeType="clickEffect">
                                   <p:stCondLst>
                                     <p:cond delay="0"/>
                                   </p:stCondLst>
                                   <p:childTnLst>
                                     <p:set>
                                       <p:cBhvr>
-                                        <p:cTn id="136" dur="1" fill="hold">
+                                        <p:cTn id="126" dur="1" fill="hold">
                                           <p:stCondLst>
                                             <p:cond delay="0"/>
                                           </p:stCondLst>
@@ -21883,7 +21761,7 @@
                                     </p:set>
                                     <p:animEffect transition="in" filter="fade">
                                       <p:cBhvr>
-                                        <p:cTn id="137" dur="1000"/>
+                                        <p:cTn id="127" dur="1000"/>
                                         <p:tgtEl>
                                           <p:spTgt spid="10">
                                             <p:txEl>
@@ -21895,7 +21773,7 @@
                                     </p:animEffect>
                                     <p:anim calcmode="lin" valueType="num">
                                       <p:cBhvr>
-                                        <p:cTn id="138" dur="1000" fill="hold"/>
+                                        <p:cTn id="128" dur="1000" fill="hold"/>
                                         <p:tgtEl>
                                           <p:spTgt spid="10">
                                             <p:txEl>
@@ -21922,7 +21800,7 @@
                                     </p:anim>
                                     <p:anim calcmode="lin" valueType="num">
                                       <p:cBhvr>
-                                        <p:cTn id="139" dur="1000" fill="hold"/>
+                                        <p:cTn id="129" dur="1000" fill="hold"/>
                                         <p:tgtEl>
                                           <p:spTgt spid="10">
                                             <p:txEl>
@@ -21957,26 +21835,26 @@
                     </p:cTn>
                   </p:par>
                   <p:par>
-                    <p:cTn id="140" fill="hold">
+                    <p:cTn id="130" fill="hold">
                       <p:stCondLst>
                         <p:cond delay="indefinite"/>
                       </p:stCondLst>
                       <p:childTnLst>
                         <p:par>
-                          <p:cTn id="141" fill="hold">
+                          <p:cTn id="131" fill="hold">
                             <p:stCondLst>
                               <p:cond delay="0"/>
                             </p:stCondLst>
                             <p:childTnLst>
                               <p:par>
-                                <p:cTn id="142" presetID="22" presetClass="entr" presetSubtype="4" fill="hold" grpId="0" nodeType="clickEffect">
+                                <p:cTn id="132" presetID="22" presetClass="entr" presetSubtype="4" fill="hold" grpId="0" nodeType="clickEffect">
                                   <p:stCondLst>
                                     <p:cond delay="0"/>
                                   </p:stCondLst>
                                   <p:childTnLst>
                                     <p:set>
                                       <p:cBhvr>
-                                        <p:cTn id="143" dur="1" fill="hold">
+                                        <p:cTn id="133" dur="1" fill="hold">
                                           <p:stCondLst>
                                             <p:cond delay="0"/>
                                           </p:stCondLst>
@@ -21994,7 +21872,7 @@
                                     </p:set>
                                     <p:animEffect transition="in" filter="wipe(down)">
                                       <p:cBhvr>
-                                        <p:cTn id="144" dur="500"/>
+                                        <p:cTn id="134" dur="500"/>
                                         <p:tgtEl>
                                           <p:spTgt spid="12"/>
                                         </p:tgtEl>
@@ -22004,14 +21882,14 @@
                                 </p:cTn>
                               </p:par>
                               <p:par>
-                                <p:cTn id="145" presetID="16" presetClass="entr" presetSubtype="21" fill="hold" grpId="2" nodeType="withEffect">
+                                <p:cTn id="135" presetID="16" presetClass="entr" presetSubtype="21" fill="hold" grpId="2" nodeType="withEffect">
                                   <p:stCondLst>
                                     <p:cond delay="0"/>
                                   </p:stCondLst>
                                   <p:childTnLst>
                                     <p:set>
                                       <p:cBhvr>
-                                        <p:cTn id="146" dur="1" fill="hold">
+                                        <p:cTn id="136" dur="1" fill="hold">
                                           <p:stCondLst>
                                             <p:cond delay="0"/>
                                           </p:stCondLst>
@@ -22029,7 +21907,7 @@
                                     </p:set>
                                     <p:animEffect transition="in" filter="barn(inVertical)">
                                       <p:cBhvr>
-                                        <p:cTn id="147" dur="500"/>
+                                        <p:cTn id="137" dur="500"/>
                                         <p:tgtEl>
                                           <p:spTgt spid="11"/>
                                         </p:tgtEl>
@@ -22039,14 +21917,14 @@
                                 </p:cTn>
                               </p:par>
                               <p:par>
-                                <p:cTn id="148" presetID="16" presetClass="entr" presetSubtype="21" fill="hold" grpId="2" nodeType="withEffect">
+                                <p:cTn id="138" presetID="16" presetClass="entr" presetSubtype="21" fill="hold" grpId="2" nodeType="withEffect">
                                   <p:stCondLst>
                                     <p:cond delay="0"/>
                                   </p:stCondLst>
                                   <p:childTnLst>
                                     <p:set>
                                       <p:cBhvr>
-                                        <p:cTn id="149" dur="1" fill="hold">
+                                        <p:cTn id="139" dur="1" fill="hold">
                                           <p:stCondLst>
                                             <p:cond delay="0"/>
                                           </p:stCondLst>
@@ -22064,7 +21942,7 @@
                                     </p:set>
                                     <p:animEffect transition="in" filter="barn(inVertical)">
                                       <p:cBhvr>
-                                        <p:cTn id="150" dur="500"/>
+                                        <p:cTn id="140" dur="500"/>
                                         <p:tgtEl>
                                           <p:spTgt spid="3"/>
                                         </p:tgtEl>
@@ -22074,14 +21952,14 @@
                                 </p:cTn>
                               </p:par>
                               <p:par>
-                                <p:cTn id="151" presetID="16" presetClass="entr" presetSubtype="21" fill="hold" nodeType="withEffect">
+                                <p:cTn id="141" presetID="16" presetClass="entr" presetSubtype="21" fill="hold" nodeType="withEffect">
                                   <p:stCondLst>
                                     <p:cond delay="0"/>
                                   </p:stCondLst>
                                   <p:childTnLst>
                                     <p:set>
                                       <p:cBhvr>
-                                        <p:cTn id="152" dur="1" fill="hold">
+                                        <p:cTn id="142" dur="1" fill="hold">
                                           <p:stCondLst>
                                             <p:cond delay="0"/>
                                           </p:stCondLst>
@@ -22099,7 +21977,7 @@
                                     </p:set>
                                     <p:animEffect transition="in" filter="barn(inVertical)">
                                       <p:cBhvr>
-                                        <p:cTn id="153" dur="500"/>
+                                        <p:cTn id="143" dur="500"/>
                                         <p:tgtEl>
                                           <p:spTgt spid="20"/>
                                         </p:tgtEl>
@@ -22109,14 +21987,14 @@
                                 </p:cTn>
                               </p:par>
                               <p:par>
-                                <p:cTn id="154" presetID="16" presetClass="entr" presetSubtype="21" fill="hold" nodeType="withEffect">
+                                <p:cTn id="144" presetID="16" presetClass="entr" presetSubtype="21" fill="hold" nodeType="withEffect">
                                   <p:stCondLst>
                                     <p:cond delay="0"/>
                                   </p:stCondLst>
                                   <p:childTnLst>
                                     <p:set>
                                       <p:cBhvr>
-                                        <p:cTn id="155" dur="1" fill="hold">
+                                        <p:cTn id="145" dur="1" fill="hold">
                                           <p:stCondLst>
                                             <p:cond delay="0"/>
                                           </p:stCondLst>
@@ -22134,7 +22012,7 @@
                                     </p:set>
                                     <p:animEffect transition="in" filter="barn(inVertical)">
                                       <p:cBhvr>
-                                        <p:cTn id="156" dur="500"/>
+                                        <p:cTn id="146" dur="500"/>
                                         <p:tgtEl>
                                           <p:spTgt spid="18"/>
                                         </p:tgtEl>
@@ -22150,26 +22028,26 @@
                     </p:cTn>
                   </p:par>
                   <p:par>
-                    <p:cTn id="157" fill="hold">
+                    <p:cTn id="147" fill="hold">
                       <p:stCondLst>
                         <p:cond delay="indefinite"/>
                       </p:stCondLst>
                       <p:childTnLst>
                         <p:par>
-                          <p:cTn id="158" fill="hold">
+                          <p:cTn id="148" fill="hold">
                             <p:stCondLst>
                               <p:cond delay="0"/>
                             </p:stCondLst>
                             <p:childTnLst>
                               <p:par>
-                                <p:cTn id="159" presetID="42" presetClass="entr" presetSubtype="0" fill="hold" nodeType="clickEffect">
+                                <p:cTn id="149" presetID="42" presetClass="entr" presetSubtype="0" fill="hold" nodeType="clickEffect">
                                   <p:stCondLst>
                                     <p:cond delay="0"/>
                                   </p:stCondLst>
                                   <p:childTnLst>
                                     <p:set>
                                       <p:cBhvr>
-                                        <p:cTn id="160" dur="1" fill="hold">
+                                        <p:cTn id="150" dur="1" fill="hold">
                                           <p:stCondLst>
                                             <p:cond delay="0"/>
                                           </p:stCondLst>
@@ -22187,7 +22065,7 @@
                                     </p:set>
                                     <p:animEffect transition="in" filter="fade">
                                       <p:cBhvr>
-                                        <p:cTn id="161" dur="1000"/>
+                                        <p:cTn id="151" dur="1000"/>
                                         <p:tgtEl>
                                           <p:spTgt spid="7"/>
                                         </p:tgtEl>
@@ -22195,7 +22073,7 @@
                                     </p:animEffect>
                                     <p:anim calcmode="lin" valueType="num">
                                       <p:cBhvr>
-                                        <p:cTn id="162" dur="1000" fill="hold"/>
+                                        <p:cTn id="152" dur="1000" fill="hold"/>
                                         <p:tgtEl>
                                           <p:spTgt spid="7"/>
                                         </p:tgtEl>
@@ -22218,7 +22096,7 @@
                                     </p:anim>
                                     <p:anim calcmode="lin" valueType="num">
                                       <p:cBhvr>
-                                        <p:cTn id="163" dur="1000" fill="hold"/>
+                                        <p:cTn id="153" dur="1000" fill="hold"/>
                                         <p:tgtEl>
                                           <p:spTgt spid="7"/>
                                         </p:tgtEl>
@@ -22281,8 +22159,6 @@
       <p:bldP spid="3" grpId="2" animBg="1"/>
       <p:bldP spid="12" grpId="0" animBg="1"/>
       <p:bldP spid="15" grpId="0" animBg="1"/>
-      <p:bldP spid="16" grpId="0" animBg="1"/>
-      <p:bldP spid="16" grpId="1" animBg="1"/>
       <p:bldP spid="14" grpId="0" animBg="1"/>
       <p:bldP spid="14" grpId="1" animBg="1"/>
       <p:bldGraphic spid="17" grpId="0">
@@ -22668,6 +22544,13 @@
   <p:clrMapOvr>
     <a:masterClrMapping/>
   </p:clrMapOvr>
+  <p:timing>
+    <p:tnLst>
+      <p:par>
+        <p:cTn id="1" dur="indefinite" restart="never" nodeType="tmRoot"/>
+      </p:par>
+    </p:tnLst>
+  </p:timing>
 </p:sld>
 </file>
 
@@ -24395,11 +24278,7 @@
             </a:pPr>
             <a:r>
               <a:rPr lang="zh-CN" altLang="en-US" sz="2400" dirty="0" smtClean="0"/>
-              <a:t>海狗快在</a:t>
-            </a:r>
-            <a:r>
-              <a:rPr lang="zh-CN" altLang="en-US" sz="2400" dirty="0" smtClean="0"/>
-              <a:t>哪里与</a:t>
+              <a:t>海狗快在哪里与</a:t>
             </a:r>
             <a:r>
               <a:rPr lang="en-US" altLang="zh-CN" sz="2400" dirty="0" err="1" smtClean="0"/>

--- a/doc/higo.pptx
+++ b/doc/higo.pptx
@@ -14452,25 +14452,6 @@
                 </a:solidFill>
               </a14:hiddenFill>
             </a:ext>
-            <a:ext uri="{91240B29-F687-4F45-9708-019B960494DF}">
-              <a14:hiddenLine xmlns:a14="http://schemas.microsoft.com/office/drawing/2010/main" w="9525">
-                <a:solidFill>
-                  <a:schemeClr val="tx1"/>
-                </a:solidFill>
-                <a:miter lim="800000"/>
-                <a:headEnd/>
-                <a:tailEnd/>
-              </a14:hiddenLine>
-            </a:ext>
-            <a:ext uri="{AF507438-7753-43E0-B8FC-AC1667EBCBE1}">
-              <a14:hiddenEffects xmlns:a14="http://schemas.microsoft.com/office/drawing/2010/main">
-                <a:effectLst>
-                  <a:outerShdw dist="35921" dir="2700000" algn="ctr" rotWithShape="0">
-                    <a:schemeClr val="bg2"/>
-                  </a:outerShdw>
-                </a:effectLst>
-              </a14:hiddenEffects>
-            </a:ext>
           </a:extLst>
         </p:spPr>
       </p:pic>
@@ -17372,6 +17353,51 @@
           </a:p>
         </p:txBody>
       </p:sp>
+      <p:sp>
+        <p:nvSpPr>
+          <p:cNvPr id="6" name="云形标注 5"/>
+          <p:cNvSpPr/>
+          <p:nvPr/>
+        </p:nvSpPr>
+        <p:spPr>
+          <a:xfrm>
+            <a:off x="3473878" y="2708920"/>
+            <a:ext cx="3078342" cy="2356968"/>
+          </a:xfrm>
+          <a:prstGeom prst="cloudCallout">
+            <a:avLst>
+              <a:gd name="adj1" fmla="val -21363"/>
+              <a:gd name="adj2" fmla="val -45266"/>
+            </a:avLst>
+          </a:prstGeom>
+        </p:spPr>
+        <p:style>
+          <a:lnRef idx="1">
+            <a:schemeClr val="dk1"/>
+          </a:lnRef>
+          <a:fillRef idx="2">
+            <a:schemeClr val="dk1"/>
+          </a:fillRef>
+          <a:effectRef idx="1">
+            <a:schemeClr val="dk1"/>
+          </a:effectRef>
+          <a:fontRef idx="minor">
+            <a:schemeClr val="dk1"/>
+          </a:fontRef>
+        </p:style>
+        <p:txBody>
+          <a:bodyPr rtlCol="0" anchor="ctr"/>
+          <a:lstStyle/>
+          <a:p>
+            <a:pPr algn="ctr"/>
+            <a:r>
+              <a:rPr lang="zh-CN" altLang="en-US" dirty="0" smtClean="0"/>
+              <a:t>不需要的行，直接跳过，不读取。</a:t>
+            </a:r>
+            <a:endParaRPr lang="zh-CN" altLang="en-US" dirty="0"/>
+          </a:p>
+        </p:txBody>
+      </p:sp>
     </p:spTree>
     <p:extLst>
       <p:ext uri="{BB962C8B-B14F-4D97-AF65-F5344CB8AC3E}">
@@ -17801,7 +17827,7 @@
                                           </p:stCondLst>
                                         </p:cTn>
                                         <p:tgtEl>
-                                          <p:spTgt spid="20"/>
+                                          <p:spTgt spid="6"/>
                                         </p:tgtEl>
                                         <p:attrNameLst>
                                           <p:attrName>style.visibility</p:attrName>
@@ -17815,7 +17841,7 @@
                                       <p:cBhvr>
                                         <p:cTn id="36" dur="500"/>
                                         <p:tgtEl>
-                                          <p:spTgt spid="20"/>
+                                          <p:spTgt spid="6"/>
                                         </p:tgtEl>
                                       </p:cBhvr>
                                     </p:animEffect>
@@ -17850,7 +17876,7 @@
                                       <p:cBhvr>
                                         <p:cTn id="40" dur="500"/>
                                         <p:tgtEl>
-                                          <p:spTgt spid="20"/>
+                                          <p:spTgt spid="6"/>
                                         </p:tgtEl>
                                       </p:cBhvr>
                                     </p:animEffect>
@@ -17862,7 +17888,7 @@
                                           </p:stCondLst>
                                         </p:cTn>
                                         <p:tgtEl>
-                                          <p:spTgt spid="20"/>
+                                          <p:spTgt spid="6"/>
                                         </p:tgtEl>
                                         <p:attrNameLst>
                                           <p:attrName>style.visibility</p:attrName>
@@ -17894,7 +17920,7 @@
                             </p:stCondLst>
                             <p:childTnLst>
                               <p:par>
-                                <p:cTn id="44" presetID="42" presetClass="entr" presetSubtype="0" fill="hold" nodeType="clickEffect">
+                                <p:cTn id="44" presetID="16" presetClass="entr" presetSubtype="21" fill="hold" grpId="0" nodeType="clickEffect">
                                   <p:stCondLst>
                                     <p:cond delay="0"/>
                                   </p:stCondLst>
@@ -17907,6 +17933,112 @@
                                           </p:stCondLst>
                                         </p:cTn>
                                         <p:tgtEl>
+                                          <p:spTgt spid="20"/>
+                                        </p:tgtEl>
+                                        <p:attrNameLst>
+                                          <p:attrName>style.visibility</p:attrName>
+                                        </p:attrNameLst>
+                                      </p:cBhvr>
+                                      <p:to>
+                                        <p:strVal val="visible"/>
+                                      </p:to>
+                                    </p:set>
+                                    <p:animEffect transition="in" filter="barn(inVertical)">
+                                      <p:cBhvr>
+                                        <p:cTn id="46" dur="500"/>
+                                        <p:tgtEl>
+                                          <p:spTgt spid="20"/>
+                                        </p:tgtEl>
+                                      </p:cBhvr>
+                                    </p:animEffect>
+                                  </p:childTnLst>
+                                </p:cTn>
+                              </p:par>
+                            </p:childTnLst>
+                          </p:cTn>
+                        </p:par>
+                      </p:childTnLst>
+                    </p:cTn>
+                  </p:par>
+                  <p:par>
+                    <p:cTn id="47" fill="hold">
+                      <p:stCondLst>
+                        <p:cond delay="indefinite"/>
+                      </p:stCondLst>
+                      <p:childTnLst>
+                        <p:par>
+                          <p:cTn id="48" fill="hold">
+                            <p:stCondLst>
+                              <p:cond delay="0"/>
+                            </p:stCondLst>
+                            <p:childTnLst>
+                              <p:par>
+                                <p:cTn id="49" presetID="16" presetClass="exit" presetSubtype="21" fill="hold" grpId="1" nodeType="clickEffect">
+                                  <p:stCondLst>
+                                    <p:cond delay="0"/>
+                                  </p:stCondLst>
+                                  <p:childTnLst>
+                                    <p:animEffect transition="out" filter="barn(inVertical)">
+                                      <p:cBhvr>
+                                        <p:cTn id="50" dur="500"/>
+                                        <p:tgtEl>
+                                          <p:spTgt spid="20"/>
+                                        </p:tgtEl>
+                                      </p:cBhvr>
+                                    </p:animEffect>
+                                    <p:set>
+                                      <p:cBhvr>
+                                        <p:cTn id="51" dur="1" fill="hold">
+                                          <p:stCondLst>
+                                            <p:cond delay="499"/>
+                                          </p:stCondLst>
+                                        </p:cTn>
+                                        <p:tgtEl>
+                                          <p:spTgt spid="20"/>
+                                        </p:tgtEl>
+                                        <p:attrNameLst>
+                                          <p:attrName>style.visibility</p:attrName>
+                                        </p:attrNameLst>
+                                      </p:cBhvr>
+                                      <p:to>
+                                        <p:strVal val="hidden"/>
+                                      </p:to>
+                                    </p:set>
+                                  </p:childTnLst>
+                                </p:cTn>
+                              </p:par>
+                            </p:childTnLst>
+                          </p:cTn>
+                        </p:par>
+                      </p:childTnLst>
+                    </p:cTn>
+                  </p:par>
+                  <p:par>
+                    <p:cTn id="52" fill="hold">
+                      <p:stCondLst>
+                        <p:cond delay="indefinite"/>
+                      </p:stCondLst>
+                      <p:childTnLst>
+                        <p:par>
+                          <p:cTn id="53" fill="hold">
+                            <p:stCondLst>
+                              <p:cond delay="0"/>
+                            </p:stCondLst>
+                            <p:childTnLst>
+                              <p:par>
+                                <p:cTn id="54" presetID="42" presetClass="entr" presetSubtype="0" fill="hold" nodeType="clickEffect">
+                                  <p:stCondLst>
+                                    <p:cond delay="0"/>
+                                  </p:stCondLst>
+                                  <p:childTnLst>
+                                    <p:set>
+                                      <p:cBhvr>
+                                        <p:cTn id="55" dur="1" fill="hold">
+                                          <p:stCondLst>
+                                            <p:cond delay="0"/>
+                                          </p:stCondLst>
+                                        </p:cTn>
+                                        <p:tgtEl>
                                           <p:spTgt spid="22">
                                             <p:txEl>
                                               <p:pRg st="0" end="0"/>
@@ -17923,7 +18055,7 @@
                                     </p:set>
                                     <p:animEffect transition="in" filter="fade">
                                       <p:cBhvr>
-                                        <p:cTn id="46" dur="1000"/>
+                                        <p:cTn id="56" dur="1000"/>
                                         <p:tgtEl>
                                           <p:spTgt spid="22">
                                             <p:txEl>
@@ -17935,7 +18067,7 @@
                                     </p:animEffect>
                                     <p:anim calcmode="lin" valueType="num">
                                       <p:cBhvr>
-                                        <p:cTn id="47" dur="1000" fill="hold"/>
+                                        <p:cTn id="57" dur="1000" fill="hold"/>
                                         <p:tgtEl>
                                           <p:spTgt spid="22">
                                             <p:txEl>
@@ -17962,7 +18094,7 @@
                                     </p:anim>
                                     <p:anim calcmode="lin" valueType="num">
                                       <p:cBhvr>
-                                        <p:cTn id="48" dur="1000" fill="hold"/>
+                                        <p:cTn id="58" dur="1000" fill="hold"/>
                                         <p:tgtEl>
                                           <p:spTgt spid="22">
                                             <p:txEl>
@@ -17997,26 +18129,26 @@
                     </p:cTn>
                   </p:par>
                   <p:par>
-                    <p:cTn id="49" fill="hold">
+                    <p:cTn id="59" fill="hold">
                       <p:stCondLst>
                         <p:cond delay="indefinite"/>
                       </p:stCondLst>
                       <p:childTnLst>
                         <p:par>
-                          <p:cTn id="50" fill="hold">
+                          <p:cTn id="60" fill="hold">
                             <p:stCondLst>
                               <p:cond delay="0"/>
                             </p:stCondLst>
                             <p:childTnLst>
                               <p:par>
-                                <p:cTn id="51" presetID="16" presetClass="entr" presetSubtype="21" fill="hold" grpId="0" nodeType="clickEffect">
+                                <p:cTn id="61" presetID="16" presetClass="entr" presetSubtype="21" fill="hold" grpId="0" nodeType="clickEffect">
                                   <p:stCondLst>
                                     <p:cond delay="0"/>
                                   </p:stCondLst>
                                   <p:childTnLst>
                                     <p:set>
                                       <p:cBhvr>
-                                        <p:cTn id="52" dur="1" fill="hold">
+                                        <p:cTn id="62" dur="1" fill="hold">
                                           <p:stCondLst>
                                             <p:cond delay="0"/>
                                           </p:stCondLst>
@@ -18034,7 +18166,7 @@
                                     </p:set>
                                     <p:animEffect transition="in" filter="barn(inVertical)">
                                       <p:cBhvr>
-                                        <p:cTn id="53" dur="500"/>
+                                        <p:cTn id="63" dur="500"/>
                                         <p:tgtEl>
                                           <p:spTgt spid="3"/>
                                         </p:tgtEl>
@@ -18050,26 +18182,26 @@
                     </p:cTn>
                   </p:par>
                   <p:par>
-                    <p:cTn id="54" fill="hold">
+                    <p:cTn id="64" fill="hold">
                       <p:stCondLst>
                         <p:cond delay="indefinite"/>
                       </p:stCondLst>
                       <p:childTnLst>
                         <p:par>
-                          <p:cTn id="55" fill="hold">
+                          <p:cTn id="65" fill="hold">
                             <p:stCondLst>
                               <p:cond delay="0"/>
                             </p:stCondLst>
                             <p:childTnLst>
                               <p:par>
-                                <p:cTn id="56" presetID="16" presetClass="entr" presetSubtype="21" fill="hold" grpId="0" nodeType="clickEffect">
+                                <p:cTn id="66" presetID="16" presetClass="entr" presetSubtype="21" fill="hold" grpId="0" nodeType="clickEffect">
                                   <p:stCondLst>
                                     <p:cond delay="0"/>
                                   </p:stCondLst>
                                   <p:childTnLst>
                                     <p:set>
                                       <p:cBhvr>
-                                        <p:cTn id="57" dur="1" fill="hold">
+                                        <p:cTn id="67" dur="1" fill="hold">
                                           <p:stCondLst>
                                             <p:cond delay="0"/>
                                           </p:stCondLst>
@@ -18087,7 +18219,7 @@
                                     </p:set>
                                     <p:animEffect transition="in" filter="barn(inVertical)">
                                       <p:cBhvr>
-                                        <p:cTn id="58" dur="500"/>
+                                        <p:cTn id="68" dur="500"/>
                                         <p:tgtEl>
                                           <p:spTgt spid="4"/>
                                         </p:tgtEl>
@@ -18097,14 +18229,14 @@
                                 </p:cTn>
                               </p:par>
                               <p:par>
-                                <p:cTn id="59" presetID="16" presetClass="entr" presetSubtype="21" fill="hold" grpId="0" nodeType="withEffect">
+                                <p:cTn id="69" presetID="16" presetClass="entr" presetSubtype="21" fill="hold" grpId="0" nodeType="withEffect">
                                   <p:stCondLst>
                                     <p:cond delay="0"/>
                                   </p:stCondLst>
                                   <p:childTnLst>
                                     <p:set>
                                       <p:cBhvr>
-                                        <p:cTn id="60" dur="1" fill="hold">
+                                        <p:cTn id="70" dur="1" fill="hold">
                                           <p:stCondLst>
                                             <p:cond delay="0"/>
                                           </p:stCondLst>
@@ -18122,115 +18254,9 @@
                                     </p:set>
                                     <p:animEffect transition="in" filter="barn(inVertical)">
                                       <p:cBhvr>
-                                        <p:cTn id="61" dur="500"/>
+                                        <p:cTn id="71" dur="500"/>
                                         <p:tgtEl>
                                           <p:spTgt spid="5"/>
-                                        </p:tgtEl>
-                                      </p:cBhvr>
-                                    </p:animEffect>
-                                  </p:childTnLst>
-                                </p:cTn>
-                              </p:par>
-                            </p:childTnLst>
-                          </p:cTn>
-                        </p:par>
-                      </p:childTnLst>
-                    </p:cTn>
-                  </p:par>
-                  <p:par>
-                    <p:cTn id="62" fill="hold">
-                      <p:stCondLst>
-                        <p:cond delay="indefinite"/>
-                      </p:stCondLst>
-                      <p:childTnLst>
-                        <p:par>
-                          <p:cTn id="63" fill="hold">
-                            <p:stCondLst>
-                              <p:cond delay="0"/>
-                            </p:stCondLst>
-                            <p:childTnLst>
-                              <p:par>
-                                <p:cTn id="64" presetID="16" presetClass="entr" presetSubtype="21" fill="hold" grpId="0" nodeType="clickEffect">
-                                  <p:stCondLst>
-                                    <p:cond delay="0"/>
-                                  </p:stCondLst>
-                                  <p:childTnLst>
-                                    <p:set>
-                                      <p:cBhvr>
-                                        <p:cTn id="65" dur="1" fill="hold">
-                                          <p:stCondLst>
-                                            <p:cond delay="0"/>
-                                          </p:stCondLst>
-                                        </p:cTn>
-                                        <p:tgtEl>
-                                          <p:spTgt spid="14"/>
-                                        </p:tgtEl>
-                                        <p:attrNameLst>
-                                          <p:attrName>style.visibility</p:attrName>
-                                        </p:attrNameLst>
-                                      </p:cBhvr>
-                                      <p:to>
-                                        <p:strVal val="visible"/>
-                                      </p:to>
-                                    </p:set>
-                                    <p:animEffect transition="in" filter="barn(inVertical)">
-                                      <p:cBhvr>
-                                        <p:cTn id="66" dur="500"/>
-                                        <p:tgtEl>
-                                          <p:spTgt spid="14"/>
-                                        </p:tgtEl>
-                                      </p:cBhvr>
-                                    </p:animEffect>
-                                  </p:childTnLst>
-                                </p:cTn>
-                              </p:par>
-                            </p:childTnLst>
-                          </p:cTn>
-                        </p:par>
-                      </p:childTnLst>
-                    </p:cTn>
-                  </p:par>
-                  <p:par>
-                    <p:cTn id="67" fill="hold">
-                      <p:stCondLst>
-                        <p:cond delay="indefinite"/>
-                      </p:stCondLst>
-                      <p:childTnLst>
-                        <p:par>
-                          <p:cTn id="68" fill="hold">
-                            <p:stCondLst>
-                              <p:cond delay="0"/>
-                            </p:stCondLst>
-                            <p:childTnLst>
-                              <p:par>
-                                <p:cTn id="69" presetID="16" presetClass="entr" presetSubtype="21" fill="hold" grpId="0" nodeType="clickEffect">
-                                  <p:stCondLst>
-                                    <p:cond delay="0"/>
-                                  </p:stCondLst>
-                                  <p:childTnLst>
-                                    <p:set>
-                                      <p:cBhvr>
-                                        <p:cTn id="70" dur="1" fill="hold">
-                                          <p:stCondLst>
-                                            <p:cond delay="0"/>
-                                          </p:stCondLst>
-                                        </p:cTn>
-                                        <p:tgtEl>
-                                          <p:spTgt spid="17"/>
-                                        </p:tgtEl>
-                                        <p:attrNameLst>
-                                          <p:attrName>style.visibility</p:attrName>
-                                        </p:attrNameLst>
-                                      </p:cBhvr>
-                                      <p:to>
-                                        <p:strVal val="visible"/>
-                                      </p:to>
-                                    </p:set>
-                                    <p:animEffect transition="in" filter="barn(inVertical)">
-                                      <p:cBhvr>
-                                        <p:cTn id="71" dur="500"/>
-                                        <p:tgtEl>
-                                          <p:spTgt spid="17"/>
                                         </p:tgtEl>
                                       </p:cBhvr>
                                     </p:animEffect>
@@ -18256,14 +18282,120 @@
                             </p:stCondLst>
                             <p:childTnLst>
                               <p:par>
-                                <p:cTn id="74" presetID="16" presetClass="exit" presetSubtype="21" fill="hold" grpId="1" nodeType="clickEffect">
+                                <p:cTn id="74" presetID="16" presetClass="entr" presetSubtype="21" fill="hold" grpId="0" nodeType="clickEffect">
+                                  <p:stCondLst>
+                                    <p:cond delay="0"/>
+                                  </p:stCondLst>
+                                  <p:childTnLst>
+                                    <p:set>
+                                      <p:cBhvr>
+                                        <p:cTn id="75" dur="1" fill="hold">
+                                          <p:stCondLst>
+                                            <p:cond delay="0"/>
+                                          </p:stCondLst>
+                                        </p:cTn>
+                                        <p:tgtEl>
+                                          <p:spTgt spid="14"/>
+                                        </p:tgtEl>
+                                        <p:attrNameLst>
+                                          <p:attrName>style.visibility</p:attrName>
+                                        </p:attrNameLst>
+                                      </p:cBhvr>
+                                      <p:to>
+                                        <p:strVal val="visible"/>
+                                      </p:to>
+                                    </p:set>
+                                    <p:animEffect transition="in" filter="barn(inVertical)">
+                                      <p:cBhvr>
+                                        <p:cTn id="76" dur="500"/>
+                                        <p:tgtEl>
+                                          <p:spTgt spid="14"/>
+                                        </p:tgtEl>
+                                      </p:cBhvr>
+                                    </p:animEffect>
+                                  </p:childTnLst>
+                                </p:cTn>
+                              </p:par>
+                            </p:childTnLst>
+                          </p:cTn>
+                        </p:par>
+                      </p:childTnLst>
+                    </p:cTn>
+                  </p:par>
+                  <p:par>
+                    <p:cTn id="77" fill="hold">
+                      <p:stCondLst>
+                        <p:cond delay="indefinite"/>
+                      </p:stCondLst>
+                      <p:childTnLst>
+                        <p:par>
+                          <p:cTn id="78" fill="hold">
+                            <p:stCondLst>
+                              <p:cond delay="0"/>
+                            </p:stCondLst>
+                            <p:childTnLst>
+                              <p:par>
+                                <p:cTn id="79" presetID="16" presetClass="entr" presetSubtype="21" fill="hold" grpId="0" nodeType="clickEffect">
+                                  <p:stCondLst>
+                                    <p:cond delay="0"/>
+                                  </p:stCondLst>
+                                  <p:childTnLst>
+                                    <p:set>
+                                      <p:cBhvr>
+                                        <p:cTn id="80" dur="1" fill="hold">
+                                          <p:stCondLst>
+                                            <p:cond delay="0"/>
+                                          </p:stCondLst>
+                                        </p:cTn>
+                                        <p:tgtEl>
+                                          <p:spTgt spid="17"/>
+                                        </p:tgtEl>
+                                        <p:attrNameLst>
+                                          <p:attrName>style.visibility</p:attrName>
+                                        </p:attrNameLst>
+                                      </p:cBhvr>
+                                      <p:to>
+                                        <p:strVal val="visible"/>
+                                      </p:to>
+                                    </p:set>
+                                    <p:animEffect transition="in" filter="barn(inVertical)">
+                                      <p:cBhvr>
+                                        <p:cTn id="81" dur="500"/>
+                                        <p:tgtEl>
+                                          <p:spTgt spid="17"/>
+                                        </p:tgtEl>
+                                      </p:cBhvr>
+                                    </p:animEffect>
+                                  </p:childTnLst>
+                                </p:cTn>
+                              </p:par>
+                            </p:childTnLst>
+                          </p:cTn>
+                        </p:par>
+                      </p:childTnLst>
+                    </p:cTn>
+                  </p:par>
+                  <p:par>
+                    <p:cTn id="82" fill="hold">
+                      <p:stCondLst>
+                        <p:cond delay="indefinite"/>
+                      </p:stCondLst>
+                      <p:childTnLst>
+                        <p:par>
+                          <p:cTn id="83" fill="hold">
+                            <p:stCondLst>
+                              <p:cond delay="0"/>
+                            </p:stCondLst>
+                            <p:childTnLst>
+                              <p:par>
+                                <p:cTn id="84" presetID="16" presetClass="exit" presetSubtype="21" fill="hold" grpId="1" nodeType="clickEffect">
                                   <p:stCondLst>
                                     <p:cond delay="0"/>
                                   </p:stCondLst>
                                   <p:childTnLst>
                                     <p:animEffect transition="out" filter="barn(inVertical)">
                                       <p:cBhvr>
-                                        <p:cTn id="75" dur="500"/>
+                                        <p:cTn id="85" dur="500"/>
                                         <p:tgtEl>
                                           <p:spTgt spid="4"/>
                                         </p:tgtEl>
@@ -18271,7 +18403,7 @@
                                     </p:animEffect>
                                     <p:set>
                                       <p:cBhvr>
-                                        <p:cTn id="76" dur="1" fill="hold">
+                                        <p:cTn id="86" dur="1" fill="hold">
                                           <p:stCondLst>
                                             <p:cond delay="499"/>
                                           </p:stCondLst>
@@ -18291,14 +18423,14 @@
                                 </p:cTn>
                               </p:par>
                               <p:par>
-                                <p:cTn id="77" presetID="16" presetClass="exit" presetSubtype="21" fill="hold" grpId="1" nodeType="withEffect">
+                                <p:cTn id="87" presetID="16" presetClass="exit" presetSubtype="21" fill="hold" grpId="1" nodeType="withEffect">
                                   <p:stCondLst>
                                     <p:cond delay="0"/>
                                   </p:stCondLst>
                                   <p:childTnLst>
                                     <p:animEffect transition="out" filter="barn(inVertical)">
                                       <p:cBhvr>
-                                        <p:cTn id="78" dur="500"/>
+                                        <p:cTn id="88" dur="500"/>
                                         <p:tgtEl>
                                           <p:spTgt spid="5"/>
                                         </p:tgtEl>
@@ -18306,7 +18438,7 @@
                                     </p:animEffect>
                                     <p:set>
                                       <p:cBhvr>
-                                        <p:cTn id="79" dur="1" fill="hold">
+                                        <p:cTn id="89" dur="1" fill="hold">
                                           <p:stCondLst>
                                             <p:cond delay="499"/>
                                           </p:stCondLst>
@@ -18326,14 +18458,14 @@
                                 </p:cTn>
                               </p:par>
                               <p:par>
-                                <p:cTn id="80" presetID="16" presetClass="exit" presetSubtype="21" fill="hold" grpId="1" nodeType="withEffect">
+                                <p:cTn id="90" presetID="16" presetClass="exit" presetSubtype="21" fill="hold" grpId="1" nodeType="withEffect">
                                   <p:stCondLst>
                                     <p:cond delay="0"/>
                                   </p:stCondLst>
                                   <p:childTnLst>
                                     <p:animEffect transition="out" filter="barn(inVertical)">
                                       <p:cBhvr>
-                                        <p:cTn id="81" dur="500"/>
+                                        <p:cTn id="91" dur="500"/>
                                         <p:tgtEl>
                                           <p:spTgt spid="3"/>
                                         </p:tgtEl>
@@ -18341,7 +18473,7 @@
                                     </p:animEffect>
                                     <p:set>
                                       <p:cBhvr>
-                                        <p:cTn id="82" dur="1" fill="hold">
+                                        <p:cTn id="92" dur="1" fill="hold">
                                           <p:stCondLst>
                                             <p:cond delay="499"/>
                                           </p:stCondLst>
@@ -18361,14 +18493,14 @@
                                 </p:cTn>
                               </p:par>
                               <p:par>
-                                <p:cTn id="83" presetID="16" presetClass="exit" presetSubtype="21" fill="hold" grpId="1" nodeType="withEffect">
+                                <p:cTn id="93" presetID="16" presetClass="exit" presetSubtype="21" fill="hold" grpId="1" nodeType="withEffect">
                                   <p:stCondLst>
                                     <p:cond delay="0"/>
                                   </p:stCondLst>
                                   <p:childTnLst>
                                     <p:animEffect transition="out" filter="barn(inVertical)">
                                       <p:cBhvr>
-                                        <p:cTn id="84" dur="500"/>
+                                        <p:cTn id="94" dur="500"/>
                                         <p:tgtEl>
                                           <p:spTgt spid="14"/>
                                         </p:tgtEl>
@@ -18376,7 +18508,7 @@
                                     </p:animEffect>
                                     <p:set>
                                       <p:cBhvr>
-                                        <p:cTn id="85" dur="1" fill="hold">
+                                        <p:cTn id="95" dur="1" fill="hold">
                                           <p:stCondLst>
                                             <p:cond delay="499"/>
                                           </p:stCondLst>
@@ -18396,14 +18528,14 @@
                                 </p:cTn>
                               </p:par>
                               <p:par>
-                                <p:cTn id="86" presetID="16" presetClass="exit" presetSubtype="21" fill="hold" grpId="1" nodeType="withEffect">
+                                <p:cTn id="96" presetID="16" presetClass="exit" presetSubtype="21" fill="hold" grpId="1" nodeType="withEffect">
                                   <p:stCondLst>
                                     <p:cond delay="0"/>
                                   </p:stCondLst>
                                   <p:childTnLst>
                                     <p:animEffect transition="out" filter="barn(inVertical)">
                                       <p:cBhvr>
-                                        <p:cTn id="87" dur="500"/>
+                                        <p:cTn id="97" dur="500"/>
                                         <p:tgtEl>
                                           <p:spTgt spid="17"/>
                                         </p:tgtEl>
@@ -18411,7 +18543,7 @@
                                     </p:animEffect>
                                     <p:set>
                                       <p:cBhvr>
-                                        <p:cTn id="88" dur="1" fill="hold">
+                                        <p:cTn id="98" dur="1" fill="hold">
                                           <p:stCondLst>
                                             <p:cond delay="499"/>
                                           </p:stCondLst>
@@ -18437,26 +18569,26 @@
                     </p:cTn>
                   </p:par>
                   <p:par>
-                    <p:cTn id="89" fill="hold">
+                    <p:cTn id="99" fill="hold">
                       <p:stCondLst>
                         <p:cond delay="indefinite"/>
                       </p:stCondLst>
                       <p:childTnLst>
                         <p:par>
-                          <p:cTn id="90" fill="hold">
+                          <p:cTn id="100" fill="hold">
                             <p:stCondLst>
                               <p:cond delay="0"/>
                             </p:stCondLst>
                             <p:childTnLst>
                               <p:par>
-                                <p:cTn id="91" presetID="16" presetClass="entr" presetSubtype="21" fill="hold" nodeType="clickEffect">
+                                <p:cTn id="101" presetID="16" presetClass="entr" presetSubtype="21" fill="hold" nodeType="clickEffect">
                                   <p:stCondLst>
                                     <p:cond delay="0"/>
                                   </p:stCondLst>
                                   <p:childTnLst>
                                     <p:set>
                                       <p:cBhvr>
-                                        <p:cTn id="92" dur="1" fill="hold">
+                                        <p:cTn id="102" dur="1" fill="hold">
                                           <p:stCondLst>
                                             <p:cond delay="0"/>
                                           </p:stCondLst>
@@ -18478,7 +18610,7 @@
                                     </p:set>
                                     <p:animEffect transition="in" filter="barn(inVertical)">
                                       <p:cBhvr>
-                                        <p:cTn id="93" dur="500"/>
+                                        <p:cTn id="103" dur="500"/>
                                         <p:tgtEl>
                                           <p:spTgt spid="22">
                                             <p:txEl>
@@ -18498,26 +18630,26 @@
                     </p:cTn>
                   </p:par>
                   <p:par>
-                    <p:cTn id="94" fill="hold">
+                    <p:cTn id="104" fill="hold">
                       <p:stCondLst>
                         <p:cond delay="indefinite"/>
                       </p:stCondLst>
                       <p:childTnLst>
                         <p:par>
-                          <p:cTn id="95" fill="hold">
+                          <p:cTn id="105" fill="hold">
                             <p:stCondLst>
                               <p:cond delay="0"/>
                             </p:stCondLst>
                             <p:childTnLst>
                               <p:par>
-                                <p:cTn id="96" presetID="16" presetClass="entr" presetSubtype="21" fill="hold" nodeType="clickEffect">
+                                <p:cTn id="106" presetID="16" presetClass="entr" presetSubtype="21" fill="hold" nodeType="clickEffect">
                                   <p:stCondLst>
                                     <p:cond delay="0"/>
                                   </p:stCondLst>
                                   <p:childTnLst>
                                     <p:set>
                                       <p:cBhvr>
-                                        <p:cTn id="97" dur="1" fill="hold">
+                                        <p:cTn id="107" dur="1" fill="hold">
                                           <p:stCondLst>
                                             <p:cond delay="0"/>
                                           </p:stCondLst>
@@ -18535,7 +18667,7 @@
                                     </p:set>
                                     <p:animEffect transition="in" filter="barn(inVertical)">
                                       <p:cBhvr>
-                                        <p:cTn id="98" dur="500"/>
+                                        <p:cTn id="108" dur="500"/>
                                         <p:tgtEl>
                                           <p:spTgt spid="1026"/>
                                         </p:tgtEl>
@@ -18545,14 +18677,14 @@
                                 </p:cTn>
                               </p:par>
                               <p:par>
-                                <p:cTn id="99" presetID="16" presetClass="entr" presetSubtype="21" fill="hold" grpId="2" nodeType="withEffect">
+                                <p:cTn id="109" presetID="16" presetClass="entr" presetSubtype="21" fill="hold" grpId="2" nodeType="withEffect">
                                   <p:stCondLst>
                                     <p:cond delay="0"/>
                                   </p:stCondLst>
                                   <p:childTnLst>
                                     <p:set>
                                       <p:cBhvr>
-                                        <p:cTn id="100" dur="1" fill="hold">
+                                        <p:cTn id="110" dur="1" fill="hold">
                                           <p:stCondLst>
                                             <p:cond delay="0"/>
                                           </p:stCondLst>
@@ -18570,7 +18702,7 @@
                                     </p:set>
                                     <p:animEffect transition="in" filter="barn(inVertical)">
                                       <p:cBhvr>
-                                        <p:cTn id="101" dur="500"/>
+                                        <p:cTn id="111" dur="500"/>
                                         <p:tgtEl>
                                           <p:spTgt spid="4"/>
                                         </p:tgtEl>
@@ -18580,14 +18712,14 @@
                                 </p:cTn>
                               </p:par>
                               <p:par>
-                                <p:cTn id="102" presetID="16" presetClass="entr" presetSubtype="21" fill="hold" nodeType="withEffect">
+                                <p:cTn id="112" presetID="16" presetClass="entr" presetSubtype="21" fill="hold" nodeType="withEffect">
                                   <p:stCondLst>
                                     <p:cond delay="0"/>
                                   </p:stCondLst>
                                   <p:childTnLst>
                                     <p:set>
                                       <p:cBhvr>
-                                        <p:cTn id="103" dur="1" fill="hold">
+                                        <p:cTn id="113" dur="1" fill="hold">
                                           <p:stCondLst>
                                             <p:cond delay="0"/>
                                           </p:stCondLst>
@@ -18605,7 +18737,7 @@
                                     </p:set>
                                     <p:animEffect transition="in" filter="barn(inVertical)">
                                       <p:cBhvr>
-                                        <p:cTn id="104" dur="500"/>
+                                        <p:cTn id="114" dur="500"/>
                                         <p:tgtEl>
                                           <p:spTgt spid="28"/>
                                         </p:tgtEl>
@@ -18615,14 +18747,14 @@
                                 </p:cTn>
                               </p:par>
                               <p:par>
-                                <p:cTn id="105" presetID="16" presetClass="entr" presetSubtype="21" fill="hold" nodeType="withEffect">
+                                <p:cTn id="115" presetID="16" presetClass="entr" presetSubtype="21" fill="hold" nodeType="withEffect">
                                   <p:stCondLst>
                                     <p:cond delay="0"/>
                                   </p:stCondLst>
                                   <p:childTnLst>
                                     <p:set>
                                       <p:cBhvr>
-                                        <p:cTn id="106" dur="1" fill="hold">
+                                        <p:cTn id="116" dur="1" fill="hold">
                                           <p:stCondLst>
                                             <p:cond delay="0"/>
                                           </p:stCondLst>
@@ -18640,7 +18772,7 @@
                                     </p:set>
                                     <p:animEffect transition="in" filter="barn(inVertical)">
                                       <p:cBhvr>
-                                        <p:cTn id="107" dur="500"/>
+                                        <p:cTn id="117" dur="500"/>
                                         <p:tgtEl>
                                           <p:spTgt spid="24"/>
                                         </p:tgtEl>
@@ -18650,14 +18782,14 @@
                                 </p:cTn>
                               </p:par>
                               <p:par>
-                                <p:cTn id="108" presetID="16" presetClass="entr" presetSubtype="21" fill="hold" nodeType="withEffect">
+                                <p:cTn id="118" presetID="16" presetClass="entr" presetSubtype="21" fill="hold" nodeType="withEffect">
                                   <p:stCondLst>
                                     <p:cond delay="0"/>
                                   </p:stCondLst>
                                   <p:childTnLst>
                                     <p:set>
                                       <p:cBhvr>
-                                        <p:cTn id="109" dur="1" fill="hold">
+                                        <p:cTn id="119" dur="1" fill="hold">
                                           <p:stCondLst>
                                             <p:cond delay="0"/>
                                           </p:stCondLst>
@@ -18675,7 +18807,7 @@
                                     </p:set>
                                     <p:animEffect transition="in" filter="barn(inVertical)">
                                       <p:cBhvr>
-                                        <p:cTn id="110" dur="500"/>
+                                        <p:cTn id="120" dur="500"/>
                                         <p:tgtEl>
                                           <p:spTgt spid="26"/>
                                         </p:tgtEl>
@@ -18691,26 +18823,26 @@
                     </p:cTn>
                   </p:par>
                   <p:par>
-                    <p:cTn id="111" fill="hold">
+                    <p:cTn id="121" fill="hold">
                       <p:stCondLst>
                         <p:cond delay="indefinite"/>
                       </p:stCondLst>
                       <p:childTnLst>
                         <p:par>
-                          <p:cTn id="112" fill="hold">
+                          <p:cTn id="122" fill="hold">
                             <p:stCondLst>
                               <p:cond delay="0"/>
                             </p:stCondLst>
                             <p:childTnLst>
                               <p:par>
-                                <p:cTn id="113" presetID="16" presetClass="exit" presetSubtype="21" fill="hold" nodeType="clickEffect">
+                                <p:cTn id="123" presetID="16" presetClass="exit" presetSubtype="21" fill="hold" nodeType="clickEffect">
                                   <p:stCondLst>
                                     <p:cond delay="0"/>
                                   </p:stCondLst>
                                   <p:childTnLst>
                                     <p:animEffect transition="out" filter="barn(inVertical)">
                                       <p:cBhvr>
-                                        <p:cTn id="114" dur="500"/>
+                                        <p:cTn id="124" dur="500"/>
                                         <p:tgtEl>
                                           <p:spTgt spid="1026"/>
                                         </p:tgtEl>
@@ -18718,7 +18850,7 @@
                                     </p:animEffect>
                                     <p:set>
                                       <p:cBhvr>
-                                        <p:cTn id="115" dur="1" fill="hold">
+                                        <p:cTn id="125" dur="1" fill="hold">
                                           <p:stCondLst>
                                             <p:cond delay="499"/>
                                           </p:stCondLst>
@@ -18738,14 +18870,14 @@
                                 </p:cTn>
                               </p:par>
                               <p:par>
-                                <p:cTn id="116" presetID="16" presetClass="exit" presetSubtype="21" fill="hold" grpId="3" nodeType="withEffect">
+                                <p:cTn id="126" presetID="16" presetClass="exit" presetSubtype="21" fill="hold" grpId="3" nodeType="withEffect">
                                   <p:stCondLst>
                                     <p:cond delay="0"/>
                                   </p:stCondLst>
                                   <p:childTnLst>
                                     <p:animEffect transition="out" filter="barn(inVertical)">
                                       <p:cBhvr>
-                                        <p:cTn id="117" dur="500"/>
+                                        <p:cTn id="127" dur="500"/>
                                         <p:tgtEl>
                                           <p:spTgt spid="4"/>
                                         </p:tgtEl>
@@ -18753,7 +18885,7 @@
                                     </p:animEffect>
                                     <p:set>
                                       <p:cBhvr>
-                                        <p:cTn id="118" dur="1" fill="hold">
+                                        <p:cTn id="128" dur="1" fill="hold">
                                           <p:stCondLst>
                                             <p:cond delay="499"/>
                                           </p:stCondLst>
@@ -18773,14 +18905,14 @@
                                 </p:cTn>
                               </p:par>
                               <p:par>
-                                <p:cTn id="119" presetID="16" presetClass="exit" presetSubtype="21" fill="hold" nodeType="withEffect">
+                                <p:cTn id="129" presetID="16" presetClass="exit" presetSubtype="21" fill="hold" nodeType="withEffect">
                                   <p:stCondLst>
                                     <p:cond delay="0"/>
                                   </p:stCondLst>
                                   <p:childTnLst>
                                     <p:animEffect transition="out" filter="barn(inVertical)">
                                       <p:cBhvr>
-                                        <p:cTn id="120" dur="500"/>
+                                        <p:cTn id="130" dur="500"/>
                                         <p:tgtEl>
                                           <p:spTgt spid="28"/>
                                         </p:tgtEl>
@@ -18788,7 +18920,7 @@
                                     </p:animEffect>
                                     <p:set>
                                       <p:cBhvr>
-                                        <p:cTn id="121" dur="1" fill="hold">
+                                        <p:cTn id="131" dur="1" fill="hold">
                                           <p:stCondLst>
                                             <p:cond delay="499"/>
                                           </p:stCondLst>
@@ -18808,14 +18940,14 @@
                                 </p:cTn>
                               </p:par>
                               <p:par>
-                                <p:cTn id="122" presetID="16" presetClass="exit" presetSubtype="21" fill="hold" nodeType="withEffect">
+                                <p:cTn id="132" presetID="16" presetClass="exit" presetSubtype="21" fill="hold" nodeType="withEffect">
                                   <p:stCondLst>
                                     <p:cond delay="0"/>
                                   </p:stCondLst>
                                   <p:childTnLst>
                                     <p:animEffect transition="out" filter="barn(inVertical)">
                                       <p:cBhvr>
-                                        <p:cTn id="123" dur="500"/>
+                                        <p:cTn id="133" dur="500"/>
                                         <p:tgtEl>
                                           <p:spTgt spid="24"/>
                                         </p:tgtEl>
@@ -18823,7 +18955,7 @@
                                     </p:animEffect>
                                     <p:set>
                                       <p:cBhvr>
-                                        <p:cTn id="124" dur="1" fill="hold">
+                                        <p:cTn id="134" dur="1" fill="hold">
                                           <p:stCondLst>
                                             <p:cond delay="499"/>
                                           </p:stCondLst>
@@ -18843,14 +18975,14 @@
                                 </p:cTn>
                               </p:par>
                               <p:par>
-                                <p:cTn id="125" presetID="16" presetClass="exit" presetSubtype="21" fill="hold" nodeType="withEffect">
+                                <p:cTn id="135" presetID="16" presetClass="exit" presetSubtype="21" fill="hold" nodeType="withEffect">
                                   <p:stCondLst>
                                     <p:cond delay="0"/>
                                   </p:stCondLst>
                                   <p:childTnLst>
                                     <p:animEffect transition="out" filter="barn(inVertical)">
                                       <p:cBhvr>
-                                        <p:cTn id="126" dur="500"/>
+                                        <p:cTn id="136" dur="500"/>
                                         <p:tgtEl>
                                           <p:spTgt spid="26"/>
                                         </p:tgtEl>
@@ -18858,7 +18990,7 @@
                                     </p:animEffect>
                                     <p:set>
                                       <p:cBhvr>
-                                        <p:cTn id="127" dur="1" fill="hold">
+                                        <p:cTn id="137" dur="1" fill="hold">
                                           <p:stCondLst>
                                             <p:cond delay="499"/>
                                           </p:stCondLst>
@@ -18922,6 +19054,8 @@
       <p:bldP spid="19" grpId="1" animBg="1"/>
       <p:bldP spid="20" grpId="0" animBg="1"/>
       <p:bldP spid="20" grpId="1" animBg="1"/>
+      <p:bldP spid="6" grpId="0" animBg="1"/>
+      <p:bldP spid="6" grpId="1" animBg="1"/>
     </p:bldLst>
   </p:timing>
 </p:sld>
@@ -19938,19 +20072,7 @@
           <a:p>
             <a:r>
               <a:rPr lang="zh-CN" altLang="en-US" dirty="0" smtClean="0"/>
-              <a:t>海狗的读取使用的</a:t>
-            </a:r>
-            <a:r>
-              <a:rPr lang="zh-CN" altLang="en-US" dirty="0" smtClean="0"/>
-              <a:t>是倒排文件，也</a:t>
-            </a:r>
-            <a:r>
-              <a:rPr lang="zh-CN" altLang="en-US" dirty="0" smtClean="0"/>
-              <a:t>是</a:t>
-            </a:r>
-            <a:r>
-              <a:rPr lang="zh-CN" altLang="en-US" dirty="0" smtClean="0"/>
-              <a:t>列式存储，但是读取的时候是有区别的。</a:t>
+              <a:t>海狗的读取使用的是倒排文件，也是列式存储，但是读取的时候是有区别的。</a:t>
             </a:r>
             <a:endParaRPr lang="en-US" altLang="zh-CN" dirty="0" smtClean="0"/>
           </a:p>
@@ -19981,15 +20103,7 @@
             </a:r>
             <a:r>
               <a:rPr lang="zh-CN" altLang="en-US" dirty="0" smtClean="0"/>
-              <a:t>的方式载入到内存</a:t>
-            </a:r>
-            <a:r>
-              <a:rPr lang="zh-CN" altLang="en-US" dirty="0" smtClean="0"/>
-              <a:t>，</a:t>
-            </a:r>
-            <a:r>
-              <a:rPr lang="zh-CN" altLang="en-US" dirty="0" smtClean="0"/>
-              <a:t>因当前正在查询的列在内存中，相比直接从文件读取会快，但实际上我们使用的内存并不多，接下来看我们对数据的压缩处理。</a:t>
+              <a:t>的方式载入到内存，因当前正在查询的列在内存中，相比直接从文件读取会快，但实际上我们使用的内存并不多，接下来看我们对数据的压缩处理。</a:t>
             </a:r>
             <a:endParaRPr lang="en-US" altLang="zh-CN" dirty="0" smtClean="0"/>
           </a:p>
@@ -20057,6 +20171,59 @@
           </a:p>
         </p:txBody>
       </p:sp>
+      <p:sp>
+        <p:nvSpPr>
+          <p:cNvPr id="16" name="云形标注 15"/>
+          <p:cNvSpPr/>
+          <p:nvPr/>
+        </p:nvSpPr>
+        <p:spPr>
+          <a:xfrm>
+            <a:off x="5290617" y="749554"/>
+            <a:ext cx="2809775" cy="1167278"/>
+          </a:xfrm>
+          <a:prstGeom prst="cloudCallout">
+            <a:avLst>
+              <a:gd name="adj1" fmla="val -53829"/>
+              <a:gd name="adj2" fmla="val 68379"/>
+            </a:avLst>
+          </a:prstGeom>
+        </p:spPr>
+        <p:style>
+          <a:lnRef idx="1">
+            <a:schemeClr val="accent2"/>
+          </a:lnRef>
+          <a:fillRef idx="2">
+            <a:schemeClr val="accent2"/>
+          </a:fillRef>
+          <a:effectRef idx="1">
+            <a:schemeClr val="accent2"/>
+          </a:effectRef>
+          <a:fontRef idx="minor">
+            <a:schemeClr val="dk1"/>
+          </a:fontRef>
+        </p:style>
+        <p:txBody>
+          <a:bodyPr rtlCol="0" anchor="ctr"/>
+          <a:lstStyle/>
+          <a:p>
+            <a:pPr algn="ctr"/>
+            <a:r>
+              <a:rPr lang="zh-CN" altLang="en-US" dirty="0" smtClean="0"/>
+              <a:t>不需要的列</a:t>
+            </a:r>
+            <a:endParaRPr lang="en-US" altLang="zh-CN" dirty="0" smtClean="0"/>
+          </a:p>
+          <a:p>
+            <a:pPr algn="ctr"/>
+            <a:r>
+              <a:rPr lang="zh-CN" altLang="en-US" dirty="0" smtClean="0"/>
+              <a:t>不读取</a:t>
+            </a:r>
+            <a:endParaRPr lang="zh-CN" altLang="en-US" dirty="0"/>
+          </a:p>
+        </p:txBody>
+      </p:sp>
     </p:spTree>
     <p:extLst>
       <p:ext uri="{BB962C8B-B14F-4D97-AF65-F5344CB8AC3E}">
@@ -20281,7 +20448,7 @@
                                           </p:stCondLst>
                                         </p:cTn>
                                         <p:tgtEl>
-                                          <p:spTgt spid="14"/>
+                                          <p:spTgt spid="16"/>
                                         </p:tgtEl>
                                         <p:attrNameLst>
                                           <p:attrName>style.visibility</p:attrName>
@@ -20295,7 +20462,7 @@
                                       <p:cBhvr>
                                         <p:cTn id="19" dur="500"/>
                                         <p:tgtEl>
-                                          <p:spTgt spid="14"/>
+                                          <p:spTgt spid="16"/>
                                         </p:tgtEl>
                                       </p:cBhvr>
                                     </p:animEffect>
@@ -20321,14 +20488,120 @@
                             </p:stCondLst>
                             <p:childTnLst>
                               <p:par>
-                                <p:cTn id="22" presetID="42" presetClass="entr" presetSubtype="0" fill="hold" nodeType="clickEffect">
+                                <p:cTn id="22" presetID="16" presetClass="exit" presetSubtype="21" fill="hold" grpId="1" nodeType="clickEffect">
+                                  <p:stCondLst>
+                                    <p:cond delay="0"/>
+                                  </p:stCondLst>
+                                  <p:childTnLst>
+                                    <p:animEffect transition="out" filter="barn(inVertical)">
+                                      <p:cBhvr>
+                                        <p:cTn id="23" dur="500"/>
+                                        <p:tgtEl>
+                                          <p:spTgt spid="16"/>
+                                        </p:tgtEl>
+                                      </p:cBhvr>
+                                    </p:animEffect>
+                                    <p:set>
+                                      <p:cBhvr>
+                                        <p:cTn id="24" dur="1" fill="hold">
+                                          <p:stCondLst>
+                                            <p:cond delay="499"/>
+                                          </p:stCondLst>
+                                        </p:cTn>
+                                        <p:tgtEl>
+                                          <p:spTgt spid="16"/>
+                                        </p:tgtEl>
+                                        <p:attrNameLst>
+                                          <p:attrName>style.visibility</p:attrName>
+                                        </p:attrNameLst>
+                                      </p:cBhvr>
+                                      <p:to>
+                                        <p:strVal val="hidden"/>
+                                      </p:to>
+                                    </p:set>
+                                  </p:childTnLst>
+                                </p:cTn>
+                              </p:par>
+                            </p:childTnLst>
+                          </p:cTn>
+                        </p:par>
+                      </p:childTnLst>
+                    </p:cTn>
+                  </p:par>
+                  <p:par>
+                    <p:cTn id="25" fill="hold">
+                      <p:stCondLst>
+                        <p:cond delay="indefinite"/>
+                      </p:stCondLst>
+                      <p:childTnLst>
+                        <p:par>
+                          <p:cTn id="26" fill="hold">
+                            <p:stCondLst>
+                              <p:cond delay="0"/>
+                            </p:stCondLst>
+                            <p:childTnLst>
+                              <p:par>
+                                <p:cTn id="27" presetID="16" presetClass="entr" presetSubtype="21" fill="hold" grpId="0" nodeType="clickEffect">
                                   <p:stCondLst>
                                     <p:cond delay="0"/>
                                   </p:stCondLst>
                                   <p:childTnLst>
                                     <p:set>
                                       <p:cBhvr>
-                                        <p:cTn id="23" dur="1" fill="hold">
+                                        <p:cTn id="28" dur="1" fill="hold">
+                                          <p:stCondLst>
+                                            <p:cond delay="0"/>
+                                          </p:stCondLst>
+                                        </p:cTn>
+                                        <p:tgtEl>
+                                          <p:spTgt spid="14"/>
+                                        </p:tgtEl>
+                                        <p:attrNameLst>
+                                          <p:attrName>style.visibility</p:attrName>
+                                        </p:attrNameLst>
+                                      </p:cBhvr>
+                                      <p:to>
+                                        <p:strVal val="visible"/>
+                                      </p:to>
+                                    </p:set>
+                                    <p:animEffect transition="in" filter="barn(inVertical)">
+                                      <p:cBhvr>
+                                        <p:cTn id="29" dur="500"/>
+                                        <p:tgtEl>
+                                          <p:spTgt spid="14"/>
+                                        </p:tgtEl>
+                                      </p:cBhvr>
+                                    </p:animEffect>
+                                  </p:childTnLst>
+                                </p:cTn>
+                              </p:par>
+                            </p:childTnLst>
+                          </p:cTn>
+                        </p:par>
+                      </p:childTnLst>
+                    </p:cTn>
+                  </p:par>
+                  <p:par>
+                    <p:cTn id="30" fill="hold">
+                      <p:stCondLst>
+                        <p:cond delay="indefinite"/>
+                      </p:stCondLst>
+                      <p:childTnLst>
+                        <p:par>
+                          <p:cTn id="31" fill="hold">
+                            <p:stCondLst>
+                              <p:cond delay="0"/>
+                            </p:stCondLst>
+                            <p:childTnLst>
+                              <p:par>
+                                <p:cTn id="32" presetID="42" presetClass="entr" presetSubtype="0" fill="hold" nodeType="clickEffect">
+                                  <p:stCondLst>
+                                    <p:cond delay="0"/>
+                                  </p:stCondLst>
+                                  <p:childTnLst>
+                                    <p:set>
+                                      <p:cBhvr>
+                                        <p:cTn id="33" dur="1" fill="hold">
                                           <p:stCondLst>
                                             <p:cond delay="0"/>
                                           </p:stCondLst>
@@ -20350,7 +20623,7 @@
                                     </p:set>
                                     <p:animEffect transition="in" filter="fade">
                                       <p:cBhvr>
-                                        <p:cTn id="24" dur="1000"/>
+                                        <p:cTn id="34" dur="1000"/>
                                         <p:tgtEl>
                                           <p:spTgt spid="14">
                                             <p:txEl>
@@ -20362,7 +20635,7 @@
                                     </p:animEffect>
                                     <p:anim calcmode="lin" valueType="num">
                                       <p:cBhvr>
-                                        <p:cTn id="25" dur="1000" fill="hold"/>
+                                        <p:cTn id="35" dur="1000" fill="hold"/>
                                         <p:tgtEl>
                                           <p:spTgt spid="14">
                                             <p:txEl>
@@ -20389,7 +20662,7 @@
                                     </p:anim>
                                     <p:anim calcmode="lin" valueType="num">
                                       <p:cBhvr>
-                                        <p:cTn id="26" dur="1000" fill="hold"/>
+                                        <p:cTn id="36" dur="1000" fill="hold"/>
                                         <p:tgtEl>
                                           <p:spTgt spid="14">
                                             <p:txEl>
@@ -20424,26 +20697,26 @@
                     </p:cTn>
                   </p:par>
                   <p:par>
-                    <p:cTn id="27" fill="hold">
+                    <p:cTn id="37" fill="hold">
                       <p:stCondLst>
                         <p:cond delay="indefinite"/>
                       </p:stCondLst>
                       <p:childTnLst>
                         <p:par>
-                          <p:cTn id="28" fill="hold">
+                          <p:cTn id="38" fill="hold">
                             <p:stCondLst>
                               <p:cond delay="0"/>
                             </p:stCondLst>
                             <p:childTnLst>
                               <p:par>
-                                <p:cTn id="29" presetID="42" presetClass="entr" presetSubtype="0" fill="hold" nodeType="clickEffect">
+                                <p:cTn id="39" presetID="42" presetClass="entr" presetSubtype="0" fill="hold" nodeType="clickEffect">
                                   <p:stCondLst>
                                     <p:cond delay="0"/>
                                   </p:stCondLst>
                                   <p:childTnLst>
                                     <p:set>
                                       <p:cBhvr>
-                                        <p:cTn id="30" dur="1" fill="hold">
+                                        <p:cTn id="40" dur="1" fill="hold">
                                           <p:stCondLst>
                                             <p:cond delay="0"/>
                                           </p:stCondLst>
@@ -20465,7 +20738,7 @@
                                     </p:set>
                                     <p:animEffect transition="in" filter="fade">
                                       <p:cBhvr>
-                                        <p:cTn id="31" dur="1000"/>
+                                        <p:cTn id="41" dur="1000"/>
                                         <p:tgtEl>
                                           <p:spTgt spid="14">
                                             <p:txEl>
@@ -20477,7 +20750,7 @@
                                     </p:animEffect>
                                     <p:anim calcmode="lin" valueType="num">
                                       <p:cBhvr>
-                                        <p:cTn id="32" dur="1000" fill="hold"/>
+                                        <p:cTn id="42" dur="1000" fill="hold"/>
                                         <p:tgtEl>
                                           <p:spTgt spid="14">
                                             <p:txEl>
@@ -20504,7 +20777,7 @@
                                     </p:anim>
                                     <p:anim calcmode="lin" valueType="num">
                                       <p:cBhvr>
-                                        <p:cTn id="33" dur="1000" fill="hold"/>
+                                        <p:cTn id="43" dur="1000" fill="hold"/>
                                         <p:tgtEl>
                                           <p:spTgt spid="14">
                                             <p:txEl>
@@ -20539,26 +20812,26 @@
                     </p:cTn>
                   </p:par>
                   <p:par>
-                    <p:cTn id="34" fill="hold">
+                    <p:cTn id="44" fill="hold">
                       <p:stCondLst>
                         <p:cond delay="indefinite"/>
                       </p:stCondLst>
                       <p:childTnLst>
                         <p:par>
-                          <p:cTn id="35" fill="hold">
+                          <p:cTn id="45" fill="hold">
                             <p:stCondLst>
                               <p:cond delay="0"/>
                             </p:stCondLst>
                             <p:childTnLst>
                               <p:par>
-                                <p:cTn id="36" presetID="16" presetClass="entr" presetSubtype="21" fill="hold" grpId="0" nodeType="clickEffect">
+                                <p:cTn id="46" presetID="16" presetClass="entr" presetSubtype="21" fill="hold" grpId="0" nodeType="clickEffect">
                                   <p:stCondLst>
                                     <p:cond delay="0"/>
                                   </p:stCondLst>
                                   <p:childTnLst>
                                     <p:set>
                                       <p:cBhvr>
-                                        <p:cTn id="37" dur="1" fill="hold">
+                                        <p:cTn id="47" dur="1" fill="hold">
                                           <p:stCondLst>
                                             <p:cond delay="0"/>
                                           </p:stCondLst>
@@ -20576,7 +20849,7 @@
                                     </p:set>
                                     <p:animEffect transition="in" filter="barn(inVertical)">
                                       <p:cBhvr>
-                                        <p:cTn id="38" dur="500"/>
+                                        <p:cTn id="48" dur="500"/>
                                         <p:tgtEl>
                                           <p:spTgt spid="19"/>
                                         </p:tgtEl>
@@ -20586,14 +20859,14 @@
                                 </p:cTn>
                               </p:par>
                               <p:par>
-                                <p:cTn id="39" presetID="16" presetClass="entr" presetSubtype="21" fill="hold" grpId="0" nodeType="withEffect">
+                                <p:cTn id="49" presetID="16" presetClass="entr" presetSubtype="21" fill="hold" grpId="0" nodeType="withEffect">
                                   <p:stCondLst>
                                     <p:cond delay="0"/>
                                   </p:stCondLst>
                                   <p:childTnLst>
                                     <p:set>
                                       <p:cBhvr>
-                                        <p:cTn id="40" dur="1" fill="hold">
+                                        <p:cTn id="50" dur="1" fill="hold">
                                           <p:stCondLst>
                                             <p:cond delay="0"/>
                                           </p:stCondLst>
@@ -20611,7 +20884,7 @@
                                     </p:set>
                                     <p:animEffect transition="in" filter="barn(inVertical)">
                                       <p:cBhvr>
-                                        <p:cTn id="41" dur="500"/>
+                                        <p:cTn id="51" dur="500"/>
                                         <p:tgtEl>
                                           <p:spTgt spid="17"/>
                                         </p:tgtEl>
@@ -20627,26 +20900,26 @@
                     </p:cTn>
                   </p:par>
                   <p:par>
-                    <p:cTn id="42" fill="hold">
+                    <p:cTn id="52" fill="hold">
                       <p:stCondLst>
                         <p:cond delay="indefinite"/>
                       </p:stCondLst>
                       <p:childTnLst>
                         <p:par>
-                          <p:cTn id="43" fill="hold">
+                          <p:cTn id="53" fill="hold">
                             <p:stCondLst>
                               <p:cond delay="0"/>
                             </p:stCondLst>
                             <p:childTnLst>
                               <p:par>
-                                <p:cTn id="44" presetID="42" presetClass="entr" presetSubtype="0" fill="hold" nodeType="clickEffect">
+                                <p:cTn id="54" presetID="42" presetClass="entr" presetSubtype="0" fill="hold" nodeType="clickEffect">
                                   <p:stCondLst>
                                     <p:cond delay="0"/>
                                   </p:stCondLst>
                                   <p:childTnLst>
                                     <p:set>
                                       <p:cBhvr>
-                                        <p:cTn id="45" dur="1" fill="hold">
+                                        <p:cTn id="55" dur="1" fill="hold">
                                           <p:stCondLst>
                                             <p:cond delay="0"/>
                                           </p:stCondLst>
@@ -20668,7 +20941,7 @@
                                     </p:set>
                                     <p:animEffect transition="in" filter="fade">
                                       <p:cBhvr>
-                                        <p:cTn id="46" dur="1000"/>
+                                        <p:cTn id="56" dur="1000"/>
                                         <p:tgtEl>
                                           <p:spTgt spid="14">
                                             <p:txEl>
@@ -20680,7 +20953,7 @@
                                     </p:animEffect>
                                     <p:anim calcmode="lin" valueType="num">
                                       <p:cBhvr>
-                                        <p:cTn id="47" dur="1000" fill="hold"/>
+                                        <p:cTn id="57" dur="1000" fill="hold"/>
                                         <p:tgtEl>
                                           <p:spTgt spid="14">
                                             <p:txEl>
@@ -20707,7 +20980,7 @@
                                     </p:anim>
                                     <p:anim calcmode="lin" valueType="num">
                                       <p:cBhvr>
-                                        <p:cTn id="48" dur="1000" fill="hold"/>
+                                        <p:cTn id="58" dur="1000" fill="hold"/>
                                         <p:tgtEl>
                                           <p:spTgt spid="14">
                                             <p:txEl>
@@ -20742,26 +21015,26 @@
                     </p:cTn>
                   </p:par>
                   <p:par>
-                    <p:cTn id="49" fill="hold">
+                    <p:cTn id="59" fill="hold">
                       <p:stCondLst>
                         <p:cond delay="indefinite"/>
                       </p:stCondLst>
                       <p:childTnLst>
                         <p:par>
-                          <p:cTn id="50" fill="hold">
+                          <p:cTn id="60" fill="hold">
                             <p:stCondLst>
                               <p:cond delay="0"/>
                             </p:stCondLst>
                             <p:childTnLst>
                               <p:par>
-                                <p:cTn id="51" presetID="16" presetClass="exit" presetSubtype="21" fill="hold" grpId="1" nodeType="clickEffect">
+                                <p:cTn id="61" presetID="16" presetClass="exit" presetSubtype="21" fill="hold" grpId="1" nodeType="clickEffect">
                                   <p:stCondLst>
                                     <p:cond delay="0"/>
                                   </p:stCondLst>
                                   <p:childTnLst>
                                     <p:animEffect transition="out" filter="barn(inVertical)">
                                       <p:cBhvr>
-                                        <p:cTn id="52" dur="500"/>
+                                        <p:cTn id="62" dur="500"/>
                                         <p:tgtEl>
                                           <p:spTgt spid="14"/>
                                         </p:tgtEl>
@@ -20769,7 +21042,7 @@
                                     </p:animEffect>
                                     <p:set>
                                       <p:cBhvr>
-                                        <p:cTn id="53" dur="1" fill="hold">
+                                        <p:cTn id="63" dur="1" fill="hold">
                                           <p:stCondLst>
                                             <p:cond delay="499"/>
                                           </p:stCondLst>
@@ -20789,14 +21062,14 @@
                                 </p:cTn>
                               </p:par>
                               <p:par>
-                                <p:cTn id="54" presetID="16" presetClass="exit" presetSubtype="21" fill="hold" grpId="1" nodeType="withEffect">
+                                <p:cTn id="64" presetID="16" presetClass="exit" presetSubtype="21" fill="hold" grpId="1" nodeType="withEffect">
                                   <p:stCondLst>
                                     <p:cond delay="0"/>
                                   </p:stCondLst>
                                   <p:childTnLst>
                                     <p:animEffect transition="out" filter="barn(inVertical)">
                                       <p:cBhvr>
-                                        <p:cTn id="55" dur="500"/>
+                                        <p:cTn id="65" dur="500"/>
                                         <p:tgtEl>
                                           <p:spTgt spid="19"/>
                                         </p:tgtEl>
@@ -20804,7 +21077,7 @@
                                     </p:animEffect>
                                     <p:set>
                                       <p:cBhvr>
-                                        <p:cTn id="56" dur="1" fill="hold">
+                                        <p:cTn id="66" dur="1" fill="hold">
                                           <p:stCondLst>
                                             <p:cond delay="499"/>
                                           </p:stCondLst>
@@ -20824,14 +21097,14 @@
                                 </p:cTn>
                               </p:par>
                               <p:par>
-                                <p:cTn id="57" presetID="16" presetClass="exit" presetSubtype="21" fill="hold" grpId="1" nodeType="withEffect">
+                                <p:cTn id="67" presetID="16" presetClass="exit" presetSubtype="21" fill="hold" grpId="1" nodeType="withEffect">
                                   <p:stCondLst>
                                     <p:cond delay="0"/>
                                   </p:stCondLst>
                                   <p:childTnLst>
                                     <p:animEffect transition="out" filter="barn(inVertical)">
                                       <p:cBhvr>
-                                        <p:cTn id="58" dur="500"/>
+                                        <p:cTn id="68" dur="500"/>
                                         <p:tgtEl>
                                           <p:spTgt spid="17"/>
                                         </p:tgtEl>
@@ -20839,7 +21112,7 @@
                                     </p:animEffect>
                                     <p:set>
                                       <p:cBhvr>
-                                        <p:cTn id="59" dur="1" fill="hold">
+                                        <p:cTn id="69" dur="1" fill="hold">
                                           <p:stCondLst>
                                             <p:cond delay="499"/>
                                           </p:stCondLst>
@@ -20859,14 +21132,14 @@
                                 </p:cTn>
                               </p:par>
                               <p:par>
-                                <p:cTn id="60" presetID="16" presetClass="exit" presetSubtype="21" fill="hold" nodeType="withEffect">
+                                <p:cTn id="70" presetID="16" presetClass="exit" presetSubtype="21" fill="hold" nodeType="withEffect">
                                   <p:stCondLst>
                                     <p:cond delay="0"/>
                                   </p:stCondLst>
                                   <p:childTnLst>
                                     <p:animEffect transition="out" filter="barn(inVertical)">
                                       <p:cBhvr>
-                                        <p:cTn id="61" dur="500"/>
+                                        <p:cTn id="71" dur="500"/>
                                         <p:tgtEl>
                                           <p:spTgt spid="14">
                                             <p:txEl>
@@ -20878,7 +21151,7 @@
                                     </p:animEffect>
                                     <p:set>
                                       <p:cBhvr>
-                                        <p:cTn id="62" dur="1" fill="hold">
+                                        <p:cTn id="72" dur="1" fill="hold">
                                           <p:stCondLst>
                                             <p:cond delay="499"/>
                                           </p:stCondLst>
@@ -20902,14 +21175,14 @@
                                 </p:cTn>
                               </p:par>
                               <p:par>
-                                <p:cTn id="63" presetID="16" presetClass="exit" presetSubtype="21" fill="hold" nodeType="withEffect">
+                                <p:cTn id="73" presetID="16" presetClass="exit" presetSubtype="21" fill="hold" nodeType="withEffect">
                                   <p:stCondLst>
                                     <p:cond delay="0"/>
                                   </p:stCondLst>
                                   <p:childTnLst>
                                     <p:animEffect transition="out" filter="barn(inVertical)">
                                       <p:cBhvr>
-                                        <p:cTn id="64" dur="500"/>
+                                        <p:cTn id="74" dur="500"/>
                                         <p:tgtEl>
                                           <p:spTgt spid="14">
                                             <p:txEl>
@@ -20921,7 +21194,7 @@
                                     </p:animEffect>
                                     <p:set>
                                       <p:cBhvr>
-                                        <p:cTn id="65" dur="1" fill="hold">
+                                        <p:cTn id="75" dur="1" fill="hold">
                                           <p:stCondLst>
                                             <p:cond delay="499"/>
                                           </p:stCondLst>
@@ -20945,14 +21218,14 @@
                                 </p:cTn>
                               </p:par>
                               <p:par>
-                                <p:cTn id="66" presetID="16" presetClass="exit" presetSubtype="21" fill="hold" nodeType="withEffect">
+                                <p:cTn id="76" presetID="16" presetClass="exit" presetSubtype="21" fill="hold" nodeType="withEffect">
                                   <p:stCondLst>
                                     <p:cond delay="0"/>
                                   </p:stCondLst>
                                   <p:childTnLst>
                                     <p:animEffect transition="out" filter="barn(inVertical)">
                                       <p:cBhvr>
-                                        <p:cTn id="67" dur="500"/>
+                                        <p:cTn id="77" dur="500"/>
                                         <p:tgtEl>
                                           <p:spTgt spid="14">
                                             <p:txEl>
@@ -20964,7 +21237,7 @@
                                     </p:animEffect>
                                     <p:set>
                                       <p:cBhvr>
-                                        <p:cTn id="68" dur="1" fill="hold">
+                                        <p:cTn id="78" dur="1" fill="hold">
                                           <p:stCondLst>
                                             <p:cond delay="499"/>
                                           </p:stCondLst>
@@ -20994,26 +21267,26 @@
                     </p:cTn>
                   </p:par>
                   <p:par>
-                    <p:cTn id="69" fill="hold">
+                    <p:cTn id="79" fill="hold">
                       <p:stCondLst>
                         <p:cond delay="indefinite"/>
                       </p:stCondLst>
                       <p:childTnLst>
                         <p:par>
-                          <p:cTn id="70" fill="hold">
+                          <p:cTn id="80" fill="hold">
                             <p:stCondLst>
                               <p:cond delay="0"/>
                             </p:stCondLst>
                             <p:childTnLst>
                               <p:par>
-                                <p:cTn id="71" presetID="42" presetClass="entr" presetSubtype="0" fill="hold" nodeType="clickEffect">
+                                <p:cTn id="81" presetID="42" presetClass="entr" presetSubtype="0" fill="hold" nodeType="clickEffect">
                                   <p:stCondLst>
                                     <p:cond delay="0"/>
                                   </p:stCondLst>
                                   <p:childTnLst>
                                     <p:set>
                                       <p:cBhvr>
-                                        <p:cTn id="72" dur="1" fill="hold">
+                                        <p:cTn id="82" dur="1" fill="hold">
                                           <p:stCondLst>
                                             <p:cond delay="0"/>
                                           </p:stCondLst>
@@ -21035,7 +21308,7 @@
                                     </p:set>
                                     <p:animEffect transition="in" filter="fade">
                                       <p:cBhvr>
-                                        <p:cTn id="73" dur="1000"/>
+                                        <p:cTn id="83" dur="1000"/>
                                         <p:tgtEl>
                                           <p:spTgt spid="10">
                                             <p:txEl>
@@ -21047,7 +21320,7 @@
                                     </p:animEffect>
                                     <p:anim calcmode="lin" valueType="num">
                                       <p:cBhvr>
-                                        <p:cTn id="74" dur="1000" fill="hold"/>
+                                        <p:cTn id="84" dur="1000" fill="hold"/>
                                         <p:tgtEl>
                                           <p:spTgt spid="10">
                                             <p:txEl>
@@ -21074,7 +21347,7 @@
                                     </p:anim>
                                     <p:anim calcmode="lin" valueType="num">
                                       <p:cBhvr>
-                                        <p:cTn id="75" dur="1000" fill="hold"/>
+                                        <p:cTn id="85" dur="1000" fill="hold"/>
                                         <p:tgtEl>
                                           <p:spTgt spid="10">
                                             <p:txEl>
@@ -21109,26 +21382,26 @@
                     </p:cTn>
                   </p:par>
                   <p:par>
-                    <p:cTn id="76" fill="hold">
+                    <p:cTn id="86" fill="hold">
                       <p:stCondLst>
                         <p:cond delay="indefinite"/>
                       </p:stCondLst>
                       <p:childTnLst>
                         <p:par>
-                          <p:cTn id="77" fill="hold">
+                          <p:cTn id="87" fill="hold">
                             <p:stCondLst>
                               <p:cond delay="0"/>
                             </p:stCondLst>
                             <p:childTnLst>
                               <p:par>
-                                <p:cTn id="78" presetID="16" presetClass="entr" presetSubtype="21" fill="hold" grpId="0" nodeType="clickEffect">
+                                <p:cTn id="88" presetID="16" presetClass="entr" presetSubtype="21" fill="hold" grpId="0" nodeType="clickEffect">
                                   <p:stCondLst>
                                     <p:cond delay="0"/>
                                   </p:stCondLst>
                                   <p:childTnLst>
                                     <p:set>
                                       <p:cBhvr>
-                                        <p:cTn id="79" dur="1" fill="hold">
+                                        <p:cTn id="89" dur="1" fill="hold">
                                           <p:stCondLst>
                                             <p:cond delay="0"/>
                                           </p:stCondLst>
@@ -21146,7 +21419,7 @@
                                     </p:set>
                                     <p:animEffect transition="in" filter="barn(inVertical)">
                                       <p:cBhvr>
-                                        <p:cTn id="80" dur="500"/>
+                                        <p:cTn id="90" dur="500"/>
                                         <p:tgtEl>
                                           <p:spTgt spid="11"/>
                                         </p:tgtEl>
@@ -21156,14 +21429,14 @@
                                 </p:cTn>
                               </p:par>
                               <p:par>
-                                <p:cTn id="81" presetID="16" presetClass="entr" presetSubtype="21" fill="hold" grpId="0" nodeType="withEffect">
+                                <p:cTn id="91" presetID="16" presetClass="entr" presetSubtype="21" fill="hold" grpId="0" nodeType="withEffect">
                                   <p:stCondLst>
                                     <p:cond delay="0"/>
                                   </p:stCondLst>
                                   <p:childTnLst>
                                     <p:set>
                                       <p:cBhvr>
-                                        <p:cTn id="82" dur="1" fill="hold">
+                                        <p:cTn id="92" dur="1" fill="hold">
                                           <p:stCondLst>
                                             <p:cond delay="0"/>
                                           </p:stCondLst>
@@ -21181,7 +21454,7 @@
                                     </p:set>
                                     <p:animEffect transition="in" filter="barn(inVertical)">
                                       <p:cBhvr>
-                                        <p:cTn id="83" dur="500"/>
+                                        <p:cTn id="93" dur="500"/>
                                         <p:tgtEl>
                                           <p:spTgt spid="3"/>
                                         </p:tgtEl>
@@ -21197,26 +21470,26 @@
                     </p:cTn>
                   </p:par>
                   <p:par>
-                    <p:cTn id="84" fill="hold">
+                    <p:cTn id="94" fill="hold">
                       <p:stCondLst>
                         <p:cond delay="indefinite"/>
                       </p:stCondLst>
                       <p:childTnLst>
                         <p:par>
-                          <p:cTn id="85" fill="hold">
+                          <p:cTn id="95" fill="hold">
                             <p:stCondLst>
                               <p:cond delay="0"/>
                             </p:stCondLst>
                             <p:childTnLst>
                               <p:par>
-                                <p:cTn id="86" presetID="16" presetClass="exit" presetSubtype="21" fill="hold" grpId="1" nodeType="clickEffect">
+                                <p:cTn id="96" presetID="16" presetClass="exit" presetSubtype="21" fill="hold" grpId="1" nodeType="clickEffect">
                                   <p:stCondLst>
                                     <p:cond delay="0"/>
                                   </p:stCondLst>
                                   <p:childTnLst>
                                     <p:animEffect transition="out" filter="barn(inVertical)">
                                       <p:cBhvr>
-                                        <p:cTn id="87" dur="500"/>
+                                        <p:cTn id="97" dur="500"/>
                                         <p:tgtEl>
                                           <p:spTgt spid="11"/>
                                         </p:tgtEl>
@@ -21224,7 +21497,7 @@
                                     </p:animEffect>
                                     <p:set>
                                       <p:cBhvr>
-                                        <p:cTn id="88" dur="1" fill="hold">
+                                        <p:cTn id="98" dur="1" fill="hold">
                                           <p:stCondLst>
                                             <p:cond delay="499"/>
                                           </p:stCondLst>
@@ -21244,14 +21517,14 @@
                                 </p:cTn>
                               </p:par>
                               <p:par>
-                                <p:cTn id="89" presetID="16" presetClass="exit" presetSubtype="21" fill="hold" grpId="1" nodeType="withEffect">
+                                <p:cTn id="99" presetID="16" presetClass="exit" presetSubtype="21" fill="hold" grpId="1" nodeType="withEffect">
                                   <p:stCondLst>
                                     <p:cond delay="0"/>
                                   </p:stCondLst>
                                   <p:childTnLst>
                                     <p:animEffect transition="out" filter="barn(inVertical)">
                                       <p:cBhvr>
-                                        <p:cTn id="90" dur="500"/>
+                                        <p:cTn id="100" dur="500"/>
                                         <p:tgtEl>
                                           <p:spTgt spid="3"/>
                                         </p:tgtEl>
@@ -21259,7 +21532,7 @@
                                     </p:animEffect>
                                     <p:set>
                                       <p:cBhvr>
-                                        <p:cTn id="91" dur="1" fill="hold">
+                                        <p:cTn id="101" dur="1" fill="hold">
                                           <p:stCondLst>
                                             <p:cond delay="499"/>
                                           </p:stCondLst>
@@ -21285,26 +21558,26 @@
                     </p:cTn>
                   </p:par>
                   <p:par>
-                    <p:cTn id="92" fill="hold">
+                    <p:cTn id="102" fill="hold">
                       <p:stCondLst>
                         <p:cond delay="indefinite"/>
                       </p:stCondLst>
                       <p:childTnLst>
                         <p:par>
-                          <p:cTn id="93" fill="hold">
+                          <p:cTn id="103" fill="hold">
                             <p:stCondLst>
                               <p:cond delay="0"/>
                             </p:stCondLst>
                             <p:childTnLst>
                               <p:par>
-                                <p:cTn id="94" presetID="42" presetClass="entr" presetSubtype="0" fill="hold" nodeType="clickEffect">
+                                <p:cTn id="104" presetID="42" presetClass="entr" presetSubtype="0" fill="hold" nodeType="clickEffect">
                                   <p:stCondLst>
                                     <p:cond delay="0"/>
                                   </p:stCondLst>
                                   <p:childTnLst>
                                     <p:set>
                                       <p:cBhvr>
-                                        <p:cTn id="95" dur="1" fill="hold">
+                                        <p:cTn id="105" dur="1" fill="hold">
                                           <p:stCondLst>
                                             <p:cond delay="0"/>
                                           </p:stCondLst>
@@ -21326,7 +21599,7 @@
                                     </p:set>
                                     <p:animEffect transition="in" filter="fade">
                                       <p:cBhvr>
-                                        <p:cTn id="96" dur="1000"/>
+                                        <p:cTn id="106" dur="1000"/>
                                         <p:tgtEl>
                                           <p:spTgt spid="10">
                                             <p:txEl>
@@ -21338,7 +21611,7 @@
                                     </p:animEffect>
                                     <p:anim calcmode="lin" valueType="num">
                                       <p:cBhvr>
-                                        <p:cTn id="97" dur="1000" fill="hold"/>
+                                        <p:cTn id="107" dur="1000" fill="hold"/>
                                         <p:tgtEl>
                                           <p:spTgt spid="10">
                                             <p:txEl>
@@ -21365,7 +21638,7 @@
                                     </p:anim>
                                     <p:anim calcmode="lin" valueType="num">
                                       <p:cBhvr>
-                                        <p:cTn id="98" dur="1000" fill="hold"/>
+                                        <p:cTn id="108" dur="1000" fill="hold"/>
                                         <p:tgtEl>
                                           <p:spTgt spid="10">
                                             <p:txEl>
@@ -21400,26 +21673,26 @@
                     </p:cTn>
                   </p:par>
                   <p:par>
-                    <p:cTn id="99" fill="hold">
+                    <p:cTn id="109" fill="hold">
                       <p:stCondLst>
                         <p:cond delay="indefinite"/>
                       </p:stCondLst>
                       <p:childTnLst>
                         <p:par>
-                          <p:cTn id="100" fill="hold">
+                          <p:cTn id="110" fill="hold">
                             <p:stCondLst>
                               <p:cond delay="0"/>
                             </p:stCondLst>
                             <p:childTnLst>
                               <p:par>
-                                <p:cTn id="101" presetID="16" presetClass="entr" presetSubtype="21" fill="hold" grpId="0" nodeType="clickEffect">
+                                <p:cTn id="111" presetID="16" presetClass="entr" presetSubtype="21" fill="hold" grpId="0" nodeType="clickEffect">
                                   <p:stCondLst>
                                     <p:cond delay="0"/>
                                   </p:stCondLst>
                                   <p:childTnLst>
                                     <p:set>
                                       <p:cBhvr>
-                                        <p:cTn id="102" dur="1" fill="hold">
+                                        <p:cTn id="112" dur="1" fill="hold">
                                           <p:stCondLst>
                                             <p:cond delay="0"/>
                                           </p:stCondLst>
@@ -21437,7 +21710,7 @@
                                     </p:set>
                                     <p:animEffect transition="in" filter="barn(inVertical)">
                                       <p:cBhvr>
-                                        <p:cTn id="103" dur="500"/>
+                                        <p:cTn id="113" dur="500"/>
                                         <p:tgtEl>
                                           <p:spTgt spid="13"/>
                                         </p:tgtEl>
@@ -21453,26 +21726,26 @@
                     </p:cTn>
                   </p:par>
                   <p:par>
-                    <p:cTn id="104" fill="hold">
+                    <p:cTn id="114" fill="hold">
                       <p:stCondLst>
                         <p:cond delay="indefinite"/>
                       </p:stCondLst>
                       <p:childTnLst>
                         <p:par>
-                          <p:cTn id="105" fill="hold">
+                          <p:cTn id="115" fill="hold">
                             <p:stCondLst>
                               <p:cond delay="0"/>
                             </p:stCondLst>
                             <p:childTnLst>
                               <p:par>
-                                <p:cTn id="106" presetID="22" presetClass="exit" presetSubtype="4" fill="hold" grpId="1" nodeType="clickEffect">
+                                <p:cTn id="116" presetID="22" presetClass="exit" presetSubtype="4" fill="hold" grpId="1" nodeType="clickEffect">
                                   <p:stCondLst>
                                     <p:cond delay="0"/>
                                   </p:stCondLst>
                                   <p:childTnLst>
                                     <p:animEffect transition="out" filter="wipe(down)">
                                       <p:cBhvr>
-                                        <p:cTn id="107" dur="500"/>
+                                        <p:cTn id="117" dur="500"/>
                                         <p:tgtEl>
                                           <p:spTgt spid="13"/>
                                         </p:tgtEl>
@@ -21480,7 +21753,7 @@
                                     </p:animEffect>
                                     <p:set>
                                       <p:cBhvr>
-                                        <p:cTn id="108" dur="1" fill="hold">
+                                        <p:cTn id="118" dur="1" fill="hold">
                                           <p:stCondLst>
                                             <p:cond delay="499"/>
                                           </p:stCondLst>
@@ -21506,26 +21779,26 @@
                     </p:cTn>
                   </p:par>
                   <p:par>
-                    <p:cTn id="109" fill="hold">
+                    <p:cTn id="119" fill="hold">
                       <p:stCondLst>
                         <p:cond delay="indefinite"/>
                       </p:stCondLst>
                       <p:childTnLst>
                         <p:par>
-                          <p:cTn id="110" fill="hold">
+                          <p:cTn id="120" fill="hold">
                             <p:stCondLst>
                               <p:cond delay="0"/>
                             </p:stCondLst>
                             <p:childTnLst>
                               <p:par>
-                                <p:cTn id="111" presetID="42" presetClass="entr" presetSubtype="0" fill="hold" nodeType="clickEffect">
+                                <p:cTn id="121" presetID="42" presetClass="entr" presetSubtype="0" fill="hold" nodeType="clickEffect">
                                   <p:stCondLst>
                                     <p:cond delay="0"/>
                                   </p:stCondLst>
                                   <p:childTnLst>
                                     <p:set>
                                       <p:cBhvr>
-                                        <p:cTn id="112" dur="1" fill="hold">
+                                        <p:cTn id="122" dur="1" fill="hold">
                                           <p:stCondLst>
                                             <p:cond delay="0"/>
                                           </p:stCondLst>
@@ -21547,7 +21820,7 @@
                                     </p:set>
                                     <p:animEffect transition="in" filter="fade">
                                       <p:cBhvr>
-                                        <p:cTn id="113" dur="1000"/>
+                                        <p:cTn id="123" dur="1000"/>
                                         <p:tgtEl>
                                           <p:spTgt spid="10">
                                             <p:txEl>
@@ -21559,7 +21832,7 @@
                                     </p:animEffect>
                                     <p:anim calcmode="lin" valueType="num">
                                       <p:cBhvr>
-                                        <p:cTn id="114" dur="1000" fill="hold"/>
+                                        <p:cTn id="124" dur="1000" fill="hold"/>
                                         <p:tgtEl>
                                           <p:spTgt spid="10">
                                             <p:txEl>
@@ -21586,7 +21859,7 @@
                                     </p:anim>
                                     <p:anim calcmode="lin" valueType="num">
                                       <p:cBhvr>
-                                        <p:cTn id="115" dur="1000" fill="hold"/>
+                                        <p:cTn id="125" dur="1000" fill="hold"/>
                                         <p:tgtEl>
                                           <p:spTgt spid="10">
                                             <p:txEl>
@@ -21621,26 +21894,26 @@
                     </p:cTn>
                   </p:par>
                   <p:par>
-                    <p:cTn id="116" fill="hold">
+                    <p:cTn id="126" fill="hold">
                       <p:stCondLst>
                         <p:cond delay="indefinite"/>
                       </p:stCondLst>
                       <p:childTnLst>
                         <p:par>
-                          <p:cTn id="117" fill="hold">
+                          <p:cTn id="127" fill="hold">
                             <p:stCondLst>
                               <p:cond delay="0"/>
                             </p:stCondLst>
                             <p:childTnLst>
                               <p:par>
-                                <p:cTn id="118" presetID="42" presetClass="entr" presetSubtype="0" fill="hold" grpId="0" nodeType="clickEffect">
+                                <p:cTn id="128" presetID="42" presetClass="entr" presetSubtype="0" fill="hold" grpId="0" nodeType="clickEffect">
                                   <p:stCondLst>
                                     <p:cond delay="0"/>
                                   </p:stCondLst>
                                   <p:childTnLst>
                                     <p:set>
                                       <p:cBhvr>
-                                        <p:cTn id="119" dur="1" fill="hold">
+                                        <p:cTn id="129" dur="1" fill="hold">
                                           <p:stCondLst>
                                             <p:cond delay="0"/>
                                           </p:stCondLst>
@@ -21658,7 +21931,7 @@
                                     </p:set>
                                     <p:animEffect transition="in" filter="fade">
                                       <p:cBhvr>
-                                        <p:cTn id="120" dur="1000"/>
+                                        <p:cTn id="130" dur="1000"/>
                                         <p:tgtEl>
                                           <p:spTgt spid="15"/>
                                         </p:tgtEl>
@@ -21666,7 +21939,7 @@
                                     </p:animEffect>
                                     <p:anim calcmode="lin" valueType="num">
                                       <p:cBhvr>
-                                        <p:cTn id="121" dur="1000" fill="hold"/>
+                                        <p:cTn id="131" dur="1000" fill="hold"/>
                                         <p:tgtEl>
                                           <p:spTgt spid="15"/>
                                         </p:tgtEl>
@@ -21689,7 +21962,7 @@
                                     </p:anim>
                                     <p:anim calcmode="lin" valueType="num">
                                       <p:cBhvr>
-                                        <p:cTn id="122" dur="1000" fill="hold"/>
+                                        <p:cTn id="132" dur="1000" fill="hold"/>
                                         <p:tgtEl>
                                           <p:spTgt spid="15"/>
                                         </p:tgtEl>
@@ -21720,26 +21993,26 @@
                     </p:cTn>
                   </p:par>
                   <p:par>
-                    <p:cTn id="123" fill="hold">
+                    <p:cTn id="133" fill="hold">
                       <p:stCondLst>
                         <p:cond delay="indefinite"/>
                       </p:stCondLst>
                       <p:childTnLst>
                         <p:par>
-                          <p:cTn id="124" fill="hold">
+                          <p:cTn id="134" fill="hold">
                             <p:stCondLst>
                               <p:cond delay="0"/>
                             </p:stCondLst>
                             <p:childTnLst>
                               <p:par>
-                                <p:cTn id="125" presetID="42" presetClass="entr" presetSubtype="0" fill="hold" nodeType="clickEffect">
+                                <p:cTn id="135" presetID="42" presetClass="entr" presetSubtype="0" fill="hold" nodeType="clickEffect">
                                   <p:stCondLst>
                                     <p:cond delay="0"/>
                                   </p:stCondLst>
                                   <p:childTnLst>
                                     <p:set>
                                       <p:cBhvr>
-                                        <p:cTn id="126" dur="1" fill="hold">
+                                        <p:cTn id="136" dur="1" fill="hold">
                                           <p:stCondLst>
                                             <p:cond delay="0"/>
                                           </p:stCondLst>
@@ -21761,7 +22034,7 @@
                                     </p:set>
                                     <p:animEffect transition="in" filter="fade">
                                       <p:cBhvr>
-                                        <p:cTn id="127" dur="1000"/>
+                                        <p:cTn id="137" dur="1000"/>
                                         <p:tgtEl>
                                           <p:spTgt spid="10">
                                             <p:txEl>
@@ -21773,7 +22046,7 @@
                                     </p:animEffect>
                                     <p:anim calcmode="lin" valueType="num">
                                       <p:cBhvr>
-                                        <p:cTn id="128" dur="1000" fill="hold"/>
+                                        <p:cTn id="138" dur="1000" fill="hold"/>
                                         <p:tgtEl>
                                           <p:spTgt spid="10">
                                             <p:txEl>
@@ -21800,7 +22073,7 @@
                                     </p:anim>
                                     <p:anim calcmode="lin" valueType="num">
                                       <p:cBhvr>
-                                        <p:cTn id="129" dur="1000" fill="hold"/>
+                                        <p:cTn id="139" dur="1000" fill="hold"/>
                                         <p:tgtEl>
                                           <p:spTgt spid="10">
                                             <p:txEl>
@@ -21835,26 +22108,26 @@
                     </p:cTn>
                   </p:par>
                   <p:par>
-                    <p:cTn id="130" fill="hold">
+                    <p:cTn id="140" fill="hold">
                       <p:stCondLst>
                         <p:cond delay="indefinite"/>
                       </p:stCondLst>
                       <p:childTnLst>
                         <p:par>
-                          <p:cTn id="131" fill="hold">
+                          <p:cTn id="141" fill="hold">
                             <p:stCondLst>
                               <p:cond delay="0"/>
                             </p:stCondLst>
                             <p:childTnLst>
                               <p:par>
-                                <p:cTn id="132" presetID="22" presetClass="entr" presetSubtype="4" fill="hold" grpId="0" nodeType="clickEffect">
+                                <p:cTn id="142" presetID="22" presetClass="entr" presetSubtype="4" fill="hold" grpId="0" nodeType="clickEffect">
                                   <p:stCondLst>
                                     <p:cond delay="0"/>
                                   </p:stCondLst>
                                   <p:childTnLst>
                                     <p:set>
                                       <p:cBhvr>
-                                        <p:cTn id="133" dur="1" fill="hold">
+                                        <p:cTn id="143" dur="1" fill="hold">
                                           <p:stCondLst>
                                             <p:cond delay="0"/>
                                           </p:stCondLst>
@@ -21872,7 +22145,7 @@
                                     </p:set>
                                     <p:animEffect transition="in" filter="wipe(down)">
                                       <p:cBhvr>
-                                        <p:cTn id="134" dur="500"/>
+                                        <p:cTn id="144" dur="500"/>
                                         <p:tgtEl>
                                           <p:spTgt spid="12"/>
                                         </p:tgtEl>
@@ -21882,14 +22155,14 @@
                                 </p:cTn>
                               </p:par>
                               <p:par>
-                                <p:cTn id="135" presetID="16" presetClass="entr" presetSubtype="21" fill="hold" grpId="2" nodeType="withEffect">
+                                <p:cTn id="145" presetID="16" presetClass="entr" presetSubtype="21" fill="hold" grpId="2" nodeType="withEffect">
                                   <p:stCondLst>
                                     <p:cond delay="0"/>
                                   </p:stCondLst>
                                   <p:childTnLst>
                                     <p:set>
                                       <p:cBhvr>
-                                        <p:cTn id="136" dur="1" fill="hold">
+                                        <p:cTn id="146" dur="1" fill="hold">
                                           <p:stCondLst>
                                             <p:cond delay="0"/>
                                           </p:stCondLst>
@@ -21907,7 +22180,7 @@
                                     </p:set>
                                     <p:animEffect transition="in" filter="barn(inVertical)">
                                       <p:cBhvr>
-                                        <p:cTn id="137" dur="500"/>
+                                        <p:cTn id="147" dur="500"/>
                                         <p:tgtEl>
                                           <p:spTgt spid="11"/>
                                         </p:tgtEl>
@@ -21917,14 +22190,14 @@
                                 </p:cTn>
                               </p:par>
                               <p:par>
-                                <p:cTn id="138" presetID="16" presetClass="entr" presetSubtype="21" fill="hold" grpId="2" nodeType="withEffect">
+                                <p:cTn id="148" presetID="16" presetClass="entr" presetSubtype="21" fill="hold" grpId="2" nodeType="withEffect">
                                   <p:stCondLst>
                                     <p:cond delay="0"/>
                                   </p:stCondLst>
                                   <p:childTnLst>
                                     <p:set>
                                       <p:cBhvr>
-                                        <p:cTn id="139" dur="1" fill="hold">
+                                        <p:cTn id="149" dur="1" fill="hold">
                                           <p:stCondLst>
                                             <p:cond delay="0"/>
                                           </p:stCondLst>
@@ -21942,7 +22215,7 @@
                                     </p:set>
                                     <p:animEffect transition="in" filter="barn(inVertical)">
                                       <p:cBhvr>
-                                        <p:cTn id="140" dur="500"/>
+                                        <p:cTn id="150" dur="500"/>
                                         <p:tgtEl>
                                           <p:spTgt spid="3"/>
                                         </p:tgtEl>
@@ -21952,14 +22225,14 @@
                                 </p:cTn>
                               </p:par>
                               <p:par>
-                                <p:cTn id="141" presetID="16" presetClass="entr" presetSubtype="21" fill="hold" nodeType="withEffect">
+                                <p:cTn id="151" presetID="16" presetClass="entr" presetSubtype="21" fill="hold" nodeType="withEffect">
                                   <p:stCondLst>
                                     <p:cond delay="0"/>
                                   </p:stCondLst>
                                   <p:childTnLst>
                                     <p:set>
                                       <p:cBhvr>
-                                        <p:cTn id="142" dur="1" fill="hold">
+                                        <p:cTn id="152" dur="1" fill="hold">
                                           <p:stCondLst>
                                             <p:cond delay="0"/>
                                           </p:stCondLst>
@@ -21977,7 +22250,7 @@
                                     </p:set>
                                     <p:animEffect transition="in" filter="barn(inVertical)">
                                       <p:cBhvr>
-                                        <p:cTn id="143" dur="500"/>
+                                        <p:cTn id="153" dur="500"/>
                                         <p:tgtEl>
                                           <p:spTgt spid="20"/>
                                         </p:tgtEl>
@@ -21987,14 +22260,14 @@
                                 </p:cTn>
                               </p:par>
                               <p:par>
-                                <p:cTn id="144" presetID="16" presetClass="entr" presetSubtype="21" fill="hold" nodeType="withEffect">
+                                <p:cTn id="154" presetID="16" presetClass="entr" presetSubtype="21" fill="hold" nodeType="withEffect">
                                   <p:stCondLst>
                                     <p:cond delay="0"/>
                                   </p:stCondLst>
                                   <p:childTnLst>
                                     <p:set>
                                       <p:cBhvr>
-                                        <p:cTn id="145" dur="1" fill="hold">
+                                        <p:cTn id="155" dur="1" fill="hold">
                                           <p:stCondLst>
                                             <p:cond delay="0"/>
                                           </p:stCondLst>
@@ -22012,7 +22285,7 @@
                                     </p:set>
                                     <p:animEffect transition="in" filter="barn(inVertical)">
                                       <p:cBhvr>
-                                        <p:cTn id="146" dur="500"/>
+                                        <p:cTn id="156" dur="500"/>
                                         <p:tgtEl>
                                           <p:spTgt spid="18"/>
                                         </p:tgtEl>
@@ -22028,26 +22301,26 @@
                     </p:cTn>
                   </p:par>
                   <p:par>
-                    <p:cTn id="147" fill="hold">
+                    <p:cTn id="157" fill="hold">
                       <p:stCondLst>
                         <p:cond delay="indefinite"/>
                       </p:stCondLst>
                       <p:childTnLst>
                         <p:par>
-                          <p:cTn id="148" fill="hold">
+                          <p:cTn id="158" fill="hold">
                             <p:stCondLst>
                               <p:cond delay="0"/>
                             </p:stCondLst>
                             <p:childTnLst>
                               <p:par>
-                                <p:cTn id="149" presetID="42" presetClass="entr" presetSubtype="0" fill="hold" nodeType="clickEffect">
+                                <p:cTn id="159" presetID="42" presetClass="entr" presetSubtype="0" fill="hold" nodeType="clickEffect">
                                   <p:stCondLst>
                                     <p:cond delay="0"/>
                                   </p:stCondLst>
                                   <p:childTnLst>
                                     <p:set>
                                       <p:cBhvr>
-                                        <p:cTn id="150" dur="1" fill="hold">
+                                        <p:cTn id="160" dur="1" fill="hold">
                                           <p:stCondLst>
                                             <p:cond delay="0"/>
                                           </p:stCondLst>
@@ -22065,7 +22338,7 @@
                                     </p:set>
                                     <p:animEffect transition="in" filter="fade">
                                       <p:cBhvr>
-                                        <p:cTn id="151" dur="1000"/>
+                                        <p:cTn id="161" dur="1000"/>
                                         <p:tgtEl>
                                           <p:spTgt spid="7"/>
                                         </p:tgtEl>
@@ -22073,7 +22346,7 @@
                                     </p:animEffect>
                                     <p:anim calcmode="lin" valueType="num">
                                       <p:cBhvr>
-                                        <p:cTn id="152" dur="1000" fill="hold"/>
+                                        <p:cTn id="162" dur="1000" fill="hold"/>
                                         <p:tgtEl>
                                           <p:spTgt spid="7"/>
                                         </p:tgtEl>
@@ -22096,7 +22369,7 @@
                                     </p:anim>
                                     <p:anim calcmode="lin" valueType="num">
                                       <p:cBhvr>
-                                        <p:cTn id="153" dur="1000" fill="hold"/>
+                                        <p:cTn id="163" dur="1000" fill="hold"/>
                                         <p:tgtEl>
                                           <p:spTgt spid="7"/>
                                         </p:tgtEl>
@@ -22169,6 +22442,8 @@
       </p:bldGraphic>
       <p:bldP spid="19" grpId="0" animBg="1"/>
       <p:bldP spid="19" grpId="1" animBg="1"/>
+      <p:bldP spid="16" grpId="0" animBg="1"/>
+      <p:bldP spid="16" grpId="1" animBg="1"/>
     </p:bldLst>
   </p:timing>
 </p:sld>

--- a/doc/higo.pptx
+++ b/doc/higo.pptx
@@ -22765,8 +22765,12 @@
               <a:t>append</a:t>
             </a:r>
             <a:r>
-              <a:rPr lang="zh-CN" altLang="en-US" dirty="0" smtClean="0"/>
-              <a:t>，目前未延迟</a:t>
+              <a:rPr lang="zh-CN" altLang="en-US" smtClean="0"/>
+              <a:t>，</a:t>
+            </a:r>
+            <a:r>
+              <a:rPr lang="zh-CN" altLang="en-US" smtClean="0"/>
+              <a:t>目前延迟</a:t>
             </a:r>
             <a:r>
               <a:rPr lang="en-US" altLang="zh-CN" dirty="0" smtClean="0"/>
@@ -22796,7 +22800,7 @@
               <a:t>distinct</a:t>
             </a:r>
             <a:r>
-              <a:rPr lang="zh-CN" altLang="en-US" smtClean="0"/>
+              <a:rPr lang="zh-CN" altLang="en-US" dirty="0" smtClean="0"/>
               <a:t>。</a:t>
             </a:r>
             <a:endParaRPr lang="en-US" altLang="zh-CN" dirty="0" smtClean="0"/>

--- a/doc/higo.pptx
+++ b/doc/higo.pptx
@@ -5,7 +5,7 @@
     <p:sldMasterId id="2147483648" r:id="rId1"/>
   </p:sldMasterIdLst>
   <p:notesMasterIdLst>
-    <p:notesMasterId r:id="rId24"/>
+    <p:notesMasterId r:id="rId25"/>
   </p:notesMasterIdLst>
   <p:sldIdLst>
     <p:sldId id="256" r:id="rId2"/>
@@ -27,9 +27,10 @@
     <p:sldId id="378" r:id="rId18"/>
     <p:sldId id="380" r:id="rId19"/>
     <p:sldId id="371" r:id="rId20"/>
-    <p:sldId id="369" r:id="rId21"/>
-    <p:sldId id="374" r:id="rId22"/>
-    <p:sldId id="375" r:id="rId23"/>
+    <p:sldId id="381" r:id="rId21"/>
+    <p:sldId id="369" r:id="rId22"/>
+    <p:sldId id="374" r:id="rId23"/>
+    <p:sldId id="375" r:id="rId24"/>
   </p:sldIdLst>
   <p:sldSz cx="9144000" cy="6858000" type="screen4x3"/>
   <p:notesSz cx="6858000" cy="9144000"/>
@@ -2858,7 +2859,7 @@
           <a:p>
             <a:fld id="{DE914C13-989A-477A-9CB3-5348B7845306}" type="datetimeFigureOut">
               <a:rPr lang="zh-CN" altLang="en-US" smtClean="0"/>
-              <a:t>2013/2/26</a:t>
+              <a:t>2013/2/27</a:t>
             </a:fld>
             <a:endParaRPr lang="zh-CN" altLang="en-US"/>
           </a:p>
@@ -22766,11 +22767,7 @@
             </a:r>
             <a:r>
               <a:rPr lang="zh-CN" altLang="en-US" smtClean="0"/>
-              <a:t>，</a:t>
-            </a:r>
-            <a:r>
-              <a:rPr lang="zh-CN" altLang="en-US" smtClean="0"/>
-              <a:t>目前延迟</a:t>
+              <a:t>，目前延迟</a:t>
             </a:r>
             <a:r>
               <a:rPr lang="en-US" altLang="zh-CN" dirty="0" smtClean="0"/>
@@ -23268,6 +23265,3903 @@
       </p:grpSpPr>
       <p:sp>
         <p:nvSpPr>
+          <p:cNvPr id="11" name="流程图: 过程 10"/>
+          <p:cNvSpPr/>
+          <p:nvPr/>
+        </p:nvSpPr>
+        <p:spPr>
+          <a:xfrm>
+            <a:off x="215516" y="2996952"/>
+            <a:ext cx="3384376" cy="3096344"/>
+          </a:xfrm>
+          <a:prstGeom prst="flowChartProcess">
+            <a:avLst/>
+          </a:prstGeom>
+        </p:spPr>
+        <p:style>
+          <a:lnRef idx="2">
+            <a:schemeClr val="accent6"/>
+          </a:lnRef>
+          <a:fillRef idx="1">
+            <a:schemeClr val="lt1"/>
+          </a:fillRef>
+          <a:effectRef idx="0">
+            <a:schemeClr val="accent6"/>
+          </a:effectRef>
+          <a:fontRef idx="minor">
+            <a:schemeClr val="dk1"/>
+          </a:fontRef>
+        </p:style>
+        <p:txBody>
+          <a:bodyPr rtlCol="0" anchor="ctr"/>
+          <a:lstStyle/>
+          <a:p>
+            <a:pPr algn="ctr"/>
+            <a:endParaRPr lang="zh-CN" altLang="en-US"/>
+          </a:p>
+        </p:txBody>
+      </p:sp>
+      <p:sp>
+        <p:nvSpPr>
+          <p:cNvPr id="2" name="标题 1"/>
+          <p:cNvSpPr>
+            <a:spLocks noGrp="1"/>
+          </p:cNvSpPr>
+          <p:nvPr>
+            <p:ph type="title"/>
+          </p:nvPr>
+        </p:nvSpPr>
+        <p:spPr/>
+        <p:txBody>
+          <a:bodyPr/>
+          <a:lstStyle/>
+          <a:p>
+            <a:r>
+              <a:rPr lang="zh-CN" altLang="en-US" dirty="0" smtClean="0"/>
+              <a:t>规划中的架构</a:t>
+            </a:r>
+            <a:endParaRPr lang="zh-CN" altLang="en-US" dirty="0"/>
+          </a:p>
+        </p:txBody>
+      </p:sp>
+      <p:sp>
+        <p:nvSpPr>
+          <p:cNvPr id="5" name="流程图: 磁盘 4"/>
+          <p:cNvSpPr/>
+          <p:nvPr/>
+        </p:nvSpPr>
+        <p:spPr>
+          <a:xfrm>
+            <a:off x="630164" y="3212976"/>
+            <a:ext cx="720080" cy="936104"/>
+          </a:xfrm>
+          <a:prstGeom prst="flowChartMagneticDisk">
+            <a:avLst/>
+          </a:prstGeom>
+        </p:spPr>
+        <p:style>
+          <a:lnRef idx="2">
+            <a:schemeClr val="accent1">
+              <a:shade val="50000"/>
+            </a:schemeClr>
+          </a:lnRef>
+          <a:fillRef idx="1">
+            <a:schemeClr val="accent1"/>
+          </a:fillRef>
+          <a:effectRef idx="0">
+            <a:schemeClr val="accent1"/>
+          </a:effectRef>
+          <a:fontRef idx="minor">
+            <a:schemeClr val="lt1"/>
+          </a:fontRef>
+        </p:style>
+        <p:txBody>
+          <a:bodyPr rtlCol="0" anchor="ctr"/>
+          <a:lstStyle/>
+          <a:p>
+            <a:pPr algn="ctr"/>
+            <a:r>
+              <a:rPr lang="en-US" altLang="zh-CN" dirty="0" smtClean="0"/>
+              <a:t>MS</a:t>
+            </a:r>
+            <a:endParaRPr lang="zh-CN" altLang="en-US" dirty="0"/>
+          </a:p>
+        </p:txBody>
+      </p:sp>
+      <p:sp>
+        <p:nvSpPr>
+          <p:cNvPr id="6" name="流程图: 磁盘 5"/>
+          <p:cNvSpPr/>
+          <p:nvPr/>
+        </p:nvSpPr>
+        <p:spPr>
+          <a:xfrm>
+            <a:off x="630164" y="4509120"/>
+            <a:ext cx="720080" cy="936104"/>
+          </a:xfrm>
+          <a:prstGeom prst="flowChartMagneticDisk">
+            <a:avLst/>
+          </a:prstGeom>
+        </p:spPr>
+        <p:style>
+          <a:lnRef idx="2">
+            <a:schemeClr val="accent1">
+              <a:shade val="50000"/>
+            </a:schemeClr>
+          </a:lnRef>
+          <a:fillRef idx="1">
+            <a:schemeClr val="accent1"/>
+          </a:fillRef>
+          <a:effectRef idx="0">
+            <a:schemeClr val="accent1"/>
+          </a:effectRef>
+          <a:fontRef idx="minor">
+            <a:schemeClr val="lt1"/>
+          </a:fontRef>
+        </p:style>
+        <p:txBody>
+          <a:bodyPr rtlCol="0" anchor="ctr"/>
+          <a:lstStyle/>
+          <a:p>
+            <a:pPr algn="ctr"/>
+            <a:r>
+              <a:rPr lang="en-US" altLang="zh-CN" dirty="0" smtClean="0"/>
+              <a:t>MS</a:t>
+            </a:r>
+            <a:endParaRPr lang="zh-CN" altLang="en-US" dirty="0"/>
+          </a:p>
+        </p:txBody>
+      </p:sp>
+      <p:sp>
+        <p:nvSpPr>
+          <p:cNvPr id="7" name="流程图: 磁盘 6"/>
+          <p:cNvSpPr/>
+          <p:nvPr/>
+        </p:nvSpPr>
+        <p:spPr>
+          <a:xfrm>
+            <a:off x="2483768" y="3212976"/>
+            <a:ext cx="720080" cy="936104"/>
+          </a:xfrm>
+          <a:prstGeom prst="flowChartMagneticDisk">
+            <a:avLst/>
+          </a:prstGeom>
+        </p:spPr>
+        <p:style>
+          <a:lnRef idx="2">
+            <a:schemeClr val="accent1">
+              <a:shade val="50000"/>
+            </a:schemeClr>
+          </a:lnRef>
+          <a:fillRef idx="1">
+            <a:schemeClr val="accent1"/>
+          </a:fillRef>
+          <a:effectRef idx="0">
+            <a:schemeClr val="accent1"/>
+          </a:effectRef>
+          <a:fontRef idx="minor">
+            <a:schemeClr val="lt1"/>
+          </a:fontRef>
+        </p:style>
+        <p:txBody>
+          <a:bodyPr rtlCol="0" anchor="ctr"/>
+          <a:lstStyle/>
+          <a:p>
+            <a:pPr algn="ctr"/>
+            <a:r>
+              <a:rPr lang="en-US" altLang="zh-CN" dirty="0" smtClean="0"/>
+              <a:t>MS</a:t>
+            </a:r>
+            <a:endParaRPr lang="zh-CN" altLang="en-US" dirty="0"/>
+          </a:p>
+        </p:txBody>
+      </p:sp>
+      <p:sp>
+        <p:nvSpPr>
+          <p:cNvPr id="8" name="流程图: 磁盘 7"/>
+          <p:cNvSpPr/>
+          <p:nvPr/>
+        </p:nvSpPr>
+        <p:spPr>
+          <a:xfrm>
+            <a:off x="1547664" y="3212976"/>
+            <a:ext cx="720080" cy="936104"/>
+          </a:xfrm>
+          <a:prstGeom prst="flowChartMagneticDisk">
+            <a:avLst/>
+          </a:prstGeom>
+        </p:spPr>
+        <p:style>
+          <a:lnRef idx="2">
+            <a:schemeClr val="accent1">
+              <a:shade val="50000"/>
+            </a:schemeClr>
+          </a:lnRef>
+          <a:fillRef idx="1">
+            <a:schemeClr val="accent1"/>
+          </a:fillRef>
+          <a:effectRef idx="0">
+            <a:schemeClr val="accent1"/>
+          </a:effectRef>
+          <a:fontRef idx="minor">
+            <a:schemeClr val="lt1"/>
+          </a:fontRef>
+        </p:style>
+        <p:txBody>
+          <a:bodyPr rtlCol="0" anchor="ctr"/>
+          <a:lstStyle/>
+          <a:p>
+            <a:pPr algn="ctr"/>
+            <a:r>
+              <a:rPr lang="en-US" altLang="zh-CN" dirty="0" smtClean="0"/>
+              <a:t>MS</a:t>
+            </a:r>
+            <a:endParaRPr lang="zh-CN" altLang="en-US" dirty="0"/>
+          </a:p>
+        </p:txBody>
+      </p:sp>
+      <p:sp>
+        <p:nvSpPr>
+          <p:cNvPr id="9" name="流程图: 磁盘 8"/>
+          <p:cNvSpPr/>
+          <p:nvPr/>
+        </p:nvSpPr>
+        <p:spPr>
+          <a:xfrm>
+            <a:off x="1547664" y="4509120"/>
+            <a:ext cx="720080" cy="936104"/>
+          </a:xfrm>
+          <a:prstGeom prst="flowChartMagneticDisk">
+            <a:avLst/>
+          </a:prstGeom>
+        </p:spPr>
+        <p:style>
+          <a:lnRef idx="2">
+            <a:schemeClr val="accent1">
+              <a:shade val="50000"/>
+            </a:schemeClr>
+          </a:lnRef>
+          <a:fillRef idx="1">
+            <a:schemeClr val="accent1"/>
+          </a:fillRef>
+          <a:effectRef idx="0">
+            <a:schemeClr val="accent1"/>
+          </a:effectRef>
+          <a:fontRef idx="minor">
+            <a:schemeClr val="lt1"/>
+          </a:fontRef>
+        </p:style>
+        <p:txBody>
+          <a:bodyPr rtlCol="0" anchor="ctr"/>
+          <a:lstStyle/>
+          <a:p>
+            <a:pPr algn="ctr"/>
+            <a:r>
+              <a:rPr lang="en-US" altLang="zh-CN" dirty="0" smtClean="0"/>
+              <a:t>MS</a:t>
+            </a:r>
+            <a:endParaRPr lang="zh-CN" altLang="en-US" dirty="0"/>
+          </a:p>
+        </p:txBody>
+      </p:sp>
+      <p:sp>
+        <p:nvSpPr>
+          <p:cNvPr id="10" name="流程图: 磁盘 9"/>
+          <p:cNvSpPr/>
+          <p:nvPr/>
+        </p:nvSpPr>
+        <p:spPr>
+          <a:xfrm>
+            <a:off x="2483768" y="4509120"/>
+            <a:ext cx="720080" cy="936104"/>
+          </a:xfrm>
+          <a:prstGeom prst="flowChartMagneticDisk">
+            <a:avLst/>
+          </a:prstGeom>
+        </p:spPr>
+        <p:style>
+          <a:lnRef idx="2">
+            <a:schemeClr val="accent1">
+              <a:shade val="50000"/>
+            </a:schemeClr>
+          </a:lnRef>
+          <a:fillRef idx="1">
+            <a:schemeClr val="accent1"/>
+          </a:fillRef>
+          <a:effectRef idx="0">
+            <a:schemeClr val="accent1"/>
+          </a:effectRef>
+          <a:fontRef idx="minor">
+            <a:schemeClr val="lt1"/>
+          </a:fontRef>
+        </p:style>
+        <p:txBody>
+          <a:bodyPr rtlCol="0" anchor="ctr"/>
+          <a:lstStyle/>
+          <a:p>
+            <a:pPr algn="ctr"/>
+            <a:r>
+              <a:rPr lang="en-US" altLang="zh-CN" dirty="0" smtClean="0"/>
+              <a:t>MS</a:t>
+            </a:r>
+            <a:endParaRPr lang="zh-CN" altLang="en-US" dirty="0"/>
+          </a:p>
+        </p:txBody>
+      </p:sp>
+      <p:sp>
+        <p:nvSpPr>
+          <p:cNvPr id="12" name="TextBox 11"/>
+          <p:cNvSpPr txBox="1"/>
+          <p:nvPr/>
+        </p:nvSpPr>
+        <p:spPr>
+          <a:xfrm>
+            <a:off x="1012900" y="5559623"/>
+            <a:ext cx="2586992" cy="461665"/>
+          </a:xfrm>
+          <a:prstGeom prst="rect">
+            <a:avLst/>
+          </a:prstGeom>
+          <a:noFill/>
+        </p:spPr>
+        <p:txBody>
+          <a:bodyPr wrap="square" rtlCol="0">
+            <a:spAutoFit/>
+          </a:bodyPr>
+          <a:lstStyle/>
+          <a:p>
+            <a:r>
+              <a:rPr lang="en-US" altLang="zh-CN" sz="2400" dirty="0" smtClean="0"/>
+              <a:t>Merger Server</a:t>
+            </a:r>
+            <a:endParaRPr lang="zh-CN" altLang="en-US" sz="2400" dirty="0"/>
+          </a:p>
+        </p:txBody>
+      </p:sp>
+      <p:sp>
+        <p:nvSpPr>
+          <p:cNvPr id="13" name="流程图: 过程 12"/>
+          <p:cNvSpPr/>
+          <p:nvPr/>
+        </p:nvSpPr>
+        <p:spPr>
+          <a:xfrm>
+            <a:off x="4283968" y="1556792"/>
+            <a:ext cx="3816424" cy="4392488"/>
+          </a:xfrm>
+          <a:prstGeom prst="flowChartProcess">
+            <a:avLst/>
+          </a:prstGeom>
+        </p:spPr>
+        <p:style>
+          <a:lnRef idx="2">
+            <a:schemeClr val="accent6"/>
+          </a:lnRef>
+          <a:fillRef idx="1">
+            <a:schemeClr val="lt1"/>
+          </a:fillRef>
+          <a:effectRef idx="0">
+            <a:schemeClr val="accent6"/>
+          </a:effectRef>
+          <a:fontRef idx="minor">
+            <a:schemeClr val="dk1"/>
+          </a:fontRef>
+        </p:style>
+        <p:txBody>
+          <a:bodyPr rtlCol="0" anchor="ctr"/>
+          <a:lstStyle/>
+          <a:p>
+            <a:pPr algn="ctr"/>
+            <a:endParaRPr lang="zh-CN" altLang="en-US"/>
+          </a:p>
+        </p:txBody>
+      </p:sp>
+      <p:sp>
+        <p:nvSpPr>
+          <p:cNvPr id="14" name="流程图: 磁盘 13"/>
+          <p:cNvSpPr/>
+          <p:nvPr/>
+        </p:nvSpPr>
+        <p:spPr>
+          <a:xfrm>
+            <a:off x="4716016" y="2060848"/>
+            <a:ext cx="720080" cy="936104"/>
+          </a:xfrm>
+          <a:prstGeom prst="flowChartMagneticDisk">
+            <a:avLst/>
+          </a:prstGeom>
+        </p:spPr>
+        <p:style>
+          <a:lnRef idx="2">
+            <a:schemeClr val="accent1">
+              <a:shade val="50000"/>
+            </a:schemeClr>
+          </a:lnRef>
+          <a:fillRef idx="1">
+            <a:schemeClr val="accent1"/>
+          </a:fillRef>
+          <a:effectRef idx="0">
+            <a:schemeClr val="accent1"/>
+          </a:effectRef>
+          <a:fontRef idx="minor">
+            <a:schemeClr val="lt1"/>
+          </a:fontRef>
+        </p:style>
+        <p:txBody>
+          <a:bodyPr rtlCol="0" anchor="ctr"/>
+          <a:lstStyle/>
+          <a:p>
+            <a:pPr algn="ctr"/>
+            <a:r>
+              <a:rPr lang="en-US" altLang="zh-CN" dirty="0" smtClean="0"/>
+              <a:t>task</a:t>
+            </a:r>
+            <a:endParaRPr lang="zh-CN" altLang="en-US" dirty="0"/>
+          </a:p>
+        </p:txBody>
+      </p:sp>
+      <p:sp>
+        <p:nvSpPr>
+          <p:cNvPr id="15" name="流程图: 磁盘 14"/>
+          <p:cNvSpPr/>
+          <p:nvPr/>
+        </p:nvSpPr>
+        <p:spPr>
+          <a:xfrm>
+            <a:off x="5724128" y="2060848"/>
+            <a:ext cx="720080" cy="936104"/>
+          </a:xfrm>
+          <a:prstGeom prst="flowChartMagneticDisk">
+            <a:avLst/>
+          </a:prstGeom>
+        </p:spPr>
+        <p:style>
+          <a:lnRef idx="2">
+            <a:schemeClr val="accent1">
+              <a:shade val="50000"/>
+            </a:schemeClr>
+          </a:lnRef>
+          <a:fillRef idx="1">
+            <a:schemeClr val="accent1"/>
+          </a:fillRef>
+          <a:effectRef idx="0">
+            <a:schemeClr val="accent1"/>
+          </a:effectRef>
+          <a:fontRef idx="minor">
+            <a:schemeClr val="lt1"/>
+          </a:fontRef>
+        </p:style>
+        <p:txBody>
+          <a:bodyPr rtlCol="0" anchor="ctr"/>
+          <a:lstStyle/>
+          <a:p>
+            <a:pPr algn="ctr"/>
+            <a:r>
+              <a:rPr lang="en-US" altLang="zh-CN" dirty="0" smtClean="0"/>
+              <a:t>task</a:t>
+            </a:r>
+            <a:endParaRPr lang="zh-CN" altLang="en-US" dirty="0"/>
+          </a:p>
+        </p:txBody>
+      </p:sp>
+      <p:sp>
+        <p:nvSpPr>
+          <p:cNvPr id="16" name="流程图: 磁盘 15"/>
+          <p:cNvSpPr/>
+          <p:nvPr/>
+        </p:nvSpPr>
+        <p:spPr>
+          <a:xfrm>
+            <a:off x="6732240" y="2060848"/>
+            <a:ext cx="720080" cy="936104"/>
+          </a:xfrm>
+          <a:prstGeom prst="flowChartMagneticDisk">
+            <a:avLst/>
+          </a:prstGeom>
+        </p:spPr>
+        <p:style>
+          <a:lnRef idx="2">
+            <a:schemeClr val="accent1">
+              <a:shade val="50000"/>
+            </a:schemeClr>
+          </a:lnRef>
+          <a:fillRef idx="1">
+            <a:schemeClr val="accent1"/>
+          </a:fillRef>
+          <a:effectRef idx="0">
+            <a:schemeClr val="accent1"/>
+          </a:effectRef>
+          <a:fontRef idx="minor">
+            <a:schemeClr val="lt1"/>
+          </a:fontRef>
+        </p:style>
+        <p:txBody>
+          <a:bodyPr rtlCol="0" anchor="ctr"/>
+          <a:lstStyle/>
+          <a:p>
+            <a:pPr algn="ctr"/>
+            <a:r>
+              <a:rPr lang="en-US" altLang="zh-CN" dirty="0" smtClean="0"/>
+              <a:t>task</a:t>
+            </a:r>
+            <a:endParaRPr lang="zh-CN" altLang="en-US" dirty="0"/>
+          </a:p>
+        </p:txBody>
+      </p:sp>
+      <p:sp>
+        <p:nvSpPr>
+          <p:cNvPr id="17" name="流程图: 磁盘 16"/>
+          <p:cNvSpPr/>
+          <p:nvPr/>
+        </p:nvSpPr>
+        <p:spPr>
+          <a:xfrm>
+            <a:off x="6737920" y="3284984"/>
+            <a:ext cx="720080" cy="936104"/>
+          </a:xfrm>
+          <a:prstGeom prst="flowChartMagneticDisk">
+            <a:avLst/>
+          </a:prstGeom>
+        </p:spPr>
+        <p:style>
+          <a:lnRef idx="2">
+            <a:schemeClr val="accent1">
+              <a:shade val="50000"/>
+            </a:schemeClr>
+          </a:lnRef>
+          <a:fillRef idx="1">
+            <a:schemeClr val="accent1"/>
+          </a:fillRef>
+          <a:effectRef idx="0">
+            <a:schemeClr val="accent1"/>
+          </a:effectRef>
+          <a:fontRef idx="minor">
+            <a:schemeClr val="lt1"/>
+          </a:fontRef>
+        </p:style>
+        <p:txBody>
+          <a:bodyPr rtlCol="0" anchor="ctr"/>
+          <a:lstStyle/>
+          <a:p>
+            <a:pPr algn="ctr"/>
+            <a:r>
+              <a:rPr lang="en-US" altLang="zh-CN" dirty="0" smtClean="0"/>
+              <a:t>task</a:t>
+            </a:r>
+            <a:endParaRPr lang="zh-CN" altLang="en-US" dirty="0"/>
+          </a:p>
+        </p:txBody>
+      </p:sp>
+      <p:sp>
+        <p:nvSpPr>
+          <p:cNvPr id="18" name="流程图: 磁盘 17"/>
+          <p:cNvSpPr/>
+          <p:nvPr/>
+        </p:nvSpPr>
+        <p:spPr>
+          <a:xfrm>
+            <a:off x="5652120" y="3284984"/>
+            <a:ext cx="720080" cy="936104"/>
+          </a:xfrm>
+          <a:prstGeom prst="flowChartMagneticDisk">
+            <a:avLst/>
+          </a:prstGeom>
+        </p:spPr>
+        <p:style>
+          <a:lnRef idx="2">
+            <a:schemeClr val="accent1">
+              <a:shade val="50000"/>
+            </a:schemeClr>
+          </a:lnRef>
+          <a:fillRef idx="1">
+            <a:schemeClr val="accent1"/>
+          </a:fillRef>
+          <a:effectRef idx="0">
+            <a:schemeClr val="accent1"/>
+          </a:effectRef>
+          <a:fontRef idx="minor">
+            <a:schemeClr val="lt1"/>
+          </a:fontRef>
+        </p:style>
+        <p:txBody>
+          <a:bodyPr rtlCol="0" anchor="ctr"/>
+          <a:lstStyle/>
+          <a:p>
+            <a:pPr algn="ctr"/>
+            <a:r>
+              <a:rPr lang="en-US" altLang="zh-CN" dirty="0" smtClean="0"/>
+              <a:t>task</a:t>
+            </a:r>
+            <a:endParaRPr lang="zh-CN" altLang="en-US" dirty="0"/>
+          </a:p>
+        </p:txBody>
+      </p:sp>
+      <p:sp>
+        <p:nvSpPr>
+          <p:cNvPr id="19" name="流程图: 磁盘 18"/>
+          <p:cNvSpPr/>
+          <p:nvPr/>
+        </p:nvSpPr>
+        <p:spPr>
+          <a:xfrm>
+            <a:off x="4716016" y="3325180"/>
+            <a:ext cx="720080" cy="936104"/>
+          </a:xfrm>
+          <a:prstGeom prst="flowChartMagneticDisk">
+            <a:avLst/>
+          </a:prstGeom>
+        </p:spPr>
+        <p:style>
+          <a:lnRef idx="2">
+            <a:schemeClr val="accent1">
+              <a:shade val="50000"/>
+            </a:schemeClr>
+          </a:lnRef>
+          <a:fillRef idx="1">
+            <a:schemeClr val="accent1"/>
+          </a:fillRef>
+          <a:effectRef idx="0">
+            <a:schemeClr val="accent1"/>
+          </a:effectRef>
+          <a:fontRef idx="minor">
+            <a:schemeClr val="lt1"/>
+          </a:fontRef>
+        </p:style>
+        <p:txBody>
+          <a:bodyPr rtlCol="0" anchor="ctr"/>
+          <a:lstStyle/>
+          <a:p>
+            <a:pPr algn="ctr"/>
+            <a:r>
+              <a:rPr lang="en-US" altLang="zh-CN" dirty="0" smtClean="0"/>
+              <a:t>task</a:t>
+            </a:r>
+            <a:endParaRPr lang="zh-CN" altLang="en-US" dirty="0"/>
+          </a:p>
+        </p:txBody>
+      </p:sp>
+      <p:sp>
+        <p:nvSpPr>
+          <p:cNvPr id="20" name="流程图: 磁盘 19"/>
+          <p:cNvSpPr/>
+          <p:nvPr/>
+        </p:nvSpPr>
+        <p:spPr>
+          <a:xfrm>
+            <a:off x="4716016" y="4509120"/>
+            <a:ext cx="720080" cy="936104"/>
+          </a:xfrm>
+          <a:prstGeom prst="flowChartMagneticDisk">
+            <a:avLst/>
+          </a:prstGeom>
+        </p:spPr>
+        <p:style>
+          <a:lnRef idx="2">
+            <a:schemeClr val="accent1">
+              <a:shade val="50000"/>
+            </a:schemeClr>
+          </a:lnRef>
+          <a:fillRef idx="1">
+            <a:schemeClr val="accent1"/>
+          </a:fillRef>
+          <a:effectRef idx="0">
+            <a:schemeClr val="accent1"/>
+          </a:effectRef>
+          <a:fontRef idx="minor">
+            <a:schemeClr val="lt1"/>
+          </a:fontRef>
+        </p:style>
+        <p:txBody>
+          <a:bodyPr rtlCol="0" anchor="ctr"/>
+          <a:lstStyle/>
+          <a:p>
+            <a:pPr algn="ctr"/>
+            <a:r>
+              <a:rPr lang="en-US" altLang="zh-CN" dirty="0" smtClean="0"/>
+              <a:t>task</a:t>
+            </a:r>
+            <a:endParaRPr lang="zh-CN" altLang="en-US" dirty="0"/>
+          </a:p>
+        </p:txBody>
+      </p:sp>
+      <p:sp>
+        <p:nvSpPr>
+          <p:cNvPr id="21" name="流程图: 磁盘 20"/>
+          <p:cNvSpPr/>
+          <p:nvPr/>
+        </p:nvSpPr>
+        <p:spPr>
+          <a:xfrm>
+            <a:off x="5724128" y="4509120"/>
+            <a:ext cx="720080" cy="936104"/>
+          </a:xfrm>
+          <a:prstGeom prst="flowChartMagneticDisk">
+            <a:avLst/>
+          </a:prstGeom>
+        </p:spPr>
+        <p:style>
+          <a:lnRef idx="2">
+            <a:schemeClr val="accent1">
+              <a:shade val="50000"/>
+            </a:schemeClr>
+          </a:lnRef>
+          <a:fillRef idx="1">
+            <a:schemeClr val="accent1"/>
+          </a:fillRef>
+          <a:effectRef idx="0">
+            <a:schemeClr val="accent1"/>
+          </a:effectRef>
+          <a:fontRef idx="minor">
+            <a:schemeClr val="lt1"/>
+          </a:fontRef>
+        </p:style>
+        <p:txBody>
+          <a:bodyPr rtlCol="0" anchor="ctr"/>
+          <a:lstStyle/>
+          <a:p>
+            <a:pPr algn="ctr"/>
+            <a:r>
+              <a:rPr lang="en-US" altLang="zh-CN" dirty="0" smtClean="0"/>
+              <a:t>task</a:t>
+            </a:r>
+            <a:endParaRPr lang="zh-CN" altLang="en-US" dirty="0"/>
+          </a:p>
+        </p:txBody>
+      </p:sp>
+      <p:sp>
+        <p:nvSpPr>
+          <p:cNvPr id="22" name="流程图: 磁盘 21"/>
+          <p:cNvSpPr/>
+          <p:nvPr/>
+        </p:nvSpPr>
+        <p:spPr>
+          <a:xfrm>
+            <a:off x="6737920" y="4509120"/>
+            <a:ext cx="720080" cy="936104"/>
+          </a:xfrm>
+          <a:prstGeom prst="flowChartMagneticDisk">
+            <a:avLst/>
+          </a:prstGeom>
+        </p:spPr>
+        <p:style>
+          <a:lnRef idx="2">
+            <a:schemeClr val="accent1">
+              <a:shade val="50000"/>
+            </a:schemeClr>
+          </a:lnRef>
+          <a:fillRef idx="1">
+            <a:schemeClr val="accent1"/>
+          </a:fillRef>
+          <a:effectRef idx="0">
+            <a:schemeClr val="accent1"/>
+          </a:effectRef>
+          <a:fontRef idx="minor">
+            <a:schemeClr val="lt1"/>
+          </a:fontRef>
+        </p:style>
+        <p:txBody>
+          <a:bodyPr rtlCol="0" anchor="ctr"/>
+          <a:lstStyle/>
+          <a:p>
+            <a:pPr algn="ctr"/>
+            <a:r>
+              <a:rPr lang="en-US" altLang="zh-CN" dirty="0" smtClean="0"/>
+              <a:t>task</a:t>
+            </a:r>
+            <a:endParaRPr lang="zh-CN" altLang="en-US" dirty="0"/>
+          </a:p>
+        </p:txBody>
+      </p:sp>
+      <p:cxnSp>
+        <p:nvCxnSpPr>
+          <p:cNvPr id="24" name="直接箭头连接符 23"/>
+          <p:cNvCxnSpPr>
+            <a:stCxn id="7" idx="4"/>
+          </p:cNvCxnSpPr>
+          <p:nvPr/>
+        </p:nvCxnSpPr>
+        <p:spPr>
+          <a:xfrm flipV="1">
+            <a:off x="3203848" y="2744924"/>
+            <a:ext cx="1512168" cy="936104"/>
+          </a:xfrm>
+          <a:prstGeom prst="straightConnector1">
+            <a:avLst/>
+          </a:prstGeom>
+          <a:ln>
+            <a:tailEnd type="arrow"/>
+          </a:ln>
+        </p:spPr>
+        <p:style>
+          <a:lnRef idx="2">
+            <a:schemeClr val="accent6"/>
+          </a:lnRef>
+          <a:fillRef idx="0">
+            <a:schemeClr val="accent6"/>
+          </a:fillRef>
+          <a:effectRef idx="1">
+            <a:schemeClr val="accent6"/>
+          </a:effectRef>
+          <a:fontRef idx="minor">
+            <a:schemeClr val="tx1"/>
+          </a:fontRef>
+        </p:style>
+      </p:cxnSp>
+      <p:cxnSp>
+        <p:nvCxnSpPr>
+          <p:cNvPr id="26" name="直接箭头连接符 25"/>
+          <p:cNvCxnSpPr>
+            <a:stCxn id="7" idx="4"/>
+          </p:cNvCxnSpPr>
+          <p:nvPr/>
+        </p:nvCxnSpPr>
+        <p:spPr>
+          <a:xfrm>
+            <a:off x="3203848" y="3681028"/>
+            <a:ext cx="1512168" cy="328228"/>
+          </a:xfrm>
+          <a:prstGeom prst="straightConnector1">
+            <a:avLst/>
+          </a:prstGeom>
+          <a:ln>
+            <a:tailEnd type="arrow"/>
+          </a:ln>
+        </p:spPr>
+        <p:style>
+          <a:lnRef idx="2">
+            <a:schemeClr val="accent6"/>
+          </a:lnRef>
+          <a:fillRef idx="0">
+            <a:schemeClr val="accent6"/>
+          </a:fillRef>
+          <a:effectRef idx="1">
+            <a:schemeClr val="accent6"/>
+          </a:effectRef>
+          <a:fontRef idx="minor">
+            <a:schemeClr val="tx1"/>
+          </a:fontRef>
+        </p:style>
+      </p:cxnSp>
+      <p:cxnSp>
+        <p:nvCxnSpPr>
+          <p:cNvPr id="28" name="直接箭头连接符 27"/>
+          <p:cNvCxnSpPr>
+            <a:endCxn id="21" idx="2"/>
+          </p:cNvCxnSpPr>
+          <p:nvPr/>
+        </p:nvCxnSpPr>
+        <p:spPr>
+          <a:xfrm>
+            <a:off x="3203848" y="3681028"/>
+            <a:ext cx="2520280" cy="1296144"/>
+          </a:xfrm>
+          <a:prstGeom prst="straightConnector1">
+            <a:avLst/>
+          </a:prstGeom>
+          <a:ln>
+            <a:tailEnd type="arrow"/>
+          </a:ln>
+        </p:spPr>
+        <p:style>
+          <a:lnRef idx="2">
+            <a:schemeClr val="accent6"/>
+          </a:lnRef>
+          <a:fillRef idx="0">
+            <a:schemeClr val="accent6"/>
+          </a:fillRef>
+          <a:effectRef idx="1">
+            <a:schemeClr val="accent6"/>
+          </a:effectRef>
+          <a:fontRef idx="minor">
+            <a:schemeClr val="tx1"/>
+          </a:fontRef>
+        </p:style>
+      </p:cxnSp>
+      <p:cxnSp>
+        <p:nvCxnSpPr>
+          <p:cNvPr id="31" name="直接箭头连接符 30"/>
+          <p:cNvCxnSpPr>
+            <a:stCxn id="10" idx="4"/>
+          </p:cNvCxnSpPr>
+          <p:nvPr/>
+        </p:nvCxnSpPr>
+        <p:spPr>
+          <a:xfrm flipV="1">
+            <a:off x="3203848" y="2843808"/>
+            <a:ext cx="2808312" cy="2133364"/>
+          </a:xfrm>
+          <a:prstGeom prst="straightConnector1">
+            <a:avLst/>
+          </a:prstGeom>
+          <a:ln>
+            <a:tailEnd type="arrow"/>
+          </a:ln>
+        </p:spPr>
+        <p:style>
+          <a:lnRef idx="2">
+            <a:schemeClr val="accent6"/>
+          </a:lnRef>
+          <a:fillRef idx="0">
+            <a:schemeClr val="accent6"/>
+          </a:fillRef>
+          <a:effectRef idx="1">
+            <a:schemeClr val="accent6"/>
+          </a:effectRef>
+          <a:fontRef idx="minor">
+            <a:schemeClr val="tx1"/>
+          </a:fontRef>
+        </p:style>
+      </p:cxnSp>
+      <p:cxnSp>
+        <p:nvCxnSpPr>
+          <p:cNvPr id="33" name="直接箭头连接符 32"/>
+          <p:cNvCxnSpPr>
+            <a:stCxn id="10" idx="4"/>
+          </p:cNvCxnSpPr>
+          <p:nvPr/>
+        </p:nvCxnSpPr>
+        <p:spPr>
+          <a:xfrm flipV="1">
+            <a:off x="3203848" y="4000128"/>
+            <a:ext cx="2448272" cy="977044"/>
+          </a:xfrm>
+          <a:prstGeom prst="straightConnector1">
+            <a:avLst/>
+          </a:prstGeom>
+          <a:ln>
+            <a:tailEnd type="arrow"/>
+          </a:ln>
+        </p:spPr>
+        <p:style>
+          <a:lnRef idx="2">
+            <a:schemeClr val="accent6"/>
+          </a:lnRef>
+          <a:fillRef idx="0">
+            <a:schemeClr val="accent6"/>
+          </a:fillRef>
+          <a:effectRef idx="1">
+            <a:schemeClr val="accent6"/>
+          </a:effectRef>
+          <a:fontRef idx="minor">
+            <a:schemeClr val="tx1"/>
+          </a:fontRef>
+        </p:style>
+      </p:cxnSp>
+      <p:cxnSp>
+        <p:nvCxnSpPr>
+          <p:cNvPr id="35" name="直接箭头连接符 34"/>
+          <p:cNvCxnSpPr>
+            <a:stCxn id="10" idx="4"/>
+            <a:endCxn id="20" idx="2"/>
+          </p:cNvCxnSpPr>
+          <p:nvPr/>
+        </p:nvCxnSpPr>
+        <p:spPr>
+          <a:xfrm>
+            <a:off x="3203848" y="4977172"/>
+            <a:ext cx="1512168" cy="0"/>
+          </a:xfrm>
+          <a:prstGeom prst="straightConnector1">
+            <a:avLst/>
+          </a:prstGeom>
+          <a:ln>
+            <a:tailEnd type="arrow"/>
+          </a:ln>
+        </p:spPr>
+        <p:style>
+          <a:lnRef idx="2">
+            <a:schemeClr val="accent6"/>
+          </a:lnRef>
+          <a:fillRef idx="0">
+            <a:schemeClr val="accent6"/>
+          </a:fillRef>
+          <a:effectRef idx="1">
+            <a:schemeClr val="accent6"/>
+          </a:effectRef>
+          <a:fontRef idx="minor">
+            <a:schemeClr val="tx1"/>
+          </a:fontRef>
+        </p:style>
+      </p:cxnSp>
+      <p:sp>
+        <p:nvSpPr>
+          <p:cNvPr id="36" name="TextBox 35"/>
+          <p:cNvSpPr txBox="1"/>
+          <p:nvPr/>
+        </p:nvSpPr>
+        <p:spPr>
+          <a:xfrm>
+            <a:off x="4608004" y="5418832"/>
+            <a:ext cx="1584176" cy="461665"/>
+          </a:xfrm>
+          <a:prstGeom prst="rect">
+            <a:avLst/>
+          </a:prstGeom>
+          <a:noFill/>
+        </p:spPr>
+        <p:txBody>
+          <a:bodyPr wrap="square" rtlCol="0">
+            <a:spAutoFit/>
+          </a:bodyPr>
+          <a:lstStyle/>
+          <a:p>
+            <a:r>
+              <a:rPr lang="en-US" altLang="zh-CN" sz="2400" dirty="0" smtClean="0"/>
+              <a:t>Slot tasks</a:t>
+            </a:r>
+            <a:endParaRPr lang="zh-CN" altLang="en-US" sz="2400" dirty="0"/>
+          </a:p>
+        </p:txBody>
+      </p:sp>
+      <p:sp>
+        <p:nvSpPr>
+          <p:cNvPr id="38" name="流程图: 过程 37"/>
+          <p:cNvSpPr/>
+          <p:nvPr/>
+        </p:nvSpPr>
+        <p:spPr>
+          <a:xfrm>
+            <a:off x="205396" y="1340768"/>
+            <a:ext cx="3384376" cy="1354336"/>
+          </a:xfrm>
+          <a:prstGeom prst="flowChartProcess">
+            <a:avLst/>
+          </a:prstGeom>
+        </p:spPr>
+        <p:style>
+          <a:lnRef idx="2">
+            <a:schemeClr val="accent6"/>
+          </a:lnRef>
+          <a:fillRef idx="1">
+            <a:schemeClr val="lt1"/>
+          </a:fillRef>
+          <a:effectRef idx="0">
+            <a:schemeClr val="accent6"/>
+          </a:effectRef>
+          <a:fontRef idx="minor">
+            <a:schemeClr val="dk1"/>
+          </a:fontRef>
+        </p:style>
+        <p:txBody>
+          <a:bodyPr rtlCol="0" anchor="ctr"/>
+          <a:lstStyle/>
+          <a:p>
+            <a:pPr algn="ctr"/>
+            <a:endParaRPr lang="zh-CN" altLang="en-US"/>
+          </a:p>
+        </p:txBody>
+      </p:sp>
+      <p:sp>
+        <p:nvSpPr>
+          <p:cNvPr id="39" name="TextBox 38"/>
+          <p:cNvSpPr txBox="1"/>
+          <p:nvPr/>
+        </p:nvSpPr>
+        <p:spPr>
+          <a:xfrm>
+            <a:off x="1691680" y="1268760"/>
+            <a:ext cx="1769044" cy="461665"/>
+          </a:xfrm>
+          <a:prstGeom prst="rect">
+            <a:avLst/>
+          </a:prstGeom>
+          <a:noFill/>
+        </p:spPr>
+        <p:txBody>
+          <a:bodyPr wrap="square" rtlCol="0">
+            <a:spAutoFit/>
+          </a:bodyPr>
+          <a:lstStyle/>
+          <a:p>
+            <a:r>
+              <a:rPr lang="en-US" altLang="zh-CN" sz="2400" dirty="0" smtClean="0"/>
+              <a:t>Job tracker</a:t>
+            </a:r>
+            <a:endParaRPr lang="zh-CN" altLang="en-US" sz="2400" dirty="0"/>
+          </a:p>
+        </p:txBody>
+      </p:sp>
+      <p:sp>
+        <p:nvSpPr>
+          <p:cNvPr id="40" name="流程图: 磁盘 39"/>
+          <p:cNvSpPr/>
+          <p:nvPr/>
+        </p:nvSpPr>
+        <p:spPr>
+          <a:xfrm>
+            <a:off x="394800" y="1772816"/>
+            <a:ext cx="1502784" cy="764828"/>
+          </a:xfrm>
+          <a:prstGeom prst="flowChartMagneticDisk">
+            <a:avLst/>
+          </a:prstGeom>
+        </p:spPr>
+        <p:style>
+          <a:lnRef idx="2">
+            <a:schemeClr val="accent1">
+              <a:shade val="50000"/>
+            </a:schemeClr>
+          </a:lnRef>
+          <a:fillRef idx="1">
+            <a:schemeClr val="accent1"/>
+          </a:fillRef>
+          <a:effectRef idx="0">
+            <a:schemeClr val="accent1"/>
+          </a:effectRef>
+          <a:fontRef idx="minor">
+            <a:schemeClr val="lt1"/>
+          </a:fontRef>
+        </p:style>
+        <p:txBody>
+          <a:bodyPr rtlCol="0" anchor="ctr"/>
+          <a:lstStyle/>
+          <a:p>
+            <a:pPr algn="ctr"/>
+            <a:r>
+              <a:rPr lang="en-US" altLang="zh-CN" dirty="0" smtClean="0"/>
+              <a:t>Job tracker</a:t>
+            </a:r>
+            <a:endParaRPr lang="zh-CN" altLang="en-US" dirty="0"/>
+          </a:p>
+        </p:txBody>
+      </p:sp>
+      <p:cxnSp>
+        <p:nvCxnSpPr>
+          <p:cNvPr id="44" name="肘形连接符 43"/>
+          <p:cNvCxnSpPr>
+            <a:stCxn id="40" idx="4"/>
+          </p:cNvCxnSpPr>
+          <p:nvPr/>
+        </p:nvCxnSpPr>
+        <p:spPr>
+          <a:xfrm>
+            <a:off x="1897584" y="2155230"/>
+            <a:ext cx="678618" cy="841722"/>
+          </a:xfrm>
+          <a:prstGeom prst="bentConnector2">
+            <a:avLst/>
+          </a:prstGeom>
+          <a:ln>
+            <a:headEnd type="arrow"/>
+            <a:tailEnd type="arrow"/>
+          </a:ln>
+        </p:spPr>
+        <p:style>
+          <a:lnRef idx="3">
+            <a:schemeClr val="accent6"/>
+          </a:lnRef>
+          <a:fillRef idx="0">
+            <a:schemeClr val="accent6"/>
+          </a:fillRef>
+          <a:effectRef idx="2">
+            <a:schemeClr val="accent6"/>
+          </a:effectRef>
+          <a:fontRef idx="minor">
+            <a:schemeClr val="tx1"/>
+          </a:fontRef>
+        </p:style>
+      </p:cxnSp>
+      <p:sp>
+        <p:nvSpPr>
+          <p:cNvPr id="49" name="云形标注 48"/>
+          <p:cNvSpPr/>
+          <p:nvPr/>
+        </p:nvSpPr>
+        <p:spPr>
+          <a:xfrm>
+            <a:off x="3329862" y="1463328"/>
+            <a:ext cx="3492388" cy="1195040"/>
+          </a:xfrm>
+          <a:prstGeom prst="cloudCallout">
+            <a:avLst>
+              <a:gd name="adj1" fmla="val -59743"/>
+              <a:gd name="adj2" fmla="val 5113"/>
+            </a:avLst>
+          </a:prstGeom>
+        </p:spPr>
+        <p:style>
+          <a:lnRef idx="1">
+            <a:schemeClr val="accent2"/>
+          </a:lnRef>
+          <a:fillRef idx="2">
+            <a:schemeClr val="accent2"/>
+          </a:fillRef>
+          <a:effectRef idx="1">
+            <a:schemeClr val="accent2"/>
+          </a:effectRef>
+          <a:fontRef idx="minor">
+            <a:schemeClr val="dk1"/>
+          </a:fontRef>
+        </p:style>
+        <p:txBody>
+          <a:bodyPr rtlCol="0" anchor="ctr"/>
+          <a:lstStyle/>
+          <a:p>
+            <a:pPr algn="ctr"/>
+            <a:r>
+              <a:rPr lang="zh-CN" altLang="en-US" dirty="0" smtClean="0"/>
+              <a:t>负责资源的管理</a:t>
+            </a:r>
+            <a:endParaRPr lang="zh-CN" altLang="en-US" dirty="0"/>
+          </a:p>
+        </p:txBody>
+      </p:sp>
+      <p:cxnSp>
+        <p:nvCxnSpPr>
+          <p:cNvPr id="51" name="直接箭头连接符 50"/>
+          <p:cNvCxnSpPr>
+            <a:stCxn id="5" idx="4"/>
+            <a:endCxn id="7" idx="2"/>
+          </p:cNvCxnSpPr>
+          <p:nvPr/>
+        </p:nvCxnSpPr>
+        <p:spPr>
+          <a:xfrm>
+            <a:off x="1350244" y="3681028"/>
+            <a:ext cx="1133524" cy="0"/>
+          </a:xfrm>
+          <a:prstGeom prst="straightConnector1">
+            <a:avLst/>
+          </a:prstGeom>
+          <a:ln>
+            <a:tailEnd type="arrow"/>
+          </a:ln>
+        </p:spPr>
+        <p:style>
+          <a:lnRef idx="3">
+            <a:schemeClr val="accent6"/>
+          </a:lnRef>
+          <a:fillRef idx="0">
+            <a:schemeClr val="accent6"/>
+          </a:fillRef>
+          <a:effectRef idx="2">
+            <a:schemeClr val="accent6"/>
+          </a:effectRef>
+          <a:fontRef idx="minor">
+            <a:schemeClr val="tx1"/>
+          </a:fontRef>
+        </p:style>
+      </p:cxnSp>
+      <p:cxnSp>
+        <p:nvCxnSpPr>
+          <p:cNvPr id="53" name="直接箭头连接符 52"/>
+          <p:cNvCxnSpPr/>
+          <p:nvPr/>
+        </p:nvCxnSpPr>
+        <p:spPr>
+          <a:xfrm>
+            <a:off x="1350244" y="3681028"/>
+            <a:ext cx="1133524" cy="1296144"/>
+          </a:xfrm>
+          <a:prstGeom prst="straightConnector1">
+            <a:avLst/>
+          </a:prstGeom>
+          <a:ln>
+            <a:tailEnd type="arrow"/>
+          </a:ln>
+        </p:spPr>
+        <p:style>
+          <a:lnRef idx="3">
+            <a:schemeClr val="accent6"/>
+          </a:lnRef>
+          <a:fillRef idx="0">
+            <a:schemeClr val="accent6"/>
+          </a:fillRef>
+          <a:effectRef idx="2">
+            <a:schemeClr val="accent6"/>
+          </a:effectRef>
+          <a:fontRef idx="minor">
+            <a:schemeClr val="tx1"/>
+          </a:fontRef>
+        </p:style>
+      </p:cxnSp>
+      <p:cxnSp>
+        <p:nvCxnSpPr>
+          <p:cNvPr id="55" name="直接箭头连接符 54"/>
+          <p:cNvCxnSpPr>
+            <a:stCxn id="5" idx="4"/>
+            <a:endCxn id="9" idx="2"/>
+          </p:cNvCxnSpPr>
+          <p:nvPr/>
+        </p:nvCxnSpPr>
+        <p:spPr>
+          <a:xfrm>
+            <a:off x="1350244" y="3681028"/>
+            <a:ext cx="197420" cy="1296144"/>
+          </a:xfrm>
+          <a:prstGeom prst="straightConnector1">
+            <a:avLst/>
+          </a:prstGeom>
+          <a:ln>
+            <a:tailEnd type="arrow"/>
+          </a:ln>
+        </p:spPr>
+        <p:style>
+          <a:lnRef idx="3">
+            <a:schemeClr val="accent6"/>
+          </a:lnRef>
+          <a:fillRef idx="0">
+            <a:schemeClr val="accent6"/>
+          </a:fillRef>
+          <a:effectRef idx="2">
+            <a:schemeClr val="accent6"/>
+          </a:effectRef>
+          <a:fontRef idx="minor">
+            <a:schemeClr val="tx1"/>
+          </a:fontRef>
+        </p:style>
+      </p:cxnSp>
+      <p:sp>
+        <p:nvSpPr>
+          <p:cNvPr id="58" name="云形标注 57"/>
+          <p:cNvSpPr/>
+          <p:nvPr/>
+        </p:nvSpPr>
+        <p:spPr>
+          <a:xfrm>
+            <a:off x="3770911" y="4738282"/>
+            <a:ext cx="4626514" cy="1790327"/>
+          </a:xfrm>
+          <a:prstGeom prst="cloudCallout">
+            <a:avLst>
+              <a:gd name="adj1" fmla="val -59743"/>
+              <a:gd name="adj2" fmla="val 5113"/>
+            </a:avLst>
+          </a:prstGeom>
+        </p:spPr>
+        <p:style>
+          <a:lnRef idx="1">
+            <a:schemeClr val="accent2"/>
+          </a:lnRef>
+          <a:fillRef idx="2">
+            <a:schemeClr val="accent2"/>
+          </a:fillRef>
+          <a:effectRef idx="1">
+            <a:schemeClr val="accent2"/>
+          </a:effectRef>
+          <a:fontRef idx="minor">
+            <a:schemeClr val="dk1"/>
+          </a:fontRef>
+        </p:style>
+        <p:txBody>
+          <a:bodyPr rtlCol="0" anchor="ctr"/>
+          <a:lstStyle/>
+          <a:p>
+            <a:r>
+              <a:rPr lang="en-US" altLang="zh-CN" dirty="0" smtClean="0"/>
+              <a:t>1.</a:t>
+            </a:r>
+            <a:r>
+              <a:rPr lang="zh-CN" altLang="en-US" dirty="0" smtClean="0"/>
+              <a:t>负责获取合并</a:t>
+            </a:r>
+            <a:r>
+              <a:rPr lang="en-US" altLang="zh-CN" dirty="0" smtClean="0"/>
+              <a:t>task</a:t>
+            </a:r>
+            <a:r>
+              <a:rPr lang="zh-CN" altLang="en-US" dirty="0"/>
+              <a:t>的</a:t>
+            </a:r>
+            <a:r>
+              <a:rPr lang="zh-CN" altLang="en-US" dirty="0" smtClean="0"/>
+              <a:t>结果</a:t>
+            </a:r>
+            <a:endParaRPr lang="en-US" altLang="zh-CN" dirty="0" smtClean="0"/>
+          </a:p>
+          <a:p>
+            <a:r>
+              <a:rPr lang="en-US" altLang="zh-CN" dirty="0" smtClean="0"/>
+              <a:t>2.</a:t>
+            </a:r>
+            <a:r>
+              <a:rPr lang="zh-CN" altLang="en-US" dirty="0" smtClean="0"/>
+              <a:t>对较慢的</a:t>
+            </a:r>
+            <a:r>
+              <a:rPr lang="en-US" altLang="zh-CN" dirty="0" smtClean="0"/>
+              <a:t>task</a:t>
+            </a:r>
+            <a:r>
+              <a:rPr lang="zh-CN" altLang="en-US" dirty="0" smtClean="0"/>
+              <a:t>或失败的</a:t>
+            </a:r>
+            <a:r>
+              <a:rPr lang="en-US" altLang="zh-CN" dirty="0" smtClean="0"/>
+              <a:t>task,</a:t>
+            </a:r>
+            <a:r>
+              <a:rPr lang="zh-CN" altLang="en-US" dirty="0" smtClean="0"/>
+              <a:t>重新执行。</a:t>
+            </a:r>
+            <a:endParaRPr lang="zh-CN" altLang="en-US" dirty="0"/>
+          </a:p>
+        </p:txBody>
+      </p:sp>
+      <p:sp>
+        <p:nvSpPr>
+          <p:cNvPr id="59" name="流程图: 过程 58"/>
+          <p:cNvSpPr/>
+          <p:nvPr/>
+        </p:nvSpPr>
+        <p:spPr>
+          <a:xfrm>
+            <a:off x="575556" y="569321"/>
+            <a:ext cx="3384376" cy="5093566"/>
+          </a:xfrm>
+          <a:prstGeom prst="flowChartProcess">
+            <a:avLst/>
+          </a:prstGeom>
+        </p:spPr>
+        <p:style>
+          <a:lnRef idx="2">
+            <a:schemeClr val="accent6"/>
+          </a:lnRef>
+          <a:fillRef idx="1">
+            <a:schemeClr val="lt1"/>
+          </a:fillRef>
+          <a:effectRef idx="0">
+            <a:schemeClr val="accent6"/>
+          </a:effectRef>
+          <a:fontRef idx="minor">
+            <a:schemeClr val="dk1"/>
+          </a:fontRef>
+        </p:style>
+        <p:txBody>
+          <a:bodyPr rtlCol="0" anchor="ctr"/>
+          <a:lstStyle/>
+          <a:p>
+            <a:pPr algn="ctr"/>
+            <a:endParaRPr lang="zh-CN" altLang="en-US" dirty="0"/>
+          </a:p>
+        </p:txBody>
+      </p:sp>
+      <p:sp>
+        <p:nvSpPr>
+          <p:cNvPr id="60" name="TextBox 59"/>
+          <p:cNvSpPr txBox="1"/>
+          <p:nvPr/>
+        </p:nvSpPr>
+        <p:spPr>
+          <a:xfrm>
+            <a:off x="1804988" y="782198"/>
+            <a:ext cx="1758900" cy="369332"/>
+          </a:xfrm>
+          <a:prstGeom prst="rect">
+            <a:avLst/>
+          </a:prstGeom>
+          <a:noFill/>
+        </p:spPr>
+        <p:txBody>
+          <a:bodyPr wrap="square" rtlCol="0">
+            <a:spAutoFit/>
+          </a:bodyPr>
+          <a:lstStyle/>
+          <a:p>
+            <a:r>
+              <a:rPr lang="en-US" altLang="zh-CN" dirty="0" err="1" smtClean="0"/>
+              <a:t>Hadoop</a:t>
+            </a:r>
+            <a:r>
+              <a:rPr lang="en-US" altLang="zh-CN" dirty="0" smtClean="0"/>
+              <a:t> </a:t>
+            </a:r>
+            <a:r>
+              <a:rPr lang="en-US" altLang="zh-CN" dirty="0" err="1" smtClean="0"/>
+              <a:t>hdfs</a:t>
+            </a:r>
+            <a:endParaRPr lang="zh-CN" altLang="en-US" dirty="0"/>
+          </a:p>
+        </p:txBody>
+      </p:sp>
+      <p:sp>
+        <p:nvSpPr>
+          <p:cNvPr id="62" name="五边形 61"/>
+          <p:cNvSpPr/>
+          <p:nvPr/>
+        </p:nvSpPr>
+        <p:spPr>
+          <a:xfrm>
+            <a:off x="1156916" y="1696846"/>
+            <a:ext cx="1758900" cy="453504"/>
+          </a:xfrm>
+          <a:prstGeom prst="homePlate">
+            <a:avLst/>
+          </a:prstGeom>
+        </p:spPr>
+        <p:style>
+          <a:lnRef idx="2">
+            <a:schemeClr val="accent1">
+              <a:shade val="50000"/>
+            </a:schemeClr>
+          </a:lnRef>
+          <a:fillRef idx="1">
+            <a:schemeClr val="accent1"/>
+          </a:fillRef>
+          <a:effectRef idx="0">
+            <a:schemeClr val="accent1"/>
+          </a:effectRef>
+          <a:fontRef idx="minor">
+            <a:schemeClr val="lt1"/>
+          </a:fontRef>
+        </p:style>
+        <p:txBody>
+          <a:bodyPr rtlCol="0" anchor="ctr"/>
+          <a:lstStyle/>
+          <a:p>
+            <a:pPr algn="ctr"/>
+            <a:r>
+              <a:rPr lang="zh-CN" altLang="en-US" dirty="0" smtClean="0"/>
+              <a:t>索引</a:t>
+            </a:r>
+            <a:r>
+              <a:rPr lang="en-US" altLang="zh-CN" dirty="0" smtClean="0"/>
+              <a:t>1</a:t>
+            </a:r>
+            <a:endParaRPr lang="zh-CN" altLang="en-US" dirty="0"/>
+          </a:p>
+        </p:txBody>
+      </p:sp>
+      <p:sp>
+        <p:nvSpPr>
+          <p:cNvPr id="63" name="五边形 62"/>
+          <p:cNvSpPr/>
+          <p:nvPr/>
+        </p:nvSpPr>
+        <p:spPr>
+          <a:xfrm>
+            <a:off x="1156916" y="2369797"/>
+            <a:ext cx="1758900" cy="453504"/>
+          </a:xfrm>
+          <a:prstGeom prst="homePlate">
+            <a:avLst/>
+          </a:prstGeom>
+        </p:spPr>
+        <p:style>
+          <a:lnRef idx="2">
+            <a:schemeClr val="accent1">
+              <a:shade val="50000"/>
+            </a:schemeClr>
+          </a:lnRef>
+          <a:fillRef idx="1">
+            <a:schemeClr val="accent1"/>
+          </a:fillRef>
+          <a:effectRef idx="0">
+            <a:schemeClr val="accent1"/>
+          </a:effectRef>
+          <a:fontRef idx="minor">
+            <a:schemeClr val="lt1"/>
+          </a:fontRef>
+        </p:style>
+        <p:txBody>
+          <a:bodyPr rtlCol="0" anchor="ctr"/>
+          <a:lstStyle/>
+          <a:p>
+            <a:pPr algn="ctr"/>
+            <a:r>
+              <a:rPr lang="zh-CN" altLang="en-US" dirty="0" smtClean="0"/>
+              <a:t>索引</a:t>
+            </a:r>
+            <a:r>
+              <a:rPr lang="en-US" altLang="zh-CN" dirty="0"/>
+              <a:t>2</a:t>
+            </a:r>
+            <a:endParaRPr lang="zh-CN" altLang="en-US" dirty="0"/>
+          </a:p>
+        </p:txBody>
+      </p:sp>
+      <p:sp>
+        <p:nvSpPr>
+          <p:cNvPr id="64" name="五边形 63"/>
+          <p:cNvSpPr/>
+          <p:nvPr/>
+        </p:nvSpPr>
+        <p:spPr>
+          <a:xfrm>
+            <a:off x="1156916" y="2978442"/>
+            <a:ext cx="1758900" cy="453504"/>
+          </a:xfrm>
+          <a:prstGeom prst="homePlate">
+            <a:avLst/>
+          </a:prstGeom>
+        </p:spPr>
+        <p:style>
+          <a:lnRef idx="2">
+            <a:schemeClr val="accent1">
+              <a:shade val="50000"/>
+            </a:schemeClr>
+          </a:lnRef>
+          <a:fillRef idx="1">
+            <a:schemeClr val="accent1"/>
+          </a:fillRef>
+          <a:effectRef idx="0">
+            <a:schemeClr val="accent1"/>
+          </a:effectRef>
+          <a:fontRef idx="minor">
+            <a:schemeClr val="lt1"/>
+          </a:fontRef>
+        </p:style>
+        <p:txBody>
+          <a:bodyPr rtlCol="0" anchor="ctr"/>
+          <a:lstStyle/>
+          <a:p>
+            <a:pPr algn="ctr"/>
+            <a:r>
+              <a:rPr lang="zh-CN" altLang="en-US" dirty="0" smtClean="0"/>
+              <a:t>索引</a:t>
+            </a:r>
+            <a:r>
+              <a:rPr lang="en-US" altLang="zh-CN" dirty="0"/>
+              <a:t>3</a:t>
+            </a:r>
+            <a:endParaRPr lang="zh-CN" altLang="en-US" dirty="0"/>
+          </a:p>
+        </p:txBody>
+      </p:sp>
+      <p:sp>
+        <p:nvSpPr>
+          <p:cNvPr id="65" name="五边形 64"/>
+          <p:cNvSpPr/>
+          <p:nvPr/>
+        </p:nvSpPr>
+        <p:spPr>
+          <a:xfrm>
+            <a:off x="1156916" y="3558698"/>
+            <a:ext cx="1758900" cy="453504"/>
+          </a:xfrm>
+          <a:prstGeom prst="homePlate">
+            <a:avLst/>
+          </a:prstGeom>
+        </p:spPr>
+        <p:style>
+          <a:lnRef idx="2">
+            <a:schemeClr val="accent1">
+              <a:shade val="50000"/>
+            </a:schemeClr>
+          </a:lnRef>
+          <a:fillRef idx="1">
+            <a:schemeClr val="accent1"/>
+          </a:fillRef>
+          <a:effectRef idx="0">
+            <a:schemeClr val="accent1"/>
+          </a:effectRef>
+          <a:fontRef idx="minor">
+            <a:schemeClr val="lt1"/>
+          </a:fontRef>
+        </p:style>
+        <p:txBody>
+          <a:bodyPr rtlCol="0" anchor="ctr"/>
+          <a:lstStyle/>
+          <a:p>
+            <a:pPr algn="ctr"/>
+            <a:r>
+              <a:rPr lang="zh-CN" altLang="en-US" dirty="0" smtClean="0"/>
+              <a:t>索引</a:t>
+            </a:r>
+            <a:r>
+              <a:rPr lang="en-US" altLang="zh-CN" dirty="0"/>
+              <a:t>4</a:t>
+            </a:r>
+            <a:endParaRPr lang="zh-CN" altLang="en-US" dirty="0"/>
+          </a:p>
+        </p:txBody>
+      </p:sp>
+      <p:sp>
+        <p:nvSpPr>
+          <p:cNvPr id="66" name="五边形 65"/>
+          <p:cNvSpPr/>
+          <p:nvPr/>
+        </p:nvSpPr>
+        <p:spPr>
+          <a:xfrm>
+            <a:off x="1156916" y="4155846"/>
+            <a:ext cx="1758900" cy="453504"/>
+          </a:xfrm>
+          <a:prstGeom prst="homePlate">
+            <a:avLst/>
+          </a:prstGeom>
+        </p:spPr>
+        <p:style>
+          <a:lnRef idx="2">
+            <a:schemeClr val="accent1">
+              <a:shade val="50000"/>
+            </a:schemeClr>
+          </a:lnRef>
+          <a:fillRef idx="1">
+            <a:schemeClr val="accent1"/>
+          </a:fillRef>
+          <a:effectRef idx="0">
+            <a:schemeClr val="accent1"/>
+          </a:effectRef>
+          <a:fontRef idx="minor">
+            <a:schemeClr val="lt1"/>
+          </a:fontRef>
+        </p:style>
+        <p:txBody>
+          <a:bodyPr rtlCol="0" anchor="ctr"/>
+          <a:lstStyle/>
+          <a:p>
+            <a:pPr algn="ctr"/>
+            <a:r>
+              <a:rPr lang="zh-CN" altLang="en-US" dirty="0" smtClean="0"/>
+              <a:t>索引</a:t>
+            </a:r>
+            <a:r>
+              <a:rPr lang="en-US" altLang="zh-CN" dirty="0"/>
+              <a:t>5</a:t>
+            </a:r>
+            <a:endParaRPr lang="zh-CN" altLang="en-US" dirty="0"/>
+          </a:p>
+        </p:txBody>
+      </p:sp>
+      <p:sp>
+        <p:nvSpPr>
+          <p:cNvPr id="67" name="五边形 66"/>
+          <p:cNvSpPr/>
+          <p:nvPr/>
+        </p:nvSpPr>
+        <p:spPr>
+          <a:xfrm>
+            <a:off x="1172270" y="4778642"/>
+            <a:ext cx="1758900" cy="453504"/>
+          </a:xfrm>
+          <a:prstGeom prst="homePlate">
+            <a:avLst/>
+          </a:prstGeom>
+        </p:spPr>
+        <p:style>
+          <a:lnRef idx="2">
+            <a:schemeClr val="accent1">
+              <a:shade val="50000"/>
+            </a:schemeClr>
+          </a:lnRef>
+          <a:fillRef idx="1">
+            <a:schemeClr val="accent1"/>
+          </a:fillRef>
+          <a:effectRef idx="0">
+            <a:schemeClr val="accent1"/>
+          </a:effectRef>
+          <a:fontRef idx="minor">
+            <a:schemeClr val="lt1"/>
+          </a:fontRef>
+        </p:style>
+        <p:txBody>
+          <a:bodyPr rtlCol="0" anchor="ctr"/>
+          <a:lstStyle/>
+          <a:p>
+            <a:pPr algn="ctr"/>
+            <a:r>
+              <a:rPr lang="zh-CN" altLang="en-US" dirty="0" smtClean="0"/>
+              <a:t>索引</a:t>
+            </a:r>
+            <a:r>
+              <a:rPr lang="en-US" altLang="zh-CN" dirty="0"/>
+              <a:t>6</a:t>
+            </a:r>
+            <a:endParaRPr lang="zh-CN" altLang="en-US" dirty="0"/>
+          </a:p>
+        </p:txBody>
+      </p:sp>
+      <p:cxnSp>
+        <p:nvCxnSpPr>
+          <p:cNvPr id="71" name="直接箭头连接符 70"/>
+          <p:cNvCxnSpPr>
+            <a:stCxn id="18" idx="1"/>
+            <a:endCxn id="62" idx="3"/>
+          </p:cNvCxnSpPr>
+          <p:nvPr/>
+        </p:nvCxnSpPr>
+        <p:spPr>
+          <a:xfrm flipH="1" flipV="1">
+            <a:off x="2915816" y="1923598"/>
+            <a:ext cx="3096344" cy="1361386"/>
+          </a:xfrm>
+          <a:prstGeom prst="straightConnector1">
+            <a:avLst/>
+          </a:prstGeom>
+          <a:ln>
+            <a:solidFill>
+              <a:srgbClr val="FF0000"/>
+            </a:solidFill>
+            <a:tailEnd type="arrow"/>
+          </a:ln>
+        </p:spPr>
+        <p:style>
+          <a:lnRef idx="3">
+            <a:schemeClr val="accent6"/>
+          </a:lnRef>
+          <a:fillRef idx="0">
+            <a:schemeClr val="accent6"/>
+          </a:fillRef>
+          <a:effectRef idx="2">
+            <a:schemeClr val="accent6"/>
+          </a:effectRef>
+          <a:fontRef idx="minor">
+            <a:schemeClr val="tx1"/>
+          </a:fontRef>
+        </p:style>
+      </p:cxnSp>
+      <p:cxnSp>
+        <p:nvCxnSpPr>
+          <p:cNvPr id="73" name="直接箭头连接符 72"/>
+          <p:cNvCxnSpPr>
+            <a:stCxn id="15" idx="2"/>
+            <a:endCxn id="63" idx="3"/>
+          </p:cNvCxnSpPr>
+          <p:nvPr/>
+        </p:nvCxnSpPr>
+        <p:spPr>
+          <a:xfrm flipH="1">
+            <a:off x="2915816" y="2528900"/>
+            <a:ext cx="2808312" cy="67649"/>
+          </a:xfrm>
+          <a:prstGeom prst="straightConnector1">
+            <a:avLst/>
+          </a:prstGeom>
+          <a:ln>
+            <a:solidFill>
+              <a:srgbClr val="FF0000"/>
+            </a:solidFill>
+            <a:tailEnd type="arrow"/>
+          </a:ln>
+        </p:spPr>
+        <p:style>
+          <a:lnRef idx="3">
+            <a:schemeClr val="accent6"/>
+          </a:lnRef>
+          <a:fillRef idx="0">
+            <a:schemeClr val="accent6"/>
+          </a:fillRef>
+          <a:effectRef idx="2">
+            <a:schemeClr val="accent6"/>
+          </a:effectRef>
+          <a:fontRef idx="minor">
+            <a:schemeClr val="tx1"/>
+          </a:fontRef>
+        </p:style>
+      </p:cxnSp>
+      <p:cxnSp>
+        <p:nvCxnSpPr>
+          <p:cNvPr id="75" name="直接箭头连接符 74"/>
+          <p:cNvCxnSpPr>
+            <a:stCxn id="16" idx="2"/>
+            <a:endCxn id="64" idx="3"/>
+          </p:cNvCxnSpPr>
+          <p:nvPr/>
+        </p:nvCxnSpPr>
+        <p:spPr>
+          <a:xfrm flipH="1">
+            <a:off x="2915816" y="2528900"/>
+            <a:ext cx="3816424" cy="676294"/>
+          </a:xfrm>
+          <a:prstGeom prst="straightConnector1">
+            <a:avLst/>
+          </a:prstGeom>
+          <a:ln>
+            <a:solidFill>
+              <a:srgbClr val="FF0000"/>
+            </a:solidFill>
+            <a:tailEnd type="arrow"/>
+          </a:ln>
+        </p:spPr>
+        <p:style>
+          <a:lnRef idx="3">
+            <a:schemeClr val="accent6"/>
+          </a:lnRef>
+          <a:fillRef idx="0">
+            <a:schemeClr val="accent6"/>
+          </a:fillRef>
+          <a:effectRef idx="2">
+            <a:schemeClr val="accent6"/>
+          </a:effectRef>
+          <a:fontRef idx="minor">
+            <a:schemeClr val="tx1"/>
+          </a:fontRef>
+        </p:style>
+      </p:cxnSp>
+      <p:cxnSp>
+        <p:nvCxnSpPr>
+          <p:cNvPr id="77" name="直接箭头连接符 76"/>
+          <p:cNvCxnSpPr>
+            <a:stCxn id="17" idx="2"/>
+            <a:endCxn id="65" idx="3"/>
+          </p:cNvCxnSpPr>
+          <p:nvPr/>
+        </p:nvCxnSpPr>
+        <p:spPr>
+          <a:xfrm flipH="1">
+            <a:off x="2915816" y="3753036"/>
+            <a:ext cx="3822104" cy="32414"/>
+          </a:xfrm>
+          <a:prstGeom prst="straightConnector1">
+            <a:avLst/>
+          </a:prstGeom>
+          <a:ln>
+            <a:solidFill>
+              <a:srgbClr val="FF0000"/>
+            </a:solidFill>
+            <a:tailEnd type="arrow"/>
+          </a:ln>
+        </p:spPr>
+        <p:style>
+          <a:lnRef idx="3">
+            <a:schemeClr val="accent6"/>
+          </a:lnRef>
+          <a:fillRef idx="0">
+            <a:schemeClr val="accent6"/>
+          </a:fillRef>
+          <a:effectRef idx="2">
+            <a:schemeClr val="accent6"/>
+          </a:effectRef>
+          <a:fontRef idx="minor">
+            <a:schemeClr val="tx1"/>
+          </a:fontRef>
+        </p:style>
+      </p:cxnSp>
+      <p:cxnSp>
+        <p:nvCxnSpPr>
+          <p:cNvPr id="79" name="直接箭头连接符 78"/>
+          <p:cNvCxnSpPr>
+            <a:stCxn id="21" idx="2"/>
+            <a:endCxn id="66" idx="3"/>
+          </p:cNvCxnSpPr>
+          <p:nvPr/>
+        </p:nvCxnSpPr>
+        <p:spPr>
+          <a:xfrm flipH="1" flipV="1">
+            <a:off x="2915816" y="4382598"/>
+            <a:ext cx="2808312" cy="594574"/>
+          </a:xfrm>
+          <a:prstGeom prst="straightConnector1">
+            <a:avLst/>
+          </a:prstGeom>
+          <a:ln>
+            <a:solidFill>
+              <a:srgbClr val="FF0000"/>
+            </a:solidFill>
+            <a:tailEnd type="arrow"/>
+          </a:ln>
+        </p:spPr>
+        <p:style>
+          <a:lnRef idx="3">
+            <a:schemeClr val="accent6"/>
+          </a:lnRef>
+          <a:fillRef idx="0">
+            <a:schemeClr val="accent6"/>
+          </a:fillRef>
+          <a:effectRef idx="2">
+            <a:schemeClr val="accent6"/>
+          </a:effectRef>
+          <a:fontRef idx="minor">
+            <a:schemeClr val="tx1"/>
+          </a:fontRef>
+        </p:style>
+      </p:cxnSp>
+      <p:cxnSp>
+        <p:nvCxnSpPr>
+          <p:cNvPr id="81" name="直接箭头连接符 80"/>
+          <p:cNvCxnSpPr>
+            <a:stCxn id="20" idx="2"/>
+            <a:endCxn id="67" idx="3"/>
+          </p:cNvCxnSpPr>
+          <p:nvPr/>
+        </p:nvCxnSpPr>
+        <p:spPr>
+          <a:xfrm flipH="1">
+            <a:off x="2931170" y="4977172"/>
+            <a:ext cx="1784846" cy="28222"/>
+          </a:xfrm>
+          <a:prstGeom prst="straightConnector1">
+            <a:avLst/>
+          </a:prstGeom>
+          <a:ln>
+            <a:solidFill>
+              <a:srgbClr val="FF0000"/>
+            </a:solidFill>
+            <a:tailEnd type="arrow"/>
+          </a:ln>
+        </p:spPr>
+        <p:style>
+          <a:lnRef idx="3">
+            <a:schemeClr val="accent6"/>
+          </a:lnRef>
+          <a:fillRef idx="0">
+            <a:schemeClr val="accent6"/>
+          </a:fillRef>
+          <a:effectRef idx="2">
+            <a:schemeClr val="accent6"/>
+          </a:effectRef>
+          <a:fontRef idx="minor">
+            <a:schemeClr val="tx1"/>
+          </a:fontRef>
+        </p:style>
+      </p:cxnSp>
+      <p:sp>
+        <p:nvSpPr>
+          <p:cNvPr id="95" name="云形标注 94"/>
+          <p:cNvSpPr/>
+          <p:nvPr/>
+        </p:nvSpPr>
+        <p:spPr>
+          <a:xfrm>
+            <a:off x="853208" y="3503093"/>
+            <a:ext cx="3113744" cy="2470378"/>
+          </a:xfrm>
+          <a:prstGeom prst="cloudCallout">
+            <a:avLst>
+              <a:gd name="adj1" fmla="val 59109"/>
+              <a:gd name="adj2" fmla="val 34351"/>
+            </a:avLst>
+          </a:prstGeom>
+        </p:spPr>
+        <p:style>
+          <a:lnRef idx="1">
+            <a:schemeClr val="accent2"/>
+          </a:lnRef>
+          <a:fillRef idx="2">
+            <a:schemeClr val="accent2"/>
+          </a:fillRef>
+          <a:effectRef idx="1">
+            <a:schemeClr val="accent2"/>
+          </a:effectRef>
+          <a:fontRef idx="minor">
+            <a:schemeClr val="dk1"/>
+          </a:fontRef>
+        </p:style>
+        <p:txBody>
+          <a:bodyPr rtlCol="0" anchor="ctr"/>
+          <a:lstStyle/>
+          <a:p>
+            <a:pPr algn="ctr"/>
+            <a:r>
+              <a:rPr lang="en-US" altLang="zh-CN" dirty="0" smtClean="0"/>
+              <a:t>Task</a:t>
+            </a:r>
+            <a:r>
+              <a:rPr lang="zh-CN" altLang="en-US" dirty="0" smtClean="0"/>
+              <a:t>不在固定的负责固定的索引</a:t>
+            </a:r>
+            <a:endParaRPr lang="en-US" altLang="zh-CN" dirty="0" smtClean="0"/>
+          </a:p>
+          <a:p>
+            <a:pPr algn="ctr"/>
+            <a:r>
+              <a:rPr lang="zh-CN" altLang="en-US" dirty="0" smtClean="0"/>
+              <a:t>实际上仅仅是一个计算单元</a:t>
+            </a:r>
+            <a:endParaRPr lang="zh-CN" altLang="en-US" dirty="0"/>
+          </a:p>
+        </p:txBody>
+      </p:sp>
+      <p:sp>
+        <p:nvSpPr>
+          <p:cNvPr id="96" name="云形标注 95"/>
+          <p:cNvSpPr/>
+          <p:nvPr/>
+        </p:nvSpPr>
+        <p:spPr>
+          <a:xfrm>
+            <a:off x="2576202" y="1268760"/>
+            <a:ext cx="4732102" cy="1260140"/>
+          </a:xfrm>
+          <a:prstGeom prst="cloudCallout">
+            <a:avLst>
+              <a:gd name="adj1" fmla="val -36936"/>
+              <a:gd name="adj2" fmla="val -53400"/>
+            </a:avLst>
+          </a:prstGeom>
+        </p:spPr>
+        <p:style>
+          <a:lnRef idx="1">
+            <a:schemeClr val="accent2"/>
+          </a:lnRef>
+          <a:fillRef idx="2">
+            <a:schemeClr val="accent2"/>
+          </a:fillRef>
+          <a:effectRef idx="1">
+            <a:schemeClr val="accent2"/>
+          </a:effectRef>
+          <a:fontRef idx="minor">
+            <a:schemeClr val="dk1"/>
+          </a:fontRef>
+        </p:style>
+        <p:txBody>
+          <a:bodyPr rtlCol="0" anchor="ctr"/>
+          <a:lstStyle/>
+          <a:p>
+            <a:pPr algn="ctr"/>
+            <a:r>
+              <a:rPr lang="zh-CN" altLang="en-US" dirty="0" smtClean="0"/>
+              <a:t>索引直接存储在</a:t>
+            </a:r>
+            <a:r>
+              <a:rPr lang="en-US" altLang="zh-CN" dirty="0" err="1" smtClean="0"/>
+              <a:t>hdfs</a:t>
+            </a:r>
+            <a:r>
+              <a:rPr lang="zh-CN" altLang="en-US" dirty="0" smtClean="0"/>
+              <a:t>中</a:t>
+            </a:r>
+            <a:endParaRPr lang="zh-CN" altLang="en-US" dirty="0"/>
+          </a:p>
+        </p:txBody>
+      </p:sp>
+    </p:spTree>
+    <p:extLst>
+      <p:ext uri="{BB962C8B-B14F-4D97-AF65-F5344CB8AC3E}">
+        <p14:creationId xmlns:p14="http://schemas.microsoft.com/office/powerpoint/2010/main" val="1500383374"/>
+      </p:ext>
+    </p:extLst>
+  </p:cSld>
+  <p:clrMapOvr>
+    <a:masterClrMapping/>
+  </p:clrMapOvr>
+  <p:timing>
+    <p:tnLst>
+      <p:par>
+        <p:cTn id="1" dur="indefinite" restart="never" nodeType="tmRoot">
+          <p:childTnLst>
+            <p:seq concurrent="1" nextAc="seek">
+              <p:cTn id="2" dur="indefinite" nodeType="mainSeq">
+                <p:childTnLst>
+                  <p:par>
+                    <p:cTn id="3" fill="hold">
+                      <p:stCondLst>
+                        <p:cond delay="indefinite"/>
+                      </p:stCondLst>
+                      <p:childTnLst>
+                        <p:par>
+                          <p:cTn id="4" fill="hold">
+                            <p:stCondLst>
+                              <p:cond delay="0"/>
+                            </p:stCondLst>
+                            <p:childTnLst>
+                              <p:par>
+                                <p:cTn id="5" presetID="22" presetClass="entr" presetSubtype="4" fill="hold" grpId="0" nodeType="clickEffect">
+                                  <p:stCondLst>
+                                    <p:cond delay="0"/>
+                                  </p:stCondLst>
+                                  <p:childTnLst>
+                                    <p:set>
+                                      <p:cBhvr>
+                                        <p:cTn id="6" dur="1" fill="hold">
+                                          <p:stCondLst>
+                                            <p:cond delay="0"/>
+                                          </p:stCondLst>
+                                        </p:cTn>
+                                        <p:tgtEl>
+                                          <p:spTgt spid="49"/>
+                                        </p:tgtEl>
+                                        <p:attrNameLst>
+                                          <p:attrName>style.visibility</p:attrName>
+                                        </p:attrNameLst>
+                                      </p:cBhvr>
+                                      <p:to>
+                                        <p:strVal val="visible"/>
+                                      </p:to>
+                                    </p:set>
+                                    <p:animEffect transition="in" filter="wipe(down)">
+                                      <p:cBhvr>
+                                        <p:cTn id="7" dur="500"/>
+                                        <p:tgtEl>
+                                          <p:spTgt spid="49"/>
+                                        </p:tgtEl>
+                                      </p:cBhvr>
+                                    </p:animEffect>
+                                  </p:childTnLst>
+                                </p:cTn>
+                              </p:par>
+                            </p:childTnLst>
+                          </p:cTn>
+                        </p:par>
+                      </p:childTnLst>
+                    </p:cTn>
+                  </p:par>
+                  <p:par>
+                    <p:cTn id="8" fill="hold">
+                      <p:stCondLst>
+                        <p:cond delay="indefinite"/>
+                      </p:stCondLst>
+                      <p:childTnLst>
+                        <p:par>
+                          <p:cTn id="9" fill="hold">
+                            <p:stCondLst>
+                              <p:cond delay="0"/>
+                            </p:stCondLst>
+                            <p:childTnLst>
+                              <p:par>
+                                <p:cTn id="10" presetID="16" presetClass="exit" presetSubtype="21" fill="hold" grpId="1" nodeType="clickEffect">
+                                  <p:stCondLst>
+                                    <p:cond delay="0"/>
+                                  </p:stCondLst>
+                                  <p:childTnLst>
+                                    <p:animEffect transition="out" filter="barn(inVertical)">
+                                      <p:cBhvr>
+                                        <p:cTn id="11" dur="500"/>
+                                        <p:tgtEl>
+                                          <p:spTgt spid="49"/>
+                                        </p:tgtEl>
+                                      </p:cBhvr>
+                                    </p:animEffect>
+                                    <p:set>
+                                      <p:cBhvr>
+                                        <p:cTn id="12" dur="1" fill="hold">
+                                          <p:stCondLst>
+                                            <p:cond delay="499"/>
+                                          </p:stCondLst>
+                                        </p:cTn>
+                                        <p:tgtEl>
+                                          <p:spTgt spid="49"/>
+                                        </p:tgtEl>
+                                        <p:attrNameLst>
+                                          <p:attrName>style.visibility</p:attrName>
+                                        </p:attrNameLst>
+                                      </p:cBhvr>
+                                      <p:to>
+                                        <p:strVal val="hidden"/>
+                                      </p:to>
+                                    </p:set>
+                                  </p:childTnLst>
+                                </p:cTn>
+                              </p:par>
+                            </p:childTnLst>
+                          </p:cTn>
+                        </p:par>
+                      </p:childTnLst>
+                    </p:cTn>
+                  </p:par>
+                  <p:par>
+                    <p:cTn id="13" fill="hold">
+                      <p:stCondLst>
+                        <p:cond delay="indefinite"/>
+                      </p:stCondLst>
+                      <p:childTnLst>
+                        <p:par>
+                          <p:cTn id="14" fill="hold">
+                            <p:stCondLst>
+                              <p:cond delay="0"/>
+                            </p:stCondLst>
+                            <p:childTnLst>
+                              <p:par>
+                                <p:cTn id="15" presetID="22" presetClass="entr" presetSubtype="4" fill="hold" grpId="0" nodeType="clickEffect">
+                                  <p:stCondLst>
+                                    <p:cond delay="0"/>
+                                  </p:stCondLst>
+                                  <p:childTnLst>
+                                    <p:set>
+                                      <p:cBhvr>
+                                        <p:cTn id="16" dur="1" fill="hold">
+                                          <p:stCondLst>
+                                            <p:cond delay="0"/>
+                                          </p:stCondLst>
+                                        </p:cTn>
+                                        <p:tgtEl>
+                                          <p:spTgt spid="58"/>
+                                        </p:tgtEl>
+                                        <p:attrNameLst>
+                                          <p:attrName>style.visibility</p:attrName>
+                                        </p:attrNameLst>
+                                      </p:cBhvr>
+                                      <p:to>
+                                        <p:strVal val="visible"/>
+                                      </p:to>
+                                    </p:set>
+                                    <p:animEffect transition="in" filter="wipe(down)">
+                                      <p:cBhvr>
+                                        <p:cTn id="17" dur="500"/>
+                                        <p:tgtEl>
+                                          <p:spTgt spid="58"/>
+                                        </p:tgtEl>
+                                      </p:cBhvr>
+                                    </p:animEffect>
+                                  </p:childTnLst>
+                                </p:cTn>
+                              </p:par>
+                            </p:childTnLst>
+                          </p:cTn>
+                        </p:par>
+                      </p:childTnLst>
+                    </p:cTn>
+                  </p:par>
+                  <p:par>
+                    <p:cTn id="18" fill="hold">
+                      <p:stCondLst>
+                        <p:cond delay="indefinite"/>
+                      </p:stCondLst>
+                      <p:childTnLst>
+                        <p:par>
+                          <p:cTn id="19" fill="hold">
+                            <p:stCondLst>
+                              <p:cond delay="0"/>
+                            </p:stCondLst>
+                            <p:childTnLst>
+                              <p:par>
+                                <p:cTn id="20" presetID="16" presetClass="exit" presetSubtype="21" fill="hold" grpId="1" nodeType="clickEffect">
+                                  <p:stCondLst>
+                                    <p:cond delay="0"/>
+                                  </p:stCondLst>
+                                  <p:childTnLst>
+                                    <p:animEffect transition="out" filter="barn(inVertical)">
+                                      <p:cBhvr>
+                                        <p:cTn id="21" dur="500"/>
+                                        <p:tgtEl>
+                                          <p:spTgt spid="58"/>
+                                        </p:tgtEl>
+                                      </p:cBhvr>
+                                    </p:animEffect>
+                                    <p:set>
+                                      <p:cBhvr>
+                                        <p:cTn id="22" dur="1" fill="hold">
+                                          <p:stCondLst>
+                                            <p:cond delay="499"/>
+                                          </p:stCondLst>
+                                        </p:cTn>
+                                        <p:tgtEl>
+                                          <p:spTgt spid="58"/>
+                                        </p:tgtEl>
+                                        <p:attrNameLst>
+                                          <p:attrName>style.visibility</p:attrName>
+                                        </p:attrNameLst>
+                                      </p:cBhvr>
+                                      <p:to>
+                                        <p:strVal val="hidden"/>
+                                      </p:to>
+                                    </p:set>
+                                  </p:childTnLst>
+                                </p:cTn>
+                              </p:par>
+                            </p:childTnLst>
+                          </p:cTn>
+                        </p:par>
+                      </p:childTnLst>
+                    </p:cTn>
+                  </p:par>
+                  <p:par>
+                    <p:cTn id="23" fill="hold">
+                      <p:stCondLst>
+                        <p:cond delay="indefinite"/>
+                      </p:stCondLst>
+                      <p:childTnLst>
+                        <p:par>
+                          <p:cTn id="24" fill="hold">
+                            <p:stCondLst>
+                              <p:cond delay="0"/>
+                            </p:stCondLst>
+                            <p:childTnLst>
+                              <p:par>
+                                <p:cTn id="25" presetID="16" presetClass="exit" presetSubtype="21" fill="hold" grpId="0" nodeType="clickEffect">
+                                  <p:stCondLst>
+                                    <p:cond delay="0"/>
+                                  </p:stCondLst>
+                                  <p:childTnLst>
+                                    <p:animEffect transition="out" filter="barn(inVertical)">
+                                      <p:cBhvr>
+                                        <p:cTn id="26" dur="500"/>
+                                        <p:tgtEl>
+                                          <p:spTgt spid="11"/>
+                                        </p:tgtEl>
+                                      </p:cBhvr>
+                                    </p:animEffect>
+                                    <p:set>
+                                      <p:cBhvr>
+                                        <p:cTn id="27" dur="1" fill="hold">
+                                          <p:stCondLst>
+                                            <p:cond delay="499"/>
+                                          </p:stCondLst>
+                                        </p:cTn>
+                                        <p:tgtEl>
+                                          <p:spTgt spid="11"/>
+                                        </p:tgtEl>
+                                        <p:attrNameLst>
+                                          <p:attrName>style.visibility</p:attrName>
+                                        </p:attrNameLst>
+                                      </p:cBhvr>
+                                      <p:to>
+                                        <p:strVal val="hidden"/>
+                                      </p:to>
+                                    </p:set>
+                                  </p:childTnLst>
+                                </p:cTn>
+                              </p:par>
+                              <p:par>
+                                <p:cTn id="28" presetID="16" presetClass="exit" presetSubtype="21" fill="hold" grpId="0" nodeType="withEffect">
+                                  <p:stCondLst>
+                                    <p:cond delay="0"/>
+                                  </p:stCondLst>
+                                  <p:childTnLst>
+                                    <p:animEffect transition="out" filter="barn(inVertical)">
+                                      <p:cBhvr>
+                                        <p:cTn id="29" dur="500"/>
+                                        <p:tgtEl>
+                                          <p:spTgt spid="5"/>
+                                        </p:tgtEl>
+                                      </p:cBhvr>
+                                    </p:animEffect>
+                                    <p:set>
+                                      <p:cBhvr>
+                                        <p:cTn id="30" dur="1" fill="hold">
+                                          <p:stCondLst>
+                                            <p:cond delay="499"/>
+                                          </p:stCondLst>
+                                        </p:cTn>
+                                        <p:tgtEl>
+                                          <p:spTgt spid="5"/>
+                                        </p:tgtEl>
+                                        <p:attrNameLst>
+                                          <p:attrName>style.visibility</p:attrName>
+                                        </p:attrNameLst>
+                                      </p:cBhvr>
+                                      <p:to>
+                                        <p:strVal val="hidden"/>
+                                      </p:to>
+                                    </p:set>
+                                  </p:childTnLst>
+                                </p:cTn>
+                              </p:par>
+                              <p:par>
+                                <p:cTn id="31" presetID="16" presetClass="exit" presetSubtype="21" fill="hold" grpId="0" nodeType="withEffect">
+                                  <p:stCondLst>
+                                    <p:cond delay="0"/>
+                                  </p:stCondLst>
+                                  <p:childTnLst>
+                                    <p:animEffect transition="out" filter="barn(inVertical)">
+                                      <p:cBhvr>
+                                        <p:cTn id="32" dur="500"/>
+                                        <p:tgtEl>
+                                          <p:spTgt spid="6"/>
+                                        </p:tgtEl>
+                                      </p:cBhvr>
+                                    </p:animEffect>
+                                    <p:set>
+                                      <p:cBhvr>
+                                        <p:cTn id="33" dur="1" fill="hold">
+                                          <p:stCondLst>
+                                            <p:cond delay="499"/>
+                                          </p:stCondLst>
+                                        </p:cTn>
+                                        <p:tgtEl>
+                                          <p:spTgt spid="6"/>
+                                        </p:tgtEl>
+                                        <p:attrNameLst>
+                                          <p:attrName>style.visibility</p:attrName>
+                                        </p:attrNameLst>
+                                      </p:cBhvr>
+                                      <p:to>
+                                        <p:strVal val="hidden"/>
+                                      </p:to>
+                                    </p:set>
+                                  </p:childTnLst>
+                                </p:cTn>
+                              </p:par>
+                              <p:par>
+                                <p:cTn id="34" presetID="16" presetClass="exit" presetSubtype="21" fill="hold" grpId="0" nodeType="withEffect">
+                                  <p:stCondLst>
+                                    <p:cond delay="0"/>
+                                  </p:stCondLst>
+                                  <p:childTnLst>
+                                    <p:animEffect transition="out" filter="barn(inVertical)">
+                                      <p:cBhvr>
+                                        <p:cTn id="35" dur="500"/>
+                                        <p:tgtEl>
+                                          <p:spTgt spid="7"/>
+                                        </p:tgtEl>
+                                      </p:cBhvr>
+                                    </p:animEffect>
+                                    <p:set>
+                                      <p:cBhvr>
+                                        <p:cTn id="36" dur="1" fill="hold">
+                                          <p:stCondLst>
+                                            <p:cond delay="499"/>
+                                          </p:stCondLst>
+                                        </p:cTn>
+                                        <p:tgtEl>
+                                          <p:spTgt spid="7"/>
+                                        </p:tgtEl>
+                                        <p:attrNameLst>
+                                          <p:attrName>style.visibility</p:attrName>
+                                        </p:attrNameLst>
+                                      </p:cBhvr>
+                                      <p:to>
+                                        <p:strVal val="hidden"/>
+                                      </p:to>
+                                    </p:set>
+                                  </p:childTnLst>
+                                </p:cTn>
+                              </p:par>
+                              <p:par>
+                                <p:cTn id="37" presetID="16" presetClass="exit" presetSubtype="21" fill="hold" grpId="0" nodeType="withEffect">
+                                  <p:stCondLst>
+                                    <p:cond delay="0"/>
+                                  </p:stCondLst>
+                                  <p:childTnLst>
+                                    <p:animEffect transition="out" filter="barn(inVertical)">
+                                      <p:cBhvr>
+                                        <p:cTn id="38" dur="500"/>
+                                        <p:tgtEl>
+                                          <p:spTgt spid="8"/>
+                                        </p:tgtEl>
+                                      </p:cBhvr>
+                                    </p:animEffect>
+                                    <p:set>
+                                      <p:cBhvr>
+                                        <p:cTn id="39" dur="1" fill="hold">
+                                          <p:stCondLst>
+                                            <p:cond delay="499"/>
+                                          </p:stCondLst>
+                                        </p:cTn>
+                                        <p:tgtEl>
+                                          <p:spTgt spid="8"/>
+                                        </p:tgtEl>
+                                        <p:attrNameLst>
+                                          <p:attrName>style.visibility</p:attrName>
+                                        </p:attrNameLst>
+                                      </p:cBhvr>
+                                      <p:to>
+                                        <p:strVal val="hidden"/>
+                                      </p:to>
+                                    </p:set>
+                                  </p:childTnLst>
+                                </p:cTn>
+                              </p:par>
+                              <p:par>
+                                <p:cTn id="40" presetID="16" presetClass="exit" presetSubtype="21" fill="hold" grpId="0" nodeType="withEffect">
+                                  <p:stCondLst>
+                                    <p:cond delay="0"/>
+                                  </p:stCondLst>
+                                  <p:childTnLst>
+                                    <p:animEffect transition="out" filter="barn(inVertical)">
+                                      <p:cBhvr>
+                                        <p:cTn id="41" dur="500"/>
+                                        <p:tgtEl>
+                                          <p:spTgt spid="9"/>
+                                        </p:tgtEl>
+                                      </p:cBhvr>
+                                    </p:animEffect>
+                                    <p:set>
+                                      <p:cBhvr>
+                                        <p:cTn id="42" dur="1" fill="hold">
+                                          <p:stCondLst>
+                                            <p:cond delay="499"/>
+                                          </p:stCondLst>
+                                        </p:cTn>
+                                        <p:tgtEl>
+                                          <p:spTgt spid="9"/>
+                                        </p:tgtEl>
+                                        <p:attrNameLst>
+                                          <p:attrName>style.visibility</p:attrName>
+                                        </p:attrNameLst>
+                                      </p:cBhvr>
+                                      <p:to>
+                                        <p:strVal val="hidden"/>
+                                      </p:to>
+                                    </p:set>
+                                  </p:childTnLst>
+                                </p:cTn>
+                              </p:par>
+                              <p:par>
+                                <p:cTn id="43" presetID="16" presetClass="exit" presetSubtype="21" fill="hold" grpId="0" nodeType="withEffect">
+                                  <p:stCondLst>
+                                    <p:cond delay="0"/>
+                                  </p:stCondLst>
+                                  <p:childTnLst>
+                                    <p:animEffect transition="out" filter="barn(inVertical)">
+                                      <p:cBhvr>
+                                        <p:cTn id="44" dur="500"/>
+                                        <p:tgtEl>
+                                          <p:spTgt spid="10"/>
+                                        </p:tgtEl>
+                                      </p:cBhvr>
+                                    </p:animEffect>
+                                    <p:set>
+                                      <p:cBhvr>
+                                        <p:cTn id="45" dur="1" fill="hold">
+                                          <p:stCondLst>
+                                            <p:cond delay="499"/>
+                                          </p:stCondLst>
+                                        </p:cTn>
+                                        <p:tgtEl>
+                                          <p:spTgt spid="10"/>
+                                        </p:tgtEl>
+                                        <p:attrNameLst>
+                                          <p:attrName>style.visibility</p:attrName>
+                                        </p:attrNameLst>
+                                      </p:cBhvr>
+                                      <p:to>
+                                        <p:strVal val="hidden"/>
+                                      </p:to>
+                                    </p:set>
+                                  </p:childTnLst>
+                                </p:cTn>
+                              </p:par>
+                              <p:par>
+                                <p:cTn id="46" presetID="16" presetClass="exit" presetSubtype="21" fill="hold" grpId="0" nodeType="withEffect">
+                                  <p:stCondLst>
+                                    <p:cond delay="0"/>
+                                  </p:stCondLst>
+                                  <p:childTnLst>
+                                    <p:animEffect transition="out" filter="barn(inVertical)">
+                                      <p:cBhvr>
+                                        <p:cTn id="47" dur="500"/>
+                                        <p:tgtEl>
+                                          <p:spTgt spid="12"/>
+                                        </p:tgtEl>
+                                      </p:cBhvr>
+                                    </p:animEffect>
+                                    <p:set>
+                                      <p:cBhvr>
+                                        <p:cTn id="48" dur="1" fill="hold">
+                                          <p:stCondLst>
+                                            <p:cond delay="499"/>
+                                          </p:stCondLst>
+                                        </p:cTn>
+                                        <p:tgtEl>
+                                          <p:spTgt spid="12"/>
+                                        </p:tgtEl>
+                                        <p:attrNameLst>
+                                          <p:attrName>style.visibility</p:attrName>
+                                        </p:attrNameLst>
+                                      </p:cBhvr>
+                                      <p:to>
+                                        <p:strVal val="hidden"/>
+                                      </p:to>
+                                    </p:set>
+                                  </p:childTnLst>
+                                </p:cTn>
+                              </p:par>
+                              <p:par>
+                                <p:cTn id="49" presetID="16" presetClass="exit" presetSubtype="21" fill="hold" grpId="0" nodeType="withEffect">
+                                  <p:stCondLst>
+                                    <p:cond delay="0"/>
+                                  </p:stCondLst>
+                                  <p:childTnLst>
+                                    <p:animEffect transition="out" filter="barn(inVertical)">
+                                      <p:cBhvr>
+                                        <p:cTn id="50" dur="500"/>
+                                        <p:tgtEl>
+                                          <p:spTgt spid="38"/>
+                                        </p:tgtEl>
+                                      </p:cBhvr>
+                                    </p:animEffect>
+                                    <p:set>
+                                      <p:cBhvr>
+                                        <p:cTn id="51" dur="1" fill="hold">
+                                          <p:stCondLst>
+                                            <p:cond delay="499"/>
+                                          </p:stCondLst>
+                                        </p:cTn>
+                                        <p:tgtEl>
+                                          <p:spTgt spid="38"/>
+                                        </p:tgtEl>
+                                        <p:attrNameLst>
+                                          <p:attrName>style.visibility</p:attrName>
+                                        </p:attrNameLst>
+                                      </p:cBhvr>
+                                      <p:to>
+                                        <p:strVal val="hidden"/>
+                                      </p:to>
+                                    </p:set>
+                                  </p:childTnLst>
+                                </p:cTn>
+                              </p:par>
+                              <p:par>
+                                <p:cTn id="52" presetID="16" presetClass="exit" presetSubtype="21" fill="hold" grpId="0" nodeType="withEffect">
+                                  <p:stCondLst>
+                                    <p:cond delay="0"/>
+                                  </p:stCondLst>
+                                  <p:childTnLst>
+                                    <p:animEffect transition="out" filter="barn(inVertical)">
+                                      <p:cBhvr>
+                                        <p:cTn id="53" dur="500"/>
+                                        <p:tgtEl>
+                                          <p:spTgt spid="39"/>
+                                        </p:tgtEl>
+                                      </p:cBhvr>
+                                    </p:animEffect>
+                                    <p:set>
+                                      <p:cBhvr>
+                                        <p:cTn id="54" dur="1" fill="hold">
+                                          <p:stCondLst>
+                                            <p:cond delay="499"/>
+                                          </p:stCondLst>
+                                        </p:cTn>
+                                        <p:tgtEl>
+                                          <p:spTgt spid="39"/>
+                                        </p:tgtEl>
+                                        <p:attrNameLst>
+                                          <p:attrName>style.visibility</p:attrName>
+                                        </p:attrNameLst>
+                                      </p:cBhvr>
+                                      <p:to>
+                                        <p:strVal val="hidden"/>
+                                      </p:to>
+                                    </p:set>
+                                  </p:childTnLst>
+                                </p:cTn>
+                              </p:par>
+                              <p:par>
+                                <p:cTn id="55" presetID="16" presetClass="exit" presetSubtype="21" fill="hold" grpId="0" nodeType="withEffect">
+                                  <p:stCondLst>
+                                    <p:cond delay="0"/>
+                                  </p:stCondLst>
+                                  <p:childTnLst>
+                                    <p:animEffect transition="out" filter="barn(inVertical)">
+                                      <p:cBhvr>
+                                        <p:cTn id="56" dur="500"/>
+                                        <p:tgtEl>
+                                          <p:spTgt spid="40"/>
+                                        </p:tgtEl>
+                                      </p:cBhvr>
+                                    </p:animEffect>
+                                    <p:set>
+                                      <p:cBhvr>
+                                        <p:cTn id="57" dur="1" fill="hold">
+                                          <p:stCondLst>
+                                            <p:cond delay="499"/>
+                                          </p:stCondLst>
+                                        </p:cTn>
+                                        <p:tgtEl>
+                                          <p:spTgt spid="40"/>
+                                        </p:tgtEl>
+                                        <p:attrNameLst>
+                                          <p:attrName>style.visibility</p:attrName>
+                                        </p:attrNameLst>
+                                      </p:cBhvr>
+                                      <p:to>
+                                        <p:strVal val="hidden"/>
+                                      </p:to>
+                                    </p:set>
+                                  </p:childTnLst>
+                                </p:cTn>
+                              </p:par>
+                              <p:par>
+                                <p:cTn id="58" presetID="16" presetClass="exit" presetSubtype="21" fill="hold" nodeType="withEffect">
+                                  <p:stCondLst>
+                                    <p:cond delay="0"/>
+                                  </p:stCondLst>
+                                  <p:childTnLst>
+                                    <p:animEffect transition="out" filter="barn(inVertical)">
+                                      <p:cBhvr>
+                                        <p:cTn id="59" dur="500"/>
+                                        <p:tgtEl>
+                                          <p:spTgt spid="44"/>
+                                        </p:tgtEl>
+                                      </p:cBhvr>
+                                    </p:animEffect>
+                                    <p:set>
+                                      <p:cBhvr>
+                                        <p:cTn id="60" dur="1" fill="hold">
+                                          <p:stCondLst>
+                                            <p:cond delay="499"/>
+                                          </p:stCondLst>
+                                        </p:cTn>
+                                        <p:tgtEl>
+                                          <p:spTgt spid="44"/>
+                                        </p:tgtEl>
+                                        <p:attrNameLst>
+                                          <p:attrName>style.visibility</p:attrName>
+                                        </p:attrNameLst>
+                                      </p:cBhvr>
+                                      <p:to>
+                                        <p:strVal val="hidden"/>
+                                      </p:to>
+                                    </p:set>
+                                  </p:childTnLst>
+                                </p:cTn>
+                              </p:par>
+                              <p:par>
+                                <p:cTn id="61" presetID="16" presetClass="exit" presetSubtype="21" fill="hold" nodeType="withEffect">
+                                  <p:stCondLst>
+                                    <p:cond delay="0"/>
+                                  </p:stCondLst>
+                                  <p:childTnLst>
+                                    <p:animEffect transition="out" filter="barn(inVertical)">
+                                      <p:cBhvr>
+                                        <p:cTn id="62" dur="500"/>
+                                        <p:tgtEl>
+                                          <p:spTgt spid="51"/>
+                                        </p:tgtEl>
+                                      </p:cBhvr>
+                                    </p:animEffect>
+                                    <p:set>
+                                      <p:cBhvr>
+                                        <p:cTn id="63" dur="1" fill="hold">
+                                          <p:stCondLst>
+                                            <p:cond delay="499"/>
+                                          </p:stCondLst>
+                                        </p:cTn>
+                                        <p:tgtEl>
+                                          <p:spTgt spid="51"/>
+                                        </p:tgtEl>
+                                        <p:attrNameLst>
+                                          <p:attrName>style.visibility</p:attrName>
+                                        </p:attrNameLst>
+                                      </p:cBhvr>
+                                      <p:to>
+                                        <p:strVal val="hidden"/>
+                                      </p:to>
+                                    </p:set>
+                                  </p:childTnLst>
+                                </p:cTn>
+                              </p:par>
+                              <p:par>
+                                <p:cTn id="64" presetID="16" presetClass="exit" presetSubtype="21" fill="hold" nodeType="withEffect">
+                                  <p:stCondLst>
+                                    <p:cond delay="0"/>
+                                  </p:stCondLst>
+                                  <p:childTnLst>
+                                    <p:animEffect transition="out" filter="barn(inVertical)">
+                                      <p:cBhvr>
+                                        <p:cTn id="65" dur="500"/>
+                                        <p:tgtEl>
+                                          <p:spTgt spid="53"/>
+                                        </p:tgtEl>
+                                      </p:cBhvr>
+                                    </p:animEffect>
+                                    <p:set>
+                                      <p:cBhvr>
+                                        <p:cTn id="66" dur="1" fill="hold">
+                                          <p:stCondLst>
+                                            <p:cond delay="499"/>
+                                          </p:stCondLst>
+                                        </p:cTn>
+                                        <p:tgtEl>
+                                          <p:spTgt spid="53"/>
+                                        </p:tgtEl>
+                                        <p:attrNameLst>
+                                          <p:attrName>style.visibility</p:attrName>
+                                        </p:attrNameLst>
+                                      </p:cBhvr>
+                                      <p:to>
+                                        <p:strVal val="hidden"/>
+                                      </p:to>
+                                    </p:set>
+                                  </p:childTnLst>
+                                </p:cTn>
+                              </p:par>
+                              <p:par>
+                                <p:cTn id="67" presetID="16" presetClass="exit" presetSubtype="21" fill="hold" nodeType="withEffect">
+                                  <p:stCondLst>
+                                    <p:cond delay="0"/>
+                                  </p:stCondLst>
+                                  <p:childTnLst>
+                                    <p:animEffect transition="out" filter="barn(inVertical)">
+                                      <p:cBhvr>
+                                        <p:cTn id="68" dur="500"/>
+                                        <p:tgtEl>
+                                          <p:spTgt spid="55"/>
+                                        </p:tgtEl>
+                                      </p:cBhvr>
+                                    </p:animEffect>
+                                    <p:set>
+                                      <p:cBhvr>
+                                        <p:cTn id="69" dur="1" fill="hold">
+                                          <p:stCondLst>
+                                            <p:cond delay="499"/>
+                                          </p:stCondLst>
+                                        </p:cTn>
+                                        <p:tgtEl>
+                                          <p:spTgt spid="55"/>
+                                        </p:tgtEl>
+                                        <p:attrNameLst>
+                                          <p:attrName>style.visibility</p:attrName>
+                                        </p:attrNameLst>
+                                      </p:cBhvr>
+                                      <p:to>
+                                        <p:strVal val="hidden"/>
+                                      </p:to>
+                                    </p:set>
+                                  </p:childTnLst>
+                                </p:cTn>
+                              </p:par>
+                              <p:par>
+                                <p:cTn id="70" presetID="16" presetClass="exit" presetSubtype="21" fill="hold" nodeType="withEffect">
+                                  <p:stCondLst>
+                                    <p:cond delay="0"/>
+                                  </p:stCondLst>
+                                  <p:childTnLst>
+                                    <p:animEffect transition="out" filter="barn(inVertical)">
+                                      <p:cBhvr>
+                                        <p:cTn id="71" dur="500"/>
+                                        <p:tgtEl>
+                                          <p:spTgt spid="24"/>
+                                        </p:tgtEl>
+                                      </p:cBhvr>
+                                    </p:animEffect>
+                                    <p:set>
+                                      <p:cBhvr>
+                                        <p:cTn id="72" dur="1" fill="hold">
+                                          <p:stCondLst>
+                                            <p:cond delay="499"/>
+                                          </p:stCondLst>
+                                        </p:cTn>
+                                        <p:tgtEl>
+                                          <p:spTgt spid="24"/>
+                                        </p:tgtEl>
+                                        <p:attrNameLst>
+                                          <p:attrName>style.visibility</p:attrName>
+                                        </p:attrNameLst>
+                                      </p:cBhvr>
+                                      <p:to>
+                                        <p:strVal val="hidden"/>
+                                      </p:to>
+                                    </p:set>
+                                  </p:childTnLst>
+                                </p:cTn>
+                              </p:par>
+                              <p:par>
+                                <p:cTn id="73" presetID="16" presetClass="exit" presetSubtype="21" fill="hold" nodeType="withEffect">
+                                  <p:stCondLst>
+                                    <p:cond delay="0"/>
+                                  </p:stCondLst>
+                                  <p:childTnLst>
+                                    <p:animEffect transition="out" filter="barn(inVertical)">
+                                      <p:cBhvr>
+                                        <p:cTn id="74" dur="500"/>
+                                        <p:tgtEl>
+                                          <p:spTgt spid="26"/>
+                                        </p:tgtEl>
+                                      </p:cBhvr>
+                                    </p:animEffect>
+                                    <p:set>
+                                      <p:cBhvr>
+                                        <p:cTn id="75" dur="1" fill="hold">
+                                          <p:stCondLst>
+                                            <p:cond delay="499"/>
+                                          </p:stCondLst>
+                                        </p:cTn>
+                                        <p:tgtEl>
+                                          <p:spTgt spid="26"/>
+                                        </p:tgtEl>
+                                        <p:attrNameLst>
+                                          <p:attrName>style.visibility</p:attrName>
+                                        </p:attrNameLst>
+                                      </p:cBhvr>
+                                      <p:to>
+                                        <p:strVal val="hidden"/>
+                                      </p:to>
+                                    </p:set>
+                                  </p:childTnLst>
+                                </p:cTn>
+                              </p:par>
+                              <p:par>
+                                <p:cTn id="76" presetID="16" presetClass="exit" presetSubtype="21" fill="hold" nodeType="withEffect">
+                                  <p:stCondLst>
+                                    <p:cond delay="0"/>
+                                  </p:stCondLst>
+                                  <p:childTnLst>
+                                    <p:animEffect transition="out" filter="barn(inVertical)">
+                                      <p:cBhvr>
+                                        <p:cTn id="77" dur="500"/>
+                                        <p:tgtEl>
+                                          <p:spTgt spid="28"/>
+                                        </p:tgtEl>
+                                      </p:cBhvr>
+                                    </p:animEffect>
+                                    <p:set>
+                                      <p:cBhvr>
+                                        <p:cTn id="78" dur="1" fill="hold">
+                                          <p:stCondLst>
+                                            <p:cond delay="499"/>
+                                          </p:stCondLst>
+                                        </p:cTn>
+                                        <p:tgtEl>
+                                          <p:spTgt spid="28"/>
+                                        </p:tgtEl>
+                                        <p:attrNameLst>
+                                          <p:attrName>style.visibility</p:attrName>
+                                        </p:attrNameLst>
+                                      </p:cBhvr>
+                                      <p:to>
+                                        <p:strVal val="hidden"/>
+                                      </p:to>
+                                    </p:set>
+                                  </p:childTnLst>
+                                </p:cTn>
+                              </p:par>
+                              <p:par>
+                                <p:cTn id="79" presetID="16" presetClass="exit" presetSubtype="21" fill="hold" nodeType="withEffect">
+                                  <p:stCondLst>
+                                    <p:cond delay="0"/>
+                                  </p:stCondLst>
+                                  <p:childTnLst>
+                                    <p:animEffect transition="out" filter="barn(inVertical)">
+                                      <p:cBhvr>
+                                        <p:cTn id="80" dur="500"/>
+                                        <p:tgtEl>
+                                          <p:spTgt spid="31"/>
+                                        </p:tgtEl>
+                                      </p:cBhvr>
+                                    </p:animEffect>
+                                    <p:set>
+                                      <p:cBhvr>
+                                        <p:cTn id="81" dur="1" fill="hold">
+                                          <p:stCondLst>
+                                            <p:cond delay="499"/>
+                                          </p:stCondLst>
+                                        </p:cTn>
+                                        <p:tgtEl>
+                                          <p:spTgt spid="31"/>
+                                        </p:tgtEl>
+                                        <p:attrNameLst>
+                                          <p:attrName>style.visibility</p:attrName>
+                                        </p:attrNameLst>
+                                      </p:cBhvr>
+                                      <p:to>
+                                        <p:strVal val="hidden"/>
+                                      </p:to>
+                                    </p:set>
+                                  </p:childTnLst>
+                                </p:cTn>
+                              </p:par>
+                              <p:par>
+                                <p:cTn id="82" presetID="16" presetClass="exit" presetSubtype="21" fill="hold" nodeType="withEffect">
+                                  <p:stCondLst>
+                                    <p:cond delay="0"/>
+                                  </p:stCondLst>
+                                  <p:childTnLst>
+                                    <p:animEffect transition="out" filter="barn(inVertical)">
+                                      <p:cBhvr>
+                                        <p:cTn id="83" dur="500"/>
+                                        <p:tgtEl>
+                                          <p:spTgt spid="33"/>
+                                        </p:tgtEl>
+                                      </p:cBhvr>
+                                    </p:animEffect>
+                                    <p:set>
+                                      <p:cBhvr>
+                                        <p:cTn id="84" dur="1" fill="hold">
+                                          <p:stCondLst>
+                                            <p:cond delay="499"/>
+                                          </p:stCondLst>
+                                        </p:cTn>
+                                        <p:tgtEl>
+                                          <p:spTgt spid="33"/>
+                                        </p:tgtEl>
+                                        <p:attrNameLst>
+                                          <p:attrName>style.visibility</p:attrName>
+                                        </p:attrNameLst>
+                                      </p:cBhvr>
+                                      <p:to>
+                                        <p:strVal val="hidden"/>
+                                      </p:to>
+                                    </p:set>
+                                  </p:childTnLst>
+                                </p:cTn>
+                              </p:par>
+                              <p:par>
+                                <p:cTn id="85" presetID="16" presetClass="exit" presetSubtype="21" fill="hold" nodeType="withEffect">
+                                  <p:stCondLst>
+                                    <p:cond delay="0"/>
+                                  </p:stCondLst>
+                                  <p:childTnLst>
+                                    <p:animEffect transition="out" filter="barn(inVertical)">
+                                      <p:cBhvr>
+                                        <p:cTn id="86" dur="500"/>
+                                        <p:tgtEl>
+                                          <p:spTgt spid="35"/>
+                                        </p:tgtEl>
+                                      </p:cBhvr>
+                                    </p:animEffect>
+                                    <p:set>
+                                      <p:cBhvr>
+                                        <p:cTn id="87" dur="1" fill="hold">
+                                          <p:stCondLst>
+                                            <p:cond delay="499"/>
+                                          </p:stCondLst>
+                                        </p:cTn>
+                                        <p:tgtEl>
+                                          <p:spTgt spid="35"/>
+                                        </p:tgtEl>
+                                        <p:attrNameLst>
+                                          <p:attrName>style.visibility</p:attrName>
+                                        </p:attrNameLst>
+                                      </p:cBhvr>
+                                      <p:to>
+                                        <p:strVal val="hidden"/>
+                                      </p:to>
+                                    </p:set>
+                                  </p:childTnLst>
+                                </p:cTn>
+                              </p:par>
+                            </p:childTnLst>
+                          </p:cTn>
+                        </p:par>
+                      </p:childTnLst>
+                    </p:cTn>
+                  </p:par>
+                  <p:par>
+                    <p:cTn id="88" fill="hold">
+                      <p:stCondLst>
+                        <p:cond delay="indefinite"/>
+                      </p:stCondLst>
+                      <p:childTnLst>
+                        <p:par>
+                          <p:cTn id="89" fill="hold">
+                            <p:stCondLst>
+                              <p:cond delay="0"/>
+                            </p:stCondLst>
+                            <p:childTnLst>
+                              <p:par>
+                                <p:cTn id="90" presetID="16" presetClass="entr" presetSubtype="21" fill="hold" grpId="0" nodeType="clickEffect">
+                                  <p:stCondLst>
+                                    <p:cond delay="0"/>
+                                  </p:stCondLst>
+                                  <p:childTnLst>
+                                    <p:set>
+                                      <p:cBhvr>
+                                        <p:cTn id="91" dur="1" fill="hold">
+                                          <p:stCondLst>
+                                            <p:cond delay="0"/>
+                                          </p:stCondLst>
+                                        </p:cTn>
+                                        <p:tgtEl>
+                                          <p:spTgt spid="59"/>
+                                        </p:tgtEl>
+                                        <p:attrNameLst>
+                                          <p:attrName>style.visibility</p:attrName>
+                                        </p:attrNameLst>
+                                      </p:cBhvr>
+                                      <p:to>
+                                        <p:strVal val="visible"/>
+                                      </p:to>
+                                    </p:set>
+                                    <p:animEffect transition="in" filter="barn(inVertical)">
+                                      <p:cBhvr>
+                                        <p:cTn id="92" dur="500"/>
+                                        <p:tgtEl>
+                                          <p:spTgt spid="59"/>
+                                        </p:tgtEl>
+                                      </p:cBhvr>
+                                    </p:animEffect>
+                                  </p:childTnLst>
+                                </p:cTn>
+                              </p:par>
+                              <p:par>
+                                <p:cTn id="93" presetID="16" presetClass="entr" presetSubtype="21" fill="hold" grpId="0" nodeType="withEffect">
+                                  <p:stCondLst>
+                                    <p:cond delay="0"/>
+                                  </p:stCondLst>
+                                  <p:childTnLst>
+                                    <p:set>
+                                      <p:cBhvr>
+                                        <p:cTn id="94" dur="1" fill="hold">
+                                          <p:stCondLst>
+                                            <p:cond delay="0"/>
+                                          </p:stCondLst>
+                                        </p:cTn>
+                                        <p:tgtEl>
+                                          <p:spTgt spid="60"/>
+                                        </p:tgtEl>
+                                        <p:attrNameLst>
+                                          <p:attrName>style.visibility</p:attrName>
+                                        </p:attrNameLst>
+                                      </p:cBhvr>
+                                      <p:to>
+                                        <p:strVal val="visible"/>
+                                      </p:to>
+                                    </p:set>
+                                    <p:animEffect transition="in" filter="barn(inVertical)">
+                                      <p:cBhvr>
+                                        <p:cTn id="95" dur="500"/>
+                                        <p:tgtEl>
+                                          <p:spTgt spid="60"/>
+                                        </p:tgtEl>
+                                      </p:cBhvr>
+                                    </p:animEffect>
+                                  </p:childTnLst>
+                                </p:cTn>
+                              </p:par>
+                              <p:par>
+                                <p:cTn id="96" presetID="16" presetClass="entr" presetSubtype="21" fill="hold" grpId="0" nodeType="withEffect">
+                                  <p:stCondLst>
+                                    <p:cond delay="0"/>
+                                  </p:stCondLst>
+                                  <p:childTnLst>
+                                    <p:set>
+                                      <p:cBhvr>
+                                        <p:cTn id="97" dur="1" fill="hold">
+                                          <p:stCondLst>
+                                            <p:cond delay="0"/>
+                                          </p:stCondLst>
+                                        </p:cTn>
+                                        <p:tgtEl>
+                                          <p:spTgt spid="62"/>
+                                        </p:tgtEl>
+                                        <p:attrNameLst>
+                                          <p:attrName>style.visibility</p:attrName>
+                                        </p:attrNameLst>
+                                      </p:cBhvr>
+                                      <p:to>
+                                        <p:strVal val="visible"/>
+                                      </p:to>
+                                    </p:set>
+                                    <p:animEffect transition="in" filter="barn(inVertical)">
+                                      <p:cBhvr>
+                                        <p:cTn id="98" dur="500"/>
+                                        <p:tgtEl>
+                                          <p:spTgt spid="62"/>
+                                        </p:tgtEl>
+                                      </p:cBhvr>
+                                    </p:animEffect>
+                                  </p:childTnLst>
+                                </p:cTn>
+                              </p:par>
+                              <p:par>
+                                <p:cTn id="99" presetID="16" presetClass="entr" presetSubtype="21" fill="hold" grpId="0" nodeType="withEffect">
+                                  <p:stCondLst>
+                                    <p:cond delay="0"/>
+                                  </p:stCondLst>
+                                  <p:childTnLst>
+                                    <p:set>
+                                      <p:cBhvr>
+                                        <p:cTn id="100" dur="1" fill="hold">
+                                          <p:stCondLst>
+                                            <p:cond delay="0"/>
+                                          </p:stCondLst>
+                                        </p:cTn>
+                                        <p:tgtEl>
+                                          <p:spTgt spid="63"/>
+                                        </p:tgtEl>
+                                        <p:attrNameLst>
+                                          <p:attrName>style.visibility</p:attrName>
+                                        </p:attrNameLst>
+                                      </p:cBhvr>
+                                      <p:to>
+                                        <p:strVal val="visible"/>
+                                      </p:to>
+                                    </p:set>
+                                    <p:animEffect transition="in" filter="barn(inVertical)">
+                                      <p:cBhvr>
+                                        <p:cTn id="101" dur="500"/>
+                                        <p:tgtEl>
+                                          <p:spTgt spid="63"/>
+                                        </p:tgtEl>
+                                      </p:cBhvr>
+                                    </p:animEffect>
+                                  </p:childTnLst>
+                                </p:cTn>
+                              </p:par>
+                              <p:par>
+                                <p:cTn id="102" presetID="16" presetClass="entr" presetSubtype="21" fill="hold" grpId="0" nodeType="withEffect">
+                                  <p:stCondLst>
+                                    <p:cond delay="0"/>
+                                  </p:stCondLst>
+                                  <p:childTnLst>
+                                    <p:set>
+                                      <p:cBhvr>
+                                        <p:cTn id="103" dur="1" fill="hold">
+                                          <p:stCondLst>
+                                            <p:cond delay="0"/>
+                                          </p:stCondLst>
+                                        </p:cTn>
+                                        <p:tgtEl>
+                                          <p:spTgt spid="64"/>
+                                        </p:tgtEl>
+                                        <p:attrNameLst>
+                                          <p:attrName>style.visibility</p:attrName>
+                                        </p:attrNameLst>
+                                      </p:cBhvr>
+                                      <p:to>
+                                        <p:strVal val="visible"/>
+                                      </p:to>
+                                    </p:set>
+                                    <p:animEffect transition="in" filter="barn(inVertical)">
+                                      <p:cBhvr>
+                                        <p:cTn id="104" dur="500"/>
+                                        <p:tgtEl>
+                                          <p:spTgt spid="64"/>
+                                        </p:tgtEl>
+                                      </p:cBhvr>
+                                    </p:animEffect>
+                                  </p:childTnLst>
+                                </p:cTn>
+                              </p:par>
+                              <p:par>
+                                <p:cTn id="105" presetID="16" presetClass="entr" presetSubtype="21" fill="hold" grpId="0" nodeType="withEffect">
+                                  <p:stCondLst>
+                                    <p:cond delay="0"/>
+                                  </p:stCondLst>
+                                  <p:childTnLst>
+                                    <p:set>
+                                      <p:cBhvr>
+                                        <p:cTn id="106" dur="1" fill="hold">
+                                          <p:stCondLst>
+                                            <p:cond delay="0"/>
+                                          </p:stCondLst>
+                                        </p:cTn>
+                                        <p:tgtEl>
+                                          <p:spTgt spid="65"/>
+                                        </p:tgtEl>
+                                        <p:attrNameLst>
+                                          <p:attrName>style.visibility</p:attrName>
+                                        </p:attrNameLst>
+                                      </p:cBhvr>
+                                      <p:to>
+                                        <p:strVal val="visible"/>
+                                      </p:to>
+                                    </p:set>
+                                    <p:animEffect transition="in" filter="barn(inVertical)">
+                                      <p:cBhvr>
+                                        <p:cTn id="107" dur="500"/>
+                                        <p:tgtEl>
+                                          <p:spTgt spid="65"/>
+                                        </p:tgtEl>
+                                      </p:cBhvr>
+                                    </p:animEffect>
+                                  </p:childTnLst>
+                                </p:cTn>
+                              </p:par>
+                              <p:par>
+                                <p:cTn id="108" presetID="16" presetClass="entr" presetSubtype="21" fill="hold" grpId="0" nodeType="withEffect">
+                                  <p:stCondLst>
+                                    <p:cond delay="0"/>
+                                  </p:stCondLst>
+                                  <p:childTnLst>
+                                    <p:set>
+                                      <p:cBhvr>
+                                        <p:cTn id="109" dur="1" fill="hold">
+                                          <p:stCondLst>
+                                            <p:cond delay="0"/>
+                                          </p:stCondLst>
+                                        </p:cTn>
+                                        <p:tgtEl>
+                                          <p:spTgt spid="66"/>
+                                        </p:tgtEl>
+                                        <p:attrNameLst>
+                                          <p:attrName>style.visibility</p:attrName>
+                                        </p:attrNameLst>
+                                      </p:cBhvr>
+                                      <p:to>
+                                        <p:strVal val="visible"/>
+                                      </p:to>
+                                    </p:set>
+                                    <p:animEffect transition="in" filter="barn(inVertical)">
+                                      <p:cBhvr>
+                                        <p:cTn id="110" dur="500"/>
+                                        <p:tgtEl>
+                                          <p:spTgt spid="66"/>
+                                        </p:tgtEl>
+                                      </p:cBhvr>
+                                    </p:animEffect>
+                                  </p:childTnLst>
+                                </p:cTn>
+                              </p:par>
+                              <p:par>
+                                <p:cTn id="111" presetID="16" presetClass="entr" presetSubtype="21" fill="hold" grpId="0" nodeType="withEffect">
+                                  <p:stCondLst>
+                                    <p:cond delay="0"/>
+                                  </p:stCondLst>
+                                  <p:childTnLst>
+                                    <p:set>
+                                      <p:cBhvr>
+                                        <p:cTn id="112" dur="1" fill="hold">
+                                          <p:stCondLst>
+                                            <p:cond delay="0"/>
+                                          </p:stCondLst>
+                                        </p:cTn>
+                                        <p:tgtEl>
+                                          <p:spTgt spid="67"/>
+                                        </p:tgtEl>
+                                        <p:attrNameLst>
+                                          <p:attrName>style.visibility</p:attrName>
+                                        </p:attrNameLst>
+                                      </p:cBhvr>
+                                      <p:to>
+                                        <p:strVal val="visible"/>
+                                      </p:to>
+                                    </p:set>
+                                    <p:animEffect transition="in" filter="barn(inVertical)">
+                                      <p:cBhvr>
+                                        <p:cTn id="113" dur="500"/>
+                                        <p:tgtEl>
+                                          <p:spTgt spid="67"/>
+                                        </p:tgtEl>
+                                      </p:cBhvr>
+                                    </p:animEffect>
+                                  </p:childTnLst>
+                                </p:cTn>
+                              </p:par>
+                              <p:par>
+                                <p:cTn id="114" presetID="16" presetClass="entr" presetSubtype="21" fill="hold" nodeType="withEffect">
+                                  <p:stCondLst>
+                                    <p:cond delay="0"/>
+                                  </p:stCondLst>
+                                  <p:childTnLst>
+                                    <p:set>
+                                      <p:cBhvr>
+                                        <p:cTn id="115" dur="1" fill="hold">
+                                          <p:stCondLst>
+                                            <p:cond delay="0"/>
+                                          </p:stCondLst>
+                                        </p:cTn>
+                                        <p:tgtEl>
+                                          <p:spTgt spid="71"/>
+                                        </p:tgtEl>
+                                        <p:attrNameLst>
+                                          <p:attrName>style.visibility</p:attrName>
+                                        </p:attrNameLst>
+                                      </p:cBhvr>
+                                      <p:to>
+                                        <p:strVal val="visible"/>
+                                      </p:to>
+                                    </p:set>
+                                    <p:animEffect transition="in" filter="barn(inVertical)">
+                                      <p:cBhvr>
+                                        <p:cTn id="116" dur="500"/>
+                                        <p:tgtEl>
+                                          <p:spTgt spid="71"/>
+                                        </p:tgtEl>
+                                      </p:cBhvr>
+                                    </p:animEffect>
+                                  </p:childTnLst>
+                                </p:cTn>
+                              </p:par>
+                              <p:par>
+                                <p:cTn id="117" presetID="16" presetClass="entr" presetSubtype="21" fill="hold" nodeType="withEffect">
+                                  <p:stCondLst>
+                                    <p:cond delay="0"/>
+                                  </p:stCondLst>
+                                  <p:childTnLst>
+                                    <p:set>
+                                      <p:cBhvr>
+                                        <p:cTn id="118" dur="1" fill="hold">
+                                          <p:stCondLst>
+                                            <p:cond delay="0"/>
+                                          </p:stCondLst>
+                                        </p:cTn>
+                                        <p:tgtEl>
+                                          <p:spTgt spid="73"/>
+                                        </p:tgtEl>
+                                        <p:attrNameLst>
+                                          <p:attrName>style.visibility</p:attrName>
+                                        </p:attrNameLst>
+                                      </p:cBhvr>
+                                      <p:to>
+                                        <p:strVal val="visible"/>
+                                      </p:to>
+                                    </p:set>
+                                    <p:animEffect transition="in" filter="barn(inVertical)">
+                                      <p:cBhvr>
+                                        <p:cTn id="119" dur="500"/>
+                                        <p:tgtEl>
+                                          <p:spTgt spid="73"/>
+                                        </p:tgtEl>
+                                      </p:cBhvr>
+                                    </p:animEffect>
+                                  </p:childTnLst>
+                                </p:cTn>
+                              </p:par>
+                              <p:par>
+                                <p:cTn id="120" presetID="16" presetClass="entr" presetSubtype="21" fill="hold" nodeType="withEffect">
+                                  <p:stCondLst>
+                                    <p:cond delay="0"/>
+                                  </p:stCondLst>
+                                  <p:childTnLst>
+                                    <p:set>
+                                      <p:cBhvr>
+                                        <p:cTn id="121" dur="1" fill="hold">
+                                          <p:stCondLst>
+                                            <p:cond delay="0"/>
+                                          </p:stCondLst>
+                                        </p:cTn>
+                                        <p:tgtEl>
+                                          <p:spTgt spid="75"/>
+                                        </p:tgtEl>
+                                        <p:attrNameLst>
+                                          <p:attrName>style.visibility</p:attrName>
+                                        </p:attrNameLst>
+                                      </p:cBhvr>
+                                      <p:to>
+                                        <p:strVal val="visible"/>
+                                      </p:to>
+                                    </p:set>
+                                    <p:animEffect transition="in" filter="barn(inVertical)">
+                                      <p:cBhvr>
+                                        <p:cTn id="122" dur="500"/>
+                                        <p:tgtEl>
+                                          <p:spTgt spid="75"/>
+                                        </p:tgtEl>
+                                      </p:cBhvr>
+                                    </p:animEffect>
+                                  </p:childTnLst>
+                                </p:cTn>
+                              </p:par>
+                              <p:par>
+                                <p:cTn id="123" presetID="16" presetClass="entr" presetSubtype="21" fill="hold" nodeType="withEffect">
+                                  <p:stCondLst>
+                                    <p:cond delay="0"/>
+                                  </p:stCondLst>
+                                  <p:childTnLst>
+                                    <p:set>
+                                      <p:cBhvr>
+                                        <p:cTn id="124" dur="1" fill="hold">
+                                          <p:stCondLst>
+                                            <p:cond delay="0"/>
+                                          </p:stCondLst>
+                                        </p:cTn>
+                                        <p:tgtEl>
+                                          <p:spTgt spid="77"/>
+                                        </p:tgtEl>
+                                        <p:attrNameLst>
+                                          <p:attrName>style.visibility</p:attrName>
+                                        </p:attrNameLst>
+                                      </p:cBhvr>
+                                      <p:to>
+                                        <p:strVal val="visible"/>
+                                      </p:to>
+                                    </p:set>
+                                    <p:animEffect transition="in" filter="barn(inVertical)">
+                                      <p:cBhvr>
+                                        <p:cTn id="125" dur="500"/>
+                                        <p:tgtEl>
+                                          <p:spTgt spid="77"/>
+                                        </p:tgtEl>
+                                      </p:cBhvr>
+                                    </p:animEffect>
+                                  </p:childTnLst>
+                                </p:cTn>
+                              </p:par>
+                              <p:par>
+                                <p:cTn id="126" presetID="16" presetClass="entr" presetSubtype="21" fill="hold" nodeType="withEffect">
+                                  <p:stCondLst>
+                                    <p:cond delay="0"/>
+                                  </p:stCondLst>
+                                  <p:childTnLst>
+                                    <p:set>
+                                      <p:cBhvr>
+                                        <p:cTn id="127" dur="1" fill="hold">
+                                          <p:stCondLst>
+                                            <p:cond delay="0"/>
+                                          </p:stCondLst>
+                                        </p:cTn>
+                                        <p:tgtEl>
+                                          <p:spTgt spid="79"/>
+                                        </p:tgtEl>
+                                        <p:attrNameLst>
+                                          <p:attrName>style.visibility</p:attrName>
+                                        </p:attrNameLst>
+                                      </p:cBhvr>
+                                      <p:to>
+                                        <p:strVal val="visible"/>
+                                      </p:to>
+                                    </p:set>
+                                    <p:animEffect transition="in" filter="barn(inVertical)">
+                                      <p:cBhvr>
+                                        <p:cTn id="128" dur="500"/>
+                                        <p:tgtEl>
+                                          <p:spTgt spid="79"/>
+                                        </p:tgtEl>
+                                      </p:cBhvr>
+                                    </p:animEffect>
+                                  </p:childTnLst>
+                                </p:cTn>
+                              </p:par>
+                              <p:par>
+                                <p:cTn id="129" presetID="16" presetClass="entr" presetSubtype="21" fill="hold" nodeType="withEffect">
+                                  <p:stCondLst>
+                                    <p:cond delay="0"/>
+                                  </p:stCondLst>
+                                  <p:childTnLst>
+                                    <p:set>
+                                      <p:cBhvr>
+                                        <p:cTn id="130" dur="1" fill="hold">
+                                          <p:stCondLst>
+                                            <p:cond delay="0"/>
+                                          </p:stCondLst>
+                                        </p:cTn>
+                                        <p:tgtEl>
+                                          <p:spTgt spid="81"/>
+                                        </p:tgtEl>
+                                        <p:attrNameLst>
+                                          <p:attrName>style.visibility</p:attrName>
+                                        </p:attrNameLst>
+                                      </p:cBhvr>
+                                      <p:to>
+                                        <p:strVal val="visible"/>
+                                      </p:to>
+                                    </p:set>
+                                    <p:animEffect transition="in" filter="barn(inVertical)">
+                                      <p:cBhvr>
+                                        <p:cTn id="131" dur="500"/>
+                                        <p:tgtEl>
+                                          <p:spTgt spid="81"/>
+                                        </p:tgtEl>
+                                      </p:cBhvr>
+                                    </p:animEffect>
+                                  </p:childTnLst>
+                                </p:cTn>
+                              </p:par>
+                            </p:childTnLst>
+                          </p:cTn>
+                        </p:par>
+                      </p:childTnLst>
+                    </p:cTn>
+                  </p:par>
+                  <p:par>
+                    <p:cTn id="132" fill="hold">
+                      <p:stCondLst>
+                        <p:cond delay="indefinite"/>
+                      </p:stCondLst>
+                      <p:childTnLst>
+                        <p:par>
+                          <p:cTn id="133" fill="hold">
+                            <p:stCondLst>
+                              <p:cond delay="0"/>
+                            </p:stCondLst>
+                            <p:childTnLst>
+                              <p:par>
+                                <p:cTn id="134" presetID="22" presetClass="entr" presetSubtype="4" fill="hold" grpId="0" nodeType="clickEffect">
+                                  <p:stCondLst>
+                                    <p:cond delay="0"/>
+                                  </p:stCondLst>
+                                  <p:childTnLst>
+                                    <p:set>
+                                      <p:cBhvr>
+                                        <p:cTn id="135" dur="1" fill="hold">
+                                          <p:stCondLst>
+                                            <p:cond delay="0"/>
+                                          </p:stCondLst>
+                                        </p:cTn>
+                                        <p:tgtEl>
+                                          <p:spTgt spid="95"/>
+                                        </p:tgtEl>
+                                        <p:attrNameLst>
+                                          <p:attrName>style.visibility</p:attrName>
+                                        </p:attrNameLst>
+                                      </p:cBhvr>
+                                      <p:to>
+                                        <p:strVal val="visible"/>
+                                      </p:to>
+                                    </p:set>
+                                    <p:animEffect transition="in" filter="wipe(down)">
+                                      <p:cBhvr>
+                                        <p:cTn id="136" dur="500"/>
+                                        <p:tgtEl>
+                                          <p:spTgt spid="95"/>
+                                        </p:tgtEl>
+                                      </p:cBhvr>
+                                    </p:animEffect>
+                                  </p:childTnLst>
+                                </p:cTn>
+                              </p:par>
+                            </p:childTnLst>
+                          </p:cTn>
+                        </p:par>
+                      </p:childTnLst>
+                    </p:cTn>
+                  </p:par>
+                  <p:par>
+                    <p:cTn id="137" fill="hold">
+                      <p:stCondLst>
+                        <p:cond delay="indefinite"/>
+                      </p:stCondLst>
+                      <p:childTnLst>
+                        <p:par>
+                          <p:cTn id="138" fill="hold">
+                            <p:stCondLst>
+                              <p:cond delay="0"/>
+                            </p:stCondLst>
+                            <p:childTnLst>
+                              <p:par>
+                                <p:cTn id="139" presetID="16" presetClass="exit" presetSubtype="21" fill="hold" grpId="1" nodeType="clickEffect">
+                                  <p:stCondLst>
+                                    <p:cond delay="0"/>
+                                  </p:stCondLst>
+                                  <p:childTnLst>
+                                    <p:animEffect transition="out" filter="barn(inVertical)">
+                                      <p:cBhvr>
+                                        <p:cTn id="140" dur="500"/>
+                                        <p:tgtEl>
+                                          <p:spTgt spid="95"/>
+                                        </p:tgtEl>
+                                      </p:cBhvr>
+                                    </p:animEffect>
+                                    <p:set>
+                                      <p:cBhvr>
+                                        <p:cTn id="141" dur="1" fill="hold">
+                                          <p:stCondLst>
+                                            <p:cond delay="499"/>
+                                          </p:stCondLst>
+                                        </p:cTn>
+                                        <p:tgtEl>
+                                          <p:spTgt spid="95"/>
+                                        </p:tgtEl>
+                                        <p:attrNameLst>
+                                          <p:attrName>style.visibility</p:attrName>
+                                        </p:attrNameLst>
+                                      </p:cBhvr>
+                                      <p:to>
+                                        <p:strVal val="hidden"/>
+                                      </p:to>
+                                    </p:set>
+                                  </p:childTnLst>
+                                </p:cTn>
+                              </p:par>
+                            </p:childTnLst>
+                          </p:cTn>
+                        </p:par>
+                      </p:childTnLst>
+                    </p:cTn>
+                  </p:par>
+                  <p:par>
+                    <p:cTn id="142" fill="hold">
+                      <p:stCondLst>
+                        <p:cond delay="indefinite"/>
+                      </p:stCondLst>
+                      <p:childTnLst>
+                        <p:par>
+                          <p:cTn id="143" fill="hold">
+                            <p:stCondLst>
+                              <p:cond delay="0"/>
+                            </p:stCondLst>
+                            <p:childTnLst>
+                              <p:par>
+                                <p:cTn id="144" presetID="22" presetClass="entr" presetSubtype="4" fill="hold" grpId="0" nodeType="clickEffect">
+                                  <p:stCondLst>
+                                    <p:cond delay="0"/>
+                                  </p:stCondLst>
+                                  <p:childTnLst>
+                                    <p:set>
+                                      <p:cBhvr>
+                                        <p:cTn id="145" dur="1" fill="hold">
+                                          <p:stCondLst>
+                                            <p:cond delay="0"/>
+                                          </p:stCondLst>
+                                        </p:cTn>
+                                        <p:tgtEl>
+                                          <p:spTgt spid="96"/>
+                                        </p:tgtEl>
+                                        <p:attrNameLst>
+                                          <p:attrName>style.visibility</p:attrName>
+                                        </p:attrNameLst>
+                                      </p:cBhvr>
+                                      <p:to>
+                                        <p:strVal val="visible"/>
+                                      </p:to>
+                                    </p:set>
+                                    <p:animEffect transition="in" filter="wipe(down)">
+                                      <p:cBhvr>
+                                        <p:cTn id="146" dur="500"/>
+                                        <p:tgtEl>
+                                          <p:spTgt spid="96"/>
+                                        </p:tgtEl>
+                                      </p:cBhvr>
+                                    </p:animEffect>
+                                  </p:childTnLst>
+                                </p:cTn>
+                              </p:par>
+                            </p:childTnLst>
+                          </p:cTn>
+                        </p:par>
+                      </p:childTnLst>
+                    </p:cTn>
+                  </p:par>
+                  <p:par>
+                    <p:cTn id="147" fill="hold">
+                      <p:stCondLst>
+                        <p:cond delay="indefinite"/>
+                      </p:stCondLst>
+                      <p:childTnLst>
+                        <p:par>
+                          <p:cTn id="148" fill="hold">
+                            <p:stCondLst>
+                              <p:cond delay="0"/>
+                            </p:stCondLst>
+                            <p:childTnLst>
+                              <p:par>
+                                <p:cTn id="149" presetID="16" presetClass="exit" presetSubtype="21" fill="hold" grpId="1" nodeType="clickEffect">
+                                  <p:stCondLst>
+                                    <p:cond delay="0"/>
+                                  </p:stCondLst>
+                                  <p:childTnLst>
+                                    <p:animEffect transition="out" filter="barn(inVertical)">
+                                      <p:cBhvr>
+                                        <p:cTn id="150" dur="500"/>
+                                        <p:tgtEl>
+                                          <p:spTgt spid="96"/>
+                                        </p:tgtEl>
+                                      </p:cBhvr>
+                                    </p:animEffect>
+                                    <p:set>
+                                      <p:cBhvr>
+                                        <p:cTn id="151" dur="1" fill="hold">
+                                          <p:stCondLst>
+                                            <p:cond delay="499"/>
+                                          </p:stCondLst>
+                                        </p:cTn>
+                                        <p:tgtEl>
+                                          <p:spTgt spid="96"/>
+                                        </p:tgtEl>
+                                        <p:attrNameLst>
+                                          <p:attrName>style.visibility</p:attrName>
+                                        </p:attrNameLst>
+                                      </p:cBhvr>
+                                      <p:to>
+                                        <p:strVal val="hidden"/>
+                                      </p:to>
+                                    </p:set>
+                                  </p:childTnLst>
+                                </p:cTn>
+                              </p:par>
+                            </p:childTnLst>
+                          </p:cTn>
+                        </p:par>
+                      </p:childTnLst>
+                    </p:cTn>
+                  </p:par>
+                </p:childTnLst>
+              </p:cTn>
+              <p:prevCondLst>
+                <p:cond evt="onPrev" delay="0">
+                  <p:tgtEl>
+                    <p:sldTgt/>
+                  </p:tgtEl>
+                </p:cond>
+              </p:prevCondLst>
+              <p:nextCondLst>
+                <p:cond evt="onNext" delay="0">
+                  <p:tgtEl>
+                    <p:sldTgt/>
+                  </p:tgtEl>
+                </p:cond>
+              </p:nextCondLst>
+            </p:seq>
+          </p:childTnLst>
+        </p:cTn>
+      </p:par>
+    </p:tnLst>
+    <p:bldLst>
+      <p:bldP spid="11" grpId="0" animBg="1"/>
+      <p:bldP spid="5" grpId="0" animBg="1"/>
+      <p:bldP spid="6" grpId="0" animBg="1"/>
+      <p:bldP spid="7" grpId="0" animBg="1"/>
+      <p:bldP spid="8" grpId="0" animBg="1"/>
+      <p:bldP spid="9" grpId="0" animBg="1"/>
+      <p:bldP spid="10" grpId="0" animBg="1"/>
+      <p:bldP spid="12" grpId="0"/>
+      <p:bldP spid="38" grpId="0" animBg="1"/>
+      <p:bldP spid="39" grpId="0"/>
+      <p:bldP spid="40" grpId="0" animBg="1"/>
+      <p:bldP spid="49" grpId="0" animBg="1"/>
+      <p:bldP spid="49" grpId="1" animBg="1"/>
+      <p:bldP spid="58" grpId="0" animBg="1"/>
+      <p:bldP spid="58" grpId="1" animBg="1"/>
+      <p:bldP spid="59" grpId="0" animBg="1"/>
+      <p:bldP spid="60" grpId="0"/>
+      <p:bldP spid="62" grpId="0" animBg="1"/>
+      <p:bldP spid="63" grpId="0" animBg="1"/>
+      <p:bldP spid="64" grpId="0" animBg="1"/>
+      <p:bldP spid="65" grpId="0" animBg="1"/>
+      <p:bldP spid="66" grpId="0" animBg="1"/>
+      <p:bldP spid="67" grpId="0" animBg="1"/>
+      <p:bldP spid="95" grpId="0" animBg="1"/>
+      <p:bldP spid="95" grpId="1" animBg="1"/>
+      <p:bldP spid="96" grpId="0" animBg="1"/>
+      <p:bldP spid="96" grpId="1" animBg="1"/>
+    </p:bldLst>
+  </p:timing>
+</p:sld>
+</file>
+
+<file path=ppt/slides/slide21.xml><?xml version="1.0" encoding="utf-8"?>
+<p:sld xmlns:a="http://schemas.openxmlformats.org/drawingml/2006/main" xmlns:r="http://schemas.openxmlformats.org/officeDocument/2006/relationships" xmlns:p="http://schemas.openxmlformats.org/presentationml/2006/main">
+  <p:cSld>
+    <p:spTree>
+      <p:nvGrpSpPr>
+        <p:cNvPr id="1" name=""/>
+        <p:cNvGrpSpPr/>
+        <p:nvPr/>
+      </p:nvGrpSpPr>
+      <p:grpSpPr>
+        <a:xfrm>
+          <a:off x="0" y="0"/>
+          <a:ext cx="0" cy="0"/>
+          <a:chOff x="0" y="0"/>
+          <a:chExt cx="0" cy="0"/>
+        </a:xfrm>
+      </p:grpSpPr>
+      <p:sp>
+        <p:nvSpPr>
           <p:cNvPr id="2" name="标题 1"/>
           <p:cNvSpPr>
             <a:spLocks noGrp="1"/>
@@ -23332,7 +27226,7 @@
 </p:sld>
 </file>
 
-<file path=ppt/slides/slide21.xml><?xml version="1.0" encoding="utf-8"?>
+<file path=ppt/slides/slide22.xml><?xml version="1.0" encoding="utf-8"?>
 <p:sld xmlns:a="http://schemas.openxmlformats.org/drawingml/2006/main" xmlns:r="http://schemas.openxmlformats.org/officeDocument/2006/relationships" xmlns:p="http://schemas.openxmlformats.org/presentationml/2006/main">
   <p:cSld>
     <p:spTree>
@@ -23397,7 +27291,7 @@
 </p:sld>
 </file>
 
-<file path=ppt/slides/slide22.xml><?xml version="1.0" encoding="utf-8"?>
+<file path=ppt/slides/slide23.xml><?xml version="1.0" encoding="utf-8"?>
 <p:sld xmlns:a="http://schemas.openxmlformats.org/drawingml/2006/main" xmlns:r="http://schemas.openxmlformats.org/officeDocument/2006/relationships" xmlns:p="http://schemas.openxmlformats.org/presentationml/2006/main">
   <p:cSld>
     <p:spTree>

--- a/doc/higo.pptx
+++ b/doc/higo.pptx
@@ -5,7 +5,7 @@
     <p:sldMasterId id="2147483648" r:id="rId1"/>
   </p:sldMasterIdLst>
   <p:notesMasterIdLst>
-    <p:notesMasterId r:id="rId25"/>
+    <p:notesMasterId r:id="rId24"/>
   </p:notesMasterIdLst>
   <p:sldIdLst>
     <p:sldId id="256" r:id="rId2"/>
@@ -25,12 +25,11 @@
     <p:sldId id="368" r:id="rId16"/>
     <p:sldId id="373" r:id="rId17"/>
     <p:sldId id="378" r:id="rId18"/>
-    <p:sldId id="380" r:id="rId19"/>
-    <p:sldId id="371" r:id="rId20"/>
-    <p:sldId id="381" r:id="rId21"/>
-    <p:sldId id="369" r:id="rId22"/>
-    <p:sldId id="374" r:id="rId23"/>
-    <p:sldId id="375" r:id="rId24"/>
+    <p:sldId id="382" r:id="rId19"/>
+    <p:sldId id="381" r:id="rId20"/>
+    <p:sldId id="369" r:id="rId21"/>
+    <p:sldId id="374" r:id="rId22"/>
+    <p:sldId id="375" r:id="rId23"/>
   </p:sldIdLst>
   <p:sldSz cx="9144000" cy="6858000" type="screen4x3"/>
   <p:notesSz cx="6858000" cy="9144000"/>
@@ -2859,7 +2858,7 @@
           <a:p>
             <a:fld id="{DE914C13-989A-477A-9CB3-5348B7845306}" type="datetimeFigureOut">
               <a:rPr lang="zh-CN" altLang="en-US" smtClean="0"/>
-              <a:t>2013/2/27</a:t>
+              <a:t>2013/2/28</a:t>
             </a:fld>
             <a:endParaRPr lang="zh-CN" altLang="en-US"/>
           </a:p>
@@ -22713,76 +22712,929 @@
           <a:p>
             <a:r>
               <a:rPr lang="zh-CN" altLang="en-US" dirty="0" smtClean="0"/>
-              <a:t>海狗的缺点</a:t>
+              <a:t>海狗的架构演变</a:t>
             </a:r>
             <a:endParaRPr lang="zh-CN" altLang="en-US" dirty="0"/>
           </a:p>
         </p:txBody>
       </p:sp>
+      <p:graphicFrame>
+        <p:nvGraphicFramePr>
+          <p:cNvPr id="4" name="内容占位符 3"/>
+          <p:cNvGraphicFramePr>
+            <a:graphicFrameLocks noGrp="1"/>
+          </p:cNvGraphicFramePr>
+          <p:nvPr>
+            <p:ph idx="1"/>
+            <p:extLst>
+              <p:ext uri="{D42A27DB-BD31-4B8C-83A1-F6EECF244321}">
+                <p14:modId xmlns:p14="http://schemas.microsoft.com/office/powerpoint/2010/main" val="2716218812"/>
+              </p:ext>
+            </p:extLst>
+          </p:nvPr>
+        </p:nvGraphicFramePr>
+        <p:xfrm>
+          <a:off x="539552" y="1196752"/>
+          <a:ext cx="8229600" cy="5425440"/>
+        </p:xfrm>
+        <a:graphic>
+          <a:graphicData uri="http://schemas.openxmlformats.org/drawingml/2006/table">
+            <a:tbl>
+              <a:tblPr firstRow="1" bandRow="1">
+                <a:tableStyleId>{93296810-A885-4BE3-A3E7-6D5BEEA58F35}</a:tableStyleId>
+              </a:tblPr>
+              <a:tblGrid>
+                <a:gridCol w="2057400"/>
+                <a:gridCol w="2057400"/>
+                <a:gridCol w="2057400"/>
+                <a:gridCol w="2057400"/>
+              </a:tblGrid>
+              <a:tr h="370840">
+                <a:tc>
+                  <a:txBody>
+                    <a:bodyPr/>
+                    <a:lstStyle/>
+                    <a:p>
+                      <a:endParaRPr lang="zh-CN" altLang="en-US" sz="1200" dirty="0"/>
+                    </a:p>
+                  </a:txBody>
+                  <a:tcPr/>
+                </a:tc>
+                <a:tc>
+                  <a:txBody>
+                    <a:bodyPr/>
+                    <a:lstStyle/>
+                    <a:p>
+                      <a:r>
+                        <a:rPr lang="zh-CN" altLang="en-US" dirty="0" smtClean="0"/>
+                        <a:t>第一代</a:t>
+                      </a:r>
+                      <a:endParaRPr lang="zh-CN" altLang="en-US" dirty="0"/>
+                    </a:p>
+                  </a:txBody>
+                  <a:tcPr/>
+                </a:tc>
+                <a:tc>
+                  <a:txBody>
+                    <a:bodyPr/>
+                    <a:lstStyle/>
+                    <a:p>
+                      <a:r>
+                        <a:rPr lang="zh-CN" altLang="en-US" dirty="0" smtClean="0"/>
+                        <a:t>第二代</a:t>
+                      </a:r>
+                      <a:endParaRPr lang="zh-CN" altLang="en-US" dirty="0"/>
+                    </a:p>
+                  </a:txBody>
+                  <a:tcPr/>
+                </a:tc>
+                <a:tc>
+                  <a:txBody>
+                    <a:bodyPr/>
+                    <a:lstStyle/>
+                    <a:p>
+                      <a:r>
+                        <a:rPr lang="en-US" altLang="zh-CN" dirty="0" smtClean="0">
+                          <a:solidFill>
+                            <a:srgbClr val="CC0000"/>
+                          </a:solidFill>
+                        </a:rPr>
+                        <a:t>Higo yarn</a:t>
+                      </a:r>
+                      <a:endParaRPr lang="zh-CN" altLang="en-US" dirty="0">
+                        <a:solidFill>
+                          <a:srgbClr val="CC0000"/>
+                        </a:solidFill>
+                      </a:endParaRPr>
+                    </a:p>
+                  </a:txBody>
+                  <a:tcPr/>
+                </a:tc>
+              </a:tr>
+              <a:tr h="370840">
+                <a:tc>
+                  <a:txBody>
+                    <a:bodyPr/>
+                    <a:lstStyle/>
+                    <a:p>
+                      <a:r>
+                        <a:rPr lang="zh-CN" altLang="en-US" dirty="0" smtClean="0"/>
+                        <a:t>数据规模</a:t>
+                      </a:r>
+                      <a:endParaRPr lang="zh-CN" altLang="en-US" dirty="0"/>
+                    </a:p>
+                  </a:txBody>
+                  <a:tcPr/>
+                </a:tc>
+                <a:tc>
+                  <a:txBody>
+                    <a:bodyPr/>
+                    <a:lstStyle/>
+                    <a:p>
+                      <a:r>
+                        <a:rPr lang="zh-CN" altLang="en-US" dirty="0" smtClean="0"/>
+                        <a:t>几亿</a:t>
+                      </a:r>
+                      <a:endParaRPr lang="zh-CN" altLang="en-US" dirty="0"/>
+                    </a:p>
+                  </a:txBody>
+                  <a:tcPr/>
+                </a:tc>
+                <a:tc>
+                  <a:txBody>
+                    <a:bodyPr/>
+                    <a:lstStyle/>
+                    <a:p>
+                      <a:r>
+                        <a:rPr lang="zh-CN" altLang="en-US" dirty="0" smtClean="0"/>
+                        <a:t>百亿</a:t>
+                      </a:r>
+                      <a:endParaRPr lang="zh-CN" altLang="en-US" dirty="0"/>
+                    </a:p>
+                  </a:txBody>
+                  <a:tcPr/>
+                </a:tc>
+                <a:tc>
+                  <a:txBody>
+                    <a:bodyPr/>
+                    <a:lstStyle/>
+                    <a:p>
+                      <a:r>
+                        <a:rPr lang="zh-CN" altLang="en-US" dirty="0" smtClean="0">
+                          <a:solidFill>
+                            <a:srgbClr val="CC0000"/>
+                          </a:solidFill>
+                        </a:rPr>
+                        <a:t>千亿</a:t>
+                      </a:r>
+                      <a:r>
+                        <a:rPr lang="en-US" altLang="zh-CN" dirty="0" smtClean="0">
+                          <a:solidFill>
+                            <a:srgbClr val="CC0000"/>
+                          </a:solidFill>
+                        </a:rPr>
+                        <a:t>~</a:t>
+                      </a:r>
+                      <a:r>
+                        <a:rPr lang="zh-CN" altLang="en-US" dirty="0" smtClean="0">
+                          <a:solidFill>
+                            <a:srgbClr val="CC0000"/>
+                          </a:solidFill>
+                        </a:rPr>
+                        <a:t>万亿</a:t>
+                      </a:r>
+                      <a:endParaRPr lang="zh-CN" altLang="en-US" dirty="0">
+                        <a:solidFill>
+                          <a:srgbClr val="CC0000"/>
+                        </a:solidFill>
+                      </a:endParaRPr>
+                    </a:p>
+                  </a:txBody>
+                  <a:tcPr/>
+                </a:tc>
+              </a:tr>
+              <a:tr h="370840">
+                <a:tc>
+                  <a:txBody>
+                    <a:bodyPr/>
+                    <a:lstStyle/>
+                    <a:p>
+                      <a:r>
+                        <a:rPr lang="zh-CN" altLang="en-US" dirty="0" smtClean="0"/>
+                        <a:t>机器规模</a:t>
+                      </a:r>
+                      <a:endParaRPr lang="zh-CN" altLang="en-US" dirty="0"/>
+                    </a:p>
+                  </a:txBody>
+                  <a:tcPr/>
+                </a:tc>
+                <a:tc>
+                  <a:txBody>
+                    <a:bodyPr/>
+                    <a:lstStyle/>
+                    <a:p>
+                      <a:r>
+                        <a:rPr lang="en-US" altLang="zh-CN" dirty="0" smtClean="0"/>
+                        <a:t>10</a:t>
+                      </a:r>
+                      <a:r>
+                        <a:rPr lang="zh-CN" altLang="en-US" dirty="0" smtClean="0"/>
+                        <a:t>台到</a:t>
+                      </a:r>
+                      <a:r>
+                        <a:rPr lang="en-US" altLang="zh-CN" dirty="0" smtClean="0"/>
+                        <a:t>20</a:t>
+                      </a:r>
+                      <a:r>
+                        <a:rPr lang="zh-CN" altLang="en-US" dirty="0" smtClean="0"/>
+                        <a:t>几台</a:t>
+                      </a:r>
+                      <a:endParaRPr lang="zh-CN" altLang="en-US" dirty="0"/>
+                    </a:p>
+                  </a:txBody>
+                  <a:tcPr/>
+                </a:tc>
+                <a:tc>
+                  <a:txBody>
+                    <a:bodyPr/>
+                    <a:lstStyle/>
+                    <a:p>
+                      <a:r>
+                        <a:rPr lang="en-US" altLang="zh-CN" dirty="0" smtClean="0"/>
+                        <a:t>100</a:t>
+                      </a:r>
+                      <a:r>
+                        <a:rPr lang="zh-CN" altLang="en-US" dirty="0" smtClean="0"/>
+                        <a:t>台</a:t>
+                      </a:r>
+                      <a:endParaRPr lang="zh-CN" altLang="en-US" dirty="0"/>
+                    </a:p>
+                  </a:txBody>
+                  <a:tcPr/>
+                </a:tc>
+                <a:tc>
+                  <a:txBody>
+                    <a:bodyPr/>
+                    <a:lstStyle/>
+                    <a:p>
+                      <a:r>
+                        <a:rPr lang="zh-CN" altLang="en-US" dirty="0" smtClean="0">
+                          <a:solidFill>
+                            <a:srgbClr val="CC0000"/>
+                          </a:solidFill>
+                        </a:rPr>
+                        <a:t>千台</a:t>
+                      </a:r>
+                      <a:endParaRPr lang="zh-CN" altLang="en-US" dirty="0">
+                        <a:solidFill>
+                          <a:srgbClr val="CC0000"/>
+                        </a:solidFill>
+                      </a:endParaRPr>
+                    </a:p>
+                  </a:txBody>
+                  <a:tcPr/>
+                </a:tc>
+              </a:tr>
+              <a:tr h="370840">
+                <a:tc>
+                  <a:txBody>
+                    <a:bodyPr/>
+                    <a:lstStyle/>
+                    <a:p>
+                      <a:r>
+                        <a:rPr lang="zh-CN" altLang="en-US" dirty="0" smtClean="0"/>
+                        <a:t>创建索引</a:t>
+                      </a:r>
+                      <a:endParaRPr lang="zh-CN" altLang="en-US" dirty="0"/>
+                    </a:p>
+                  </a:txBody>
+                  <a:tcPr/>
+                </a:tc>
+                <a:tc>
+                  <a:txBody>
+                    <a:bodyPr/>
+                    <a:lstStyle/>
+                    <a:p>
+                      <a:r>
+                        <a:rPr lang="zh-CN" altLang="en-US" dirty="0" smtClean="0"/>
+                        <a:t>几小时到十几小时</a:t>
+                      </a:r>
+                      <a:endParaRPr lang="en-US" altLang="zh-CN" dirty="0" smtClean="0"/>
+                    </a:p>
+                    <a:p>
+                      <a:r>
+                        <a:rPr lang="zh-CN" altLang="en-US" dirty="0" smtClean="0"/>
+                        <a:t>每天创建全量索引</a:t>
+                      </a:r>
+                      <a:endParaRPr lang="zh-CN" altLang="en-US" dirty="0"/>
+                    </a:p>
+                  </a:txBody>
+                  <a:tcPr/>
+                </a:tc>
+                <a:tc>
+                  <a:txBody>
+                    <a:bodyPr/>
+                    <a:lstStyle/>
+                    <a:p>
+                      <a:r>
+                        <a:rPr lang="zh-CN" altLang="en-US" dirty="0" smtClean="0"/>
+                        <a:t>小于</a:t>
+                      </a:r>
+                      <a:r>
+                        <a:rPr lang="en-US" altLang="zh-CN" dirty="0" smtClean="0"/>
+                        <a:t>30</a:t>
+                      </a:r>
+                      <a:r>
+                        <a:rPr lang="zh-CN" altLang="en-US" dirty="0" smtClean="0"/>
+                        <a:t>分钟（增量）</a:t>
+                      </a:r>
+                      <a:endParaRPr lang="en-US" altLang="zh-CN" dirty="0" smtClean="0"/>
+                    </a:p>
+                    <a:p>
+                      <a:r>
+                        <a:rPr lang="zh-CN" altLang="en-US" dirty="0" smtClean="0"/>
+                        <a:t>每</a:t>
+                      </a:r>
+                      <a:r>
+                        <a:rPr lang="en-US" altLang="zh-CN" dirty="0" smtClean="0"/>
+                        <a:t>10</a:t>
+                      </a:r>
+                      <a:r>
+                        <a:rPr lang="zh-CN" altLang="en-US" dirty="0" smtClean="0"/>
+                        <a:t>天一个索引</a:t>
+                      </a:r>
+                      <a:endParaRPr lang="zh-CN" altLang="en-US" dirty="0"/>
+                    </a:p>
+                  </a:txBody>
+                  <a:tcPr/>
+                </a:tc>
+                <a:tc>
+                  <a:txBody>
+                    <a:bodyPr/>
+                    <a:lstStyle/>
+                    <a:p>
+                      <a:r>
+                        <a:rPr lang="zh-CN" altLang="en-US" dirty="0" smtClean="0">
+                          <a:solidFill>
+                            <a:srgbClr val="CC0000"/>
+                          </a:solidFill>
+                        </a:rPr>
+                        <a:t>小于</a:t>
+                      </a:r>
+                      <a:r>
+                        <a:rPr lang="en-US" altLang="zh-CN" dirty="0" smtClean="0">
+                          <a:solidFill>
+                            <a:srgbClr val="CC0000"/>
+                          </a:solidFill>
+                        </a:rPr>
+                        <a:t>10</a:t>
+                      </a:r>
+                      <a:r>
+                        <a:rPr lang="zh-CN" altLang="en-US" dirty="0" smtClean="0">
+                          <a:solidFill>
+                            <a:srgbClr val="CC0000"/>
+                          </a:solidFill>
+                        </a:rPr>
+                        <a:t>分钟</a:t>
+                      </a:r>
+                      <a:endParaRPr lang="en-US" altLang="zh-CN" dirty="0" smtClean="0">
+                        <a:solidFill>
+                          <a:srgbClr val="CC0000"/>
+                        </a:solidFill>
+                      </a:endParaRPr>
+                    </a:p>
+                    <a:p>
+                      <a:r>
+                        <a:rPr lang="zh-CN" altLang="en-US" dirty="0" smtClean="0">
+                          <a:solidFill>
+                            <a:srgbClr val="CC0000"/>
+                          </a:solidFill>
+                        </a:rPr>
+                        <a:t>索引数量取决于记录数</a:t>
+                      </a:r>
+                      <a:endParaRPr lang="zh-CN" altLang="en-US" dirty="0">
+                        <a:solidFill>
+                          <a:srgbClr val="CC0000"/>
+                        </a:solidFill>
+                      </a:endParaRPr>
+                    </a:p>
+                  </a:txBody>
+                  <a:tcPr/>
+                </a:tc>
+              </a:tr>
+              <a:tr h="370840">
+                <a:tc>
+                  <a:txBody>
+                    <a:bodyPr/>
+                    <a:lstStyle/>
+                    <a:p>
+                      <a:r>
+                        <a:rPr lang="zh-CN" altLang="en-US" dirty="0" smtClean="0"/>
+                        <a:t>时效性</a:t>
+                      </a:r>
+                      <a:endParaRPr lang="zh-CN" altLang="en-US" dirty="0"/>
+                    </a:p>
+                  </a:txBody>
+                  <a:tcPr/>
+                </a:tc>
+                <a:tc>
+                  <a:txBody>
+                    <a:bodyPr/>
+                    <a:lstStyle/>
+                    <a:p>
+                      <a:r>
+                        <a:rPr lang="en-US" altLang="zh-CN" dirty="0" smtClean="0"/>
+                        <a:t>T+1</a:t>
+                      </a:r>
+                      <a:endParaRPr lang="zh-CN" altLang="en-US" dirty="0"/>
+                    </a:p>
+                  </a:txBody>
+                  <a:tcPr/>
+                </a:tc>
+                <a:tc>
+                  <a:txBody>
+                    <a:bodyPr/>
+                    <a:lstStyle/>
+                    <a:p>
+                      <a:r>
+                        <a:rPr lang="en-US" altLang="zh-CN" dirty="0" smtClean="0"/>
+                        <a:t>T+1</a:t>
+                      </a:r>
+                      <a:endParaRPr lang="zh-CN" altLang="en-US" dirty="0"/>
+                    </a:p>
+                  </a:txBody>
+                  <a:tcPr/>
+                </a:tc>
+                <a:tc>
+                  <a:txBody>
+                    <a:bodyPr/>
+                    <a:lstStyle/>
+                    <a:p>
+                      <a:r>
+                        <a:rPr lang="zh-CN" altLang="en-US" dirty="0" smtClean="0">
+                          <a:solidFill>
+                            <a:srgbClr val="CC0000"/>
+                          </a:solidFill>
+                        </a:rPr>
+                        <a:t>延迟小于</a:t>
+                      </a:r>
+                      <a:r>
+                        <a:rPr lang="en-US" altLang="zh-CN" dirty="0" smtClean="0">
+                          <a:solidFill>
+                            <a:srgbClr val="CC0000"/>
+                          </a:solidFill>
+                        </a:rPr>
+                        <a:t>10</a:t>
+                      </a:r>
+                      <a:r>
+                        <a:rPr lang="zh-CN" altLang="en-US" dirty="0" smtClean="0">
+                          <a:solidFill>
+                            <a:srgbClr val="CC0000"/>
+                          </a:solidFill>
+                        </a:rPr>
+                        <a:t>分钟</a:t>
+                      </a:r>
+                      <a:endParaRPr lang="zh-CN" altLang="en-US" dirty="0">
+                        <a:solidFill>
+                          <a:srgbClr val="CC0000"/>
+                        </a:solidFill>
+                      </a:endParaRPr>
+                    </a:p>
+                  </a:txBody>
+                  <a:tcPr/>
+                </a:tc>
+              </a:tr>
+              <a:tr h="370840">
+                <a:tc>
+                  <a:txBody>
+                    <a:bodyPr/>
+                    <a:lstStyle/>
+                    <a:p>
+                      <a:r>
+                        <a:rPr lang="zh-CN" altLang="en-US" dirty="0" smtClean="0"/>
+                        <a:t>水平扩展</a:t>
+                      </a:r>
+                      <a:endParaRPr lang="zh-CN" altLang="en-US" dirty="0"/>
+                    </a:p>
+                  </a:txBody>
+                  <a:tcPr/>
+                </a:tc>
+                <a:tc>
+                  <a:txBody>
+                    <a:bodyPr/>
+                    <a:lstStyle/>
+                    <a:p>
+                      <a:r>
+                        <a:rPr lang="zh-CN" altLang="en-US" dirty="0" smtClean="0"/>
+                        <a:t>需要停服务，重建索引</a:t>
+                      </a:r>
+                      <a:endParaRPr lang="zh-CN" altLang="en-US" dirty="0"/>
+                    </a:p>
+                  </a:txBody>
+                  <a:tcPr/>
+                </a:tc>
+                <a:tc>
+                  <a:txBody>
+                    <a:bodyPr/>
+                    <a:lstStyle/>
+                    <a:p>
+                      <a:r>
+                        <a:rPr lang="zh-CN" altLang="en-US" dirty="0" smtClean="0"/>
+                        <a:t>停服务，重建索引</a:t>
+                      </a:r>
+                      <a:endParaRPr lang="zh-CN" altLang="en-US" dirty="0"/>
+                    </a:p>
+                  </a:txBody>
+                  <a:tcPr/>
+                </a:tc>
+                <a:tc>
+                  <a:txBody>
+                    <a:bodyPr/>
+                    <a:lstStyle/>
+                    <a:p>
+                      <a:r>
+                        <a:rPr lang="zh-CN" altLang="en-US" dirty="0" smtClean="0">
+                          <a:solidFill>
+                            <a:srgbClr val="CC0000"/>
+                          </a:solidFill>
+                        </a:rPr>
+                        <a:t>不停服务，不重建索引</a:t>
+                      </a:r>
+                      <a:endParaRPr lang="zh-CN" altLang="en-US" dirty="0">
+                        <a:solidFill>
+                          <a:srgbClr val="CC0000"/>
+                        </a:solidFill>
+                      </a:endParaRPr>
+                    </a:p>
+                  </a:txBody>
+                  <a:tcPr/>
+                </a:tc>
+              </a:tr>
+              <a:tr h="370840">
+                <a:tc>
+                  <a:txBody>
+                    <a:bodyPr/>
+                    <a:lstStyle/>
+                    <a:p>
+                      <a:r>
+                        <a:rPr lang="zh-CN" altLang="en-US" dirty="0" smtClean="0"/>
+                        <a:t>检索效率</a:t>
+                      </a:r>
+                      <a:endParaRPr lang="zh-CN" altLang="en-US" dirty="0"/>
+                    </a:p>
+                  </a:txBody>
+                  <a:tcPr/>
+                </a:tc>
+                <a:tc>
+                  <a:txBody>
+                    <a:bodyPr/>
+                    <a:lstStyle/>
+                    <a:p>
+                      <a:r>
+                        <a:rPr lang="zh-CN" altLang="en-US" dirty="0" smtClean="0"/>
+                        <a:t>单级的</a:t>
+                      </a:r>
+                      <a:r>
+                        <a:rPr lang="en-US" altLang="zh-CN" dirty="0" smtClean="0"/>
+                        <a:t>MS</a:t>
+                      </a:r>
+                      <a:endParaRPr lang="zh-CN" altLang="en-US" dirty="0"/>
+                    </a:p>
+                  </a:txBody>
+                  <a:tcPr/>
+                </a:tc>
+                <a:tc>
+                  <a:txBody>
+                    <a:bodyPr/>
+                    <a:lstStyle/>
+                    <a:p>
+                      <a:r>
+                        <a:rPr lang="zh-CN" altLang="en-US" dirty="0" smtClean="0"/>
+                        <a:t>多级</a:t>
+                      </a:r>
+                      <a:r>
+                        <a:rPr lang="en-US" altLang="zh-CN" dirty="0" smtClean="0"/>
+                        <a:t>MS</a:t>
+                      </a:r>
+                      <a:endParaRPr lang="zh-CN" altLang="en-US" dirty="0"/>
+                    </a:p>
+                  </a:txBody>
+                  <a:tcPr/>
+                </a:tc>
+                <a:tc>
+                  <a:txBody>
+                    <a:bodyPr/>
+                    <a:lstStyle/>
+                    <a:p>
+                      <a:r>
+                        <a:rPr lang="zh-CN" altLang="en-US" dirty="0" smtClean="0">
+                          <a:solidFill>
+                            <a:srgbClr val="CC0000"/>
+                          </a:solidFill>
+                        </a:rPr>
+                        <a:t>多级</a:t>
+                      </a:r>
+                      <a:r>
+                        <a:rPr lang="en-US" altLang="zh-CN" dirty="0" smtClean="0">
+                          <a:solidFill>
+                            <a:srgbClr val="CC0000"/>
+                          </a:solidFill>
+                        </a:rPr>
+                        <a:t>MS</a:t>
+                      </a:r>
+                      <a:endParaRPr lang="zh-CN" altLang="en-US" dirty="0">
+                        <a:solidFill>
+                          <a:srgbClr val="CC0000"/>
+                        </a:solidFill>
+                      </a:endParaRPr>
+                    </a:p>
+                  </a:txBody>
+                  <a:tcPr/>
+                </a:tc>
+              </a:tr>
+              <a:tr h="370840">
+                <a:tc>
+                  <a:txBody>
+                    <a:bodyPr/>
+                    <a:lstStyle/>
+                    <a:p>
+                      <a:r>
+                        <a:rPr lang="en-US" altLang="zh-CN" dirty="0" smtClean="0"/>
+                        <a:t>SQL</a:t>
+                      </a:r>
+                      <a:r>
+                        <a:rPr lang="zh-CN" altLang="en-US" dirty="0" smtClean="0"/>
+                        <a:t>支持</a:t>
+                      </a:r>
+                      <a:endParaRPr lang="zh-CN" altLang="en-US" dirty="0"/>
+                    </a:p>
+                  </a:txBody>
+                  <a:tcPr/>
+                </a:tc>
+                <a:tc>
+                  <a:txBody>
+                    <a:bodyPr/>
+                    <a:lstStyle/>
+                    <a:p>
+                      <a:r>
+                        <a:rPr lang="zh-CN" altLang="en-US" dirty="0" smtClean="0"/>
+                        <a:t>不支持</a:t>
+                      </a:r>
+                      <a:endParaRPr lang="zh-CN" altLang="en-US" dirty="0"/>
+                    </a:p>
+                  </a:txBody>
+                  <a:tcPr/>
+                </a:tc>
+                <a:tc>
+                  <a:txBody>
+                    <a:bodyPr/>
+                    <a:lstStyle/>
+                    <a:p>
+                      <a:r>
+                        <a:rPr lang="zh-CN" altLang="en-US" dirty="0" smtClean="0"/>
+                        <a:t>支持</a:t>
+                      </a:r>
+                      <a:endParaRPr lang="zh-CN" altLang="en-US" dirty="0"/>
+                    </a:p>
+                  </a:txBody>
+                  <a:tcPr/>
+                </a:tc>
+                <a:tc>
+                  <a:txBody>
+                    <a:bodyPr/>
+                    <a:lstStyle/>
+                    <a:p>
+                      <a:r>
+                        <a:rPr lang="zh-CN" altLang="en-US" dirty="0" smtClean="0">
+                          <a:solidFill>
+                            <a:srgbClr val="CC0000"/>
+                          </a:solidFill>
+                        </a:rPr>
+                        <a:t>支持</a:t>
+                      </a:r>
+                      <a:endParaRPr lang="zh-CN" altLang="en-US" dirty="0">
+                        <a:solidFill>
+                          <a:srgbClr val="CC0000"/>
+                        </a:solidFill>
+                      </a:endParaRPr>
+                    </a:p>
+                  </a:txBody>
+                  <a:tcPr/>
+                </a:tc>
+              </a:tr>
+              <a:tr h="370840">
+                <a:tc>
+                  <a:txBody>
+                    <a:bodyPr/>
+                    <a:lstStyle/>
+                    <a:p>
+                      <a:r>
+                        <a:rPr lang="zh-CN" altLang="en-US" sz="1600" dirty="0" smtClean="0"/>
+                        <a:t>分区支持</a:t>
+                      </a:r>
+                      <a:endParaRPr lang="zh-CN" altLang="en-US" sz="1600" dirty="0"/>
+                    </a:p>
+                  </a:txBody>
+                  <a:tcPr/>
+                </a:tc>
+                <a:tc>
+                  <a:txBody>
+                    <a:bodyPr/>
+                    <a:lstStyle/>
+                    <a:p>
+                      <a:r>
+                        <a:rPr lang="zh-CN" altLang="en-US" sz="1600" dirty="0" smtClean="0"/>
+                        <a:t>不支持</a:t>
+                      </a:r>
+                      <a:endParaRPr lang="zh-CN" altLang="en-US" sz="1600" dirty="0"/>
+                    </a:p>
+                  </a:txBody>
+                  <a:tcPr/>
+                </a:tc>
+                <a:tc>
+                  <a:txBody>
+                    <a:bodyPr/>
+                    <a:lstStyle/>
+                    <a:p>
+                      <a:r>
+                        <a:rPr lang="zh-CN" altLang="en-US" sz="1600" dirty="0" smtClean="0"/>
+                        <a:t>每</a:t>
+                      </a:r>
+                      <a:r>
+                        <a:rPr lang="en-US" altLang="zh-CN" sz="1600" dirty="0" smtClean="0"/>
+                        <a:t>10</a:t>
+                      </a:r>
+                      <a:r>
+                        <a:rPr lang="zh-CN" altLang="en-US" sz="1600" dirty="0" smtClean="0"/>
+                        <a:t>天一个分区</a:t>
+                      </a:r>
+                      <a:endParaRPr lang="zh-CN" altLang="en-US" sz="1600" dirty="0"/>
+                    </a:p>
+                  </a:txBody>
+                  <a:tcPr/>
+                </a:tc>
+                <a:tc>
+                  <a:txBody>
+                    <a:bodyPr/>
+                    <a:lstStyle/>
+                    <a:p>
+                      <a:r>
+                        <a:rPr lang="zh-CN" altLang="en-US" sz="1600" dirty="0" smtClean="0">
+                          <a:solidFill>
+                            <a:srgbClr val="CC0000"/>
+                          </a:solidFill>
+                        </a:rPr>
+                        <a:t>按天分区，分区下按照记录数分小索引</a:t>
+                      </a:r>
+                      <a:endParaRPr lang="zh-CN" altLang="en-US" sz="1600" dirty="0">
+                        <a:solidFill>
+                          <a:srgbClr val="CC0000"/>
+                        </a:solidFill>
+                      </a:endParaRPr>
+                    </a:p>
+                  </a:txBody>
+                  <a:tcPr/>
+                </a:tc>
+              </a:tr>
+              <a:tr h="370840">
+                <a:tc>
+                  <a:txBody>
+                    <a:bodyPr/>
+                    <a:lstStyle/>
+                    <a:p>
+                      <a:r>
+                        <a:rPr lang="zh-CN" altLang="en-US" sz="1600" dirty="0" smtClean="0"/>
+                        <a:t>其他</a:t>
+                      </a:r>
+                      <a:endParaRPr lang="zh-CN" altLang="en-US" sz="1600" dirty="0"/>
+                    </a:p>
+                  </a:txBody>
+                  <a:tcPr/>
+                </a:tc>
+                <a:tc>
+                  <a:txBody>
+                    <a:bodyPr/>
+                    <a:lstStyle/>
+                    <a:p>
+                      <a:r>
+                        <a:rPr lang="zh-CN" altLang="en-US" sz="1600" baseline="0" dirty="0" smtClean="0"/>
+                        <a:t>通过无数次的并发小查询实现，效率低，无法分页，无法计算太多的组数</a:t>
+                      </a:r>
+                      <a:endParaRPr lang="zh-CN" altLang="en-US" sz="1600" dirty="0"/>
+                    </a:p>
+                  </a:txBody>
+                  <a:tcPr/>
+                </a:tc>
+                <a:tc>
+                  <a:txBody>
+                    <a:bodyPr/>
+                    <a:lstStyle/>
+                    <a:p>
+                      <a:r>
+                        <a:rPr lang="zh-CN" altLang="en-US" sz="1600" dirty="0" smtClean="0"/>
+                        <a:t>在内部实现，单次支撑</a:t>
+                      </a:r>
+                      <a:r>
+                        <a:rPr lang="en-US" altLang="zh-CN" sz="1600" dirty="0" smtClean="0"/>
+                        <a:t>10000</a:t>
+                      </a:r>
+                      <a:r>
+                        <a:rPr lang="zh-CN" altLang="en-US" sz="1600" dirty="0" smtClean="0"/>
+                        <a:t>个</a:t>
+                      </a:r>
+                      <a:r>
+                        <a:rPr lang="en-US" altLang="zh-CN" sz="1600" dirty="0" smtClean="0"/>
+                        <a:t>group</a:t>
+                      </a:r>
+                      <a:r>
+                        <a:rPr lang="zh-CN" altLang="en-US" sz="1600" dirty="0" smtClean="0"/>
+                        <a:t>的计算，可分页</a:t>
+                      </a:r>
+                      <a:endParaRPr lang="zh-CN" altLang="en-US" sz="1600" dirty="0"/>
+                    </a:p>
+                  </a:txBody>
+                  <a:tcPr/>
+                </a:tc>
+                <a:tc>
+                  <a:txBody>
+                    <a:bodyPr/>
+                    <a:lstStyle/>
+                    <a:p>
+                      <a:r>
+                        <a:rPr lang="zh-CN" altLang="en-US" sz="1600" dirty="0" smtClean="0">
+                          <a:solidFill>
+                            <a:srgbClr val="CC0000"/>
+                          </a:solidFill>
+                        </a:rPr>
+                        <a:t>通过对数据的重新洗牌，理论上</a:t>
+                      </a:r>
+                      <a:r>
+                        <a:rPr lang="en-US" altLang="zh-CN" sz="1600" dirty="0" smtClean="0">
+                          <a:solidFill>
+                            <a:srgbClr val="CC0000"/>
+                          </a:solidFill>
+                        </a:rPr>
+                        <a:t>group</a:t>
+                      </a:r>
+                      <a:r>
+                        <a:rPr lang="zh-CN" altLang="en-US" sz="1600" dirty="0" smtClean="0">
+                          <a:solidFill>
+                            <a:srgbClr val="CC0000"/>
+                          </a:solidFill>
+                        </a:rPr>
+                        <a:t>数无限制</a:t>
+                      </a:r>
+                      <a:endParaRPr lang="zh-CN" altLang="en-US" sz="1600" dirty="0">
+                        <a:solidFill>
+                          <a:srgbClr val="CC0000"/>
+                        </a:solidFill>
+                      </a:endParaRPr>
+                    </a:p>
+                  </a:txBody>
+                  <a:tcPr/>
+                </a:tc>
+              </a:tr>
+            </a:tbl>
+          </a:graphicData>
+        </a:graphic>
+      </p:graphicFrame>
       <p:sp>
         <p:nvSpPr>
-          <p:cNvPr id="3" name="内容占位符 2"/>
-          <p:cNvSpPr>
-            <a:spLocks noGrp="1"/>
-          </p:cNvSpPr>
-          <p:nvPr>
-            <p:ph idx="1"/>
-          </p:nvPr>
+          <p:cNvPr id="5" name="云形标注 4"/>
+          <p:cNvSpPr/>
+          <p:nvPr/>
         </p:nvSpPr>
-        <p:spPr/>
+        <p:spPr>
+          <a:xfrm>
+            <a:off x="3563888" y="3861048"/>
+            <a:ext cx="3384376" cy="2232248"/>
+          </a:xfrm>
+          <a:prstGeom prst="cloudCallout">
+            <a:avLst>
+              <a:gd name="adj1" fmla="val 48964"/>
+              <a:gd name="adj2" fmla="val 34524"/>
+            </a:avLst>
+          </a:prstGeom>
+        </p:spPr>
+        <p:style>
+          <a:lnRef idx="2">
+            <a:schemeClr val="accent6">
+              <a:shade val="50000"/>
+            </a:schemeClr>
+          </a:lnRef>
+          <a:fillRef idx="1">
+            <a:schemeClr val="accent6"/>
+          </a:fillRef>
+          <a:effectRef idx="0">
+            <a:schemeClr val="accent6"/>
+          </a:effectRef>
+          <a:fontRef idx="minor">
+            <a:schemeClr val="lt1"/>
+          </a:fontRef>
+        </p:style>
         <p:txBody>
-          <a:bodyPr/>
+          <a:bodyPr rtlCol="0" anchor="ctr"/>
           <a:lstStyle/>
           <a:p>
             <a:r>
               <a:rPr lang="zh-CN" altLang="en-US" dirty="0" smtClean="0"/>
-              <a:t>历史数据无法实时的</a:t>
-            </a:r>
-            <a:r>
-              <a:rPr lang="en-US" altLang="zh-CN" dirty="0" err="1" smtClean="0"/>
-              <a:t>delete,update</a:t>
-            </a:r>
-            <a:endParaRPr lang="en-US" altLang="zh-CN" dirty="0" smtClean="0"/>
-          </a:p>
-          <a:p>
+              <a:t>通过重新洗牌，后续将会实现 </a:t>
+            </a:r>
+            <a:r>
+              <a:rPr lang="en-US" altLang="zh-CN" dirty="0" smtClean="0"/>
+              <a:t>“</a:t>
+            </a:r>
             <a:r>
               <a:rPr lang="zh-CN" altLang="en-US" dirty="0" smtClean="0"/>
-              <a:t>新数据</a:t>
-            </a:r>
-            <a:r>
-              <a:rPr lang="zh-CN" altLang="en-US" b="1" dirty="0" smtClean="0">
-                <a:solidFill>
-                  <a:srgbClr val="FF0000"/>
-                </a:solidFill>
-              </a:rPr>
-              <a:t>当前版本</a:t>
+              <a:t>临时表</a:t>
+            </a:r>
+            <a:r>
+              <a:rPr lang="en-US" altLang="zh-CN" dirty="0" smtClean="0"/>
+              <a:t>” </a:t>
             </a:r>
             <a:r>
               <a:rPr lang="zh-CN" altLang="en-US" dirty="0" smtClean="0"/>
-              <a:t>无法实时</a:t>
-            </a:r>
-            <a:r>
-              <a:rPr lang="en-US" altLang="zh-CN" dirty="0" smtClean="0"/>
-              <a:t>append</a:t>
-            </a:r>
-            <a:r>
-              <a:rPr lang="zh-CN" altLang="en-US" smtClean="0"/>
-              <a:t>，目前延迟</a:t>
-            </a:r>
-            <a:r>
-              <a:rPr lang="en-US" altLang="zh-CN" dirty="0" smtClean="0"/>
-              <a:t>1</a:t>
-            </a:r>
-            <a:r>
-              <a:rPr lang="zh-CN" altLang="en-US" dirty="0" smtClean="0"/>
-              <a:t>天。</a:t>
-            </a:r>
-            <a:endParaRPr lang="en-US" altLang="zh-CN" dirty="0" smtClean="0"/>
-          </a:p>
-          <a:p>
-            <a:r>
-              <a:rPr lang="zh-CN" altLang="en-US" dirty="0" smtClean="0"/>
-              <a:t>当前版本不支持复杂查询，多表</a:t>
+              <a:t>多表</a:t>
             </a:r>
             <a:r>
               <a:rPr lang="en-US" altLang="zh-CN" dirty="0" smtClean="0"/>
@@ -22790,22 +23642,24 @@
             </a:r>
             <a:r>
               <a:rPr lang="zh-CN" altLang="en-US" dirty="0" smtClean="0"/>
-              <a:t>，二次查询，</a:t>
+              <a:t>，</a:t>
             </a:r>
             <a:r>
               <a:rPr lang="en-US" altLang="zh-CN" dirty="0" smtClean="0"/>
-              <a:t>distinct</a:t>
+              <a:t>distinct count,</a:t>
             </a:r>
             <a:r>
               <a:rPr lang="zh-CN" altLang="en-US" dirty="0" smtClean="0"/>
-              <a:t>。</a:t>
-            </a:r>
-            <a:endParaRPr lang="en-US" altLang="zh-CN" dirty="0" smtClean="0"/>
-          </a:p>
-          <a:p>
-            <a:pPr marL="0" indent="0">
-              <a:buNone/>
-            </a:pPr>
+              <a:t>无组数限制的</a:t>
+            </a:r>
+            <a:r>
+              <a:rPr lang="en-US" altLang="zh-CN" dirty="0" smtClean="0"/>
+              <a:t>group by,</a:t>
+            </a:r>
+            <a:r>
+              <a:rPr lang="zh-CN" altLang="en-US" dirty="0" smtClean="0"/>
+              <a:t>嵌套查询等功能</a:t>
+            </a:r>
             <a:endParaRPr lang="zh-CN" altLang="en-US" dirty="0"/>
           </a:p>
         </p:txBody>
@@ -22813,7 +23667,7 @@
     </p:spTree>
     <p:extLst>
       <p:ext uri="{BB962C8B-B14F-4D97-AF65-F5344CB8AC3E}">
-        <p14:creationId xmlns:p14="http://schemas.microsoft.com/office/powerpoint/2010/main" val="1522164564"/>
+        <p14:creationId xmlns:p14="http://schemas.microsoft.com/office/powerpoint/2010/main" val="78383807"/>
       </p:ext>
     </p:extLst>
   </p:cSld>
@@ -22823,430 +23677,138 @@
   <p:timing>
     <p:tnLst>
       <p:par>
-        <p:cTn id="1" dur="indefinite" restart="never" nodeType="tmRoot"/>
+        <p:cTn id="1" dur="indefinite" restart="never" nodeType="tmRoot">
+          <p:childTnLst>
+            <p:seq concurrent="1" nextAc="seek">
+              <p:cTn id="2" dur="indefinite" nodeType="mainSeq">
+                <p:childTnLst>
+                  <p:par>
+                    <p:cTn id="3" fill="hold">
+                      <p:stCondLst>
+                        <p:cond delay="indefinite"/>
+                      </p:stCondLst>
+                      <p:childTnLst>
+                        <p:par>
+                          <p:cTn id="4" fill="hold">
+                            <p:stCondLst>
+                              <p:cond delay="0"/>
+                            </p:stCondLst>
+                            <p:childTnLst>
+                              <p:par>
+                                <p:cTn id="5" presetID="16" presetClass="entr" presetSubtype="21" fill="hold" grpId="0" nodeType="clickEffect">
+                                  <p:stCondLst>
+                                    <p:cond delay="0"/>
+                                  </p:stCondLst>
+                                  <p:childTnLst>
+                                    <p:set>
+                                      <p:cBhvr>
+                                        <p:cTn id="6" dur="1" fill="hold">
+                                          <p:stCondLst>
+                                            <p:cond delay="0"/>
+                                          </p:stCondLst>
+                                        </p:cTn>
+                                        <p:tgtEl>
+                                          <p:spTgt spid="5"/>
+                                        </p:tgtEl>
+                                        <p:attrNameLst>
+                                          <p:attrName>style.visibility</p:attrName>
+                                        </p:attrNameLst>
+                                      </p:cBhvr>
+                                      <p:to>
+                                        <p:strVal val="visible"/>
+                                      </p:to>
+                                    </p:set>
+                                    <p:animEffect transition="in" filter="barn(inVertical)">
+                                      <p:cBhvr>
+                                        <p:cTn id="7" dur="500"/>
+                                        <p:tgtEl>
+                                          <p:spTgt spid="5"/>
+                                        </p:tgtEl>
+                                      </p:cBhvr>
+                                    </p:animEffect>
+                                  </p:childTnLst>
+                                </p:cTn>
+                              </p:par>
+                            </p:childTnLst>
+                          </p:cTn>
+                        </p:par>
+                      </p:childTnLst>
+                    </p:cTn>
+                  </p:par>
+                  <p:par>
+                    <p:cTn id="8" fill="hold">
+                      <p:stCondLst>
+                        <p:cond delay="indefinite"/>
+                      </p:stCondLst>
+                      <p:childTnLst>
+                        <p:par>
+                          <p:cTn id="9" fill="hold">
+                            <p:stCondLst>
+                              <p:cond delay="0"/>
+                            </p:stCondLst>
+                            <p:childTnLst>
+                              <p:par>
+                                <p:cTn id="10" presetID="26" presetClass="emph" presetSubtype="0" fill="hold" grpId="1" nodeType="clickEffect">
+                                  <p:stCondLst>
+                                    <p:cond delay="0"/>
+                                  </p:stCondLst>
+                                  <p:childTnLst>
+                                    <p:animEffect transition="out" filter="fade">
+                                      <p:cBhvr>
+                                        <p:cTn id="11" dur="500" tmFilter="0, 0; .2, .5; .8, .5; 1, 0"/>
+                                        <p:tgtEl>
+                                          <p:spTgt spid="5"/>
+                                        </p:tgtEl>
+                                      </p:cBhvr>
+                                    </p:animEffect>
+                                    <p:animScale>
+                                      <p:cBhvr>
+                                        <p:cTn id="12" dur="250" autoRev="1" fill="hold"/>
+                                        <p:tgtEl>
+                                          <p:spTgt spid="5"/>
+                                        </p:tgtEl>
+                                      </p:cBhvr>
+                                      <p:by x="105000" y="105000"/>
+                                    </p:animScale>
+                                  </p:childTnLst>
+                                </p:cTn>
+                              </p:par>
+                            </p:childTnLst>
+                          </p:cTn>
+                        </p:par>
+                      </p:childTnLst>
+                    </p:cTn>
+                  </p:par>
+                </p:childTnLst>
+              </p:cTn>
+              <p:prevCondLst>
+                <p:cond evt="onPrev" delay="0">
+                  <p:tgtEl>
+                    <p:sldTgt/>
+                  </p:tgtEl>
+                </p:cond>
+              </p:prevCondLst>
+              <p:nextCondLst>
+                <p:cond evt="onNext" delay="0">
+                  <p:tgtEl>
+                    <p:sldTgt/>
+                  </p:tgtEl>
+                </p:cond>
+              </p:nextCondLst>
+            </p:seq>
+          </p:childTnLst>
+        </p:cTn>
       </p:par>
     </p:tnLst>
+    <p:bldLst>
+      <p:bldP spid="5" grpId="0" animBg="1"/>
+      <p:bldP spid="5" grpId="1" animBg="1"/>
+    </p:bldLst>
   </p:timing>
 </p:sld>
 </file>
 
 <file path=ppt/slides/slide19.xml><?xml version="1.0" encoding="utf-8"?>
-<p:sld xmlns:a="http://schemas.openxmlformats.org/drawingml/2006/main" xmlns:r="http://schemas.openxmlformats.org/officeDocument/2006/relationships" xmlns:p="http://schemas.openxmlformats.org/presentationml/2006/main">
-  <p:cSld>
-    <p:spTree>
-      <p:nvGrpSpPr>
-        <p:cNvPr id="1" name=""/>
-        <p:cNvGrpSpPr/>
-        <p:nvPr/>
-      </p:nvGrpSpPr>
-      <p:grpSpPr>
-        <a:xfrm>
-          <a:off x="0" y="0"/>
-          <a:ext cx="0" cy="0"/>
-          <a:chOff x="0" y="0"/>
-          <a:chExt cx="0" cy="0"/>
-        </a:xfrm>
-      </p:grpSpPr>
-      <p:sp>
-        <p:nvSpPr>
-          <p:cNvPr id="2" name="标题 1"/>
-          <p:cNvSpPr>
-            <a:spLocks noGrp="1"/>
-          </p:cNvSpPr>
-          <p:nvPr>
-            <p:ph type="title"/>
-          </p:nvPr>
-        </p:nvSpPr>
-        <p:spPr/>
-        <p:txBody>
-          <a:bodyPr/>
-          <a:lstStyle/>
-          <a:p>
-            <a:r>
-              <a:rPr lang="zh-CN" altLang="en-US" dirty="0" smtClean="0"/>
-              <a:t>下一版的规划</a:t>
-            </a:r>
-            <a:endParaRPr lang="zh-CN" altLang="en-US" dirty="0"/>
-          </a:p>
-        </p:txBody>
-      </p:sp>
-      <p:sp>
-        <p:nvSpPr>
-          <p:cNvPr id="3" name="内容占位符 2"/>
-          <p:cNvSpPr>
-            <a:spLocks noGrp="1"/>
-          </p:cNvSpPr>
-          <p:nvPr>
-            <p:ph idx="1"/>
-          </p:nvPr>
-        </p:nvSpPr>
-        <p:spPr/>
-        <p:txBody>
-          <a:bodyPr/>
-          <a:lstStyle/>
-          <a:p>
-            <a:r>
-              <a:rPr lang="zh-CN" altLang="en-US" dirty="0"/>
-              <a:t>临时</a:t>
-            </a:r>
-            <a:r>
-              <a:rPr lang="zh-CN" altLang="en-US" dirty="0" smtClean="0"/>
-              <a:t>表</a:t>
-            </a:r>
-            <a:endParaRPr lang="en-US" altLang="zh-CN" dirty="0"/>
-          </a:p>
-          <a:p>
-            <a:r>
-              <a:rPr lang="zh-CN" altLang="en-US" dirty="0" smtClean="0"/>
-              <a:t>多</a:t>
-            </a:r>
-            <a:r>
-              <a:rPr lang="zh-CN" altLang="en-US" dirty="0"/>
-              <a:t>表</a:t>
-            </a:r>
-            <a:r>
-              <a:rPr lang="en-US" altLang="zh-CN" dirty="0"/>
-              <a:t>join</a:t>
-            </a:r>
-          </a:p>
-          <a:p>
-            <a:r>
-              <a:rPr lang="zh-CN" altLang="en-US" dirty="0"/>
-              <a:t>自定义统计函数</a:t>
-            </a:r>
-          </a:p>
-          <a:p>
-            <a:r>
-              <a:rPr lang="en-US" altLang="zh-CN" dirty="0"/>
-              <a:t>distinct</a:t>
-            </a:r>
-            <a:r>
-              <a:rPr lang="zh-CN" altLang="en-US" dirty="0"/>
-              <a:t>求</a:t>
-            </a:r>
-            <a:r>
-              <a:rPr lang="en-US" altLang="zh-CN" dirty="0"/>
-              <a:t>count</a:t>
-            </a:r>
-            <a:r>
-              <a:rPr lang="zh-CN" altLang="en-US" dirty="0"/>
-              <a:t>的</a:t>
-            </a:r>
-            <a:r>
-              <a:rPr lang="zh-CN" altLang="en-US" dirty="0" smtClean="0"/>
-              <a:t>实现</a:t>
-            </a:r>
-            <a:endParaRPr lang="en-US" altLang="zh-CN" dirty="0" smtClean="0"/>
-          </a:p>
-          <a:p>
-            <a:pPr marL="0" indent="0">
-              <a:buNone/>
-            </a:pPr>
-            <a:endParaRPr lang="zh-CN" altLang="en-US" dirty="0"/>
-          </a:p>
-          <a:p>
-            <a:endParaRPr lang="zh-CN" altLang="en-US" dirty="0"/>
-          </a:p>
-        </p:txBody>
-      </p:sp>
-    </p:spTree>
-    <p:extLst>
-      <p:ext uri="{BB962C8B-B14F-4D97-AF65-F5344CB8AC3E}">
-        <p14:creationId xmlns:p14="http://schemas.microsoft.com/office/powerpoint/2010/main" val="1524881993"/>
-      </p:ext>
-    </p:extLst>
-  </p:cSld>
-  <p:clrMapOvr>
-    <a:masterClrMapping/>
-  </p:clrMapOvr>
-  <p:timing>
-    <p:tnLst>
-      <p:par>
-        <p:cTn id="1" dur="indefinite" restart="never" nodeType="tmRoot"/>
-      </p:par>
-    </p:tnLst>
-  </p:timing>
-</p:sld>
-</file>
-
-<file path=ppt/slides/slide2.xml><?xml version="1.0" encoding="utf-8"?>
-<p:sld xmlns:a="http://schemas.openxmlformats.org/drawingml/2006/main" xmlns:r="http://schemas.openxmlformats.org/officeDocument/2006/relationships" xmlns:p="http://schemas.openxmlformats.org/presentationml/2006/main">
-  <p:cSld>
-    <p:spTree>
-      <p:nvGrpSpPr>
-        <p:cNvPr id="1" name=""/>
-        <p:cNvGrpSpPr/>
-        <p:nvPr/>
-      </p:nvGrpSpPr>
-      <p:grpSpPr>
-        <a:xfrm>
-          <a:off x="0" y="0"/>
-          <a:ext cx="0" cy="0"/>
-          <a:chOff x="0" y="0"/>
-          <a:chExt cx="0" cy="0"/>
-        </a:xfrm>
-      </p:grpSpPr>
-      <p:sp>
-        <p:nvSpPr>
-          <p:cNvPr id="2" name="标题 1"/>
-          <p:cNvSpPr>
-            <a:spLocks noGrp="1"/>
-          </p:cNvSpPr>
-          <p:nvPr>
-            <p:ph type="title"/>
-          </p:nvPr>
-        </p:nvSpPr>
-        <p:spPr/>
-        <p:txBody>
-          <a:bodyPr/>
-          <a:lstStyle/>
-          <a:p>
-            <a:r>
-              <a:rPr lang="zh-CN" altLang="en-US" dirty="0" smtClean="0"/>
-              <a:t>讲者简介</a:t>
-            </a:r>
-            <a:endParaRPr lang="zh-CN" altLang="en-US" dirty="0"/>
-          </a:p>
-        </p:txBody>
-      </p:sp>
-      <p:sp>
-        <p:nvSpPr>
-          <p:cNvPr id="3" name="内容占位符 2"/>
-          <p:cNvSpPr>
-            <a:spLocks noGrp="1"/>
-          </p:cNvSpPr>
-          <p:nvPr>
-            <p:ph idx="1"/>
-          </p:nvPr>
-        </p:nvSpPr>
-        <p:spPr>
-          <a:xfrm>
-            <a:off x="3203848" y="1600200"/>
-            <a:ext cx="5482952" cy="4525963"/>
-          </a:xfrm>
-        </p:spPr>
-        <p:txBody>
-          <a:bodyPr/>
-          <a:lstStyle/>
-          <a:p>
-            <a:pPr marL="0" indent="0">
-              <a:buNone/>
-            </a:pPr>
-            <a:r>
-              <a:rPr lang="zh-CN" altLang="en-US" sz="2400" u="sng" dirty="0" smtClean="0"/>
-              <a:t>花名 ：子落</a:t>
-            </a:r>
-            <a:endParaRPr lang="en-US" altLang="zh-CN" sz="2400" u="sng" dirty="0" smtClean="0"/>
-          </a:p>
-          <a:p>
-            <a:pPr marL="0" indent="0">
-              <a:buNone/>
-            </a:pPr>
-            <a:r>
-              <a:rPr lang="zh-CN" altLang="en-US" sz="2400" u="sng" dirty="0" smtClean="0"/>
-              <a:t>真实姓名：母延年</a:t>
-            </a:r>
-            <a:endParaRPr lang="en-US" altLang="zh-CN" sz="2400" u="sng" dirty="0" smtClean="0"/>
-          </a:p>
-          <a:p>
-            <a:pPr marL="0" indent="0">
-              <a:buNone/>
-            </a:pPr>
-            <a:r>
-              <a:rPr lang="zh-CN" altLang="en-US" sz="2400" u="sng" dirty="0" smtClean="0"/>
-              <a:t>个人邮箱：</a:t>
-            </a:r>
-            <a:r>
-              <a:rPr lang="en-US" altLang="zh-CN" sz="2400" u="sng" dirty="0" smtClean="0"/>
-              <a:t>myn@163.com</a:t>
-            </a:r>
-            <a:endParaRPr lang="en-US" altLang="zh-CN" sz="2400" u="sng" dirty="0"/>
-          </a:p>
-          <a:p>
-            <a:pPr marL="0" indent="0">
-              <a:buNone/>
-            </a:pPr>
-            <a:r>
-              <a:rPr lang="zh-CN" altLang="zh-CN" sz="2400" u="sng" dirty="0" smtClean="0"/>
-              <a:t>海狗</a:t>
-            </a:r>
-            <a:r>
-              <a:rPr lang="zh-CN" altLang="zh-CN" sz="2400" u="sng" dirty="0"/>
-              <a:t>的</a:t>
-            </a:r>
-            <a:r>
-              <a:rPr lang="en-US" altLang="zh-CN" sz="2400" u="sng" dirty="0"/>
-              <a:t>coder</a:t>
-            </a:r>
-            <a:r>
-              <a:rPr lang="zh-CN" altLang="zh-CN" sz="2400" u="sng" dirty="0" smtClean="0"/>
-              <a:t>之一</a:t>
-            </a:r>
-            <a:endParaRPr lang="en-US" altLang="zh-CN" sz="2400" u="sng" dirty="0" smtClean="0"/>
-          </a:p>
-          <a:p>
-            <a:pPr marL="0" indent="0">
-              <a:buNone/>
-            </a:pPr>
-            <a:r>
-              <a:rPr lang="en-US" altLang="zh-CN" sz="2400" u="sng" dirty="0"/>
-              <a:t>11</a:t>
-            </a:r>
-            <a:r>
-              <a:rPr lang="zh-CN" altLang="zh-CN" sz="2400" u="sng" dirty="0"/>
-              <a:t>年加入支付</a:t>
-            </a:r>
-            <a:r>
-              <a:rPr lang="zh-CN" altLang="zh-CN" sz="2400" u="sng" dirty="0" smtClean="0"/>
-              <a:t>宝</a:t>
-            </a:r>
-            <a:endParaRPr lang="en-US" altLang="zh-CN" sz="2400" u="sng" dirty="0" smtClean="0"/>
-          </a:p>
-          <a:p>
-            <a:pPr marL="0" indent="0">
-              <a:buNone/>
-            </a:pPr>
-            <a:r>
-              <a:rPr lang="zh-CN" altLang="zh-CN" sz="2400" u="sng" dirty="0" smtClean="0"/>
-              <a:t>一直</a:t>
-            </a:r>
-            <a:r>
-              <a:rPr lang="zh-CN" altLang="zh-CN" sz="2400" u="sng" dirty="0"/>
-              <a:t>做跟大数据分析与搜索相关的</a:t>
-            </a:r>
-            <a:r>
-              <a:rPr lang="zh-CN" altLang="zh-CN" sz="2400" u="sng" dirty="0" smtClean="0"/>
-              <a:t>工作</a:t>
-            </a:r>
-            <a:endParaRPr lang="en-US" altLang="zh-CN" sz="2400" u="sng" dirty="0" smtClean="0"/>
-          </a:p>
-          <a:p>
-            <a:pPr marL="0" indent="0">
-              <a:buNone/>
-            </a:pPr>
-            <a:r>
-              <a:rPr lang="zh-CN" altLang="zh-CN" sz="2400" u="sng" dirty="0" smtClean="0"/>
-              <a:t>曾</a:t>
-            </a:r>
-            <a:r>
-              <a:rPr lang="zh-CN" altLang="zh-CN" sz="2400" u="sng" dirty="0"/>
-              <a:t>任职于新浪，腾讯，酷六等</a:t>
-            </a:r>
-            <a:r>
-              <a:rPr lang="zh-CN" altLang="zh-CN" sz="2400" u="sng" dirty="0" smtClean="0"/>
-              <a:t>公司</a:t>
-            </a:r>
-            <a:endParaRPr lang="en-US" altLang="zh-CN" sz="2400" u="sng" dirty="0" smtClean="0"/>
-          </a:p>
-          <a:p>
-            <a:pPr marL="0" indent="0">
-              <a:buNone/>
-            </a:pPr>
-            <a:r>
-              <a:rPr lang="zh-CN" altLang="zh-CN" sz="2400" u="sng" dirty="0" smtClean="0"/>
-              <a:t>熟悉</a:t>
-            </a:r>
-            <a:r>
-              <a:rPr lang="en-US" altLang="zh-CN" sz="2400" u="sng" dirty="0" err="1"/>
-              <a:t>hadoop,storm,solr,lucene</a:t>
-            </a:r>
-            <a:r>
-              <a:rPr lang="zh-CN" altLang="zh-CN" sz="2400" u="sng" dirty="0"/>
-              <a:t>等系统的</a:t>
-            </a:r>
-            <a:r>
-              <a:rPr lang="zh-CN" altLang="zh-CN" sz="2400" u="sng" dirty="0" smtClean="0"/>
-              <a:t>源码</a:t>
-            </a:r>
-            <a:endParaRPr lang="zh-CN" altLang="zh-CN" sz="2400" dirty="0"/>
-          </a:p>
-        </p:txBody>
-      </p:sp>
-      <p:pic>
-        <p:nvPicPr>
-          <p:cNvPr id="1026" name="Picture 2"/>
-          <p:cNvPicPr>
-            <a:picLocks noChangeAspect="1" noChangeArrowheads="1"/>
-          </p:cNvPicPr>
-          <p:nvPr/>
-        </p:nvPicPr>
-        <p:blipFill>
-          <a:blip r:embed="rId2">
-            <a:extLst>
-              <a:ext uri="{28A0092B-C50C-407E-A947-70E740481C1C}">
-                <a14:useLocalDpi xmlns:a14="http://schemas.microsoft.com/office/drawing/2010/main" val="0"/>
-              </a:ext>
-            </a:extLst>
-          </a:blip>
-          <a:srcRect/>
-          <a:stretch>
-            <a:fillRect/>
-          </a:stretch>
-        </p:blipFill>
-        <p:spPr bwMode="auto">
-          <a:xfrm>
-            <a:off x="539552" y="1624012"/>
-            <a:ext cx="2376264" cy="4181252"/>
-          </a:xfrm>
-          <a:prstGeom prst="rect">
-            <a:avLst/>
-          </a:prstGeom>
-          <a:noFill/>
-          <a:ln>
-            <a:noFill/>
-          </a:ln>
-          <a:effectLst/>
-          <a:extLst>
-            <a:ext uri="{909E8E84-426E-40DD-AFC4-6F175D3DCCD1}">
-              <a14:hiddenFill xmlns:a14="http://schemas.microsoft.com/office/drawing/2010/main">
-                <a:solidFill>
-                  <a:schemeClr val="accent1"/>
-                </a:solidFill>
-              </a14:hiddenFill>
-            </a:ext>
-            <a:ext uri="{91240B29-F687-4F45-9708-019B960494DF}">
-              <a14:hiddenLine xmlns:a14="http://schemas.microsoft.com/office/drawing/2010/main" w="9525">
-                <a:solidFill>
-                  <a:schemeClr val="tx1"/>
-                </a:solidFill>
-                <a:miter lim="800000"/>
-                <a:headEnd/>
-                <a:tailEnd/>
-              </a14:hiddenLine>
-            </a:ext>
-            <a:ext uri="{AF507438-7753-43E0-B8FC-AC1667EBCBE1}">
-              <a14:hiddenEffects xmlns:a14="http://schemas.microsoft.com/office/drawing/2010/main">
-                <a:effectLst>
-                  <a:outerShdw dist="35921" dir="2700000" algn="ctr" rotWithShape="0">
-                    <a:schemeClr val="bg2"/>
-                  </a:outerShdw>
-                </a:effectLst>
-              </a14:hiddenEffects>
-            </a:ext>
-          </a:extLst>
-        </p:spPr>
-      </p:pic>
-    </p:spTree>
-    <p:extLst>
-      <p:ext uri="{BB962C8B-B14F-4D97-AF65-F5344CB8AC3E}">
-        <p14:creationId xmlns:p14="http://schemas.microsoft.com/office/powerpoint/2010/main" val="1639446318"/>
-      </p:ext>
-    </p:extLst>
-  </p:cSld>
-  <p:clrMapOvr>
-    <a:masterClrMapping/>
-  </p:clrMapOvr>
-  <p:timing>
-    <p:tnLst>
-      <p:par>
-        <p:cTn id="1" dur="indefinite" restart="never" nodeType="tmRoot"/>
-      </p:par>
-    </p:tnLst>
-  </p:timing>
-</p:sld>
-</file>
-
-<file path=ppt/slides/slide20.xml><?xml version="1.0" encoding="utf-8"?>
 <p:sld xmlns:a="http://schemas.openxmlformats.org/drawingml/2006/main" xmlns:r="http://schemas.openxmlformats.org/officeDocument/2006/relationships" xmlns:p="http://schemas.openxmlformats.org/presentationml/2006/main">
   <p:cSld>
     <p:spTree>
@@ -23317,8 +23879,8 @@
           <a:lstStyle/>
           <a:p>
             <a:r>
-              <a:rPr lang="zh-CN" altLang="en-US" dirty="0" smtClean="0"/>
-              <a:t>规划中的架构</a:t>
+              <a:rPr lang="en-US" altLang="zh-CN" dirty="0" smtClean="0"/>
+              <a:t>Higo yarn</a:t>
             </a:r>
             <a:endParaRPr lang="zh-CN" altLang="en-US" dirty="0"/>
           </a:p>
@@ -23362,7 +23924,7 @@
             <a:pPr algn="ctr"/>
             <a:r>
               <a:rPr lang="en-US" altLang="zh-CN" dirty="0" smtClean="0"/>
-              <a:t>MS</a:t>
+              <a:t>NM</a:t>
             </a:r>
             <a:endParaRPr lang="zh-CN" altLang="en-US" dirty="0"/>
           </a:p>
@@ -23406,7 +23968,7 @@
             <a:pPr algn="ctr"/>
             <a:r>
               <a:rPr lang="en-US" altLang="zh-CN" dirty="0" smtClean="0"/>
-              <a:t>MS</a:t>
+              <a:t>NM</a:t>
             </a:r>
             <a:endParaRPr lang="zh-CN" altLang="en-US" dirty="0"/>
           </a:p>
@@ -23450,7 +24012,7 @@
             <a:pPr algn="ctr"/>
             <a:r>
               <a:rPr lang="en-US" altLang="zh-CN" dirty="0" smtClean="0"/>
-              <a:t>MS</a:t>
+              <a:t>NM</a:t>
             </a:r>
             <a:endParaRPr lang="zh-CN" altLang="en-US" dirty="0"/>
           </a:p>
@@ -23494,7 +24056,7 @@
             <a:pPr algn="ctr"/>
             <a:r>
               <a:rPr lang="en-US" altLang="zh-CN" dirty="0" smtClean="0"/>
-              <a:t>MS</a:t>
+              <a:t>NM</a:t>
             </a:r>
             <a:endParaRPr lang="zh-CN" altLang="en-US" dirty="0"/>
           </a:p>
@@ -23538,7 +24100,7 @@
             <a:pPr algn="ctr"/>
             <a:r>
               <a:rPr lang="en-US" altLang="zh-CN" dirty="0" smtClean="0"/>
-              <a:t>MS</a:t>
+              <a:t>NM</a:t>
             </a:r>
             <a:endParaRPr lang="zh-CN" altLang="en-US" dirty="0"/>
           </a:p>
@@ -23582,7 +24144,7 @@
             <a:pPr algn="ctr"/>
             <a:r>
               <a:rPr lang="en-US" altLang="zh-CN" dirty="0" smtClean="0"/>
-              <a:t>MS</a:t>
+              <a:t>NM</a:t>
             </a:r>
             <a:endParaRPr lang="zh-CN" altLang="en-US" dirty="0"/>
           </a:p>
@@ -23612,7 +24174,11 @@
           <a:p>
             <a:r>
               <a:rPr lang="en-US" altLang="zh-CN" sz="2400" dirty="0" smtClean="0"/>
-              <a:t>Merger Server</a:t>
+              <a:t>Node </a:t>
+            </a:r>
+            <a:r>
+              <a:rPr lang="en-US" altLang="zh-CN" sz="2400" dirty="0" smtClean="0"/>
+              <a:t>Manager</a:t>
             </a:r>
             <a:endParaRPr lang="zh-CN" altLang="en-US" sz="2400" dirty="0"/>
           </a:p>
@@ -24287,7 +24853,7 @@
           <a:p>
             <a:r>
               <a:rPr lang="en-US" altLang="zh-CN" sz="2400" dirty="0" smtClean="0"/>
-              <a:t>Slot tasks</a:t>
+              <a:t>tasks</a:t>
             </a:r>
             <a:endParaRPr lang="zh-CN" altLang="en-US" sz="2400" dirty="0"/>
           </a:p>
@@ -24339,8 +24905,8 @@
         </p:nvSpPr>
         <p:spPr>
           <a:xfrm>
-            <a:off x="1691680" y="1268760"/>
-            <a:ext cx="1769044" cy="461665"/>
+            <a:off x="205396" y="1268760"/>
+            <a:ext cx="3255328" cy="461665"/>
           </a:xfrm>
           <a:prstGeom prst="rect">
             <a:avLst/>
@@ -24355,7 +24921,7 @@
           <a:p>
             <a:r>
               <a:rPr lang="en-US" altLang="zh-CN" sz="2400" dirty="0" smtClean="0"/>
-              <a:t>Job tracker</a:t>
+              <a:t>Resource Manager</a:t>
             </a:r>
             <a:endParaRPr lang="zh-CN" altLang="en-US" sz="2400" dirty="0"/>
           </a:p>
@@ -24449,8 +25015,8 @@
         </p:nvSpPr>
         <p:spPr>
           <a:xfrm>
-            <a:off x="3329862" y="1463328"/>
-            <a:ext cx="3492388" cy="1195040"/>
+            <a:off x="3329862" y="1274658"/>
+            <a:ext cx="4770530" cy="1195040"/>
           </a:xfrm>
           <a:prstGeom prst="cloudCallout">
             <a:avLst>
@@ -24477,12 +25043,48 @@
           <a:bodyPr rtlCol="0" anchor="ctr"/>
           <a:lstStyle/>
           <a:p>
-            <a:pPr algn="ctr"/>
-            <a:r>
-              <a:rPr lang="zh-CN" altLang="en-US" dirty="0" smtClean="0"/>
-              <a:t>负责资源的管理</a:t>
-            </a:r>
-            <a:endParaRPr lang="zh-CN" altLang="en-US" dirty="0"/>
+            <a:r>
+              <a:rPr lang="zh-CN" altLang="en-US" sz="1600" dirty="0" smtClean="0"/>
+              <a:t>负责集群资源的管控</a:t>
+            </a:r>
+            <a:endParaRPr lang="en-US" altLang="zh-CN" sz="1600" dirty="0" smtClean="0"/>
+          </a:p>
+          <a:p>
+            <a:pPr marL="342900" indent="-342900">
+              <a:buFont typeface="+mj-lt"/>
+              <a:buAutoNum type="arabicPeriod"/>
+            </a:pPr>
+            <a:r>
+              <a:rPr lang="en-US" altLang="zh-CN" sz="1600" dirty="0" smtClean="0"/>
+              <a:t>Node manager</a:t>
+            </a:r>
+            <a:r>
+              <a:rPr lang="zh-CN" altLang="en-US" sz="1600" dirty="0" smtClean="0"/>
+              <a:t>资源分配</a:t>
+            </a:r>
+            <a:endParaRPr lang="en-US" altLang="zh-CN" sz="1600" dirty="0" smtClean="0"/>
+          </a:p>
+          <a:p>
+            <a:pPr marL="342900" indent="-342900">
+              <a:buFont typeface="+mj-lt"/>
+              <a:buAutoNum type="arabicPeriod"/>
+            </a:pPr>
+            <a:r>
+              <a:rPr lang="zh-CN" altLang="en-US" sz="1600" dirty="0" smtClean="0"/>
+              <a:t>根据索引的存储位置以及</a:t>
+            </a:r>
+            <a:r>
+              <a:rPr lang="en-US" altLang="zh-CN" sz="1600" dirty="0" smtClean="0"/>
+              <a:t>tasks</a:t>
+            </a:r>
+            <a:r>
+              <a:rPr lang="zh-CN" altLang="en-US" sz="1600" dirty="0" smtClean="0"/>
+              <a:t>的资源情况，分配</a:t>
+            </a:r>
+            <a:r>
+              <a:rPr lang="en-US" altLang="zh-CN" sz="1600" dirty="0" smtClean="0"/>
+              <a:t>task</a:t>
+            </a:r>
           </a:p>
         </p:txBody>
       </p:sp>
@@ -24599,7 +25201,7 @@
         </p:nvSpPr>
         <p:spPr>
           <a:xfrm>
-            <a:off x="3770911" y="4738282"/>
+            <a:off x="3473878" y="4895291"/>
             <a:ext cx="4626514" cy="1790327"/>
           </a:xfrm>
           <a:prstGeom prst="cloudCallout">
@@ -24633,30 +25235,30 @@
             </a:r>
             <a:r>
               <a:rPr lang="zh-CN" altLang="en-US" dirty="0" smtClean="0"/>
-              <a:t>负责获取合并</a:t>
+              <a:t>负责</a:t>
             </a:r>
             <a:r>
               <a:rPr lang="en-US" altLang="zh-CN" dirty="0" smtClean="0"/>
               <a:t>task</a:t>
             </a:r>
             <a:r>
-              <a:rPr lang="zh-CN" altLang="en-US" dirty="0"/>
-              <a:t>的</a:t>
-            </a:r>
-            <a:r>
               <a:rPr lang="zh-CN" altLang="en-US" dirty="0" smtClean="0"/>
-              <a:t>结果</a:t>
+              <a:t>的调度</a:t>
             </a:r>
             <a:endParaRPr lang="en-US" altLang="zh-CN" dirty="0" smtClean="0"/>
           </a:p>
           <a:p>
             <a:r>
               <a:rPr lang="en-US" altLang="zh-CN" dirty="0" smtClean="0"/>
-              <a:t>2.</a:t>
+              <a:t>2</a:t>
+            </a:r>
+            <a:r>
+              <a:rPr lang="en-US" altLang="zh-CN" dirty="0" smtClean="0"/>
+              <a:t>.</a:t>
             </a:r>
             <a:r>
               <a:rPr lang="zh-CN" altLang="en-US" dirty="0" smtClean="0"/>
-              <a:t>对较慢的</a:t>
+              <a:t>合并</a:t>
             </a:r>
             <a:r>
               <a:rPr lang="en-US" altLang="zh-CN" dirty="0" smtClean="0"/>
@@ -24664,15 +25266,26 @@
             </a:r>
             <a:r>
               <a:rPr lang="zh-CN" altLang="en-US" dirty="0" smtClean="0"/>
-              <a:t>或失败的</a:t>
-            </a:r>
+              <a:t>的结果。</a:t>
+            </a:r>
+            <a:endParaRPr lang="en-US" altLang="zh-CN" dirty="0" smtClean="0"/>
+          </a:p>
+          <a:p>
             <a:r>
               <a:rPr lang="en-US" altLang="zh-CN" dirty="0" smtClean="0"/>
-              <a:t>task,</a:t>
+              <a:t>3.</a:t>
             </a:r>
             <a:r>
               <a:rPr lang="zh-CN" altLang="en-US" dirty="0" smtClean="0"/>
-              <a:t>重新执行。</a:t>
+              <a:t>失败和较慢</a:t>
+            </a:r>
+            <a:r>
+              <a:rPr lang="en-US" altLang="zh-CN" dirty="0" smtClean="0"/>
+              <a:t>Task</a:t>
+            </a:r>
+            <a:r>
+              <a:rPr lang="zh-CN" altLang="en-US" dirty="0" smtClean="0"/>
+              <a:t>的重试。</a:t>
             </a:r>
             <a:endParaRPr lang="zh-CN" altLang="en-US" dirty="0"/>
           </a:p>
@@ -24686,7 +25299,7 @@
         </p:nvSpPr>
         <p:spPr>
           <a:xfrm>
-            <a:off x="575556" y="569321"/>
+            <a:off x="224818" y="996753"/>
             <a:ext cx="3384376" cy="5093566"/>
           </a:xfrm>
           <a:prstGeom prst="flowChartProcess">
@@ -24724,7 +25337,7 @@
         </p:nvSpPr>
         <p:spPr>
           <a:xfrm>
-            <a:off x="1804988" y="782198"/>
+            <a:off x="1570962" y="1151530"/>
             <a:ext cx="1758900" cy="369332"/>
           </a:xfrm>
           <a:prstGeom prst="rect">
@@ -24762,7 +25375,7 @@
         </p:nvSpPr>
         <p:spPr>
           <a:xfrm>
-            <a:off x="1156916" y="1696846"/>
+            <a:off x="1156916" y="1677944"/>
             <a:ext cx="1758900" cy="453504"/>
           </a:xfrm>
           <a:prstGeom prst="homePlate">
@@ -24792,7 +25405,7 @@
             <a:pPr algn="ctr"/>
             <a:r>
               <a:rPr lang="zh-CN" altLang="en-US" dirty="0" smtClean="0"/>
-              <a:t>索引</a:t>
+              <a:t>索引块</a:t>
             </a:r>
             <a:r>
               <a:rPr lang="en-US" altLang="zh-CN" dirty="0" smtClean="0"/>
@@ -24839,11 +25452,11 @@
           <a:p>
             <a:pPr algn="ctr"/>
             <a:r>
-              <a:rPr lang="zh-CN" altLang="en-US" dirty="0" smtClean="0"/>
-              <a:t>索引</a:t>
-            </a:r>
-            <a:r>
-              <a:rPr lang="en-US" altLang="zh-CN" dirty="0"/>
+              <a:rPr lang="zh-CN" altLang="en-US" dirty="0"/>
+              <a:t>索引块</a:t>
+            </a:r>
+            <a:r>
+              <a:rPr lang="en-US" altLang="zh-CN" dirty="0" smtClean="0"/>
               <a:t>2</a:t>
             </a:r>
             <a:endParaRPr lang="zh-CN" altLang="en-US" dirty="0"/>
@@ -24858,7 +25471,7 @@
         </p:nvSpPr>
         <p:spPr>
           <a:xfrm>
-            <a:off x="1156916" y="2978442"/>
+            <a:off x="1156916" y="2959540"/>
             <a:ext cx="1758900" cy="453504"/>
           </a:xfrm>
           <a:prstGeom prst="homePlate">
@@ -24887,11 +25500,11 @@
           <a:p>
             <a:pPr algn="ctr"/>
             <a:r>
-              <a:rPr lang="zh-CN" altLang="en-US" dirty="0" smtClean="0"/>
-              <a:t>索引</a:t>
-            </a:r>
-            <a:r>
-              <a:rPr lang="en-US" altLang="zh-CN" dirty="0"/>
+              <a:rPr lang="zh-CN" altLang="en-US" dirty="0"/>
+              <a:t>索引块</a:t>
+            </a:r>
+            <a:r>
+              <a:rPr lang="en-US" altLang="zh-CN" dirty="0" smtClean="0"/>
               <a:t>3</a:t>
             </a:r>
             <a:endParaRPr lang="zh-CN" altLang="en-US" dirty="0"/>
@@ -24906,7 +25519,7 @@
         </p:nvSpPr>
         <p:spPr>
           <a:xfrm>
-            <a:off x="1156916" y="3558698"/>
+            <a:off x="1156916" y="3539796"/>
             <a:ext cx="1758900" cy="453504"/>
           </a:xfrm>
           <a:prstGeom prst="homePlate">
@@ -24935,11 +25548,11 @@
           <a:p>
             <a:pPr algn="ctr"/>
             <a:r>
-              <a:rPr lang="zh-CN" altLang="en-US" dirty="0" smtClean="0"/>
-              <a:t>索引</a:t>
-            </a:r>
-            <a:r>
-              <a:rPr lang="en-US" altLang="zh-CN" dirty="0"/>
+              <a:rPr lang="zh-CN" altLang="en-US" dirty="0"/>
+              <a:t>索引块</a:t>
+            </a:r>
+            <a:r>
+              <a:rPr lang="en-US" altLang="zh-CN" dirty="0" smtClean="0"/>
               <a:t>4</a:t>
             </a:r>
             <a:endParaRPr lang="zh-CN" altLang="en-US" dirty="0"/>
@@ -24954,7 +25567,7 @@
         </p:nvSpPr>
         <p:spPr>
           <a:xfrm>
-            <a:off x="1156916" y="4155846"/>
+            <a:off x="1156916" y="4136944"/>
             <a:ext cx="1758900" cy="453504"/>
           </a:xfrm>
           <a:prstGeom prst="homePlate">
@@ -24983,11 +25596,11 @@
           <a:p>
             <a:pPr algn="ctr"/>
             <a:r>
-              <a:rPr lang="zh-CN" altLang="en-US" dirty="0" smtClean="0"/>
-              <a:t>索引</a:t>
-            </a:r>
-            <a:r>
-              <a:rPr lang="en-US" altLang="zh-CN" dirty="0"/>
+              <a:rPr lang="zh-CN" altLang="en-US" dirty="0"/>
+              <a:t>索引块</a:t>
+            </a:r>
+            <a:r>
+              <a:rPr lang="en-US" altLang="zh-CN" dirty="0" smtClean="0"/>
               <a:t>5</a:t>
             </a:r>
             <a:endParaRPr lang="zh-CN" altLang="en-US" dirty="0"/>
@@ -25002,7 +25615,7 @@
         </p:nvSpPr>
         <p:spPr>
           <a:xfrm>
-            <a:off x="1172270" y="4778642"/>
+            <a:off x="1172270" y="4759740"/>
             <a:ext cx="1758900" cy="453504"/>
           </a:xfrm>
           <a:prstGeom prst="homePlate">
@@ -25031,11 +25644,11 @@
           <a:p>
             <a:pPr algn="ctr"/>
             <a:r>
-              <a:rPr lang="zh-CN" altLang="en-US" dirty="0" smtClean="0"/>
-              <a:t>索引</a:t>
-            </a:r>
-            <a:r>
-              <a:rPr lang="en-US" altLang="zh-CN" dirty="0"/>
+              <a:rPr lang="zh-CN" altLang="en-US" dirty="0"/>
+              <a:t>索引块</a:t>
+            </a:r>
+            <a:r>
+              <a:rPr lang="en-US" altLang="zh-CN" dirty="0" smtClean="0"/>
               <a:t>6</a:t>
             </a:r>
             <a:endParaRPr lang="zh-CN" altLang="en-US" dirty="0"/>
@@ -25053,8 +25666,8 @@
         </p:nvCxnSpPr>
         <p:spPr>
           <a:xfrm flipH="1" flipV="1">
-            <a:off x="2915816" y="1923598"/>
-            <a:ext cx="3096344" cy="1361386"/>
+            <a:off x="2915816" y="1904696"/>
+            <a:ext cx="3096344" cy="1380288"/>
           </a:xfrm>
           <a:prstGeom prst="straightConnector1">
             <a:avLst/>
@@ -25132,7 +25745,7 @@
         <p:spPr>
           <a:xfrm flipH="1">
             <a:off x="2915816" y="2528900"/>
-            <a:ext cx="3816424" cy="676294"/>
+            <a:ext cx="3816424" cy="657392"/>
           </a:xfrm>
           <a:prstGeom prst="straightConnector1">
             <a:avLst/>
@@ -25171,7 +25784,7 @@
         <p:spPr>
           <a:xfrm flipH="1">
             <a:off x="2915816" y="3753036"/>
-            <a:ext cx="3822104" cy="32414"/>
+            <a:ext cx="3822104" cy="13512"/>
           </a:xfrm>
           <a:prstGeom prst="straightConnector1">
             <a:avLst/>
@@ -25209,8 +25822,8 @@
         </p:nvCxnSpPr>
         <p:spPr>
           <a:xfrm flipH="1" flipV="1">
-            <a:off x="2915816" y="4382598"/>
-            <a:ext cx="2808312" cy="594574"/>
+            <a:off x="2915816" y="4363696"/>
+            <a:ext cx="2808312" cy="613476"/>
           </a:xfrm>
           <a:prstGeom prst="straightConnector1">
             <a:avLst/>
@@ -25249,7 +25862,7 @@
         <p:spPr>
           <a:xfrm flipH="1">
             <a:off x="2931170" y="4977172"/>
-            <a:ext cx="1784846" cy="28222"/>
+            <a:ext cx="1784846" cy="9320"/>
           </a:xfrm>
           <a:prstGeom prst="straightConnector1">
             <a:avLst/>
@@ -25284,7 +25897,7 @@
         </p:nvSpPr>
         <p:spPr>
           <a:xfrm>
-            <a:off x="853208" y="3503093"/>
+            <a:off x="2043020" y="3284984"/>
             <a:ext cx="3113744" cy="2470378"/>
           </a:xfrm>
           <a:prstGeom prst="cloudCallout">
@@ -25312,22 +25925,47 @@
           <a:bodyPr rtlCol="0" anchor="ctr"/>
           <a:lstStyle/>
           <a:p>
-            <a:pPr algn="ctr"/>
             <a:r>
               <a:rPr lang="en-US" altLang="zh-CN" dirty="0" smtClean="0"/>
               <a:t>Task</a:t>
             </a:r>
             <a:r>
               <a:rPr lang="zh-CN" altLang="en-US" dirty="0" smtClean="0"/>
-              <a:t>不在固定的负责固定的索引</a:t>
+              <a:t>不在固定的</a:t>
+            </a:r>
+            <a:r>
+              <a:rPr lang="zh-CN" altLang="en-US" dirty="0" smtClean="0"/>
+              <a:t>负责</a:t>
+            </a:r>
+            <a:r>
+              <a:rPr lang="zh-CN" altLang="en-US" dirty="0"/>
+              <a:t>特定</a:t>
+            </a:r>
+            <a:r>
+              <a:rPr lang="zh-CN" altLang="en-US" dirty="0" smtClean="0"/>
+              <a:t>的</a:t>
+            </a:r>
+            <a:r>
+              <a:rPr lang="zh-CN" altLang="en-US" dirty="0" smtClean="0"/>
+              <a:t>索引</a:t>
             </a:r>
             <a:endParaRPr lang="en-US" altLang="zh-CN" dirty="0" smtClean="0"/>
           </a:p>
           <a:p>
-            <a:pPr algn="ctr"/>
             <a:r>
               <a:rPr lang="zh-CN" altLang="en-US" dirty="0" smtClean="0"/>
-              <a:t>实际上仅仅是一个计算单元</a:t>
+              <a:t>实际上仅仅是一个计算</a:t>
+            </a:r>
+            <a:r>
+              <a:rPr lang="zh-CN" altLang="en-US" dirty="0" smtClean="0"/>
+              <a:t>单元</a:t>
+            </a:r>
+            <a:endParaRPr lang="en-US" altLang="zh-CN" dirty="0" smtClean="0"/>
+          </a:p>
+          <a:p>
+            <a:r>
+              <a:rPr lang="zh-CN" altLang="en-US" dirty="0" smtClean="0"/>
+              <a:t>每次计算一个索引块</a:t>
             </a:r>
             <a:endParaRPr lang="zh-CN" altLang="en-US" dirty="0"/>
           </a:p>
@@ -25341,13 +25979,13 @@
         </p:nvSpPr>
         <p:spPr>
           <a:xfrm>
-            <a:off x="2576202" y="1268760"/>
-            <a:ext cx="4732102" cy="1260140"/>
+            <a:off x="2413698" y="1243638"/>
+            <a:ext cx="6622798" cy="1579663"/>
           </a:xfrm>
           <a:prstGeom prst="cloudCallout">
             <a:avLst>
-              <a:gd name="adj1" fmla="val -36936"/>
-              <a:gd name="adj2" fmla="val -53400"/>
+              <a:gd name="adj1" fmla="val -39620"/>
+              <a:gd name="adj2" fmla="val -42314"/>
             </a:avLst>
           </a:prstGeom>
         </p:spPr>
@@ -25369,20 +26007,77 @@
           <a:bodyPr rtlCol="0" anchor="ctr"/>
           <a:lstStyle/>
           <a:p>
-            <a:pPr algn="ctr"/>
-            <a:r>
-              <a:rPr lang="zh-CN" altLang="en-US" dirty="0" smtClean="0"/>
-              <a:t>索引直接存储在</a:t>
-            </a:r>
-            <a:r>
-              <a:rPr lang="en-US" altLang="zh-CN" dirty="0" err="1" smtClean="0"/>
+            <a:r>
+              <a:rPr lang="en-US" altLang="zh-CN" sz="1600" dirty="0" smtClean="0"/>
+              <a:t>1.</a:t>
+            </a:r>
+            <a:r>
+              <a:rPr lang="zh-CN" altLang="en-US" sz="1600" dirty="0" smtClean="0"/>
+              <a:t>索引块直接</a:t>
+            </a:r>
+            <a:r>
+              <a:rPr lang="zh-CN" altLang="en-US" sz="1600" dirty="0" smtClean="0"/>
+              <a:t>存储在</a:t>
+            </a:r>
+            <a:r>
+              <a:rPr lang="en-US" altLang="zh-CN" sz="1600" dirty="0" err="1" smtClean="0"/>
               <a:t>hdfs</a:t>
             </a:r>
             <a:r>
-              <a:rPr lang="zh-CN" altLang="en-US" dirty="0" smtClean="0"/>
+              <a:rPr lang="zh-CN" altLang="en-US" sz="1600" dirty="0" smtClean="0"/>
               <a:t>中</a:t>
             </a:r>
-            <a:endParaRPr lang="zh-CN" altLang="en-US" dirty="0"/>
+            <a:endParaRPr lang="en-US" altLang="zh-CN" sz="1600" dirty="0" smtClean="0"/>
+          </a:p>
+          <a:p>
+            <a:r>
+              <a:rPr lang="en-US" altLang="zh-CN" sz="1600" dirty="0" smtClean="0"/>
+              <a:t>2</a:t>
+            </a:r>
+            <a:r>
+              <a:rPr lang="en-US" altLang="zh-CN" sz="1600" dirty="0"/>
+              <a:t>.</a:t>
+            </a:r>
+            <a:r>
+              <a:rPr lang="zh-CN" altLang="en-US" sz="1600" dirty="0" smtClean="0"/>
+              <a:t>通常情况下会被与之距离较近的</a:t>
+            </a:r>
+            <a:r>
+              <a:rPr lang="en-US" altLang="zh-CN" sz="1600" dirty="0" smtClean="0"/>
+              <a:t>task</a:t>
+            </a:r>
+            <a:r>
+              <a:rPr lang="zh-CN" altLang="en-US" sz="1600" dirty="0" smtClean="0"/>
+              <a:t>执行</a:t>
+            </a:r>
+            <a:endParaRPr lang="en-US" altLang="zh-CN" sz="1600" dirty="0" smtClean="0"/>
+          </a:p>
+          <a:p>
+            <a:r>
+              <a:rPr lang="en-US" altLang="zh-CN" sz="1600" dirty="0" smtClean="0"/>
+              <a:t>3.</a:t>
+            </a:r>
+            <a:r>
+              <a:rPr lang="zh-CN" altLang="en-US" sz="1600" dirty="0" smtClean="0"/>
+              <a:t>每个索引块，一般为</a:t>
+            </a:r>
+            <a:r>
+              <a:rPr lang="en-US" altLang="zh-CN" sz="1600" dirty="0" smtClean="0"/>
+              <a:t>100</a:t>
+            </a:r>
+            <a:r>
+              <a:rPr lang="zh-CN" altLang="en-US" sz="1600" dirty="0" smtClean="0"/>
+              <a:t>万到</a:t>
+            </a:r>
+            <a:r>
+              <a:rPr lang="en-US" altLang="zh-CN" sz="1600" dirty="0" smtClean="0"/>
+              <a:t>200</a:t>
+            </a:r>
+            <a:r>
+              <a:rPr lang="zh-CN" altLang="en-US" sz="1600" dirty="0" smtClean="0"/>
+              <a:t>万的记录数，按照日期分区</a:t>
+            </a:r>
+            <a:endParaRPr lang="zh-CN" altLang="en-US" sz="1600" dirty="0"/>
           </a:p>
         </p:txBody>
       </p:sp>
@@ -27143,7 +27838,7 @@
 </p:sld>
 </file>
 
-<file path=ppt/slides/slide21.xml><?xml version="1.0" encoding="utf-8"?>
+<file path=ppt/slides/slide2.xml><?xml version="1.0" encoding="utf-8"?>
 <p:sld xmlns:a="http://schemas.openxmlformats.org/drawingml/2006/main" xmlns:r="http://schemas.openxmlformats.org/officeDocument/2006/relationships" xmlns:p="http://schemas.openxmlformats.org/presentationml/2006/main">
   <p:cSld>
     <p:spTree>
@@ -27177,6 +27872,283 @@
           <a:p>
             <a:r>
               <a:rPr lang="zh-CN" altLang="en-US" dirty="0" smtClean="0"/>
+              <a:t>讲者简介</a:t>
+            </a:r>
+            <a:endParaRPr lang="zh-CN" altLang="en-US" dirty="0"/>
+          </a:p>
+        </p:txBody>
+      </p:sp>
+      <p:sp>
+        <p:nvSpPr>
+          <p:cNvPr id="3" name="内容占位符 2"/>
+          <p:cNvSpPr>
+            <a:spLocks noGrp="1"/>
+          </p:cNvSpPr>
+          <p:nvPr>
+            <p:ph idx="1"/>
+          </p:nvPr>
+        </p:nvSpPr>
+        <p:spPr>
+          <a:xfrm>
+            <a:off x="3203848" y="1600200"/>
+            <a:ext cx="5482952" cy="4525963"/>
+          </a:xfrm>
+        </p:spPr>
+        <p:txBody>
+          <a:bodyPr/>
+          <a:lstStyle/>
+          <a:p>
+            <a:pPr marL="0" indent="0">
+              <a:buNone/>
+            </a:pPr>
+            <a:r>
+              <a:rPr lang="zh-CN" altLang="en-US" sz="2400" u="sng" dirty="0" smtClean="0"/>
+              <a:t>花名 ：子落</a:t>
+            </a:r>
+            <a:endParaRPr lang="en-US" altLang="zh-CN" sz="2400" u="sng" dirty="0" smtClean="0"/>
+          </a:p>
+          <a:p>
+            <a:pPr marL="0" indent="0">
+              <a:buNone/>
+            </a:pPr>
+            <a:r>
+              <a:rPr lang="zh-CN" altLang="en-US" sz="2400" u="sng" dirty="0" smtClean="0"/>
+              <a:t>真实姓名：母延年</a:t>
+            </a:r>
+            <a:endParaRPr lang="en-US" altLang="zh-CN" sz="2400" u="sng" dirty="0" smtClean="0"/>
+          </a:p>
+          <a:p>
+            <a:pPr marL="0" indent="0">
+              <a:buNone/>
+            </a:pPr>
+            <a:r>
+              <a:rPr lang="zh-CN" altLang="en-US" sz="2400" u="sng" dirty="0" smtClean="0"/>
+              <a:t>个人邮箱：</a:t>
+            </a:r>
+            <a:r>
+              <a:rPr lang="en-US" altLang="zh-CN" sz="2400" u="sng" dirty="0" smtClean="0"/>
+              <a:t>myn@163.com</a:t>
+            </a:r>
+            <a:endParaRPr lang="en-US" altLang="zh-CN" sz="2400" u="sng" dirty="0"/>
+          </a:p>
+          <a:p>
+            <a:pPr marL="0" indent="0">
+              <a:buNone/>
+            </a:pPr>
+            <a:r>
+              <a:rPr lang="zh-CN" altLang="zh-CN" sz="2400" u="sng" dirty="0" smtClean="0"/>
+              <a:t>海狗</a:t>
+            </a:r>
+            <a:r>
+              <a:rPr lang="zh-CN" altLang="zh-CN" sz="2400" u="sng" dirty="0"/>
+              <a:t>的</a:t>
+            </a:r>
+            <a:r>
+              <a:rPr lang="en-US" altLang="zh-CN" sz="2400" u="sng" dirty="0"/>
+              <a:t>coder</a:t>
+            </a:r>
+            <a:r>
+              <a:rPr lang="zh-CN" altLang="zh-CN" sz="2400" u="sng" dirty="0" smtClean="0"/>
+              <a:t>之一</a:t>
+            </a:r>
+            <a:endParaRPr lang="en-US" altLang="zh-CN" sz="2400" u="sng" dirty="0" smtClean="0"/>
+          </a:p>
+          <a:p>
+            <a:pPr marL="0" indent="0">
+              <a:buNone/>
+            </a:pPr>
+            <a:r>
+              <a:rPr lang="en-US" altLang="zh-CN" sz="2400" u="sng" dirty="0"/>
+              <a:t>11</a:t>
+            </a:r>
+            <a:r>
+              <a:rPr lang="zh-CN" altLang="zh-CN" sz="2400" u="sng" dirty="0"/>
+              <a:t>年加入支付</a:t>
+            </a:r>
+            <a:r>
+              <a:rPr lang="zh-CN" altLang="zh-CN" sz="2400" u="sng" dirty="0" smtClean="0"/>
+              <a:t>宝</a:t>
+            </a:r>
+            <a:endParaRPr lang="en-US" altLang="zh-CN" sz="2400" u="sng" dirty="0" smtClean="0"/>
+          </a:p>
+          <a:p>
+            <a:pPr marL="0" indent="0">
+              <a:buNone/>
+            </a:pPr>
+            <a:r>
+              <a:rPr lang="zh-CN" altLang="zh-CN" sz="2400" u="sng" dirty="0" smtClean="0"/>
+              <a:t>一直</a:t>
+            </a:r>
+            <a:r>
+              <a:rPr lang="zh-CN" altLang="zh-CN" sz="2400" u="sng" dirty="0"/>
+              <a:t>做跟大数据分析与搜索相关的</a:t>
+            </a:r>
+            <a:r>
+              <a:rPr lang="zh-CN" altLang="zh-CN" sz="2400" u="sng" dirty="0" smtClean="0"/>
+              <a:t>工作</a:t>
+            </a:r>
+            <a:endParaRPr lang="en-US" altLang="zh-CN" sz="2400" u="sng" dirty="0" smtClean="0"/>
+          </a:p>
+          <a:p>
+            <a:pPr marL="0" indent="0">
+              <a:buNone/>
+            </a:pPr>
+            <a:r>
+              <a:rPr lang="zh-CN" altLang="zh-CN" sz="2400" u="sng" dirty="0" smtClean="0"/>
+              <a:t>曾</a:t>
+            </a:r>
+            <a:r>
+              <a:rPr lang="zh-CN" altLang="zh-CN" sz="2400" u="sng" dirty="0"/>
+              <a:t>任职于新浪，腾讯，酷六等</a:t>
+            </a:r>
+            <a:r>
+              <a:rPr lang="zh-CN" altLang="zh-CN" sz="2400" u="sng" dirty="0" smtClean="0"/>
+              <a:t>公司</a:t>
+            </a:r>
+            <a:endParaRPr lang="en-US" altLang="zh-CN" sz="2400" u="sng" dirty="0" smtClean="0"/>
+          </a:p>
+          <a:p>
+            <a:pPr marL="0" indent="0">
+              <a:buNone/>
+            </a:pPr>
+            <a:r>
+              <a:rPr lang="zh-CN" altLang="zh-CN" sz="2400" u="sng" dirty="0" smtClean="0"/>
+              <a:t>熟悉</a:t>
+            </a:r>
+            <a:r>
+              <a:rPr lang="en-US" altLang="zh-CN" sz="2400" u="sng" dirty="0" err="1"/>
+              <a:t>hadoop,storm,solr,lucene</a:t>
+            </a:r>
+            <a:r>
+              <a:rPr lang="zh-CN" altLang="zh-CN" sz="2400" u="sng" dirty="0"/>
+              <a:t>等系统的</a:t>
+            </a:r>
+            <a:r>
+              <a:rPr lang="zh-CN" altLang="zh-CN" sz="2400" u="sng" dirty="0" smtClean="0"/>
+              <a:t>源码</a:t>
+            </a:r>
+            <a:endParaRPr lang="zh-CN" altLang="zh-CN" sz="2400" dirty="0"/>
+          </a:p>
+        </p:txBody>
+      </p:sp>
+      <p:pic>
+        <p:nvPicPr>
+          <p:cNvPr id="1026" name="Picture 2"/>
+          <p:cNvPicPr>
+            <a:picLocks noChangeAspect="1" noChangeArrowheads="1"/>
+          </p:cNvPicPr>
+          <p:nvPr/>
+        </p:nvPicPr>
+        <p:blipFill>
+          <a:blip r:embed="rId2">
+            <a:extLst>
+              <a:ext uri="{28A0092B-C50C-407E-A947-70E740481C1C}">
+                <a14:useLocalDpi xmlns:a14="http://schemas.microsoft.com/office/drawing/2010/main" val="0"/>
+              </a:ext>
+            </a:extLst>
+          </a:blip>
+          <a:srcRect/>
+          <a:stretch>
+            <a:fillRect/>
+          </a:stretch>
+        </p:blipFill>
+        <p:spPr bwMode="auto">
+          <a:xfrm>
+            <a:off x="539552" y="1624012"/>
+            <a:ext cx="2376264" cy="4181252"/>
+          </a:xfrm>
+          <a:prstGeom prst="rect">
+            <a:avLst/>
+          </a:prstGeom>
+          <a:noFill/>
+          <a:ln>
+            <a:noFill/>
+          </a:ln>
+          <a:effectLst/>
+          <a:extLst>
+            <a:ext uri="{909E8E84-426E-40DD-AFC4-6F175D3DCCD1}">
+              <a14:hiddenFill xmlns:a14="http://schemas.microsoft.com/office/drawing/2010/main">
+                <a:solidFill>
+                  <a:schemeClr val="accent1"/>
+                </a:solidFill>
+              </a14:hiddenFill>
+            </a:ext>
+            <a:ext uri="{91240B29-F687-4F45-9708-019B960494DF}">
+              <a14:hiddenLine xmlns:a14="http://schemas.microsoft.com/office/drawing/2010/main" w="9525">
+                <a:solidFill>
+                  <a:schemeClr val="tx1"/>
+                </a:solidFill>
+                <a:miter lim="800000"/>
+                <a:headEnd/>
+                <a:tailEnd/>
+              </a14:hiddenLine>
+            </a:ext>
+            <a:ext uri="{AF507438-7753-43E0-B8FC-AC1667EBCBE1}">
+              <a14:hiddenEffects xmlns:a14="http://schemas.microsoft.com/office/drawing/2010/main">
+                <a:effectLst>
+                  <a:outerShdw dist="35921" dir="2700000" algn="ctr" rotWithShape="0">
+                    <a:schemeClr val="bg2"/>
+                  </a:outerShdw>
+                </a:effectLst>
+              </a14:hiddenEffects>
+            </a:ext>
+          </a:extLst>
+        </p:spPr>
+      </p:pic>
+    </p:spTree>
+    <p:extLst>
+      <p:ext uri="{BB962C8B-B14F-4D97-AF65-F5344CB8AC3E}">
+        <p14:creationId xmlns:p14="http://schemas.microsoft.com/office/powerpoint/2010/main" val="1639446318"/>
+      </p:ext>
+    </p:extLst>
+  </p:cSld>
+  <p:clrMapOvr>
+    <a:masterClrMapping/>
+  </p:clrMapOvr>
+  <p:timing>
+    <p:tnLst>
+      <p:par>
+        <p:cTn id="1" dur="indefinite" restart="never" nodeType="tmRoot"/>
+      </p:par>
+    </p:tnLst>
+  </p:timing>
+</p:sld>
+</file>
+
+<file path=ppt/slides/slide20.xml><?xml version="1.0" encoding="utf-8"?>
+<p:sld xmlns:a="http://schemas.openxmlformats.org/drawingml/2006/main" xmlns:r="http://schemas.openxmlformats.org/officeDocument/2006/relationships" xmlns:p="http://schemas.openxmlformats.org/presentationml/2006/main">
+  <p:cSld>
+    <p:spTree>
+      <p:nvGrpSpPr>
+        <p:cNvPr id="1" name=""/>
+        <p:cNvGrpSpPr/>
+        <p:nvPr/>
+      </p:nvGrpSpPr>
+      <p:grpSpPr>
+        <a:xfrm>
+          <a:off x="0" y="0"/>
+          <a:ext cx="0" cy="0"/>
+          <a:chOff x="0" y="0"/>
+          <a:chExt cx="0" cy="0"/>
+        </a:xfrm>
+      </p:grpSpPr>
+      <p:sp>
+        <p:nvSpPr>
+          <p:cNvPr id="2" name="标题 1"/>
+          <p:cNvSpPr>
+            <a:spLocks noGrp="1"/>
+          </p:cNvSpPr>
+          <p:nvPr>
+            <p:ph type="title"/>
+          </p:nvPr>
+        </p:nvSpPr>
+        <p:spPr/>
+        <p:txBody>
+          <a:bodyPr/>
+          <a:lstStyle/>
+          <a:p>
+            <a:r>
+              <a:rPr lang="zh-CN" altLang="en-US" dirty="0" smtClean="0"/>
               <a:t>相关资源</a:t>
             </a:r>
             <a:endParaRPr lang="zh-CN" altLang="en-US" dirty="0"/>
@@ -27226,7 +28198,7 @@
 </p:sld>
 </file>
 
-<file path=ppt/slides/slide22.xml><?xml version="1.0" encoding="utf-8"?>
+<file path=ppt/slides/slide21.xml><?xml version="1.0" encoding="utf-8"?>
 <p:sld xmlns:a="http://schemas.openxmlformats.org/drawingml/2006/main" xmlns:r="http://schemas.openxmlformats.org/officeDocument/2006/relationships" xmlns:p="http://schemas.openxmlformats.org/presentationml/2006/main">
   <p:cSld>
     <p:spTree>
@@ -27291,7 +28263,7 @@
 </p:sld>
 </file>
 
-<file path=ppt/slides/slide23.xml><?xml version="1.0" encoding="utf-8"?>
+<file path=ppt/slides/slide22.xml><?xml version="1.0" encoding="utf-8"?>
 <p:sld xmlns:a="http://schemas.openxmlformats.org/drawingml/2006/main" xmlns:r="http://schemas.openxmlformats.org/officeDocument/2006/relationships" xmlns:p="http://schemas.openxmlformats.org/presentationml/2006/main">
   <p:cSld>
     <p:spTree>
@@ -28473,7 +29445,23 @@
             </a:pPr>
             <a:r>
               <a:rPr lang="zh-CN" altLang="en-US" sz="2400" dirty="0" smtClean="0"/>
-              <a:t>下一版的海狗</a:t>
+              <a:t>下一版的</a:t>
+            </a:r>
+            <a:r>
+              <a:rPr lang="zh-CN" altLang="en-US" sz="2400" dirty="0" smtClean="0"/>
+              <a:t>海狗</a:t>
+            </a:r>
+            <a:r>
+              <a:rPr lang="en-US" altLang="zh-CN" sz="2400" dirty="0" smtClean="0"/>
+              <a:t>,</a:t>
+            </a:r>
+            <a:r>
+              <a:rPr lang="en-US" altLang="zh-CN" sz="2400" dirty="0" err="1" smtClean="0"/>
+              <a:t>higo</a:t>
+            </a:r>
+            <a:r>
+              <a:rPr lang="en-US" altLang="zh-CN" sz="2400" dirty="0" smtClean="0"/>
+              <a:t> yarn.</a:t>
             </a:r>
             <a:endParaRPr lang="en-US" altLang="zh-CN" sz="2400" dirty="0" smtClean="0"/>
           </a:p>

--- a/doc/higo.pptx
+++ b/doc/higo.pptx
@@ -22728,14 +22728,14 @@
             <p:ph idx="1"/>
             <p:extLst>
               <p:ext uri="{D42A27DB-BD31-4B8C-83A1-F6EECF244321}">
-                <p14:modId xmlns:p14="http://schemas.microsoft.com/office/powerpoint/2010/main" val="2716218812"/>
+                <p14:modId xmlns:p14="http://schemas.microsoft.com/office/powerpoint/2010/main" val="559427891"/>
               </p:ext>
             </p:extLst>
           </p:nvPr>
         </p:nvGraphicFramePr>
         <p:xfrm>
           <a:off x="539552" y="1196752"/>
-          <a:ext cx="8229600" cy="5425440"/>
+          <a:ext cx="8229600" cy="5029200"/>
         </p:xfrm>
         <a:graphic>
           <a:graphicData uri="http://schemas.openxmlformats.org/drawingml/2006/table">
@@ -22744,10 +22744,10 @@
                 <a:tableStyleId>{93296810-A885-4BE3-A3E7-6D5BEEA58F35}</a:tableStyleId>
               </a:tblPr>
               <a:tblGrid>
-                <a:gridCol w="2057400"/>
-                <a:gridCol w="2057400"/>
-                <a:gridCol w="2057400"/>
-                <a:gridCol w="2057400"/>
+                <a:gridCol w="1224136"/>
+                <a:gridCol w="2016224"/>
+                <a:gridCol w="2304256"/>
+                <a:gridCol w="2684984"/>
               </a:tblGrid>
               <a:tr h="370840">
                 <a:tc>
@@ -22846,10 +22846,10 @@
                     <a:lstStyle/>
                     <a:p>
                       <a:r>
-                        <a:rPr lang="zh-CN" altLang="en-US" dirty="0" smtClean="0"/>
-                        <a:t>百亿</a:t>
+                        <a:rPr lang="zh-CN" altLang="en-US" sz="1600" dirty="0" smtClean="0"/>
+                        <a:t>百亿（单次扫描几十亿）</a:t>
                       </a:r>
-                      <a:endParaRPr lang="zh-CN" altLang="en-US" dirty="0"/>
+                      <a:endParaRPr lang="zh-CN" altLang="en-US" sz="1600" dirty="0"/>
                     </a:p>
                   </a:txBody>
                   <a:tcPr/>
@@ -23497,10 +23497,38 @@
                     <a:lstStyle/>
                     <a:p>
                       <a:r>
-                        <a:rPr lang="zh-CN" altLang="en-US" sz="1600" baseline="0" dirty="0" smtClean="0"/>
-                        <a:t>通过无数次的并发小查询实现，效率低，无法分页，无法计算太多的组数</a:t>
+                        <a:rPr lang="zh-CN" altLang="en-US" sz="1400" baseline="0" dirty="0" smtClean="0"/>
+                        <a:t>通过无数次的并发小查询实现，效率低，无法分</a:t>
                       </a:r>
-                      <a:endParaRPr lang="zh-CN" altLang="en-US" sz="1600" dirty="0"/>
+                      <a:r>
+                        <a:rPr lang="zh-CN" altLang="en-US" sz="1400" baseline="0" dirty="0" smtClean="0"/>
+                        <a:t>页</a:t>
+                      </a:r>
+                      <a:r>
+                        <a:rPr lang="en-US" altLang="zh-CN" sz="1400" baseline="0" dirty="0" smtClean="0"/>
+                        <a:t>,</a:t>
+                      </a:r>
+                      <a:r>
+                        <a:rPr lang="zh-CN" altLang="en-US" sz="1400" baseline="0" dirty="0" smtClean="0"/>
+                        <a:t>只能计算小于</a:t>
+                      </a:r>
+                      <a:r>
+                        <a:rPr lang="en-US" altLang="zh-CN" sz="1400" baseline="0" dirty="0" smtClean="0"/>
+                        <a:t>100</a:t>
+                      </a:r>
+                      <a:r>
+                        <a:rPr lang="zh-CN" altLang="en-US" sz="1400" baseline="0" dirty="0" smtClean="0"/>
+                        <a:t>个</a:t>
+                      </a:r>
+                      <a:r>
+                        <a:rPr lang="en-US" altLang="zh-CN" sz="1400" baseline="0" dirty="0" smtClean="0"/>
+                        <a:t>group</a:t>
+                      </a:r>
+                      <a:r>
+                        <a:rPr lang="zh-CN" altLang="en-US" sz="1400" baseline="0" dirty="0" smtClean="0"/>
+                        <a:t>的计算</a:t>
+                      </a:r>
+                      <a:endParaRPr lang="zh-CN" altLang="en-US" sz="1400" dirty="0"/>
                     </a:p>
                   </a:txBody>
                   <a:tcPr/>
@@ -24174,11 +24202,7 @@
           <a:p>
             <a:r>
               <a:rPr lang="en-US" altLang="zh-CN" sz="2400" dirty="0" smtClean="0"/>
-              <a:t>Node </a:t>
-            </a:r>
-            <a:r>
-              <a:rPr lang="en-US" altLang="zh-CN" sz="2400" dirty="0" smtClean="0"/>
-              <a:t>Manager</a:t>
+              <a:t>Node Manager</a:t>
             </a:r>
             <a:endParaRPr lang="zh-CN" altLang="en-US" sz="2400" dirty="0"/>
           </a:p>
@@ -25250,11 +25274,7 @@
           <a:p>
             <a:r>
               <a:rPr lang="en-US" altLang="zh-CN" dirty="0" smtClean="0"/>
-              <a:t>2</a:t>
-            </a:r>
-            <a:r>
-              <a:rPr lang="en-US" altLang="zh-CN" dirty="0" smtClean="0"/>
-              <a:t>.</a:t>
+              <a:t>2.</a:t>
             </a:r>
             <a:r>
               <a:rPr lang="zh-CN" altLang="en-US" dirty="0" smtClean="0"/>
@@ -25931,11 +25951,7 @@
             </a:r>
             <a:r>
               <a:rPr lang="zh-CN" altLang="en-US" dirty="0" smtClean="0"/>
-              <a:t>不在固定的</a:t>
-            </a:r>
-            <a:r>
-              <a:rPr lang="zh-CN" altLang="en-US" dirty="0" smtClean="0"/>
-              <a:t>负责</a:t>
+              <a:t>不在固定的负责</a:t>
             </a:r>
             <a:r>
               <a:rPr lang="zh-CN" altLang="en-US" dirty="0"/>
@@ -25943,22 +25959,14 @@
             </a:r>
             <a:r>
               <a:rPr lang="zh-CN" altLang="en-US" dirty="0" smtClean="0"/>
-              <a:t>的</a:t>
-            </a:r>
+              <a:t>的索引</a:t>
+            </a:r>
+            <a:endParaRPr lang="en-US" altLang="zh-CN" dirty="0" smtClean="0"/>
+          </a:p>
+          <a:p>
             <a:r>
               <a:rPr lang="zh-CN" altLang="en-US" dirty="0" smtClean="0"/>
-              <a:t>索引</a:t>
-            </a:r>
-            <a:endParaRPr lang="en-US" altLang="zh-CN" dirty="0" smtClean="0"/>
-          </a:p>
-          <a:p>
-            <a:r>
-              <a:rPr lang="zh-CN" altLang="en-US" dirty="0" smtClean="0"/>
-              <a:t>实际上仅仅是一个计算</a:t>
-            </a:r>
-            <a:r>
-              <a:rPr lang="zh-CN" altLang="en-US" dirty="0" smtClean="0"/>
-              <a:t>单元</a:t>
+              <a:t>实际上仅仅是一个计算单元</a:t>
             </a:r>
             <a:endParaRPr lang="en-US" altLang="zh-CN" dirty="0" smtClean="0"/>
           </a:p>
@@ -26013,11 +26021,7 @@
             </a:r>
             <a:r>
               <a:rPr lang="zh-CN" altLang="en-US" sz="1600" dirty="0" smtClean="0"/>
-              <a:t>索引块直接</a:t>
-            </a:r>
-            <a:r>
-              <a:rPr lang="zh-CN" altLang="en-US" sz="1600" dirty="0" smtClean="0"/>
-              <a:t>存储在</a:t>
+              <a:t>索引块直接存储在</a:t>
             </a:r>
             <a:r>
               <a:rPr lang="en-US" altLang="zh-CN" sz="1600" dirty="0" err="1" smtClean="0"/>
@@ -29445,11 +29449,7 @@
             </a:pPr>
             <a:r>
               <a:rPr lang="zh-CN" altLang="en-US" sz="2400" dirty="0" smtClean="0"/>
-              <a:t>下一版的</a:t>
-            </a:r>
-            <a:r>
-              <a:rPr lang="zh-CN" altLang="en-US" sz="2400" dirty="0" smtClean="0"/>
-              <a:t>海狗</a:t>
+              <a:t>下一版的海狗</a:t>
             </a:r>
             <a:r>
               <a:rPr lang="en-US" altLang="zh-CN" sz="2400" dirty="0" smtClean="0"/>
@@ -29463,7 +29463,6 @@
               <a:rPr lang="en-US" altLang="zh-CN" sz="2400" dirty="0" smtClean="0"/>
               <a:t> yarn.</a:t>
             </a:r>
-            <a:endParaRPr lang="en-US" altLang="zh-CN" sz="2400" dirty="0" smtClean="0"/>
           </a:p>
           <a:p>
             <a:pPr marL="457200" indent="-457200" algn="l" eaLnBrk="1" hangingPunct="1">

--- a/doc/higo.pptx
+++ b/doc/higo.pptx
@@ -22728,14 +22728,14 @@
             <p:ph idx="1"/>
             <p:extLst>
               <p:ext uri="{D42A27DB-BD31-4B8C-83A1-F6EECF244321}">
-                <p14:modId xmlns:p14="http://schemas.microsoft.com/office/powerpoint/2010/main" val="559427891"/>
+                <p14:modId xmlns:p14="http://schemas.microsoft.com/office/powerpoint/2010/main" val="421944684"/>
               </p:ext>
             </p:extLst>
           </p:nvPr>
         </p:nvGraphicFramePr>
         <p:xfrm>
           <a:off x="539552" y="1196752"/>
-          <a:ext cx="8229600" cy="5029200"/>
+          <a:ext cx="8229600" cy="5151120"/>
         </p:xfrm>
         <a:graphic>
           <a:graphicData uri="http://schemas.openxmlformats.org/drawingml/2006/table">
@@ -23498,11 +23498,7 @@
                     <a:p>
                       <a:r>
                         <a:rPr lang="zh-CN" altLang="en-US" sz="1400" baseline="0" dirty="0" smtClean="0"/>
-                        <a:t>通过无数次的并发小查询实现，效率低，无法分</a:t>
-                      </a:r>
-                      <a:r>
-                        <a:rPr lang="zh-CN" altLang="en-US" sz="1400" baseline="0" dirty="0" smtClean="0"/>
-                        <a:t>页</a:t>
+                        <a:t>通过无数次的并发小查询实现，效率低，无法分页</a:t>
                       </a:r>
                       <a:r>
                         <a:rPr lang="en-US" altLang="zh-CN" sz="1400" baseline="0" dirty="0" smtClean="0"/>
@@ -23574,7 +23570,15 @@
                             <a:srgbClr val="CC0000"/>
                           </a:solidFill>
                         </a:rPr>
-                        <a:t>通过对数据的重新洗牌，理论上</a:t>
+                        <a:t>通过对数据的重新洗牌</a:t>
+                      </a:r>
+                      <a:r>
+                        <a:rPr lang="zh-CN" altLang="en-US" sz="1600" dirty="0" smtClean="0">
+                          <a:solidFill>
+                            <a:srgbClr val="CC0000"/>
+                          </a:solidFill>
+                        </a:rPr>
+                        <a:t>，</a:t>
                       </a:r>
                       <a:r>
                         <a:rPr lang="en-US" altLang="zh-CN" sz="1600" dirty="0" smtClean="0">
@@ -23585,12 +23589,43 @@
                         <a:t>group</a:t>
                       </a:r>
                       <a:r>
+                        <a:rPr lang="zh-CN" altLang="en-US" sz="1600" smtClean="0">
+                          <a:solidFill>
+                            <a:srgbClr val="CC0000"/>
+                          </a:solidFill>
+                        </a:rPr>
+                        <a:t>数将无限制</a:t>
+                      </a:r>
+                      <a:endParaRPr lang="en-US" altLang="zh-CN" sz="1600" dirty="0" smtClean="0">
+                        <a:solidFill>
+                          <a:srgbClr val="CC0000"/>
+                        </a:solidFill>
+                      </a:endParaRPr>
+                    </a:p>
+                    <a:p>
+                      <a:r>
                         <a:rPr lang="zh-CN" altLang="en-US" sz="1600" dirty="0" smtClean="0">
                           <a:solidFill>
                             <a:srgbClr val="CC0000"/>
                           </a:solidFill>
                         </a:rPr>
-                        <a:t>数无限制</a:t>
+                        <a:t>多表</a:t>
+                      </a:r>
+                      <a:r>
+                        <a:rPr lang="en-US" altLang="zh-CN" sz="1600" dirty="0" err="1" smtClean="0">
+                          <a:solidFill>
+                            <a:srgbClr val="CC0000"/>
+                          </a:solidFill>
+                        </a:rPr>
+                        <a:t>join,distinct</a:t>
+                      </a:r>
+                      <a:r>
+                        <a:rPr lang="zh-CN" altLang="en-US" sz="1600" dirty="0" smtClean="0">
+                          <a:solidFill>
+                            <a:srgbClr val="CC0000"/>
+                          </a:solidFill>
+                        </a:rPr>
+                        <a:t>，嵌套查询，临时表，等将在这里实现</a:t>
                       </a:r>
                       <a:endParaRPr lang="zh-CN" altLang="en-US" sz="1600" dirty="0">
                         <a:solidFill>
@@ -23606,92 +23641,6 @@
           </a:graphicData>
         </a:graphic>
       </p:graphicFrame>
-      <p:sp>
-        <p:nvSpPr>
-          <p:cNvPr id="5" name="云形标注 4"/>
-          <p:cNvSpPr/>
-          <p:nvPr/>
-        </p:nvSpPr>
-        <p:spPr>
-          <a:xfrm>
-            <a:off x="3563888" y="3861048"/>
-            <a:ext cx="3384376" cy="2232248"/>
-          </a:xfrm>
-          <a:prstGeom prst="cloudCallout">
-            <a:avLst>
-              <a:gd name="adj1" fmla="val 48964"/>
-              <a:gd name="adj2" fmla="val 34524"/>
-            </a:avLst>
-          </a:prstGeom>
-        </p:spPr>
-        <p:style>
-          <a:lnRef idx="2">
-            <a:schemeClr val="accent6">
-              <a:shade val="50000"/>
-            </a:schemeClr>
-          </a:lnRef>
-          <a:fillRef idx="1">
-            <a:schemeClr val="accent6"/>
-          </a:fillRef>
-          <a:effectRef idx="0">
-            <a:schemeClr val="accent6"/>
-          </a:effectRef>
-          <a:fontRef idx="minor">
-            <a:schemeClr val="lt1"/>
-          </a:fontRef>
-        </p:style>
-        <p:txBody>
-          <a:bodyPr rtlCol="0" anchor="ctr"/>
-          <a:lstStyle/>
-          <a:p>
-            <a:r>
-              <a:rPr lang="zh-CN" altLang="en-US" dirty="0" smtClean="0"/>
-              <a:t>通过重新洗牌，后续将会实现 </a:t>
-            </a:r>
-            <a:r>
-              <a:rPr lang="en-US" altLang="zh-CN" dirty="0" smtClean="0"/>
-              <a:t>“</a:t>
-            </a:r>
-            <a:r>
-              <a:rPr lang="zh-CN" altLang="en-US" dirty="0" smtClean="0"/>
-              <a:t>临时表</a:t>
-            </a:r>
-            <a:r>
-              <a:rPr lang="en-US" altLang="zh-CN" dirty="0" smtClean="0"/>
-              <a:t>” </a:t>
-            </a:r>
-            <a:r>
-              <a:rPr lang="zh-CN" altLang="en-US" dirty="0" smtClean="0"/>
-              <a:t>多表</a:t>
-            </a:r>
-            <a:r>
-              <a:rPr lang="en-US" altLang="zh-CN" dirty="0" smtClean="0"/>
-              <a:t>join</a:t>
-            </a:r>
-            <a:r>
-              <a:rPr lang="zh-CN" altLang="en-US" dirty="0" smtClean="0"/>
-              <a:t>，</a:t>
-            </a:r>
-            <a:r>
-              <a:rPr lang="en-US" altLang="zh-CN" dirty="0" smtClean="0"/>
-              <a:t>distinct count,</a:t>
-            </a:r>
-            <a:r>
-              <a:rPr lang="zh-CN" altLang="en-US" dirty="0" smtClean="0"/>
-              <a:t>无组数限制的</a:t>
-            </a:r>
-            <a:r>
-              <a:rPr lang="en-US" altLang="zh-CN" dirty="0" smtClean="0"/>
-              <a:t>group by,</a:t>
-            </a:r>
-            <a:r>
-              <a:rPr lang="zh-CN" altLang="en-US" dirty="0" smtClean="0"/>
-              <a:t>嵌套查询等功能</a:t>
-            </a:r>
-            <a:endParaRPr lang="zh-CN" altLang="en-US" dirty="0"/>
-          </a:p>
-        </p:txBody>
-      </p:sp>
     </p:spTree>
     <p:extLst>
       <p:ext uri="{BB962C8B-B14F-4D97-AF65-F5344CB8AC3E}">
@@ -23705,133 +23654,9 @@
   <p:timing>
     <p:tnLst>
       <p:par>
-        <p:cTn id="1" dur="indefinite" restart="never" nodeType="tmRoot">
-          <p:childTnLst>
-            <p:seq concurrent="1" nextAc="seek">
-              <p:cTn id="2" dur="indefinite" nodeType="mainSeq">
-                <p:childTnLst>
-                  <p:par>
-                    <p:cTn id="3" fill="hold">
-                      <p:stCondLst>
-                        <p:cond delay="indefinite"/>
-                      </p:stCondLst>
-                      <p:childTnLst>
-                        <p:par>
-                          <p:cTn id="4" fill="hold">
-                            <p:stCondLst>
-                              <p:cond delay="0"/>
-                            </p:stCondLst>
-                            <p:childTnLst>
-                              <p:par>
-                                <p:cTn id="5" presetID="16" presetClass="entr" presetSubtype="21" fill="hold" grpId="0" nodeType="clickEffect">
-                                  <p:stCondLst>
-                                    <p:cond delay="0"/>
-                                  </p:stCondLst>
-                                  <p:childTnLst>
-                                    <p:set>
-                                      <p:cBhvr>
-                                        <p:cTn id="6" dur="1" fill="hold">
-                                          <p:stCondLst>
-                                            <p:cond delay="0"/>
-                                          </p:stCondLst>
-                                        </p:cTn>
-                                        <p:tgtEl>
-                                          <p:spTgt spid="5"/>
-                                        </p:tgtEl>
-                                        <p:attrNameLst>
-                                          <p:attrName>style.visibility</p:attrName>
-                                        </p:attrNameLst>
-                                      </p:cBhvr>
-                                      <p:to>
-                                        <p:strVal val="visible"/>
-                                      </p:to>
-                                    </p:set>
-                                    <p:animEffect transition="in" filter="barn(inVertical)">
-                                      <p:cBhvr>
-                                        <p:cTn id="7" dur="500"/>
-                                        <p:tgtEl>
-                                          <p:spTgt spid="5"/>
-                                        </p:tgtEl>
-                                      </p:cBhvr>
-                                    </p:animEffect>
-                                  </p:childTnLst>
-                                </p:cTn>
-                              </p:par>
-                            </p:childTnLst>
-                          </p:cTn>
-                        </p:par>
-                      </p:childTnLst>
-                    </p:cTn>
-                  </p:par>
-                  <p:par>
-                    <p:cTn id="8" fill="hold">
-                      <p:stCondLst>
-                        <p:cond delay="indefinite"/>
-                      </p:stCondLst>
-                      <p:childTnLst>
-                        <p:par>
-                          <p:cTn id="9" fill="hold">
-                            <p:stCondLst>
-                              <p:cond delay="0"/>
-                            </p:stCondLst>
-                            <p:childTnLst>
-                              <p:par>
-                                <p:cTn id="10" presetID="26" presetClass="emph" presetSubtype="0" fill="hold" grpId="1" nodeType="clickEffect">
-                                  <p:stCondLst>
-                                    <p:cond delay="0"/>
-                                  </p:stCondLst>
-                                  <p:childTnLst>
-                                    <p:animEffect transition="out" filter="fade">
-                                      <p:cBhvr>
-                                        <p:cTn id="11" dur="500" tmFilter="0, 0; .2, .5; .8, .5; 1, 0"/>
-                                        <p:tgtEl>
-                                          <p:spTgt spid="5"/>
-                                        </p:tgtEl>
-                                      </p:cBhvr>
-                                    </p:animEffect>
-                                    <p:animScale>
-                                      <p:cBhvr>
-                                        <p:cTn id="12" dur="250" autoRev="1" fill="hold"/>
-                                        <p:tgtEl>
-                                          <p:spTgt spid="5"/>
-                                        </p:tgtEl>
-                                      </p:cBhvr>
-                                      <p:by x="105000" y="105000"/>
-                                    </p:animScale>
-                                  </p:childTnLst>
-                                </p:cTn>
-                              </p:par>
-                            </p:childTnLst>
-                          </p:cTn>
-                        </p:par>
-                      </p:childTnLst>
-                    </p:cTn>
-                  </p:par>
-                </p:childTnLst>
-              </p:cTn>
-              <p:prevCondLst>
-                <p:cond evt="onPrev" delay="0">
-                  <p:tgtEl>
-                    <p:sldTgt/>
-                  </p:tgtEl>
-                </p:cond>
-              </p:prevCondLst>
-              <p:nextCondLst>
-                <p:cond evt="onNext" delay="0">
-                  <p:tgtEl>
-                    <p:sldTgt/>
-                  </p:tgtEl>
-                </p:cond>
-              </p:nextCondLst>
-            </p:seq>
-          </p:childTnLst>
-        </p:cTn>
+        <p:cTn id="1" dur="indefinite" restart="never" nodeType="tmRoot"/>
       </p:par>
     </p:tnLst>
-    <p:bldLst>
-      <p:bldP spid="5" grpId="0" animBg="1"/>
-      <p:bldP spid="5" grpId="1" animBg="1"/>
-    </p:bldLst>
   </p:timing>
 </p:sld>
 </file>
@@ -26085,6 +25910,78 @@
           </a:p>
         </p:txBody>
       </p:sp>
+      <p:sp>
+        <p:nvSpPr>
+          <p:cNvPr id="54" name="云形标注 53"/>
+          <p:cNvSpPr/>
+          <p:nvPr/>
+        </p:nvSpPr>
+        <p:spPr>
+          <a:xfrm>
+            <a:off x="3866009" y="1194908"/>
+            <a:ext cx="4215122" cy="1579663"/>
+          </a:xfrm>
+          <a:prstGeom prst="cloudCallout">
+            <a:avLst>
+              <a:gd name="adj1" fmla="val -37210"/>
+              <a:gd name="adj2" fmla="val -57589"/>
+            </a:avLst>
+          </a:prstGeom>
+        </p:spPr>
+        <p:style>
+          <a:lnRef idx="1">
+            <a:schemeClr val="accent2"/>
+          </a:lnRef>
+          <a:fillRef idx="2">
+            <a:schemeClr val="accent2"/>
+          </a:fillRef>
+          <a:effectRef idx="1">
+            <a:schemeClr val="accent2"/>
+          </a:effectRef>
+          <a:fontRef idx="minor">
+            <a:schemeClr val="dk1"/>
+          </a:fontRef>
+        </p:style>
+        <p:txBody>
+          <a:bodyPr rtlCol="0" anchor="ctr"/>
+          <a:lstStyle/>
+          <a:p>
+            <a:r>
+              <a:rPr lang="zh-CN" altLang="en-US" sz="1600" dirty="0" smtClean="0"/>
+              <a:t>之所以叫</a:t>
+            </a:r>
+            <a:r>
+              <a:rPr lang="en-US" altLang="zh-CN" sz="1600" dirty="0" smtClean="0"/>
+              <a:t>yarn</a:t>
+            </a:r>
+            <a:r>
+              <a:rPr lang="zh-CN" altLang="en-US" sz="1600" dirty="0" smtClean="0"/>
+              <a:t>，是因为这个架构跟</a:t>
+            </a:r>
+            <a:r>
+              <a:rPr lang="en-US" altLang="zh-CN" sz="1600" dirty="0" err="1" smtClean="0"/>
+              <a:t>hadoop</a:t>
+            </a:r>
+            <a:r>
+              <a:rPr lang="en-US" altLang="zh-CN" sz="1600" dirty="0" smtClean="0"/>
+              <a:t> yarn</a:t>
+            </a:r>
+            <a:r>
+              <a:rPr lang="zh-CN" altLang="en-US" sz="1600" dirty="0" smtClean="0"/>
+              <a:t>的架构十分相似，只不过在这里用在了海狗里了而已，故还保留</a:t>
+            </a:r>
+            <a:r>
+              <a:rPr lang="en-US" altLang="zh-CN" sz="1600" dirty="0" smtClean="0"/>
+              <a:t>yarn</a:t>
+            </a:r>
+            <a:r>
+              <a:rPr lang="zh-CN" altLang="en-US" sz="1600" dirty="0" smtClean="0"/>
+              <a:t>的名字</a:t>
+            </a:r>
+            <a:endParaRPr lang="zh-CN" altLang="en-US" sz="1600" dirty="0"/>
+          </a:p>
+        </p:txBody>
+      </p:sp>
     </p:spTree>
     <p:extLst>
       <p:ext uri="{BB962C8B-B14F-4D97-AF65-F5344CB8AC3E}">
@@ -26129,7 +26026,7 @@
                                           </p:stCondLst>
                                         </p:cTn>
                                         <p:tgtEl>
-                                          <p:spTgt spid="49"/>
+                                          <p:spTgt spid="54"/>
                                         </p:tgtEl>
                                         <p:attrNameLst>
                                           <p:attrName>style.visibility</p:attrName>
@@ -26143,7 +26040,7 @@
                                       <p:cBhvr>
                                         <p:cTn id="7" dur="500"/>
                                         <p:tgtEl>
-                                          <p:spTgt spid="49"/>
+                                          <p:spTgt spid="54"/>
                                         </p:tgtEl>
                                       </p:cBhvr>
                                     </p:animEffect>
@@ -26178,7 +26075,7 @@
                                       <p:cBhvr>
                                         <p:cTn id="11" dur="500"/>
                                         <p:tgtEl>
-                                          <p:spTgt spid="49"/>
+                                          <p:spTgt spid="54"/>
                                         </p:tgtEl>
                                       </p:cBhvr>
                                     </p:animEffect>
@@ -26190,7 +26087,7 @@
                                           </p:stCondLst>
                                         </p:cTn>
                                         <p:tgtEl>
-                                          <p:spTgt spid="49"/>
+                                          <p:spTgt spid="54"/>
                                         </p:tgtEl>
                                         <p:attrNameLst>
                                           <p:attrName>style.visibility</p:attrName>
@@ -26235,7 +26132,7 @@
                                           </p:stCondLst>
                                         </p:cTn>
                                         <p:tgtEl>
-                                          <p:spTgt spid="58"/>
+                                          <p:spTgt spid="49"/>
                                         </p:tgtEl>
                                         <p:attrNameLst>
                                           <p:attrName>style.visibility</p:attrName>
@@ -26249,7 +26146,7 @@
                                       <p:cBhvr>
                                         <p:cTn id="17" dur="500"/>
                                         <p:tgtEl>
-                                          <p:spTgt spid="58"/>
+                                          <p:spTgt spid="49"/>
                                         </p:tgtEl>
                                       </p:cBhvr>
                                     </p:animEffect>
@@ -26284,7 +26181,7 @@
                                       <p:cBhvr>
                                         <p:cTn id="21" dur="500"/>
                                         <p:tgtEl>
-                                          <p:spTgt spid="58"/>
+                                          <p:spTgt spid="49"/>
                                         </p:tgtEl>
                                       </p:cBhvr>
                                     </p:animEffect>
@@ -26296,7 +26193,7 @@
                                           </p:stCondLst>
                                         </p:cTn>
                                         <p:tgtEl>
-                                          <p:spTgt spid="58"/>
+                                          <p:spTgt spid="49"/>
                                         </p:tgtEl>
                                         <p:attrNameLst>
                                           <p:attrName>style.visibility</p:attrName>
@@ -26328,728 +26225,81 @@
                             </p:stCondLst>
                             <p:childTnLst>
                               <p:par>
-                                <p:cTn id="25" presetID="16" presetClass="exit" presetSubtype="21" fill="hold" grpId="0" nodeType="clickEffect">
+                                <p:cTn id="25" presetID="22" presetClass="entr" presetSubtype="4" fill="hold" grpId="0" nodeType="clickEffect">
+                                  <p:stCondLst>
+                                    <p:cond delay="0"/>
+                                  </p:stCondLst>
+                                  <p:childTnLst>
+                                    <p:set>
+                                      <p:cBhvr>
+                                        <p:cTn id="26" dur="1" fill="hold">
+                                          <p:stCondLst>
+                                            <p:cond delay="0"/>
+                                          </p:stCondLst>
+                                        </p:cTn>
+                                        <p:tgtEl>
+                                          <p:spTgt spid="58"/>
+                                        </p:tgtEl>
+                                        <p:attrNameLst>
+                                          <p:attrName>style.visibility</p:attrName>
+                                        </p:attrNameLst>
+                                      </p:cBhvr>
+                                      <p:to>
+                                        <p:strVal val="visible"/>
+                                      </p:to>
+                                    </p:set>
+                                    <p:animEffect transition="in" filter="wipe(down)">
+                                      <p:cBhvr>
+                                        <p:cTn id="27" dur="500"/>
+                                        <p:tgtEl>
+                                          <p:spTgt spid="58"/>
+                                        </p:tgtEl>
+                                      </p:cBhvr>
+                                    </p:animEffect>
+                                  </p:childTnLst>
+                                </p:cTn>
+                              </p:par>
+                            </p:childTnLst>
+                          </p:cTn>
+                        </p:par>
+                      </p:childTnLst>
+                    </p:cTn>
+                  </p:par>
+                  <p:par>
+                    <p:cTn id="28" fill="hold">
+                      <p:stCondLst>
+                        <p:cond delay="indefinite"/>
+                      </p:stCondLst>
+                      <p:childTnLst>
+                        <p:par>
+                          <p:cTn id="29" fill="hold">
+                            <p:stCondLst>
+                              <p:cond delay="0"/>
+                            </p:stCondLst>
+                            <p:childTnLst>
+                              <p:par>
+                                <p:cTn id="30" presetID="16" presetClass="exit" presetSubtype="21" fill="hold" grpId="1" nodeType="clickEffect">
                                   <p:stCondLst>
                                     <p:cond delay="0"/>
                                   </p:stCondLst>
                                   <p:childTnLst>
                                     <p:animEffect transition="out" filter="barn(inVertical)">
                                       <p:cBhvr>
-                                        <p:cTn id="26" dur="500"/>
-                                        <p:tgtEl>
-                                          <p:spTgt spid="11"/>
+                                        <p:cTn id="31" dur="500"/>
+                                        <p:tgtEl>
+                                          <p:spTgt spid="58"/>
                                         </p:tgtEl>
                                       </p:cBhvr>
                                     </p:animEffect>
                                     <p:set>
                                       <p:cBhvr>
-                                        <p:cTn id="27" dur="1" fill="hold">
+                                        <p:cTn id="32" dur="1" fill="hold">
                                           <p:stCondLst>
                                             <p:cond delay="499"/>
                                           </p:stCondLst>
                                         </p:cTn>
                                         <p:tgtEl>
-                                          <p:spTgt spid="11"/>
-                                        </p:tgtEl>
-                                        <p:attrNameLst>
-                                          <p:attrName>style.visibility</p:attrName>
-                                        </p:attrNameLst>
-                                      </p:cBhvr>
-                                      <p:to>
-                                        <p:strVal val="hidden"/>
-                                      </p:to>
-                                    </p:set>
-                                  </p:childTnLst>
-                                </p:cTn>
-                              </p:par>
-                              <p:par>
-                                <p:cTn id="28" presetID="16" presetClass="exit" presetSubtype="21" fill="hold" grpId="0" nodeType="withEffect">
-                                  <p:stCondLst>
-                                    <p:cond delay="0"/>
-                                  </p:stCondLst>
-                                  <p:childTnLst>
-                                    <p:animEffect transition="out" filter="barn(inVertical)">
-                                      <p:cBhvr>
-                                        <p:cTn id="29" dur="500"/>
-                                        <p:tgtEl>
-                                          <p:spTgt spid="5"/>
-                                        </p:tgtEl>
-                                      </p:cBhvr>
-                                    </p:animEffect>
-                                    <p:set>
-                                      <p:cBhvr>
-                                        <p:cTn id="30" dur="1" fill="hold">
-                                          <p:stCondLst>
-                                            <p:cond delay="499"/>
-                                          </p:stCondLst>
-                                        </p:cTn>
-                                        <p:tgtEl>
-                                          <p:spTgt spid="5"/>
-                                        </p:tgtEl>
-                                        <p:attrNameLst>
-                                          <p:attrName>style.visibility</p:attrName>
-                                        </p:attrNameLst>
-                                      </p:cBhvr>
-                                      <p:to>
-                                        <p:strVal val="hidden"/>
-                                      </p:to>
-                                    </p:set>
-                                  </p:childTnLst>
-                                </p:cTn>
-                              </p:par>
-                              <p:par>
-                                <p:cTn id="31" presetID="16" presetClass="exit" presetSubtype="21" fill="hold" grpId="0" nodeType="withEffect">
-                                  <p:stCondLst>
-                                    <p:cond delay="0"/>
-                                  </p:stCondLst>
-                                  <p:childTnLst>
-                                    <p:animEffect transition="out" filter="barn(inVertical)">
-                                      <p:cBhvr>
-                                        <p:cTn id="32" dur="500"/>
-                                        <p:tgtEl>
-                                          <p:spTgt spid="6"/>
-                                        </p:tgtEl>
-                                      </p:cBhvr>
-                                    </p:animEffect>
-                                    <p:set>
-                                      <p:cBhvr>
-                                        <p:cTn id="33" dur="1" fill="hold">
-                                          <p:stCondLst>
-                                            <p:cond delay="499"/>
-                                          </p:stCondLst>
-                                        </p:cTn>
-                                        <p:tgtEl>
-                                          <p:spTgt spid="6"/>
-                                        </p:tgtEl>
-                                        <p:attrNameLst>
-                                          <p:attrName>style.visibility</p:attrName>
-                                        </p:attrNameLst>
-                                      </p:cBhvr>
-                                      <p:to>
-                                        <p:strVal val="hidden"/>
-                                      </p:to>
-                                    </p:set>
-                                  </p:childTnLst>
-                                </p:cTn>
-                              </p:par>
-                              <p:par>
-                                <p:cTn id="34" presetID="16" presetClass="exit" presetSubtype="21" fill="hold" grpId="0" nodeType="withEffect">
-                                  <p:stCondLst>
-                                    <p:cond delay="0"/>
-                                  </p:stCondLst>
-                                  <p:childTnLst>
-                                    <p:animEffect transition="out" filter="barn(inVertical)">
-                                      <p:cBhvr>
-                                        <p:cTn id="35" dur="500"/>
-                                        <p:tgtEl>
-                                          <p:spTgt spid="7"/>
-                                        </p:tgtEl>
-                                      </p:cBhvr>
-                                    </p:animEffect>
-                                    <p:set>
-                                      <p:cBhvr>
-                                        <p:cTn id="36" dur="1" fill="hold">
-                                          <p:stCondLst>
-                                            <p:cond delay="499"/>
-                                          </p:stCondLst>
-                                        </p:cTn>
-                                        <p:tgtEl>
-                                          <p:spTgt spid="7"/>
-                                        </p:tgtEl>
-                                        <p:attrNameLst>
-                                          <p:attrName>style.visibility</p:attrName>
-                                        </p:attrNameLst>
-                                      </p:cBhvr>
-                                      <p:to>
-                                        <p:strVal val="hidden"/>
-                                      </p:to>
-                                    </p:set>
-                                  </p:childTnLst>
-                                </p:cTn>
-                              </p:par>
-                              <p:par>
-                                <p:cTn id="37" presetID="16" presetClass="exit" presetSubtype="21" fill="hold" grpId="0" nodeType="withEffect">
-                                  <p:stCondLst>
-                                    <p:cond delay="0"/>
-                                  </p:stCondLst>
-                                  <p:childTnLst>
-                                    <p:animEffect transition="out" filter="barn(inVertical)">
-                                      <p:cBhvr>
-                                        <p:cTn id="38" dur="500"/>
-                                        <p:tgtEl>
-                                          <p:spTgt spid="8"/>
-                                        </p:tgtEl>
-                                      </p:cBhvr>
-                                    </p:animEffect>
-                                    <p:set>
-                                      <p:cBhvr>
-                                        <p:cTn id="39" dur="1" fill="hold">
-                                          <p:stCondLst>
-                                            <p:cond delay="499"/>
-                                          </p:stCondLst>
-                                        </p:cTn>
-                                        <p:tgtEl>
-                                          <p:spTgt spid="8"/>
-                                        </p:tgtEl>
-                                        <p:attrNameLst>
-                                          <p:attrName>style.visibility</p:attrName>
-                                        </p:attrNameLst>
-                                      </p:cBhvr>
-                                      <p:to>
-                                        <p:strVal val="hidden"/>
-                                      </p:to>
-                                    </p:set>
-                                  </p:childTnLst>
-                                </p:cTn>
-                              </p:par>
-                              <p:par>
-                                <p:cTn id="40" presetID="16" presetClass="exit" presetSubtype="21" fill="hold" grpId="0" nodeType="withEffect">
-                                  <p:stCondLst>
-                                    <p:cond delay="0"/>
-                                  </p:stCondLst>
-                                  <p:childTnLst>
-                                    <p:animEffect transition="out" filter="barn(inVertical)">
-                                      <p:cBhvr>
-                                        <p:cTn id="41" dur="500"/>
-                                        <p:tgtEl>
-                                          <p:spTgt spid="9"/>
-                                        </p:tgtEl>
-                                      </p:cBhvr>
-                                    </p:animEffect>
-                                    <p:set>
-                                      <p:cBhvr>
-                                        <p:cTn id="42" dur="1" fill="hold">
-                                          <p:stCondLst>
-                                            <p:cond delay="499"/>
-                                          </p:stCondLst>
-                                        </p:cTn>
-                                        <p:tgtEl>
-                                          <p:spTgt spid="9"/>
-                                        </p:tgtEl>
-                                        <p:attrNameLst>
-                                          <p:attrName>style.visibility</p:attrName>
-                                        </p:attrNameLst>
-                                      </p:cBhvr>
-                                      <p:to>
-                                        <p:strVal val="hidden"/>
-                                      </p:to>
-                                    </p:set>
-                                  </p:childTnLst>
-                                </p:cTn>
-                              </p:par>
-                              <p:par>
-                                <p:cTn id="43" presetID="16" presetClass="exit" presetSubtype="21" fill="hold" grpId="0" nodeType="withEffect">
-                                  <p:stCondLst>
-                                    <p:cond delay="0"/>
-                                  </p:stCondLst>
-                                  <p:childTnLst>
-                                    <p:animEffect transition="out" filter="barn(inVertical)">
-                                      <p:cBhvr>
-                                        <p:cTn id="44" dur="500"/>
-                                        <p:tgtEl>
-                                          <p:spTgt spid="10"/>
-                                        </p:tgtEl>
-                                      </p:cBhvr>
-                                    </p:animEffect>
-                                    <p:set>
-                                      <p:cBhvr>
-                                        <p:cTn id="45" dur="1" fill="hold">
-                                          <p:stCondLst>
-                                            <p:cond delay="499"/>
-                                          </p:stCondLst>
-                                        </p:cTn>
-                                        <p:tgtEl>
-                                          <p:spTgt spid="10"/>
-                                        </p:tgtEl>
-                                        <p:attrNameLst>
-                                          <p:attrName>style.visibility</p:attrName>
-                                        </p:attrNameLst>
-                                      </p:cBhvr>
-                                      <p:to>
-                                        <p:strVal val="hidden"/>
-                                      </p:to>
-                                    </p:set>
-                                  </p:childTnLst>
-                                </p:cTn>
-                              </p:par>
-                              <p:par>
-                                <p:cTn id="46" presetID="16" presetClass="exit" presetSubtype="21" fill="hold" grpId="0" nodeType="withEffect">
-                                  <p:stCondLst>
-                                    <p:cond delay="0"/>
-                                  </p:stCondLst>
-                                  <p:childTnLst>
-                                    <p:animEffect transition="out" filter="barn(inVertical)">
-                                      <p:cBhvr>
-                                        <p:cTn id="47" dur="500"/>
-                                        <p:tgtEl>
-                                          <p:spTgt spid="12"/>
-                                        </p:tgtEl>
-                                      </p:cBhvr>
-                                    </p:animEffect>
-                                    <p:set>
-                                      <p:cBhvr>
-                                        <p:cTn id="48" dur="1" fill="hold">
-                                          <p:stCondLst>
-                                            <p:cond delay="499"/>
-                                          </p:stCondLst>
-                                        </p:cTn>
-                                        <p:tgtEl>
-                                          <p:spTgt spid="12"/>
-                                        </p:tgtEl>
-                                        <p:attrNameLst>
-                                          <p:attrName>style.visibility</p:attrName>
-                                        </p:attrNameLst>
-                                      </p:cBhvr>
-                                      <p:to>
-                                        <p:strVal val="hidden"/>
-                                      </p:to>
-                                    </p:set>
-                                  </p:childTnLst>
-                                </p:cTn>
-                              </p:par>
-                              <p:par>
-                                <p:cTn id="49" presetID="16" presetClass="exit" presetSubtype="21" fill="hold" grpId="0" nodeType="withEffect">
-                                  <p:stCondLst>
-                                    <p:cond delay="0"/>
-                                  </p:stCondLst>
-                                  <p:childTnLst>
-                                    <p:animEffect transition="out" filter="barn(inVertical)">
-                                      <p:cBhvr>
-                                        <p:cTn id="50" dur="500"/>
-                                        <p:tgtEl>
-                                          <p:spTgt spid="38"/>
-                                        </p:tgtEl>
-                                      </p:cBhvr>
-                                    </p:animEffect>
-                                    <p:set>
-                                      <p:cBhvr>
-                                        <p:cTn id="51" dur="1" fill="hold">
-                                          <p:stCondLst>
-                                            <p:cond delay="499"/>
-                                          </p:stCondLst>
-                                        </p:cTn>
-                                        <p:tgtEl>
-                                          <p:spTgt spid="38"/>
-                                        </p:tgtEl>
-                                        <p:attrNameLst>
-                                          <p:attrName>style.visibility</p:attrName>
-                                        </p:attrNameLst>
-                                      </p:cBhvr>
-                                      <p:to>
-                                        <p:strVal val="hidden"/>
-                                      </p:to>
-                                    </p:set>
-                                  </p:childTnLst>
-                                </p:cTn>
-                              </p:par>
-                              <p:par>
-                                <p:cTn id="52" presetID="16" presetClass="exit" presetSubtype="21" fill="hold" grpId="0" nodeType="withEffect">
-                                  <p:stCondLst>
-                                    <p:cond delay="0"/>
-                                  </p:stCondLst>
-                                  <p:childTnLst>
-                                    <p:animEffect transition="out" filter="barn(inVertical)">
-                                      <p:cBhvr>
-                                        <p:cTn id="53" dur="500"/>
-                                        <p:tgtEl>
-                                          <p:spTgt spid="39"/>
-                                        </p:tgtEl>
-                                      </p:cBhvr>
-                                    </p:animEffect>
-                                    <p:set>
-                                      <p:cBhvr>
-                                        <p:cTn id="54" dur="1" fill="hold">
-                                          <p:stCondLst>
-                                            <p:cond delay="499"/>
-                                          </p:stCondLst>
-                                        </p:cTn>
-                                        <p:tgtEl>
-                                          <p:spTgt spid="39"/>
-                                        </p:tgtEl>
-                                        <p:attrNameLst>
-                                          <p:attrName>style.visibility</p:attrName>
-                                        </p:attrNameLst>
-                                      </p:cBhvr>
-                                      <p:to>
-                                        <p:strVal val="hidden"/>
-                                      </p:to>
-                                    </p:set>
-                                  </p:childTnLst>
-                                </p:cTn>
-                              </p:par>
-                              <p:par>
-                                <p:cTn id="55" presetID="16" presetClass="exit" presetSubtype="21" fill="hold" grpId="0" nodeType="withEffect">
-                                  <p:stCondLst>
-                                    <p:cond delay="0"/>
-                                  </p:stCondLst>
-                                  <p:childTnLst>
-                                    <p:animEffect transition="out" filter="barn(inVertical)">
-                                      <p:cBhvr>
-                                        <p:cTn id="56" dur="500"/>
-                                        <p:tgtEl>
-                                          <p:spTgt spid="40"/>
-                                        </p:tgtEl>
-                                      </p:cBhvr>
-                                    </p:animEffect>
-                                    <p:set>
-                                      <p:cBhvr>
-                                        <p:cTn id="57" dur="1" fill="hold">
-                                          <p:stCondLst>
-                                            <p:cond delay="499"/>
-                                          </p:stCondLst>
-                                        </p:cTn>
-                                        <p:tgtEl>
-                                          <p:spTgt spid="40"/>
-                                        </p:tgtEl>
-                                        <p:attrNameLst>
-                                          <p:attrName>style.visibility</p:attrName>
-                                        </p:attrNameLst>
-                                      </p:cBhvr>
-                                      <p:to>
-                                        <p:strVal val="hidden"/>
-                                      </p:to>
-                                    </p:set>
-                                  </p:childTnLst>
-                                </p:cTn>
-                              </p:par>
-                              <p:par>
-                                <p:cTn id="58" presetID="16" presetClass="exit" presetSubtype="21" fill="hold" nodeType="withEffect">
-                                  <p:stCondLst>
-                                    <p:cond delay="0"/>
-                                  </p:stCondLst>
-                                  <p:childTnLst>
-                                    <p:animEffect transition="out" filter="barn(inVertical)">
-                                      <p:cBhvr>
-                                        <p:cTn id="59" dur="500"/>
-                                        <p:tgtEl>
-                                          <p:spTgt spid="44"/>
-                                        </p:tgtEl>
-                                      </p:cBhvr>
-                                    </p:animEffect>
-                                    <p:set>
-                                      <p:cBhvr>
-                                        <p:cTn id="60" dur="1" fill="hold">
-                                          <p:stCondLst>
-                                            <p:cond delay="499"/>
-                                          </p:stCondLst>
-                                        </p:cTn>
-                                        <p:tgtEl>
-                                          <p:spTgt spid="44"/>
-                                        </p:tgtEl>
-                                        <p:attrNameLst>
-                                          <p:attrName>style.visibility</p:attrName>
-                                        </p:attrNameLst>
-                                      </p:cBhvr>
-                                      <p:to>
-                                        <p:strVal val="hidden"/>
-                                      </p:to>
-                                    </p:set>
-                                  </p:childTnLst>
-                                </p:cTn>
-                              </p:par>
-                              <p:par>
-                                <p:cTn id="61" presetID="16" presetClass="exit" presetSubtype="21" fill="hold" nodeType="withEffect">
-                                  <p:stCondLst>
-                                    <p:cond delay="0"/>
-                                  </p:stCondLst>
-                                  <p:childTnLst>
-                                    <p:animEffect transition="out" filter="barn(inVertical)">
-                                      <p:cBhvr>
-                                        <p:cTn id="62" dur="500"/>
-                                        <p:tgtEl>
-                                          <p:spTgt spid="51"/>
-                                        </p:tgtEl>
-                                      </p:cBhvr>
-                                    </p:animEffect>
-                                    <p:set>
-                                      <p:cBhvr>
-                                        <p:cTn id="63" dur="1" fill="hold">
-                                          <p:stCondLst>
-                                            <p:cond delay="499"/>
-                                          </p:stCondLst>
-                                        </p:cTn>
-                                        <p:tgtEl>
-                                          <p:spTgt spid="51"/>
-                                        </p:tgtEl>
-                                        <p:attrNameLst>
-                                          <p:attrName>style.visibility</p:attrName>
-                                        </p:attrNameLst>
-                                      </p:cBhvr>
-                                      <p:to>
-                                        <p:strVal val="hidden"/>
-                                      </p:to>
-                                    </p:set>
-                                  </p:childTnLst>
-                                </p:cTn>
-                              </p:par>
-                              <p:par>
-                                <p:cTn id="64" presetID="16" presetClass="exit" presetSubtype="21" fill="hold" nodeType="withEffect">
-                                  <p:stCondLst>
-                                    <p:cond delay="0"/>
-                                  </p:stCondLst>
-                                  <p:childTnLst>
-                                    <p:animEffect transition="out" filter="barn(inVertical)">
-                                      <p:cBhvr>
-                                        <p:cTn id="65" dur="500"/>
-                                        <p:tgtEl>
-                                          <p:spTgt spid="53"/>
-                                        </p:tgtEl>
-                                      </p:cBhvr>
-                                    </p:animEffect>
-                                    <p:set>
-                                      <p:cBhvr>
-                                        <p:cTn id="66" dur="1" fill="hold">
-                                          <p:stCondLst>
-                                            <p:cond delay="499"/>
-                                          </p:stCondLst>
-                                        </p:cTn>
-                                        <p:tgtEl>
-                                          <p:spTgt spid="53"/>
-                                        </p:tgtEl>
-                                        <p:attrNameLst>
-                                          <p:attrName>style.visibility</p:attrName>
-                                        </p:attrNameLst>
-                                      </p:cBhvr>
-                                      <p:to>
-                                        <p:strVal val="hidden"/>
-                                      </p:to>
-                                    </p:set>
-                                  </p:childTnLst>
-                                </p:cTn>
-                              </p:par>
-                              <p:par>
-                                <p:cTn id="67" presetID="16" presetClass="exit" presetSubtype="21" fill="hold" nodeType="withEffect">
-                                  <p:stCondLst>
-                                    <p:cond delay="0"/>
-                                  </p:stCondLst>
-                                  <p:childTnLst>
-                                    <p:animEffect transition="out" filter="barn(inVertical)">
-                                      <p:cBhvr>
-                                        <p:cTn id="68" dur="500"/>
-                                        <p:tgtEl>
-                                          <p:spTgt spid="55"/>
-                                        </p:tgtEl>
-                                      </p:cBhvr>
-                                    </p:animEffect>
-                                    <p:set>
-                                      <p:cBhvr>
-                                        <p:cTn id="69" dur="1" fill="hold">
-                                          <p:stCondLst>
-                                            <p:cond delay="499"/>
-                                          </p:stCondLst>
-                                        </p:cTn>
-                                        <p:tgtEl>
-                                          <p:spTgt spid="55"/>
-                                        </p:tgtEl>
-                                        <p:attrNameLst>
-                                          <p:attrName>style.visibility</p:attrName>
-                                        </p:attrNameLst>
-                                      </p:cBhvr>
-                                      <p:to>
-                                        <p:strVal val="hidden"/>
-                                      </p:to>
-                                    </p:set>
-                                  </p:childTnLst>
-                                </p:cTn>
-                              </p:par>
-                              <p:par>
-                                <p:cTn id="70" presetID="16" presetClass="exit" presetSubtype="21" fill="hold" nodeType="withEffect">
-                                  <p:stCondLst>
-                                    <p:cond delay="0"/>
-                                  </p:stCondLst>
-                                  <p:childTnLst>
-                                    <p:animEffect transition="out" filter="barn(inVertical)">
-                                      <p:cBhvr>
-                                        <p:cTn id="71" dur="500"/>
-                                        <p:tgtEl>
-                                          <p:spTgt spid="24"/>
-                                        </p:tgtEl>
-                                      </p:cBhvr>
-                                    </p:animEffect>
-                                    <p:set>
-                                      <p:cBhvr>
-                                        <p:cTn id="72" dur="1" fill="hold">
-                                          <p:stCondLst>
-                                            <p:cond delay="499"/>
-                                          </p:stCondLst>
-                                        </p:cTn>
-                                        <p:tgtEl>
-                                          <p:spTgt spid="24"/>
-                                        </p:tgtEl>
-                                        <p:attrNameLst>
-                                          <p:attrName>style.visibility</p:attrName>
-                                        </p:attrNameLst>
-                                      </p:cBhvr>
-                                      <p:to>
-                                        <p:strVal val="hidden"/>
-                                      </p:to>
-                                    </p:set>
-                                  </p:childTnLst>
-                                </p:cTn>
-                              </p:par>
-                              <p:par>
-                                <p:cTn id="73" presetID="16" presetClass="exit" presetSubtype="21" fill="hold" nodeType="withEffect">
-                                  <p:stCondLst>
-                                    <p:cond delay="0"/>
-                                  </p:stCondLst>
-                                  <p:childTnLst>
-                                    <p:animEffect transition="out" filter="barn(inVertical)">
-                                      <p:cBhvr>
-                                        <p:cTn id="74" dur="500"/>
-                                        <p:tgtEl>
-                                          <p:spTgt spid="26"/>
-                                        </p:tgtEl>
-                                      </p:cBhvr>
-                                    </p:animEffect>
-                                    <p:set>
-                                      <p:cBhvr>
-                                        <p:cTn id="75" dur="1" fill="hold">
-                                          <p:stCondLst>
-                                            <p:cond delay="499"/>
-                                          </p:stCondLst>
-                                        </p:cTn>
-                                        <p:tgtEl>
-                                          <p:spTgt spid="26"/>
-                                        </p:tgtEl>
-                                        <p:attrNameLst>
-                                          <p:attrName>style.visibility</p:attrName>
-                                        </p:attrNameLst>
-                                      </p:cBhvr>
-                                      <p:to>
-                                        <p:strVal val="hidden"/>
-                                      </p:to>
-                                    </p:set>
-                                  </p:childTnLst>
-                                </p:cTn>
-                              </p:par>
-                              <p:par>
-                                <p:cTn id="76" presetID="16" presetClass="exit" presetSubtype="21" fill="hold" nodeType="withEffect">
-                                  <p:stCondLst>
-                                    <p:cond delay="0"/>
-                                  </p:stCondLst>
-                                  <p:childTnLst>
-                                    <p:animEffect transition="out" filter="barn(inVertical)">
-                                      <p:cBhvr>
-                                        <p:cTn id="77" dur="500"/>
-                                        <p:tgtEl>
-                                          <p:spTgt spid="28"/>
-                                        </p:tgtEl>
-                                      </p:cBhvr>
-                                    </p:animEffect>
-                                    <p:set>
-                                      <p:cBhvr>
-                                        <p:cTn id="78" dur="1" fill="hold">
-                                          <p:stCondLst>
-                                            <p:cond delay="499"/>
-                                          </p:stCondLst>
-                                        </p:cTn>
-                                        <p:tgtEl>
-                                          <p:spTgt spid="28"/>
-                                        </p:tgtEl>
-                                        <p:attrNameLst>
-                                          <p:attrName>style.visibility</p:attrName>
-                                        </p:attrNameLst>
-                                      </p:cBhvr>
-                                      <p:to>
-                                        <p:strVal val="hidden"/>
-                                      </p:to>
-                                    </p:set>
-                                  </p:childTnLst>
-                                </p:cTn>
-                              </p:par>
-                              <p:par>
-                                <p:cTn id="79" presetID="16" presetClass="exit" presetSubtype="21" fill="hold" nodeType="withEffect">
-                                  <p:stCondLst>
-                                    <p:cond delay="0"/>
-                                  </p:stCondLst>
-                                  <p:childTnLst>
-                                    <p:animEffect transition="out" filter="barn(inVertical)">
-                                      <p:cBhvr>
-                                        <p:cTn id="80" dur="500"/>
-                                        <p:tgtEl>
-                                          <p:spTgt spid="31"/>
-                                        </p:tgtEl>
-                                      </p:cBhvr>
-                                    </p:animEffect>
-                                    <p:set>
-                                      <p:cBhvr>
-                                        <p:cTn id="81" dur="1" fill="hold">
-                                          <p:stCondLst>
-                                            <p:cond delay="499"/>
-                                          </p:stCondLst>
-                                        </p:cTn>
-                                        <p:tgtEl>
-                                          <p:spTgt spid="31"/>
-                                        </p:tgtEl>
-                                        <p:attrNameLst>
-                                          <p:attrName>style.visibility</p:attrName>
-                                        </p:attrNameLst>
-                                      </p:cBhvr>
-                                      <p:to>
-                                        <p:strVal val="hidden"/>
-                                      </p:to>
-                                    </p:set>
-                                  </p:childTnLst>
-                                </p:cTn>
-                              </p:par>
-                              <p:par>
-                                <p:cTn id="82" presetID="16" presetClass="exit" presetSubtype="21" fill="hold" nodeType="withEffect">
-                                  <p:stCondLst>
-                                    <p:cond delay="0"/>
-                                  </p:stCondLst>
-                                  <p:childTnLst>
-                                    <p:animEffect transition="out" filter="barn(inVertical)">
-                                      <p:cBhvr>
-                                        <p:cTn id="83" dur="500"/>
-                                        <p:tgtEl>
-                                          <p:spTgt spid="33"/>
-                                        </p:tgtEl>
-                                      </p:cBhvr>
-                                    </p:animEffect>
-                                    <p:set>
-                                      <p:cBhvr>
-                                        <p:cTn id="84" dur="1" fill="hold">
-                                          <p:stCondLst>
-                                            <p:cond delay="499"/>
-                                          </p:stCondLst>
-                                        </p:cTn>
-                                        <p:tgtEl>
-                                          <p:spTgt spid="33"/>
-                                        </p:tgtEl>
-                                        <p:attrNameLst>
-                                          <p:attrName>style.visibility</p:attrName>
-                                        </p:attrNameLst>
-                                      </p:cBhvr>
-                                      <p:to>
-                                        <p:strVal val="hidden"/>
-                                      </p:to>
-                                    </p:set>
-                                  </p:childTnLst>
-                                </p:cTn>
-                              </p:par>
-                              <p:par>
-                                <p:cTn id="85" presetID="16" presetClass="exit" presetSubtype="21" fill="hold" nodeType="withEffect">
-                                  <p:stCondLst>
-                                    <p:cond delay="0"/>
-                                  </p:stCondLst>
-                                  <p:childTnLst>
-                                    <p:animEffect transition="out" filter="barn(inVertical)">
-                                      <p:cBhvr>
-                                        <p:cTn id="86" dur="500"/>
-                                        <p:tgtEl>
-                                          <p:spTgt spid="35"/>
-                                        </p:tgtEl>
-                                      </p:cBhvr>
-                                    </p:animEffect>
-                                    <p:set>
-                                      <p:cBhvr>
-                                        <p:cTn id="87" dur="1" fill="hold">
-                                          <p:stCondLst>
-                                            <p:cond delay="499"/>
-                                          </p:stCondLst>
-                                        </p:cTn>
-                                        <p:tgtEl>
-                                          <p:spTgt spid="35"/>
+                                          <p:spTgt spid="58"/>
                                         </p:tgtEl>
                                         <p:attrNameLst>
                                           <p:attrName>style.visibility</p:attrName>
@@ -27069,504 +26319,749 @@
                     </p:cTn>
                   </p:par>
                   <p:par>
-                    <p:cTn id="88" fill="hold">
+                    <p:cTn id="33" fill="hold">
                       <p:stCondLst>
                         <p:cond delay="indefinite"/>
                       </p:stCondLst>
                       <p:childTnLst>
                         <p:par>
-                          <p:cTn id="89" fill="hold">
+                          <p:cTn id="34" fill="hold">
                             <p:stCondLst>
                               <p:cond delay="0"/>
                             </p:stCondLst>
                             <p:childTnLst>
                               <p:par>
-                                <p:cTn id="90" presetID="16" presetClass="entr" presetSubtype="21" fill="hold" grpId="0" nodeType="clickEffect">
+                                <p:cTn id="35" presetID="16" presetClass="exit" presetSubtype="21" fill="hold" grpId="0" nodeType="clickEffect">
                                   <p:stCondLst>
                                     <p:cond delay="0"/>
                                   </p:stCondLst>
                                   <p:childTnLst>
+                                    <p:animEffect transition="out" filter="barn(inVertical)">
+                                      <p:cBhvr>
+                                        <p:cTn id="36" dur="500"/>
+                                        <p:tgtEl>
+                                          <p:spTgt spid="11"/>
+                                        </p:tgtEl>
+                                      </p:cBhvr>
+                                    </p:animEffect>
                                     <p:set>
                                       <p:cBhvr>
-                                        <p:cTn id="91" dur="1" fill="hold">
+                                        <p:cTn id="37" dur="1" fill="hold">
                                           <p:stCondLst>
-                                            <p:cond delay="0"/>
+                                            <p:cond delay="499"/>
                                           </p:stCondLst>
                                         </p:cTn>
                                         <p:tgtEl>
-                                          <p:spTgt spid="59"/>
+                                          <p:spTgt spid="11"/>
                                         </p:tgtEl>
                                         <p:attrNameLst>
                                           <p:attrName>style.visibility</p:attrName>
                                         </p:attrNameLst>
                                       </p:cBhvr>
                                       <p:to>
-                                        <p:strVal val="visible"/>
+                                        <p:strVal val="hidden"/>
                                       </p:to>
                                     </p:set>
-                                    <p:animEffect transition="in" filter="barn(inVertical)">
-                                      <p:cBhvr>
-                                        <p:cTn id="92" dur="500"/>
-                                        <p:tgtEl>
-                                          <p:spTgt spid="59"/>
-                                        </p:tgtEl>
-                                      </p:cBhvr>
-                                    </p:animEffect>
                                   </p:childTnLst>
                                 </p:cTn>
                               </p:par>
                               <p:par>
-                                <p:cTn id="93" presetID="16" presetClass="entr" presetSubtype="21" fill="hold" grpId="0" nodeType="withEffect">
+                                <p:cTn id="38" presetID="16" presetClass="exit" presetSubtype="21" fill="hold" grpId="0" nodeType="withEffect">
                                   <p:stCondLst>
                                     <p:cond delay="0"/>
                                   </p:stCondLst>
                                   <p:childTnLst>
+                                    <p:animEffect transition="out" filter="barn(inVertical)">
+                                      <p:cBhvr>
+                                        <p:cTn id="39" dur="500"/>
+                                        <p:tgtEl>
+                                          <p:spTgt spid="5"/>
+                                        </p:tgtEl>
+                                      </p:cBhvr>
+                                    </p:animEffect>
                                     <p:set>
                                       <p:cBhvr>
-                                        <p:cTn id="94" dur="1" fill="hold">
+                                        <p:cTn id="40" dur="1" fill="hold">
                                           <p:stCondLst>
-                                            <p:cond delay="0"/>
+                                            <p:cond delay="499"/>
                                           </p:stCondLst>
                                         </p:cTn>
                                         <p:tgtEl>
-                                          <p:spTgt spid="60"/>
+                                          <p:spTgt spid="5"/>
                                         </p:tgtEl>
                                         <p:attrNameLst>
                                           <p:attrName>style.visibility</p:attrName>
                                         </p:attrNameLst>
                                       </p:cBhvr>
                                       <p:to>
-                                        <p:strVal val="visible"/>
+                                        <p:strVal val="hidden"/>
                                       </p:to>
                                     </p:set>
-                                    <p:animEffect transition="in" filter="barn(inVertical)">
-                                      <p:cBhvr>
-                                        <p:cTn id="95" dur="500"/>
-                                        <p:tgtEl>
-                                          <p:spTgt spid="60"/>
-                                        </p:tgtEl>
-                                      </p:cBhvr>
-                                    </p:animEffect>
                                   </p:childTnLst>
                                 </p:cTn>
                               </p:par>
                               <p:par>
-                                <p:cTn id="96" presetID="16" presetClass="entr" presetSubtype="21" fill="hold" grpId="0" nodeType="withEffect">
+                                <p:cTn id="41" presetID="16" presetClass="exit" presetSubtype="21" fill="hold" grpId="0" nodeType="withEffect">
                                   <p:stCondLst>
                                     <p:cond delay="0"/>
                                   </p:stCondLst>
                                   <p:childTnLst>
+                                    <p:animEffect transition="out" filter="barn(inVertical)">
+                                      <p:cBhvr>
+                                        <p:cTn id="42" dur="500"/>
+                                        <p:tgtEl>
+                                          <p:spTgt spid="6"/>
+                                        </p:tgtEl>
+                                      </p:cBhvr>
+                                    </p:animEffect>
                                     <p:set>
                                       <p:cBhvr>
-                                        <p:cTn id="97" dur="1" fill="hold">
+                                        <p:cTn id="43" dur="1" fill="hold">
                                           <p:stCondLst>
-                                            <p:cond delay="0"/>
+                                            <p:cond delay="499"/>
                                           </p:stCondLst>
                                         </p:cTn>
                                         <p:tgtEl>
-                                          <p:spTgt spid="62"/>
+                                          <p:spTgt spid="6"/>
                                         </p:tgtEl>
                                         <p:attrNameLst>
                                           <p:attrName>style.visibility</p:attrName>
                                         </p:attrNameLst>
                                       </p:cBhvr>
                                       <p:to>
-                                        <p:strVal val="visible"/>
+                                        <p:strVal val="hidden"/>
                                       </p:to>
                                     </p:set>
-                                    <p:animEffect transition="in" filter="barn(inVertical)">
-                                      <p:cBhvr>
-                                        <p:cTn id="98" dur="500"/>
-                                        <p:tgtEl>
-                                          <p:spTgt spid="62"/>
-                                        </p:tgtEl>
-                                      </p:cBhvr>
-                                    </p:animEffect>
                                   </p:childTnLst>
                                 </p:cTn>
                               </p:par>
                               <p:par>
-                                <p:cTn id="99" presetID="16" presetClass="entr" presetSubtype="21" fill="hold" grpId="0" nodeType="withEffect">
+                                <p:cTn id="44" presetID="16" presetClass="exit" presetSubtype="21" fill="hold" grpId="0" nodeType="withEffect">
                                   <p:stCondLst>
                                     <p:cond delay="0"/>
                                   </p:stCondLst>
                                   <p:childTnLst>
+                                    <p:animEffect transition="out" filter="barn(inVertical)">
+                                      <p:cBhvr>
+                                        <p:cTn id="45" dur="500"/>
+                                        <p:tgtEl>
+                                          <p:spTgt spid="7"/>
+                                        </p:tgtEl>
+                                      </p:cBhvr>
+                                    </p:animEffect>
                                     <p:set>
                                       <p:cBhvr>
-                                        <p:cTn id="100" dur="1" fill="hold">
+                                        <p:cTn id="46" dur="1" fill="hold">
                                           <p:stCondLst>
-                                            <p:cond delay="0"/>
+                                            <p:cond delay="499"/>
                                           </p:stCondLst>
                                         </p:cTn>
                                         <p:tgtEl>
-                                          <p:spTgt spid="63"/>
+                                          <p:spTgt spid="7"/>
                                         </p:tgtEl>
                                         <p:attrNameLst>
                                           <p:attrName>style.visibility</p:attrName>
                                         </p:attrNameLst>
                                       </p:cBhvr>
                                       <p:to>
-                                        <p:strVal val="visible"/>
+                                        <p:strVal val="hidden"/>
                                       </p:to>
                                     </p:set>
-                                    <p:animEffect transition="in" filter="barn(inVertical)">
-                                      <p:cBhvr>
-                                        <p:cTn id="101" dur="500"/>
-                                        <p:tgtEl>
-                                          <p:spTgt spid="63"/>
-                                        </p:tgtEl>
-                                      </p:cBhvr>
-                                    </p:animEffect>
                                   </p:childTnLst>
                                 </p:cTn>
                               </p:par>
                               <p:par>
-                                <p:cTn id="102" presetID="16" presetClass="entr" presetSubtype="21" fill="hold" grpId="0" nodeType="withEffect">
+                                <p:cTn id="47" presetID="16" presetClass="exit" presetSubtype="21" fill="hold" grpId="0" nodeType="withEffect">
                                   <p:stCondLst>
                                     <p:cond delay="0"/>
                                   </p:stCondLst>
                                   <p:childTnLst>
+                                    <p:animEffect transition="out" filter="barn(inVertical)">
+                                      <p:cBhvr>
+                                        <p:cTn id="48" dur="500"/>
+                                        <p:tgtEl>
+                                          <p:spTgt spid="8"/>
+                                        </p:tgtEl>
+                                      </p:cBhvr>
+                                    </p:animEffect>
                                     <p:set>
                                       <p:cBhvr>
-                                        <p:cTn id="103" dur="1" fill="hold">
+                                        <p:cTn id="49" dur="1" fill="hold">
                                           <p:stCondLst>
-                                            <p:cond delay="0"/>
+                                            <p:cond delay="499"/>
                                           </p:stCondLst>
                                         </p:cTn>
                                         <p:tgtEl>
-                                          <p:spTgt spid="64"/>
+                                          <p:spTgt spid="8"/>
                                         </p:tgtEl>
                                         <p:attrNameLst>
                                           <p:attrName>style.visibility</p:attrName>
                                         </p:attrNameLst>
                                       </p:cBhvr>
                                       <p:to>
-                                        <p:strVal val="visible"/>
+                                        <p:strVal val="hidden"/>
                                       </p:to>
                                     </p:set>
-                                    <p:animEffect transition="in" filter="barn(inVertical)">
-                                      <p:cBhvr>
-                                        <p:cTn id="104" dur="500"/>
-                                        <p:tgtEl>
-                                          <p:spTgt spid="64"/>
-                                        </p:tgtEl>
-                                      </p:cBhvr>
-                                    </p:animEffect>
                                   </p:childTnLst>
                                 </p:cTn>
                               </p:par>
                               <p:par>
-                                <p:cTn id="105" presetID="16" presetClass="entr" presetSubtype="21" fill="hold" grpId="0" nodeType="withEffect">
+                                <p:cTn id="50" presetID="16" presetClass="exit" presetSubtype="21" fill="hold" grpId="0" nodeType="withEffect">
                                   <p:stCondLst>
                                     <p:cond delay="0"/>
                                   </p:stCondLst>
                                   <p:childTnLst>
+                                    <p:animEffect transition="out" filter="barn(inVertical)">
+                                      <p:cBhvr>
+                                        <p:cTn id="51" dur="500"/>
+                                        <p:tgtEl>
+                                          <p:spTgt spid="9"/>
+                                        </p:tgtEl>
+                                      </p:cBhvr>
+                                    </p:animEffect>
                                     <p:set>
                                       <p:cBhvr>
-                                        <p:cTn id="106" dur="1" fill="hold">
+                                        <p:cTn id="52" dur="1" fill="hold">
                                           <p:stCondLst>
-                                            <p:cond delay="0"/>
+                                            <p:cond delay="499"/>
                                           </p:stCondLst>
                                         </p:cTn>
                                         <p:tgtEl>
-                                          <p:spTgt spid="65"/>
+                                          <p:spTgt spid="9"/>
                                         </p:tgtEl>
                                         <p:attrNameLst>
                                           <p:attrName>style.visibility</p:attrName>
                                         </p:attrNameLst>
                                       </p:cBhvr>
                                       <p:to>
-                                        <p:strVal val="visible"/>
+                                        <p:strVal val="hidden"/>
                                       </p:to>
                                     </p:set>
-                                    <p:animEffect transition="in" filter="barn(inVertical)">
-                                      <p:cBhvr>
-                                        <p:cTn id="107" dur="500"/>
-                                        <p:tgtEl>
-                                          <p:spTgt spid="65"/>
-                                        </p:tgtEl>
-                                      </p:cBhvr>
-                                    </p:animEffect>
                                   </p:childTnLst>
                                 </p:cTn>
                               </p:par>
                               <p:par>
-                                <p:cTn id="108" presetID="16" presetClass="entr" presetSubtype="21" fill="hold" grpId="0" nodeType="withEffect">
+                                <p:cTn id="53" presetID="16" presetClass="exit" presetSubtype="21" fill="hold" grpId="0" nodeType="withEffect">
                                   <p:stCondLst>
                                     <p:cond delay="0"/>
                                   </p:stCondLst>
                                   <p:childTnLst>
+                                    <p:animEffect transition="out" filter="barn(inVertical)">
+                                      <p:cBhvr>
+                                        <p:cTn id="54" dur="500"/>
+                                        <p:tgtEl>
+                                          <p:spTgt spid="10"/>
+                                        </p:tgtEl>
+                                      </p:cBhvr>
+                                    </p:animEffect>
                                     <p:set>
                                       <p:cBhvr>
-                                        <p:cTn id="109" dur="1" fill="hold">
+                                        <p:cTn id="55" dur="1" fill="hold">
                                           <p:stCondLst>
-                                            <p:cond delay="0"/>
+                                            <p:cond delay="499"/>
                                           </p:stCondLst>
                                         </p:cTn>
                                         <p:tgtEl>
-                                          <p:spTgt spid="66"/>
+                                          <p:spTgt spid="10"/>
                                         </p:tgtEl>
                                         <p:attrNameLst>
                                           <p:attrName>style.visibility</p:attrName>
                                         </p:attrNameLst>
                                       </p:cBhvr>
                                       <p:to>
-                                        <p:strVal val="visible"/>
+                                        <p:strVal val="hidden"/>
                                       </p:to>
                                     </p:set>
-                                    <p:animEffect transition="in" filter="barn(inVertical)">
-                                      <p:cBhvr>
-                                        <p:cTn id="110" dur="500"/>
-                                        <p:tgtEl>
-                                          <p:spTgt spid="66"/>
-                                        </p:tgtEl>
-                                      </p:cBhvr>
-                                    </p:animEffect>
                                   </p:childTnLst>
                                 </p:cTn>
                               </p:par>
                               <p:par>
-                                <p:cTn id="111" presetID="16" presetClass="entr" presetSubtype="21" fill="hold" grpId="0" nodeType="withEffect">
+                                <p:cTn id="56" presetID="16" presetClass="exit" presetSubtype="21" fill="hold" grpId="0" nodeType="withEffect">
                                   <p:stCondLst>
                                     <p:cond delay="0"/>
                                   </p:stCondLst>
                                   <p:childTnLst>
+                                    <p:animEffect transition="out" filter="barn(inVertical)">
+                                      <p:cBhvr>
+                                        <p:cTn id="57" dur="500"/>
+                                        <p:tgtEl>
+                                          <p:spTgt spid="12"/>
+                                        </p:tgtEl>
+                                      </p:cBhvr>
+                                    </p:animEffect>
                                     <p:set>
                                       <p:cBhvr>
-                                        <p:cTn id="112" dur="1" fill="hold">
+                                        <p:cTn id="58" dur="1" fill="hold">
                                           <p:stCondLst>
-                                            <p:cond delay="0"/>
+                                            <p:cond delay="499"/>
                                           </p:stCondLst>
                                         </p:cTn>
                                         <p:tgtEl>
-                                          <p:spTgt spid="67"/>
+                                          <p:spTgt spid="12"/>
                                         </p:tgtEl>
                                         <p:attrNameLst>
                                           <p:attrName>style.visibility</p:attrName>
                                         </p:attrNameLst>
                                       </p:cBhvr>
                                       <p:to>
-                                        <p:strVal val="visible"/>
+                                        <p:strVal val="hidden"/>
                                       </p:to>
                                     </p:set>
-                                    <p:animEffect transition="in" filter="barn(inVertical)">
-                                      <p:cBhvr>
-                                        <p:cTn id="113" dur="500"/>
-                                        <p:tgtEl>
-                                          <p:spTgt spid="67"/>
-                                        </p:tgtEl>
-                                      </p:cBhvr>
-                                    </p:animEffect>
                                   </p:childTnLst>
                                 </p:cTn>
                               </p:par>
                               <p:par>
-                                <p:cTn id="114" presetID="16" presetClass="entr" presetSubtype="21" fill="hold" nodeType="withEffect">
+                                <p:cTn id="59" presetID="16" presetClass="exit" presetSubtype="21" fill="hold" grpId="0" nodeType="withEffect">
                                   <p:stCondLst>
                                     <p:cond delay="0"/>
                                   </p:stCondLst>
                                   <p:childTnLst>
+                                    <p:animEffect transition="out" filter="barn(inVertical)">
+                                      <p:cBhvr>
+                                        <p:cTn id="60" dur="500"/>
+                                        <p:tgtEl>
+                                          <p:spTgt spid="38"/>
+                                        </p:tgtEl>
+                                      </p:cBhvr>
+                                    </p:animEffect>
                                     <p:set>
                                       <p:cBhvr>
-                                        <p:cTn id="115" dur="1" fill="hold">
+                                        <p:cTn id="61" dur="1" fill="hold">
                                           <p:stCondLst>
-                                            <p:cond delay="0"/>
+                                            <p:cond delay="499"/>
                                           </p:stCondLst>
                                         </p:cTn>
                                         <p:tgtEl>
-                                          <p:spTgt spid="71"/>
+                                          <p:spTgt spid="38"/>
                                         </p:tgtEl>
                                         <p:attrNameLst>
                                           <p:attrName>style.visibility</p:attrName>
                                         </p:attrNameLst>
                                       </p:cBhvr>
                                       <p:to>
-                                        <p:strVal val="visible"/>
+                                        <p:strVal val="hidden"/>
                                       </p:to>
                                     </p:set>
-                                    <p:animEffect transition="in" filter="barn(inVertical)">
-                                      <p:cBhvr>
-                                        <p:cTn id="116" dur="500"/>
-                                        <p:tgtEl>
-                                          <p:spTgt spid="71"/>
-                                        </p:tgtEl>
-                                      </p:cBhvr>
-                                    </p:animEffect>
                                   </p:childTnLst>
                                 </p:cTn>
                               </p:par>
                               <p:par>
-                                <p:cTn id="117" presetID="16" presetClass="entr" presetSubtype="21" fill="hold" nodeType="withEffect">
+                                <p:cTn id="62" presetID="16" presetClass="exit" presetSubtype="21" fill="hold" grpId="0" nodeType="withEffect">
                                   <p:stCondLst>
                                     <p:cond delay="0"/>
                                   </p:stCondLst>
                                   <p:childTnLst>
+                                    <p:animEffect transition="out" filter="barn(inVertical)">
+                                      <p:cBhvr>
+                                        <p:cTn id="63" dur="500"/>
+                                        <p:tgtEl>
+                                          <p:spTgt spid="39"/>
+                                        </p:tgtEl>
+                                      </p:cBhvr>
+                                    </p:animEffect>
                                     <p:set>
                                       <p:cBhvr>
-                                        <p:cTn id="118" dur="1" fill="hold">
+                                        <p:cTn id="64" dur="1" fill="hold">
                                           <p:stCondLst>
-                                            <p:cond delay="0"/>
+                                            <p:cond delay="499"/>
                                           </p:stCondLst>
                                         </p:cTn>
                                         <p:tgtEl>
-                                          <p:spTgt spid="73"/>
+                                          <p:spTgt spid="39"/>
                                         </p:tgtEl>
                                         <p:attrNameLst>
                                           <p:attrName>style.visibility</p:attrName>
                                         </p:attrNameLst>
                                       </p:cBhvr>
                                       <p:to>
-                                        <p:strVal val="visible"/>
+                                        <p:strVal val="hidden"/>
                                       </p:to>
                                     </p:set>
-                                    <p:animEffect transition="in" filter="barn(inVertical)">
-                                      <p:cBhvr>
-                                        <p:cTn id="119" dur="500"/>
-                                        <p:tgtEl>
-                                          <p:spTgt spid="73"/>
-                                        </p:tgtEl>
-                                      </p:cBhvr>
-                                    </p:animEffect>
                                   </p:childTnLst>
                                 </p:cTn>
                               </p:par>
                               <p:par>
-                                <p:cTn id="120" presetID="16" presetClass="entr" presetSubtype="21" fill="hold" nodeType="withEffect">
+                                <p:cTn id="65" presetID="16" presetClass="exit" presetSubtype="21" fill="hold" grpId="0" nodeType="withEffect">
                                   <p:stCondLst>
                                     <p:cond delay="0"/>
                                   </p:stCondLst>
                                   <p:childTnLst>
+                                    <p:animEffect transition="out" filter="barn(inVertical)">
+                                      <p:cBhvr>
+                                        <p:cTn id="66" dur="500"/>
+                                        <p:tgtEl>
+                                          <p:spTgt spid="40"/>
+                                        </p:tgtEl>
+                                      </p:cBhvr>
+                                    </p:animEffect>
                                     <p:set>
                                       <p:cBhvr>
-                                        <p:cTn id="121" dur="1" fill="hold">
+                                        <p:cTn id="67" dur="1" fill="hold">
                                           <p:stCondLst>
-                                            <p:cond delay="0"/>
+                                            <p:cond delay="499"/>
                                           </p:stCondLst>
                                         </p:cTn>
                                         <p:tgtEl>
-                                          <p:spTgt spid="75"/>
+                                          <p:spTgt spid="40"/>
                                         </p:tgtEl>
                                         <p:attrNameLst>
                                           <p:attrName>style.visibility</p:attrName>
                                         </p:attrNameLst>
                                       </p:cBhvr>
                                       <p:to>
-                                        <p:strVal val="visible"/>
+                                        <p:strVal val="hidden"/>
                                       </p:to>
                                     </p:set>
-                                    <p:animEffect transition="in" filter="barn(inVertical)">
-                                      <p:cBhvr>
-                                        <p:cTn id="122" dur="500"/>
-                                        <p:tgtEl>
-                                          <p:spTgt spid="75"/>
-                                        </p:tgtEl>
-                                      </p:cBhvr>
-                                    </p:animEffect>
                                   </p:childTnLst>
                                 </p:cTn>
                               </p:par>
                               <p:par>
-                                <p:cTn id="123" presetID="16" presetClass="entr" presetSubtype="21" fill="hold" nodeType="withEffect">
+                                <p:cTn id="68" presetID="16" presetClass="exit" presetSubtype="21" fill="hold" nodeType="withEffect">
                                   <p:stCondLst>
                                     <p:cond delay="0"/>
                                   </p:stCondLst>
                                   <p:childTnLst>
+                                    <p:animEffect transition="out" filter="barn(inVertical)">
+                                      <p:cBhvr>
+                                        <p:cTn id="69" dur="500"/>
+                                        <p:tgtEl>
+                                          <p:spTgt spid="44"/>
+                                        </p:tgtEl>
+                                      </p:cBhvr>
+                                    </p:animEffect>
                                     <p:set>
                                       <p:cBhvr>
-                                        <p:cTn id="124" dur="1" fill="hold">
+                                        <p:cTn id="70" dur="1" fill="hold">
                                           <p:stCondLst>
-                                            <p:cond delay="0"/>
+                                            <p:cond delay="499"/>
                                           </p:stCondLst>
                                         </p:cTn>
                                         <p:tgtEl>
-                                          <p:spTgt spid="77"/>
+                                          <p:spTgt spid="44"/>
                                         </p:tgtEl>
                                         <p:attrNameLst>
                                           <p:attrName>style.visibility</p:attrName>
                                         </p:attrNameLst>
                                       </p:cBhvr>
                                       <p:to>
-                                        <p:strVal val="visible"/>
+                                        <p:strVal val="hidden"/>
                                       </p:to>
                                     </p:set>
-                                    <p:animEffect transition="in" filter="barn(inVertical)">
-                                      <p:cBhvr>
-                                        <p:cTn id="125" dur="500"/>
-                                        <p:tgtEl>
-                                          <p:spTgt spid="77"/>
-                                        </p:tgtEl>
-                                      </p:cBhvr>
-                                    </p:animEffect>
                                   </p:childTnLst>
                                 </p:cTn>
                               </p:par>
                               <p:par>
-                                <p:cTn id="126" presetID="16" presetClass="entr" presetSubtype="21" fill="hold" nodeType="withEffect">
+                                <p:cTn id="71" presetID="16" presetClass="exit" presetSubtype="21" fill="hold" nodeType="withEffect">
                                   <p:stCondLst>
                                     <p:cond delay="0"/>
                                   </p:stCondLst>
                                   <p:childTnLst>
+                                    <p:animEffect transition="out" filter="barn(inVertical)">
+                                      <p:cBhvr>
+                                        <p:cTn id="72" dur="500"/>
+                                        <p:tgtEl>
+                                          <p:spTgt spid="51"/>
+                                        </p:tgtEl>
+                                      </p:cBhvr>
+                                    </p:animEffect>
                                     <p:set>
                                       <p:cBhvr>
-                                        <p:cTn id="127" dur="1" fill="hold">
+                                        <p:cTn id="73" dur="1" fill="hold">
                                           <p:stCondLst>
-                                            <p:cond delay="0"/>
+                                            <p:cond delay="499"/>
                                           </p:stCondLst>
                                         </p:cTn>
                                         <p:tgtEl>
-                                          <p:spTgt spid="79"/>
+                                          <p:spTgt spid="51"/>
                                         </p:tgtEl>
                                         <p:attrNameLst>
                                           <p:attrName>style.visibility</p:attrName>
                                         </p:attrNameLst>
                                       </p:cBhvr>
                                       <p:to>
-                                        <p:strVal val="visible"/>
+                                        <p:strVal val="hidden"/>
                                       </p:to>
                                     </p:set>
-                                    <p:animEffect transition="in" filter="barn(inVertical)">
-                                      <p:cBhvr>
-                                        <p:cTn id="128" dur="500"/>
-                                        <p:tgtEl>
-                                          <p:spTgt spid="79"/>
-                                        </p:tgtEl>
-                                      </p:cBhvr>
-                                    </p:animEffect>
                                   </p:childTnLst>
                                 </p:cTn>
                               </p:par>
                               <p:par>
-                                <p:cTn id="129" presetID="16" presetClass="entr" presetSubtype="21" fill="hold" nodeType="withEffect">
+                                <p:cTn id="74" presetID="16" presetClass="exit" presetSubtype="21" fill="hold" nodeType="withEffect">
                                   <p:stCondLst>
                                     <p:cond delay="0"/>
                                   </p:stCondLst>
                                   <p:childTnLst>
+                                    <p:animEffect transition="out" filter="barn(inVertical)">
+                                      <p:cBhvr>
+                                        <p:cTn id="75" dur="500"/>
+                                        <p:tgtEl>
+                                          <p:spTgt spid="53"/>
+                                        </p:tgtEl>
+                                      </p:cBhvr>
+                                    </p:animEffect>
                                     <p:set>
                                       <p:cBhvr>
-                                        <p:cTn id="130" dur="1" fill="hold">
+                                        <p:cTn id="76" dur="1" fill="hold">
                                           <p:stCondLst>
-                                            <p:cond delay="0"/>
+                                            <p:cond delay="499"/>
                                           </p:stCondLst>
                                         </p:cTn>
                                         <p:tgtEl>
-                                          <p:spTgt spid="81"/>
+                                          <p:spTgt spid="53"/>
                                         </p:tgtEl>
                                         <p:attrNameLst>
                                           <p:attrName>style.visibility</p:attrName>
                                         </p:attrNameLst>
                                       </p:cBhvr>
                                       <p:to>
-                                        <p:strVal val="visible"/>
+                                        <p:strVal val="hidden"/>
                                       </p:to>
                                     </p:set>
-                                    <p:animEffect transition="in" filter="barn(inVertical)">
-                                      <p:cBhvr>
-                                        <p:cTn id="131" dur="500"/>
-                                        <p:tgtEl>
-                                          <p:spTgt spid="81"/>
+                                  </p:childTnLst>
+                                </p:cTn>
+                              </p:par>
+                              <p:par>
+                                <p:cTn id="77" presetID="16" presetClass="exit" presetSubtype="21" fill="hold" nodeType="withEffect">
+                                  <p:stCondLst>
+                                    <p:cond delay="0"/>
+                                  </p:stCondLst>
+                                  <p:childTnLst>
+                                    <p:animEffect transition="out" filter="barn(inVertical)">
+                                      <p:cBhvr>
+                                        <p:cTn id="78" dur="500"/>
+                                        <p:tgtEl>
+                                          <p:spTgt spid="55"/>
                                         </p:tgtEl>
                                       </p:cBhvr>
                                     </p:animEffect>
+                                    <p:set>
+                                      <p:cBhvr>
+                                        <p:cTn id="79" dur="1" fill="hold">
+                                          <p:stCondLst>
+                                            <p:cond delay="499"/>
+                                          </p:stCondLst>
+                                        </p:cTn>
+                                        <p:tgtEl>
+                                          <p:spTgt spid="55"/>
+                                        </p:tgtEl>
+                                        <p:attrNameLst>
+                                          <p:attrName>style.visibility</p:attrName>
+                                        </p:attrNameLst>
+                                      </p:cBhvr>
+                                      <p:to>
+                                        <p:strVal val="hidden"/>
+                                      </p:to>
+                                    </p:set>
+                                  </p:childTnLst>
+                                </p:cTn>
+                              </p:par>
+                              <p:par>
+                                <p:cTn id="80" presetID="16" presetClass="exit" presetSubtype="21" fill="hold" nodeType="withEffect">
+                                  <p:stCondLst>
+                                    <p:cond delay="0"/>
+                                  </p:stCondLst>
+                                  <p:childTnLst>
+                                    <p:animEffect transition="out" filter="barn(inVertical)">
+                                      <p:cBhvr>
+                                        <p:cTn id="81" dur="500"/>
+                                        <p:tgtEl>
+                                          <p:spTgt spid="24"/>
+                                        </p:tgtEl>
+                                      </p:cBhvr>
+                                    </p:animEffect>
+                                    <p:set>
+                                      <p:cBhvr>
+                                        <p:cTn id="82" dur="1" fill="hold">
+                                          <p:stCondLst>
+                                            <p:cond delay="499"/>
+                                          </p:stCondLst>
+                                        </p:cTn>
+                                        <p:tgtEl>
+                                          <p:spTgt spid="24"/>
+                                        </p:tgtEl>
+                                        <p:attrNameLst>
+                                          <p:attrName>style.visibility</p:attrName>
+                                        </p:attrNameLst>
+                                      </p:cBhvr>
+                                      <p:to>
+                                        <p:strVal val="hidden"/>
+                                      </p:to>
+                                    </p:set>
+                                  </p:childTnLst>
+                                </p:cTn>
+                              </p:par>
+                              <p:par>
+                                <p:cTn id="83" presetID="16" presetClass="exit" presetSubtype="21" fill="hold" nodeType="withEffect">
+                                  <p:stCondLst>
+                                    <p:cond delay="0"/>
+                                  </p:stCondLst>
+                                  <p:childTnLst>
+                                    <p:animEffect transition="out" filter="barn(inVertical)">
+                                      <p:cBhvr>
+                                        <p:cTn id="84" dur="500"/>
+                                        <p:tgtEl>
+                                          <p:spTgt spid="26"/>
+                                        </p:tgtEl>
+                                      </p:cBhvr>
+                                    </p:animEffect>
+                                    <p:set>
+                                      <p:cBhvr>
+                                        <p:cTn id="85" dur="1" fill="hold">
+                                          <p:stCondLst>
+                                            <p:cond delay="499"/>
+                                          </p:stCondLst>
+                                        </p:cTn>
+                                        <p:tgtEl>
+                                          <p:spTgt spid="26"/>
+                                        </p:tgtEl>
+                                        <p:attrNameLst>
+                                          <p:attrName>style.visibility</p:attrName>
+                                        </p:attrNameLst>
+                                      </p:cBhvr>
+                                      <p:to>
+                                        <p:strVal val="hidden"/>
+                                      </p:to>
+                                    </p:set>
+                                  </p:childTnLst>
+                                </p:cTn>
+                              </p:par>
+                              <p:par>
+                                <p:cTn id="86" presetID="16" presetClass="exit" presetSubtype="21" fill="hold" nodeType="withEffect">
+                                  <p:stCondLst>
+                                    <p:cond delay="0"/>
+                                  </p:stCondLst>
+                                  <p:childTnLst>
+                                    <p:animEffect transition="out" filter="barn(inVertical)">
+                                      <p:cBhvr>
+                                        <p:cTn id="87" dur="500"/>
+                                        <p:tgtEl>
+                                          <p:spTgt spid="28"/>
+                                        </p:tgtEl>
+                                      </p:cBhvr>
+                                    </p:animEffect>
+                                    <p:set>
+                                      <p:cBhvr>
+                                        <p:cTn id="88" dur="1" fill="hold">
+                                          <p:stCondLst>
+                                            <p:cond delay="499"/>
+                                          </p:stCondLst>
+                                        </p:cTn>
+                                        <p:tgtEl>
+                                          <p:spTgt spid="28"/>
+                                        </p:tgtEl>
+                                        <p:attrNameLst>
+                                          <p:attrName>style.visibility</p:attrName>
+                                        </p:attrNameLst>
+                                      </p:cBhvr>
+                                      <p:to>
+                                        <p:strVal val="hidden"/>
+                                      </p:to>
+                                    </p:set>
+                                  </p:childTnLst>
+                                </p:cTn>
+                              </p:par>
+                              <p:par>
+                                <p:cTn id="89" presetID="16" presetClass="exit" presetSubtype="21" fill="hold" nodeType="withEffect">
+                                  <p:stCondLst>
+                                    <p:cond delay="0"/>
+                                  </p:stCondLst>
+                                  <p:childTnLst>
+                                    <p:animEffect transition="out" filter="barn(inVertical)">
+                                      <p:cBhvr>
+                                        <p:cTn id="90" dur="500"/>
+                                        <p:tgtEl>
+                                          <p:spTgt spid="31"/>
+                                        </p:tgtEl>
+                                      </p:cBhvr>
+                                    </p:animEffect>
+                                    <p:set>
+                                      <p:cBhvr>
+                                        <p:cTn id="91" dur="1" fill="hold">
+                                          <p:stCondLst>
+                                            <p:cond delay="499"/>
+                                          </p:stCondLst>
+                                        </p:cTn>
+                                        <p:tgtEl>
+                                          <p:spTgt spid="31"/>
+                                        </p:tgtEl>
+                                        <p:attrNameLst>
+                                          <p:attrName>style.visibility</p:attrName>
+                                        </p:attrNameLst>
+                                      </p:cBhvr>
+                                      <p:to>
+                                        <p:strVal val="hidden"/>
+                                      </p:to>
+                                    </p:set>
+                                  </p:childTnLst>
+                                </p:cTn>
+                              </p:par>
+                              <p:par>
+                                <p:cTn id="92" presetID="16" presetClass="exit" presetSubtype="21" fill="hold" nodeType="withEffect">
+                                  <p:stCondLst>
+                                    <p:cond delay="0"/>
+                                  </p:stCondLst>
+                                  <p:childTnLst>
+                                    <p:animEffect transition="out" filter="barn(inVertical)">
+                                      <p:cBhvr>
+                                        <p:cTn id="93" dur="500"/>
+                                        <p:tgtEl>
+                                          <p:spTgt spid="33"/>
+                                        </p:tgtEl>
+                                      </p:cBhvr>
+                                    </p:animEffect>
+                                    <p:set>
+                                      <p:cBhvr>
+                                        <p:cTn id="94" dur="1" fill="hold">
+                                          <p:stCondLst>
+                                            <p:cond delay="499"/>
+                                          </p:stCondLst>
+                                        </p:cTn>
+                                        <p:tgtEl>
+                                          <p:spTgt spid="33"/>
+                                        </p:tgtEl>
+                                        <p:attrNameLst>
+                                          <p:attrName>style.visibility</p:attrName>
+                                        </p:attrNameLst>
+                                      </p:cBhvr>
+                                      <p:to>
+                                        <p:strVal val="hidden"/>
+                                      </p:to>
+                                    </p:set>
+                                  </p:childTnLst>
+                                </p:cTn>
+                              </p:par>
+                              <p:par>
+                                <p:cTn id="95" presetID="16" presetClass="exit" presetSubtype="21" fill="hold" nodeType="withEffect">
+                                  <p:stCondLst>
+                                    <p:cond delay="0"/>
+                                  </p:stCondLst>
+                                  <p:childTnLst>
+                                    <p:animEffect transition="out" filter="barn(inVertical)">
+                                      <p:cBhvr>
+                                        <p:cTn id="96" dur="500"/>
+                                        <p:tgtEl>
+                                          <p:spTgt spid="35"/>
+                                        </p:tgtEl>
+                                      </p:cBhvr>
+                                    </p:animEffect>
+                                    <p:set>
+                                      <p:cBhvr>
+                                        <p:cTn id="97" dur="1" fill="hold">
+                                          <p:stCondLst>
+                                            <p:cond delay="499"/>
+                                          </p:stCondLst>
+                                        </p:cTn>
+                                        <p:tgtEl>
+                                          <p:spTgt spid="35"/>
+                                        </p:tgtEl>
+                                        <p:attrNameLst>
+                                          <p:attrName>style.visibility</p:attrName>
+                                        </p:attrNameLst>
+                                      </p:cBhvr>
+                                      <p:to>
+                                        <p:strVal val="hidden"/>
+                                      </p:to>
+                                    </p:set>
                                   </p:childTnLst>
                                 </p:cTn>
                               </p:par>
@@ -27577,32 +27072,32 @@
                     </p:cTn>
                   </p:par>
                   <p:par>
-                    <p:cTn id="132" fill="hold">
+                    <p:cTn id="98" fill="hold">
                       <p:stCondLst>
                         <p:cond delay="indefinite"/>
                       </p:stCondLst>
                       <p:childTnLst>
                         <p:par>
-                          <p:cTn id="133" fill="hold">
+                          <p:cTn id="99" fill="hold">
                             <p:stCondLst>
                               <p:cond delay="0"/>
                             </p:stCondLst>
                             <p:childTnLst>
                               <p:par>
-                                <p:cTn id="134" presetID="22" presetClass="entr" presetSubtype="4" fill="hold" grpId="0" nodeType="clickEffect">
+                                <p:cTn id="100" presetID="16" presetClass="entr" presetSubtype="21" fill="hold" grpId="0" nodeType="clickEffect">
                                   <p:stCondLst>
                                     <p:cond delay="0"/>
                                   </p:stCondLst>
                                   <p:childTnLst>
                                     <p:set>
                                       <p:cBhvr>
-                                        <p:cTn id="135" dur="1" fill="hold">
+                                        <p:cTn id="101" dur="1" fill="hold">
                                           <p:stCondLst>
                                             <p:cond delay="0"/>
                                           </p:stCondLst>
                                         </p:cTn>
                                         <p:tgtEl>
-                                          <p:spTgt spid="95"/>
+                                          <p:spTgt spid="59"/>
                                         </p:tgtEl>
                                         <p:attrNameLst>
                                           <p:attrName>style.visibility</p:attrName>
@@ -27612,67 +27107,469 @@
                                         <p:strVal val="visible"/>
                                       </p:to>
                                     </p:set>
-                                    <p:animEffect transition="in" filter="wipe(down)">
-                                      <p:cBhvr>
-                                        <p:cTn id="136" dur="500"/>
-                                        <p:tgtEl>
-                                          <p:spTgt spid="95"/>
+                                    <p:animEffect transition="in" filter="barn(inVertical)">
+                                      <p:cBhvr>
+                                        <p:cTn id="102" dur="500"/>
+                                        <p:tgtEl>
+                                          <p:spTgt spid="59"/>
                                         </p:tgtEl>
                                       </p:cBhvr>
                                     </p:animEffect>
                                   </p:childTnLst>
                                 </p:cTn>
                               </p:par>
-                            </p:childTnLst>
-                          </p:cTn>
-                        </p:par>
-                      </p:childTnLst>
-                    </p:cTn>
-                  </p:par>
-                  <p:par>
-                    <p:cTn id="137" fill="hold">
-                      <p:stCondLst>
-                        <p:cond delay="indefinite"/>
-                      </p:stCondLst>
-                      <p:childTnLst>
-                        <p:par>
-                          <p:cTn id="138" fill="hold">
-                            <p:stCondLst>
-                              <p:cond delay="0"/>
-                            </p:stCondLst>
-                            <p:childTnLst>
                               <p:par>
-                                <p:cTn id="139" presetID="16" presetClass="exit" presetSubtype="21" fill="hold" grpId="1" nodeType="clickEffect">
+                                <p:cTn id="103" presetID="16" presetClass="entr" presetSubtype="21" fill="hold" grpId="0" nodeType="withEffect">
                                   <p:stCondLst>
                                     <p:cond delay="0"/>
                                   </p:stCondLst>
                                   <p:childTnLst>
-                                    <p:animEffect transition="out" filter="barn(inVertical)">
-                                      <p:cBhvr>
-                                        <p:cTn id="140" dur="500"/>
-                                        <p:tgtEl>
-                                          <p:spTgt spid="95"/>
-                                        </p:tgtEl>
-                                      </p:cBhvr>
-                                    </p:animEffect>
                                     <p:set>
                                       <p:cBhvr>
-                                        <p:cTn id="141" dur="1" fill="hold">
+                                        <p:cTn id="104" dur="1" fill="hold">
                                           <p:stCondLst>
-                                            <p:cond delay="499"/>
+                                            <p:cond delay="0"/>
                                           </p:stCondLst>
                                         </p:cTn>
                                         <p:tgtEl>
-                                          <p:spTgt spid="95"/>
+                                          <p:spTgt spid="60"/>
                                         </p:tgtEl>
                                         <p:attrNameLst>
                                           <p:attrName>style.visibility</p:attrName>
                                         </p:attrNameLst>
                                       </p:cBhvr>
                                       <p:to>
-                                        <p:strVal val="hidden"/>
+                                        <p:strVal val="visible"/>
                                       </p:to>
                                     </p:set>
+                                    <p:animEffect transition="in" filter="barn(inVertical)">
+                                      <p:cBhvr>
+                                        <p:cTn id="105" dur="500"/>
+                                        <p:tgtEl>
+                                          <p:spTgt spid="60"/>
+                                        </p:tgtEl>
+                                      </p:cBhvr>
+                                    </p:animEffect>
+                                  </p:childTnLst>
+                                </p:cTn>
+                              </p:par>
+                              <p:par>
+                                <p:cTn id="106" presetID="16" presetClass="entr" presetSubtype="21" fill="hold" grpId="0" nodeType="withEffect">
+                                  <p:stCondLst>
+                                    <p:cond delay="0"/>
+                                  </p:stCondLst>
+                                  <p:childTnLst>
+                                    <p:set>
+                                      <p:cBhvr>
+                                        <p:cTn id="107" dur="1" fill="hold">
+                                          <p:stCondLst>
+                                            <p:cond delay="0"/>
+                                          </p:stCondLst>
+                                        </p:cTn>
+                                        <p:tgtEl>
+                                          <p:spTgt spid="62"/>
+                                        </p:tgtEl>
+                                        <p:attrNameLst>
+                                          <p:attrName>style.visibility</p:attrName>
+                                        </p:attrNameLst>
+                                      </p:cBhvr>
+                                      <p:to>
+                                        <p:strVal val="visible"/>
+                                      </p:to>
+                                    </p:set>
+                                    <p:animEffect transition="in" filter="barn(inVertical)">
+                                      <p:cBhvr>
+                                        <p:cTn id="108" dur="500"/>
+                                        <p:tgtEl>
+                                          <p:spTgt spid="62"/>
+                                        </p:tgtEl>
+                                      </p:cBhvr>
+                                    </p:animEffect>
+                                  </p:childTnLst>
+                                </p:cTn>
+                              </p:par>
+                              <p:par>
+                                <p:cTn id="109" presetID="16" presetClass="entr" presetSubtype="21" fill="hold" grpId="0" nodeType="withEffect">
+                                  <p:stCondLst>
+                                    <p:cond delay="0"/>
+                                  </p:stCondLst>
+                                  <p:childTnLst>
+                                    <p:set>
+                                      <p:cBhvr>
+                                        <p:cTn id="110" dur="1" fill="hold">
+                                          <p:stCondLst>
+                                            <p:cond delay="0"/>
+                                          </p:stCondLst>
+                                        </p:cTn>
+                                        <p:tgtEl>
+                                          <p:spTgt spid="63"/>
+                                        </p:tgtEl>
+                                        <p:attrNameLst>
+                                          <p:attrName>style.visibility</p:attrName>
+                                        </p:attrNameLst>
+                                      </p:cBhvr>
+                                      <p:to>
+                                        <p:strVal val="visible"/>
+                                      </p:to>
+                                    </p:set>
+                                    <p:animEffect transition="in" filter="barn(inVertical)">
+                                      <p:cBhvr>
+                                        <p:cTn id="111" dur="500"/>
+                                        <p:tgtEl>
+                                          <p:spTgt spid="63"/>
+                                        </p:tgtEl>
+                                      </p:cBhvr>
+                                    </p:animEffect>
+                                  </p:childTnLst>
+                                </p:cTn>
+                              </p:par>
+                              <p:par>
+                                <p:cTn id="112" presetID="16" presetClass="entr" presetSubtype="21" fill="hold" grpId="0" nodeType="withEffect">
+                                  <p:stCondLst>
+                                    <p:cond delay="0"/>
+                                  </p:stCondLst>
+                                  <p:childTnLst>
+                                    <p:set>
+                                      <p:cBhvr>
+                                        <p:cTn id="113" dur="1" fill="hold">
+                                          <p:stCondLst>
+                                            <p:cond delay="0"/>
+                                          </p:stCondLst>
+                                        </p:cTn>
+                                        <p:tgtEl>
+                                          <p:spTgt spid="64"/>
+                                        </p:tgtEl>
+                                        <p:attrNameLst>
+                                          <p:attrName>style.visibility</p:attrName>
+                                        </p:attrNameLst>
+                                      </p:cBhvr>
+                                      <p:to>
+                                        <p:strVal val="visible"/>
+                                      </p:to>
+                                    </p:set>
+                                    <p:animEffect transition="in" filter="barn(inVertical)">
+                                      <p:cBhvr>
+                                        <p:cTn id="114" dur="500"/>
+                                        <p:tgtEl>
+                                          <p:spTgt spid="64"/>
+                                        </p:tgtEl>
+                                      </p:cBhvr>
+                                    </p:animEffect>
+                                  </p:childTnLst>
+                                </p:cTn>
+                              </p:par>
+                              <p:par>
+                                <p:cTn id="115" presetID="16" presetClass="entr" presetSubtype="21" fill="hold" grpId="0" nodeType="withEffect">
+                                  <p:stCondLst>
+                                    <p:cond delay="0"/>
+                                  </p:stCondLst>
+                                  <p:childTnLst>
+                                    <p:set>
+                                      <p:cBhvr>
+                                        <p:cTn id="116" dur="1" fill="hold">
+                                          <p:stCondLst>
+                                            <p:cond delay="0"/>
+                                          </p:stCondLst>
+                                        </p:cTn>
+                                        <p:tgtEl>
+                                          <p:spTgt spid="65"/>
+                                        </p:tgtEl>
+                                        <p:attrNameLst>
+                                          <p:attrName>style.visibility</p:attrName>
+                                        </p:attrNameLst>
+                                      </p:cBhvr>
+                                      <p:to>
+                                        <p:strVal val="visible"/>
+                                      </p:to>
+                                    </p:set>
+                                    <p:animEffect transition="in" filter="barn(inVertical)">
+                                      <p:cBhvr>
+                                        <p:cTn id="117" dur="500"/>
+                                        <p:tgtEl>
+                                          <p:spTgt spid="65"/>
+                                        </p:tgtEl>
+                                      </p:cBhvr>
+                                    </p:animEffect>
+                                  </p:childTnLst>
+                                </p:cTn>
+                              </p:par>
+                              <p:par>
+                                <p:cTn id="118" presetID="16" presetClass="entr" presetSubtype="21" fill="hold" grpId="0" nodeType="withEffect">
+                                  <p:stCondLst>
+                                    <p:cond delay="0"/>
+                                  </p:stCondLst>
+                                  <p:childTnLst>
+                                    <p:set>
+                                      <p:cBhvr>
+                                        <p:cTn id="119" dur="1" fill="hold">
+                                          <p:stCondLst>
+                                            <p:cond delay="0"/>
+                                          </p:stCondLst>
+                                        </p:cTn>
+                                        <p:tgtEl>
+                                          <p:spTgt spid="66"/>
+                                        </p:tgtEl>
+                                        <p:attrNameLst>
+                                          <p:attrName>style.visibility</p:attrName>
+                                        </p:attrNameLst>
+                                      </p:cBhvr>
+                                      <p:to>
+                                        <p:strVal val="visible"/>
+                                      </p:to>
+                                    </p:set>
+                                    <p:animEffect transition="in" filter="barn(inVertical)">
+                                      <p:cBhvr>
+                                        <p:cTn id="120" dur="500"/>
+                                        <p:tgtEl>
+                                          <p:spTgt spid="66"/>
+                                        </p:tgtEl>
+                                      </p:cBhvr>
+                                    </p:animEffect>
+                                  </p:childTnLst>
+                                </p:cTn>
+                              </p:par>
+                              <p:par>
+                                <p:cTn id="121" presetID="16" presetClass="entr" presetSubtype="21" fill="hold" grpId="0" nodeType="withEffect">
+                                  <p:stCondLst>
+                                    <p:cond delay="0"/>
+                                  </p:stCondLst>
+                                  <p:childTnLst>
+                                    <p:set>
+                                      <p:cBhvr>
+                                        <p:cTn id="122" dur="1" fill="hold">
+                                          <p:stCondLst>
+                                            <p:cond delay="0"/>
+                                          </p:stCondLst>
+                                        </p:cTn>
+                                        <p:tgtEl>
+                                          <p:spTgt spid="67"/>
+                                        </p:tgtEl>
+                                        <p:attrNameLst>
+                                          <p:attrName>style.visibility</p:attrName>
+                                        </p:attrNameLst>
+                                      </p:cBhvr>
+                                      <p:to>
+                                        <p:strVal val="visible"/>
+                                      </p:to>
+                                    </p:set>
+                                    <p:animEffect transition="in" filter="barn(inVertical)">
+                                      <p:cBhvr>
+                                        <p:cTn id="123" dur="500"/>
+                                        <p:tgtEl>
+                                          <p:spTgt spid="67"/>
+                                        </p:tgtEl>
+                                      </p:cBhvr>
+                                    </p:animEffect>
+                                  </p:childTnLst>
+                                </p:cTn>
+                              </p:par>
+                              <p:par>
+                                <p:cTn id="124" presetID="16" presetClass="entr" presetSubtype="21" fill="hold" nodeType="withEffect">
+                                  <p:stCondLst>
+                                    <p:cond delay="0"/>
+                                  </p:stCondLst>
+                                  <p:childTnLst>
+                                    <p:set>
+                                      <p:cBhvr>
+                                        <p:cTn id="125" dur="1" fill="hold">
+                                          <p:stCondLst>
+                                            <p:cond delay="0"/>
+                                          </p:stCondLst>
+                                        </p:cTn>
+                                        <p:tgtEl>
+                                          <p:spTgt spid="71"/>
+                                        </p:tgtEl>
+                                        <p:attrNameLst>
+                                          <p:attrName>style.visibility</p:attrName>
+                                        </p:attrNameLst>
+                                      </p:cBhvr>
+                                      <p:to>
+                                        <p:strVal val="visible"/>
+                                      </p:to>
+                                    </p:set>
+                                    <p:animEffect transition="in" filter="barn(inVertical)">
+                                      <p:cBhvr>
+                                        <p:cTn id="126" dur="500"/>
+                                        <p:tgtEl>
+                                          <p:spTgt spid="71"/>
+                                        </p:tgtEl>
+                                      </p:cBhvr>
+                                    </p:animEffect>
+                                  </p:childTnLst>
+                                </p:cTn>
+                              </p:par>
+                              <p:par>
+                                <p:cTn id="127" presetID="16" presetClass="entr" presetSubtype="21" fill="hold" nodeType="withEffect">
+                                  <p:stCondLst>
+                                    <p:cond delay="0"/>
+                                  </p:stCondLst>
+                                  <p:childTnLst>
+                                    <p:set>
+                                      <p:cBhvr>
+                                        <p:cTn id="128" dur="1" fill="hold">
+                                          <p:stCondLst>
+                                            <p:cond delay="0"/>
+                                          </p:stCondLst>
+                                        </p:cTn>
+                                        <p:tgtEl>
+                                          <p:spTgt spid="73"/>
+                                        </p:tgtEl>
+                                        <p:attrNameLst>
+                                          <p:attrName>style.visibility</p:attrName>
+                                        </p:attrNameLst>
+                                      </p:cBhvr>
+                                      <p:to>
+                                        <p:strVal val="visible"/>
+                                      </p:to>
+                                    </p:set>
+                                    <p:animEffect transition="in" filter="barn(inVertical)">
+                                      <p:cBhvr>
+                                        <p:cTn id="129" dur="500"/>
+                                        <p:tgtEl>
+                                          <p:spTgt spid="73"/>
+                                        </p:tgtEl>
+                                      </p:cBhvr>
+                                    </p:animEffect>
+                                  </p:childTnLst>
+                                </p:cTn>
+                              </p:par>
+                              <p:par>
+                                <p:cTn id="130" presetID="16" presetClass="entr" presetSubtype="21" fill="hold" nodeType="withEffect">
+                                  <p:stCondLst>
+                                    <p:cond delay="0"/>
+                                  </p:stCondLst>
+                                  <p:childTnLst>
+                                    <p:set>
+                                      <p:cBhvr>
+                                        <p:cTn id="131" dur="1" fill="hold">
+                                          <p:stCondLst>
+                                            <p:cond delay="0"/>
+                                          </p:stCondLst>
+                                        </p:cTn>
+                                        <p:tgtEl>
+                                          <p:spTgt spid="75"/>
+                                        </p:tgtEl>
+                                        <p:attrNameLst>
+                                          <p:attrName>style.visibility</p:attrName>
+                                        </p:attrNameLst>
+                                      </p:cBhvr>
+                                      <p:to>
+                                        <p:strVal val="visible"/>
+                                      </p:to>
+                                    </p:set>
+                                    <p:animEffect transition="in" filter="barn(inVertical)">
+                                      <p:cBhvr>
+                                        <p:cTn id="132" dur="500"/>
+                                        <p:tgtEl>
+                                          <p:spTgt spid="75"/>
+                                        </p:tgtEl>
+                                      </p:cBhvr>
+                                    </p:animEffect>
+                                  </p:childTnLst>
+                                </p:cTn>
+                              </p:par>
+                              <p:par>
+                                <p:cTn id="133" presetID="16" presetClass="entr" presetSubtype="21" fill="hold" nodeType="withEffect">
+                                  <p:stCondLst>
+                                    <p:cond delay="0"/>
+                                  </p:stCondLst>
+                                  <p:childTnLst>
+                                    <p:set>
+                                      <p:cBhvr>
+                                        <p:cTn id="134" dur="1" fill="hold">
+                                          <p:stCondLst>
+                                            <p:cond delay="0"/>
+                                          </p:stCondLst>
+                                        </p:cTn>
+                                        <p:tgtEl>
+                                          <p:spTgt spid="77"/>
+                                        </p:tgtEl>
+                                        <p:attrNameLst>
+                                          <p:attrName>style.visibility</p:attrName>
+                                        </p:attrNameLst>
+                                      </p:cBhvr>
+                                      <p:to>
+                                        <p:strVal val="visible"/>
+                                      </p:to>
+                                    </p:set>
+                                    <p:animEffect transition="in" filter="barn(inVertical)">
+                                      <p:cBhvr>
+                                        <p:cTn id="135" dur="500"/>
+                                        <p:tgtEl>
+                                          <p:spTgt spid="77"/>
+                                        </p:tgtEl>
+                                      </p:cBhvr>
+                                    </p:animEffect>
+                                  </p:childTnLst>
+                                </p:cTn>
+                              </p:par>
+                              <p:par>
+                                <p:cTn id="136" presetID="16" presetClass="entr" presetSubtype="21" fill="hold" nodeType="withEffect">
+                                  <p:stCondLst>
+                                    <p:cond delay="0"/>
+                                  </p:stCondLst>
+                                  <p:childTnLst>
+                                    <p:set>
+                                      <p:cBhvr>
+                                        <p:cTn id="137" dur="1" fill="hold">
+                                          <p:stCondLst>
+                                            <p:cond delay="0"/>
+                                          </p:stCondLst>
+                                        </p:cTn>
+                                        <p:tgtEl>
+                                          <p:spTgt spid="79"/>
+                                        </p:tgtEl>
+                                        <p:attrNameLst>
+                                          <p:attrName>style.visibility</p:attrName>
+                                        </p:attrNameLst>
+                                      </p:cBhvr>
+                                      <p:to>
+                                        <p:strVal val="visible"/>
+                                      </p:to>
+                                    </p:set>
+                                    <p:animEffect transition="in" filter="barn(inVertical)">
+                                      <p:cBhvr>
+                                        <p:cTn id="138" dur="500"/>
+                                        <p:tgtEl>
+                                          <p:spTgt spid="79"/>
+                                        </p:tgtEl>
+                                      </p:cBhvr>
+                                    </p:animEffect>
+                                  </p:childTnLst>
+                                </p:cTn>
+                              </p:par>
+                              <p:par>
+                                <p:cTn id="139" presetID="16" presetClass="entr" presetSubtype="21" fill="hold" nodeType="withEffect">
+                                  <p:stCondLst>
+                                    <p:cond delay="0"/>
+                                  </p:stCondLst>
+                                  <p:childTnLst>
+                                    <p:set>
+                                      <p:cBhvr>
+                                        <p:cTn id="140" dur="1" fill="hold">
+                                          <p:stCondLst>
+                                            <p:cond delay="0"/>
+                                          </p:stCondLst>
+                                        </p:cTn>
+                                        <p:tgtEl>
+                                          <p:spTgt spid="81"/>
+                                        </p:tgtEl>
+                                        <p:attrNameLst>
+                                          <p:attrName>style.visibility</p:attrName>
+                                        </p:attrNameLst>
+                                      </p:cBhvr>
+                                      <p:to>
+                                        <p:strVal val="visible"/>
+                                      </p:to>
+                                    </p:set>
+                                    <p:animEffect transition="in" filter="barn(inVertical)">
+                                      <p:cBhvr>
+                                        <p:cTn id="141" dur="500"/>
+                                        <p:tgtEl>
+                                          <p:spTgt spid="81"/>
+                                        </p:tgtEl>
+                                      </p:cBhvr>
+                                    </p:animEffect>
                                   </p:childTnLst>
                                 </p:cTn>
                               </p:par>
@@ -27708,7 +27605,7 @@
                                           </p:stCondLst>
                                         </p:cTn>
                                         <p:tgtEl>
-                                          <p:spTgt spid="96"/>
+                                          <p:spTgt spid="95"/>
                                         </p:tgtEl>
                                         <p:attrNameLst>
                                           <p:attrName>style.visibility</p:attrName>
@@ -27722,7 +27619,7 @@
                                       <p:cBhvr>
                                         <p:cTn id="146" dur="500"/>
                                         <p:tgtEl>
-                                          <p:spTgt spid="96"/>
+                                          <p:spTgt spid="95"/>
                                         </p:tgtEl>
                                       </p:cBhvr>
                                     </p:animEffect>
@@ -27757,13 +27654,119 @@
                                       <p:cBhvr>
                                         <p:cTn id="150" dur="500"/>
                                         <p:tgtEl>
-                                          <p:spTgt spid="96"/>
+                                          <p:spTgt spid="95"/>
                                         </p:tgtEl>
                                       </p:cBhvr>
                                     </p:animEffect>
                                     <p:set>
                                       <p:cBhvr>
                                         <p:cTn id="151" dur="1" fill="hold">
+                                          <p:stCondLst>
+                                            <p:cond delay="499"/>
+                                          </p:stCondLst>
+                                        </p:cTn>
+                                        <p:tgtEl>
+                                          <p:spTgt spid="95"/>
+                                        </p:tgtEl>
+                                        <p:attrNameLst>
+                                          <p:attrName>style.visibility</p:attrName>
+                                        </p:attrNameLst>
+                                      </p:cBhvr>
+                                      <p:to>
+                                        <p:strVal val="hidden"/>
+                                      </p:to>
+                                    </p:set>
+                                  </p:childTnLst>
+                                </p:cTn>
+                              </p:par>
+                            </p:childTnLst>
+                          </p:cTn>
+                        </p:par>
+                      </p:childTnLst>
+                    </p:cTn>
+                  </p:par>
+                  <p:par>
+                    <p:cTn id="152" fill="hold">
+                      <p:stCondLst>
+                        <p:cond delay="indefinite"/>
+                      </p:stCondLst>
+                      <p:childTnLst>
+                        <p:par>
+                          <p:cTn id="153" fill="hold">
+                            <p:stCondLst>
+                              <p:cond delay="0"/>
+                            </p:stCondLst>
+                            <p:childTnLst>
+                              <p:par>
+                                <p:cTn id="154" presetID="22" presetClass="entr" presetSubtype="4" fill="hold" grpId="0" nodeType="clickEffect">
+                                  <p:stCondLst>
+                                    <p:cond delay="0"/>
+                                  </p:stCondLst>
+                                  <p:childTnLst>
+                                    <p:set>
+                                      <p:cBhvr>
+                                        <p:cTn id="155" dur="1" fill="hold">
+                                          <p:stCondLst>
+                                            <p:cond delay="0"/>
+                                          </p:stCondLst>
+                                        </p:cTn>
+                                        <p:tgtEl>
+                                          <p:spTgt spid="96"/>
+                                        </p:tgtEl>
+                                        <p:attrNameLst>
+                                          <p:attrName>style.visibility</p:attrName>
+                                        </p:attrNameLst>
+                                      </p:cBhvr>
+                                      <p:to>
+                                        <p:strVal val="visible"/>
+                                      </p:to>
+                                    </p:set>
+                                    <p:animEffect transition="in" filter="wipe(down)">
+                                      <p:cBhvr>
+                                        <p:cTn id="156" dur="500"/>
+                                        <p:tgtEl>
+                                          <p:spTgt spid="96"/>
+                                        </p:tgtEl>
+                                      </p:cBhvr>
+                                    </p:animEffect>
+                                  </p:childTnLst>
+                                </p:cTn>
+                              </p:par>
+                            </p:childTnLst>
+                          </p:cTn>
+                        </p:par>
+                      </p:childTnLst>
+                    </p:cTn>
+                  </p:par>
+                  <p:par>
+                    <p:cTn id="157" fill="hold">
+                      <p:stCondLst>
+                        <p:cond delay="indefinite"/>
+                      </p:stCondLst>
+                      <p:childTnLst>
+                        <p:par>
+                          <p:cTn id="158" fill="hold">
+                            <p:stCondLst>
+                              <p:cond delay="0"/>
+                            </p:stCondLst>
+                            <p:childTnLst>
+                              <p:par>
+                                <p:cTn id="159" presetID="16" presetClass="exit" presetSubtype="21" fill="hold" grpId="1" nodeType="clickEffect">
+                                  <p:stCondLst>
+                                    <p:cond delay="0"/>
+                                  </p:stCondLst>
+                                  <p:childTnLst>
+                                    <p:animEffect transition="out" filter="barn(inVertical)">
+                                      <p:cBhvr>
+                                        <p:cTn id="160" dur="500"/>
+                                        <p:tgtEl>
+                                          <p:spTgt spid="96"/>
+                                        </p:tgtEl>
+                                      </p:cBhvr>
+                                    </p:animEffect>
+                                    <p:set>
+                                      <p:cBhvr>
+                                        <p:cTn id="161" dur="1" fill="hold">
                                           <p:stCondLst>
                                             <p:cond delay="499"/>
                                           </p:stCondLst>
@@ -27837,6 +27840,8 @@
       <p:bldP spid="95" grpId="1" animBg="1"/>
       <p:bldP spid="96" grpId="0" animBg="1"/>
       <p:bldP spid="96" grpId="1" animBg="1"/>
+      <p:bldP spid="54" grpId="0" animBg="1"/>
+      <p:bldP spid="54" grpId="1" animBg="1"/>
     </p:bldLst>
   </p:timing>
 </p:sld>

--- a/doc/higo.pptx
+++ b/doc/higo.pptx
@@ -22728,14 +22728,14 @@
             <p:ph idx="1"/>
             <p:extLst>
               <p:ext uri="{D42A27DB-BD31-4B8C-83A1-F6EECF244321}">
-                <p14:modId xmlns:p14="http://schemas.microsoft.com/office/powerpoint/2010/main" val="421944684"/>
+                <p14:modId xmlns:p14="http://schemas.microsoft.com/office/powerpoint/2010/main" val="4123681620"/>
               </p:ext>
             </p:extLst>
           </p:nvPr>
         </p:nvGraphicFramePr>
         <p:xfrm>
           <a:off x="539552" y="1196752"/>
-          <a:ext cx="8229600" cy="5151120"/>
+          <a:ext cx="8229600" cy="5394960"/>
         </p:xfrm>
         <a:graphic>
           <a:graphicData uri="http://schemas.openxmlformats.org/drawingml/2006/table">
@@ -23257,8 +23257,8 @@
                     <a:lstStyle/>
                     <a:p>
                       <a:r>
-                        <a:rPr lang="zh-CN" altLang="en-US" dirty="0" smtClean="0"/>
-                        <a:t>检索效率</a:t>
+                        <a:rPr lang="en-US" altLang="zh-CN" dirty="0" smtClean="0"/>
+                        <a:t>merge</a:t>
                       </a:r>
                       <a:endParaRPr lang="zh-CN" altLang="en-US" dirty="0"/>
                     </a:p>
@@ -23424,7 +23424,27 @@
                     <a:p>
                       <a:r>
                         <a:rPr lang="zh-CN" altLang="en-US" sz="1600" dirty="0" smtClean="0"/>
-                        <a:t>不支持</a:t>
+                        <a:t>不</a:t>
+                      </a:r>
+                      <a:r>
+                        <a:rPr lang="zh-CN" altLang="en-US" sz="1600" dirty="0" smtClean="0"/>
+                        <a:t>支持</a:t>
+                      </a:r>
+                      <a:r>
+                        <a:rPr lang="en-US" altLang="zh-CN" sz="1600" dirty="0" smtClean="0"/>
+                        <a:t>,</a:t>
+                      </a:r>
+                      <a:r>
+                        <a:rPr lang="zh-CN" altLang="en-US" sz="1600" dirty="0" smtClean="0"/>
+                        <a:t>仅按照</a:t>
+                      </a:r>
+                      <a:r>
+                        <a:rPr lang="en-US" altLang="zh-CN" sz="1600" dirty="0" smtClean="0"/>
+                        <a:t>shards</a:t>
+                      </a:r>
+                      <a:r>
+                        <a:rPr lang="zh-CN" altLang="en-US" sz="1600" dirty="0" smtClean="0"/>
+                        <a:t>数量打散</a:t>
                       </a:r>
                       <a:endParaRPr lang="zh-CN" altLang="en-US" sz="1600" dirty="0"/>
                     </a:p>
@@ -23446,7 +23466,19 @@
                       </a:r>
                       <a:r>
                         <a:rPr lang="zh-CN" altLang="en-US" sz="1600" dirty="0" smtClean="0"/>
-                        <a:t>天一个分区</a:t>
+                        <a:t>天一个</a:t>
+                      </a:r>
+                      <a:r>
+                        <a:rPr lang="zh-CN" altLang="en-US" sz="1600" dirty="0" smtClean="0"/>
+                        <a:t>分区，按照</a:t>
+                      </a:r>
+                      <a:r>
+                        <a:rPr lang="en-US" altLang="zh-CN" sz="1600" dirty="0" smtClean="0"/>
+                        <a:t>shards</a:t>
+                      </a:r>
+                      <a:r>
+                        <a:rPr lang="zh-CN" altLang="en-US" sz="1600" dirty="0" smtClean="0"/>
+                        <a:t>数量打散</a:t>
                       </a:r>
                       <a:endParaRPr lang="zh-CN" altLang="en-US" sz="1600" dirty="0"/>
                     </a:p>
@@ -23464,7 +23496,31 @@
                             <a:srgbClr val="CC0000"/>
                           </a:solidFill>
                         </a:rPr>
-                        <a:t>按天分区，分区下按照记录数分小索引</a:t>
+                        <a:t>按天分区，分区下按照记录数分小</a:t>
+                      </a:r>
+                      <a:r>
+                        <a:rPr lang="zh-CN" altLang="en-US" sz="1600" dirty="0" smtClean="0">
+                          <a:solidFill>
+                            <a:srgbClr val="CC0000"/>
+                          </a:solidFill>
+                        </a:rPr>
+                        <a:t>索引，没有</a:t>
+                      </a:r>
+                      <a:r>
+                        <a:rPr lang="en-US" altLang="zh-CN" sz="1600" dirty="0" smtClean="0">
+                          <a:solidFill>
+                            <a:srgbClr val="CC0000"/>
+                          </a:solidFill>
+                        </a:rPr>
+                        <a:t>shards</a:t>
+                      </a:r>
+                      <a:r>
+                        <a:rPr lang="zh-CN" altLang="en-US" sz="1600" smtClean="0">
+                          <a:solidFill>
+                            <a:srgbClr val="CC0000"/>
+                          </a:solidFill>
+                        </a:rPr>
+                        <a:t>数的概念</a:t>
                       </a:r>
                       <a:endParaRPr lang="zh-CN" altLang="en-US" sz="1600" dirty="0">
                         <a:solidFill>
@@ -23570,15 +23626,7 @@
                             <a:srgbClr val="CC0000"/>
                           </a:solidFill>
                         </a:rPr>
-                        <a:t>通过对数据的重新洗牌</a:t>
-                      </a:r>
-                      <a:r>
-                        <a:rPr lang="zh-CN" altLang="en-US" sz="1600" dirty="0" smtClean="0">
-                          <a:solidFill>
-                            <a:srgbClr val="CC0000"/>
-                          </a:solidFill>
-                        </a:rPr>
-                        <a:t>，</a:t>
+                        <a:t>通过对数据的重新洗牌，</a:t>
                       </a:r>
                       <a:r>
                         <a:rPr lang="en-US" altLang="zh-CN" sz="1600" dirty="0" smtClean="0">

--- a/doc/higo.pptx
+++ b/doc/higo.pptx
@@ -23424,11 +23424,7 @@
                     <a:p>
                       <a:r>
                         <a:rPr lang="zh-CN" altLang="en-US" sz="1600" dirty="0" smtClean="0"/>
-                        <a:t>不</a:t>
-                      </a:r>
-                      <a:r>
-                        <a:rPr lang="zh-CN" altLang="en-US" sz="1600" dirty="0" smtClean="0"/>
-                        <a:t>支持</a:t>
+                        <a:t>不支持</a:t>
                       </a:r>
                       <a:r>
                         <a:rPr lang="en-US" altLang="zh-CN" sz="1600" dirty="0" smtClean="0"/>
@@ -23466,11 +23462,7 @@
                       </a:r>
                       <a:r>
                         <a:rPr lang="zh-CN" altLang="en-US" sz="1600" dirty="0" smtClean="0"/>
-                        <a:t>天一个</a:t>
-                      </a:r>
-                      <a:r>
-                        <a:rPr lang="zh-CN" altLang="en-US" sz="1600" dirty="0" smtClean="0"/>
-                        <a:t>分区，按照</a:t>
+                        <a:t>天一个分区，按照</a:t>
                       </a:r>
                       <a:r>
                         <a:rPr lang="en-US" altLang="zh-CN" sz="1600" dirty="0" smtClean="0"/>
@@ -23496,15 +23488,7 @@
                             <a:srgbClr val="CC0000"/>
                           </a:solidFill>
                         </a:rPr>
-                        <a:t>按天分区，分区下按照记录数分小</a:t>
-                      </a:r>
-                      <a:r>
-                        <a:rPr lang="zh-CN" altLang="en-US" sz="1600" dirty="0" smtClean="0">
-                          <a:solidFill>
-                            <a:srgbClr val="CC0000"/>
-                          </a:solidFill>
-                        </a:rPr>
-                        <a:t>索引，没有</a:t>
+                        <a:t>按天分区，分区下按照记录数分小索引，没有</a:t>
                       </a:r>
                       <a:r>
                         <a:rPr lang="en-US" altLang="zh-CN" sz="1600" dirty="0" smtClean="0">
@@ -25178,7 +25162,38 @@
             </a:r>
             <a:r>
               <a:rPr lang="zh-CN" altLang="en-US" dirty="0" smtClean="0"/>
-              <a:t>的重试。</a:t>
+              <a:t>的重试</a:t>
+            </a:r>
+            <a:r>
+              <a:rPr lang="zh-CN" altLang="en-US" dirty="0" smtClean="0"/>
+              <a:t>。</a:t>
+            </a:r>
+            <a:endParaRPr lang="en-US" altLang="zh-CN" dirty="0" smtClean="0"/>
+          </a:p>
+          <a:p>
+            <a:r>
+              <a:rPr lang="en-US" altLang="zh-CN" dirty="0" smtClean="0"/>
+              <a:t>4.</a:t>
+            </a:r>
+            <a:r>
+              <a:rPr lang="zh-CN" altLang="en-US" dirty="0" smtClean="0"/>
+              <a:t>处理的</a:t>
+            </a:r>
+            <a:r>
+              <a:rPr lang="en-US" altLang="zh-CN" dirty="0" smtClean="0"/>
+              <a:t>task</a:t>
+            </a:r>
+            <a:r>
+              <a:rPr lang="zh-CN" altLang="en-US" dirty="0" smtClean="0"/>
+              <a:t>是根</a:t>
+            </a:r>
+            <a:r>
+              <a:rPr lang="en-US" altLang="zh-CN" dirty="0" smtClean="0"/>
+              <a:t>resource manager </a:t>
+            </a:r>
+            <a:r>
+              <a:rPr lang="zh-CN" altLang="en-US" smtClean="0"/>
+              <a:t>申请的</a:t>
             </a:r>
             <a:endParaRPr lang="zh-CN" altLang="en-US" dirty="0"/>
           </a:p>

--- a/doc/higo.pptx
+++ b/doc/higo.pptx
@@ -5,7 +5,7 @@
     <p:sldMasterId id="2147483648" r:id="rId1"/>
   </p:sldMasterIdLst>
   <p:notesMasterIdLst>
-    <p:notesMasterId r:id="rId24"/>
+    <p:notesMasterId r:id="rId25"/>
   </p:notesMasterIdLst>
   <p:sldIdLst>
     <p:sldId id="256" r:id="rId2"/>
@@ -27,9 +27,10 @@
     <p:sldId id="378" r:id="rId18"/>
     <p:sldId id="382" r:id="rId19"/>
     <p:sldId id="381" r:id="rId20"/>
-    <p:sldId id="369" r:id="rId21"/>
-    <p:sldId id="374" r:id="rId22"/>
-    <p:sldId id="375" r:id="rId23"/>
+    <p:sldId id="383" r:id="rId21"/>
+    <p:sldId id="369" r:id="rId22"/>
+    <p:sldId id="374" r:id="rId23"/>
+    <p:sldId id="375" r:id="rId24"/>
   </p:sldIdLst>
   <p:sldSz cx="9144000" cy="6858000" type="screen4x3"/>
   <p:notesSz cx="6858000" cy="9144000"/>
@@ -2858,7 +2859,7 @@
           <a:p>
             <a:fld id="{DE914C13-989A-477A-9CB3-5348B7845306}" type="datetimeFigureOut">
               <a:rPr lang="zh-CN" altLang="en-US" smtClean="0"/>
-              <a:t>2013/2/28</a:t>
+              <a:t>2013/3/1</a:t>
             </a:fld>
             <a:endParaRPr lang="zh-CN" altLang="en-US"/>
           </a:p>
@@ -25162,11 +25163,7 @@
             </a:r>
             <a:r>
               <a:rPr lang="zh-CN" altLang="en-US" dirty="0" smtClean="0"/>
-              <a:t>的重试</a:t>
-            </a:r>
-            <a:r>
-              <a:rPr lang="zh-CN" altLang="en-US" dirty="0" smtClean="0"/>
-              <a:t>。</a:t>
+              <a:t>的重试。</a:t>
             </a:r>
             <a:endParaRPr lang="en-US" altLang="zh-CN" dirty="0" smtClean="0"/>
           </a:p>
@@ -28221,7 +28218,7 @@
           <a:p>
             <a:r>
               <a:rPr lang="zh-CN" altLang="en-US" dirty="0" smtClean="0"/>
-              <a:t>相关资源</a:t>
+              <a:t>数据</a:t>
             </a:r>
             <a:endParaRPr lang="zh-CN" altLang="en-US" dirty="0"/>
           </a:p>
@@ -28243,17 +28240,79 @@
           <a:lstStyle/>
           <a:p>
             <a:r>
-              <a:rPr lang="en-US" altLang="zh-CN" dirty="0"/>
-              <a:t>https://github.com/muyannian/higo/wiki</a:t>
-            </a:r>
-            <a:endParaRPr lang="zh-CN" altLang="en-US" dirty="0"/>
+              <a:rPr lang="zh-CN" altLang="en-US" sz="3200" dirty="0"/>
+              <a:t>简单的</a:t>
+            </a:r>
+            <a:r>
+              <a:rPr lang="zh-CN" altLang="en-US" sz="3200" dirty="0" smtClean="0"/>
+              <a:t>数理统计。</a:t>
+            </a:r>
+            <a:endParaRPr lang="en-US" altLang="zh-CN" sz="3200" dirty="0" smtClean="0"/>
+          </a:p>
+          <a:p>
+            <a:pPr marL="457200" lvl="1" indent="0">
+              <a:buNone/>
+            </a:pPr>
+            <a:r>
+              <a:rPr lang="zh-CN" altLang="en-US" dirty="0"/>
+              <a:t>一般就是简单的统计网站的访问量，用户量，转化率等用于高层决策，或者促进产品的</a:t>
+            </a:r>
+            <a:r>
+              <a:rPr lang="zh-CN" altLang="en-US" dirty="0" smtClean="0"/>
+              <a:t>发展。</a:t>
+            </a:r>
+            <a:endParaRPr lang="en-US" altLang="zh-CN" dirty="0"/>
+          </a:p>
+          <a:p>
+            <a:r>
+              <a:rPr lang="zh-CN" altLang="en-US" sz="3200" dirty="0"/>
+              <a:t>精细化运营</a:t>
+            </a:r>
+            <a:endParaRPr lang="en-US" altLang="zh-CN" sz="3200" dirty="0" smtClean="0"/>
+          </a:p>
+          <a:p>
+            <a:pPr marL="400050" lvl="1" indent="0">
+              <a:buNone/>
+            </a:pPr>
+            <a:r>
+              <a:rPr lang="zh-CN" altLang="en-US" dirty="0"/>
+              <a:t>数据</a:t>
+            </a:r>
+            <a:r>
+              <a:rPr lang="zh-CN" altLang="en-US" dirty="0" smtClean="0"/>
+              <a:t>挖掘、个性化推荐等等作为代表。</a:t>
+            </a:r>
+            <a:endParaRPr lang="en-US" altLang="zh-CN" dirty="0" smtClean="0"/>
+          </a:p>
+          <a:p>
+            <a:r>
+              <a:rPr lang="zh-CN" altLang="en-US" sz="3200" dirty="0" smtClean="0"/>
+              <a:t>开放</a:t>
+            </a:r>
+            <a:endParaRPr lang="en-US" altLang="zh-CN" sz="3200" dirty="0" smtClean="0"/>
+          </a:p>
+          <a:p>
+            <a:pPr marL="457200" lvl="1" indent="0">
+              <a:buNone/>
+            </a:pPr>
+            <a:r>
+              <a:rPr lang="zh-CN" altLang="en-US" dirty="0" smtClean="0"/>
+              <a:t>让</a:t>
+            </a:r>
+            <a:r>
+              <a:rPr lang="zh-CN" altLang="en-US" dirty="0"/>
+              <a:t>整个社会去分享数据，让每个人都可以去挖掘数据，每个人都可以创造价值。</a:t>
+            </a:r>
+          </a:p>
+          <a:p>
+            <a:endParaRPr lang="zh-CN" altLang="en-US" sz="3600" dirty="0"/>
           </a:p>
         </p:txBody>
       </p:sp>
     </p:spTree>
     <p:extLst>
       <p:ext uri="{BB962C8B-B14F-4D97-AF65-F5344CB8AC3E}">
-        <p14:creationId xmlns:p14="http://schemas.microsoft.com/office/powerpoint/2010/main" val="1393238710"/>
+        <p14:creationId xmlns:p14="http://schemas.microsoft.com/office/powerpoint/2010/main" val="723033350"/>
       </p:ext>
     </p:extLst>
   </p:cSld>
@@ -28297,6 +28356,89 @@
             <p:ph type="title"/>
           </p:nvPr>
         </p:nvSpPr>
+        <p:spPr/>
+        <p:txBody>
+          <a:bodyPr/>
+          <a:lstStyle/>
+          <a:p>
+            <a:r>
+              <a:rPr lang="zh-CN" altLang="en-US" dirty="0" smtClean="0"/>
+              <a:t>相关资源</a:t>
+            </a:r>
+            <a:endParaRPr lang="zh-CN" altLang="en-US" dirty="0"/>
+          </a:p>
+        </p:txBody>
+      </p:sp>
+      <p:sp>
+        <p:nvSpPr>
+          <p:cNvPr id="3" name="内容占位符 2"/>
+          <p:cNvSpPr>
+            <a:spLocks noGrp="1"/>
+          </p:cNvSpPr>
+          <p:nvPr>
+            <p:ph idx="1"/>
+          </p:nvPr>
+        </p:nvSpPr>
+        <p:spPr/>
+        <p:txBody>
+          <a:bodyPr/>
+          <a:lstStyle/>
+          <a:p>
+            <a:r>
+              <a:rPr lang="en-US" altLang="zh-CN" dirty="0"/>
+              <a:t>https://github.com/muyannian/higo/wiki</a:t>
+            </a:r>
+            <a:endParaRPr lang="zh-CN" altLang="en-US" dirty="0"/>
+          </a:p>
+        </p:txBody>
+      </p:sp>
+    </p:spTree>
+    <p:extLst>
+      <p:ext uri="{BB962C8B-B14F-4D97-AF65-F5344CB8AC3E}">
+        <p14:creationId xmlns:p14="http://schemas.microsoft.com/office/powerpoint/2010/main" val="1393238710"/>
+      </p:ext>
+    </p:extLst>
+  </p:cSld>
+  <p:clrMapOvr>
+    <a:masterClrMapping/>
+  </p:clrMapOvr>
+  <p:timing>
+    <p:tnLst>
+      <p:par>
+        <p:cTn id="1" dur="indefinite" restart="never" nodeType="tmRoot"/>
+      </p:par>
+    </p:tnLst>
+  </p:timing>
+</p:sld>
+</file>
+
+<file path=ppt/slides/slide22.xml><?xml version="1.0" encoding="utf-8"?>
+<p:sld xmlns:a="http://schemas.openxmlformats.org/drawingml/2006/main" xmlns:r="http://schemas.openxmlformats.org/officeDocument/2006/relationships" xmlns:p="http://schemas.openxmlformats.org/presentationml/2006/main">
+  <p:cSld>
+    <p:spTree>
+      <p:nvGrpSpPr>
+        <p:cNvPr id="1" name=""/>
+        <p:cNvGrpSpPr/>
+        <p:nvPr/>
+      </p:nvGrpSpPr>
+      <p:grpSpPr>
+        <a:xfrm>
+          <a:off x="0" y="0"/>
+          <a:ext cx="0" cy="0"/>
+          <a:chOff x="0" y="0"/>
+          <a:chExt cx="0" cy="0"/>
+        </a:xfrm>
+      </p:grpSpPr>
+      <p:sp>
+        <p:nvSpPr>
+          <p:cNvPr id="2" name="标题 1"/>
+          <p:cNvSpPr>
+            <a:spLocks noGrp="1"/>
+          </p:cNvSpPr>
+          <p:nvPr>
+            <p:ph type="title"/>
+          </p:nvPr>
+        </p:nvSpPr>
         <p:spPr>
           <a:xfrm>
             <a:off x="323528" y="2636912"/>
@@ -28335,7 +28477,7 @@
 </p:sld>
 </file>
 
-<file path=ppt/slides/slide22.xml><?xml version="1.0" encoding="utf-8"?>
+<file path=ppt/slides/slide23.xml><?xml version="1.0" encoding="utf-8"?>
 <p:sld xmlns:a="http://schemas.openxmlformats.org/drawingml/2006/main" xmlns:r="http://schemas.openxmlformats.org/officeDocument/2006/relationships" xmlns:p="http://schemas.openxmlformats.org/presentationml/2006/main">
   <p:cSld>
     <p:spTree>

--- a/doc/higo.pptx
+++ b/doc/higo.pptx
@@ -5,7 +5,7 @@
     <p:sldMasterId id="2147483648" r:id="rId1"/>
   </p:sldMasterIdLst>
   <p:notesMasterIdLst>
-    <p:notesMasterId r:id="rId25"/>
+    <p:notesMasterId r:id="rId26"/>
   </p:notesMasterIdLst>
   <p:sldIdLst>
     <p:sldId id="256" r:id="rId2"/>
@@ -27,10 +27,11 @@
     <p:sldId id="378" r:id="rId18"/>
     <p:sldId id="382" r:id="rId19"/>
     <p:sldId id="381" r:id="rId20"/>
-    <p:sldId id="383" r:id="rId21"/>
-    <p:sldId id="369" r:id="rId22"/>
-    <p:sldId id="374" r:id="rId23"/>
-    <p:sldId id="375" r:id="rId24"/>
+    <p:sldId id="384" r:id="rId21"/>
+    <p:sldId id="383" r:id="rId22"/>
+    <p:sldId id="369" r:id="rId23"/>
+    <p:sldId id="374" r:id="rId24"/>
+    <p:sldId id="375" r:id="rId25"/>
   </p:sldIdLst>
   <p:sldSz cx="9144000" cy="6858000" type="screen4x3"/>
   <p:notesSz cx="6858000" cy="9144000"/>
@@ -2859,7 +2860,7 @@
           <a:p>
             <a:fld id="{DE914C13-989A-477A-9CB3-5348B7845306}" type="datetimeFigureOut">
               <a:rPr lang="zh-CN" altLang="en-US" smtClean="0"/>
-              <a:t>2013/3/1</a:t>
+              <a:t>2013/3/4</a:t>
             </a:fld>
             <a:endParaRPr lang="zh-CN" altLang="en-US"/>
           </a:p>
@@ -28203,6 +28204,166 @@
       </p:grpSpPr>
       <p:sp>
         <p:nvSpPr>
+          <p:cNvPr id="29" name="下箭头 28"/>
+          <p:cNvSpPr/>
+          <p:nvPr/>
+        </p:nvSpPr>
+        <p:spPr>
+          <a:xfrm>
+            <a:off x="2391184" y="1450008"/>
+            <a:ext cx="288032" cy="3563168"/>
+          </a:xfrm>
+          <a:prstGeom prst="downArrow">
+            <a:avLst/>
+          </a:prstGeom>
+        </p:spPr>
+        <p:style>
+          <a:lnRef idx="2">
+            <a:schemeClr val="accent3">
+              <a:shade val="50000"/>
+            </a:schemeClr>
+          </a:lnRef>
+          <a:fillRef idx="1">
+            <a:schemeClr val="accent3"/>
+          </a:fillRef>
+          <a:effectRef idx="0">
+            <a:schemeClr val="accent3"/>
+          </a:effectRef>
+          <a:fontRef idx="minor">
+            <a:schemeClr val="lt1"/>
+          </a:fontRef>
+        </p:style>
+        <p:txBody>
+          <a:bodyPr rtlCol="0" anchor="ctr"/>
+          <a:lstStyle/>
+          <a:p>
+            <a:pPr algn="ctr"/>
+            <a:endParaRPr lang="zh-CN" altLang="en-US"/>
+          </a:p>
+        </p:txBody>
+      </p:sp>
+      <p:sp>
+        <p:nvSpPr>
+          <p:cNvPr id="35" name="下箭头 34"/>
+          <p:cNvSpPr/>
+          <p:nvPr/>
+        </p:nvSpPr>
+        <p:spPr>
+          <a:xfrm>
+            <a:off x="6745548" y="1475780"/>
+            <a:ext cx="288032" cy="3563168"/>
+          </a:xfrm>
+          <a:prstGeom prst="downArrow">
+            <a:avLst/>
+          </a:prstGeom>
+        </p:spPr>
+        <p:style>
+          <a:lnRef idx="2">
+            <a:schemeClr val="accent3">
+              <a:shade val="50000"/>
+            </a:schemeClr>
+          </a:lnRef>
+          <a:fillRef idx="1">
+            <a:schemeClr val="accent3"/>
+          </a:fillRef>
+          <a:effectRef idx="0">
+            <a:schemeClr val="accent3"/>
+          </a:effectRef>
+          <a:fontRef idx="minor">
+            <a:schemeClr val="lt1"/>
+          </a:fontRef>
+        </p:style>
+        <p:txBody>
+          <a:bodyPr rtlCol="0" anchor="ctr"/>
+          <a:lstStyle/>
+          <a:p>
+            <a:pPr algn="ctr"/>
+            <a:endParaRPr lang="zh-CN" altLang="en-US"/>
+          </a:p>
+        </p:txBody>
+      </p:sp>
+      <p:sp>
+        <p:nvSpPr>
+          <p:cNvPr id="33" name="下箭头 32"/>
+          <p:cNvSpPr/>
+          <p:nvPr/>
+        </p:nvSpPr>
+        <p:spPr>
+          <a:xfrm>
+            <a:off x="5354464" y="1467954"/>
+            <a:ext cx="288032" cy="3563168"/>
+          </a:xfrm>
+          <a:prstGeom prst="downArrow">
+            <a:avLst/>
+          </a:prstGeom>
+        </p:spPr>
+        <p:style>
+          <a:lnRef idx="2">
+            <a:schemeClr val="accent3">
+              <a:shade val="50000"/>
+            </a:schemeClr>
+          </a:lnRef>
+          <a:fillRef idx="1">
+            <a:schemeClr val="accent3"/>
+          </a:fillRef>
+          <a:effectRef idx="0">
+            <a:schemeClr val="accent3"/>
+          </a:effectRef>
+          <a:fontRef idx="minor">
+            <a:schemeClr val="lt1"/>
+          </a:fontRef>
+        </p:style>
+        <p:txBody>
+          <a:bodyPr rtlCol="0" anchor="ctr"/>
+          <a:lstStyle/>
+          <a:p>
+            <a:pPr algn="ctr"/>
+            <a:endParaRPr lang="zh-CN" altLang="en-US"/>
+          </a:p>
+        </p:txBody>
+      </p:sp>
+      <p:sp>
+        <p:nvSpPr>
+          <p:cNvPr id="31" name="下箭头 30"/>
+          <p:cNvSpPr/>
+          <p:nvPr/>
+        </p:nvSpPr>
+        <p:spPr>
+          <a:xfrm>
+            <a:off x="3938836" y="1475780"/>
+            <a:ext cx="288032" cy="3563168"/>
+          </a:xfrm>
+          <a:prstGeom prst="downArrow">
+            <a:avLst/>
+          </a:prstGeom>
+        </p:spPr>
+        <p:style>
+          <a:lnRef idx="2">
+            <a:schemeClr val="accent3">
+              <a:shade val="50000"/>
+            </a:schemeClr>
+          </a:lnRef>
+          <a:fillRef idx="1">
+            <a:schemeClr val="accent3"/>
+          </a:fillRef>
+          <a:effectRef idx="0">
+            <a:schemeClr val="accent3"/>
+          </a:effectRef>
+          <a:fontRef idx="minor">
+            <a:schemeClr val="lt1"/>
+          </a:fontRef>
+        </p:style>
+        <p:txBody>
+          <a:bodyPr rtlCol="0" anchor="ctr"/>
+          <a:lstStyle/>
+          <a:p>
+            <a:pPr algn="ctr"/>
+            <a:endParaRPr lang="zh-CN" altLang="en-US"/>
+          </a:p>
+        </p:txBody>
+      </p:sp>
+      <p:sp>
+        <p:nvSpPr>
           <p:cNvPr id="2" name="标题 1"/>
           <p:cNvSpPr>
             <a:spLocks noGrp="1"/>
@@ -28217,8 +28378,12 @@
           <a:lstStyle/>
           <a:p>
             <a:r>
+              <a:rPr lang="en-US" altLang="zh-CN" dirty="0" smtClean="0"/>
+              <a:t>Distinct</a:t>
+            </a:r>
+            <a:r>
               <a:rPr lang="zh-CN" altLang="en-US" dirty="0" smtClean="0"/>
-              <a:t>数据</a:t>
+              <a:t>方案</a:t>
             </a:r>
             <a:endParaRPr lang="zh-CN" altLang="en-US" dirty="0"/>
           </a:p>
@@ -28226,93 +28391,1122 @@
       </p:sp>
       <p:sp>
         <p:nvSpPr>
-          <p:cNvPr id="3" name="内容占位符 2"/>
-          <p:cNvSpPr>
-            <a:spLocks noGrp="1"/>
-          </p:cNvSpPr>
-          <p:nvPr>
-            <p:ph idx="1"/>
-          </p:nvPr>
+          <p:cNvPr id="4" name="爆炸形 2 3"/>
+          <p:cNvSpPr/>
+          <p:nvPr/>
         </p:nvSpPr>
-        <p:spPr/>
+        <p:spPr>
+          <a:xfrm>
+            <a:off x="-22188" y="1450008"/>
+            <a:ext cx="1656184" cy="1042888"/>
+          </a:xfrm>
+          <a:prstGeom prst="irregularSeal2">
+            <a:avLst/>
+          </a:prstGeom>
+        </p:spPr>
+        <p:style>
+          <a:lnRef idx="2">
+            <a:schemeClr val="accent1">
+              <a:shade val="50000"/>
+            </a:schemeClr>
+          </a:lnRef>
+          <a:fillRef idx="1">
+            <a:schemeClr val="accent1"/>
+          </a:fillRef>
+          <a:effectRef idx="0">
+            <a:schemeClr val="accent1"/>
+          </a:effectRef>
+          <a:fontRef idx="minor">
+            <a:schemeClr val="lt1"/>
+          </a:fontRef>
+        </p:style>
         <p:txBody>
-          <a:bodyPr/>
+          <a:bodyPr rtlCol="0" anchor="ctr"/>
           <a:lstStyle/>
           <a:p>
-            <a:r>
-              <a:rPr lang="zh-CN" altLang="en-US" sz="3200" dirty="0"/>
-              <a:t>简单的</a:t>
-            </a:r>
-            <a:r>
-              <a:rPr lang="zh-CN" altLang="en-US" sz="3200" dirty="0" smtClean="0"/>
-              <a:t>数理统计。</a:t>
-            </a:r>
-            <a:endParaRPr lang="en-US" altLang="zh-CN" sz="3200" dirty="0" smtClean="0"/>
-          </a:p>
-          <a:p>
-            <a:pPr marL="457200" lvl="1" indent="0">
-              <a:buNone/>
-            </a:pPr>
-            <a:r>
-              <a:rPr lang="zh-CN" altLang="en-US" dirty="0"/>
-              <a:t>一般就是简单的统计网站的访问量，用户量，转化率等用于高层决策，或者促进产品的</a:t>
-            </a:r>
-            <a:r>
-              <a:rPr lang="zh-CN" altLang="en-US" dirty="0" smtClean="0"/>
-              <a:t>发展。</a:t>
-            </a:r>
-            <a:endParaRPr lang="en-US" altLang="zh-CN" dirty="0"/>
-          </a:p>
-          <a:p>
-            <a:r>
-              <a:rPr lang="zh-CN" altLang="en-US" sz="3200" dirty="0"/>
-              <a:t>精细化运营</a:t>
-            </a:r>
-            <a:endParaRPr lang="en-US" altLang="zh-CN" sz="3200" dirty="0" smtClean="0"/>
-          </a:p>
-          <a:p>
-            <a:pPr marL="400050" lvl="1" indent="0">
-              <a:buNone/>
-            </a:pPr>
+            <a:pPr algn="ctr"/>
             <a:r>
               <a:rPr lang="zh-CN" altLang="en-US" dirty="0"/>
               <a:t>数据</a:t>
             </a:r>
+          </a:p>
+        </p:txBody>
+      </p:sp>
+      <p:sp>
+        <p:nvSpPr>
+          <p:cNvPr id="14" name="矩形 13"/>
+          <p:cNvSpPr/>
+          <p:nvPr/>
+        </p:nvSpPr>
+        <p:spPr>
+          <a:xfrm>
+            <a:off x="2138052" y="1836130"/>
+            <a:ext cx="792088" cy="270644"/>
+          </a:xfrm>
+          <a:prstGeom prst="rect">
+            <a:avLst/>
+          </a:prstGeom>
+        </p:spPr>
+        <p:style>
+          <a:lnRef idx="1">
+            <a:schemeClr val="accent3"/>
+          </a:lnRef>
+          <a:fillRef idx="3">
+            <a:schemeClr val="accent3"/>
+          </a:fillRef>
+          <a:effectRef idx="2">
+            <a:schemeClr val="accent3"/>
+          </a:effectRef>
+          <a:fontRef idx="minor">
+            <a:schemeClr val="lt1"/>
+          </a:fontRef>
+        </p:style>
+        <p:txBody>
+          <a:bodyPr rtlCol="0" anchor="ctr"/>
+          <a:lstStyle/>
+          <a:p>
+            <a:pPr algn="ctr"/>
+            <a:r>
+              <a:rPr lang="en-US" altLang="zh-CN" dirty="0" err="1" smtClean="0"/>
+              <a:t>bitset</a:t>
+            </a:r>
+            <a:endParaRPr lang="zh-CN" altLang="en-US" dirty="0"/>
+          </a:p>
+        </p:txBody>
+      </p:sp>
+      <p:sp>
+        <p:nvSpPr>
+          <p:cNvPr id="15" name="矩形 14"/>
+          <p:cNvSpPr/>
+          <p:nvPr/>
+        </p:nvSpPr>
+        <p:spPr>
+          <a:xfrm>
+            <a:off x="3650220" y="1836130"/>
+            <a:ext cx="792088" cy="270644"/>
+          </a:xfrm>
+          <a:prstGeom prst="rect">
+            <a:avLst/>
+          </a:prstGeom>
+        </p:spPr>
+        <p:style>
+          <a:lnRef idx="1">
+            <a:schemeClr val="accent6"/>
+          </a:lnRef>
+          <a:fillRef idx="2">
+            <a:schemeClr val="accent6"/>
+          </a:fillRef>
+          <a:effectRef idx="1">
+            <a:schemeClr val="accent6"/>
+          </a:effectRef>
+          <a:fontRef idx="minor">
+            <a:schemeClr val="dk1"/>
+          </a:fontRef>
+        </p:style>
+        <p:txBody>
+          <a:bodyPr rtlCol="0" anchor="ctr"/>
+          <a:lstStyle/>
+          <a:p>
+            <a:pPr algn="ctr"/>
+            <a:r>
+              <a:rPr lang="en-US" altLang="zh-CN" dirty="0" err="1" smtClean="0"/>
+              <a:t>bitset</a:t>
+            </a:r>
+            <a:endParaRPr lang="zh-CN" altLang="en-US" dirty="0"/>
+          </a:p>
+        </p:txBody>
+      </p:sp>
+      <p:sp>
+        <p:nvSpPr>
+          <p:cNvPr id="16" name="矩形 15"/>
+          <p:cNvSpPr/>
+          <p:nvPr/>
+        </p:nvSpPr>
+        <p:spPr>
+          <a:xfrm>
+            <a:off x="5090380" y="1836254"/>
+            <a:ext cx="792088" cy="270644"/>
+          </a:xfrm>
+          <a:prstGeom prst="rect">
+            <a:avLst/>
+          </a:prstGeom>
+        </p:spPr>
+        <p:style>
+          <a:lnRef idx="1">
+            <a:schemeClr val="accent5"/>
+          </a:lnRef>
+          <a:fillRef idx="2">
+            <a:schemeClr val="accent5"/>
+          </a:fillRef>
+          <a:effectRef idx="1">
+            <a:schemeClr val="accent5"/>
+          </a:effectRef>
+          <a:fontRef idx="minor">
+            <a:schemeClr val="dk1"/>
+          </a:fontRef>
+        </p:style>
+        <p:txBody>
+          <a:bodyPr rtlCol="0" anchor="ctr"/>
+          <a:lstStyle/>
+          <a:p>
+            <a:pPr algn="ctr"/>
+            <a:r>
+              <a:rPr lang="en-US" altLang="zh-CN" dirty="0" err="1" smtClean="0"/>
+              <a:t>bitset</a:t>
+            </a:r>
+            <a:endParaRPr lang="zh-CN" altLang="en-US" dirty="0"/>
+          </a:p>
+        </p:txBody>
+      </p:sp>
+      <p:sp>
+        <p:nvSpPr>
+          <p:cNvPr id="17" name="矩形 16"/>
+          <p:cNvSpPr/>
+          <p:nvPr/>
+        </p:nvSpPr>
+        <p:spPr>
+          <a:xfrm>
+            <a:off x="6530540" y="1836254"/>
+            <a:ext cx="792088" cy="270644"/>
+          </a:xfrm>
+          <a:prstGeom prst="rect">
+            <a:avLst/>
+          </a:prstGeom>
+        </p:spPr>
+        <p:style>
+          <a:lnRef idx="1">
+            <a:schemeClr val="accent4"/>
+          </a:lnRef>
+          <a:fillRef idx="2">
+            <a:schemeClr val="accent4"/>
+          </a:fillRef>
+          <a:effectRef idx="1">
+            <a:schemeClr val="accent4"/>
+          </a:effectRef>
+          <a:fontRef idx="minor">
+            <a:schemeClr val="dk1"/>
+          </a:fontRef>
+        </p:style>
+        <p:txBody>
+          <a:bodyPr rtlCol="0" anchor="ctr"/>
+          <a:lstStyle/>
+          <a:p>
+            <a:pPr algn="ctr"/>
+            <a:r>
+              <a:rPr lang="en-US" altLang="zh-CN" dirty="0" err="1" smtClean="0"/>
+              <a:t>bitset</a:t>
+            </a:r>
+            <a:endParaRPr lang="zh-CN" altLang="en-US" dirty="0"/>
+          </a:p>
+        </p:txBody>
+      </p:sp>
+      <p:sp>
+        <p:nvSpPr>
+          <p:cNvPr id="18" name="爆炸形 2 17"/>
+          <p:cNvSpPr/>
+          <p:nvPr/>
+        </p:nvSpPr>
+        <p:spPr>
+          <a:xfrm>
+            <a:off x="-28240" y="2525812"/>
+            <a:ext cx="1656184" cy="1042888"/>
+          </a:xfrm>
+          <a:prstGeom prst="irregularSeal2">
+            <a:avLst/>
+          </a:prstGeom>
+        </p:spPr>
+        <p:style>
+          <a:lnRef idx="2">
+            <a:schemeClr val="accent1">
+              <a:shade val="50000"/>
+            </a:schemeClr>
+          </a:lnRef>
+          <a:fillRef idx="1">
+            <a:schemeClr val="accent1"/>
+          </a:fillRef>
+          <a:effectRef idx="0">
+            <a:schemeClr val="accent1"/>
+          </a:effectRef>
+          <a:fontRef idx="minor">
+            <a:schemeClr val="lt1"/>
+          </a:fontRef>
+        </p:style>
+        <p:txBody>
+          <a:bodyPr rtlCol="0" anchor="ctr"/>
+          <a:lstStyle/>
+          <a:p>
+            <a:pPr algn="ctr"/>
+            <a:r>
+              <a:rPr lang="zh-CN" altLang="en-US" dirty="0"/>
+              <a:t>数据</a:t>
+            </a:r>
+          </a:p>
+        </p:txBody>
+      </p:sp>
+      <p:sp>
+        <p:nvSpPr>
+          <p:cNvPr id="19" name="矩形 18"/>
+          <p:cNvSpPr/>
+          <p:nvPr/>
+        </p:nvSpPr>
+        <p:spPr>
+          <a:xfrm>
+            <a:off x="2132000" y="2911934"/>
+            <a:ext cx="792088" cy="270644"/>
+          </a:xfrm>
+          <a:prstGeom prst="rect">
+            <a:avLst/>
+          </a:prstGeom>
+        </p:spPr>
+        <p:style>
+          <a:lnRef idx="1">
+            <a:schemeClr val="accent3"/>
+          </a:lnRef>
+          <a:fillRef idx="3">
+            <a:schemeClr val="accent3"/>
+          </a:fillRef>
+          <a:effectRef idx="2">
+            <a:schemeClr val="accent3"/>
+          </a:effectRef>
+          <a:fontRef idx="minor">
+            <a:schemeClr val="lt1"/>
+          </a:fontRef>
+        </p:style>
+        <p:txBody>
+          <a:bodyPr rtlCol="0" anchor="ctr"/>
+          <a:lstStyle/>
+          <a:p>
+            <a:pPr algn="ctr"/>
+            <a:r>
+              <a:rPr lang="en-US" altLang="zh-CN" dirty="0" err="1" smtClean="0"/>
+              <a:t>bitset</a:t>
+            </a:r>
+            <a:endParaRPr lang="zh-CN" altLang="en-US" dirty="0"/>
+          </a:p>
+        </p:txBody>
+      </p:sp>
+      <p:sp>
+        <p:nvSpPr>
+          <p:cNvPr id="20" name="矩形 19"/>
+          <p:cNvSpPr/>
+          <p:nvPr/>
+        </p:nvSpPr>
+        <p:spPr>
+          <a:xfrm>
+            <a:off x="3644168" y="2911934"/>
+            <a:ext cx="792088" cy="270644"/>
+          </a:xfrm>
+          <a:prstGeom prst="rect">
+            <a:avLst/>
+          </a:prstGeom>
+        </p:spPr>
+        <p:style>
+          <a:lnRef idx="1">
+            <a:schemeClr val="accent6"/>
+          </a:lnRef>
+          <a:fillRef idx="2">
+            <a:schemeClr val="accent6"/>
+          </a:fillRef>
+          <a:effectRef idx="1">
+            <a:schemeClr val="accent6"/>
+          </a:effectRef>
+          <a:fontRef idx="minor">
+            <a:schemeClr val="dk1"/>
+          </a:fontRef>
+        </p:style>
+        <p:txBody>
+          <a:bodyPr rtlCol="0" anchor="ctr"/>
+          <a:lstStyle/>
+          <a:p>
+            <a:pPr algn="ctr"/>
+            <a:r>
+              <a:rPr lang="en-US" altLang="zh-CN" dirty="0" err="1" smtClean="0"/>
+              <a:t>bitset</a:t>
+            </a:r>
+            <a:endParaRPr lang="zh-CN" altLang="en-US" dirty="0"/>
+          </a:p>
+        </p:txBody>
+      </p:sp>
+      <p:sp>
+        <p:nvSpPr>
+          <p:cNvPr id="21" name="矩形 20"/>
+          <p:cNvSpPr/>
+          <p:nvPr/>
+        </p:nvSpPr>
+        <p:spPr>
+          <a:xfrm>
+            <a:off x="5084328" y="2912058"/>
+            <a:ext cx="792088" cy="270644"/>
+          </a:xfrm>
+          <a:prstGeom prst="rect">
+            <a:avLst/>
+          </a:prstGeom>
+        </p:spPr>
+        <p:style>
+          <a:lnRef idx="1">
+            <a:schemeClr val="accent5"/>
+          </a:lnRef>
+          <a:fillRef idx="2">
+            <a:schemeClr val="accent5"/>
+          </a:fillRef>
+          <a:effectRef idx="1">
+            <a:schemeClr val="accent5"/>
+          </a:effectRef>
+          <a:fontRef idx="minor">
+            <a:schemeClr val="dk1"/>
+          </a:fontRef>
+        </p:style>
+        <p:txBody>
+          <a:bodyPr rtlCol="0" anchor="ctr"/>
+          <a:lstStyle/>
+          <a:p>
+            <a:pPr algn="ctr"/>
+            <a:r>
+              <a:rPr lang="en-US" altLang="zh-CN" dirty="0" err="1" smtClean="0"/>
+              <a:t>bitset</a:t>
+            </a:r>
+            <a:endParaRPr lang="zh-CN" altLang="en-US" dirty="0"/>
+          </a:p>
+        </p:txBody>
+      </p:sp>
+      <p:sp>
+        <p:nvSpPr>
+          <p:cNvPr id="22" name="矩形 21"/>
+          <p:cNvSpPr/>
+          <p:nvPr/>
+        </p:nvSpPr>
+        <p:spPr>
+          <a:xfrm>
+            <a:off x="6524488" y="2912058"/>
+            <a:ext cx="792088" cy="270644"/>
+          </a:xfrm>
+          <a:prstGeom prst="rect">
+            <a:avLst/>
+          </a:prstGeom>
+        </p:spPr>
+        <p:style>
+          <a:lnRef idx="1">
+            <a:schemeClr val="accent4"/>
+          </a:lnRef>
+          <a:fillRef idx="2">
+            <a:schemeClr val="accent4"/>
+          </a:fillRef>
+          <a:effectRef idx="1">
+            <a:schemeClr val="accent4"/>
+          </a:effectRef>
+          <a:fontRef idx="minor">
+            <a:schemeClr val="dk1"/>
+          </a:fontRef>
+        </p:style>
+        <p:txBody>
+          <a:bodyPr rtlCol="0" anchor="ctr"/>
+          <a:lstStyle/>
+          <a:p>
+            <a:pPr algn="ctr"/>
+            <a:r>
+              <a:rPr lang="en-US" altLang="zh-CN" dirty="0" err="1" smtClean="0"/>
+              <a:t>bitset</a:t>
+            </a:r>
+            <a:endParaRPr lang="zh-CN" altLang="en-US" dirty="0"/>
+          </a:p>
+        </p:txBody>
+      </p:sp>
+      <p:sp>
+        <p:nvSpPr>
+          <p:cNvPr id="23" name="爆炸形 2 22"/>
+          <p:cNvSpPr/>
+          <p:nvPr/>
+        </p:nvSpPr>
+        <p:spPr>
+          <a:xfrm>
+            <a:off x="-36512" y="3581028"/>
+            <a:ext cx="1656184" cy="1042888"/>
+          </a:xfrm>
+          <a:prstGeom prst="irregularSeal2">
+            <a:avLst/>
+          </a:prstGeom>
+        </p:spPr>
+        <p:style>
+          <a:lnRef idx="2">
+            <a:schemeClr val="accent1">
+              <a:shade val="50000"/>
+            </a:schemeClr>
+          </a:lnRef>
+          <a:fillRef idx="1">
+            <a:schemeClr val="accent1"/>
+          </a:fillRef>
+          <a:effectRef idx="0">
+            <a:schemeClr val="accent1"/>
+          </a:effectRef>
+          <a:fontRef idx="minor">
+            <a:schemeClr val="lt1"/>
+          </a:fontRef>
+        </p:style>
+        <p:txBody>
+          <a:bodyPr rtlCol="0" anchor="ctr"/>
+          <a:lstStyle/>
+          <a:p>
+            <a:pPr algn="ctr"/>
+            <a:r>
+              <a:rPr lang="zh-CN" altLang="en-US" dirty="0"/>
+              <a:t>数据</a:t>
+            </a:r>
+          </a:p>
+        </p:txBody>
+      </p:sp>
+      <p:sp>
+        <p:nvSpPr>
+          <p:cNvPr id="24" name="矩形 23"/>
+          <p:cNvSpPr/>
+          <p:nvPr/>
+        </p:nvSpPr>
+        <p:spPr>
+          <a:xfrm>
+            <a:off x="2123728" y="3967150"/>
+            <a:ext cx="792088" cy="270644"/>
+          </a:xfrm>
+          <a:prstGeom prst="rect">
+            <a:avLst/>
+          </a:prstGeom>
+        </p:spPr>
+        <p:style>
+          <a:lnRef idx="1">
+            <a:schemeClr val="accent3"/>
+          </a:lnRef>
+          <a:fillRef idx="3">
+            <a:schemeClr val="accent3"/>
+          </a:fillRef>
+          <a:effectRef idx="2">
+            <a:schemeClr val="accent3"/>
+          </a:effectRef>
+          <a:fontRef idx="minor">
+            <a:schemeClr val="lt1"/>
+          </a:fontRef>
+        </p:style>
+        <p:txBody>
+          <a:bodyPr rtlCol="0" anchor="ctr"/>
+          <a:lstStyle/>
+          <a:p>
+            <a:pPr algn="ctr"/>
+            <a:r>
+              <a:rPr lang="en-US" altLang="zh-CN" dirty="0" err="1" smtClean="0"/>
+              <a:t>bitset</a:t>
+            </a:r>
+            <a:endParaRPr lang="zh-CN" altLang="en-US" dirty="0"/>
+          </a:p>
+        </p:txBody>
+      </p:sp>
+      <p:sp>
+        <p:nvSpPr>
+          <p:cNvPr id="25" name="矩形 24"/>
+          <p:cNvSpPr/>
+          <p:nvPr/>
+        </p:nvSpPr>
+        <p:spPr>
+          <a:xfrm>
+            <a:off x="3635896" y="3967150"/>
+            <a:ext cx="792088" cy="270644"/>
+          </a:xfrm>
+          <a:prstGeom prst="rect">
+            <a:avLst/>
+          </a:prstGeom>
+        </p:spPr>
+        <p:style>
+          <a:lnRef idx="1">
+            <a:schemeClr val="accent6"/>
+          </a:lnRef>
+          <a:fillRef idx="2">
+            <a:schemeClr val="accent6"/>
+          </a:fillRef>
+          <a:effectRef idx="1">
+            <a:schemeClr val="accent6"/>
+          </a:effectRef>
+          <a:fontRef idx="minor">
+            <a:schemeClr val="dk1"/>
+          </a:fontRef>
+        </p:style>
+        <p:txBody>
+          <a:bodyPr rtlCol="0" anchor="ctr"/>
+          <a:lstStyle/>
+          <a:p>
+            <a:pPr algn="ctr"/>
+            <a:r>
+              <a:rPr lang="en-US" altLang="zh-CN" dirty="0" err="1" smtClean="0"/>
+              <a:t>bitset</a:t>
+            </a:r>
+            <a:endParaRPr lang="zh-CN" altLang="en-US" dirty="0"/>
+          </a:p>
+        </p:txBody>
+      </p:sp>
+      <p:sp>
+        <p:nvSpPr>
+          <p:cNvPr id="26" name="矩形 25"/>
+          <p:cNvSpPr/>
+          <p:nvPr/>
+        </p:nvSpPr>
+        <p:spPr>
+          <a:xfrm>
+            <a:off x="5076056" y="3967274"/>
+            <a:ext cx="792088" cy="270644"/>
+          </a:xfrm>
+          <a:prstGeom prst="rect">
+            <a:avLst/>
+          </a:prstGeom>
+        </p:spPr>
+        <p:style>
+          <a:lnRef idx="1">
+            <a:schemeClr val="accent5"/>
+          </a:lnRef>
+          <a:fillRef idx="2">
+            <a:schemeClr val="accent5"/>
+          </a:fillRef>
+          <a:effectRef idx="1">
+            <a:schemeClr val="accent5"/>
+          </a:effectRef>
+          <a:fontRef idx="minor">
+            <a:schemeClr val="dk1"/>
+          </a:fontRef>
+        </p:style>
+        <p:txBody>
+          <a:bodyPr rtlCol="0" anchor="ctr"/>
+          <a:lstStyle/>
+          <a:p>
+            <a:pPr algn="ctr"/>
+            <a:r>
+              <a:rPr lang="en-US" altLang="zh-CN" dirty="0" err="1" smtClean="0"/>
+              <a:t>bitset</a:t>
+            </a:r>
+            <a:endParaRPr lang="zh-CN" altLang="en-US" dirty="0"/>
+          </a:p>
+        </p:txBody>
+      </p:sp>
+      <p:sp>
+        <p:nvSpPr>
+          <p:cNvPr id="27" name="矩形 26"/>
+          <p:cNvSpPr/>
+          <p:nvPr/>
+        </p:nvSpPr>
+        <p:spPr>
+          <a:xfrm>
+            <a:off x="6516216" y="3967274"/>
+            <a:ext cx="792088" cy="270644"/>
+          </a:xfrm>
+          <a:prstGeom prst="rect">
+            <a:avLst/>
+          </a:prstGeom>
+        </p:spPr>
+        <p:style>
+          <a:lnRef idx="1">
+            <a:schemeClr val="accent4"/>
+          </a:lnRef>
+          <a:fillRef idx="2">
+            <a:schemeClr val="accent4"/>
+          </a:fillRef>
+          <a:effectRef idx="1">
+            <a:schemeClr val="accent4"/>
+          </a:effectRef>
+          <a:fontRef idx="minor">
+            <a:schemeClr val="dk1"/>
+          </a:fontRef>
+        </p:style>
+        <p:txBody>
+          <a:bodyPr rtlCol="0" anchor="ctr"/>
+          <a:lstStyle/>
+          <a:p>
+            <a:pPr algn="ctr"/>
+            <a:r>
+              <a:rPr lang="en-US" altLang="zh-CN" dirty="0" err="1" smtClean="0"/>
+              <a:t>bitset</a:t>
+            </a:r>
+            <a:endParaRPr lang="zh-CN" altLang="en-US" dirty="0"/>
+          </a:p>
+        </p:txBody>
+      </p:sp>
+      <p:sp>
+        <p:nvSpPr>
+          <p:cNvPr id="28" name="矩形 27"/>
+          <p:cNvSpPr/>
+          <p:nvPr/>
+        </p:nvSpPr>
+        <p:spPr>
+          <a:xfrm>
+            <a:off x="2142840" y="5093878"/>
+            <a:ext cx="792088" cy="270644"/>
+          </a:xfrm>
+          <a:prstGeom prst="rect">
+            <a:avLst/>
+          </a:prstGeom>
+        </p:spPr>
+        <p:style>
+          <a:lnRef idx="1">
+            <a:schemeClr val="accent3"/>
+          </a:lnRef>
+          <a:fillRef idx="3">
+            <a:schemeClr val="accent3"/>
+          </a:fillRef>
+          <a:effectRef idx="2">
+            <a:schemeClr val="accent3"/>
+          </a:effectRef>
+          <a:fontRef idx="minor">
+            <a:schemeClr val="lt1"/>
+          </a:fontRef>
+        </p:style>
+        <p:txBody>
+          <a:bodyPr rtlCol="0" anchor="ctr"/>
+          <a:lstStyle/>
+          <a:p>
+            <a:pPr algn="ctr"/>
+            <a:r>
+              <a:rPr lang="en-US" altLang="zh-CN" dirty="0" err="1" smtClean="0"/>
+              <a:t>bitset</a:t>
+            </a:r>
+            <a:endParaRPr lang="zh-CN" altLang="en-US" dirty="0"/>
+          </a:p>
+        </p:txBody>
+      </p:sp>
+      <p:sp>
+        <p:nvSpPr>
+          <p:cNvPr id="30" name="矩形 29"/>
+          <p:cNvSpPr/>
+          <p:nvPr/>
+        </p:nvSpPr>
+        <p:spPr>
+          <a:xfrm>
+            <a:off x="3690492" y="5119650"/>
+            <a:ext cx="792088" cy="270644"/>
+          </a:xfrm>
+          <a:prstGeom prst="rect">
+            <a:avLst/>
+          </a:prstGeom>
+        </p:spPr>
+        <p:style>
+          <a:lnRef idx="1">
+            <a:schemeClr val="accent6"/>
+          </a:lnRef>
+          <a:fillRef idx="2">
+            <a:schemeClr val="accent6"/>
+          </a:fillRef>
+          <a:effectRef idx="1">
+            <a:schemeClr val="accent6"/>
+          </a:effectRef>
+          <a:fontRef idx="minor">
+            <a:schemeClr val="dk1"/>
+          </a:fontRef>
+        </p:style>
+        <p:txBody>
+          <a:bodyPr rtlCol="0" anchor="ctr"/>
+          <a:lstStyle/>
+          <a:p>
+            <a:pPr algn="ctr"/>
+            <a:r>
+              <a:rPr lang="en-US" altLang="zh-CN" dirty="0" err="1" smtClean="0"/>
+              <a:t>bitset</a:t>
+            </a:r>
+            <a:endParaRPr lang="zh-CN" altLang="en-US" dirty="0"/>
+          </a:p>
+        </p:txBody>
+      </p:sp>
+      <p:sp>
+        <p:nvSpPr>
+          <p:cNvPr id="32" name="矩形 31"/>
+          <p:cNvSpPr/>
+          <p:nvPr/>
+        </p:nvSpPr>
+        <p:spPr>
+          <a:xfrm>
+            <a:off x="5106120" y="5111824"/>
+            <a:ext cx="792088" cy="270644"/>
+          </a:xfrm>
+          <a:prstGeom prst="rect">
+            <a:avLst/>
+          </a:prstGeom>
+        </p:spPr>
+        <p:style>
+          <a:lnRef idx="1">
+            <a:schemeClr val="accent5"/>
+          </a:lnRef>
+          <a:fillRef idx="3">
+            <a:schemeClr val="accent5"/>
+          </a:fillRef>
+          <a:effectRef idx="2">
+            <a:schemeClr val="accent5"/>
+          </a:effectRef>
+          <a:fontRef idx="minor">
+            <a:schemeClr val="lt1"/>
+          </a:fontRef>
+        </p:style>
+        <p:txBody>
+          <a:bodyPr rtlCol="0" anchor="ctr"/>
+          <a:lstStyle/>
+          <a:p>
+            <a:pPr algn="ctr"/>
+            <a:r>
+              <a:rPr lang="en-US" altLang="zh-CN" dirty="0" err="1" smtClean="0"/>
+              <a:t>bitset</a:t>
+            </a:r>
+            <a:endParaRPr lang="zh-CN" altLang="en-US" dirty="0"/>
+          </a:p>
+        </p:txBody>
+      </p:sp>
+      <p:sp>
+        <p:nvSpPr>
+          <p:cNvPr id="34" name="矩形 33"/>
+          <p:cNvSpPr/>
+          <p:nvPr/>
+        </p:nvSpPr>
+        <p:spPr>
+          <a:xfrm>
+            <a:off x="6497204" y="5119650"/>
+            <a:ext cx="792088" cy="270644"/>
+          </a:xfrm>
+          <a:prstGeom prst="rect">
+            <a:avLst/>
+          </a:prstGeom>
+        </p:spPr>
+        <p:style>
+          <a:lnRef idx="1">
+            <a:schemeClr val="accent4"/>
+          </a:lnRef>
+          <a:fillRef idx="2">
+            <a:schemeClr val="accent4"/>
+          </a:fillRef>
+          <a:effectRef idx="1">
+            <a:schemeClr val="accent4"/>
+          </a:effectRef>
+          <a:fontRef idx="minor">
+            <a:schemeClr val="dk1"/>
+          </a:fontRef>
+        </p:style>
+        <p:txBody>
+          <a:bodyPr rtlCol="0" anchor="ctr"/>
+          <a:lstStyle/>
+          <a:p>
+            <a:pPr algn="ctr"/>
+            <a:r>
+              <a:rPr lang="en-US" altLang="zh-CN" dirty="0" err="1" smtClean="0"/>
+              <a:t>bitset</a:t>
+            </a:r>
+            <a:endParaRPr lang="zh-CN" altLang="en-US" dirty="0"/>
+          </a:p>
+        </p:txBody>
+      </p:sp>
+      <p:sp>
+        <p:nvSpPr>
+          <p:cNvPr id="38" name="加号 37"/>
+          <p:cNvSpPr/>
+          <p:nvPr/>
+        </p:nvSpPr>
+        <p:spPr>
+          <a:xfrm>
+            <a:off x="3146164" y="5146321"/>
+            <a:ext cx="288032" cy="270954"/>
+          </a:xfrm>
+          <a:prstGeom prst="mathPlus">
+            <a:avLst/>
+          </a:prstGeom>
+        </p:spPr>
+        <p:style>
+          <a:lnRef idx="2">
+            <a:schemeClr val="accent1">
+              <a:shade val="50000"/>
+            </a:schemeClr>
+          </a:lnRef>
+          <a:fillRef idx="1">
+            <a:schemeClr val="accent1"/>
+          </a:fillRef>
+          <a:effectRef idx="0">
+            <a:schemeClr val="accent1"/>
+          </a:effectRef>
+          <a:fontRef idx="minor">
+            <a:schemeClr val="lt1"/>
+          </a:fontRef>
+        </p:style>
+        <p:txBody>
+          <a:bodyPr rtlCol="0" anchor="ctr"/>
+          <a:lstStyle/>
+          <a:p>
+            <a:pPr algn="ctr"/>
+            <a:endParaRPr lang="zh-CN" altLang="en-US"/>
+          </a:p>
+        </p:txBody>
+      </p:sp>
+      <p:sp>
+        <p:nvSpPr>
+          <p:cNvPr id="39" name="加号 38"/>
+          <p:cNvSpPr/>
+          <p:nvPr/>
+        </p:nvSpPr>
+        <p:spPr>
+          <a:xfrm>
+            <a:off x="4658332" y="5168521"/>
+            <a:ext cx="288032" cy="270954"/>
+          </a:xfrm>
+          <a:prstGeom prst="mathPlus">
+            <a:avLst/>
+          </a:prstGeom>
+        </p:spPr>
+        <p:style>
+          <a:lnRef idx="2">
+            <a:schemeClr val="accent1">
+              <a:shade val="50000"/>
+            </a:schemeClr>
+          </a:lnRef>
+          <a:fillRef idx="1">
+            <a:schemeClr val="accent1"/>
+          </a:fillRef>
+          <a:effectRef idx="0">
+            <a:schemeClr val="accent1"/>
+          </a:effectRef>
+          <a:fontRef idx="minor">
+            <a:schemeClr val="lt1"/>
+          </a:fontRef>
+        </p:style>
+        <p:txBody>
+          <a:bodyPr rtlCol="0" anchor="ctr"/>
+          <a:lstStyle/>
+          <a:p>
+            <a:pPr algn="ctr"/>
+            <a:endParaRPr lang="zh-CN" altLang="en-US"/>
+          </a:p>
+        </p:txBody>
+      </p:sp>
+      <p:sp>
+        <p:nvSpPr>
+          <p:cNvPr id="40" name="加号 39"/>
+          <p:cNvSpPr/>
+          <p:nvPr/>
+        </p:nvSpPr>
+        <p:spPr>
+          <a:xfrm>
+            <a:off x="6098492" y="5146321"/>
+            <a:ext cx="288032" cy="270954"/>
+          </a:xfrm>
+          <a:prstGeom prst="mathPlus">
+            <a:avLst/>
+          </a:prstGeom>
+        </p:spPr>
+        <p:style>
+          <a:lnRef idx="2">
+            <a:schemeClr val="accent1">
+              <a:shade val="50000"/>
+            </a:schemeClr>
+          </a:lnRef>
+          <a:fillRef idx="1">
+            <a:schemeClr val="accent1"/>
+          </a:fillRef>
+          <a:effectRef idx="0">
+            <a:schemeClr val="accent1"/>
+          </a:effectRef>
+          <a:fontRef idx="minor">
+            <a:schemeClr val="lt1"/>
+          </a:fontRef>
+        </p:style>
+        <p:txBody>
+          <a:bodyPr rtlCol="0" anchor="ctr"/>
+          <a:lstStyle/>
+          <a:p>
+            <a:pPr algn="ctr"/>
+            <a:endParaRPr lang="zh-CN" altLang="en-US"/>
+          </a:p>
+        </p:txBody>
+      </p:sp>
+      <p:sp>
+        <p:nvSpPr>
+          <p:cNvPr id="41" name="等于号 40"/>
+          <p:cNvSpPr/>
+          <p:nvPr/>
+        </p:nvSpPr>
+        <p:spPr>
+          <a:xfrm>
+            <a:off x="7524328" y="5169761"/>
+            <a:ext cx="432048" cy="244872"/>
+          </a:xfrm>
+          <a:prstGeom prst="mathEqual">
+            <a:avLst/>
+          </a:prstGeom>
+        </p:spPr>
+        <p:style>
+          <a:lnRef idx="2">
+            <a:schemeClr val="accent1">
+              <a:shade val="50000"/>
+            </a:schemeClr>
+          </a:lnRef>
+          <a:fillRef idx="1">
+            <a:schemeClr val="accent1"/>
+          </a:fillRef>
+          <a:effectRef idx="0">
+            <a:schemeClr val="accent1"/>
+          </a:effectRef>
+          <a:fontRef idx="minor">
+            <a:schemeClr val="lt1"/>
+          </a:fontRef>
+        </p:style>
+        <p:txBody>
+          <a:bodyPr rtlCol="0" anchor="ctr"/>
+          <a:lstStyle/>
+          <a:p>
+            <a:pPr algn="ctr"/>
+            <a:endParaRPr lang="zh-CN" altLang="en-US">
+              <a:solidFill>
+                <a:schemeClr val="tx1"/>
+              </a:solidFill>
+            </a:endParaRPr>
+          </a:p>
+        </p:txBody>
+      </p:sp>
+      <p:sp>
+        <p:nvSpPr>
+          <p:cNvPr id="43" name="矩形 42"/>
+          <p:cNvSpPr/>
+          <p:nvPr/>
+        </p:nvSpPr>
+        <p:spPr>
+          <a:xfrm>
+            <a:off x="8172400" y="4455597"/>
+            <a:ext cx="751320" cy="1428328"/>
+          </a:xfrm>
+          <a:prstGeom prst="rect">
+            <a:avLst/>
+          </a:prstGeom>
+        </p:spPr>
+        <p:style>
+          <a:lnRef idx="2">
+            <a:schemeClr val="accent1">
+              <a:shade val="50000"/>
+            </a:schemeClr>
+          </a:lnRef>
+          <a:fillRef idx="1">
+            <a:schemeClr val="accent1"/>
+          </a:fillRef>
+          <a:effectRef idx="0">
+            <a:schemeClr val="accent1"/>
+          </a:effectRef>
+          <a:fontRef idx="minor">
+            <a:schemeClr val="lt1"/>
+          </a:fontRef>
+        </p:style>
+        <p:txBody>
+          <a:bodyPr rtlCol="0" anchor="ctr"/>
+          <a:lstStyle/>
+          <a:p>
+            <a:pPr algn="ctr"/>
             <a:r>
               <a:rPr lang="zh-CN" altLang="en-US" dirty="0" smtClean="0"/>
-              <a:t>挖掘、个性化推荐等等作为代表。</a:t>
+              <a:t>结</a:t>
             </a:r>
             <a:endParaRPr lang="en-US" altLang="zh-CN" dirty="0" smtClean="0"/>
           </a:p>
           <a:p>
-            <a:r>
-              <a:rPr lang="zh-CN" altLang="en-US" sz="3200" dirty="0" smtClean="0"/>
-              <a:t>开放</a:t>
-            </a:r>
-            <a:endParaRPr lang="en-US" altLang="zh-CN" sz="3200" dirty="0" smtClean="0"/>
-          </a:p>
-          <a:p>
-            <a:pPr marL="457200" lvl="1" indent="0">
-              <a:buNone/>
-            </a:pPr>
+            <a:pPr algn="ctr"/>
             <a:r>
               <a:rPr lang="zh-CN" altLang="en-US" dirty="0" smtClean="0"/>
-              <a:t>让</a:t>
-            </a:r>
-            <a:r>
-              <a:rPr lang="zh-CN" altLang="en-US" dirty="0"/>
-              <a:t>整个社会去分享数据，让每个人都可以去挖掘数据，每个人都可以创造价值。</a:t>
-            </a:r>
-          </a:p>
-          <a:p>
-            <a:endParaRPr lang="zh-CN" altLang="en-US" sz="3600" dirty="0"/>
+              <a:t>果</a:t>
+            </a:r>
+            <a:endParaRPr lang="zh-CN" altLang="en-US" dirty="0"/>
+          </a:p>
+        </p:txBody>
+      </p:sp>
+      <p:sp>
+        <p:nvSpPr>
+          <p:cNvPr id="44" name="云形标注 43"/>
+          <p:cNvSpPr/>
+          <p:nvPr/>
+        </p:nvSpPr>
+        <p:spPr>
+          <a:xfrm>
+            <a:off x="1724000" y="5620196"/>
+            <a:ext cx="1566180" cy="864096"/>
+          </a:xfrm>
+          <a:prstGeom prst="cloudCallout">
+            <a:avLst>
+              <a:gd name="adj1" fmla="val -4194"/>
+              <a:gd name="adj2" fmla="val -81535"/>
+            </a:avLst>
+          </a:prstGeom>
+        </p:spPr>
+        <p:style>
+          <a:lnRef idx="2">
+            <a:schemeClr val="accent1"/>
+          </a:lnRef>
+          <a:fillRef idx="1">
+            <a:schemeClr val="lt1"/>
+          </a:fillRef>
+          <a:effectRef idx="0">
+            <a:schemeClr val="accent1"/>
+          </a:effectRef>
+          <a:fontRef idx="minor">
+            <a:schemeClr val="dk1"/>
+          </a:fontRef>
+        </p:style>
+        <p:txBody>
+          <a:bodyPr rtlCol="0" anchor="ctr"/>
+          <a:lstStyle/>
+          <a:p>
+            <a:pPr algn="ctr"/>
+            <a:r>
+              <a:rPr lang="en-US" altLang="zh-CN" dirty="0" smtClean="0"/>
+              <a:t>merger </a:t>
+            </a:r>
+          </a:p>
+          <a:p>
+            <a:pPr algn="ctr"/>
+            <a:r>
+              <a:rPr lang="zh-CN" altLang="en-US" dirty="0" smtClean="0"/>
+              <a:t>合并</a:t>
+            </a:r>
+            <a:endParaRPr lang="zh-CN" altLang="en-US" dirty="0"/>
+          </a:p>
+        </p:txBody>
+      </p:sp>
+      <p:sp>
+        <p:nvSpPr>
+          <p:cNvPr id="47" name="云形标注 46"/>
+          <p:cNvSpPr/>
+          <p:nvPr/>
+        </p:nvSpPr>
+        <p:spPr>
+          <a:xfrm>
+            <a:off x="6981880" y="5889481"/>
+            <a:ext cx="1766584" cy="864096"/>
+          </a:xfrm>
+          <a:prstGeom prst="cloudCallout">
+            <a:avLst>
+              <a:gd name="adj1" fmla="val -4194"/>
+              <a:gd name="adj2" fmla="val -81535"/>
+            </a:avLst>
+          </a:prstGeom>
+        </p:spPr>
+        <p:style>
+          <a:lnRef idx="2">
+            <a:schemeClr val="accent1"/>
+          </a:lnRef>
+          <a:fillRef idx="1">
+            <a:schemeClr val="lt1"/>
+          </a:fillRef>
+          <a:effectRef idx="0">
+            <a:schemeClr val="accent1"/>
+          </a:effectRef>
+          <a:fontRef idx="minor">
+            <a:schemeClr val="dk1"/>
+          </a:fontRef>
+        </p:style>
+        <p:txBody>
+          <a:bodyPr rtlCol="0" anchor="ctr"/>
+          <a:lstStyle/>
+          <a:p>
+            <a:pPr algn="ctr"/>
+            <a:r>
+              <a:rPr lang="zh-CN" altLang="en-US" dirty="0" smtClean="0"/>
+              <a:t>简单累加</a:t>
+            </a:r>
+            <a:endParaRPr lang="zh-CN" altLang="en-US" dirty="0"/>
           </a:p>
         </p:txBody>
       </p:sp>
     </p:spTree>
     <p:extLst>
       <p:ext uri="{BB962C8B-B14F-4D97-AF65-F5344CB8AC3E}">
-        <p14:creationId xmlns:p14="http://schemas.microsoft.com/office/powerpoint/2010/main" val="723033350"/>
+        <p14:creationId xmlns:p14="http://schemas.microsoft.com/office/powerpoint/2010/main" val="1441922482"/>
       </p:ext>
     </p:extLst>
   </p:cSld>
@@ -28322,9 +29516,2317 @@
   <p:timing>
     <p:tnLst>
       <p:par>
-        <p:cTn id="1" dur="indefinite" restart="never" nodeType="tmRoot"/>
+        <p:cTn id="1" dur="indefinite" restart="never" nodeType="tmRoot">
+          <p:childTnLst>
+            <p:seq concurrent="1" nextAc="seek">
+              <p:cTn id="2" dur="indefinite" nodeType="mainSeq">
+                <p:childTnLst>
+                  <p:par>
+                    <p:cTn id="3" fill="hold">
+                      <p:stCondLst>
+                        <p:cond delay="indefinite"/>
+                      </p:stCondLst>
+                      <p:childTnLst>
+                        <p:par>
+                          <p:cTn id="4" fill="hold">
+                            <p:stCondLst>
+                              <p:cond delay="0"/>
+                            </p:stCondLst>
+                            <p:childTnLst>
+                              <p:par>
+                                <p:cTn id="5" presetID="42" presetClass="entr" presetSubtype="0" fill="hold" grpId="0" nodeType="clickEffect">
+                                  <p:stCondLst>
+                                    <p:cond delay="0"/>
+                                  </p:stCondLst>
+                                  <p:childTnLst>
+                                    <p:set>
+                                      <p:cBhvr>
+                                        <p:cTn id="6" dur="1" fill="hold">
+                                          <p:stCondLst>
+                                            <p:cond delay="0"/>
+                                          </p:stCondLst>
+                                        </p:cTn>
+                                        <p:tgtEl>
+                                          <p:spTgt spid="4"/>
+                                        </p:tgtEl>
+                                        <p:attrNameLst>
+                                          <p:attrName>style.visibility</p:attrName>
+                                        </p:attrNameLst>
+                                      </p:cBhvr>
+                                      <p:to>
+                                        <p:strVal val="visible"/>
+                                      </p:to>
+                                    </p:set>
+                                    <p:animEffect transition="in" filter="fade">
+                                      <p:cBhvr>
+                                        <p:cTn id="7" dur="1000"/>
+                                        <p:tgtEl>
+                                          <p:spTgt spid="4"/>
+                                        </p:tgtEl>
+                                      </p:cBhvr>
+                                    </p:animEffect>
+                                    <p:anim calcmode="lin" valueType="num">
+                                      <p:cBhvr>
+                                        <p:cTn id="8" dur="1000" fill="hold"/>
+                                        <p:tgtEl>
+                                          <p:spTgt spid="4"/>
+                                        </p:tgtEl>
+                                        <p:attrNameLst>
+                                          <p:attrName>ppt_x</p:attrName>
+                                        </p:attrNameLst>
+                                      </p:cBhvr>
+                                      <p:tavLst>
+                                        <p:tav tm="0">
+                                          <p:val>
+                                            <p:strVal val="#ppt_x"/>
+                                          </p:val>
+                                        </p:tav>
+                                        <p:tav tm="100000">
+                                          <p:val>
+                                            <p:strVal val="#ppt_x"/>
+                                          </p:val>
+                                        </p:tav>
+                                      </p:tavLst>
+                                    </p:anim>
+                                    <p:anim calcmode="lin" valueType="num">
+                                      <p:cBhvr>
+                                        <p:cTn id="9" dur="1000" fill="hold"/>
+                                        <p:tgtEl>
+                                          <p:spTgt spid="4"/>
+                                        </p:tgtEl>
+                                        <p:attrNameLst>
+                                          <p:attrName>ppt_y</p:attrName>
+                                        </p:attrNameLst>
+                                      </p:cBhvr>
+                                      <p:tavLst>
+                                        <p:tav tm="0">
+                                          <p:val>
+                                            <p:strVal val="#ppt_y+.1"/>
+                                          </p:val>
+                                        </p:tav>
+                                        <p:tav tm="100000">
+                                          <p:val>
+                                            <p:strVal val="#ppt_y"/>
+                                          </p:val>
+                                        </p:tav>
+                                      </p:tavLst>
+                                    </p:anim>
+                                  </p:childTnLst>
+                                </p:cTn>
+                              </p:par>
+                              <p:par>
+                                <p:cTn id="10" presetID="42" presetClass="entr" presetSubtype="0" fill="hold" grpId="0" nodeType="withEffect">
+                                  <p:stCondLst>
+                                    <p:cond delay="0"/>
+                                  </p:stCondLst>
+                                  <p:childTnLst>
+                                    <p:set>
+                                      <p:cBhvr>
+                                        <p:cTn id="11" dur="1" fill="hold">
+                                          <p:stCondLst>
+                                            <p:cond delay="0"/>
+                                          </p:stCondLst>
+                                        </p:cTn>
+                                        <p:tgtEl>
+                                          <p:spTgt spid="14"/>
+                                        </p:tgtEl>
+                                        <p:attrNameLst>
+                                          <p:attrName>style.visibility</p:attrName>
+                                        </p:attrNameLst>
+                                      </p:cBhvr>
+                                      <p:to>
+                                        <p:strVal val="visible"/>
+                                      </p:to>
+                                    </p:set>
+                                    <p:animEffect transition="in" filter="fade">
+                                      <p:cBhvr>
+                                        <p:cTn id="12" dur="1000"/>
+                                        <p:tgtEl>
+                                          <p:spTgt spid="14"/>
+                                        </p:tgtEl>
+                                      </p:cBhvr>
+                                    </p:animEffect>
+                                    <p:anim calcmode="lin" valueType="num">
+                                      <p:cBhvr>
+                                        <p:cTn id="13" dur="1000" fill="hold"/>
+                                        <p:tgtEl>
+                                          <p:spTgt spid="14"/>
+                                        </p:tgtEl>
+                                        <p:attrNameLst>
+                                          <p:attrName>ppt_x</p:attrName>
+                                        </p:attrNameLst>
+                                      </p:cBhvr>
+                                      <p:tavLst>
+                                        <p:tav tm="0">
+                                          <p:val>
+                                            <p:strVal val="#ppt_x"/>
+                                          </p:val>
+                                        </p:tav>
+                                        <p:tav tm="100000">
+                                          <p:val>
+                                            <p:strVal val="#ppt_x"/>
+                                          </p:val>
+                                        </p:tav>
+                                      </p:tavLst>
+                                    </p:anim>
+                                    <p:anim calcmode="lin" valueType="num">
+                                      <p:cBhvr>
+                                        <p:cTn id="14" dur="1000" fill="hold"/>
+                                        <p:tgtEl>
+                                          <p:spTgt spid="14"/>
+                                        </p:tgtEl>
+                                        <p:attrNameLst>
+                                          <p:attrName>ppt_y</p:attrName>
+                                        </p:attrNameLst>
+                                      </p:cBhvr>
+                                      <p:tavLst>
+                                        <p:tav tm="0">
+                                          <p:val>
+                                            <p:strVal val="#ppt_y+.1"/>
+                                          </p:val>
+                                        </p:tav>
+                                        <p:tav tm="100000">
+                                          <p:val>
+                                            <p:strVal val="#ppt_y"/>
+                                          </p:val>
+                                        </p:tav>
+                                      </p:tavLst>
+                                    </p:anim>
+                                  </p:childTnLst>
+                                </p:cTn>
+                              </p:par>
+                              <p:par>
+                                <p:cTn id="15" presetID="42" presetClass="entr" presetSubtype="0" fill="hold" grpId="0" nodeType="withEffect">
+                                  <p:stCondLst>
+                                    <p:cond delay="0"/>
+                                  </p:stCondLst>
+                                  <p:childTnLst>
+                                    <p:set>
+                                      <p:cBhvr>
+                                        <p:cTn id="16" dur="1" fill="hold">
+                                          <p:stCondLst>
+                                            <p:cond delay="0"/>
+                                          </p:stCondLst>
+                                        </p:cTn>
+                                        <p:tgtEl>
+                                          <p:spTgt spid="15"/>
+                                        </p:tgtEl>
+                                        <p:attrNameLst>
+                                          <p:attrName>style.visibility</p:attrName>
+                                        </p:attrNameLst>
+                                      </p:cBhvr>
+                                      <p:to>
+                                        <p:strVal val="visible"/>
+                                      </p:to>
+                                    </p:set>
+                                    <p:animEffect transition="in" filter="fade">
+                                      <p:cBhvr>
+                                        <p:cTn id="17" dur="1000"/>
+                                        <p:tgtEl>
+                                          <p:spTgt spid="15"/>
+                                        </p:tgtEl>
+                                      </p:cBhvr>
+                                    </p:animEffect>
+                                    <p:anim calcmode="lin" valueType="num">
+                                      <p:cBhvr>
+                                        <p:cTn id="18" dur="1000" fill="hold"/>
+                                        <p:tgtEl>
+                                          <p:spTgt spid="15"/>
+                                        </p:tgtEl>
+                                        <p:attrNameLst>
+                                          <p:attrName>ppt_x</p:attrName>
+                                        </p:attrNameLst>
+                                      </p:cBhvr>
+                                      <p:tavLst>
+                                        <p:tav tm="0">
+                                          <p:val>
+                                            <p:strVal val="#ppt_x"/>
+                                          </p:val>
+                                        </p:tav>
+                                        <p:tav tm="100000">
+                                          <p:val>
+                                            <p:strVal val="#ppt_x"/>
+                                          </p:val>
+                                        </p:tav>
+                                      </p:tavLst>
+                                    </p:anim>
+                                    <p:anim calcmode="lin" valueType="num">
+                                      <p:cBhvr>
+                                        <p:cTn id="19" dur="1000" fill="hold"/>
+                                        <p:tgtEl>
+                                          <p:spTgt spid="15"/>
+                                        </p:tgtEl>
+                                        <p:attrNameLst>
+                                          <p:attrName>ppt_y</p:attrName>
+                                        </p:attrNameLst>
+                                      </p:cBhvr>
+                                      <p:tavLst>
+                                        <p:tav tm="0">
+                                          <p:val>
+                                            <p:strVal val="#ppt_y+.1"/>
+                                          </p:val>
+                                        </p:tav>
+                                        <p:tav tm="100000">
+                                          <p:val>
+                                            <p:strVal val="#ppt_y"/>
+                                          </p:val>
+                                        </p:tav>
+                                      </p:tavLst>
+                                    </p:anim>
+                                  </p:childTnLst>
+                                </p:cTn>
+                              </p:par>
+                              <p:par>
+                                <p:cTn id="20" presetID="42" presetClass="entr" presetSubtype="0" fill="hold" grpId="0" nodeType="withEffect">
+                                  <p:stCondLst>
+                                    <p:cond delay="0"/>
+                                  </p:stCondLst>
+                                  <p:childTnLst>
+                                    <p:set>
+                                      <p:cBhvr>
+                                        <p:cTn id="21" dur="1" fill="hold">
+                                          <p:stCondLst>
+                                            <p:cond delay="0"/>
+                                          </p:stCondLst>
+                                        </p:cTn>
+                                        <p:tgtEl>
+                                          <p:spTgt spid="16"/>
+                                        </p:tgtEl>
+                                        <p:attrNameLst>
+                                          <p:attrName>style.visibility</p:attrName>
+                                        </p:attrNameLst>
+                                      </p:cBhvr>
+                                      <p:to>
+                                        <p:strVal val="visible"/>
+                                      </p:to>
+                                    </p:set>
+                                    <p:animEffect transition="in" filter="fade">
+                                      <p:cBhvr>
+                                        <p:cTn id="22" dur="1000"/>
+                                        <p:tgtEl>
+                                          <p:spTgt spid="16"/>
+                                        </p:tgtEl>
+                                      </p:cBhvr>
+                                    </p:animEffect>
+                                    <p:anim calcmode="lin" valueType="num">
+                                      <p:cBhvr>
+                                        <p:cTn id="23" dur="1000" fill="hold"/>
+                                        <p:tgtEl>
+                                          <p:spTgt spid="16"/>
+                                        </p:tgtEl>
+                                        <p:attrNameLst>
+                                          <p:attrName>ppt_x</p:attrName>
+                                        </p:attrNameLst>
+                                      </p:cBhvr>
+                                      <p:tavLst>
+                                        <p:tav tm="0">
+                                          <p:val>
+                                            <p:strVal val="#ppt_x"/>
+                                          </p:val>
+                                        </p:tav>
+                                        <p:tav tm="100000">
+                                          <p:val>
+                                            <p:strVal val="#ppt_x"/>
+                                          </p:val>
+                                        </p:tav>
+                                      </p:tavLst>
+                                    </p:anim>
+                                    <p:anim calcmode="lin" valueType="num">
+                                      <p:cBhvr>
+                                        <p:cTn id="24" dur="1000" fill="hold"/>
+                                        <p:tgtEl>
+                                          <p:spTgt spid="16"/>
+                                        </p:tgtEl>
+                                        <p:attrNameLst>
+                                          <p:attrName>ppt_y</p:attrName>
+                                        </p:attrNameLst>
+                                      </p:cBhvr>
+                                      <p:tavLst>
+                                        <p:tav tm="0">
+                                          <p:val>
+                                            <p:strVal val="#ppt_y+.1"/>
+                                          </p:val>
+                                        </p:tav>
+                                        <p:tav tm="100000">
+                                          <p:val>
+                                            <p:strVal val="#ppt_y"/>
+                                          </p:val>
+                                        </p:tav>
+                                      </p:tavLst>
+                                    </p:anim>
+                                  </p:childTnLst>
+                                </p:cTn>
+                              </p:par>
+                              <p:par>
+                                <p:cTn id="25" presetID="42" presetClass="entr" presetSubtype="0" fill="hold" grpId="0" nodeType="withEffect">
+                                  <p:stCondLst>
+                                    <p:cond delay="0"/>
+                                  </p:stCondLst>
+                                  <p:childTnLst>
+                                    <p:set>
+                                      <p:cBhvr>
+                                        <p:cTn id="26" dur="1" fill="hold">
+                                          <p:stCondLst>
+                                            <p:cond delay="0"/>
+                                          </p:stCondLst>
+                                        </p:cTn>
+                                        <p:tgtEl>
+                                          <p:spTgt spid="17"/>
+                                        </p:tgtEl>
+                                        <p:attrNameLst>
+                                          <p:attrName>style.visibility</p:attrName>
+                                        </p:attrNameLst>
+                                      </p:cBhvr>
+                                      <p:to>
+                                        <p:strVal val="visible"/>
+                                      </p:to>
+                                    </p:set>
+                                    <p:animEffect transition="in" filter="fade">
+                                      <p:cBhvr>
+                                        <p:cTn id="27" dur="1000"/>
+                                        <p:tgtEl>
+                                          <p:spTgt spid="17"/>
+                                        </p:tgtEl>
+                                      </p:cBhvr>
+                                    </p:animEffect>
+                                    <p:anim calcmode="lin" valueType="num">
+                                      <p:cBhvr>
+                                        <p:cTn id="28" dur="1000" fill="hold"/>
+                                        <p:tgtEl>
+                                          <p:spTgt spid="17"/>
+                                        </p:tgtEl>
+                                        <p:attrNameLst>
+                                          <p:attrName>ppt_x</p:attrName>
+                                        </p:attrNameLst>
+                                      </p:cBhvr>
+                                      <p:tavLst>
+                                        <p:tav tm="0">
+                                          <p:val>
+                                            <p:strVal val="#ppt_x"/>
+                                          </p:val>
+                                        </p:tav>
+                                        <p:tav tm="100000">
+                                          <p:val>
+                                            <p:strVal val="#ppt_x"/>
+                                          </p:val>
+                                        </p:tav>
+                                      </p:tavLst>
+                                    </p:anim>
+                                    <p:anim calcmode="lin" valueType="num">
+                                      <p:cBhvr>
+                                        <p:cTn id="29" dur="1000" fill="hold"/>
+                                        <p:tgtEl>
+                                          <p:spTgt spid="17"/>
+                                        </p:tgtEl>
+                                        <p:attrNameLst>
+                                          <p:attrName>ppt_y</p:attrName>
+                                        </p:attrNameLst>
+                                      </p:cBhvr>
+                                      <p:tavLst>
+                                        <p:tav tm="0">
+                                          <p:val>
+                                            <p:strVal val="#ppt_y+.1"/>
+                                          </p:val>
+                                        </p:tav>
+                                        <p:tav tm="100000">
+                                          <p:val>
+                                            <p:strVal val="#ppt_y"/>
+                                          </p:val>
+                                        </p:tav>
+                                      </p:tavLst>
+                                    </p:anim>
+                                  </p:childTnLst>
+                                </p:cTn>
+                              </p:par>
+                            </p:childTnLst>
+                          </p:cTn>
+                        </p:par>
+                      </p:childTnLst>
+                    </p:cTn>
+                  </p:par>
+                  <p:par>
+                    <p:cTn id="30" fill="hold">
+                      <p:stCondLst>
+                        <p:cond delay="indefinite"/>
+                      </p:stCondLst>
+                      <p:childTnLst>
+                        <p:par>
+                          <p:cTn id="31" fill="hold">
+                            <p:stCondLst>
+                              <p:cond delay="0"/>
+                            </p:stCondLst>
+                            <p:childTnLst>
+                              <p:par>
+                                <p:cTn id="32" presetID="42" presetClass="entr" presetSubtype="0" fill="hold" grpId="0" nodeType="clickEffect">
+                                  <p:stCondLst>
+                                    <p:cond delay="0"/>
+                                  </p:stCondLst>
+                                  <p:childTnLst>
+                                    <p:set>
+                                      <p:cBhvr>
+                                        <p:cTn id="33" dur="1" fill="hold">
+                                          <p:stCondLst>
+                                            <p:cond delay="0"/>
+                                          </p:stCondLst>
+                                        </p:cTn>
+                                        <p:tgtEl>
+                                          <p:spTgt spid="18"/>
+                                        </p:tgtEl>
+                                        <p:attrNameLst>
+                                          <p:attrName>style.visibility</p:attrName>
+                                        </p:attrNameLst>
+                                      </p:cBhvr>
+                                      <p:to>
+                                        <p:strVal val="visible"/>
+                                      </p:to>
+                                    </p:set>
+                                    <p:animEffect transition="in" filter="fade">
+                                      <p:cBhvr>
+                                        <p:cTn id="34" dur="1000"/>
+                                        <p:tgtEl>
+                                          <p:spTgt spid="18"/>
+                                        </p:tgtEl>
+                                      </p:cBhvr>
+                                    </p:animEffect>
+                                    <p:anim calcmode="lin" valueType="num">
+                                      <p:cBhvr>
+                                        <p:cTn id="35" dur="1000" fill="hold"/>
+                                        <p:tgtEl>
+                                          <p:spTgt spid="18"/>
+                                        </p:tgtEl>
+                                        <p:attrNameLst>
+                                          <p:attrName>ppt_x</p:attrName>
+                                        </p:attrNameLst>
+                                      </p:cBhvr>
+                                      <p:tavLst>
+                                        <p:tav tm="0">
+                                          <p:val>
+                                            <p:strVal val="#ppt_x"/>
+                                          </p:val>
+                                        </p:tav>
+                                        <p:tav tm="100000">
+                                          <p:val>
+                                            <p:strVal val="#ppt_x"/>
+                                          </p:val>
+                                        </p:tav>
+                                      </p:tavLst>
+                                    </p:anim>
+                                    <p:anim calcmode="lin" valueType="num">
+                                      <p:cBhvr>
+                                        <p:cTn id="36" dur="1000" fill="hold"/>
+                                        <p:tgtEl>
+                                          <p:spTgt spid="18"/>
+                                        </p:tgtEl>
+                                        <p:attrNameLst>
+                                          <p:attrName>ppt_y</p:attrName>
+                                        </p:attrNameLst>
+                                      </p:cBhvr>
+                                      <p:tavLst>
+                                        <p:tav tm="0">
+                                          <p:val>
+                                            <p:strVal val="#ppt_y+.1"/>
+                                          </p:val>
+                                        </p:tav>
+                                        <p:tav tm="100000">
+                                          <p:val>
+                                            <p:strVal val="#ppt_y"/>
+                                          </p:val>
+                                        </p:tav>
+                                      </p:tavLst>
+                                    </p:anim>
+                                  </p:childTnLst>
+                                </p:cTn>
+                              </p:par>
+                              <p:par>
+                                <p:cTn id="37" presetID="42" presetClass="entr" presetSubtype="0" fill="hold" grpId="0" nodeType="withEffect">
+                                  <p:stCondLst>
+                                    <p:cond delay="0"/>
+                                  </p:stCondLst>
+                                  <p:childTnLst>
+                                    <p:set>
+                                      <p:cBhvr>
+                                        <p:cTn id="38" dur="1" fill="hold">
+                                          <p:stCondLst>
+                                            <p:cond delay="0"/>
+                                          </p:stCondLst>
+                                        </p:cTn>
+                                        <p:tgtEl>
+                                          <p:spTgt spid="19"/>
+                                        </p:tgtEl>
+                                        <p:attrNameLst>
+                                          <p:attrName>style.visibility</p:attrName>
+                                        </p:attrNameLst>
+                                      </p:cBhvr>
+                                      <p:to>
+                                        <p:strVal val="visible"/>
+                                      </p:to>
+                                    </p:set>
+                                    <p:animEffect transition="in" filter="fade">
+                                      <p:cBhvr>
+                                        <p:cTn id="39" dur="1000"/>
+                                        <p:tgtEl>
+                                          <p:spTgt spid="19"/>
+                                        </p:tgtEl>
+                                      </p:cBhvr>
+                                    </p:animEffect>
+                                    <p:anim calcmode="lin" valueType="num">
+                                      <p:cBhvr>
+                                        <p:cTn id="40" dur="1000" fill="hold"/>
+                                        <p:tgtEl>
+                                          <p:spTgt spid="19"/>
+                                        </p:tgtEl>
+                                        <p:attrNameLst>
+                                          <p:attrName>ppt_x</p:attrName>
+                                        </p:attrNameLst>
+                                      </p:cBhvr>
+                                      <p:tavLst>
+                                        <p:tav tm="0">
+                                          <p:val>
+                                            <p:strVal val="#ppt_x"/>
+                                          </p:val>
+                                        </p:tav>
+                                        <p:tav tm="100000">
+                                          <p:val>
+                                            <p:strVal val="#ppt_x"/>
+                                          </p:val>
+                                        </p:tav>
+                                      </p:tavLst>
+                                    </p:anim>
+                                    <p:anim calcmode="lin" valueType="num">
+                                      <p:cBhvr>
+                                        <p:cTn id="41" dur="1000" fill="hold"/>
+                                        <p:tgtEl>
+                                          <p:spTgt spid="19"/>
+                                        </p:tgtEl>
+                                        <p:attrNameLst>
+                                          <p:attrName>ppt_y</p:attrName>
+                                        </p:attrNameLst>
+                                      </p:cBhvr>
+                                      <p:tavLst>
+                                        <p:tav tm="0">
+                                          <p:val>
+                                            <p:strVal val="#ppt_y+.1"/>
+                                          </p:val>
+                                        </p:tav>
+                                        <p:tav tm="100000">
+                                          <p:val>
+                                            <p:strVal val="#ppt_y"/>
+                                          </p:val>
+                                        </p:tav>
+                                      </p:tavLst>
+                                    </p:anim>
+                                  </p:childTnLst>
+                                </p:cTn>
+                              </p:par>
+                              <p:par>
+                                <p:cTn id="42" presetID="42" presetClass="entr" presetSubtype="0" fill="hold" grpId="0" nodeType="withEffect">
+                                  <p:stCondLst>
+                                    <p:cond delay="0"/>
+                                  </p:stCondLst>
+                                  <p:childTnLst>
+                                    <p:set>
+                                      <p:cBhvr>
+                                        <p:cTn id="43" dur="1" fill="hold">
+                                          <p:stCondLst>
+                                            <p:cond delay="0"/>
+                                          </p:stCondLst>
+                                        </p:cTn>
+                                        <p:tgtEl>
+                                          <p:spTgt spid="20"/>
+                                        </p:tgtEl>
+                                        <p:attrNameLst>
+                                          <p:attrName>style.visibility</p:attrName>
+                                        </p:attrNameLst>
+                                      </p:cBhvr>
+                                      <p:to>
+                                        <p:strVal val="visible"/>
+                                      </p:to>
+                                    </p:set>
+                                    <p:animEffect transition="in" filter="fade">
+                                      <p:cBhvr>
+                                        <p:cTn id="44" dur="1000"/>
+                                        <p:tgtEl>
+                                          <p:spTgt spid="20"/>
+                                        </p:tgtEl>
+                                      </p:cBhvr>
+                                    </p:animEffect>
+                                    <p:anim calcmode="lin" valueType="num">
+                                      <p:cBhvr>
+                                        <p:cTn id="45" dur="1000" fill="hold"/>
+                                        <p:tgtEl>
+                                          <p:spTgt spid="20"/>
+                                        </p:tgtEl>
+                                        <p:attrNameLst>
+                                          <p:attrName>ppt_x</p:attrName>
+                                        </p:attrNameLst>
+                                      </p:cBhvr>
+                                      <p:tavLst>
+                                        <p:tav tm="0">
+                                          <p:val>
+                                            <p:strVal val="#ppt_x"/>
+                                          </p:val>
+                                        </p:tav>
+                                        <p:tav tm="100000">
+                                          <p:val>
+                                            <p:strVal val="#ppt_x"/>
+                                          </p:val>
+                                        </p:tav>
+                                      </p:tavLst>
+                                    </p:anim>
+                                    <p:anim calcmode="lin" valueType="num">
+                                      <p:cBhvr>
+                                        <p:cTn id="46" dur="1000" fill="hold"/>
+                                        <p:tgtEl>
+                                          <p:spTgt spid="20"/>
+                                        </p:tgtEl>
+                                        <p:attrNameLst>
+                                          <p:attrName>ppt_y</p:attrName>
+                                        </p:attrNameLst>
+                                      </p:cBhvr>
+                                      <p:tavLst>
+                                        <p:tav tm="0">
+                                          <p:val>
+                                            <p:strVal val="#ppt_y+.1"/>
+                                          </p:val>
+                                        </p:tav>
+                                        <p:tav tm="100000">
+                                          <p:val>
+                                            <p:strVal val="#ppt_y"/>
+                                          </p:val>
+                                        </p:tav>
+                                      </p:tavLst>
+                                    </p:anim>
+                                  </p:childTnLst>
+                                </p:cTn>
+                              </p:par>
+                              <p:par>
+                                <p:cTn id="47" presetID="42" presetClass="entr" presetSubtype="0" fill="hold" grpId="0" nodeType="withEffect">
+                                  <p:stCondLst>
+                                    <p:cond delay="0"/>
+                                  </p:stCondLst>
+                                  <p:childTnLst>
+                                    <p:set>
+                                      <p:cBhvr>
+                                        <p:cTn id="48" dur="1" fill="hold">
+                                          <p:stCondLst>
+                                            <p:cond delay="0"/>
+                                          </p:stCondLst>
+                                        </p:cTn>
+                                        <p:tgtEl>
+                                          <p:spTgt spid="21"/>
+                                        </p:tgtEl>
+                                        <p:attrNameLst>
+                                          <p:attrName>style.visibility</p:attrName>
+                                        </p:attrNameLst>
+                                      </p:cBhvr>
+                                      <p:to>
+                                        <p:strVal val="visible"/>
+                                      </p:to>
+                                    </p:set>
+                                    <p:animEffect transition="in" filter="fade">
+                                      <p:cBhvr>
+                                        <p:cTn id="49" dur="1000"/>
+                                        <p:tgtEl>
+                                          <p:spTgt spid="21"/>
+                                        </p:tgtEl>
+                                      </p:cBhvr>
+                                    </p:animEffect>
+                                    <p:anim calcmode="lin" valueType="num">
+                                      <p:cBhvr>
+                                        <p:cTn id="50" dur="1000" fill="hold"/>
+                                        <p:tgtEl>
+                                          <p:spTgt spid="21"/>
+                                        </p:tgtEl>
+                                        <p:attrNameLst>
+                                          <p:attrName>ppt_x</p:attrName>
+                                        </p:attrNameLst>
+                                      </p:cBhvr>
+                                      <p:tavLst>
+                                        <p:tav tm="0">
+                                          <p:val>
+                                            <p:strVal val="#ppt_x"/>
+                                          </p:val>
+                                        </p:tav>
+                                        <p:tav tm="100000">
+                                          <p:val>
+                                            <p:strVal val="#ppt_x"/>
+                                          </p:val>
+                                        </p:tav>
+                                      </p:tavLst>
+                                    </p:anim>
+                                    <p:anim calcmode="lin" valueType="num">
+                                      <p:cBhvr>
+                                        <p:cTn id="51" dur="1000" fill="hold"/>
+                                        <p:tgtEl>
+                                          <p:spTgt spid="21"/>
+                                        </p:tgtEl>
+                                        <p:attrNameLst>
+                                          <p:attrName>ppt_y</p:attrName>
+                                        </p:attrNameLst>
+                                      </p:cBhvr>
+                                      <p:tavLst>
+                                        <p:tav tm="0">
+                                          <p:val>
+                                            <p:strVal val="#ppt_y+.1"/>
+                                          </p:val>
+                                        </p:tav>
+                                        <p:tav tm="100000">
+                                          <p:val>
+                                            <p:strVal val="#ppt_y"/>
+                                          </p:val>
+                                        </p:tav>
+                                      </p:tavLst>
+                                    </p:anim>
+                                  </p:childTnLst>
+                                </p:cTn>
+                              </p:par>
+                              <p:par>
+                                <p:cTn id="52" presetID="42" presetClass="entr" presetSubtype="0" fill="hold" grpId="0" nodeType="withEffect">
+                                  <p:stCondLst>
+                                    <p:cond delay="0"/>
+                                  </p:stCondLst>
+                                  <p:childTnLst>
+                                    <p:set>
+                                      <p:cBhvr>
+                                        <p:cTn id="53" dur="1" fill="hold">
+                                          <p:stCondLst>
+                                            <p:cond delay="0"/>
+                                          </p:stCondLst>
+                                        </p:cTn>
+                                        <p:tgtEl>
+                                          <p:spTgt spid="22"/>
+                                        </p:tgtEl>
+                                        <p:attrNameLst>
+                                          <p:attrName>style.visibility</p:attrName>
+                                        </p:attrNameLst>
+                                      </p:cBhvr>
+                                      <p:to>
+                                        <p:strVal val="visible"/>
+                                      </p:to>
+                                    </p:set>
+                                    <p:animEffect transition="in" filter="fade">
+                                      <p:cBhvr>
+                                        <p:cTn id="54" dur="1000"/>
+                                        <p:tgtEl>
+                                          <p:spTgt spid="22"/>
+                                        </p:tgtEl>
+                                      </p:cBhvr>
+                                    </p:animEffect>
+                                    <p:anim calcmode="lin" valueType="num">
+                                      <p:cBhvr>
+                                        <p:cTn id="55" dur="1000" fill="hold"/>
+                                        <p:tgtEl>
+                                          <p:spTgt spid="22"/>
+                                        </p:tgtEl>
+                                        <p:attrNameLst>
+                                          <p:attrName>ppt_x</p:attrName>
+                                        </p:attrNameLst>
+                                      </p:cBhvr>
+                                      <p:tavLst>
+                                        <p:tav tm="0">
+                                          <p:val>
+                                            <p:strVal val="#ppt_x"/>
+                                          </p:val>
+                                        </p:tav>
+                                        <p:tav tm="100000">
+                                          <p:val>
+                                            <p:strVal val="#ppt_x"/>
+                                          </p:val>
+                                        </p:tav>
+                                      </p:tavLst>
+                                    </p:anim>
+                                    <p:anim calcmode="lin" valueType="num">
+                                      <p:cBhvr>
+                                        <p:cTn id="56" dur="1000" fill="hold"/>
+                                        <p:tgtEl>
+                                          <p:spTgt spid="22"/>
+                                        </p:tgtEl>
+                                        <p:attrNameLst>
+                                          <p:attrName>ppt_y</p:attrName>
+                                        </p:attrNameLst>
+                                      </p:cBhvr>
+                                      <p:tavLst>
+                                        <p:tav tm="0">
+                                          <p:val>
+                                            <p:strVal val="#ppt_y+.1"/>
+                                          </p:val>
+                                        </p:tav>
+                                        <p:tav tm="100000">
+                                          <p:val>
+                                            <p:strVal val="#ppt_y"/>
+                                          </p:val>
+                                        </p:tav>
+                                      </p:tavLst>
+                                    </p:anim>
+                                  </p:childTnLst>
+                                </p:cTn>
+                              </p:par>
+                            </p:childTnLst>
+                          </p:cTn>
+                        </p:par>
+                      </p:childTnLst>
+                    </p:cTn>
+                  </p:par>
+                  <p:par>
+                    <p:cTn id="57" fill="hold">
+                      <p:stCondLst>
+                        <p:cond delay="indefinite"/>
+                      </p:stCondLst>
+                      <p:childTnLst>
+                        <p:par>
+                          <p:cTn id="58" fill="hold">
+                            <p:stCondLst>
+                              <p:cond delay="0"/>
+                            </p:stCondLst>
+                            <p:childTnLst>
+                              <p:par>
+                                <p:cTn id="59" presetID="42" presetClass="entr" presetSubtype="0" fill="hold" grpId="0" nodeType="clickEffect">
+                                  <p:stCondLst>
+                                    <p:cond delay="0"/>
+                                  </p:stCondLst>
+                                  <p:childTnLst>
+                                    <p:set>
+                                      <p:cBhvr>
+                                        <p:cTn id="60" dur="1" fill="hold">
+                                          <p:stCondLst>
+                                            <p:cond delay="0"/>
+                                          </p:stCondLst>
+                                        </p:cTn>
+                                        <p:tgtEl>
+                                          <p:spTgt spid="23"/>
+                                        </p:tgtEl>
+                                        <p:attrNameLst>
+                                          <p:attrName>style.visibility</p:attrName>
+                                        </p:attrNameLst>
+                                      </p:cBhvr>
+                                      <p:to>
+                                        <p:strVal val="visible"/>
+                                      </p:to>
+                                    </p:set>
+                                    <p:animEffect transition="in" filter="fade">
+                                      <p:cBhvr>
+                                        <p:cTn id="61" dur="1000"/>
+                                        <p:tgtEl>
+                                          <p:spTgt spid="23"/>
+                                        </p:tgtEl>
+                                      </p:cBhvr>
+                                    </p:animEffect>
+                                    <p:anim calcmode="lin" valueType="num">
+                                      <p:cBhvr>
+                                        <p:cTn id="62" dur="1000" fill="hold"/>
+                                        <p:tgtEl>
+                                          <p:spTgt spid="23"/>
+                                        </p:tgtEl>
+                                        <p:attrNameLst>
+                                          <p:attrName>ppt_x</p:attrName>
+                                        </p:attrNameLst>
+                                      </p:cBhvr>
+                                      <p:tavLst>
+                                        <p:tav tm="0">
+                                          <p:val>
+                                            <p:strVal val="#ppt_x"/>
+                                          </p:val>
+                                        </p:tav>
+                                        <p:tav tm="100000">
+                                          <p:val>
+                                            <p:strVal val="#ppt_x"/>
+                                          </p:val>
+                                        </p:tav>
+                                      </p:tavLst>
+                                    </p:anim>
+                                    <p:anim calcmode="lin" valueType="num">
+                                      <p:cBhvr>
+                                        <p:cTn id="63" dur="1000" fill="hold"/>
+                                        <p:tgtEl>
+                                          <p:spTgt spid="23"/>
+                                        </p:tgtEl>
+                                        <p:attrNameLst>
+                                          <p:attrName>ppt_y</p:attrName>
+                                        </p:attrNameLst>
+                                      </p:cBhvr>
+                                      <p:tavLst>
+                                        <p:tav tm="0">
+                                          <p:val>
+                                            <p:strVal val="#ppt_y+.1"/>
+                                          </p:val>
+                                        </p:tav>
+                                        <p:tav tm="100000">
+                                          <p:val>
+                                            <p:strVal val="#ppt_y"/>
+                                          </p:val>
+                                        </p:tav>
+                                      </p:tavLst>
+                                    </p:anim>
+                                  </p:childTnLst>
+                                </p:cTn>
+                              </p:par>
+                              <p:par>
+                                <p:cTn id="64" presetID="42" presetClass="entr" presetSubtype="0" fill="hold" grpId="0" nodeType="withEffect">
+                                  <p:stCondLst>
+                                    <p:cond delay="0"/>
+                                  </p:stCondLst>
+                                  <p:childTnLst>
+                                    <p:set>
+                                      <p:cBhvr>
+                                        <p:cTn id="65" dur="1" fill="hold">
+                                          <p:stCondLst>
+                                            <p:cond delay="0"/>
+                                          </p:stCondLst>
+                                        </p:cTn>
+                                        <p:tgtEl>
+                                          <p:spTgt spid="24"/>
+                                        </p:tgtEl>
+                                        <p:attrNameLst>
+                                          <p:attrName>style.visibility</p:attrName>
+                                        </p:attrNameLst>
+                                      </p:cBhvr>
+                                      <p:to>
+                                        <p:strVal val="visible"/>
+                                      </p:to>
+                                    </p:set>
+                                    <p:animEffect transition="in" filter="fade">
+                                      <p:cBhvr>
+                                        <p:cTn id="66" dur="1000"/>
+                                        <p:tgtEl>
+                                          <p:spTgt spid="24"/>
+                                        </p:tgtEl>
+                                      </p:cBhvr>
+                                    </p:animEffect>
+                                    <p:anim calcmode="lin" valueType="num">
+                                      <p:cBhvr>
+                                        <p:cTn id="67" dur="1000" fill="hold"/>
+                                        <p:tgtEl>
+                                          <p:spTgt spid="24"/>
+                                        </p:tgtEl>
+                                        <p:attrNameLst>
+                                          <p:attrName>ppt_x</p:attrName>
+                                        </p:attrNameLst>
+                                      </p:cBhvr>
+                                      <p:tavLst>
+                                        <p:tav tm="0">
+                                          <p:val>
+                                            <p:strVal val="#ppt_x"/>
+                                          </p:val>
+                                        </p:tav>
+                                        <p:tav tm="100000">
+                                          <p:val>
+                                            <p:strVal val="#ppt_x"/>
+                                          </p:val>
+                                        </p:tav>
+                                      </p:tavLst>
+                                    </p:anim>
+                                    <p:anim calcmode="lin" valueType="num">
+                                      <p:cBhvr>
+                                        <p:cTn id="68" dur="1000" fill="hold"/>
+                                        <p:tgtEl>
+                                          <p:spTgt spid="24"/>
+                                        </p:tgtEl>
+                                        <p:attrNameLst>
+                                          <p:attrName>ppt_y</p:attrName>
+                                        </p:attrNameLst>
+                                      </p:cBhvr>
+                                      <p:tavLst>
+                                        <p:tav tm="0">
+                                          <p:val>
+                                            <p:strVal val="#ppt_y+.1"/>
+                                          </p:val>
+                                        </p:tav>
+                                        <p:tav tm="100000">
+                                          <p:val>
+                                            <p:strVal val="#ppt_y"/>
+                                          </p:val>
+                                        </p:tav>
+                                      </p:tavLst>
+                                    </p:anim>
+                                  </p:childTnLst>
+                                </p:cTn>
+                              </p:par>
+                              <p:par>
+                                <p:cTn id="69" presetID="42" presetClass="entr" presetSubtype="0" fill="hold" grpId="0" nodeType="withEffect">
+                                  <p:stCondLst>
+                                    <p:cond delay="0"/>
+                                  </p:stCondLst>
+                                  <p:childTnLst>
+                                    <p:set>
+                                      <p:cBhvr>
+                                        <p:cTn id="70" dur="1" fill="hold">
+                                          <p:stCondLst>
+                                            <p:cond delay="0"/>
+                                          </p:stCondLst>
+                                        </p:cTn>
+                                        <p:tgtEl>
+                                          <p:spTgt spid="25"/>
+                                        </p:tgtEl>
+                                        <p:attrNameLst>
+                                          <p:attrName>style.visibility</p:attrName>
+                                        </p:attrNameLst>
+                                      </p:cBhvr>
+                                      <p:to>
+                                        <p:strVal val="visible"/>
+                                      </p:to>
+                                    </p:set>
+                                    <p:animEffect transition="in" filter="fade">
+                                      <p:cBhvr>
+                                        <p:cTn id="71" dur="1000"/>
+                                        <p:tgtEl>
+                                          <p:spTgt spid="25"/>
+                                        </p:tgtEl>
+                                      </p:cBhvr>
+                                    </p:animEffect>
+                                    <p:anim calcmode="lin" valueType="num">
+                                      <p:cBhvr>
+                                        <p:cTn id="72" dur="1000" fill="hold"/>
+                                        <p:tgtEl>
+                                          <p:spTgt spid="25"/>
+                                        </p:tgtEl>
+                                        <p:attrNameLst>
+                                          <p:attrName>ppt_x</p:attrName>
+                                        </p:attrNameLst>
+                                      </p:cBhvr>
+                                      <p:tavLst>
+                                        <p:tav tm="0">
+                                          <p:val>
+                                            <p:strVal val="#ppt_x"/>
+                                          </p:val>
+                                        </p:tav>
+                                        <p:tav tm="100000">
+                                          <p:val>
+                                            <p:strVal val="#ppt_x"/>
+                                          </p:val>
+                                        </p:tav>
+                                      </p:tavLst>
+                                    </p:anim>
+                                    <p:anim calcmode="lin" valueType="num">
+                                      <p:cBhvr>
+                                        <p:cTn id="73" dur="1000" fill="hold"/>
+                                        <p:tgtEl>
+                                          <p:spTgt spid="25"/>
+                                        </p:tgtEl>
+                                        <p:attrNameLst>
+                                          <p:attrName>ppt_y</p:attrName>
+                                        </p:attrNameLst>
+                                      </p:cBhvr>
+                                      <p:tavLst>
+                                        <p:tav tm="0">
+                                          <p:val>
+                                            <p:strVal val="#ppt_y+.1"/>
+                                          </p:val>
+                                        </p:tav>
+                                        <p:tav tm="100000">
+                                          <p:val>
+                                            <p:strVal val="#ppt_y"/>
+                                          </p:val>
+                                        </p:tav>
+                                      </p:tavLst>
+                                    </p:anim>
+                                  </p:childTnLst>
+                                </p:cTn>
+                              </p:par>
+                              <p:par>
+                                <p:cTn id="74" presetID="42" presetClass="entr" presetSubtype="0" fill="hold" grpId="0" nodeType="withEffect">
+                                  <p:stCondLst>
+                                    <p:cond delay="0"/>
+                                  </p:stCondLst>
+                                  <p:childTnLst>
+                                    <p:set>
+                                      <p:cBhvr>
+                                        <p:cTn id="75" dur="1" fill="hold">
+                                          <p:stCondLst>
+                                            <p:cond delay="0"/>
+                                          </p:stCondLst>
+                                        </p:cTn>
+                                        <p:tgtEl>
+                                          <p:spTgt spid="26"/>
+                                        </p:tgtEl>
+                                        <p:attrNameLst>
+                                          <p:attrName>style.visibility</p:attrName>
+                                        </p:attrNameLst>
+                                      </p:cBhvr>
+                                      <p:to>
+                                        <p:strVal val="visible"/>
+                                      </p:to>
+                                    </p:set>
+                                    <p:animEffect transition="in" filter="fade">
+                                      <p:cBhvr>
+                                        <p:cTn id="76" dur="1000"/>
+                                        <p:tgtEl>
+                                          <p:spTgt spid="26"/>
+                                        </p:tgtEl>
+                                      </p:cBhvr>
+                                    </p:animEffect>
+                                    <p:anim calcmode="lin" valueType="num">
+                                      <p:cBhvr>
+                                        <p:cTn id="77" dur="1000" fill="hold"/>
+                                        <p:tgtEl>
+                                          <p:spTgt spid="26"/>
+                                        </p:tgtEl>
+                                        <p:attrNameLst>
+                                          <p:attrName>ppt_x</p:attrName>
+                                        </p:attrNameLst>
+                                      </p:cBhvr>
+                                      <p:tavLst>
+                                        <p:tav tm="0">
+                                          <p:val>
+                                            <p:strVal val="#ppt_x"/>
+                                          </p:val>
+                                        </p:tav>
+                                        <p:tav tm="100000">
+                                          <p:val>
+                                            <p:strVal val="#ppt_x"/>
+                                          </p:val>
+                                        </p:tav>
+                                      </p:tavLst>
+                                    </p:anim>
+                                    <p:anim calcmode="lin" valueType="num">
+                                      <p:cBhvr>
+                                        <p:cTn id="78" dur="1000" fill="hold"/>
+                                        <p:tgtEl>
+                                          <p:spTgt spid="26"/>
+                                        </p:tgtEl>
+                                        <p:attrNameLst>
+                                          <p:attrName>ppt_y</p:attrName>
+                                        </p:attrNameLst>
+                                      </p:cBhvr>
+                                      <p:tavLst>
+                                        <p:tav tm="0">
+                                          <p:val>
+                                            <p:strVal val="#ppt_y+.1"/>
+                                          </p:val>
+                                        </p:tav>
+                                        <p:tav tm="100000">
+                                          <p:val>
+                                            <p:strVal val="#ppt_y"/>
+                                          </p:val>
+                                        </p:tav>
+                                      </p:tavLst>
+                                    </p:anim>
+                                  </p:childTnLst>
+                                </p:cTn>
+                              </p:par>
+                              <p:par>
+                                <p:cTn id="79" presetID="42" presetClass="entr" presetSubtype="0" fill="hold" grpId="0" nodeType="withEffect">
+                                  <p:stCondLst>
+                                    <p:cond delay="0"/>
+                                  </p:stCondLst>
+                                  <p:childTnLst>
+                                    <p:set>
+                                      <p:cBhvr>
+                                        <p:cTn id="80" dur="1" fill="hold">
+                                          <p:stCondLst>
+                                            <p:cond delay="0"/>
+                                          </p:stCondLst>
+                                        </p:cTn>
+                                        <p:tgtEl>
+                                          <p:spTgt spid="27"/>
+                                        </p:tgtEl>
+                                        <p:attrNameLst>
+                                          <p:attrName>style.visibility</p:attrName>
+                                        </p:attrNameLst>
+                                      </p:cBhvr>
+                                      <p:to>
+                                        <p:strVal val="visible"/>
+                                      </p:to>
+                                    </p:set>
+                                    <p:animEffect transition="in" filter="fade">
+                                      <p:cBhvr>
+                                        <p:cTn id="81" dur="1000"/>
+                                        <p:tgtEl>
+                                          <p:spTgt spid="27"/>
+                                        </p:tgtEl>
+                                      </p:cBhvr>
+                                    </p:animEffect>
+                                    <p:anim calcmode="lin" valueType="num">
+                                      <p:cBhvr>
+                                        <p:cTn id="82" dur="1000" fill="hold"/>
+                                        <p:tgtEl>
+                                          <p:spTgt spid="27"/>
+                                        </p:tgtEl>
+                                        <p:attrNameLst>
+                                          <p:attrName>ppt_x</p:attrName>
+                                        </p:attrNameLst>
+                                      </p:cBhvr>
+                                      <p:tavLst>
+                                        <p:tav tm="0">
+                                          <p:val>
+                                            <p:strVal val="#ppt_x"/>
+                                          </p:val>
+                                        </p:tav>
+                                        <p:tav tm="100000">
+                                          <p:val>
+                                            <p:strVal val="#ppt_x"/>
+                                          </p:val>
+                                        </p:tav>
+                                      </p:tavLst>
+                                    </p:anim>
+                                    <p:anim calcmode="lin" valueType="num">
+                                      <p:cBhvr>
+                                        <p:cTn id="83" dur="1000" fill="hold"/>
+                                        <p:tgtEl>
+                                          <p:spTgt spid="27"/>
+                                        </p:tgtEl>
+                                        <p:attrNameLst>
+                                          <p:attrName>ppt_y</p:attrName>
+                                        </p:attrNameLst>
+                                      </p:cBhvr>
+                                      <p:tavLst>
+                                        <p:tav tm="0">
+                                          <p:val>
+                                            <p:strVal val="#ppt_y+.1"/>
+                                          </p:val>
+                                        </p:tav>
+                                        <p:tav tm="100000">
+                                          <p:val>
+                                            <p:strVal val="#ppt_y"/>
+                                          </p:val>
+                                        </p:tav>
+                                      </p:tavLst>
+                                    </p:anim>
+                                  </p:childTnLst>
+                                </p:cTn>
+                              </p:par>
+                            </p:childTnLst>
+                          </p:cTn>
+                        </p:par>
+                      </p:childTnLst>
+                    </p:cTn>
+                  </p:par>
+                  <p:par>
+                    <p:cTn id="84" fill="hold">
+                      <p:stCondLst>
+                        <p:cond delay="indefinite"/>
+                      </p:stCondLst>
+                      <p:childTnLst>
+                        <p:par>
+                          <p:cTn id="85" fill="hold">
+                            <p:stCondLst>
+                              <p:cond delay="0"/>
+                            </p:stCondLst>
+                            <p:childTnLst>
+                              <p:par>
+                                <p:cTn id="86" presetID="22" presetClass="entr" presetSubtype="4" fill="hold" grpId="0" nodeType="clickEffect">
+                                  <p:stCondLst>
+                                    <p:cond delay="0"/>
+                                  </p:stCondLst>
+                                  <p:childTnLst>
+                                    <p:set>
+                                      <p:cBhvr>
+                                        <p:cTn id="87" dur="1" fill="hold">
+                                          <p:stCondLst>
+                                            <p:cond delay="0"/>
+                                          </p:stCondLst>
+                                        </p:cTn>
+                                        <p:tgtEl>
+                                          <p:spTgt spid="28"/>
+                                        </p:tgtEl>
+                                        <p:attrNameLst>
+                                          <p:attrName>style.visibility</p:attrName>
+                                        </p:attrNameLst>
+                                      </p:cBhvr>
+                                      <p:to>
+                                        <p:strVal val="visible"/>
+                                      </p:to>
+                                    </p:set>
+                                    <p:animEffect transition="in" filter="wipe(down)">
+                                      <p:cBhvr>
+                                        <p:cTn id="88" dur="500"/>
+                                        <p:tgtEl>
+                                          <p:spTgt spid="28"/>
+                                        </p:tgtEl>
+                                      </p:cBhvr>
+                                    </p:animEffect>
+                                  </p:childTnLst>
+                                </p:cTn>
+                              </p:par>
+                              <p:par>
+                                <p:cTn id="89" presetID="22" presetClass="entr" presetSubtype="4" fill="hold" grpId="0" nodeType="withEffect">
+                                  <p:stCondLst>
+                                    <p:cond delay="0"/>
+                                  </p:stCondLst>
+                                  <p:childTnLst>
+                                    <p:set>
+                                      <p:cBhvr>
+                                        <p:cTn id="90" dur="1" fill="hold">
+                                          <p:stCondLst>
+                                            <p:cond delay="0"/>
+                                          </p:stCondLst>
+                                        </p:cTn>
+                                        <p:tgtEl>
+                                          <p:spTgt spid="29"/>
+                                        </p:tgtEl>
+                                        <p:attrNameLst>
+                                          <p:attrName>style.visibility</p:attrName>
+                                        </p:attrNameLst>
+                                      </p:cBhvr>
+                                      <p:to>
+                                        <p:strVal val="visible"/>
+                                      </p:to>
+                                    </p:set>
+                                    <p:animEffect transition="in" filter="wipe(down)">
+                                      <p:cBhvr>
+                                        <p:cTn id="91" dur="500"/>
+                                        <p:tgtEl>
+                                          <p:spTgt spid="29"/>
+                                        </p:tgtEl>
+                                      </p:cBhvr>
+                                    </p:animEffect>
+                                  </p:childTnLst>
+                                </p:cTn>
+                              </p:par>
+                            </p:childTnLst>
+                          </p:cTn>
+                        </p:par>
+                      </p:childTnLst>
+                    </p:cTn>
+                  </p:par>
+                  <p:par>
+                    <p:cTn id="92" fill="hold">
+                      <p:stCondLst>
+                        <p:cond delay="indefinite"/>
+                      </p:stCondLst>
+                      <p:childTnLst>
+                        <p:par>
+                          <p:cTn id="93" fill="hold">
+                            <p:stCondLst>
+                              <p:cond delay="0"/>
+                            </p:stCondLst>
+                            <p:childTnLst>
+                              <p:par>
+                                <p:cTn id="94" presetID="16" presetClass="entr" presetSubtype="21" fill="hold" grpId="0" nodeType="clickEffect">
+                                  <p:stCondLst>
+                                    <p:cond delay="0"/>
+                                  </p:stCondLst>
+                                  <p:childTnLst>
+                                    <p:set>
+                                      <p:cBhvr>
+                                        <p:cTn id="95" dur="1" fill="hold">
+                                          <p:stCondLst>
+                                            <p:cond delay="0"/>
+                                          </p:stCondLst>
+                                        </p:cTn>
+                                        <p:tgtEl>
+                                          <p:spTgt spid="44"/>
+                                        </p:tgtEl>
+                                        <p:attrNameLst>
+                                          <p:attrName>style.visibility</p:attrName>
+                                        </p:attrNameLst>
+                                      </p:cBhvr>
+                                      <p:to>
+                                        <p:strVal val="visible"/>
+                                      </p:to>
+                                    </p:set>
+                                    <p:animEffect transition="in" filter="barn(inVertical)">
+                                      <p:cBhvr>
+                                        <p:cTn id="96" dur="500"/>
+                                        <p:tgtEl>
+                                          <p:spTgt spid="44"/>
+                                        </p:tgtEl>
+                                      </p:cBhvr>
+                                    </p:animEffect>
+                                  </p:childTnLst>
+                                </p:cTn>
+                              </p:par>
+                            </p:childTnLst>
+                          </p:cTn>
+                        </p:par>
+                      </p:childTnLst>
+                    </p:cTn>
+                  </p:par>
+                  <p:par>
+                    <p:cTn id="97" fill="hold">
+                      <p:stCondLst>
+                        <p:cond delay="indefinite"/>
+                      </p:stCondLst>
+                      <p:childTnLst>
+                        <p:par>
+                          <p:cTn id="98" fill="hold">
+                            <p:stCondLst>
+                              <p:cond delay="0"/>
+                            </p:stCondLst>
+                            <p:childTnLst>
+                              <p:par>
+                                <p:cTn id="99" presetID="26" presetClass="emph" presetSubtype="0" fill="hold" grpId="1" nodeType="clickEffect">
+                                  <p:stCondLst>
+                                    <p:cond delay="0"/>
+                                  </p:stCondLst>
+                                  <p:childTnLst>
+                                    <p:animEffect transition="out" filter="fade">
+                                      <p:cBhvr>
+                                        <p:cTn id="100" dur="500" tmFilter="0, 0; .2, .5; .8, .5; 1, 0"/>
+                                        <p:tgtEl>
+                                          <p:spTgt spid="14"/>
+                                        </p:tgtEl>
+                                      </p:cBhvr>
+                                    </p:animEffect>
+                                    <p:animScale>
+                                      <p:cBhvr>
+                                        <p:cTn id="101" dur="250" autoRev="1" fill="hold"/>
+                                        <p:tgtEl>
+                                          <p:spTgt spid="14"/>
+                                        </p:tgtEl>
+                                      </p:cBhvr>
+                                      <p:by x="105000" y="105000"/>
+                                    </p:animScale>
+                                  </p:childTnLst>
+                                </p:cTn>
+                              </p:par>
+                              <p:par>
+                                <p:cTn id="102" presetID="26" presetClass="emph" presetSubtype="0" fill="hold" grpId="1" nodeType="withEffect">
+                                  <p:stCondLst>
+                                    <p:cond delay="0"/>
+                                  </p:stCondLst>
+                                  <p:childTnLst>
+                                    <p:animEffect transition="out" filter="fade">
+                                      <p:cBhvr>
+                                        <p:cTn id="103" dur="500" tmFilter="0, 0; .2, .5; .8, .5; 1, 0"/>
+                                        <p:tgtEl>
+                                          <p:spTgt spid="19"/>
+                                        </p:tgtEl>
+                                      </p:cBhvr>
+                                    </p:animEffect>
+                                    <p:animScale>
+                                      <p:cBhvr>
+                                        <p:cTn id="104" dur="250" autoRev="1" fill="hold"/>
+                                        <p:tgtEl>
+                                          <p:spTgt spid="19"/>
+                                        </p:tgtEl>
+                                      </p:cBhvr>
+                                      <p:by x="105000" y="105000"/>
+                                    </p:animScale>
+                                  </p:childTnLst>
+                                </p:cTn>
+                              </p:par>
+                              <p:par>
+                                <p:cTn id="105" presetID="26" presetClass="emph" presetSubtype="0" fill="hold" grpId="1" nodeType="withEffect">
+                                  <p:stCondLst>
+                                    <p:cond delay="0"/>
+                                  </p:stCondLst>
+                                  <p:childTnLst>
+                                    <p:animEffect transition="out" filter="fade">
+                                      <p:cBhvr>
+                                        <p:cTn id="106" dur="500" tmFilter="0, 0; .2, .5; .8, .5; 1, 0"/>
+                                        <p:tgtEl>
+                                          <p:spTgt spid="24"/>
+                                        </p:tgtEl>
+                                      </p:cBhvr>
+                                    </p:animEffect>
+                                    <p:animScale>
+                                      <p:cBhvr>
+                                        <p:cTn id="107" dur="250" autoRev="1" fill="hold"/>
+                                        <p:tgtEl>
+                                          <p:spTgt spid="24"/>
+                                        </p:tgtEl>
+                                      </p:cBhvr>
+                                      <p:by x="105000" y="105000"/>
+                                    </p:animScale>
+                                  </p:childTnLst>
+                                </p:cTn>
+                              </p:par>
+                            </p:childTnLst>
+                          </p:cTn>
+                        </p:par>
+                      </p:childTnLst>
+                    </p:cTn>
+                  </p:par>
+                  <p:par>
+                    <p:cTn id="108" fill="hold">
+                      <p:stCondLst>
+                        <p:cond delay="indefinite"/>
+                      </p:stCondLst>
+                      <p:childTnLst>
+                        <p:par>
+                          <p:cTn id="109" fill="hold">
+                            <p:stCondLst>
+                              <p:cond delay="0"/>
+                            </p:stCondLst>
+                            <p:childTnLst>
+                              <p:par>
+                                <p:cTn id="110" presetID="16" presetClass="exit" presetSubtype="21" fill="hold" grpId="1" nodeType="clickEffect">
+                                  <p:stCondLst>
+                                    <p:cond delay="0"/>
+                                  </p:stCondLst>
+                                  <p:childTnLst>
+                                    <p:animEffect transition="out" filter="barn(inVertical)">
+                                      <p:cBhvr>
+                                        <p:cTn id="111" dur="500"/>
+                                        <p:tgtEl>
+                                          <p:spTgt spid="44"/>
+                                        </p:tgtEl>
+                                      </p:cBhvr>
+                                    </p:animEffect>
+                                    <p:set>
+                                      <p:cBhvr>
+                                        <p:cTn id="112" dur="1" fill="hold">
+                                          <p:stCondLst>
+                                            <p:cond delay="499"/>
+                                          </p:stCondLst>
+                                        </p:cTn>
+                                        <p:tgtEl>
+                                          <p:spTgt spid="44"/>
+                                        </p:tgtEl>
+                                        <p:attrNameLst>
+                                          <p:attrName>style.visibility</p:attrName>
+                                        </p:attrNameLst>
+                                      </p:cBhvr>
+                                      <p:to>
+                                        <p:strVal val="hidden"/>
+                                      </p:to>
+                                    </p:set>
+                                  </p:childTnLst>
+                                </p:cTn>
+                              </p:par>
+                            </p:childTnLst>
+                          </p:cTn>
+                        </p:par>
+                      </p:childTnLst>
+                    </p:cTn>
+                  </p:par>
+                  <p:par>
+                    <p:cTn id="113" fill="hold">
+                      <p:stCondLst>
+                        <p:cond delay="indefinite"/>
+                      </p:stCondLst>
+                      <p:childTnLst>
+                        <p:par>
+                          <p:cTn id="114" fill="hold">
+                            <p:stCondLst>
+                              <p:cond delay="0"/>
+                            </p:stCondLst>
+                            <p:childTnLst>
+                              <p:par>
+                                <p:cTn id="115" presetID="22" presetClass="entr" presetSubtype="4" fill="hold" grpId="0" nodeType="clickEffect">
+                                  <p:stCondLst>
+                                    <p:cond delay="0"/>
+                                  </p:stCondLst>
+                                  <p:childTnLst>
+                                    <p:set>
+                                      <p:cBhvr>
+                                        <p:cTn id="116" dur="1" fill="hold">
+                                          <p:stCondLst>
+                                            <p:cond delay="0"/>
+                                          </p:stCondLst>
+                                        </p:cTn>
+                                        <p:tgtEl>
+                                          <p:spTgt spid="30"/>
+                                        </p:tgtEl>
+                                        <p:attrNameLst>
+                                          <p:attrName>style.visibility</p:attrName>
+                                        </p:attrNameLst>
+                                      </p:cBhvr>
+                                      <p:to>
+                                        <p:strVal val="visible"/>
+                                      </p:to>
+                                    </p:set>
+                                    <p:animEffect transition="in" filter="wipe(down)">
+                                      <p:cBhvr>
+                                        <p:cTn id="117" dur="500"/>
+                                        <p:tgtEl>
+                                          <p:spTgt spid="30"/>
+                                        </p:tgtEl>
+                                      </p:cBhvr>
+                                    </p:animEffect>
+                                  </p:childTnLst>
+                                </p:cTn>
+                              </p:par>
+                              <p:par>
+                                <p:cTn id="118" presetID="22" presetClass="entr" presetSubtype="4" fill="hold" grpId="0" nodeType="withEffect">
+                                  <p:stCondLst>
+                                    <p:cond delay="0"/>
+                                  </p:stCondLst>
+                                  <p:childTnLst>
+                                    <p:set>
+                                      <p:cBhvr>
+                                        <p:cTn id="119" dur="1" fill="hold">
+                                          <p:stCondLst>
+                                            <p:cond delay="0"/>
+                                          </p:stCondLst>
+                                        </p:cTn>
+                                        <p:tgtEl>
+                                          <p:spTgt spid="31"/>
+                                        </p:tgtEl>
+                                        <p:attrNameLst>
+                                          <p:attrName>style.visibility</p:attrName>
+                                        </p:attrNameLst>
+                                      </p:cBhvr>
+                                      <p:to>
+                                        <p:strVal val="visible"/>
+                                      </p:to>
+                                    </p:set>
+                                    <p:animEffect transition="in" filter="wipe(down)">
+                                      <p:cBhvr>
+                                        <p:cTn id="120" dur="500"/>
+                                        <p:tgtEl>
+                                          <p:spTgt spid="31"/>
+                                        </p:tgtEl>
+                                      </p:cBhvr>
+                                    </p:animEffect>
+                                  </p:childTnLst>
+                                </p:cTn>
+                              </p:par>
+                            </p:childTnLst>
+                          </p:cTn>
+                        </p:par>
+                      </p:childTnLst>
+                    </p:cTn>
+                  </p:par>
+                  <p:par>
+                    <p:cTn id="121" fill="hold">
+                      <p:stCondLst>
+                        <p:cond delay="indefinite"/>
+                      </p:stCondLst>
+                      <p:childTnLst>
+                        <p:par>
+                          <p:cTn id="122" fill="hold">
+                            <p:stCondLst>
+                              <p:cond delay="0"/>
+                            </p:stCondLst>
+                            <p:childTnLst>
+                              <p:par>
+                                <p:cTn id="123" presetID="22" presetClass="entr" presetSubtype="4" fill="hold" grpId="0" nodeType="clickEffect">
+                                  <p:stCondLst>
+                                    <p:cond delay="0"/>
+                                  </p:stCondLst>
+                                  <p:childTnLst>
+                                    <p:set>
+                                      <p:cBhvr>
+                                        <p:cTn id="124" dur="1" fill="hold">
+                                          <p:stCondLst>
+                                            <p:cond delay="0"/>
+                                          </p:stCondLst>
+                                        </p:cTn>
+                                        <p:tgtEl>
+                                          <p:spTgt spid="32"/>
+                                        </p:tgtEl>
+                                        <p:attrNameLst>
+                                          <p:attrName>style.visibility</p:attrName>
+                                        </p:attrNameLst>
+                                      </p:cBhvr>
+                                      <p:to>
+                                        <p:strVal val="visible"/>
+                                      </p:to>
+                                    </p:set>
+                                    <p:animEffect transition="in" filter="wipe(down)">
+                                      <p:cBhvr>
+                                        <p:cTn id="125" dur="500"/>
+                                        <p:tgtEl>
+                                          <p:spTgt spid="32"/>
+                                        </p:tgtEl>
+                                      </p:cBhvr>
+                                    </p:animEffect>
+                                  </p:childTnLst>
+                                </p:cTn>
+                              </p:par>
+                              <p:par>
+                                <p:cTn id="126" presetID="22" presetClass="entr" presetSubtype="4" fill="hold" grpId="0" nodeType="withEffect">
+                                  <p:stCondLst>
+                                    <p:cond delay="0"/>
+                                  </p:stCondLst>
+                                  <p:childTnLst>
+                                    <p:set>
+                                      <p:cBhvr>
+                                        <p:cTn id="127" dur="1" fill="hold">
+                                          <p:stCondLst>
+                                            <p:cond delay="0"/>
+                                          </p:stCondLst>
+                                        </p:cTn>
+                                        <p:tgtEl>
+                                          <p:spTgt spid="33"/>
+                                        </p:tgtEl>
+                                        <p:attrNameLst>
+                                          <p:attrName>style.visibility</p:attrName>
+                                        </p:attrNameLst>
+                                      </p:cBhvr>
+                                      <p:to>
+                                        <p:strVal val="visible"/>
+                                      </p:to>
+                                    </p:set>
+                                    <p:animEffect transition="in" filter="wipe(down)">
+                                      <p:cBhvr>
+                                        <p:cTn id="128" dur="500"/>
+                                        <p:tgtEl>
+                                          <p:spTgt spid="33"/>
+                                        </p:tgtEl>
+                                      </p:cBhvr>
+                                    </p:animEffect>
+                                  </p:childTnLst>
+                                </p:cTn>
+                              </p:par>
+                            </p:childTnLst>
+                          </p:cTn>
+                        </p:par>
+                      </p:childTnLst>
+                    </p:cTn>
+                  </p:par>
+                  <p:par>
+                    <p:cTn id="129" fill="hold">
+                      <p:stCondLst>
+                        <p:cond delay="indefinite"/>
+                      </p:stCondLst>
+                      <p:childTnLst>
+                        <p:par>
+                          <p:cTn id="130" fill="hold">
+                            <p:stCondLst>
+                              <p:cond delay="0"/>
+                            </p:stCondLst>
+                            <p:childTnLst>
+                              <p:par>
+                                <p:cTn id="131" presetID="22" presetClass="entr" presetSubtype="4" fill="hold" grpId="0" nodeType="clickEffect">
+                                  <p:stCondLst>
+                                    <p:cond delay="0"/>
+                                  </p:stCondLst>
+                                  <p:childTnLst>
+                                    <p:set>
+                                      <p:cBhvr>
+                                        <p:cTn id="132" dur="1" fill="hold">
+                                          <p:stCondLst>
+                                            <p:cond delay="0"/>
+                                          </p:stCondLst>
+                                        </p:cTn>
+                                        <p:tgtEl>
+                                          <p:spTgt spid="34"/>
+                                        </p:tgtEl>
+                                        <p:attrNameLst>
+                                          <p:attrName>style.visibility</p:attrName>
+                                        </p:attrNameLst>
+                                      </p:cBhvr>
+                                      <p:to>
+                                        <p:strVal val="visible"/>
+                                      </p:to>
+                                    </p:set>
+                                    <p:animEffect transition="in" filter="wipe(down)">
+                                      <p:cBhvr>
+                                        <p:cTn id="133" dur="500"/>
+                                        <p:tgtEl>
+                                          <p:spTgt spid="34"/>
+                                        </p:tgtEl>
+                                      </p:cBhvr>
+                                    </p:animEffect>
+                                  </p:childTnLst>
+                                </p:cTn>
+                              </p:par>
+                              <p:par>
+                                <p:cTn id="134" presetID="22" presetClass="entr" presetSubtype="4" fill="hold" grpId="0" nodeType="withEffect">
+                                  <p:stCondLst>
+                                    <p:cond delay="0"/>
+                                  </p:stCondLst>
+                                  <p:childTnLst>
+                                    <p:set>
+                                      <p:cBhvr>
+                                        <p:cTn id="135" dur="1" fill="hold">
+                                          <p:stCondLst>
+                                            <p:cond delay="0"/>
+                                          </p:stCondLst>
+                                        </p:cTn>
+                                        <p:tgtEl>
+                                          <p:spTgt spid="35"/>
+                                        </p:tgtEl>
+                                        <p:attrNameLst>
+                                          <p:attrName>style.visibility</p:attrName>
+                                        </p:attrNameLst>
+                                      </p:cBhvr>
+                                      <p:to>
+                                        <p:strVal val="visible"/>
+                                      </p:to>
+                                    </p:set>
+                                    <p:animEffect transition="in" filter="wipe(down)">
+                                      <p:cBhvr>
+                                        <p:cTn id="136" dur="500"/>
+                                        <p:tgtEl>
+                                          <p:spTgt spid="35"/>
+                                        </p:tgtEl>
+                                      </p:cBhvr>
+                                    </p:animEffect>
+                                  </p:childTnLst>
+                                </p:cTn>
+                              </p:par>
+                            </p:childTnLst>
+                          </p:cTn>
+                        </p:par>
+                      </p:childTnLst>
+                    </p:cTn>
+                  </p:par>
+                  <p:par>
+                    <p:cTn id="137" fill="hold">
+                      <p:stCondLst>
+                        <p:cond delay="indefinite"/>
+                      </p:stCondLst>
+                      <p:childTnLst>
+                        <p:par>
+                          <p:cTn id="138" fill="hold">
+                            <p:stCondLst>
+                              <p:cond delay="0"/>
+                            </p:stCondLst>
+                            <p:childTnLst>
+                              <p:par>
+                                <p:cTn id="139" presetID="16" presetClass="entr" presetSubtype="21" fill="hold" grpId="0" nodeType="clickEffect">
+                                  <p:stCondLst>
+                                    <p:cond delay="0"/>
+                                  </p:stCondLst>
+                                  <p:childTnLst>
+                                    <p:set>
+                                      <p:cBhvr>
+                                        <p:cTn id="140" dur="1" fill="hold">
+                                          <p:stCondLst>
+                                            <p:cond delay="0"/>
+                                          </p:stCondLst>
+                                        </p:cTn>
+                                        <p:tgtEl>
+                                          <p:spTgt spid="41"/>
+                                        </p:tgtEl>
+                                        <p:attrNameLst>
+                                          <p:attrName>style.visibility</p:attrName>
+                                        </p:attrNameLst>
+                                      </p:cBhvr>
+                                      <p:to>
+                                        <p:strVal val="visible"/>
+                                      </p:to>
+                                    </p:set>
+                                    <p:animEffect transition="in" filter="barn(inVertical)">
+                                      <p:cBhvr>
+                                        <p:cTn id="141" dur="500"/>
+                                        <p:tgtEl>
+                                          <p:spTgt spid="41"/>
+                                        </p:tgtEl>
+                                      </p:cBhvr>
+                                    </p:animEffect>
+                                  </p:childTnLst>
+                                </p:cTn>
+                              </p:par>
+                              <p:par>
+                                <p:cTn id="142" presetID="16" presetClass="entr" presetSubtype="21" fill="hold" grpId="0" nodeType="withEffect">
+                                  <p:stCondLst>
+                                    <p:cond delay="0"/>
+                                  </p:stCondLst>
+                                  <p:childTnLst>
+                                    <p:set>
+                                      <p:cBhvr>
+                                        <p:cTn id="143" dur="1" fill="hold">
+                                          <p:stCondLst>
+                                            <p:cond delay="0"/>
+                                          </p:stCondLst>
+                                        </p:cTn>
+                                        <p:tgtEl>
+                                          <p:spTgt spid="43"/>
+                                        </p:tgtEl>
+                                        <p:attrNameLst>
+                                          <p:attrName>style.visibility</p:attrName>
+                                        </p:attrNameLst>
+                                      </p:cBhvr>
+                                      <p:to>
+                                        <p:strVal val="visible"/>
+                                      </p:to>
+                                    </p:set>
+                                    <p:animEffect transition="in" filter="barn(inVertical)">
+                                      <p:cBhvr>
+                                        <p:cTn id="144" dur="500"/>
+                                        <p:tgtEl>
+                                          <p:spTgt spid="43"/>
+                                        </p:tgtEl>
+                                      </p:cBhvr>
+                                    </p:animEffect>
+                                  </p:childTnLst>
+                                </p:cTn>
+                              </p:par>
+                              <p:par>
+                                <p:cTn id="145" presetID="16" presetClass="entr" presetSubtype="21" fill="hold" grpId="0" nodeType="withEffect">
+                                  <p:stCondLst>
+                                    <p:cond delay="0"/>
+                                  </p:stCondLst>
+                                  <p:childTnLst>
+                                    <p:set>
+                                      <p:cBhvr>
+                                        <p:cTn id="146" dur="1" fill="hold">
+                                          <p:stCondLst>
+                                            <p:cond delay="0"/>
+                                          </p:stCondLst>
+                                        </p:cTn>
+                                        <p:tgtEl>
+                                          <p:spTgt spid="38"/>
+                                        </p:tgtEl>
+                                        <p:attrNameLst>
+                                          <p:attrName>style.visibility</p:attrName>
+                                        </p:attrNameLst>
+                                      </p:cBhvr>
+                                      <p:to>
+                                        <p:strVal val="visible"/>
+                                      </p:to>
+                                    </p:set>
+                                    <p:animEffect transition="in" filter="barn(inVertical)">
+                                      <p:cBhvr>
+                                        <p:cTn id="147" dur="500"/>
+                                        <p:tgtEl>
+                                          <p:spTgt spid="38"/>
+                                        </p:tgtEl>
+                                      </p:cBhvr>
+                                    </p:animEffect>
+                                  </p:childTnLst>
+                                </p:cTn>
+                              </p:par>
+                              <p:par>
+                                <p:cTn id="148" presetID="16" presetClass="entr" presetSubtype="21" fill="hold" grpId="0" nodeType="withEffect">
+                                  <p:stCondLst>
+                                    <p:cond delay="0"/>
+                                  </p:stCondLst>
+                                  <p:childTnLst>
+                                    <p:set>
+                                      <p:cBhvr>
+                                        <p:cTn id="149" dur="1" fill="hold">
+                                          <p:stCondLst>
+                                            <p:cond delay="0"/>
+                                          </p:stCondLst>
+                                        </p:cTn>
+                                        <p:tgtEl>
+                                          <p:spTgt spid="39"/>
+                                        </p:tgtEl>
+                                        <p:attrNameLst>
+                                          <p:attrName>style.visibility</p:attrName>
+                                        </p:attrNameLst>
+                                      </p:cBhvr>
+                                      <p:to>
+                                        <p:strVal val="visible"/>
+                                      </p:to>
+                                    </p:set>
+                                    <p:animEffect transition="in" filter="barn(inVertical)">
+                                      <p:cBhvr>
+                                        <p:cTn id="150" dur="500"/>
+                                        <p:tgtEl>
+                                          <p:spTgt spid="39"/>
+                                        </p:tgtEl>
+                                      </p:cBhvr>
+                                    </p:animEffect>
+                                  </p:childTnLst>
+                                </p:cTn>
+                              </p:par>
+                              <p:par>
+                                <p:cTn id="151" presetID="16" presetClass="entr" presetSubtype="21" fill="hold" grpId="0" nodeType="withEffect">
+                                  <p:stCondLst>
+                                    <p:cond delay="0"/>
+                                  </p:stCondLst>
+                                  <p:childTnLst>
+                                    <p:set>
+                                      <p:cBhvr>
+                                        <p:cTn id="152" dur="1" fill="hold">
+                                          <p:stCondLst>
+                                            <p:cond delay="0"/>
+                                          </p:stCondLst>
+                                        </p:cTn>
+                                        <p:tgtEl>
+                                          <p:spTgt spid="40"/>
+                                        </p:tgtEl>
+                                        <p:attrNameLst>
+                                          <p:attrName>style.visibility</p:attrName>
+                                        </p:attrNameLst>
+                                      </p:cBhvr>
+                                      <p:to>
+                                        <p:strVal val="visible"/>
+                                      </p:to>
+                                    </p:set>
+                                    <p:animEffect transition="in" filter="barn(inVertical)">
+                                      <p:cBhvr>
+                                        <p:cTn id="153" dur="500"/>
+                                        <p:tgtEl>
+                                          <p:spTgt spid="40"/>
+                                        </p:tgtEl>
+                                      </p:cBhvr>
+                                    </p:animEffect>
+                                  </p:childTnLst>
+                                </p:cTn>
+                              </p:par>
+                            </p:childTnLst>
+                          </p:cTn>
+                        </p:par>
+                      </p:childTnLst>
+                    </p:cTn>
+                  </p:par>
+                  <p:par>
+                    <p:cTn id="154" fill="hold">
+                      <p:stCondLst>
+                        <p:cond delay="indefinite"/>
+                      </p:stCondLst>
+                      <p:childTnLst>
+                        <p:par>
+                          <p:cTn id="155" fill="hold">
+                            <p:stCondLst>
+                              <p:cond delay="0"/>
+                            </p:stCondLst>
+                            <p:childTnLst>
+                              <p:par>
+                                <p:cTn id="156" presetID="16" presetClass="entr" presetSubtype="21" fill="hold" grpId="0" nodeType="clickEffect">
+                                  <p:stCondLst>
+                                    <p:cond delay="0"/>
+                                  </p:stCondLst>
+                                  <p:childTnLst>
+                                    <p:set>
+                                      <p:cBhvr>
+                                        <p:cTn id="157" dur="1" fill="hold">
+                                          <p:stCondLst>
+                                            <p:cond delay="0"/>
+                                          </p:stCondLst>
+                                        </p:cTn>
+                                        <p:tgtEl>
+                                          <p:spTgt spid="47"/>
+                                        </p:tgtEl>
+                                        <p:attrNameLst>
+                                          <p:attrName>style.visibility</p:attrName>
+                                        </p:attrNameLst>
+                                      </p:cBhvr>
+                                      <p:to>
+                                        <p:strVal val="visible"/>
+                                      </p:to>
+                                    </p:set>
+                                    <p:animEffect transition="in" filter="barn(inVertical)">
+                                      <p:cBhvr>
+                                        <p:cTn id="158" dur="500"/>
+                                        <p:tgtEl>
+                                          <p:spTgt spid="47"/>
+                                        </p:tgtEl>
+                                      </p:cBhvr>
+                                    </p:animEffect>
+                                  </p:childTnLst>
+                                </p:cTn>
+                              </p:par>
+                            </p:childTnLst>
+                          </p:cTn>
+                        </p:par>
+                      </p:childTnLst>
+                    </p:cTn>
+                  </p:par>
+                  <p:par>
+                    <p:cTn id="159" fill="hold">
+                      <p:stCondLst>
+                        <p:cond delay="indefinite"/>
+                      </p:stCondLst>
+                      <p:childTnLst>
+                        <p:par>
+                          <p:cTn id="160" fill="hold">
+                            <p:stCondLst>
+                              <p:cond delay="0"/>
+                            </p:stCondLst>
+                            <p:childTnLst>
+                              <p:par>
+                                <p:cTn id="161" presetID="26" presetClass="emph" presetSubtype="0" fill="hold" grpId="1" nodeType="clickEffect">
+                                  <p:stCondLst>
+                                    <p:cond delay="0"/>
+                                  </p:stCondLst>
+                                  <p:childTnLst>
+                                    <p:animEffect transition="out" filter="fade">
+                                      <p:cBhvr>
+                                        <p:cTn id="162" dur="500" tmFilter="0, 0; .2, .5; .8, .5; 1, 0"/>
+                                        <p:tgtEl>
+                                          <p:spTgt spid="28"/>
+                                        </p:tgtEl>
+                                      </p:cBhvr>
+                                    </p:animEffect>
+                                    <p:animScale>
+                                      <p:cBhvr>
+                                        <p:cTn id="163" dur="250" autoRev="1" fill="hold"/>
+                                        <p:tgtEl>
+                                          <p:spTgt spid="28"/>
+                                        </p:tgtEl>
+                                      </p:cBhvr>
+                                      <p:by x="105000" y="105000"/>
+                                    </p:animScale>
+                                  </p:childTnLst>
+                                </p:cTn>
+                              </p:par>
+                              <p:par>
+                                <p:cTn id="164" presetID="26" presetClass="emph" presetSubtype="0" fill="hold" grpId="1" nodeType="withEffect">
+                                  <p:stCondLst>
+                                    <p:cond delay="0"/>
+                                  </p:stCondLst>
+                                  <p:childTnLst>
+                                    <p:animEffect transition="out" filter="fade">
+                                      <p:cBhvr>
+                                        <p:cTn id="165" dur="500" tmFilter="0, 0; .2, .5; .8, .5; 1, 0"/>
+                                        <p:tgtEl>
+                                          <p:spTgt spid="30"/>
+                                        </p:tgtEl>
+                                      </p:cBhvr>
+                                    </p:animEffect>
+                                    <p:animScale>
+                                      <p:cBhvr>
+                                        <p:cTn id="166" dur="250" autoRev="1" fill="hold"/>
+                                        <p:tgtEl>
+                                          <p:spTgt spid="30"/>
+                                        </p:tgtEl>
+                                      </p:cBhvr>
+                                      <p:by x="105000" y="105000"/>
+                                    </p:animScale>
+                                  </p:childTnLst>
+                                </p:cTn>
+                              </p:par>
+                              <p:par>
+                                <p:cTn id="167" presetID="26" presetClass="emph" presetSubtype="0" fill="hold" grpId="1" nodeType="withEffect">
+                                  <p:stCondLst>
+                                    <p:cond delay="0"/>
+                                  </p:stCondLst>
+                                  <p:childTnLst>
+                                    <p:animEffect transition="out" filter="fade">
+                                      <p:cBhvr>
+                                        <p:cTn id="168" dur="500" tmFilter="0, 0; .2, .5; .8, .5; 1, 0"/>
+                                        <p:tgtEl>
+                                          <p:spTgt spid="32"/>
+                                        </p:tgtEl>
+                                      </p:cBhvr>
+                                    </p:animEffect>
+                                    <p:animScale>
+                                      <p:cBhvr>
+                                        <p:cTn id="169" dur="250" autoRev="1" fill="hold"/>
+                                        <p:tgtEl>
+                                          <p:spTgt spid="32"/>
+                                        </p:tgtEl>
+                                      </p:cBhvr>
+                                      <p:by x="105000" y="105000"/>
+                                    </p:animScale>
+                                  </p:childTnLst>
+                                </p:cTn>
+                              </p:par>
+                              <p:par>
+                                <p:cTn id="170" presetID="26" presetClass="emph" presetSubtype="0" fill="hold" grpId="1" nodeType="withEffect">
+                                  <p:stCondLst>
+                                    <p:cond delay="0"/>
+                                  </p:stCondLst>
+                                  <p:childTnLst>
+                                    <p:animEffect transition="out" filter="fade">
+                                      <p:cBhvr>
+                                        <p:cTn id="171" dur="500" tmFilter="0, 0; .2, .5; .8, .5; 1, 0"/>
+                                        <p:tgtEl>
+                                          <p:spTgt spid="34"/>
+                                        </p:tgtEl>
+                                      </p:cBhvr>
+                                    </p:animEffect>
+                                    <p:animScale>
+                                      <p:cBhvr>
+                                        <p:cTn id="172" dur="250" autoRev="1" fill="hold"/>
+                                        <p:tgtEl>
+                                          <p:spTgt spid="34"/>
+                                        </p:tgtEl>
+                                      </p:cBhvr>
+                                      <p:by x="105000" y="105000"/>
+                                    </p:animScale>
+                                  </p:childTnLst>
+                                </p:cTn>
+                              </p:par>
+                            </p:childTnLst>
+                          </p:cTn>
+                        </p:par>
+                      </p:childTnLst>
+                    </p:cTn>
+                  </p:par>
+                  <p:par>
+                    <p:cTn id="173" fill="hold">
+                      <p:stCondLst>
+                        <p:cond delay="indefinite"/>
+                      </p:stCondLst>
+                      <p:childTnLst>
+                        <p:par>
+                          <p:cTn id="174" fill="hold">
+                            <p:stCondLst>
+                              <p:cond delay="0"/>
+                            </p:stCondLst>
+                            <p:childTnLst>
+                              <p:par>
+                                <p:cTn id="175" presetID="16" presetClass="exit" presetSubtype="21" fill="hold" grpId="1" nodeType="clickEffect">
+                                  <p:stCondLst>
+                                    <p:cond delay="0"/>
+                                  </p:stCondLst>
+                                  <p:childTnLst>
+                                    <p:animEffect transition="out" filter="barn(inVertical)">
+                                      <p:cBhvr>
+                                        <p:cTn id="176" dur="500"/>
+                                        <p:tgtEl>
+                                          <p:spTgt spid="47"/>
+                                        </p:tgtEl>
+                                      </p:cBhvr>
+                                    </p:animEffect>
+                                    <p:set>
+                                      <p:cBhvr>
+                                        <p:cTn id="177" dur="1" fill="hold">
+                                          <p:stCondLst>
+                                            <p:cond delay="499"/>
+                                          </p:stCondLst>
+                                        </p:cTn>
+                                        <p:tgtEl>
+                                          <p:spTgt spid="47"/>
+                                        </p:tgtEl>
+                                        <p:attrNameLst>
+                                          <p:attrName>style.visibility</p:attrName>
+                                        </p:attrNameLst>
+                                      </p:cBhvr>
+                                      <p:to>
+                                        <p:strVal val="hidden"/>
+                                      </p:to>
+                                    </p:set>
+                                  </p:childTnLst>
+                                </p:cTn>
+                              </p:par>
+                            </p:childTnLst>
+                          </p:cTn>
+                        </p:par>
+                      </p:childTnLst>
+                    </p:cTn>
+                  </p:par>
+                </p:childTnLst>
+              </p:cTn>
+              <p:prevCondLst>
+                <p:cond evt="onPrev" delay="0">
+                  <p:tgtEl>
+                    <p:sldTgt/>
+                  </p:tgtEl>
+                </p:cond>
+              </p:prevCondLst>
+              <p:nextCondLst>
+                <p:cond evt="onNext" delay="0">
+                  <p:tgtEl>
+                    <p:sldTgt/>
+                  </p:tgtEl>
+                </p:cond>
+              </p:nextCondLst>
+            </p:seq>
+          </p:childTnLst>
+        </p:cTn>
       </p:par>
     </p:tnLst>
+    <p:bldLst>
+      <p:bldP spid="29" grpId="0" animBg="1"/>
+      <p:bldP spid="35" grpId="0" animBg="1"/>
+      <p:bldP spid="33" grpId="0" animBg="1"/>
+      <p:bldP spid="31" grpId="0" animBg="1"/>
+      <p:bldP spid="4" grpId="0" animBg="1"/>
+      <p:bldP spid="14" grpId="0" animBg="1"/>
+      <p:bldP spid="14" grpId="1" animBg="1"/>
+      <p:bldP spid="15" grpId="0" animBg="1"/>
+      <p:bldP spid="16" grpId="0" animBg="1"/>
+      <p:bldP spid="17" grpId="0" animBg="1"/>
+      <p:bldP spid="18" grpId="0" animBg="1"/>
+      <p:bldP spid="19" grpId="0" animBg="1"/>
+      <p:bldP spid="19" grpId="1" animBg="1"/>
+      <p:bldP spid="20" grpId="0" animBg="1"/>
+      <p:bldP spid="21" grpId="0" animBg="1"/>
+      <p:bldP spid="22" grpId="0" animBg="1"/>
+      <p:bldP spid="23" grpId="0" animBg="1"/>
+      <p:bldP spid="24" grpId="0" animBg="1"/>
+      <p:bldP spid="24" grpId="1" animBg="1"/>
+      <p:bldP spid="25" grpId="0" animBg="1"/>
+      <p:bldP spid="26" grpId="0" animBg="1"/>
+      <p:bldP spid="27" grpId="0" animBg="1"/>
+      <p:bldP spid="28" grpId="0" animBg="1"/>
+      <p:bldP spid="28" grpId="1" animBg="1"/>
+      <p:bldP spid="30" grpId="0" animBg="1"/>
+      <p:bldP spid="30" grpId="1" animBg="1"/>
+      <p:bldP spid="32" grpId="0" animBg="1"/>
+      <p:bldP spid="32" grpId="1" animBg="1"/>
+      <p:bldP spid="34" grpId="0" animBg="1"/>
+      <p:bldP spid="34" grpId="1" animBg="1"/>
+      <p:bldP spid="38" grpId="0" animBg="1"/>
+      <p:bldP spid="39" grpId="0" animBg="1"/>
+      <p:bldP spid="40" grpId="0" animBg="1"/>
+      <p:bldP spid="41" grpId="0" animBg="1"/>
+      <p:bldP spid="43" grpId="0" animBg="1"/>
+      <p:bldP spid="44" grpId="0" animBg="1"/>
+      <p:bldP spid="44" grpId="1" animBg="1"/>
+      <p:bldP spid="47" grpId="0" animBg="1"/>
+      <p:bldP spid="47" grpId="1" animBg="1"/>
+    </p:bldLst>
   </p:timing>
 </p:sld>
 </file>
@@ -28363,7 +31865,7 @@
           <a:p>
             <a:r>
               <a:rPr lang="zh-CN" altLang="en-US" dirty="0" smtClean="0"/>
-              <a:t>相关资源</a:t>
+              <a:t>数据</a:t>
             </a:r>
             <a:endParaRPr lang="zh-CN" altLang="en-US" dirty="0"/>
           </a:p>
@@ -28385,17 +31887,79 @@
           <a:lstStyle/>
           <a:p>
             <a:r>
-              <a:rPr lang="en-US" altLang="zh-CN" dirty="0"/>
-              <a:t>https://github.com/muyannian/higo/wiki</a:t>
-            </a:r>
-            <a:endParaRPr lang="zh-CN" altLang="en-US" dirty="0"/>
+              <a:rPr lang="zh-CN" altLang="en-US" sz="3200" dirty="0"/>
+              <a:t>简单的</a:t>
+            </a:r>
+            <a:r>
+              <a:rPr lang="zh-CN" altLang="en-US" sz="3200" dirty="0" smtClean="0"/>
+              <a:t>数理统计。</a:t>
+            </a:r>
+            <a:endParaRPr lang="en-US" altLang="zh-CN" sz="3200" dirty="0" smtClean="0"/>
+          </a:p>
+          <a:p>
+            <a:pPr marL="457200" lvl="1" indent="0">
+              <a:buNone/>
+            </a:pPr>
+            <a:r>
+              <a:rPr lang="zh-CN" altLang="en-US" dirty="0"/>
+              <a:t>一般就是简单的统计网站的访问量，用户量，转化率等用于高层决策，或者促进产品的</a:t>
+            </a:r>
+            <a:r>
+              <a:rPr lang="zh-CN" altLang="en-US" dirty="0" smtClean="0"/>
+              <a:t>发展。</a:t>
+            </a:r>
+            <a:endParaRPr lang="en-US" altLang="zh-CN" dirty="0"/>
+          </a:p>
+          <a:p>
+            <a:r>
+              <a:rPr lang="zh-CN" altLang="en-US" sz="3200" dirty="0"/>
+              <a:t>精细化运营</a:t>
+            </a:r>
+            <a:endParaRPr lang="en-US" altLang="zh-CN" sz="3200" dirty="0" smtClean="0"/>
+          </a:p>
+          <a:p>
+            <a:pPr marL="400050" lvl="1" indent="0">
+              <a:buNone/>
+            </a:pPr>
+            <a:r>
+              <a:rPr lang="zh-CN" altLang="en-US" dirty="0"/>
+              <a:t>数据</a:t>
+            </a:r>
+            <a:r>
+              <a:rPr lang="zh-CN" altLang="en-US" dirty="0" smtClean="0"/>
+              <a:t>挖掘、个性化推荐等等作为代表。</a:t>
+            </a:r>
+            <a:endParaRPr lang="en-US" altLang="zh-CN" dirty="0" smtClean="0"/>
+          </a:p>
+          <a:p>
+            <a:r>
+              <a:rPr lang="zh-CN" altLang="en-US" sz="3200" dirty="0" smtClean="0"/>
+              <a:t>开放</a:t>
+            </a:r>
+            <a:endParaRPr lang="en-US" altLang="zh-CN" sz="3200" dirty="0" smtClean="0"/>
+          </a:p>
+          <a:p>
+            <a:pPr marL="457200" lvl="1" indent="0">
+              <a:buNone/>
+            </a:pPr>
+            <a:r>
+              <a:rPr lang="zh-CN" altLang="en-US" dirty="0" smtClean="0"/>
+              <a:t>让</a:t>
+            </a:r>
+            <a:r>
+              <a:rPr lang="zh-CN" altLang="en-US" dirty="0"/>
+              <a:t>整个社会去分享数据，让每个人都可以去挖掘数据，每个人都可以创造价值。</a:t>
+            </a:r>
+          </a:p>
+          <a:p>
+            <a:endParaRPr lang="zh-CN" altLang="en-US" sz="3600" dirty="0"/>
           </a:p>
         </p:txBody>
       </p:sp>
     </p:spTree>
     <p:extLst>
       <p:ext uri="{BB962C8B-B14F-4D97-AF65-F5344CB8AC3E}">
-        <p14:creationId xmlns:p14="http://schemas.microsoft.com/office/powerpoint/2010/main" val="1393238710"/>
+        <p14:creationId xmlns:p14="http://schemas.microsoft.com/office/powerpoint/2010/main" val="723033350"/>
       </p:ext>
     </p:extLst>
   </p:cSld>
@@ -28439,6 +32003,89 @@
             <p:ph type="title"/>
           </p:nvPr>
         </p:nvSpPr>
+        <p:spPr/>
+        <p:txBody>
+          <a:bodyPr/>
+          <a:lstStyle/>
+          <a:p>
+            <a:r>
+              <a:rPr lang="zh-CN" altLang="en-US" dirty="0" smtClean="0"/>
+              <a:t>相关资源</a:t>
+            </a:r>
+            <a:endParaRPr lang="zh-CN" altLang="en-US" dirty="0"/>
+          </a:p>
+        </p:txBody>
+      </p:sp>
+      <p:sp>
+        <p:nvSpPr>
+          <p:cNvPr id="3" name="内容占位符 2"/>
+          <p:cNvSpPr>
+            <a:spLocks noGrp="1"/>
+          </p:cNvSpPr>
+          <p:nvPr>
+            <p:ph idx="1"/>
+          </p:nvPr>
+        </p:nvSpPr>
+        <p:spPr/>
+        <p:txBody>
+          <a:bodyPr/>
+          <a:lstStyle/>
+          <a:p>
+            <a:r>
+              <a:rPr lang="en-US" altLang="zh-CN" dirty="0"/>
+              <a:t>https://github.com/muyannian/higo/wiki</a:t>
+            </a:r>
+            <a:endParaRPr lang="zh-CN" altLang="en-US" dirty="0"/>
+          </a:p>
+        </p:txBody>
+      </p:sp>
+    </p:spTree>
+    <p:extLst>
+      <p:ext uri="{BB962C8B-B14F-4D97-AF65-F5344CB8AC3E}">
+        <p14:creationId xmlns:p14="http://schemas.microsoft.com/office/powerpoint/2010/main" val="1393238710"/>
+      </p:ext>
+    </p:extLst>
+  </p:cSld>
+  <p:clrMapOvr>
+    <a:masterClrMapping/>
+  </p:clrMapOvr>
+  <p:timing>
+    <p:tnLst>
+      <p:par>
+        <p:cTn id="1" dur="indefinite" restart="never" nodeType="tmRoot"/>
+      </p:par>
+    </p:tnLst>
+  </p:timing>
+</p:sld>
+</file>
+
+<file path=ppt/slides/slide23.xml><?xml version="1.0" encoding="utf-8"?>
+<p:sld xmlns:a="http://schemas.openxmlformats.org/drawingml/2006/main" xmlns:r="http://schemas.openxmlformats.org/officeDocument/2006/relationships" xmlns:p="http://schemas.openxmlformats.org/presentationml/2006/main">
+  <p:cSld>
+    <p:spTree>
+      <p:nvGrpSpPr>
+        <p:cNvPr id="1" name=""/>
+        <p:cNvGrpSpPr/>
+        <p:nvPr/>
+      </p:nvGrpSpPr>
+      <p:grpSpPr>
+        <a:xfrm>
+          <a:off x="0" y="0"/>
+          <a:ext cx="0" cy="0"/>
+          <a:chOff x="0" y="0"/>
+          <a:chExt cx="0" cy="0"/>
+        </a:xfrm>
+      </p:grpSpPr>
+      <p:sp>
+        <p:nvSpPr>
+          <p:cNvPr id="2" name="标题 1"/>
+          <p:cNvSpPr>
+            <a:spLocks noGrp="1"/>
+          </p:cNvSpPr>
+          <p:nvPr>
+            <p:ph type="title"/>
+          </p:nvPr>
+        </p:nvSpPr>
         <p:spPr>
           <a:xfrm>
             <a:off x="323528" y="2636912"/>
@@ -28477,7 +32124,7 @@
 </p:sld>
 </file>
 
-<file path=ppt/slides/slide23.xml><?xml version="1.0" encoding="utf-8"?>
+<file path=ppt/slides/slide24.xml><?xml version="1.0" encoding="utf-8"?>
 <p:sld xmlns:a="http://schemas.openxmlformats.org/drawingml/2006/main" xmlns:r="http://schemas.openxmlformats.org/officeDocument/2006/relationships" xmlns:p="http://schemas.openxmlformats.org/presentationml/2006/main">
   <p:cSld>
     <p:spTree>

--- a/doc/higo.pptx
+++ b/doc/higo.pptx
@@ -29503,6 +29503,202 @@
           </a:p>
         </p:txBody>
       </p:sp>
+      <p:sp>
+        <p:nvSpPr>
+          <p:cNvPr id="36" name="云形标注 35"/>
+          <p:cNvSpPr/>
+          <p:nvPr/>
+        </p:nvSpPr>
+        <p:spPr>
+          <a:xfrm>
+            <a:off x="1428812" y="1017960"/>
+            <a:ext cx="1566180" cy="864096"/>
+          </a:xfrm>
+          <a:prstGeom prst="cloudCallout">
+            <a:avLst>
+              <a:gd name="adj1" fmla="val 14456"/>
+              <a:gd name="adj2" fmla="val 46333"/>
+            </a:avLst>
+          </a:prstGeom>
+        </p:spPr>
+        <p:style>
+          <a:lnRef idx="2">
+            <a:schemeClr val="accent1"/>
+          </a:lnRef>
+          <a:fillRef idx="1">
+            <a:schemeClr val="lt1"/>
+          </a:fillRef>
+          <a:effectRef idx="0">
+            <a:schemeClr val="accent1"/>
+          </a:effectRef>
+          <a:fontRef idx="minor">
+            <a:schemeClr val="dk1"/>
+          </a:fontRef>
+        </p:style>
+        <p:txBody>
+          <a:bodyPr rtlCol="0" anchor="ctr"/>
+          <a:lstStyle/>
+          <a:p>
+            <a:pPr algn="ctr"/>
+            <a:r>
+              <a:rPr lang="zh-CN" altLang="en-US" dirty="0" smtClean="0"/>
+              <a:t>低位</a:t>
+            </a:r>
+            <a:r>
+              <a:rPr lang="en-US" altLang="zh-CN" dirty="0" err="1" smtClean="0"/>
+              <a:t>bitset</a:t>
+            </a:r>
+            <a:endParaRPr lang="zh-CN" altLang="en-US" dirty="0"/>
+          </a:p>
+        </p:txBody>
+      </p:sp>
+      <p:sp>
+        <p:nvSpPr>
+          <p:cNvPr id="37" name="云形标注 36"/>
+          <p:cNvSpPr/>
+          <p:nvPr/>
+        </p:nvSpPr>
+        <p:spPr>
+          <a:xfrm>
+            <a:off x="3029892" y="937010"/>
+            <a:ext cx="1566180" cy="864096"/>
+          </a:xfrm>
+          <a:prstGeom prst="cloudCallout">
+            <a:avLst>
+              <a:gd name="adj1" fmla="val 14456"/>
+              <a:gd name="adj2" fmla="val 46333"/>
+            </a:avLst>
+          </a:prstGeom>
+        </p:spPr>
+        <p:style>
+          <a:lnRef idx="2">
+            <a:schemeClr val="accent1"/>
+          </a:lnRef>
+          <a:fillRef idx="1">
+            <a:schemeClr val="lt1"/>
+          </a:fillRef>
+          <a:effectRef idx="0">
+            <a:schemeClr val="accent1"/>
+          </a:effectRef>
+          <a:fontRef idx="minor">
+            <a:schemeClr val="dk1"/>
+          </a:fontRef>
+        </p:style>
+        <p:txBody>
+          <a:bodyPr rtlCol="0" anchor="ctr"/>
+          <a:lstStyle/>
+          <a:p>
+            <a:pPr algn="ctr"/>
+            <a:r>
+              <a:rPr lang="zh-CN" altLang="en-US" dirty="0" smtClean="0"/>
+              <a:t>中间</a:t>
+            </a:r>
+            <a:r>
+              <a:rPr lang="en-US" altLang="zh-CN" dirty="0" err="1" smtClean="0"/>
+              <a:t>bitset</a:t>
+            </a:r>
+            <a:endParaRPr lang="zh-CN" altLang="en-US" dirty="0"/>
+          </a:p>
+        </p:txBody>
+      </p:sp>
+      <p:sp>
+        <p:nvSpPr>
+          <p:cNvPr id="42" name="云形标注 41"/>
+          <p:cNvSpPr/>
+          <p:nvPr/>
+        </p:nvSpPr>
+        <p:spPr>
+          <a:xfrm>
+            <a:off x="4571374" y="937010"/>
+            <a:ext cx="1566180" cy="864096"/>
+          </a:xfrm>
+          <a:prstGeom prst="cloudCallout">
+            <a:avLst>
+              <a:gd name="adj1" fmla="val 14456"/>
+              <a:gd name="adj2" fmla="val 46333"/>
+            </a:avLst>
+          </a:prstGeom>
+        </p:spPr>
+        <p:style>
+          <a:lnRef idx="2">
+            <a:schemeClr val="accent1"/>
+          </a:lnRef>
+          <a:fillRef idx="1">
+            <a:schemeClr val="lt1"/>
+          </a:fillRef>
+          <a:effectRef idx="0">
+            <a:schemeClr val="accent1"/>
+          </a:effectRef>
+          <a:fontRef idx="minor">
+            <a:schemeClr val="dk1"/>
+          </a:fontRef>
+        </p:style>
+        <p:txBody>
+          <a:bodyPr rtlCol="0" anchor="ctr"/>
+          <a:lstStyle/>
+          <a:p>
+            <a:pPr algn="ctr"/>
+            <a:r>
+              <a:rPr lang="zh-CN" altLang="en-US" dirty="0" smtClean="0"/>
+              <a:t>中间</a:t>
+            </a:r>
+            <a:r>
+              <a:rPr lang="en-US" altLang="zh-CN" dirty="0" err="1" smtClean="0"/>
+              <a:t>bitset</a:t>
+            </a:r>
+            <a:endParaRPr lang="zh-CN" altLang="en-US" dirty="0"/>
+          </a:p>
+        </p:txBody>
+      </p:sp>
+      <p:sp>
+        <p:nvSpPr>
+          <p:cNvPr id="45" name="云形标注 44"/>
+          <p:cNvSpPr/>
+          <p:nvPr/>
+        </p:nvSpPr>
+        <p:spPr>
+          <a:xfrm>
+            <a:off x="5792948" y="913570"/>
+            <a:ext cx="1566180" cy="864096"/>
+          </a:xfrm>
+          <a:prstGeom prst="cloudCallout">
+            <a:avLst>
+              <a:gd name="adj1" fmla="val 14456"/>
+              <a:gd name="adj2" fmla="val 46333"/>
+            </a:avLst>
+          </a:prstGeom>
+        </p:spPr>
+        <p:style>
+          <a:lnRef idx="2">
+            <a:schemeClr val="accent1"/>
+          </a:lnRef>
+          <a:fillRef idx="1">
+            <a:schemeClr val="lt1"/>
+          </a:fillRef>
+          <a:effectRef idx="0">
+            <a:schemeClr val="accent1"/>
+          </a:effectRef>
+          <a:fontRef idx="minor">
+            <a:schemeClr val="dk1"/>
+          </a:fontRef>
+        </p:style>
+        <p:txBody>
+          <a:bodyPr rtlCol="0" anchor="ctr"/>
+          <a:lstStyle/>
+          <a:p>
+            <a:pPr algn="ctr"/>
+            <a:r>
+              <a:rPr lang="zh-CN" altLang="en-US" dirty="0"/>
+              <a:t>高位</a:t>
+            </a:r>
+            <a:r>
+              <a:rPr lang="en-US" altLang="zh-CN" dirty="0" err="1" smtClean="0"/>
+              <a:t>bitset</a:t>
+            </a:r>
+            <a:endParaRPr lang="zh-CN" altLang="en-US" dirty="0"/>
+          </a:p>
+        </p:txBody>
+      </p:sp>
     </p:spTree>
     <p:extLst>
       <p:ext uri="{BB962C8B-B14F-4D97-AF65-F5344CB8AC3E}">
@@ -29957,14 +30153,491 @@
                             </p:stCondLst>
                             <p:childTnLst>
                               <p:par>
-                                <p:cTn id="32" presetID="42" presetClass="entr" presetSubtype="0" fill="hold" grpId="0" nodeType="clickEffect">
+                                <p:cTn id="32" presetID="16" presetClass="exit" presetSubtype="21" fill="hold" grpId="1" nodeType="clickEffect">
+                                  <p:stCondLst>
+                                    <p:cond delay="0"/>
+                                  </p:stCondLst>
+                                  <p:childTnLst>
+                                    <p:animEffect transition="out" filter="barn(inVertical)">
+                                      <p:cBhvr>
+                                        <p:cTn id="33" dur="500"/>
+                                        <p:tgtEl>
+                                          <p:spTgt spid="47"/>
+                                        </p:tgtEl>
+                                      </p:cBhvr>
+                                    </p:animEffect>
+                                    <p:set>
+                                      <p:cBhvr>
+                                        <p:cTn id="34" dur="1" fill="hold">
+                                          <p:stCondLst>
+                                            <p:cond delay="499"/>
+                                          </p:stCondLst>
+                                        </p:cTn>
+                                        <p:tgtEl>
+                                          <p:spTgt spid="47"/>
+                                        </p:tgtEl>
+                                        <p:attrNameLst>
+                                          <p:attrName>style.visibility</p:attrName>
+                                        </p:attrNameLst>
+                                      </p:cBhvr>
+                                      <p:to>
+                                        <p:strVal val="hidden"/>
+                                      </p:to>
+                                    </p:set>
+                                  </p:childTnLst>
+                                </p:cTn>
+                              </p:par>
+                            </p:childTnLst>
+                          </p:cTn>
+                        </p:par>
+                      </p:childTnLst>
+                    </p:cTn>
+                  </p:par>
+                  <p:par>
+                    <p:cTn id="35" fill="hold">
+                      <p:stCondLst>
+                        <p:cond delay="indefinite"/>
+                      </p:stCondLst>
+                      <p:childTnLst>
+                        <p:par>
+                          <p:cTn id="36" fill="hold">
+                            <p:stCondLst>
+                              <p:cond delay="0"/>
+                            </p:stCondLst>
+                            <p:childTnLst>
+                              <p:par>
+                                <p:cTn id="37" presetID="16" presetClass="entr" presetSubtype="21" fill="hold" grpId="0" nodeType="clickEffect">
                                   <p:stCondLst>
                                     <p:cond delay="0"/>
                                   </p:stCondLst>
                                   <p:childTnLst>
                                     <p:set>
                                       <p:cBhvr>
-                                        <p:cTn id="33" dur="1" fill="hold">
+                                        <p:cTn id="38" dur="1" fill="hold">
+                                          <p:stCondLst>
+                                            <p:cond delay="0"/>
+                                          </p:stCondLst>
+                                        </p:cTn>
+                                        <p:tgtEl>
+                                          <p:spTgt spid="36"/>
+                                        </p:tgtEl>
+                                        <p:attrNameLst>
+                                          <p:attrName>style.visibility</p:attrName>
+                                        </p:attrNameLst>
+                                      </p:cBhvr>
+                                      <p:to>
+                                        <p:strVal val="visible"/>
+                                      </p:to>
+                                    </p:set>
+                                    <p:animEffect transition="in" filter="barn(inVertical)">
+                                      <p:cBhvr>
+                                        <p:cTn id="39" dur="500"/>
+                                        <p:tgtEl>
+                                          <p:spTgt spid="36"/>
+                                        </p:tgtEl>
+                                      </p:cBhvr>
+                                    </p:animEffect>
+                                  </p:childTnLst>
+                                </p:cTn>
+                              </p:par>
+                            </p:childTnLst>
+                          </p:cTn>
+                        </p:par>
+                      </p:childTnLst>
+                    </p:cTn>
+                  </p:par>
+                  <p:par>
+                    <p:cTn id="40" fill="hold">
+                      <p:stCondLst>
+                        <p:cond delay="indefinite"/>
+                      </p:stCondLst>
+                      <p:childTnLst>
+                        <p:par>
+                          <p:cTn id="41" fill="hold">
+                            <p:stCondLst>
+                              <p:cond delay="0"/>
+                            </p:stCondLst>
+                            <p:childTnLst>
+                              <p:par>
+                                <p:cTn id="42" presetID="16" presetClass="exit" presetSubtype="21" fill="hold" grpId="1" nodeType="clickEffect">
+                                  <p:stCondLst>
+                                    <p:cond delay="0"/>
+                                  </p:stCondLst>
+                                  <p:childTnLst>
+                                    <p:animEffect transition="out" filter="barn(inVertical)">
+                                      <p:cBhvr>
+                                        <p:cTn id="43" dur="500"/>
+                                        <p:tgtEl>
+                                          <p:spTgt spid="36"/>
+                                        </p:tgtEl>
+                                      </p:cBhvr>
+                                    </p:animEffect>
+                                    <p:set>
+                                      <p:cBhvr>
+                                        <p:cTn id="44" dur="1" fill="hold">
+                                          <p:stCondLst>
+                                            <p:cond delay="499"/>
+                                          </p:stCondLst>
+                                        </p:cTn>
+                                        <p:tgtEl>
+                                          <p:spTgt spid="36"/>
+                                        </p:tgtEl>
+                                        <p:attrNameLst>
+                                          <p:attrName>style.visibility</p:attrName>
+                                        </p:attrNameLst>
+                                      </p:cBhvr>
+                                      <p:to>
+                                        <p:strVal val="hidden"/>
+                                      </p:to>
+                                    </p:set>
+                                  </p:childTnLst>
+                                </p:cTn>
+                              </p:par>
+                            </p:childTnLst>
+                          </p:cTn>
+                        </p:par>
+                      </p:childTnLst>
+                    </p:cTn>
+                  </p:par>
+                  <p:par>
+                    <p:cTn id="45" fill="hold">
+                      <p:stCondLst>
+                        <p:cond delay="indefinite"/>
+                      </p:stCondLst>
+                      <p:childTnLst>
+                        <p:par>
+                          <p:cTn id="46" fill="hold">
+                            <p:stCondLst>
+                              <p:cond delay="0"/>
+                            </p:stCondLst>
+                            <p:childTnLst>
+                              <p:par>
+                                <p:cTn id="47" presetID="16" presetClass="entr" presetSubtype="21" fill="hold" grpId="0" nodeType="clickEffect">
+                                  <p:stCondLst>
+                                    <p:cond delay="0"/>
+                                  </p:stCondLst>
+                                  <p:childTnLst>
+                                    <p:set>
+                                      <p:cBhvr>
+                                        <p:cTn id="48" dur="1" fill="hold">
+                                          <p:stCondLst>
+                                            <p:cond delay="0"/>
+                                          </p:stCondLst>
+                                        </p:cTn>
+                                        <p:tgtEl>
+                                          <p:spTgt spid="37"/>
+                                        </p:tgtEl>
+                                        <p:attrNameLst>
+                                          <p:attrName>style.visibility</p:attrName>
+                                        </p:attrNameLst>
+                                      </p:cBhvr>
+                                      <p:to>
+                                        <p:strVal val="visible"/>
+                                      </p:to>
+                                    </p:set>
+                                    <p:animEffect transition="in" filter="barn(inVertical)">
+                                      <p:cBhvr>
+                                        <p:cTn id="49" dur="500"/>
+                                        <p:tgtEl>
+                                          <p:spTgt spid="37"/>
+                                        </p:tgtEl>
+                                      </p:cBhvr>
+                                    </p:animEffect>
+                                  </p:childTnLst>
+                                </p:cTn>
+                              </p:par>
+                            </p:childTnLst>
+                          </p:cTn>
+                        </p:par>
+                      </p:childTnLst>
+                    </p:cTn>
+                  </p:par>
+                  <p:par>
+                    <p:cTn id="50" fill="hold">
+                      <p:stCondLst>
+                        <p:cond delay="indefinite"/>
+                      </p:stCondLst>
+                      <p:childTnLst>
+                        <p:par>
+                          <p:cTn id="51" fill="hold">
+                            <p:stCondLst>
+                              <p:cond delay="0"/>
+                            </p:stCondLst>
+                            <p:childTnLst>
+                              <p:par>
+                                <p:cTn id="52" presetID="16" presetClass="exit" presetSubtype="21" fill="hold" grpId="1" nodeType="clickEffect">
+                                  <p:stCondLst>
+                                    <p:cond delay="0"/>
+                                  </p:stCondLst>
+                                  <p:childTnLst>
+                                    <p:animEffect transition="out" filter="barn(inVertical)">
+                                      <p:cBhvr>
+                                        <p:cTn id="53" dur="500"/>
+                                        <p:tgtEl>
+                                          <p:spTgt spid="37"/>
+                                        </p:tgtEl>
+                                      </p:cBhvr>
+                                    </p:animEffect>
+                                    <p:set>
+                                      <p:cBhvr>
+                                        <p:cTn id="54" dur="1" fill="hold">
+                                          <p:stCondLst>
+                                            <p:cond delay="499"/>
+                                          </p:stCondLst>
+                                        </p:cTn>
+                                        <p:tgtEl>
+                                          <p:spTgt spid="37"/>
+                                        </p:tgtEl>
+                                        <p:attrNameLst>
+                                          <p:attrName>style.visibility</p:attrName>
+                                        </p:attrNameLst>
+                                      </p:cBhvr>
+                                      <p:to>
+                                        <p:strVal val="hidden"/>
+                                      </p:to>
+                                    </p:set>
+                                  </p:childTnLst>
+                                </p:cTn>
+                              </p:par>
+                            </p:childTnLst>
+                          </p:cTn>
+                        </p:par>
+                      </p:childTnLst>
+                    </p:cTn>
+                  </p:par>
+                  <p:par>
+                    <p:cTn id="55" fill="hold">
+                      <p:stCondLst>
+                        <p:cond delay="indefinite"/>
+                      </p:stCondLst>
+                      <p:childTnLst>
+                        <p:par>
+                          <p:cTn id="56" fill="hold">
+                            <p:stCondLst>
+                              <p:cond delay="0"/>
+                            </p:stCondLst>
+                            <p:childTnLst>
+                              <p:par>
+                                <p:cTn id="57" presetID="16" presetClass="entr" presetSubtype="21" fill="hold" grpId="0" nodeType="clickEffect">
+                                  <p:stCondLst>
+                                    <p:cond delay="0"/>
+                                  </p:stCondLst>
+                                  <p:childTnLst>
+                                    <p:set>
+                                      <p:cBhvr>
+                                        <p:cTn id="58" dur="1" fill="hold">
+                                          <p:stCondLst>
+                                            <p:cond delay="0"/>
+                                          </p:stCondLst>
+                                        </p:cTn>
+                                        <p:tgtEl>
+                                          <p:spTgt spid="42"/>
+                                        </p:tgtEl>
+                                        <p:attrNameLst>
+                                          <p:attrName>style.visibility</p:attrName>
+                                        </p:attrNameLst>
+                                      </p:cBhvr>
+                                      <p:to>
+                                        <p:strVal val="visible"/>
+                                      </p:to>
+                                    </p:set>
+                                    <p:animEffect transition="in" filter="barn(inVertical)">
+                                      <p:cBhvr>
+                                        <p:cTn id="59" dur="500"/>
+                                        <p:tgtEl>
+                                          <p:spTgt spid="42"/>
+                                        </p:tgtEl>
+                                      </p:cBhvr>
+                                    </p:animEffect>
+                                  </p:childTnLst>
+                                </p:cTn>
+                              </p:par>
+                            </p:childTnLst>
+                          </p:cTn>
+                        </p:par>
+                      </p:childTnLst>
+                    </p:cTn>
+                  </p:par>
+                  <p:par>
+                    <p:cTn id="60" fill="hold">
+                      <p:stCondLst>
+                        <p:cond delay="indefinite"/>
+                      </p:stCondLst>
+                      <p:childTnLst>
+                        <p:par>
+                          <p:cTn id="61" fill="hold">
+                            <p:stCondLst>
+                              <p:cond delay="0"/>
+                            </p:stCondLst>
+                            <p:childTnLst>
+                              <p:par>
+                                <p:cTn id="62" presetID="16" presetClass="exit" presetSubtype="21" fill="hold" grpId="1" nodeType="clickEffect">
+                                  <p:stCondLst>
+                                    <p:cond delay="0"/>
+                                  </p:stCondLst>
+                                  <p:childTnLst>
+                                    <p:animEffect transition="out" filter="barn(inVertical)">
+                                      <p:cBhvr>
+                                        <p:cTn id="63" dur="500"/>
+                                        <p:tgtEl>
+                                          <p:spTgt spid="42"/>
+                                        </p:tgtEl>
+                                      </p:cBhvr>
+                                    </p:animEffect>
+                                    <p:set>
+                                      <p:cBhvr>
+                                        <p:cTn id="64" dur="1" fill="hold">
+                                          <p:stCondLst>
+                                            <p:cond delay="499"/>
+                                          </p:stCondLst>
+                                        </p:cTn>
+                                        <p:tgtEl>
+                                          <p:spTgt spid="42"/>
+                                        </p:tgtEl>
+                                        <p:attrNameLst>
+                                          <p:attrName>style.visibility</p:attrName>
+                                        </p:attrNameLst>
+                                      </p:cBhvr>
+                                      <p:to>
+                                        <p:strVal val="hidden"/>
+                                      </p:to>
+                                    </p:set>
+                                  </p:childTnLst>
+                                </p:cTn>
+                              </p:par>
+                            </p:childTnLst>
+                          </p:cTn>
+                        </p:par>
+                      </p:childTnLst>
+                    </p:cTn>
+                  </p:par>
+                  <p:par>
+                    <p:cTn id="65" fill="hold">
+                      <p:stCondLst>
+                        <p:cond delay="indefinite"/>
+                      </p:stCondLst>
+                      <p:childTnLst>
+                        <p:par>
+                          <p:cTn id="66" fill="hold">
+                            <p:stCondLst>
+                              <p:cond delay="0"/>
+                            </p:stCondLst>
+                            <p:childTnLst>
+                              <p:par>
+                                <p:cTn id="67" presetID="16" presetClass="entr" presetSubtype="21" fill="hold" grpId="0" nodeType="clickEffect">
+                                  <p:stCondLst>
+                                    <p:cond delay="0"/>
+                                  </p:stCondLst>
+                                  <p:childTnLst>
+                                    <p:set>
+                                      <p:cBhvr>
+                                        <p:cTn id="68" dur="1" fill="hold">
+                                          <p:stCondLst>
+                                            <p:cond delay="0"/>
+                                          </p:stCondLst>
+                                        </p:cTn>
+                                        <p:tgtEl>
+                                          <p:spTgt spid="45"/>
+                                        </p:tgtEl>
+                                        <p:attrNameLst>
+                                          <p:attrName>style.visibility</p:attrName>
+                                        </p:attrNameLst>
+                                      </p:cBhvr>
+                                      <p:to>
+                                        <p:strVal val="visible"/>
+                                      </p:to>
+                                    </p:set>
+                                    <p:animEffect transition="in" filter="barn(inVertical)">
+                                      <p:cBhvr>
+                                        <p:cTn id="69" dur="500"/>
+                                        <p:tgtEl>
+                                          <p:spTgt spid="45"/>
+                                        </p:tgtEl>
+                                      </p:cBhvr>
+                                    </p:animEffect>
+                                  </p:childTnLst>
+                                </p:cTn>
+                              </p:par>
+                            </p:childTnLst>
+                          </p:cTn>
+                        </p:par>
+                      </p:childTnLst>
+                    </p:cTn>
+                  </p:par>
+                  <p:par>
+                    <p:cTn id="70" fill="hold">
+                      <p:stCondLst>
+                        <p:cond delay="indefinite"/>
+                      </p:stCondLst>
+                      <p:childTnLst>
+                        <p:par>
+                          <p:cTn id="71" fill="hold">
+                            <p:stCondLst>
+                              <p:cond delay="0"/>
+                            </p:stCondLst>
+                            <p:childTnLst>
+                              <p:par>
+                                <p:cTn id="72" presetID="16" presetClass="exit" presetSubtype="21" fill="hold" grpId="1" nodeType="clickEffect">
+                                  <p:stCondLst>
+                                    <p:cond delay="0"/>
+                                  </p:stCondLst>
+                                  <p:childTnLst>
+                                    <p:animEffect transition="out" filter="barn(inVertical)">
+                                      <p:cBhvr>
+                                        <p:cTn id="73" dur="500"/>
+                                        <p:tgtEl>
+                                          <p:spTgt spid="45"/>
+                                        </p:tgtEl>
+                                      </p:cBhvr>
+                                    </p:animEffect>
+                                    <p:set>
+                                      <p:cBhvr>
+                                        <p:cTn id="74" dur="1" fill="hold">
+                                          <p:stCondLst>
+                                            <p:cond delay="499"/>
+                                          </p:stCondLst>
+                                        </p:cTn>
+                                        <p:tgtEl>
+                                          <p:spTgt spid="45"/>
+                                        </p:tgtEl>
+                                        <p:attrNameLst>
+                                          <p:attrName>style.visibility</p:attrName>
+                                        </p:attrNameLst>
+                                      </p:cBhvr>
+                                      <p:to>
+                                        <p:strVal val="hidden"/>
+                                      </p:to>
+                                    </p:set>
+                                  </p:childTnLst>
+                                </p:cTn>
+                              </p:par>
+                            </p:childTnLst>
+                          </p:cTn>
+                        </p:par>
+                      </p:childTnLst>
+                    </p:cTn>
+                  </p:par>
+                  <p:par>
+                    <p:cTn id="75" fill="hold">
+                      <p:stCondLst>
+                        <p:cond delay="indefinite"/>
+                      </p:stCondLst>
+                      <p:childTnLst>
+                        <p:par>
+                          <p:cTn id="76" fill="hold">
+                            <p:stCondLst>
+                              <p:cond delay="0"/>
+                            </p:stCondLst>
+                            <p:childTnLst>
+                              <p:par>
+                                <p:cTn id="77" presetID="42" presetClass="entr" presetSubtype="0" fill="hold" grpId="0" nodeType="clickEffect">
+                                  <p:stCondLst>
+                                    <p:cond delay="0"/>
+                                  </p:stCondLst>
+                                  <p:childTnLst>
+                                    <p:set>
+                                      <p:cBhvr>
+                                        <p:cTn id="78" dur="1" fill="hold">
                                           <p:stCondLst>
                                             <p:cond delay="0"/>
                                           </p:stCondLst>
@@ -29982,7 +30655,7 @@
                                     </p:set>
                                     <p:animEffect transition="in" filter="fade">
                                       <p:cBhvr>
-                                        <p:cTn id="34" dur="1000"/>
+                                        <p:cTn id="79" dur="1000"/>
                                         <p:tgtEl>
                                           <p:spTgt spid="18"/>
                                         </p:tgtEl>
@@ -29990,7 +30663,7 @@
                                     </p:animEffect>
                                     <p:anim calcmode="lin" valueType="num">
                                       <p:cBhvr>
-                                        <p:cTn id="35" dur="1000" fill="hold"/>
+                                        <p:cTn id="80" dur="1000" fill="hold"/>
                                         <p:tgtEl>
                                           <p:spTgt spid="18"/>
                                         </p:tgtEl>
@@ -30013,7 +30686,7 @@
                                     </p:anim>
                                     <p:anim calcmode="lin" valueType="num">
                                       <p:cBhvr>
-                                        <p:cTn id="36" dur="1000" fill="hold"/>
+                                        <p:cTn id="81" dur="1000" fill="hold"/>
                                         <p:tgtEl>
                                           <p:spTgt spid="18"/>
                                         </p:tgtEl>
@@ -30038,14 +30711,14 @@
                                 </p:cTn>
                               </p:par>
                               <p:par>
-                                <p:cTn id="37" presetID="42" presetClass="entr" presetSubtype="0" fill="hold" grpId="0" nodeType="withEffect">
+                                <p:cTn id="82" presetID="42" presetClass="entr" presetSubtype="0" fill="hold" grpId="0" nodeType="withEffect">
                                   <p:stCondLst>
                                     <p:cond delay="0"/>
                                   </p:stCondLst>
                                   <p:childTnLst>
                                     <p:set>
                                       <p:cBhvr>
-                                        <p:cTn id="38" dur="1" fill="hold">
+                                        <p:cTn id="83" dur="1" fill="hold">
                                           <p:stCondLst>
                                             <p:cond delay="0"/>
                                           </p:stCondLst>
@@ -30063,7 +30736,7 @@
                                     </p:set>
                                     <p:animEffect transition="in" filter="fade">
                                       <p:cBhvr>
-                                        <p:cTn id="39" dur="1000"/>
+                                        <p:cTn id="84" dur="1000"/>
                                         <p:tgtEl>
                                           <p:spTgt spid="19"/>
                                         </p:tgtEl>
@@ -30071,7 +30744,7 @@
                                     </p:animEffect>
                                     <p:anim calcmode="lin" valueType="num">
                                       <p:cBhvr>
-                                        <p:cTn id="40" dur="1000" fill="hold"/>
+                                        <p:cTn id="85" dur="1000" fill="hold"/>
                                         <p:tgtEl>
                                           <p:spTgt spid="19"/>
                                         </p:tgtEl>
@@ -30094,7 +30767,7 @@
                                     </p:anim>
                                     <p:anim calcmode="lin" valueType="num">
                                       <p:cBhvr>
-                                        <p:cTn id="41" dur="1000" fill="hold"/>
+                                        <p:cTn id="86" dur="1000" fill="hold"/>
                                         <p:tgtEl>
                                           <p:spTgt spid="19"/>
                                         </p:tgtEl>
@@ -30119,14 +30792,14 @@
                                 </p:cTn>
                               </p:par>
                               <p:par>
-                                <p:cTn id="42" presetID="42" presetClass="entr" presetSubtype="0" fill="hold" grpId="0" nodeType="withEffect">
+                                <p:cTn id="87" presetID="42" presetClass="entr" presetSubtype="0" fill="hold" grpId="0" nodeType="withEffect">
                                   <p:stCondLst>
                                     <p:cond delay="0"/>
                                   </p:stCondLst>
                                   <p:childTnLst>
                                     <p:set>
                                       <p:cBhvr>
-                                        <p:cTn id="43" dur="1" fill="hold">
+                                        <p:cTn id="88" dur="1" fill="hold">
                                           <p:stCondLst>
                                             <p:cond delay="0"/>
                                           </p:stCondLst>
@@ -30144,7 +30817,7 @@
                                     </p:set>
                                     <p:animEffect transition="in" filter="fade">
                                       <p:cBhvr>
-                                        <p:cTn id="44" dur="1000"/>
+                                        <p:cTn id="89" dur="1000"/>
                                         <p:tgtEl>
                                           <p:spTgt spid="20"/>
                                         </p:tgtEl>
@@ -30152,7 +30825,7 @@
                                     </p:animEffect>
                                     <p:anim calcmode="lin" valueType="num">
                                       <p:cBhvr>
-                                        <p:cTn id="45" dur="1000" fill="hold"/>
+                                        <p:cTn id="90" dur="1000" fill="hold"/>
                                         <p:tgtEl>
                                           <p:spTgt spid="20"/>
                                         </p:tgtEl>
@@ -30175,7 +30848,7 @@
                                     </p:anim>
                                     <p:anim calcmode="lin" valueType="num">
                                       <p:cBhvr>
-                                        <p:cTn id="46" dur="1000" fill="hold"/>
+                                        <p:cTn id="91" dur="1000" fill="hold"/>
                                         <p:tgtEl>
                                           <p:spTgt spid="20"/>
                                         </p:tgtEl>
@@ -30200,14 +30873,14 @@
                                 </p:cTn>
                               </p:par>
                               <p:par>
-                                <p:cTn id="47" presetID="42" presetClass="entr" presetSubtype="0" fill="hold" grpId="0" nodeType="withEffect">
+                                <p:cTn id="92" presetID="42" presetClass="entr" presetSubtype="0" fill="hold" grpId="0" nodeType="withEffect">
                                   <p:stCondLst>
                                     <p:cond delay="0"/>
                                   </p:stCondLst>
                                   <p:childTnLst>
                                     <p:set>
                                       <p:cBhvr>
-                                        <p:cTn id="48" dur="1" fill="hold">
+                                        <p:cTn id="93" dur="1" fill="hold">
                                           <p:stCondLst>
                                             <p:cond delay="0"/>
                                           </p:stCondLst>
@@ -30225,7 +30898,7 @@
                                     </p:set>
                                     <p:animEffect transition="in" filter="fade">
                                       <p:cBhvr>
-                                        <p:cTn id="49" dur="1000"/>
+                                        <p:cTn id="94" dur="1000"/>
                                         <p:tgtEl>
                                           <p:spTgt spid="21"/>
                                         </p:tgtEl>
@@ -30233,7 +30906,7 @@
                                     </p:animEffect>
                                     <p:anim calcmode="lin" valueType="num">
                                       <p:cBhvr>
-                                        <p:cTn id="50" dur="1000" fill="hold"/>
+                                        <p:cTn id="95" dur="1000" fill="hold"/>
                                         <p:tgtEl>
                                           <p:spTgt spid="21"/>
                                         </p:tgtEl>
@@ -30256,7 +30929,7 @@
                                     </p:anim>
                                     <p:anim calcmode="lin" valueType="num">
                                       <p:cBhvr>
-                                        <p:cTn id="51" dur="1000" fill="hold"/>
+                                        <p:cTn id="96" dur="1000" fill="hold"/>
                                         <p:tgtEl>
                                           <p:spTgt spid="21"/>
                                         </p:tgtEl>
@@ -30281,14 +30954,14 @@
                                 </p:cTn>
                               </p:par>
                               <p:par>
-                                <p:cTn id="52" presetID="42" presetClass="entr" presetSubtype="0" fill="hold" grpId="0" nodeType="withEffect">
+                                <p:cTn id="97" presetID="42" presetClass="entr" presetSubtype="0" fill="hold" grpId="0" nodeType="withEffect">
                                   <p:stCondLst>
                                     <p:cond delay="0"/>
                                   </p:stCondLst>
                                   <p:childTnLst>
                                     <p:set>
                                       <p:cBhvr>
-                                        <p:cTn id="53" dur="1" fill="hold">
+                                        <p:cTn id="98" dur="1" fill="hold">
                                           <p:stCondLst>
                                             <p:cond delay="0"/>
                                           </p:stCondLst>
@@ -30306,7 +30979,7 @@
                                     </p:set>
                                     <p:animEffect transition="in" filter="fade">
                                       <p:cBhvr>
-                                        <p:cTn id="54" dur="1000"/>
+                                        <p:cTn id="99" dur="1000"/>
                                         <p:tgtEl>
                                           <p:spTgt spid="22"/>
                                         </p:tgtEl>
@@ -30314,7 +30987,7 @@
                                     </p:animEffect>
                                     <p:anim calcmode="lin" valueType="num">
                                       <p:cBhvr>
-                                        <p:cTn id="55" dur="1000" fill="hold"/>
+                                        <p:cTn id="100" dur="1000" fill="hold"/>
                                         <p:tgtEl>
                                           <p:spTgt spid="22"/>
                                         </p:tgtEl>
@@ -30337,7 +31010,7 @@
                                     </p:anim>
                                     <p:anim calcmode="lin" valueType="num">
                                       <p:cBhvr>
-                                        <p:cTn id="56" dur="1000" fill="hold"/>
+                                        <p:cTn id="101" dur="1000" fill="hold"/>
                                         <p:tgtEl>
                                           <p:spTgt spid="22"/>
                                         </p:tgtEl>
@@ -30368,26 +31041,26 @@
                     </p:cTn>
                   </p:par>
                   <p:par>
-                    <p:cTn id="57" fill="hold">
+                    <p:cTn id="102" fill="hold">
                       <p:stCondLst>
                         <p:cond delay="indefinite"/>
                       </p:stCondLst>
                       <p:childTnLst>
                         <p:par>
-                          <p:cTn id="58" fill="hold">
+                          <p:cTn id="103" fill="hold">
                             <p:stCondLst>
                               <p:cond delay="0"/>
                             </p:stCondLst>
                             <p:childTnLst>
                               <p:par>
-                                <p:cTn id="59" presetID="42" presetClass="entr" presetSubtype="0" fill="hold" grpId="0" nodeType="clickEffect">
+                                <p:cTn id="104" presetID="42" presetClass="entr" presetSubtype="0" fill="hold" grpId="0" nodeType="clickEffect">
                                   <p:stCondLst>
                                     <p:cond delay="0"/>
                                   </p:stCondLst>
                                   <p:childTnLst>
                                     <p:set>
                                       <p:cBhvr>
-                                        <p:cTn id="60" dur="1" fill="hold">
+                                        <p:cTn id="105" dur="1" fill="hold">
                                           <p:stCondLst>
                                             <p:cond delay="0"/>
                                           </p:stCondLst>
@@ -30405,7 +31078,7 @@
                                     </p:set>
                                     <p:animEffect transition="in" filter="fade">
                                       <p:cBhvr>
-                                        <p:cTn id="61" dur="1000"/>
+                                        <p:cTn id="106" dur="1000"/>
                                         <p:tgtEl>
                                           <p:spTgt spid="23"/>
                                         </p:tgtEl>
@@ -30413,7 +31086,7 @@
                                     </p:animEffect>
                                     <p:anim calcmode="lin" valueType="num">
                                       <p:cBhvr>
-                                        <p:cTn id="62" dur="1000" fill="hold"/>
+                                        <p:cTn id="107" dur="1000" fill="hold"/>
                                         <p:tgtEl>
                                           <p:spTgt spid="23"/>
                                         </p:tgtEl>
@@ -30436,7 +31109,7 @@
                                     </p:anim>
                                     <p:anim calcmode="lin" valueType="num">
                                       <p:cBhvr>
-                                        <p:cTn id="63" dur="1000" fill="hold"/>
+                                        <p:cTn id="108" dur="1000" fill="hold"/>
                                         <p:tgtEl>
                                           <p:spTgt spid="23"/>
                                         </p:tgtEl>
@@ -30461,14 +31134,14 @@
                                 </p:cTn>
                               </p:par>
                               <p:par>
-                                <p:cTn id="64" presetID="42" presetClass="entr" presetSubtype="0" fill="hold" grpId="0" nodeType="withEffect">
+                                <p:cTn id="109" presetID="42" presetClass="entr" presetSubtype="0" fill="hold" grpId="0" nodeType="withEffect">
                                   <p:stCondLst>
                                     <p:cond delay="0"/>
                                   </p:stCondLst>
                                   <p:childTnLst>
                                     <p:set>
                                       <p:cBhvr>
-                                        <p:cTn id="65" dur="1" fill="hold">
+                                        <p:cTn id="110" dur="1" fill="hold">
                                           <p:stCondLst>
                                             <p:cond delay="0"/>
                                           </p:stCondLst>
@@ -30486,7 +31159,7 @@
                                     </p:set>
                                     <p:animEffect transition="in" filter="fade">
                                       <p:cBhvr>
-                                        <p:cTn id="66" dur="1000"/>
+                                        <p:cTn id="111" dur="1000"/>
                                         <p:tgtEl>
                                           <p:spTgt spid="24"/>
                                         </p:tgtEl>
@@ -30494,7 +31167,7 @@
                                     </p:animEffect>
                                     <p:anim calcmode="lin" valueType="num">
                                       <p:cBhvr>
-                                        <p:cTn id="67" dur="1000" fill="hold"/>
+                                        <p:cTn id="112" dur="1000" fill="hold"/>
                                         <p:tgtEl>
                                           <p:spTgt spid="24"/>
                                         </p:tgtEl>
@@ -30517,7 +31190,7 @@
                                     </p:anim>
                                     <p:anim calcmode="lin" valueType="num">
                                       <p:cBhvr>
-                                        <p:cTn id="68" dur="1000" fill="hold"/>
+                                        <p:cTn id="113" dur="1000" fill="hold"/>
                                         <p:tgtEl>
                                           <p:spTgt spid="24"/>
                                         </p:tgtEl>
@@ -30542,14 +31215,14 @@
                                 </p:cTn>
                               </p:par>
                               <p:par>
-                                <p:cTn id="69" presetID="42" presetClass="entr" presetSubtype="0" fill="hold" grpId="0" nodeType="withEffect">
+                                <p:cTn id="114" presetID="42" presetClass="entr" presetSubtype="0" fill="hold" grpId="0" nodeType="withEffect">
                                   <p:stCondLst>
                                     <p:cond delay="0"/>
                                   </p:stCondLst>
                                   <p:childTnLst>
                                     <p:set>
                                       <p:cBhvr>
-                                        <p:cTn id="70" dur="1" fill="hold">
+                                        <p:cTn id="115" dur="1" fill="hold">
                                           <p:stCondLst>
                                             <p:cond delay="0"/>
                                           </p:stCondLst>
@@ -30567,7 +31240,7 @@
                                     </p:set>
                                     <p:animEffect transition="in" filter="fade">
                                       <p:cBhvr>
-                                        <p:cTn id="71" dur="1000"/>
+                                        <p:cTn id="116" dur="1000"/>
                                         <p:tgtEl>
                                           <p:spTgt spid="25"/>
                                         </p:tgtEl>
@@ -30575,7 +31248,7 @@
                                     </p:animEffect>
                                     <p:anim calcmode="lin" valueType="num">
                                       <p:cBhvr>
-                                        <p:cTn id="72" dur="1000" fill="hold"/>
+                                        <p:cTn id="117" dur="1000" fill="hold"/>
                                         <p:tgtEl>
                                           <p:spTgt spid="25"/>
                                         </p:tgtEl>
@@ -30598,7 +31271,7 @@
                                     </p:anim>
                                     <p:anim calcmode="lin" valueType="num">
                                       <p:cBhvr>
-                                        <p:cTn id="73" dur="1000" fill="hold"/>
+                                        <p:cTn id="118" dur="1000" fill="hold"/>
                                         <p:tgtEl>
                                           <p:spTgt spid="25"/>
                                         </p:tgtEl>
@@ -30623,14 +31296,14 @@
                                 </p:cTn>
                               </p:par>
                               <p:par>
-                                <p:cTn id="74" presetID="42" presetClass="entr" presetSubtype="0" fill="hold" grpId="0" nodeType="withEffect">
+                                <p:cTn id="119" presetID="42" presetClass="entr" presetSubtype="0" fill="hold" grpId="0" nodeType="withEffect">
                                   <p:stCondLst>
                                     <p:cond delay="0"/>
                                   </p:stCondLst>
                                   <p:childTnLst>
                                     <p:set>
                                       <p:cBhvr>
-                                        <p:cTn id="75" dur="1" fill="hold">
+                                        <p:cTn id="120" dur="1" fill="hold">
                                           <p:stCondLst>
                                             <p:cond delay="0"/>
                                           </p:stCondLst>
@@ -30648,7 +31321,7 @@
                                     </p:set>
                                     <p:animEffect transition="in" filter="fade">
                                       <p:cBhvr>
-                                        <p:cTn id="76" dur="1000"/>
+                                        <p:cTn id="121" dur="1000"/>
                                         <p:tgtEl>
                                           <p:spTgt spid="26"/>
                                         </p:tgtEl>
@@ -30656,7 +31329,7 @@
                                     </p:animEffect>
                                     <p:anim calcmode="lin" valueType="num">
                                       <p:cBhvr>
-                                        <p:cTn id="77" dur="1000" fill="hold"/>
+                                        <p:cTn id="122" dur="1000" fill="hold"/>
                                         <p:tgtEl>
                                           <p:spTgt spid="26"/>
                                         </p:tgtEl>
@@ -30679,7 +31352,7 @@
                                     </p:anim>
                                     <p:anim calcmode="lin" valueType="num">
                                       <p:cBhvr>
-                                        <p:cTn id="78" dur="1000" fill="hold"/>
+                                        <p:cTn id="123" dur="1000" fill="hold"/>
                                         <p:tgtEl>
                                           <p:spTgt spid="26"/>
                                         </p:tgtEl>
@@ -30704,14 +31377,14 @@
                                 </p:cTn>
                               </p:par>
                               <p:par>
-                                <p:cTn id="79" presetID="42" presetClass="entr" presetSubtype="0" fill="hold" grpId="0" nodeType="withEffect">
+                                <p:cTn id="124" presetID="42" presetClass="entr" presetSubtype="0" fill="hold" grpId="0" nodeType="withEffect">
                                   <p:stCondLst>
                                     <p:cond delay="0"/>
                                   </p:stCondLst>
                                   <p:childTnLst>
                                     <p:set>
                                       <p:cBhvr>
-                                        <p:cTn id="80" dur="1" fill="hold">
+                                        <p:cTn id="125" dur="1" fill="hold">
                                           <p:stCondLst>
                                             <p:cond delay="0"/>
                                           </p:stCondLst>
@@ -30729,7 +31402,7 @@
                                     </p:set>
                                     <p:animEffect transition="in" filter="fade">
                                       <p:cBhvr>
-                                        <p:cTn id="81" dur="1000"/>
+                                        <p:cTn id="126" dur="1000"/>
                                         <p:tgtEl>
                                           <p:spTgt spid="27"/>
                                         </p:tgtEl>
@@ -30737,7 +31410,7 @@
                                     </p:animEffect>
                                     <p:anim calcmode="lin" valueType="num">
                                       <p:cBhvr>
-                                        <p:cTn id="82" dur="1000" fill="hold"/>
+                                        <p:cTn id="127" dur="1000" fill="hold"/>
                                         <p:tgtEl>
                                           <p:spTgt spid="27"/>
                                         </p:tgtEl>
@@ -30760,7 +31433,7 @@
                                     </p:anim>
                                     <p:anim calcmode="lin" valueType="num">
                                       <p:cBhvr>
-                                        <p:cTn id="83" dur="1000" fill="hold"/>
+                                        <p:cTn id="128" dur="1000" fill="hold"/>
                                         <p:tgtEl>
                                           <p:spTgt spid="27"/>
                                         </p:tgtEl>
@@ -30781,472 +31454,6 @@
                                         </p:tav>
                                       </p:tavLst>
                                     </p:anim>
-                                  </p:childTnLst>
-                                </p:cTn>
-                              </p:par>
-                            </p:childTnLst>
-                          </p:cTn>
-                        </p:par>
-                      </p:childTnLst>
-                    </p:cTn>
-                  </p:par>
-                  <p:par>
-                    <p:cTn id="84" fill="hold">
-                      <p:stCondLst>
-                        <p:cond delay="indefinite"/>
-                      </p:stCondLst>
-                      <p:childTnLst>
-                        <p:par>
-                          <p:cTn id="85" fill="hold">
-                            <p:stCondLst>
-                              <p:cond delay="0"/>
-                            </p:stCondLst>
-                            <p:childTnLst>
-                              <p:par>
-                                <p:cTn id="86" presetID="22" presetClass="entr" presetSubtype="4" fill="hold" grpId="0" nodeType="clickEffect">
-                                  <p:stCondLst>
-                                    <p:cond delay="0"/>
-                                  </p:stCondLst>
-                                  <p:childTnLst>
-                                    <p:set>
-                                      <p:cBhvr>
-                                        <p:cTn id="87" dur="1" fill="hold">
-                                          <p:stCondLst>
-                                            <p:cond delay="0"/>
-                                          </p:stCondLst>
-                                        </p:cTn>
-                                        <p:tgtEl>
-                                          <p:spTgt spid="28"/>
-                                        </p:tgtEl>
-                                        <p:attrNameLst>
-                                          <p:attrName>style.visibility</p:attrName>
-                                        </p:attrNameLst>
-                                      </p:cBhvr>
-                                      <p:to>
-                                        <p:strVal val="visible"/>
-                                      </p:to>
-                                    </p:set>
-                                    <p:animEffect transition="in" filter="wipe(down)">
-                                      <p:cBhvr>
-                                        <p:cTn id="88" dur="500"/>
-                                        <p:tgtEl>
-                                          <p:spTgt spid="28"/>
-                                        </p:tgtEl>
-                                      </p:cBhvr>
-                                    </p:animEffect>
-                                  </p:childTnLst>
-                                </p:cTn>
-                              </p:par>
-                              <p:par>
-                                <p:cTn id="89" presetID="22" presetClass="entr" presetSubtype="4" fill="hold" grpId="0" nodeType="withEffect">
-                                  <p:stCondLst>
-                                    <p:cond delay="0"/>
-                                  </p:stCondLst>
-                                  <p:childTnLst>
-                                    <p:set>
-                                      <p:cBhvr>
-                                        <p:cTn id="90" dur="1" fill="hold">
-                                          <p:stCondLst>
-                                            <p:cond delay="0"/>
-                                          </p:stCondLst>
-                                        </p:cTn>
-                                        <p:tgtEl>
-                                          <p:spTgt spid="29"/>
-                                        </p:tgtEl>
-                                        <p:attrNameLst>
-                                          <p:attrName>style.visibility</p:attrName>
-                                        </p:attrNameLst>
-                                      </p:cBhvr>
-                                      <p:to>
-                                        <p:strVal val="visible"/>
-                                      </p:to>
-                                    </p:set>
-                                    <p:animEffect transition="in" filter="wipe(down)">
-                                      <p:cBhvr>
-                                        <p:cTn id="91" dur="500"/>
-                                        <p:tgtEl>
-                                          <p:spTgt spid="29"/>
-                                        </p:tgtEl>
-                                      </p:cBhvr>
-                                    </p:animEffect>
-                                  </p:childTnLst>
-                                </p:cTn>
-                              </p:par>
-                            </p:childTnLst>
-                          </p:cTn>
-                        </p:par>
-                      </p:childTnLst>
-                    </p:cTn>
-                  </p:par>
-                  <p:par>
-                    <p:cTn id="92" fill="hold">
-                      <p:stCondLst>
-                        <p:cond delay="indefinite"/>
-                      </p:stCondLst>
-                      <p:childTnLst>
-                        <p:par>
-                          <p:cTn id="93" fill="hold">
-                            <p:stCondLst>
-                              <p:cond delay="0"/>
-                            </p:stCondLst>
-                            <p:childTnLst>
-                              <p:par>
-                                <p:cTn id="94" presetID="16" presetClass="entr" presetSubtype="21" fill="hold" grpId="0" nodeType="clickEffect">
-                                  <p:stCondLst>
-                                    <p:cond delay="0"/>
-                                  </p:stCondLst>
-                                  <p:childTnLst>
-                                    <p:set>
-                                      <p:cBhvr>
-                                        <p:cTn id="95" dur="1" fill="hold">
-                                          <p:stCondLst>
-                                            <p:cond delay="0"/>
-                                          </p:stCondLst>
-                                        </p:cTn>
-                                        <p:tgtEl>
-                                          <p:spTgt spid="44"/>
-                                        </p:tgtEl>
-                                        <p:attrNameLst>
-                                          <p:attrName>style.visibility</p:attrName>
-                                        </p:attrNameLst>
-                                      </p:cBhvr>
-                                      <p:to>
-                                        <p:strVal val="visible"/>
-                                      </p:to>
-                                    </p:set>
-                                    <p:animEffect transition="in" filter="barn(inVertical)">
-                                      <p:cBhvr>
-                                        <p:cTn id="96" dur="500"/>
-                                        <p:tgtEl>
-                                          <p:spTgt spid="44"/>
-                                        </p:tgtEl>
-                                      </p:cBhvr>
-                                    </p:animEffect>
-                                  </p:childTnLst>
-                                </p:cTn>
-                              </p:par>
-                            </p:childTnLst>
-                          </p:cTn>
-                        </p:par>
-                      </p:childTnLst>
-                    </p:cTn>
-                  </p:par>
-                  <p:par>
-                    <p:cTn id="97" fill="hold">
-                      <p:stCondLst>
-                        <p:cond delay="indefinite"/>
-                      </p:stCondLst>
-                      <p:childTnLst>
-                        <p:par>
-                          <p:cTn id="98" fill="hold">
-                            <p:stCondLst>
-                              <p:cond delay="0"/>
-                            </p:stCondLst>
-                            <p:childTnLst>
-                              <p:par>
-                                <p:cTn id="99" presetID="26" presetClass="emph" presetSubtype="0" fill="hold" grpId="1" nodeType="clickEffect">
-                                  <p:stCondLst>
-                                    <p:cond delay="0"/>
-                                  </p:stCondLst>
-                                  <p:childTnLst>
-                                    <p:animEffect transition="out" filter="fade">
-                                      <p:cBhvr>
-                                        <p:cTn id="100" dur="500" tmFilter="0, 0; .2, .5; .8, .5; 1, 0"/>
-                                        <p:tgtEl>
-                                          <p:spTgt spid="14"/>
-                                        </p:tgtEl>
-                                      </p:cBhvr>
-                                    </p:animEffect>
-                                    <p:animScale>
-                                      <p:cBhvr>
-                                        <p:cTn id="101" dur="250" autoRev="1" fill="hold"/>
-                                        <p:tgtEl>
-                                          <p:spTgt spid="14"/>
-                                        </p:tgtEl>
-                                      </p:cBhvr>
-                                      <p:by x="105000" y="105000"/>
-                                    </p:animScale>
-                                  </p:childTnLst>
-                                </p:cTn>
-                              </p:par>
-                              <p:par>
-                                <p:cTn id="102" presetID="26" presetClass="emph" presetSubtype="0" fill="hold" grpId="1" nodeType="withEffect">
-                                  <p:stCondLst>
-                                    <p:cond delay="0"/>
-                                  </p:stCondLst>
-                                  <p:childTnLst>
-                                    <p:animEffect transition="out" filter="fade">
-                                      <p:cBhvr>
-                                        <p:cTn id="103" dur="500" tmFilter="0, 0; .2, .5; .8, .5; 1, 0"/>
-                                        <p:tgtEl>
-                                          <p:spTgt spid="19"/>
-                                        </p:tgtEl>
-                                      </p:cBhvr>
-                                    </p:animEffect>
-                                    <p:animScale>
-                                      <p:cBhvr>
-                                        <p:cTn id="104" dur="250" autoRev="1" fill="hold"/>
-                                        <p:tgtEl>
-                                          <p:spTgt spid="19"/>
-                                        </p:tgtEl>
-                                      </p:cBhvr>
-                                      <p:by x="105000" y="105000"/>
-                                    </p:animScale>
-                                  </p:childTnLst>
-                                </p:cTn>
-                              </p:par>
-                              <p:par>
-                                <p:cTn id="105" presetID="26" presetClass="emph" presetSubtype="0" fill="hold" grpId="1" nodeType="withEffect">
-                                  <p:stCondLst>
-                                    <p:cond delay="0"/>
-                                  </p:stCondLst>
-                                  <p:childTnLst>
-                                    <p:animEffect transition="out" filter="fade">
-                                      <p:cBhvr>
-                                        <p:cTn id="106" dur="500" tmFilter="0, 0; .2, .5; .8, .5; 1, 0"/>
-                                        <p:tgtEl>
-                                          <p:spTgt spid="24"/>
-                                        </p:tgtEl>
-                                      </p:cBhvr>
-                                    </p:animEffect>
-                                    <p:animScale>
-                                      <p:cBhvr>
-                                        <p:cTn id="107" dur="250" autoRev="1" fill="hold"/>
-                                        <p:tgtEl>
-                                          <p:spTgt spid="24"/>
-                                        </p:tgtEl>
-                                      </p:cBhvr>
-                                      <p:by x="105000" y="105000"/>
-                                    </p:animScale>
-                                  </p:childTnLst>
-                                </p:cTn>
-                              </p:par>
-                            </p:childTnLst>
-                          </p:cTn>
-                        </p:par>
-                      </p:childTnLst>
-                    </p:cTn>
-                  </p:par>
-                  <p:par>
-                    <p:cTn id="108" fill="hold">
-                      <p:stCondLst>
-                        <p:cond delay="indefinite"/>
-                      </p:stCondLst>
-                      <p:childTnLst>
-                        <p:par>
-                          <p:cTn id="109" fill="hold">
-                            <p:stCondLst>
-                              <p:cond delay="0"/>
-                            </p:stCondLst>
-                            <p:childTnLst>
-                              <p:par>
-                                <p:cTn id="110" presetID="16" presetClass="exit" presetSubtype="21" fill="hold" grpId="1" nodeType="clickEffect">
-                                  <p:stCondLst>
-                                    <p:cond delay="0"/>
-                                  </p:stCondLst>
-                                  <p:childTnLst>
-                                    <p:animEffect transition="out" filter="barn(inVertical)">
-                                      <p:cBhvr>
-                                        <p:cTn id="111" dur="500"/>
-                                        <p:tgtEl>
-                                          <p:spTgt spid="44"/>
-                                        </p:tgtEl>
-                                      </p:cBhvr>
-                                    </p:animEffect>
-                                    <p:set>
-                                      <p:cBhvr>
-                                        <p:cTn id="112" dur="1" fill="hold">
-                                          <p:stCondLst>
-                                            <p:cond delay="499"/>
-                                          </p:stCondLst>
-                                        </p:cTn>
-                                        <p:tgtEl>
-                                          <p:spTgt spid="44"/>
-                                        </p:tgtEl>
-                                        <p:attrNameLst>
-                                          <p:attrName>style.visibility</p:attrName>
-                                        </p:attrNameLst>
-                                      </p:cBhvr>
-                                      <p:to>
-                                        <p:strVal val="hidden"/>
-                                      </p:to>
-                                    </p:set>
-                                  </p:childTnLst>
-                                </p:cTn>
-                              </p:par>
-                            </p:childTnLst>
-                          </p:cTn>
-                        </p:par>
-                      </p:childTnLst>
-                    </p:cTn>
-                  </p:par>
-                  <p:par>
-                    <p:cTn id="113" fill="hold">
-                      <p:stCondLst>
-                        <p:cond delay="indefinite"/>
-                      </p:stCondLst>
-                      <p:childTnLst>
-                        <p:par>
-                          <p:cTn id="114" fill="hold">
-                            <p:stCondLst>
-                              <p:cond delay="0"/>
-                            </p:stCondLst>
-                            <p:childTnLst>
-                              <p:par>
-                                <p:cTn id="115" presetID="22" presetClass="entr" presetSubtype="4" fill="hold" grpId="0" nodeType="clickEffect">
-                                  <p:stCondLst>
-                                    <p:cond delay="0"/>
-                                  </p:stCondLst>
-                                  <p:childTnLst>
-                                    <p:set>
-                                      <p:cBhvr>
-                                        <p:cTn id="116" dur="1" fill="hold">
-                                          <p:stCondLst>
-                                            <p:cond delay="0"/>
-                                          </p:stCondLst>
-                                        </p:cTn>
-                                        <p:tgtEl>
-                                          <p:spTgt spid="30"/>
-                                        </p:tgtEl>
-                                        <p:attrNameLst>
-                                          <p:attrName>style.visibility</p:attrName>
-                                        </p:attrNameLst>
-                                      </p:cBhvr>
-                                      <p:to>
-                                        <p:strVal val="visible"/>
-                                      </p:to>
-                                    </p:set>
-                                    <p:animEffect transition="in" filter="wipe(down)">
-                                      <p:cBhvr>
-                                        <p:cTn id="117" dur="500"/>
-                                        <p:tgtEl>
-                                          <p:spTgt spid="30"/>
-                                        </p:tgtEl>
-                                      </p:cBhvr>
-                                    </p:animEffect>
-                                  </p:childTnLst>
-                                </p:cTn>
-                              </p:par>
-                              <p:par>
-                                <p:cTn id="118" presetID="22" presetClass="entr" presetSubtype="4" fill="hold" grpId="0" nodeType="withEffect">
-                                  <p:stCondLst>
-                                    <p:cond delay="0"/>
-                                  </p:stCondLst>
-                                  <p:childTnLst>
-                                    <p:set>
-                                      <p:cBhvr>
-                                        <p:cTn id="119" dur="1" fill="hold">
-                                          <p:stCondLst>
-                                            <p:cond delay="0"/>
-                                          </p:stCondLst>
-                                        </p:cTn>
-                                        <p:tgtEl>
-                                          <p:spTgt spid="31"/>
-                                        </p:tgtEl>
-                                        <p:attrNameLst>
-                                          <p:attrName>style.visibility</p:attrName>
-                                        </p:attrNameLst>
-                                      </p:cBhvr>
-                                      <p:to>
-                                        <p:strVal val="visible"/>
-                                      </p:to>
-                                    </p:set>
-                                    <p:animEffect transition="in" filter="wipe(down)">
-                                      <p:cBhvr>
-                                        <p:cTn id="120" dur="500"/>
-                                        <p:tgtEl>
-                                          <p:spTgt spid="31"/>
-                                        </p:tgtEl>
-                                      </p:cBhvr>
-                                    </p:animEffect>
-                                  </p:childTnLst>
-                                </p:cTn>
-                              </p:par>
-                            </p:childTnLst>
-                          </p:cTn>
-                        </p:par>
-                      </p:childTnLst>
-                    </p:cTn>
-                  </p:par>
-                  <p:par>
-                    <p:cTn id="121" fill="hold">
-                      <p:stCondLst>
-                        <p:cond delay="indefinite"/>
-                      </p:stCondLst>
-                      <p:childTnLst>
-                        <p:par>
-                          <p:cTn id="122" fill="hold">
-                            <p:stCondLst>
-                              <p:cond delay="0"/>
-                            </p:stCondLst>
-                            <p:childTnLst>
-                              <p:par>
-                                <p:cTn id="123" presetID="22" presetClass="entr" presetSubtype="4" fill="hold" grpId="0" nodeType="clickEffect">
-                                  <p:stCondLst>
-                                    <p:cond delay="0"/>
-                                  </p:stCondLst>
-                                  <p:childTnLst>
-                                    <p:set>
-                                      <p:cBhvr>
-                                        <p:cTn id="124" dur="1" fill="hold">
-                                          <p:stCondLst>
-                                            <p:cond delay="0"/>
-                                          </p:stCondLst>
-                                        </p:cTn>
-                                        <p:tgtEl>
-                                          <p:spTgt spid="32"/>
-                                        </p:tgtEl>
-                                        <p:attrNameLst>
-                                          <p:attrName>style.visibility</p:attrName>
-                                        </p:attrNameLst>
-                                      </p:cBhvr>
-                                      <p:to>
-                                        <p:strVal val="visible"/>
-                                      </p:to>
-                                    </p:set>
-                                    <p:animEffect transition="in" filter="wipe(down)">
-                                      <p:cBhvr>
-                                        <p:cTn id="125" dur="500"/>
-                                        <p:tgtEl>
-                                          <p:spTgt spid="32"/>
-                                        </p:tgtEl>
-                                      </p:cBhvr>
-                                    </p:animEffect>
-                                  </p:childTnLst>
-                                </p:cTn>
-                              </p:par>
-                              <p:par>
-                                <p:cTn id="126" presetID="22" presetClass="entr" presetSubtype="4" fill="hold" grpId="0" nodeType="withEffect">
-                                  <p:stCondLst>
-                                    <p:cond delay="0"/>
-                                  </p:stCondLst>
-                                  <p:childTnLst>
-                                    <p:set>
-                                      <p:cBhvr>
-                                        <p:cTn id="127" dur="1" fill="hold">
-                                          <p:stCondLst>
-                                            <p:cond delay="0"/>
-                                          </p:stCondLst>
-                                        </p:cTn>
-                                        <p:tgtEl>
-                                          <p:spTgt spid="33"/>
-                                        </p:tgtEl>
-                                        <p:attrNameLst>
-                                          <p:attrName>style.visibility</p:attrName>
-                                        </p:attrNameLst>
-                                      </p:cBhvr>
-                                      <p:to>
-                                        <p:strVal val="visible"/>
-                                      </p:to>
-                                    </p:set>
-                                    <p:animEffect transition="in" filter="wipe(down)">
-                                      <p:cBhvr>
-                                        <p:cTn id="128" dur="500"/>
-                                        <p:tgtEl>
-                                          <p:spTgt spid="33"/>
-                                        </p:tgtEl>
-                                      </p:cBhvr>
-                                    </p:animEffect>
                                   </p:childTnLst>
                                 </p:cTn>
                               </p:par>
@@ -31282,7 +31489,7 @@
                                           </p:stCondLst>
                                         </p:cTn>
                                         <p:tgtEl>
-                                          <p:spTgt spid="34"/>
+                                          <p:spTgt spid="28"/>
                                         </p:tgtEl>
                                         <p:attrNameLst>
                                           <p:attrName>style.visibility</p:attrName>
@@ -31296,7 +31503,7 @@
                                       <p:cBhvr>
                                         <p:cTn id="133" dur="500"/>
                                         <p:tgtEl>
-                                          <p:spTgt spid="34"/>
+                                          <p:spTgt spid="28"/>
                                         </p:tgtEl>
                                       </p:cBhvr>
                                     </p:animEffect>
@@ -31317,7 +31524,7 @@
                                           </p:stCondLst>
                                         </p:cTn>
                                         <p:tgtEl>
-                                          <p:spTgt spid="35"/>
+                                          <p:spTgt spid="29"/>
                                         </p:tgtEl>
                                         <p:attrNameLst>
                                           <p:attrName>style.visibility</p:attrName>
@@ -31331,7 +31538,7 @@
                                       <p:cBhvr>
                                         <p:cTn id="136" dur="500"/>
                                         <p:tgtEl>
-                                          <p:spTgt spid="35"/>
+                                          <p:spTgt spid="29"/>
                                         </p:tgtEl>
                                       </p:cBhvr>
                                     </p:animEffect>
@@ -31370,7 +31577,7 @@
                                           </p:stCondLst>
                                         </p:cTn>
                                         <p:tgtEl>
-                                          <p:spTgt spid="41"/>
+                                          <p:spTgt spid="44"/>
                                         </p:tgtEl>
                                         <p:attrNameLst>
                                           <p:attrName>style.visibility</p:attrName>
@@ -31384,147 +31591,7 @@
                                       <p:cBhvr>
                                         <p:cTn id="141" dur="500"/>
                                         <p:tgtEl>
-                                          <p:spTgt spid="41"/>
-                                        </p:tgtEl>
-                                      </p:cBhvr>
-                                    </p:animEffect>
-                                  </p:childTnLst>
-                                </p:cTn>
-                              </p:par>
-                              <p:par>
-                                <p:cTn id="142" presetID="16" presetClass="entr" presetSubtype="21" fill="hold" grpId="0" nodeType="withEffect">
-                                  <p:stCondLst>
-                                    <p:cond delay="0"/>
-                                  </p:stCondLst>
-                                  <p:childTnLst>
-                                    <p:set>
-                                      <p:cBhvr>
-                                        <p:cTn id="143" dur="1" fill="hold">
-                                          <p:stCondLst>
-                                            <p:cond delay="0"/>
-                                          </p:stCondLst>
-                                        </p:cTn>
-                                        <p:tgtEl>
-                                          <p:spTgt spid="43"/>
-                                        </p:tgtEl>
-                                        <p:attrNameLst>
-                                          <p:attrName>style.visibility</p:attrName>
-                                        </p:attrNameLst>
-                                      </p:cBhvr>
-                                      <p:to>
-                                        <p:strVal val="visible"/>
-                                      </p:to>
-                                    </p:set>
-                                    <p:animEffect transition="in" filter="barn(inVertical)">
-                                      <p:cBhvr>
-                                        <p:cTn id="144" dur="500"/>
-                                        <p:tgtEl>
-                                          <p:spTgt spid="43"/>
-                                        </p:tgtEl>
-                                      </p:cBhvr>
-                                    </p:animEffect>
-                                  </p:childTnLst>
-                                </p:cTn>
-                              </p:par>
-                              <p:par>
-                                <p:cTn id="145" presetID="16" presetClass="entr" presetSubtype="21" fill="hold" grpId="0" nodeType="withEffect">
-                                  <p:stCondLst>
-                                    <p:cond delay="0"/>
-                                  </p:stCondLst>
-                                  <p:childTnLst>
-                                    <p:set>
-                                      <p:cBhvr>
-                                        <p:cTn id="146" dur="1" fill="hold">
-                                          <p:stCondLst>
-                                            <p:cond delay="0"/>
-                                          </p:stCondLst>
-                                        </p:cTn>
-                                        <p:tgtEl>
-                                          <p:spTgt spid="38"/>
-                                        </p:tgtEl>
-                                        <p:attrNameLst>
-                                          <p:attrName>style.visibility</p:attrName>
-                                        </p:attrNameLst>
-                                      </p:cBhvr>
-                                      <p:to>
-                                        <p:strVal val="visible"/>
-                                      </p:to>
-                                    </p:set>
-                                    <p:animEffect transition="in" filter="barn(inVertical)">
-                                      <p:cBhvr>
-                                        <p:cTn id="147" dur="500"/>
-                                        <p:tgtEl>
-                                          <p:spTgt spid="38"/>
-                                        </p:tgtEl>
-                                      </p:cBhvr>
-                                    </p:animEffect>
-                                  </p:childTnLst>
-                                </p:cTn>
-                              </p:par>
-                              <p:par>
-                                <p:cTn id="148" presetID="16" presetClass="entr" presetSubtype="21" fill="hold" grpId="0" nodeType="withEffect">
-                                  <p:stCondLst>
-                                    <p:cond delay="0"/>
-                                  </p:stCondLst>
-                                  <p:childTnLst>
-                                    <p:set>
-                                      <p:cBhvr>
-                                        <p:cTn id="149" dur="1" fill="hold">
-                                          <p:stCondLst>
-                                            <p:cond delay="0"/>
-                                          </p:stCondLst>
-                                        </p:cTn>
-                                        <p:tgtEl>
-                                          <p:spTgt spid="39"/>
-                                        </p:tgtEl>
-                                        <p:attrNameLst>
-                                          <p:attrName>style.visibility</p:attrName>
-                                        </p:attrNameLst>
-                                      </p:cBhvr>
-                                      <p:to>
-                                        <p:strVal val="visible"/>
-                                      </p:to>
-                                    </p:set>
-                                    <p:animEffect transition="in" filter="barn(inVertical)">
-                                      <p:cBhvr>
-                                        <p:cTn id="150" dur="500"/>
-                                        <p:tgtEl>
-                                          <p:spTgt spid="39"/>
-                                        </p:tgtEl>
-                                      </p:cBhvr>
-                                    </p:animEffect>
-                                  </p:childTnLst>
-                                </p:cTn>
-                              </p:par>
-                              <p:par>
-                                <p:cTn id="151" presetID="16" presetClass="entr" presetSubtype="21" fill="hold" grpId="0" nodeType="withEffect">
-                                  <p:stCondLst>
-                                    <p:cond delay="0"/>
-                                  </p:stCondLst>
-                                  <p:childTnLst>
-                                    <p:set>
-                                      <p:cBhvr>
-                                        <p:cTn id="152" dur="1" fill="hold">
-                                          <p:stCondLst>
-                                            <p:cond delay="0"/>
-                                          </p:stCondLst>
-                                        </p:cTn>
-                                        <p:tgtEl>
-                                          <p:spTgt spid="40"/>
-                                        </p:tgtEl>
-                                        <p:attrNameLst>
-                                          <p:attrName>style.visibility</p:attrName>
-                                        </p:attrNameLst>
-                                      </p:cBhvr>
-                                      <p:to>
-                                        <p:strVal val="visible"/>
-                                      </p:to>
-                                    </p:set>
-                                    <p:animEffect transition="in" filter="barn(inVertical)">
-                                      <p:cBhvr>
-                                        <p:cTn id="153" dur="500"/>
-                                        <p:tgtEl>
-                                          <p:spTgt spid="40"/>
+                                          <p:spTgt spid="44"/>
                                         </p:tgtEl>
                                       </p:cBhvr>
                                     </p:animEffect>
@@ -31538,89 +31605,36 @@
                     </p:cTn>
                   </p:par>
                   <p:par>
-                    <p:cTn id="154" fill="hold">
+                    <p:cTn id="142" fill="hold">
                       <p:stCondLst>
                         <p:cond delay="indefinite"/>
                       </p:stCondLst>
                       <p:childTnLst>
                         <p:par>
-                          <p:cTn id="155" fill="hold">
+                          <p:cTn id="143" fill="hold">
                             <p:stCondLst>
                               <p:cond delay="0"/>
                             </p:stCondLst>
                             <p:childTnLst>
                               <p:par>
-                                <p:cTn id="156" presetID="16" presetClass="entr" presetSubtype="21" fill="hold" grpId="0" nodeType="clickEffect">
-                                  <p:stCondLst>
-                                    <p:cond delay="0"/>
-                                  </p:stCondLst>
-                                  <p:childTnLst>
-                                    <p:set>
-                                      <p:cBhvr>
-                                        <p:cTn id="157" dur="1" fill="hold">
-                                          <p:stCondLst>
-                                            <p:cond delay="0"/>
-                                          </p:stCondLst>
-                                        </p:cTn>
-                                        <p:tgtEl>
-                                          <p:spTgt spid="47"/>
-                                        </p:tgtEl>
-                                        <p:attrNameLst>
-                                          <p:attrName>style.visibility</p:attrName>
-                                        </p:attrNameLst>
-                                      </p:cBhvr>
-                                      <p:to>
-                                        <p:strVal val="visible"/>
-                                      </p:to>
-                                    </p:set>
-                                    <p:animEffect transition="in" filter="barn(inVertical)">
-                                      <p:cBhvr>
-                                        <p:cTn id="158" dur="500"/>
-                                        <p:tgtEl>
-                                          <p:spTgt spid="47"/>
-                                        </p:tgtEl>
-                                      </p:cBhvr>
-                                    </p:animEffect>
-                                  </p:childTnLst>
-                                </p:cTn>
-                              </p:par>
-                            </p:childTnLst>
-                          </p:cTn>
-                        </p:par>
-                      </p:childTnLst>
-                    </p:cTn>
-                  </p:par>
-                  <p:par>
-                    <p:cTn id="159" fill="hold">
-                      <p:stCondLst>
-                        <p:cond delay="indefinite"/>
-                      </p:stCondLst>
-                      <p:childTnLst>
-                        <p:par>
-                          <p:cTn id="160" fill="hold">
-                            <p:stCondLst>
-                              <p:cond delay="0"/>
-                            </p:stCondLst>
-                            <p:childTnLst>
-                              <p:par>
-                                <p:cTn id="161" presetID="26" presetClass="emph" presetSubtype="0" fill="hold" grpId="1" nodeType="clickEffect">
+                                <p:cTn id="144" presetID="26" presetClass="emph" presetSubtype="0" fill="hold" grpId="1" nodeType="clickEffect">
                                   <p:stCondLst>
                                     <p:cond delay="0"/>
                                   </p:stCondLst>
                                   <p:childTnLst>
                                     <p:animEffect transition="out" filter="fade">
                                       <p:cBhvr>
-                                        <p:cTn id="162" dur="500" tmFilter="0, 0; .2, .5; .8, .5; 1, 0"/>
-                                        <p:tgtEl>
-                                          <p:spTgt spid="28"/>
+                                        <p:cTn id="145" dur="500" tmFilter="0, 0; .2, .5; .8, .5; 1, 0"/>
+                                        <p:tgtEl>
+                                          <p:spTgt spid="14"/>
                                         </p:tgtEl>
                                       </p:cBhvr>
                                     </p:animEffect>
                                     <p:animScale>
                                       <p:cBhvr>
-                                        <p:cTn id="163" dur="250" autoRev="1" fill="hold"/>
-                                        <p:tgtEl>
-                                          <p:spTgt spid="28"/>
+                                        <p:cTn id="146" dur="250" autoRev="1" fill="hold"/>
+                                        <p:tgtEl>
+                                          <p:spTgt spid="14"/>
                                         </p:tgtEl>
                                       </p:cBhvr>
                                       <p:by x="105000" y="105000"/>
@@ -31629,24 +31643,24 @@
                                 </p:cTn>
                               </p:par>
                               <p:par>
-                                <p:cTn id="164" presetID="26" presetClass="emph" presetSubtype="0" fill="hold" grpId="1" nodeType="withEffect">
+                                <p:cTn id="147" presetID="26" presetClass="emph" presetSubtype="0" fill="hold" grpId="1" nodeType="withEffect">
                                   <p:stCondLst>
                                     <p:cond delay="0"/>
                                   </p:stCondLst>
                                   <p:childTnLst>
                                     <p:animEffect transition="out" filter="fade">
                                       <p:cBhvr>
-                                        <p:cTn id="165" dur="500" tmFilter="0, 0; .2, .5; .8, .5; 1, 0"/>
-                                        <p:tgtEl>
-                                          <p:spTgt spid="30"/>
+                                        <p:cTn id="148" dur="500" tmFilter="0, 0; .2, .5; .8, .5; 1, 0"/>
+                                        <p:tgtEl>
+                                          <p:spTgt spid="19"/>
                                         </p:tgtEl>
                                       </p:cBhvr>
                                     </p:animEffect>
                                     <p:animScale>
                                       <p:cBhvr>
-                                        <p:cTn id="166" dur="250" autoRev="1" fill="hold"/>
-                                        <p:tgtEl>
-                                          <p:spTgt spid="30"/>
+                                        <p:cTn id="149" dur="250" autoRev="1" fill="hold"/>
+                                        <p:tgtEl>
+                                          <p:spTgt spid="19"/>
                                         </p:tgtEl>
                                       </p:cBhvr>
                                       <p:by x="105000" y="105000"/>
@@ -31655,50 +31669,24 @@
                                 </p:cTn>
                               </p:par>
                               <p:par>
-                                <p:cTn id="167" presetID="26" presetClass="emph" presetSubtype="0" fill="hold" grpId="1" nodeType="withEffect">
+                                <p:cTn id="150" presetID="26" presetClass="emph" presetSubtype="0" fill="hold" grpId="1" nodeType="withEffect">
                                   <p:stCondLst>
                                     <p:cond delay="0"/>
                                   </p:stCondLst>
                                   <p:childTnLst>
                                     <p:animEffect transition="out" filter="fade">
                                       <p:cBhvr>
-                                        <p:cTn id="168" dur="500" tmFilter="0, 0; .2, .5; .8, .5; 1, 0"/>
-                                        <p:tgtEl>
-                                          <p:spTgt spid="32"/>
+                                        <p:cTn id="151" dur="500" tmFilter="0, 0; .2, .5; .8, .5; 1, 0"/>
+                                        <p:tgtEl>
+                                          <p:spTgt spid="24"/>
                                         </p:tgtEl>
                                       </p:cBhvr>
                                     </p:animEffect>
                                     <p:animScale>
                                       <p:cBhvr>
-                                        <p:cTn id="169" dur="250" autoRev="1" fill="hold"/>
-                                        <p:tgtEl>
-                                          <p:spTgt spid="32"/>
-                                        </p:tgtEl>
-                                      </p:cBhvr>
-                                      <p:by x="105000" y="105000"/>
-                                    </p:animScale>
-                                  </p:childTnLst>
-                                </p:cTn>
-                              </p:par>
-                              <p:par>
-                                <p:cTn id="170" presetID="26" presetClass="emph" presetSubtype="0" fill="hold" grpId="1" nodeType="withEffect">
-                                  <p:stCondLst>
-                                    <p:cond delay="0"/>
-                                  </p:stCondLst>
-                                  <p:childTnLst>
-                                    <p:animEffect transition="out" filter="fade">
-                                      <p:cBhvr>
-                                        <p:cTn id="171" dur="500" tmFilter="0, 0; .2, .5; .8, .5; 1, 0"/>
-                                        <p:tgtEl>
-                                          <p:spTgt spid="34"/>
-                                        </p:tgtEl>
-                                      </p:cBhvr>
-                                    </p:animEffect>
-                                    <p:animScale>
-                                      <p:cBhvr>
-                                        <p:cTn id="172" dur="250" autoRev="1" fill="hold"/>
-                                        <p:tgtEl>
-                                          <p:spTgt spid="34"/>
+                                        <p:cTn id="152" dur="250" autoRev="1" fill="hold"/>
+                                        <p:tgtEl>
+                                          <p:spTgt spid="24"/>
                                         </p:tgtEl>
                                       </p:cBhvr>
                                       <p:by x="105000" y="105000"/>
@@ -31713,40 +31701,40 @@
                     </p:cTn>
                   </p:par>
                   <p:par>
-                    <p:cTn id="173" fill="hold">
+                    <p:cTn id="153" fill="hold">
                       <p:stCondLst>
                         <p:cond delay="indefinite"/>
                       </p:stCondLst>
                       <p:childTnLst>
                         <p:par>
-                          <p:cTn id="174" fill="hold">
+                          <p:cTn id="154" fill="hold">
                             <p:stCondLst>
                               <p:cond delay="0"/>
                             </p:stCondLst>
                             <p:childTnLst>
                               <p:par>
-                                <p:cTn id="175" presetID="16" presetClass="exit" presetSubtype="21" fill="hold" grpId="1" nodeType="clickEffect">
+                                <p:cTn id="155" presetID="16" presetClass="exit" presetSubtype="21" fill="hold" grpId="1" nodeType="clickEffect">
                                   <p:stCondLst>
                                     <p:cond delay="0"/>
                                   </p:stCondLst>
                                   <p:childTnLst>
                                     <p:animEffect transition="out" filter="barn(inVertical)">
                                       <p:cBhvr>
-                                        <p:cTn id="176" dur="500"/>
-                                        <p:tgtEl>
-                                          <p:spTgt spid="47"/>
+                                        <p:cTn id="156" dur="500"/>
+                                        <p:tgtEl>
+                                          <p:spTgt spid="44"/>
                                         </p:tgtEl>
                                       </p:cBhvr>
                                     </p:animEffect>
                                     <p:set>
                                       <p:cBhvr>
-                                        <p:cTn id="177" dur="1" fill="hold">
+                                        <p:cTn id="157" dur="1" fill="hold">
                                           <p:stCondLst>
                                             <p:cond delay="499"/>
                                           </p:stCondLst>
                                         </p:cTn>
                                         <p:tgtEl>
-                                          <p:spTgt spid="47"/>
+                                          <p:spTgt spid="44"/>
                                         </p:tgtEl>
                                         <p:attrNameLst>
                                           <p:attrName>style.visibility</p:attrName>
@@ -31756,6 +31744,638 @@
                                         <p:strVal val="hidden"/>
                                       </p:to>
                                     </p:set>
+                                  </p:childTnLst>
+                                </p:cTn>
+                              </p:par>
+                            </p:childTnLst>
+                          </p:cTn>
+                        </p:par>
+                      </p:childTnLst>
+                    </p:cTn>
+                  </p:par>
+                  <p:par>
+                    <p:cTn id="158" fill="hold">
+                      <p:stCondLst>
+                        <p:cond delay="indefinite"/>
+                      </p:stCondLst>
+                      <p:childTnLst>
+                        <p:par>
+                          <p:cTn id="159" fill="hold">
+                            <p:stCondLst>
+                              <p:cond delay="0"/>
+                            </p:stCondLst>
+                            <p:childTnLst>
+                              <p:par>
+                                <p:cTn id="160" presetID="22" presetClass="entr" presetSubtype="4" fill="hold" grpId="0" nodeType="clickEffect">
+                                  <p:stCondLst>
+                                    <p:cond delay="0"/>
+                                  </p:stCondLst>
+                                  <p:childTnLst>
+                                    <p:set>
+                                      <p:cBhvr>
+                                        <p:cTn id="161" dur="1" fill="hold">
+                                          <p:stCondLst>
+                                            <p:cond delay="0"/>
+                                          </p:stCondLst>
+                                        </p:cTn>
+                                        <p:tgtEl>
+                                          <p:spTgt spid="30"/>
+                                        </p:tgtEl>
+                                        <p:attrNameLst>
+                                          <p:attrName>style.visibility</p:attrName>
+                                        </p:attrNameLst>
+                                      </p:cBhvr>
+                                      <p:to>
+                                        <p:strVal val="visible"/>
+                                      </p:to>
+                                    </p:set>
+                                    <p:animEffect transition="in" filter="wipe(down)">
+                                      <p:cBhvr>
+                                        <p:cTn id="162" dur="500"/>
+                                        <p:tgtEl>
+                                          <p:spTgt spid="30"/>
+                                        </p:tgtEl>
+                                      </p:cBhvr>
+                                    </p:animEffect>
+                                  </p:childTnLst>
+                                </p:cTn>
+                              </p:par>
+                              <p:par>
+                                <p:cTn id="163" presetID="22" presetClass="entr" presetSubtype="4" fill="hold" grpId="0" nodeType="withEffect">
+                                  <p:stCondLst>
+                                    <p:cond delay="0"/>
+                                  </p:stCondLst>
+                                  <p:childTnLst>
+                                    <p:set>
+                                      <p:cBhvr>
+                                        <p:cTn id="164" dur="1" fill="hold">
+                                          <p:stCondLst>
+                                            <p:cond delay="0"/>
+                                          </p:stCondLst>
+                                        </p:cTn>
+                                        <p:tgtEl>
+                                          <p:spTgt spid="31"/>
+                                        </p:tgtEl>
+                                        <p:attrNameLst>
+                                          <p:attrName>style.visibility</p:attrName>
+                                        </p:attrNameLst>
+                                      </p:cBhvr>
+                                      <p:to>
+                                        <p:strVal val="visible"/>
+                                      </p:to>
+                                    </p:set>
+                                    <p:animEffect transition="in" filter="wipe(down)">
+                                      <p:cBhvr>
+                                        <p:cTn id="165" dur="500"/>
+                                        <p:tgtEl>
+                                          <p:spTgt spid="31"/>
+                                        </p:tgtEl>
+                                      </p:cBhvr>
+                                    </p:animEffect>
+                                  </p:childTnLst>
+                                </p:cTn>
+                              </p:par>
+                            </p:childTnLst>
+                          </p:cTn>
+                        </p:par>
+                      </p:childTnLst>
+                    </p:cTn>
+                  </p:par>
+                  <p:par>
+                    <p:cTn id="166" fill="hold">
+                      <p:stCondLst>
+                        <p:cond delay="indefinite"/>
+                      </p:stCondLst>
+                      <p:childTnLst>
+                        <p:par>
+                          <p:cTn id="167" fill="hold">
+                            <p:stCondLst>
+                              <p:cond delay="0"/>
+                            </p:stCondLst>
+                            <p:childTnLst>
+                              <p:par>
+                                <p:cTn id="168" presetID="22" presetClass="entr" presetSubtype="4" fill="hold" grpId="0" nodeType="clickEffect">
+                                  <p:stCondLst>
+                                    <p:cond delay="0"/>
+                                  </p:stCondLst>
+                                  <p:childTnLst>
+                                    <p:set>
+                                      <p:cBhvr>
+                                        <p:cTn id="169" dur="1" fill="hold">
+                                          <p:stCondLst>
+                                            <p:cond delay="0"/>
+                                          </p:stCondLst>
+                                        </p:cTn>
+                                        <p:tgtEl>
+                                          <p:spTgt spid="32"/>
+                                        </p:tgtEl>
+                                        <p:attrNameLst>
+                                          <p:attrName>style.visibility</p:attrName>
+                                        </p:attrNameLst>
+                                      </p:cBhvr>
+                                      <p:to>
+                                        <p:strVal val="visible"/>
+                                      </p:to>
+                                    </p:set>
+                                    <p:animEffect transition="in" filter="wipe(down)">
+                                      <p:cBhvr>
+                                        <p:cTn id="170" dur="500"/>
+                                        <p:tgtEl>
+                                          <p:spTgt spid="32"/>
+                                        </p:tgtEl>
+                                      </p:cBhvr>
+                                    </p:animEffect>
+                                  </p:childTnLst>
+                                </p:cTn>
+                              </p:par>
+                              <p:par>
+                                <p:cTn id="171" presetID="22" presetClass="entr" presetSubtype="4" fill="hold" grpId="0" nodeType="withEffect">
+                                  <p:stCondLst>
+                                    <p:cond delay="0"/>
+                                  </p:stCondLst>
+                                  <p:childTnLst>
+                                    <p:set>
+                                      <p:cBhvr>
+                                        <p:cTn id="172" dur="1" fill="hold">
+                                          <p:stCondLst>
+                                            <p:cond delay="0"/>
+                                          </p:stCondLst>
+                                        </p:cTn>
+                                        <p:tgtEl>
+                                          <p:spTgt spid="33"/>
+                                        </p:tgtEl>
+                                        <p:attrNameLst>
+                                          <p:attrName>style.visibility</p:attrName>
+                                        </p:attrNameLst>
+                                      </p:cBhvr>
+                                      <p:to>
+                                        <p:strVal val="visible"/>
+                                      </p:to>
+                                    </p:set>
+                                    <p:animEffect transition="in" filter="wipe(down)">
+                                      <p:cBhvr>
+                                        <p:cTn id="173" dur="500"/>
+                                        <p:tgtEl>
+                                          <p:spTgt spid="33"/>
+                                        </p:tgtEl>
+                                      </p:cBhvr>
+                                    </p:animEffect>
+                                  </p:childTnLst>
+                                </p:cTn>
+                              </p:par>
+                            </p:childTnLst>
+                          </p:cTn>
+                        </p:par>
+                      </p:childTnLst>
+                    </p:cTn>
+                  </p:par>
+                  <p:par>
+                    <p:cTn id="174" fill="hold">
+                      <p:stCondLst>
+                        <p:cond delay="indefinite"/>
+                      </p:stCondLst>
+                      <p:childTnLst>
+                        <p:par>
+                          <p:cTn id="175" fill="hold">
+                            <p:stCondLst>
+                              <p:cond delay="0"/>
+                            </p:stCondLst>
+                            <p:childTnLst>
+                              <p:par>
+                                <p:cTn id="176" presetID="22" presetClass="entr" presetSubtype="4" fill="hold" grpId="0" nodeType="clickEffect">
+                                  <p:stCondLst>
+                                    <p:cond delay="0"/>
+                                  </p:stCondLst>
+                                  <p:childTnLst>
+                                    <p:set>
+                                      <p:cBhvr>
+                                        <p:cTn id="177" dur="1" fill="hold">
+                                          <p:stCondLst>
+                                            <p:cond delay="0"/>
+                                          </p:stCondLst>
+                                        </p:cTn>
+                                        <p:tgtEl>
+                                          <p:spTgt spid="34"/>
+                                        </p:tgtEl>
+                                        <p:attrNameLst>
+                                          <p:attrName>style.visibility</p:attrName>
+                                        </p:attrNameLst>
+                                      </p:cBhvr>
+                                      <p:to>
+                                        <p:strVal val="visible"/>
+                                      </p:to>
+                                    </p:set>
+                                    <p:animEffect transition="in" filter="wipe(down)">
+                                      <p:cBhvr>
+                                        <p:cTn id="178" dur="500"/>
+                                        <p:tgtEl>
+                                          <p:spTgt spid="34"/>
+                                        </p:tgtEl>
+                                      </p:cBhvr>
+                                    </p:animEffect>
+                                  </p:childTnLst>
+                                </p:cTn>
+                              </p:par>
+                              <p:par>
+                                <p:cTn id="179" presetID="22" presetClass="entr" presetSubtype="4" fill="hold" grpId="0" nodeType="withEffect">
+                                  <p:stCondLst>
+                                    <p:cond delay="0"/>
+                                  </p:stCondLst>
+                                  <p:childTnLst>
+                                    <p:set>
+                                      <p:cBhvr>
+                                        <p:cTn id="180" dur="1" fill="hold">
+                                          <p:stCondLst>
+                                            <p:cond delay="0"/>
+                                          </p:stCondLst>
+                                        </p:cTn>
+                                        <p:tgtEl>
+                                          <p:spTgt spid="35"/>
+                                        </p:tgtEl>
+                                        <p:attrNameLst>
+                                          <p:attrName>style.visibility</p:attrName>
+                                        </p:attrNameLst>
+                                      </p:cBhvr>
+                                      <p:to>
+                                        <p:strVal val="visible"/>
+                                      </p:to>
+                                    </p:set>
+                                    <p:animEffect transition="in" filter="wipe(down)">
+                                      <p:cBhvr>
+                                        <p:cTn id="181" dur="500"/>
+                                        <p:tgtEl>
+                                          <p:spTgt spid="35"/>
+                                        </p:tgtEl>
+                                      </p:cBhvr>
+                                    </p:animEffect>
+                                  </p:childTnLst>
+                                </p:cTn>
+                              </p:par>
+                            </p:childTnLst>
+                          </p:cTn>
+                        </p:par>
+                      </p:childTnLst>
+                    </p:cTn>
+                  </p:par>
+                  <p:par>
+                    <p:cTn id="182" fill="hold">
+                      <p:stCondLst>
+                        <p:cond delay="indefinite"/>
+                      </p:stCondLst>
+                      <p:childTnLst>
+                        <p:par>
+                          <p:cTn id="183" fill="hold">
+                            <p:stCondLst>
+                              <p:cond delay="0"/>
+                            </p:stCondLst>
+                            <p:childTnLst>
+                              <p:par>
+                                <p:cTn id="184" presetID="16" presetClass="entr" presetSubtype="21" fill="hold" grpId="0" nodeType="clickEffect">
+                                  <p:stCondLst>
+                                    <p:cond delay="0"/>
+                                  </p:stCondLst>
+                                  <p:childTnLst>
+                                    <p:set>
+                                      <p:cBhvr>
+                                        <p:cTn id="185" dur="1" fill="hold">
+                                          <p:stCondLst>
+                                            <p:cond delay="0"/>
+                                          </p:stCondLst>
+                                        </p:cTn>
+                                        <p:tgtEl>
+                                          <p:spTgt spid="41"/>
+                                        </p:tgtEl>
+                                        <p:attrNameLst>
+                                          <p:attrName>style.visibility</p:attrName>
+                                        </p:attrNameLst>
+                                      </p:cBhvr>
+                                      <p:to>
+                                        <p:strVal val="visible"/>
+                                      </p:to>
+                                    </p:set>
+                                    <p:animEffect transition="in" filter="barn(inVertical)">
+                                      <p:cBhvr>
+                                        <p:cTn id="186" dur="500"/>
+                                        <p:tgtEl>
+                                          <p:spTgt spid="41"/>
+                                        </p:tgtEl>
+                                      </p:cBhvr>
+                                    </p:animEffect>
+                                  </p:childTnLst>
+                                </p:cTn>
+                              </p:par>
+                              <p:par>
+                                <p:cTn id="187" presetID="16" presetClass="entr" presetSubtype="21" fill="hold" grpId="0" nodeType="withEffect">
+                                  <p:stCondLst>
+                                    <p:cond delay="0"/>
+                                  </p:stCondLst>
+                                  <p:childTnLst>
+                                    <p:set>
+                                      <p:cBhvr>
+                                        <p:cTn id="188" dur="1" fill="hold">
+                                          <p:stCondLst>
+                                            <p:cond delay="0"/>
+                                          </p:stCondLst>
+                                        </p:cTn>
+                                        <p:tgtEl>
+                                          <p:spTgt spid="43"/>
+                                        </p:tgtEl>
+                                        <p:attrNameLst>
+                                          <p:attrName>style.visibility</p:attrName>
+                                        </p:attrNameLst>
+                                      </p:cBhvr>
+                                      <p:to>
+                                        <p:strVal val="visible"/>
+                                      </p:to>
+                                    </p:set>
+                                    <p:animEffect transition="in" filter="barn(inVertical)">
+                                      <p:cBhvr>
+                                        <p:cTn id="189" dur="500"/>
+                                        <p:tgtEl>
+                                          <p:spTgt spid="43"/>
+                                        </p:tgtEl>
+                                      </p:cBhvr>
+                                    </p:animEffect>
+                                  </p:childTnLst>
+                                </p:cTn>
+                              </p:par>
+                              <p:par>
+                                <p:cTn id="190" presetID="16" presetClass="entr" presetSubtype="21" fill="hold" grpId="0" nodeType="withEffect">
+                                  <p:stCondLst>
+                                    <p:cond delay="0"/>
+                                  </p:stCondLst>
+                                  <p:childTnLst>
+                                    <p:set>
+                                      <p:cBhvr>
+                                        <p:cTn id="191" dur="1" fill="hold">
+                                          <p:stCondLst>
+                                            <p:cond delay="0"/>
+                                          </p:stCondLst>
+                                        </p:cTn>
+                                        <p:tgtEl>
+                                          <p:spTgt spid="38"/>
+                                        </p:tgtEl>
+                                        <p:attrNameLst>
+                                          <p:attrName>style.visibility</p:attrName>
+                                        </p:attrNameLst>
+                                      </p:cBhvr>
+                                      <p:to>
+                                        <p:strVal val="visible"/>
+                                      </p:to>
+                                    </p:set>
+                                    <p:animEffect transition="in" filter="barn(inVertical)">
+                                      <p:cBhvr>
+                                        <p:cTn id="192" dur="500"/>
+                                        <p:tgtEl>
+                                          <p:spTgt spid="38"/>
+                                        </p:tgtEl>
+                                      </p:cBhvr>
+                                    </p:animEffect>
+                                  </p:childTnLst>
+                                </p:cTn>
+                              </p:par>
+                              <p:par>
+                                <p:cTn id="193" presetID="16" presetClass="entr" presetSubtype="21" fill="hold" grpId="0" nodeType="withEffect">
+                                  <p:stCondLst>
+                                    <p:cond delay="0"/>
+                                  </p:stCondLst>
+                                  <p:childTnLst>
+                                    <p:set>
+                                      <p:cBhvr>
+                                        <p:cTn id="194" dur="1" fill="hold">
+                                          <p:stCondLst>
+                                            <p:cond delay="0"/>
+                                          </p:stCondLst>
+                                        </p:cTn>
+                                        <p:tgtEl>
+                                          <p:spTgt spid="39"/>
+                                        </p:tgtEl>
+                                        <p:attrNameLst>
+                                          <p:attrName>style.visibility</p:attrName>
+                                        </p:attrNameLst>
+                                      </p:cBhvr>
+                                      <p:to>
+                                        <p:strVal val="visible"/>
+                                      </p:to>
+                                    </p:set>
+                                    <p:animEffect transition="in" filter="barn(inVertical)">
+                                      <p:cBhvr>
+                                        <p:cTn id="195" dur="500"/>
+                                        <p:tgtEl>
+                                          <p:spTgt spid="39"/>
+                                        </p:tgtEl>
+                                      </p:cBhvr>
+                                    </p:animEffect>
+                                  </p:childTnLst>
+                                </p:cTn>
+                              </p:par>
+                              <p:par>
+                                <p:cTn id="196" presetID="16" presetClass="entr" presetSubtype="21" fill="hold" grpId="0" nodeType="withEffect">
+                                  <p:stCondLst>
+                                    <p:cond delay="0"/>
+                                  </p:stCondLst>
+                                  <p:childTnLst>
+                                    <p:set>
+                                      <p:cBhvr>
+                                        <p:cTn id="197" dur="1" fill="hold">
+                                          <p:stCondLst>
+                                            <p:cond delay="0"/>
+                                          </p:stCondLst>
+                                        </p:cTn>
+                                        <p:tgtEl>
+                                          <p:spTgt spid="40"/>
+                                        </p:tgtEl>
+                                        <p:attrNameLst>
+                                          <p:attrName>style.visibility</p:attrName>
+                                        </p:attrNameLst>
+                                      </p:cBhvr>
+                                      <p:to>
+                                        <p:strVal val="visible"/>
+                                      </p:to>
+                                    </p:set>
+                                    <p:animEffect transition="in" filter="barn(inVertical)">
+                                      <p:cBhvr>
+                                        <p:cTn id="198" dur="500"/>
+                                        <p:tgtEl>
+                                          <p:spTgt spid="40"/>
+                                        </p:tgtEl>
+                                      </p:cBhvr>
+                                    </p:animEffect>
+                                  </p:childTnLst>
+                                </p:cTn>
+                              </p:par>
+                            </p:childTnLst>
+                          </p:cTn>
+                        </p:par>
+                      </p:childTnLst>
+                    </p:cTn>
+                  </p:par>
+                  <p:par>
+                    <p:cTn id="199" fill="hold">
+                      <p:stCondLst>
+                        <p:cond delay="indefinite"/>
+                      </p:stCondLst>
+                      <p:childTnLst>
+                        <p:par>
+                          <p:cTn id="200" fill="hold">
+                            <p:stCondLst>
+                              <p:cond delay="0"/>
+                            </p:stCondLst>
+                            <p:childTnLst>
+                              <p:par>
+                                <p:cTn id="201" presetID="16" presetClass="entr" presetSubtype="21" fill="hold" grpId="0" nodeType="clickEffect">
+                                  <p:stCondLst>
+                                    <p:cond delay="0"/>
+                                  </p:stCondLst>
+                                  <p:childTnLst>
+                                    <p:set>
+                                      <p:cBhvr>
+                                        <p:cTn id="202" dur="1" fill="hold">
+                                          <p:stCondLst>
+                                            <p:cond delay="0"/>
+                                          </p:stCondLst>
+                                        </p:cTn>
+                                        <p:tgtEl>
+                                          <p:spTgt spid="47"/>
+                                        </p:tgtEl>
+                                        <p:attrNameLst>
+                                          <p:attrName>style.visibility</p:attrName>
+                                        </p:attrNameLst>
+                                      </p:cBhvr>
+                                      <p:to>
+                                        <p:strVal val="visible"/>
+                                      </p:to>
+                                    </p:set>
+                                    <p:animEffect transition="in" filter="barn(inVertical)">
+                                      <p:cBhvr>
+                                        <p:cTn id="203" dur="500"/>
+                                        <p:tgtEl>
+                                          <p:spTgt spid="47"/>
+                                        </p:tgtEl>
+                                      </p:cBhvr>
+                                    </p:animEffect>
+                                  </p:childTnLst>
+                                </p:cTn>
+                              </p:par>
+                            </p:childTnLst>
+                          </p:cTn>
+                        </p:par>
+                      </p:childTnLst>
+                    </p:cTn>
+                  </p:par>
+                  <p:par>
+                    <p:cTn id="204" fill="hold">
+                      <p:stCondLst>
+                        <p:cond delay="indefinite"/>
+                      </p:stCondLst>
+                      <p:childTnLst>
+                        <p:par>
+                          <p:cTn id="205" fill="hold">
+                            <p:stCondLst>
+                              <p:cond delay="0"/>
+                            </p:stCondLst>
+                            <p:childTnLst>
+                              <p:par>
+                                <p:cTn id="206" presetID="26" presetClass="emph" presetSubtype="0" fill="hold" grpId="1" nodeType="clickEffect">
+                                  <p:stCondLst>
+                                    <p:cond delay="0"/>
+                                  </p:stCondLst>
+                                  <p:childTnLst>
+                                    <p:animEffect transition="out" filter="fade">
+                                      <p:cBhvr>
+                                        <p:cTn id="207" dur="500" tmFilter="0, 0; .2, .5; .8, .5; 1, 0"/>
+                                        <p:tgtEl>
+                                          <p:spTgt spid="28"/>
+                                        </p:tgtEl>
+                                      </p:cBhvr>
+                                    </p:animEffect>
+                                    <p:animScale>
+                                      <p:cBhvr>
+                                        <p:cTn id="208" dur="250" autoRev="1" fill="hold"/>
+                                        <p:tgtEl>
+                                          <p:spTgt spid="28"/>
+                                        </p:tgtEl>
+                                      </p:cBhvr>
+                                      <p:by x="105000" y="105000"/>
+                                    </p:animScale>
+                                  </p:childTnLst>
+                                </p:cTn>
+                              </p:par>
+                              <p:par>
+                                <p:cTn id="209" presetID="26" presetClass="emph" presetSubtype="0" fill="hold" grpId="1" nodeType="withEffect">
+                                  <p:stCondLst>
+                                    <p:cond delay="0"/>
+                                  </p:stCondLst>
+                                  <p:childTnLst>
+                                    <p:animEffect transition="out" filter="fade">
+                                      <p:cBhvr>
+                                        <p:cTn id="210" dur="500" tmFilter="0, 0; .2, .5; .8, .5; 1, 0"/>
+                                        <p:tgtEl>
+                                          <p:spTgt spid="30"/>
+                                        </p:tgtEl>
+                                      </p:cBhvr>
+                                    </p:animEffect>
+                                    <p:animScale>
+                                      <p:cBhvr>
+                                        <p:cTn id="211" dur="250" autoRev="1" fill="hold"/>
+                                        <p:tgtEl>
+                                          <p:spTgt spid="30"/>
+                                        </p:tgtEl>
+                                      </p:cBhvr>
+                                      <p:by x="105000" y="105000"/>
+                                    </p:animScale>
+                                  </p:childTnLst>
+                                </p:cTn>
+                              </p:par>
+                              <p:par>
+                                <p:cTn id="212" presetID="26" presetClass="emph" presetSubtype="0" fill="hold" grpId="1" nodeType="withEffect">
+                                  <p:stCondLst>
+                                    <p:cond delay="0"/>
+                                  </p:stCondLst>
+                                  <p:childTnLst>
+                                    <p:animEffect transition="out" filter="fade">
+                                      <p:cBhvr>
+                                        <p:cTn id="213" dur="500" tmFilter="0, 0; .2, .5; .8, .5; 1, 0"/>
+                                        <p:tgtEl>
+                                          <p:spTgt spid="32"/>
+                                        </p:tgtEl>
+                                      </p:cBhvr>
+                                    </p:animEffect>
+                                    <p:animScale>
+                                      <p:cBhvr>
+                                        <p:cTn id="214" dur="250" autoRev="1" fill="hold"/>
+                                        <p:tgtEl>
+                                          <p:spTgt spid="32"/>
+                                        </p:tgtEl>
+                                      </p:cBhvr>
+                                      <p:by x="105000" y="105000"/>
+                                    </p:animScale>
+                                  </p:childTnLst>
+                                </p:cTn>
+                              </p:par>
+                              <p:par>
+                                <p:cTn id="215" presetID="26" presetClass="emph" presetSubtype="0" fill="hold" grpId="1" nodeType="withEffect">
+                                  <p:stCondLst>
+                                    <p:cond delay="0"/>
+                                  </p:stCondLst>
+                                  <p:childTnLst>
+                                    <p:animEffect transition="out" filter="fade">
+                                      <p:cBhvr>
+                                        <p:cTn id="216" dur="500" tmFilter="0, 0; .2, .5; .8, .5; 1, 0"/>
+                                        <p:tgtEl>
+                                          <p:spTgt spid="34"/>
+                                        </p:tgtEl>
+                                      </p:cBhvr>
+                                    </p:animEffect>
+                                    <p:animScale>
+                                      <p:cBhvr>
+                                        <p:cTn id="217" dur="250" autoRev="1" fill="hold"/>
+                                        <p:tgtEl>
+                                          <p:spTgt spid="34"/>
+                                        </p:tgtEl>
+                                      </p:cBhvr>
+                                      <p:by x="105000" y="105000"/>
+                                    </p:animScale>
                                   </p:childTnLst>
                                 </p:cTn>
                               </p:par>
@@ -31826,6 +32446,14 @@
       <p:bldP spid="44" grpId="1" animBg="1"/>
       <p:bldP spid="47" grpId="0" animBg="1"/>
       <p:bldP spid="47" grpId="1" animBg="1"/>
+      <p:bldP spid="36" grpId="0" animBg="1"/>
+      <p:bldP spid="36" grpId="1" animBg="1"/>
+      <p:bldP spid="37" grpId="0" animBg="1"/>
+      <p:bldP spid="37" grpId="1" animBg="1"/>
+      <p:bldP spid="42" grpId="0" animBg="1"/>
+      <p:bldP spid="42" grpId="1" animBg="1"/>
+      <p:bldP spid="45" grpId="0" animBg="1"/>
+      <p:bldP spid="45" grpId="1" animBg="1"/>
     </p:bldLst>
   </p:timing>
 </p:sld>

--- a/doc/higo.pptx
+++ b/doc/higo.pptx
@@ -28204,6 +28204,139 @@
       </p:grpSpPr>
       <p:sp>
         <p:nvSpPr>
+          <p:cNvPr id="46" name="云形标注 45"/>
+          <p:cNvSpPr/>
+          <p:nvPr/>
+        </p:nvSpPr>
+        <p:spPr>
+          <a:xfrm>
+            <a:off x="777764" y="1902644"/>
+            <a:ext cx="7770296" cy="2552953"/>
+          </a:xfrm>
+          <a:prstGeom prst="cloudCallout">
+            <a:avLst>
+              <a:gd name="adj1" fmla="val -47062"/>
+              <a:gd name="adj2" fmla="val -39233"/>
+            </a:avLst>
+          </a:prstGeom>
+        </p:spPr>
+        <p:style>
+          <a:lnRef idx="1">
+            <a:schemeClr val="accent4"/>
+          </a:lnRef>
+          <a:fillRef idx="2">
+            <a:schemeClr val="accent4"/>
+          </a:fillRef>
+          <a:effectRef idx="1">
+            <a:schemeClr val="accent4"/>
+          </a:effectRef>
+          <a:fontRef idx="minor">
+            <a:schemeClr val="dk1"/>
+          </a:fontRef>
+        </p:style>
+        <p:txBody>
+          <a:bodyPr rtlCol="0" anchor="ctr"/>
+          <a:lstStyle/>
+          <a:p>
+            <a:r>
+              <a:rPr lang="zh-CN" altLang="en-US" b="1" dirty="0" smtClean="0"/>
+              <a:t>假设我们使用</a:t>
+            </a:r>
+            <a:r>
+              <a:rPr lang="en-US" altLang="zh-CN" b="1" dirty="0" smtClean="0"/>
+              <a:t>10</a:t>
+            </a:r>
+            <a:r>
+              <a:rPr lang="zh-CN" altLang="en-US" b="1" dirty="0" smtClean="0"/>
+              <a:t>亿个</a:t>
+            </a:r>
+            <a:r>
+              <a:rPr lang="en-US" altLang="zh-CN" b="1" dirty="0" err="1" smtClean="0"/>
+              <a:t>bitset</a:t>
+            </a:r>
+            <a:endParaRPr lang="en-US" altLang="zh-CN" b="1" dirty="0" smtClean="0"/>
+          </a:p>
+          <a:p>
+            <a:r>
+              <a:rPr lang="zh-CN" altLang="en-US" b="1" dirty="0" smtClean="0"/>
+              <a:t>那么实际上我们只存储其中的</a:t>
+            </a:r>
+            <a:r>
+              <a:rPr lang="en-US" altLang="zh-CN" b="1" dirty="0" smtClean="0"/>
+              <a:t>1%</a:t>
+            </a:r>
+            <a:r>
+              <a:rPr lang="zh-CN" altLang="en-US" b="1" dirty="0" smtClean="0"/>
+              <a:t>，取到</a:t>
+            </a:r>
+            <a:r>
+              <a:rPr lang="en-US" altLang="zh-CN" b="1" dirty="0" smtClean="0"/>
+              <a:t>1000</a:t>
+            </a:r>
+            <a:r>
+              <a:rPr lang="zh-CN" altLang="en-US" b="1" dirty="0" smtClean="0"/>
+              <a:t>万</a:t>
+            </a:r>
+            <a:endParaRPr lang="en-US" altLang="zh-CN" b="1" dirty="0" smtClean="0"/>
+          </a:p>
+          <a:p>
+            <a:r>
+              <a:rPr lang="zh-CN" altLang="en-US" b="1" dirty="0" smtClean="0"/>
+              <a:t>因数据均匀，</a:t>
+            </a:r>
+            <a:r>
+              <a:rPr lang="zh-CN" altLang="en-US" b="1" dirty="0"/>
+              <a:t>这</a:t>
+            </a:r>
+            <a:r>
+              <a:rPr lang="en-US" altLang="zh-CN" b="1" dirty="0"/>
+              <a:t>1</a:t>
+            </a:r>
+            <a:r>
+              <a:rPr lang="en-US" altLang="zh-CN" b="1" dirty="0" smtClean="0"/>
+              <a:t>%</a:t>
+            </a:r>
+            <a:r>
+              <a:rPr lang="zh-CN" altLang="en-US" b="1" dirty="0" smtClean="0"/>
+              <a:t>与其他</a:t>
+            </a:r>
+            <a:r>
+              <a:rPr lang="en-US" altLang="zh-CN" b="1" dirty="0" smtClean="0"/>
+              <a:t>99%</a:t>
+            </a:r>
+            <a:r>
+              <a:rPr lang="zh-CN" altLang="en-US" b="1" dirty="0" smtClean="0"/>
+              <a:t>的稀疏程度一致</a:t>
+            </a:r>
+            <a:endParaRPr lang="en-US" altLang="zh-CN" b="1" dirty="0" smtClean="0"/>
+          </a:p>
+          <a:p>
+            <a:r>
+              <a:rPr lang="zh-CN" altLang="en-US" b="1" dirty="0" smtClean="0"/>
+              <a:t>故最终值在</a:t>
+            </a:r>
+            <a:r>
+              <a:rPr lang="en-US" altLang="zh-CN" b="1" dirty="0" smtClean="0"/>
+              <a:t>1%</a:t>
+            </a:r>
+            <a:r>
+              <a:rPr lang="zh-CN" altLang="en-US" b="1" dirty="0" smtClean="0"/>
+              <a:t>的基础上乘以</a:t>
+            </a:r>
+            <a:r>
+              <a:rPr lang="en-US" altLang="zh-CN" b="1" dirty="0" smtClean="0"/>
+              <a:t>100</a:t>
+            </a:r>
+            <a:r>
+              <a:rPr lang="zh-CN" altLang="en-US" b="1" dirty="0" smtClean="0"/>
+              <a:t>即可</a:t>
+            </a:r>
+            <a:endParaRPr lang="zh-CN" altLang="en-US" b="1" dirty="0"/>
+          </a:p>
+        </p:txBody>
+      </p:sp>
+      <p:sp>
+        <p:nvSpPr>
           <p:cNvPr id="29" name="下箭头 28"/>
           <p:cNvSpPr/>
           <p:nvPr/>
@@ -28449,13 +28582,13 @@
         </p:spPr>
         <p:style>
           <a:lnRef idx="1">
-            <a:schemeClr val="accent3"/>
+            <a:schemeClr val="accent2"/>
           </a:lnRef>
           <a:fillRef idx="3">
-            <a:schemeClr val="accent3"/>
+            <a:schemeClr val="accent2"/>
           </a:fillRef>
           <a:effectRef idx="2">
-            <a:schemeClr val="accent3"/>
+            <a:schemeClr val="accent2"/>
           </a:effectRef>
           <a:fontRef idx="minor">
             <a:schemeClr val="lt1"/>
@@ -28533,16 +28666,16 @@
         </p:spPr>
         <p:style>
           <a:lnRef idx="1">
-            <a:schemeClr val="accent5"/>
+            <a:schemeClr val="dk1"/>
           </a:lnRef>
-          <a:fillRef idx="2">
-            <a:schemeClr val="accent5"/>
+          <a:fillRef idx="3">
+            <a:schemeClr val="dk1"/>
           </a:fillRef>
-          <a:effectRef idx="1">
-            <a:schemeClr val="accent5"/>
+          <a:effectRef idx="2">
+            <a:schemeClr val="dk1"/>
           </a:effectRef>
           <a:fontRef idx="minor">
-            <a:schemeClr val="dk1"/>
+            <a:schemeClr val="lt1"/>
           </a:fontRef>
         </p:style>
         <p:txBody>
@@ -28660,13 +28793,13 @@
         </p:spPr>
         <p:style>
           <a:lnRef idx="1">
-            <a:schemeClr val="accent3"/>
+            <a:schemeClr val="accent2"/>
           </a:lnRef>
           <a:fillRef idx="3">
-            <a:schemeClr val="accent3"/>
+            <a:schemeClr val="accent2"/>
           </a:fillRef>
           <a:effectRef idx="2">
-            <a:schemeClr val="accent3"/>
+            <a:schemeClr val="accent2"/>
           </a:effectRef>
           <a:fontRef idx="minor">
             <a:schemeClr val="lt1"/>
@@ -28744,16 +28877,16 @@
         </p:spPr>
         <p:style>
           <a:lnRef idx="1">
-            <a:schemeClr val="accent5"/>
+            <a:schemeClr val="dk1"/>
           </a:lnRef>
-          <a:fillRef idx="2">
-            <a:schemeClr val="accent5"/>
+          <a:fillRef idx="3">
+            <a:schemeClr val="dk1"/>
           </a:fillRef>
-          <a:effectRef idx="1">
-            <a:schemeClr val="accent5"/>
+          <a:effectRef idx="2">
+            <a:schemeClr val="dk1"/>
           </a:effectRef>
           <a:fontRef idx="minor">
-            <a:schemeClr val="dk1"/>
+            <a:schemeClr val="lt1"/>
           </a:fontRef>
         </p:style>
         <p:txBody>
@@ -28871,13 +29004,13 @@
         </p:spPr>
         <p:style>
           <a:lnRef idx="1">
-            <a:schemeClr val="accent3"/>
+            <a:schemeClr val="accent2"/>
           </a:lnRef>
           <a:fillRef idx="3">
-            <a:schemeClr val="accent3"/>
+            <a:schemeClr val="accent2"/>
           </a:fillRef>
           <a:effectRef idx="2">
-            <a:schemeClr val="accent3"/>
+            <a:schemeClr val="accent2"/>
           </a:effectRef>
           <a:fontRef idx="minor">
             <a:schemeClr val="lt1"/>
@@ -28955,16 +29088,16 @@
         </p:spPr>
         <p:style>
           <a:lnRef idx="1">
-            <a:schemeClr val="accent5"/>
+            <a:schemeClr val="dk1"/>
           </a:lnRef>
-          <a:fillRef idx="2">
-            <a:schemeClr val="accent5"/>
+          <a:fillRef idx="3">
+            <a:schemeClr val="dk1"/>
           </a:fillRef>
-          <a:effectRef idx="1">
-            <a:schemeClr val="accent5"/>
+          <a:effectRef idx="2">
+            <a:schemeClr val="dk1"/>
           </a:effectRef>
           <a:fontRef idx="minor">
-            <a:schemeClr val="dk1"/>
+            <a:schemeClr val="lt1"/>
           </a:fontRef>
         </p:style>
         <p:txBody>
@@ -29039,13 +29172,13 @@
         </p:spPr>
         <p:style>
           <a:lnRef idx="1">
-            <a:schemeClr val="accent3"/>
+            <a:schemeClr val="accent2"/>
           </a:lnRef>
           <a:fillRef idx="3">
-            <a:schemeClr val="accent3"/>
+            <a:schemeClr val="accent2"/>
           </a:fillRef>
           <a:effectRef idx="2">
-            <a:schemeClr val="accent3"/>
+            <a:schemeClr val="accent2"/>
           </a:effectRef>
           <a:fontRef idx="minor">
             <a:schemeClr val="lt1"/>
@@ -29123,13 +29256,13 @@
         </p:spPr>
         <p:style>
           <a:lnRef idx="1">
-            <a:schemeClr val="accent5"/>
+            <a:schemeClr val="dk1"/>
           </a:lnRef>
           <a:fillRef idx="3">
-            <a:schemeClr val="accent5"/>
+            <a:schemeClr val="dk1"/>
           </a:fillRef>
           <a:effectRef idx="2">
-            <a:schemeClr val="accent5"/>
+            <a:schemeClr val="dk1"/>
           </a:effectRef>
           <a:fontRef idx="minor">
             <a:schemeClr val="lt1"/>
@@ -29466,7 +29599,7 @@
         </p:nvSpPr>
         <p:spPr>
           <a:xfrm>
-            <a:off x="6981880" y="5889481"/>
+            <a:off x="4031940" y="5865569"/>
             <a:ext cx="1766584" cy="864096"/>
           </a:xfrm>
           <a:prstGeom prst="cloudCallout">
@@ -29541,14 +29674,18 @@
           <a:p>
             <a:pPr algn="ctr"/>
             <a:r>
-              <a:rPr lang="zh-CN" altLang="en-US" dirty="0" smtClean="0"/>
-              <a:t>低位</a:t>
-            </a:r>
-            <a:r>
-              <a:rPr lang="en-US" altLang="zh-CN" dirty="0" err="1" smtClean="0"/>
-              <a:t>bitset</a:t>
-            </a:r>
-            <a:endParaRPr lang="zh-CN" altLang="en-US" dirty="0"/>
+              <a:rPr lang="en-US" altLang="zh-CN" sz="1400" dirty="0" err="1" smtClean="0"/>
+              <a:t>Bitset</a:t>
+            </a:r>
+            <a:endParaRPr lang="en-US" altLang="zh-CN" sz="1400" dirty="0" smtClean="0"/>
+          </a:p>
+          <a:p>
+            <a:pPr algn="ctr"/>
+            <a:r>
+              <a:rPr lang="en-US" altLang="zh-CN" sz="1400" dirty="0" smtClean="0"/>
+              <a:t>0~100w</a:t>
+            </a:r>
+            <a:endParaRPr lang="zh-CN" altLang="en-US" sz="1400" dirty="0"/>
           </a:p>
         </p:txBody>
       </p:sp>
@@ -29590,14 +29727,18 @@
           <a:p>
             <a:pPr algn="ctr"/>
             <a:r>
-              <a:rPr lang="zh-CN" altLang="en-US" dirty="0" smtClean="0"/>
-              <a:t>中间</a:t>
-            </a:r>
-            <a:r>
-              <a:rPr lang="en-US" altLang="zh-CN" dirty="0" err="1" smtClean="0"/>
-              <a:t>bitset</a:t>
-            </a:r>
-            <a:endParaRPr lang="zh-CN" altLang="en-US" dirty="0"/>
+              <a:rPr lang="en-US" altLang="zh-CN" sz="1200" dirty="0" err="1" smtClean="0"/>
+              <a:t>Bitset</a:t>
+            </a:r>
+            <a:endParaRPr lang="en-US" altLang="zh-CN" sz="1200" dirty="0" smtClean="0"/>
+          </a:p>
+          <a:p>
+            <a:pPr algn="ctr"/>
+            <a:r>
+              <a:rPr lang="en-US" altLang="zh-CN" sz="1200" dirty="0" smtClean="0"/>
+              <a:t>100w~200w</a:t>
+            </a:r>
+            <a:endParaRPr lang="zh-CN" altLang="en-US" sz="1200" dirty="0"/>
           </a:p>
         </p:txBody>
       </p:sp>
@@ -29639,14 +29780,18 @@
           <a:p>
             <a:pPr algn="ctr"/>
             <a:r>
-              <a:rPr lang="zh-CN" altLang="en-US" dirty="0" smtClean="0"/>
-              <a:t>中间</a:t>
-            </a:r>
-            <a:r>
-              <a:rPr lang="en-US" altLang="zh-CN" dirty="0" err="1" smtClean="0"/>
-              <a:t>bitset</a:t>
-            </a:r>
-            <a:endParaRPr lang="zh-CN" altLang="en-US" dirty="0"/>
+              <a:rPr lang="en-US" altLang="zh-CN" sz="1400" dirty="0" err="1" smtClean="0"/>
+              <a:t>Bitset</a:t>
+            </a:r>
+            <a:endParaRPr lang="en-US" altLang="zh-CN" sz="1400" dirty="0" smtClean="0"/>
+          </a:p>
+          <a:p>
+            <a:pPr algn="ctr"/>
+            <a:r>
+              <a:rPr lang="en-US" altLang="zh-CN" sz="1400" dirty="0" err="1" smtClean="0"/>
+              <a:t>Xxx~xxx</a:t>
+            </a:r>
+            <a:endParaRPr lang="zh-CN" altLang="en-US" sz="1400" dirty="0"/>
           </a:p>
         </p:txBody>
       </p:sp>
@@ -29659,7 +29804,7 @@
         <p:spPr>
           <a:xfrm>
             <a:off x="5792948" y="913570"/>
-            <a:ext cx="1566180" cy="864096"/>
+            <a:ext cx="1731380" cy="864096"/>
           </a:xfrm>
           <a:prstGeom prst="cloudCallout">
             <a:avLst>
@@ -29688,14 +29833,207 @@
           <a:p>
             <a:pPr algn="ctr"/>
             <a:r>
-              <a:rPr lang="zh-CN" altLang="en-US" dirty="0"/>
-              <a:t>高位</a:t>
-            </a:r>
-            <a:r>
-              <a:rPr lang="en-US" altLang="zh-CN" dirty="0" err="1" smtClean="0"/>
-              <a:t>bitset</a:t>
-            </a:r>
-            <a:endParaRPr lang="zh-CN" altLang="en-US" dirty="0"/>
+              <a:rPr lang="en-US" altLang="zh-CN" sz="1100" dirty="0" err="1" smtClean="0"/>
+              <a:t>Bitset</a:t>
+            </a:r>
+            <a:endParaRPr lang="en-US" altLang="zh-CN" sz="1100" dirty="0" smtClean="0"/>
+          </a:p>
+          <a:p>
+            <a:pPr algn="ctr"/>
+            <a:r>
+              <a:rPr lang="en-US" altLang="zh-CN" sz="1100" dirty="0" smtClean="0"/>
+              <a:t>900w~1000w</a:t>
+            </a:r>
+            <a:endParaRPr lang="zh-CN" altLang="en-US" sz="1100" dirty="0"/>
+          </a:p>
+        </p:txBody>
+      </p:sp>
+      <p:sp>
+        <p:nvSpPr>
+          <p:cNvPr id="3" name="乘号 2"/>
+          <p:cNvSpPr/>
+          <p:nvPr/>
+        </p:nvSpPr>
+        <p:spPr>
+          <a:xfrm>
+            <a:off x="1281218" y="5145422"/>
+            <a:ext cx="295188" cy="244872"/>
+          </a:xfrm>
+          <a:prstGeom prst="mathMultiply">
+            <a:avLst/>
+          </a:prstGeom>
+        </p:spPr>
+        <p:style>
+          <a:lnRef idx="2">
+            <a:schemeClr val="accent1">
+              <a:shade val="50000"/>
+            </a:schemeClr>
+          </a:lnRef>
+          <a:fillRef idx="1">
+            <a:schemeClr val="accent1"/>
+          </a:fillRef>
+          <a:effectRef idx="0">
+            <a:schemeClr val="accent1"/>
+          </a:effectRef>
+          <a:fontRef idx="minor">
+            <a:schemeClr val="lt1"/>
+          </a:fontRef>
+        </p:style>
+        <p:txBody>
+          <a:bodyPr rtlCol="0" anchor="ctr"/>
+          <a:lstStyle/>
+          <a:p>
+            <a:pPr algn="ctr"/>
+            <a:endParaRPr lang="zh-CN" altLang="en-US"/>
+          </a:p>
+        </p:txBody>
+      </p:sp>
+      <p:sp>
+        <p:nvSpPr>
+          <p:cNvPr id="5" name="矩形 4"/>
+          <p:cNvSpPr/>
+          <p:nvPr/>
+        </p:nvSpPr>
+        <p:spPr>
+          <a:xfrm>
+            <a:off x="323528" y="4936812"/>
+            <a:ext cx="1015301" cy="584775"/>
+          </a:xfrm>
+          <a:prstGeom prst="rect">
+            <a:avLst/>
+          </a:prstGeom>
+          <a:noFill/>
+        </p:spPr>
+        <p:txBody>
+          <a:bodyPr wrap="square" lIns="91440" tIns="45720" rIns="91440" bIns="45720">
+            <a:spAutoFit/>
+          </a:bodyPr>
+          <a:lstStyle/>
+          <a:p>
+            <a:pPr algn="ctr"/>
+            <a:r>
+              <a:rPr lang="en-US" altLang="zh-CN" sz="3200" b="1" cap="none" spc="0" dirty="0" smtClean="0">
+                <a:ln w="12700">
+                  <a:solidFill>
+                    <a:schemeClr val="tx2">
+                      <a:satMod val="155000"/>
+                    </a:schemeClr>
+                  </a:solidFill>
+                  <a:prstDash val="solid"/>
+                </a:ln>
+                <a:solidFill>
+                  <a:srgbClr val="FF0000"/>
+                </a:solidFill>
+                <a:effectLst>
+                  <a:outerShdw blurRad="41275" dist="20320" dir="1800000" algn="tl" rotWithShape="0">
+                    <a:srgbClr val="000000">
+                      <a:alpha val="40000"/>
+                    </a:srgbClr>
+                  </a:outerShdw>
+                </a:effectLst>
+              </a:rPr>
+              <a:t>100</a:t>
+            </a:r>
+            <a:endParaRPr lang="zh-CN" altLang="en-US" sz="3200" b="1" cap="none" spc="0" dirty="0">
+              <a:ln w="12700">
+                <a:solidFill>
+                  <a:schemeClr val="tx2">
+                    <a:satMod val="155000"/>
+                  </a:schemeClr>
+                </a:solidFill>
+                <a:prstDash val="solid"/>
+              </a:ln>
+              <a:solidFill>
+                <a:srgbClr val="FF0000"/>
+              </a:solidFill>
+              <a:effectLst>
+                <a:outerShdw blurRad="41275" dist="20320" dir="1800000" algn="tl" rotWithShape="0">
+                  <a:srgbClr val="000000">
+                    <a:alpha val="40000"/>
+                  </a:srgbClr>
+                </a:outerShdw>
+              </a:effectLst>
+            </a:endParaRPr>
+          </a:p>
+        </p:txBody>
+      </p:sp>
+      <p:sp>
+        <p:nvSpPr>
+          <p:cNvPr id="6" name="新月形 5"/>
+          <p:cNvSpPr/>
+          <p:nvPr/>
+        </p:nvSpPr>
+        <p:spPr>
+          <a:xfrm>
+            <a:off x="1724000" y="5013176"/>
+            <a:ext cx="111696" cy="508411"/>
+          </a:xfrm>
+          <a:prstGeom prst="moon">
+            <a:avLst/>
+          </a:prstGeom>
+        </p:spPr>
+        <p:style>
+          <a:lnRef idx="2">
+            <a:schemeClr val="accent1">
+              <a:shade val="50000"/>
+            </a:schemeClr>
+          </a:lnRef>
+          <a:fillRef idx="1">
+            <a:schemeClr val="accent1"/>
+          </a:fillRef>
+          <a:effectRef idx="0">
+            <a:schemeClr val="accent1"/>
+          </a:effectRef>
+          <a:fontRef idx="minor">
+            <a:schemeClr val="lt1"/>
+          </a:fontRef>
+        </p:style>
+        <p:txBody>
+          <a:bodyPr rtlCol="0" anchor="ctr"/>
+          <a:lstStyle/>
+          <a:p>
+            <a:pPr algn="ctr"/>
+            <a:endParaRPr lang="zh-CN" altLang="en-US"/>
+          </a:p>
+        </p:txBody>
+      </p:sp>
+      <p:sp>
+        <p:nvSpPr>
+          <p:cNvPr id="48" name="新月形 47"/>
+          <p:cNvSpPr/>
+          <p:nvPr/>
+        </p:nvSpPr>
+        <p:spPr>
+          <a:xfrm flipH="1">
+            <a:off x="7380312" y="4941168"/>
+            <a:ext cx="100850" cy="581248"/>
+          </a:xfrm>
+          <a:prstGeom prst="moon">
+            <a:avLst/>
+          </a:prstGeom>
+        </p:spPr>
+        <p:style>
+          <a:lnRef idx="2">
+            <a:schemeClr val="accent1">
+              <a:shade val="50000"/>
+            </a:schemeClr>
+          </a:lnRef>
+          <a:fillRef idx="1">
+            <a:schemeClr val="accent1"/>
+          </a:fillRef>
+          <a:effectRef idx="0">
+            <a:schemeClr val="accent1"/>
+          </a:effectRef>
+          <a:fontRef idx="minor">
+            <a:schemeClr val="lt1"/>
+          </a:fontRef>
+        </p:style>
+        <p:txBody>
+          <a:bodyPr rtlCol="0" anchor="ctr"/>
+          <a:lstStyle/>
+          <a:p>
+            <a:pPr algn="ctr"/>
+            <a:endParaRPr lang="zh-CN" altLang="en-US"/>
           </a:p>
         </p:txBody>
       </p:sp>
@@ -30153,37 +30491,37 @@
                             </p:stCondLst>
                             <p:childTnLst>
                               <p:par>
-                                <p:cTn id="32" presetID="16" presetClass="exit" presetSubtype="21" fill="hold" grpId="1" nodeType="clickEffect">
+                                <p:cTn id="32" presetID="16" presetClass="entr" presetSubtype="21" fill="hold" grpId="0" nodeType="clickEffect">
                                   <p:stCondLst>
                                     <p:cond delay="0"/>
                                   </p:stCondLst>
                                   <p:childTnLst>
-                                    <p:animEffect transition="out" filter="barn(inVertical)">
-                                      <p:cBhvr>
-                                        <p:cTn id="33" dur="500"/>
-                                        <p:tgtEl>
-                                          <p:spTgt spid="47"/>
-                                        </p:tgtEl>
-                                      </p:cBhvr>
-                                    </p:animEffect>
                                     <p:set>
                                       <p:cBhvr>
-                                        <p:cTn id="34" dur="1" fill="hold">
+                                        <p:cTn id="33" dur="1" fill="hold">
                                           <p:stCondLst>
-                                            <p:cond delay="499"/>
+                                            <p:cond delay="0"/>
                                           </p:stCondLst>
                                         </p:cTn>
                                         <p:tgtEl>
-                                          <p:spTgt spid="47"/>
+                                          <p:spTgt spid="46"/>
                                         </p:tgtEl>
                                         <p:attrNameLst>
                                           <p:attrName>style.visibility</p:attrName>
                                         </p:attrNameLst>
                                       </p:cBhvr>
                                       <p:to>
-                                        <p:strVal val="hidden"/>
+                                        <p:strVal val="visible"/>
                                       </p:to>
                                     </p:set>
+                                    <p:animEffect transition="in" filter="barn(inVertical)">
+                                      <p:cBhvr>
+                                        <p:cTn id="34" dur="500"/>
+                                        <p:tgtEl>
+                                          <p:spTgt spid="46"/>
+                                        </p:tgtEl>
+                                      </p:cBhvr>
+                                    </p:animEffect>
                                   </p:childTnLst>
                                 </p:cTn>
                               </p:par>
@@ -30206,37 +30544,37 @@
                             </p:stCondLst>
                             <p:childTnLst>
                               <p:par>
-                                <p:cTn id="37" presetID="16" presetClass="entr" presetSubtype="21" fill="hold" grpId="0" nodeType="clickEffect">
+                                <p:cTn id="37" presetID="16" presetClass="exit" presetSubtype="21" fill="hold" grpId="1" nodeType="clickEffect">
                                   <p:stCondLst>
                                     <p:cond delay="0"/>
                                   </p:stCondLst>
                                   <p:childTnLst>
+                                    <p:animEffect transition="out" filter="barn(inVertical)">
+                                      <p:cBhvr>
+                                        <p:cTn id="38" dur="500"/>
+                                        <p:tgtEl>
+                                          <p:spTgt spid="46"/>
+                                        </p:tgtEl>
+                                      </p:cBhvr>
+                                    </p:animEffect>
                                     <p:set>
                                       <p:cBhvr>
-                                        <p:cTn id="38" dur="1" fill="hold">
+                                        <p:cTn id="39" dur="1" fill="hold">
                                           <p:stCondLst>
-                                            <p:cond delay="0"/>
+                                            <p:cond delay="499"/>
                                           </p:stCondLst>
                                         </p:cTn>
                                         <p:tgtEl>
-                                          <p:spTgt spid="36"/>
+                                          <p:spTgt spid="46"/>
                                         </p:tgtEl>
                                         <p:attrNameLst>
                                           <p:attrName>style.visibility</p:attrName>
                                         </p:attrNameLst>
                                       </p:cBhvr>
                                       <p:to>
-                                        <p:strVal val="visible"/>
+                                        <p:strVal val="hidden"/>
                                       </p:to>
                                     </p:set>
-                                    <p:animEffect transition="in" filter="barn(inVertical)">
-                                      <p:cBhvr>
-                                        <p:cTn id="39" dur="500"/>
-                                        <p:tgtEl>
-                                          <p:spTgt spid="36"/>
-                                        </p:tgtEl>
-                                      </p:cBhvr>
-                                    </p:animEffect>
                                   </p:childTnLst>
                                 </p:cTn>
                               </p:par>
@@ -30268,7 +30606,7 @@
                                       <p:cBhvr>
                                         <p:cTn id="43" dur="500"/>
                                         <p:tgtEl>
-                                          <p:spTgt spid="36"/>
+                                          <p:spTgt spid="47"/>
                                         </p:tgtEl>
                                       </p:cBhvr>
                                     </p:animEffect>
@@ -30280,7 +30618,7 @@
                                           </p:stCondLst>
                                         </p:cTn>
                                         <p:tgtEl>
-                                          <p:spTgt spid="36"/>
+                                          <p:spTgt spid="47"/>
                                         </p:tgtEl>
                                         <p:attrNameLst>
                                           <p:attrName>style.visibility</p:attrName>
@@ -30325,7 +30663,7 @@
                                           </p:stCondLst>
                                         </p:cTn>
                                         <p:tgtEl>
-                                          <p:spTgt spid="37"/>
+                                          <p:spTgt spid="36"/>
                                         </p:tgtEl>
                                         <p:attrNameLst>
                                           <p:attrName>style.visibility</p:attrName>
@@ -30339,7 +30677,7 @@
                                       <p:cBhvr>
                                         <p:cTn id="49" dur="500"/>
                                         <p:tgtEl>
-                                          <p:spTgt spid="37"/>
+                                          <p:spTgt spid="36"/>
                                         </p:tgtEl>
                                       </p:cBhvr>
                                     </p:animEffect>
@@ -30374,7 +30712,7 @@
                                       <p:cBhvr>
                                         <p:cTn id="53" dur="500"/>
                                         <p:tgtEl>
-                                          <p:spTgt spid="37"/>
+                                          <p:spTgt spid="36"/>
                                         </p:tgtEl>
                                       </p:cBhvr>
                                     </p:animEffect>
@@ -30386,7 +30724,7 @@
                                           </p:stCondLst>
                                         </p:cTn>
                                         <p:tgtEl>
-                                          <p:spTgt spid="37"/>
+                                          <p:spTgt spid="36"/>
                                         </p:tgtEl>
                                         <p:attrNameLst>
                                           <p:attrName>style.visibility</p:attrName>
@@ -30431,7 +30769,7 @@
                                           </p:stCondLst>
                                         </p:cTn>
                                         <p:tgtEl>
-                                          <p:spTgt spid="42"/>
+                                          <p:spTgt spid="37"/>
                                         </p:tgtEl>
                                         <p:attrNameLst>
                                           <p:attrName>style.visibility</p:attrName>
@@ -30445,7 +30783,7 @@
                                       <p:cBhvr>
                                         <p:cTn id="59" dur="500"/>
                                         <p:tgtEl>
-                                          <p:spTgt spid="42"/>
+                                          <p:spTgt spid="37"/>
                                         </p:tgtEl>
                                       </p:cBhvr>
                                     </p:animEffect>
@@ -30480,7 +30818,7 @@
                                       <p:cBhvr>
                                         <p:cTn id="63" dur="500"/>
                                         <p:tgtEl>
-                                          <p:spTgt spid="42"/>
+                                          <p:spTgt spid="37"/>
                                         </p:tgtEl>
                                       </p:cBhvr>
                                     </p:animEffect>
@@ -30492,7 +30830,7 @@
                                           </p:stCondLst>
                                         </p:cTn>
                                         <p:tgtEl>
-                                          <p:spTgt spid="42"/>
+                                          <p:spTgt spid="37"/>
                                         </p:tgtEl>
                                         <p:attrNameLst>
                                           <p:attrName>style.visibility</p:attrName>
@@ -30537,7 +30875,7 @@
                                           </p:stCondLst>
                                         </p:cTn>
                                         <p:tgtEl>
-                                          <p:spTgt spid="45"/>
+                                          <p:spTgt spid="42"/>
                                         </p:tgtEl>
                                         <p:attrNameLst>
                                           <p:attrName>style.visibility</p:attrName>
@@ -30551,7 +30889,7 @@
                                       <p:cBhvr>
                                         <p:cTn id="69" dur="500"/>
                                         <p:tgtEl>
-                                          <p:spTgt spid="45"/>
+                                          <p:spTgt spid="42"/>
                                         </p:tgtEl>
                                       </p:cBhvr>
                                     </p:animEffect>
@@ -30586,7 +30924,7 @@
                                       <p:cBhvr>
                                         <p:cTn id="73" dur="500"/>
                                         <p:tgtEl>
-                                          <p:spTgt spid="45"/>
+                                          <p:spTgt spid="42"/>
                                         </p:tgtEl>
                                       </p:cBhvr>
                                     </p:animEffect>
@@ -30598,7 +30936,7 @@
                                           </p:stCondLst>
                                         </p:cTn>
                                         <p:tgtEl>
-                                          <p:spTgt spid="45"/>
+                                          <p:spTgt spid="42"/>
                                         </p:tgtEl>
                                         <p:attrNameLst>
                                           <p:attrName>style.visibility</p:attrName>
@@ -30630,7 +30968,7 @@
                             </p:stCondLst>
                             <p:childTnLst>
                               <p:par>
-                                <p:cTn id="77" presetID="42" presetClass="entr" presetSubtype="0" fill="hold" grpId="0" nodeType="clickEffect">
+                                <p:cTn id="77" presetID="16" presetClass="entr" presetSubtype="21" fill="hold" grpId="0" nodeType="clickEffect">
                                   <p:stCondLst>
                                     <p:cond delay="0"/>
                                   </p:stCondLst>
@@ -30643,6 +30981,112 @@
                                           </p:stCondLst>
                                         </p:cTn>
                                         <p:tgtEl>
+                                          <p:spTgt spid="45"/>
+                                        </p:tgtEl>
+                                        <p:attrNameLst>
+                                          <p:attrName>style.visibility</p:attrName>
+                                        </p:attrNameLst>
+                                      </p:cBhvr>
+                                      <p:to>
+                                        <p:strVal val="visible"/>
+                                      </p:to>
+                                    </p:set>
+                                    <p:animEffect transition="in" filter="barn(inVertical)">
+                                      <p:cBhvr>
+                                        <p:cTn id="79" dur="500"/>
+                                        <p:tgtEl>
+                                          <p:spTgt spid="45"/>
+                                        </p:tgtEl>
+                                      </p:cBhvr>
+                                    </p:animEffect>
+                                  </p:childTnLst>
+                                </p:cTn>
+                              </p:par>
+                            </p:childTnLst>
+                          </p:cTn>
+                        </p:par>
+                      </p:childTnLst>
+                    </p:cTn>
+                  </p:par>
+                  <p:par>
+                    <p:cTn id="80" fill="hold">
+                      <p:stCondLst>
+                        <p:cond delay="indefinite"/>
+                      </p:stCondLst>
+                      <p:childTnLst>
+                        <p:par>
+                          <p:cTn id="81" fill="hold">
+                            <p:stCondLst>
+                              <p:cond delay="0"/>
+                            </p:stCondLst>
+                            <p:childTnLst>
+                              <p:par>
+                                <p:cTn id="82" presetID="16" presetClass="exit" presetSubtype="21" fill="hold" grpId="1" nodeType="clickEffect">
+                                  <p:stCondLst>
+                                    <p:cond delay="0"/>
+                                  </p:stCondLst>
+                                  <p:childTnLst>
+                                    <p:animEffect transition="out" filter="barn(inVertical)">
+                                      <p:cBhvr>
+                                        <p:cTn id="83" dur="500"/>
+                                        <p:tgtEl>
+                                          <p:spTgt spid="45"/>
+                                        </p:tgtEl>
+                                      </p:cBhvr>
+                                    </p:animEffect>
+                                    <p:set>
+                                      <p:cBhvr>
+                                        <p:cTn id="84" dur="1" fill="hold">
+                                          <p:stCondLst>
+                                            <p:cond delay="499"/>
+                                          </p:stCondLst>
+                                        </p:cTn>
+                                        <p:tgtEl>
+                                          <p:spTgt spid="45"/>
+                                        </p:tgtEl>
+                                        <p:attrNameLst>
+                                          <p:attrName>style.visibility</p:attrName>
+                                        </p:attrNameLst>
+                                      </p:cBhvr>
+                                      <p:to>
+                                        <p:strVal val="hidden"/>
+                                      </p:to>
+                                    </p:set>
+                                  </p:childTnLst>
+                                </p:cTn>
+                              </p:par>
+                            </p:childTnLst>
+                          </p:cTn>
+                        </p:par>
+                      </p:childTnLst>
+                    </p:cTn>
+                  </p:par>
+                  <p:par>
+                    <p:cTn id="85" fill="hold">
+                      <p:stCondLst>
+                        <p:cond delay="indefinite"/>
+                      </p:stCondLst>
+                      <p:childTnLst>
+                        <p:par>
+                          <p:cTn id="86" fill="hold">
+                            <p:stCondLst>
+                              <p:cond delay="0"/>
+                            </p:stCondLst>
+                            <p:childTnLst>
+                              <p:par>
+                                <p:cTn id="87" presetID="42" presetClass="entr" presetSubtype="0" fill="hold" grpId="0" nodeType="clickEffect">
+                                  <p:stCondLst>
+                                    <p:cond delay="0"/>
+                                  </p:stCondLst>
+                                  <p:childTnLst>
+                                    <p:set>
+                                      <p:cBhvr>
+                                        <p:cTn id="88" dur="1" fill="hold">
+                                          <p:stCondLst>
+                                            <p:cond delay="0"/>
+                                          </p:stCondLst>
+                                        </p:cTn>
+                                        <p:tgtEl>
                                           <p:spTgt spid="18"/>
                                         </p:tgtEl>
                                         <p:attrNameLst>
@@ -30655,7 +31099,7 @@
                                     </p:set>
                                     <p:animEffect transition="in" filter="fade">
                                       <p:cBhvr>
-                                        <p:cTn id="79" dur="1000"/>
+                                        <p:cTn id="89" dur="1000"/>
                                         <p:tgtEl>
                                           <p:spTgt spid="18"/>
                                         </p:tgtEl>
@@ -30663,7 +31107,7 @@
                                     </p:animEffect>
                                     <p:anim calcmode="lin" valueType="num">
                                       <p:cBhvr>
-                                        <p:cTn id="80" dur="1000" fill="hold"/>
+                                        <p:cTn id="90" dur="1000" fill="hold"/>
                                         <p:tgtEl>
                                           <p:spTgt spid="18"/>
                                         </p:tgtEl>
@@ -30686,171 +31130,9 @@
                                     </p:anim>
                                     <p:anim calcmode="lin" valueType="num">
                                       <p:cBhvr>
-                                        <p:cTn id="81" dur="1000" fill="hold"/>
+                                        <p:cTn id="91" dur="1000" fill="hold"/>
                                         <p:tgtEl>
                                           <p:spTgt spid="18"/>
-                                        </p:tgtEl>
-                                        <p:attrNameLst>
-                                          <p:attrName>ppt_y</p:attrName>
-                                        </p:attrNameLst>
-                                      </p:cBhvr>
-                                      <p:tavLst>
-                                        <p:tav tm="0">
-                                          <p:val>
-                                            <p:strVal val="#ppt_y+.1"/>
-                                          </p:val>
-                                        </p:tav>
-                                        <p:tav tm="100000">
-                                          <p:val>
-                                            <p:strVal val="#ppt_y"/>
-                                          </p:val>
-                                        </p:tav>
-                                      </p:tavLst>
-                                    </p:anim>
-                                  </p:childTnLst>
-                                </p:cTn>
-                              </p:par>
-                              <p:par>
-                                <p:cTn id="82" presetID="42" presetClass="entr" presetSubtype="0" fill="hold" grpId="0" nodeType="withEffect">
-                                  <p:stCondLst>
-                                    <p:cond delay="0"/>
-                                  </p:stCondLst>
-                                  <p:childTnLst>
-                                    <p:set>
-                                      <p:cBhvr>
-                                        <p:cTn id="83" dur="1" fill="hold">
-                                          <p:stCondLst>
-                                            <p:cond delay="0"/>
-                                          </p:stCondLst>
-                                        </p:cTn>
-                                        <p:tgtEl>
-                                          <p:spTgt spid="19"/>
-                                        </p:tgtEl>
-                                        <p:attrNameLst>
-                                          <p:attrName>style.visibility</p:attrName>
-                                        </p:attrNameLst>
-                                      </p:cBhvr>
-                                      <p:to>
-                                        <p:strVal val="visible"/>
-                                      </p:to>
-                                    </p:set>
-                                    <p:animEffect transition="in" filter="fade">
-                                      <p:cBhvr>
-                                        <p:cTn id="84" dur="1000"/>
-                                        <p:tgtEl>
-                                          <p:spTgt spid="19"/>
-                                        </p:tgtEl>
-                                      </p:cBhvr>
-                                    </p:animEffect>
-                                    <p:anim calcmode="lin" valueType="num">
-                                      <p:cBhvr>
-                                        <p:cTn id="85" dur="1000" fill="hold"/>
-                                        <p:tgtEl>
-                                          <p:spTgt spid="19"/>
-                                        </p:tgtEl>
-                                        <p:attrNameLst>
-                                          <p:attrName>ppt_x</p:attrName>
-                                        </p:attrNameLst>
-                                      </p:cBhvr>
-                                      <p:tavLst>
-                                        <p:tav tm="0">
-                                          <p:val>
-                                            <p:strVal val="#ppt_x"/>
-                                          </p:val>
-                                        </p:tav>
-                                        <p:tav tm="100000">
-                                          <p:val>
-                                            <p:strVal val="#ppt_x"/>
-                                          </p:val>
-                                        </p:tav>
-                                      </p:tavLst>
-                                    </p:anim>
-                                    <p:anim calcmode="lin" valueType="num">
-                                      <p:cBhvr>
-                                        <p:cTn id="86" dur="1000" fill="hold"/>
-                                        <p:tgtEl>
-                                          <p:spTgt spid="19"/>
-                                        </p:tgtEl>
-                                        <p:attrNameLst>
-                                          <p:attrName>ppt_y</p:attrName>
-                                        </p:attrNameLst>
-                                      </p:cBhvr>
-                                      <p:tavLst>
-                                        <p:tav tm="0">
-                                          <p:val>
-                                            <p:strVal val="#ppt_y+.1"/>
-                                          </p:val>
-                                        </p:tav>
-                                        <p:tav tm="100000">
-                                          <p:val>
-                                            <p:strVal val="#ppt_y"/>
-                                          </p:val>
-                                        </p:tav>
-                                      </p:tavLst>
-                                    </p:anim>
-                                  </p:childTnLst>
-                                </p:cTn>
-                              </p:par>
-                              <p:par>
-                                <p:cTn id="87" presetID="42" presetClass="entr" presetSubtype="0" fill="hold" grpId="0" nodeType="withEffect">
-                                  <p:stCondLst>
-                                    <p:cond delay="0"/>
-                                  </p:stCondLst>
-                                  <p:childTnLst>
-                                    <p:set>
-                                      <p:cBhvr>
-                                        <p:cTn id="88" dur="1" fill="hold">
-                                          <p:stCondLst>
-                                            <p:cond delay="0"/>
-                                          </p:stCondLst>
-                                        </p:cTn>
-                                        <p:tgtEl>
-                                          <p:spTgt spid="20"/>
-                                        </p:tgtEl>
-                                        <p:attrNameLst>
-                                          <p:attrName>style.visibility</p:attrName>
-                                        </p:attrNameLst>
-                                      </p:cBhvr>
-                                      <p:to>
-                                        <p:strVal val="visible"/>
-                                      </p:to>
-                                    </p:set>
-                                    <p:animEffect transition="in" filter="fade">
-                                      <p:cBhvr>
-                                        <p:cTn id="89" dur="1000"/>
-                                        <p:tgtEl>
-                                          <p:spTgt spid="20"/>
-                                        </p:tgtEl>
-                                      </p:cBhvr>
-                                    </p:animEffect>
-                                    <p:anim calcmode="lin" valueType="num">
-                                      <p:cBhvr>
-                                        <p:cTn id="90" dur="1000" fill="hold"/>
-                                        <p:tgtEl>
-                                          <p:spTgt spid="20"/>
-                                        </p:tgtEl>
-                                        <p:attrNameLst>
-                                          <p:attrName>ppt_x</p:attrName>
-                                        </p:attrNameLst>
-                                      </p:cBhvr>
-                                      <p:tavLst>
-                                        <p:tav tm="0">
-                                          <p:val>
-                                            <p:strVal val="#ppt_x"/>
-                                          </p:val>
-                                        </p:tav>
-                                        <p:tav tm="100000">
-                                          <p:val>
-                                            <p:strVal val="#ppt_x"/>
-                                          </p:val>
-                                        </p:tav>
-                                      </p:tavLst>
-                                    </p:anim>
-                                    <p:anim calcmode="lin" valueType="num">
-                                      <p:cBhvr>
-                                        <p:cTn id="91" dur="1000" fill="hold"/>
-                                        <p:tgtEl>
-                                          <p:spTgt spid="20"/>
                                         </p:tgtEl>
                                         <p:attrNameLst>
                                           <p:attrName>ppt_y</p:attrName>
@@ -30886,7 +31168,7 @@
                                           </p:stCondLst>
                                         </p:cTn>
                                         <p:tgtEl>
-                                          <p:spTgt spid="21"/>
+                                          <p:spTgt spid="19"/>
                                         </p:tgtEl>
                                         <p:attrNameLst>
                                           <p:attrName>style.visibility</p:attrName>
@@ -30900,7 +31182,7 @@
                                       <p:cBhvr>
                                         <p:cTn id="94" dur="1000"/>
                                         <p:tgtEl>
-                                          <p:spTgt spid="21"/>
+                                          <p:spTgt spid="19"/>
                                         </p:tgtEl>
                                       </p:cBhvr>
                                     </p:animEffect>
@@ -30908,7 +31190,7 @@
                                       <p:cBhvr>
                                         <p:cTn id="95" dur="1000" fill="hold"/>
                                         <p:tgtEl>
-                                          <p:spTgt spid="21"/>
+                                          <p:spTgt spid="19"/>
                                         </p:tgtEl>
                                         <p:attrNameLst>
                                           <p:attrName>ppt_x</p:attrName>
@@ -30931,7 +31213,7 @@
                                       <p:cBhvr>
                                         <p:cTn id="96" dur="1000" fill="hold"/>
                                         <p:tgtEl>
-                                          <p:spTgt spid="21"/>
+                                          <p:spTgt spid="19"/>
                                         </p:tgtEl>
                                         <p:attrNameLst>
                                           <p:attrName>ppt_y</p:attrName>
@@ -30967,7 +31249,7 @@
                                           </p:stCondLst>
                                         </p:cTn>
                                         <p:tgtEl>
-                                          <p:spTgt spid="22"/>
+                                          <p:spTgt spid="20"/>
                                         </p:tgtEl>
                                         <p:attrNameLst>
                                           <p:attrName>style.visibility</p:attrName>
@@ -30981,7 +31263,7 @@
                                       <p:cBhvr>
                                         <p:cTn id="99" dur="1000"/>
                                         <p:tgtEl>
-                                          <p:spTgt spid="22"/>
+                                          <p:spTgt spid="20"/>
                                         </p:tgtEl>
                                       </p:cBhvr>
                                     </p:animEffect>
@@ -30989,7 +31271,7 @@
                                       <p:cBhvr>
                                         <p:cTn id="100" dur="1000" fill="hold"/>
                                         <p:tgtEl>
-                                          <p:spTgt spid="22"/>
+                                          <p:spTgt spid="20"/>
                                         </p:tgtEl>
                                         <p:attrNameLst>
                                           <p:attrName>ppt_x</p:attrName>
@@ -31011,6 +31293,168 @@
                                     <p:anim calcmode="lin" valueType="num">
                                       <p:cBhvr>
                                         <p:cTn id="101" dur="1000" fill="hold"/>
+                                        <p:tgtEl>
+                                          <p:spTgt spid="20"/>
+                                        </p:tgtEl>
+                                        <p:attrNameLst>
+                                          <p:attrName>ppt_y</p:attrName>
+                                        </p:attrNameLst>
+                                      </p:cBhvr>
+                                      <p:tavLst>
+                                        <p:tav tm="0">
+                                          <p:val>
+                                            <p:strVal val="#ppt_y+.1"/>
+                                          </p:val>
+                                        </p:tav>
+                                        <p:tav tm="100000">
+                                          <p:val>
+                                            <p:strVal val="#ppt_y"/>
+                                          </p:val>
+                                        </p:tav>
+                                      </p:tavLst>
+                                    </p:anim>
+                                  </p:childTnLst>
+                                </p:cTn>
+                              </p:par>
+                              <p:par>
+                                <p:cTn id="102" presetID="42" presetClass="entr" presetSubtype="0" fill="hold" grpId="0" nodeType="withEffect">
+                                  <p:stCondLst>
+                                    <p:cond delay="0"/>
+                                  </p:stCondLst>
+                                  <p:childTnLst>
+                                    <p:set>
+                                      <p:cBhvr>
+                                        <p:cTn id="103" dur="1" fill="hold">
+                                          <p:stCondLst>
+                                            <p:cond delay="0"/>
+                                          </p:stCondLst>
+                                        </p:cTn>
+                                        <p:tgtEl>
+                                          <p:spTgt spid="21"/>
+                                        </p:tgtEl>
+                                        <p:attrNameLst>
+                                          <p:attrName>style.visibility</p:attrName>
+                                        </p:attrNameLst>
+                                      </p:cBhvr>
+                                      <p:to>
+                                        <p:strVal val="visible"/>
+                                      </p:to>
+                                    </p:set>
+                                    <p:animEffect transition="in" filter="fade">
+                                      <p:cBhvr>
+                                        <p:cTn id="104" dur="1000"/>
+                                        <p:tgtEl>
+                                          <p:spTgt spid="21"/>
+                                        </p:tgtEl>
+                                      </p:cBhvr>
+                                    </p:animEffect>
+                                    <p:anim calcmode="lin" valueType="num">
+                                      <p:cBhvr>
+                                        <p:cTn id="105" dur="1000" fill="hold"/>
+                                        <p:tgtEl>
+                                          <p:spTgt spid="21"/>
+                                        </p:tgtEl>
+                                        <p:attrNameLst>
+                                          <p:attrName>ppt_x</p:attrName>
+                                        </p:attrNameLst>
+                                      </p:cBhvr>
+                                      <p:tavLst>
+                                        <p:tav tm="0">
+                                          <p:val>
+                                            <p:strVal val="#ppt_x"/>
+                                          </p:val>
+                                        </p:tav>
+                                        <p:tav tm="100000">
+                                          <p:val>
+                                            <p:strVal val="#ppt_x"/>
+                                          </p:val>
+                                        </p:tav>
+                                      </p:tavLst>
+                                    </p:anim>
+                                    <p:anim calcmode="lin" valueType="num">
+                                      <p:cBhvr>
+                                        <p:cTn id="106" dur="1000" fill="hold"/>
+                                        <p:tgtEl>
+                                          <p:spTgt spid="21"/>
+                                        </p:tgtEl>
+                                        <p:attrNameLst>
+                                          <p:attrName>ppt_y</p:attrName>
+                                        </p:attrNameLst>
+                                      </p:cBhvr>
+                                      <p:tavLst>
+                                        <p:tav tm="0">
+                                          <p:val>
+                                            <p:strVal val="#ppt_y+.1"/>
+                                          </p:val>
+                                        </p:tav>
+                                        <p:tav tm="100000">
+                                          <p:val>
+                                            <p:strVal val="#ppt_y"/>
+                                          </p:val>
+                                        </p:tav>
+                                      </p:tavLst>
+                                    </p:anim>
+                                  </p:childTnLst>
+                                </p:cTn>
+                              </p:par>
+                              <p:par>
+                                <p:cTn id="107" presetID="42" presetClass="entr" presetSubtype="0" fill="hold" grpId="0" nodeType="withEffect">
+                                  <p:stCondLst>
+                                    <p:cond delay="0"/>
+                                  </p:stCondLst>
+                                  <p:childTnLst>
+                                    <p:set>
+                                      <p:cBhvr>
+                                        <p:cTn id="108" dur="1" fill="hold">
+                                          <p:stCondLst>
+                                            <p:cond delay="0"/>
+                                          </p:stCondLst>
+                                        </p:cTn>
+                                        <p:tgtEl>
+                                          <p:spTgt spid="22"/>
+                                        </p:tgtEl>
+                                        <p:attrNameLst>
+                                          <p:attrName>style.visibility</p:attrName>
+                                        </p:attrNameLst>
+                                      </p:cBhvr>
+                                      <p:to>
+                                        <p:strVal val="visible"/>
+                                      </p:to>
+                                    </p:set>
+                                    <p:animEffect transition="in" filter="fade">
+                                      <p:cBhvr>
+                                        <p:cTn id="109" dur="1000"/>
+                                        <p:tgtEl>
+                                          <p:spTgt spid="22"/>
+                                        </p:tgtEl>
+                                      </p:cBhvr>
+                                    </p:animEffect>
+                                    <p:anim calcmode="lin" valueType="num">
+                                      <p:cBhvr>
+                                        <p:cTn id="110" dur="1000" fill="hold"/>
+                                        <p:tgtEl>
+                                          <p:spTgt spid="22"/>
+                                        </p:tgtEl>
+                                        <p:attrNameLst>
+                                          <p:attrName>ppt_x</p:attrName>
+                                        </p:attrNameLst>
+                                      </p:cBhvr>
+                                      <p:tavLst>
+                                        <p:tav tm="0">
+                                          <p:val>
+                                            <p:strVal val="#ppt_x"/>
+                                          </p:val>
+                                        </p:tav>
+                                        <p:tav tm="100000">
+                                          <p:val>
+                                            <p:strVal val="#ppt_x"/>
+                                          </p:val>
+                                        </p:tav>
+                                      </p:tavLst>
+                                    </p:anim>
+                                    <p:anim calcmode="lin" valueType="num">
+                                      <p:cBhvr>
+                                        <p:cTn id="111" dur="1000" fill="hold"/>
                                         <p:tgtEl>
                                           <p:spTgt spid="22"/>
                                         </p:tgtEl>
@@ -31041,26 +31485,26 @@
                     </p:cTn>
                   </p:par>
                   <p:par>
-                    <p:cTn id="102" fill="hold">
+                    <p:cTn id="112" fill="hold">
                       <p:stCondLst>
                         <p:cond delay="indefinite"/>
                       </p:stCondLst>
                       <p:childTnLst>
                         <p:par>
-                          <p:cTn id="103" fill="hold">
+                          <p:cTn id="113" fill="hold">
                             <p:stCondLst>
                               <p:cond delay="0"/>
                             </p:stCondLst>
                             <p:childTnLst>
                               <p:par>
-                                <p:cTn id="104" presetID="42" presetClass="entr" presetSubtype="0" fill="hold" grpId="0" nodeType="clickEffect">
+                                <p:cTn id="114" presetID="42" presetClass="entr" presetSubtype="0" fill="hold" grpId="0" nodeType="clickEffect">
                                   <p:stCondLst>
                                     <p:cond delay="0"/>
                                   </p:stCondLst>
                                   <p:childTnLst>
                                     <p:set>
                                       <p:cBhvr>
-                                        <p:cTn id="105" dur="1" fill="hold">
+                                        <p:cTn id="115" dur="1" fill="hold">
                                           <p:stCondLst>
                                             <p:cond delay="0"/>
                                           </p:stCondLst>
@@ -31078,7 +31522,7 @@
                                     </p:set>
                                     <p:animEffect transition="in" filter="fade">
                                       <p:cBhvr>
-                                        <p:cTn id="106" dur="1000"/>
+                                        <p:cTn id="116" dur="1000"/>
                                         <p:tgtEl>
                                           <p:spTgt spid="23"/>
                                         </p:tgtEl>
@@ -31086,7 +31530,7 @@
                                     </p:animEffect>
                                     <p:anim calcmode="lin" valueType="num">
                                       <p:cBhvr>
-                                        <p:cTn id="107" dur="1000" fill="hold"/>
+                                        <p:cTn id="117" dur="1000" fill="hold"/>
                                         <p:tgtEl>
                                           <p:spTgt spid="23"/>
                                         </p:tgtEl>
@@ -31109,171 +31553,9 @@
                                     </p:anim>
                                     <p:anim calcmode="lin" valueType="num">
                                       <p:cBhvr>
-                                        <p:cTn id="108" dur="1000" fill="hold"/>
+                                        <p:cTn id="118" dur="1000" fill="hold"/>
                                         <p:tgtEl>
                                           <p:spTgt spid="23"/>
-                                        </p:tgtEl>
-                                        <p:attrNameLst>
-                                          <p:attrName>ppt_y</p:attrName>
-                                        </p:attrNameLst>
-                                      </p:cBhvr>
-                                      <p:tavLst>
-                                        <p:tav tm="0">
-                                          <p:val>
-                                            <p:strVal val="#ppt_y+.1"/>
-                                          </p:val>
-                                        </p:tav>
-                                        <p:tav tm="100000">
-                                          <p:val>
-                                            <p:strVal val="#ppt_y"/>
-                                          </p:val>
-                                        </p:tav>
-                                      </p:tavLst>
-                                    </p:anim>
-                                  </p:childTnLst>
-                                </p:cTn>
-                              </p:par>
-                              <p:par>
-                                <p:cTn id="109" presetID="42" presetClass="entr" presetSubtype="0" fill="hold" grpId="0" nodeType="withEffect">
-                                  <p:stCondLst>
-                                    <p:cond delay="0"/>
-                                  </p:stCondLst>
-                                  <p:childTnLst>
-                                    <p:set>
-                                      <p:cBhvr>
-                                        <p:cTn id="110" dur="1" fill="hold">
-                                          <p:stCondLst>
-                                            <p:cond delay="0"/>
-                                          </p:stCondLst>
-                                        </p:cTn>
-                                        <p:tgtEl>
-                                          <p:spTgt spid="24"/>
-                                        </p:tgtEl>
-                                        <p:attrNameLst>
-                                          <p:attrName>style.visibility</p:attrName>
-                                        </p:attrNameLst>
-                                      </p:cBhvr>
-                                      <p:to>
-                                        <p:strVal val="visible"/>
-                                      </p:to>
-                                    </p:set>
-                                    <p:animEffect transition="in" filter="fade">
-                                      <p:cBhvr>
-                                        <p:cTn id="111" dur="1000"/>
-                                        <p:tgtEl>
-                                          <p:spTgt spid="24"/>
-                                        </p:tgtEl>
-                                      </p:cBhvr>
-                                    </p:animEffect>
-                                    <p:anim calcmode="lin" valueType="num">
-                                      <p:cBhvr>
-                                        <p:cTn id="112" dur="1000" fill="hold"/>
-                                        <p:tgtEl>
-                                          <p:spTgt spid="24"/>
-                                        </p:tgtEl>
-                                        <p:attrNameLst>
-                                          <p:attrName>ppt_x</p:attrName>
-                                        </p:attrNameLst>
-                                      </p:cBhvr>
-                                      <p:tavLst>
-                                        <p:tav tm="0">
-                                          <p:val>
-                                            <p:strVal val="#ppt_x"/>
-                                          </p:val>
-                                        </p:tav>
-                                        <p:tav tm="100000">
-                                          <p:val>
-                                            <p:strVal val="#ppt_x"/>
-                                          </p:val>
-                                        </p:tav>
-                                      </p:tavLst>
-                                    </p:anim>
-                                    <p:anim calcmode="lin" valueType="num">
-                                      <p:cBhvr>
-                                        <p:cTn id="113" dur="1000" fill="hold"/>
-                                        <p:tgtEl>
-                                          <p:spTgt spid="24"/>
-                                        </p:tgtEl>
-                                        <p:attrNameLst>
-                                          <p:attrName>ppt_y</p:attrName>
-                                        </p:attrNameLst>
-                                      </p:cBhvr>
-                                      <p:tavLst>
-                                        <p:tav tm="0">
-                                          <p:val>
-                                            <p:strVal val="#ppt_y+.1"/>
-                                          </p:val>
-                                        </p:tav>
-                                        <p:tav tm="100000">
-                                          <p:val>
-                                            <p:strVal val="#ppt_y"/>
-                                          </p:val>
-                                        </p:tav>
-                                      </p:tavLst>
-                                    </p:anim>
-                                  </p:childTnLst>
-                                </p:cTn>
-                              </p:par>
-                              <p:par>
-                                <p:cTn id="114" presetID="42" presetClass="entr" presetSubtype="0" fill="hold" grpId="0" nodeType="withEffect">
-                                  <p:stCondLst>
-                                    <p:cond delay="0"/>
-                                  </p:stCondLst>
-                                  <p:childTnLst>
-                                    <p:set>
-                                      <p:cBhvr>
-                                        <p:cTn id="115" dur="1" fill="hold">
-                                          <p:stCondLst>
-                                            <p:cond delay="0"/>
-                                          </p:stCondLst>
-                                        </p:cTn>
-                                        <p:tgtEl>
-                                          <p:spTgt spid="25"/>
-                                        </p:tgtEl>
-                                        <p:attrNameLst>
-                                          <p:attrName>style.visibility</p:attrName>
-                                        </p:attrNameLst>
-                                      </p:cBhvr>
-                                      <p:to>
-                                        <p:strVal val="visible"/>
-                                      </p:to>
-                                    </p:set>
-                                    <p:animEffect transition="in" filter="fade">
-                                      <p:cBhvr>
-                                        <p:cTn id="116" dur="1000"/>
-                                        <p:tgtEl>
-                                          <p:spTgt spid="25"/>
-                                        </p:tgtEl>
-                                      </p:cBhvr>
-                                    </p:animEffect>
-                                    <p:anim calcmode="lin" valueType="num">
-                                      <p:cBhvr>
-                                        <p:cTn id="117" dur="1000" fill="hold"/>
-                                        <p:tgtEl>
-                                          <p:spTgt spid="25"/>
-                                        </p:tgtEl>
-                                        <p:attrNameLst>
-                                          <p:attrName>ppt_x</p:attrName>
-                                        </p:attrNameLst>
-                                      </p:cBhvr>
-                                      <p:tavLst>
-                                        <p:tav tm="0">
-                                          <p:val>
-                                            <p:strVal val="#ppt_x"/>
-                                          </p:val>
-                                        </p:tav>
-                                        <p:tav tm="100000">
-                                          <p:val>
-                                            <p:strVal val="#ppt_x"/>
-                                          </p:val>
-                                        </p:tav>
-                                      </p:tavLst>
-                                    </p:anim>
-                                    <p:anim calcmode="lin" valueType="num">
-                                      <p:cBhvr>
-                                        <p:cTn id="118" dur="1000" fill="hold"/>
-                                        <p:tgtEl>
-                                          <p:spTgt spid="25"/>
                                         </p:tgtEl>
                                         <p:attrNameLst>
                                           <p:attrName>ppt_y</p:attrName>
@@ -31309,7 +31591,7 @@
                                           </p:stCondLst>
                                         </p:cTn>
                                         <p:tgtEl>
-                                          <p:spTgt spid="26"/>
+                                          <p:spTgt spid="24"/>
                                         </p:tgtEl>
                                         <p:attrNameLst>
                                           <p:attrName>style.visibility</p:attrName>
@@ -31323,7 +31605,7 @@
                                       <p:cBhvr>
                                         <p:cTn id="121" dur="1000"/>
                                         <p:tgtEl>
-                                          <p:spTgt spid="26"/>
+                                          <p:spTgt spid="24"/>
                                         </p:tgtEl>
                                       </p:cBhvr>
                                     </p:animEffect>
@@ -31331,7 +31613,7 @@
                                       <p:cBhvr>
                                         <p:cTn id="122" dur="1000" fill="hold"/>
                                         <p:tgtEl>
-                                          <p:spTgt spid="26"/>
+                                          <p:spTgt spid="24"/>
                                         </p:tgtEl>
                                         <p:attrNameLst>
                                           <p:attrName>ppt_x</p:attrName>
@@ -31354,7 +31636,7 @@
                                       <p:cBhvr>
                                         <p:cTn id="123" dur="1000" fill="hold"/>
                                         <p:tgtEl>
-                                          <p:spTgt spid="26"/>
+                                          <p:spTgt spid="24"/>
                                         </p:tgtEl>
                                         <p:attrNameLst>
                                           <p:attrName>ppt_y</p:attrName>
@@ -31390,7 +31672,7 @@
                                           </p:stCondLst>
                                         </p:cTn>
                                         <p:tgtEl>
-                                          <p:spTgt spid="27"/>
+                                          <p:spTgt spid="25"/>
                                         </p:tgtEl>
                                         <p:attrNameLst>
                                           <p:attrName>style.visibility</p:attrName>
@@ -31404,7 +31686,7 @@
                                       <p:cBhvr>
                                         <p:cTn id="126" dur="1000"/>
                                         <p:tgtEl>
-                                          <p:spTgt spid="27"/>
+                                          <p:spTgt spid="25"/>
                                         </p:tgtEl>
                                       </p:cBhvr>
                                     </p:animEffect>
@@ -31412,7 +31694,7 @@
                                       <p:cBhvr>
                                         <p:cTn id="127" dur="1000" fill="hold"/>
                                         <p:tgtEl>
-                                          <p:spTgt spid="27"/>
+                                          <p:spTgt spid="25"/>
                                         </p:tgtEl>
                                         <p:attrNameLst>
                                           <p:attrName>ppt_x</p:attrName>
@@ -31434,6 +31716,168 @@
                                     <p:anim calcmode="lin" valueType="num">
                                       <p:cBhvr>
                                         <p:cTn id="128" dur="1000" fill="hold"/>
+                                        <p:tgtEl>
+                                          <p:spTgt spid="25"/>
+                                        </p:tgtEl>
+                                        <p:attrNameLst>
+                                          <p:attrName>ppt_y</p:attrName>
+                                        </p:attrNameLst>
+                                      </p:cBhvr>
+                                      <p:tavLst>
+                                        <p:tav tm="0">
+                                          <p:val>
+                                            <p:strVal val="#ppt_y+.1"/>
+                                          </p:val>
+                                        </p:tav>
+                                        <p:tav tm="100000">
+                                          <p:val>
+                                            <p:strVal val="#ppt_y"/>
+                                          </p:val>
+                                        </p:tav>
+                                      </p:tavLst>
+                                    </p:anim>
+                                  </p:childTnLst>
+                                </p:cTn>
+                              </p:par>
+                              <p:par>
+                                <p:cTn id="129" presetID="42" presetClass="entr" presetSubtype="0" fill="hold" grpId="0" nodeType="withEffect">
+                                  <p:stCondLst>
+                                    <p:cond delay="0"/>
+                                  </p:stCondLst>
+                                  <p:childTnLst>
+                                    <p:set>
+                                      <p:cBhvr>
+                                        <p:cTn id="130" dur="1" fill="hold">
+                                          <p:stCondLst>
+                                            <p:cond delay="0"/>
+                                          </p:stCondLst>
+                                        </p:cTn>
+                                        <p:tgtEl>
+                                          <p:spTgt spid="26"/>
+                                        </p:tgtEl>
+                                        <p:attrNameLst>
+                                          <p:attrName>style.visibility</p:attrName>
+                                        </p:attrNameLst>
+                                      </p:cBhvr>
+                                      <p:to>
+                                        <p:strVal val="visible"/>
+                                      </p:to>
+                                    </p:set>
+                                    <p:animEffect transition="in" filter="fade">
+                                      <p:cBhvr>
+                                        <p:cTn id="131" dur="1000"/>
+                                        <p:tgtEl>
+                                          <p:spTgt spid="26"/>
+                                        </p:tgtEl>
+                                      </p:cBhvr>
+                                    </p:animEffect>
+                                    <p:anim calcmode="lin" valueType="num">
+                                      <p:cBhvr>
+                                        <p:cTn id="132" dur="1000" fill="hold"/>
+                                        <p:tgtEl>
+                                          <p:spTgt spid="26"/>
+                                        </p:tgtEl>
+                                        <p:attrNameLst>
+                                          <p:attrName>ppt_x</p:attrName>
+                                        </p:attrNameLst>
+                                      </p:cBhvr>
+                                      <p:tavLst>
+                                        <p:tav tm="0">
+                                          <p:val>
+                                            <p:strVal val="#ppt_x"/>
+                                          </p:val>
+                                        </p:tav>
+                                        <p:tav tm="100000">
+                                          <p:val>
+                                            <p:strVal val="#ppt_x"/>
+                                          </p:val>
+                                        </p:tav>
+                                      </p:tavLst>
+                                    </p:anim>
+                                    <p:anim calcmode="lin" valueType="num">
+                                      <p:cBhvr>
+                                        <p:cTn id="133" dur="1000" fill="hold"/>
+                                        <p:tgtEl>
+                                          <p:spTgt spid="26"/>
+                                        </p:tgtEl>
+                                        <p:attrNameLst>
+                                          <p:attrName>ppt_y</p:attrName>
+                                        </p:attrNameLst>
+                                      </p:cBhvr>
+                                      <p:tavLst>
+                                        <p:tav tm="0">
+                                          <p:val>
+                                            <p:strVal val="#ppt_y+.1"/>
+                                          </p:val>
+                                        </p:tav>
+                                        <p:tav tm="100000">
+                                          <p:val>
+                                            <p:strVal val="#ppt_y"/>
+                                          </p:val>
+                                        </p:tav>
+                                      </p:tavLst>
+                                    </p:anim>
+                                  </p:childTnLst>
+                                </p:cTn>
+                              </p:par>
+                              <p:par>
+                                <p:cTn id="134" presetID="42" presetClass="entr" presetSubtype="0" fill="hold" grpId="0" nodeType="withEffect">
+                                  <p:stCondLst>
+                                    <p:cond delay="0"/>
+                                  </p:stCondLst>
+                                  <p:childTnLst>
+                                    <p:set>
+                                      <p:cBhvr>
+                                        <p:cTn id="135" dur="1" fill="hold">
+                                          <p:stCondLst>
+                                            <p:cond delay="0"/>
+                                          </p:stCondLst>
+                                        </p:cTn>
+                                        <p:tgtEl>
+                                          <p:spTgt spid="27"/>
+                                        </p:tgtEl>
+                                        <p:attrNameLst>
+                                          <p:attrName>style.visibility</p:attrName>
+                                        </p:attrNameLst>
+                                      </p:cBhvr>
+                                      <p:to>
+                                        <p:strVal val="visible"/>
+                                      </p:to>
+                                    </p:set>
+                                    <p:animEffect transition="in" filter="fade">
+                                      <p:cBhvr>
+                                        <p:cTn id="136" dur="1000"/>
+                                        <p:tgtEl>
+                                          <p:spTgt spid="27"/>
+                                        </p:tgtEl>
+                                      </p:cBhvr>
+                                    </p:animEffect>
+                                    <p:anim calcmode="lin" valueType="num">
+                                      <p:cBhvr>
+                                        <p:cTn id="137" dur="1000" fill="hold"/>
+                                        <p:tgtEl>
+                                          <p:spTgt spid="27"/>
+                                        </p:tgtEl>
+                                        <p:attrNameLst>
+                                          <p:attrName>ppt_x</p:attrName>
+                                        </p:attrNameLst>
+                                      </p:cBhvr>
+                                      <p:tavLst>
+                                        <p:tav tm="0">
+                                          <p:val>
+                                            <p:strVal val="#ppt_x"/>
+                                          </p:val>
+                                        </p:tav>
+                                        <p:tav tm="100000">
+                                          <p:val>
+                                            <p:strVal val="#ppt_x"/>
+                                          </p:val>
+                                        </p:tav>
+                                      </p:tavLst>
+                                    </p:anim>
+                                    <p:anim calcmode="lin" valueType="num">
+                                      <p:cBhvr>
+                                        <p:cTn id="138" dur="1000" fill="hold"/>
                                         <p:tgtEl>
                                           <p:spTgt spid="27"/>
                                         </p:tgtEl>
@@ -31464,26 +31908,26 @@
                     </p:cTn>
                   </p:par>
                   <p:par>
-                    <p:cTn id="129" fill="hold">
+                    <p:cTn id="139" fill="hold">
                       <p:stCondLst>
                         <p:cond delay="indefinite"/>
                       </p:stCondLst>
                       <p:childTnLst>
                         <p:par>
-                          <p:cTn id="130" fill="hold">
+                          <p:cTn id="140" fill="hold">
                             <p:stCondLst>
                               <p:cond delay="0"/>
                             </p:stCondLst>
                             <p:childTnLst>
                               <p:par>
-                                <p:cTn id="131" presetID="22" presetClass="entr" presetSubtype="4" fill="hold" grpId="0" nodeType="clickEffect">
+                                <p:cTn id="141" presetID="22" presetClass="entr" presetSubtype="4" fill="hold" grpId="0" nodeType="clickEffect">
                                   <p:stCondLst>
                                     <p:cond delay="0"/>
                                   </p:stCondLst>
                                   <p:childTnLst>
                                     <p:set>
                                       <p:cBhvr>
-                                        <p:cTn id="132" dur="1" fill="hold">
+                                        <p:cTn id="142" dur="1" fill="hold">
                                           <p:stCondLst>
                                             <p:cond delay="0"/>
                                           </p:stCondLst>
@@ -31501,7 +31945,7 @@
                                     </p:set>
                                     <p:animEffect transition="in" filter="wipe(down)">
                                       <p:cBhvr>
-                                        <p:cTn id="133" dur="500"/>
+                                        <p:cTn id="143" dur="500"/>
                                         <p:tgtEl>
                                           <p:spTgt spid="28"/>
                                         </p:tgtEl>
@@ -31511,14 +31955,14 @@
                                 </p:cTn>
                               </p:par>
                               <p:par>
-                                <p:cTn id="134" presetID="22" presetClass="entr" presetSubtype="4" fill="hold" grpId="0" nodeType="withEffect">
+                                <p:cTn id="144" presetID="22" presetClass="entr" presetSubtype="4" fill="hold" grpId="0" nodeType="withEffect">
                                   <p:stCondLst>
                                     <p:cond delay="0"/>
                                   </p:stCondLst>
                                   <p:childTnLst>
                                     <p:set>
                                       <p:cBhvr>
-                                        <p:cTn id="135" dur="1" fill="hold">
+                                        <p:cTn id="145" dur="1" fill="hold">
                                           <p:stCondLst>
                                             <p:cond delay="0"/>
                                           </p:stCondLst>
@@ -31536,7 +31980,7 @@
                                     </p:set>
                                     <p:animEffect transition="in" filter="wipe(down)">
                                       <p:cBhvr>
-                                        <p:cTn id="136" dur="500"/>
+                                        <p:cTn id="146" dur="500"/>
                                         <p:tgtEl>
                                           <p:spTgt spid="29"/>
                                         </p:tgtEl>
@@ -31552,26 +31996,26 @@
                     </p:cTn>
                   </p:par>
                   <p:par>
-                    <p:cTn id="137" fill="hold">
+                    <p:cTn id="147" fill="hold">
                       <p:stCondLst>
                         <p:cond delay="indefinite"/>
                       </p:stCondLst>
                       <p:childTnLst>
                         <p:par>
-                          <p:cTn id="138" fill="hold">
+                          <p:cTn id="148" fill="hold">
                             <p:stCondLst>
                               <p:cond delay="0"/>
                             </p:stCondLst>
                             <p:childTnLst>
                               <p:par>
-                                <p:cTn id="139" presetID="16" presetClass="entr" presetSubtype="21" fill="hold" grpId="0" nodeType="clickEffect">
+                                <p:cTn id="149" presetID="16" presetClass="entr" presetSubtype="21" fill="hold" grpId="0" nodeType="clickEffect">
                                   <p:stCondLst>
                                     <p:cond delay="0"/>
                                   </p:stCondLst>
                                   <p:childTnLst>
                                     <p:set>
                                       <p:cBhvr>
-                                        <p:cTn id="140" dur="1" fill="hold">
+                                        <p:cTn id="150" dur="1" fill="hold">
                                           <p:stCondLst>
                                             <p:cond delay="0"/>
                                           </p:stCondLst>
@@ -31589,7 +32033,7 @@
                                     </p:set>
                                     <p:animEffect transition="in" filter="barn(inVertical)">
                                       <p:cBhvr>
-                                        <p:cTn id="141" dur="500"/>
+                                        <p:cTn id="151" dur="500"/>
                                         <p:tgtEl>
                                           <p:spTgt spid="44"/>
                                         </p:tgtEl>
@@ -31605,26 +32049,26 @@
                     </p:cTn>
                   </p:par>
                   <p:par>
-                    <p:cTn id="142" fill="hold">
+                    <p:cTn id="152" fill="hold">
                       <p:stCondLst>
                         <p:cond delay="indefinite"/>
                       </p:stCondLst>
                       <p:childTnLst>
                         <p:par>
-                          <p:cTn id="143" fill="hold">
+                          <p:cTn id="153" fill="hold">
                             <p:stCondLst>
                               <p:cond delay="0"/>
                             </p:stCondLst>
                             <p:childTnLst>
                               <p:par>
-                                <p:cTn id="144" presetID="26" presetClass="emph" presetSubtype="0" fill="hold" grpId="1" nodeType="clickEffect">
+                                <p:cTn id="154" presetID="26" presetClass="emph" presetSubtype="0" fill="hold" grpId="1" nodeType="clickEffect">
                                   <p:stCondLst>
                                     <p:cond delay="0"/>
                                   </p:stCondLst>
                                   <p:childTnLst>
                                     <p:animEffect transition="out" filter="fade">
                                       <p:cBhvr>
-                                        <p:cTn id="145" dur="500" tmFilter="0, 0; .2, .5; .8, .5; 1, 0"/>
+                                        <p:cTn id="155" dur="500" tmFilter="0, 0; .2, .5; .8, .5; 1, 0"/>
                                         <p:tgtEl>
                                           <p:spTgt spid="14"/>
                                         </p:tgtEl>
@@ -31632,7 +32076,7 @@
                                     </p:animEffect>
                                     <p:animScale>
                                       <p:cBhvr>
-                                        <p:cTn id="146" dur="250" autoRev="1" fill="hold"/>
+                                        <p:cTn id="156" dur="250" autoRev="1" fill="hold"/>
                                         <p:tgtEl>
                                           <p:spTgt spid="14"/>
                                         </p:tgtEl>
@@ -31643,14 +32087,14 @@
                                 </p:cTn>
                               </p:par>
                               <p:par>
-                                <p:cTn id="147" presetID="26" presetClass="emph" presetSubtype="0" fill="hold" grpId="1" nodeType="withEffect">
+                                <p:cTn id="157" presetID="26" presetClass="emph" presetSubtype="0" fill="hold" grpId="1" nodeType="withEffect">
                                   <p:stCondLst>
                                     <p:cond delay="0"/>
                                   </p:stCondLst>
                                   <p:childTnLst>
                                     <p:animEffect transition="out" filter="fade">
                                       <p:cBhvr>
-                                        <p:cTn id="148" dur="500" tmFilter="0, 0; .2, .5; .8, .5; 1, 0"/>
+                                        <p:cTn id="158" dur="500" tmFilter="0, 0; .2, .5; .8, .5; 1, 0"/>
                                         <p:tgtEl>
                                           <p:spTgt spid="19"/>
                                         </p:tgtEl>
@@ -31658,7 +32102,7 @@
                                     </p:animEffect>
                                     <p:animScale>
                                       <p:cBhvr>
-                                        <p:cTn id="149" dur="250" autoRev="1" fill="hold"/>
+                                        <p:cTn id="159" dur="250" autoRev="1" fill="hold"/>
                                         <p:tgtEl>
                                           <p:spTgt spid="19"/>
                                         </p:tgtEl>
@@ -31669,14 +32113,14 @@
                                 </p:cTn>
                               </p:par>
                               <p:par>
-                                <p:cTn id="150" presetID="26" presetClass="emph" presetSubtype="0" fill="hold" grpId="1" nodeType="withEffect">
+                                <p:cTn id="160" presetID="26" presetClass="emph" presetSubtype="0" fill="hold" grpId="1" nodeType="withEffect">
                                   <p:stCondLst>
                                     <p:cond delay="0"/>
                                   </p:stCondLst>
                                   <p:childTnLst>
                                     <p:animEffect transition="out" filter="fade">
                                       <p:cBhvr>
-                                        <p:cTn id="151" dur="500" tmFilter="0, 0; .2, .5; .8, .5; 1, 0"/>
+                                        <p:cTn id="161" dur="500" tmFilter="0, 0; .2, .5; .8, .5; 1, 0"/>
                                         <p:tgtEl>
                                           <p:spTgt spid="24"/>
                                         </p:tgtEl>
@@ -31684,7 +32128,7 @@
                                     </p:animEffect>
                                     <p:animScale>
                                       <p:cBhvr>
-                                        <p:cTn id="152" dur="250" autoRev="1" fill="hold"/>
+                                        <p:cTn id="162" dur="250" autoRev="1" fill="hold"/>
                                         <p:tgtEl>
                                           <p:spTgt spid="24"/>
                                         </p:tgtEl>
@@ -31701,26 +32145,26 @@
                     </p:cTn>
                   </p:par>
                   <p:par>
-                    <p:cTn id="153" fill="hold">
+                    <p:cTn id="163" fill="hold">
                       <p:stCondLst>
                         <p:cond delay="indefinite"/>
                       </p:stCondLst>
                       <p:childTnLst>
                         <p:par>
-                          <p:cTn id="154" fill="hold">
+                          <p:cTn id="164" fill="hold">
                             <p:stCondLst>
                               <p:cond delay="0"/>
                             </p:stCondLst>
                             <p:childTnLst>
                               <p:par>
-                                <p:cTn id="155" presetID="16" presetClass="exit" presetSubtype="21" fill="hold" grpId="1" nodeType="clickEffect">
+                                <p:cTn id="165" presetID="16" presetClass="exit" presetSubtype="21" fill="hold" grpId="1" nodeType="clickEffect">
                                   <p:stCondLst>
                                     <p:cond delay="0"/>
                                   </p:stCondLst>
                                   <p:childTnLst>
                                     <p:animEffect transition="out" filter="barn(inVertical)">
                                       <p:cBhvr>
-                                        <p:cTn id="156" dur="500"/>
+                                        <p:cTn id="166" dur="500"/>
                                         <p:tgtEl>
                                           <p:spTgt spid="44"/>
                                         </p:tgtEl>
@@ -31728,7 +32172,7 @@
                                     </p:animEffect>
                                     <p:set>
                                       <p:cBhvr>
-                                        <p:cTn id="157" dur="1" fill="hold">
+                                        <p:cTn id="167" dur="1" fill="hold">
                                           <p:stCondLst>
                                             <p:cond delay="499"/>
                                           </p:stCondLst>
@@ -31754,26 +32198,26 @@
                     </p:cTn>
                   </p:par>
                   <p:par>
-                    <p:cTn id="158" fill="hold">
+                    <p:cTn id="168" fill="hold">
                       <p:stCondLst>
                         <p:cond delay="indefinite"/>
                       </p:stCondLst>
                       <p:childTnLst>
                         <p:par>
-                          <p:cTn id="159" fill="hold">
+                          <p:cTn id="169" fill="hold">
                             <p:stCondLst>
                               <p:cond delay="0"/>
                             </p:stCondLst>
                             <p:childTnLst>
                               <p:par>
-                                <p:cTn id="160" presetID="22" presetClass="entr" presetSubtype="4" fill="hold" grpId="0" nodeType="clickEffect">
+                                <p:cTn id="170" presetID="22" presetClass="entr" presetSubtype="4" fill="hold" grpId="0" nodeType="clickEffect">
                                   <p:stCondLst>
                                     <p:cond delay="0"/>
                                   </p:stCondLst>
                                   <p:childTnLst>
                                     <p:set>
                                       <p:cBhvr>
-                                        <p:cTn id="161" dur="1" fill="hold">
+                                        <p:cTn id="171" dur="1" fill="hold">
                                           <p:stCondLst>
                                             <p:cond delay="0"/>
                                           </p:stCondLst>
@@ -31791,7 +32235,7 @@
                                     </p:set>
                                     <p:animEffect transition="in" filter="wipe(down)">
                                       <p:cBhvr>
-                                        <p:cTn id="162" dur="500"/>
+                                        <p:cTn id="172" dur="500"/>
                                         <p:tgtEl>
                                           <p:spTgt spid="30"/>
                                         </p:tgtEl>
@@ -31801,14 +32245,14 @@
                                 </p:cTn>
                               </p:par>
                               <p:par>
-                                <p:cTn id="163" presetID="22" presetClass="entr" presetSubtype="4" fill="hold" grpId="0" nodeType="withEffect">
+                                <p:cTn id="173" presetID="22" presetClass="entr" presetSubtype="4" fill="hold" grpId="0" nodeType="withEffect">
                                   <p:stCondLst>
                                     <p:cond delay="0"/>
                                   </p:stCondLst>
                                   <p:childTnLst>
                                     <p:set>
                                       <p:cBhvr>
-                                        <p:cTn id="164" dur="1" fill="hold">
+                                        <p:cTn id="174" dur="1" fill="hold">
                                           <p:stCondLst>
                                             <p:cond delay="0"/>
                                           </p:stCondLst>
@@ -31826,7 +32270,7 @@
                                     </p:set>
                                     <p:animEffect transition="in" filter="wipe(down)">
                                       <p:cBhvr>
-                                        <p:cTn id="165" dur="500"/>
+                                        <p:cTn id="175" dur="500"/>
                                         <p:tgtEl>
                                           <p:spTgt spid="31"/>
                                         </p:tgtEl>
@@ -31842,26 +32286,26 @@
                     </p:cTn>
                   </p:par>
                   <p:par>
-                    <p:cTn id="166" fill="hold">
+                    <p:cTn id="176" fill="hold">
                       <p:stCondLst>
                         <p:cond delay="indefinite"/>
                       </p:stCondLst>
                       <p:childTnLst>
                         <p:par>
-                          <p:cTn id="167" fill="hold">
+                          <p:cTn id="177" fill="hold">
                             <p:stCondLst>
                               <p:cond delay="0"/>
                             </p:stCondLst>
                             <p:childTnLst>
                               <p:par>
-                                <p:cTn id="168" presetID="22" presetClass="entr" presetSubtype="4" fill="hold" grpId="0" nodeType="clickEffect">
+                                <p:cTn id="178" presetID="22" presetClass="entr" presetSubtype="4" fill="hold" grpId="0" nodeType="clickEffect">
                                   <p:stCondLst>
                                     <p:cond delay="0"/>
                                   </p:stCondLst>
                                   <p:childTnLst>
                                     <p:set>
                                       <p:cBhvr>
-                                        <p:cTn id="169" dur="1" fill="hold">
+                                        <p:cTn id="179" dur="1" fill="hold">
                                           <p:stCondLst>
                                             <p:cond delay="0"/>
                                           </p:stCondLst>
@@ -31879,7 +32323,7 @@
                                     </p:set>
                                     <p:animEffect transition="in" filter="wipe(down)">
                                       <p:cBhvr>
-                                        <p:cTn id="170" dur="500"/>
+                                        <p:cTn id="180" dur="500"/>
                                         <p:tgtEl>
                                           <p:spTgt spid="32"/>
                                         </p:tgtEl>
@@ -31889,14 +32333,14 @@
                                 </p:cTn>
                               </p:par>
                               <p:par>
-                                <p:cTn id="171" presetID="22" presetClass="entr" presetSubtype="4" fill="hold" grpId="0" nodeType="withEffect">
+                                <p:cTn id="181" presetID="22" presetClass="entr" presetSubtype="4" fill="hold" grpId="0" nodeType="withEffect">
                                   <p:stCondLst>
                                     <p:cond delay="0"/>
                                   </p:stCondLst>
                                   <p:childTnLst>
                                     <p:set>
                                       <p:cBhvr>
-                                        <p:cTn id="172" dur="1" fill="hold">
+                                        <p:cTn id="182" dur="1" fill="hold">
                                           <p:stCondLst>
                                             <p:cond delay="0"/>
                                           </p:stCondLst>
@@ -31914,7 +32358,7 @@
                                     </p:set>
                                     <p:animEffect transition="in" filter="wipe(down)">
                                       <p:cBhvr>
-                                        <p:cTn id="173" dur="500"/>
+                                        <p:cTn id="183" dur="500"/>
                                         <p:tgtEl>
                                           <p:spTgt spid="33"/>
                                         </p:tgtEl>
@@ -31930,26 +32374,26 @@
                     </p:cTn>
                   </p:par>
                   <p:par>
-                    <p:cTn id="174" fill="hold">
+                    <p:cTn id="184" fill="hold">
                       <p:stCondLst>
                         <p:cond delay="indefinite"/>
                       </p:stCondLst>
                       <p:childTnLst>
                         <p:par>
-                          <p:cTn id="175" fill="hold">
+                          <p:cTn id="185" fill="hold">
                             <p:stCondLst>
                               <p:cond delay="0"/>
                             </p:stCondLst>
                             <p:childTnLst>
                               <p:par>
-                                <p:cTn id="176" presetID="22" presetClass="entr" presetSubtype="4" fill="hold" grpId="0" nodeType="clickEffect">
+                                <p:cTn id="186" presetID="22" presetClass="entr" presetSubtype="4" fill="hold" grpId="0" nodeType="clickEffect">
                                   <p:stCondLst>
                                     <p:cond delay="0"/>
                                   </p:stCondLst>
                                   <p:childTnLst>
                                     <p:set>
                                       <p:cBhvr>
-                                        <p:cTn id="177" dur="1" fill="hold">
+                                        <p:cTn id="187" dur="1" fill="hold">
                                           <p:stCondLst>
                                             <p:cond delay="0"/>
                                           </p:stCondLst>
@@ -31967,7 +32411,7 @@
                                     </p:set>
                                     <p:animEffect transition="in" filter="wipe(down)">
                                       <p:cBhvr>
-                                        <p:cTn id="178" dur="500"/>
+                                        <p:cTn id="188" dur="500"/>
                                         <p:tgtEl>
                                           <p:spTgt spid="34"/>
                                         </p:tgtEl>
@@ -31977,14 +32421,14 @@
                                 </p:cTn>
                               </p:par>
                               <p:par>
-                                <p:cTn id="179" presetID="22" presetClass="entr" presetSubtype="4" fill="hold" grpId="0" nodeType="withEffect">
+                                <p:cTn id="189" presetID="22" presetClass="entr" presetSubtype="4" fill="hold" grpId="0" nodeType="withEffect">
                                   <p:stCondLst>
                                     <p:cond delay="0"/>
                                   </p:stCondLst>
                                   <p:childTnLst>
                                     <p:set>
                                       <p:cBhvr>
-                                        <p:cTn id="180" dur="1" fill="hold">
+                                        <p:cTn id="190" dur="1" fill="hold">
                                           <p:stCondLst>
                                             <p:cond delay="0"/>
                                           </p:stCondLst>
@@ -32002,7 +32446,7 @@
                                     </p:set>
                                     <p:animEffect transition="in" filter="wipe(down)">
                                       <p:cBhvr>
-                                        <p:cTn id="181" dur="500"/>
+                                        <p:cTn id="191" dur="500"/>
                                         <p:tgtEl>
                                           <p:spTgt spid="35"/>
                                         </p:tgtEl>
@@ -32018,26 +32462,26 @@
                     </p:cTn>
                   </p:par>
                   <p:par>
-                    <p:cTn id="182" fill="hold">
+                    <p:cTn id="192" fill="hold">
                       <p:stCondLst>
                         <p:cond delay="indefinite"/>
                       </p:stCondLst>
                       <p:childTnLst>
                         <p:par>
-                          <p:cTn id="183" fill="hold">
+                          <p:cTn id="193" fill="hold">
                             <p:stCondLst>
                               <p:cond delay="0"/>
                             </p:stCondLst>
                             <p:childTnLst>
                               <p:par>
-                                <p:cTn id="184" presetID="16" presetClass="entr" presetSubtype="21" fill="hold" grpId="0" nodeType="clickEffect">
+                                <p:cTn id="194" presetID="16" presetClass="entr" presetSubtype="21" fill="hold" grpId="0" nodeType="clickEffect">
                                   <p:stCondLst>
                                     <p:cond delay="0"/>
                                   </p:stCondLst>
                                   <p:childTnLst>
                                     <p:set>
                                       <p:cBhvr>
-                                        <p:cTn id="185" dur="1" fill="hold">
+                                        <p:cTn id="195" dur="1" fill="hold">
                                           <p:stCondLst>
                                             <p:cond delay="0"/>
                                           </p:stCondLst>
@@ -32055,7 +32499,7 @@
                                     </p:set>
                                     <p:animEffect transition="in" filter="barn(inVertical)">
                                       <p:cBhvr>
-                                        <p:cTn id="186" dur="500"/>
+                                        <p:cTn id="196" dur="500"/>
                                         <p:tgtEl>
                                           <p:spTgt spid="41"/>
                                         </p:tgtEl>
@@ -32065,14 +32509,14 @@
                                 </p:cTn>
                               </p:par>
                               <p:par>
-                                <p:cTn id="187" presetID="16" presetClass="entr" presetSubtype="21" fill="hold" grpId="0" nodeType="withEffect">
+                                <p:cTn id="197" presetID="16" presetClass="entr" presetSubtype="21" fill="hold" grpId="0" nodeType="withEffect">
                                   <p:stCondLst>
                                     <p:cond delay="0"/>
                                   </p:stCondLst>
                                   <p:childTnLst>
                                     <p:set>
                                       <p:cBhvr>
-                                        <p:cTn id="188" dur="1" fill="hold">
+                                        <p:cTn id="198" dur="1" fill="hold">
                                           <p:stCondLst>
                                             <p:cond delay="0"/>
                                           </p:stCondLst>
@@ -32090,7 +32534,7 @@
                                     </p:set>
                                     <p:animEffect transition="in" filter="barn(inVertical)">
                                       <p:cBhvr>
-                                        <p:cTn id="189" dur="500"/>
+                                        <p:cTn id="199" dur="500"/>
                                         <p:tgtEl>
                                           <p:spTgt spid="43"/>
                                         </p:tgtEl>
@@ -32100,14 +32544,14 @@
                                 </p:cTn>
                               </p:par>
                               <p:par>
-                                <p:cTn id="190" presetID="16" presetClass="entr" presetSubtype="21" fill="hold" grpId="0" nodeType="withEffect">
+                                <p:cTn id="200" presetID="16" presetClass="entr" presetSubtype="21" fill="hold" grpId="0" nodeType="withEffect">
                                   <p:stCondLst>
                                     <p:cond delay="0"/>
                                   </p:stCondLst>
                                   <p:childTnLst>
                                     <p:set>
                                       <p:cBhvr>
-                                        <p:cTn id="191" dur="1" fill="hold">
+                                        <p:cTn id="201" dur="1" fill="hold">
                                           <p:stCondLst>
                                             <p:cond delay="0"/>
                                           </p:stCondLst>
@@ -32125,7 +32569,7 @@
                                     </p:set>
                                     <p:animEffect transition="in" filter="barn(inVertical)">
                                       <p:cBhvr>
-                                        <p:cTn id="192" dur="500"/>
+                                        <p:cTn id="202" dur="500"/>
                                         <p:tgtEl>
                                           <p:spTgt spid="38"/>
                                         </p:tgtEl>
@@ -32135,14 +32579,14 @@
                                 </p:cTn>
                               </p:par>
                               <p:par>
-                                <p:cTn id="193" presetID="16" presetClass="entr" presetSubtype="21" fill="hold" grpId="0" nodeType="withEffect">
+                                <p:cTn id="203" presetID="16" presetClass="entr" presetSubtype="21" fill="hold" grpId="0" nodeType="withEffect">
                                   <p:stCondLst>
                                     <p:cond delay="0"/>
                                   </p:stCondLst>
                                   <p:childTnLst>
                                     <p:set>
                                       <p:cBhvr>
-                                        <p:cTn id="194" dur="1" fill="hold">
+                                        <p:cTn id="204" dur="1" fill="hold">
                                           <p:stCondLst>
                                             <p:cond delay="0"/>
                                           </p:stCondLst>
@@ -32160,7 +32604,7 @@
                                     </p:set>
                                     <p:animEffect transition="in" filter="barn(inVertical)">
                                       <p:cBhvr>
-                                        <p:cTn id="195" dur="500"/>
+                                        <p:cTn id="205" dur="500"/>
                                         <p:tgtEl>
                                           <p:spTgt spid="39"/>
                                         </p:tgtEl>
@@ -32170,14 +32614,14 @@
                                 </p:cTn>
                               </p:par>
                               <p:par>
-                                <p:cTn id="196" presetID="16" presetClass="entr" presetSubtype="21" fill="hold" grpId="0" nodeType="withEffect">
+                                <p:cTn id="206" presetID="16" presetClass="entr" presetSubtype="21" fill="hold" grpId="0" nodeType="withEffect">
                                   <p:stCondLst>
                                     <p:cond delay="0"/>
                                   </p:stCondLst>
                                   <p:childTnLst>
                                     <p:set>
                                       <p:cBhvr>
-                                        <p:cTn id="197" dur="1" fill="hold">
+                                        <p:cTn id="207" dur="1" fill="hold">
                                           <p:stCondLst>
                                             <p:cond delay="0"/>
                                           </p:stCondLst>
@@ -32195,9 +32639,149 @@
                                     </p:set>
                                     <p:animEffect transition="in" filter="barn(inVertical)">
                                       <p:cBhvr>
-                                        <p:cTn id="198" dur="500"/>
+                                        <p:cTn id="208" dur="500"/>
                                         <p:tgtEl>
                                           <p:spTgt spid="40"/>
+                                        </p:tgtEl>
+                                      </p:cBhvr>
+                                    </p:animEffect>
+                                  </p:childTnLst>
+                                </p:cTn>
+                              </p:par>
+                              <p:par>
+                                <p:cTn id="209" presetID="22" presetClass="entr" presetSubtype="4" fill="hold" grpId="0" nodeType="withEffect">
+                                  <p:stCondLst>
+                                    <p:cond delay="0"/>
+                                  </p:stCondLst>
+                                  <p:childTnLst>
+                                    <p:set>
+                                      <p:cBhvr>
+                                        <p:cTn id="210" dur="1" fill="hold">
+                                          <p:stCondLst>
+                                            <p:cond delay="0"/>
+                                          </p:stCondLst>
+                                        </p:cTn>
+                                        <p:tgtEl>
+                                          <p:spTgt spid="48"/>
+                                        </p:tgtEl>
+                                        <p:attrNameLst>
+                                          <p:attrName>style.visibility</p:attrName>
+                                        </p:attrNameLst>
+                                      </p:cBhvr>
+                                      <p:to>
+                                        <p:strVal val="visible"/>
+                                      </p:to>
+                                    </p:set>
+                                    <p:animEffect transition="in" filter="wipe(down)">
+                                      <p:cBhvr>
+                                        <p:cTn id="211" dur="500"/>
+                                        <p:tgtEl>
+                                          <p:spTgt spid="48"/>
+                                        </p:tgtEl>
+                                      </p:cBhvr>
+                                    </p:animEffect>
+                                  </p:childTnLst>
+                                </p:cTn>
+                              </p:par>
+                              <p:par>
+                                <p:cTn id="212" presetID="22" presetClass="entr" presetSubtype="4" fill="hold" grpId="0" nodeType="withEffect">
+                                  <p:stCondLst>
+                                    <p:cond delay="0"/>
+                                  </p:stCondLst>
+                                  <p:childTnLst>
+                                    <p:set>
+                                      <p:cBhvr>
+                                        <p:cTn id="213" dur="1" fill="hold">
+                                          <p:stCondLst>
+                                            <p:cond delay="0"/>
+                                          </p:stCondLst>
+                                        </p:cTn>
+                                        <p:tgtEl>
+                                          <p:spTgt spid="6"/>
+                                        </p:tgtEl>
+                                        <p:attrNameLst>
+                                          <p:attrName>style.visibility</p:attrName>
+                                        </p:attrNameLst>
+                                      </p:cBhvr>
+                                      <p:to>
+                                        <p:strVal val="visible"/>
+                                      </p:to>
+                                    </p:set>
+                                    <p:animEffect transition="in" filter="wipe(down)">
+                                      <p:cBhvr>
+                                        <p:cTn id="214" dur="500"/>
+                                        <p:tgtEl>
+                                          <p:spTgt spid="6"/>
+                                        </p:tgtEl>
+                                      </p:cBhvr>
+                                    </p:animEffect>
+                                  </p:childTnLst>
+                                </p:cTn>
+                              </p:par>
+                              <p:par>
+                                <p:cTn id="215" presetID="22" presetClass="entr" presetSubtype="4" fill="hold" grpId="0" nodeType="withEffect">
+                                  <p:stCondLst>
+                                    <p:cond delay="0"/>
+                                  </p:stCondLst>
+                                  <p:childTnLst>
+                                    <p:set>
+                                      <p:cBhvr>
+                                        <p:cTn id="216" dur="1" fill="hold">
+                                          <p:stCondLst>
+                                            <p:cond delay="0"/>
+                                          </p:stCondLst>
+                                        </p:cTn>
+                                        <p:tgtEl>
+                                          <p:spTgt spid="5"/>
+                                        </p:tgtEl>
+                                        <p:attrNameLst>
+                                          <p:attrName>style.visibility</p:attrName>
+                                        </p:attrNameLst>
+                                      </p:cBhvr>
+                                      <p:to>
+                                        <p:strVal val="visible"/>
+                                      </p:to>
+                                    </p:set>
+                                    <p:animEffect transition="in" filter="wipe(down)">
+                                      <p:cBhvr>
+                                        <p:cTn id="217" dur="500"/>
+                                        <p:tgtEl>
+                                          <p:spTgt spid="5"/>
+                                        </p:tgtEl>
+                                      </p:cBhvr>
+                                    </p:animEffect>
+                                  </p:childTnLst>
+                                </p:cTn>
+                              </p:par>
+                              <p:par>
+                                <p:cTn id="218" presetID="22" presetClass="entr" presetSubtype="4" fill="hold" grpId="0" nodeType="withEffect">
+                                  <p:stCondLst>
+                                    <p:cond delay="0"/>
+                                  </p:stCondLst>
+                                  <p:childTnLst>
+                                    <p:set>
+                                      <p:cBhvr>
+                                        <p:cTn id="219" dur="1" fill="hold">
+                                          <p:stCondLst>
+                                            <p:cond delay="0"/>
+                                          </p:stCondLst>
+                                        </p:cTn>
+                                        <p:tgtEl>
+                                          <p:spTgt spid="3"/>
+                                        </p:tgtEl>
+                                        <p:attrNameLst>
+                                          <p:attrName>style.visibility</p:attrName>
+                                        </p:attrNameLst>
+                                      </p:cBhvr>
+                                      <p:to>
+                                        <p:strVal val="visible"/>
+                                      </p:to>
+                                    </p:set>
+                                    <p:animEffect transition="in" filter="wipe(down)">
+                                      <p:cBhvr>
+                                        <p:cTn id="220" dur="500"/>
+                                        <p:tgtEl>
+                                          <p:spTgt spid="3"/>
                                         </p:tgtEl>
                                       </p:cBhvr>
                                     </p:animEffect>
@@ -32211,26 +32795,26 @@
                     </p:cTn>
                   </p:par>
                   <p:par>
-                    <p:cTn id="199" fill="hold">
+                    <p:cTn id="221" fill="hold">
                       <p:stCondLst>
                         <p:cond delay="indefinite"/>
                       </p:stCondLst>
                       <p:childTnLst>
                         <p:par>
-                          <p:cTn id="200" fill="hold">
+                          <p:cTn id="222" fill="hold">
                             <p:stCondLst>
                               <p:cond delay="0"/>
                             </p:stCondLst>
                             <p:childTnLst>
                               <p:par>
-                                <p:cTn id="201" presetID="16" presetClass="entr" presetSubtype="21" fill="hold" grpId="0" nodeType="clickEffect">
+                                <p:cTn id="223" presetID="16" presetClass="entr" presetSubtype="21" fill="hold" grpId="0" nodeType="clickEffect">
                                   <p:stCondLst>
                                     <p:cond delay="0"/>
                                   </p:stCondLst>
                                   <p:childTnLst>
                                     <p:set>
                                       <p:cBhvr>
-                                        <p:cTn id="202" dur="1" fill="hold">
+                                        <p:cTn id="224" dur="1" fill="hold">
                                           <p:stCondLst>
                                             <p:cond delay="0"/>
                                           </p:stCondLst>
@@ -32248,7 +32832,7 @@
                                     </p:set>
                                     <p:animEffect transition="in" filter="barn(inVertical)">
                                       <p:cBhvr>
-                                        <p:cTn id="203" dur="500"/>
+                                        <p:cTn id="225" dur="500"/>
                                         <p:tgtEl>
                                           <p:spTgt spid="47"/>
                                         </p:tgtEl>
@@ -32264,26 +32848,26 @@
                     </p:cTn>
                   </p:par>
                   <p:par>
-                    <p:cTn id="204" fill="hold">
+                    <p:cTn id="226" fill="hold">
                       <p:stCondLst>
                         <p:cond delay="indefinite"/>
                       </p:stCondLst>
                       <p:childTnLst>
                         <p:par>
-                          <p:cTn id="205" fill="hold">
+                          <p:cTn id="227" fill="hold">
                             <p:stCondLst>
                               <p:cond delay="0"/>
                             </p:stCondLst>
                             <p:childTnLst>
                               <p:par>
-                                <p:cTn id="206" presetID="26" presetClass="emph" presetSubtype="0" fill="hold" grpId="1" nodeType="clickEffect">
+                                <p:cTn id="228" presetID="26" presetClass="emph" presetSubtype="0" fill="hold" grpId="1" nodeType="clickEffect">
                                   <p:stCondLst>
                                     <p:cond delay="0"/>
                                   </p:stCondLst>
                                   <p:childTnLst>
                                     <p:animEffect transition="out" filter="fade">
                                       <p:cBhvr>
-                                        <p:cTn id="207" dur="500" tmFilter="0, 0; .2, .5; .8, .5; 1, 0"/>
+                                        <p:cTn id="229" dur="500" tmFilter="0, 0; .2, .5; .8, .5; 1, 0"/>
                                         <p:tgtEl>
                                           <p:spTgt spid="28"/>
                                         </p:tgtEl>
@@ -32291,7 +32875,7 @@
                                     </p:animEffect>
                                     <p:animScale>
                                       <p:cBhvr>
-                                        <p:cTn id="208" dur="250" autoRev="1" fill="hold"/>
+                                        <p:cTn id="230" dur="250" autoRev="1" fill="hold"/>
                                         <p:tgtEl>
                                           <p:spTgt spid="28"/>
                                         </p:tgtEl>
@@ -32302,14 +32886,14 @@
                                 </p:cTn>
                               </p:par>
                               <p:par>
-                                <p:cTn id="209" presetID="26" presetClass="emph" presetSubtype="0" fill="hold" grpId="1" nodeType="withEffect">
+                                <p:cTn id="231" presetID="26" presetClass="emph" presetSubtype="0" fill="hold" grpId="1" nodeType="withEffect">
                                   <p:stCondLst>
                                     <p:cond delay="0"/>
                                   </p:stCondLst>
                                   <p:childTnLst>
                                     <p:animEffect transition="out" filter="fade">
                                       <p:cBhvr>
-                                        <p:cTn id="210" dur="500" tmFilter="0, 0; .2, .5; .8, .5; 1, 0"/>
+                                        <p:cTn id="232" dur="500" tmFilter="0, 0; .2, .5; .8, .5; 1, 0"/>
                                         <p:tgtEl>
                                           <p:spTgt spid="30"/>
                                         </p:tgtEl>
@@ -32317,7 +32901,7 @@
                                     </p:animEffect>
                                     <p:animScale>
                                       <p:cBhvr>
-                                        <p:cTn id="211" dur="250" autoRev="1" fill="hold"/>
+                                        <p:cTn id="233" dur="250" autoRev="1" fill="hold"/>
                                         <p:tgtEl>
                                           <p:spTgt spid="30"/>
                                         </p:tgtEl>
@@ -32328,14 +32912,14 @@
                                 </p:cTn>
                               </p:par>
                               <p:par>
-                                <p:cTn id="212" presetID="26" presetClass="emph" presetSubtype="0" fill="hold" grpId="1" nodeType="withEffect">
+                                <p:cTn id="234" presetID="26" presetClass="emph" presetSubtype="0" fill="hold" grpId="1" nodeType="withEffect">
                                   <p:stCondLst>
                                     <p:cond delay="0"/>
                                   </p:stCondLst>
                                   <p:childTnLst>
                                     <p:animEffect transition="out" filter="fade">
                                       <p:cBhvr>
-                                        <p:cTn id="213" dur="500" tmFilter="0, 0; .2, .5; .8, .5; 1, 0"/>
+                                        <p:cTn id="235" dur="500" tmFilter="0, 0; .2, .5; .8, .5; 1, 0"/>
                                         <p:tgtEl>
                                           <p:spTgt spid="32"/>
                                         </p:tgtEl>
@@ -32343,7 +32927,7 @@
                                     </p:animEffect>
                                     <p:animScale>
                                       <p:cBhvr>
-                                        <p:cTn id="214" dur="250" autoRev="1" fill="hold"/>
+                                        <p:cTn id="236" dur="250" autoRev="1" fill="hold"/>
                                         <p:tgtEl>
                                           <p:spTgt spid="32"/>
                                         </p:tgtEl>
@@ -32354,14 +32938,14 @@
                                 </p:cTn>
                               </p:par>
                               <p:par>
-                                <p:cTn id="215" presetID="26" presetClass="emph" presetSubtype="0" fill="hold" grpId="1" nodeType="withEffect">
+                                <p:cTn id="237" presetID="26" presetClass="emph" presetSubtype="0" fill="hold" grpId="1" nodeType="withEffect">
                                   <p:stCondLst>
                                     <p:cond delay="0"/>
                                   </p:stCondLst>
                                   <p:childTnLst>
                                     <p:animEffect transition="out" filter="fade">
                                       <p:cBhvr>
-                                        <p:cTn id="216" dur="500" tmFilter="0, 0; .2, .5; .8, .5; 1, 0"/>
+                                        <p:cTn id="238" dur="500" tmFilter="0, 0; .2, .5; .8, .5; 1, 0"/>
                                         <p:tgtEl>
                                           <p:spTgt spid="34"/>
                                         </p:tgtEl>
@@ -32369,7 +32953,7 @@
                                     </p:animEffect>
                                     <p:animScale>
                                       <p:cBhvr>
-                                        <p:cTn id="217" dur="250" autoRev="1" fill="hold"/>
+                                        <p:cTn id="239" dur="250" autoRev="1" fill="hold"/>
                                         <p:tgtEl>
                                           <p:spTgt spid="34"/>
                                         </p:tgtEl>
@@ -32407,6 +32991,8 @@
       </p:par>
     </p:tnLst>
     <p:bldLst>
+      <p:bldP spid="46" grpId="0" animBg="1"/>
+      <p:bldP spid="46" grpId="1" animBg="1"/>
       <p:bldP spid="29" grpId="0" animBg="1"/>
       <p:bldP spid="35" grpId="0" animBg="1"/>
       <p:bldP spid="33" grpId="0" animBg="1"/>
@@ -32454,6 +33040,10 @@
       <p:bldP spid="42" grpId="1" animBg="1"/>
       <p:bldP spid="45" grpId="0" animBg="1"/>
       <p:bldP spid="45" grpId="1" animBg="1"/>
+      <p:bldP spid="3" grpId="0" animBg="1"/>
+      <p:bldP spid="5" grpId="0"/>
+      <p:bldP spid="6" grpId="0" animBg="1"/>
+      <p:bldP spid="48" grpId="0" animBg="1"/>
     </p:bldLst>
   </p:timing>
 </p:sld>

--- a/doc/higo.pptx
+++ b/doc/higo.pptx
@@ -30597,37 +30597,37 @@
                             </p:stCondLst>
                             <p:childTnLst>
                               <p:par>
-                                <p:cTn id="42" presetID="16" presetClass="exit" presetSubtype="21" fill="hold" grpId="1" nodeType="clickEffect">
+                                <p:cTn id="42" presetID="16" presetClass="entr" presetSubtype="21" fill="hold" grpId="0" nodeType="clickEffect">
                                   <p:stCondLst>
                                     <p:cond delay="0"/>
                                   </p:stCondLst>
                                   <p:childTnLst>
-                                    <p:animEffect transition="out" filter="barn(inVertical)">
-                                      <p:cBhvr>
-                                        <p:cTn id="43" dur="500"/>
-                                        <p:tgtEl>
-                                          <p:spTgt spid="47"/>
-                                        </p:tgtEl>
-                                      </p:cBhvr>
-                                    </p:animEffect>
                                     <p:set>
                                       <p:cBhvr>
-                                        <p:cTn id="44" dur="1" fill="hold">
+                                        <p:cTn id="43" dur="1" fill="hold">
                                           <p:stCondLst>
-                                            <p:cond delay="499"/>
+                                            <p:cond delay="0"/>
                                           </p:stCondLst>
                                         </p:cTn>
                                         <p:tgtEl>
-                                          <p:spTgt spid="47"/>
+                                          <p:spTgt spid="36"/>
                                         </p:tgtEl>
                                         <p:attrNameLst>
                                           <p:attrName>style.visibility</p:attrName>
                                         </p:attrNameLst>
                                       </p:cBhvr>
                                       <p:to>
-                                        <p:strVal val="hidden"/>
+                                        <p:strVal val="visible"/>
                                       </p:to>
                                     </p:set>
+                                    <p:animEffect transition="in" filter="barn(inVertical)">
+                                      <p:cBhvr>
+                                        <p:cTn id="44" dur="500"/>
+                                        <p:tgtEl>
+                                          <p:spTgt spid="36"/>
+                                        </p:tgtEl>
+                                      </p:cBhvr>
+                                    </p:animEffect>
                                   </p:childTnLst>
                                 </p:cTn>
                               </p:par>
@@ -30650,16 +30650,24 @@
                             </p:stCondLst>
                             <p:childTnLst>
                               <p:par>
-                                <p:cTn id="47" presetID="16" presetClass="entr" presetSubtype="21" fill="hold" grpId="0" nodeType="clickEffect">
+                                <p:cTn id="47" presetID="16" presetClass="exit" presetSubtype="21" fill="hold" grpId="1" nodeType="clickEffect">
                                   <p:stCondLst>
                                     <p:cond delay="0"/>
                                   </p:stCondLst>
                                   <p:childTnLst>
+                                    <p:animEffect transition="out" filter="barn(inVertical)">
+                                      <p:cBhvr>
+                                        <p:cTn id="48" dur="500"/>
+                                        <p:tgtEl>
+                                          <p:spTgt spid="36"/>
+                                        </p:tgtEl>
+                                      </p:cBhvr>
+                                    </p:animEffect>
                                     <p:set>
                                       <p:cBhvr>
-                                        <p:cTn id="48" dur="1" fill="hold">
+                                        <p:cTn id="49" dur="1" fill="hold">
                                           <p:stCondLst>
-                                            <p:cond delay="0"/>
+                                            <p:cond delay="499"/>
                                           </p:stCondLst>
                                         </p:cTn>
                                         <p:tgtEl>
@@ -30670,17 +30678,9 @@
                                         </p:attrNameLst>
                                       </p:cBhvr>
                                       <p:to>
-                                        <p:strVal val="visible"/>
+                                        <p:strVal val="hidden"/>
                                       </p:to>
                                     </p:set>
-                                    <p:animEffect transition="in" filter="barn(inVertical)">
-                                      <p:cBhvr>
-                                        <p:cTn id="49" dur="500"/>
-                                        <p:tgtEl>
-                                          <p:spTgt spid="36"/>
-                                        </p:tgtEl>
-                                      </p:cBhvr>
-                                    </p:animEffect>
                                   </p:childTnLst>
                                 </p:cTn>
                               </p:par>
@@ -30703,37 +30703,37 @@
                             </p:stCondLst>
                             <p:childTnLst>
                               <p:par>
-                                <p:cTn id="52" presetID="16" presetClass="exit" presetSubtype="21" fill="hold" grpId="1" nodeType="clickEffect">
+                                <p:cTn id="52" presetID="16" presetClass="entr" presetSubtype="21" fill="hold" grpId="0" nodeType="clickEffect">
                                   <p:stCondLst>
                                     <p:cond delay="0"/>
                                   </p:stCondLst>
                                   <p:childTnLst>
-                                    <p:animEffect transition="out" filter="barn(inVertical)">
-                                      <p:cBhvr>
-                                        <p:cTn id="53" dur="500"/>
-                                        <p:tgtEl>
-                                          <p:spTgt spid="36"/>
-                                        </p:tgtEl>
-                                      </p:cBhvr>
-                                    </p:animEffect>
                                     <p:set>
                                       <p:cBhvr>
-                                        <p:cTn id="54" dur="1" fill="hold">
+                                        <p:cTn id="53" dur="1" fill="hold">
                                           <p:stCondLst>
-                                            <p:cond delay="499"/>
+                                            <p:cond delay="0"/>
                                           </p:stCondLst>
                                         </p:cTn>
                                         <p:tgtEl>
-                                          <p:spTgt spid="36"/>
+                                          <p:spTgt spid="37"/>
                                         </p:tgtEl>
                                         <p:attrNameLst>
                                           <p:attrName>style.visibility</p:attrName>
                                         </p:attrNameLst>
                                       </p:cBhvr>
                                       <p:to>
-                                        <p:strVal val="hidden"/>
+                                        <p:strVal val="visible"/>
                                       </p:to>
                                     </p:set>
+                                    <p:animEffect transition="in" filter="barn(inVertical)">
+                                      <p:cBhvr>
+                                        <p:cTn id="54" dur="500"/>
+                                        <p:tgtEl>
+                                          <p:spTgt spid="37"/>
+                                        </p:tgtEl>
+                                      </p:cBhvr>
+                                    </p:animEffect>
                                   </p:childTnLst>
                                 </p:cTn>
                               </p:par>
@@ -30756,16 +30756,24 @@
                             </p:stCondLst>
                             <p:childTnLst>
                               <p:par>
-                                <p:cTn id="57" presetID="16" presetClass="entr" presetSubtype="21" fill="hold" grpId="0" nodeType="clickEffect">
+                                <p:cTn id="57" presetID="16" presetClass="exit" presetSubtype="21" fill="hold" grpId="1" nodeType="clickEffect">
                                   <p:stCondLst>
                                     <p:cond delay="0"/>
                                   </p:stCondLst>
                                   <p:childTnLst>
+                                    <p:animEffect transition="out" filter="barn(inVertical)">
+                                      <p:cBhvr>
+                                        <p:cTn id="58" dur="500"/>
+                                        <p:tgtEl>
+                                          <p:spTgt spid="37"/>
+                                        </p:tgtEl>
+                                      </p:cBhvr>
+                                    </p:animEffect>
                                     <p:set>
                                       <p:cBhvr>
-                                        <p:cTn id="58" dur="1" fill="hold">
+                                        <p:cTn id="59" dur="1" fill="hold">
                                           <p:stCondLst>
-                                            <p:cond delay="0"/>
+                                            <p:cond delay="499"/>
                                           </p:stCondLst>
                                         </p:cTn>
                                         <p:tgtEl>
@@ -30776,17 +30784,9 @@
                                         </p:attrNameLst>
                                       </p:cBhvr>
                                       <p:to>
-                                        <p:strVal val="visible"/>
+                                        <p:strVal val="hidden"/>
                                       </p:to>
                                     </p:set>
-                                    <p:animEffect transition="in" filter="barn(inVertical)">
-                                      <p:cBhvr>
-                                        <p:cTn id="59" dur="500"/>
-                                        <p:tgtEl>
-                                          <p:spTgt spid="37"/>
-                                        </p:tgtEl>
-                                      </p:cBhvr>
-                                    </p:animEffect>
                                   </p:childTnLst>
                                 </p:cTn>
                               </p:par>
@@ -30809,37 +30809,37 @@
                             </p:stCondLst>
                             <p:childTnLst>
                               <p:par>
-                                <p:cTn id="62" presetID="16" presetClass="exit" presetSubtype="21" fill="hold" grpId="1" nodeType="clickEffect">
+                                <p:cTn id="62" presetID="16" presetClass="entr" presetSubtype="21" fill="hold" grpId="0" nodeType="clickEffect">
                                   <p:stCondLst>
                                     <p:cond delay="0"/>
                                   </p:stCondLst>
                                   <p:childTnLst>
-                                    <p:animEffect transition="out" filter="barn(inVertical)">
-                                      <p:cBhvr>
-                                        <p:cTn id="63" dur="500"/>
-                                        <p:tgtEl>
-                                          <p:spTgt spid="37"/>
-                                        </p:tgtEl>
-                                      </p:cBhvr>
-                                    </p:animEffect>
                                     <p:set>
                                       <p:cBhvr>
-                                        <p:cTn id="64" dur="1" fill="hold">
+                                        <p:cTn id="63" dur="1" fill="hold">
                                           <p:stCondLst>
-                                            <p:cond delay="499"/>
+                                            <p:cond delay="0"/>
                                           </p:stCondLst>
                                         </p:cTn>
                                         <p:tgtEl>
-                                          <p:spTgt spid="37"/>
+                                          <p:spTgt spid="42"/>
                                         </p:tgtEl>
                                         <p:attrNameLst>
                                           <p:attrName>style.visibility</p:attrName>
                                         </p:attrNameLst>
                                       </p:cBhvr>
                                       <p:to>
-                                        <p:strVal val="hidden"/>
+                                        <p:strVal val="visible"/>
                                       </p:to>
                                     </p:set>
+                                    <p:animEffect transition="in" filter="barn(inVertical)">
+                                      <p:cBhvr>
+                                        <p:cTn id="64" dur="500"/>
+                                        <p:tgtEl>
+                                          <p:spTgt spid="42"/>
+                                        </p:tgtEl>
+                                      </p:cBhvr>
+                                    </p:animEffect>
                                   </p:childTnLst>
                                 </p:cTn>
                               </p:par>
@@ -30862,16 +30862,24 @@
                             </p:stCondLst>
                             <p:childTnLst>
                               <p:par>
-                                <p:cTn id="67" presetID="16" presetClass="entr" presetSubtype="21" fill="hold" grpId="0" nodeType="clickEffect">
+                                <p:cTn id="67" presetID="16" presetClass="exit" presetSubtype="21" fill="hold" grpId="1" nodeType="clickEffect">
                                   <p:stCondLst>
                                     <p:cond delay="0"/>
                                   </p:stCondLst>
                                   <p:childTnLst>
+                                    <p:animEffect transition="out" filter="barn(inVertical)">
+                                      <p:cBhvr>
+                                        <p:cTn id="68" dur="500"/>
+                                        <p:tgtEl>
+                                          <p:spTgt spid="42"/>
+                                        </p:tgtEl>
+                                      </p:cBhvr>
+                                    </p:animEffect>
                                     <p:set>
                                       <p:cBhvr>
-                                        <p:cTn id="68" dur="1" fill="hold">
+                                        <p:cTn id="69" dur="1" fill="hold">
                                           <p:stCondLst>
-                                            <p:cond delay="0"/>
+                                            <p:cond delay="499"/>
                                           </p:stCondLst>
                                         </p:cTn>
                                         <p:tgtEl>
@@ -30882,17 +30890,9 @@
                                         </p:attrNameLst>
                                       </p:cBhvr>
                                       <p:to>
-                                        <p:strVal val="visible"/>
+                                        <p:strVal val="hidden"/>
                                       </p:to>
                                     </p:set>
-                                    <p:animEffect transition="in" filter="barn(inVertical)">
-                                      <p:cBhvr>
-                                        <p:cTn id="69" dur="500"/>
-                                        <p:tgtEl>
-                                          <p:spTgt spid="42"/>
-                                        </p:tgtEl>
-                                      </p:cBhvr>
-                                    </p:animEffect>
                                   </p:childTnLst>
                                 </p:cTn>
                               </p:par>
@@ -30915,37 +30915,37 @@
                             </p:stCondLst>
                             <p:childTnLst>
                               <p:par>
-                                <p:cTn id="72" presetID="16" presetClass="exit" presetSubtype="21" fill="hold" grpId="1" nodeType="clickEffect">
+                                <p:cTn id="72" presetID="16" presetClass="entr" presetSubtype="21" fill="hold" grpId="0" nodeType="clickEffect">
                                   <p:stCondLst>
                                     <p:cond delay="0"/>
                                   </p:stCondLst>
                                   <p:childTnLst>
-                                    <p:animEffect transition="out" filter="barn(inVertical)">
-                                      <p:cBhvr>
-                                        <p:cTn id="73" dur="500"/>
-                                        <p:tgtEl>
-                                          <p:spTgt spid="42"/>
-                                        </p:tgtEl>
-                                      </p:cBhvr>
-                                    </p:animEffect>
                                     <p:set>
                                       <p:cBhvr>
-                                        <p:cTn id="74" dur="1" fill="hold">
+                                        <p:cTn id="73" dur="1" fill="hold">
                                           <p:stCondLst>
-                                            <p:cond delay="499"/>
+                                            <p:cond delay="0"/>
                                           </p:stCondLst>
                                         </p:cTn>
                                         <p:tgtEl>
-                                          <p:spTgt spid="42"/>
+                                          <p:spTgt spid="45"/>
                                         </p:tgtEl>
                                         <p:attrNameLst>
                                           <p:attrName>style.visibility</p:attrName>
                                         </p:attrNameLst>
                                       </p:cBhvr>
                                       <p:to>
-                                        <p:strVal val="hidden"/>
+                                        <p:strVal val="visible"/>
                                       </p:to>
                                     </p:set>
+                                    <p:animEffect transition="in" filter="barn(inVertical)">
+                                      <p:cBhvr>
+                                        <p:cTn id="74" dur="500"/>
+                                        <p:tgtEl>
+                                          <p:spTgt spid="45"/>
+                                        </p:tgtEl>
+                                      </p:cBhvr>
+                                    </p:animEffect>
                                   </p:childTnLst>
                                 </p:cTn>
                               </p:par>
@@ -30968,16 +30968,24 @@
                             </p:stCondLst>
                             <p:childTnLst>
                               <p:par>
-                                <p:cTn id="77" presetID="16" presetClass="entr" presetSubtype="21" fill="hold" grpId="0" nodeType="clickEffect">
+                                <p:cTn id="77" presetID="16" presetClass="exit" presetSubtype="21" fill="hold" grpId="1" nodeType="clickEffect">
                                   <p:stCondLst>
                                     <p:cond delay="0"/>
                                   </p:stCondLst>
                                   <p:childTnLst>
+                                    <p:animEffect transition="out" filter="barn(inVertical)">
+                                      <p:cBhvr>
+                                        <p:cTn id="78" dur="500"/>
+                                        <p:tgtEl>
+                                          <p:spTgt spid="45"/>
+                                        </p:tgtEl>
+                                      </p:cBhvr>
+                                    </p:animEffect>
                                     <p:set>
                                       <p:cBhvr>
-                                        <p:cTn id="78" dur="1" fill="hold">
+                                        <p:cTn id="79" dur="1" fill="hold">
                                           <p:stCondLst>
-                                            <p:cond delay="0"/>
+                                            <p:cond delay="499"/>
                                           </p:stCondLst>
                                         </p:cTn>
                                         <p:tgtEl>
@@ -30988,17 +30996,9 @@
                                         </p:attrNameLst>
                                       </p:cBhvr>
                                       <p:to>
-                                        <p:strVal val="visible"/>
+                                        <p:strVal val="hidden"/>
                                       </p:to>
                                     </p:set>
-                                    <p:animEffect transition="in" filter="barn(inVertical)">
-                                      <p:cBhvr>
-                                        <p:cTn id="79" dur="500"/>
-                                        <p:tgtEl>
-                                          <p:spTgt spid="45"/>
-                                        </p:tgtEl>
-                                      </p:cBhvr>
-                                    </p:animEffect>
                                   </p:childTnLst>
                                 </p:cTn>
                               </p:par>
@@ -31021,67 +31021,14 @@
                             </p:stCondLst>
                             <p:childTnLst>
                               <p:par>
-                                <p:cTn id="82" presetID="16" presetClass="exit" presetSubtype="21" fill="hold" grpId="1" nodeType="clickEffect">
-                                  <p:stCondLst>
-                                    <p:cond delay="0"/>
-                                  </p:stCondLst>
-                                  <p:childTnLst>
-                                    <p:animEffect transition="out" filter="barn(inVertical)">
-                                      <p:cBhvr>
-                                        <p:cTn id="83" dur="500"/>
-                                        <p:tgtEl>
-                                          <p:spTgt spid="45"/>
-                                        </p:tgtEl>
-                                      </p:cBhvr>
-                                    </p:animEffect>
-                                    <p:set>
-                                      <p:cBhvr>
-                                        <p:cTn id="84" dur="1" fill="hold">
-                                          <p:stCondLst>
-                                            <p:cond delay="499"/>
-                                          </p:stCondLst>
-                                        </p:cTn>
-                                        <p:tgtEl>
-                                          <p:spTgt spid="45"/>
-                                        </p:tgtEl>
-                                        <p:attrNameLst>
-                                          <p:attrName>style.visibility</p:attrName>
-                                        </p:attrNameLst>
-                                      </p:cBhvr>
-                                      <p:to>
-                                        <p:strVal val="hidden"/>
-                                      </p:to>
-                                    </p:set>
-                                  </p:childTnLst>
-                                </p:cTn>
-                              </p:par>
-                            </p:childTnLst>
-                          </p:cTn>
-                        </p:par>
-                      </p:childTnLst>
-                    </p:cTn>
-                  </p:par>
-                  <p:par>
-                    <p:cTn id="85" fill="hold">
-                      <p:stCondLst>
-                        <p:cond delay="indefinite"/>
-                      </p:stCondLst>
-                      <p:childTnLst>
-                        <p:par>
-                          <p:cTn id="86" fill="hold">
-                            <p:stCondLst>
-                              <p:cond delay="0"/>
-                            </p:stCondLst>
-                            <p:childTnLst>
-                              <p:par>
-                                <p:cTn id="87" presetID="42" presetClass="entr" presetSubtype="0" fill="hold" grpId="0" nodeType="clickEffect">
+                                <p:cTn id="82" presetID="42" presetClass="entr" presetSubtype="0" fill="hold" grpId="0" nodeType="clickEffect">
                                   <p:stCondLst>
                                     <p:cond delay="0"/>
                                   </p:stCondLst>
                                   <p:childTnLst>
                                     <p:set>
                                       <p:cBhvr>
-                                        <p:cTn id="88" dur="1" fill="hold">
+                                        <p:cTn id="83" dur="1" fill="hold">
                                           <p:stCondLst>
                                             <p:cond delay="0"/>
                                           </p:stCondLst>
@@ -31099,7 +31046,7 @@
                                     </p:set>
                                     <p:animEffect transition="in" filter="fade">
                                       <p:cBhvr>
-                                        <p:cTn id="89" dur="1000"/>
+                                        <p:cTn id="84" dur="1000"/>
                                         <p:tgtEl>
                                           <p:spTgt spid="18"/>
                                         </p:tgtEl>
@@ -31107,7 +31054,7 @@
                                     </p:animEffect>
                                     <p:anim calcmode="lin" valueType="num">
                                       <p:cBhvr>
-                                        <p:cTn id="90" dur="1000" fill="hold"/>
+                                        <p:cTn id="85" dur="1000" fill="hold"/>
                                         <p:tgtEl>
                                           <p:spTgt spid="18"/>
                                         </p:tgtEl>
@@ -31130,9 +31077,90 @@
                                     </p:anim>
                                     <p:anim calcmode="lin" valueType="num">
                                       <p:cBhvr>
+                                        <p:cTn id="86" dur="1000" fill="hold"/>
+                                        <p:tgtEl>
+                                          <p:spTgt spid="18"/>
+                                        </p:tgtEl>
+                                        <p:attrNameLst>
+                                          <p:attrName>ppt_y</p:attrName>
+                                        </p:attrNameLst>
+                                      </p:cBhvr>
+                                      <p:tavLst>
+                                        <p:tav tm="0">
+                                          <p:val>
+                                            <p:strVal val="#ppt_y+.1"/>
+                                          </p:val>
+                                        </p:tav>
+                                        <p:tav tm="100000">
+                                          <p:val>
+                                            <p:strVal val="#ppt_y"/>
+                                          </p:val>
+                                        </p:tav>
+                                      </p:tavLst>
+                                    </p:anim>
+                                  </p:childTnLst>
+                                </p:cTn>
+                              </p:par>
+                              <p:par>
+                                <p:cTn id="87" presetID="42" presetClass="entr" presetSubtype="0" fill="hold" grpId="0" nodeType="withEffect">
+                                  <p:stCondLst>
+                                    <p:cond delay="0"/>
+                                  </p:stCondLst>
+                                  <p:childTnLst>
+                                    <p:set>
+                                      <p:cBhvr>
+                                        <p:cTn id="88" dur="1" fill="hold">
+                                          <p:stCondLst>
+                                            <p:cond delay="0"/>
+                                          </p:stCondLst>
+                                        </p:cTn>
+                                        <p:tgtEl>
+                                          <p:spTgt spid="19"/>
+                                        </p:tgtEl>
+                                        <p:attrNameLst>
+                                          <p:attrName>style.visibility</p:attrName>
+                                        </p:attrNameLst>
+                                      </p:cBhvr>
+                                      <p:to>
+                                        <p:strVal val="visible"/>
+                                      </p:to>
+                                    </p:set>
+                                    <p:animEffect transition="in" filter="fade">
+                                      <p:cBhvr>
+                                        <p:cTn id="89" dur="1000"/>
+                                        <p:tgtEl>
+                                          <p:spTgt spid="19"/>
+                                        </p:tgtEl>
+                                      </p:cBhvr>
+                                    </p:animEffect>
+                                    <p:anim calcmode="lin" valueType="num">
+                                      <p:cBhvr>
+                                        <p:cTn id="90" dur="1000" fill="hold"/>
+                                        <p:tgtEl>
+                                          <p:spTgt spid="19"/>
+                                        </p:tgtEl>
+                                        <p:attrNameLst>
+                                          <p:attrName>ppt_x</p:attrName>
+                                        </p:attrNameLst>
+                                      </p:cBhvr>
+                                      <p:tavLst>
+                                        <p:tav tm="0">
+                                          <p:val>
+                                            <p:strVal val="#ppt_x"/>
+                                          </p:val>
+                                        </p:tav>
+                                        <p:tav tm="100000">
+                                          <p:val>
+                                            <p:strVal val="#ppt_x"/>
+                                          </p:val>
+                                        </p:tav>
+                                      </p:tavLst>
+                                    </p:anim>
+                                    <p:anim calcmode="lin" valueType="num">
+                                      <p:cBhvr>
                                         <p:cTn id="91" dur="1000" fill="hold"/>
                                         <p:tgtEl>
-                                          <p:spTgt spid="18"/>
+                                          <p:spTgt spid="19"/>
                                         </p:tgtEl>
                                         <p:attrNameLst>
                                           <p:attrName>ppt_y</p:attrName>
@@ -31168,7 +31196,7 @@
                                           </p:stCondLst>
                                         </p:cTn>
                                         <p:tgtEl>
-                                          <p:spTgt spid="19"/>
+                                          <p:spTgt spid="20"/>
                                         </p:tgtEl>
                                         <p:attrNameLst>
                                           <p:attrName>style.visibility</p:attrName>
@@ -31182,7 +31210,7 @@
                                       <p:cBhvr>
                                         <p:cTn id="94" dur="1000"/>
                                         <p:tgtEl>
-                                          <p:spTgt spid="19"/>
+                                          <p:spTgt spid="20"/>
                                         </p:tgtEl>
                                       </p:cBhvr>
                                     </p:animEffect>
@@ -31190,7 +31218,7 @@
                                       <p:cBhvr>
                                         <p:cTn id="95" dur="1000" fill="hold"/>
                                         <p:tgtEl>
-                                          <p:spTgt spid="19"/>
+                                          <p:spTgt spid="20"/>
                                         </p:tgtEl>
                                         <p:attrNameLst>
                                           <p:attrName>ppt_x</p:attrName>
@@ -31213,7 +31241,7 @@
                                       <p:cBhvr>
                                         <p:cTn id="96" dur="1000" fill="hold"/>
                                         <p:tgtEl>
-                                          <p:spTgt spid="19"/>
+                                          <p:spTgt spid="20"/>
                                         </p:tgtEl>
                                         <p:attrNameLst>
                                           <p:attrName>ppt_y</p:attrName>
@@ -31249,7 +31277,7 @@
                                           </p:stCondLst>
                                         </p:cTn>
                                         <p:tgtEl>
-                                          <p:spTgt spid="20"/>
+                                          <p:spTgt spid="21"/>
                                         </p:tgtEl>
                                         <p:attrNameLst>
                                           <p:attrName>style.visibility</p:attrName>
@@ -31263,7 +31291,7 @@
                                       <p:cBhvr>
                                         <p:cTn id="99" dur="1000"/>
                                         <p:tgtEl>
-                                          <p:spTgt spid="20"/>
+                                          <p:spTgt spid="21"/>
                                         </p:tgtEl>
                                       </p:cBhvr>
                                     </p:animEffect>
@@ -31271,7 +31299,7 @@
                                       <p:cBhvr>
                                         <p:cTn id="100" dur="1000" fill="hold"/>
                                         <p:tgtEl>
-                                          <p:spTgt spid="20"/>
+                                          <p:spTgt spid="21"/>
                                         </p:tgtEl>
                                         <p:attrNameLst>
                                           <p:attrName>ppt_x</p:attrName>
@@ -31294,7 +31322,7 @@
                                       <p:cBhvr>
                                         <p:cTn id="101" dur="1000" fill="hold"/>
                                         <p:tgtEl>
-                                          <p:spTgt spid="20"/>
+                                          <p:spTgt spid="21"/>
                                         </p:tgtEl>
                                         <p:attrNameLst>
                                           <p:attrName>ppt_y</p:attrName>
@@ -31330,7 +31358,7 @@
                                           </p:stCondLst>
                                         </p:cTn>
                                         <p:tgtEl>
-                                          <p:spTgt spid="21"/>
+                                          <p:spTgt spid="22"/>
                                         </p:tgtEl>
                                         <p:attrNameLst>
                                           <p:attrName>style.visibility</p:attrName>
@@ -31344,7 +31372,7 @@
                                       <p:cBhvr>
                                         <p:cTn id="104" dur="1000"/>
                                         <p:tgtEl>
-                                          <p:spTgt spid="21"/>
+                                          <p:spTgt spid="22"/>
                                         </p:tgtEl>
                                       </p:cBhvr>
                                     </p:animEffect>
@@ -31352,7 +31380,7 @@
                                       <p:cBhvr>
                                         <p:cTn id="105" dur="1000" fill="hold"/>
                                         <p:tgtEl>
-                                          <p:spTgt spid="21"/>
+                                          <p:spTgt spid="22"/>
                                         </p:tgtEl>
                                         <p:attrNameLst>
                                           <p:attrName>ppt_x</p:attrName>
@@ -31374,87 +31402,6 @@
                                     <p:anim calcmode="lin" valueType="num">
                                       <p:cBhvr>
                                         <p:cTn id="106" dur="1000" fill="hold"/>
-                                        <p:tgtEl>
-                                          <p:spTgt spid="21"/>
-                                        </p:tgtEl>
-                                        <p:attrNameLst>
-                                          <p:attrName>ppt_y</p:attrName>
-                                        </p:attrNameLst>
-                                      </p:cBhvr>
-                                      <p:tavLst>
-                                        <p:tav tm="0">
-                                          <p:val>
-                                            <p:strVal val="#ppt_y+.1"/>
-                                          </p:val>
-                                        </p:tav>
-                                        <p:tav tm="100000">
-                                          <p:val>
-                                            <p:strVal val="#ppt_y"/>
-                                          </p:val>
-                                        </p:tav>
-                                      </p:tavLst>
-                                    </p:anim>
-                                  </p:childTnLst>
-                                </p:cTn>
-                              </p:par>
-                              <p:par>
-                                <p:cTn id="107" presetID="42" presetClass="entr" presetSubtype="0" fill="hold" grpId="0" nodeType="withEffect">
-                                  <p:stCondLst>
-                                    <p:cond delay="0"/>
-                                  </p:stCondLst>
-                                  <p:childTnLst>
-                                    <p:set>
-                                      <p:cBhvr>
-                                        <p:cTn id="108" dur="1" fill="hold">
-                                          <p:stCondLst>
-                                            <p:cond delay="0"/>
-                                          </p:stCondLst>
-                                        </p:cTn>
-                                        <p:tgtEl>
-                                          <p:spTgt spid="22"/>
-                                        </p:tgtEl>
-                                        <p:attrNameLst>
-                                          <p:attrName>style.visibility</p:attrName>
-                                        </p:attrNameLst>
-                                      </p:cBhvr>
-                                      <p:to>
-                                        <p:strVal val="visible"/>
-                                      </p:to>
-                                    </p:set>
-                                    <p:animEffect transition="in" filter="fade">
-                                      <p:cBhvr>
-                                        <p:cTn id="109" dur="1000"/>
-                                        <p:tgtEl>
-                                          <p:spTgt spid="22"/>
-                                        </p:tgtEl>
-                                      </p:cBhvr>
-                                    </p:animEffect>
-                                    <p:anim calcmode="lin" valueType="num">
-                                      <p:cBhvr>
-                                        <p:cTn id="110" dur="1000" fill="hold"/>
-                                        <p:tgtEl>
-                                          <p:spTgt spid="22"/>
-                                        </p:tgtEl>
-                                        <p:attrNameLst>
-                                          <p:attrName>ppt_x</p:attrName>
-                                        </p:attrNameLst>
-                                      </p:cBhvr>
-                                      <p:tavLst>
-                                        <p:tav tm="0">
-                                          <p:val>
-                                            <p:strVal val="#ppt_x"/>
-                                          </p:val>
-                                        </p:tav>
-                                        <p:tav tm="100000">
-                                          <p:val>
-                                            <p:strVal val="#ppt_x"/>
-                                          </p:val>
-                                        </p:tav>
-                                      </p:tavLst>
-                                    </p:anim>
-                                    <p:anim calcmode="lin" valueType="num">
-                                      <p:cBhvr>
-                                        <p:cTn id="111" dur="1000" fill="hold"/>
                                         <p:tgtEl>
                                           <p:spTgt spid="22"/>
                                         </p:tgtEl>
@@ -31485,26 +31432,26 @@
                     </p:cTn>
                   </p:par>
                   <p:par>
-                    <p:cTn id="112" fill="hold">
+                    <p:cTn id="107" fill="hold">
                       <p:stCondLst>
                         <p:cond delay="indefinite"/>
                       </p:stCondLst>
                       <p:childTnLst>
                         <p:par>
-                          <p:cTn id="113" fill="hold">
+                          <p:cTn id="108" fill="hold">
                             <p:stCondLst>
                               <p:cond delay="0"/>
                             </p:stCondLst>
                             <p:childTnLst>
                               <p:par>
-                                <p:cTn id="114" presetID="42" presetClass="entr" presetSubtype="0" fill="hold" grpId="0" nodeType="clickEffect">
+                                <p:cTn id="109" presetID="42" presetClass="entr" presetSubtype="0" fill="hold" grpId="0" nodeType="clickEffect">
                                   <p:stCondLst>
                                     <p:cond delay="0"/>
                                   </p:stCondLst>
                                   <p:childTnLst>
                                     <p:set>
                                       <p:cBhvr>
-                                        <p:cTn id="115" dur="1" fill="hold">
+                                        <p:cTn id="110" dur="1" fill="hold">
                                           <p:stCondLst>
                                             <p:cond delay="0"/>
                                           </p:stCondLst>
@@ -31522,7 +31469,7 @@
                                     </p:set>
                                     <p:animEffect transition="in" filter="fade">
                                       <p:cBhvr>
-                                        <p:cTn id="116" dur="1000"/>
+                                        <p:cTn id="111" dur="1000"/>
                                         <p:tgtEl>
                                           <p:spTgt spid="23"/>
                                         </p:tgtEl>
@@ -31530,7 +31477,7 @@
                                     </p:animEffect>
                                     <p:anim calcmode="lin" valueType="num">
                                       <p:cBhvr>
-                                        <p:cTn id="117" dur="1000" fill="hold"/>
+                                        <p:cTn id="112" dur="1000" fill="hold"/>
                                         <p:tgtEl>
                                           <p:spTgt spid="23"/>
                                         </p:tgtEl>
@@ -31553,9 +31500,90 @@
                                     </p:anim>
                                     <p:anim calcmode="lin" valueType="num">
                                       <p:cBhvr>
+                                        <p:cTn id="113" dur="1000" fill="hold"/>
+                                        <p:tgtEl>
+                                          <p:spTgt spid="23"/>
+                                        </p:tgtEl>
+                                        <p:attrNameLst>
+                                          <p:attrName>ppt_y</p:attrName>
+                                        </p:attrNameLst>
+                                      </p:cBhvr>
+                                      <p:tavLst>
+                                        <p:tav tm="0">
+                                          <p:val>
+                                            <p:strVal val="#ppt_y+.1"/>
+                                          </p:val>
+                                        </p:tav>
+                                        <p:tav tm="100000">
+                                          <p:val>
+                                            <p:strVal val="#ppt_y"/>
+                                          </p:val>
+                                        </p:tav>
+                                      </p:tavLst>
+                                    </p:anim>
+                                  </p:childTnLst>
+                                </p:cTn>
+                              </p:par>
+                              <p:par>
+                                <p:cTn id="114" presetID="42" presetClass="entr" presetSubtype="0" fill="hold" grpId="0" nodeType="withEffect">
+                                  <p:stCondLst>
+                                    <p:cond delay="0"/>
+                                  </p:stCondLst>
+                                  <p:childTnLst>
+                                    <p:set>
+                                      <p:cBhvr>
+                                        <p:cTn id="115" dur="1" fill="hold">
+                                          <p:stCondLst>
+                                            <p:cond delay="0"/>
+                                          </p:stCondLst>
+                                        </p:cTn>
+                                        <p:tgtEl>
+                                          <p:spTgt spid="24"/>
+                                        </p:tgtEl>
+                                        <p:attrNameLst>
+                                          <p:attrName>style.visibility</p:attrName>
+                                        </p:attrNameLst>
+                                      </p:cBhvr>
+                                      <p:to>
+                                        <p:strVal val="visible"/>
+                                      </p:to>
+                                    </p:set>
+                                    <p:animEffect transition="in" filter="fade">
+                                      <p:cBhvr>
+                                        <p:cTn id="116" dur="1000"/>
+                                        <p:tgtEl>
+                                          <p:spTgt spid="24"/>
+                                        </p:tgtEl>
+                                      </p:cBhvr>
+                                    </p:animEffect>
+                                    <p:anim calcmode="lin" valueType="num">
+                                      <p:cBhvr>
+                                        <p:cTn id="117" dur="1000" fill="hold"/>
+                                        <p:tgtEl>
+                                          <p:spTgt spid="24"/>
+                                        </p:tgtEl>
+                                        <p:attrNameLst>
+                                          <p:attrName>ppt_x</p:attrName>
+                                        </p:attrNameLst>
+                                      </p:cBhvr>
+                                      <p:tavLst>
+                                        <p:tav tm="0">
+                                          <p:val>
+                                            <p:strVal val="#ppt_x"/>
+                                          </p:val>
+                                        </p:tav>
+                                        <p:tav tm="100000">
+                                          <p:val>
+                                            <p:strVal val="#ppt_x"/>
+                                          </p:val>
+                                        </p:tav>
+                                      </p:tavLst>
+                                    </p:anim>
+                                    <p:anim calcmode="lin" valueType="num">
+                                      <p:cBhvr>
                                         <p:cTn id="118" dur="1000" fill="hold"/>
                                         <p:tgtEl>
-                                          <p:spTgt spid="23"/>
+                                          <p:spTgt spid="24"/>
                                         </p:tgtEl>
                                         <p:attrNameLst>
                                           <p:attrName>ppt_y</p:attrName>
@@ -31591,7 +31619,7 @@
                                           </p:stCondLst>
                                         </p:cTn>
                                         <p:tgtEl>
-                                          <p:spTgt spid="24"/>
+                                          <p:spTgt spid="25"/>
                                         </p:tgtEl>
                                         <p:attrNameLst>
                                           <p:attrName>style.visibility</p:attrName>
@@ -31605,7 +31633,7 @@
                                       <p:cBhvr>
                                         <p:cTn id="121" dur="1000"/>
                                         <p:tgtEl>
-                                          <p:spTgt spid="24"/>
+                                          <p:spTgt spid="25"/>
                                         </p:tgtEl>
                                       </p:cBhvr>
                                     </p:animEffect>
@@ -31613,7 +31641,7 @@
                                       <p:cBhvr>
                                         <p:cTn id="122" dur="1000" fill="hold"/>
                                         <p:tgtEl>
-                                          <p:spTgt spid="24"/>
+                                          <p:spTgt spid="25"/>
                                         </p:tgtEl>
                                         <p:attrNameLst>
                                           <p:attrName>ppt_x</p:attrName>
@@ -31636,7 +31664,7 @@
                                       <p:cBhvr>
                                         <p:cTn id="123" dur="1000" fill="hold"/>
                                         <p:tgtEl>
-                                          <p:spTgt spid="24"/>
+                                          <p:spTgt spid="25"/>
                                         </p:tgtEl>
                                         <p:attrNameLst>
                                           <p:attrName>ppt_y</p:attrName>
@@ -31672,7 +31700,7 @@
                                           </p:stCondLst>
                                         </p:cTn>
                                         <p:tgtEl>
-                                          <p:spTgt spid="25"/>
+                                          <p:spTgt spid="26"/>
                                         </p:tgtEl>
                                         <p:attrNameLst>
                                           <p:attrName>style.visibility</p:attrName>
@@ -31686,7 +31714,7 @@
                                       <p:cBhvr>
                                         <p:cTn id="126" dur="1000"/>
                                         <p:tgtEl>
-                                          <p:spTgt spid="25"/>
+                                          <p:spTgt spid="26"/>
                                         </p:tgtEl>
                                       </p:cBhvr>
                                     </p:animEffect>
@@ -31694,7 +31722,7 @@
                                       <p:cBhvr>
                                         <p:cTn id="127" dur="1000" fill="hold"/>
                                         <p:tgtEl>
-                                          <p:spTgt spid="25"/>
+                                          <p:spTgt spid="26"/>
                                         </p:tgtEl>
                                         <p:attrNameLst>
                                           <p:attrName>ppt_x</p:attrName>
@@ -31717,7 +31745,7 @@
                                       <p:cBhvr>
                                         <p:cTn id="128" dur="1000" fill="hold"/>
                                         <p:tgtEl>
-                                          <p:spTgt spid="25"/>
+                                          <p:spTgt spid="26"/>
                                         </p:tgtEl>
                                         <p:attrNameLst>
                                           <p:attrName>ppt_y</p:attrName>
@@ -31753,7 +31781,7 @@
                                           </p:stCondLst>
                                         </p:cTn>
                                         <p:tgtEl>
-                                          <p:spTgt spid="26"/>
+                                          <p:spTgt spid="27"/>
                                         </p:tgtEl>
                                         <p:attrNameLst>
                                           <p:attrName>style.visibility</p:attrName>
@@ -31767,7 +31795,7 @@
                                       <p:cBhvr>
                                         <p:cTn id="131" dur="1000"/>
                                         <p:tgtEl>
-                                          <p:spTgt spid="26"/>
+                                          <p:spTgt spid="27"/>
                                         </p:tgtEl>
                                       </p:cBhvr>
                                     </p:animEffect>
@@ -31775,7 +31803,7 @@
                                       <p:cBhvr>
                                         <p:cTn id="132" dur="1000" fill="hold"/>
                                         <p:tgtEl>
-                                          <p:spTgt spid="26"/>
+                                          <p:spTgt spid="27"/>
                                         </p:tgtEl>
                                         <p:attrNameLst>
                                           <p:attrName>ppt_x</p:attrName>
@@ -31797,87 +31825,6 @@
                                     <p:anim calcmode="lin" valueType="num">
                                       <p:cBhvr>
                                         <p:cTn id="133" dur="1000" fill="hold"/>
-                                        <p:tgtEl>
-                                          <p:spTgt spid="26"/>
-                                        </p:tgtEl>
-                                        <p:attrNameLst>
-                                          <p:attrName>ppt_y</p:attrName>
-                                        </p:attrNameLst>
-                                      </p:cBhvr>
-                                      <p:tavLst>
-                                        <p:tav tm="0">
-                                          <p:val>
-                                            <p:strVal val="#ppt_y+.1"/>
-                                          </p:val>
-                                        </p:tav>
-                                        <p:tav tm="100000">
-                                          <p:val>
-                                            <p:strVal val="#ppt_y"/>
-                                          </p:val>
-                                        </p:tav>
-                                      </p:tavLst>
-                                    </p:anim>
-                                  </p:childTnLst>
-                                </p:cTn>
-                              </p:par>
-                              <p:par>
-                                <p:cTn id="134" presetID="42" presetClass="entr" presetSubtype="0" fill="hold" grpId="0" nodeType="withEffect">
-                                  <p:stCondLst>
-                                    <p:cond delay="0"/>
-                                  </p:stCondLst>
-                                  <p:childTnLst>
-                                    <p:set>
-                                      <p:cBhvr>
-                                        <p:cTn id="135" dur="1" fill="hold">
-                                          <p:stCondLst>
-                                            <p:cond delay="0"/>
-                                          </p:stCondLst>
-                                        </p:cTn>
-                                        <p:tgtEl>
-                                          <p:spTgt spid="27"/>
-                                        </p:tgtEl>
-                                        <p:attrNameLst>
-                                          <p:attrName>style.visibility</p:attrName>
-                                        </p:attrNameLst>
-                                      </p:cBhvr>
-                                      <p:to>
-                                        <p:strVal val="visible"/>
-                                      </p:to>
-                                    </p:set>
-                                    <p:animEffect transition="in" filter="fade">
-                                      <p:cBhvr>
-                                        <p:cTn id="136" dur="1000"/>
-                                        <p:tgtEl>
-                                          <p:spTgt spid="27"/>
-                                        </p:tgtEl>
-                                      </p:cBhvr>
-                                    </p:animEffect>
-                                    <p:anim calcmode="lin" valueType="num">
-                                      <p:cBhvr>
-                                        <p:cTn id="137" dur="1000" fill="hold"/>
-                                        <p:tgtEl>
-                                          <p:spTgt spid="27"/>
-                                        </p:tgtEl>
-                                        <p:attrNameLst>
-                                          <p:attrName>ppt_x</p:attrName>
-                                        </p:attrNameLst>
-                                      </p:cBhvr>
-                                      <p:tavLst>
-                                        <p:tav tm="0">
-                                          <p:val>
-                                            <p:strVal val="#ppt_x"/>
-                                          </p:val>
-                                        </p:tav>
-                                        <p:tav tm="100000">
-                                          <p:val>
-                                            <p:strVal val="#ppt_x"/>
-                                          </p:val>
-                                        </p:tav>
-                                      </p:tavLst>
-                                    </p:anim>
-                                    <p:anim calcmode="lin" valueType="num">
-                                      <p:cBhvr>
-                                        <p:cTn id="138" dur="1000" fill="hold"/>
                                         <p:tgtEl>
                                           <p:spTgt spid="27"/>
                                         </p:tgtEl>
@@ -31908,26 +31855,26 @@
                     </p:cTn>
                   </p:par>
                   <p:par>
-                    <p:cTn id="139" fill="hold">
+                    <p:cTn id="134" fill="hold">
                       <p:stCondLst>
                         <p:cond delay="indefinite"/>
                       </p:stCondLst>
                       <p:childTnLst>
                         <p:par>
-                          <p:cTn id="140" fill="hold">
+                          <p:cTn id="135" fill="hold">
                             <p:stCondLst>
                               <p:cond delay="0"/>
                             </p:stCondLst>
                             <p:childTnLst>
                               <p:par>
-                                <p:cTn id="141" presetID="22" presetClass="entr" presetSubtype="4" fill="hold" grpId="0" nodeType="clickEffect">
+                                <p:cTn id="136" presetID="22" presetClass="entr" presetSubtype="4" fill="hold" grpId="0" nodeType="clickEffect">
                                   <p:stCondLst>
                                     <p:cond delay="0"/>
                                   </p:stCondLst>
                                   <p:childTnLst>
                                     <p:set>
                                       <p:cBhvr>
-                                        <p:cTn id="142" dur="1" fill="hold">
+                                        <p:cTn id="137" dur="1" fill="hold">
                                           <p:stCondLst>
                                             <p:cond delay="0"/>
                                           </p:stCondLst>
@@ -31945,7 +31892,7 @@
                                     </p:set>
                                     <p:animEffect transition="in" filter="wipe(down)">
                                       <p:cBhvr>
-                                        <p:cTn id="143" dur="500"/>
+                                        <p:cTn id="138" dur="500"/>
                                         <p:tgtEl>
                                           <p:spTgt spid="28"/>
                                         </p:tgtEl>
@@ -31955,20 +31902,73 @@
                                 </p:cTn>
                               </p:par>
                               <p:par>
-                                <p:cTn id="144" presetID="22" presetClass="entr" presetSubtype="4" fill="hold" grpId="0" nodeType="withEffect">
+                                <p:cTn id="139" presetID="22" presetClass="entr" presetSubtype="4" fill="hold" grpId="0" nodeType="withEffect">
                                   <p:stCondLst>
                                     <p:cond delay="0"/>
                                   </p:stCondLst>
                                   <p:childTnLst>
                                     <p:set>
                                       <p:cBhvr>
+                                        <p:cTn id="140" dur="1" fill="hold">
+                                          <p:stCondLst>
+                                            <p:cond delay="0"/>
+                                          </p:stCondLst>
+                                        </p:cTn>
+                                        <p:tgtEl>
+                                          <p:spTgt spid="29"/>
+                                        </p:tgtEl>
+                                        <p:attrNameLst>
+                                          <p:attrName>style.visibility</p:attrName>
+                                        </p:attrNameLst>
+                                      </p:cBhvr>
+                                      <p:to>
+                                        <p:strVal val="visible"/>
+                                      </p:to>
+                                    </p:set>
+                                    <p:animEffect transition="in" filter="wipe(down)">
+                                      <p:cBhvr>
+                                        <p:cTn id="141" dur="500"/>
+                                        <p:tgtEl>
+                                          <p:spTgt spid="29"/>
+                                        </p:tgtEl>
+                                      </p:cBhvr>
+                                    </p:animEffect>
+                                  </p:childTnLst>
+                                </p:cTn>
+                              </p:par>
+                            </p:childTnLst>
+                          </p:cTn>
+                        </p:par>
+                      </p:childTnLst>
+                    </p:cTn>
+                  </p:par>
+                  <p:par>
+                    <p:cTn id="142" fill="hold">
+                      <p:stCondLst>
+                        <p:cond delay="indefinite"/>
+                      </p:stCondLst>
+                      <p:childTnLst>
+                        <p:par>
+                          <p:cTn id="143" fill="hold">
+                            <p:stCondLst>
+                              <p:cond delay="0"/>
+                            </p:stCondLst>
+                            <p:childTnLst>
+                              <p:par>
+                                <p:cTn id="144" presetID="16" presetClass="entr" presetSubtype="21" fill="hold" grpId="0" nodeType="clickEffect">
+                                  <p:stCondLst>
+                                    <p:cond delay="0"/>
+                                  </p:stCondLst>
+                                  <p:childTnLst>
+                                    <p:set>
+                                      <p:cBhvr>
                                         <p:cTn id="145" dur="1" fill="hold">
                                           <p:stCondLst>
                                             <p:cond delay="0"/>
                                           </p:stCondLst>
                                         </p:cTn>
                                         <p:tgtEl>
-                                          <p:spTgt spid="29"/>
+                                          <p:spTgt spid="44"/>
                                         </p:tgtEl>
                                         <p:attrNameLst>
                                           <p:attrName>style.visibility</p:attrName>
@@ -31978,11 +31978,11 @@
                                         <p:strVal val="visible"/>
                                       </p:to>
                                     </p:set>
-                                    <p:animEffect transition="in" filter="wipe(down)">
+                                    <p:animEffect transition="in" filter="barn(inVertical)">
                                       <p:cBhvr>
                                         <p:cTn id="146" dur="500"/>
                                         <p:tgtEl>
-                                          <p:spTgt spid="29"/>
+                                          <p:spTgt spid="44"/>
                                         </p:tgtEl>
                                       </p:cBhvr>
                                     </p:animEffect>
@@ -32008,37 +32008,80 @@
                             </p:stCondLst>
                             <p:childTnLst>
                               <p:par>
-                                <p:cTn id="149" presetID="16" presetClass="entr" presetSubtype="21" fill="hold" grpId="0" nodeType="clickEffect">
+                                <p:cTn id="149" presetID="26" presetClass="emph" presetSubtype="0" fill="hold" grpId="1" nodeType="clickEffect">
                                   <p:stCondLst>
                                     <p:cond delay="0"/>
                                   </p:stCondLst>
                                   <p:childTnLst>
-                                    <p:set>
-                                      <p:cBhvr>
-                                        <p:cTn id="150" dur="1" fill="hold">
-                                          <p:stCondLst>
-                                            <p:cond delay="0"/>
-                                          </p:stCondLst>
-                                        </p:cTn>
-                                        <p:tgtEl>
-                                          <p:spTgt spid="44"/>
-                                        </p:tgtEl>
-                                        <p:attrNameLst>
-                                          <p:attrName>style.visibility</p:attrName>
-                                        </p:attrNameLst>
-                                      </p:cBhvr>
-                                      <p:to>
-                                        <p:strVal val="visible"/>
-                                      </p:to>
-                                    </p:set>
-                                    <p:animEffect transition="in" filter="barn(inVertical)">
-                                      <p:cBhvr>
-                                        <p:cTn id="151" dur="500"/>
-                                        <p:tgtEl>
-                                          <p:spTgt spid="44"/>
+                                    <p:animEffect transition="out" filter="fade">
+                                      <p:cBhvr>
+                                        <p:cTn id="150" dur="500" tmFilter="0, 0; .2, .5; .8, .5; 1, 0"/>
+                                        <p:tgtEl>
+                                          <p:spTgt spid="14"/>
                                         </p:tgtEl>
                                       </p:cBhvr>
                                     </p:animEffect>
+                                    <p:animScale>
+                                      <p:cBhvr>
+                                        <p:cTn id="151" dur="250" autoRev="1" fill="hold"/>
+                                        <p:tgtEl>
+                                          <p:spTgt spid="14"/>
+                                        </p:tgtEl>
+                                      </p:cBhvr>
+                                      <p:by x="105000" y="105000"/>
+                                    </p:animScale>
+                                  </p:childTnLst>
+                                </p:cTn>
+                              </p:par>
+                              <p:par>
+                                <p:cTn id="152" presetID="26" presetClass="emph" presetSubtype="0" fill="hold" grpId="1" nodeType="withEffect">
+                                  <p:stCondLst>
+                                    <p:cond delay="0"/>
+                                  </p:stCondLst>
+                                  <p:childTnLst>
+                                    <p:animEffect transition="out" filter="fade">
+                                      <p:cBhvr>
+                                        <p:cTn id="153" dur="500" tmFilter="0, 0; .2, .5; .8, .5; 1, 0"/>
+                                        <p:tgtEl>
+                                          <p:spTgt spid="19"/>
+                                        </p:tgtEl>
+                                      </p:cBhvr>
+                                    </p:animEffect>
+                                    <p:animScale>
+                                      <p:cBhvr>
+                                        <p:cTn id="154" dur="250" autoRev="1" fill="hold"/>
+                                        <p:tgtEl>
+                                          <p:spTgt spid="19"/>
+                                        </p:tgtEl>
+                                      </p:cBhvr>
+                                      <p:by x="105000" y="105000"/>
+                                    </p:animScale>
+                                  </p:childTnLst>
+                                </p:cTn>
+                              </p:par>
+                              <p:par>
+                                <p:cTn id="155" presetID="26" presetClass="emph" presetSubtype="0" fill="hold" grpId="1" nodeType="withEffect">
+                                  <p:stCondLst>
+                                    <p:cond delay="0"/>
+                                  </p:stCondLst>
+                                  <p:childTnLst>
+                                    <p:animEffect transition="out" filter="fade">
+                                      <p:cBhvr>
+                                        <p:cTn id="156" dur="500" tmFilter="0, 0; .2, .5; .8, .5; 1, 0"/>
+                                        <p:tgtEl>
+                                          <p:spTgt spid="24"/>
+                                        </p:tgtEl>
+                                      </p:cBhvr>
+                                    </p:animEffect>
+                                    <p:animScale>
+                                      <p:cBhvr>
+                                        <p:cTn id="157" dur="250" autoRev="1" fill="hold"/>
+                                        <p:tgtEl>
+                                          <p:spTgt spid="24"/>
+                                        </p:tgtEl>
+                                      </p:cBhvr>
+                                      <p:by x="105000" y="105000"/>
+                                    </p:animScale>
                                   </p:childTnLst>
                                 </p:cTn>
                               </p:par>
@@ -32049,92 +32092,49 @@
                     </p:cTn>
                   </p:par>
                   <p:par>
-                    <p:cTn id="152" fill="hold">
+                    <p:cTn id="158" fill="hold">
                       <p:stCondLst>
                         <p:cond delay="indefinite"/>
                       </p:stCondLst>
                       <p:childTnLst>
                         <p:par>
-                          <p:cTn id="153" fill="hold">
+                          <p:cTn id="159" fill="hold">
                             <p:stCondLst>
                               <p:cond delay="0"/>
                             </p:stCondLst>
                             <p:childTnLst>
                               <p:par>
-                                <p:cTn id="154" presetID="26" presetClass="emph" presetSubtype="0" fill="hold" grpId="1" nodeType="clickEffect">
+                                <p:cTn id="160" presetID="16" presetClass="exit" presetSubtype="21" fill="hold" grpId="1" nodeType="clickEffect">
                                   <p:stCondLst>
                                     <p:cond delay="0"/>
                                   </p:stCondLst>
                                   <p:childTnLst>
-                                    <p:animEffect transition="out" filter="fade">
-                                      <p:cBhvr>
-                                        <p:cTn id="155" dur="500" tmFilter="0, 0; .2, .5; .8, .5; 1, 0"/>
-                                        <p:tgtEl>
-                                          <p:spTgt spid="14"/>
+                                    <p:animEffect transition="out" filter="barn(inVertical)">
+                                      <p:cBhvr>
+                                        <p:cTn id="161" dur="500"/>
+                                        <p:tgtEl>
+                                          <p:spTgt spid="44"/>
                                         </p:tgtEl>
                                       </p:cBhvr>
                                     </p:animEffect>
-                                    <p:animScale>
-                                      <p:cBhvr>
-                                        <p:cTn id="156" dur="250" autoRev="1" fill="hold"/>
-                                        <p:tgtEl>
-                                          <p:spTgt spid="14"/>
-                                        </p:tgtEl>
-                                      </p:cBhvr>
-                                      <p:by x="105000" y="105000"/>
-                                    </p:animScale>
-                                  </p:childTnLst>
-                                </p:cTn>
-                              </p:par>
-                              <p:par>
-                                <p:cTn id="157" presetID="26" presetClass="emph" presetSubtype="0" fill="hold" grpId="1" nodeType="withEffect">
-                                  <p:stCondLst>
-                                    <p:cond delay="0"/>
-                                  </p:stCondLst>
-                                  <p:childTnLst>
-                                    <p:animEffect transition="out" filter="fade">
-                                      <p:cBhvr>
-                                        <p:cTn id="158" dur="500" tmFilter="0, 0; .2, .5; .8, .5; 1, 0"/>
-                                        <p:tgtEl>
-                                          <p:spTgt spid="19"/>
-                                        </p:tgtEl>
-                                      </p:cBhvr>
-                                    </p:animEffect>
-                                    <p:animScale>
-                                      <p:cBhvr>
-                                        <p:cTn id="159" dur="250" autoRev="1" fill="hold"/>
-                                        <p:tgtEl>
-                                          <p:spTgt spid="19"/>
-                                        </p:tgtEl>
-                                      </p:cBhvr>
-                                      <p:by x="105000" y="105000"/>
-                                    </p:animScale>
-                                  </p:childTnLst>
-                                </p:cTn>
-                              </p:par>
-                              <p:par>
-                                <p:cTn id="160" presetID="26" presetClass="emph" presetSubtype="0" fill="hold" grpId="1" nodeType="withEffect">
-                                  <p:stCondLst>
-                                    <p:cond delay="0"/>
-                                  </p:stCondLst>
-                                  <p:childTnLst>
-                                    <p:animEffect transition="out" filter="fade">
-                                      <p:cBhvr>
-                                        <p:cTn id="161" dur="500" tmFilter="0, 0; .2, .5; .8, .5; 1, 0"/>
-                                        <p:tgtEl>
-                                          <p:spTgt spid="24"/>
-                                        </p:tgtEl>
-                                      </p:cBhvr>
-                                    </p:animEffect>
-                                    <p:animScale>
-                                      <p:cBhvr>
-                                        <p:cTn id="162" dur="250" autoRev="1" fill="hold"/>
-                                        <p:tgtEl>
-                                          <p:spTgt spid="24"/>
-                                        </p:tgtEl>
-                                      </p:cBhvr>
-                                      <p:by x="105000" y="105000"/>
-                                    </p:animScale>
+                                    <p:set>
+                                      <p:cBhvr>
+                                        <p:cTn id="162" dur="1" fill="hold">
+                                          <p:stCondLst>
+                                            <p:cond delay="499"/>
+                                          </p:stCondLst>
+                                        </p:cTn>
+                                        <p:tgtEl>
+                                          <p:spTgt spid="44"/>
+                                        </p:tgtEl>
+                                        <p:attrNameLst>
+                                          <p:attrName>style.visibility</p:attrName>
+                                        </p:attrNameLst>
+                                      </p:cBhvr>
+                                      <p:to>
+                                        <p:strVal val="hidden"/>
+                                      </p:to>
+                                    </p:set>
                                   </p:childTnLst>
                                 </p:cTn>
                               </p:par>
@@ -32157,67 +32157,14 @@
                             </p:stCondLst>
                             <p:childTnLst>
                               <p:par>
-                                <p:cTn id="165" presetID="16" presetClass="exit" presetSubtype="21" fill="hold" grpId="1" nodeType="clickEffect">
-                                  <p:stCondLst>
-                                    <p:cond delay="0"/>
-                                  </p:stCondLst>
-                                  <p:childTnLst>
-                                    <p:animEffect transition="out" filter="barn(inVertical)">
-                                      <p:cBhvr>
-                                        <p:cTn id="166" dur="500"/>
-                                        <p:tgtEl>
-                                          <p:spTgt spid="44"/>
-                                        </p:tgtEl>
-                                      </p:cBhvr>
-                                    </p:animEffect>
-                                    <p:set>
-                                      <p:cBhvr>
-                                        <p:cTn id="167" dur="1" fill="hold">
-                                          <p:stCondLst>
-                                            <p:cond delay="499"/>
-                                          </p:stCondLst>
-                                        </p:cTn>
-                                        <p:tgtEl>
-                                          <p:spTgt spid="44"/>
-                                        </p:tgtEl>
-                                        <p:attrNameLst>
-                                          <p:attrName>style.visibility</p:attrName>
-                                        </p:attrNameLst>
-                                      </p:cBhvr>
-                                      <p:to>
-                                        <p:strVal val="hidden"/>
-                                      </p:to>
-                                    </p:set>
-                                  </p:childTnLst>
-                                </p:cTn>
-                              </p:par>
-                            </p:childTnLst>
-                          </p:cTn>
-                        </p:par>
-                      </p:childTnLst>
-                    </p:cTn>
-                  </p:par>
-                  <p:par>
-                    <p:cTn id="168" fill="hold">
-                      <p:stCondLst>
-                        <p:cond delay="indefinite"/>
-                      </p:stCondLst>
-                      <p:childTnLst>
-                        <p:par>
-                          <p:cTn id="169" fill="hold">
-                            <p:stCondLst>
-                              <p:cond delay="0"/>
-                            </p:stCondLst>
-                            <p:childTnLst>
-                              <p:par>
-                                <p:cTn id="170" presetID="22" presetClass="entr" presetSubtype="4" fill="hold" grpId="0" nodeType="clickEffect">
+                                <p:cTn id="165" presetID="22" presetClass="entr" presetSubtype="4" fill="hold" grpId="0" nodeType="clickEffect">
                                   <p:stCondLst>
                                     <p:cond delay="0"/>
                                   </p:stCondLst>
                                   <p:childTnLst>
                                     <p:set>
                                       <p:cBhvr>
-                                        <p:cTn id="171" dur="1" fill="hold">
+                                        <p:cTn id="166" dur="1" fill="hold">
                                           <p:stCondLst>
                                             <p:cond delay="0"/>
                                           </p:stCondLst>
@@ -32235,7 +32182,7 @@
                                     </p:set>
                                     <p:animEffect transition="in" filter="wipe(down)">
                                       <p:cBhvr>
-                                        <p:cTn id="172" dur="500"/>
+                                        <p:cTn id="167" dur="500"/>
                                         <p:tgtEl>
                                           <p:spTgt spid="30"/>
                                         </p:tgtEl>
@@ -32245,14 +32192,14 @@
                                 </p:cTn>
                               </p:par>
                               <p:par>
-                                <p:cTn id="173" presetID="22" presetClass="entr" presetSubtype="4" fill="hold" grpId="0" nodeType="withEffect">
+                                <p:cTn id="168" presetID="22" presetClass="entr" presetSubtype="4" fill="hold" grpId="0" nodeType="withEffect">
                                   <p:stCondLst>
                                     <p:cond delay="0"/>
                                   </p:stCondLst>
                                   <p:childTnLst>
                                     <p:set>
                                       <p:cBhvr>
-                                        <p:cTn id="174" dur="1" fill="hold">
+                                        <p:cTn id="169" dur="1" fill="hold">
                                           <p:stCondLst>
                                             <p:cond delay="0"/>
                                           </p:stCondLst>
@@ -32270,7 +32217,7 @@
                                     </p:set>
                                     <p:animEffect transition="in" filter="wipe(down)">
                                       <p:cBhvr>
-                                        <p:cTn id="175" dur="500"/>
+                                        <p:cTn id="170" dur="500"/>
                                         <p:tgtEl>
                                           <p:spTgt spid="31"/>
                                         </p:tgtEl>
@@ -32286,26 +32233,26 @@
                     </p:cTn>
                   </p:par>
                   <p:par>
-                    <p:cTn id="176" fill="hold">
+                    <p:cTn id="171" fill="hold">
                       <p:stCondLst>
                         <p:cond delay="indefinite"/>
                       </p:stCondLst>
                       <p:childTnLst>
                         <p:par>
-                          <p:cTn id="177" fill="hold">
+                          <p:cTn id="172" fill="hold">
                             <p:stCondLst>
                               <p:cond delay="0"/>
                             </p:stCondLst>
                             <p:childTnLst>
                               <p:par>
-                                <p:cTn id="178" presetID="22" presetClass="entr" presetSubtype="4" fill="hold" grpId="0" nodeType="clickEffect">
+                                <p:cTn id="173" presetID="22" presetClass="entr" presetSubtype="4" fill="hold" grpId="0" nodeType="clickEffect">
                                   <p:stCondLst>
                                     <p:cond delay="0"/>
                                   </p:stCondLst>
                                   <p:childTnLst>
                                     <p:set>
                                       <p:cBhvr>
-                                        <p:cTn id="179" dur="1" fill="hold">
+                                        <p:cTn id="174" dur="1" fill="hold">
                                           <p:stCondLst>
                                             <p:cond delay="0"/>
                                           </p:stCondLst>
@@ -32323,7 +32270,7 @@
                                     </p:set>
                                     <p:animEffect transition="in" filter="wipe(down)">
                                       <p:cBhvr>
-                                        <p:cTn id="180" dur="500"/>
+                                        <p:cTn id="175" dur="500"/>
                                         <p:tgtEl>
                                           <p:spTgt spid="32"/>
                                         </p:tgtEl>
@@ -32333,14 +32280,14 @@
                                 </p:cTn>
                               </p:par>
                               <p:par>
-                                <p:cTn id="181" presetID="22" presetClass="entr" presetSubtype="4" fill="hold" grpId="0" nodeType="withEffect">
+                                <p:cTn id="176" presetID="22" presetClass="entr" presetSubtype="4" fill="hold" grpId="0" nodeType="withEffect">
                                   <p:stCondLst>
                                     <p:cond delay="0"/>
                                   </p:stCondLst>
                                   <p:childTnLst>
                                     <p:set>
                                       <p:cBhvr>
-                                        <p:cTn id="182" dur="1" fill="hold">
+                                        <p:cTn id="177" dur="1" fill="hold">
                                           <p:stCondLst>
                                             <p:cond delay="0"/>
                                           </p:stCondLst>
@@ -32358,7 +32305,7 @@
                                     </p:set>
                                     <p:animEffect transition="in" filter="wipe(down)">
                                       <p:cBhvr>
-                                        <p:cTn id="183" dur="500"/>
+                                        <p:cTn id="178" dur="500"/>
                                         <p:tgtEl>
                                           <p:spTgt spid="33"/>
                                         </p:tgtEl>
@@ -32374,26 +32321,26 @@
                     </p:cTn>
                   </p:par>
                   <p:par>
-                    <p:cTn id="184" fill="hold">
+                    <p:cTn id="179" fill="hold">
                       <p:stCondLst>
                         <p:cond delay="indefinite"/>
                       </p:stCondLst>
                       <p:childTnLst>
                         <p:par>
-                          <p:cTn id="185" fill="hold">
+                          <p:cTn id="180" fill="hold">
                             <p:stCondLst>
                               <p:cond delay="0"/>
                             </p:stCondLst>
                             <p:childTnLst>
                               <p:par>
-                                <p:cTn id="186" presetID="22" presetClass="entr" presetSubtype="4" fill="hold" grpId="0" nodeType="clickEffect">
+                                <p:cTn id="181" presetID="22" presetClass="entr" presetSubtype="4" fill="hold" grpId="0" nodeType="clickEffect">
                                   <p:stCondLst>
                                     <p:cond delay="0"/>
                                   </p:stCondLst>
                                   <p:childTnLst>
                                     <p:set>
                                       <p:cBhvr>
-                                        <p:cTn id="187" dur="1" fill="hold">
+                                        <p:cTn id="182" dur="1" fill="hold">
                                           <p:stCondLst>
                                             <p:cond delay="0"/>
                                           </p:stCondLst>
@@ -32411,7 +32358,7 @@
                                     </p:set>
                                     <p:animEffect transition="in" filter="wipe(down)">
                                       <p:cBhvr>
-                                        <p:cTn id="188" dur="500"/>
+                                        <p:cTn id="183" dur="500"/>
                                         <p:tgtEl>
                                           <p:spTgt spid="34"/>
                                         </p:tgtEl>
@@ -32421,14 +32368,14 @@
                                 </p:cTn>
                               </p:par>
                               <p:par>
-                                <p:cTn id="189" presetID="22" presetClass="entr" presetSubtype="4" fill="hold" grpId="0" nodeType="withEffect">
+                                <p:cTn id="184" presetID="22" presetClass="entr" presetSubtype="4" fill="hold" grpId="0" nodeType="withEffect">
                                   <p:stCondLst>
                                     <p:cond delay="0"/>
                                   </p:stCondLst>
                                   <p:childTnLst>
                                     <p:set>
                                       <p:cBhvr>
-                                        <p:cTn id="190" dur="1" fill="hold">
+                                        <p:cTn id="185" dur="1" fill="hold">
                                           <p:stCondLst>
                                             <p:cond delay="0"/>
                                           </p:stCondLst>
@@ -32446,7 +32393,7 @@
                                     </p:set>
                                     <p:animEffect transition="in" filter="wipe(down)">
                                       <p:cBhvr>
-                                        <p:cTn id="191" dur="500"/>
+                                        <p:cTn id="186" dur="500"/>
                                         <p:tgtEl>
                                           <p:spTgt spid="35"/>
                                         </p:tgtEl>
@@ -32462,26 +32409,26 @@
                     </p:cTn>
                   </p:par>
                   <p:par>
-                    <p:cTn id="192" fill="hold">
+                    <p:cTn id="187" fill="hold">
                       <p:stCondLst>
                         <p:cond delay="indefinite"/>
                       </p:stCondLst>
                       <p:childTnLst>
                         <p:par>
-                          <p:cTn id="193" fill="hold">
+                          <p:cTn id="188" fill="hold">
                             <p:stCondLst>
                               <p:cond delay="0"/>
                             </p:stCondLst>
                             <p:childTnLst>
                               <p:par>
-                                <p:cTn id="194" presetID="16" presetClass="entr" presetSubtype="21" fill="hold" grpId="0" nodeType="clickEffect">
+                                <p:cTn id="189" presetID="16" presetClass="entr" presetSubtype="21" fill="hold" grpId="0" nodeType="clickEffect">
                                   <p:stCondLst>
                                     <p:cond delay="0"/>
                                   </p:stCondLst>
                                   <p:childTnLst>
                                     <p:set>
                                       <p:cBhvr>
-                                        <p:cTn id="195" dur="1" fill="hold">
+                                        <p:cTn id="190" dur="1" fill="hold">
                                           <p:stCondLst>
                                             <p:cond delay="0"/>
                                           </p:stCondLst>
@@ -32499,7 +32446,7 @@
                                     </p:set>
                                     <p:animEffect transition="in" filter="barn(inVertical)">
                                       <p:cBhvr>
-                                        <p:cTn id="196" dur="500"/>
+                                        <p:cTn id="191" dur="500"/>
                                         <p:tgtEl>
                                           <p:spTgt spid="41"/>
                                         </p:tgtEl>
@@ -32509,14 +32456,14 @@
                                 </p:cTn>
                               </p:par>
                               <p:par>
-                                <p:cTn id="197" presetID="16" presetClass="entr" presetSubtype="21" fill="hold" grpId="0" nodeType="withEffect">
+                                <p:cTn id="192" presetID="16" presetClass="entr" presetSubtype="21" fill="hold" grpId="0" nodeType="withEffect">
                                   <p:stCondLst>
                                     <p:cond delay="0"/>
                                   </p:stCondLst>
                                   <p:childTnLst>
                                     <p:set>
                                       <p:cBhvr>
-                                        <p:cTn id="198" dur="1" fill="hold">
+                                        <p:cTn id="193" dur="1" fill="hold">
                                           <p:stCondLst>
                                             <p:cond delay="0"/>
                                           </p:stCondLst>
@@ -32534,7 +32481,7 @@
                                     </p:set>
                                     <p:animEffect transition="in" filter="barn(inVertical)">
                                       <p:cBhvr>
-                                        <p:cTn id="199" dur="500"/>
+                                        <p:cTn id="194" dur="500"/>
                                         <p:tgtEl>
                                           <p:spTgt spid="43"/>
                                         </p:tgtEl>
@@ -32544,14 +32491,14 @@
                                 </p:cTn>
                               </p:par>
                               <p:par>
-                                <p:cTn id="200" presetID="16" presetClass="entr" presetSubtype="21" fill="hold" grpId="0" nodeType="withEffect">
+                                <p:cTn id="195" presetID="16" presetClass="entr" presetSubtype="21" fill="hold" grpId="0" nodeType="withEffect">
                                   <p:stCondLst>
                                     <p:cond delay="0"/>
                                   </p:stCondLst>
                                   <p:childTnLst>
                                     <p:set>
                                       <p:cBhvr>
-                                        <p:cTn id="201" dur="1" fill="hold">
+                                        <p:cTn id="196" dur="1" fill="hold">
                                           <p:stCondLst>
                                             <p:cond delay="0"/>
                                           </p:stCondLst>
@@ -32569,7 +32516,7 @@
                                     </p:set>
                                     <p:animEffect transition="in" filter="barn(inVertical)">
                                       <p:cBhvr>
-                                        <p:cTn id="202" dur="500"/>
+                                        <p:cTn id="197" dur="500"/>
                                         <p:tgtEl>
                                           <p:spTgt spid="38"/>
                                         </p:tgtEl>
@@ -32579,14 +32526,14 @@
                                 </p:cTn>
                               </p:par>
                               <p:par>
-                                <p:cTn id="203" presetID="16" presetClass="entr" presetSubtype="21" fill="hold" grpId="0" nodeType="withEffect">
+                                <p:cTn id="198" presetID="16" presetClass="entr" presetSubtype="21" fill="hold" grpId="0" nodeType="withEffect">
                                   <p:stCondLst>
                                     <p:cond delay="0"/>
                                   </p:stCondLst>
                                   <p:childTnLst>
                                     <p:set>
                                       <p:cBhvr>
-                                        <p:cTn id="204" dur="1" fill="hold">
+                                        <p:cTn id="199" dur="1" fill="hold">
                                           <p:stCondLst>
                                             <p:cond delay="0"/>
                                           </p:stCondLst>
@@ -32604,7 +32551,7 @@
                                     </p:set>
                                     <p:animEffect transition="in" filter="barn(inVertical)">
                                       <p:cBhvr>
-                                        <p:cTn id="205" dur="500"/>
+                                        <p:cTn id="200" dur="500"/>
                                         <p:tgtEl>
                                           <p:spTgt spid="39"/>
                                         </p:tgtEl>
@@ -32614,14 +32561,14 @@
                                 </p:cTn>
                               </p:par>
                               <p:par>
-                                <p:cTn id="206" presetID="16" presetClass="entr" presetSubtype="21" fill="hold" grpId="0" nodeType="withEffect">
+                                <p:cTn id="201" presetID="16" presetClass="entr" presetSubtype="21" fill="hold" grpId="0" nodeType="withEffect">
                                   <p:stCondLst>
                                     <p:cond delay="0"/>
                                   </p:stCondLst>
                                   <p:childTnLst>
                                     <p:set>
                                       <p:cBhvr>
-                                        <p:cTn id="207" dur="1" fill="hold">
+                                        <p:cTn id="202" dur="1" fill="hold">
                                           <p:stCondLst>
                                             <p:cond delay="0"/>
                                           </p:stCondLst>
@@ -32639,7 +32586,7 @@
                                     </p:set>
                                     <p:animEffect transition="in" filter="barn(inVertical)">
                                       <p:cBhvr>
-                                        <p:cTn id="208" dur="500"/>
+                                        <p:cTn id="203" dur="500"/>
                                         <p:tgtEl>
                                           <p:spTgt spid="40"/>
                                         </p:tgtEl>
@@ -32649,14 +32596,14 @@
                                 </p:cTn>
                               </p:par>
                               <p:par>
-                                <p:cTn id="209" presetID="22" presetClass="entr" presetSubtype="4" fill="hold" grpId="0" nodeType="withEffect">
+                                <p:cTn id="204" presetID="22" presetClass="entr" presetSubtype="4" fill="hold" grpId="0" nodeType="withEffect">
                                   <p:stCondLst>
                                     <p:cond delay="0"/>
                                   </p:stCondLst>
                                   <p:childTnLst>
                                     <p:set>
                                       <p:cBhvr>
-                                        <p:cTn id="210" dur="1" fill="hold">
+                                        <p:cTn id="205" dur="1" fill="hold">
                                           <p:stCondLst>
                                             <p:cond delay="0"/>
                                           </p:stCondLst>
@@ -32674,7 +32621,7 @@
                                     </p:set>
                                     <p:animEffect transition="in" filter="wipe(down)">
                                       <p:cBhvr>
-                                        <p:cTn id="211" dur="500"/>
+                                        <p:cTn id="206" dur="500"/>
                                         <p:tgtEl>
                                           <p:spTgt spid="48"/>
                                         </p:tgtEl>
@@ -32684,14 +32631,14 @@
                                 </p:cTn>
                               </p:par>
                               <p:par>
-                                <p:cTn id="212" presetID="22" presetClass="entr" presetSubtype="4" fill="hold" grpId="0" nodeType="withEffect">
+                                <p:cTn id="207" presetID="22" presetClass="entr" presetSubtype="4" fill="hold" grpId="0" nodeType="withEffect">
                                   <p:stCondLst>
                                     <p:cond delay="0"/>
                                   </p:stCondLst>
                                   <p:childTnLst>
                                     <p:set>
                                       <p:cBhvr>
-                                        <p:cTn id="213" dur="1" fill="hold">
+                                        <p:cTn id="208" dur="1" fill="hold">
                                           <p:stCondLst>
                                             <p:cond delay="0"/>
                                           </p:stCondLst>
@@ -32709,7 +32656,7 @@
                                     </p:set>
                                     <p:animEffect transition="in" filter="wipe(down)">
                                       <p:cBhvr>
-                                        <p:cTn id="214" dur="500"/>
+                                        <p:cTn id="209" dur="500"/>
                                         <p:tgtEl>
                                           <p:spTgt spid="6"/>
                                         </p:tgtEl>
@@ -32719,14 +32666,14 @@
                                 </p:cTn>
                               </p:par>
                               <p:par>
-                                <p:cTn id="215" presetID="22" presetClass="entr" presetSubtype="4" fill="hold" grpId="0" nodeType="withEffect">
+                                <p:cTn id="210" presetID="22" presetClass="entr" presetSubtype="4" fill="hold" grpId="0" nodeType="withEffect">
                                   <p:stCondLst>
                                     <p:cond delay="0"/>
                                   </p:stCondLst>
                                   <p:childTnLst>
                                     <p:set>
                                       <p:cBhvr>
-                                        <p:cTn id="216" dur="1" fill="hold">
+                                        <p:cTn id="211" dur="1" fill="hold">
                                           <p:stCondLst>
                                             <p:cond delay="0"/>
                                           </p:stCondLst>
@@ -32744,7 +32691,7 @@
                                     </p:set>
                                     <p:animEffect transition="in" filter="wipe(down)">
                                       <p:cBhvr>
-                                        <p:cTn id="217" dur="500"/>
+                                        <p:cTn id="212" dur="500"/>
                                         <p:tgtEl>
                                           <p:spTgt spid="5"/>
                                         </p:tgtEl>
@@ -32754,20 +32701,73 @@
                                 </p:cTn>
                               </p:par>
                               <p:par>
-                                <p:cTn id="218" presetID="22" presetClass="entr" presetSubtype="4" fill="hold" grpId="0" nodeType="withEffect">
+                                <p:cTn id="213" presetID="22" presetClass="entr" presetSubtype="4" fill="hold" grpId="0" nodeType="withEffect">
                                   <p:stCondLst>
                                     <p:cond delay="0"/>
                                   </p:stCondLst>
                                   <p:childTnLst>
                                     <p:set>
                                       <p:cBhvr>
+                                        <p:cTn id="214" dur="1" fill="hold">
+                                          <p:stCondLst>
+                                            <p:cond delay="0"/>
+                                          </p:stCondLst>
+                                        </p:cTn>
+                                        <p:tgtEl>
+                                          <p:spTgt spid="3"/>
+                                        </p:tgtEl>
+                                        <p:attrNameLst>
+                                          <p:attrName>style.visibility</p:attrName>
+                                        </p:attrNameLst>
+                                      </p:cBhvr>
+                                      <p:to>
+                                        <p:strVal val="visible"/>
+                                      </p:to>
+                                    </p:set>
+                                    <p:animEffect transition="in" filter="wipe(down)">
+                                      <p:cBhvr>
+                                        <p:cTn id="215" dur="500"/>
+                                        <p:tgtEl>
+                                          <p:spTgt spid="3"/>
+                                        </p:tgtEl>
+                                      </p:cBhvr>
+                                    </p:animEffect>
+                                  </p:childTnLst>
+                                </p:cTn>
+                              </p:par>
+                            </p:childTnLst>
+                          </p:cTn>
+                        </p:par>
+                      </p:childTnLst>
+                    </p:cTn>
+                  </p:par>
+                  <p:par>
+                    <p:cTn id="216" fill="hold">
+                      <p:stCondLst>
+                        <p:cond delay="indefinite"/>
+                      </p:stCondLst>
+                      <p:childTnLst>
+                        <p:par>
+                          <p:cTn id="217" fill="hold">
+                            <p:stCondLst>
+                              <p:cond delay="0"/>
+                            </p:stCondLst>
+                            <p:childTnLst>
+                              <p:par>
+                                <p:cTn id="218" presetID="16" presetClass="entr" presetSubtype="21" fill="hold" grpId="0" nodeType="clickEffect">
+                                  <p:stCondLst>
+                                    <p:cond delay="0"/>
+                                  </p:stCondLst>
+                                  <p:childTnLst>
+                                    <p:set>
+                                      <p:cBhvr>
                                         <p:cTn id="219" dur="1" fill="hold">
                                           <p:stCondLst>
                                             <p:cond delay="0"/>
                                           </p:stCondLst>
                                         </p:cTn>
                                         <p:tgtEl>
-                                          <p:spTgt spid="3"/>
+                                          <p:spTgt spid="47"/>
                                         </p:tgtEl>
                                         <p:attrNameLst>
                                           <p:attrName>style.visibility</p:attrName>
@@ -32777,11 +32777,11 @@
                                         <p:strVal val="visible"/>
                                       </p:to>
                                     </p:set>
-                                    <p:animEffect transition="in" filter="wipe(down)">
+                                    <p:animEffect transition="in" filter="barn(inVertical)">
                                       <p:cBhvr>
                                         <p:cTn id="220" dur="500"/>
                                         <p:tgtEl>
-                                          <p:spTgt spid="3"/>
+                                          <p:spTgt spid="47"/>
                                         </p:tgtEl>
                                       </p:cBhvr>
                                     </p:animEffect>
@@ -32807,37 +32807,106 @@
                             </p:stCondLst>
                             <p:childTnLst>
                               <p:par>
-                                <p:cTn id="223" presetID="16" presetClass="entr" presetSubtype="21" fill="hold" grpId="0" nodeType="clickEffect">
+                                <p:cTn id="223" presetID="26" presetClass="emph" presetSubtype="0" fill="hold" grpId="1" nodeType="clickEffect">
                                   <p:stCondLst>
                                     <p:cond delay="0"/>
                                   </p:stCondLst>
                                   <p:childTnLst>
-                                    <p:set>
-                                      <p:cBhvr>
-                                        <p:cTn id="224" dur="1" fill="hold">
-                                          <p:stCondLst>
-                                            <p:cond delay="0"/>
-                                          </p:stCondLst>
-                                        </p:cTn>
-                                        <p:tgtEl>
-                                          <p:spTgt spid="47"/>
-                                        </p:tgtEl>
-                                        <p:attrNameLst>
-                                          <p:attrName>style.visibility</p:attrName>
-                                        </p:attrNameLst>
-                                      </p:cBhvr>
-                                      <p:to>
-                                        <p:strVal val="visible"/>
-                                      </p:to>
-                                    </p:set>
-                                    <p:animEffect transition="in" filter="barn(inVertical)">
-                                      <p:cBhvr>
-                                        <p:cTn id="225" dur="500"/>
-                                        <p:tgtEl>
-                                          <p:spTgt spid="47"/>
+                                    <p:animEffect transition="out" filter="fade">
+                                      <p:cBhvr>
+                                        <p:cTn id="224" dur="500" tmFilter="0, 0; .2, .5; .8, .5; 1, 0"/>
+                                        <p:tgtEl>
+                                          <p:spTgt spid="28"/>
                                         </p:tgtEl>
                                       </p:cBhvr>
                                     </p:animEffect>
+                                    <p:animScale>
+                                      <p:cBhvr>
+                                        <p:cTn id="225" dur="250" autoRev="1" fill="hold"/>
+                                        <p:tgtEl>
+                                          <p:spTgt spid="28"/>
+                                        </p:tgtEl>
+                                      </p:cBhvr>
+                                      <p:by x="105000" y="105000"/>
+                                    </p:animScale>
+                                  </p:childTnLst>
+                                </p:cTn>
+                              </p:par>
+                              <p:par>
+                                <p:cTn id="226" presetID="26" presetClass="emph" presetSubtype="0" fill="hold" grpId="1" nodeType="withEffect">
+                                  <p:stCondLst>
+                                    <p:cond delay="0"/>
+                                  </p:stCondLst>
+                                  <p:childTnLst>
+                                    <p:animEffect transition="out" filter="fade">
+                                      <p:cBhvr>
+                                        <p:cTn id="227" dur="500" tmFilter="0, 0; .2, .5; .8, .5; 1, 0"/>
+                                        <p:tgtEl>
+                                          <p:spTgt spid="30"/>
+                                        </p:tgtEl>
+                                      </p:cBhvr>
+                                    </p:animEffect>
+                                    <p:animScale>
+                                      <p:cBhvr>
+                                        <p:cTn id="228" dur="250" autoRev="1" fill="hold"/>
+                                        <p:tgtEl>
+                                          <p:spTgt spid="30"/>
+                                        </p:tgtEl>
+                                      </p:cBhvr>
+                                      <p:by x="105000" y="105000"/>
+                                    </p:animScale>
+                                  </p:childTnLst>
+                                </p:cTn>
+                              </p:par>
+                              <p:par>
+                                <p:cTn id="229" presetID="26" presetClass="emph" presetSubtype="0" fill="hold" grpId="1" nodeType="withEffect">
+                                  <p:stCondLst>
+                                    <p:cond delay="0"/>
+                                  </p:stCondLst>
+                                  <p:childTnLst>
+                                    <p:animEffect transition="out" filter="fade">
+                                      <p:cBhvr>
+                                        <p:cTn id="230" dur="500" tmFilter="0, 0; .2, .5; .8, .5; 1, 0"/>
+                                        <p:tgtEl>
+                                          <p:spTgt spid="32"/>
+                                        </p:tgtEl>
+                                      </p:cBhvr>
+                                    </p:animEffect>
+                                    <p:animScale>
+                                      <p:cBhvr>
+                                        <p:cTn id="231" dur="250" autoRev="1" fill="hold"/>
+                                        <p:tgtEl>
+                                          <p:spTgt spid="32"/>
+                                        </p:tgtEl>
+                                      </p:cBhvr>
+                                      <p:by x="105000" y="105000"/>
+                                    </p:animScale>
+                                  </p:childTnLst>
+                                </p:cTn>
+                              </p:par>
+                              <p:par>
+                                <p:cTn id="232" presetID="26" presetClass="emph" presetSubtype="0" fill="hold" grpId="1" nodeType="withEffect">
+                                  <p:stCondLst>
+                                    <p:cond delay="0"/>
+                                  </p:stCondLst>
+                                  <p:childTnLst>
+                                    <p:animEffect transition="out" filter="fade">
+                                      <p:cBhvr>
+                                        <p:cTn id="233" dur="500" tmFilter="0, 0; .2, .5; .8, .5; 1, 0"/>
+                                        <p:tgtEl>
+                                          <p:spTgt spid="34"/>
+                                        </p:tgtEl>
+                                      </p:cBhvr>
+                                    </p:animEffect>
+                                    <p:animScale>
+                                      <p:cBhvr>
+                                        <p:cTn id="234" dur="250" autoRev="1" fill="hold"/>
+                                        <p:tgtEl>
+                                          <p:spTgt spid="34"/>
+                                        </p:tgtEl>
+                                      </p:cBhvr>
+                                      <p:by x="105000" y="105000"/>
+                                    </p:animScale>
                                   </p:childTnLst>
                                 </p:cTn>
                               </p:par>
@@ -32848,118 +32917,49 @@
                     </p:cTn>
                   </p:par>
                   <p:par>
-                    <p:cTn id="226" fill="hold">
+                    <p:cTn id="235" fill="hold">
                       <p:stCondLst>
                         <p:cond delay="indefinite"/>
                       </p:stCondLst>
                       <p:childTnLst>
                         <p:par>
-                          <p:cTn id="227" fill="hold">
+                          <p:cTn id="236" fill="hold">
                             <p:stCondLst>
                               <p:cond delay="0"/>
                             </p:stCondLst>
                             <p:childTnLst>
                               <p:par>
-                                <p:cTn id="228" presetID="26" presetClass="emph" presetSubtype="0" fill="hold" grpId="1" nodeType="clickEffect">
+                                <p:cTn id="237" presetID="16" presetClass="exit" presetSubtype="21" fill="hold" grpId="1" nodeType="clickEffect">
                                   <p:stCondLst>
                                     <p:cond delay="0"/>
                                   </p:stCondLst>
                                   <p:childTnLst>
-                                    <p:animEffect transition="out" filter="fade">
-                                      <p:cBhvr>
-                                        <p:cTn id="229" dur="500" tmFilter="0, 0; .2, .5; .8, .5; 1, 0"/>
-                                        <p:tgtEl>
-                                          <p:spTgt spid="28"/>
+                                    <p:animEffect transition="out" filter="barn(inVertical)">
+                                      <p:cBhvr>
+                                        <p:cTn id="238" dur="500"/>
+                                        <p:tgtEl>
+                                          <p:spTgt spid="47"/>
                                         </p:tgtEl>
                                       </p:cBhvr>
                                     </p:animEffect>
-                                    <p:animScale>
-                                      <p:cBhvr>
-                                        <p:cTn id="230" dur="250" autoRev="1" fill="hold"/>
-                                        <p:tgtEl>
-                                          <p:spTgt spid="28"/>
-                                        </p:tgtEl>
-                                      </p:cBhvr>
-                                      <p:by x="105000" y="105000"/>
-                                    </p:animScale>
-                                  </p:childTnLst>
-                                </p:cTn>
-                              </p:par>
-                              <p:par>
-                                <p:cTn id="231" presetID="26" presetClass="emph" presetSubtype="0" fill="hold" grpId="1" nodeType="withEffect">
-                                  <p:stCondLst>
-                                    <p:cond delay="0"/>
-                                  </p:stCondLst>
-                                  <p:childTnLst>
-                                    <p:animEffect transition="out" filter="fade">
-                                      <p:cBhvr>
-                                        <p:cTn id="232" dur="500" tmFilter="0, 0; .2, .5; .8, .5; 1, 0"/>
-                                        <p:tgtEl>
-                                          <p:spTgt spid="30"/>
-                                        </p:tgtEl>
-                                      </p:cBhvr>
-                                    </p:animEffect>
-                                    <p:animScale>
-                                      <p:cBhvr>
-                                        <p:cTn id="233" dur="250" autoRev="1" fill="hold"/>
-                                        <p:tgtEl>
-                                          <p:spTgt spid="30"/>
-                                        </p:tgtEl>
-                                      </p:cBhvr>
-                                      <p:by x="105000" y="105000"/>
-                                    </p:animScale>
-                                  </p:childTnLst>
-                                </p:cTn>
-                              </p:par>
-                              <p:par>
-                                <p:cTn id="234" presetID="26" presetClass="emph" presetSubtype="0" fill="hold" grpId="1" nodeType="withEffect">
-                                  <p:stCondLst>
-                                    <p:cond delay="0"/>
-                                  </p:stCondLst>
-                                  <p:childTnLst>
-                                    <p:animEffect transition="out" filter="fade">
-                                      <p:cBhvr>
-                                        <p:cTn id="235" dur="500" tmFilter="0, 0; .2, .5; .8, .5; 1, 0"/>
-                                        <p:tgtEl>
-                                          <p:spTgt spid="32"/>
-                                        </p:tgtEl>
-                                      </p:cBhvr>
-                                    </p:animEffect>
-                                    <p:animScale>
-                                      <p:cBhvr>
-                                        <p:cTn id="236" dur="250" autoRev="1" fill="hold"/>
-                                        <p:tgtEl>
-                                          <p:spTgt spid="32"/>
-                                        </p:tgtEl>
-                                      </p:cBhvr>
-                                      <p:by x="105000" y="105000"/>
-                                    </p:animScale>
-                                  </p:childTnLst>
-                                </p:cTn>
-                              </p:par>
-                              <p:par>
-                                <p:cTn id="237" presetID="26" presetClass="emph" presetSubtype="0" fill="hold" grpId="1" nodeType="withEffect">
-                                  <p:stCondLst>
-                                    <p:cond delay="0"/>
-                                  </p:stCondLst>
-                                  <p:childTnLst>
-                                    <p:animEffect transition="out" filter="fade">
-                                      <p:cBhvr>
-                                        <p:cTn id="238" dur="500" tmFilter="0, 0; .2, .5; .8, .5; 1, 0"/>
-                                        <p:tgtEl>
-                                          <p:spTgt spid="34"/>
-                                        </p:tgtEl>
-                                      </p:cBhvr>
-                                    </p:animEffect>
-                                    <p:animScale>
-                                      <p:cBhvr>
-                                        <p:cTn id="239" dur="250" autoRev="1" fill="hold"/>
-                                        <p:tgtEl>
-                                          <p:spTgt spid="34"/>
-                                        </p:tgtEl>
-                                      </p:cBhvr>
-                                      <p:by x="105000" y="105000"/>
-                                    </p:animScale>
+                                    <p:set>
+                                      <p:cBhvr>
+                                        <p:cTn id="239" dur="1" fill="hold">
+                                          <p:stCondLst>
+                                            <p:cond delay="499"/>
+                                          </p:stCondLst>
+                                        </p:cTn>
+                                        <p:tgtEl>
+                                          <p:spTgt spid="47"/>
+                                        </p:tgtEl>
+                                        <p:attrNameLst>
+                                          <p:attrName>style.visibility</p:attrName>
+                                        </p:attrNameLst>
+                                      </p:cBhvr>
+                                      <p:to>
+                                        <p:strVal val="hidden"/>
+                                      </p:to>
+                                    </p:set>
                                   </p:childTnLst>
                                 </p:cTn>
                               </p:par>

--- a/doc/higo.pptx
+++ b/doc/higo.pptx
@@ -5,7 +5,7 @@
     <p:sldMasterId id="2147483648" r:id="rId1"/>
   </p:sldMasterIdLst>
   <p:notesMasterIdLst>
-    <p:notesMasterId r:id="rId26"/>
+    <p:notesMasterId r:id="rId25"/>
   </p:notesMasterIdLst>
   <p:sldIdLst>
     <p:sldId id="256" r:id="rId2"/>
@@ -28,10 +28,9 @@
     <p:sldId id="382" r:id="rId19"/>
     <p:sldId id="381" r:id="rId20"/>
     <p:sldId id="384" r:id="rId21"/>
-    <p:sldId id="383" r:id="rId22"/>
-    <p:sldId id="369" r:id="rId23"/>
-    <p:sldId id="374" r:id="rId24"/>
-    <p:sldId id="375" r:id="rId25"/>
+    <p:sldId id="369" r:id="rId22"/>
+    <p:sldId id="374" r:id="rId23"/>
+    <p:sldId id="375" r:id="rId24"/>
   </p:sldIdLst>
   <p:sldSz cx="9144000" cy="6858000" type="screen4x3"/>
   <p:notesSz cx="6858000" cy="9144000"/>
@@ -2860,7 +2859,7 @@
           <a:p>
             <a:fld id="{DE914C13-989A-477A-9CB3-5348B7845306}" type="datetimeFigureOut">
               <a:rPr lang="zh-CN" altLang="en-US" smtClean="0"/>
-              <a:t>2013/3/4</a:t>
+              <a:t>2013/3/5</a:t>
             </a:fld>
             <a:endParaRPr lang="zh-CN" altLang="en-US"/>
           </a:p>
@@ -22730,14 +22729,14 @@
             <p:ph idx="1"/>
             <p:extLst>
               <p:ext uri="{D42A27DB-BD31-4B8C-83A1-F6EECF244321}">
-                <p14:modId xmlns:p14="http://schemas.microsoft.com/office/powerpoint/2010/main" val="4123681620"/>
+                <p14:modId xmlns:p14="http://schemas.microsoft.com/office/powerpoint/2010/main" val="1931967819"/>
               </p:ext>
             </p:extLst>
           </p:nvPr>
         </p:nvGraphicFramePr>
         <p:xfrm>
           <a:off x="539552" y="1196752"/>
-          <a:ext cx="8229600" cy="5394960"/>
+          <a:ext cx="8229600" cy="5273040"/>
         </p:xfrm>
         <a:graphic>
           <a:graphicData uri="http://schemas.openxmlformats.org/drawingml/2006/table">
@@ -23607,14 +23606,6 @@
                     <a:lstStyle/>
                     <a:p>
                       <a:r>
-                        <a:rPr lang="zh-CN" altLang="en-US" sz="1600" dirty="0" smtClean="0">
-                          <a:solidFill>
-                            <a:srgbClr val="CC0000"/>
-                          </a:solidFill>
-                        </a:rPr>
-                        <a:t>通过对数据的重新洗牌，</a:t>
-                      </a:r>
-                      <a:r>
                         <a:rPr lang="en-US" altLang="zh-CN" sz="1600" dirty="0" smtClean="0">
                           <a:solidFill>
                             <a:srgbClr val="CC0000"/>
@@ -23623,7 +23614,7 @@
                         <a:t>group</a:t>
                       </a:r>
                       <a:r>
-                        <a:rPr lang="zh-CN" altLang="en-US" sz="1600" smtClean="0">
+                        <a:rPr lang="zh-CN" altLang="en-US" sz="1600" dirty="0" smtClean="0">
                           <a:solidFill>
                             <a:srgbClr val="CC0000"/>
                           </a:solidFill>
@@ -23637,14 +23628,6 @@
                       </a:endParaRPr>
                     </a:p>
                     <a:p>
-                      <a:r>
-                        <a:rPr lang="zh-CN" altLang="en-US" sz="1600" dirty="0" smtClean="0">
-                          <a:solidFill>
-                            <a:srgbClr val="CC0000"/>
-                          </a:solidFill>
-                        </a:rPr>
-                        <a:t>多表</a:t>
-                      </a:r>
                       <a:r>
                         <a:rPr lang="en-US" altLang="zh-CN" sz="1600" dirty="0" err="1" smtClean="0">
                           <a:solidFill>
@@ -33083,7 +33066,7 @@
           <a:p>
             <a:r>
               <a:rPr lang="zh-CN" altLang="en-US" dirty="0" smtClean="0"/>
-              <a:t>数据</a:t>
+              <a:t>相关资源</a:t>
             </a:r>
             <a:endParaRPr lang="zh-CN" altLang="en-US" dirty="0"/>
           </a:p>
@@ -33105,79 +33088,17 @@
           <a:lstStyle/>
           <a:p>
             <a:r>
-              <a:rPr lang="zh-CN" altLang="en-US" sz="3200" dirty="0"/>
-              <a:t>简单的</a:t>
-            </a:r>
-            <a:r>
-              <a:rPr lang="zh-CN" altLang="en-US" sz="3200" dirty="0" smtClean="0"/>
-              <a:t>数理统计。</a:t>
-            </a:r>
-            <a:endParaRPr lang="en-US" altLang="zh-CN" sz="3200" dirty="0" smtClean="0"/>
-          </a:p>
-          <a:p>
-            <a:pPr marL="457200" lvl="1" indent="0">
-              <a:buNone/>
-            </a:pPr>
-            <a:r>
-              <a:rPr lang="zh-CN" altLang="en-US" dirty="0"/>
-              <a:t>一般就是简单的统计网站的访问量，用户量，转化率等用于高层决策，或者促进产品的</a:t>
-            </a:r>
-            <a:r>
-              <a:rPr lang="zh-CN" altLang="en-US" dirty="0" smtClean="0"/>
-              <a:t>发展。</a:t>
-            </a:r>
-            <a:endParaRPr lang="en-US" altLang="zh-CN" dirty="0"/>
-          </a:p>
-          <a:p>
-            <a:r>
-              <a:rPr lang="zh-CN" altLang="en-US" sz="3200" dirty="0"/>
-              <a:t>精细化运营</a:t>
-            </a:r>
-            <a:endParaRPr lang="en-US" altLang="zh-CN" sz="3200" dirty="0" smtClean="0"/>
-          </a:p>
-          <a:p>
-            <a:pPr marL="400050" lvl="1" indent="0">
-              <a:buNone/>
-            </a:pPr>
-            <a:r>
-              <a:rPr lang="zh-CN" altLang="en-US" dirty="0"/>
-              <a:t>数据</a:t>
-            </a:r>
-            <a:r>
-              <a:rPr lang="zh-CN" altLang="en-US" dirty="0" smtClean="0"/>
-              <a:t>挖掘、个性化推荐等等作为代表。</a:t>
-            </a:r>
-            <a:endParaRPr lang="en-US" altLang="zh-CN" dirty="0" smtClean="0"/>
-          </a:p>
-          <a:p>
-            <a:r>
-              <a:rPr lang="zh-CN" altLang="en-US" sz="3200" dirty="0" smtClean="0"/>
-              <a:t>开放</a:t>
-            </a:r>
-            <a:endParaRPr lang="en-US" altLang="zh-CN" sz="3200" dirty="0" smtClean="0"/>
-          </a:p>
-          <a:p>
-            <a:pPr marL="457200" lvl="1" indent="0">
-              <a:buNone/>
-            </a:pPr>
-            <a:r>
-              <a:rPr lang="zh-CN" altLang="en-US" dirty="0" smtClean="0"/>
-              <a:t>让</a:t>
-            </a:r>
-            <a:r>
-              <a:rPr lang="zh-CN" altLang="en-US" dirty="0"/>
-              <a:t>整个社会去分享数据，让每个人都可以去挖掘数据，每个人都可以创造价值。</a:t>
-            </a:r>
-          </a:p>
-          <a:p>
-            <a:endParaRPr lang="zh-CN" altLang="en-US" sz="3600" dirty="0"/>
+              <a:rPr lang="en-US" altLang="zh-CN" dirty="0"/>
+              <a:t>https://github.com/muyannian/higo/wiki</a:t>
+            </a:r>
+            <a:endParaRPr lang="zh-CN" altLang="en-US" dirty="0"/>
           </a:p>
         </p:txBody>
       </p:sp>
     </p:spTree>
     <p:extLst>
       <p:ext uri="{BB962C8B-B14F-4D97-AF65-F5344CB8AC3E}">
-        <p14:creationId xmlns:p14="http://schemas.microsoft.com/office/powerpoint/2010/main" val="723033350"/>
+        <p14:creationId xmlns:p14="http://schemas.microsoft.com/office/powerpoint/2010/main" val="1393238710"/>
       </p:ext>
     </p:extLst>
   </p:cSld>
@@ -33221,89 +33142,6 @@
             <p:ph type="title"/>
           </p:nvPr>
         </p:nvSpPr>
-        <p:spPr/>
-        <p:txBody>
-          <a:bodyPr/>
-          <a:lstStyle/>
-          <a:p>
-            <a:r>
-              <a:rPr lang="zh-CN" altLang="en-US" dirty="0" smtClean="0"/>
-              <a:t>相关资源</a:t>
-            </a:r>
-            <a:endParaRPr lang="zh-CN" altLang="en-US" dirty="0"/>
-          </a:p>
-        </p:txBody>
-      </p:sp>
-      <p:sp>
-        <p:nvSpPr>
-          <p:cNvPr id="3" name="内容占位符 2"/>
-          <p:cNvSpPr>
-            <a:spLocks noGrp="1"/>
-          </p:cNvSpPr>
-          <p:nvPr>
-            <p:ph idx="1"/>
-          </p:nvPr>
-        </p:nvSpPr>
-        <p:spPr/>
-        <p:txBody>
-          <a:bodyPr/>
-          <a:lstStyle/>
-          <a:p>
-            <a:r>
-              <a:rPr lang="en-US" altLang="zh-CN" dirty="0"/>
-              <a:t>https://github.com/muyannian/higo/wiki</a:t>
-            </a:r>
-            <a:endParaRPr lang="zh-CN" altLang="en-US" dirty="0"/>
-          </a:p>
-        </p:txBody>
-      </p:sp>
-    </p:spTree>
-    <p:extLst>
-      <p:ext uri="{BB962C8B-B14F-4D97-AF65-F5344CB8AC3E}">
-        <p14:creationId xmlns:p14="http://schemas.microsoft.com/office/powerpoint/2010/main" val="1393238710"/>
-      </p:ext>
-    </p:extLst>
-  </p:cSld>
-  <p:clrMapOvr>
-    <a:masterClrMapping/>
-  </p:clrMapOvr>
-  <p:timing>
-    <p:tnLst>
-      <p:par>
-        <p:cTn id="1" dur="indefinite" restart="never" nodeType="tmRoot"/>
-      </p:par>
-    </p:tnLst>
-  </p:timing>
-</p:sld>
-</file>
-
-<file path=ppt/slides/slide23.xml><?xml version="1.0" encoding="utf-8"?>
-<p:sld xmlns:a="http://schemas.openxmlformats.org/drawingml/2006/main" xmlns:r="http://schemas.openxmlformats.org/officeDocument/2006/relationships" xmlns:p="http://schemas.openxmlformats.org/presentationml/2006/main">
-  <p:cSld>
-    <p:spTree>
-      <p:nvGrpSpPr>
-        <p:cNvPr id="1" name=""/>
-        <p:cNvGrpSpPr/>
-        <p:nvPr/>
-      </p:nvGrpSpPr>
-      <p:grpSpPr>
-        <a:xfrm>
-          <a:off x="0" y="0"/>
-          <a:ext cx="0" cy="0"/>
-          <a:chOff x="0" y="0"/>
-          <a:chExt cx="0" cy="0"/>
-        </a:xfrm>
-      </p:grpSpPr>
-      <p:sp>
-        <p:nvSpPr>
-          <p:cNvPr id="2" name="标题 1"/>
-          <p:cNvSpPr>
-            <a:spLocks noGrp="1"/>
-          </p:cNvSpPr>
-          <p:nvPr>
-            <p:ph type="title"/>
-          </p:nvPr>
-        </p:nvSpPr>
         <p:spPr>
           <a:xfrm>
             <a:off x="323528" y="2636912"/>
@@ -33342,7 +33180,7 @@
 </p:sld>
 </file>
 
-<file path=ppt/slides/slide24.xml><?xml version="1.0" encoding="utf-8"?>
+<file path=ppt/slides/slide23.xml><?xml version="1.0" encoding="utf-8"?>
 <p:sld xmlns:a="http://schemas.openxmlformats.org/drawingml/2006/main" xmlns:r="http://schemas.openxmlformats.org/officeDocument/2006/relationships" xmlns:p="http://schemas.openxmlformats.org/presentationml/2006/main">
   <p:cSld>
     <p:spTree>

--- a/doc/higo.pptx
+++ b/doc/higo.pptx
@@ -1325,334 +1325,6 @@
       <dsp:cNvGrpSpPr/>
     </dsp:nvGrpSpPr>
     <dsp:grpSpPr/>
-    <dsp:sp modelId="{1A32A10F-9B1B-436D-A614-20F9B53E066E}">
-      <dsp:nvSpPr>
-        <dsp:cNvPr id="0" name=""/>
-        <dsp:cNvSpPr/>
-      </dsp:nvSpPr>
-      <dsp:spPr>
-        <a:xfrm>
-          <a:off x="38833" y="2033"/>
-          <a:ext cx="318376" cy="978296"/>
-        </a:xfrm>
-        <a:prstGeom prst="rect">
-          <a:avLst/>
-        </a:prstGeom>
-        <a:solidFill>
-          <a:schemeClr val="accent2">
-            <a:shade val="50000"/>
-            <a:hueOff val="0"/>
-            <a:satOff val="0"/>
-            <a:lumOff val="0"/>
-            <a:alphaOff val="0"/>
-          </a:schemeClr>
-        </a:solidFill>
-        <a:ln w="25400" cap="flat" cmpd="sng" algn="ctr">
-          <a:solidFill>
-            <a:schemeClr val="lt1">
-              <a:hueOff val="0"/>
-              <a:satOff val="0"/>
-              <a:lumOff val="0"/>
-              <a:alphaOff val="0"/>
-            </a:schemeClr>
-          </a:solidFill>
-          <a:prstDash val="solid"/>
-        </a:ln>
-        <a:effectLst/>
-      </dsp:spPr>
-      <dsp:style>
-        <a:lnRef idx="2">
-          <a:scrgbClr r="0" g="0" b="0"/>
-        </a:lnRef>
-        <a:fillRef idx="1">
-          <a:scrgbClr r="0" g="0" b="0"/>
-        </a:fillRef>
-        <a:effectRef idx="0">
-          <a:scrgbClr r="0" g="0" b="0"/>
-        </a:effectRef>
-        <a:fontRef idx="minor">
-          <a:schemeClr val="lt1"/>
-        </a:fontRef>
-      </dsp:style>
-      <dsp:txBody>
-        <a:bodyPr spcFirstLastPara="0" vert="horz" wrap="square" lIns="40640" tIns="40640" rIns="40640" bIns="40640" numCol="1" spcCol="1270" anchor="ctr" anchorCtr="0">
-          <a:noAutofit/>
-        </a:bodyPr>
-        <a:lstStyle/>
-        <a:p>
-          <a:pPr lvl="0" algn="ctr" defTabSz="711200">
-            <a:lnSpc>
-              <a:spcPct val="90000"/>
-            </a:lnSpc>
-            <a:spcBef>
-              <a:spcPct val="0"/>
-            </a:spcBef>
-            <a:spcAft>
-              <a:spcPct val="35000"/>
-            </a:spcAft>
-          </a:pPr>
-          <a:r>
-            <a:rPr lang="zh-CN" altLang="en-US" sz="1600" kern="1200" dirty="0" smtClean="0"/>
-            <a:t>列</a:t>
-          </a:r>
-          <a:r>
-            <a:rPr lang="en-US" altLang="zh-CN" sz="1600" kern="1200" dirty="0" smtClean="0"/>
-            <a:t>1</a:t>
-          </a:r>
-          <a:endParaRPr lang="zh-CN" altLang="en-US" sz="1600" kern="1200" dirty="0"/>
-        </a:p>
-      </dsp:txBody>
-      <dsp:txXfrm>
-        <a:off x="38833" y="2033"/>
-        <a:ext cx="318376" cy="978296"/>
-      </dsp:txXfrm>
-    </dsp:sp>
-    <dsp:sp modelId="{14407EC2-6BBE-41AE-B959-D195A65C2964}">
-      <dsp:nvSpPr>
-        <dsp:cNvPr id="0" name=""/>
-        <dsp:cNvSpPr/>
-      </dsp:nvSpPr>
-      <dsp:spPr>
-        <a:xfrm>
-          <a:off x="38833" y="1029245"/>
-          <a:ext cx="318376" cy="978296"/>
-        </a:xfrm>
-        <a:prstGeom prst="rect">
-          <a:avLst/>
-        </a:prstGeom>
-        <a:solidFill>
-          <a:schemeClr val="accent2">
-            <a:shade val="50000"/>
-            <a:hueOff val="0"/>
-            <a:satOff val="-16266"/>
-            <a:lumOff val="26389"/>
-            <a:alphaOff val="0"/>
-          </a:schemeClr>
-        </a:solidFill>
-        <a:ln w="25400" cap="flat" cmpd="sng" algn="ctr">
-          <a:solidFill>
-            <a:schemeClr val="lt1">
-              <a:hueOff val="0"/>
-              <a:satOff val="0"/>
-              <a:lumOff val="0"/>
-              <a:alphaOff val="0"/>
-            </a:schemeClr>
-          </a:solidFill>
-          <a:prstDash val="solid"/>
-        </a:ln>
-        <a:effectLst/>
-      </dsp:spPr>
-      <dsp:style>
-        <a:lnRef idx="2">
-          <a:scrgbClr r="0" g="0" b="0"/>
-        </a:lnRef>
-        <a:fillRef idx="1">
-          <a:scrgbClr r="0" g="0" b="0"/>
-        </a:fillRef>
-        <a:effectRef idx="0">
-          <a:scrgbClr r="0" g="0" b="0"/>
-        </a:effectRef>
-        <a:fontRef idx="minor">
-          <a:schemeClr val="lt1"/>
-        </a:fontRef>
-      </dsp:style>
-      <dsp:txBody>
-        <a:bodyPr spcFirstLastPara="0" vert="horz" wrap="square" lIns="25400" tIns="25400" rIns="25400" bIns="25400" numCol="1" spcCol="1270" anchor="ctr" anchorCtr="0">
-          <a:noAutofit/>
-        </a:bodyPr>
-        <a:lstStyle/>
-        <a:p>
-          <a:pPr lvl="0" algn="ctr" defTabSz="444500">
-            <a:lnSpc>
-              <a:spcPct val="90000"/>
-            </a:lnSpc>
-            <a:spcBef>
-              <a:spcPct val="0"/>
-            </a:spcBef>
-            <a:spcAft>
-              <a:spcPct val="35000"/>
-            </a:spcAft>
-          </a:pPr>
-          <a:r>
-            <a:rPr lang="zh-CN" altLang="en-US" sz="1000" kern="1200" dirty="0" smtClean="0"/>
-            <a:t>列</a:t>
-          </a:r>
-          <a:r>
-            <a:rPr lang="en-US" altLang="zh-CN" sz="1000" kern="1200" dirty="0" smtClean="0"/>
-            <a:t>2</a:t>
-          </a:r>
-          <a:endParaRPr lang="zh-CN" altLang="en-US" sz="1000" kern="1200" dirty="0"/>
-        </a:p>
-      </dsp:txBody>
-      <dsp:txXfrm>
-        <a:off x="38833" y="1029245"/>
-        <a:ext cx="318376" cy="978296"/>
-      </dsp:txXfrm>
-    </dsp:sp>
-    <dsp:sp modelId="{2766CE1A-14A7-4314-A143-42BDD394FB1C}">
-      <dsp:nvSpPr>
-        <dsp:cNvPr id="0" name=""/>
-        <dsp:cNvSpPr/>
-      </dsp:nvSpPr>
-      <dsp:spPr>
-        <a:xfrm>
-          <a:off x="33858" y="2056457"/>
-          <a:ext cx="328326" cy="978296"/>
-        </a:xfrm>
-        <a:prstGeom prst="rect">
-          <a:avLst/>
-        </a:prstGeom>
-        <a:solidFill>
-          <a:schemeClr val="accent2">
-            <a:shade val="50000"/>
-            <a:hueOff val="0"/>
-            <a:satOff val="-32532"/>
-            <a:lumOff val="52778"/>
-            <a:alphaOff val="0"/>
-          </a:schemeClr>
-        </a:solidFill>
-        <a:ln w="25400" cap="flat" cmpd="sng" algn="ctr">
-          <a:solidFill>
-            <a:schemeClr val="lt1">
-              <a:hueOff val="0"/>
-              <a:satOff val="0"/>
-              <a:lumOff val="0"/>
-              <a:alphaOff val="0"/>
-            </a:schemeClr>
-          </a:solidFill>
-          <a:prstDash val="solid"/>
-        </a:ln>
-        <a:effectLst/>
-      </dsp:spPr>
-      <dsp:style>
-        <a:lnRef idx="2">
-          <a:scrgbClr r="0" g="0" b="0"/>
-        </a:lnRef>
-        <a:fillRef idx="1">
-          <a:scrgbClr r="0" g="0" b="0"/>
-        </a:fillRef>
-        <a:effectRef idx="0">
-          <a:scrgbClr r="0" g="0" b="0"/>
-        </a:effectRef>
-        <a:fontRef idx="minor">
-          <a:schemeClr val="lt1"/>
-        </a:fontRef>
-      </dsp:style>
-      <dsp:txBody>
-        <a:bodyPr spcFirstLastPara="0" vert="horz" wrap="square" lIns="25400" tIns="25400" rIns="25400" bIns="25400" numCol="1" spcCol="1270" anchor="ctr" anchorCtr="0">
-          <a:noAutofit/>
-        </a:bodyPr>
-        <a:lstStyle/>
-        <a:p>
-          <a:pPr lvl="0" algn="ctr" defTabSz="444500">
-            <a:lnSpc>
-              <a:spcPct val="90000"/>
-            </a:lnSpc>
-            <a:spcBef>
-              <a:spcPct val="0"/>
-            </a:spcBef>
-            <a:spcAft>
-              <a:spcPct val="35000"/>
-            </a:spcAft>
-          </a:pPr>
-          <a:r>
-            <a:rPr lang="zh-CN" altLang="en-US" sz="1000" kern="1200" dirty="0" smtClean="0"/>
-            <a:t>列</a:t>
-          </a:r>
-          <a:r>
-            <a:rPr lang="en-US" altLang="zh-CN" sz="1000" kern="1200" dirty="0" smtClean="0"/>
-            <a:t>…</a:t>
-          </a:r>
-          <a:endParaRPr lang="zh-CN" altLang="en-US" sz="1000" kern="1200" dirty="0"/>
-        </a:p>
-      </dsp:txBody>
-      <dsp:txXfrm>
-        <a:off x="33858" y="2056457"/>
-        <a:ext cx="328326" cy="978296"/>
-      </dsp:txXfrm>
-    </dsp:sp>
-    <dsp:sp modelId="{6622071B-A5D3-459E-90B2-67A70508E830}">
-      <dsp:nvSpPr>
-        <dsp:cNvPr id="0" name=""/>
-        <dsp:cNvSpPr/>
-      </dsp:nvSpPr>
-      <dsp:spPr>
-        <a:xfrm>
-          <a:off x="38833" y="3083669"/>
-          <a:ext cx="318376" cy="978296"/>
-        </a:xfrm>
-        <a:prstGeom prst="rect">
-          <a:avLst/>
-        </a:prstGeom>
-        <a:solidFill>
-          <a:schemeClr val="accent2">
-            <a:shade val="50000"/>
-            <a:hueOff val="0"/>
-            <a:satOff val="-16266"/>
-            <a:lumOff val="26389"/>
-            <a:alphaOff val="0"/>
-          </a:schemeClr>
-        </a:solidFill>
-        <a:ln w="25400" cap="flat" cmpd="sng" algn="ctr">
-          <a:solidFill>
-            <a:schemeClr val="lt1">
-              <a:hueOff val="0"/>
-              <a:satOff val="0"/>
-              <a:lumOff val="0"/>
-              <a:alphaOff val="0"/>
-            </a:schemeClr>
-          </a:solidFill>
-          <a:prstDash val="solid"/>
-        </a:ln>
-        <a:effectLst/>
-      </dsp:spPr>
-      <dsp:style>
-        <a:lnRef idx="2">
-          <a:scrgbClr r="0" g="0" b="0"/>
-        </a:lnRef>
-        <a:fillRef idx="1">
-          <a:scrgbClr r="0" g="0" b="0"/>
-        </a:fillRef>
-        <a:effectRef idx="0">
-          <a:scrgbClr r="0" g="0" b="0"/>
-        </a:effectRef>
-        <a:fontRef idx="minor">
-          <a:schemeClr val="lt1"/>
-        </a:fontRef>
-      </dsp:style>
-      <dsp:txBody>
-        <a:bodyPr spcFirstLastPara="0" vert="horz" wrap="square" lIns="25400" tIns="25400" rIns="25400" bIns="25400" numCol="1" spcCol="1270" anchor="ctr" anchorCtr="0">
-          <a:noAutofit/>
-        </a:bodyPr>
-        <a:lstStyle/>
-        <a:p>
-          <a:pPr lvl="0" algn="ctr" defTabSz="444500">
-            <a:lnSpc>
-              <a:spcPct val="90000"/>
-            </a:lnSpc>
-            <a:spcBef>
-              <a:spcPct val="0"/>
-            </a:spcBef>
-            <a:spcAft>
-              <a:spcPct val="35000"/>
-            </a:spcAft>
-          </a:pPr>
-          <a:r>
-            <a:rPr lang="zh-CN" altLang="en-US" sz="1000" kern="1200" dirty="0" smtClean="0"/>
-            <a:t>列</a:t>
-          </a:r>
-          <a:r>
-            <a:rPr lang="en-US" altLang="zh-CN" sz="1000" kern="1200" dirty="0" smtClean="0"/>
-            <a:t>N</a:t>
-          </a:r>
-          <a:endParaRPr lang="zh-CN" altLang="en-US" sz="1000" kern="1200" dirty="0"/>
-        </a:p>
-      </dsp:txBody>
-      <dsp:txXfrm>
-        <a:off x="38833" y="3083669"/>
-        <a:ext cx="318376" cy="978296"/>
-      </dsp:txXfrm>
-    </dsp:sp>
   </dsp:spTree>
 </dsp:drawing>
 </file>
@@ -34517,11 +34189,27 @@
             <a:pPr lvl="1"/>
             <a:r>
               <a:rPr lang="zh-CN" altLang="en-US" dirty="0" smtClean="0"/>
-              <a:t>底层</a:t>
+              <a:t>使用</a:t>
             </a:r>
             <a:r>
               <a:rPr lang="zh-CN" altLang="en-US" dirty="0"/>
-              <a:t>使用了索引技术，数据扫描的速度大为</a:t>
+              <a:t>了</a:t>
+            </a:r>
+            <a:r>
+              <a:rPr lang="zh-CN" altLang="en-US" dirty="0" smtClean="0"/>
+              <a:t>索引</a:t>
+            </a:r>
+            <a:r>
+              <a:rPr lang="zh-CN" altLang="en-US" dirty="0" smtClean="0"/>
+              <a:t>以及列式存储</a:t>
+            </a:r>
+            <a:r>
+              <a:rPr lang="zh-CN" altLang="en-US" dirty="0" smtClean="0"/>
+              <a:t>，</a:t>
+            </a:r>
+            <a:r>
+              <a:rPr lang="zh-CN" altLang="en-US" dirty="0"/>
+              <a:t>数据扫描的速度大为</a:t>
             </a:r>
             <a:r>
               <a:rPr lang="zh-CN" altLang="en-US" dirty="0" smtClean="0"/>
@@ -34881,7 +34569,15 @@
             </a:pPr>
             <a:r>
               <a:rPr lang="zh-CN" altLang="en-US" dirty="0"/>
-              <a:t>计一般比较实时，统计延迟一般为秒</a:t>
+              <a:t>统计</a:t>
+            </a:r>
+            <a:r>
+              <a:rPr lang="zh-CN" altLang="en-US" smtClean="0"/>
+              <a:t>一般</a:t>
+            </a:r>
+            <a:r>
+              <a:rPr lang="zh-CN" altLang="en-US" dirty="0"/>
+              <a:t>比较实时，统计延迟一般为秒</a:t>
             </a:r>
             <a:r>
               <a:rPr lang="zh-CN" altLang="en-US" dirty="0" smtClean="0"/>

--- a/doc/higo.pptx
+++ b/doc/higo.pptx
@@ -169,6 +169,788 @@
 </file>
 
 <file path=ppt/diagrams/colors1.xml><?xml version="1.0" encoding="utf-8"?>
+<dgm:colorsDef xmlns:dgm="http://schemas.openxmlformats.org/drawingml/2006/diagram" xmlns:a="http://schemas.openxmlformats.org/drawingml/2006/main" uniqueId="urn:microsoft.com/office/officeart/2005/8/colors/colorful5">
+  <dgm:title val=""/>
+  <dgm:desc val=""/>
+  <dgm:catLst>
+    <dgm:cat type="colorful" pri="10500"/>
+  </dgm:catLst>
+  <dgm:styleLbl name="node0">
+    <dgm:fillClrLst meth="repeat">
+      <a:schemeClr val="accent4"/>
+    </dgm:fillClrLst>
+    <dgm:linClrLst meth="repeat">
+      <a:schemeClr val="lt1"/>
+    </dgm:linClrLst>
+    <dgm:effectClrLst/>
+    <dgm:txLinClrLst/>
+    <dgm:txFillClrLst/>
+    <dgm:txEffectClrLst/>
+  </dgm:styleLbl>
+  <dgm:styleLbl name="node1">
+    <dgm:fillClrLst>
+      <a:schemeClr val="accent5"/>
+      <a:schemeClr val="accent6"/>
+    </dgm:fillClrLst>
+    <dgm:linClrLst meth="repeat">
+      <a:schemeClr val="lt1"/>
+    </dgm:linClrLst>
+    <dgm:effectClrLst/>
+    <dgm:txLinClrLst/>
+    <dgm:txFillClrLst/>
+    <dgm:txEffectClrLst/>
+  </dgm:styleLbl>
+  <dgm:styleLbl name="alignNode1">
+    <dgm:fillClrLst>
+      <a:schemeClr val="accent5"/>
+      <a:schemeClr val="accent6"/>
+    </dgm:fillClrLst>
+    <dgm:linClrLst>
+      <a:schemeClr val="accent5"/>
+      <a:schemeClr val="accent6"/>
+    </dgm:linClrLst>
+    <dgm:effectClrLst/>
+    <dgm:txLinClrLst/>
+    <dgm:txFillClrLst/>
+    <dgm:txEffectClrLst/>
+  </dgm:styleLbl>
+  <dgm:styleLbl name="lnNode1">
+    <dgm:fillClrLst>
+      <a:schemeClr val="accent5"/>
+      <a:schemeClr val="accent6"/>
+    </dgm:fillClrLst>
+    <dgm:linClrLst meth="repeat">
+      <a:schemeClr val="lt1"/>
+    </dgm:linClrLst>
+    <dgm:effectClrLst/>
+    <dgm:txLinClrLst/>
+    <dgm:txFillClrLst/>
+    <dgm:txEffectClrLst/>
+  </dgm:styleLbl>
+  <dgm:styleLbl name="vennNode1">
+    <dgm:fillClrLst>
+      <a:schemeClr val="accent5">
+        <a:alpha val="50000"/>
+      </a:schemeClr>
+      <a:schemeClr val="accent6">
+        <a:alpha val="50000"/>
+      </a:schemeClr>
+    </dgm:fillClrLst>
+    <dgm:linClrLst meth="repeat">
+      <a:schemeClr val="lt1"/>
+    </dgm:linClrLst>
+    <dgm:effectClrLst/>
+    <dgm:txLinClrLst/>
+    <dgm:txFillClrLst/>
+    <dgm:txEffectClrLst/>
+  </dgm:styleLbl>
+  <dgm:styleLbl name="node2">
+    <dgm:fillClrLst>
+      <a:schemeClr val="accent6"/>
+    </dgm:fillClrLst>
+    <dgm:linClrLst meth="repeat">
+      <a:schemeClr val="lt1"/>
+    </dgm:linClrLst>
+    <dgm:effectClrLst/>
+    <dgm:txLinClrLst/>
+    <dgm:txFillClrLst/>
+    <dgm:txEffectClrLst/>
+  </dgm:styleLbl>
+  <dgm:styleLbl name="node3">
+    <dgm:fillClrLst>
+      <a:schemeClr val="accent1"/>
+    </dgm:fillClrLst>
+    <dgm:linClrLst meth="repeat">
+      <a:schemeClr val="lt1"/>
+    </dgm:linClrLst>
+    <dgm:effectClrLst/>
+    <dgm:txLinClrLst/>
+    <dgm:txFillClrLst/>
+    <dgm:txEffectClrLst/>
+  </dgm:styleLbl>
+  <dgm:styleLbl name="node4">
+    <dgm:fillClrLst>
+      <a:schemeClr val="accent2"/>
+    </dgm:fillClrLst>
+    <dgm:linClrLst meth="repeat">
+      <a:schemeClr val="lt1"/>
+    </dgm:linClrLst>
+    <dgm:effectClrLst/>
+    <dgm:txLinClrLst/>
+    <dgm:txFillClrLst/>
+    <dgm:txEffectClrLst/>
+  </dgm:styleLbl>
+  <dgm:styleLbl name="fgImgPlace1">
+    <dgm:fillClrLst>
+      <a:schemeClr val="accent5">
+        <a:tint val="50000"/>
+      </a:schemeClr>
+      <a:schemeClr val="accent6">
+        <a:tint val="50000"/>
+      </a:schemeClr>
+    </dgm:fillClrLst>
+    <dgm:linClrLst meth="repeat">
+      <a:schemeClr val="lt1"/>
+    </dgm:linClrLst>
+    <dgm:effectClrLst/>
+    <dgm:txLinClrLst/>
+    <dgm:txFillClrLst meth="repeat">
+      <a:schemeClr val="lt1"/>
+    </dgm:txFillClrLst>
+    <dgm:txEffectClrLst/>
+  </dgm:styleLbl>
+  <dgm:styleLbl name="alignImgPlace1">
+    <dgm:fillClrLst>
+      <a:schemeClr val="accent5">
+        <a:tint val="50000"/>
+      </a:schemeClr>
+      <a:schemeClr val="accent6">
+        <a:tint val="20000"/>
+      </a:schemeClr>
+    </dgm:fillClrLst>
+    <dgm:linClrLst meth="repeat">
+      <a:schemeClr val="lt1"/>
+    </dgm:linClrLst>
+    <dgm:effectClrLst/>
+    <dgm:txLinClrLst/>
+    <dgm:txFillClrLst meth="repeat">
+      <a:schemeClr val="lt1"/>
+    </dgm:txFillClrLst>
+    <dgm:txEffectClrLst/>
+  </dgm:styleLbl>
+  <dgm:styleLbl name="bgImgPlace1">
+    <dgm:fillClrLst>
+      <a:schemeClr val="accent5">
+        <a:tint val="50000"/>
+      </a:schemeClr>
+      <a:schemeClr val="accent6">
+        <a:tint val="20000"/>
+      </a:schemeClr>
+    </dgm:fillClrLst>
+    <dgm:linClrLst meth="repeat">
+      <a:schemeClr val="lt1"/>
+    </dgm:linClrLst>
+    <dgm:effectClrLst/>
+    <dgm:txLinClrLst/>
+    <dgm:txFillClrLst meth="repeat">
+      <a:schemeClr val="lt1"/>
+    </dgm:txFillClrLst>
+    <dgm:txEffectClrLst/>
+  </dgm:styleLbl>
+  <dgm:styleLbl name="sibTrans2D1">
+    <dgm:fillClrLst>
+      <a:schemeClr val="accent5"/>
+      <a:schemeClr val="accent6"/>
+    </dgm:fillClrLst>
+    <dgm:linClrLst meth="repeat">
+      <a:schemeClr val="lt1"/>
+    </dgm:linClrLst>
+    <dgm:effectClrLst/>
+    <dgm:txLinClrLst/>
+    <dgm:txFillClrLst/>
+    <dgm:txEffectClrLst/>
+  </dgm:styleLbl>
+  <dgm:styleLbl name="fgSibTrans2D1">
+    <dgm:fillClrLst>
+      <a:schemeClr val="accent5"/>
+      <a:schemeClr val="accent6"/>
+    </dgm:fillClrLst>
+    <dgm:linClrLst meth="repeat">
+      <a:schemeClr val="lt1"/>
+    </dgm:linClrLst>
+    <dgm:effectClrLst/>
+    <dgm:txLinClrLst/>
+    <dgm:txFillClrLst meth="repeat">
+      <a:schemeClr val="lt1"/>
+    </dgm:txFillClrLst>
+    <dgm:txEffectClrLst/>
+  </dgm:styleLbl>
+  <dgm:styleLbl name="bgSibTrans2D1">
+    <dgm:fillClrLst>
+      <a:schemeClr val="accent5"/>
+      <a:schemeClr val="accent6"/>
+    </dgm:fillClrLst>
+    <dgm:linClrLst meth="repeat">
+      <a:schemeClr val="lt1"/>
+    </dgm:linClrLst>
+    <dgm:effectClrLst/>
+    <dgm:txLinClrLst/>
+    <dgm:txFillClrLst meth="repeat">
+      <a:schemeClr val="lt1"/>
+    </dgm:txFillClrLst>
+    <dgm:txEffectClrLst/>
+  </dgm:styleLbl>
+  <dgm:styleLbl name="sibTrans1D1">
+    <dgm:fillClrLst/>
+    <dgm:linClrLst>
+      <a:schemeClr val="accent5"/>
+      <a:schemeClr val="accent6"/>
+    </dgm:linClrLst>
+    <dgm:effectClrLst/>
+    <dgm:txLinClrLst/>
+    <dgm:txFillClrLst meth="repeat">
+      <a:schemeClr val="tx1"/>
+    </dgm:txFillClrLst>
+    <dgm:txEffectClrLst/>
+  </dgm:styleLbl>
+  <dgm:styleLbl name="callout">
+    <dgm:fillClrLst meth="repeat">
+      <a:schemeClr val="accent5"/>
+    </dgm:fillClrLst>
+    <dgm:linClrLst meth="repeat">
+      <a:schemeClr val="accent5">
+        <a:tint val="50000"/>
+      </a:schemeClr>
+    </dgm:linClrLst>
+    <dgm:effectClrLst/>
+    <dgm:txLinClrLst/>
+    <dgm:txFillClrLst meth="repeat">
+      <a:schemeClr val="tx1"/>
+    </dgm:txFillClrLst>
+    <dgm:txEffectClrLst/>
+  </dgm:styleLbl>
+  <dgm:styleLbl name="asst0">
+    <dgm:fillClrLst meth="repeat">
+      <a:schemeClr val="accent5"/>
+    </dgm:fillClrLst>
+    <dgm:linClrLst meth="repeat">
+      <a:schemeClr val="lt1">
+        <a:shade val="80000"/>
+      </a:schemeClr>
+    </dgm:linClrLst>
+    <dgm:effectClrLst/>
+    <dgm:txLinClrLst/>
+    <dgm:txFillClrLst/>
+    <dgm:txEffectClrLst/>
+  </dgm:styleLbl>
+  <dgm:styleLbl name="asst1">
+    <dgm:fillClrLst meth="repeat">
+      <a:schemeClr val="accent6"/>
+    </dgm:fillClrLst>
+    <dgm:linClrLst meth="repeat">
+      <a:schemeClr val="lt1">
+        <a:shade val="80000"/>
+      </a:schemeClr>
+    </dgm:linClrLst>
+    <dgm:effectClrLst/>
+    <dgm:txLinClrLst/>
+    <dgm:txFillClrLst/>
+    <dgm:txEffectClrLst/>
+  </dgm:styleLbl>
+  <dgm:styleLbl name="asst2">
+    <dgm:fillClrLst>
+      <a:schemeClr val="accent1"/>
+    </dgm:fillClrLst>
+    <dgm:linClrLst meth="repeat">
+      <a:schemeClr val="lt1"/>
+    </dgm:linClrLst>
+    <dgm:effectClrLst/>
+    <dgm:txLinClrLst/>
+    <dgm:txFillClrLst/>
+    <dgm:txEffectClrLst/>
+  </dgm:styleLbl>
+  <dgm:styleLbl name="asst3">
+    <dgm:fillClrLst>
+      <a:schemeClr val="accent2"/>
+    </dgm:fillClrLst>
+    <dgm:linClrLst meth="repeat">
+      <a:schemeClr val="lt1"/>
+    </dgm:linClrLst>
+    <dgm:effectClrLst/>
+    <dgm:txLinClrLst/>
+    <dgm:txFillClrLst/>
+    <dgm:txEffectClrLst/>
+  </dgm:styleLbl>
+  <dgm:styleLbl name="asst4">
+    <dgm:fillClrLst>
+      <a:schemeClr val="accent3"/>
+    </dgm:fillClrLst>
+    <dgm:linClrLst meth="repeat">
+      <a:schemeClr val="lt1"/>
+    </dgm:linClrLst>
+    <dgm:effectClrLst/>
+    <dgm:txLinClrLst/>
+    <dgm:txFillClrLst/>
+    <dgm:txEffectClrLst/>
+  </dgm:styleLbl>
+  <dgm:styleLbl name="parChTrans2D1">
+    <dgm:fillClrLst meth="repeat">
+      <a:schemeClr val="accent5"/>
+    </dgm:fillClrLst>
+    <dgm:linClrLst meth="repeat">
+      <a:schemeClr val="lt1"/>
+    </dgm:linClrLst>
+    <dgm:effectClrLst/>
+    <dgm:txLinClrLst/>
+    <dgm:txFillClrLst meth="repeat">
+      <a:schemeClr val="lt1"/>
+    </dgm:txFillClrLst>
+    <dgm:txEffectClrLst/>
+  </dgm:styleLbl>
+  <dgm:styleLbl name="parChTrans2D2">
+    <dgm:fillClrLst meth="repeat">
+      <a:schemeClr val="accent6"/>
+    </dgm:fillClrLst>
+    <dgm:linClrLst meth="repeat">
+      <a:schemeClr val="lt1"/>
+    </dgm:linClrLst>
+    <dgm:effectClrLst/>
+    <dgm:txLinClrLst/>
+    <dgm:txFillClrLst/>
+    <dgm:txEffectClrLst/>
+  </dgm:styleLbl>
+  <dgm:styleLbl name="parChTrans2D3">
+    <dgm:fillClrLst meth="repeat">
+      <a:schemeClr val="accent6"/>
+    </dgm:fillClrLst>
+    <dgm:linClrLst meth="repeat">
+      <a:schemeClr val="lt1"/>
+    </dgm:linClrLst>
+    <dgm:effectClrLst/>
+    <dgm:txLinClrLst/>
+    <dgm:txFillClrLst/>
+    <dgm:txEffectClrLst/>
+  </dgm:styleLbl>
+  <dgm:styleLbl name="parChTrans2D4">
+    <dgm:fillClrLst meth="repeat">
+      <a:schemeClr val="accent1"/>
+    </dgm:fillClrLst>
+    <dgm:linClrLst meth="repeat">
+      <a:schemeClr val="lt1"/>
+    </dgm:linClrLst>
+    <dgm:effectClrLst/>
+    <dgm:txLinClrLst/>
+    <dgm:txFillClrLst meth="repeat">
+      <a:schemeClr val="lt1"/>
+    </dgm:txFillClrLst>
+    <dgm:txEffectClrLst/>
+  </dgm:styleLbl>
+  <dgm:styleLbl name="parChTrans1D1">
+    <dgm:fillClrLst meth="repeat">
+      <a:schemeClr val="accent5"/>
+    </dgm:fillClrLst>
+    <dgm:linClrLst meth="repeat">
+      <a:schemeClr val="accent5"/>
+    </dgm:linClrLst>
+    <dgm:effectClrLst/>
+    <dgm:txLinClrLst/>
+    <dgm:txFillClrLst meth="repeat">
+      <a:schemeClr val="tx1"/>
+    </dgm:txFillClrLst>
+    <dgm:txEffectClrLst/>
+  </dgm:styleLbl>
+  <dgm:styleLbl name="parChTrans1D2">
+    <dgm:fillClrLst meth="repeat">
+      <a:schemeClr val="accent6">
+        <a:tint val="90000"/>
+      </a:schemeClr>
+    </dgm:fillClrLst>
+    <dgm:linClrLst meth="repeat">
+      <a:schemeClr val="accent6"/>
+    </dgm:linClrLst>
+    <dgm:effectClrLst/>
+    <dgm:txLinClrLst/>
+    <dgm:txFillClrLst meth="repeat">
+      <a:schemeClr val="tx1"/>
+    </dgm:txFillClrLst>
+    <dgm:txEffectClrLst/>
+  </dgm:styleLbl>
+  <dgm:styleLbl name="parChTrans1D3">
+    <dgm:fillClrLst meth="repeat">
+      <a:schemeClr val="accent6">
+        <a:tint val="70000"/>
+      </a:schemeClr>
+    </dgm:fillClrLst>
+    <dgm:linClrLst meth="repeat">
+      <a:schemeClr val="accent1"/>
+    </dgm:linClrLst>
+    <dgm:effectClrLst/>
+    <dgm:txLinClrLst/>
+    <dgm:txFillClrLst meth="repeat">
+      <a:schemeClr val="tx1"/>
+    </dgm:txFillClrLst>
+    <dgm:txEffectClrLst/>
+  </dgm:styleLbl>
+  <dgm:styleLbl name="parChTrans1D4">
+    <dgm:fillClrLst meth="repeat">
+      <a:schemeClr val="accent6">
+        <a:tint val="50000"/>
+      </a:schemeClr>
+    </dgm:fillClrLst>
+    <dgm:linClrLst meth="repeat">
+      <a:schemeClr val="accent2"/>
+    </dgm:linClrLst>
+    <dgm:effectClrLst/>
+    <dgm:txLinClrLst/>
+    <dgm:txFillClrLst meth="repeat">
+      <a:schemeClr val="tx1"/>
+    </dgm:txFillClrLst>
+    <dgm:txEffectClrLst/>
+  </dgm:styleLbl>
+  <dgm:styleLbl name="fgAcc1">
+    <dgm:fillClrLst meth="repeat">
+      <a:schemeClr val="lt1">
+        <a:alpha val="90000"/>
+      </a:schemeClr>
+    </dgm:fillClrLst>
+    <dgm:linClrLst>
+      <a:schemeClr val="accent5"/>
+      <a:schemeClr val="accent6"/>
+    </dgm:linClrLst>
+    <dgm:effectClrLst/>
+    <dgm:txLinClrLst/>
+    <dgm:txFillClrLst meth="repeat">
+      <a:schemeClr val="dk1"/>
+    </dgm:txFillClrLst>
+    <dgm:txEffectClrLst/>
+  </dgm:styleLbl>
+  <dgm:styleLbl name="conFgAcc1">
+    <dgm:fillClrLst meth="repeat">
+      <a:schemeClr val="lt1">
+        <a:alpha val="90000"/>
+      </a:schemeClr>
+    </dgm:fillClrLst>
+    <dgm:linClrLst>
+      <a:schemeClr val="accent5"/>
+      <a:schemeClr val="accent6"/>
+    </dgm:linClrLst>
+    <dgm:effectClrLst/>
+    <dgm:txLinClrLst/>
+    <dgm:txFillClrLst meth="repeat">
+      <a:schemeClr val="dk1"/>
+    </dgm:txFillClrLst>
+    <dgm:txEffectClrLst/>
+  </dgm:styleLbl>
+  <dgm:styleLbl name="alignAcc1">
+    <dgm:fillClrLst meth="repeat">
+      <a:schemeClr val="lt1">
+        <a:alpha val="90000"/>
+      </a:schemeClr>
+    </dgm:fillClrLst>
+    <dgm:linClrLst>
+      <a:schemeClr val="accent5"/>
+      <a:schemeClr val="accent6"/>
+    </dgm:linClrLst>
+    <dgm:effectClrLst/>
+    <dgm:txLinClrLst/>
+    <dgm:txFillClrLst meth="repeat">
+      <a:schemeClr val="dk1"/>
+    </dgm:txFillClrLst>
+    <dgm:txEffectClrLst/>
+  </dgm:styleLbl>
+  <dgm:styleLbl name="trAlignAcc1">
+    <dgm:fillClrLst meth="repeat">
+      <a:schemeClr val="lt1">
+        <a:alpha val="40000"/>
+      </a:schemeClr>
+    </dgm:fillClrLst>
+    <dgm:linClrLst meth="repeat">
+      <a:schemeClr val="accent5"/>
+    </dgm:linClrLst>
+    <dgm:effectClrLst/>
+    <dgm:txLinClrLst/>
+    <dgm:txFillClrLst meth="repeat">
+      <a:schemeClr val="dk1"/>
+    </dgm:txFillClrLst>
+    <dgm:txEffectClrLst/>
+  </dgm:styleLbl>
+  <dgm:styleLbl name="bgAcc1">
+    <dgm:fillClrLst meth="repeat">
+      <a:schemeClr val="lt1">
+        <a:alpha val="90000"/>
+      </a:schemeClr>
+    </dgm:fillClrLst>
+    <dgm:linClrLst>
+      <a:schemeClr val="accent5"/>
+      <a:schemeClr val="accent6"/>
+    </dgm:linClrLst>
+    <dgm:effectClrLst/>
+    <dgm:txLinClrLst/>
+    <dgm:txFillClrLst meth="repeat">
+      <a:schemeClr val="dk1"/>
+    </dgm:txFillClrLst>
+    <dgm:txEffectClrLst/>
+  </dgm:styleLbl>
+  <dgm:styleLbl name="solidFgAcc1">
+    <dgm:fillClrLst meth="repeat">
+      <a:schemeClr val="lt1"/>
+    </dgm:fillClrLst>
+    <dgm:linClrLst>
+      <a:schemeClr val="accent5"/>
+      <a:schemeClr val="accent6"/>
+    </dgm:linClrLst>
+    <dgm:effectClrLst/>
+    <dgm:txLinClrLst/>
+    <dgm:txFillClrLst meth="repeat">
+      <a:schemeClr val="dk1"/>
+    </dgm:txFillClrLst>
+    <dgm:txEffectClrLst/>
+  </dgm:styleLbl>
+  <dgm:styleLbl name="solidAlignAcc1">
+    <dgm:fillClrLst meth="repeat">
+      <a:schemeClr val="lt1"/>
+    </dgm:fillClrLst>
+    <dgm:linClrLst>
+      <a:schemeClr val="accent5"/>
+      <a:schemeClr val="accent6"/>
+    </dgm:linClrLst>
+    <dgm:effectClrLst/>
+    <dgm:txLinClrLst/>
+    <dgm:txFillClrLst meth="repeat">
+      <a:schemeClr val="dk1"/>
+    </dgm:txFillClrLst>
+    <dgm:txEffectClrLst/>
+  </dgm:styleLbl>
+  <dgm:styleLbl name="solidBgAcc1">
+    <dgm:fillClrLst meth="repeat">
+      <a:schemeClr val="lt1"/>
+    </dgm:fillClrLst>
+    <dgm:linClrLst>
+      <a:schemeClr val="accent5"/>
+      <a:schemeClr val="accent6"/>
+    </dgm:linClrLst>
+    <dgm:effectClrLst/>
+    <dgm:txLinClrLst/>
+    <dgm:txFillClrLst meth="repeat">
+      <a:schemeClr val="dk1"/>
+    </dgm:txFillClrLst>
+    <dgm:txEffectClrLst/>
+  </dgm:styleLbl>
+  <dgm:styleLbl name="fgAccFollowNode1">
+    <dgm:fillClrLst>
+      <a:schemeClr val="accent5">
+        <a:tint val="40000"/>
+        <a:alpha val="90000"/>
+      </a:schemeClr>
+      <a:schemeClr val="accent6">
+        <a:tint val="40000"/>
+        <a:alpha val="90000"/>
+      </a:schemeClr>
+    </dgm:fillClrLst>
+    <dgm:linClrLst>
+      <a:schemeClr val="accent5">
+        <a:tint val="40000"/>
+        <a:alpha val="90000"/>
+      </a:schemeClr>
+      <a:schemeClr val="accent5">
+        <a:tint val="40000"/>
+        <a:alpha val="90000"/>
+      </a:schemeClr>
+    </dgm:linClrLst>
+    <dgm:effectClrLst/>
+    <dgm:txLinClrLst/>
+    <dgm:txFillClrLst meth="repeat">
+      <a:schemeClr val="dk1"/>
+    </dgm:txFillClrLst>
+    <dgm:txEffectClrLst/>
+  </dgm:styleLbl>
+  <dgm:styleLbl name="alignAccFollowNode1">
+    <dgm:fillClrLst>
+      <a:schemeClr val="accent5">
+        <a:tint val="40000"/>
+        <a:alpha val="90000"/>
+      </a:schemeClr>
+      <a:schemeClr val="accent6">
+        <a:tint val="40000"/>
+        <a:alpha val="90000"/>
+      </a:schemeClr>
+    </dgm:fillClrLst>
+    <dgm:linClrLst>
+      <a:schemeClr val="accent5">
+        <a:tint val="40000"/>
+        <a:alpha val="90000"/>
+      </a:schemeClr>
+      <a:schemeClr val="accent6">
+        <a:tint val="40000"/>
+        <a:alpha val="90000"/>
+      </a:schemeClr>
+    </dgm:linClrLst>
+    <dgm:effectClrLst/>
+    <dgm:txLinClrLst/>
+    <dgm:txFillClrLst meth="repeat">
+      <a:schemeClr val="dk1"/>
+    </dgm:txFillClrLst>
+    <dgm:txEffectClrLst/>
+  </dgm:styleLbl>
+  <dgm:styleLbl name="bgAccFollowNode1">
+    <dgm:fillClrLst>
+      <a:schemeClr val="accent5">
+        <a:tint val="40000"/>
+        <a:alpha val="90000"/>
+      </a:schemeClr>
+      <a:schemeClr val="accent6">
+        <a:tint val="40000"/>
+        <a:alpha val="90000"/>
+      </a:schemeClr>
+    </dgm:fillClrLst>
+    <dgm:linClrLst>
+      <a:schemeClr val="accent5">
+        <a:tint val="40000"/>
+        <a:alpha val="90000"/>
+      </a:schemeClr>
+      <a:schemeClr val="accent6">
+        <a:tint val="40000"/>
+        <a:alpha val="90000"/>
+      </a:schemeClr>
+    </dgm:linClrLst>
+    <dgm:effectClrLst/>
+    <dgm:txLinClrLst/>
+    <dgm:txFillClrLst meth="repeat">
+      <a:schemeClr val="dk1"/>
+    </dgm:txFillClrLst>
+    <dgm:txEffectClrLst/>
+  </dgm:styleLbl>
+  <dgm:styleLbl name="fgAcc0">
+    <dgm:fillClrLst meth="repeat">
+      <a:schemeClr val="lt1">
+        <a:alpha val="90000"/>
+      </a:schemeClr>
+    </dgm:fillClrLst>
+    <dgm:linClrLst>
+      <a:schemeClr val="accent4"/>
+    </dgm:linClrLst>
+    <dgm:effectClrLst/>
+    <dgm:txLinClrLst/>
+    <dgm:txFillClrLst meth="repeat">
+      <a:schemeClr val="dk1"/>
+    </dgm:txFillClrLst>
+    <dgm:txEffectClrLst/>
+  </dgm:styleLbl>
+  <dgm:styleLbl name="fgAcc2">
+    <dgm:fillClrLst meth="repeat">
+      <a:schemeClr val="lt1">
+        <a:alpha val="90000"/>
+      </a:schemeClr>
+    </dgm:fillClrLst>
+    <dgm:linClrLst>
+      <a:schemeClr val="accent6"/>
+    </dgm:linClrLst>
+    <dgm:effectClrLst/>
+    <dgm:txLinClrLst/>
+    <dgm:txFillClrLst meth="repeat">
+      <a:schemeClr val="dk1"/>
+    </dgm:txFillClrLst>
+    <dgm:txEffectClrLst/>
+  </dgm:styleLbl>
+  <dgm:styleLbl name="fgAcc3">
+    <dgm:fillClrLst meth="repeat">
+      <a:schemeClr val="lt1">
+        <a:alpha val="90000"/>
+      </a:schemeClr>
+    </dgm:fillClrLst>
+    <dgm:linClrLst>
+      <a:schemeClr val="accent1"/>
+    </dgm:linClrLst>
+    <dgm:effectClrLst/>
+    <dgm:txLinClrLst/>
+    <dgm:txFillClrLst meth="repeat">
+      <a:schemeClr val="dk1"/>
+    </dgm:txFillClrLst>
+    <dgm:txEffectClrLst/>
+  </dgm:styleLbl>
+  <dgm:styleLbl name="fgAcc4">
+    <dgm:fillClrLst meth="repeat">
+      <a:schemeClr val="lt1">
+        <a:alpha val="90000"/>
+      </a:schemeClr>
+    </dgm:fillClrLst>
+    <dgm:linClrLst>
+      <a:schemeClr val="accent2"/>
+    </dgm:linClrLst>
+    <dgm:effectClrLst/>
+    <dgm:txLinClrLst/>
+    <dgm:txFillClrLst meth="repeat">
+      <a:schemeClr val="dk1"/>
+    </dgm:txFillClrLst>
+    <dgm:txEffectClrLst/>
+  </dgm:styleLbl>
+  <dgm:styleLbl name="bgShp">
+    <dgm:fillClrLst meth="repeat">
+      <a:schemeClr val="accent5">
+        <a:tint val="40000"/>
+      </a:schemeClr>
+    </dgm:fillClrLst>
+    <dgm:linClrLst meth="repeat">
+      <a:schemeClr val="dk1"/>
+    </dgm:linClrLst>
+    <dgm:effectClrLst/>
+    <dgm:txLinClrLst/>
+    <dgm:txFillClrLst meth="repeat">
+      <a:schemeClr val="dk1"/>
+    </dgm:txFillClrLst>
+    <dgm:txEffectClrLst/>
+  </dgm:styleLbl>
+  <dgm:styleLbl name="dkBgShp">
+    <dgm:fillClrLst meth="repeat">
+      <a:schemeClr val="accent5">
+        <a:shade val="90000"/>
+      </a:schemeClr>
+    </dgm:fillClrLst>
+    <dgm:linClrLst meth="repeat">
+      <a:schemeClr val="dk1"/>
+    </dgm:linClrLst>
+    <dgm:effectClrLst/>
+    <dgm:txLinClrLst/>
+    <dgm:txFillClrLst meth="repeat">
+      <a:schemeClr val="lt1"/>
+    </dgm:txFillClrLst>
+    <dgm:txEffectClrLst/>
+  </dgm:styleLbl>
+  <dgm:styleLbl name="trBgShp">
+    <dgm:fillClrLst meth="repeat">
+      <a:schemeClr val="accent5">
+        <a:tint val="50000"/>
+        <a:alpha val="40000"/>
+      </a:schemeClr>
+    </dgm:fillClrLst>
+    <dgm:linClrLst meth="repeat">
+      <a:schemeClr val="accent5"/>
+    </dgm:linClrLst>
+    <dgm:effectClrLst/>
+    <dgm:txLinClrLst/>
+    <dgm:txFillClrLst meth="repeat">
+      <a:schemeClr val="lt1"/>
+    </dgm:txFillClrLst>
+    <dgm:txEffectClrLst/>
+  </dgm:styleLbl>
+  <dgm:styleLbl name="fgShp">
+    <dgm:fillClrLst meth="repeat">
+      <a:schemeClr val="accent5">
+        <a:tint val="40000"/>
+      </a:schemeClr>
+    </dgm:fillClrLst>
+    <dgm:linClrLst meth="repeat">
+      <a:schemeClr val="lt1"/>
+    </dgm:linClrLst>
+    <dgm:effectClrLst/>
+    <dgm:txLinClrLst/>
+    <dgm:txFillClrLst meth="repeat">
+      <a:schemeClr val="dk1"/>
+    </dgm:txFillClrLst>
+    <dgm:txEffectClrLst/>
+  </dgm:styleLbl>
+  <dgm:styleLbl name="revTx">
+    <dgm:fillClrLst meth="repeat">
+      <a:schemeClr val="lt1">
+        <a:alpha val="0"/>
+      </a:schemeClr>
+    </dgm:fillClrLst>
+    <dgm:linClrLst meth="repeat">
+      <a:schemeClr val="dk1">
+        <a:alpha val="0"/>
+      </a:schemeClr>
+    </dgm:linClrLst>
+    <dgm:effectClrLst/>
+    <dgm:txLinClrLst/>
+    <dgm:txFillClrLst meth="repeat">
+      <a:schemeClr val="tx1"/>
+    </dgm:txFillClrLst>
+    <dgm:txEffectClrLst/>
+  </dgm:styleLbl>
+</dgm:colorsDef>
+</file>
+
+<file path=ppt/diagrams/colors2.xml><?xml version="1.0" encoding="utf-8"?>
 <dgm:colorsDef xmlns:dgm="http://schemas.openxmlformats.org/drawingml/2006/diagram" xmlns:a="http://schemas.openxmlformats.org/drawingml/2006/main" uniqueId="urn:microsoft.com/office/officeart/2005/8/colors/accent2_4">
   <dgm:title val=""/>
   <dgm:desc val=""/>
@@ -1040,6 +1822,570 @@
 <file path=ppt/diagrams/data1.xml><?xml version="1.0" encoding="utf-8"?>
 <dgm:dataModel xmlns:dgm="http://schemas.openxmlformats.org/drawingml/2006/diagram" xmlns:a="http://schemas.openxmlformats.org/drawingml/2006/main">
   <dgm:ptLst>
+    <dgm:pt modelId="{1D9F44C0-B17A-4951-B3DB-60FACE819F26}" type="doc">
+      <dgm:prSet loTypeId="urn:microsoft.com/office/officeart/2009/layout/CirclePictureHierarchy" loCatId="hierarchy" qsTypeId="urn:microsoft.com/office/officeart/2005/8/quickstyle/simple1" qsCatId="simple" csTypeId="urn:microsoft.com/office/officeart/2005/8/colors/colorful5" csCatId="colorful" phldr="1"/>
+      <dgm:spPr/>
+      <dgm:t>
+        <a:bodyPr/>
+        <a:lstStyle/>
+        <a:p>
+          <a:endParaRPr lang="zh-CN" altLang="en-US"/>
+        </a:p>
+      </dgm:t>
+    </dgm:pt>
+    <dgm:pt modelId="{679EC45C-9E0F-4364-89C5-8781A959218F}">
+      <dgm:prSet phldrT="[文本]"/>
+      <dgm:spPr/>
+      <dgm:t>
+        <a:bodyPr/>
+        <a:lstStyle/>
+        <a:p>
+          <a:r>
+            <a:rPr lang="zh-CN" altLang="en-US" dirty="0" smtClean="0"/>
+            <a:t>最终的索引</a:t>
+          </a:r>
+          <a:endParaRPr lang="zh-CN" altLang="en-US" dirty="0"/>
+        </a:p>
+      </dgm:t>
+    </dgm:pt>
+    <dgm:pt modelId="{4C63DA13-A593-4DC2-91A3-C37023C0CCEC}" type="parTrans" cxnId="{2280B93F-9B0D-4E8C-A3A3-9F5189775E1B}">
+      <dgm:prSet/>
+      <dgm:spPr/>
+      <dgm:t>
+        <a:bodyPr/>
+        <a:lstStyle/>
+        <a:p>
+          <a:endParaRPr lang="zh-CN" altLang="en-US"/>
+        </a:p>
+      </dgm:t>
+    </dgm:pt>
+    <dgm:pt modelId="{5DB89976-3E89-4AE7-98B0-4C7EF85BC87B}" type="sibTrans" cxnId="{2280B93F-9B0D-4E8C-A3A3-9F5189775E1B}">
+      <dgm:prSet/>
+      <dgm:spPr/>
+      <dgm:t>
+        <a:bodyPr/>
+        <a:lstStyle/>
+        <a:p>
+          <a:endParaRPr lang="zh-CN" altLang="en-US"/>
+        </a:p>
+      </dgm:t>
+    </dgm:pt>
+    <dgm:pt modelId="{8D95464A-4B49-4A67-89E7-C2C7431132CF}">
+      <dgm:prSet phldrT="[文本]"/>
+      <dgm:spPr/>
+      <dgm:t>
+        <a:bodyPr/>
+        <a:lstStyle/>
+        <a:p>
+          <a:r>
+            <a:rPr lang="en-US" altLang="zh-CN" dirty="0" err="1" smtClean="0"/>
+            <a:t>hdfs</a:t>
+          </a:r>
+          <a:r>
+            <a:rPr lang="zh-CN" altLang="en-US" dirty="0" smtClean="0"/>
+            <a:t>小索引</a:t>
+          </a:r>
+          <a:endParaRPr lang="zh-CN" altLang="en-US" dirty="0"/>
+        </a:p>
+      </dgm:t>
+    </dgm:pt>
+    <dgm:pt modelId="{B9155114-2DE2-4FC1-8950-C11F058161F8}" type="parTrans" cxnId="{7670A21F-708E-4CDF-B651-C3251D26B34D}">
+      <dgm:prSet/>
+      <dgm:spPr/>
+      <dgm:t>
+        <a:bodyPr/>
+        <a:lstStyle/>
+        <a:p>
+          <a:endParaRPr lang="zh-CN" altLang="en-US"/>
+        </a:p>
+      </dgm:t>
+    </dgm:pt>
+    <dgm:pt modelId="{52DED1B8-3CA1-4C4F-BABE-73BDA4A9DE61}" type="sibTrans" cxnId="{7670A21F-708E-4CDF-B651-C3251D26B34D}">
+      <dgm:prSet/>
+      <dgm:spPr/>
+      <dgm:t>
+        <a:bodyPr/>
+        <a:lstStyle/>
+        <a:p>
+          <a:endParaRPr lang="zh-CN" altLang="en-US"/>
+        </a:p>
+      </dgm:t>
+    </dgm:pt>
+    <dgm:pt modelId="{B1CA4F62-0B54-407B-A55F-F13BE43C8E27}">
+      <dgm:prSet phldrT="[文本]"/>
+      <dgm:spPr/>
+      <dgm:t>
+        <a:bodyPr/>
+        <a:lstStyle/>
+        <a:p>
+          <a:r>
+            <a:rPr lang="zh-CN" altLang="en-US" dirty="0" smtClean="0"/>
+            <a:t>内存中的小索引</a:t>
+          </a:r>
+          <a:endParaRPr lang="zh-CN" altLang="en-US" dirty="0"/>
+        </a:p>
+      </dgm:t>
+    </dgm:pt>
+    <dgm:pt modelId="{9B4EDAD1-C374-4BFC-B7A2-54A61CE7FAD4}" type="parTrans" cxnId="{2441A057-490C-4291-9D78-E157BE80EB5D}">
+      <dgm:prSet/>
+      <dgm:spPr/>
+      <dgm:t>
+        <a:bodyPr/>
+        <a:lstStyle/>
+        <a:p>
+          <a:endParaRPr lang="zh-CN" altLang="en-US"/>
+        </a:p>
+      </dgm:t>
+    </dgm:pt>
+    <dgm:pt modelId="{545177F8-821F-427C-99F5-3771DF34D8F6}" type="sibTrans" cxnId="{2441A057-490C-4291-9D78-E157BE80EB5D}">
+      <dgm:prSet/>
+      <dgm:spPr/>
+      <dgm:t>
+        <a:bodyPr/>
+        <a:lstStyle/>
+        <a:p>
+          <a:endParaRPr lang="zh-CN" altLang="en-US"/>
+        </a:p>
+      </dgm:t>
+    </dgm:pt>
+    <dgm:pt modelId="{1FC85EB0-EBE5-465E-A12B-7762DA7888AB}">
+      <dgm:prSet phldrT="[文本]"/>
+      <dgm:spPr/>
+      <dgm:t>
+        <a:bodyPr/>
+        <a:lstStyle/>
+        <a:p>
+          <a:r>
+            <a:rPr lang="zh-CN" altLang="en-US" dirty="0" smtClean="0"/>
+            <a:t>内存中的小索引</a:t>
+          </a:r>
+          <a:endParaRPr lang="zh-CN" altLang="en-US" dirty="0"/>
+        </a:p>
+      </dgm:t>
+    </dgm:pt>
+    <dgm:pt modelId="{79C5B070-E0E7-414C-BEA6-E00CFA9A610E}" type="parTrans" cxnId="{36E1A0F2-7F78-4C1B-B2B6-C13EA2691D35}">
+      <dgm:prSet/>
+      <dgm:spPr/>
+      <dgm:t>
+        <a:bodyPr/>
+        <a:lstStyle/>
+        <a:p>
+          <a:endParaRPr lang="zh-CN" altLang="en-US"/>
+        </a:p>
+      </dgm:t>
+    </dgm:pt>
+    <dgm:pt modelId="{05A9E2EE-514B-4A33-9B1D-E8299AEFD49A}" type="sibTrans" cxnId="{36E1A0F2-7F78-4C1B-B2B6-C13EA2691D35}">
+      <dgm:prSet/>
+      <dgm:spPr/>
+      <dgm:t>
+        <a:bodyPr/>
+        <a:lstStyle/>
+        <a:p>
+          <a:endParaRPr lang="zh-CN" altLang="en-US"/>
+        </a:p>
+      </dgm:t>
+    </dgm:pt>
+    <dgm:pt modelId="{F4BF65CD-C51B-4385-B459-96DC56C6050B}">
+      <dgm:prSet phldrT="[文本]"/>
+      <dgm:spPr/>
+      <dgm:t>
+        <a:bodyPr/>
+        <a:lstStyle/>
+        <a:p>
+          <a:r>
+            <a:rPr lang="en-US" altLang="zh-CN" dirty="0" err="1" smtClean="0"/>
+            <a:t>Hdfs</a:t>
+          </a:r>
+          <a:r>
+            <a:rPr lang="zh-CN" altLang="en-US" dirty="0" smtClean="0"/>
+            <a:t>小索引</a:t>
+          </a:r>
+          <a:endParaRPr lang="zh-CN" altLang="en-US" dirty="0"/>
+        </a:p>
+      </dgm:t>
+    </dgm:pt>
+    <dgm:pt modelId="{61CDED0C-7E68-4126-8CE1-DF0B93BE2BE7}" type="parTrans" cxnId="{83C10140-0B6F-4D72-ABC7-D2DFCA168B63}">
+      <dgm:prSet/>
+      <dgm:spPr/>
+      <dgm:t>
+        <a:bodyPr/>
+        <a:lstStyle/>
+        <a:p>
+          <a:endParaRPr lang="zh-CN" altLang="en-US"/>
+        </a:p>
+      </dgm:t>
+    </dgm:pt>
+    <dgm:pt modelId="{AFEE73FF-B833-48F1-A302-F3C60EC42C80}" type="sibTrans" cxnId="{83C10140-0B6F-4D72-ABC7-D2DFCA168B63}">
+      <dgm:prSet/>
+      <dgm:spPr/>
+      <dgm:t>
+        <a:bodyPr/>
+        <a:lstStyle/>
+        <a:p>
+          <a:endParaRPr lang="zh-CN" altLang="en-US"/>
+        </a:p>
+      </dgm:t>
+    </dgm:pt>
+    <dgm:pt modelId="{4117B397-3E09-4DFF-B5E3-EC717E63C46A}">
+      <dgm:prSet phldrT="[文本]"/>
+      <dgm:spPr/>
+      <dgm:t>
+        <a:bodyPr/>
+        <a:lstStyle/>
+        <a:p>
+          <a:r>
+            <a:rPr lang="zh-CN" altLang="en-US" dirty="0" smtClean="0"/>
+            <a:t>内存中的小索引</a:t>
+          </a:r>
+          <a:endParaRPr lang="zh-CN" altLang="en-US" dirty="0"/>
+        </a:p>
+      </dgm:t>
+    </dgm:pt>
+    <dgm:pt modelId="{65F68222-E78A-4E84-980F-D30AB836D510}" type="parTrans" cxnId="{EACE0CD1-757B-4430-95BD-3DF98E892BDD}">
+      <dgm:prSet/>
+      <dgm:spPr/>
+      <dgm:t>
+        <a:bodyPr/>
+        <a:lstStyle/>
+        <a:p>
+          <a:endParaRPr lang="zh-CN" altLang="en-US"/>
+        </a:p>
+      </dgm:t>
+    </dgm:pt>
+    <dgm:pt modelId="{0E0C2F32-A5E7-4911-BF33-0A17FA79BE2B}" type="sibTrans" cxnId="{EACE0CD1-757B-4430-95BD-3DF98E892BDD}">
+      <dgm:prSet/>
+      <dgm:spPr/>
+      <dgm:t>
+        <a:bodyPr/>
+        <a:lstStyle/>
+        <a:p>
+          <a:endParaRPr lang="zh-CN" altLang="en-US"/>
+        </a:p>
+      </dgm:t>
+    </dgm:pt>
+    <dgm:pt modelId="{B69C8980-C470-492E-9B24-06E5CBD6B12B}">
+      <dgm:prSet/>
+      <dgm:spPr/>
+      <dgm:t>
+        <a:bodyPr/>
+        <a:lstStyle/>
+        <a:p>
+          <a:r>
+            <a:rPr lang="en-US" altLang="zh-CN" dirty="0" err="1" smtClean="0"/>
+            <a:t>Hdfs</a:t>
+          </a:r>
+          <a:r>
+            <a:rPr lang="zh-CN" altLang="en-US" dirty="0" smtClean="0"/>
+            <a:t>小索引</a:t>
+          </a:r>
+          <a:endParaRPr lang="zh-CN" altLang="en-US" dirty="0"/>
+        </a:p>
+      </dgm:t>
+    </dgm:pt>
+    <dgm:pt modelId="{86818DDB-788A-4F0E-8757-4BCB0E760A49}" type="parTrans" cxnId="{CD291295-5162-4880-8F06-6BEA0F22EB41}">
+      <dgm:prSet/>
+      <dgm:spPr/>
+      <dgm:t>
+        <a:bodyPr/>
+        <a:lstStyle/>
+        <a:p>
+          <a:endParaRPr lang="zh-CN" altLang="en-US"/>
+        </a:p>
+      </dgm:t>
+    </dgm:pt>
+    <dgm:pt modelId="{47CC91BF-DDBD-4D65-B6BB-E6B9AA515764}" type="sibTrans" cxnId="{CD291295-5162-4880-8F06-6BEA0F22EB41}">
+      <dgm:prSet/>
+      <dgm:spPr/>
+      <dgm:t>
+        <a:bodyPr/>
+        <a:lstStyle/>
+        <a:p>
+          <a:endParaRPr lang="zh-CN" altLang="en-US"/>
+        </a:p>
+      </dgm:t>
+    </dgm:pt>
+    <dgm:pt modelId="{D6C5D097-05A1-48CE-99D8-FB1CF5BFD4B1}" type="pres">
+      <dgm:prSet presAssocID="{1D9F44C0-B17A-4951-B3DB-60FACE819F26}" presName="hierChild1" presStyleCnt="0">
+        <dgm:presLayoutVars>
+          <dgm:chPref val="1"/>
+          <dgm:dir/>
+          <dgm:animOne val="branch"/>
+          <dgm:animLvl val="lvl"/>
+          <dgm:resizeHandles/>
+        </dgm:presLayoutVars>
+      </dgm:prSet>
+      <dgm:spPr/>
+    </dgm:pt>
+    <dgm:pt modelId="{CF6D4AF9-41EC-4E03-AC14-7671CA61D844}" type="pres">
+      <dgm:prSet presAssocID="{679EC45C-9E0F-4364-89C5-8781A959218F}" presName="hierRoot1" presStyleCnt="0"/>
+      <dgm:spPr/>
+    </dgm:pt>
+    <dgm:pt modelId="{00CDF82F-A345-49E6-A40C-3810A70555BB}" type="pres">
+      <dgm:prSet presAssocID="{679EC45C-9E0F-4364-89C5-8781A959218F}" presName="composite" presStyleCnt="0"/>
+      <dgm:spPr/>
+    </dgm:pt>
+    <dgm:pt modelId="{8364383A-4280-42AB-9170-0D1A32D39455}" type="pres">
+      <dgm:prSet presAssocID="{679EC45C-9E0F-4364-89C5-8781A959218F}" presName="image" presStyleLbl="node0" presStyleIdx="0" presStyleCnt="1"/>
+      <dgm:spPr/>
+    </dgm:pt>
+    <dgm:pt modelId="{B887DC98-4092-4C4D-96C9-E3C8C6A768EB}" type="pres">
+      <dgm:prSet presAssocID="{679EC45C-9E0F-4364-89C5-8781A959218F}" presName="text" presStyleLbl="revTx" presStyleIdx="0" presStyleCnt="7">
+        <dgm:presLayoutVars>
+          <dgm:chPref val="3"/>
+        </dgm:presLayoutVars>
+      </dgm:prSet>
+      <dgm:spPr/>
+    </dgm:pt>
+    <dgm:pt modelId="{D36C6FF8-E96E-4765-8132-FECCE31A9868}" type="pres">
+      <dgm:prSet presAssocID="{679EC45C-9E0F-4364-89C5-8781A959218F}" presName="hierChild2" presStyleCnt="0"/>
+      <dgm:spPr/>
+    </dgm:pt>
+    <dgm:pt modelId="{2254F64B-7799-43DF-823F-ED34BCB166F6}" type="pres">
+      <dgm:prSet presAssocID="{B9155114-2DE2-4FC1-8950-C11F058161F8}" presName="Name10" presStyleLbl="parChTrans1D2" presStyleIdx="0" presStyleCnt="3"/>
+      <dgm:spPr/>
+    </dgm:pt>
+    <dgm:pt modelId="{A14E2B3F-3D5A-40E9-A143-81FB26937DA3}" type="pres">
+      <dgm:prSet presAssocID="{8D95464A-4B49-4A67-89E7-C2C7431132CF}" presName="hierRoot2" presStyleCnt="0"/>
+      <dgm:spPr/>
+    </dgm:pt>
+    <dgm:pt modelId="{BDD73520-28A4-4A25-B370-40E899E43013}" type="pres">
+      <dgm:prSet presAssocID="{8D95464A-4B49-4A67-89E7-C2C7431132CF}" presName="composite2" presStyleCnt="0"/>
+      <dgm:spPr/>
+    </dgm:pt>
+    <dgm:pt modelId="{F11EDDB9-9728-4DFB-BDE3-2B1C96FF363C}" type="pres">
+      <dgm:prSet presAssocID="{8D95464A-4B49-4A67-89E7-C2C7431132CF}" presName="image2" presStyleLbl="node2" presStyleIdx="0" presStyleCnt="3"/>
+      <dgm:spPr/>
+    </dgm:pt>
+    <dgm:pt modelId="{A6B6490D-6D3E-42AA-91D8-365B05D20A8E}" type="pres">
+      <dgm:prSet presAssocID="{8D95464A-4B49-4A67-89E7-C2C7431132CF}" presName="text2" presStyleLbl="revTx" presStyleIdx="1" presStyleCnt="7">
+        <dgm:presLayoutVars>
+          <dgm:chPref val="3"/>
+        </dgm:presLayoutVars>
+      </dgm:prSet>
+      <dgm:spPr/>
+    </dgm:pt>
+    <dgm:pt modelId="{A2F9E9C3-33A6-49BE-8E31-A5AC38951FE2}" type="pres">
+      <dgm:prSet presAssocID="{8D95464A-4B49-4A67-89E7-C2C7431132CF}" presName="hierChild3" presStyleCnt="0"/>
+      <dgm:spPr/>
+    </dgm:pt>
+    <dgm:pt modelId="{B2167DB8-FEFC-420D-BEDF-9EA1410152DE}" type="pres">
+      <dgm:prSet presAssocID="{9B4EDAD1-C374-4BFC-B7A2-54A61CE7FAD4}" presName="Name17" presStyleLbl="parChTrans1D3" presStyleIdx="0" presStyleCnt="3"/>
+      <dgm:spPr/>
+    </dgm:pt>
+    <dgm:pt modelId="{2991480B-F38C-4CB0-B0F0-30D82FC9533F}" type="pres">
+      <dgm:prSet presAssocID="{B1CA4F62-0B54-407B-A55F-F13BE43C8E27}" presName="hierRoot3" presStyleCnt="0"/>
+      <dgm:spPr/>
+    </dgm:pt>
+    <dgm:pt modelId="{38FCBA68-E182-44FD-BE22-CDC2B7B4C1CC}" type="pres">
+      <dgm:prSet presAssocID="{B1CA4F62-0B54-407B-A55F-F13BE43C8E27}" presName="composite3" presStyleCnt="0"/>
+      <dgm:spPr/>
+    </dgm:pt>
+    <dgm:pt modelId="{BA6A68A9-7045-42C5-B6B8-D9923D10963C}" type="pres">
+      <dgm:prSet presAssocID="{B1CA4F62-0B54-407B-A55F-F13BE43C8E27}" presName="image3" presStyleLbl="node3" presStyleIdx="0" presStyleCnt="3"/>
+      <dgm:spPr/>
+    </dgm:pt>
+    <dgm:pt modelId="{00F9AC4E-0660-4489-AFC6-A047E43B63D0}" type="pres">
+      <dgm:prSet presAssocID="{B1CA4F62-0B54-407B-A55F-F13BE43C8E27}" presName="text3" presStyleLbl="revTx" presStyleIdx="2" presStyleCnt="7">
+        <dgm:presLayoutVars>
+          <dgm:chPref val="3"/>
+        </dgm:presLayoutVars>
+      </dgm:prSet>
+      <dgm:spPr/>
+    </dgm:pt>
+    <dgm:pt modelId="{90E9D2FD-5417-4941-823E-03F80A623840}" type="pres">
+      <dgm:prSet presAssocID="{B1CA4F62-0B54-407B-A55F-F13BE43C8E27}" presName="hierChild4" presStyleCnt="0"/>
+      <dgm:spPr/>
+    </dgm:pt>
+    <dgm:pt modelId="{418EEE6D-9957-4849-80F2-89846141588C}" type="pres">
+      <dgm:prSet presAssocID="{79C5B070-E0E7-414C-BEA6-E00CFA9A610E}" presName="Name17" presStyleLbl="parChTrans1D3" presStyleIdx="1" presStyleCnt="3"/>
+      <dgm:spPr/>
+    </dgm:pt>
+    <dgm:pt modelId="{4C4774D0-CD0E-49DB-86BF-001E16ADEB84}" type="pres">
+      <dgm:prSet presAssocID="{1FC85EB0-EBE5-465E-A12B-7762DA7888AB}" presName="hierRoot3" presStyleCnt="0"/>
+      <dgm:spPr/>
+    </dgm:pt>
+    <dgm:pt modelId="{CC8B5E57-415E-4389-A98D-FEE1B969860A}" type="pres">
+      <dgm:prSet presAssocID="{1FC85EB0-EBE5-465E-A12B-7762DA7888AB}" presName="composite3" presStyleCnt="0"/>
+      <dgm:spPr/>
+    </dgm:pt>
+    <dgm:pt modelId="{598EB75C-F22B-47C7-BCD9-18B237B97592}" type="pres">
+      <dgm:prSet presAssocID="{1FC85EB0-EBE5-465E-A12B-7762DA7888AB}" presName="image3" presStyleLbl="node3" presStyleIdx="1" presStyleCnt="3"/>
+      <dgm:spPr/>
+    </dgm:pt>
+    <dgm:pt modelId="{2485DD8E-D1D6-4961-9491-C32417155D11}" type="pres">
+      <dgm:prSet presAssocID="{1FC85EB0-EBE5-465E-A12B-7762DA7888AB}" presName="text3" presStyleLbl="revTx" presStyleIdx="3" presStyleCnt="7">
+        <dgm:presLayoutVars>
+          <dgm:chPref val="3"/>
+        </dgm:presLayoutVars>
+      </dgm:prSet>
+      <dgm:spPr/>
+    </dgm:pt>
+    <dgm:pt modelId="{D636AFCD-59EB-411E-B96F-B87E3584499D}" type="pres">
+      <dgm:prSet presAssocID="{1FC85EB0-EBE5-465E-A12B-7762DA7888AB}" presName="hierChild4" presStyleCnt="0"/>
+      <dgm:spPr/>
+    </dgm:pt>
+    <dgm:pt modelId="{9C00E8BB-1F06-4FC3-B259-F0F2960DB8E8}" type="pres">
+      <dgm:prSet presAssocID="{61CDED0C-7E68-4126-8CE1-DF0B93BE2BE7}" presName="Name10" presStyleLbl="parChTrans1D2" presStyleIdx="1" presStyleCnt="3"/>
+      <dgm:spPr/>
+    </dgm:pt>
+    <dgm:pt modelId="{BAD2C4F2-79DD-4717-8509-2A16D0A2E2EF}" type="pres">
+      <dgm:prSet presAssocID="{F4BF65CD-C51B-4385-B459-96DC56C6050B}" presName="hierRoot2" presStyleCnt="0"/>
+      <dgm:spPr/>
+    </dgm:pt>
+    <dgm:pt modelId="{5B979984-A5DC-419D-8D1F-A885AFFFCBEF}" type="pres">
+      <dgm:prSet presAssocID="{F4BF65CD-C51B-4385-B459-96DC56C6050B}" presName="composite2" presStyleCnt="0"/>
+      <dgm:spPr/>
+    </dgm:pt>
+    <dgm:pt modelId="{3E82BB91-BE3E-46D5-A4F3-98FA267E4E1B}" type="pres">
+      <dgm:prSet presAssocID="{F4BF65CD-C51B-4385-B459-96DC56C6050B}" presName="image2" presStyleLbl="node2" presStyleIdx="1" presStyleCnt="3"/>
+      <dgm:spPr/>
+    </dgm:pt>
+    <dgm:pt modelId="{73B5F492-DB97-4AFC-8D55-94114A54030F}" type="pres">
+      <dgm:prSet presAssocID="{F4BF65CD-C51B-4385-B459-96DC56C6050B}" presName="text2" presStyleLbl="revTx" presStyleIdx="4" presStyleCnt="7">
+        <dgm:presLayoutVars>
+          <dgm:chPref val="3"/>
+        </dgm:presLayoutVars>
+      </dgm:prSet>
+      <dgm:spPr/>
+    </dgm:pt>
+    <dgm:pt modelId="{ADDD3A3F-0649-47B7-B0A6-A1C03F4BE6BD}" type="pres">
+      <dgm:prSet presAssocID="{F4BF65CD-C51B-4385-B459-96DC56C6050B}" presName="hierChild3" presStyleCnt="0"/>
+      <dgm:spPr/>
+    </dgm:pt>
+    <dgm:pt modelId="{C4EEFFC5-231D-4BD2-9829-A7D6564985C9}" type="pres">
+      <dgm:prSet presAssocID="{65F68222-E78A-4E84-980F-D30AB836D510}" presName="Name17" presStyleLbl="parChTrans1D3" presStyleIdx="2" presStyleCnt="3"/>
+      <dgm:spPr/>
+    </dgm:pt>
+    <dgm:pt modelId="{30F0D168-F5F1-42E8-8A30-447CBA8D0E89}" type="pres">
+      <dgm:prSet presAssocID="{4117B397-3E09-4DFF-B5E3-EC717E63C46A}" presName="hierRoot3" presStyleCnt="0"/>
+      <dgm:spPr/>
+    </dgm:pt>
+    <dgm:pt modelId="{DFFE3D6D-BB5C-46F1-B6A4-7A5D0801A4E2}" type="pres">
+      <dgm:prSet presAssocID="{4117B397-3E09-4DFF-B5E3-EC717E63C46A}" presName="composite3" presStyleCnt="0"/>
+      <dgm:spPr/>
+    </dgm:pt>
+    <dgm:pt modelId="{81534B87-0253-40AC-9E82-0B5D61E36B91}" type="pres">
+      <dgm:prSet presAssocID="{4117B397-3E09-4DFF-B5E3-EC717E63C46A}" presName="image3" presStyleLbl="node3" presStyleIdx="2" presStyleCnt="3"/>
+      <dgm:spPr/>
+    </dgm:pt>
+    <dgm:pt modelId="{4F0CB2D6-1F9A-41B8-AE24-415589FB682C}" type="pres">
+      <dgm:prSet presAssocID="{4117B397-3E09-4DFF-B5E3-EC717E63C46A}" presName="text3" presStyleLbl="revTx" presStyleIdx="5" presStyleCnt="7">
+        <dgm:presLayoutVars>
+          <dgm:chPref val="3"/>
+        </dgm:presLayoutVars>
+      </dgm:prSet>
+      <dgm:spPr/>
+    </dgm:pt>
+    <dgm:pt modelId="{E02F2AE7-CCCB-48F1-ABB0-499D1D2DACAD}" type="pres">
+      <dgm:prSet presAssocID="{4117B397-3E09-4DFF-B5E3-EC717E63C46A}" presName="hierChild4" presStyleCnt="0"/>
+      <dgm:spPr/>
+    </dgm:pt>
+    <dgm:pt modelId="{9A01F4C0-61DC-4302-B2CA-96DAA590A8CA}" type="pres">
+      <dgm:prSet presAssocID="{86818DDB-788A-4F0E-8757-4BCB0E760A49}" presName="Name10" presStyleLbl="parChTrans1D2" presStyleIdx="2" presStyleCnt="3"/>
+      <dgm:spPr/>
+    </dgm:pt>
+    <dgm:pt modelId="{9BC06AF6-6331-4CFD-9C7B-97B78C40E194}" type="pres">
+      <dgm:prSet presAssocID="{B69C8980-C470-492E-9B24-06E5CBD6B12B}" presName="hierRoot2" presStyleCnt="0"/>
+      <dgm:spPr/>
+    </dgm:pt>
+    <dgm:pt modelId="{7B97C074-D2D6-47F3-9630-317B784B7123}" type="pres">
+      <dgm:prSet presAssocID="{B69C8980-C470-492E-9B24-06E5CBD6B12B}" presName="composite2" presStyleCnt="0"/>
+      <dgm:spPr/>
+    </dgm:pt>
+    <dgm:pt modelId="{25E97F30-2E39-42EB-AF8B-69A53C6C0BC1}" type="pres">
+      <dgm:prSet presAssocID="{B69C8980-C470-492E-9B24-06E5CBD6B12B}" presName="image2" presStyleLbl="node2" presStyleIdx="2" presStyleCnt="3"/>
+      <dgm:spPr/>
+    </dgm:pt>
+    <dgm:pt modelId="{B159CCCA-B78F-4C78-93D1-5D3FD63F82AE}" type="pres">
+      <dgm:prSet presAssocID="{B69C8980-C470-492E-9B24-06E5CBD6B12B}" presName="text2" presStyleLbl="revTx" presStyleIdx="6" presStyleCnt="7">
+        <dgm:presLayoutVars>
+          <dgm:chPref val="3"/>
+        </dgm:presLayoutVars>
+      </dgm:prSet>
+      <dgm:spPr/>
+    </dgm:pt>
+    <dgm:pt modelId="{08FC02A9-6C4E-4664-85C2-681378691685}" type="pres">
+      <dgm:prSet presAssocID="{B69C8980-C470-492E-9B24-06E5CBD6B12B}" presName="hierChild3" presStyleCnt="0"/>
+      <dgm:spPr/>
+    </dgm:pt>
+  </dgm:ptLst>
+  <dgm:cxnLst>
+    <dgm:cxn modelId="{AE1B6C18-5F53-4880-9D98-7D0D390D9CEE}" type="presOf" srcId="{8D95464A-4B49-4A67-89E7-C2C7431132CF}" destId="{A6B6490D-6D3E-42AA-91D8-365B05D20A8E}" srcOrd="0" destOrd="0" presId="urn:microsoft.com/office/officeart/2009/layout/CirclePictureHierarchy"/>
+    <dgm:cxn modelId="{EACE0CD1-757B-4430-95BD-3DF98E892BDD}" srcId="{F4BF65CD-C51B-4385-B459-96DC56C6050B}" destId="{4117B397-3E09-4DFF-B5E3-EC717E63C46A}" srcOrd="0" destOrd="0" parTransId="{65F68222-E78A-4E84-980F-D30AB836D510}" sibTransId="{0E0C2F32-A5E7-4911-BF33-0A17FA79BE2B}"/>
+    <dgm:cxn modelId="{2280B93F-9B0D-4E8C-A3A3-9F5189775E1B}" srcId="{1D9F44C0-B17A-4951-B3DB-60FACE819F26}" destId="{679EC45C-9E0F-4364-89C5-8781A959218F}" srcOrd="0" destOrd="0" parTransId="{4C63DA13-A593-4DC2-91A3-C37023C0CCEC}" sibTransId="{5DB89976-3E89-4AE7-98B0-4C7EF85BC87B}"/>
+    <dgm:cxn modelId="{CD291295-5162-4880-8F06-6BEA0F22EB41}" srcId="{679EC45C-9E0F-4364-89C5-8781A959218F}" destId="{B69C8980-C470-492E-9B24-06E5CBD6B12B}" srcOrd="2" destOrd="0" parTransId="{86818DDB-788A-4F0E-8757-4BCB0E760A49}" sibTransId="{47CC91BF-DDBD-4D65-B6BB-E6B9AA515764}"/>
+    <dgm:cxn modelId="{0FE8B87A-8AAC-430E-8984-4B8373543454}" type="presOf" srcId="{61CDED0C-7E68-4126-8CE1-DF0B93BE2BE7}" destId="{9C00E8BB-1F06-4FC3-B259-F0F2960DB8E8}" srcOrd="0" destOrd="0" presId="urn:microsoft.com/office/officeart/2009/layout/CirclePictureHierarchy"/>
+    <dgm:cxn modelId="{C164FF41-F51C-46E8-A653-9AACD8FEA991}" type="presOf" srcId="{679EC45C-9E0F-4364-89C5-8781A959218F}" destId="{B887DC98-4092-4C4D-96C9-E3C8C6A768EB}" srcOrd="0" destOrd="0" presId="urn:microsoft.com/office/officeart/2009/layout/CirclePictureHierarchy"/>
+    <dgm:cxn modelId="{2441A057-490C-4291-9D78-E157BE80EB5D}" srcId="{8D95464A-4B49-4A67-89E7-C2C7431132CF}" destId="{B1CA4F62-0B54-407B-A55F-F13BE43C8E27}" srcOrd="0" destOrd="0" parTransId="{9B4EDAD1-C374-4BFC-B7A2-54A61CE7FAD4}" sibTransId="{545177F8-821F-427C-99F5-3771DF34D8F6}"/>
+    <dgm:cxn modelId="{93BF7298-AFD1-43A1-8E31-5FD30658694B}" type="presOf" srcId="{B69C8980-C470-492E-9B24-06E5CBD6B12B}" destId="{B159CCCA-B78F-4C78-93D1-5D3FD63F82AE}" srcOrd="0" destOrd="0" presId="urn:microsoft.com/office/officeart/2009/layout/CirclePictureHierarchy"/>
+    <dgm:cxn modelId="{739C3A7A-4AF1-427C-BBE9-C685ED0BADD1}" type="presOf" srcId="{B9155114-2DE2-4FC1-8950-C11F058161F8}" destId="{2254F64B-7799-43DF-823F-ED34BCB166F6}" srcOrd="0" destOrd="0" presId="urn:microsoft.com/office/officeart/2009/layout/CirclePictureHierarchy"/>
+    <dgm:cxn modelId="{7C02C83E-623A-4110-9AFA-00ACB3BCA75F}" type="presOf" srcId="{65F68222-E78A-4E84-980F-D30AB836D510}" destId="{C4EEFFC5-231D-4BD2-9829-A7D6564985C9}" srcOrd="0" destOrd="0" presId="urn:microsoft.com/office/officeart/2009/layout/CirclePictureHierarchy"/>
+    <dgm:cxn modelId="{0AE8CCCE-20D5-4896-901E-06B3DD1E00EA}" type="presOf" srcId="{4117B397-3E09-4DFF-B5E3-EC717E63C46A}" destId="{4F0CB2D6-1F9A-41B8-AE24-415589FB682C}" srcOrd="0" destOrd="0" presId="urn:microsoft.com/office/officeart/2009/layout/CirclePictureHierarchy"/>
+    <dgm:cxn modelId="{39051736-9A87-47B6-B2DE-5E793F977C43}" type="presOf" srcId="{1D9F44C0-B17A-4951-B3DB-60FACE819F26}" destId="{D6C5D097-05A1-48CE-99D8-FB1CF5BFD4B1}" srcOrd="0" destOrd="0" presId="urn:microsoft.com/office/officeart/2009/layout/CirclePictureHierarchy"/>
+    <dgm:cxn modelId="{1131F3EF-DBB4-40D4-8E41-CF060AAEC43B}" type="presOf" srcId="{79C5B070-E0E7-414C-BEA6-E00CFA9A610E}" destId="{418EEE6D-9957-4849-80F2-89846141588C}" srcOrd="0" destOrd="0" presId="urn:microsoft.com/office/officeart/2009/layout/CirclePictureHierarchy"/>
+    <dgm:cxn modelId="{748A5D77-8E8D-4AAE-9AF0-FB7AD7EAC226}" type="presOf" srcId="{1FC85EB0-EBE5-465E-A12B-7762DA7888AB}" destId="{2485DD8E-D1D6-4961-9491-C32417155D11}" srcOrd="0" destOrd="0" presId="urn:microsoft.com/office/officeart/2009/layout/CirclePictureHierarchy"/>
+    <dgm:cxn modelId="{F4D0FA4F-952D-43A0-BEFC-F59EC5CEC863}" type="presOf" srcId="{F4BF65CD-C51B-4385-B459-96DC56C6050B}" destId="{73B5F492-DB97-4AFC-8D55-94114A54030F}" srcOrd="0" destOrd="0" presId="urn:microsoft.com/office/officeart/2009/layout/CirclePictureHierarchy"/>
+    <dgm:cxn modelId="{83C10140-0B6F-4D72-ABC7-D2DFCA168B63}" srcId="{679EC45C-9E0F-4364-89C5-8781A959218F}" destId="{F4BF65CD-C51B-4385-B459-96DC56C6050B}" srcOrd="1" destOrd="0" parTransId="{61CDED0C-7E68-4126-8CE1-DF0B93BE2BE7}" sibTransId="{AFEE73FF-B833-48F1-A302-F3C60EC42C80}"/>
+    <dgm:cxn modelId="{7670A21F-708E-4CDF-B651-C3251D26B34D}" srcId="{679EC45C-9E0F-4364-89C5-8781A959218F}" destId="{8D95464A-4B49-4A67-89E7-C2C7431132CF}" srcOrd="0" destOrd="0" parTransId="{B9155114-2DE2-4FC1-8950-C11F058161F8}" sibTransId="{52DED1B8-3CA1-4C4F-BABE-73BDA4A9DE61}"/>
+    <dgm:cxn modelId="{72A7E53D-04A9-4680-B0D3-AB752E37FA3B}" type="presOf" srcId="{86818DDB-788A-4F0E-8757-4BCB0E760A49}" destId="{9A01F4C0-61DC-4302-B2CA-96DAA590A8CA}" srcOrd="0" destOrd="0" presId="urn:microsoft.com/office/officeart/2009/layout/CirclePictureHierarchy"/>
+    <dgm:cxn modelId="{C8059280-C221-4C97-B647-EDE769363FE8}" type="presOf" srcId="{9B4EDAD1-C374-4BFC-B7A2-54A61CE7FAD4}" destId="{B2167DB8-FEFC-420D-BEDF-9EA1410152DE}" srcOrd="0" destOrd="0" presId="urn:microsoft.com/office/officeart/2009/layout/CirclePictureHierarchy"/>
+    <dgm:cxn modelId="{C00C93B3-C91A-42F6-A7F5-461FD06EA3C9}" type="presOf" srcId="{B1CA4F62-0B54-407B-A55F-F13BE43C8E27}" destId="{00F9AC4E-0660-4489-AFC6-A047E43B63D0}" srcOrd="0" destOrd="0" presId="urn:microsoft.com/office/officeart/2009/layout/CirclePictureHierarchy"/>
+    <dgm:cxn modelId="{36E1A0F2-7F78-4C1B-B2B6-C13EA2691D35}" srcId="{8D95464A-4B49-4A67-89E7-C2C7431132CF}" destId="{1FC85EB0-EBE5-465E-A12B-7762DA7888AB}" srcOrd="1" destOrd="0" parTransId="{79C5B070-E0E7-414C-BEA6-E00CFA9A610E}" sibTransId="{05A9E2EE-514B-4A33-9B1D-E8299AEFD49A}"/>
+    <dgm:cxn modelId="{B9879183-9538-4642-85A5-1B039C400148}" type="presParOf" srcId="{D6C5D097-05A1-48CE-99D8-FB1CF5BFD4B1}" destId="{CF6D4AF9-41EC-4E03-AC14-7671CA61D844}" srcOrd="0" destOrd="0" presId="urn:microsoft.com/office/officeart/2009/layout/CirclePictureHierarchy"/>
+    <dgm:cxn modelId="{340C4CB0-1B1C-495E-9C23-1C12248680A5}" type="presParOf" srcId="{CF6D4AF9-41EC-4E03-AC14-7671CA61D844}" destId="{00CDF82F-A345-49E6-A40C-3810A70555BB}" srcOrd="0" destOrd="0" presId="urn:microsoft.com/office/officeart/2009/layout/CirclePictureHierarchy"/>
+    <dgm:cxn modelId="{E276E5EB-065E-407B-A6CC-F3D2501C2E8D}" type="presParOf" srcId="{00CDF82F-A345-49E6-A40C-3810A70555BB}" destId="{8364383A-4280-42AB-9170-0D1A32D39455}" srcOrd="0" destOrd="0" presId="urn:microsoft.com/office/officeart/2009/layout/CirclePictureHierarchy"/>
+    <dgm:cxn modelId="{C6575646-A5F0-441D-B9DE-2D3E5C50539B}" type="presParOf" srcId="{00CDF82F-A345-49E6-A40C-3810A70555BB}" destId="{B887DC98-4092-4C4D-96C9-E3C8C6A768EB}" srcOrd="1" destOrd="0" presId="urn:microsoft.com/office/officeart/2009/layout/CirclePictureHierarchy"/>
+    <dgm:cxn modelId="{F6F2EF4B-6FDB-4BCF-A8BC-542FC5151B62}" type="presParOf" srcId="{CF6D4AF9-41EC-4E03-AC14-7671CA61D844}" destId="{D36C6FF8-E96E-4765-8132-FECCE31A9868}" srcOrd="1" destOrd="0" presId="urn:microsoft.com/office/officeart/2009/layout/CirclePictureHierarchy"/>
+    <dgm:cxn modelId="{4823E69A-21B0-44CE-8F7D-8BC0846AB176}" type="presParOf" srcId="{D36C6FF8-E96E-4765-8132-FECCE31A9868}" destId="{2254F64B-7799-43DF-823F-ED34BCB166F6}" srcOrd="0" destOrd="0" presId="urn:microsoft.com/office/officeart/2009/layout/CirclePictureHierarchy"/>
+    <dgm:cxn modelId="{E31644B5-1E10-40EA-B071-C8823F27018D}" type="presParOf" srcId="{D36C6FF8-E96E-4765-8132-FECCE31A9868}" destId="{A14E2B3F-3D5A-40E9-A143-81FB26937DA3}" srcOrd="1" destOrd="0" presId="urn:microsoft.com/office/officeart/2009/layout/CirclePictureHierarchy"/>
+    <dgm:cxn modelId="{308A3535-10D4-4F4A-95E0-927B139FE757}" type="presParOf" srcId="{A14E2B3F-3D5A-40E9-A143-81FB26937DA3}" destId="{BDD73520-28A4-4A25-B370-40E899E43013}" srcOrd="0" destOrd="0" presId="urn:microsoft.com/office/officeart/2009/layout/CirclePictureHierarchy"/>
+    <dgm:cxn modelId="{315BA948-3B6F-41A2-A517-A4904C5CA7FD}" type="presParOf" srcId="{BDD73520-28A4-4A25-B370-40E899E43013}" destId="{F11EDDB9-9728-4DFB-BDE3-2B1C96FF363C}" srcOrd="0" destOrd="0" presId="urn:microsoft.com/office/officeart/2009/layout/CirclePictureHierarchy"/>
+    <dgm:cxn modelId="{D9429B0A-958D-461E-91FE-176B1677A27A}" type="presParOf" srcId="{BDD73520-28A4-4A25-B370-40E899E43013}" destId="{A6B6490D-6D3E-42AA-91D8-365B05D20A8E}" srcOrd="1" destOrd="0" presId="urn:microsoft.com/office/officeart/2009/layout/CirclePictureHierarchy"/>
+    <dgm:cxn modelId="{594B4080-B796-4E38-A429-483618E8F03E}" type="presParOf" srcId="{A14E2B3F-3D5A-40E9-A143-81FB26937DA3}" destId="{A2F9E9C3-33A6-49BE-8E31-A5AC38951FE2}" srcOrd="1" destOrd="0" presId="urn:microsoft.com/office/officeart/2009/layout/CirclePictureHierarchy"/>
+    <dgm:cxn modelId="{ECBC72A8-A16E-4377-BD86-3EB287EBEF52}" type="presParOf" srcId="{A2F9E9C3-33A6-49BE-8E31-A5AC38951FE2}" destId="{B2167DB8-FEFC-420D-BEDF-9EA1410152DE}" srcOrd="0" destOrd="0" presId="urn:microsoft.com/office/officeart/2009/layout/CirclePictureHierarchy"/>
+    <dgm:cxn modelId="{1D0B1D2D-E620-41A7-8606-E9E32E30F79B}" type="presParOf" srcId="{A2F9E9C3-33A6-49BE-8E31-A5AC38951FE2}" destId="{2991480B-F38C-4CB0-B0F0-30D82FC9533F}" srcOrd="1" destOrd="0" presId="urn:microsoft.com/office/officeart/2009/layout/CirclePictureHierarchy"/>
+    <dgm:cxn modelId="{7B21C109-0F0A-4F3D-95D6-808D7EF27C8F}" type="presParOf" srcId="{2991480B-F38C-4CB0-B0F0-30D82FC9533F}" destId="{38FCBA68-E182-44FD-BE22-CDC2B7B4C1CC}" srcOrd="0" destOrd="0" presId="urn:microsoft.com/office/officeart/2009/layout/CirclePictureHierarchy"/>
+    <dgm:cxn modelId="{E4E21790-A23C-45C8-8875-9E08E7699C05}" type="presParOf" srcId="{38FCBA68-E182-44FD-BE22-CDC2B7B4C1CC}" destId="{BA6A68A9-7045-42C5-B6B8-D9923D10963C}" srcOrd="0" destOrd="0" presId="urn:microsoft.com/office/officeart/2009/layout/CirclePictureHierarchy"/>
+    <dgm:cxn modelId="{19EE4FC5-3290-4135-A417-3AE8A8F68442}" type="presParOf" srcId="{38FCBA68-E182-44FD-BE22-CDC2B7B4C1CC}" destId="{00F9AC4E-0660-4489-AFC6-A047E43B63D0}" srcOrd="1" destOrd="0" presId="urn:microsoft.com/office/officeart/2009/layout/CirclePictureHierarchy"/>
+    <dgm:cxn modelId="{373042E2-5CE9-4970-8AC8-7B398CF0842B}" type="presParOf" srcId="{2991480B-F38C-4CB0-B0F0-30D82FC9533F}" destId="{90E9D2FD-5417-4941-823E-03F80A623840}" srcOrd="1" destOrd="0" presId="urn:microsoft.com/office/officeart/2009/layout/CirclePictureHierarchy"/>
+    <dgm:cxn modelId="{467BD641-FE17-4A21-81AC-B0C5B7AEEB77}" type="presParOf" srcId="{A2F9E9C3-33A6-49BE-8E31-A5AC38951FE2}" destId="{418EEE6D-9957-4849-80F2-89846141588C}" srcOrd="2" destOrd="0" presId="urn:microsoft.com/office/officeart/2009/layout/CirclePictureHierarchy"/>
+    <dgm:cxn modelId="{1714C816-7E9E-4AF8-AF55-7F9FCB00A70C}" type="presParOf" srcId="{A2F9E9C3-33A6-49BE-8E31-A5AC38951FE2}" destId="{4C4774D0-CD0E-49DB-86BF-001E16ADEB84}" srcOrd="3" destOrd="0" presId="urn:microsoft.com/office/officeart/2009/layout/CirclePictureHierarchy"/>
+    <dgm:cxn modelId="{A2C15412-0A8F-47B5-B2ED-13AAB120927C}" type="presParOf" srcId="{4C4774D0-CD0E-49DB-86BF-001E16ADEB84}" destId="{CC8B5E57-415E-4389-A98D-FEE1B969860A}" srcOrd="0" destOrd="0" presId="urn:microsoft.com/office/officeart/2009/layout/CirclePictureHierarchy"/>
+    <dgm:cxn modelId="{2496B9FF-3CB1-465C-BC30-FA1C1CDC229D}" type="presParOf" srcId="{CC8B5E57-415E-4389-A98D-FEE1B969860A}" destId="{598EB75C-F22B-47C7-BCD9-18B237B97592}" srcOrd="0" destOrd="0" presId="urn:microsoft.com/office/officeart/2009/layout/CirclePictureHierarchy"/>
+    <dgm:cxn modelId="{70E21F7C-6C19-4CA3-A4F4-D18F08DAFCD8}" type="presParOf" srcId="{CC8B5E57-415E-4389-A98D-FEE1B969860A}" destId="{2485DD8E-D1D6-4961-9491-C32417155D11}" srcOrd="1" destOrd="0" presId="urn:microsoft.com/office/officeart/2009/layout/CirclePictureHierarchy"/>
+    <dgm:cxn modelId="{987FFB86-D368-40DB-AF69-C3871520C1CE}" type="presParOf" srcId="{4C4774D0-CD0E-49DB-86BF-001E16ADEB84}" destId="{D636AFCD-59EB-411E-B96F-B87E3584499D}" srcOrd="1" destOrd="0" presId="urn:microsoft.com/office/officeart/2009/layout/CirclePictureHierarchy"/>
+    <dgm:cxn modelId="{BF8D7CBC-4D04-49F3-BD62-AA6B9CD8CE00}" type="presParOf" srcId="{D36C6FF8-E96E-4765-8132-FECCE31A9868}" destId="{9C00E8BB-1F06-4FC3-B259-F0F2960DB8E8}" srcOrd="2" destOrd="0" presId="urn:microsoft.com/office/officeart/2009/layout/CirclePictureHierarchy"/>
+    <dgm:cxn modelId="{DE9ED322-D55F-4970-A36B-8B4D21B2B679}" type="presParOf" srcId="{D36C6FF8-E96E-4765-8132-FECCE31A9868}" destId="{BAD2C4F2-79DD-4717-8509-2A16D0A2E2EF}" srcOrd="3" destOrd="0" presId="urn:microsoft.com/office/officeart/2009/layout/CirclePictureHierarchy"/>
+    <dgm:cxn modelId="{10582F7F-51C0-416F-9FD7-A9BABEC021A7}" type="presParOf" srcId="{BAD2C4F2-79DD-4717-8509-2A16D0A2E2EF}" destId="{5B979984-A5DC-419D-8D1F-A885AFFFCBEF}" srcOrd="0" destOrd="0" presId="urn:microsoft.com/office/officeart/2009/layout/CirclePictureHierarchy"/>
+    <dgm:cxn modelId="{1B1E4526-58AC-4059-A9A3-DE3364A8A09A}" type="presParOf" srcId="{5B979984-A5DC-419D-8D1F-A885AFFFCBEF}" destId="{3E82BB91-BE3E-46D5-A4F3-98FA267E4E1B}" srcOrd="0" destOrd="0" presId="urn:microsoft.com/office/officeart/2009/layout/CirclePictureHierarchy"/>
+    <dgm:cxn modelId="{7B274D01-6323-41FE-910F-35EFB6F4477E}" type="presParOf" srcId="{5B979984-A5DC-419D-8D1F-A885AFFFCBEF}" destId="{73B5F492-DB97-4AFC-8D55-94114A54030F}" srcOrd="1" destOrd="0" presId="urn:microsoft.com/office/officeart/2009/layout/CirclePictureHierarchy"/>
+    <dgm:cxn modelId="{DB1D1803-E220-48CD-8A6D-4040A7EB659F}" type="presParOf" srcId="{BAD2C4F2-79DD-4717-8509-2A16D0A2E2EF}" destId="{ADDD3A3F-0649-47B7-B0A6-A1C03F4BE6BD}" srcOrd="1" destOrd="0" presId="urn:microsoft.com/office/officeart/2009/layout/CirclePictureHierarchy"/>
+    <dgm:cxn modelId="{5FDE5517-6A13-4C02-873C-A422891D3C30}" type="presParOf" srcId="{ADDD3A3F-0649-47B7-B0A6-A1C03F4BE6BD}" destId="{C4EEFFC5-231D-4BD2-9829-A7D6564985C9}" srcOrd="0" destOrd="0" presId="urn:microsoft.com/office/officeart/2009/layout/CirclePictureHierarchy"/>
+    <dgm:cxn modelId="{94299022-19CF-423D-9094-06001D9EFDB8}" type="presParOf" srcId="{ADDD3A3F-0649-47B7-B0A6-A1C03F4BE6BD}" destId="{30F0D168-F5F1-42E8-8A30-447CBA8D0E89}" srcOrd="1" destOrd="0" presId="urn:microsoft.com/office/officeart/2009/layout/CirclePictureHierarchy"/>
+    <dgm:cxn modelId="{221CC999-BBC9-406C-AD34-787377A6AF67}" type="presParOf" srcId="{30F0D168-F5F1-42E8-8A30-447CBA8D0E89}" destId="{DFFE3D6D-BB5C-46F1-B6A4-7A5D0801A4E2}" srcOrd="0" destOrd="0" presId="urn:microsoft.com/office/officeart/2009/layout/CirclePictureHierarchy"/>
+    <dgm:cxn modelId="{12C0B4EF-D7C2-460A-9CB8-BAA1043CCA05}" type="presParOf" srcId="{DFFE3D6D-BB5C-46F1-B6A4-7A5D0801A4E2}" destId="{81534B87-0253-40AC-9E82-0B5D61E36B91}" srcOrd="0" destOrd="0" presId="urn:microsoft.com/office/officeart/2009/layout/CirclePictureHierarchy"/>
+    <dgm:cxn modelId="{BD88A30C-9F02-49FD-8431-F9B5432829BC}" type="presParOf" srcId="{DFFE3D6D-BB5C-46F1-B6A4-7A5D0801A4E2}" destId="{4F0CB2D6-1F9A-41B8-AE24-415589FB682C}" srcOrd="1" destOrd="0" presId="urn:microsoft.com/office/officeart/2009/layout/CirclePictureHierarchy"/>
+    <dgm:cxn modelId="{E621259F-DC6A-490E-A992-CC61E487D0AF}" type="presParOf" srcId="{30F0D168-F5F1-42E8-8A30-447CBA8D0E89}" destId="{E02F2AE7-CCCB-48F1-ABB0-499D1D2DACAD}" srcOrd="1" destOrd="0" presId="urn:microsoft.com/office/officeart/2009/layout/CirclePictureHierarchy"/>
+    <dgm:cxn modelId="{8B85D0CA-D0B6-4E3D-8A1D-F073B214ED1D}" type="presParOf" srcId="{D36C6FF8-E96E-4765-8132-FECCE31A9868}" destId="{9A01F4C0-61DC-4302-B2CA-96DAA590A8CA}" srcOrd="4" destOrd="0" presId="urn:microsoft.com/office/officeart/2009/layout/CirclePictureHierarchy"/>
+    <dgm:cxn modelId="{4F57237B-03C6-442C-890D-A209DFE6B5DB}" type="presParOf" srcId="{D36C6FF8-E96E-4765-8132-FECCE31A9868}" destId="{9BC06AF6-6331-4CFD-9C7B-97B78C40E194}" srcOrd="5" destOrd="0" presId="urn:microsoft.com/office/officeart/2009/layout/CirclePictureHierarchy"/>
+    <dgm:cxn modelId="{F38547CD-E68E-42E7-B65B-8EFA242080BF}" type="presParOf" srcId="{9BC06AF6-6331-4CFD-9C7B-97B78C40E194}" destId="{7B97C074-D2D6-47F3-9630-317B784B7123}" srcOrd="0" destOrd="0" presId="urn:microsoft.com/office/officeart/2009/layout/CirclePictureHierarchy"/>
+    <dgm:cxn modelId="{546DE0AE-A1EE-466E-84DA-3AC9AC1FD441}" type="presParOf" srcId="{7B97C074-D2D6-47F3-9630-317B784B7123}" destId="{25E97F30-2E39-42EB-AF8B-69A53C6C0BC1}" srcOrd="0" destOrd="0" presId="urn:microsoft.com/office/officeart/2009/layout/CirclePictureHierarchy"/>
+    <dgm:cxn modelId="{DAA36855-9B72-480C-A03F-40F6D8AEE888}" type="presParOf" srcId="{7B97C074-D2D6-47F3-9630-317B784B7123}" destId="{B159CCCA-B78F-4C78-93D1-5D3FD63F82AE}" srcOrd="1" destOrd="0" presId="urn:microsoft.com/office/officeart/2009/layout/CirclePictureHierarchy"/>
+    <dgm:cxn modelId="{788B15D2-6A57-4BC9-876C-C28A8796C068}" type="presParOf" srcId="{9BC06AF6-6331-4CFD-9C7B-97B78C40E194}" destId="{08FC02A9-6C4E-4664-85C2-681378691685}" srcOrd="1" destOrd="0" presId="urn:microsoft.com/office/officeart/2009/layout/CirclePictureHierarchy"/>
+  </dgm:cxnLst>
+  <dgm:bg/>
+  <dgm:whole/>
+  <dgm:extLst>
+    <a:ext uri="http://schemas.microsoft.com/office/drawing/2008/diagram">
+      <dsp:dataModelExt xmlns:dsp="http://schemas.microsoft.com/office/drawing/2008/diagram" relId="rId6" minVer="http://schemas.openxmlformats.org/drawingml/2006/diagram"/>
+    </a:ext>
+  </dgm:extLst>
+</dgm:dataModel>
+</file>
+
+<file path=ppt/diagrams/data2.xml><?xml version="1.0" encoding="utf-8"?>
+<dgm:dataModel xmlns:dgm="http://schemas.openxmlformats.org/drawingml/2006/diagram" xmlns:a="http://schemas.openxmlformats.org/drawingml/2006/main">
+  <dgm:ptLst>
     <dgm:pt modelId="{9C46CA3B-2858-4A99-A82F-572D362864E7}" type="doc">
       <dgm:prSet loTypeId="urn:diagrams.loki3.com/VaryingWidthList+Icon" loCatId="list" qsTypeId="urn:microsoft.com/office/officeart/2005/8/quickstyle/simple1" qsCatId="simple" csTypeId="urn:microsoft.com/office/officeart/2005/8/colors/accent2_4" csCatId="accent2" phldr="1"/>
       <dgm:spPr/>
@@ -1325,11 +2671,1713 @@
       <dsp:cNvGrpSpPr/>
     </dsp:nvGrpSpPr>
     <dsp:grpSpPr/>
+    <dsp:sp modelId="{9A01F4C0-61DC-4302-B2CA-96DAA590A8CA}">
+      <dsp:nvSpPr>
+        <dsp:cNvPr id="0" name=""/>
+        <dsp:cNvSpPr/>
+      </dsp:nvSpPr>
+      <dsp:spPr>
+        <a:xfrm>
+          <a:off x="3902218" y="1434626"/>
+          <a:ext cx="2523468" cy="231241"/>
+        </a:xfrm>
+        <a:custGeom>
+          <a:avLst/>
+          <a:gdLst/>
+          <a:ahLst/>
+          <a:cxnLst/>
+          <a:rect l="0" t="0" r="0" b="0"/>
+          <a:pathLst>
+            <a:path>
+              <a:moveTo>
+                <a:pt x="0" y="0"/>
+              </a:moveTo>
+              <a:lnTo>
+                <a:pt x="0" y="116538"/>
+              </a:lnTo>
+              <a:lnTo>
+                <a:pt x="2523468" y="116538"/>
+              </a:lnTo>
+              <a:lnTo>
+                <a:pt x="2523468" y="231241"/>
+              </a:lnTo>
+            </a:path>
+          </a:pathLst>
+        </a:custGeom>
+        <a:noFill/>
+        <a:ln w="25400" cap="flat" cmpd="sng" algn="ctr">
+          <a:solidFill>
+            <a:schemeClr val="accent6">
+              <a:hueOff val="0"/>
+              <a:satOff val="0"/>
+              <a:lumOff val="0"/>
+              <a:alphaOff val="0"/>
+            </a:schemeClr>
+          </a:solidFill>
+          <a:prstDash val="solid"/>
+        </a:ln>
+        <a:effectLst/>
+      </dsp:spPr>
+      <dsp:style>
+        <a:lnRef idx="2">
+          <a:scrgbClr r="0" g="0" b="0"/>
+        </a:lnRef>
+        <a:fillRef idx="0">
+          <a:scrgbClr r="0" g="0" b="0"/>
+        </a:fillRef>
+        <a:effectRef idx="0">
+          <a:scrgbClr r="0" g="0" b="0"/>
+        </a:effectRef>
+        <a:fontRef idx="minor"/>
+      </dsp:style>
+    </dsp:sp>
+    <dsp:sp modelId="{C4EEFFC5-231D-4BD2-9829-A7D6564985C9}">
+      <dsp:nvSpPr>
+        <dsp:cNvPr id="0" name=""/>
+        <dsp:cNvSpPr/>
+      </dsp:nvSpPr>
+      <dsp:spPr>
+        <a:xfrm>
+          <a:off x="4361192" y="2399967"/>
+          <a:ext cx="91440" cy="231241"/>
+        </a:xfrm>
+        <a:custGeom>
+          <a:avLst/>
+          <a:gdLst/>
+          <a:ahLst/>
+          <a:cxnLst/>
+          <a:rect l="0" t="0" r="0" b="0"/>
+          <a:pathLst>
+            <a:path>
+              <a:moveTo>
+                <a:pt x="45720" y="0"/>
+              </a:moveTo>
+              <a:lnTo>
+                <a:pt x="45720" y="231241"/>
+              </a:lnTo>
+            </a:path>
+          </a:pathLst>
+        </a:custGeom>
+        <a:noFill/>
+        <a:ln w="25400" cap="flat" cmpd="sng" algn="ctr">
+          <a:solidFill>
+            <a:schemeClr val="accent1">
+              <a:hueOff val="0"/>
+              <a:satOff val="0"/>
+              <a:lumOff val="0"/>
+              <a:alphaOff val="0"/>
+            </a:schemeClr>
+          </a:solidFill>
+          <a:prstDash val="solid"/>
+        </a:ln>
+        <a:effectLst/>
+      </dsp:spPr>
+      <dsp:style>
+        <a:lnRef idx="2">
+          <a:scrgbClr r="0" g="0" b="0"/>
+        </a:lnRef>
+        <a:fillRef idx="0">
+          <a:scrgbClr r="0" g="0" b="0"/>
+        </a:fillRef>
+        <a:effectRef idx="0">
+          <a:scrgbClr r="0" g="0" b="0"/>
+        </a:effectRef>
+        <a:fontRef idx="minor"/>
+      </dsp:style>
+    </dsp:sp>
+    <dsp:sp modelId="{9C00E8BB-1F06-4FC3-B259-F0F2960DB8E8}">
+      <dsp:nvSpPr>
+        <dsp:cNvPr id="0" name=""/>
+        <dsp:cNvSpPr/>
+      </dsp:nvSpPr>
+      <dsp:spPr>
+        <a:xfrm>
+          <a:off x="3902218" y="1434626"/>
+          <a:ext cx="504693" cy="231241"/>
+        </a:xfrm>
+        <a:custGeom>
+          <a:avLst/>
+          <a:gdLst/>
+          <a:ahLst/>
+          <a:cxnLst/>
+          <a:rect l="0" t="0" r="0" b="0"/>
+          <a:pathLst>
+            <a:path>
+              <a:moveTo>
+                <a:pt x="0" y="0"/>
+              </a:moveTo>
+              <a:lnTo>
+                <a:pt x="0" y="116538"/>
+              </a:lnTo>
+              <a:lnTo>
+                <a:pt x="504693" y="116538"/>
+              </a:lnTo>
+              <a:lnTo>
+                <a:pt x="504693" y="231241"/>
+              </a:lnTo>
+            </a:path>
+          </a:pathLst>
+        </a:custGeom>
+        <a:noFill/>
+        <a:ln w="25400" cap="flat" cmpd="sng" algn="ctr">
+          <a:solidFill>
+            <a:schemeClr val="accent6">
+              <a:hueOff val="0"/>
+              <a:satOff val="0"/>
+              <a:lumOff val="0"/>
+              <a:alphaOff val="0"/>
+            </a:schemeClr>
+          </a:solidFill>
+          <a:prstDash val="solid"/>
+        </a:ln>
+        <a:effectLst/>
+      </dsp:spPr>
+      <dsp:style>
+        <a:lnRef idx="2">
+          <a:scrgbClr r="0" g="0" b="0"/>
+        </a:lnRef>
+        <a:fillRef idx="0">
+          <a:scrgbClr r="0" g="0" b="0"/>
+        </a:fillRef>
+        <a:effectRef idx="0">
+          <a:scrgbClr r="0" g="0" b="0"/>
+        </a:effectRef>
+        <a:fontRef idx="minor"/>
+      </dsp:style>
+    </dsp:sp>
+    <dsp:sp modelId="{418EEE6D-9957-4849-80F2-89846141588C}">
+      <dsp:nvSpPr>
+        <dsp:cNvPr id="0" name=""/>
+        <dsp:cNvSpPr/>
+      </dsp:nvSpPr>
+      <dsp:spPr>
+        <a:xfrm>
+          <a:off x="1378750" y="2399967"/>
+          <a:ext cx="1009387" cy="231241"/>
+        </a:xfrm>
+        <a:custGeom>
+          <a:avLst/>
+          <a:gdLst/>
+          <a:ahLst/>
+          <a:cxnLst/>
+          <a:rect l="0" t="0" r="0" b="0"/>
+          <a:pathLst>
+            <a:path>
+              <a:moveTo>
+                <a:pt x="0" y="0"/>
+              </a:moveTo>
+              <a:lnTo>
+                <a:pt x="0" y="116538"/>
+              </a:lnTo>
+              <a:lnTo>
+                <a:pt x="1009387" y="116538"/>
+              </a:lnTo>
+              <a:lnTo>
+                <a:pt x="1009387" y="231241"/>
+              </a:lnTo>
+            </a:path>
+          </a:pathLst>
+        </a:custGeom>
+        <a:noFill/>
+        <a:ln w="25400" cap="flat" cmpd="sng" algn="ctr">
+          <a:solidFill>
+            <a:schemeClr val="accent1">
+              <a:hueOff val="0"/>
+              <a:satOff val="0"/>
+              <a:lumOff val="0"/>
+              <a:alphaOff val="0"/>
+            </a:schemeClr>
+          </a:solidFill>
+          <a:prstDash val="solid"/>
+        </a:ln>
+        <a:effectLst/>
+      </dsp:spPr>
+      <dsp:style>
+        <a:lnRef idx="2">
+          <a:scrgbClr r="0" g="0" b="0"/>
+        </a:lnRef>
+        <a:fillRef idx="0">
+          <a:scrgbClr r="0" g="0" b="0"/>
+        </a:fillRef>
+        <a:effectRef idx="0">
+          <a:scrgbClr r="0" g="0" b="0"/>
+        </a:effectRef>
+        <a:fontRef idx="minor"/>
+      </dsp:style>
+    </dsp:sp>
+    <dsp:sp modelId="{B2167DB8-FEFC-420D-BEDF-9EA1410152DE}">
+      <dsp:nvSpPr>
+        <dsp:cNvPr id="0" name=""/>
+        <dsp:cNvSpPr/>
+      </dsp:nvSpPr>
+      <dsp:spPr>
+        <a:xfrm>
+          <a:off x="369363" y="2399967"/>
+          <a:ext cx="1009387" cy="231241"/>
+        </a:xfrm>
+        <a:custGeom>
+          <a:avLst/>
+          <a:gdLst/>
+          <a:ahLst/>
+          <a:cxnLst/>
+          <a:rect l="0" t="0" r="0" b="0"/>
+          <a:pathLst>
+            <a:path>
+              <a:moveTo>
+                <a:pt x="1009387" y="0"/>
+              </a:moveTo>
+              <a:lnTo>
+                <a:pt x="1009387" y="116538"/>
+              </a:lnTo>
+              <a:lnTo>
+                <a:pt x="0" y="116538"/>
+              </a:lnTo>
+              <a:lnTo>
+                <a:pt x="0" y="231241"/>
+              </a:lnTo>
+            </a:path>
+          </a:pathLst>
+        </a:custGeom>
+        <a:noFill/>
+        <a:ln w="25400" cap="flat" cmpd="sng" algn="ctr">
+          <a:solidFill>
+            <a:schemeClr val="accent1">
+              <a:hueOff val="0"/>
+              <a:satOff val="0"/>
+              <a:lumOff val="0"/>
+              <a:alphaOff val="0"/>
+            </a:schemeClr>
+          </a:solidFill>
+          <a:prstDash val="solid"/>
+        </a:ln>
+        <a:effectLst/>
+      </dsp:spPr>
+      <dsp:style>
+        <a:lnRef idx="2">
+          <a:scrgbClr r="0" g="0" b="0"/>
+        </a:lnRef>
+        <a:fillRef idx="0">
+          <a:scrgbClr r="0" g="0" b="0"/>
+        </a:fillRef>
+        <a:effectRef idx="0">
+          <a:scrgbClr r="0" g="0" b="0"/>
+        </a:effectRef>
+        <a:fontRef idx="minor"/>
+      </dsp:style>
+    </dsp:sp>
+    <dsp:sp modelId="{2254F64B-7799-43DF-823F-ED34BCB166F6}">
+      <dsp:nvSpPr>
+        <dsp:cNvPr id="0" name=""/>
+        <dsp:cNvSpPr/>
+      </dsp:nvSpPr>
+      <dsp:spPr>
+        <a:xfrm>
+          <a:off x="1378750" y="1434626"/>
+          <a:ext cx="2523468" cy="231241"/>
+        </a:xfrm>
+        <a:custGeom>
+          <a:avLst/>
+          <a:gdLst/>
+          <a:ahLst/>
+          <a:cxnLst/>
+          <a:rect l="0" t="0" r="0" b="0"/>
+          <a:pathLst>
+            <a:path>
+              <a:moveTo>
+                <a:pt x="2523468" y="0"/>
+              </a:moveTo>
+              <a:lnTo>
+                <a:pt x="2523468" y="116538"/>
+              </a:lnTo>
+              <a:lnTo>
+                <a:pt x="0" y="116538"/>
+              </a:lnTo>
+              <a:lnTo>
+                <a:pt x="0" y="231241"/>
+              </a:lnTo>
+            </a:path>
+          </a:pathLst>
+        </a:custGeom>
+        <a:noFill/>
+        <a:ln w="25400" cap="flat" cmpd="sng" algn="ctr">
+          <a:solidFill>
+            <a:schemeClr val="accent6">
+              <a:hueOff val="0"/>
+              <a:satOff val="0"/>
+              <a:lumOff val="0"/>
+              <a:alphaOff val="0"/>
+            </a:schemeClr>
+          </a:solidFill>
+          <a:prstDash val="solid"/>
+        </a:ln>
+        <a:effectLst/>
+      </dsp:spPr>
+      <dsp:style>
+        <a:lnRef idx="2">
+          <a:scrgbClr r="0" g="0" b="0"/>
+        </a:lnRef>
+        <a:fillRef idx="0">
+          <a:scrgbClr r="0" g="0" b="0"/>
+        </a:fillRef>
+        <a:effectRef idx="0">
+          <a:scrgbClr r="0" g="0" b="0"/>
+        </a:effectRef>
+        <a:fontRef idx="minor"/>
+      </dsp:style>
+    </dsp:sp>
+    <dsp:sp modelId="{8364383A-4280-42AB-9170-0D1A32D39455}">
+      <dsp:nvSpPr>
+        <dsp:cNvPr id="0" name=""/>
+        <dsp:cNvSpPr/>
+      </dsp:nvSpPr>
+      <dsp:spPr>
+        <a:xfrm>
+          <a:off x="3535168" y="700526"/>
+          <a:ext cx="734099" cy="734099"/>
+        </a:xfrm>
+        <a:prstGeom prst="ellipse">
+          <a:avLst/>
+        </a:prstGeom>
+        <a:solidFill>
+          <a:schemeClr val="accent4">
+            <a:hueOff val="0"/>
+            <a:satOff val="0"/>
+            <a:lumOff val="0"/>
+            <a:alphaOff val="0"/>
+          </a:schemeClr>
+        </a:solidFill>
+        <a:ln w="25400" cap="flat" cmpd="sng" algn="ctr">
+          <a:solidFill>
+            <a:schemeClr val="lt1">
+              <a:hueOff val="0"/>
+              <a:satOff val="0"/>
+              <a:lumOff val="0"/>
+              <a:alphaOff val="0"/>
+            </a:schemeClr>
+          </a:solidFill>
+          <a:prstDash val="solid"/>
+        </a:ln>
+        <a:effectLst/>
+      </dsp:spPr>
+      <dsp:style>
+        <a:lnRef idx="2">
+          <a:scrgbClr r="0" g="0" b="0"/>
+        </a:lnRef>
+        <a:fillRef idx="1">
+          <a:scrgbClr r="0" g="0" b="0"/>
+        </a:fillRef>
+        <a:effectRef idx="0">
+          <a:scrgbClr r="0" g="0" b="0"/>
+        </a:effectRef>
+        <a:fontRef idx="minor">
+          <a:schemeClr val="lt1"/>
+        </a:fontRef>
+      </dsp:style>
+    </dsp:sp>
+    <dsp:sp modelId="{B887DC98-4092-4C4D-96C9-E3C8C6A768EB}">
+      <dsp:nvSpPr>
+        <dsp:cNvPr id="0" name=""/>
+        <dsp:cNvSpPr/>
+      </dsp:nvSpPr>
+      <dsp:spPr>
+        <a:xfrm>
+          <a:off x="4269268" y="698691"/>
+          <a:ext cx="1101149" cy="734099"/>
+        </a:xfrm>
+        <a:prstGeom prst="rect">
+          <a:avLst/>
+        </a:prstGeom>
+        <a:noFill/>
+        <a:ln>
+          <a:noFill/>
+        </a:ln>
+        <a:effectLst/>
+      </dsp:spPr>
+      <dsp:style>
+        <a:lnRef idx="0">
+          <a:scrgbClr r="0" g="0" b="0"/>
+        </a:lnRef>
+        <a:fillRef idx="0">
+          <a:scrgbClr r="0" g="0" b="0"/>
+        </a:fillRef>
+        <a:effectRef idx="0">
+          <a:scrgbClr r="0" g="0" b="0"/>
+        </a:effectRef>
+        <a:fontRef idx="minor"/>
+      </dsp:style>
+      <dsp:txBody>
+        <a:bodyPr spcFirstLastPara="0" vert="horz" wrap="square" lIns="68580" tIns="68580" rIns="68580" bIns="68580" numCol="1" spcCol="1270" anchor="ctr" anchorCtr="0">
+          <a:noAutofit/>
+        </a:bodyPr>
+        <a:lstStyle/>
+        <a:p>
+          <a:pPr lvl="0" algn="l" defTabSz="800100">
+            <a:lnSpc>
+              <a:spcPct val="90000"/>
+            </a:lnSpc>
+            <a:spcBef>
+              <a:spcPct val="0"/>
+            </a:spcBef>
+            <a:spcAft>
+              <a:spcPct val="35000"/>
+            </a:spcAft>
+          </a:pPr>
+          <a:r>
+            <a:rPr lang="zh-CN" altLang="en-US" sz="1800" kern="1200" dirty="0" smtClean="0"/>
+            <a:t>最终的索引</a:t>
+          </a:r>
+          <a:endParaRPr lang="zh-CN" altLang="en-US" sz="1800" kern="1200" dirty="0"/>
+        </a:p>
+      </dsp:txBody>
+      <dsp:txXfrm>
+        <a:off x="4269268" y="698691"/>
+        <a:ext cx="1101149" cy="734099"/>
+      </dsp:txXfrm>
+    </dsp:sp>
+    <dsp:sp modelId="{F11EDDB9-9728-4DFB-BDE3-2B1C96FF363C}">
+      <dsp:nvSpPr>
+        <dsp:cNvPr id="0" name=""/>
+        <dsp:cNvSpPr/>
+      </dsp:nvSpPr>
+      <dsp:spPr>
+        <a:xfrm>
+          <a:off x="1011700" y="1665867"/>
+          <a:ext cx="734099" cy="734099"/>
+        </a:xfrm>
+        <a:prstGeom prst="ellipse">
+          <a:avLst/>
+        </a:prstGeom>
+        <a:solidFill>
+          <a:schemeClr val="accent6">
+            <a:hueOff val="0"/>
+            <a:satOff val="0"/>
+            <a:lumOff val="0"/>
+            <a:alphaOff val="0"/>
+          </a:schemeClr>
+        </a:solidFill>
+        <a:ln w="25400" cap="flat" cmpd="sng" algn="ctr">
+          <a:solidFill>
+            <a:schemeClr val="lt1">
+              <a:hueOff val="0"/>
+              <a:satOff val="0"/>
+              <a:lumOff val="0"/>
+              <a:alphaOff val="0"/>
+            </a:schemeClr>
+          </a:solidFill>
+          <a:prstDash val="solid"/>
+        </a:ln>
+        <a:effectLst/>
+      </dsp:spPr>
+      <dsp:style>
+        <a:lnRef idx="2">
+          <a:scrgbClr r="0" g="0" b="0"/>
+        </a:lnRef>
+        <a:fillRef idx="1">
+          <a:scrgbClr r="0" g="0" b="0"/>
+        </a:fillRef>
+        <a:effectRef idx="0">
+          <a:scrgbClr r="0" g="0" b="0"/>
+        </a:effectRef>
+        <a:fontRef idx="minor">
+          <a:schemeClr val="lt1"/>
+        </a:fontRef>
+      </dsp:style>
+    </dsp:sp>
+    <dsp:sp modelId="{A6B6490D-6D3E-42AA-91D8-365B05D20A8E}">
+      <dsp:nvSpPr>
+        <dsp:cNvPr id="0" name=""/>
+        <dsp:cNvSpPr/>
+      </dsp:nvSpPr>
+      <dsp:spPr>
+        <a:xfrm>
+          <a:off x="1745800" y="1664032"/>
+          <a:ext cx="1101149" cy="734099"/>
+        </a:xfrm>
+        <a:prstGeom prst="rect">
+          <a:avLst/>
+        </a:prstGeom>
+        <a:noFill/>
+        <a:ln>
+          <a:noFill/>
+        </a:ln>
+        <a:effectLst/>
+      </dsp:spPr>
+      <dsp:style>
+        <a:lnRef idx="0">
+          <a:scrgbClr r="0" g="0" b="0"/>
+        </a:lnRef>
+        <a:fillRef idx="0">
+          <a:scrgbClr r="0" g="0" b="0"/>
+        </a:fillRef>
+        <a:effectRef idx="0">
+          <a:scrgbClr r="0" g="0" b="0"/>
+        </a:effectRef>
+        <a:fontRef idx="minor"/>
+      </dsp:style>
+      <dsp:txBody>
+        <a:bodyPr spcFirstLastPara="0" vert="horz" wrap="square" lIns="68580" tIns="68580" rIns="68580" bIns="68580" numCol="1" spcCol="1270" anchor="ctr" anchorCtr="0">
+          <a:noAutofit/>
+        </a:bodyPr>
+        <a:lstStyle/>
+        <a:p>
+          <a:pPr lvl="0" algn="l" defTabSz="800100">
+            <a:lnSpc>
+              <a:spcPct val="90000"/>
+            </a:lnSpc>
+            <a:spcBef>
+              <a:spcPct val="0"/>
+            </a:spcBef>
+            <a:spcAft>
+              <a:spcPct val="35000"/>
+            </a:spcAft>
+          </a:pPr>
+          <a:r>
+            <a:rPr lang="en-US" altLang="zh-CN" sz="1800" kern="1200" dirty="0" err="1" smtClean="0"/>
+            <a:t>hdfs</a:t>
+          </a:r>
+          <a:r>
+            <a:rPr lang="zh-CN" altLang="en-US" sz="1800" kern="1200" dirty="0" smtClean="0"/>
+            <a:t>小索引</a:t>
+          </a:r>
+          <a:endParaRPr lang="zh-CN" altLang="en-US" sz="1800" kern="1200" dirty="0"/>
+        </a:p>
+      </dsp:txBody>
+      <dsp:txXfrm>
+        <a:off x="1745800" y="1664032"/>
+        <a:ext cx="1101149" cy="734099"/>
+      </dsp:txXfrm>
+    </dsp:sp>
+    <dsp:sp modelId="{BA6A68A9-7045-42C5-B6B8-D9923D10963C}">
+      <dsp:nvSpPr>
+        <dsp:cNvPr id="0" name=""/>
+        <dsp:cNvSpPr/>
+      </dsp:nvSpPr>
+      <dsp:spPr>
+        <a:xfrm>
+          <a:off x="2313" y="2631208"/>
+          <a:ext cx="734099" cy="734099"/>
+        </a:xfrm>
+        <a:prstGeom prst="ellipse">
+          <a:avLst/>
+        </a:prstGeom>
+        <a:solidFill>
+          <a:schemeClr val="accent1">
+            <a:hueOff val="0"/>
+            <a:satOff val="0"/>
+            <a:lumOff val="0"/>
+            <a:alphaOff val="0"/>
+          </a:schemeClr>
+        </a:solidFill>
+        <a:ln w="25400" cap="flat" cmpd="sng" algn="ctr">
+          <a:solidFill>
+            <a:schemeClr val="lt1">
+              <a:hueOff val="0"/>
+              <a:satOff val="0"/>
+              <a:lumOff val="0"/>
+              <a:alphaOff val="0"/>
+            </a:schemeClr>
+          </a:solidFill>
+          <a:prstDash val="solid"/>
+        </a:ln>
+        <a:effectLst/>
+      </dsp:spPr>
+      <dsp:style>
+        <a:lnRef idx="2">
+          <a:scrgbClr r="0" g="0" b="0"/>
+        </a:lnRef>
+        <a:fillRef idx="1">
+          <a:scrgbClr r="0" g="0" b="0"/>
+        </a:fillRef>
+        <a:effectRef idx="0">
+          <a:scrgbClr r="0" g="0" b="0"/>
+        </a:effectRef>
+        <a:fontRef idx="minor">
+          <a:schemeClr val="lt1"/>
+        </a:fontRef>
+      </dsp:style>
+    </dsp:sp>
+    <dsp:sp modelId="{00F9AC4E-0660-4489-AFC6-A047E43B63D0}">
+      <dsp:nvSpPr>
+        <dsp:cNvPr id="0" name=""/>
+        <dsp:cNvSpPr/>
+      </dsp:nvSpPr>
+      <dsp:spPr>
+        <a:xfrm>
+          <a:off x="736413" y="2629373"/>
+          <a:ext cx="1101149" cy="734099"/>
+        </a:xfrm>
+        <a:prstGeom prst="rect">
+          <a:avLst/>
+        </a:prstGeom>
+        <a:noFill/>
+        <a:ln>
+          <a:noFill/>
+        </a:ln>
+        <a:effectLst/>
+      </dsp:spPr>
+      <dsp:style>
+        <a:lnRef idx="0">
+          <a:scrgbClr r="0" g="0" b="0"/>
+        </a:lnRef>
+        <a:fillRef idx="0">
+          <a:scrgbClr r="0" g="0" b="0"/>
+        </a:fillRef>
+        <a:effectRef idx="0">
+          <a:scrgbClr r="0" g="0" b="0"/>
+        </a:effectRef>
+        <a:fontRef idx="minor"/>
+      </dsp:style>
+      <dsp:txBody>
+        <a:bodyPr spcFirstLastPara="0" vert="horz" wrap="square" lIns="68580" tIns="68580" rIns="68580" bIns="68580" numCol="1" spcCol="1270" anchor="ctr" anchorCtr="0">
+          <a:noAutofit/>
+        </a:bodyPr>
+        <a:lstStyle/>
+        <a:p>
+          <a:pPr lvl="0" algn="l" defTabSz="800100">
+            <a:lnSpc>
+              <a:spcPct val="90000"/>
+            </a:lnSpc>
+            <a:spcBef>
+              <a:spcPct val="0"/>
+            </a:spcBef>
+            <a:spcAft>
+              <a:spcPct val="35000"/>
+            </a:spcAft>
+          </a:pPr>
+          <a:r>
+            <a:rPr lang="zh-CN" altLang="en-US" sz="1800" kern="1200" dirty="0" smtClean="0"/>
+            <a:t>内存中的小索引</a:t>
+          </a:r>
+          <a:endParaRPr lang="zh-CN" altLang="en-US" sz="1800" kern="1200" dirty="0"/>
+        </a:p>
+      </dsp:txBody>
+      <dsp:txXfrm>
+        <a:off x="736413" y="2629373"/>
+        <a:ext cx="1101149" cy="734099"/>
+      </dsp:txXfrm>
+    </dsp:sp>
+    <dsp:sp modelId="{598EB75C-F22B-47C7-BCD9-18B237B97592}">
+      <dsp:nvSpPr>
+        <dsp:cNvPr id="0" name=""/>
+        <dsp:cNvSpPr/>
+      </dsp:nvSpPr>
+      <dsp:spPr>
+        <a:xfrm>
+          <a:off x="2021087" y="2631208"/>
+          <a:ext cx="734099" cy="734099"/>
+        </a:xfrm>
+        <a:prstGeom prst="ellipse">
+          <a:avLst/>
+        </a:prstGeom>
+        <a:solidFill>
+          <a:schemeClr val="accent1">
+            <a:hueOff val="0"/>
+            <a:satOff val="0"/>
+            <a:lumOff val="0"/>
+            <a:alphaOff val="0"/>
+          </a:schemeClr>
+        </a:solidFill>
+        <a:ln w="25400" cap="flat" cmpd="sng" algn="ctr">
+          <a:solidFill>
+            <a:schemeClr val="lt1">
+              <a:hueOff val="0"/>
+              <a:satOff val="0"/>
+              <a:lumOff val="0"/>
+              <a:alphaOff val="0"/>
+            </a:schemeClr>
+          </a:solidFill>
+          <a:prstDash val="solid"/>
+        </a:ln>
+        <a:effectLst/>
+      </dsp:spPr>
+      <dsp:style>
+        <a:lnRef idx="2">
+          <a:scrgbClr r="0" g="0" b="0"/>
+        </a:lnRef>
+        <a:fillRef idx="1">
+          <a:scrgbClr r="0" g="0" b="0"/>
+        </a:fillRef>
+        <a:effectRef idx="0">
+          <a:scrgbClr r="0" g="0" b="0"/>
+        </a:effectRef>
+        <a:fontRef idx="minor">
+          <a:schemeClr val="lt1"/>
+        </a:fontRef>
+      </dsp:style>
+    </dsp:sp>
+    <dsp:sp modelId="{2485DD8E-D1D6-4961-9491-C32417155D11}">
+      <dsp:nvSpPr>
+        <dsp:cNvPr id="0" name=""/>
+        <dsp:cNvSpPr/>
+      </dsp:nvSpPr>
+      <dsp:spPr>
+        <a:xfrm>
+          <a:off x="2755187" y="2629373"/>
+          <a:ext cx="1101149" cy="734099"/>
+        </a:xfrm>
+        <a:prstGeom prst="rect">
+          <a:avLst/>
+        </a:prstGeom>
+        <a:noFill/>
+        <a:ln>
+          <a:noFill/>
+        </a:ln>
+        <a:effectLst/>
+      </dsp:spPr>
+      <dsp:style>
+        <a:lnRef idx="0">
+          <a:scrgbClr r="0" g="0" b="0"/>
+        </a:lnRef>
+        <a:fillRef idx="0">
+          <a:scrgbClr r="0" g="0" b="0"/>
+        </a:fillRef>
+        <a:effectRef idx="0">
+          <a:scrgbClr r="0" g="0" b="0"/>
+        </a:effectRef>
+        <a:fontRef idx="minor"/>
+      </dsp:style>
+      <dsp:txBody>
+        <a:bodyPr spcFirstLastPara="0" vert="horz" wrap="square" lIns="68580" tIns="68580" rIns="68580" bIns="68580" numCol="1" spcCol="1270" anchor="ctr" anchorCtr="0">
+          <a:noAutofit/>
+        </a:bodyPr>
+        <a:lstStyle/>
+        <a:p>
+          <a:pPr lvl="0" algn="l" defTabSz="800100">
+            <a:lnSpc>
+              <a:spcPct val="90000"/>
+            </a:lnSpc>
+            <a:spcBef>
+              <a:spcPct val="0"/>
+            </a:spcBef>
+            <a:spcAft>
+              <a:spcPct val="35000"/>
+            </a:spcAft>
+          </a:pPr>
+          <a:r>
+            <a:rPr lang="zh-CN" altLang="en-US" sz="1800" kern="1200" dirty="0" smtClean="0"/>
+            <a:t>内存中的小索引</a:t>
+          </a:r>
+          <a:endParaRPr lang="zh-CN" altLang="en-US" sz="1800" kern="1200" dirty="0"/>
+        </a:p>
+      </dsp:txBody>
+      <dsp:txXfrm>
+        <a:off x="2755187" y="2629373"/>
+        <a:ext cx="1101149" cy="734099"/>
+      </dsp:txXfrm>
+    </dsp:sp>
+    <dsp:sp modelId="{3E82BB91-BE3E-46D5-A4F3-98FA267E4E1B}">
+      <dsp:nvSpPr>
+        <dsp:cNvPr id="0" name=""/>
+        <dsp:cNvSpPr/>
+      </dsp:nvSpPr>
+      <dsp:spPr>
+        <a:xfrm>
+          <a:off x="4039862" y="1665867"/>
+          <a:ext cx="734099" cy="734099"/>
+        </a:xfrm>
+        <a:prstGeom prst="ellipse">
+          <a:avLst/>
+        </a:prstGeom>
+        <a:solidFill>
+          <a:schemeClr val="accent6">
+            <a:hueOff val="0"/>
+            <a:satOff val="0"/>
+            <a:lumOff val="0"/>
+            <a:alphaOff val="0"/>
+          </a:schemeClr>
+        </a:solidFill>
+        <a:ln w="25400" cap="flat" cmpd="sng" algn="ctr">
+          <a:solidFill>
+            <a:schemeClr val="lt1">
+              <a:hueOff val="0"/>
+              <a:satOff val="0"/>
+              <a:lumOff val="0"/>
+              <a:alphaOff val="0"/>
+            </a:schemeClr>
+          </a:solidFill>
+          <a:prstDash val="solid"/>
+        </a:ln>
+        <a:effectLst/>
+      </dsp:spPr>
+      <dsp:style>
+        <a:lnRef idx="2">
+          <a:scrgbClr r="0" g="0" b="0"/>
+        </a:lnRef>
+        <a:fillRef idx="1">
+          <a:scrgbClr r="0" g="0" b="0"/>
+        </a:fillRef>
+        <a:effectRef idx="0">
+          <a:scrgbClr r="0" g="0" b="0"/>
+        </a:effectRef>
+        <a:fontRef idx="minor">
+          <a:schemeClr val="lt1"/>
+        </a:fontRef>
+      </dsp:style>
+    </dsp:sp>
+    <dsp:sp modelId="{73B5F492-DB97-4AFC-8D55-94114A54030F}">
+      <dsp:nvSpPr>
+        <dsp:cNvPr id="0" name=""/>
+        <dsp:cNvSpPr/>
+      </dsp:nvSpPr>
+      <dsp:spPr>
+        <a:xfrm>
+          <a:off x="4773962" y="1664032"/>
+          <a:ext cx="1101149" cy="734099"/>
+        </a:xfrm>
+        <a:prstGeom prst="rect">
+          <a:avLst/>
+        </a:prstGeom>
+        <a:noFill/>
+        <a:ln>
+          <a:noFill/>
+        </a:ln>
+        <a:effectLst/>
+      </dsp:spPr>
+      <dsp:style>
+        <a:lnRef idx="0">
+          <a:scrgbClr r="0" g="0" b="0"/>
+        </a:lnRef>
+        <a:fillRef idx="0">
+          <a:scrgbClr r="0" g="0" b="0"/>
+        </a:fillRef>
+        <a:effectRef idx="0">
+          <a:scrgbClr r="0" g="0" b="0"/>
+        </a:effectRef>
+        <a:fontRef idx="minor"/>
+      </dsp:style>
+      <dsp:txBody>
+        <a:bodyPr spcFirstLastPara="0" vert="horz" wrap="square" lIns="68580" tIns="68580" rIns="68580" bIns="68580" numCol="1" spcCol="1270" anchor="ctr" anchorCtr="0">
+          <a:noAutofit/>
+        </a:bodyPr>
+        <a:lstStyle/>
+        <a:p>
+          <a:pPr lvl="0" algn="l" defTabSz="800100">
+            <a:lnSpc>
+              <a:spcPct val="90000"/>
+            </a:lnSpc>
+            <a:spcBef>
+              <a:spcPct val="0"/>
+            </a:spcBef>
+            <a:spcAft>
+              <a:spcPct val="35000"/>
+            </a:spcAft>
+          </a:pPr>
+          <a:r>
+            <a:rPr lang="en-US" altLang="zh-CN" sz="1800" kern="1200" dirty="0" err="1" smtClean="0"/>
+            <a:t>Hdfs</a:t>
+          </a:r>
+          <a:r>
+            <a:rPr lang="zh-CN" altLang="en-US" sz="1800" kern="1200" dirty="0" smtClean="0"/>
+            <a:t>小索引</a:t>
+          </a:r>
+          <a:endParaRPr lang="zh-CN" altLang="en-US" sz="1800" kern="1200" dirty="0"/>
+        </a:p>
+      </dsp:txBody>
+      <dsp:txXfrm>
+        <a:off x="4773962" y="1664032"/>
+        <a:ext cx="1101149" cy="734099"/>
+      </dsp:txXfrm>
+    </dsp:sp>
+    <dsp:sp modelId="{81534B87-0253-40AC-9E82-0B5D61E36B91}">
+      <dsp:nvSpPr>
+        <dsp:cNvPr id="0" name=""/>
+        <dsp:cNvSpPr/>
+      </dsp:nvSpPr>
+      <dsp:spPr>
+        <a:xfrm>
+          <a:off x="4039862" y="2631208"/>
+          <a:ext cx="734099" cy="734099"/>
+        </a:xfrm>
+        <a:prstGeom prst="ellipse">
+          <a:avLst/>
+        </a:prstGeom>
+        <a:solidFill>
+          <a:schemeClr val="accent1">
+            <a:hueOff val="0"/>
+            <a:satOff val="0"/>
+            <a:lumOff val="0"/>
+            <a:alphaOff val="0"/>
+          </a:schemeClr>
+        </a:solidFill>
+        <a:ln w="25400" cap="flat" cmpd="sng" algn="ctr">
+          <a:solidFill>
+            <a:schemeClr val="lt1">
+              <a:hueOff val="0"/>
+              <a:satOff val="0"/>
+              <a:lumOff val="0"/>
+              <a:alphaOff val="0"/>
+            </a:schemeClr>
+          </a:solidFill>
+          <a:prstDash val="solid"/>
+        </a:ln>
+        <a:effectLst/>
+      </dsp:spPr>
+      <dsp:style>
+        <a:lnRef idx="2">
+          <a:scrgbClr r="0" g="0" b="0"/>
+        </a:lnRef>
+        <a:fillRef idx="1">
+          <a:scrgbClr r="0" g="0" b="0"/>
+        </a:fillRef>
+        <a:effectRef idx="0">
+          <a:scrgbClr r="0" g="0" b="0"/>
+        </a:effectRef>
+        <a:fontRef idx="minor">
+          <a:schemeClr val="lt1"/>
+        </a:fontRef>
+      </dsp:style>
+    </dsp:sp>
+    <dsp:sp modelId="{4F0CB2D6-1F9A-41B8-AE24-415589FB682C}">
+      <dsp:nvSpPr>
+        <dsp:cNvPr id="0" name=""/>
+        <dsp:cNvSpPr/>
+      </dsp:nvSpPr>
+      <dsp:spPr>
+        <a:xfrm>
+          <a:off x="4773962" y="2629373"/>
+          <a:ext cx="1101149" cy="734099"/>
+        </a:xfrm>
+        <a:prstGeom prst="rect">
+          <a:avLst/>
+        </a:prstGeom>
+        <a:noFill/>
+        <a:ln>
+          <a:noFill/>
+        </a:ln>
+        <a:effectLst/>
+      </dsp:spPr>
+      <dsp:style>
+        <a:lnRef idx="0">
+          <a:scrgbClr r="0" g="0" b="0"/>
+        </a:lnRef>
+        <a:fillRef idx="0">
+          <a:scrgbClr r="0" g="0" b="0"/>
+        </a:fillRef>
+        <a:effectRef idx="0">
+          <a:scrgbClr r="0" g="0" b="0"/>
+        </a:effectRef>
+        <a:fontRef idx="minor"/>
+      </dsp:style>
+      <dsp:txBody>
+        <a:bodyPr spcFirstLastPara="0" vert="horz" wrap="square" lIns="68580" tIns="68580" rIns="68580" bIns="68580" numCol="1" spcCol="1270" anchor="ctr" anchorCtr="0">
+          <a:noAutofit/>
+        </a:bodyPr>
+        <a:lstStyle/>
+        <a:p>
+          <a:pPr lvl="0" algn="l" defTabSz="800100">
+            <a:lnSpc>
+              <a:spcPct val="90000"/>
+            </a:lnSpc>
+            <a:spcBef>
+              <a:spcPct val="0"/>
+            </a:spcBef>
+            <a:spcAft>
+              <a:spcPct val="35000"/>
+            </a:spcAft>
+          </a:pPr>
+          <a:r>
+            <a:rPr lang="zh-CN" altLang="en-US" sz="1800" kern="1200" dirty="0" smtClean="0"/>
+            <a:t>内存中的小索引</a:t>
+          </a:r>
+          <a:endParaRPr lang="zh-CN" altLang="en-US" sz="1800" kern="1200" dirty="0"/>
+        </a:p>
+      </dsp:txBody>
+      <dsp:txXfrm>
+        <a:off x="4773962" y="2629373"/>
+        <a:ext cx="1101149" cy="734099"/>
+      </dsp:txXfrm>
+    </dsp:sp>
+    <dsp:sp modelId="{25E97F30-2E39-42EB-AF8B-69A53C6C0BC1}">
+      <dsp:nvSpPr>
+        <dsp:cNvPr id="0" name=""/>
+        <dsp:cNvSpPr/>
+      </dsp:nvSpPr>
+      <dsp:spPr>
+        <a:xfrm>
+          <a:off x="6058637" y="1665867"/>
+          <a:ext cx="734099" cy="734099"/>
+        </a:xfrm>
+        <a:prstGeom prst="ellipse">
+          <a:avLst/>
+        </a:prstGeom>
+        <a:solidFill>
+          <a:schemeClr val="accent6">
+            <a:hueOff val="0"/>
+            <a:satOff val="0"/>
+            <a:lumOff val="0"/>
+            <a:alphaOff val="0"/>
+          </a:schemeClr>
+        </a:solidFill>
+        <a:ln w="25400" cap="flat" cmpd="sng" algn="ctr">
+          <a:solidFill>
+            <a:schemeClr val="lt1">
+              <a:hueOff val="0"/>
+              <a:satOff val="0"/>
+              <a:lumOff val="0"/>
+              <a:alphaOff val="0"/>
+            </a:schemeClr>
+          </a:solidFill>
+          <a:prstDash val="solid"/>
+        </a:ln>
+        <a:effectLst/>
+      </dsp:spPr>
+      <dsp:style>
+        <a:lnRef idx="2">
+          <a:scrgbClr r="0" g="0" b="0"/>
+        </a:lnRef>
+        <a:fillRef idx="1">
+          <a:scrgbClr r="0" g="0" b="0"/>
+        </a:fillRef>
+        <a:effectRef idx="0">
+          <a:scrgbClr r="0" g="0" b="0"/>
+        </a:effectRef>
+        <a:fontRef idx="minor">
+          <a:schemeClr val="lt1"/>
+        </a:fontRef>
+      </dsp:style>
+    </dsp:sp>
+    <dsp:sp modelId="{B159CCCA-B78F-4C78-93D1-5D3FD63F82AE}">
+      <dsp:nvSpPr>
+        <dsp:cNvPr id="0" name=""/>
+        <dsp:cNvSpPr/>
+      </dsp:nvSpPr>
+      <dsp:spPr>
+        <a:xfrm>
+          <a:off x="6792736" y="1664032"/>
+          <a:ext cx="1101149" cy="734099"/>
+        </a:xfrm>
+        <a:prstGeom prst="rect">
+          <a:avLst/>
+        </a:prstGeom>
+        <a:noFill/>
+        <a:ln>
+          <a:noFill/>
+        </a:ln>
+        <a:effectLst/>
+      </dsp:spPr>
+      <dsp:style>
+        <a:lnRef idx="0">
+          <a:scrgbClr r="0" g="0" b="0"/>
+        </a:lnRef>
+        <a:fillRef idx="0">
+          <a:scrgbClr r="0" g="0" b="0"/>
+        </a:fillRef>
+        <a:effectRef idx="0">
+          <a:scrgbClr r="0" g="0" b="0"/>
+        </a:effectRef>
+        <a:fontRef idx="minor"/>
+      </dsp:style>
+      <dsp:txBody>
+        <a:bodyPr spcFirstLastPara="0" vert="horz" wrap="square" lIns="68580" tIns="68580" rIns="68580" bIns="68580" numCol="1" spcCol="1270" anchor="ctr" anchorCtr="0">
+          <a:noAutofit/>
+        </a:bodyPr>
+        <a:lstStyle/>
+        <a:p>
+          <a:pPr lvl="0" algn="l" defTabSz="800100">
+            <a:lnSpc>
+              <a:spcPct val="90000"/>
+            </a:lnSpc>
+            <a:spcBef>
+              <a:spcPct val="0"/>
+            </a:spcBef>
+            <a:spcAft>
+              <a:spcPct val="35000"/>
+            </a:spcAft>
+          </a:pPr>
+          <a:r>
+            <a:rPr lang="en-US" altLang="zh-CN" sz="1800" kern="1200" dirty="0" err="1" smtClean="0"/>
+            <a:t>Hdfs</a:t>
+          </a:r>
+          <a:r>
+            <a:rPr lang="zh-CN" altLang="en-US" sz="1800" kern="1200" dirty="0" smtClean="0"/>
+            <a:t>小索引</a:t>
+          </a:r>
+          <a:endParaRPr lang="zh-CN" altLang="en-US" sz="1800" kern="1200" dirty="0"/>
+        </a:p>
+      </dsp:txBody>
+      <dsp:txXfrm>
+        <a:off x="6792736" y="1664032"/>
+        <a:ext cx="1101149" cy="734099"/>
+      </dsp:txXfrm>
+    </dsp:sp>
+  </dsp:spTree>
+</dsp:drawing>
+</file>
+
+<file path=ppt/diagrams/drawing2.xml><?xml version="1.0" encoding="utf-8"?>
+<dsp:drawing xmlns:dgm="http://schemas.openxmlformats.org/drawingml/2006/diagram" xmlns:dsp="http://schemas.microsoft.com/office/drawing/2008/diagram" xmlns:a="http://schemas.openxmlformats.org/drawingml/2006/main">
+  <dsp:spTree>
+    <dsp:nvGrpSpPr>
+      <dsp:cNvPr id="0" name=""/>
+      <dsp:cNvGrpSpPr/>
+    </dsp:nvGrpSpPr>
+    <dsp:grpSpPr/>
   </dsp:spTree>
 </dsp:drawing>
 </file>
 
 <file path=ppt/diagrams/layout1.xml><?xml version="1.0" encoding="utf-8"?>
+<dgm:layoutDef xmlns:dgm="http://schemas.openxmlformats.org/drawingml/2006/diagram" xmlns:a="http://schemas.openxmlformats.org/drawingml/2006/main" uniqueId="urn:microsoft.com/office/officeart/2009/layout/CirclePictureHierarchy">
+  <dgm:title val=""/>
+  <dgm:desc val=""/>
+  <dgm:catLst>
+    <dgm:cat type="hierarchy" pri="1750"/>
+    <dgm:cat type="picture" pri="23000"/>
+    <dgm:cat type="pictureconvert" pri="23000"/>
+  </dgm:catLst>
+  <dgm:sampData>
+    <dgm:dataModel>
+      <dgm:ptLst>
+        <dgm:pt modelId="0" type="doc"/>
+        <dgm:pt modelId="1">
+          <dgm:prSet phldr="1"/>
+        </dgm:pt>
+        <dgm:pt modelId="2">
+          <dgm:prSet phldr="1"/>
+        </dgm:pt>
+        <dgm:pt modelId="21">
+          <dgm:prSet phldr="1"/>
+        </dgm:pt>
+        <dgm:pt modelId="22">
+          <dgm:prSet phldr="1"/>
+        </dgm:pt>
+        <dgm:pt modelId="3">
+          <dgm:prSet phldr="1"/>
+        </dgm:pt>
+        <dgm:pt modelId="31">
+          <dgm:prSet phldr="1"/>
+        </dgm:pt>
+      </dgm:ptLst>
+      <dgm:cxnLst>
+        <dgm:cxn modelId="4" srcId="0" destId="1" srcOrd="0" destOrd="0"/>
+        <dgm:cxn modelId="5" srcId="1" destId="2" srcOrd="0" destOrd="0"/>
+        <dgm:cxn modelId="6" srcId="1" destId="3" srcOrd="1" destOrd="0"/>
+        <dgm:cxn modelId="23" srcId="2" destId="21" srcOrd="0" destOrd="0"/>
+        <dgm:cxn modelId="24" srcId="2" destId="22" srcOrd="1" destOrd="0"/>
+        <dgm:cxn modelId="33" srcId="3" destId="31" srcOrd="0" destOrd="0"/>
+      </dgm:cxnLst>
+      <dgm:bg/>
+      <dgm:whole/>
+    </dgm:dataModel>
+  </dgm:sampData>
+  <dgm:styleData>
+    <dgm:dataModel>
+      <dgm:ptLst>
+        <dgm:pt modelId="0" type="doc"/>
+        <dgm:pt modelId="1"/>
+        <dgm:pt modelId="11"/>
+        <dgm:pt modelId="12"/>
+      </dgm:ptLst>
+      <dgm:cxnLst>
+        <dgm:cxn modelId="2" srcId="0" destId="1" srcOrd="0" destOrd="0"/>
+        <dgm:cxn modelId="13" srcId="1" destId="11" srcOrd="0" destOrd="0"/>
+        <dgm:cxn modelId="14" srcId="1" destId="12" srcOrd="1" destOrd="0"/>
+      </dgm:cxnLst>
+      <dgm:bg/>
+      <dgm:whole/>
+    </dgm:dataModel>
+  </dgm:styleData>
+  <dgm:clrData>
+    <dgm:dataModel>
+      <dgm:ptLst>
+        <dgm:pt modelId="0" type="doc"/>
+        <dgm:pt modelId="1"/>
+        <dgm:pt modelId="2"/>
+        <dgm:pt modelId="21"/>
+        <dgm:pt modelId="211"/>
+        <dgm:pt modelId="3"/>
+        <dgm:pt modelId="31"/>
+        <dgm:pt modelId="311"/>
+      </dgm:ptLst>
+      <dgm:cxnLst>
+        <dgm:cxn modelId="4" srcId="0" destId="1" srcOrd="0" destOrd="0"/>
+        <dgm:cxn modelId="5" srcId="1" destId="2" srcOrd="0" destOrd="0"/>
+        <dgm:cxn modelId="6" srcId="1" destId="3" srcOrd="1" destOrd="0"/>
+        <dgm:cxn modelId="23" srcId="2" destId="21" srcOrd="0" destOrd="0"/>
+        <dgm:cxn modelId="24" srcId="21" destId="211" srcOrd="0" destOrd="0"/>
+        <dgm:cxn modelId="33" srcId="3" destId="31" srcOrd="0" destOrd="0"/>
+        <dgm:cxn modelId="34" srcId="31" destId="311" srcOrd="0" destOrd="0"/>
+      </dgm:cxnLst>
+      <dgm:bg/>
+      <dgm:whole/>
+    </dgm:dataModel>
+  </dgm:clrData>
+  <dgm:layoutNode name="hierChild1">
+    <dgm:varLst>
+      <dgm:chPref val="1"/>
+      <dgm:dir/>
+      <dgm:animOne val="branch"/>
+      <dgm:animLvl val="lvl"/>
+      <dgm:resizeHandles/>
+    </dgm:varLst>
+    <dgm:choose name="Name0">
+      <dgm:if name="Name1" func="var" arg="dir" op="equ" val="norm">
+        <dgm:alg type="hierChild">
+          <dgm:param type="linDir" val="fromL"/>
+        </dgm:alg>
+      </dgm:if>
+      <dgm:else name="Name2">
+        <dgm:alg type="hierChild">
+          <dgm:param type="linDir" val="fromR"/>
+        </dgm:alg>
+      </dgm:else>
+    </dgm:choose>
+    <dgm:shape xmlns:r="http://schemas.openxmlformats.org/officeDocument/2006/relationships" r:blip="">
+      <dgm:adjLst/>
+    </dgm:shape>
+    <dgm:presOf/>
+    <dgm:constrLst>
+      <dgm:constr type="primFontSz" for="des" ptType="node" op="equ" val="65"/>
+      <dgm:constr type="w" for="des" forName="composite" refType="w"/>
+      <dgm:constr type="h" for="des" forName="composite" refType="w" refFor="des" refForName="composite" fact="0.5"/>
+      <dgm:constr type="w" for="des" forName="composite2" refType="w" refFor="des" refForName="composite"/>
+      <dgm:constr type="h" for="des" forName="composite2" refType="h" refFor="des" refForName="composite"/>
+      <dgm:constr type="w" for="des" forName="composite3" refType="w" refFor="des" refForName="composite"/>
+      <dgm:constr type="h" for="des" forName="composite3" refType="h" refFor="des" refForName="composite"/>
+      <dgm:constr type="w" for="des" forName="composite4" refType="w" refFor="des" refForName="composite"/>
+      <dgm:constr type="h" for="des" forName="composite4" refType="h" refFor="des" refForName="composite"/>
+      <dgm:constr type="w" for="des" forName="composite5" refType="w" refFor="des" refForName="composite"/>
+      <dgm:constr type="h" for="des" forName="composite5" refType="h" refFor="des" refForName="composite"/>
+      <dgm:constr type="sibSp" refType="w" refFor="des" refForName="composite" fact="0.1"/>
+      <dgm:constr type="sibSp" for="des" forName="hierChild2" refType="sibSp"/>
+      <dgm:constr type="sibSp" for="des" forName="hierChild3" refType="sibSp"/>
+      <dgm:constr type="sibSp" for="des" forName="hierChild4" refType="sibSp"/>
+      <dgm:constr type="sibSp" for="des" forName="hierChild5" refType="sibSp"/>
+      <dgm:constr type="sibSp" for="des" forName="hierChild6" refType="sibSp"/>
+      <dgm:constr type="sp" for="des" forName="hierRoot1" refType="h" refFor="des" refForName="composite" fact="0.25"/>
+      <dgm:constr type="sp" for="des" forName="hierRoot2" refType="sp" refFor="des" refForName="hierRoot1"/>
+      <dgm:constr type="sp" for="des" forName="hierRoot3" refType="sp" refFor="des" refForName="hierRoot1"/>
+      <dgm:constr type="sp" for="des" forName="hierRoot4" refType="sp" refFor="des" refForName="hierRoot1"/>
+      <dgm:constr type="sp" for="des" forName="hierRoot5" refType="sp" refFor="des" refForName="hierRoot1"/>
+    </dgm:constrLst>
+    <dgm:ruleLst/>
+    <dgm:forEach name="Name3" axis="ch">
+      <dgm:forEach name="Name4" axis="self" ptType="node">
+        <dgm:layoutNode name="hierRoot1">
+          <dgm:alg type="hierRoot"/>
+          <dgm:shape xmlns:r="http://schemas.openxmlformats.org/officeDocument/2006/relationships" r:blip="">
+            <dgm:adjLst/>
+          </dgm:shape>
+          <dgm:presOf/>
+          <dgm:constrLst>
+            <dgm:constr type="bendDist" for="des" ptType="parTrans" refType="sp" fact="0.5"/>
+          </dgm:constrLst>
+          <dgm:ruleLst/>
+          <dgm:layoutNode name="composite">
+            <dgm:alg type="composite"/>
+            <dgm:shape xmlns:r="http://schemas.openxmlformats.org/officeDocument/2006/relationships" r:blip="">
+              <dgm:adjLst/>
+            </dgm:shape>
+            <dgm:presOf/>
+            <dgm:constrLst>
+              <dgm:constr type="h" for="ch" forName="image" refType="h" fact="0.8"/>
+              <dgm:constr type="w" for="ch" forName="image" refType="h" refFor="ch" refForName="image"/>
+              <dgm:constr type="t" for="ch" forName="image" refType="h" fact="0.1"/>
+              <dgm:constr type="l" for="ch" forName="image"/>
+              <dgm:constr type="w" for="ch" forName="text" refType="w" fact="0.6"/>
+              <dgm:constr type="h" for="ch" forName="text" refType="h" fact="0.8"/>
+              <dgm:constr type="t" for="ch" forName="text" refType="w" fact="0.04"/>
+              <dgm:constr type="l" for="ch" forName="text" refType="w" fact="0.4"/>
+            </dgm:constrLst>
+            <dgm:ruleLst/>
+            <dgm:layoutNode name="image" styleLbl="node0">
+              <dgm:alg type="sp"/>
+              <dgm:shape xmlns:r="http://schemas.openxmlformats.org/officeDocument/2006/relationships" type="ellipse" r:blip="" blipPhldr="1">
+                <dgm:adjLst/>
+              </dgm:shape>
+              <dgm:presOf/>
+              <dgm:constrLst/>
+              <dgm:ruleLst/>
+            </dgm:layoutNode>
+            <dgm:layoutNode name="text" styleLbl="revTx">
+              <dgm:varLst>
+                <dgm:chPref val="3"/>
+              </dgm:varLst>
+              <dgm:alg type="tx">
+                <dgm:param type="parTxLTRAlign" val="l"/>
+                <dgm:param type="parTxRTLAlign" val="r"/>
+              </dgm:alg>
+              <dgm:shape xmlns:r="http://schemas.openxmlformats.org/officeDocument/2006/relationships" type="rect" r:blip="">
+                <dgm:adjLst/>
+              </dgm:shape>
+              <dgm:presOf axis="self"/>
+              <dgm:constrLst>
+                <dgm:constr type="tMarg" refType="primFontSz" fact="0.3"/>
+                <dgm:constr type="bMarg" refType="primFontSz" fact="0.3"/>
+                <dgm:constr type="lMarg" refType="primFontSz" fact="0.3"/>
+                <dgm:constr type="rMarg" refType="primFontSz" fact="0.3"/>
+              </dgm:constrLst>
+              <dgm:ruleLst>
+                <dgm:rule type="primFontSz" val="5" fact="NaN" max="NaN"/>
+              </dgm:ruleLst>
+            </dgm:layoutNode>
+          </dgm:layoutNode>
+          <dgm:layoutNode name="hierChild2">
+            <dgm:choose name="Name5">
+              <dgm:if name="Name6" func="var" arg="dir" op="equ" val="norm">
+                <dgm:alg type="hierChild">
+                  <dgm:param type="linDir" val="fromL"/>
+                </dgm:alg>
+              </dgm:if>
+              <dgm:else name="Name7">
+                <dgm:alg type="hierChild">
+                  <dgm:param type="linDir" val="fromR"/>
+                </dgm:alg>
+              </dgm:else>
+            </dgm:choose>
+            <dgm:shape xmlns:r="http://schemas.openxmlformats.org/officeDocument/2006/relationships" r:blip="">
+              <dgm:adjLst/>
+            </dgm:shape>
+            <dgm:presOf/>
+            <dgm:constrLst/>
+            <dgm:ruleLst/>
+            <dgm:forEach name="Name8" axis="ch">
+              <dgm:forEach name="Name9" axis="self" ptType="parTrans" cnt="1">
+                <dgm:layoutNode name="Name10">
+                  <dgm:alg type="conn">
+                    <dgm:param type="dim" val="1D"/>
+                    <dgm:param type="endSty" val="noArr"/>
+                    <dgm:param type="connRout" val="bend"/>
+                    <dgm:param type="bendPt" val="end"/>
+                    <dgm:param type="begPts" val="bCtr"/>
+                    <dgm:param type="endPts" val="tCtr"/>
+                    <dgm:param type="srcNode" val="image"/>
+                    <dgm:param type="dstNode" val="image2"/>
+                  </dgm:alg>
+                  <dgm:shape xmlns:r="http://schemas.openxmlformats.org/officeDocument/2006/relationships" type="conn" r:blip="" zOrderOff="-999">
+                    <dgm:adjLst/>
+                  </dgm:shape>
+                  <dgm:presOf axis="self"/>
+                  <dgm:constrLst>
+                    <dgm:constr type="begPad"/>
+                    <dgm:constr type="endPad"/>
+                  </dgm:constrLst>
+                  <dgm:ruleLst/>
+                </dgm:layoutNode>
+              </dgm:forEach>
+              <dgm:forEach name="Name11" axis="self" ptType="node">
+                <dgm:layoutNode name="hierRoot2">
+                  <dgm:alg type="hierRoot"/>
+                  <dgm:shape xmlns:r="http://schemas.openxmlformats.org/officeDocument/2006/relationships" r:blip="">
+                    <dgm:adjLst/>
+                  </dgm:shape>
+                  <dgm:presOf/>
+                  <dgm:constrLst>
+                    <dgm:constr type="bendDist" for="des" ptType="parTrans" refType="sp" fact="0.5"/>
+                  </dgm:constrLst>
+                  <dgm:ruleLst/>
+                  <dgm:layoutNode name="composite2">
+                    <dgm:alg type="composite"/>
+                    <dgm:shape xmlns:r="http://schemas.openxmlformats.org/officeDocument/2006/relationships" r:blip="">
+                      <dgm:adjLst/>
+                    </dgm:shape>
+                    <dgm:presOf/>
+                    <dgm:constrLst>
+                      <dgm:constr type="h" for="ch" forName="image2" refType="h" fact="0.8"/>
+                      <dgm:constr type="w" for="ch" forName="image2" refType="h" refFor="ch" refForName="image2"/>
+                      <dgm:constr type="t" for="ch" forName="image2" refType="h" fact="0.1"/>
+                      <dgm:constr type="l" for="ch" forName="image2"/>
+                      <dgm:constr type="w" for="ch" forName="text2" refType="w" fact="0.6"/>
+                      <dgm:constr type="h" for="ch" forName="text2" refType="h" fact="0.8"/>
+                      <dgm:constr type="t" for="ch" forName="text2" refType="w" fact="0.04"/>
+                      <dgm:constr type="l" for="ch" forName="text2" refType="w" fact="0.4"/>
+                    </dgm:constrLst>
+                    <dgm:ruleLst/>
+                    <dgm:layoutNode name="image2">
+                      <dgm:alg type="sp"/>
+                      <dgm:shape xmlns:r="http://schemas.openxmlformats.org/officeDocument/2006/relationships" type="ellipse" r:blip="" blipPhldr="1">
+                        <dgm:adjLst/>
+                      </dgm:shape>
+                      <dgm:presOf/>
+                      <dgm:constrLst/>
+                      <dgm:ruleLst/>
+                    </dgm:layoutNode>
+                    <dgm:layoutNode name="text2" styleLbl="revTx">
+                      <dgm:varLst>
+                        <dgm:chPref val="3"/>
+                      </dgm:varLst>
+                      <dgm:alg type="tx">
+                        <dgm:param type="parTxLTRAlign" val="l"/>
+                        <dgm:param type="parTxRTLAlign" val="r"/>
+                      </dgm:alg>
+                      <dgm:shape xmlns:r="http://schemas.openxmlformats.org/officeDocument/2006/relationships" type="rect" r:blip="">
+                        <dgm:adjLst/>
+                      </dgm:shape>
+                      <dgm:presOf axis="self"/>
+                      <dgm:constrLst>
+                        <dgm:constr type="tMarg" refType="primFontSz" fact="0.3"/>
+                        <dgm:constr type="bMarg" refType="primFontSz" fact="0.3"/>
+                        <dgm:constr type="lMarg" refType="primFontSz" fact="0.3"/>
+                        <dgm:constr type="rMarg" refType="primFontSz" fact="0.3"/>
+                      </dgm:constrLst>
+                      <dgm:ruleLst>
+                        <dgm:rule type="primFontSz" val="5" fact="NaN" max="NaN"/>
+                      </dgm:ruleLst>
+                    </dgm:layoutNode>
+                  </dgm:layoutNode>
+                  <dgm:layoutNode name="hierChild3">
+                    <dgm:choose name="Name12">
+                      <dgm:if name="Name13" func="var" arg="dir" op="equ" val="norm">
+                        <dgm:alg type="hierChild">
+                          <dgm:param type="linDir" val="fromL"/>
+                        </dgm:alg>
+                      </dgm:if>
+                      <dgm:else name="Name14">
+                        <dgm:alg type="hierChild">
+                          <dgm:param type="linDir" val="fromR"/>
+                        </dgm:alg>
+                      </dgm:else>
+                    </dgm:choose>
+                    <dgm:shape xmlns:r="http://schemas.openxmlformats.org/officeDocument/2006/relationships" r:blip="">
+                      <dgm:adjLst/>
+                    </dgm:shape>
+                    <dgm:presOf/>
+                    <dgm:constrLst/>
+                    <dgm:ruleLst/>
+                    <dgm:forEach name="Name15" axis="ch">
+                      <dgm:forEach name="Name16" axis="self" ptType="parTrans" cnt="1">
+                        <dgm:layoutNode name="Name17">
+                          <dgm:alg type="conn">
+                            <dgm:param type="dim" val="1D"/>
+                            <dgm:param type="endSty" val="noArr"/>
+                            <dgm:param type="connRout" val="bend"/>
+                            <dgm:param type="bendPt" val="end"/>
+                            <dgm:param type="begPts" val="bCtr"/>
+                            <dgm:param type="endPts" val="tCtr"/>
+                            <dgm:param type="srcNode" val="image2"/>
+                            <dgm:param type="dstNode" val="image3"/>
+                          </dgm:alg>
+                          <dgm:shape xmlns:r="http://schemas.openxmlformats.org/officeDocument/2006/relationships" type="conn" r:blip="" zOrderOff="-999">
+                            <dgm:adjLst/>
+                          </dgm:shape>
+                          <dgm:presOf axis="self"/>
+                          <dgm:constrLst>
+                            <dgm:constr type="begPad"/>
+                            <dgm:constr type="endPad"/>
+                          </dgm:constrLst>
+                          <dgm:ruleLst/>
+                        </dgm:layoutNode>
+                      </dgm:forEach>
+                      <dgm:forEach name="Name18" axis="self" ptType="node">
+                        <dgm:layoutNode name="hierRoot3">
+                          <dgm:alg type="hierRoot"/>
+                          <dgm:shape xmlns:r="http://schemas.openxmlformats.org/officeDocument/2006/relationships" r:blip="">
+                            <dgm:adjLst/>
+                          </dgm:shape>
+                          <dgm:presOf/>
+                          <dgm:constrLst>
+                            <dgm:constr type="bendDist" for="des" ptType="parTrans" refType="sp" fact="0.5"/>
+                          </dgm:constrLst>
+                          <dgm:ruleLst/>
+                          <dgm:layoutNode name="composite3">
+                            <dgm:alg type="composite"/>
+                            <dgm:shape xmlns:r="http://schemas.openxmlformats.org/officeDocument/2006/relationships" r:blip="">
+                              <dgm:adjLst/>
+                            </dgm:shape>
+                            <dgm:presOf/>
+                            <dgm:constrLst>
+                              <dgm:constr type="h" for="ch" forName="image3" refType="h" fact="0.8"/>
+                              <dgm:constr type="w" for="ch" forName="image3" refType="h" refFor="ch" refForName="image3"/>
+                              <dgm:constr type="t" for="ch" forName="image3" refType="h" fact="0.1"/>
+                              <dgm:constr type="l" for="ch" forName="image3"/>
+                              <dgm:constr type="w" for="ch" forName="text3" refType="w" fact="0.6"/>
+                              <dgm:constr type="h" for="ch" forName="text3" refType="h" fact="0.8"/>
+                              <dgm:constr type="t" for="ch" forName="text3" refType="w" fact="0.04"/>
+                              <dgm:constr type="l" for="ch" forName="text3" refType="w" fact="0.4"/>
+                            </dgm:constrLst>
+                            <dgm:ruleLst/>
+                            <dgm:layoutNode name="image3">
+                              <dgm:alg type="sp"/>
+                              <dgm:shape xmlns:r="http://schemas.openxmlformats.org/officeDocument/2006/relationships" type="ellipse" r:blip="" blipPhldr="1">
+                                <dgm:adjLst/>
+                              </dgm:shape>
+                              <dgm:presOf/>
+                              <dgm:constrLst/>
+                              <dgm:ruleLst/>
+                            </dgm:layoutNode>
+                            <dgm:layoutNode name="text3" styleLbl="revTx">
+                              <dgm:varLst>
+                                <dgm:chPref val="3"/>
+                              </dgm:varLst>
+                              <dgm:alg type="tx">
+                                <dgm:param type="parTxLTRAlign" val="l"/>
+                                <dgm:param type="parTxRTLAlign" val="r"/>
+                              </dgm:alg>
+                              <dgm:shape xmlns:r="http://schemas.openxmlformats.org/officeDocument/2006/relationships" type="rect" r:blip="">
+                                <dgm:adjLst/>
+                              </dgm:shape>
+                              <dgm:presOf axis="self"/>
+                              <dgm:constrLst>
+                                <dgm:constr type="tMarg" refType="primFontSz" fact="0.3"/>
+                                <dgm:constr type="bMarg" refType="primFontSz" fact="0.3"/>
+                                <dgm:constr type="lMarg" refType="primFontSz" fact="0.3"/>
+                                <dgm:constr type="rMarg" refType="primFontSz" fact="0.3"/>
+                              </dgm:constrLst>
+                              <dgm:ruleLst>
+                                <dgm:rule type="primFontSz" val="5" fact="NaN" max="NaN"/>
+                              </dgm:ruleLst>
+                            </dgm:layoutNode>
+                          </dgm:layoutNode>
+                          <dgm:layoutNode name="hierChild4">
+                            <dgm:choose name="Name19">
+                              <dgm:if name="Name20" func="var" arg="dir" op="equ" val="norm">
+                                <dgm:alg type="hierChild">
+                                  <dgm:param type="linDir" val="fromL"/>
+                                </dgm:alg>
+                              </dgm:if>
+                              <dgm:else name="Name21">
+                                <dgm:alg type="hierChild">
+                                  <dgm:param type="linDir" val="fromR"/>
+                                </dgm:alg>
+                              </dgm:else>
+                            </dgm:choose>
+                            <dgm:shape xmlns:r="http://schemas.openxmlformats.org/officeDocument/2006/relationships" r:blip="">
+                              <dgm:adjLst/>
+                            </dgm:shape>
+                            <dgm:presOf/>
+                            <dgm:constrLst/>
+                            <dgm:ruleLst/>
+                            <dgm:forEach name="repeat" axis="ch">
+                              <dgm:forEach name="Name22" axis="self" ptType="parTrans" cnt="1">
+                                <dgm:layoutNode name="Name23">
+                                  <dgm:choose name="Name24">
+                                    <dgm:if name="Name25" axis="self" func="depth" op="lte" val="4">
+                                      <dgm:alg type="conn">
+                                        <dgm:param type="dim" val="1D"/>
+                                        <dgm:param type="endSty" val="noArr"/>
+                                        <dgm:param type="connRout" val="bend"/>
+                                        <dgm:param type="bendPt" val="end"/>
+                                        <dgm:param type="begPts" val="bCtr"/>
+                                        <dgm:param type="endPts" val="tCtr"/>
+                                        <dgm:param type="srcNode" val="image3"/>
+                                        <dgm:param type="dstNode" val="image4"/>
+                                      </dgm:alg>
+                                    </dgm:if>
+                                    <dgm:else name="Name26">
+                                      <dgm:alg type="conn">
+                                        <dgm:param type="dim" val="1D"/>
+                                        <dgm:param type="endSty" val="noArr"/>
+                                        <dgm:param type="connRout" val="bend"/>
+                                        <dgm:param type="bendPt" val="end"/>
+                                        <dgm:param type="begPts" val="bCtr"/>
+                                        <dgm:param type="endPts" val="tCtr"/>
+                                        <dgm:param type="srcNode" val="image4"/>
+                                        <dgm:param type="dstNode" val="image4"/>
+                                      </dgm:alg>
+                                    </dgm:else>
+                                  </dgm:choose>
+                                  <dgm:shape xmlns:r="http://schemas.openxmlformats.org/officeDocument/2006/relationships" type="conn" r:blip="" zOrderOff="-999">
+                                    <dgm:adjLst/>
+                                  </dgm:shape>
+                                  <dgm:presOf axis="self"/>
+                                  <dgm:constrLst>
+                                    <dgm:constr type="begPad"/>
+                                    <dgm:constr type="endPad"/>
+                                  </dgm:constrLst>
+                                  <dgm:ruleLst/>
+                                </dgm:layoutNode>
+                              </dgm:forEach>
+                              <dgm:forEach name="Name27" axis="self" ptType="node">
+                                <dgm:layoutNode name="hierRoot4">
+                                  <dgm:alg type="hierRoot"/>
+                                  <dgm:shape xmlns:r="http://schemas.openxmlformats.org/officeDocument/2006/relationships" r:blip="">
+                                    <dgm:adjLst/>
+                                  </dgm:shape>
+                                  <dgm:presOf/>
+                                  <dgm:constrLst>
+                                    <dgm:constr type="bendDist" for="des" ptType="parTrans" refType="sp" fact="0.5"/>
+                                  </dgm:constrLst>
+                                  <dgm:ruleLst/>
+                                  <dgm:layoutNode name="composite4">
+                                    <dgm:alg type="composite"/>
+                                    <dgm:shape xmlns:r="http://schemas.openxmlformats.org/officeDocument/2006/relationships" r:blip="">
+                                      <dgm:adjLst/>
+                                    </dgm:shape>
+                                    <dgm:presOf/>
+                                    <dgm:constrLst>
+                                      <dgm:constr type="h" for="ch" forName="image4" refType="h" fact="0.8"/>
+                                      <dgm:constr type="w" for="ch" forName="image4" refType="h" refFor="ch" refForName="image4"/>
+                                      <dgm:constr type="t" for="ch" forName="image4" refType="h" fact="0.1"/>
+                                      <dgm:constr type="l" for="ch" forName="image4"/>
+                                      <dgm:constr type="w" for="ch" forName="text4" refType="w" fact="0.6"/>
+                                      <dgm:constr type="h" for="ch" forName="text4" refType="h" fact="0.8"/>
+                                      <dgm:constr type="t" for="ch" forName="text4" refType="w" fact="0.04"/>
+                                      <dgm:constr type="l" for="ch" forName="text4" refType="w" fact="0.4"/>
+                                    </dgm:constrLst>
+                                    <dgm:ruleLst/>
+                                    <dgm:layoutNode name="image4">
+                                      <dgm:alg type="sp"/>
+                                      <dgm:shape xmlns:r="http://schemas.openxmlformats.org/officeDocument/2006/relationships" type="ellipse" r:blip="" blipPhldr="1">
+                                        <dgm:adjLst/>
+                                      </dgm:shape>
+                                      <dgm:presOf/>
+                                      <dgm:constrLst/>
+                                      <dgm:ruleLst/>
+                                    </dgm:layoutNode>
+                                    <dgm:layoutNode name="text4" styleLbl="revTx">
+                                      <dgm:varLst>
+                                        <dgm:chPref val="3"/>
+                                      </dgm:varLst>
+                                      <dgm:alg type="tx">
+                                        <dgm:param type="parTxLTRAlign" val="l"/>
+                                        <dgm:param type="parTxRTLAlign" val="r"/>
+                                      </dgm:alg>
+                                      <dgm:shape xmlns:r="http://schemas.openxmlformats.org/officeDocument/2006/relationships" type="rect" r:blip="">
+                                        <dgm:adjLst/>
+                                      </dgm:shape>
+                                      <dgm:presOf axis="self"/>
+                                      <dgm:constrLst>
+                                        <dgm:constr type="tMarg" refType="primFontSz" fact="0.3"/>
+                                        <dgm:constr type="bMarg" refType="primFontSz" fact="0.3"/>
+                                        <dgm:constr type="lMarg" refType="primFontSz" fact="0.3"/>
+                                        <dgm:constr type="rMarg" refType="primFontSz" fact="0.3"/>
+                                      </dgm:constrLst>
+                                      <dgm:ruleLst>
+                                        <dgm:rule type="primFontSz" val="5" fact="NaN" max="NaN"/>
+                                      </dgm:ruleLst>
+                                    </dgm:layoutNode>
+                                  </dgm:layoutNode>
+                                  <dgm:layoutNode name="hierChild5">
+                                    <dgm:choose name="Name28">
+                                      <dgm:if name="Name29" func="var" arg="dir" op="equ" val="norm">
+                                        <dgm:alg type="hierChild">
+                                          <dgm:param type="linDir" val="fromL"/>
+                                        </dgm:alg>
+                                      </dgm:if>
+                                      <dgm:else name="Name30">
+                                        <dgm:alg type="hierChild">
+                                          <dgm:param type="linDir" val="fromR"/>
+                                        </dgm:alg>
+                                      </dgm:else>
+                                    </dgm:choose>
+                                    <dgm:shape xmlns:r="http://schemas.openxmlformats.org/officeDocument/2006/relationships" r:blip="">
+                                      <dgm:adjLst/>
+                                    </dgm:shape>
+                                    <dgm:presOf/>
+                                    <dgm:constrLst/>
+                                    <dgm:ruleLst/>
+                                    <dgm:forEach name="Name31" ref="repeat"/>
+                                  </dgm:layoutNode>
+                                </dgm:layoutNode>
+                              </dgm:forEach>
+                            </dgm:forEach>
+                          </dgm:layoutNode>
+                        </dgm:layoutNode>
+                      </dgm:forEach>
+                    </dgm:forEach>
+                  </dgm:layoutNode>
+                </dgm:layoutNode>
+              </dgm:forEach>
+            </dgm:forEach>
+          </dgm:layoutNode>
+        </dgm:layoutNode>
+      </dgm:forEach>
+    </dgm:forEach>
+  </dgm:layoutNode>
+</dgm:layoutDef>
+</file>
+
+<file path=ppt/diagrams/layout2.xml><?xml version="1.0" encoding="utf-8"?>
 <dgm:layoutDef xmlns:dgm="http://schemas.openxmlformats.org/drawingml/2006/diagram" xmlns:a="http://schemas.openxmlformats.org/drawingml/2006/main" uniqueId="urn:diagrams.loki3.com/VaryingWidthList+Icon">
   <dgm:title val="可变宽度列表"/>
   <dgm:desc val="用于强调不同重要性的项。合适于大量的 1 级文本。每个形状的宽度分别由自己的文本决定。"/>
@@ -1416,6 +4464,1040 @@
 </file>
 
 <file path=ppt/diagrams/quickStyle1.xml><?xml version="1.0" encoding="utf-8"?>
+<dgm:styleDef xmlns:dgm="http://schemas.openxmlformats.org/drawingml/2006/diagram" xmlns:a="http://schemas.openxmlformats.org/drawingml/2006/main" uniqueId="urn:microsoft.com/office/officeart/2005/8/quickstyle/simple1">
+  <dgm:title val=""/>
+  <dgm:desc val=""/>
+  <dgm:catLst>
+    <dgm:cat type="simple" pri="10100"/>
+  </dgm:catLst>
+  <dgm:scene3d>
+    <a:camera prst="orthographicFront"/>
+    <a:lightRig rig="threePt" dir="t"/>
+  </dgm:scene3d>
+  <dgm:styleLbl name="node0">
+    <dgm:scene3d>
+      <a:camera prst="orthographicFront"/>
+      <a:lightRig rig="threePt" dir="t"/>
+    </dgm:scene3d>
+    <dgm:sp3d/>
+    <dgm:txPr/>
+    <dgm:style>
+      <a:lnRef idx="2">
+        <a:scrgbClr r="0" g="0" b="0"/>
+      </a:lnRef>
+      <a:fillRef idx="1">
+        <a:scrgbClr r="0" g="0" b="0"/>
+      </a:fillRef>
+      <a:effectRef idx="0">
+        <a:scrgbClr r="0" g="0" b="0"/>
+      </a:effectRef>
+      <a:fontRef idx="minor">
+        <a:schemeClr val="lt1"/>
+      </a:fontRef>
+    </dgm:style>
+  </dgm:styleLbl>
+  <dgm:styleLbl name="lnNode1">
+    <dgm:scene3d>
+      <a:camera prst="orthographicFront"/>
+      <a:lightRig rig="threePt" dir="t"/>
+    </dgm:scene3d>
+    <dgm:sp3d/>
+    <dgm:txPr/>
+    <dgm:style>
+      <a:lnRef idx="2">
+        <a:scrgbClr r="0" g="0" b="0"/>
+      </a:lnRef>
+      <a:fillRef idx="1">
+        <a:scrgbClr r="0" g="0" b="0"/>
+      </a:fillRef>
+      <a:effectRef idx="0">
+        <a:scrgbClr r="0" g="0" b="0"/>
+      </a:effectRef>
+      <a:fontRef idx="minor">
+        <a:schemeClr val="lt1"/>
+      </a:fontRef>
+    </dgm:style>
+  </dgm:styleLbl>
+  <dgm:styleLbl name="vennNode1">
+    <dgm:scene3d>
+      <a:camera prst="orthographicFront"/>
+      <a:lightRig rig="threePt" dir="t"/>
+    </dgm:scene3d>
+    <dgm:sp3d/>
+    <dgm:txPr/>
+    <dgm:style>
+      <a:lnRef idx="2">
+        <a:scrgbClr r="0" g="0" b="0"/>
+      </a:lnRef>
+      <a:fillRef idx="1">
+        <a:scrgbClr r="0" g="0" b="0"/>
+      </a:fillRef>
+      <a:effectRef idx="0">
+        <a:scrgbClr r="0" g="0" b="0"/>
+      </a:effectRef>
+      <a:fontRef idx="minor">
+        <a:schemeClr val="tx1"/>
+      </a:fontRef>
+    </dgm:style>
+  </dgm:styleLbl>
+  <dgm:styleLbl name="alignNode1">
+    <dgm:scene3d>
+      <a:camera prst="orthographicFront"/>
+      <a:lightRig rig="threePt" dir="t"/>
+    </dgm:scene3d>
+    <dgm:sp3d/>
+    <dgm:txPr/>
+    <dgm:style>
+      <a:lnRef idx="2">
+        <a:scrgbClr r="0" g="0" b="0"/>
+      </a:lnRef>
+      <a:fillRef idx="1">
+        <a:scrgbClr r="0" g="0" b="0"/>
+      </a:fillRef>
+      <a:effectRef idx="0">
+        <a:scrgbClr r="0" g="0" b="0"/>
+      </a:effectRef>
+      <a:fontRef idx="minor">
+        <a:schemeClr val="lt1"/>
+      </a:fontRef>
+    </dgm:style>
+  </dgm:styleLbl>
+  <dgm:styleLbl name="node1">
+    <dgm:scene3d>
+      <a:camera prst="orthographicFront"/>
+      <a:lightRig rig="threePt" dir="t"/>
+    </dgm:scene3d>
+    <dgm:sp3d/>
+    <dgm:txPr/>
+    <dgm:style>
+      <a:lnRef idx="2">
+        <a:scrgbClr r="0" g="0" b="0"/>
+      </a:lnRef>
+      <a:fillRef idx="1">
+        <a:scrgbClr r="0" g="0" b="0"/>
+      </a:fillRef>
+      <a:effectRef idx="0">
+        <a:scrgbClr r="0" g="0" b="0"/>
+      </a:effectRef>
+      <a:fontRef idx="minor">
+        <a:schemeClr val="lt1"/>
+      </a:fontRef>
+    </dgm:style>
+  </dgm:styleLbl>
+  <dgm:styleLbl name="node2">
+    <dgm:scene3d>
+      <a:camera prst="orthographicFront"/>
+      <a:lightRig rig="threePt" dir="t"/>
+    </dgm:scene3d>
+    <dgm:sp3d/>
+    <dgm:txPr/>
+    <dgm:style>
+      <a:lnRef idx="2">
+        <a:scrgbClr r="0" g="0" b="0"/>
+      </a:lnRef>
+      <a:fillRef idx="1">
+        <a:scrgbClr r="0" g="0" b="0"/>
+      </a:fillRef>
+      <a:effectRef idx="0">
+        <a:scrgbClr r="0" g="0" b="0"/>
+      </a:effectRef>
+      <a:fontRef idx="minor">
+        <a:schemeClr val="lt1"/>
+      </a:fontRef>
+    </dgm:style>
+  </dgm:styleLbl>
+  <dgm:styleLbl name="node3">
+    <dgm:scene3d>
+      <a:camera prst="orthographicFront"/>
+      <a:lightRig rig="threePt" dir="t"/>
+    </dgm:scene3d>
+    <dgm:sp3d/>
+    <dgm:txPr/>
+    <dgm:style>
+      <a:lnRef idx="2">
+        <a:scrgbClr r="0" g="0" b="0"/>
+      </a:lnRef>
+      <a:fillRef idx="1">
+        <a:scrgbClr r="0" g="0" b="0"/>
+      </a:fillRef>
+      <a:effectRef idx="0">
+        <a:scrgbClr r="0" g="0" b="0"/>
+      </a:effectRef>
+      <a:fontRef idx="minor">
+        <a:schemeClr val="lt1"/>
+      </a:fontRef>
+    </dgm:style>
+  </dgm:styleLbl>
+  <dgm:styleLbl name="node4">
+    <dgm:scene3d>
+      <a:camera prst="orthographicFront"/>
+      <a:lightRig rig="threePt" dir="t"/>
+    </dgm:scene3d>
+    <dgm:sp3d/>
+    <dgm:txPr/>
+    <dgm:style>
+      <a:lnRef idx="2">
+        <a:scrgbClr r="0" g="0" b="0"/>
+      </a:lnRef>
+      <a:fillRef idx="1">
+        <a:scrgbClr r="0" g="0" b="0"/>
+      </a:fillRef>
+      <a:effectRef idx="0">
+        <a:scrgbClr r="0" g="0" b="0"/>
+      </a:effectRef>
+      <a:fontRef idx="minor">
+        <a:schemeClr val="lt1"/>
+      </a:fontRef>
+    </dgm:style>
+  </dgm:styleLbl>
+  <dgm:styleLbl name="fgImgPlace1">
+    <dgm:scene3d>
+      <a:camera prst="orthographicFront"/>
+      <a:lightRig rig="threePt" dir="t"/>
+    </dgm:scene3d>
+    <dgm:sp3d/>
+    <dgm:txPr/>
+    <dgm:style>
+      <a:lnRef idx="2">
+        <a:scrgbClr r="0" g="0" b="0"/>
+      </a:lnRef>
+      <a:fillRef idx="1">
+        <a:scrgbClr r="0" g="0" b="0"/>
+      </a:fillRef>
+      <a:effectRef idx="0">
+        <a:scrgbClr r="0" g="0" b="0"/>
+      </a:effectRef>
+      <a:fontRef idx="minor"/>
+    </dgm:style>
+  </dgm:styleLbl>
+  <dgm:styleLbl name="alignImgPlace1">
+    <dgm:scene3d>
+      <a:camera prst="orthographicFront"/>
+      <a:lightRig rig="threePt" dir="t"/>
+    </dgm:scene3d>
+    <dgm:sp3d/>
+    <dgm:txPr/>
+    <dgm:style>
+      <a:lnRef idx="2">
+        <a:scrgbClr r="0" g="0" b="0"/>
+      </a:lnRef>
+      <a:fillRef idx="1">
+        <a:scrgbClr r="0" g="0" b="0"/>
+      </a:fillRef>
+      <a:effectRef idx="0">
+        <a:scrgbClr r="0" g="0" b="0"/>
+      </a:effectRef>
+      <a:fontRef idx="minor"/>
+    </dgm:style>
+  </dgm:styleLbl>
+  <dgm:styleLbl name="bgImgPlace1">
+    <dgm:scene3d>
+      <a:camera prst="orthographicFront"/>
+      <a:lightRig rig="threePt" dir="t"/>
+    </dgm:scene3d>
+    <dgm:sp3d/>
+    <dgm:txPr/>
+    <dgm:style>
+      <a:lnRef idx="2">
+        <a:scrgbClr r="0" g="0" b="0"/>
+      </a:lnRef>
+      <a:fillRef idx="1">
+        <a:scrgbClr r="0" g="0" b="0"/>
+      </a:fillRef>
+      <a:effectRef idx="0">
+        <a:scrgbClr r="0" g="0" b="0"/>
+      </a:effectRef>
+      <a:fontRef idx="minor"/>
+    </dgm:style>
+  </dgm:styleLbl>
+  <dgm:styleLbl name="sibTrans2D1">
+    <dgm:scene3d>
+      <a:camera prst="orthographicFront"/>
+      <a:lightRig rig="threePt" dir="t"/>
+    </dgm:scene3d>
+    <dgm:sp3d/>
+    <dgm:txPr/>
+    <dgm:style>
+      <a:lnRef idx="0">
+        <a:scrgbClr r="0" g="0" b="0"/>
+      </a:lnRef>
+      <a:fillRef idx="1">
+        <a:scrgbClr r="0" g="0" b="0"/>
+      </a:fillRef>
+      <a:effectRef idx="0">
+        <a:scrgbClr r="0" g="0" b="0"/>
+      </a:effectRef>
+      <a:fontRef idx="minor">
+        <a:schemeClr val="lt1"/>
+      </a:fontRef>
+    </dgm:style>
+  </dgm:styleLbl>
+  <dgm:styleLbl name="fgSibTrans2D1">
+    <dgm:scene3d>
+      <a:camera prst="orthographicFront"/>
+      <a:lightRig rig="threePt" dir="t"/>
+    </dgm:scene3d>
+    <dgm:sp3d/>
+    <dgm:txPr/>
+    <dgm:style>
+      <a:lnRef idx="0">
+        <a:scrgbClr r="0" g="0" b="0"/>
+      </a:lnRef>
+      <a:fillRef idx="1">
+        <a:scrgbClr r="0" g="0" b="0"/>
+      </a:fillRef>
+      <a:effectRef idx="0">
+        <a:scrgbClr r="0" g="0" b="0"/>
+      </a:effectRef>
+      <a:fontRef idx="minor">
+        <a:schemeClr val="lt1"/>
+      </a:fontRef>
+    </dgm:style>
+  </dgm:styleLbl>
+  <dgm:styleLbl name="bgSibTrans2D1">
+    <dgm:scene3d>
+      <a:camera prst="orthographicFront"/>
+      <a:lightRig rig="threePt" dir="t"/>
+    </dgm:scene3d>
+    <dgm:sp3d/>
+    <dgm:txPr/>
+    <dgm:style>
+      <a:lnRef idx="0">
+        <a:scrgbClr r="0" g="0" b="0"/>
+      </a:lnRef>
+      <a:fillRef idx="1">
+        <a:scrgbClr r="0" g="0" b="0"/>
+      </a:fillRef>
+      <a:effectRef idx="0">
+        <a:scrgbClr r="0" g="0" b="0"/>
+      </a:effectRef>
+      <a:fontRef idx="minor">
+        <a:schemeClr val="lt1"/>
+      </a:fontRef>
+    </dgm:style>
+  </dgm:styleLbl>
+  <dgm:styleLbl name="sibTrans1D1">
+    <dgm:scene3d>
+      <a:camera prst="orthographicFront"/>
+      <a:lightRig rig="threePt" dir="t"/>
+    </dgm:scene3d>
+    <dgm:sp3d/>
+    <dgm:txPr/>
+    <dgm:style>
+      <a:lnRef idx="1">
+        <a:scrgbClr r="0" g="0" b="0"/>
+      </a:lnRef>
+      <a:fillRef idx="0">
+        <a:scrgbClr r="0" g="0" b="0"/>
+      </a:fillRef>
+      <a:effectRef idx="0">
+        <a:scrgbClr r="0" g="0" b="0"/>
+      </a:effectRef>
+      <a:fontRef idx="minor"/>
+    </dgm:style>
+  </dgm:styleLbl>
+  <dgm:styleLbl name="callout">
+    <dgm:scene3d>
+      <a:camera prst="orthographicFront"/>
+      <a:lightRig rig="threePt" dir="t"/>
+    </dgm:scene3d>
+    <dgm:sp3d/>
+    <dgm:txPr/>
+    <dgm:style>
+      <a:lnRef idx="2">
+        <a:scrgbClr r="0" g="0" b="0"/>
+      </a:lnRef>
+      <a:fillRef idx="1">
+        <a:scrgbClr r="0" g="0" b="0"/>
+      </a:fillRef>
+      <a:effectRef idx="0">
+        <a:scrgbClr r="0" g="0" b="0"/>
+      </a:effectRef>
+      <a:fontRef idx="minor"/>
+    </dgm:style>
+  </dgm:styleLbl>
+  <dgm:styleLbl name="asst0">
+    <dgm:scene3d>
+      <a:camera prst="orthographicFront"/>
+      <a:lightRig rig="threePt" dir="t"/>
+    </dgm:scene3d>
+    <dgm:sp3d/>
+    <dgm:txPr/>
+    <dgm:style>
+      <a:lnRef idx="2">
+        <a:scrgbClr r="0" g="0" b="0"/>
+      </a:lnRef>
+      <a:fillRef idx="1">
+        <a:scrgbClr r="0" g="0" b="0"/>
+      </a:fillRef>
+      <a:effectRef idx="0">
+        <a:scrgbClr r="0" g="0" b="0"/>
+      </a:effectRef>
+      <a:fontRef idx="minor">
+        <a:schemeClr val="lt1"/>
+      </a:fontRef>
+    </dgm:style>
+  </dgm:styleLbl>
+  <dgm:styleLbl name="asst1">
+    <dgm:scene3d>
+      <a:camera prst="orthographicFront"/>
+      <a:lightRig rig="threePt" dir="t"/>
+    </dgm:scene3d>
+    <dgm:sp3d/>
+    <dgm:txPr/>
+    <dgm:style>
+      <a:lnRef idx="2">
+        <a:scrgbClr r="0" g="0" b="0"/>
+      </a:lnRef>
+      <a:fillRef idx="1">
+        <a:scrgbClr r="0" g="0" b="0"/>
+      </a:fillRef>
+      <a:effectRef idx="0">
+        <a:scrgbClr r="0" g="0" b="0"/>
+      </a:effectRef>
+      <a:fontRef idx="minor">
+        <a:schemeClr val="lt1"/>
+      </a:fontRef>
+    </dgm:style>
+  </dgm:styleLbl>
+  <dgm:styleLbl name="asst2">
+    <dgm:scene3d>
+      <a:camera prst="orthographicFront"/>
+      <a:lightRig rig="threePt" dir="t"/>
+    </dgm:scene3d>
+    <dgm:sp3d/>
+    <dgm:txPr/>
+    <dgm:style>
+      <a:lnRef idx="2">
+        <a:scrgbClr r="0" g="0" b="0"/>
+      </a:lnRef>
+      <a:fillRef idx="1">
+        <a:scrgbClr r="0" g="0" b="0"/>
+      </a:fillRef>
+      <a:effectRef idx="0">
+        <a:scrgbClr r="0" g="0" b="0"/>
+      </a:effectRef>
+      <a:fontRef idx="minor">
+        <a:schemeClr val="lt1"/>
+      </a:fontRef>
+    </dgm:style>
+  </dgm:styleLbl>
+  <dgm:styleLbl name="asst3">
+    <dgm:scene3d>
+      <a:camera prst="orthographicFront"/>
+      <a:lightRig rig="threePt" dir="t"/>
+    </dgm:scene3d>
+    <dgm:sp3d/>
+    <dgm:txPr/>
+    <dgm:style>
+      <a:lnRef idx="2">
+        <a:scrgbClr r="0" g="0" b="0"/>
+      </a:lnRef>
+      <a:fillRef idx="1">
+        <a:scrgbClr r="0" g="0" b="0"/>
+      </a:fillRef>
+      <a:effectRef idx="0">
+        <a:scrgbClr r="0" g="0" b="0"/>
+      </a:effectRef>
+      <a:fontRef idx="minor">
+        <a:schemeClr val="lt1"/>
+      </a:fontRef>
+    </dgm:style>
+  </dgm:styleLbl>
+  <dgm:styleLbl name="asst4">
+    <dgm:scene3d>
+      <a:camera prst="orthographicFront"/>
+      <a:lightRig rig="threePt" dir="t"/>
+    </dgm:scene3d>
+    <dgm:sp3d/>
+    <dgm:txPr/>
+    <dgm:style>
+      <a:lnRef idx="2">
+        <a:scrgbClr r="0" g="0" b="0"/>
+      </a:lnRef>
+      <a:fillRef idx="1">
+        <a:scrgbClr r="0" g="0" b="0"/>
+      </a:fillRef>
+      <a:effectRef idx="0">
+        <a:scrgbClr r="0" g="0" b="0"/>
+      </a:effectRef>
+      <a:fontRef idx="minor">
+        <a:schemeClr val="lt1"/>
+      </a:fontRef>
+    </dgm:style>
+  </dgm:styleLbl>
+  <dgm:styleLbl name="parChTrans2D1">
+    <dgm:scene3d>
+      <a:camera prst="orthographicFront"/>
+      <a:lightRig rig="threePt" dir="t"/>
+    </dgm:scene3d>
+    <dgm:sp3d/>
+    <dgm:txPr/>
+    <dgm:style>
+      <a:lnRef idx="2">
+        <a:scrgbClr r="0" g="0" b="0"/>
+      </a:lnRef>
+      <a:fillRef idx="1">
+        <a:scrgbClr r="0" g="0" b="0"/>
+      </a:fillRef>
+      <a:effectRef idx="0">
+        <a:scrgbClr r="0" g="0" b="0"/>
+      </a:effectRef>
+      <a:fontRef idx="minor">
+        <a:schemeClr val="lt1"/>
+      </a:fontRef>
+    </dgm:style>
+  </dgm:styleLbl>
+  <dgm:styleLbl name="parChTrans2D2">
+    <dgm:scene3d>
+      <a:camera prst="orthographicFront"/>
+      <a:lightRig rig="threePt" dir="t"/>
+    </dgm:scene3d>
+    <dgm:sp3d/>
+    <dgm:txPr/>
+    <dgm:style>
+      <a:lnRef idx="2">
+        <a:scrgbClr r="0" g="0" b="0"/>
+      </a:lnRef>
+      <a:fillRef idx="1">
+        <a:scrgbClr r="0" g="0" b="0"/>
+      </a:fillRef>
+      <a:effectRef idx="0">
+        <a:scrgbClr r="0" g="0" b="0"/>
+      </a:effectRef>
+      <a:fontRef idx="minor">
+        <a:schemeClr val="lt1"/>
+      </a:fontRef>
+    </dgm:style>
+  </dgm:styleLbl>
+  <dgm:styleLbl name="parChTrans2D3">
+    <dgm:scene3d>
+      <a:camera prst="orthographicFront"/>
+      <a:lightRig rig="threePt" dir="t"/>
+    </dgm:scene3d>
+    <dgm:sp3d/>
+    <dgm:txPr/>
+    <dgm:style>
+      <a:lnRef idx="2">
+        <a:scrgbClr r="0" g="0" b="0"/>
+      </a:lnRef>
+      <a:fillRef idx="1">
+        <a:scrgbClr r="0" g="0" b="0"/>
+      </a:fillRef>
+      <a:effectRef idx="0">
+        <a:scrgbClr r="0" g="0" b="0"/>
+      </a:effectRef>
+      <a:fontRef idx="minor">
+        <a:schemeClr val="lt1"/>
+      </a:fontRef>
+    </dgm:style>
+  </dgm:styleLbl>
+  <dgm:styleLbl name="parChTrans2D4">
+    <dgm:scene3d>
+      <a:camera prst="orthographicFront"/>
+      <a:lightRig rig="threePt" dir="t"/>
+    </dgm:scene3d>
+    <dgm:sp3d/>
+    <dgm:txPr/>
+    <dgm:style>
+      <a:lnRef idx="2">
+        <a:scrgbClr r="0" g="0" b="0"/>
+      </a:lnRef>
+      <a:fillRef idx="1">
+        <a:scrgbClr r="0" g="0" b="0"/>
+      </a:fillRef>
+      <a:effectRef idx="0">
+        <a:scrgbClr r="0" g="0" b="0"/>
+      </a:effectRef>
+      <a:fontRef idx="minor">
+        <a:schemeClr val="lt1"/>
+      </a:fontRef>
+    </dgm:style>
+  </dgm:styleLbl>
+  <dgm:styleLbl name="parChTrans1D1">
+    <dgm:scene3d>
+      <a:camera prst="orthographicFront"/>
+      <a:lightRig rig="threePt" dir="t"/>
+    </dgm:scene3d>
+    <dgm:sp3d/>
+    <dgm:txPr/>
+    <dgm:style>
+      <a:lnRef idx="2">
+        <a:scrgbClr r="0" g="0" b="0"/>
+      </a:lnRef>
+      <a:fillRef idx="0">
+        <a:scrgbClr r="0" g="0" b="0"/>
+      </a:fillRef>
+      <a:effectRef idx="0">
+        <a:scrgbClr r="0" g="0" b="0"/>
+      </a:effectRef>
+      <a:fontRef idx="minor"/>
+    </dgm:style>
+  </dgm:styleLbl>
+  <dgm:styleLbl name="parChTrans1D2">
+    <dgm:scene3d>
+      <a:camera prst="orthographicFront"/>
+      <a:lightRig rig="threePt" dir="t"/>
+    </dgm:scene3d>
+    <dgm:sp3d/>
+    <dgm:txPr/>
+    <dgm:style>
+      <a:lnRef idx="2">
+        <a:scrgbClr r="0" g="0" b="0"/>
+      </a:lnRef>
+      <a:fillRef idx="0">
+        <a:scrgbClr r="0" g="0" b="0"/>
+      </a:fillRef>
+      <a:effectRef idx="0">
+        <a:scrgbClr r="0" g="0" b="0"/>
+      </a:effectRef>
+      <a:fontRef idx="minor"/>
+    </dgm:style>
+  </dgm:styleLbl>
+  <dgm:styleLbl name="parChTrans1D3">
+    <dgm:scene3d>
+      <a:camera prst="orthographicFront"/>
+      <a:lightRig rig="threePt" dir="t"/>
+    </dgm:scene3d>
+    <dgm:sp3d/>
+    <dgm:txPr/>
+    <dgm:style>
+      <a:lnRef idx="2">
+        <a:scrgbClr r="0" g="0" b="0"/>
+      </a:lnRef>
+      <a:fillRef idx="0">
+        <a:scrgbClr r="0" g="0" b="0"/>
+      </a:fillRef>
+      <a:effectRef idx="0">
+        <a:scrgbClr r="0" g="0" b="0"/>
+      </a:effectRef>
+      <a:fontRef idx="minor"/>
+    </dgm:style>
+  </dgm:styleLbl>
+  <dgm:styleLbl name="parChTrans1D4">
+    <dgm:scene3d>
+      <a:camera prst="orthographicFront"/>
+      <a:lightRig rig="threePt" dir="t"/>
+    </dgm:scene3d>
+    <dgm:sp3d/>
+    <dgm:txPr/>
+    <dgm:style>
+      <a:lnRef idx="2">
+        <a:scrgbClr r="0" g="0" b="0"/>
+      </a:lnRef>
+      <a:fillRef idx="0">
+        <a:scrgbClr r="0" g="0" b="0"/>
+      </a:fillRef>
+      <a:effectRef idx="0">
+        <a:scrgbClr r="0" g="0" b="0"/>
+      </a:effectRef>
+      <a:fontRef idx="minor"/>
+    </dgm:style>
+  </dgm:styleLbl>
+  <dgm:styleLbl name="fgAcc1">
+    <dgm:scene3d>
+      <a:camera prst="orthographicFront"/>
+      <a:lightRig rig="threePt" dir="t"/>
+    </dgm:scene3d>
+    <dgm:sp3d/>
+    <dgm:txPr/>
+    <dgm:style>
+      <a:lnRef idx="2">
+        <a:scrgbClr r="0" g="0" b="0"/>
+      </a:lnRef>
+      <a:fillRef idx="1">
+        <a:scrgbClr r="0" g="0" b="0"/>
+      </a:fillRef>
+      <a:effectRef idx="0">
+        <a:scrgbClr r="0" g="0" b="0"/>
+      </a:effectRef>
+      <a:fontRef idx="minor"/>
+    </dgm:style>
+  </dgm:styleLbl>
+  <dgm:styleLbl name="conFgAcc1">
+    <dgm:scene3d>
+      <a:camera prst="orthographicFront"/>
+      <a:lightRig rig="threePt" dir="t"/>
+    </dgm:scene3d>
+    <dgm:sp3d/>
+    <dgm:txPr/>
+    <dgm:style>
+      <a:lnRef idx="2">
+        <a:scrgbClr r="0" g="0" b="0"/>
+      </a:lnRef>
+      <a:fillRef idx="1">
+        <a:scrgbClr r="0" g="0" b="0"/>
+      </a:fillRef>
+      <a:effectRef idx="0">
+        <a:scrgbClr r="0" g="0" b="0"/>
+      </a:effectRef>
+      <a:fontRef idx="minor"/>
+    </dgm:style>
+  </dgm:styleLbl>
+  <dgm:styleLbl name="alignAcc1">
+    <dgm:scene3d>
+      <a:camera prst="orthographicFront"/>
+      <a:lightRig rig="threePt" dir="t"/>
+    </dgm:scene3d>
+    <dgm:sp3d/>
+    <dgm:txPr/>
+    <dgm:style>
+      <a:lnRef idx="2">
+        <a:scrgbClr r="0" g="0" b="0"/>
+      </a:lnRef>
+      <a:fillRef idx="1">
+        <a:scrgbClr r="0" g="0" b="0"/>
+      </a:fillRef>
+      <a:effectRef idx="0">
+        <a:scrgbClr r="0" g="0" b="0"/>
+      </a:effectRef>
+      <a:fontRef idx="minor"/>
+    </dgm:style>
+  </dgm:styleLbl>
+  <dgm:styleLbl name="trAlignAcc1">
+    <dgm:scene3d>
+      <a:camera prst="orthographicFront"/>
+      <a:lightRig rig="threePt" dir="t"/>
+    </dgm:scene3d>
+    <dgm:sp3d/>
+    <dgm:txPr/>
+    <dgm:style>
+      <a:lnRef idx="1">
+        <a:scrgbClr r="0" g="0" b="0"/>
+      </a:lnRef>
+      <a:fillRef idx="1">
+        <a:scrgbClr r="0" g="0" b="0"/>
+      </a:fillRef>
+      <a:effectRef idx="0">
+        <a:scrgbClr r="0" g="0" b="0"/>
+      </a:effectRef>
+      <a:fontRef idx="minor"/>
+    </dgm:style>
+  </dgm:styleLbl>
+  <dgm:styleLbl name="bgAcc1">
+    <dgm:scene3d>
+      <a:camera prst="orthographicFront"/>
+      <a:lightRig rig="threePt" dir="t"/>
+    </dgm:scene3d>
+    <dgm:sp3d/>
+    <dgm:txPr/>
+    <dgm:style>
+      <a:lnRef idx="2">
+        <a:scrgbClr r="0" g="0" b="0"/>
+      </a:lnRef>
+      <a:fillRef idx="1">
+        <a:scrgbClr r="0" g="0" b="0"/>
+      </a:fillRef>
+      <a:effectRef idx="0">
+        <a:scrgbClr r="0" g="0" b="0"/>
+      </a:effectRef>
+      <a:fontRef idx="minor"/>
+    </dgm:style>
+  </dgm:styleLbl>
+  <dgm:styleLbl name="solidFgAcc1">
+    <dgm:scene3d>
+      <a:camera prst="orthographicFront"/>
+      <a:lightRig rig="threePt" dir="t"/>
+    </dgm:scene3d>
+    <dgm:sp3d/>
+    <dgm:txPr/>
+    <dgm:style>
+      <a:lnRef idx="2">
+        <a:scrgbClr r="0" g="0" b="0"/>
+      </a:lnRef>
+      <a:fillRef idx="1">
+        <a:scrgbClr r="0" g="0" b="0"/>
+      </a:fillRef>
+      <a:effectRef idx="0">
+        <a:scrgbClr r="0" g="0" b="0"/>
+      </a:effectRef>
+      <a:fontRef idx="minor"/>
+    </dgm:style>
+  </dgm:styleLbl>
+  <dgm:styleLbl name="solidAlignAcc1">
+    <dgm:scene3d>
+      <a:camera prst="orthographicFront"/>
+      <a:lightRig rig="threePt" dir="t"/>
+    </dgm:scene3d>
+    <dgm:sp3d/>
+    <dgm:txPr/>
+    <dgm:style>
+      <a:lnRef idx="2">
+        <a:scrgbClr r="0" g="0" b="0"/>
+      </a:lnRef>
+      <a:fillRef idx="1">
+        <a:scrgbClr r="0" g="0" b="0"/>
+      </a:fillRef>
+      <a:effectRef idx="0">
+        <a:scrgbClr r="0" g="0" b="0"/>
+      </a:effectRef>
+      <a:fontRef idx="minor"/>
+    </dgm:style>
+  </dgm:styleLbl>
+  <dgm:styleLbl name="solidBgAcc1">
+    <dgm:scene3d>
+      <a:camera prst="orthographicFront"/>
+      <a:lightRig rig="threePt" dir="t"/>
+    </dgm:scene3d>
+    <dgm:sp3d/>
+    <dgm:txPr/>
+    <dgm:style>
+      <a:lnRef idx="2">
+        <a:scrgbClr r="0" g="0" b="0"/>
+      </a:lnRef>
+      <a:fillRef idx="1">
+        <a:scrgbClr r="0" g="0" b="0"/>
+      </a:fillRef>
+      <a:effectRef idx="0">
+        <a:scrgbClr r="0" g="0" b="0"/>
+      </a:effectRef>
+      <a:fontRef idx="minor"/>
+    </dgm:style>
+  </dgm:styleLbl>
+  <dgm:styleLbl name="fgAccFollowNode1">
+    <dgm:scene3d>
+      <a:camera prst="orthographicFront"/>
+      <a:lightRig rig="threePt" dir="t"/>
+    </dgm:scene3d>
+    <dgm:sp3d/>
+    <dgm:txPr/>
+    <dgm:style>
+      <a:lnRef idx="2">
+        <a:scrgbClr r="0" g="0" b="0"/>
+      </a:lnRef>
+      <a:fillRef idx="1">
+        <a:scrgbClr r="0" g="0" b="0"/>
+      </a:fillRef>
+      <a:effectRef idx="0">
+        <a:scrgbClr r="0" g="0" b="0"/>
+      </a:effectRef>
+      <a:fontRef idx="minor"/>
+    </dgm:style>
+  </dgm:styleLbl>
+  <dgm:styleLbl name="alignAccFollowNode1">
+    <dgm:scene3d>
+      <a:camera prst="orthographicFront"/>
+      <a:lightRig rig="threePt" dir="t"/>
+    </dgm:scene3d>
+    <dgm:sp3d/>
+    <dgm:txPr/>
+    <dgm:style>
+      <a:lnRef idx="2">
+        <a:scrgbClr r="0" g="0" b="0"/>
+      </a:lnRef>
+      <a:fillRef idx="1">
+        <a:scrgbClr r="0" g="0" b="0"/>
+      </a:fillRef>
+      <a:effectRef idx="0">
+        <a:scrgbClr r="0" g="0" b="0"/>
+      </a:effectRef>
+      <a:fontRef idx="minor"/>
+    </dgm:style>
+  </dgm:styleLbl>
+  <dgm:styleLbl name="bgAccFollowNode1">
+    <dgm:scene3d>
+      <a:camera prst="orthographicFront"/>
+      <a:lightRig rig="threePt" dir="t"/>
+    </dgm:scene3d>
+    <dgm:sp3d/>
+    <dgm:txPr/>
+    <dgm:style>
+      <a:lnRef idx="2">
+        <a:scrgbClr r="0" g="0" b="0"/>
+      </a:lnRef>
+      <a:fillRef idx="1">
+        <a:scrgbClr r="0" g="0" b="0"/>
+      </a:fillRef>
+      <a:effectRef idx="0">
+        <a:scrgbClr r="0" g="0" b="0"/>
+      </a:effectRef>
+      <a:fontRef idx="minor"/>
+    </dgm:style>
+  </dgm:styleLbl>
+  <dgm:styleLbl name="fgAcc0">
+    <dgm:scene3d>
+      <a:camera prst="orthographicFront"/>
+      <a:lightRig rig="threePt" dir="t"/>
+    </dgm:scene3d>
+    <dgm:sp3d/>
+    <dgm:txPr/>
+    <dgm:style>
+      <a:lnRef idx="2">
+        <a:scrgbClr r="0" g="0" b="0"/>
+      </a:lnRef>
+      <a:fillRef idx="1">
+        <a:scrgbClr r="0" g="0" b="0"/>
+      </a:fillRef>
+      <a:effectRef idx="0">
+        <a:scrgbClr r="0" g="0" b="0"/>
+      </a:effectRef>
+      <a:fontRef idx="minor"/>
+    </dgm:style>
+  </dgm:styleLbl>
+  <dgm:styleLbl name="fgAcc2">
+    <dgm:scene3d>
+      <a:camera prst="orthographicFront"/>
+      <a:lightRig rig="threePt" dir="t"/>
+    </dgm:scene3d>
+    <dgm:sp3d/>
+    <dgm:txPr/>
+    <dgm:style>
+      <a:lnRef idx="2">
+        <a:scrgbClr r="0" g="0" b="0"/>
+      </a:lnRef>
+      <a:fillRef idx="1">
+        <a:scrgbClr r="0" g="0" b="0"/>
+      </a:fillRef>
+      <a:effectRef idx="0">
+        <a:scrgbClr r="0" g="0" b="0"/>
+      </a:effectRef>
+      <a:fontRef idx="minor"/>
+    </dgm:style>
+  </dgm:styleLbl>
+  <dgm:styleLbl name="fgAcc3">
+    <dgm:scene3d>
+      <a:camera prst="orthographicFront"/>
+      <a:lightRig rig="threePt" dir="t"/>
+    </dgm:scene3d>
+    <dgm:sp3d/>
+    <dgm:txPr/>
+    <dgm:style>
+      <a:lnRef idx="2">
+        <a:scrgbClr r="0" g="0" b="0"/>
+      </a:lnRef>
+      <a:fillRef idx="1">
+        <a:scrgbClr r="0" g="0" b="0"/>
+      </a:fillRef>
+      <a:effectRef idx="0">
+        <a:scrgbClr r="0" g="0" b="0"/>
+      </a:effectRef>
+      <a:fontRef idx="minor"/>
+    </dgm:style>
+  </dgm:styleLbl>
+  <dgm:styleLbl name="fgAcc4">
+    <dgm:scene3d>
+      <a:camera prst="orthographicFront"/>
+      <a:lightRig rig="threePt" dir="t"/>
+    </dgm:scene3d>
+    <dgm:sp3d/>
+    <dgm:txPr/>
+    <dgm:style>
+      <a:lnRef idx="2">
+        <a:scrgbClr r="0" g="0" b="0"/>
+      </a:lnRef>
+      <a:fillRef idx="1">
+        <a:scrgbClr r="0" g="0" b="0"/>
+      </a:fillRef>
+      <a:effectRef idx="0">
+        <a:scrgbClr r="0" g="0" b="0"/>
+      </a:effectRef>
+      <a:fontRef idx="minor"/>
+    </dgm:style>
+  </dgm:styleLbl>
+  <dgm:styleLbl name="bgShp">
+    <dgm:scene3d>
+      <a:camera prst="orthographicFront"/>
+      <a:lightRig rig="threePt" dir="t"/>
+    </dgm:scene3d>
+    <dgm:sp3d/>
+    <dgm:txPr/>
+    <dgm:style>
+      <a:lnRef idx="0">
+        <a:scrgbClr r="0" g="0" b="0"/>
+      </a:lnRef>
+      <a:fillRef idx="1">
+        <a:scrgbClr r="0" g="0" b="0"/>
+      </a:fillRef>
+      <a:effectRef idx="0">
+        <a:scrgbClr r="0" g="0" b="0"/>
+      </a:effectRef>
+      <a:fontRef idx="minor"/>
+    </dgm:style>
+  </dgm:styleLbl>
+  <dgm:styleLbl name="dkBgShp">
+    <dgm:scene3d>
+      <a:camera prst="orthographicFront"/>
+      <a:lightRig rig="threePt" dir="t"/>
+    </dgm:scene3d>
+    <dgm:sp3d/>
+    <dgm:txPr/>
+    <dgm:style>
+      <a:lnRef idx="0">
+        <a:scrgbClr r="0" g="0" b="0"/>
+      </a:lnRef>
+      <a:fillRef idx="1">
+        <a:scrgbClr r="0" g="0" b="0"/>
+      </a:fillRef>
+      <a:effectRef idx="0">
+        <a:scrgbClr r="0" g="0" b="0"/>
+      </a:effectRef>
+      <a:fontRef idx="minor"/>
+    </dgm:style>
+  </dgm:styleLbl>
+  <dgm:styleLbl name="trBgShp">
+    <dgm:scene3d>
+      <a:camera prst="orthographicFront"/>
+      <a:lightRig rig="threePt" dir="t"/>
+    </dgm:scene3d>
+    <dgm:sp3d/>
+    <dgm:txPr/>
+    <dgm:style>
+      <a:lnRef idx="0">
+        <a:scrgbClr r="0" g="0" b="0"/>
+      </a:lnRef>
+      <a:fillRef idx="1">
+        <a:scrgbClr r="0" g="0" b="0"/>
+      </a:fillRef>
+      <a:effectRef idx="0">
+        <a:scrgbClr r="0" g="0" b="0"/>
+      </a:effectRef>
+      <a:fontRef idx="minor"/>
+    </dgm:style>
+  </dgm:styleLbl>
+  <dgm:styleLbl name="fgShp">
+    <dgm:scene3d>
+      <a:camera prst="orthographicFront"/>
+      <a:lightRig rig="threePt" dir="t"/>
+    </dgm:scene3d>
+    <dgm:sp3d/>
+    <dgm:txPr/>
+    <dgm:style>
+      <a:lnRef idx="2">
+        <a:scrgbClr r="0" g="0" b="0"/>
+      </a:lnRef>
+      <a:fillRef idx="1">
+        <a:scrgbClr r="0" g="0" b="0"/>
+      </a:fillRef>
+      <a:effectRef idx="0">
+        <a:scrgbClr r="0" g="0" b="0"/>
+      </a:effectRef>
+      <a:fontRef idx="minor"/>
+    </dgm:style>
+  </dgm:styleLbl>
+  <dgm:styleLbl name="revTx">
+    <dgm:scene3d>
+      <a:camera prst="orthographicFront"/>
+      <a:lightRig rig="threePt" dir="t"/>
+    </dgm:scene3d>
+    <dgm:sp3d/>
+    <dgm:txPr/>
+    <dgm:style>
+      <a:lnRef idx="0">
+        <a:scrgbClr r="0" g="0" b="0"/>
+      </a:lnRef>
+      <a:fillRef idx="0">
+        <a:scrgbClr r="0" g="0" b="0"/>
+      </a:fillRef>
+      <a:effectRef idx="0">
+        <a:scrgbClr r="0" g="0" b="0"/>
+      </a:effectRef>
+      <a:fontRef idx="minor"/>
+    </dgm:style>
+  </dgm:styleLbl>
+</dgm:styleDef>
+</file>
+
+<file path=ppt/diagrams/quickStyle2.xml><?xml version="1.0" encoding="utf-8"?>
 <dgm:styleDef xmlns:dgm="http://schemas.openxmlformats.org/drawingml/2006/diagram" xmlns:a="http://schemas.openxmlformats.org/drawingml/2006/main" uniqueId="urn:microsoft.com/office/officeart/2005/8/quickstyle/simple1">
   <dgm:title val=""/>
   <dgm:desc val=""/>
@@ -34197,15 +38279,7 @@
             </a:r>
             <a:r>
               <a:rPr lang="zh-CN" altLang="en-US" dirty="0" smtClean="0"/>
-              <a:t>索引</a:t>
-            </a:r>
-            <a:r>
-              <a:rPr lang="zh-CN" altLang="en-US" dirty="0" smtClean="0"/>
-              <a:t>以及列式存储</a:t>
-            </a:r>
-            <a:r>
-              <a:rPr lang="zh-CN" altLang="en-US" dirty="0" smtClean="0"/>
-              <a:t>，</a:t>
+              <a:t>索引以及列式存储，</a:t>
             </a:r>
             <a:r>
               <a:rPr lang="zh-CN" altLang="en-US" dirty="0"/>
@@ -38544,70 +42618,55 @@
           <a:chExt cx="0" cy="0"/>
         </a:xfrm>
       </p:grpSpPr>
-      <p:pic>
-        <p:nvPicPr>
-          <p:cNvPr id="1027" name="Picture 3"/>
-          <p:cNvPicPr>
-            <a:picLocks noChangeAspect="1" noChangeArrowheads="1"/>
-          </p:cNvPicPr>
+      <p:cxnSp>
+        <p:nvCxnSpPr>
+          <p:cNvPr id="6" name="直接箭头连接符 5"/>
+          <p:cNvCxnSpPr/>
           <p:nvPr/>
-        </p:nvPicPr>
-        <p:blipFill>
-          <a:blip r:embed="rId2">
-            <a:extLst>
-              <a:ext uri="{28A0092B-C50C-407E-A947-70E740481C1C}">
-                <a14:useLocalDpi xmlns:a14="http://schemas.microsoft.com/office/drawing/2010/main" val="0"/>
-              </a:ext>
-            </a:extLst>
-          </a:blip>
-          <a:srcRect/>
-          <a:stretch>
-            <a:fillRect/>
-          </a:stretch>
-        </p:blipFill>
-        <p:spPr bwMode="auto">
-          <a:xfrm>
-            <a:off x="611560" y="1523379"/>
-            <a:ext cx="7915275" cy="4543425"/>
+        </p:nvCxnSpPr>
+        <p:spPr>
+          <a:xfrm flipV="1">
+            <a:off x="179512" y="2564904"/>
+            <a:ext cx="3096344" cy="2304256"/>
           </a:xfrm>
-          <a:prstGeom prst="rect">
+          <a:prstGeom prst="straightConnector1">
             <a:avLst/>
           </a:prstGeom>
-          <a:noFill/>
           <a:ln>
-            <a:noFill/>
+            <a:solidFill>
+              <a:srgbClr val="FF0000"/>
+            </a:solidFill>
+            <a:tailEnd type="arrow"/>
           </a:ln>
-          <a:effectLst/>
-          <a:extLst>
-            <a:ext uri="{909E8E84-426E-40DD-AFC4-6F175D3DCCD1}">
-              <a14:hiddenFill xmlns:a14="http://schemas.microsoft.com/office/drawing/2010/main">
-                <a:solidFill>
-                  <a:schemeClr val="accent1"/>
-                </a:solidFill>
-              </a14:hiddenFill>
-            </a:ext>
-            <a:ext uri="{91240B29-F687-4F45-9708-019B960494DF}">
-              <a14:hiddenLine xmlns:a14="http://schemas.microsoft.com/office/drawing/2010/main" w="9525">
-                <a:solidFill>
-                  <a:schemeClr val="tx1"/>
-                </a:solidFill>
-                <a:miter lim="800000"/>
-                <a:headEnd/>
-                <a:tailEnd/>
-              </a14:hiddenLine>
-            </a:ext>
-            <a:ext uri="{AF507438-7753-43E0-B8FC-AC1667EBCBE1}">
-              <a14:hiddenEffects xmlns:a14="http://schemas.microsoft.com/office/drawing/2010/main">
-                <a:effectLst>
-                  <a:outerShdw dist="35921" dir="2700000" algn="ctr" rotWithShape="0">
-                    <a:schemeClr val="bg2"/>
-                  </a:outerShdw>
-                </a:effectLst>
-              </a14:hiddenEffects>
-            </a:ext>
-          </a:extLst>
+          <a:effectLst>
+            <a:glow rad="228600">
+              <a:schemeClr val="accent2">
+                <a:satMod val="175000"/>
+                <a:alpha val="40000"/>
+              </a:schemeClr>
+            </a:glow>
+            <a:outerShdw blurRad="40000" dist="23000" dir="5400000" rotWithShape="0">
+              <a:srgbClr val="000000">
+                <a:alpha val="35000"/>
+              </a:srgbClr>
+            </a:outerShdw>
+          </a:effectLst>
         </p:spPr>
-      </p:pic>
+        <p:style>
+          <a:lnRef idx="3">
+            <a:schemeClr val="accent4"/>
+          </a:lnRef>
+          <a:fillRef idx="0">
+            <a:schemeClr val="accent4"/>
+          </a:fillRef>
+          <a:effectRef idx="2">
+            <a:schemeClr val="accent4"/>
+          </a:effectRef>
+          <a:fontRef idx="minor">
+            <a:schemeClr val="tx1"/>
+          </a:fontRef>
+        </p:style>
+      </p:cxnSp>
       <p:sp>
         <p:nvSpPr>
           <p:cNvPr id="2" name="标题 1"/>
@@ -38631,6 +42690,28 @@
           </a:p>
         </p:txBody>
       </p:sp>
+      <p:graphicFrame>
+        <p:nvGraphicFramePr>
+          <p:cNvPr id="3" name="图示 2"/>
+          <p:cNvGraphicFramePr/>
+          <p:nvPr>
+            <p:extLst>
+              <p:ext uri="{D42A27DB-BD31-4B8C-83A1-F6EECF244321}">
+                <p14:modId xmlns:p14="http://schemas.microsoft.com/office/powerpoint/2010/main" val="2526652156"/>
+              </p:ext>
+            </p:extLst>
+          </p:nvPr>
+        </p:nvGraphicFramePr>
+        <p:xfrm>
+          <a:off x="492224" y="2201670"/>
+          <a:ext cx="7896200" cy="4064000"/>
+        </p:xfrm>
+        <a:graphic>
+          <a:graphicData uri="http://schemas.openxmlformats.org/drawingml/2006/diagram">
+            <dgm:relIds xmlns:dgm="http://schemas.openxmlformats.org/drawingml/2006/diagram" xmlns:r="http://schemas.openxmlformats.org/officeDocument/2006/relationships" r:dm="rId2" r:lo="rId3" r:qs="rId4" r:cs="rId5"/>
+          </a:graphicData>
+        </a:graphic>
+      </p:graphicFrame>
       <p:sp>
         <p:nvSpPr>
           <p:cNvPr id="5" name="云形标注 4"/>
@@ -38723,7 +42804,7 @@
         </p:nvSpPr>
         <p:spPr>
           <a:xfrm>
-            <a:off x="3347864" y="2708920"/>
+            <a:off x="3635896" y="2479824"/>
             <a:ext cx="2808312" cy="820204"/>
           </a:xfrm>
           <a:prstGeom prst="cloudCallout">
@@ -39491,6 +43572,55 @@
           </a:p>
         </p:txBody>
       </p:sp>
+      <p:cxnSp>
+        <p:nvCxnSpPr>
+          <p:cNvPr id="7" name="直接箭头连接符 6"/>
+          <p:cNvCxnSpPr/>
+          <p:nvPr/>
+        </p:nvCxnSpPr>
+        <p:spPr>
+          <a:xfrm flipV="1">
+            <a:off x="1115616" y="2647020"/>
+            <a:ext cx="3096344" cy="2304256"/>
+          </a:xfrm>
+          <a:prstGeom prst="straightConnector1">
+            <a:avLst/>
+          </a:prstGeom>
+          <a:ln>
+            <a:solidFill>
+              <a:srgbClr val="FF0000"/>
+            </a:solidFill>
+            <a:tailEnd type="arrow"/>
+          </a:ln>
+          <a:effectLst>
+            <a:glow rad="228600">
+              <a:schemeClr val="accent2">
+                <a:satMod val="175000"/>
+                <a:alpha val="40000"/>
+              </a:schemeClr>
+            </a:glow>
+            <a:outerShdw blurRad="40000" dist="23000" dir="5400000" rotWithShape="0">
+              <a:srgbClr val="000000">
+                <a:alpha val="35000"/>
+              </a:srgbClr>
+            </a:outerShdw>
+          </a:effectLst>
+        </p:spPr>
+        <p:style>
+          <a:lnRef idx="3">
+            <a:schemeClr val="accent4"/>
+          </a:lnRef>
+          <a:fillRef idx="0">
+            <a:schemeClr val="accent4"/>
+          </a:fillRef>
+          <a:effectRef idx="2">
+            <a:schemeClr val="accent4"/>
+          </a:effectRef>
+          <a:fontRef idx="minor">
+            <a:schemeClr val="tx1"/>
+          </a:fontRef>
+        </p:style>
+      </p:cxnSp>
     </p:spTree>
     <p:extLst>
       <p:ext uri="{BB962C8B-B14F-4D97-AF65-F5344CB8AC3E}">

--- a/doc/higo.pptx
+++ b/doc/higo.pptx
@@ -2115,6 +2115,13 @@
         </dgm:presLayoutVars>
       </dgm:prSet>
       <dgm:spPr/>
+      <dgm:t>
+        <a:bodyPr/>
+        <a:lstStyle/>
+        <a:p>
+          <a:endParaRPr lang="zh-CN" altLang="en-US"/>
+        </a:p>
+      </dgm:t>
     </dgm:pt>
     <dgm:pt modelId="{CF6D4AF9-41EC-4E03-AC14-7671CA61D844}" type="pres">
       <dgm:prSet presAssocID="{679EC45C-9E0F-4364-89C5-8781A959218F}" presName="hierRoot1" presStyleCnt="0"/>
@@ -2135,6 +2142,13 @@
         </dgm:presLayoutVars>
       </dgm:prSet>
       <dgm:spPr/>
+      <dgm:t>
+        <a:bodyPr/>
+        <a:lstStyle/>
+        <a:p>
+          <a:endParaRPr lang="zh-CN" altLang="en-US"/>
+        </a:p>
+      </dgm:t>
     </dgm:pt>
     <dgm:pt modelId="{D36C6FF8-E96E-4765-8132-FECCE31A9868}" type="pres">
       <dgm:prSet presAssocID="{679EC45C-9E0F-4364-89C5-8781A959218F}" presName="hierChild2" presStyleCnt="0"/>
@@ -2143,6 +2157,13 @@
     <dgm:pt modelId="{2254F64B-7799-43DF-823F-ED34BCB166F6}" type="pres">
       <dgm:prSet presAssocID="{B9155114-2DE2-4FC1-8950-C11F058161F8}" presName="Name10" presStyleLbl="parChTrans1D2" presStyleIdx="0" presStyleCnt="3"/>
       <dgm:spPr/>
+      <dgm:t>
+        <a:bodyPr/>
+        <a:lstStyle/>
+        <a:p>
+          <a:endParaRPr lang="zh-CN" altLang="en-US"/>
+        </a:p>
+      </dgm:t>
     </dgm:pt>
     <dgm:pt modelId="{A14E2B3F-3D5A-40E9-A143-81FB26937DA3}" type="pres">
       <dgm:prSet presAssocID="{8D95464A-4B49-4A67-89E7-C2C7431132CF}" presName="hierRoot2" presStyleCnt="0"/>
@@ -2163,6 +2184,13 @@
         </dgm:presLayoutVars>
       </dgm:prSet>
       <dgm:spPr/>
+      <dgm:t>
+        <a:bodyPr/>
+        <a:lstStyle/>
+        <a:p>
+          <a:endParaRPr lang="zh-CN" altLang="en-US"/>
+        </a:p>
+      </dgm:t>
     </dgm:pt>
     <dgm:pt modelId="{A2F9E9C3-33A6-49BE-8E31-A5AC38951FE2}" type="pres">
       <dgm:prSet presAssocID="{8D95464A-4B49-4A67-89E7-C2C7431132CF}" presName="hierChild3" presStyleCnt="0"/>
@@ -2171,6 +2199,13 @@
     <dgm:pt modelId="{B2167DB8-FEFC-420D-BEDF-9EA1410152DE}" type="pres">
       <dgm:prSet presAssocID="{9B4EDAD1-C374-4BFC-B7A2-54A61CE7FAD4}" presName="Name17" presStyleLbl="parChTrans1D3" presStyleIdx="0" presStyleCnt="3"/>
       <dgm:spPr/>
+      <dgm:t>
+        <a:bodyPr/>
+        <a:lstStyle/>
+        <a:p>
+          <a:endParaRPr lang="zh-CN" altLang="en-US"/>
+        </a:p>
+      </dgm:t>
     </dgm:pt>
     <dgm:pt modelId="{2991480B-F38C-4CB0-B0F0-30D82FC9533F}" type="pres">
       <dgm:prSet presAssocID="{B1CA4F62-0B54-407B-A55F-F13BE43C8E27}" presName="hierRoot3" presStyleCnt="0"/>
@@ -2191,6 +2226,13 @@
         </dgm:presLayoutVars>
       </dgm:prSet>
       <dgm:spPr/>
+      <dgm:t>
+        <a:bodyPr/>
+        <a:lstStyle/>
+        <a:p>
+          <a:endParaRPr lang="zh-CN" altLang="en-US"/>
+        </a:p>
+      </dgm:t>
     </dgm:pt>
     <dgm:pt modelId="{90E9D2FD-5417-4941-823E-03F80A623840}" type="pres">
       <dgm:prSet presAssocID="{B1CA4F62-0B54-407B-A55F-F13BE43C8E27}" presName="hierChild4" presStyleCnt="0"/>
@@ -2199,6 +2241,13 @@
     <dgm:pt modelId="{418EEE6D-9957-4849-80F2-89846141588C}" type="pres">
       <dgm:prSet presAssocID="{79C5B070-E0E7-414C-BEA6-E00CFA9A610E}" presName="Name17" presStyleLbl="parChTrans1D3" presStyleIdx="1" presStyleCnt="3"/>
       <dgm:spPr/>
+      <dgm:t>
+        <a:bodyPr/>
+        <a:lstStyle/>
+        <a:p>
+          <a:endParaRPr lang="zh-CN" altLang="en-US"/>
+        </a:p>
+      </dgm:t>
     </dgm:pt>
     <dgm:pt modelId="{4C4774D0-CD0E-49DB-86BF-001E16ADEB84}" type="pres">
       <dgm:prSet presAssocID="{1FC85EB0-EBE5-465E-A12B-7762DA7888AB}" presName="hierRoot3" presStyleCnt="0"/>
@@ -2219,6 +2268,13 @@
         </dgm:presLayoutVars>
       </dgm:prSet>
       <dgm:spPr/>
+      <dgm:t>
+        <a:bodyPr/>
+        <a:lstStyle/>
+        <a:p>
+          <a:endParaRPr lang="zh-CN" altLang="en-US"/>
+        </a:p>
+      </dgm:t>
     </dgm:pt>
     <dgm:pt modelId="{D636AFCD-59EB-411E-B96F-B87E3584499D}" type="pres">
       <dgm:prSet presAssocID="{1FC85EB0-EBE5-465E-A12B-7762DA7888AB}" presName="hierChild4" presStyleCnt="0"/>
@@ -2227,6 +2283,13 @@
     <dgm:pt modelId="{9C00E8BB-1F06-4FC3-B259-F0F2960DB8E8}" type="pres">
       <dgm:prSet presAssocID="{61CDED0C-7E68-4126-8CE1-DF0B93BE2BE7}" presName="Name10" presStyleLbl="parChTrans1D2" presStyleIdx="1" presStyleCnt="3"/>
       <dgm:spPr/>
+      <dgm:t>
+        <a:bodyPr/>
+        <a:lstStyle/>
+        <a:p>
+          <a:endParaRPr lang="zh-CN" altLang="en-US"/>
+        </a:p>
+      </dgm:t>
     </dgm:pt>
     <dgm:pt modelId="{BAD2C4F2-79DD-4717-8509-2A16D0A2E2EF}" type="pres">
       <dgm:prSet presAssocID="{F4BF65CD-C51B-4385-B459-96DC56C6050B}" presName="hierRoot2" presStyleCnt="0"/>
@@ -2247,6 +2310,13 @@
         </dgm:presLayoutVars>
       </dgm:prSet>
       <dgm:spPr/>
+      <dgm:t>
+        <a:bodyPr/>
+        <a:lstStyle/>
+        <a:p>
+          <a:endParaRPr lang="zh-CN" altLang="en-US"/>
+        </a:p>
+      </dgm:t>
     </dgm:pt>
     <dgm:pt modelId="{ADDD3A3F-0649-47B7-B0A6-A1C03F4BE6BD}" type="pres">
       <dgm:prSet presAssocID="{F4BF65CD-C51B-4385-B459-96DC56C6050B}" presName="hierChild3" presStyleCnt="0"/>
@@ -2255,6 +2325,13 @@
     <dgm:pt modelId="{C4EEFFC5-231D-4BD2-9829-A7D6564985C9}" type="pres">
       <dgm:prSet presAssocID="{65F68222-E78A-4E84-980F-D30AB836D510}" presName="Name17" presStyleLbl="parChTrans1D3" presStyleIdx="2" presStyleCnt="3"/>
       <dgm:spPr/>
+      <dgm:t>
+        <a:bodyPr/>
+        <a:lstStyle/>
+        <a:p>
+          <a:endParaRPr lang="zh-CN" altLang="en-US"/>
+        </a:p>
+      </dgm:t>
     </dgm:pt>
     <dgm:pt modelId="{30F0D168-F5F1-42E8-8A30-447CBA8D0E89}" type="pres">
       <dgm:prSet presAssocID="{4117B397-3E09-4DFF-B5E3-EC717E63C46A}" presName="hierRoot3" presStyleCnt="0"/>
@@ -2275,6 +2352,13 @@
         </dgm:presLayoutVars>
       </dgm:prSet>
       <dgm:spPr/>
+      <dgm:t>
+        <a:bodyPr/>
+        <a:lstStyle/>
+        <a:p>
+          <a:endParaRPr lang="zh-CN" altLang="en-US"/>
+        </a:p>
+      </dgm:t>
     </dgm:pt>
     <dgm:pt modelId="{E02F2AE7-CCCB-48F1-ABB0-499D1D2DACAD}" type="pres">
       <dgm:prSet presAssocID="{4117B397-3E09-4DFF-B5E3-EC717E63C46A}" presName="hierChild4" presStyleCnt="0"/>
@@ -2283,6 +2367,13 @@
     <dgm:pt modelId="{9A01F4C0-61DC-4302-B2CA-96DAA590A8CA}" type="pres">
       <dgm:prSet presAssocID="{86818DDB-788A-4F0E-8757-4BCB0E760A49}" presName="Name10" presStyleLbl="parChTrans1D2" presStyleIdx="2" presStyleCnt="3"/>
       <dgm:spPr/>
+      <dgm:t>
+        <a:bodyPr/>
+        <a:lstStyle/>
+        <a:p>
+          <a:endParaRPr lang="zh-CN" altLang="en-US"/>
+        </a:p>
+      </dgm:t>
     </dgm:pt>
     <dgm:pt modelId="{9BC06AF6-6331-4CFD-9C7B-97B78C40E194}" type="pres">
       <dgm:prSet presAssocID="{B69C8980-C470-492E-9B24-06E5CBD6B12B}" presName="hierRoot2" presStyleCnt="0"/>
@@ -2303,6 +2394,13 @@
         </dgm:presLayoutVars>
       </dgm:prSet>
       <dgm:spPr/>
+      <dgm:t>
+        <a:bodyPr/>
+        <a:lstStyle/>
+        <a:p>
+          <a:endParaRPr lang="zh-CN" altLang="en-US"/>
+        </a:p>
+      </dgm:t>
     </dgm:pt>
     <dgm:pt modelId="{08FC02A9-6C4E-4664-85C2-681378691685}" type="pres">
       <dgm:prSet presAssocID="{B69C8980-C470-492E-9B24-06E5CBD6B12B}" presName="hierChild3" presStyleCnt="0"/>

--- a/doc/higo.pptx
+++ b/doc/higo.pptx
@@ -13,14 +13,14 @@
     <p:sldId id="361" r:id="rId4"/>
     <p:sldId id="257" r:id="rId5"/>
     <p:sldId id="307" r:id="rId6"/>
-    <p:sldId id="377" r:id="rId7"/>
-    <p:sldId id="313" r:id="rId8"/>
-    <p:sldId id="362" r:id="rId9"/>
-    <p:sldId id="364" r:id="rId10"/>
-    <p:sldId id="363" r:id="rId11"/>
-    <p:sldId id="366" r:id="rId12"/>
-    <p:sldId id="367" r:id="rId13"/>
-    <p:sldId id="372" r:id="rId14"/>
+    <p:sldId id="313" r:id="rId7"/>
+    <p:sldId id="362" r:id="rId8"/>
+    <p:sldId id="364" r:id="rId9"/>
+    <p:sldId id="363" r:id="rId10"/>
+    <p:sldId id="366" r:id="rId11"/>
+    <p:sldId id="367" r:id="rId12"/>
+    <p:sldId id="372" r:id="rId13"/>
+    <p:sldId id="385" r:id="rId14"/>
     <p:sldId id="379" r:id="rId15"/>
     <p:sldId id="368" r:id="rId16"/>
     <p:sldId id="373" r:id="rId17"/>
@@ -3910,6 +3910,334 @@
       <dsp:cNvGrpSpPr/>
     </dsp:nvGrpSpPr>
     <dsp:grpSpPr/>
+    <dsp:sp modelId="{1A32A10F-9B1B-436D-A614-20F9B53E066E}">
+      <dsp:nvSpPr>
+        <dsp:cNvPr id="0" name=""/>
+        <dsp:cNvSpPr/>
+      </dsp:nvSpPr>
+      <dsp:spPr>
+        <a:xfrm>
+          <a:off x="38833" y="2033"/>
+          <a:ext cx="318376" cy="978296"/>
+        </a:xfrm>
+        <a:prstGeom prst="rect">
+          <a:avLst/>
+        </a:prstGeom>
+        <a:solidFill>
+          <a:schemeClr val="accent2">
+            <a:shade val="50000"/>
+            <a:hueOff val="0"/>
+            <a:satOff val="0"/>
+            <a:lumOff val="0"/>
+            <a:alphaOff val="0"/>
+          </a:schemeClr>
+        </a:solidFill>
+        <a:ln w="25400" cap="flat" cmpd="sng" algn="ctr">
+          <a:solidFill>
+            <a:schemeClr val="lt1">
+              <a:hueOff val="0"/>
+              <a:satOff val="0"/>
+              <a:lumOff val="0"/>
+              <a:alphaOff val="0"/>
+            </a:schemeClr>
+          </a:solidFill>
+          <a:prstDash val="solid"/>
+        </a:ln>
+        <a:effectLst/>
+      </dsp:spPr>
+      <dsp:style>
+        <a:lnRef idx="2">
+          <a:scrgbClr r="0" g="0" b="0"/>
+        </a:lnRef>
+        <a:fillRef idx="1">
+          <a:scrgbClr r="0" g="0" b="0"/>
+        </a:fillRef>
+        <a:effectRef idx="0">
+          <a:scrgbClr r="0" g="0" b="0"/>
+        </a:effectRef>
+        <a:fontRef idx="minor">
+          <a:schemeClr val="lt1"/>
+        </a:fontRef>
+      </dsp:style>
+      <dsp:txBody>
+        <a:bodyPr spcFirstLastPara="0" vert="horz" wrap="square" lIns="40640" tIns="40640" rIns="40640" bIns="40640" numCol="1" spcCol="1270" anchor="ctr" anchorCtr="0">
+          <a:noAutofit/>
+        </a:bodyPr>
+        <a:lstStyle/>
+        <a:p>
+          <a:pPr lvl="0" algn="ctr" defTabSz="711200">
+            <a:lnSpc>
+              <a:spcPct val="90000"/>
+            </a:lnSpc>
+            <a:spcBef>
+              <a:spcPct val="0"/>
+            </a:spcBef>
+            <a:spcAft>
+              <a:spcPct val="35000"/>
+            </a:spcAft>
+          </a:pPr>
+          <a:r>
+            <a:rPr lang="zh-CN" altLang="en-US" sz="1600" kern="1200" dirty="0" smtClean="0"/>
+            <a:t>列</a:t>
+          </a:r>
+          <a:r>
+            <a:rPr lang="en-US" altLang="zh-CN" sz="1600" kern="1200" dirty="0" smtClean="0"/>
+            <a:t>1</a:t>
+          </a:r>
+          <a:endParaRPr lang="zh-CN" altLang="en-US" sz="1600" kern="1200" dirty="0"/>
+        </a:p>
+      </dsp:txBody>
+      <dsp:txXfrm>
+        <a:off x="38833" y="2033"/>
+        <a:ext cx="318376" cy="978296"/>
+      </dsp:txXfrm>
+    </dsp:sp>
+    <dsp:sp modelId="{14407EC2-6BBE-41AE-B959-D195A65C2964}">
+      <dsp:nvSpPr>
+        <dsp:cNvPr id="0" name=""/>
+        <dsp:cNvSpPr/>
+      </dsp:nvSpPr>
+      <dsp:spPr>
+        <a:xfrm>
+          <a:off x="38833" y="1029245"/>
+          <a:ext cx="318376" cy="978296"/>
+        </a:xfrm>
+        <a:prstGeom prst="rect">
+          <a:avLst/>
+        </a:prstGeom>
+        <a:solidFill>
+          <a:schemeClr val="accent2">
+            <a:shade val="50000"/>
+            <a:hueOff val="0"/>
+            <a:satOff val="-16266"/>
+            <a:lumOff val="26389"/>
+            <a:alphaOff val="0"/>
+          </a:schemeClr>
+        </a:solidFill>
+        <a:ln w="25400" cap="flat" cmpd="sng" algn="ctr">
+          <a:solidFill>
+            <a:schemeClr val="lt1">
+              <a:hueOff val="0"/>
+              <a:satOff val="0"/>
+              <a:lumOff val="0"/>
+              <a:alphaOff val="0"/>
+            </a:schemeClr>
+          </a:solidFill>
+          <a:prstDash val="solid"/>
+        </a:ln>
+        <a:effectLst/>
+      </dsp:spPr>
+      <dsp:style>
+        <a:lnRef idx="2">
+          <a:scrgbClr r="0" g="0" b="0"/>
+        </a:lnRef>
+        <a:fillRef idx="1">
+          <a:scrgbClr r="0" g="0" b="0"/>
+        </a:fillRef>
+        <a:effectRef idx="0">
+          <a:scrgbClr r="0" g="0" b="0"/>
+        </a:effectRef>
+        <a:fontRef idx="minor">
+          <a:schemeClr val="lt1"/>
+        </a:fontRef>
+      </dsp:style>
+      <dsp:txBody>
+        <a:bodyPr spcFirstLastPara="0" vert="horz" wrap="square" lIns="25400" tIns="25400" rIns="25400" bIns="25400" numCol="1" spcCol="1270" anchor="ctr" anchorCtr="0">
+          <a:noAutofit/>
+        </a:bodyPr>
+        <a:lstStyle/>
+        <a:p>
+          <a:pPr lvl="0" algn="ctr" defTabSz="444500">
+            <a:lnSpc>
+              <a:spcPct val="90000"/>
+            </a:lnSpc>
+            <a:spcBef>
+              <a:spcPct val="0"/>
+            </a:spcBef>
+            <a:spcAft>
+              <a:spcPct val="35000"/>
+            </a:spcAft>
+          </a:pPr>
+          <a:r>
+            <a:rPr lang="zh-CN" altLang="en-US" sz="1000" kern="1200" dirty="0" smtClean="0"/>
+            <a:t>列</a:t>
+          </a:r>
+          <a:r>
+            <a:rPr lang="en-US" altLang="zh-CN" sz="1000" kern="1200" dirty="0" smtClean="0"/>
+            <a:t>2</a:t>
+          </a:r>
+          <a:endParaRPr lang="zh-CN" altLang="en-US" sz="1000" kern="1200" dirty="0"/>
+        </a:p>
+      </dsp:txBody>
+      <dsp:txXfrm>
+        <a:off x="38833" y="1029245"/>
+        <a:ext cx="318376" cy="978296"/>
+      </dsp:txXfrm>
+    </dsp:sp>
+    <dsp:sp modelId="{2766CE1A-14A7-4314-A143-42BDD394FB1C}">
+      <dsp:nvSpPr>
+        <dsp:cNvPr id="0" name=""/>
+        <dsp:cNvSpPr/>
+      </dsp:nvSpPr>
+      <dsp:spPr>
+        <a:xfrm>
+          <a:off x="33858" y="2056457"/>
+          <a:ext cx="328326" cy="978296"/>
+        </a:xfrm>
+        <a:prstGeom prst="rect">
+          <a:avLst/>
+        </a:prstGeom>
+        <a:solidFill>
+          <a:schemeClr val="accent2">
+            <a:shade val="50000"/>
+            <a:hueOff val="0"/>
+            <a:satOff val="-32532"/>
+            <a:lumOff val="52778"/>
+            <a:alphaOff val="0"/>
+          </a:schemeClr>
+        </a:solidFill>
+        <a:ln w="25400" cap="flat" cmpd="sng" algn="ctr">
+          <a:solidFill>
+            <a:schemeClr val="lt1">
+              <a:hueOff val="0"/>
+              <a:satOff val="0"/>
+              <a:lumOff val="0"/>
+              <a:alphaOff val="0"/>
+            </a:schemeClr>
+          </a:solidFill>
+          <a:prstDash val="solid"/>
+        </a:ln>
+        <a:effectLst/>
+      </dsp:spPr>
+      <dsp:style>
+        <a:lnRef idx="2">
+          <a:scrgbClr r="0" g="0" b="0"/>
+        </a:lnRef>
+        <a:fillRef idx="1">
+          <a:scrgbClr r="0" g="0" b="0"/>
+        </a:fillRef>
+        <a:effectRef idx="0">
+          <a:scrgbClr r="0" g="0" b="0"/>
+        </a:effectRef>
+        <a:fontRef idx="minor">
+          <a:schemeClr val="lt1"/>
+        </a:fontRef>
+      </dsp:style>
+      <dsp:txBody>
+        <a:bodyPr spcFirstLastPara="0" vert="horz" wrap="square" lIns="25400" tIns="25400" rIns="25400" bIns="25400" numCol="1" spcCol="1270" anchor="ctr" anchorCtr="0">
+          <a:noAutofit/>
+        </a:bodyPr>
+        <a:lstStyle/>
+        <a:p>
+          <a:pPr lvl="0" algn="ctr" defTabSz="444500">
+            <a:lnSpc>
+              <a:spcPct val="90000"/>
+            </a:lnSpc>
+            <a:spcBef>
+              <a:spcPct val="0"/>
+            </a:spcBef>
+            <a:spcAft>
+              <a:spcPct val="35000"/>
+            </a:spcAft>
+          </a:pPr>
+          <a:r>
+            <a:rPr lang="zh-CN" altLang="en-US" sz="1000" kern="1200" dirty="0" smtClean="0"/>
+            <a:t>列</a:t>
+          </a:r>
+          <a:r>
+            <a:rPr lang="en-US" altLang="zh-CN" sz="1000" kern="1200" dirty="0" smtClean="0"/>
+            <a:t>…</a:t>
+          </a:r>
+          <a:endParaRPr lang="zh-CN" altLang="en-US" sz="1000" kern="1200" dirty="0"/>
+        </a:p>
+      </dsp:txBody>
+      <dsp:txXfrm>
+        <a:off x="33858" y="2056457"/>
+        <a:ext cx="328326" cy="978296"/>
+      </dsp:txXfrm>
+    </dsp:sp>
+    <dsp:sp modelId="{6622071B-A5D3-459E-90B2-67A70508E830}">
+      <dsp:nvSpPr>
+        <dsp:cNvPr id="0" name=""/>
+        <dsp:cNvSpPr/>
+      </dsp:nvSpPr>
+      <dsp:spPr>
+        <a:xfrm>
+          <a:off x="38833" y="3083669"/>
+          <a:ext cx="318376" cy="978296"/>
+        </a:xfrm>
+        <a:prstGeom prst="rect">
+          <a:avLst/>
+        </a:prstGeom>
+        <a:solidFill>
+          <a:schemeClr val="accent2">
+            <a:shade val="50000"/>
+            <a:hueOff val="0"/>
+            <a:satOff val="-16266"/>
+            <a:lumOff val="26389"/>
+            <a:alphaOff val="0"/>
+          </a:schemeClr>
+        </a:solidFill>
+        <a:ln w="25400" cap="flat" cmpd="sng" algn="ctr">
+          <a:solidFill>
+            <a:schemeClr val="lt1">
+              <a:hueOff val="0"/>
+              <a:satOff val="0"/>
+              <a:lumOff val="0"/>
+              <a:alphaOff val="0"/>
+            </a:schemeClr>
+          </a:solidFill>
+          <a:prstDash val="solid"/>
+        </a:ln>
+        <a:effectLst/>
+      </dsp:spPr>
+      <dsp:style>
+        <a:lnRef idx="2">
+          <a:scrgbClr r="0" g="0" b="0"/>
+        </a:lnRef>
+        <a:fillRef idx="1">
+          <a:scrgbClr r="0" g="0" b="0"/>
+        </a:fillRef>
+        <a:effectRef idx="0">
+          <a:scrgbClr r="0" g="0" b="0"/>
+        </a:effectRef>
+        <a:fontRef idx="minor">
+          <a:schemeClr val="lt1"/>
+        </a:fontRef>
+      </dsp:style>
+      <dsp:txBody>
+        <a:bodyPr spcFirstLastPara="0" vert="horz" wrap="square" lIns="25400" tIns="25400" rIns="25400" bIns="25400" numCol="1" spcCol="1270" anchor="ctr" anchorCtr="0">
+          <a:noAutofit/>
+        </a:bodyPr>
+        <a:lstStyle/>
+        <a:p>
+          <a:pPr lvl="0" algn="ctr" defTabSz="444500">
+            <a:lnSpc>
+              <a:spcPct val="90000"/>
+            </a:lnSpc>
+            <a:spcBef>
+              <a:spcPct val="0"/>
+            </a:spcBef>
+            <a:spcAft>
+              <a:spcPct val="35000"/>
+            </a:spcAft>
+          </a:pPr>
+          <a:r>
+            <a:rPr lang="zh-CN" altLang="en-US" sz="1000" kern="1200" dirty="0" smtClean="0"/>
+            <a:t>列</a:t>
+          </a:r>
+          <a:r>
+            <a:rPr lang="en-US" altLang="zh-CN" sz="1000" kern="1200" dirty="0" smtClean="0"/>
+            <a:t>N</a:t>
+          </a:r>
+          <a:endParaRPr lang="zh-CN" altLang="en-US" sz="1000" kern="1200" dirty="0"/>
+        </a:p>
+      </dsp:txBody>
+      <dsp:txXfrm>
+        <a:off x="38833" y="3083669"/>
+        <a:ext cx="318376" cy="978296"/>
+      </dsp:txXfrm>
+    </dsp:sp>
   </dsp:spTree>
 </dsp:drawing>
 </file>
@@ -7128,7 +7456,7 @@
           <a:p>
             <a:fld id="{F97F956F-0FB0-49A7-9A65-ECFE7CD21C1F}" type="slidenum">
               <a:rPr lang="zh-CN" altLang="en-US" smtClean="0"/>
-              <a:t>13</a:t>
+              <a:t>12</a:t>
             </a:fld>
             <a:endParaRPr lang="zh-CN" altLang="en-US"/>
           </a:p>
@@ -11512,571 +11840,6 @@
           <a:chExt cx="0" cy="0"/>
         </a:xfrm>
       </p:grpSpPr>
-      <p:pic>
-        <p:nvPicPr>
-          <p:cNvPr id="2051" name="Picture 3"/>
-          <p:cNvPicPr>
-            <a:picLocks noChangeAspect="1" noChangeArrowheads="1"/>
-          </p:cNvPicPr>
-          <p:nvPr/>
-        </p:nvPicPr>
-        <p:blipFill>
-          <a:blip r:embed="rId2">
-            <a:extLst>
-              <a:ext uri="{28A0092B-C50C-407E-A947-70E740481C1C}">
-                <a14:useLocalDpi xmlns:a14="http://schemas.microsoft.com/office/drawing/2010/main" val="0"/>
-              </a:ext>
-            </a:extLst>
-          </a:blip>
-          <a:srcRect/>
-          <a:stretch>
-            <a:fillRect/>
-          </a:stretch>
-        </p:blipFill>
-        <p:spPr bwMode="auto">
-          <a:xfrm>
-            <a:off x="409575" y="2039516"/>
-            <a:ext cx="8324850" cy="3238500"/>
-          </a:xfrm>
-          <a:prstGeom prst="rect">
-            <a:avLst/>
-          </a:prstGeom>
-          <a:noFill/>
-          <a:ln>
-            <a:noFill/>
-          </a:ln>
-          <a:effectLst/>
-          <a:extLst>
-            <a:ext uri="{909E8E84-426E-40DD-AFC4-6F175D3DCCD1}">
-              <a14:hiddenFill xmlns:a14="http://schemas.microsoft.com/office/drawing/2010/main">
-                <a:solidFill>
-                  <a:schemeClr val="accent1"/>
-                </a:solidFill>
-              </a14:hiddenFill>
-            </a:ext>
-            <a:ext uri="{91240B29-F687-4F45-9708-019B960494DF}">
-              <a14:hiddenLine xmlns:a14="http://schemas.microsoft.com/office/drawing/2010/main" w="9525">
-                <a:solidFill>
-                  <a:schemeClr val="tx1"/>
-                </a:solidFill>
-                <a:miter lim="800000"/>
-                <a:headEnd/>
-                <a:tailEnd/>
-              </a14:hiddenLine>
-            </a:ext>
-            <a:ext uri="{AF507438-7753-43E0-B8FC-AC1667EBCBE1}">
-              <a14:hiddenEffects xmlns:a14="http://schemas.microsoft.com/office/drawing/2010/main">
-                <a:effectLst>
-                  <a:outerShdw dist="35921" dir="2700000" algn="ctr" rotWithShape="0">
-                    <a:schemeClr val="bg2"/>
-                  </a:outerShdw>
-                </a:effectLst>
-              </a14:hiddenEffects>
-            </a:ext>
-          </a:extLst>
-        </p:spPr>
-      </p:pic>
-      <p:sp>
-        <p:nvSpPr>
-          <p:cNvPr id="2" name="标题 1"/>
-          <p:cNvSpPr>
-            <a:spLocks noGrp="1"/>
-          </p:cNvSpPr>
-          <p:nvPr>
-            <p:ph type="title"/>
-          </p:nvPr>
-        </p:nvSpPr>
-        <p:spPr/>
-        <p:txBody>
-          <a:bodyPr/>
-          <a:lstStyle/>
-          <a:p>
-            <a:r>
-              <a:rPr lang="zh-CN" altLang="en-US" dirty="0" smtClean="0"/>
-              <a:t>查询部分之分区</a:t>
-            </a:r>
-            <a:endParaRPr lang="zh-CN" altLang="en-US" dirty="0"/>
-          </a:p>
-        </p:txBody>
-      </p:sp>
-      <p:sp>
-        <p:nvSpPr>
-          <p:cNvPr id="3" name="云形标注 2"/>
-          <p:cNvSpPr/>
-          <p:nvPr/>
-        </p:nvSpPr>
-        <p:spPr>
-          <a:xfrm>
-            <a:off x="1347788" y="2039516"/>
-            <a:ext cx="4968552" cy="1080120"/>
-          </a:xfrm>
-          <a:prstGeom prst="cloudCallout">
-            <a:avLst/>
-          </a:prstGeom>
-        </p:spPr>
-        <p:style>
-          <a:lnRef idx="1">
-            <a:schemeClr val="accent2"/>
-          </a:lnRef>
-          <a:fillRef idx="2">
-            <a:schemeClr val="accent2"/>
-          </a:fillRef>
-          <a:effectRef idx="1">
-            <a:schemeClr val="accent2"/>
-          </a:effectRef>
-          <a:fontRef idx="minor">
-            <a:schemeClr val="dk1"/>
-          </a:fontRef>
-        </p:style>
-        <p:txBody>
-          <a:bodyPr rtlCol="0" anchor="ctr"/>
-          <a:lstStyle/>
-          <a:p>
-            <a:pPr algn="ctr"/>
-            <a:r>
-              <a:rPr lang="zh-CN" altLang="en-US" dirty="0" smtClean="0"/>
-              <a:t>每个</a:t>
-            </a:r>
-            <a:r>
-              <a:rPr lang="en-US" altLang="zh-CN" dirty="0" smtClean="0"/>
-              <a:t>shard</a:t>
-            </a:r>
-            <a:r>
-              <a:rPr lang="zh-CN" altLang="en-US" dirty="0" smtClean="0"/>
-              <a:t>下是有多个分区的，每次查询，根据时间范围不同，使用的分区也不同</a:t>
-            </a:r>
-            <a:endParaRPr lang="zh-CN" altLang="en-US" dirty="0"/>
-          </a:p>
-        </p:txBody>
-      </p:sp>
-      <p:sp>
-        <p:nvSpPr>
-          <p:cNvPr id="5" name="云形标注 4"/>
-          <p:cNvSpPr/>
-          <p:nvPr/>
-        </p:nvSpPr>
-        <p:spPr>
-          <a:xfrm>
-            <a:off x="1171352" y="3119636"/>
-            <a:ext cx="6120680" cy="1067420"/>
-          </a:xfrm>
-          <a:prstGeom prst="cloudCallout">
-            <a:avLst/>
-          </a:prstGeom>
-        </p:spPr>
-        <p:style>
-          <a:lnRef idx="1">
-            <a:schemeClr val="accent2"/>
-          </a:lnRef>
-          <a:fillRef idx="2">
-            <a:schemeClr val="accent2"/>
-          </a:fillRef>
-          <a:effectRef idx="1">
-            <a:schemeClr val="accent2"/>
-          </a:effectRef>
-          <a:fontRef idx="minor">
-            <a:schemeClr val="dk1"/>
-          </a:fontRef>
-        </p:style>
-        <p:txBody>
-          <a:bodyPr rtlCol="0" anchor="ctr"/>
-          <a:lstStyle/>
-          <a:p>
-            <a:pPr algn="ctr"/>
-            <a:r>
-              <a:rPr lang="zh-CN" altLang="en-US" dirty="0" smtClean="0"/>
-              <a:t>每次只查询一个分区，</a:t>
-            </a:r>
-            <a:endParaRPr lang="en-US" altLang="zh-CN" dirty="0" smtClean="0"/>
-          </a:p>
-          <a:p>
-            <a:pPr algn="ctr"/>
-            <a:r>
-              <a:rPr lang="zh-CN" altLang="en-US" dirty="0" smtClean="0"/>
-              <a:t>如果跨多个分区查询，实际上是查询多次，然后经过</a:t>
-            </a:r>
-            <a:r>
-              <a:rPr lang="en-US" altLang="zh-CN" dirty="0" smtClean="0"/>
-              <a:t>merge server</a:t>
-            </a:r>
-            <a:r>
-              <a:rPr lang="zh-CN" altLang="en-US" dirty="0" smtClean="0"/>
-              <a:t>合并</a:t>
-            </a:r>
-            <a:endParaRPr lang="zh-CN" altLang="en-US" dirty="0"/>
-          </a:p>
-        </p:txBody>
-      </p:sp>
-    </p:spTree>
-    <p:extLst>
-      <p:ext uri="{BB962C8B-B14F-4D97-AF65-F5344CB8AC3E}">
-        <p14:creationId xmlns:p14="http://schemas.microsoft.com/office/powerpoint/2010/main" val="2950440262"/>
-      </p:ext>
-    </p:extLst>
-  </p:cSld>
-  <p:clrMapOvr>
-    <a:masterClrMapping/>
-  </p:clrMapOvr>
-  <p:timing>
-    <p:tnLst>
-      <p:par>
-        <p:cTn id="1" dur="indefinite" restart="never" nodeType="tmRoot">
-          <p:childTnLst>
-            <p:seq concurrent="1" nextAc="seek">
-              <p:cTn id="2" dur="indefinite" nodeType="mainSeq">
-                <p:childTnLst>
-                  <p:par>
-                    <p:cTn id="3" fill="hold">
-                      <p:stCondLst>
-                        <p:cond delay="indefinite"/>
-                      </p:stCondLst>
-                      <p:childTnLst>
-                        <p:par>
-                          <p:cTn id="4" fill="hold">
-                            <p:stCondLst>
-                              <p:cond delay="0"/>
-                            </p:stCondLst>
-                            <p:childTnLst>
-                              <p:par>
-                                <p:cTn id="5" presetID="53" presetClass="entr" presetSubtype="16" fill="hold" grpId="0" nodeType="clickEffect">
-                                  <p:stCondLst>
-                                    <p:cond delay="0"/>
-                                  </p:stCondLst>
-                                  <p:childTnLst>
-                                    <p:set>
-                                      <p:cBhvr>
-                                        <p:cTn id="6" dur="1" fill="hold">
-                                          <p:stCondLst>
-                                            <p:cond delay="0"/>
-                                          </p:stCondLst>
-                                        </p:cTn>
-                                        <p:tgtEl>
-                                          <p:spTgt spid="3"/>
-                                        </p:tgtEl>
-                                        <p:attrNameLst>
-                                          <p:attrName>style.visibility</p:attrName>
-                                        </p:attrNameLst>
-                                      </p:cBhvr>
-                                      <p:to>
-                                        <p:strVal val="visible"/>
-                                      </p:to>
-                                    </p:set>
-                                    <p:anim calcmode="lin" valueType="num">
-                                      <p:cBhvr>
-                                        <p:cTn id="7" dur="500" fill="hold"/>
-                                        <p:tgtEl>
-                                          <p:spTgt spid="3"/>
-                                        </p:tgtEl>
-                                        <p:attrNameLst>
-                                          <p:attrName>ppt_w</p:attrName>
-                                        </p:attrNameLst>
-                                      </p:cBhvr>
-                                      <p:tavLst>
-                                        <p:tav tm="0">
-                                          <p:val>
-                                            <p:fltVal val="0"/>
-                                          </p:val>
-                                        </p:tav>
-                                        <p:tav tm="100000">
-                                          <p:val>
-                                            <p:strVal val="#ppt_w"/>
-                                          </p:val>
-                                        </p:tav>
-                                      </p:tavLst>
-                                    </p:anim>
-                                    <p:anim calcmode="lin" valueType="num">
-                                      <p:cBhvr>
-                                        <p:cTn id="8" dur="500" fill="hold"/>
-                                        <p:tgtEl>
-                                          <p:spTgt spid="3"/>
-                                        </p:tgtEl>
-                                        <p:attrNameLst>
-                                          <p:attrName>ppt_h</p:attrName>
-                                        </p:attrNameLst>
-                                      </p:cBhvr>
-                                      <p:tavLst>
-                                        <p:tav tm="0">
-                                          <p:val>
-                                            <p:fltVal val="0"/>
-                                          </p:val>
-                                        </p:tav>
-                                        <p:tav tm="100000">
-                                          <p:val>
-                                            <p:strVal val="#ppt_h"/>
-                                          </p:val>
-                                        </p:tav>
-                                      </p:tavLst>
-                                    </p:anim>
-                                    <p:animEffect transition="in" filter="fade">
-                                      <p:cBhvr>
-                                        <p:cTn id="9" dur="500"/>
-                                        <p:tgtEl>
-                                          <p:spTgt spid="3"/>
-                                        </p:tgtEl>
-                                      </p:cBhvr>
-                                    </p:animEffect>
-                                  </p:childTnLst>
-                                </p:cTn>
-                              </p:par>
-                            </p:childTnLst>
-                          </p:cTn>
-                        </p:par>
-                      </p:childTnLst>
-                    </p:cTn>
-                  </p:par>
-                  <p:par>
-                    <p:cTn id="10" fill="hold">
-                      <p:stCondLst>
-                        <p:cond delay="indefinite"/>
-                      </p:stCondLst>
-                      <p:childTnLst>
-                        <p:par>
-                          <p:cTn id="11" fill="hold">
-                            <p:stCondLst>
-                              <p:cond delay="0"/>
-                            </p:stCondLst>
-                            <p:childTnLst>
-                              <p:par>
-                                <p:cTn id="12" presetID="16" presetClass="exit" presetSubtype="21" fill="hold" grpId="1" nodeType="clickEffect">
-                                  <p:stCondLst>
-                                    <p:cond delay="0"/>
-                                  </p:stCondLst>
-                                  <p:childTnLst>
-                                    <p:animEffect transition="out" filter="barn(inVertical)">
-                                      <p:cBhvr>
-                                        <p:cTn id="13" dur="500"/>
-                                        <p:tgtEl>
-                                          <p:spTgt spid="3"/>
-                                        </p:tgtEl>
-                                      </p:cBhvr>
-                                    </p:animEffect>
-                                    <p:set>
-                                      <p:cBhvr>
-                                        <p:cTn id="14" dur="1" fill="hold">
-                                          <p:stCondLst>
-                                            <p:cond delay="499"/>
-                                          </p:stCondLst>
-                                        </p:cTn>
-                                        <p:tgtEl>
-                                          <p:spTgt spid="3"/>
-                                        </p:tgtEl>
-                                        <p:attrNameLst>
-                                          <p:attrName>style.visibility</p:attrName>
-                                        </p:attrNameLst>
-                                      </p:cBhvr>
-                                      <p:to>
-                                        <p:strVal val="hidden"/>
-                                      </p:to>
-                                    </p:set>
-                                  </p:childTnLst>
-                                </p:cTn>
-                              </p:par>
-                            </p:childTnLst>
-                          </p:cTn>
-                        </p:par>
-                      </p:childTnLst>
-                    </p:cTn>
-                  </p:par>
-                  <p:par>
-                    <p:cTn id="15" fill="hold">
-                      <p:stCondLst>
-                        <p:cond delay="indefinite"/>
-                      </p:stCondLst>
-                      <p:childTnLst>
-                        <p:par>
-                          <p:cTn id="16" fill="hold">
-                            <p:stCondLst>
-                              <p:cond delay="0"/>
-                            </p:stCondLst>
-                            <p:childTnLst>
-                              <p:par>
-                                <p:cTn id="17" presetID="53" presetClass="entr" presetSubtype="16" fill="hold" grpId="0" nodeType="clickEffect">
-                                  <p:stCondLst>
-                                    <p:cond delay="0"/>
-                                  </p:stCondLst>
-                                  <p:childTnLst>
-                                    <p:set>
-                                      <p:cBhvr>
-                                        <p:cTn id="18" dur="1" fill="hold">
-                                          <p:stCondLst>
-                                            <p:cond delay="0"/>
-                                          </p:stCondLst>
-                                        </p:cTn>
-                                        <p:tgtEl>
-                                          <p:spTgt spid="5"/>
-                                        </p:tgtEl>
-                                        <p:attrNameLst>
-                                          <p:attrName>style.visibility</p:attrName>
-                                        </p:attrNameLst>
-                                      </p:cBhvr>
-                                      <p:to>
-                                        <p:strVal val="visible"/>
-                                      </p:to>
-                                    </p:set>
-                                    <p:anim calcmode="lin" valueType="num">
-                                      <p:cBhvr>
-                                        <p:cTn id="19" dur="500" fill="hold"/>
-                                        <p:tgtEl>
-                                          <p:spTgt spid="5"/>
-                                        </p:tgtEl>
-                                        <p:attrNameLst>
-                                          <p:attrName>ppt_w</p:attrName>
-                                        </p:attrNameLst>
-                                      </p:cBhvr>
-                                      <p:tavLst>
-                                        <p:tav tm="0">
-                                          <p:val>
-                                            <p:fltVal val="0"/>
-                                          </p:val>
-                                        </p:tav>
-                                        <p:tav tm="100000">
-                                          <p:val>
-                                            <p:strVal val="#ppt_w"/>
-                                          </p:val>
-                                        </p:tav>
-                                      </p:tavLst>
-                                    </p:anim>
-                                    <p:anim calcmode="lin" valueType="num">
-                                      <p:cBhvr>
-                                        <p:cTn id="20" dur="500" fill="hold"/>
-                                        <p:tgtEl>
-                                          <p:spTgt spid="5"/>
-                                        </p:tgtEl>
-                                        <p:attrNameLst>
-                                          <p:attrName>ppt_h</p:attrName>
-                                        </p:attrNameLst>
-                                      </p:cBhvr>
-                                      <p:tavLst>
-                                        <p:tav tm="0">
-                                          <p:val>
-                                            <p:fltVal val="0"/>
-                                          </p:val>
-                                        </p:tav>
-                                        <p:tav tm="100000">
-                                          <p:val>
-                                            <p:strVal val="#ppt_h"/>
-                                          </p:val>
-                                        </p:tav>
-                                      </p:tavLst>
-                                    </p:anim>
-                                    <p:animEffect transition="in" filter="fade">
-                                      <p:cBhvr>
-                                        <p:cTn id="21" dur="500"/>
-                                        <p:tgtEl>
-                                          <p:spTgt spid="5"/>
-                                        </p:tgtEl>
-                                      </p:cBhvr>
-                                    </p:animEffect>
-                                  </p:childTnLst>
-                                </p:cTn>
-                              </p:par>
-                            </p:childTnLst>
-                          </p:cTn>
-                        </p:par>
-                      </p:childTnLst>
-                    </p:cTn>
-                  </p:par>
-                  <p:par>
-                    <p:cTn id="22" fill="hold">
-                      <p:stCondLst>
-                        <p:cond delay="indefinite"/>
-                      </p:stCondLst>
-                      <p:childTnLst>
-                        <p:par>
-                          <p:cTn id="23" fill="hold">
-                            <p:stCondLst>
-                              <p:cond delay="0"/>
-                            </p:stCondLst>
-                            <p:childTnLst>
-                              <p:par>
-                                <p:cTn id="24" presetID="16" presetClass="exit" presetSubtype="21" fill="hold" grpId="1" nodeType="clickEffect">
-                                  <p:stCondLst>
-                                    <p:cond delay="0"/>
-                                  </p:stCondLst>
-                                  <p:childTnLst>
-                                    <p:animEffect transition="out" filter="barn(inVertical)">
-                                      <p:cBhvr>
-                                        <p:cTn id="25" dur="500"/>
-                                        <p:tgtEl>
-                                          <p:spTgt spid="5"/>
-                                        </p:tgtEl>
-                                      </p:cBhvr>
-                                    </p:animEffect>
-                                    <p:set>
-                                      <p:cBhvr>
-                                        <p:cTn id="26" dur="1" fill="hold">
-                                          <p:stCondLst>
-                                            <p:cond delay="499"/>
-                                          </p:stCondLst>
-                                        </p:cTn>
-                                        <p:tgtEl>
-                                          <p:spTgt spid="5"/>
-                                        </p:tgtEl>
-                                        <p:attrNameLst>
-                                          <p:attrName>style.visibility</p:attrName>
-                                        </p:attrNameLst>
-                                      </p:cBhvr>
-                                      <p:to>
-                                        <p:strVal val="hidden"/>
-                                      </p:to>
-                                    </p:set>
-                                  </p:childTnLst>
-                                </p:cTn>
-                              </p:par>
-                            </p:childTnLst>
-                          </p:cTn>
-                        </p:par>
-                      </p:childTnLst>
-                    </p:cTn>
-                  </p:par>
-                </p:childTnLst>
-              </p:cTn>
-              <p:prevCondLst>
-                <p:cond evt="onPrev" delay="0">
-                  <p:tgtEl>
-                    <p:sldTgt/>
-                  </p:tgtEl>
-                </p:cond>
-              </p:prevCondLst>
-              <p:nextCondLst>
-                <p:cond evt="onNext" delay="0">
-                  <p:tgtEl>
-                    <p:sldTgt/>
-                  </p:tgtEl>
-                </p:cond>
-              </p:nextCondLst>
-            </p:seq>
-          </p:childTnLst>
-        </p:cTn>
-      </p:par>
-    </p:tnLst>
-    <p:bldLst>
-      <p:bldP spid="3" grpId="0" animBg="1"/>
-      <p:bldP spid="3" grpId="1" animBg="1"/>
-      <p:bldP spid="5" grpId="0" animBg="1"/>
-      <p:bldP spid="5" grpId="1" animBg="1"/>
-    </p:bldLst>
-  </p:timing>
-</p:sld>
-</file>
-
-<file path=ppt/slides/slide11.xml><?xml version="1.0" encoding="utf-8"?>
-<p:sld xmlns:a="http://schemas.openxmlformats.org/drawingml/2006/main" xmlns:r="http://schemas.openxmlformats.org/officeDocument/2006/relationships" xmlns:p="http://schemas.openxmlformats.org/presentationml/2006/main">
-  <p:cSld>
-    <p:spTree>
-      <p:nvGrpSpPr>
-        <p:cNvPr id="1" name=""/>
-        <p:cNvGrpSpPr/>
-        <p:nvPr/>
-      </p:nvGrpSpPr>
-      <p:grpSpPr>
-        <a:xfrm>
-          <a:off x="0" y="0"/>
-          <a:ext cx="0" cy="0"/>
-          <a:chOff x="0" y="0"/>
-          <a:chExt cx="0" cy="0"/>
-        </a:xfrm>
-      </p:grpSpPr>
       <p:sp>
         <p:nvSpPr>
           <p:cNvPr id="2" name="标题 1"/>
@@ -14071,7 +13834,7 @@
 </p:sld>
 </file>
 
-<file path=ppt/slides/slide12.xml><?xml version="1.0" encoding="utf-8"?>
+<file path=ppt/slides/slide11.xml><?xml version="1.0" encoding="utf-8"?>
 <p:sld xmlns:a="http://schemas.openxmlformats.org/drawingml/2006/main" xmlns:r="http://schemas.openxmlformats.org/officeDocument/2006/relationships" xmlns:p="http://schemas.openxmlformats.org/presentationml/2006/main">
   <p:cSld>
     <p:spTree>
@@ -16045,7 +15808,7 @@
 </p:sld>
 </file>
 
-<file path=ppt/slides/slide13.xml><?xml version="1.0" encoding="utf-8"?>
+<file path=ppt/slides/slide12.xml><?xml version="1.0" encoding="utf-8"?>
 <p:sld xmlns:a="http://schemas.openxmlformats.org/drawingml/2006/main" xmlns:r="http://schemas.openxmlformats.org/officeDocument/2006/relationships" xmlns:p="http://schemas.openxmlformats.org/presentationml/2006/main">
   <p:cSld>
     <p:spTree>
@@ -17943,6 +17706,956 @@
       <p:bldP spid="5" grpId="1" animBg="1"/>
       <p:bldP spid="6" grpId="0" animBg="1"/>
       <p:bldP spid="6" grpId="1" animBg="1"/>
+    </p:bldLst>
+  </p:timing>
+</p:sld>
+</file>
+
+<file path=ppt/slides/slide13.xml><?xml version="1.0" encoding="utf-8"?>
+<p:sld xmlns:a="http://schemas.openxmlformats.org/drawingml/2006/main" xmlns:r="http://schemas.openxmlformats.org/officeDocument/2006/relationships" xmlns:p="http://schemas.openxmlformats.org/presentationml/2006/main">
+  <p:cSld>
+    <p:spTree>
+      <p:nvGrpSpPr>
+        <p:cNvPr id="1" name=""/>
+        <p:cNvGrpSpPr/>
+        <p:nvPr/>
+      </p:nvGrpSpPr>
+      <p:grpSpPr>
+        <a:xfrm>
+          <a:off x="0" y="0"/>
+          <a:ext cx="0" cy="0"/>
+          <a:chOff x="0" y="0"/>
+          <a:chExt cx="0" cy="0"/>
+        </a:xfrm>
+      </p:grpSpPr>
+      <p:sp>
+        <p:nvSpPr>
+          <p:cNvPr id="2" name="标题 1"/>
+          <p:cNvSpPr>
+            <a:spLocks noGrp="1"/>
+          </p:cNvSpPr>
+          <p:nvPr>
+            <p:ph type="title"/>
+          </p:nvPr>
+        </p:nvSpPr>
+        <p:spPr/>
+        <p:txBody>
+          <a:bodyPr/>
+          <a:lstStyle/>
+          <a:p>
+            <a:r>
+              <a:rPr lang="zh-CN" altLang="en-US" dirty="0" smtClean="0"/>
+              <a:t>相对于其他分布式系统的优点</a:t>
+            </a:r>
+            <a:endParaRPr lang="zh-CN" altLang="en-US" dirty="0"/>
+          </a:p>
+        </p:txBody>
+      </p:sp>
+      <p:sp>
+        <p:nvSpPr>
+          <p:cNvPr id="3" name="内容占位符 2"/>
+          <p:cNvSpPr>
+            <a:spLocks noGrp="1"/>
+          </p:cNvSpPr>
+          <p:nvPr>
+            <p:ph idx="1"/>
+          </p:nvPr>
+        </p:nvSpPr>
+        <p:spPr/>
+        <p:txBody>
+          <a:bodyPr/>
+          <a:lstStyle/>
+          <a:p>
+            <a:r>
+              <a:rPr lang="en-US" altLang="zh-CN" sz="4800" dirty="0" err="1" smtClean="0"/>
+              <a:t>Hadoop</a:t>
+            </a:r>
+            <a:endParaRPr lang="en-US" altLang="zh-CN" sz="4800" dirty="0" smtClean="0"/>
+          </a:p>
+          <a:p>
+            <a:pPr marL="914400" lvl="2" indent="0">
+              <a:buNone/>
+            </a:pPr>
+            <a:endParaRPr lang="en-US" altLang="zh-CN" sz="4000" dirty="0" smtClean="0"/>
+          </a:p>
+          <a:p>
+            <a:r>
+              <a:rPr lang="en-US" altLang="zh-CN" sz="4800" dirty="0" smtClean="0"/>
+              <a:t>Storm</a:t>
+            </a:r>
+          </a:p>
+          <a:p>
+            <a:endParaRPr lang="en-US" altLang="zh-CN" sz="4800" dirty="0" smtClean="0"/>
+          </a:p>
+          <a:p>
+            <a:r>
+              <a:rPr lang="en-US" altLang="zh-CN" sz="4800" dirty="0" err="1" smtClean="0"/>
+              <a:t>Hbase</a:t>
+            </a:r>
+            <a:endParaRPr lang="en-US" altLang="zh-CN" sz="4800" dirty="0" smtClean="0"/>
+          </a:p>
+          <a:p>
+            <a:pPr marL="0" indent="0">
+              <a:buNone/>
+            </a:pPr>
+            <a:endParaRPr lang="en-US" altLang="zh-CN" dirty="0" smtClean="0"/>
+          </a:p>
+        </p:txBody>
+      </p:sp>
+      <p:sp>
+        <p:nvSpPr>
+          <p:cNvPr id="6" name="矩形标注 5"/>
+          <p:cNvSpPr/>
+          <p:nvPr/>
+        </p:nvSpPr>
+        <p:spPr>
+          <a:xfrm>
+            <a:off x="3131840" y="1268760"/>
+            <a:ext cx="4608512" cy="2664296"/>
+          </a:xfrm>
+          <a:prstGeom prst="wedgeRectCallout">
+            <a:avLst>
+              <a:gd name="adj1" fmla="val -55323"/>
+              <a:gd name="adj2" fmla="val -19541"/>
+            </a:avLst>
+          </a:prstGeom>
+        </p:spPr>
+        <p:style>
+          <a:lnRef idx="1">
+            <a:schemeClr val="accent4"/>
+          </a:lnRef>
+          <a:fillRef idx="2">
+            <a:schemeClr val="accent4"/>
+          </a:fillRef>
+          <a:effectRef idx="1">
+            <a:schemeClr val="accent4"/>
+          </a:effectRef>
+          <a:fontRef idx="minor">
+            <a:schemeClr val="dk1"/>
+          </a:fontRef>
+        </p:style>
+        <p:txBody>
+          <a:bodyPr rtlCol="0" anchor="ctr"/>
+          <a:lstStyle/>
+          <a:p>
+            <a:pPr marL="285750" indent="-285750">
+              <a:buFont typeface="Arial" pitchFamily="34" charset="0"/>
+              <a:buChar char="•"/>
+            </a:pPr>
+            <a:r>
+              <a:rPr lang="zh-CN" altLang="en-US" dirty="0"/>
+              <a:t>大规模数据集（大于</a:t>
+            </a:r>
+            <a:r>
+              <a:rPr lang="en-US" altLang="zh-CN" dirty="0"/>
+              <a:t>1TB</a:t>
+            </a:r>
+            <a:r>
+              <a:rPr lang="zh-CN" altLang="en-US" dirty="0"/>
+              <a:t>）的并行运算</a:t>
+            </a:r>
+            <a:endParaRPr lang="en-US" altLang="zh-CN" dirty="0"/>
+          </a:p>
+          <a:p>
+            <a:pPr marL="285750" indent="-285750">
+              <a:buFont typeface="Arial" pitchFamily="34" charset="0"/>
+              <a:buChar char="•"/>
+            </a:pPr>
+            <a:r>
+              <a:rPr lang="zh-CN" altLang="en-US" dirty="0"/>
+              <a:t>一般出一个结果在</a:t>
+            </a:r>
+            <a:r>
+              <a:rPr lang="en-US" altLang="zh-CN" dirty="0"/>
+              <a:t>10</a:t>
+            </a:r>
+            <a:r>
+              <a:rPr lang="zh-CN" altLang="en-US" dirty="0"/>
+              <a:t>分钟到几个小时不等</a:t>
+            </a:r>
+            <a:endParaRPr lang="en-US" altLang="zh-CN" dirty="0"/>
+          </a:p>
+          <a:p>
+            <a:pPr marL="285750" indent="-285750">
+              <a:buFont typeface="Arial" pitchFamily="34" charset="0"/>
+              <a:buChar char="•"/>
+            </a:pPr>
+            <a:r>
+              <a:rPr lang="zh-CN" altLang="en-US" dirty="0"/>
+              <a:t>是对原始数据的暴力扫描</a:t>
+            </a:r>
+            <a:r>
+              <a:rPr lang="en-US" altLang="zh-CN" dirty="0"/>
+              <a:t>-</a:t>
+            </a:r>
+            <a:r>
+              <a:rPr lang="zh-CN" altLang="en-US" dirty="0"/>
+              <a:t>就像数据库有索引和无索引的</a:t>
+            </a:r>
+            <a:r>
+              <a:rPr lang="zh-CN" altLang="en-US" dirty="0" smtClean="0"/>
+              <a:t>区别</a:t>
+            </a:r>
+            <a:endParaRPr lang="en-US" altLang="zh-CN" dirty="0" smtClean="0"/>
+          </a:p>
+          <a:p>
+            <a:pPr marL="285750" indent="-285750">
+              <a:buFont typeface="Arial" pitchFamily="34" charset="0"/>
+              <a:buChar char="•"/>
+            </a:pPr>
+            <a:r>
+              <a:rPr lang="zh-CN" altLang="en-US" dirty="0" smtClean="0"/>
+              <a:t>非列式存储，全部数据都要扫描</a:t>
+            </a:r>
+            <a:endParaRPr lang="en-US" altLang="zh-CN" dirty="0"/>
+          </a:p>
+          <a:p>
+            <a:pPr marL="285750" indent="-285750">
+              <a:buFont typeface="Arial" pitchFamily="34" charset="0"/>
+              <a:buChar char="•"/>
+            </a:pPr>
+            <a:r>
+              <a:rPr lang="zh-CN" altLang="en-US" dirty="0"/>
+              <a:t>适合做周报，日报等数据量很大但对时效性要求不高的</a:t>
+            </a:r>
+            <a:r>
+              <a:rPr lang="zh-CN" altLang="en-US" dirty="0" smtClean="0"/>
+              <a:t>统计</a:t>
+            </a:r>
+            <a:endParaRPr lang="zh-CN" altLang="en-US" dirty="0"/>
+          </a:p>
+          <a:p>
+            <a:pPr algn="ctr"/>
+            <a:endParaRPr lang="zh-CN" altLang="en-US" dirty="0"/>
+          </a:p>
+        </p:txBody>
+      </p:sp>
+      <p:sp>
+        <p:nvSpPr>
+          <p:cNvPr id="7" name="矩形标注 6"/>
+          <p:cNvSpPr/>
+          <p:nvPr/>
+        </p:nvSpPr>
+        <p:spPr>
+          <a:xfrm>
+            <a:off x="3131840" y="2924944"/>
+            <a:ext cx="4608512" cy="2664296"/>
+          </a:xfrm>
+          <a:prstGeom prst="wedgeRectCallout">
+            <a:avLst>
+              <a:gd name="adj1" fmla="val -57803"/>
+              <a:gd name="adj2" fmla="val -20494"/>
+            </a:avLst>
+          </a:prstGeom>
+        </p:spPr>
+        <p:style>
+          <a:lnRef idx="1">
+            <a:schemeClr val="accent4"/>
+          </a:lnRef>
+          <a:fillRef idx="2">
+            <a:schemeClr val="accent4"/>
+          </a:fillRef>
+          <a:effectRef idx="1">
+            <a:schemeClr val="accent4"/>
+          </a:effectRef>
+          <a:fontRef idx="minor">
+            <a:schemeClr val="dk1"/>
+          </a:fontRef>
+        </p:style>
+        <p:txBody>
+          <a:bodyPr rtlCol="0" anchor="ctr"/>
+          <a:lstStyle/>
+          <a:p>
+            <a:pPr marL="285750" indent="-285750">
+              <a:buFont typeface="Arial" pitchFamily="34" charset="0"/>
+              <a:buChar char="•"/>
+            </a:pPr>
+            <a:r>
+              <a:rPr lang="zh-CN" altLang="en-US" dirty="0"/>
+              <a:t>数据以“流”的方式流入</a:t>
+            </a:r>
+            <a:r>
+              <a:rPr lang="zh-CN" altLang="en-US" dirty="0" smtClean="0"/>
+              <a:t>集群</a:t>
+            </a:r>
+            <a:endParaRPr lang="en-US" altLang="zh-CN" dirty="0" smtClean="0"/>
+          </a:p>
+          <a:p>
+            <a:pPr marL="285750" indent="-285750">
+              <a:buFont typeface="Arial" pitchFamily="34" charset="0"/>
+              <a:buChar char="•"/>
+            </a:pPr>
+            <a:r>
+              <a:rPr lang="zh-CN" altLang="en-US" dirty="0"/>
+              <a:t>统计</a:t>
+            </a:r>
+            <a:r>
+              <a:rPr lang="zh-CN" altLang="en-US" smtClean="0"/>
+              <a:t>一般</a:t>
+            </a:r>
+            <a:r>
+              <a:rPr lang="zh-CN" altLang="en-US" dirty="0"/>
+              <a:t>比较实时，统计延迟一般为秒</a:t>
+            </a:r>
+            <a:r>
+              <a:rPr lang="zh-CN" altLang="en-US" dirty="0" smtClean="0"/>
+              <a:t>级</a:t>
+            </a:r>
+            <a:endParaRPr lang="en-US" altLang="zh-CN" dirty="0" smtClean="0"/>
+          </a:p>
+          <a:p>
+            <a:pPr marL="285750" indent="-285750">
+              <a:buFont typeface="Arial" pitchFamily="34" charset="0"/>
+              <a:buChar char="•"/>
+            </a:pPr>
+            <a:r>
+              <a:rPr lang="zh-CN" altLang="en-US" dirty="0"/>
+              <a:t>本身并不提供任何存储</a:t>
+            </a:r>
+            <a:endParaRPr lang="en-US" altLang="zh-CN" dirty="0" smtClean="0"/>
+          </a:p>
+          <a:p>
+            <a:pPr marL="285750" indent="-285750">
+              <a:buFont typeface="Arial" pitchFamily="34" charset="0"/>
+              <a:buChar char="•"/>
+            </a:pPr>
+            <a:r>
+              <a:rPr lang="zh-CN" altLang="en-US" dirty="0"/>
+              <a:t>数据一旦流过，被处理后就无法重新</a:t>
+            </a:r>
+            <a:r>
+              <a:rPr lang="zh-CN" altLang="en-US" dirty="0" smtClean="0"/>
+              <a:t>获得</a:t>
+            </a:r>
+            <a:endParaRPr lang="en-US" altLang="zh-CN" dirty="0" smtClean="0"/>
+          </a:p>
+          <a:p>
+            <a:pPr marL="285750" indent="-285750">
+              <a:buFont typeface="Arial" pitchFamily="34" charset="0"/>
+              <a:buChar char="•"/>
+            </a:pPr>
+            <a:r>
+              <a:rPr lang="zh-CN" altLang="en-US" dirty="0"/>
+              <a:t>要求统计的指标必须事先确定好，很难在事后做统计</a:t>
+            </a:r>
+          </a:p>
+        </p:txBody>
+      </p:sp>
+      <p:sp>
+        <p:nvSpPr>
+          <p:cNvPr id="8" name="矩形标注 7"/>
+          <p:cNvSpPr/>
+          <p:nvPr/>
+        </p:nvSpPr>
+        <p:spPr>
+          <a:xfrm>
+            <a:off x="3131840" y="3933056"/>
+            <a:ext cx="4608512" cy="2376264"/>
+          </a:xfrm>
+          <a:prstGeom prst="wedgeRectCallout">
+            <a:avLst>
+              <a:gd name="adj1" fmla="val -59456"/>
+              <a:gd name="adj2" fmla="val 4293"/>
+            </a:avLst>
+          </a:prstGeom>
+        </p:spPr>
+        <p:style>
+          <a:lnRef idx="1">
+            <a:schemeClr val="accent4"/>
+          </a:lnRef>
+          <a:fillRef idx="2">
+            <a:schemeClr val="accent4"/>
+          </a:fillRef>
+          <a:effectRef idx="1">
+            <a:schemeClr val="accent4"/>
+          </a:effectRef>
+          <a:fontRef idx="minor">
+            <a:schemeClr val="dk1"/>
+          </a:fontRef>
+        </p:style>
+        <p:txBody>
+          <a:bodyPr rtlCol="0" anchor="ctr"/>
+          <a:lstStyle/>
+          <a:p>
+            <a:pPr marL="285750" indent="-285750">
+              <a:buFont typeface="Arial" pitchFamily="34" charset="0"/>
+              <a:buChar char="•"/>
+            </a:pPr>
+            <a:r>
+              <a:rPr lang="zh-CN" altLang="en-US" dirty="0"/>
+              <a:t>通常称为”</a:t>
+            </a:r>
+            <a:r>
+              <a:rPr lang="en-US" altLang="zh-CN" dirty="0" err="1"/>
+              <a:t>bigtable</a:t>
+            </a:r>
+            <a:r>
+              <a:rPr lang="en-US" altLang="zh-CN" dirty="0"/>
+              <a:t>”,</a:t>
+            </a:r>
+            <a:r>
+              <a:rPr lang="zh-CN" altLang="en-US" dirty="0"/>
+              <a:t>面向列</a:t>
+            </a:r>
+            <a:r>
+              <a:rPr lang="zh-CN" altLang="en-US" dirty="0" smtClean="0"/>
+              <a:t>存储</a:t>
+            </a:r>
+            <a:endParaRPr lang="en-US" altLang="zh-CN" dirty="0" smtClean="0"/>
+          </a:p>
+          <a:p>
+            <a:pPr marL="285750" indent="-285750">
+              <a:buFont typeface="Arial" pitchFamily="34" charset="0"/>
+              <a:buChar char="•"/>
+            </a:pPr>
+            <a:r>
+              <a:rPr lang="zh-CN" altLang="en-US" dirty="0"/>
+              <a:t>百亿级别的记录数，万级别的列</a:t>
+            </a:r>
+            <a:r>
+              <a:rPr lang="zh-CN" altLang="en-US" dirty="0" smtClean="0"/>
+              <a:t>数</a:t>
+            </a:r>
+            <a:endParaRPr lang="en-US" altLang="zh-CN" dirty="0" smtClean="0"/>
+          </a:p>
+          <a:p>
+            <a:pPr marL="285750" indent="-285750">
+              <a:buFont typeface="Arial" pitchFamily="34" charset="0"/>
+              <a:buChar char="•"/>
+            </a:pPr>
+            <a:r>
+              <a:rPr lang="zh-CN" altLang="en-US" dirty="0"/>
+              <a:t>结合了内存，适合做实时的数据写入与实时的查询和</a:t>
+            </a:r>
+            <a:r>
+              <a:rPr lang="zh-CN" altLang="en-US" dirty="0" smtClean="0"/>
+              <a:t>统计</a:t>
+            </a:r>
+            <a:endParaRPr lang="en-US" altLang="zh-CN" dirty="0" smtClean="0"/>
+          </a:p>
+          <a:p>
+            <a:pPr marL="285750" indent="-285750">
+              <a:buFont typeface="Arial" pitchFamily="34" charset="0"/>
+              <a:buChar char="•"/>
+            </a:pPr>
+            <a:r>
+              <a:rPr lang="en-US" altLang="zh-CN" dirty="0" err="1"/>
+              <a:t>hbase</a:t>
+            </a:r>
+            <a:r>
+              <a:rPr lang="zh-CN" altLang="en-US" dirty="0"/>
+              <a:t>的</a:t>
+            </a:r>
+            <a:r>
+              <a:rPr lang="zh-CN" altLang="en-US" dirty="0" smtClean="0"/>
+              <a:t>存储与查询必须</a:t>
+            </a:r>
+            <a:r>
+              <a:rPr lang="zh-CN" altLang="en-US" dirty="0"/>
+              <a:t>指定</a:t>
+            </a:r>
+            <a:r>
+              <a:rPr lang="en-US" altLang="zh-CN" dirty="0" err="1" smtClean="0"/>
+              <a:t>rowkey</a:t>
+            </a:r>
+            <a:endParaRPr lang="en-US" altLang="zh-CN" dirty="0" smtClean="0"/>
+          </a:p>
+          <a:p>
+            <a:pPr marL="285750" indent="-285750">
+              <a:buFont typeface="Arial" pitchFamily="34" charset="0"/>
+              <a:buChar char="•"/>
+            </a:pPr>
+            <a:r>
+              <a:rPr lang="zh-CN" altLang="en-US" dirty="0" smtClean="0"/>
+              <a:t>很难实现跨</a:t>
+            </a:r>
+            <a:r>
+              <a:rPr lang="en-US" altLang="zh-CN" dirty="0" err="1" smtClean="0"/>
+              <a:t>rowkey</a:t>
+            </a:r>
+            <a:r>
+              <a:rPr lang="zh-CN" altLang="en-US" dirty="0" smtClean="0"/>
+              <a:t>的统计，无法实现任意维度的组合统计</a:t>
+            </a:r>
+            <a:endParaRPr lang="en-US" altLang="zh-CN" dirty="0" smtClean="0"/>
+          </a:p>
+        </p:txBody>
+      </p:sp>
+    </p:spTree>
+    <p:extLst>
+      <p:ext uri="{BB962C8B-B14F-4D97-AF65-F5344CB8AC3E}">
+        <p14:creationId xmlns:p14="http://schemas.microsoft.com/office/powerpoint/2010/main" val="2087780673"/>
+      </p:ext>
+    </p:extLst>
+  </p:cSld>
+  <p:clrMapOvr>
+    <a:masterClrMapping/>
+  </p:clrMapOvr>
+  <p:timing>
+    <p:tnLst>
+      <p:par>
+        <p:cTn id="1" dur="indefinite" restart="never" nodeType="tmRoot">
+          <p:childTnLst>
+            <p:seq concurrent="1" nextAc="seek">
+              <p:cTn id="2" dur="indefinite" nodeType="mainSeq">
+                <p:childTnLst>
+                  <p:par>
+                    <p:cTn id="3" fill="hold">
+                      <p:stCondLst>
+                        <p:cond delay="indefinite"/>
+                      </p:stCondLst>
+                      <p:childTnLst>
+                        <p:par>
+                          <p:cTn id="4" fill="hold">
+                            <p:stCondLst>
+                              <p:cond delay="0"/>
+                            </p:stCondLst>
+                            <p:childTnLst>
+                              <p:par>
+                                <p:cTn id="5" presetID="16" presetClass="entr" presetSubtype="21" fill="hold" grpId="0" nodeType="clickEffect">
+                                  <p:stCondLst>
+                                    <p:cond delay="0"/>
+                                  </p:stCondLst>
+                                  <p:childTnLst>
+                                    <p:set>
+                                      <p:cBhvr>
+                                        <p:cTn id="6" dur="1" fill="hold">
+                                          <p:stCondLst>
+                                            <p:cond delay="0"/>
+                                          </p:stCondLst>
+                                        </p:cTn>
+                                        <p:tgtEl>
+                                          <p:spTgt spid="6"/>
+                                        </p:tgtEl>
+                                        <p:attrNameLst>
+                                          <p:attrName>style.visibility</p:attrName>
+                                        </p:attrNameLst>
+                                      </p:cBhvr>
+                                      <p:to>
+                                        <p:strVal val="visible"/>
+                                      </p:to>
+                                    </p:set>
+                                    <p:animEffect transition="in" filter="barn(inVertical)">
+                                      <p:cBhvr>
+                                        <p:cTn id="7" dur="500"/>
+                                        <p:tgtEl>
+                                          <p:spTgt spid="6"/>
+                                        </p:tgtEl>
+                                      </p:cBhvr>
+                                    </p:animEffect>
+                                  </p:childTnLst>
+                                </p:cTn>
+                              </p:par>
+                            </p:childTnLst>
+                          </p:cTn>
+                        </p:par>
+                      </p:childTnLst>
+                    </p:cTn>
+                  </p:par>
+                  <p:par>
+                    <p:cTn id="8" fill="hold">
+                      <p:stCondLst>
+                        <p:cond delay="indefinite"/>
+                      </p:stCondLst>
+                      <p:childTnLst>
+                        <p:par>
+                          <p:cTn id="9" fill="hold">
+                            <p:stCondLst>
+                              <p:cond delay="0"/>
+                            </p:stCondLst>
+                            <p:childTnLst>
+                              <p:par>
+                                <p:cTn id="10" presetID="6" presetClass="emph" presetSubtype="0" fill="hold" grpId="2" nodeType="clickEffect">
+                                  <p:stCondLst>
+                                    <p:cond delay="0"/>
+                                  </p:stCondLst>
+                                  <p:childTnLst>
+                                    <p:animScale>
+                                      <p:cBhvr>
+                                        <p:cTn id="11" dur="2000" fill="hold"/>
+                                        <p:tgtEl>
+                                          <p:spTgt spid="6"/>
+                                        </p:tgtEl>
+                                      </p:cBhvr>
+                                      <p:by x="150000" y="150000"/>
+                                    </p:animScale>
+                                  </p:childTnLst>
+                                </p:cTn>
+                              </p:par>
+                            </p:childTnLst>
+                          </p:cTn>
+                        </p:par>
+                      </p:childTnLst>
+                    </p:cTn>
+                  </p:par>
+                  <p:par>
+                    <p:cTn id="12" fill="hold">
+                      <p:stCondLst>
+                        <p:cond delay="indefinite"/>
+                      </p:stCondLst>
+                      <p:childTnLst>
+                        <p:par>
+                          <p:cTn id="13" fill="hold">
+                            <p:stCondLst>
+                              <p:cond delay="0"/>
+                            </p:stCondLst>
+                            <p:childTnLst>
+                              <p:par>
+                                <p:cTn id="14" presetID="16" presetClass="exit" presetSubtype="21" fill="hold" grpId="1" nodeType="clickEffect">
+                                  <p:stCondLst>
+                                    <p:cond delay="0"/>
+                                  </p:stCondLst>
+                                  <p:childTnLst>
+                                    <p:animEffect transition="out" filter="barn(inVertical)">
+                                      <p:cBhvr>
+                                        <p:cTn id="15" dur="500"/>
+                                        <p:tgtEl>
+                                          <p:spTgt spid="6"/>
+                                        </p:tgtEl>
+                                      </p:cBhvr>
+                                    </p:animEffect>
+                                    <p:set>
+                                      <p:cBhvr>
+                                        <p:cTn id="16" dur="1" fill="hold">
+                                          <p:stCondLst>
+                                            <p:cond delay="499"/>
+                                          </p:stCondLst>
+                                        </p:cTn>
+                                        <p:tgtEl>
+                                          <p:spTgt spid="6"/>
+                                        </p:tgtEl>
+                                        <p:attrNameLst>
+                                          <p:attrName>style.visibility</p:attrName>
+                                        </p:attrNameLst>
+                                      </p:cBhvr>
+                                      <p:to>
+                                        <p:strVal val="hidden"/>
+                                      </p:to>
+                                    </p:set>
+                                  </p:childTnLst>
+                                </p:cTn>
+                              </p:par>
+                            </p:childTnLst>
+                          </p:cTn>
+                        </p:par>
+                      </p:childTnLst>
+                    </p:cTn>
+                  </p:par>
+                  <p:par>
+                    <p:cTn id="17" fill="hold">
+                      <p:stCondLst>
+                        <p:cond delay="indefinite"/>
+                      </p:stCondLst>
+                      <p:childTnLst>
+                        <p:par>
+                          <p:cTn id="18" fill="hold">
+                            <p:stCondLst>
+                              <p:cond delay="0"/>
+                            </p:stCondLst>
+                            <p:childTnLst>
+                              <p:par>
+                                <p:cTn id="19" presetID="16" presetClass="entr" presetSubtype="21" fill="hold" grpId="0" nodeType="clickEffect">
+                                  <p:stCondLst>
+                                    <p:cond delay="0"/>
+                                  </p:stCondLst>
+                                  <p:childTnLst>
+                                    <p:set>
+                                      <p:cBhvr>
+                                        <p:cTn id="20" dur="1" fill="hold">
+                                          <p:stCondLst>
+                                            <p:cond delay="0"/>
+                                          </p:stCondLst>
+                                        </p:cTn>
+                                        <p:tgtEl>
+                                          <p:spTgt spid="7"/>
+                                        </p:tgtEl>
+                                        <p:attrNameLst>
+                                          <p:attrName>style.visibility</p:attrName>
+                                        </p:attrNameLst>
+                                      </p:cBhvr>
+                                      <p:to>
+                                        <p:strVal val="visible"/>
+                                      </p:to>
+                                    </p:set>
+                                    <p:animEffect transition="in" filter="barn(inVertical)">
+                                      <p:cBhvr>
+                                        <p:cTn id="21" dur="500"/>
+                                        <p:tgtEl>
+                                          <p:spTgt spid="7"/>
+                                        </p:tgtEl>
+                                      </p:cBhvr>
+                                    </p:animEffect>
+                                  </p:childTnLst>
+                                </p:cTn>
+                              </p:par>
+                            </p:childTnLst>
+                          </p:cTn>
+                        </p:par>
+                      </p:childTnLst>
+                    </p:cTn>
+                  </p:par>
+                  <p:par>
+                    <p:cTn id="22" fill="hold">
+                      <p:stCondLst>
+                        <p:cond delay="indefinite"/>
+                      </p:stCondLst>
+                      <p:childTnLst>
+                        <p:par>
+                          <p:cTn id="23" fill="hold">
+                            <p:stCondLst>
+                              <p:cond delay="0"/>
+                            </p:stCondLst>
+                            <p:childTnLst>
+                              <p:par>
+                                <p:cTn id="24" presetID="6" presetClass="emph" presetSubtype="0" fill="hold" grpId="2" nodeType="clickEffect">
+                                  <p:stCondLst>
+                                    <p:cond delay="0"/>
+                                  </p:stCondLst>
+                                  <p:childTnLst>
+                                    <p:animScale>
+                                      <p:cBhvr>
+                                        <p:cTn id="25" dur="2000" fill="hold"/>
+                                        <p:tgtEl>
+                                          <p:spTgt spid="7"/>
+                                        </p:tgtEl>
+                                      </p:cBhvr>
+                                      <p:by x="150000" y="150000"/>
+                                    </p:animScale>
+                                  </p:childTnLst>
+                                </p:cTn>
+                              </p:par>
+                            </p:childTnLst>
+                          </p:cTn>
+                        </p:par>
+                      </p:childTnLst>
+                    </p:cTn>
+                  </p:par>
+                  <p:par>
+                    <p:cTn id="26" fill="hold">
+                      <p:stCondLst>
+                        <p:cond delay="indefinite"/>
+                      </p:stCondLst>
+                      <p:childTnLst>
+                        <p:par>
+                          <p:cTn id="27" fill="hold">
+                            <p:stCondLst>
+                              <p:cond delay="0"/>
+                            </p:stCondLst>
+                            <p:childTnLst>
+                              <p:par>
+                                <p:cTn id="28" presetID="16" presetClass="exit" presetSubtype="21" fill="hold" grpId="1" nodeType="clickEffect">
+                                  <p:stCondLst>
+                                    <p:cond delay="0"/>
+                                  </p:stCondLst>
+                                  <p:childTnLst>
+                                    <p:animEffect transition="out" filter="barn(inVertical)">
+                                      <p:cBhvr>
+                                        <p:cTn id="29" dur="500"/>
+                                        <p:tgtEl>
+                                          <p:spTgt spid="7"/>
+                                        </p:tgtEl>
+                                      </p:cBhvr>
+                                    </p:animEffect>
+                                    <p:set>
+                                      <p:cBhvr>
+                                        <p:cTn id="30" dur="1" fill="hold">
+                                          <p:stCondLst>
+                                            <p:cond delay="499"/>
+                                          </p:stCondLst>
+                                        </p:cTn>
+                                        <p:tgtEl>
+                                          <p:spTgt spid="7"/>
+                                        </p:tgtEl>
+                                        <p:attrNameLst>
+                                          <p:attrName>style.visibility</p:attrName>
+                                        </p:attrNameLst>
+                                      </p:cBhvr>
+                                      <p:to>
+                                        <p:strVal val="hidden"/>
+                                      </p:to>
+                                    </p:set>
+                                  </p:childTnLst>
+                                </p:cTn>
+                              </p:par>
+                            </p:childTnLst>
+                          </p:cTn>
+                        </p:par>
+                      </p:childTnLst>
+                    </p:cTn>
+                  </p:par>
+                  <p:par>
+                    <p:cTn id="31" fill="hold">
+                      <p:stCondLst>
+                        <p:cond delay="indefinite"/>
+                      </p:stCondLst>
+                      <p:childTnLst>
+                        <p:par>
+                          <p:cTn id="32" fill="hold">
+                            <p:stCondLst>
+                              <p:cond delay="0"/>
+                            </p:stCondLst>
+                            <p:childTnLst>
+                              <p:par>
+                                <p:cTn id="33" presetID="16" presetClass="entr" presetSubtype="21" fill="hold" grpId="0" nodeType="clickEffect">
+                                  <p:stCondLst>
+                                    <p:cond delay="0"/>
+                                  </p:stCondLst>
+                                  <p:childTnLst>
+                                    <p:set>
+                                      <p:cBhvr>
+                                        <p:cTn id="34" dur="1" fill="hold">
+                                          <p:stCondLst>
+                                            <p:cond delay="0"/>
+                                          </p:stCondLst>
+                                        </p:cTn>
+                                        <p:tgtEl>
+                                          <p:spTgt spid="8"/>
+                                        </p:tgtEl>
+                                        <p:attrNameLst>
+                                          <p:attrName>style.visibility</p:attrName>
+                                        </p:attrNameLst>
+                                      </p:cBhvr>
+                                      <p:to>
+                                        <p:strVal val="visible"/>
+                                      </p:to>
+                                    </p:set>
+                                    <p:animEffect transition="in" filter="barn(inVertical)">
+                                      <p:cBhvr>
+                                        <p:cTn id="35" dur="500"/>
+                                        <p:tgtEl>
+                                          <p:spTgt spid="8"/>
+                                        </p:tgtEl>
+                                      </p:cBhvr>
+                                    </p:animEffect>
+                                  </p:childTnLst>
+                                </p:cTn>
+                              </p:par>
+                            </p:childTnLst>
+                          </p:cTn>
+                        </p:par>
+                      </p:childTnLst>
+                    </p:cTn>
+                  </p:par>
+                  <p:par>
+                    <p:cTn id="36" fill="hold">
+                      <p:stCondLst>
+                        <p:cond delay="indefinite"/>
+                      </p:stCondLst>
+                      <p:childTnLst>
+                        <p:par>
+                          <p:cTn id="37" fill="hold">
+                            <p:stCondLst>
+                              <p:cond delay="0"/>
+                            </p:stCondLst>
+                            <p:childTnLst>
+                              <p:par>
+                                <p:cTn id="38" presetID="6" presetClass="emph" presetSubtype="0" fill="hold" grpId="2" nodeType="clickEffect">
+                                  <p:stCondLst>
+                                    <p:cond delay="0"/>
+                                  </p:stCondLst>
+                                  <p:childTnLst>
+                                    <p:animScale>
+                                      <p:cBhvr>
+                                        <p:cTn id="39" dur="2000" fill="hold"/>
+                                        <p:tgtEl>
+                                          <p:spTgt spid="8"/>
+                                        </p:tgtEl>
+                                      </p:cBhvr>
+                                      <p:by x="150000" y="150000"/>
+                                    </p:animScale>
+                                  </p:childTnLst>
+                                </p:cTn>
+                              </p:par>
+                            </p:childTnLst>
+                          </p:cTn>
+                        </p:par>
+                      </p:childTnLst>
+                    </p:cTn>
+                  </p:par>
+                  <p:par>
+                    <p:cTn id="40" fill="hold">
+                      <p:stCondLst>
+                        <p:cond delay="indefinite"/>
+                      </p:stCondLst>
+                      <p:childTnLst>
+                        <p:par>
+                          <p:cTn id="41" fill="hold">
+                            <p:stCondLst>
+                              <p:cond delay="0"/>
+                            </p:stCondLst>
+                            <p:childTnLst>
+                              <p:par>
+                                <p:cTn id="42" presetID="16" presetClass="exit" presetSubtype="21" fill="hold" grpId="1" nodeType="clickEffect">
+                                  <p:stCondLst>
+                                    <p:cond delay="0"/>
+                                  </p:stCondLst>
+                                  <p:childTnLst>
+                                    <p:animEffect transition="out" filter="barn(inVertical)">
+                                      <p:cBhvr>
+                                        <p:cTn id="43" dur="500"/>
+                                        <p:tgtEl>
+                                          <p:spTgt spid="8"/>
+                                        </p:tgtEl>
+                                      </p:cBhvr>
+                                    </p:animEffect>
+                                    <p:set>
+                                      <p:cBhvr>
+                                        <p:cTn id="44" dur="1" fill="hold">
+                                          <p:stCondLst>
+                                            <p:cond delay="499"/>
+                                          </p:stCondLst>
+                                        </p:cTn>
+                                        <p:tgtEl>
+                                          <p:spTgt spid="8"/>
+                                        </p:tgtEl>
+                                        <p:attrNameLst>
+                                          <p:attrName>style.visibility</p:attrName>
+                                        </p:attrNameLst>
+                                      </p:cBhvr>
+                                      <p:to>
+                                        <p:strVal val="hidden"/>
+                                      </p:to>
+                                    </p:set>
+                                  </p:childTnLst>
+                                </p:cTn>
+                              </p:par>
+                            </p:childTnLst>
+                          </p:cTn>
+                        </p:par>
+                      </p:childTnLst>
+                    </p:cTn>
+                  </p:par>
+                </p:childTnLst>
+              </p:cTn>
+              <p:prevCondLst>
+                <p:cond evt="onPrev" delay="0">
+                  <p:tgtEl>
+                    <p:sldTgt/>
+                  </p:tgtEl>
+                </p:cond>
+              </p:prevCondLst>
+              <p:nextCondLst>
+                <p:cond evt="onNext" delay="0">
+                  <p:tgtEl>
+                    <p:sldTgt/>
+                  </p:tgtEl>
+                </p:cond>
+              </p:nextCondLst>
+            </p:seq>
+          </p:childTnLst>
+        </p:cTn>
+      </p:par>
+    </p:tnLst>
+    <p:bldLst>
+      <p:bldP spid="6" grpId="0" animBg="1"/>
+      <p:bldP spid="6" grpId="1" animBg="1"/>
+      <p:bldP spid="6" grpId="2" animBg="1"/>
+      <p:bldP spid="7" grpId="0" animBg="1"/>
+      <p:bldP spid="7" grpId="1" animBg="1"/>
+      <p:bldP spid="7" grpId="2" animBg="1"/>
+      <p:bldP spid="8" grpId="0" animBg="1"/>
+      <p:bldP spid="8" grpId="1" animBg="1"/>
+      <p:bldP spid="8" grpId="2" animBg="1"/>
     </p:bldLst>
   </p:timing>
 </p:sld>
@@ -38499,956 +39212,6 @@
           <a:p>
             <a:r>
               <a:rPr lang="zh-CN" altLang="en-US" dirty="0" smtClean="0"/>
-              <a:t>相对于其他分布式系统的优点</a:t>
-            </a:r>
-            <a:endParaRPr lang="zh-CN" altLang="en-US" dirty="0"/>
-          </a:p>
-        </p:txBody>
-      </p:sp>
-      <p:sp>
-        <p:nvSpPr>
-          <p:cNvPr id="3" name="内容占位符 2"/>
-          <p:cNvSpPr>
-            <a:spLocks noGrp="1"/>
-          </p:cNvSpPr>
-          <p:nvPr>
-            <p:ph idx="1"/>
-          </p:nvPr>
-        </p:nvSpPr>
-        <p:spPr/>
-        <p:txBody>
-          <a:bodyPr/>
-          <a:lstStyle/>
-          <a:p>
-            <a:r>
-              <a:rPr lang="en-US" altLang="zh-CN" sz="4800" dirty="0" err="1" smtClean="0"/>
-              <a:t>Hadoop</a:t>
-            </a:r>
-            <a:endParaRPr lang="en-US" altLang="zh-CN" sz="4800" dirty="0" smtClean="0"/>
-          </a:p>
-          <a:p>
-            <a:pPr marL="914400" lvl="2" indent="0">
-              <a:buNone/>
-            </a:pPr>
-            <a:endParaRPr lang="en-US" altLang="zh-CN" sz="4000" dirty="0" smtClean="0"/>
-          </a:p>
-          <a:p>
-            <a:r>
-              <a:rPr lang="en-US" altLang="zh-CN" sz="4800" dirty="0" smtClean="0"/>
-              <a:t>Storm</a:t>
-            </a:r>
-          </a:p>
-          <a:p>
-            <a:endParaRPr lang="en-US" altLang="zh-CN" sz="4800" dirty="0" smtClean="0"/>
-          </a:p>
-          <a:p>
-            <a:r>
-              <a:rPr lang="en-US" altLang="zh-CN" sz="4800" dirty="0" err="1" smtClean="0"/>
-              <a:t>Hbase</a:t>
-            </a:r>
-            <a:endParaRPr lang="en-US" altLang="zh-CN" sz="4800" dirty="0" smtClean="0"/>
-          </a:p>
-          <a:p>
-            <a:pPr marL="0" indent="0">
-              <a:buNone/>
-            </a:pPr>
-            <a:endParaRPr lang="en-US" altLang="zh-CN" dirty="0" smtClean="0"/>
-          </a:p>
-        </p:txBody>
-      </p:sp>
-      <p:sp>
-        <p:nvSpPr>
-          <p:cNvPr id="6" name="矩形标注 5"/>
-          <p:cNvSpPr/>
-          <p:nvPr/>
-        </p:nvSpPr>
-        <p:spPr>
-          <a:xfrm>
-            <a:off x="3131840" y="1268760"/>
-            <a:ext cx="4608512" cy="2664296"/>
-          </a:xfrm>
-          <a:prstGeom prst="wedgeRectCallout">
-            <a:avLst>
-              <a:gd name="adj1" fmla="val -55323"/>
-              <a:gd name="adj2" fmla="val -19541"/>
-            </a:avLst>
-          </a:prstGeom>
-        </p:spPr>
-        <p:style>
-          <a:lnRef idx="1">
-            <a:schemeClr val="accent4"/>
-          </a:lnRef>
-          <a:fillRef idx="2">
-            <a:schemeClr val="accent4"/>
-          </a:fillRef>
-          <a:effectRef idx="1">
-            <a:schemeClr val="accent4"/>
-          </a:effectRef>
-          <a:fontRef idx="minor">
-            <a:schemeClr val="dk1"/>
-          </a:fontRef>
-        </p:style>
-        <p:txBody>
-          <a:bodyPr rtlCol="0" anchor="ctr"/>
-          <a:lstStyle/>
-          <a:p>
-            <a:pPr marL="285750" indent="-285750">
-              <a:buFont typeface="Arial" pitchFamily="34" charset="0"/>
-              <a:buChar char="•"/>
-            </a:pPr>
-            <a:r>
-              <a:rPr lang="zh-CN" altLang="en-US" dirty="0"/>
-              <a:t>大规模数据集（大于</a:t>
-            </a:r>
-            <a:r>
-              <a:rPr lang="en-US" altLang="zh-CN" dirty="0"/>
-              <a:t>1TB</a:t>
-            </a:r>
-            <a:r>
-              <a:rPr lang="zh-CN" altLang="en-US" dirty="0"/>
-              <a:t>）的并行运算</a:t>
-            </a:r>
-            <a:endParaRPr lang="en-US" altLang="zh-CN" dirty="0"/>
-          </a:p>
-          <a:p>
-            <a:pPr marL="285750" indent="-285750">
-              <a:buFont typeface="Arial" pitchFamily="34" charset="0"/>
-              <a:buChar char="•"/>
-            </a:pPr>
-            <a:r>
-              <a:rPr lang="zh-CN" altLang="en-US" dirty="0"/>
-              <a:t>一般出一个结果在</a:t>
-            </a:r>
-            <a:r>
-              <a:rPr lang="en-US" altLang="zh-CN" dirty="0"/>
-              <a:t>10</a:t>
-            </a:r>
-            <a:r>
-              <a:rPr lang="zh-CN" altLang="en-US" dirty="0"/>
-              <a:t>分钟到几个小时不等</a:t>
-            </a:r>
-            <a:endParaRPr lang="en-US" altLang="zh-CN" dirty="0"/>
-          </a:p>
-          <a:p>
-            <a:pPr marL="285750" indent="-285750">
-              <a:buFont typeface="Arial" pitchFamily="34" charset="0"/>
-              <a:buChar char="•"/>
-            </a:pPr>
-            <a:r>
-              <a:rPr lang="zh-CN" altLang="en-US" dirty="0"/>
-              <a:t>是对原始数据的暴力扫描</a:t>
-            </a:r>
-            <a:r>
-              <a:rPr lang="en-US" altLang="zh-CN" dirty="0"/>
-              <a:t>-</a:t>
-            </a:r>
-            <a:r>
-              <a:rPr lang="zh-CN" altLang="en-US" dirty="0"/>
-              <a:t>就像数据库有索引和无索引的</a:t>
-            </a:r>
-            <a:r>
-              <a:rPr lang="zh-CN" altLang="en-US" dirty="0" smtClean="0"/>
-              <a:t>区别</a:t>
-            </a:r>
-            <a:endParaRPr lang="en-US" altLang="zh-CN" dirty="0" smtClean="0"/>
-          </a:p>
-          <a:p>
-            <a:pPr marL="285750" indent="-285750">
-              <a:buFont typeface="Arial" pitchFamily="34" charset="0"/>
-              <a:buChar char="•"/>
-            </a:pPr>
-            <a:r>
-              <a:rPr lang="zh-CN" altLang="en-US" dirty="0" smtClean="0"/>
-              <a:t>非列式存储，全部数据都要扫描</a:t>
-            </a:r>
-            <a:endParaRPr lang="en-US" altLang="zh-CN" dirty="0"/>
-          </a:p>
-          <a:p>
-            <a:pPr marL="285750" indent="-285750">
-              <a:buFont typeface="Arial" pitchFamily="34" charset="0"/>
-              <a:buChar char="•"/>
-            </a:pPr>
-            <a:r>
-              <a:rPr lang="zh-CN" altLang="en-US" dirty="0"/>
-              <a:t>适合做周报，日报等数据量很大但对时效性要求不高的</a:t>
-            </a:r>
-            <a:r>
-              <a:rPr lang="zh-CN" altLang="en-US" dirty="0" smtClean="0"/>
-              <a:t>统计</a:t>
-            </a:r>
-            <a:endParaRPr lang="zh-CN" altLang="en-US" dirty="0"/>
-          </a:p>
-          <a:p>
-            <a:pPr algn="ctr"/>
-            <a:endParaRPr lang="zh-CN" altLang="en-US" dirty="0"/>
-          </a:p>
-        </p:txBody>
-      </p:sp>
-      <p:sp>
-        <p:nvSpPr>
-          <p:cNvPr id="7" name="矩形标注 6"/>
-          <p:cNvSpPr/>
-          <p:nvPr/>
-        </p:nvSpPr>
-        <p:spPr>
-          <a:xfrm>
-            <a:off x="3131840" y="2924944"/>
-            <a:ext cx="4608512" cy="2664296"/>
-          </a:xfrm>
-          <a:prstGeom prst="wedgeRectCallout">
-            <a:avLst>
-              <a:gd name="adj1" fmla="val -57803"/>
-              <a:gd name="adj2" fmla="val -20494"/>
-            </a:avLst>
-          </a:prstGeom>
-        </p:spPr>
-        <p:style>
-          <a:lnRef idx="1">
-            <a:schemeClr val="accent4"/>
-          </a:lnRef>
-          <a:fillRef idx="2">
-            <a:schemeClr val="accent4"/>
-          </a:fillRef>
-          <a:effectRef idx="1">
-            <a:schemeClr val="accent4"/>
-          </a:effectRef>
-          <a:fontRef idx="minor">
-            <a:schemeClr val="dk1"/>
-          </a:fontRef>
-        </p:style>
-        <p:txBody>
-          <a:bodyPr rtlCol="0" anchor="ctr"/>
-          <a:lstStyle/>
-          <a:p>
-            <a:pPr marL="285750" indent="-285750">
-              <a:buFont typeface="Arial" pitchFamily="34" charset="0"/>
-              <a:buChar char="•"/>
-            </a:pPr>
-            <a:r>
-              <a:rPr lang="zh-CN" altLang="en-US" dirty="0"/>
-              <a:t>数据以“流”的方式流入</a:t>
-            </a:r>
-            <a:r>
-              <a:rPr lang="zh-CN" altLang="en-US" dirty="0" smtClean="0"/>
-              <a:t>集群</a:t>
-            </a:r>
-            <a:endParaRPr lang="en-US" altLang="zh-CN" dirty="0" smtClean="0"/>
-          </a:p>
-          <a:p>
-            <a:pPr marL="285750" indent="-285750">
-              <a:buFont typeface="Arial" pitchFamily="34" charset="0"/>
-              <a:buChar char="•"/>
-            </a:pPr>
-            <a:r>
-              <a:rPr lang="zh-CN" altLang="en-US" dirty="0"/>
-              <a:t>统计</a:t>
-            </a:r>
-            <a:r>
-              <a:rPr lang="zh-CN" altLang="en-US" smtClean="0"/>
-              <a:t>一般</a:t>
-            </a:r>
-            <a:r>
-              <a:rPr lang="zh-CN" altLang="en-US" dirty="0"/>
-              <a:t>比较实时，统计延迟一般为秒</a:t>
-            </a:r>
-            <a:r>
-              <a:rPr lang="zh-CN" altLang="en-US" dirty="0" smtClean="0"/>
-              <a:t>级</a:t>
-            </a:r>
-            <a:endParaRPr lang="en-US" altLang="zh-CN" dirty="0" smtClean="0"/>
-          </a:p>
-          <a:p>
-            <a:pPr marL="285750" indent="-285750">
-              <a:buFont typeface="Arial" pitchFamily="34" charset="0"/>
-              <a:buChar char="•"/>
-            </a:pPr>
-            <a:r>
-              <a:rPr lang="zh-CN" altLang="en-US" dirty="0"/>
-              <a:t>本身并不提供任何存储</a:t>
-            </a:r>
-            <a:endParaRPr lang="en-US" altLang="zh-CN" dirty="0" smtClean="0"/>
-          </a:p>
-          <a:p>
-            <a:pPr marL="285750" indent="-285750">
-              <a:buFont typeface="Arial" pitchFamily="34" charset="0"/>
-              <a:buChar char="•"/>
-            </a:pPr>
-            <a:r>
-              <a:rPr lang="zh-CN" altLang="en-US" dirty="0"/>
-              <a:t>数据一旦流过，被处理后就无法重新</a:t>
-            </a:r>
-            <a:r>
-              <a:rPr lang="zh-CN" altLang="en-US" dirty="0" smtClean="0"/>
-              <a:t>获得</a:t>
-            </a:r>
-            <a:endParaRPr lang="en-US" altLang="zh-CN" dirty="0" smtClean="0"/>
-          </a:p>
-          <a:p>
-            <a:pPr marL="285750" indent="-285750">
-              <a:buFont typeface="Arial" pitchFamily="34" charset="0"/>
-              <a:buChar char="•"/>
-            </a:pPr>
-            <a:r>
-              <a:rPr lang="zh-CN" altLang="en-US" dirty="0"/>
-              <a:t>要求统计的指标必须事先确定好，很难在事后做统计</a:t>
-            </a:r>
-          </a:p>
-        </p:txBody>
-      </p:sp>
-      <p:sp>
-        <p:nvSpPr>
-          <p:cNvPr id="8" name="矩形标注 7"/>
-          <p:cNvSpPr/>
-          <p:nvPr/>
-        </p:nvSpPr>
-        <p:spPr>
-          <a:xfrm>
-            <a:off x="3131840" y="3933056"/>
-            <a:ext cx="4608512" cy="2376264"/>
-          </a:xfrm>
-          <a:prstGeom prst="wedgeRectCallout">
-            <a:avLst>
-              <a:gd name="adj1" fmla="val -59456"/>
-              <a:gd name="adj2" fmla="val 4293"/>
-            </a:avLst>
-          </a:prstGeom>
-        </p:spPr>
-        <p:style>
-          <a:lnRef idx="1">
-            <a:schemeClr val="accent4"/>
-          </a:lnRef>
-          <a:fillRef idx="2">
-            <a:schemeClr val="accent4"/>
-          </a:fillRef>
-          <a:effectRef idx="1">
-            <a:schemeClr val="accent4"/>
-          </a:effectRef>
-          <a:fontRef idx="minor">
-            <a:schemeClr val="dk1"/>
-          </a:fontRef>
-        </p:style>
-        <p:txBody>
-          <a:bodyPr rtlCol="0" anchor="ctr"/>
-          <a:lstStyle/>
-          <a:p>
-            <a:pPr marL="285750" indent="-285750">
-              <a:buFont typeface="Arial" pitchFamily="34" charset="0"/>
-              <a:buChar char="•"/>
-            </a:pPr>
-            <a:r>
-              <a:rPr lang="zh-CN" altLang="en-US" dirty="0"/>
-              <a:t>通常称为”</a:t>
-            </a:r>
-            <a:r>
-              <a:rPr lang="en-US" altLang="zh-CN" dirty="0" err="1"/>
-              <a:t>bigtable</a:t>
-            </a:r>
-            <a:r>
-              <a:rPr lang="en-US" altLang="zh-CN" dirty="0"/>
-              <a:t>”,</a:t>
-            </a:r>
-            <a:r>
-              <a:rPr lang="zh-CN" altLang="en-US" dirty="0"/>
-              <a:t>面向列</a:t>
-            </a:r>
-            <a:r>
-              <a:rPr lang="zh-CN" altLang="en-US" dirty="0" smtClean="0"/>
-              <a:t>存储</a:t>
-            </a:r>
-            <a:endParaRPr lang="en-US" altLang="zh-CN" dirty="0" smtClean="0"/>
-          </a:p>
-          <a:p>
-            <a:pPr marL="285750" indent="-285750">
-              <a:buFont typeface="Arial" pitchFamily="34" charset="0"/>
-              <a:buChar char="•"/>
-            </a:pPr>
-            <a:r>
-              <a:rPr lang="zh-CN" altLang="en-US" dirty="0"/>
-              <a:t>百亿级别的记录数，万级别的列</a:t>
-            </a:r>
-            <a:r>
-              <a:rPr lang="zh-CN" altLang="en-US" dirty="0" smtClean="0"/>
-              <a:t>数</a:t>
-            </a:r>
-            <a:endParaRPr lang="en-US" altLang="zh-CN" dirty="0" smtClean="0"/>
-          </a:p>
-          <a:p>
-            <a:pPr marL="285750" indent="-285750">
-              <a:buFont typeface="Arial" pitchFamily="34" charset="0"/>
-              <a:buChar char="•"/>
-            </a:pPr>
-            <a:r>
-              <a:rPr lang="zh-CN" altLang="en-US" dirty="0"/>
-              <a:t>结合了内存，适合做实时的数据写入与实时的查询和</a:t>
-            </a:r>
-            <a:r>
-              <a:rPr lang="zh-CN" altLang="en-US" dirty="0" smtClean="0"/>
-              <a:t>统计</a:t>
-            </a:r>
-            <a:endParaRPr lang="en-US" altLang="zh-CN" dirty="0" smtClean="0"/>
-          </a:p>
-          <a:p>
-            <a:pPr marL="285750" indent="-285750">
-              <a:buFont typeface="Arial" pitchFamily="34" charset="0"/>
-              <a:buChar char="•"/>
-            </a:pPr>
-            <a:r>
-              <a:rPr lang="en-US" altLang="zh-CN" dirty="0" err="1"/>
-              <a:t>hbase</a:t>
-            </a:r>
-            <a:r>
-              <a:rPr lang="zh-CN" altLang="en-US" dirty="0"/>
-              <a:t>的</a:t>
-            </a:r>
-            <a:r>
-              <a:rPr lang="zh-CN" altLang="en-US" dirty="0" smtClean="0"/>
-              <a:t>存储与查询必须</a:t>
-            </a:r>
-            <a:r>
-              <a:rPr lang="zh-CN" altLang="en-US" dirty="0"/>
-              <a:t>指定</a:t>
-            </a:r>
-            <a:r>
-              <a:rPr lang="en-US" altLang="zh-CN" dirty="0" err="1" smtClean="0"/>
-              <a:t>rowkey</a:t>
-            </a:r>
-            <a:endParaRPr lang="en-US" altLang="zh-CN" dirty="0" smtClean="0"/>
-          </a:p>
-          <a:p>
-            <a:pPr marL="285750" indent="-285750">
-              <a:buFont typeface="Arial" pitchFamily="34" charset="0"/>
-              <a:buChar char="•"/>
-            </a:pPr>
-            <a:r>
-              <a:rPr lang="zh-CN" altLang="en-US" dirty="0" smtClean="0"/>
-              <a:t>很难实现跨</a:t>
-            </a:r>
-            <a:r>
-              <a:rPr lang="en-US" altLang="zh-CN" dirty="0" err="1" smtClean="0"/>
-              <a:t>rowkey</a:t>
-            </a:r>
-            <a:r>
-              <a:rPr lang="zh-CN" altLang="en-US" dirty="0" smtClean="0"/>
-              <a:t>的统计，无法实现任意维度的组合统计</a:t>
-            </a:r>
-            <a:endParaRPr lang="en-US" altLang="zh-CN" dirty="0" smtClean="0"/>
-          </a:p>
-        </p:txBody>
-      </p:sp>
-    </p:spTree>
-    <p:extLst>
-      <p:ext uri="{BB962C8B-B14F-4D97-AF65-F5344CB8AC3E}">
-        <p14:creationId xmlns:p14="http://schemas.microsoft.com/office/powerpoint/2010/main" val="313316044"/>
-      </p:ext>
-    </p:extLst>
-  </p:cSld>
-  <p:clrMapOvr>
-    <a:masterClrMapping/>
-  </p:clrMapOvr>
-  <p:timing>
-    <p:tnLst>
-      <p:par>
-        <p:cTn id="1" dur="indefinite" restart="never" nodeType="tmRoot">
-          <p:childTnLst>
-            <p:seq concurrent="1" nextAc="seek">
-              <p:cTn id="2" dur="indefinite" nodeType="mainSeq">
-                <p:childTnLst>
-                  <p:par>
-                    <p:cTn id="3" fill="hold">
-                      <p:stCondLst>
-                        <p:cond delay="indefinite"/>
-                      </p:stCondLst>
-                      <p:childTnLst>
-                        <p:par>
-                          <p:cTn id="4" fill="hold">
-                            <p:stCondLst>
-                              <p:cond delay="0"/>
-                            </p:stCondLst>
-                            <p:childTnLst>
-                              <p:par>
-                                <p:cTn id="5" presetID="16" presetClass="entr" presetSubtype="21" fill="hold" grpId="0" nodeType="clickEffect">
-                                  <p:stCondLst>
-                                    <p:cond delay="0"/>
-                                  </p:stCondLst>
-                                  <p:childTnLst>
-                                    <p:set>
-                                      <p:cBhvr>
-                                        <p:cTn id="6" dur="1" fill="hold">
-                                          <p:stCondLst>
-                                            <p:cond delay="0"/>
-                                          </p:stCondLst>
-                                        </p:cTn>
-                                        <p:tgtEl>
-                                          <p:spTgt spid="6"/>
-                                        </p:tgtEl>
-                                        <p:attrNameLst>
-                                          <p:attrName>style.visibility</p:attrName>
-                                        </p:attrNameLst>
-                                      </p:cBhvr>
-                                      <p:to>
-                                        <p:strVal val="visible"/>
-                                      </p:to>
-                                    </p:set>
-                                    <p:animEffect transition="in" filter="barn(inVertical)">
-                                      <p:cBhvr>
-                                        <p:cTn id="7" dur="500"/>
-                                        <p:tgtEl>
-                                          <p:spTgt spid="6"/>
-                                        </p:tgtEl>
-                                      </p:cBhvr>
-                                    </p:animEffect>
-                                  </p:childTnLst>
-                                </p:cTn>
-                              </p:par>
-                            </p:childTnLst>
-                          </p:cTn>
-                        </p:par>
-                      </p:childTnLst>
-                    </p:cTn>
-                  </p:par>
-                  <p:par>
-                    <p:cTn id="8" fill="hold">
-                      <p:stCondLst>
-                        <p:cond delay="indefinite"/>
-                      </p:stCondLst>
-                      <p:childTnLst>
-                        <p:par>
-                          <p:cTn id="9" fill="hold">
-                            <p:stCondLst>
-                              <p:cond delay="0"/>
-                            </p:stCondLst>
-                            <p:childTnLst>
-                              <p:par>
-                                <p:cTn id="10" presetID="6" presetClass="emph" presetSubtype="0" fill="hold" grpId="2" nodeType="clickEffect">
-                                  <p:stCondLst>
-                                    <p:cond delay="0"/>
-                                  </p:stCondLst>
-                                  <p:childTnLst>
-                                    <p:animScale>
-                                      <p:cBhvr>
-                                        <p:cTn id="11" dur="2000" fill="hold"/>
-                                        <p:tgtEl>
-                                          <p:spTgt spid="6"/>
-                                        </p:tgtEl>
-                                      </p:cBhvr>
-                                      <p:by x="150000" y="150000"/>
-                                    </p:animScale>
-                                  </p:childTnLst>
-                                </p:cTn>
-                              </p:par>
-                            </p:childTnLst>
-                          </p:cTn>
-                        </p:par>
-                      </p:childTnLst>
-                    </p:cTn>
-                  </p:par>
-                  <p:par>
-                    <p:cTn id="12" fill="hold">
-                      <p:stCondLst>
-                        <p:cond delay="indefinite"/>
-                      </p:stCondLst>
-                      <p:childTnLst>
-                        <p:par>
-                          <p:cTn id="13" fill="hold">
-                            <p:stCondLst>
-                              <p:cond delay="0"/>
-                            </p:stCondLst>
-                            <p:childTnLst>
-                              <p:par>
-                                <p:cTn id="14" presetID="16" presetClass="exit" presetSubtype="21" fill="hold" grpId="1" nodeType="clickEffect">
-                                  <p:stCondLst>
-                                    <p:cond delay="0"/>
-                                  </p:stCondLst>
-                                  <p:childTnLst>
-                                    <p:animEffect transition="out" filter="barn(inVertical)">
-                                      <p:cBhvr>
-                                        <p:cTn id="15" dur="500"/>
-                                        <p:tgtEl>
-                                          <p:spTgt spid="6"/>
-                                        </p:tgtEl>
-                                      </p:cBhvr>
-                                    </p:animEffect>
-                                    <p:set>
-                                      <p:cBhvr>
-                                        <p:cTn id="16" dur="1" fill="hold">
-                                          <p:stCondLst>
-                                            <p:cond delay="499"/>
-                                          </p:stCondLst>
-                                        </p:cTn>
-                                        <p:tgtEl>
-                                          <p:spTgt spid="6"/>
-                                        </p:tgtEl>
-                                        <p:attrNameLst>
-                                          <p:attrName>style.visibility</p:attrName>
-                                        </p:attrNameLst>
-                                      </p:cBhvr>
-                                      <p:to>
-                                        <p:strVal val="hidden"/>
-                                      </p:to>
-                                    </p:set>
-                                  </p:childTnLst>
-                                </p:cTn>
-                              </p:par>
-                            </p:childTnLst>
-                          </p:cTn>
-                        </p:par>
-                      </p:childTnLst>
-                    </p:cTn>
-                  </p:par>
-                  <p:par>
-                    <p:cTn id="17" fill="hold">
-                      <p:stCondLst>
-                        <p:cond delay="indefinite"/>
-                      </p:stCondLst>
-                      <p:childTnLst>
-                        <p:par>
-                          <p:cTn id="18" fill="hold">
-                            <p:stCondLst>
-                              <p:cond delay="0"/>
-                            </p:stCondLst>
-                            <p:childTnLst>
-                              <p:par>
-                                <p:cTn id="19" presetID="16" presetClass="entr" presetSubtype="21" fill="hold" grpId="0" nodeType="clickEffect">
-                                  <p:stCondLst>
-                                    <p:cond delay="0"/>
-                                  </p:stCondLst>
-                                  <p:childTnLst>
-                                    <p:set>
-                                      <p:cBhvr>
-                                        <p:cTn id="20" dur="1" fill="hold">
-                                          <p:stCondLst>
-                                            <p:cond delay="0"/>
-                                          </p:stCondLst>
-                                        </p:cTn>
-                                        <p:tgtEl>
-                                          <p:spTgt spid="7"/>
-                                        </p:tgtEl>
-                                        <p:attrNameLst>
-                                          <p:attrName>style.visibility</p:attrName>
-                                        </p:attrNameLst>
-                                      </p:cBhvr>
-                                      <p:to>
-                                        <p:strVal val="visible"/>
-                                      </p:to>
-                                    </p:set>
-                                    <p:animEffect transition="in" filter="barn(inVertical)">
-                                      <p:cBhvr>
-                                        <p:cTn id="21" dur="500"/>
-                                        <p:tgtEl>
-                                          <p:spTgt spid="7"/>
-                                        </p:tgtEl>
-                                      </p:cBhvr>
-                                    </p:animEffect>
-                                  </p:childTnLst>
-                                </p:cTn>
-                              </p:par>
-                            </p:childTnLst>
-                          </p:cTn>
-                        </p:par>
-                      </p:childTnLst>
-                    </p:cTn>
-                  </p:par>
-                  <p:par>
-                    <p:cTn id="22" fill="hold">
-                      <p:stCondLst>
-                        <p:cond delay="indefinite"/>
-                      </p:stCondLst>
-                      <p:childTnLst>
-                        <p:par>
-                          <p:cTn id="23" fill="hold">
-                            <p:stCondLst>
-                              <p:cond delay="0"/>
-                            </p:stCondLst>
-                            <p:childTnLst>
-                              <p:par>
-                                <p:cTn id="24" presetID="6" presetClass="emph" presetSubtype="0" fill="hold" grpId="2" nodeType="clickEffect">
-                                  <p:stCondLst>
-                                    <p:cond delay="0"/>
-                                  </p:stCondLst>
-                                  <p:childTnLst>
-                                    <p:animScale>
-                                      <p:cBhvr>
-                                        <p:cTn id="25" dur="2000" fill="hold"/>
-                                        <p:tgtEl>
-                                          <p:spTgt spid="7"/>
-                                        </p:tgtEl>
-                                      </p:cBhvr>
-                                      <p:by x="150000" y="150000"/>
-                                    </p:animScale>
-                                  </p:childTnLst>
-                                </p:cTn>
-                              </p:par>
-                            </p:childTnLst>
-                          </p:cTn>
-                        </p:par>
-                      </p:childTnLst>
-                    </p:cTn>
-                  </p:par>
-                  <p:par>
-                    <p:cTn id="26" fill="hold">
-                      <p:stCondLst>
-                        <p:cond delay="indefinite"/>
-                      </p:stCondLst>
-                      <p:childTnLst>
-                        <p:par>
-                          <p:cTn id="27" fill="hold">
-                            <p:stCondLst>
-                              <p:cond delay="0"/>
-                            </p:stCondLst>
-                            <p:childTnLst>
-                              <p:par>
-                                <p:cTn id="28" presetID="16" presetClass="exit" presetSubtype="21" fill="hold" grpId="1" nodeType="clickEffect">
-                                  <p:stCondLst>
-                                    <p:cond delay="0"/>
-                                  </p:stCondLst>
-                                  <p:childTnLst>
-                                    <p:animEffect transition="out" filter="barn(inVertical)">
-                                      <p:cBhvr>
-                                        <p:cTn id="29" dur="500"/>
-                                        <p:tgtEl>
-                                          <p:spTgt spid="7"/>
-                                        </p:tgtEl>
-                                      </p:cBhvr>
-                                    </p:animEffect>
-                                    <p:set>
-                                      <p:cBhvr>
-                                        <p:cTn id="30" dur="1" fill="hold">
-                                          <p:stCondLst>
-                                            <p:cond delay="499"/>
-                                          </p:stCondLst>
-                                        </p:cTn>
-                                        <p:tgtEl>
-                                          <p:spTgt spid="7"/>
-                                        </p:tgtEl>
-                                        <p:attrNameLst>
-                                          <p:attrName>style.visibility</p:attrName>
-                                        </p:attrNameLst>
-                                      </p:cBhvr>
-                                      <p:to>
-                                        <p:strVal val="hidden"/>
-                                      </p:to>
-                                    </p:set>
-                                  </p:childTnLst>
-                                </p:cTn>
-                              </p:par>
-                            </p:childTnLst>
-                          </p:cTn>
-                        </p:par>
-                      </p:childTnLst>
-                    </p:cTn>
-                  </p:par>
-                  <p:par>
-                    <p:cTn id="31" fill="hold">
-                      <p:stCondLst>
-                        <p:cond delay="indefinite"/>
-                      </p:stCondLst>
-                      <p:childTnLst>
-                        <p:par>
-                          <p:cTn id="32" fill="hold">
-                            <p:stCondLst>
-                              <p:cond delay="0"/>
-                            </p:stCondLst>
-                            <p:childTnLst>
-                              <p:par>
-                                <p:cTn id="33" presetID="16" presetClass="entr" presetSubtype="21" fill="hold" grpId="0" nodeType="clickEffect">
-                                  <p:stCondLst>
-                                    <p:cond delay="0"/>
-                                  </p:stCondLst>
-                                  <p:childTnLst>
-                                    <p:set>
-                                      <p:cBhvr>
-                                        <p:cTn id="34" dur="1" fill="hold">
-                                          <p:stCondLst>
-                                            <p:cond delay="0"/>
-                                          </p:stCondLst>
-                                        </p:cTn>
-                                        <p:tgtEl>
-                                          <p:spTgt spid="8"/>
-                                        </p:tgtEl>
-                                        <p:attrNameLst>
-                                          <p:attrName>style.visibility</p:attrName>
-                                        </p:attrNameLst>
-                                      </p:cBhvr>
-                                      <p:to>
-                                        <p:strVal val="visible"/>
-                                      </p:to>
-                                    </p:set>
-                                    <p:animEffect transition="in" filter="barn(inVertical)">
-                                      <p:cBhvr>
-                                        <p:cTn id="35" dur="500"/>
-                                        <p:tgtEl>
-                                          <p:spTgt spid="8"/>
-                                        </p:tgtEl>
-                                      </p:cBhvr>
-                                    </p:animEffect>
-                                  </p:childTnLst>
-                                </p:cTn>
-                              </p:par>
-                            </p:childTnLst>
-                          </p:cTn>
-                        </p:par>
-                      </p:childTnLst>
-                    </p:cTn>
-                  </p:par>
-                  <p:par>
-                    <p:cTn id="36" fill="hold">
-                      <p:stCondLst>
-                        <p:cond delay="indefinite"/>
-                      </p:stCondLst>
-                      <p:childTnLst>
-                        <p:par>
-                          <p:cTn id="37" fill="hold">
-                            <p:stCondLst>
-                              <p:cond delay="0"/>
-                            </p:stCondLst>
-                            <p:childTnLst>
-                              <p:par>
-                                <p:cTn id="38" presetID="6" presetClass="emph" presetSubtype="0" fill="hold" grpId="2" nodeType="clickEffect">
-                                  <p:stCondLst>
-                                    <p:cond delay="0"/>
-                                  </p:stCondLst>
-                                  <p:childTnLst>
-                                    <p:animScale>
-                                      <p:cBhvr>
-                                        <p:cTn id="39" dur="2000" fill="hold"/>
-                                        <p:tgtEl>
-                                          <p:spTgt spid="8"/>
-                                        </p:tgtEl>
-                                      </p:cBhvr>
-                                      <p:by x="150000" y="150000"/>
-                                    </p:animScale>
-                                  </p:childTnLst>
-                                </p:cTn>
-                              </p:par>
-                            </p:childTnLst>
-                          </p:cTn>
-                        </p:par>
-                      </p:childTnLst>
-                    </p:cTn>
-                  </p:par>
-                  <p:par>
-                    <p:cTn id="40" fill="hold">
-                      <p:stCondLst>
-                        <p:cond delay="indefinite"/>
-                      </p:stCondLst>
-                      <p:childTnLst>
-                        <p:par>
-                          <p:cTn id="41" fill="hold">
-                            <p:stCondLst>
-                              <p:cond delay="0"/>
-                            </p:stCondLst>
-                            <p:childTnLst>
-                              <p:par>
-                                <p:cTn id="42" presetID="16" presetClass="exit" presetSubtype="21" fill="hold" grpId="1" nodeType="clickEffect">
-                                  <p:stCondLst>
-                                    <p:cond delay="0"/>
-                                  </p:stCondLst>
-                                  <p:childTnLst>
-                                    <p:animEffect transition="out" filter="barn(inVertical)">
-                                      <p:cBhvr>
-                                        <p:cTn id="43" dur="500"/>
-                                        <p:tgtEl>
-                                          <p:spTgt spid="8"/>
-                                        </p:tgtEl>
-                                      </p:cBhvr>
-                                    </p:animEffect>
-                                    <p:set>
-                                      <p:cBhvr>
-                                        <p:cTn id="44" dur="1" fill="hold">
-                                          <p:stCondLst>
-                                            <p:cond delay="499"/>
-                                          </p:stCondLst>
-                                        </p:cTn>
-                                        <p:tgtEl>
-                                          <p:spTgt spid="8"/>
-                                        </p:tgtEl>
-                                        <p:attrNameLst>
-                                          <p:attrName>style.visibility</p:attrName>
-                                        </p:attrNameLst>
-                                      </p:cBhvr>
-                                      <p:to>
-                                        <p:strVal val="hidden"/>
-                                      </p:to>
-                                    </p:set>
-                                  </p:childTnLst>
-                                </p:cTn>
-                              </p:par>
-                            </p:childTnLst>
-                          </p:cTn>
-                        </p:par>
-                      </p:childTnLst>
-                    </p:cTn>
-                  </p:par>
-                </p:childTnLst>
-              </p:cTn>
-              <p:prevCondLst>
-                <p:cond evt="onPrev" delay="0">
-                  <p:tgtEl>
-                    <p:sldTgt/>
-                  </p:tgtEl>
-                </p:cond>
-              </p:prevCondLst>
-              <p:nextCondLst>
-                <p:cond evt="onNext" delay="0">
-                  <p:tgtEl>
-                    <p:sldTgt/>
-                  </p:tgtEl>
-                </p:cond>
-              </p:nextCondLst>
-            </p:seq>
-          </p:childTnLst>
-        </p:cTn>
-      </p:par>
-    </p:tnLst>
-    <p:bldLst>
-      <p:bldP spid="6" grpId="0" animBg="1"/>
-      <p:bldP spid="6" grpId="1" animBg="1"/>
-      <p:bldP spid="6" grpId="2" animBg="1"/>
-      <p:bldP spid="7" grpId="0" animBg="1"/>
-      <p:bldP spid="7" grpId="1" animBg="1"/>
-      <p:bldP spid="7" grpId="2" animBg="1"/>
-      <p:bldP spid="8" grpId="0" animBg="1"/>
-      <p:bldP spid="8" grpId="1" animBg="1"/>
-      <p:bldP spid="8" grpId="2" animBg="1"/>
-    </p:bldLst>
-  </p:timing>
-</p:sld>
-</file>
-
-<file path=ppt/slides/slide7.xml><?xml version="1.0" encoding="utf-8"?>
-<p:sld xmlns:a="http://schemas.openxmlformats.org/drawingml/2006/main" xmlns:r="http://schemas.openxmlformats.org/officeDocument/2006/relationships" xmlns:p="http://schemas.openxmlformats.org/presentationml/2006/main">
-  <p:cSld>
-    <p:spTree>
-      <p:nvGrpSpPr>
-        <p:cNvPr id="1" name=""/>
-        <p:cNvGrpSpPr/>
-        <p:nvPr/>
-      </p:nvGrpSpPr>
-      <p:grpSpPr>
-        <a:xfrm>
-          <a:off x="0" y="0"/>
-          <a:ext cx="0" cy="0"/>
-          <a:chOff x="0" y="0"/>
-          <a:chExt cx="0" cy="0"/>
-        </a:xfrm>
-      </p:grpSpPr>
-      <p:sp>
-        <p:nvSpPr>
-          <p:cNvPr id="2" name="标题 1"/>
-          <p:cNvSpPr>
-            <a:spLocks noGrp="1"/>
-          </p:cNvSpPr>
-          <p:nvPr>
-            <p:ph type="title"/>
-          </p:nvPr>
-        </p:nvSpPr>
-        <p:spPr/>
-        <p:txBody>
-          <a:bodyPr/>
-          <a:lstStyle/>
-          <a:p>
-            <a:r>
-              <a:rPr lang="zh-CN" altLang="en-US" dirty="0" smtClean="0"/>
               <a:t>海狗架构</a:t>
             </a:r>
             <a:endParaRPr lang="zh-CN" altLang="en-US" dirty="0"/>
@@ -42699,7 +42462,7 @@
 </p:sld>
 </file>
 
-<file path=ppt/slides/slide8.xml><?xml version="1.0" encoding="utf-8"?>
+<file path=ppt/slides/slide7.xml><?xml version="1.0" encoding="utf-8"?>
 <p:sld xmlns:a="http://schemas.openxmlformats.org/drawingml/2006/main" xmlns:r="http://schemas.openxmlformats.org/officeDocument/2006/relationships" xmlns:p="http://schemas.openxmlformats.org/presentationml/2006/main">
   <p:cSld>
     <p:spTree>
@@ -43443,7 +43206,7 @@
 </p:sld>
 </file>
 
-<file path=ppt/slides/slide9.xml><?xml version="1.0" encoding="utf-8"?>
+<file path=ppt/slides/slide8.xml><?xml version="1.0" encoding="utf-8"?>
 <p:sld xmlns:a="http://schemas.openxmlformats.org/drawingml/2006/main" xmlns:r="http://schemas.openxmlformats.org/officeDocument/2006/relationships" xmlns:p="http://schemas.openxmlformats.org/presentationml/2006/main">
   <p:cSld>
     <p:spTree>
@@ -44221,6 +43984,571 @@
       <p:bldP spid="5" grpId="1" animBg="1"/>
       <p:bldP spid="6" grpId="0" animBg="1"/>
       <p:bldP spid="6" grpId="1" animBg="1"/>
+    </p:bldLst>
+  </p:timing>
+</p:sld>
+</file>
+
+<file path=ppt/slides/slide9.xml><?xml version="1.0" encoding="utf-8"?>
+<p:sld xmlns:a="http://schemas.openxmlformats.org/drawingml/2006/main" xmlns:r="http://schemas.openxmlformats.org/officeDocument/2006/relationships" xmlns:p="http://schemas.openxmlformats.org/presentationml/2006/main">
+  <p:cSld>
+    <p:spTree>
+      <p:nvGrpSpPr>
+        <p:cNvPr id="1" name=""/>
+        <p:cNvGrpSpPr/>
+        <p:nvPr/>
+      </p:nvGrpSpPr>
+      <p:grpSpPr>
+        <a:xfrm>
+          <a:off x="0" y="0"/>
+          <a:ext cx="0" cy="0"/>
+          <a:chOff x="0" y="0"/>
+          <a:chExt cx="0" cy="0"/>
+        </a:xfrm>
+      </p:grpSpPr>
+      <p:pic>
+        <p:nvPicPr>
+          <p:cNvPr id="2051" name="Picture 3"/>
+          <p:cNvPicPr>
+            <a:picLocks noChangeAspect="1" noChangeArrowheads="1"/>
+          </p:cNvPicPr>
+          <p:nvPr/>
+        </p:nvPicPr>
+        <p:blipFill>
+          <a:blip r:embed="rId2">
+            <a:extLst>
+              <a:ext uri="{28A0092B-C50C-407E-A947-70E740481C1C}">
+                <a14:useLocalDpi xmlns:a14="http://schemas.microsoft.com/office/drawing/2010/main" val="0"/>
+              </a:ext>
+            </a:extLst>
+          </a:blip>
+          <a:srcRect/>
+          <a:stretch>
+            <a:fillRect/>
+          </a:stretch>
+        </p:blipFill>
+        <p:spPr bwMode="auto">
+          <a:xfrm>
+            <a:off x="409575" y="2039516"/>
+            <a:ext cx="8324850" cy="3238500"/>
+          </a:xfrm>
+          <a:prstGeom prst="rect">
+            <a:avLst/>
+          </a:prstGeom>
+          <a:noFill/>
+          <a:ln>
+            <a:noFill/>
+          </a:ln>
+          <a:effectLst/>
+          <a:extLst>
+            <a:ext uri="{909E8E84-426E-40DD-AFC4-6F175D3DCCD1}">
+              <a14:hiddenFill xmlns:a14="http://schemas.microsoft.com/office/drawing/2010/main">
+                <a:solidFill>
+                  <a:schemeClr val="accent1"/>
+                </a:solidFill>
+              </a14:hiddenFill>
+            </a:ext>
+            <a:ext uri="{91240B29-F687-4F45-9708-019B960494DF}">
+              <a14:hiddenLine xmlns:a14="http://schemas.microsoft.com/office/drawing/2010/main" w="9525">
+                <a:solidFill>
+                  <a:schemeClr val="tx1"/>
+                </a:solidFill>
+                <a:miter lim="800000"/>
+                <a:headEnd/>
+                <a:tailEnd/>
+              </a14:hiddenLine>
+            </a:ext>
+            <a:ext uri="{AF507438-7753-43E0-B8FC-AC1667EBCBE1}">
+              <a14:hiddenEffects xmlns:a14="http://schemas.microsoft.com/office/drawing/2010/main">
+                <a:effectLst>
+                  <a:outerShdw dist="35921" dir="2700000" algn="ctr" rotWithShape="0">
+                    <a:schemeClr val="bg2"/>
+                  </a:outerShdw>
+                </a:effectLst>
+              </a14:hiddenEffects>
+            </a:ext>
+          </a:extLst>
+        </p:spPr>
+      </p:pic>
+      <p:sp>
+        <p:nvSpPr>
+          <p:cNvPr id="2" name="标题 1"/>
+          <p:cNvSpPr>
+            <a:spLocks noGrp="1"/>
+          </p:cNvSpPr>
+          <p:nvPr>
+            <p:ph type="title"/>
+          </p:nvPr>
+        </p:nvSpPr>
+        <p:spPr/>
+        <p:txBody>
+          <a:bodyPr/>
+          <a:lstStyle/>
+          <a:p>
+            <a:r>
+              <a:rPr lang="zh-CN" altLang="en-US" dirty="0" smtClean="0"/>
+              <a:t>查询部分之分区</a:t>
+            </a:r>
+            <a:endParaRPr lang="zh-CN" altLang="en-US" dirty="0"/>
+          </a:p>
+        </p:txBody>
+      </p:sp>
+      <p:sp>
+        <p:nvSpPr>
+          <p:cNvPr id="3" name="云形标注 2"/>
+          <p:cNvSpPr/>
+          <p:nvPr/>
+        </p:nvSpPr>
+        <p:spPr>
+          <a:xfrm>
+            <a:off x="1347788" y="2039516"/>
+            <a:ext cx="4968552" cy="1080120"/>
+          </a:xfrm>
+          <a:prstGeom prst="cloudCallout">
+            <a:avLst/>
+          </a:prstGeom>
+        </p:spPr>
+        <p:style>
+          <a:lnRef idx="1">
+            <a:schemeClr val="accent2"/>
+          </a:lnRef>
+          <a:fillRef idx="2">
+            <a:schemeClr val="accent2"/>
+          </a:fillRef>
+          <a:effectRef idx="1">
+            <a:schemeClr val="accent2"/>
+          </a:effectRef>
+          <a:fontRef idx="minor">
+            <a:schemeClr val="dk1"/>
+          </a:fontRef>
+        </p:style>
+        <p:txBody>
+          <a:bodyPr rtlCol="0" anchor="ctr"/>
+          <a:lstStyle/>
+          <a:p>
+            <a:pPr algn="ctr"/>
+            <a:r>
+              <a:rPr lang="zh-CN" altLang="en-US" dirty="0" smtClean="0"/>
+              <a:t>每个</a:t>
+            </a:r>
+            <a:r>
+              <a:rPr lang="en-US" altLang="zh-CN" dirty="0" smtClean="0"/>
+              <a:t>shard</a:t>
+            </a:r>
+            <a:r>
+              <a:rPr lang="zh-CN" altLang="en-US" dirty="0" smtClean="0"/>
+              <a:t>下是有多个分区的，每次查询，根据时间范围不同，使用的分区也不同</a:t>
+            </a:r>
+            <a:endParaRPr lang="zh-CN" altLang="en-US" dirty="0"/>
+          </a:p>
+        </p:txBody>
+      </p:sp>
+      <p:sp>
+        <p:nvSpPr>
+          <p:cNvPr id="5" name="云形标注 4"/>
+          <p:cNvSpPr/>
+          <p:nvPr/>
+        </p:nvSpPr>
+        <p:spPr>
+          <a:xfrm>
+            <a:off x="1171352" y="3119636"/>
+            <a:ext cx="6120680" cy="1067420"/>
+          </a:xfrm>
+          <a:prstGeom prst="cloudCallout">
+            <a:avLst/>
+          </a:prstGeom>
+        </p:spPr>
+        <p:style>
+          <a:lnRef idx="1">
+            <a:schemeClr val="accent2"/>
+          </a:lnRef>
+          <a:fillRef idx="2">
+            <a:schemeClr val="accent2"/>
+          </a:fillRef>
+          <a:effectRef idx="1">
+            <a:schemeClr val="accent2"/>
+          </a:effectRef>
+          <a:fontRef idx="minor">
+            <a:schemeClr val="dk1"/>
+          </a:fontRef>
+        </p:style>
+        <p:txBody>
+          <a:bodyPr rtlCol="0" anchor="ctr"/>
+          <a:lstStyle/>
+          <a:p>
+            <a:pPr algn="ctr"/>
+            <a:r>
+              <a:rPr lang="zh-CN" altLang="en-US" dirty="0" smtClean="0"/>
+              <a:t>每次只查询一个分区，</a:t>
+            </a:r>
+            <a:endParaRPr lang="en-US" altLang="zh-CN" dirty="0" smtClean="0"/>
+          </a:p>
+          <a:p>
+            <a:pPr algn="ctr"/>
+            <a:r>
+              <a:rPr lang="zh-CN" altLang="en-US" dirty="0" smtClean="0"/>
+              <a:t>如果跨多个分区查询，实际上是查询多次，然后经过</a:t>
+            </a:r>
+            <a:r>
+              <a:rPr lang="en-US" altLang="zh-CN" dirty="0" smtClean="0"/>
+              <a:t>merge server</a:t>
+            </a:r>
+            <a:r>
+              <a:rPr lang="zh-CN" altLang="en-US" dirty="0" smtClean="0"/>
+              <a:t>合并</a:t>
+            </a:r>
+            <a:endParaRPr lang="zh-CN" altLang="en-US" dirty="0"/>
+          </a:p>
+        </p:txBody>
+      </p:sp>
+    </p:spTree>
+    <p:extLst>
+      <p:ext uri="{BB962C8B-B14F-4D97-AF65-F5344CB8AC3E}">
+        <p14:creationId xmlns:p14="http://schemas.microsoft.com/office/powerpoint/2010/main" val="2950440262"/>
+      </p:ext>
+    </p:extLst>
+  </p:cSld>
+  <p:clrMapOvr>
+    <a:masterClrMapping/>
+  </p:clrMapOvr>
+  <p:timing>
+    <p:tnLst>
+      <p:par>
+        <p:cTn id="1" dur="indefinite" restart="never" nodeType="tmRoot">
+          <p:childTnLst>
+            <p:seq concurrent="1" nextAc="seek">
+              <p:cTn id="2" dur="indefinite" nodeType="mainSeq">
+                <p:childTnLst>
+                  <p:par>
+                    <p:cTn id="3" fill="hold">
+                      <p:stCondLst>
+                        <p:cond delay="indefinite"/>
+                      </p:stCondLst>
+                      <p:childTnLst>
+                        <p:par>
+                          <p:cTn id="4" fill="hold">
+                            <p:stCondLst>
+                              <p:cond delay="0"/>
+                            </p:stCondLst>
+                            <p:childTnLst>
+                              <p:par>
+                                <p:cTn id="5" presetID="53" presetClass="entr" presetSubtype="16" fill="hold" grpId="0" nodeType="clickEffect">
+                                  <p:stCondLst>
+                                    <p:cond delay="0"/>
+                                  </p:stCondLst>
+                                  <p:childTnLst>
+                                    <p:set>
+                                      <p:cBhvr>
+                                        <p:cTn id="6" dur="1" fill="hold">
+                                          <p:stCondLst>
+                                            <p:cond delay="0"/>
+                                          </p:stCondLst>
+                                        </p:cTn>
+                                        <p:tgtEl>
+                                          <p:spTgt spid="3"/>
+                                        </p:tgtEl>
+                                        <p:attrNameLst>
+                                          <p:attrName>style.visibility</p:attrName>
+                                        </p:attrNameLst>
+                                      </p:cBhvr>
+                                      <p:to>
+                                        <p:strVal val="visible"/>
+                                      </p:to>
+                                    </p:set>
+                                    <p:anim calcmode="lin" valueType="num">
+                                      <p:cBhvr>
+                                        <p:cTn id="7" dur="500" fill="hold"/>
+                                        <p:tgtEl>
+                                          <p:spTgt spid="3"/>
+                                        </p:tgtEl>
+                                        <p:attrNameLst>
+                                          <p:attrName>ppt_w</p:attrName>
+                                        </p:attrNameLst>
+                                      </p:cBhvr>
+                                      <p:tavLst>
+                                        <p:tav tm="0">
+                                          <p:val>
+                                            <p:fltVal val="0"/>
+                                          </p:val>
+                                        </p:tav>
+                                        <p:tav tm="100000">
+                                          <p:val>
+                                            <p:strVal val="#ppt_w"/>
+                                          </p:val>
+                                        </p:tav>
+                                      </p:tavLst>
+                                    </p:anim>
+                                    <p:anim calcmode="lin" valueType="num">
+                                      <p:cBhvr>
+                                        <p:cTn id="8" dur="500" fill="hold"/>
+                                        <p:tgtEl>
+                                          <p:spTgt spid="3"/>
+                                        </p:tgtEl>
+                                        <p:attrNameLst>
+                                          <p:attrName>ppt_h</p:attrName>
+                                        </p:attrNameLst>
+                                      </p:cBhvr>
+                                      <p:tavLst>
+                                        <p:tav tm="0">
+                                          <p:val>
+                                            <p:fltVal val="0"/>
+                                          </p:val>
+                                        </p:tav>
+                                        <p:tav tm="100000">
+                                          <p:val>
+                                            <p:strVal val="#ppt_h"/>
+                                          </p:val>
+                                        </p:tav>
+                                      </p:tavLst>
+                                    </p:anim>
+                                    <p:animEffect transition="in" filter="fade">
+                                      <p:cBhvr>
+                                        <p:cTn id="9" dur="500"/>
+                                        <p:tgtEl>
+                                          <p:spTgt spid="3"/>
+                                        </p:tgtEl>
+                                      </p:cBhvr>
+                                    </p:animEffect>
+                                  </p:childTnLst>
+                                </p:cTn>
+                              </p:par>
+                            </p:childTnLst>
+                          </p:cTn>
+                        </p:par>
+                      </p:childTnLst>
+                    </p:cTn>
+                  </p:par>
+                  <p:par>
+                    <p:cTn id="10" fill="hold">
+                      <p:stCondLst>
+                        <p:cond delay="indefinite"/>
+                      </p:stCondLst>
+                      <p:childTnLst>
+                        <p:par>
+                          <p:cTn id="11" fill="hold">
+                            <p:stCondLst>
+                              <p:cond delay="0"/>
+                            </p:stCondLst>
+                            <p:childTnLst>
+                              <p:par>
+                                <p:cTn id="12" presetID="16" presetClass="exit" presetSubtype="21" fill="hold" grpId="1" nodeType="clickEffect">
+                                  <p:stCondLst>
+                                    <p:cond delay="0"/>
+                                  </p:stCondLst>
+                                  <p:childTnLst>
+                                    <p:animEffect transition="out" filter="barn(inVertical)">
+                                      <p:cBhvr>
+                                        <p:cTn id="13" dur="500"/>
+                                        <p:tgtEl>
+                                          <p:spTgt spid="3"/>
+                                        </p:tgtEl>
+                                      </p:cBhvr>
+                                    </p:animEffect>
+                                    <p:set>
+                                      <p:cBhvr>
+                                        <p:cTn id="14" dur="1" fill="hold">
+                                          <p:stCondLst>
+                                            <p:cond delay="499"/>
+                                          </p:stCondLst>
+                                        </p:cTn>
+                                        <p:tgtEl>
+                                          <p:spTgt spid="3"/>
+                                        </p:tgtEl>
+                                        <p:attrNameLst>
+                                          <p:attrName>style.visibility</p:attrName>
+                                        </p:attrNameLst>
+                                      </p:cBhvr>
+                                      <p:to>
+                                        <p:strVal val="hidden"/>
+                                      </p:to>
+                                    </p:set>
+                                  </p:childTnLst>
+                                </p:cTn>
+                              </p:par>
+                            </p:childTnLst>
+                          </p:cTn>
+                        </p:par>
+                      </p:childTnLst>
+                    </p:cTn>
+                  </p:par>
+                  <p:par>
+                    <p:cTn id="15" fill="hold">
+                      <p:stCondLst>
+                        <p:cond delay="indefinite"/>
+                      </p:stCondLst>
+                      <p:childTnLst>
+                        <p:par>
+                          <p:cTn id="16" fill="hold">
+                            <p:stCondLst>
+                              <p:cond delay="0"/>
+                            </p:stCondLst>
+                            <p:childTnLst>
+                              <p:par>
+                                <p:cTn id="17" presetID="53" presetClass="entr" presetSubtype="16" fill="hold" grpId="0" nodeType="clickEffect">
+                                  <p:stCondLst>
+                                    <p:cond delay="0"/>
+                                  </p:stCondLst>
+                                  <p:childTnLst>
+                                    <p:set>
+                                      <p:cBhvr>
+                                        <p:cTn id="18" dur="1" fill="hold">
+                                          <p:stCondLst>
+                                            <p:cond delay="0"/>
+                                          </p:stCondLst>
+                                        </p:cTn>
+                                        <p:tgtEl>
+                                          <p:spTgt spid="5"/>
+                                        </p:tgtEl>
+                                        <p:attrNameLst>
+                                          <p:attrName>style.visibility</p:attrName>
+                                        </p:attrNameLst>
+                                      </p:cBhvr>
+                                      <p:to>
+                                        <p:strVal val="visible"/>
+                                      </p:to>
+                                    </p:set>
+                                    <p:anim calcmode="lin" valueType="num">
+                                      <p:cBhvr>
+                                        <p:cTn id="19" dur="500" fill="hold"/>
+                                        <p:tgtEl>
+                                          <p:spTgt spid="5"/>
+                                        </p:tgtEl>
+                                        <p:attrNameLst>
+                                          <p:attrName>ppt_w</p:attrName>
+                                        </p:attrNameLst>
+                                      </p:cBhvr>
+                                      <p:tavLst>
+                                        <p:tav tm="0">
+                                          <p:val>
+                                            <p:fltVal val="0"/>
+                                          </p:val>
+                                        </p:tav>
+                                        <p:tav tm="100000">
+                                          <p:val>
+                                            <p:strVal val="#ppt_w"/>
+                                          </p:val>
+                                        </p:tav>
+                                      </p:tavLst>
+                                    </p:anim>
+                                    <p:anim calcmode="lin" valueType="num">
+                                      <p:cBhvr>
+                                        <p:cTn id="20" dur="500" fill="hold"/>
+                                        <p:tgtEl>
+                                          <p:spTgt spid="5"/>
+                                        </p:tgtEl>
+                                        <p:attrNameLst>
+                                          <p:attrName>ppt_h</p:attrName>
+                                        </p:attrNameLst>
+                                      </p:cBhvr>
+                                      <p:tavLst>
+                                        <p:tav tm="0">
+                                          <p:val>
+                                            <p:fltVal val="0"/>
+                                          </p:val>
+                                        </p:tav>
+                                        <p:tav tm="100000">
+                                          <p:val>
+                                            <p:strVal val="#ppt_h"/>
+                                          </p:val>
+                                        </p:tav>
+                                      </p:tavLst>
+                                    </p:anim>
+                                    <p:animEffect transition="in" filter="fade">
+                                      <p:cBhvr>
+                                        <p:cTn id="21" dur="500"/>
+                                        <p:tgtEl>
+                                          <p:spTgt spid="5"/>
+                                        </p:tgtEl>
+                                      </p:cBhvr>
+                                    </p:animEffect>
+                                  </p:childTnLst>
+                                </p:cTn>
+                              </p:par>
+                            </p:childTnLst>
+                          </p:cTn>
+                        </p:par>
+                      </p:childTnLst>
+                    </p:cTn>
+                  </p:par>
+                  <p:par>
+                    <p:cTn id="22" fill="hold">
+                      <p:stCondLst>
+                        <p:cond delay="indefinite"/>
+                      </p:stCondLst>
+                      <p:childTnLst>
+                        <p:par>
+                          <p:cTn id="23" fill="hold">
+                            <p:stCondLst>
+                              <p:cond delay="0"/>
+                            </p:stCondLst>
+                            <p:childTnLst>
+                              <p:par>
+                                <p:cTn id="24" presetID="16" presetClass="exit" presetSubtype="21" fill="hold" grpId="1" nodeType="clickEffect">
+                                  <p:stCondLst>
+                                    <p:cond delay="0"/>
+                                  </p:stCondLst>
+                                  <p:childTnLst>
+                                    <p:animEffect transition="out" filter="barn(inVertical)">
+                                      <p:cBhvr>
+                                        <p:cTn id="25" dur="500"/>
+                                        <p:tgtEl>
+                                          <p:spTgt spid="5"/>
+                                        </p:tgtEl>
+                                      </p:cBhvr>
+                                    </p:animEffect>
+                                    <p:set>
+                                      <p:cBhvr>
+                                        <p:cTn id="26" dur="1" fill="hold">
+                                          <p:stCondLst>
+                                            <p:cond delay="499"/>
+                                          </p:stCondLst>
+                                        </p:cTn>
+                                        <p:tgtEl>
+                                          <p:spTgt spid="5"/>
+                                        </p:tgtEl>
+                                        <p:attrNameLst>
+                                          <p:attrName>style.visibility</p:attrName>
+                                        </p:attrNameLst>
+                                      </p:cBhvr>
+                                      <p:to>
+                                        <p:strVal val="hidden"/>
+                                      </p:to>
+                                    </p:set>
+                                  </p:childTnLst>
+                                </p:cTn>
+                              </p:par>
+                            </p:childTnLst>
+                          </p:cTn>
+                        </p:par>
+                      </p:childTnLst>
+                    </p:cTn>
+                  </p:par>
+                </p:childTnLst>
+              </p:cTn>
+              <p:prevCondLst>
+                <p:cond evt="onPrev" delay="0">
+                  <p:tgtEl>
+                    <p:sldTgt/>
+                  </p:tgtEl>
+                </p:cond>
+              </p:prevCondLst>
+              <p:nextCondLst>
+                <p:cond evt="onNext" delay="0">
+                  <p:tgtEl>
+                    <p:sldTgt/>
+                  </p:tgtEl>
+                </p:cond>
+              </p:nextCondLst>
+            </p:seq>
+          </p:childTnLst>
+        </p:cTn>
+      </p:par>
+    </p:tnLst>
+    <p:bldLst>
+      <p:bldP spid="3" grpId="0" animBg="1"/>
+      <p:bldP spid="3" grpId="1" animBg="1"/>
+      <p:bldP spid="5" grpId="0" animBg="1"/>
+      <p:bldP spid="5" grpId="1" animBg="1"/>
     </p:bldLst>
   </p:timing>
 </p:sld>

--- a/doc/higo.pptx
+++ b/doc/higo.pptx
@@ -5,7 +5,7 @@
     <p:sldMasterId id="2147483648" r:id="rId1"/>
   </p:sldMasterIdLst>
   <p:notesMasterIdLst>
-    <p:notesMasterId r:id="rId25"/>
+    <p:notesMasterId r:id="rId24"/>
   </p:notesMasterIdLst>
   <p:sldIdLst>
     <p:sldId id="256" r:id="rId2"/>
@@ -27,10 +27,9 @@
     <p:sldId id="378" r:id="rId18"/>
     <p:sldId id="382" r:id="rId19"/>
     <p:sldId id="381" r:id="rId20"/>
-    <p:sldId id="384" r:id="rId21"/>
-    <p:sldId id="369" r:id="rId22"/>
-    <p:sldId id="374" r:id="rId23"/>
-    <p:sldId id="375" r:id="rId24"/>
+    <p:sldId id="369" r:id="rId21"/>
+    <p:sldId id="374" r:id="rId22"/>
+    <p:sldId id="375" r:id="rId23"/>
   </p:sldIdLst>
   <p:sldSz cx="9144000" cy="6858000" type="screen4x3"/>
   <p:notesSz cx="6858000" cy="9144000"/>
@@ -7039,7 +7038,7 @@
           <a:p>
             <a:fld id="{DE914C13-989A-477A-9CB3-5348B7845306}" type="datetimeFigureOut">
               <a:rPr lang="zh-CN" altLang="en-US" smtClean="0"/>
-              <a:t>2013/3/5</a:t>
+              <a:t>2013/3/15</a:t>
             </a:fld>
             <a:endParaRPr lang="zh-CN" altLang="en-US"/>
           </a:p>
@@ -16089,12 +16088,12 @@
         <p:spPr>
           <a:xfrm>
             <a:off x="2915816" y="1052736"/>
-            <a:ext cx="4464496" cy="720080"/>
+            <a:ext cx="5040560" cy="864096"/>
           </a:xfrm>
           <a:prstGeom prst="cloudCallout">
             <a:avLst>
-              <a:gd name="adj1" fmla="val -32056"/>
-              <a:gd name="adj2" fmla="val 71318"/>
+              <a:gd name="adj1" fmla="val -20718"/>
+              <a:gd name="adj2" fmla="val 49272"/>
             </a:avLst>
           </a:prstGeom>
         </p:spPr>
@@ -16123,7 +16122,34 @@
             </a:r>
             <a:r>
               <a:rPr lang="en-US" altLang="zh-CN" dirty="0" err="1" smtClean="0"/>
-              <a:t>sum,max,min,avg,count</a:t>
+              <a:t>sum,max,min,avg,count,dist</a:t>
+            </a:r>
+            <a:r>
+              <a:rPr lang="en-US" altLang="zh-CN" dirty="0" smtClean="0"/>
+              <a:t/>
+            </a:r>
+            <a:br>
+              <a:rPr lang="en-US" altLang="zh-CN" dirty="0" smtClean="0"/>
+            </a:br>
+            <a:r>
+              <a:rPr lang="en-US" altLang="zh-CN" dirty="0" smtClean="0"/>
+              <a:t>(</a:t>
+            </a:r>
+            <a:r>
+              <a:rPr lang="zh-CN" altLang="en-US" dirty="0" smtClean="0"/>
+              <a:t>其中</a:t>
+            </a:r>
+            <a:r>
+              <a:rPr lang="en-US" altLang="zh-CN" dirty="0" err="1" smtClean="0"/>
+              <a:t>dist</a:t>
+            </a:r>
+            <a:r>
+              <a:rPr lang="zh-CN" altLang="en-US" dirty="0" smtClean="0"/>
+              <a:t>为近似计算</a:t>
+            </a:r>
+            <a:r>
+              <a:rPr lang="en-US" altLang="zh-CN" dirty="0" smtClean="0"/>
+              <a:t>)</a:t>
             </a:r>
             <a:endParaRPr lang="zh-CN" altLang="en-US" dirty="0"/>
           </a:p>
@@ -32752,4870 +32778,6 @@
       </p:grpSpPr>
       <p:sp>
         <p:nvSpPr>
-          <p:cNvPr id="46" name="云形标注 45"/>
-          <p:cNvSpPr/>
-          <p:nvPr/>
-        </p:nvSpPr>
-        <p:spPr>
-          <a:xfrm>
-            <a:off x="777764" y="1902644"/>
-            <a:ext cx="7770296" cy="2552953"/>
-          </a:xfrm>
-          <a:prstGeom prst="cloudCallout">
-            <a:avLst>
-              <a:gd name="adj1" fmla="val -47062"/>
-              <a:gd name="adj2" fmla="val -39233"/>
-            </a:avLst>
-          </a:prstGeom>
-        </p:spPr>
-        <p:style>
-          <a:lnRef idx="1">
-            <a:schemeClr val="accent4"/>
-          </a:lnRef>
-          <a:fillRef idx="2">
-            <a:schemeClr val="accent4"/>
-          </a:fillRef>
-          <a:effectRef idx="1">
-            <a:schemeClr val="accent4"/>
-          </a:effectRef>
-          <a:fontRef idx="minor">
-            <a:schemeClr val="dk1"/>
-          </a:fontRef>
-        </p:style>
-        <p:txBody>
-          <a:bodyPr rtlCol="0" anchor="ctr"/>
-          <a:lstStyle/>
-          <a:p>
-            <a:r>
-              <a:rPr lang="zh-CN" altLang="en-US" b="1" dirty="0" smtClean="0"/>
-              <a:t>假设我们使用</a:t>
-            </a:r>
-            <a:r>
-              <a:rPr lang="en-US" altLang="zh-CN" b="1" dirty="0" smtClean="0"/>
-              <a:t>10</a:t>
-            </a:r>
-            <a:r>
-              <a:rPr lang="zh-CN" altLang="en-US" b="1" dirty="0" smtClean="0"/>
-              <a:t>亿个</a:t>
-            </a:r>
-            <a:r>
-              <a:rPr lang="en-US" altLang="zh-CN" b="1" dirty="0" err="1" smtClean="0"/>
-              <a:t>bitset</a:t>
-            </a:r>
-            <a:endParaRPr lang="en-US" altLang="zh-CN" b="1" dirty="0" smtClean="0"/>
-          </a:p>
-          <a:p>
-            <a:r>
-              <a:rPr lang="zh-CN" altLang="en-US" b="1" dirty="0" smtClean="0"/>
-              <a:t>那么实际上我们只存储其中的</a:t>
-            </a:r>
-            <a:r>
-              <a:rPr lang="en-US" altLang="zh-CN" b="1" dirty="0" smtClean="0"/>
-              <a:t>1%</a:t>
-            </a:r>
-            <a:r>
-              <a:rPr lang="zh-CN" altLang="en-US" b="1" dirty="0" smtClean="0"/>
-              <a:t>，取到</a:t>
-            </a:r>
-            <a:r>
-              <a:rPr lang="en-US" altLang="zh-CN" b="1" dirty="0" smtClean="0"/>
-              <a:t>1000</a:t>
-            </a:r>
-            <a:r>
-              <a:rPr lang="zh-CN" altLang="en-US" b="1" dirty="0" smtClean="0"/>
-              <a:t>万</a:t>
-            </a:r>
-            <a:endParaRPr lang="en-US" altLang="zh-CN" b="1" dirty="0" smtClean="0"/>
-          </a:p>
-          <a:p>
-            <a:r>
-              <a:rPr lang="zh-CN" altLang="en-US" b="1" dirty="0" smtClean="0"/>
-              <a:t>因数据均匀，</a:t>
-            </a:r>
-            <a:r>
-              <a:rPr lang="zh-CN" altLang="en-US" b="1" dirty="0"/>
-              <a:t>这</a:t>
-            </a:r>
-            <a:r>
-              <a:rPr lang="en-US" altLang="zh-CN" b="1" dirty="0"/>
-              <a:t>1</a:t>
-            </a:r>
-            <a:r>
-              <a:rPr lang="en-US" altLang="zh-CN" b="1" dirty="0" smtClean="0"/>
-              <a:t>%</a:t>
-            </a:r>
-            <a:r>
-              <a:rPr lang="zh-CN" altLang="en-US" b="1" dirty="0" smtClean="0"/>
-              <a:t>与其他</a:t>
-            </a:r>
-            <a:r>
-              <a:rPr lang="en-US" altLang="zh-CN" b="1" dirty="0" smtClean="0"/>
-              <a:t>99%</a:t>
-            </a:r>
-            <a:r>
-              <a:rPr lang="zh-CN" altLang="en-US" b="1" dirty="0" smtClean="0"/>
-              <a:t>的稀疏程度一致</a:t>
-            </a:r>
-            <a:endParaRPr lang="en-US" altLang="zh-CN" b="1" dirty="0" smtClean="0"/>
-          </a:p>
-          <a:p>
-            <a:r>
-              <a:rPr lang="zh-CN" altLang="en-US" b="1" dirty="0" smtClean="0"/>
-              <a:t>故最终值在</a:t>
-            </a:r>
-            <a:r>
-              <a:rPr lang="en-US" altLang="zh-CN" b="1" dirty="0" smtClean="0"/>
-              <a:t>1%</a:t>
-            </a:r>
-            <a:r>
-              <a:rPr lang="zh-CN" altLang="en-US" b="1" dirty="0" smtClean="0"/>
-              <a:t>的基础上乘以</a:t>
-            </a:r>
-            <a:r>
-              <a:rPr lang="en-US" altLang="zh-CN" b="1" dirty="0" smtClean="0"/>
-              <a:t>100</a:t>
-            </a:r>
-            <a:r>
-              <a:rPr lang="zh-CN" altLang="en-US" b="1" dirty="0" smtClean="0"/>
-              <a:t>即可</a:t>
-            </a:r>
-            <a:endParaRPr lang="zh-CN" altLang="en-US" b="1" dirty="0"/>
-          </a:p>
-        </p:txBody>
-      </p:sp>
-      <p:sp>
-        <p:nvSpPr>
-          <p:cNvPr id="29" name="下箭头 28"/>
-          <p:cNvSpPr/>
-          <p:nvPr/>
-        </p:nvSpPr>
-        <p:spPr>
-          <a:xfrm>
-            <a:off x="2391184" y="1450008"/>
-            <a:ext cx="288032" cy="3563168"/>
-          </a:xfrm>
-          <a:prstGeom prst="downArrow">
-            <a:avLst/>
-          </a:prstGeom>
-        </p:spPr>
-        <p:style>
-          <a:lnRef idx="2">
-            <a:schemeClr val="accent3">
-              <a:shade val="50000"/>
-            </a:schemeClr>
-          </a:lnRef>
-          <a:fillRef idx="1">
-            <a:schemeClr val="accent3"/>
-          </a:fillRef>
-          <a:effectRef idx="0">
-            <a:schemeClr val="accent3"/>
-          </a:effectRef>
-          <a:fontRef idx="minor">
-            <a:schemeClr val="lt1"/>
-          </a:fontRef>
-        </p:style>
-        <p:txBody>
-          <a:bodyPr rtlCol="0" anchor="ctr"/>
-          <a:lstStyle/>
-          <a:p>
-            <a:pPr algn="ctr"/>
-            <a:endParaRPr lang="zh-CN" altLang="en-US"/>
-          </a:p>
-        </p:txBody>
-      </p:sp>
-      <p:sp>
-        <p:nvSpPr>
-          <p:cNvPr id="35" name="下箭头 34"/>
-          <p:cNvSpPr/>
-          <p:nvPr/>
-        </p:nvSpPr>
-        <p:spPr>
-          <a:xfrm>
-            <a:off x="6745548" y="1475780"/>
-            <a:ext cx="288032" cy="3563168"/>
-          </a:xfrm>
-          <a:prstGeom prst="downArrow">
-            <a:avLst/>
-          </a:prstGeom>
-        </p:spPr>
-        <p:style>
-          <a:lnRef idx="2">
-            <a:schemeClr val="accent3">
-              <a:shade val="50000"/>
-            </a:schemeClr>
-          </a:lnRef>
-          <a:fillRef idx="1">
-            <a:schemeClr val="accent3"/>
-          </a:fillRef>
-          <a:effectRef idx="0">
-            <a:schemeClr val="accent3"/>
-          </a:effectRef>
-          <a:fontRef idx="minor">
-            <a:schemeClr val="lt1"/>
-          </a:fontRef>
-        </p:style>
-        <p:txBody>
-          <a:bodyPr rtlCol="0" anchor="ctr"/>
-          <a:lstStyle/>
-          <a:p>
-            <a:pPr algn="ctr"/>
-            <a:endParaRPr lang="zh-CN" altLang="en-US"/>
-          </a:p>
-        </p:txBody>
-      </p:sp>
-      <p:sp>
-        <p:nvSpPr>
-          <p:cNvPr id="33" name="下箭头 32"/>
-          <p:cNvSpPr/>
-          <p:nvPr/>
-        </p:nvSpPr>
-        <p:spPr>
-          <a:xfrm>
-            <a:off x="5354464" y="1467954"/>
-            <a:ext cx="288032" cy="3563168"/>
-          </a:xfrm>
-          <a:prstGeom prst="downArrow">
-            <a:avLst/>
-          </a:prstGeom>
-        </p:spPr>
-        <p:style>
-          <a:lnRef idx="2">
-            <a:schemeClr val="accent3">
-              <a:shade val="50000"/>
-            </a:schemeClr>
-          </a:lnRef>
-          <a:fillRef idx="1">
-            <a:schemeClr val="accent3"/>
-          </a:fillRef>
-          <a:effectRef idx="0">
-            <a:schemeClr val="accent3"/>
-          </a:effectRef>
-          <a:fontRef idx="minor">
-            <a:schemeClr val="lt1"/>
-          </a:fontRef>
-        </p:style>
-        <p:txBody>
-          <a:bodyPr rtlCol="0" anchor="ctr"/>
-          <a:lstStyle/>
-          <a:p>
-            <a:pPr algn="ctr"/>
-            <a:endParaRPr lang="zh-CN" altLang="en-US"/>
-          </a:p>
-        </p:txBody>
-      </p:sp>
-      <p:sp>
-        <p:nvSpPr>
-          <p:cNvPr id="31" name="下箭头 30"/>
-          <p:cNvSpPr/>
-          <p:nvPr/>
-        </p:nvSpPr>
-        <p:spPr>
-          <a:xfrm>
-            <a:off x="3938836" y="1475780"/>
-            <a:ext cx="288032" cy="3563168"/>
-          </a:xfrm>
-          <a:prstGeom prst="downArrow">
-            <a:avLst/>
-          </a:prstGeom>
-        </p:spPr>
-        <p:style>
-          <a:lnRef idx="2">
-            <a:schemeClr val="accent3">
-              <a:shade val="50000"/>
-            </a:schemeClr>
-          </a:lnRef>
-          <a:fillRef idx="1">
-            <a:schemeClr val="accent3"/>
-          </a:fillRef>
-          <a:effectRef idx="0">
-            <a:schemeClr val="accent3"/>
-          </a:effectRef>
-          <a:fontRef idx="minor">
-            <a:schemeClr val="lt1"/>
-          </a:fontRef>
-        </p:style>
-        <p:txBody>
-          <a:bodyPr rtlCol="0" anchor="ctr"/>
-          <a:lstStyle/>
-          <a:p>
-            <a:pPr algn="ctr"/>
-            <a:endParaRPr lang="zh-CN" altLang="en-US"/>
-          </a:p>
-        </p:txBody>
-      </p:sp>
-      <p:sp>
-        <p:nvSpPr>
-          <p:cNvPr id="2" name="标题 1"/>
-          <p:cNvSpPr>
-            <a:spLocks noGrp="1"/>
-          </p:cNvSpPr>
-          <p:nvPr>
-            <p:ph type="title"/>
-          </p:nvPr>
-        </p:nvSpPr>
-        <p:spPr/>
-        <p:txBody>
-          <a:bodyPr/>
-          <a:lstStyle/>
-          <a:p>
-            <a:r>
-              <a:rPr lang="en-US" altLang="zh-CN" dirty="0" smtClean="0"/>
-              <a:t>Distinct</a:t>
-            </a:r>
-            <a:r>
-              <a:rPr lang="zh-CN" altLang="en-US" dirty="0" smtClean="0"/>
-              <a:t>方案</a:t>
-            </a:r>
-            <a:endParaRPr lang="zh-CN" altLang="en-US" dirty="0"/>
-          </a:p>
-        </p:txBody>
-      </p:sp>
-      <p:sp>
-        <p:nvSpPr>
-          <p:cNvPr id="4" name="爆炸形 2 3"/>
-          <p:cNvSpPr/>
-          <p:nvPr/>
-        </p:nvSpPr>
-        <p:spPr>
-          <a:xfrm>
-            <a:off x="-22188" y="1450008"/>
-            <a:ext cx="1656184" cy="1042888"/>
-          </a:xfrm>
-          <a:prstGeom prst="irregularSeal2">
-            <a:avLst/>
-          </a:prstGeom>
-        </p:spPr>
-        <p:style>
-          <a:lnRef idx="2">
-            <a:schemeClr val="accent1">
-              <a:shade val="50000"/>
-            </a:schemeClr>
-          </a:lnRef>
-          <a:fillRef idx="1">
-            <a:schemeClr val="accent1"/>
-          </a:fillRef>
-          <a:effectRef idx="0">
-            <a:schemeClr val="accent1"/>
-          </a:effectRef>
-          <a:fontRef idx="minor">
-            <a:schemeClr val="lt1"/>
-          </a:fontRef>
-        </p:style>
-        <p:txBody>
-          <a:bodyPr rtlCol="0" anchor="ctr"/>
-          <a:lstStyle/>
-          <a:p>
-            <a:pPr algn="ctr"/>
-            <a:r>
-              <a:rPr lang="zh-CN" altLang="en-US" dirty="0"/>
-              <a:t>数据</a:t>
-            </a:r>
-          </a:p>
-        </p:txBody>
-      </p:sp>
-      <p:sp>
-        <p:nvSpPr>
-          <p:cNvPr id="14" name="矩形 13"/>
-          <p:cNvSpPr/>
-          <p:nvPr/>
-        </p:nvSpPr>
-        <p:spPr>
-          <a:xfrm>
-            <a:off x="2138052" y="1836130"/>
-            <a:ext cx="792088" cy="270644"/>
-          </a:xfrm>
-          <a:prstGeom prst="rect">
-            <a:avLst/>
-          </a:prstGeom>
-        </p:spPr>
-        <p:style>
-          <a:lnRef idx="1">
-            <a:schemeClr val="accent2"/>
-          </a:lnRef>
-          <a:fillRef idx="3">
-            <a:schemeClr val="accent2"/>
-          </a:fillRef>
-          <a:effectRef idx="2">
-            <a:schemeClr val="accent2"/>
-          </a:effectRef>
-          <a:fontRef idx="minor">
-            <a:schemeClr val="lt1"/>
-          </a:fontRef>
-        </p:style>
-        <p:txBody>
-          <a:bodyPr rtlCol="0" anchor="ctr"/>
-          <a:lstStyle/>
-          <a:p>
-            <a:pPr algn="ctr"/>
-            <a:r>
-              <a:rPr lang="en-US" altLang="zh-CN" dirty="0" err="1" smtClean="0"/>
-              <a:t>bitset</a:t>
-            </a:r>
-            <a:endParaRPr lang="zh-CN" altLang="en-US" dirty="0"/>
-          </a:p>
-        </p:txBody>
-      </p:sp>
-      <p:sp>
-        <p:nvSpPr>
-          <p:cNvPr id="15" name="矩形 14"/>
-          <p:cNvSpPr/>
-          <p:nvPr/>
-        </p:nvSpPr>
-        <p:spPr>
-          <a:xfrm>
-            <a:off x="3650220" y="1836130"/>
-            <a:ext cx="792088" cy="270644"/>
-          </a:xfrm>
-          <a:prstGeom prst="rect">
-            <a:avLst/>
-          </a:prstGeom>
-        </p:spPr>
-        <p:style>
-          <a:lnRef idx="1">
-            <a:schemeClr val="accent6"/>
-          </a:lnRef>
-          <a:fillRef idx="2">
-            <a:schemeClr val="accent6"/>
-          </a:fillRef>
-          <a:effectRef idx="1">
-            <a:schemeClr val="accent6"/>
-          </a:effectRef>
-          <a:fontRef idx="minor">
-            <a:schemeClr val="dk1"/>
-          </a:fontRef>
-        </p:style>
-        <p:txBody>
-          <a:bodyPr rtlCol="0" anchor="ctr"/>
-          <a:lstStyle/>
-          <a:p>
-            <a:pPr algn="ctr"/>
-            <a:r>
-              <a:rPr lang="en-US" altLang="zh-CN" dirty="0" err="1" smtClean="0"/>
-              <a:t>bitset</a:t>
-            </a:r>
-            <a:endParaRPr lang="zh-CN" altLang="en-US" dirty="0"/>
-          </a:p>
-        </p:txBody>
-      </p:sp>
-      <p:sp>
-        <p:nvSpPr>
-          <p:cNvPr id="16" name="矩形 15"/>
-          <p:cNvSpPr/>
-          <p:nvPr/>
-        </p:nvSpPr>
-        <p:spPr>
-          <a:xfrm>
-            <a:off x="5090380" y="1836254"/>
-            <a:ext cx="792088" cy="270644"/>
-          </a:xfrm>
-          <a:prstGeom prst="rect">
-            <a:avLst/>
-          </a:prstGeom>
-        </p:spPr>
-        <p:style>
-          <a:lnRef idx="1">
-            <a:schemeClr val="dk1"/>
-          </a:lnRef>
-          <a:fillRef idx="3">
-            <a:schemeClr val="dk1"/>
-          </a:fillRef>
-          <a:effectRef idx="2">
-            <a:schemeClr val="dk1"/>
-          </a:effectRef>
-          <a:fontRef idx="minor">
-            <a:schemeClr val="lt1"/>
-          </a:fontRef>
-        </p:style>
-        <p:txBody>
-          <a:bodyPr rtlCol="0" anchor="ctr"/>
-          <a:lstStyle/>
-          <a:p>
-            <a:pPr algn="ctr"/>
-            <a:r>
-              <a:rPr lang="en-US" altLang="zh-CN" dirty="0" err="1" smtClean="0"/>
-              <a:t>bitset</a:t>
-            </a:r>
-            <a:endParaRPr lang="zh-CN" altLang="en-US" dirty="0"/>
-          </a:p>
-        </p:txBody>
-      </p:sp>
-      <p:sp>
-        <p:nvSpPr>
-          <p:cNvPr id="17" name="矩形 16"/>
-          <p:cNvSpPr/>
-          <p:nvPr/>
-        </p:nvSpPr>
-        <p:spPr>
-          <a:xfrm>
-            <a:off x="6530540" y="1836254"/>
-            <a:ext cx="792088" cy="270644"/>
-          </a:xfrm>
-          <a:prstGeom prst="rect">
-            <a:avLst/>
-          </a:prstGeom>
-        </p:spPr>
-        <p:style>
-          <a:lnRef idx="1">
-            <a:schemeClr val="accent4"/>
-          </a:lnRef>
-          <a:fillRef idx="2">
-            <a:schemeClr val="accent4"/>
-          </a:fillRef>
-          <a:effectRef idx="1">
-            <a:schemeClr val="accent4"/>
-          </a:effectRef>
-          <a:fontRef idx="minor">
-            <a:schemeClr val="dk1"/>
-          </a:fontRef>
-        </p:style>
-        <p:txBody>
-          <a:bodyPr rtlCol="0" anchor="ctr"/>
-          <a:lstStyle/>
-          <a:p>
-            <a:pPr algn="ctr"/>
-            <a:r>
-              <a:rPr lang="en-US" altLang="zh-CN" dirty="0" err="1" smtClean="0"/>
-              <a:t>bitset</a:t>
-            </a:r>
-            <a:endParaRPr lang="zh-CN" altLang="en-US" dirty="0"/>
-          </a:p>
-        </p:txBody>
-      </p:sp>
-      <p:sp>
-        <p:nvSpPr>
-          <p:cNvPr id="18" name="爆炸形 2 17"/>
-          <p:cNvSpPr/>
-          <p:nvPr/>
-        </p:nvSpPr>
-        <p:spPr>
-          <a:xfrm>
-            <a:off x="-28240" y="2525812"/>
-            <a:ext cx="1656184" cy="1042888"/>
-          </a:xfrm>
-          <a:prstGeom prst="irregularSeal2">
-            <a:avLst/>
-          </a:prstGeom>
-        </p:spPr>
-        <p:style>
-          <a:lnRef idx="2">
-            <a:schemeClr val="accent1">
-              <a:shade val="50000"/>
-            </a:schemeClr>
-          </a:lnRef>
-          <a:fillRef idx="1">
-            <a:schemeClr val="accent1"/>
-          </a:fillRef>
-          <a:effectRef idx="0">
-            <a:schemeClr val="accent1"/>
-          </a:effectRef>
-          <a:fontRef idx="minor">
-            <a:schemeClr val="lt1"/>
-          </a:fontRef>
-        </p:style>
-        <p:txBody>
-          <a:bodyPr rtlCol="0" anchor="ctr"/>
-          <a:lstStyle/>
-          <a:p>
-            <a:pPr algn="ctr"/>
-            <a:r>
-              <a:rPr lang="zh-CN" altLang="en-US" dirty="0"/>
-              <a:t>数据</a:t>
-            </a:r>
-          </a:p>
-        </p:txBody>
-      </p:sp>
-      <p:sp>
-        <p:nvSpPr>
-          <p:cNvPr id="19" name="矩形 18"/>
-          <p:cNvSpPr/>
-          <p:nvPr/>
-        </p:nvSpPr>
-        <p:spPr>
-          <a:xfrm>
-            <a:off x="2132000" y="2911934"/>
-            <a:ext cx="792088" cy="270644"/>
-          </a:xfrm>
-          <a:prstGeom prst="rect">
-            <a:avLst/>
-          </a:prstGeom>
-        </p:spPr>
-        <p:style>
-          <a:lnRef idx="1">
-            <a:schemeClr val="accent2"/>
-          </a:lnRef>
-          <a:fillRef idx="3">
-            <a:schemeClr val="accent2"/>
-          </a:fillRef>
-          <a:effectRef idx="2">
-            <a:schemeClr val="accent2"/>
-          </a:effectRef>
-          <a:fontRef idx="minor">
-            <a:schemeClr val="lt1"/>
-          </a:fontRef>
-        </p:style>
-        <p:txBody>
-          <a:bodyPr rtlCol="0" anchor="ctr"/>
-          <a:lstStyle/>
-          <a:p>
-            <a:pPr algn="ctr"/>
-            <a:r>
-              <a:rPr lang="en-US" altLang="zh-CN" dirty="0" err="1" smtClean="0"/>
-              <a:t>bitset</a:t>
-            </a:r>
-            <a:endParaRPr lang="zh-CN" altLang="en-US" dirty="0"/>
-          </a:p>
-        </p:txBody>
-      </p:sp>
-      <p:sp>
-        <p:nvSpPr>
-          <p:cNvPr id="20" name="矩形 19"/>
-          <p:cNvSpPr/>
-          <p:nvPr/>
-        </p:nvSpPr>
-        <p:spPr>
-          <a:xfrm>
-            <a:off x="3644168" y="2911934"/>
-            <a:ext cx="792088" cy="270644"/>
-          </a:xfrm>
-          <a:prstGeom prst="rect">
-            <a:avLst/>
-          </a:prstGeom>
-        </p:spPr>
-        <p:style>
-          <a:lnRef idx="1">
-            <a:schemeClr val="accent6"/>
-          </a:lnRef>
-          <a:fillRef idx="2">
-            <a:schemeClr val="accent6"/>
-          </a:fillRef>
-          <a:effectRef idx="1">
-            <a:schemeClr val="accent6"/>
-          </a:effectRef>
-          <a:fontRef idx="minor">
-            <a:schemeClr val="dk1"/>
-          </a:fontRef>
-        </p:style>
-        <p:txBody>
-          <a:bodyPr rtlCol="0" anchor="ctr"/>
-          <a:lstStyle/>
-          <a:p>
-            <a:pPr algn="ctr"/>
-            <a:r>
-              <a:rPr lang="en-US" altLang="zh-CN" dirty="0" err="1" smtClean="0"/>
-              <a:t>bitset</a:t>
-            </a:r>
-            <a:endParaRPr lang="zh-CN" altLang="en-US" dirty="0"/>
-          </a:p>
-        </p:txBody>
-      </p:sp>
-      <p:sp>
-        <p:nvSpPr>
-          <p:cNvPr id="21" name="矩形 20"/>
-          <p:cNvSpPr/>
-          <p:nvPr/>
-        </p:nvSpPr>
-        <p:spPr>
-          <a:xfrm>
-            <a:off x="5084328" y="2912058"/>
-            <a:ext cx="792088" cy="270644"/>
-          </a:xfrm>
-          <a:prstGeom prst="rect">
-            <a:avLst/>
-          </a:prstGeom>
-        </p:spPr>
-        <p:style>
-          <a:lnRef idx="1">
-            <a:schemeClr val="dk1"/>
-          </a:lnRef>
-          <a:fillRef idx="3">
-            <a:schemeClr val="dk1"/>
-          </a:fillRef>
-          <a:effectRef idx="2">
-            <a:schemeClr val="dk1"/>
-          </a:effectRef>
-          <a:fontRef idx="minor">
-            <a:schemeClr val="lt1"/>
-          </a:fontRef>
-        </p:style>
-        <p:txBody>
-          <a:bodyPr rtlCol="0" anchor="ctr"/>
-          <a:lstStyle/>
-          <a:p>
-            <a:pPr algn="ctr"/>
-            <a:r>
-              <a:rPr lang="en-US" altLang="zh-CN" dirty="0" err="1" smtClean="0"/>
-              <a:t>bitset</a:t>
-            </a:r>
-            <a:endParaRPr lang="zh-CN" altLang="en-US" dirty="0"/>
-          </a:p>
-        </p:txBody>
-      </p:sp>
-      <p:sp>
-        <p:nvSpPr>
-          <p:cNvPr id="22" name="矩形 21"/>
-          <p:cNvSpPr/>
-          <p:nvPr/>
-        </p:nvSpPr>
-        <p:spPr>
-          <a:xfrm>
-            <a:off x="6524488" y="2912058"/>
-            <a:ext cx="792088" cy="270644"/>
-          </a:xfrm>
-          <a:prstGeom prst="rect">
-            <a:avLst/>
-          </a:prstGeom>
-        </p:spPr>
-        <p:style>
-          <a:lnRef idx="1">
-            <a:schemeClr val="accent4"/>
-          </a:lnRef>
-          <a:fillRef idx="2">
-            <a:schemeClr val="accent4"/>
-          </a:fillRef>
-          <a:effectRef idx="1">
-            <a:schemeClr val="accent4"/>
-          </a:effectRef>
-          <a:fontRef idx="minor">
-            <a:schemeClr val="dk1"/>
-          </a:fontRef>
-        </p:style>
-        <p:txBody>
-          <a:bodyPr rtlCol="0" anchor="ctr"/>
-          <a:lstStyle/>
-          <a:p>
-            <a:pPr algn="ctr"/>
-            <a:r>
-              <a:rPr lang="en-US" altLang="zh-CN" dirty="0" err="1" smtClean="0"/>
-              <a:t>bitset</a:t>
-            </a:r>
-            <a:endParaRPr lang="zh-CN" altLang="en-US" dirty="0"/>
-          </a:p>
-        </p:txBody>
-      </p:sp>
-      <p:sp>
-        <p:nvSpPr>
-          <p:cNvPr id="23" name="爆炸形 2 22"/>
-          <p:cNvSpPr/>
-          <p:nvPr/>
-        </p:nvSpPr>
-        <p:spPr>
-          <a:xfrm>
-            <a:off x="-36512" y="3581028"/>
-            <a:ext cx="1656184" cy="1042888"/>
-          </a:xfrm>
-          <a:prstGeom prst="irregularSeal2">
-            <a:avLst/>
-          </a:prstGeom>
-        </p:spPr>
-        <p:style>
-          <a:lnRef idx="2">
-            <a:schemeClr val="accent1">
-              <a:shade val="50000"/>
-            </a:schemeClr>
-          </a:lnRef>
-          <a:fillRef idx="1">
-            <a:schemeClr val="accent1"/>
-          </a:fillRef>
-          <a:effectRef idx="0">
-            <a:schemeClr val="accent1"/>
-          </a:effectRef>
-          <a:fontRef idx="minor">
-            <a:schemeClr val="lt1"/>
-          </a:fontRef>
-        </p:style>
-        <p:txBody>
-          <a:bodyPr rtlCol="0" anchor="ctr"/>
-          <a:lstStyle/>
-          <a:p>
-            <a:pPr algn="ctr"/>
-            <a:r>
-              <a:rPr lang="zh-CN" altLang="en-US" dirty="0"/>
-              <a:t>数据</a:t>
-            </a:r>
-          </a:p>
-        </p:txBody>
-      </p:sp>
-      <p:sp>
-        <p:nvSpPr>
-          <p:cNvPr id="24" name="矩形 23"/>
-          <p:cNvSpPr/>
-          <p:nvPr/>
-        </p:nvSpPr>
-        <p:spPr>
-          <a:xfrm>
-            <a:off x="2123728" y="3967150"/>
-            <a:ext cx="792088" cy="270644"/>
-          </a:xfrm>
-          <a:prstGeom prst="rect">
-            <a:avLst/>
-          </a:prstGeom>
-        </p:spPr>
-        <p:style>
-          <a:lnRef idx="1">
-            <a:schemeClr val="accent2"/>
-          </a:lnRef>
-          <a:fillRef idx="3">
-            <a:schemeClr val="accent2"/>
-          </a:fillRef>
-          <a:effectRef idx="2">
-            <a:schemeClr val="accent2"/>
-          </a:effectRef>
-          <a:fontRef idx="minor">
-            <a:schemeClr val="lt1"/>
-          </a:fontRef>
-        </p:style>
-        <p:txBody>
-          <a:bodyPr rtlCol="0" anchor="ctr"/>
-          <a:lstStyle/>
-          <a:p>
-            <a:pPr algn="ctr"/>
-            <a:r>
-              <a:rPr lang="en-US" altLang="zh-CN" dirty="0" err="1" smtClean="0"/>
-              <a:t>bitset</a:t>
-            </a:r>
-            <a:endParaRPr lang="zh-CN" altLang="en-US" dirty="0"/>
-          </a:p>
-        </p:txBody>
-      </p:sp>
-      <p:sp>
-        <p:nvSpPr>
-          <p:cNvPr id="25" name="矩形 24"/>
-          <p:cNvSpPr/>
-          <p:nvPr/>
-        </p:nvSpPr>
-        <p:spPr>
-          <a:xfrm>
-            <a:off x="3635896" y="3967150"/>
-            <a:ext cx="792088" cy="270644"/>
-          </a:xfrm>
-          <a:prstGeom prst="rect">
-            <a:avLst/>
-          </a:prstGeom>
-        </p:spPr>
-        <p:style>
-          <a:lnRef idx="1">
-            <a:schemeClr val="accent6"/>
-          </a:lnRef>
-          <a:fillRef idx="2">
-            <a:schemeClr val="accent6"/>
-          </a:fillRef>
-          <a:effectRef idx="1">
-            <a:schemeClr val="accent6"/>
-          </a:effectRef>
-          <a:fontRef idx="minor">
-            <a:schemeClr val="dk1"/>
-          </a:fontRef>
-        </p:style>
-        <p:txBody>
-          <a:bodyPr rtlCol="0" anchor="ctr"/>
-          <a:lstStyle/>
-          <a:p>
-            <a:pPr algn="ctr"/>
-            <a:r>
-              <a:rPr lang="en-US" altLang="zh-CN" dirty="0" err="1" smtClean="0"/>
-              <a:t>bitset</a:t>
-            </a:r>
-            <a:endParaRPr lang="zh-CN" altLang="en-US" dirty="0"/>
-          </a:p>
-        </p:txBody>
-      </p:sp>
-      <p:sp>
-        <p:nvSpPr>
-          <p:cNvPr id="26" name="矩形 25"/>
-          <p:cNvSpPr/>
-          <p:nvPr/>
-        </p:nvSpPr>
-        <p:spPr>
-          <a:xfrm>
-            <a:off x="5076056" y="3967274"/>
-            <a:ext cx="792088" cy="270644"/>
-          </a:xfrm>
-          <a:prstGeom prst="rect">
-            <a:avLst/>
-          </a:prstGeom>
-        </p:spPr>
-        <p:style>
-          <a:lnRef idx="1">
-            <a:schemeClr val="dk1"/>
-          </a:lnRef>
-          <a:fillRef idx="3">
-            <a:schemeClr val="dk1"/>
-          </a:fillRef>
-          <a:effectRef idx="2">
-            <a:schemeClr val="dk1"/>
-          </a:effectRef>
-          <a:fontRef idx="minor">
-            <a:schemeClr val="lt1"/>
-          </a:fontRef>
-        </p:style>
-        <p:txBody>
-          <a:bodyPr rtlCol="0" anchor="ctr"/>
-          <a:lstStyle/>
-          <a:p>
-            <a:pPr algn="ctr"/>
-            <a:r>
-              <a:rPr lang="en-US" altLang="zh-CN" dirty="0" err="1" smtClean="0"/>
-              <a:t>bitset</a:t>
-            </a:r>
-            <a:endParaRPr lang="zh-CN" altLang="en-US" dirty="0"/>
-          </a:p>
-        </p:txBody>
-      </p:sp>
-      <p:sp>
-        <p:nvSpPr>
-          <p:cNvPr id="27" name="矩形 26"/>
-          <p:cNvSpPr/>
-          <p:nvPr/>
-        </p:nvSpPr>
-        <p:spPr>
-          <a:xfrm>
-            <a:off x="6516216" y="3967274"/>
-            <a:ext cx="792088" cy="270644"/>
-          </a:xfrm>
-          <a:prstGeom prst="rect">
-            <a:avLst/>
-          </a:prstGeom>
-        </p:spPr>
-        <p:style>
-          <a:lnRef idx="1">
-            <a:schemeClr val="accent4"/>
-          </a:lnRef>
-          <a:fillRef idx="2">
-            <a:schemeClr val="accent4"/>
-          </a:fillRef>
-          <a:effectRef idx="1">
-            <a:schemeClr val="accent4"/>
-          </a:effectRef>
-          <a:fontRef idx="minor">
-            <a:schemeClr val="dk1"/>
-          </a:fontRef>
-        </p:style>
-        <p:txBody>
-          <a:bodyPr rtlCol="0" anchor="ctr"/>
-          <a:lstStyle/>
-          <a:p>
-            <a:pPr algn="ctr"/>
-            <a:r>
-              <a:rPr lang="en-US" altLang="zh-CN" dirty="0" err="1" smtClean="0"/>
-              <a:t>bitset</a:t>
-            </a:r>
-            <a:endParaRPr lang="zh-CN" altLang="en-US" dirty="0"/>
-          </a:p>
-        </p:txBody>
-      </p:sp>
-      <p:sp>
-        <p:nvSpPr>
-          <p:cNvPr id="28" name="矩形 27"/>
-          <p:cNvSpPr/>
-          <p:nvPr/>
-        </p:nvSpPr>
-        <p:spPr>
-          <a:xfrm>
-            <a:off x="2142840" y="5093878"/>
-            <a:ext cx="792088" cy="270644"/>
-          </a:xfrm>
-          <a:prstGeom prst="rect">
-            <a:avLst/>
-          </a:prstGeom>
-        </p:spPr>
-        <p:style>
-          <a:lnRef idx="1">
-            <a:schemeClr val="accent2"/>
-          </a:lnRef>
-          <a:fillRef idx="3">
-            <a:schemeClr val="accent2"/>
-          </a:fillRef>
-          <a:effectRef idx="2">
-            <a:schemeClr val="accent2"/>
-          </a:effectRef>
-          <a:fontRef idx="minor">
-            <a:schemeClr val="lt1"/>
-          </a:fontRef>
-        </p:style>
-        <p:txBody>
-          <a:bodyPr rtlCol="0" anchor="ctr"/>
-          <a:lstStyle/>
-          <a:p>
-            <a:pPr algn="ctr"/>
-            <a:r>
-              <a:rPr lang="en-US" altLang="zh-CN" dirty="0" err="1" smtClean="0"/>
-              <a:t>bitset</a:t>
-            </a:r>
-            <a:endParaRPr lang="zh-CN" altLang="en-US" dirty="0"/>
-          </a:p>
-        </p:txBody>
-      </p:sp>
-      <p:sp>
-        <p:nvSpPr>
-          <p:cNvPr id="30" name="矩形 29"/>
-          <p:cNvSpPr/>
-          <p:nvPr/>
-        </p:nvSpPr>
-        <p:spPr>
-          <a:xfrm>
-            <a:off x="3690492" y="5119650"/>
-            <a:ext cx="792088" cy="270644"/>
-          </a:xfrm>
-          <a:prstGeom prst="rect">
-            <a:avLst/>
-          </a:prstGeom>
-        </p:spPr>
-        <p:style>
-          <a:lnRef idx="1">
-            <a:schemeClr val="accent6"/>
-          </a:lnRef>
-          <a:fillRef idx="2">
-            <a:schemeClr val="accent6"/>
-          </a:fillRef>
-          <a:effectRef idx="1">
-            <a:schemeClr val="accent6"/>
-          </a:effectRef>
-          <a:fontRef idx="minor">
-            <a:schemeClr val="dk1"/>
-          </a:fontRef>
-        </p:style>
-        <p:txBody>
-          <a:bodyPr rtlCol="0" anchor="ctr"/>
-          <a:lstStyle/>
-          <a:p>
-            <a:pPr algn="ctr"/>
-            <a:r>
-              <a:rPr lang="en-US" altLang="zh-CN" dirty="0" err="1" smtClean="0"/>
-              <a:t>bitset</a:t>
-            </a:r>
-            <a:endParaRPr lang="zh-CN" altLang="en-US" dirty="0"/>
-          </a:p>
-        </p:txBody>
-      </p:sp>
-      <p:sp>
-        <p:nvSpPr>
-          <p:cNvPr id="32" name="矩形 31"/>
-          <p:cNvSpPr/>
-          <p:nvPr/>
-        </p:nvSpPr>
-        <p:spPr>
-          <a:xfrm>
-            <a:off x="5106120" y="5111824"/>
-            <a:ext cx="792088" cy="270644"/>
-          </a:xfrm>
-          <a:prstGeom prst="rect">
-            <a:avLst/>
-          </a:prstGeom>
-        </p:spPr>
-        <p:style>
-          <a:lnRef idx="1">
-            <a:schemeClr val="dk1"/>
-          </a:lnRef>
-          <a:fillRef idx="3">
-            <a:schemeClr val="dk1"/>
-          </a:fillRef>
-          <a:effectRef idx="2">
-            <a:schemeClr val="dk1"/>
-          </a:effectRef>
-          <a:fontRef idx="minor">
-            <a:schemeClr val="lt1"/>
-          </a:fontRef>
-        </p:style>
-        <p:txBody>
-          <a:bodyPr rtlCol="0" anchor="ctr"/>
-          <a:lstStyle/>
-          <a:p>
-            <a:pPr algn="ctr"/>
-            <a:r>
-              <a:rPr lang="en-US" altLang="zh-CN" dirty="0" err="1" smtClean="0"/>
-              <a:t>bitset</a:t>
-            </a:r>
-            <a:endParaRPr lang="zh-CN" altLang="en-US" dirty="0"/>
-          </a:p>
-        </p:txBody>
-      </p:sp>
-      <p:sp>
-        <p:nvSpPr>
-          <p:cNvPr id="34" name="矩形 33"/>
-          <p:cNvSpPr/>
-          <p:nvPr/>
-        </p:nvSpPr>
-        <p:spPr>
-          <a:xfrm>
-            <a:off x="6497204" y="5119650"/>
-            <a:ext cx="792088" cy="270644"/>
-          </a:xfrm>
-          <a:prstGeom prst="rect">
-            <a:avLst/>
-          </a:prstGeom>
-        </p:spPr>
-        <p:style>
-          <a:lnRef idx="1">
-            <a:schemeClr val="accent4"/>
-          </a:lnRef>
-          <a:fillRef idx="2">
-            <a:schemeClr val="accent4"/>
-          </a:fillRef>
-          <a:effectRef idx="1">
-            <a:schemeClr val="accent4"/>
-          </a:effectRef>
-          <a:fontRef idx="minor">
-            <a:schemeClr val="dk1"/>
-          </a:fontRef>
-        </p:style>
-        <p:txBody>
-          <a:bodyPr rtlCol="0" anchor="ctr"/>
-          <a:lstStyle/>
-          <a:p>
-            <a:pPr algn="ctr"/>
-            <a:r>
-              <a:rPr lang="en-US" altLang="zh-CN" dirty="0" err="1" smtClean="0"/>
-              <a:t>bitset</a:t>
-            </a:r>
-            <a:endParaRPr lang="zh-